--- a/documentation/products/beasley/dhd-2018-uvic-3-a-beasley-2018-11-29.pptx
+++ b/documentation/products/beasley/dhd-2018-uvic-3-a-beasley-2018-11-29.pptx
@@ -5,28 +5,36 @@
     <p:sldMasterId id="2147483672" r:id="rId1"/>
   </p:sldMasterIdLst>
   <p:notesMasterIdLst>
-    <p:notesMasterId r:id="rId21"/>
+    <p:notesMasterId r:id="rId29"/>
   </p:notesMasterIdLst>
   <p:sldIdLst>
     <p:sldId id="259" r:id="rId2"/>
     <p:sldId id="260" r:id="rId3"/>
     <p:sldId id="261" r:id="rId4"/>
-    <p:sldId id="268" r:id="rId5"/>
-    <p:sldId id="275" r:id="rId6"/>
-    <p:sldId id="276" r:id="rId7"/>
-    <p:sldId id="277" r:id="rId8"/>
+    <p:sldId id="283" r:id="rId5"/>
+    <p:sldId id="268" r:id="rId6"/>
+    <p:sldId id="275" r:id="rId7"/>
+    <p:sldId id="276" r:id="rId8"/>
     <p:sldId id="278" r:id="rId9"/>
-    <p:sldId id="279" r:id="rId10"/>
-    <p:sldId id="269" r:id="rId11"/>
-    <p:sldId id="271" r:id="rId12"/>
-    <p:sldId id="272" r:id="rId13"/>
-    <p:sldId id="274" r:id="rId14"/>
-    <p:sldId id="273" r:id="rId15"/>
-    <p:sldId id="270" r:id="rId16"/>
-    <p:sldId id="267" r:id="rId17"/>
-    <p:sldId id="280" r:id="rId18"/>
-    <p:sldId id="264" r:id="rId19"/>
-    <p:sldId id="265" r:id="rId20"/>
+    <p:sldId id="277" r:id="rId10"/>
+    <p:sldId id="288" r:id="rId11"/>
+    <p:sldId id="287" r:id="rId12"/>
+    <p:sldId id="279" r:id="rId13"/>
+    <p:sldId id="269" r:id="rId14"/>
+    <p:sldId id="271" r:id="rId15"/>
+    <p:sldId id="272" r:id="rId16"/>
+    <p:sldId id="273" r:id="rId17"/>
+    <p:sldId id="270" r:id="rId18"/>
+    <p:sldId id="274" r:id="rId19"/>
+    <p:sldId id="284" r:id="rId20"/>
+    <p:sldId id="285" r:id="rId21"/>
+    <p:sldId id="267" r:id="rId22"/>
+    <p:sldId id="286" r:id="rId23"/>
+    <p:sldId id="280" r:id="rId24"/>
+    <p:sldId id="281" r:id="rId25"/>
+    <p:sldId id="282" r:id="rId26"/>
+    <p:sldId id="264" r:id="rId27"/>
+    <p:sldId id="265" r:id="rId28"/>
   </p:sldIdLst>
   <p:sldSz cx="12192000" cy="6858000"/>
   <p:notesSz cx="6858000" cy="9144000"/>
@@ -133,20 +141,28 @@
             <p14:sldId id="259"/>
             <p14:sldId id="260"/>
             <p14:sldId id="261"/>
+            <p14:sldId id="283"/>
             <p14:sldId id="268"/>
             <p14:sldId id="275"/>
             <p14:sldId id="276"/>
+            <p14:sldId id="278"/>
             <p14:sldId id="277"/>
-            <p14:sldId id="278"/>
+            <p14:sldId id="288"/>
+            <p14:sldId id="287"/>
             <p14:sldId id="279"/>
             <p14:sldId id="269"/>
             <p14:sldId id="271"/>
             <p14:sldId id="272"/>
-            <p14:sldId id="274"/>
             <p14:sldId id="273"/>
             <p14:sldId id="270"/>
+            <p14:sldId id="274"/>
+            <p14:sldId id="284"/>
+            <p14:sldId id="285"/>
             <p14:sldId id="267"/>
+            <p14:sldId id="286"/>
             <p14:sldId id="280"/>
+            <p14:sldId id="281"/>
+            <p14:sldId id="282"/>
             <p14:sldId id="264"/>
           </p14:sldIdLst>
         </p14:section>
@@ -246,7 +262,7 @@
           <a:p>
             <a:fld id="{E8218903-AE12-441F-85DB-B34FD48BA389}" type="datetimeFigureOut">
               <a:rPr lang="en-US" smtClean="0"/>
-              <a:t>2018-11-29</a:t>
+              <a:t>11/29/2018</a:t>
             </a:fld>
             <a:endParaRPr lang="en-US"/>
           </a:p>
@@ -1197,7 +1213,7 @@
           <a:p>
             <a:fld id="{5F76E0D0-8EB9-440D-8664-FC49256EEEFF}" type="slidenum">
               <a:rPr lang="en-US" smtClean="0"/>
-              <a:t>18</a:t>
+              <a:t>26</a:t>
             </a:fld>
             <a:endParaRPr lang="en-US"/>
           </a:p>
@@ -1347,7 +1363,7 @@
           <a:p>
             <a:fld id="{847D67BF-56E9-4C84-BB70-2719C4E6B462}" type="datetime1">
               <a:rPr lang="en-US" smtClean="0"/>
-              <a:t>2018-11-29</a:t>
+              <a:t>11/29/2018</a:t>
             </a:fld>
             <a:endParaRPr lang="en-US"/>
           </a:p>
@@ -1517,7 +1533,7 @@
           <a:p>
             <a:fld id="{281C8567-4604-4C1B-889C-AFA0B87FAA41}" type="datetime1">
               <a:rPr lang="en-US" smtClean="0"/>
-              <a:t>2018-11-29</a:t>
+              <a:t>11/29/2018</a:t>
             </a:fld>
             <a:endParaRPr lang="en-US"/>
           </a:p>
@@ -1697,7 +1713,7 @@
           <a:p>
             <a:fld id="{1F64A36B-6F01-4E79-B2DA-C7F366E393B8}" type="datetime1">
               <a:rPr lang="en-US" smtClean="0"/>
-              <a:t>2018-11-29</a:t>
+              <a:t>11/29/2018</a:t>
             </a:fld>
             <a:endParaRPr lang="en-US"/>
           </a:p>
@@ -1867,7 +1883,7 @@
           <a:p>
             <a:fld id="{61938F11-A6EF-407E-A40F-7DFA712EAB3F}" type="datetime1">
               <a:rPr lang="en-US" smtClean="0"/>
-              <a:t>2018-11-29</a:t>
+              <a:t>11/29/2018</a:t>
             </a:fld>
             <a:endParaRPr lang="en-US"/>
           </a:p>
@@ -2113,7 +2129,7 @@
           <a:p>
             <a:fld id="{ABA86023-99EE-4656-BE7E-1544B7CD3909}" type="datetime1">
               <a:rPr lang="en-US" smtClean="0"/>
-              <a:t>2018-11-29</a:t>
+              <a:t>11/29/2018</a:t>
             </a:fld>
             <a:endParaRPr lang="en-US"/>
           </a:p>
@@ -2345,7 +2361,7 @@
           <a:p>
             <a:fld id="{413CB4D0-D769-4360-9158-19B112771613}" type="datetime1">
               <a:rPr lang="en-US" smtClean="0"/>
-              <a:t>2018-11-29</a:t>
+              <a:t>11/29/2018</a:t>
             </a:fld>
             <a:endParaRPr lang="en-US"/>
           </a:p>
@@ -2712,7 +2728,7 @@
           <a:p>
             <a:fld id="{24D6B1CC-9FA5-49ED-A0BE-07F8326A555F}" type="datetime1">
               <a:rPr lang="en-US" smtClean="0"/>
-              <a:t>2018-11-29</a:t>
+              <a:t>11/29/2018</a:t>
             </a:fld>
             <a:endParaRPr lang="en-US"/>
           </a:p>
@@ -2830,7 +2846,7 @@
           <a:p>
             <a:fld id="{4E77D676-C189-41FD-8129-CDC2AB8B4177}" type="datetime1">
               <a:rPr lang="en-US" smtClean="0"/>
-              <a:t>2018-11-29</a:t>
+              <a:t>11/29/2018</a:t>
             </a:fld>
             <a:endParaRPr lang="en-US"/>
           </a:p>
@@ -2925,7 +2941,7 @@
           <a:p>
             <a:fld id="{A764E5EC-4B18-4C65-80B5-D44DEE50E04C}" type="datetime1">
               <a:rPr lang="en-US" smtClean="0"/>
-              <a:t>2018-11-29</a:t>
+              <a:t>11/29/2018</a:t>
             </a:fld>
             <a:endParaRPr lang="en-US"/>
           </a:p>
@@ -3202,7 +3218,7 @@
           <a:p>
             <a:fld id="{9A0F8A95-E0DB-435A-9968-C2471F19921F}" type="datetime1">
               <a:rPr lang="en-US" smtClean="0"/>
-              <a:t>2018-11-29</a:t>
+              <a:t>11/29/2018</a:t>
             </a:fld>
             <a:endParaRPr lang="en-US"/>
           </a:p>
@@ -3459,7 +3475,7 @@
           <a:p>
             <a:fld id="{260337AD-D919-4B91-B9DA-43DF8CA8F4F6}" type="datetime1">
               <a:rPr lang="en-US" smtClean="0"/>
-              <a:t>2018-11-29</a:t>
+              <a:t>11/29/2018</a:t>
             </a:fld>
             <a:endParaRPr lang="en-US"/>
           </a:p>
@@ -3672,7 +3688,7 @@
           <a:p>
             <a:fld id="{9DB5717C-BC3C-4490-BEC6-34ECB351D7A9}" type="datetime1">
               <a:rPr lang="en-US" smtClean="0"/>
-              <a:t>2018-11-29</a:t>
+              <a:t>11/29/2018</a:t>
             </a:fld>
             <a:endParaRPr lang="en-US"/>
           </a:p>
@@ -4263,25 +4279,36 @@
       </p:grpSpPr>
       <p:pic>
         <p:nvPicPr>
-          <p:cNvPr id="7" name="Picture 6"/>
+          <p:cNvPr id="6" name="Picture 5"/>
           <p:cNvPicPr>
             <a:picLocks noChangeAspect="1"/>
           </p:cNvPicPr>
           <p:nvPr/>
         </p:nvPicPr>
-        <p:blipFill rotWithShape="1">
+        <p:blipFill>
           <a:blip r:embed="rId2"/>
-          <a:srcRect r="3920" b="9723"/>
-          <a:stretch/>
+          <a:stretch>
+            <a:fillRect/>
+          </a:stretch>
         </p:blipFill>
         <p:spPr>
           <a:xfrm>
-            <a:off x="4005943" y="3074373"/>
-            <a:ext cx="7381853" cy="3130814"/>
+            <a:off x="8723689" y="365125"/>
+            <a:ext cx="3194686" cy="6348151"/>
           </a:xfrm>
           <a:prstGeom prst="rect">
             <a:avLst/>
           </a:prstGeom>
+          <a:ln>
+            <a:noFill/>
+          </a:ln>
+          <a:effectLst>
+            <a:outerShdw blurRad="292100" dist="139700" dir="2700000" algn="tl" rotWithShape="0">
+              <a:srgbClr val="333333">
+                <a:alpha val="65000"/>
+              </a:srgbClr>
+            </a:outerShdw>
+          </a:effectLst>
         </p:spPr>
       </p:pic>
       <p:sp>
@@ -4323,96 +4350,78 @@
         </p:blipFill>
         <p:spPr>
           <a:xfrm>
-            <a:off x="258511" y="269555"/>
-            <a:ext cx="3747432" cy="6588445"/>
+            <a:off x="5495651" y="0"/>
+            <a:ext cx="3478024" cy="6598227"/>
           </a:xfrm>
           <a:prstGeom prst="rect">
             <a:avLst/>
           </a:prstGeom>
+          <a:ln>
+            <a:noFill/>
+          </a:ln>
+          <a:effectLst>
+            <a:outerShdw blurRad="292100" dist="139700" dir="2700000" algn="tl" rotWithShape="0">
+              <a:srgbClr val="333333">
+                <a:alpha val="65000"/>
+              </a:srgbClr>
+            </a:outerShdw>
+          </a:effectLst>
         </p:spPr>
       </p:pic>
-      <p:pic>
-        <p:nvPicPr>
-          <p:cNvPr id="6" name="Picture 5"/>
-          <p:cNvPicPr>
-            <a:picLocks noChangeAspect="1"/>
-          </p:cNvPicPr>
-          <p:nvPr/>
-        </p:nvPicPr>
-        <p:blipFill>
-          <a:blip r:embed="rId4"/>
-          <a:stretch>
-            <a:fillRect/>
-          </a:stretch>
-        </p:blipFill>
+      <p:sp>
+        <p:nvSpPr>
+          <p:cNvPr id="7" name="Title 1"/>
+          <p:cNvSpPr>
+            <a:spLocks noGrp="1"/>
+          </p:cNvSpPr>
+          <p:nvPr>
+            <p:ph type="title"/>
+          </p:nvPr>
+        </p:nvSpPr>
         <p:spPr>
           <a:xfrm>
-            <a:off x="4199429" y="301278"/>
-            <a:ext cx="3697460" cy="2773095"/>
-          </a:xfrm>
-          <a:prstGeom prst="rect">
-            <a:avLst/>
-          </a:prstGeom>
-        </p:spPr>
-      </p:pic>
-      <p:sp>
-        <p:nvSpPr>
-          <p:cNvPr id="12" name="TextBox 11"/>
-          <p:cNvSpPr txBox="1"/>
-          <p:nvPr/>
-        </p:nvSpPr>
-        <p:spPr>
-          <a:xfrm>
-            <a:off x="2525313" y="6231480"/>
-            <a:ext cx="7565917" cy="584775"/>
-          </a:xfrm>
-          <a:prstGeom prst="rect">
-            <a:avLst/>
-          </a:prstGeom>
-          <a:noFill/>
-        </p:spPr>
-        <p:txBody>
-          <a:bodyPr wrap="none" rtlCol="0">
-            <a:spAutoFit/>
+            <a:off x="1" y="10330"/>
+            <a:ext cx="4894117" cy="3813525"/>
+          </a:xfrm>
+        </p:spPr>
+        <p:txBody>
+          <a:bodyPr>
+            <a:normAutofit/>
           </a:bodyPr>
           <a:lstStyle/>
           <a:p>
             <a:r>
-              <a:rPr lang="en-US" sz="3200" dirty="0" smtClean="0">
-                <a:hlinkClick r:id="rId5"/>
-              </a:rPr>
-              <a:t>github.com/</a:t>
-            </a:r>
-            <a:r>
-              <a:rPr lang="en-US" sz="3200" dirty="0" err="1" smtClean="0">
-                <a:hlinkClick r:id="rId5"/>
-              </a:rPr>
-              <a:t>dss-ialh</a:t>
-            </a:r>
-            <a:r>
-              <a:rPr lang="en-US" sz="3200" dirty="0" smtClean="0">
-                <a:hlinkClick r:id="rId5"/>
-              </a:rPr>
-              <a:t>/displaying-health-data</a:t>
-            </a:r>
-            <a:r>
-              <a:rPr lang="en-US" sz="3200" dirty="0" smtClean="0"/>
-              <a:t>  </a:t>
-            </a:r>
-            <a:endParaRPr lang="en-US" sz="3200" dirty="0"/>
+              <a:rPr lang="en-US" dirty="0" smtClean="0"/>
+              <a:t>Example 4:</a:t>
+            </a:r>
+            <a:br>
+              <a:rPr lang="en-US" dirty="0" smtClean="0"/>
+            </a:br>
+            <a:r>
+              <a:rPr lang="en-US" dirty="0" smtClean="0"/>
+              <a:t>MCMC HPDs are updated as collection progresses</a:t>
+            </a:r>
+            <a:endParaRPr lang="en-US" dirty="0"/>
           </a:p>
         </p:txBody>
       </p:sp>
     </p:spTree>
     <p:extLst>
       <p:ext uri="{BB962C8B-B14F-4D97-AF65-F5344CB8AC3E}">
-        <p14:creationId xmlns:p14="http://schemas.microsoft.com/office/powerpoint/2010/main" val="1777419168"/>
+        <p14:creationId xmlns:p14="http://schemas.microsoft.com/office/powerpoint/2010/main" val="1879131006"/>
       </p:ext>
     </p:extLst>
   </p:cSld>
   <p:clrMapOvr>
     <a:masterClrMapping/>
   </p:clrMapOvr>
+  <p:timing>
+    <p:tnLst>
+      <p:par>
+        <p:cTn id="1" dur="indefinite" restart="never" nodeType="tmRoot"/>
+      </p:par>
+    </p:tnLst>
+  </p:timing>
 </p:sld>
 </file>
 
@@ -4435,79 +4444,6 @@
       </p:grpSpPr>
       <p:sp>
         <p:nvSpPr>
-          <p:cNvPr id="2" name="Title 1"/>
-          <p:cNvSpPr>
-            <a:spLocks noGrp="1"/>
-          </p:cNvSpPr>
-          <p:nvPr>
-            <p:ph type="title"/>
-          </p:nvPr>
-        </p:nvSpPr>
-        <p:spPr>
-          <a:xfrm>
-            <a:off x="838200" y="365125"/>
-            <a:ext cx="4579961" cy="1325563"/>
-          </a:xfrm>
-        </p:spPr>
-        <p:txBody>
-          <a:bodyPr/>
-          <a:lstStyle/>
-          <a:p>
-            <a:r>
-              <a:rPr lang="en-US" dirty="0" smtClean="0"/>
-              <a:t>Data background</a:t>
-            </a:r>
-            <a:endParaRPr lang="en-US" dirty="0"/>
-          </a:p>
-        </p:txBody>
-      </p:sp>
-      <p:sp>
-        <p:nvSpPr>
-          <p:cNvPr id="3" name="Content Placeholder 2"/>
-          <p:cNvSpPr>
-            <a:spLocks noGrp="1"/>
-          </p:cNvSpPr>
-          <p:nvPr>
-            <p:ph idx="1"/>
-          </p:nvPr>
-        </p:nvSpPr>
-        <p:spPr>
-          <a:xfrm>
-            <a:off x="838201" y="1825625"/>
-            <a:ext cx="4743734" cy="4351338"/>
-          </a:xfrm>
-        </p:spPr>
-        <p:txBody>
-          <a:bodyPr/>
-          <a:lstStyle/>
-          <a:p>
-            <a:r>
-              <a:rPr lang="en-US" dirty="0" smtClean="0"/>
-              <a:t>Studying cognitive decline among OK seniors</a:t>
-            </a:r>
-          </a:p>
-          <a:p>
-            <a:r>
-              <a:rPr lang="en-US" dirty="0" smtClean="0"/>
-              <a:t>Collecting measures on COG and PHYS </a:t>
-            </a:r>
-            <a:r>
-              <a:rPr lang="en-US" dirty="0" err="1" smtClean="0"/>
-              <a:t>performace</a:t>
-            </a:r>
-            <a:endParaRPr lang="en-US" dirty="0" smtClean="0"/>
-          </a:p>
-          <a:p>
-            <a:r>
-              <a:rPr lang="en-US" dirty="0" smtClean="0"/>
-              <a:t>Total of 200 respondents from three counties in Oklahoma</a:t>
-            </a:r>
-            <a:endParaRPr lang="en-US" dirty="0"/>
-          </a:p>
-        </p:txBody>
-      </p:sp>
-      <p:sp>
-        <p:nvSpPr>
           <p:cNvPr id="4" name="Slide Number Placeholder 3"/>
           <p:cNvSpPr>
             <a:spLocks noGrp="1"/>
@@ -4545,24 +4481,78 @@
         </p:blipFill>
         <p:spPr>
           <a:xfrm>
-            <a:off x="5812215" y="301538"/>
-            <a:ext cx="6235890" cy="6054812"/>
+            <a:off x="5635000" y="228600"/>
+            <a:ext cx="5951200" cy="6492875"/>
           </a:xfrm>
           <a:prstGeom prst="rect">
             <a:avLst/>
           </a:prstGeom>
+          <a:ln>
+            <a:noFill/>
+          </a:ln>
+          <a:effectLst>
+            <a:outerShdw blurRad="292100" dist="139700" dir="2700000" algn="tl" rotWithShape="0">
+              <a:srgbClr val="333333">
+                <a:alpha val="65000"/>
+              </a:srgbClr>
+            </a:outerShdw>
+          </a:effectLst>
         </p:spPr>
       </p:pic>
+      <p:sp>
+        <p:nvSpPr>
+          <p:cNvPr id="6" name="Title 1"/>
+          <p:cNvSpPr>
+            <a:spLocks noGrp="1"/>
+          </p:cNvSpPr>
+          <p:nvPr>
+            <p:ph type="title"/>
+          </p:nvPr>
+        </p:nvSpPr>
+        <p:spPr>
+          <a:xfrm>
+            <a:off x="1" y="10330"/>
+            <a:ext cx="4894117" cy="3813525"/>
+          </a:xfrm>
+        </p:spPr>
+        <p:txBody>
+          <a:bodyPr>
+            <a:normAutofit/>
+          </a:bodyPr>
+          <a:lstStyle/>
+          <a:p>
+            <a:r>
+              <a:rPr lang="en-US" dirty="0" smtClean="0"/>
+              <a:t>Example 5:</a:t>
+            </a:r>
+            <a:br>
+              <a:rPr lang="en-US" dirty="0" smtClean="0"/>
+            </a:br>
+            <a:r>
+              <a:rPr lang="en-US" dirty="0" smtClean="0"/>
+              <a:t>semi-annual reports with multilevel longitudinal models</a:t>
+            </a:r>
+            <a:endParaRPr lang="en-US" dirty="0"/>
+          </a:p>
+        </p:txBody>
+      </p:sp>
     </p:spTree>
     <p:extLst>
       <p:ext uri="{BB962C8B-B14F-4D97-AF65-F5344CB8AC3E}">
-        <p14:creationId xmlns:p14="http://schemas.microsoft.com/office/powerpoint/2010/main" val="3699864537"/>
+        <p14:creationId xmlns:p14="http://schemas.microsoft.com/office/powerpoint/2010/main" val="3283106728"/>
       </p:ext>
     </p:extLst>
   </p:cSld>
   <p:clrMapOvr>
     <a:masterClrMapping/>
   </p:clrMapOvr>
+  <p:timing>
+    <p:tnLst>
+      <p:par>
+        <p:cTn id="1" dur="indefinite" restart="never" nodeType="tmRoot"/>
+      </p:par>
+    </p:tnLst>
+  </p:timing>
 </p:sld>
 </file>
 
@@ -4595,8 +4585,8 @@
         </p:nvSpPr>
         <p:spPr>
           <a:xfrm>
-            <a:off x="838200" y="365125"/>
-            <a:ext cx="5185229" cy="1325563"/>
+            <a:off x="838200" y="1"/>
+            <a:ext cx="10515600" cy="955964"/>
           </a:xfrm>
         </p:spPr>
         <p:txBody>
@@ -4605,8 +4595,163 @@
           <a:p>
             <a:r>
               <a:rPr lang="en-US" dirty="0" smtClean="0"/>
-              <a:t>Scenario:</a:t>
-            </a:r>
+              <a:t>dashboards vs reports</a:t>
+            </a:r>
+            <a:endParaRPr lang="en-US" dirty="0"/>
+          </a:p>
+        </p:txBody>
+      </p:sp>
+      <p:sp>
+        <p:nvSpPr>
+          <p:cNvPr id="3" name="Content Placeholder 2"/>
+          <p:cNvSpPr>
+            <a:spLocks noGrp="1"/>
+          </p:cNvSpPr>
+          <p:nvPr>
+            <p:ph idx="1"/>
+          </p:nvPr>
+        </p:nvSpPr>
+        <p:spPr>
+          <a:xfrm>
+            <a:off x="838200" y="955965"/>
+            <a:ext cx="10515600" cy="5765510"/>
+          </a:xfrm>
+        </p:spPr>
+        <p:txBody>
+          <a:bodyPr/>
+          <a:lstStyle/>
+          <a:p>
+            <a:r>
+              <a:rPr lang="en-US" dirty="0"/>
+              <a:t>Blur the distinction </a:t>
+            </a:r>
+            <a:endParaRPr lang="en-US" dirty="0" smtClean="0"/>
+          </a:p>
+          <a:p>
+            <a:endParaRPr lang="en-US" dirty="0" smtClean="0"/>
+          </a:p>
+          <a:p>
+            <a:r>
+              <a:rPr lang="en-US" dirty="0" smtClean="0"/>
+              <a:t>Try </a:t>
+            </a:r>
+            <a:r>
+              <a:rPr lang="en-US" dirty="0" smtClean="0"/>
+              <a:t>to make your reports more like dashboards, so they</a:t>
+            </a:r>
+          </a:p>
+          <a:p>
+            <a:pPr marL="914400" lvl="1" indent="-457200">
+              <a:buAutoNum type="arabicPeriod"/>
+            </a:pPr>
+            <a:r>
+              <a:rPr lang="en-US" dirty="0" smtClean="0"/>
+              <a:t>Are a</a:t>
+            </a:r>
+            <a:r>
+              <a:rPr lang="en-US" dirty="0" smtClean="0"/>
+              <a:t>utomated,</a:t>
+            </a:r>
+          </a:p>
+          <a:p>
+            <a:pPr marL="914400" lvl="1" indent="-457200">
+              <a:buAutoNum type="arabicPeriod"/>
+            </a:pPr>
+            <a:r>
+              <a:rPr lang="en-US" dirty="0" smtClean="0"/>
+              <a:t>Are frequently updated &amp; consumed (especially early in the project),</a:t>
+            </a:r>
+          </a:p>
+          <a:p>
+            <a:pPr marL="914400" lvl="1" indent="-457200">
+              <a:buAutoNum type="arabicPeriod"/>
+            </a:pPr>
+            <a:r>
+              <a:rPr lang="en-US" dirty="0" smtClean="0"/>
+              <a:t>Actively flag errors, and</a:t>
+            </a:r>
+          </a:p>
+          <a:p>
+            <a:pPr marL="914400" lvl="1" indent="-457200">
+              <a:buAutoNum type="arabicPeriod"/>
+            </a:pPr>
+            <a:r>
+              <a:rPr lang="en-US" dirty="0" smtClean="0"/>
+              <a:t>Are easy and fun to jump into</a:t>
+            </a:r>
+          </a:p>
+          <a:p>
+            <a:pPr marL="914400" lvl="1" indent="-457200">
+              <a:buAutoNum type="arabicPeriod"/>
+            </a:pPr>
+            <a:endParaRPr lang="en-US" dirty="0"/>
+          </a:p>
+          <a:p>
+            <a:r>
+              <a:rPr lang="en-US" dirty="0" smtClean="0"/>
+              <a:t>Try to make your dashboards more like reports, so they</a:t>
+            </a:r>
+          </a:p>
+          <a:p>
+            <a:pPr marL="914400" lvl="1" indent="-457200">
+              <a:buAutoNum type="arabicPeriod"/>
+            </a:pPr>
+            <a:r>
+              <a:rPr lang="en-US" dirty="0" smtClean="0"/>
+              <a:t>Provide context and are self-explanatory,</a:t>
+            </a:r>
+          </a:p>
+          <a:p>
+            <a:pPr marL="914400" lvl="1" indent="-457200">
+              <a:buAutoNum type="arabicPeriod"/>
+            </a:pPr>
+            <a:r>
+              <a:rPr lang="en-US" dirty="0" smtClean="0"/>
+              <a:t>Are portable and </a:t>
+            </a:r>
+            <a:r>
+              <a:rPr lang="en-US" dirty="0" err="1" smtClean="0"/>
+              <a:t>archivable</a:t>
+            </a:r>
+            <a:r>
+              <a:rPr lang="en-US" dirty="0" smtClean="0"/>
+              <a:t>, and</a:t>
+            </a:r>
+          </a:p>
+          <a:p>
+            <a:pPr marL="914400" lvl="1" indent="-457200">
+              <a:buAutoNum type="arabicPeriod"/>
+            </a:pPr>
+            <a:r>
+              <a:rPr lang="en-US" dirty="0" smtClean="0"/>
+              <a:t>Contain statistical analyses that encourage sophisticated reasoning.</a:t>
+            </a:r>
+          </a:p>
+          <a:p>
+            <a:pPr marL="914400" lvl="1" indent="-457200">
+              <a:buAutoNum type="arabicPeriod"/>
+            </a:pPr>
+            <a:endParaRPr lang="en-US" dirty="0" smtClean="0"/>
+          </a:p>
+          <a:p>
+            <a:pPr marL="914400" lvl="1" indent="-457200">
+              <a:buAutoNum type="arabicPeriod"/>
+            </a:pPr>
+            <a:endParaRPr lang="en-US" dirty="0" smtClean="0"/>
+          </a:p>
+          <a:p>
+            <a:pPr marL="971550" lvl="1" indent="-514350">
+              <a:buAutoNum type="arabicPeriod"/>
+            </a:pPr>
+            <a:endParaRPr lang="en-US" dirty="0" smtClean="0"/>
+          </a:p>
+          <a:p>
+            <a:pPr marL="514350" indent="-514350">
+              <a:buAutoNum type="arabicPeriod"/>
+            </a:pPr>
+            <a:endParaRPr lang="en-US" dirty="0" smtClean="0"/>
+          </a:p>
+          <a:p>
             <a:endParaRPr lang="en-US" dirty="0"/>
           </a:p>
         </p:txBody>
@@ -4634,109 +4779,23 @@
           </a:p>
         </p:txBody>
       </p:sp>
-      <p:sp>
-        <p:nvSpPr>
-          <p:cNvPr id="9" name="AutoShape 2" descr="data:image/png;base64,iVBORw0KGgoAAAANSUhEUgAABIAAAASACAIAAAAIyqENAAAACXBIWXMAAB2HAAAdhwGP5fFlAAAgAElEQVR4nOzdXXCU950v+J+3crFTs1VbdTZIluRUhTqQHYMIGmQXdUTNOAwvBvwyvvCSFAQckwTKczwFNh57PHZyEZskJCaGis+4RBKIwaYSyqfWB4OEeQn2TKFZCkREEHgqcIpUBalRy7tbezE15469aHWrW+putaTWo7fP5wqrn5f/86L2/6v///k999y9ezcAAACYeP/TZDcAAABgthDAAAAAEiKAAQAAJEQAAwAASIgABgAAkBABDAAAICECGAAAQEIEMAAAgIQIYAAAAAkRwAAAABIigAEAACREAAMAAEiIAAYAAJAQAQwAACAhAhgAAEBCBLAK3bzZvm/bsmXL7smzbNmybfvab96c7LaNX/u27CHtq/RoxrDK5Lp5s33ftpl7CWeQm/uy12hb+2S3pYiZ/VUAAEw4AWxEN9u3Lbvnnvnz1+3Y39HRkf9JR0fH/h3r5s+/Z9m29pnb9cp0N6dJyirqZvu+bcsyV7DkJZzYazj9zyExq74K3LEAMHEEsLJu7lt2z/x1+ztGWKxj/7r5y6bkX+vHKXP8O0Y8AVPXzfZtyyo6go796+ZPyGje9D+HxKz6KnDHAsDEEsBKu7lv2fwdg52Qlq17227cuHE358aNtr1bW7Ifd+xfNzVnTFVibevAMZ3fPi//5zeul+yElVplKrm5b1lBn7nEJcxdw+jYMb/qGazMOWSamEVfBeGOBYCJJoCV0r5tsMvVsrXtxt3zrdvXzpuXFzbmzVu7vfX83RttW7M/2b9uOve7Zpr8K1j2Ep6/0bZ3sPc8ARmMac1XAQBQTQJYce3b1u0f+GfL3hvnW9eWHuWZt7b1Rq7/vv91nfepIe8Kxta2kS7h9vN3BzvPHTt+rPPMAF8FAEB1CWDF3Nz3+mCf652Rp9jN2/5Ott/VcfSEbtfkK7iCN8p1mnMKOs/GL4gIXwUAQPUJYEXcPHE0O+No66uVPeE075H1W1tatm7d2/bqI0VXuHmzvbB0daZu9QgNKVxpWa7EWqka8LmfD+SHTC2zkfc5bHsDlcBzf/vv2DF/yA6HrlJh7fBy1euHtLaiU1TcGK5gRMzb/urgFLIPCo5ixKL7RQ5/5HNYsIExHPyobqrsIeQuccEOh685/N4Zocx69S5f0cMs3Ozw7Vb0XoShvyAj7nqyvwrGcuMVrjiKr4IR7tgJOcMAMBvdZajBgZDY2lblDQ7TsrXtRvGV2rYWX6tl743B6XItewvWzv18a9vdUusPWyl/vexHJZucW3d4E/J3Xkqphpc82nKnqKSxX8FSa5Zqd5EVc+uNfA5zC5Y5+BL7G/1NlT2Elr03Sq6cu/zlbr5ijZmgy7e1rXRTtw5tyojXqLJbtHhLJuurYCw3XuGKo/gqGOmOnYAzDACzkRGw4QaLgLUsmD/urbVvuye/gNpQHfvXFSv60L6tZMnrjh3zt30w0l67X19WumR2x46nJuLxlLVPDHS+howe5Wn/YOCP6y3r80YHhhYrHKJj/7r5o/tz+uAV3PrE2tGsGPO+1Jj9Z/fvE5lAdnPfsvllKn4Xrwkytpsq68S2Uit37Ji/rf1m2Ztv+K1T9cuX54PSTd0/9Mys/buB/FBy7l/u9qv0tpgKXwXjVcWvggk4wwAwK012Apx6qvpX78HKDgPFq7M7KRwzKDWQFYV/Fx8+0FBmxSF7HLJyiT+Xl9peBYNmd0f+83fRz/P/7N6ytW2wunfhOSr9R/dhBrc4ipWGtbGgkWMeiBhh1cKDL3W1yt4eY7mphq7Ylt+MlmGXouDzIQdY/cs3fCCmpeRtXGIEp+jeSl+iChoy6V8FYx4BG77Hsl8F5fdZ7TMMALOSADbMYM9lDN33QnkduKK977xOUl6PpaDbN2ytGwU9q3Jd8yJ7LHVsVQpgI3QXi+av4oGn8s/LrjKuAFb5gd0dawAr39LiQXJsN9WI90a526pMUyfg8g0JYEXWK3mM5fLBGNLBpH8VVCmAjearYIR9VvkMA8CsZAriBGr/cXbCUfECavPWtub6OoPT9gaf+9/aVqR8X/5K5RStGZCbJRgd129UsJHRKjdHabCeXN70pLwftrUWnbQ0eLilZzZOV7kJW8Wv1mBRkLzTObabqlCxvQ3eGsU3nPf5oIm/fEW3W/IY5z2yvtT9l/drNQmz46px1casml8FU/YMA8A0IoANM39B6efkR+Xm77sH/lW6gNpgNyjb7aqgG1O0LzxEiZWrdnAllO6fFT+u3EM2ZfpsucNN6KmsxAw+Ebf374of/drWgT+UnM/eQGO7qQqN1D9u/FKxDedunbwO+0RfvpInJu8YCzZb8v4bUzqY5K+CKqnuV0F1zzAAzEoCWBnjHCXK9U7LPcA/rCNZyVojJ7Bq1AwYk1L9s1z3rKBPPdgx3b/unpKyZbErvR5V6jcXzyETYRR7GttNVWCke6Pye2diLl+eMiemWB6MkvffeNPBpHwVVEe1vwom6AwDwCwigA2TfCG84pLr/1dVbt5cQf9sMH+tL/5ypIpUeD0Gr+Do+82DmWLCM+zgrmaJUf86lbsEeb+mhT8vdv8Vj/8jmipfBVNLNc8wAMxKAthwgwMoo+q/39y3bNmybdv2tVfl5bPTWPYv+Xn9s+rkr4oNXsHRzubKe/HuNA3As0Xp+Dr8/hvz7eeroKgqnmEAmI0EsOFyc2xG1X+/eeJoR0fH/v071r1e4h05xVfL9SOHdvin79/ch/XPciUISj8BU1HdtPOl1h5ibFcwv6HTeyJV6ZtqolT18uWMceLf0Ptv7OlginwVTDnVO8MAMBsJYEXkd7ter/A9pXllzrJ9kBJPqRQafNXrgErWmuqT14b0z0q/nXVwjld14+Zg/cDYv67itwAP1vQbff4adh1HVsnB39y3bOBJqoGjGNtNNUEm6vLllNlsuceqCu+/8aSDSf0qqEhS17pQ9c4wAMxCAlgxef33jh3zK+jAt2/LVhrIG+QZ7LyV7rvlFSIf6PHnrVXqb+554zRTVLYcfcfREzfL5K/8nunwuvVZuRCyrMIecH4LImL/uopWbN82P3daSz/IUqIHPaZInKu60LHjx8Uv9fDKBmO7qSbKhF2+GGGzg1m5aJ8/Px+MLx1M5ldBgWreeFVQvTMMALOPAFZc/su29q9btq3Mwxw327flCr0V9twHu10dO54q0u+6md9Zy3W68jpr64rtN2+lqSt7EB1HT+wb6FgWDTUjnaKIm/ue2jGW7t287e/kIljHjvllL2Hc3Lds8BoWe1VT+afKBts4OnmVx4v2yweTdrHbYzQ31QSZuMsX5Tabd75LbDUvH5y4Pr50MIlfBTFRN14VVPEMA8CsM46XOM90Q9533NKydW/bjRuDn9+40bZ3a0HB8+FPwuRvo2Xr3rYbg+vmr9qy90bptXIr3R22w5IrDvn5YJtzoaSgraXWG1x82AZH2tXgquVbVHiaW7bmneLCw63oMaMhbRh6Cbfubbsx/BK2FC5TdD9DLmRuI8MvydD1y5zDwrOUf3/cvdGW/0m522PUN1WJK1H5BS1+61Tv8g27dfK2OuR8l95qxfdfJSbvq2DMN95YvwrujnDHFlusCmcYAGYTAaycwq7RCEbq145qzQrWKrbqxAWwnOx6I+5qSNe8TO+syF6GGUP8ymx7NJewXCtHaOTWvdnPS3dnix7MyAc/tttj1Il5jAFsAi5f3p62ljvQ8j3+wmaNNx1M3lfBGG+8qgSwwb0Uu37VPcMAMHuYgljOvLWt5yvpebVs3XujVI23ta13y22hZWvbjSJrrm0tvd+WrXv3VpjPxivvCZisysst5L8uunT5w4iYt/38jaF/zs/XsrXtRusYJ9NlLmG5rQ/so2VrW8lrONDIUlekZWvb3dZHSq9Y9hzO2172FmvZW/z2GMtNNUEm8vI90VoqfxQ/MfnNGqyfMcL9V4nJ+yoY8403ZpX+1lf3DAPA7CGAjWTe2tbzd+/eaNu7d2tLy5DZatmpSOdby3Y+1raez8wYylt9YN2751vXFl913trW8zdutA1ZaevethvnW7d/KfuTCS9YnUmCBYddcWnwwQQ24sNI87a3nh8+H3Ckc1SheWu351/Dgh20bB24hBXsZPgVyV6Q8kc30jmcN3iD5Dctc+yl7qwx3VQTZQIv37zt5ws3PNKJGVxzMB9U52G4yfoqGPONN2YV/tZX/QwDwOxwz927dye7DYzWzX3LBir2bW27O1GdMJjeciUx/JZMEGcYAMbCCNiU077tnpHKdpd7BxIQUe71c1SHMwwAYyKATTmD71Yq8XaoEd6BBAz+lpR+pxvj4gwDwBgJYFPOvC81Zv+Zee3Q4DjYzZvt+7Ytmz/CO5BglrvZvm1crx9jJM4wAIydZ8Cmovz3uZY0Yhk4mFUGH40c5OGkanKGAaAajIBNRWtby9b1TrrOOEwHeWPHGS17x1z/nmKcYQCoBgFsapq3vUi96kz16UmpMw5T3/wncn+2aPE3iongDANAFZiCCAAAkBAjYAAAAAkRwAAAABIigAEAACREAAMAAEiIAAYAAJAQAQwAACAhAhgAAEBCBDAAAICECGAAAAAJEcAAAAASIoABAAAkRAADAABIiAAGAACQkM9NdgOmluPHj092EwAAgGnm0UcfrXBJAWyoys8dAAAwy412CMcURAAAgIQIYAAAAAkRwAAAABIigAEAACREAAMAAEiIAAYAAJAQAQwAACAhAhgAAEBCBDAAAICECGAAAAAJEcAAAAASIoABAAAkRAADAABIiAAGAACQEAEMAAAgIQIYAABAQgQwAACAhAhgAAAACRHAAAAAEiKAAQAAJEQAAwAASIgABgAAkBABDAAAICECGAAAQEIEMAAAgIQIYAAAAAkRwAAAABIigAEAACREAAMAAEiIAAYAAJAQAQwAACAhn5vsBoyg58L7R4/887lbtyIiYu7c5X+xYf2TSxuKLPj+mz8aXG755hKLAQAATJopHcAuvLl917lbeT+4devcrV3n/nnz2/uebChc8PFd5/KXO3do17k/vnLsuaXJNBQAAKACU3gK4oU3d527FTF3+StvH8t4+5XNcyPi1qFn3rwwZMGImLt5YMGBxc7t2v5+z+Q0HQAAoIgpG8B63j9yLiKWv7LvudxUwoalT+57ZXlExLmOC8MXzM45zC1265//RQIDAACmjCkbwG7/8VZELG8ZOolwacvyiIg//HEgWvX8yz8XW3Dp+s1zJTAAAGBKmbLPgC197tix5ypYrlRQa/jCFyNu3frj7Qi1OAAAgClhyo6AlXKh41xEzP2L/5SJVT1//ENEzP3CfcMWvO8LcyNvpAwAAGCyTdkRsOKyD3xteHJ8w1rHjx8v9dGtW7dKfQQAADAe0yqAXXjzmUO3IuZuXl9xefkScxAfffTRoosfP3587ty5Y28hAAAwm1y7dm1Uy0+fKYgX3ty+61zE3OWv7BvF8FexyYkAAACTYnqMgPW8v31g7GvoK5gBAACmjWkwAnbhzTLpq+ELX4yBiYZDZMojfvEL8hoAADBFTPEA1nPhzcd3nbsVc5e/cqz42FepYoelyyMCAABMjik9BfHCm8/sOjfCxMOG//QXcw/dunXo6IUnn8srzXHh6KFbedXqAQAmxL8dfX6ymwCzy5+u/8lkN2Fcpu4IWM/720dMXxGZBBYR53Ztf/NCZhis50JmVfkLAJhQ0hckb7r/3k3ZEbDMEFbErUPPPH6oyOfLXzk2MOLV8OSLr/zxmV3nbp3b9cy5giUU7AAAJt6frJre3UGYRv799PQe/oqpOwJ2oePcyAtlNSx97u1XNi8ffH/X3OWb3z72XMUvCwMAAEjCVB0BW/rcsWPPjWL5hqVPPrf0ydGsAQAAkLCpOgIGAAAw4whgAAAACRHAAAAAEiKAAQAAJEQAAwAASIgABgAAkBABDAAAICECGAAAQEIEMAAAgIQIYAAAAAkRwAAAABIigAEAACREAAMAAEiIAAYAAJAQAQwAACAhAhgAAEBCBDAAAICECGAAAAAJEcAAAAASIoABAAAkRAADAABIyOcmuwEAACTtiaf+ZrKbwJTwwTv/ONlNmHUEMACAWSQTvVr3vD7ZDWFKyNwPYliSTEEEAJgtnnjqb1r3vC59kZO5GYyIJkkAAwCYFXSyKUogT5gABgAwW+hqU1Trntfl88QIYAAAAAkRwAAAABIigAEAACREAAMAAEiIAAYAAJAQL2IGACAiouvIq293jmL5+9bt+M6Kz49rX/WrvrfzodqxbQKmJyNgAAAACRHAAAAAEmIKIgAAERFNG15v3TDkZ5+179n7QW9E88bWDfdPSqtghjECBgAAkBABDAAAICGmIAIAME6fHtj53oUSdRH7zr713bY7EU3P7HmyacQtpT9tP3P2Uued29kf3Fff9MDDX1nbWLzcYl/608tDl7+3oWnFIyvur6y4YsEcy77uT058dPpCb+aje+9rXrF1w8B2+ro/OfHR1Qu9dwb20rzqsZUPNdVUcgj33te8qOTCoziE/JMcXWc//rCr63amqfX3Li12yNkzH0uffn1LY0WngwQIYAAATAl93e9/92DXkB/e7u26fbDrg/qmZ3YOyW+fdR351dudd4Ytf+d273sXuoYvX16668h7hVX479zufO+7nU3P7Hkyjrw1ZEe3O0+/3Xn1iZeeXVsYq3KZp3A7d97uPH1f88bvDH2ObmyHcO3AnlxKjIiI3jsXxnLITA4BDACAKSD9yf5M+qpf9cym3HjRZ11nf/V2253o7Xr7yML8QiB9Zweiy33NG3PjVJH+9MDh9y70xvDlR9B5+u2CTeWiUdfbe+5E7537mldtXflQbU1ek+LOB4c/WZL3HrNc+ioYH0t/1nXmV2933rnd+d5rUZDBxnYIt9tO3457l6772iMrPl8bEelP2w+/90FvRG/Xh2e/0jTWN7ORGM+AAQAw+fquXr0dEdH0zM782Xqfb1rx7DPNERHReS1vdOzTE5mBpuaN39mQN/Wu5v4tOzcuzfw7le4bTQPuW7cjb1Ofb9qwYmA7vXeieeN3NmTSV2GTevtTufXTn+wfbFLeIdR8vmnDs99bd29E3O48256uwiEsffrZLZn0FRE196/dueOJ+oiI213X8pevXfFs657XW/eYfzi1CGAAAEwdd1LpoT9q2vB6657XW/MfIeu+diEi4t4nVg4f45pTVx8RheloZE2PDR07un9JJmUV20td7b1DWjsYIIsNu9Wu+NoT9RFx54Mzn473EOpXPTI0UH2+rq708kwxpiACADD5amvvjbgTceeD3W9dal702MqFTTWlZ9M1Ptm658kSn32+ri6it8SHpdTPqSv52b11w+pnZFub89nlrsxw1sIST2FlW5VK98X9tTGOQ6irGV5fpG5oe5i6BDAAAKaAxiefab7zduedXNWKiGx9v0X315YoITgg/Vlf9KfSkfrdtUupbG3AUSmWakajP5XZaed72zrLLtjbn4oosq+KD+G+2jnjaimTTQADAGBKaNrw7Pe+XFDtfaC+X1tEfdMTw4rR93W/v/+jMcWtKWMGHAKjJYABADBV1DY+tKXxoS0Db8fKGwvq7frgYFdq8H1W2fd3Zd1Xf29D3b11tQuXLLo/debVt8sPQ02c5o0Vl16cqofABBPAAACYQKm+sTybVFtz/9oN96+NJ/PKvseFjz55pPGh2oi+s7/KRJeCAu65PY6/0aM2p66+8BGvkUy9QyAhqiACAFAdt/v6h/3ss1RFYeKz9j2vbtv56rYjnw77aHjZ92zFi/pVw6NLxKeXJ2HsKFeH8OrlYVUcI2LwAPd80hcxJQ+BhAhgAACMU7Zs+vD3VnV//EFFDzh9fknTvRERBW/KysmmuHK1Cgf0nT17oZIdVlvTylX3RWTezlzk5V3Z87D04YdGHB+brEMgGQIYAADjlI1Pvae/u+eTroEE9VnX2fdfO9hVbr08tSsyLz6+88Hutw50fzaYYdKf5p6VyqaXwd3tP/Jpbsm+9KcH9rz63bbcjMcirxSbQDUPbV2XOwnvt3d/lv3gs66zb23LnIfBV3glcQh9Z9/atvPVbTtfPdA99o1QdZ4BAwBgvGpXfO2Jrr0f9Eb0nn579+nBD+pXPdN09e22Sh4Du3/LS6t6dp++HXcuHNw7fAjovnU7shU4onbFiqVd713ojdud7323cLbefc2rHqvN7PFOKh1Rvn59VdWuePZ78dZ32+5kSoZ8MOTj+lXf2zk4/DU1D4EECGAAAIzf59fu3FF39uMPu7J1C+vvXfrw17Y0fr7v7NVKt1Hz0Hf2LOw6+/GHXXdu5yrR1997X92KrSuHvArs/i07dyzJ313ce9/g65trlra9dyHiwu8+3dJYYU3C6qhd8Wzrok/bz5y9lLqTKy5/X33TA8Nq6E/ZQ2Ci3XP37t3JbsMUcvz48UcffXSyWwEATA//dvT5iPiTVc9PdkMq8sRTf9O65/XJbgVT1Ladr37wzj9OditG9u+nfxIRf7r+J5PdkEHHjx+PiMpDhGfAAAAAEiKAAQAAJEQAAwAASIgABgAAkBABDAAAICECGAAAQEIEMAAAgIQIYAAAAAkRwAAAABIigAEAACREAAMAAEiIAAYAAJAQAQwAACAhAhgAAEBCBDAAAICECGAAAAAJEcAAAAASIoABAAAkRAADAABIiAAGAACQEAEMAAAgIZ+b7AYAAMBYpT95bffp280bWzfcX3qZT9vPnL3Ueed2RETcV9/0wMNfWdv4+dHvq0rbYXYTwAAAmKY+az98+nbZJfq6399/sCt/mdu9XbcPdn1Q3/TMziebKt5TtbYDpiACADAdfda+Z+8HvWUX6X7/u4WpaVBv19t7PumrcFfV2g4YAQMAYPpJf3rg8HsXyqev+PTAwa6Bf9Y3PbPpyaaaiIi+7k9OfHT6Qm9E7+n9Zxd+Z8WIcwirtR2IMAIGAMC08lnX2fdf2z1i+orovnYh84/6Vd/bOZCaIqK28aEtOzcujYiI220fdxVfeQK2AxEhgAEAMH181r5n79ttmdmA9z7x0o4n6ksu2td3JzKLbXqoduiH9295OvPcVtfl7hF2Wa3tQIYABgDANHNf88bv7Xl2bU25ZVKZ4FS/aEnRxWrm3BcRET19n5XfV7W2AxmeAQMAYNqoa1r1zKaHmspGr1G53dcfUYXHt6q1HWY8AQwAgOni800rHhrdGr39qYhhUwcj0v3l69dP1HaY9UxBBABgBmr68sDTWW8f+XTYh5+1f1Rp1YxqbQcyBDAAAGaixoWZEoXR+d5rRz7pSg/8uC/96YERXyA2EduBiDAFEQCAGer+R9bde6HtTkTc7jz9dufpwk/vva/+zu2K4lO1tgMRRsAAAJipalc8+7119xb75N4nXvraA4lvB8IIGAAAM1jtime/t+jTE4fPXugdeJ3Xfc0rtm64vzY+PdAbEXFf7ZwktwMCGAAAM1ltzf1bdt6/ZchP0+meiIhoqK20dny1tsMsZwoiAACzTt/Vq7cjIpqWNE6J7TB7GAEDAGAmSn/y2u7TtyPuW7fjOys+P+Sj/W13IiKaFzYlth2ICCNgAADMTDU1DRERcbvtVwe6P+sb+Olnfd3vZwJVRCz98v3JbQciwggYAAAzVK58/J0LB/deGP5588YthfMG+86+9d22OxGx9OnX8z4a9XagDCNgAADMTLUrnn2muWj5+LiveeP3NlQ6bFWt7UAYAQMAYAZr2vDs9778yYmPrmbLx8d99U2PbfpKU83oihZWazsggAEAME19fu3O19eOtFBt40NbGh8aWj6+6JIrnm1dUYXtQBmmIAIAACREAAMAAEiIAAYAAJAQAQwAACAhAhgAAEBCBDAAAJjVtu18dbKbMIsIYAAAs8IH7/yjfjalfPDOP052E2YLAQwAYBaRwRhi285Xpa8keREzAMBskelnP/HU32T+s3XP65PaHCaZND4pBDAAgNklF8P0v2c5A1+TQgADAJiNdL5hUngGDAAAICFGwIa6devWZDcBAJgeaiIioqenZ5LbAbPGf4iIad5jF8CGmjt37mQ3AQCYHv7tYkREQ0PDZDcEZot/vx4xxXrs165dG9XypiACAAAkRAADAABIiCmIU91/+9f/MtlNgFnkr//sP092EwCAmcwI2JQmfUHC/NIBABPKCNg08NAX1092E2BW+OQPRye7CQDADGcEDAAAICECGAAAQEIEMAAAgIQIYAAAAAkRwAAAABIigAEAACREAAMAAEiIAAYAAJAQAQwAACAhAhgAAEBCBDAAAICECGAAAAAJEcAAAAASIoABAAAkRAADAABIiAAGAACQEAEMAAAgIQIYAABAQgQwAACAhAhgAAAACRHAAAAAEiKAAQAAJEQAAwAASMjnJrsBTLLN67852U2A0Tl09BeT3QQAgDESwGavTPTa89buyW4IjE7urwaSGAAw7Qhgs5HoxbSWuXV3PvvSZDcEAGDUPAM2S0lfTHd73tptAi0AMO0IYLPO5vXflL6YMWQwAGB6EcCA6cqfEgCAaUcAAwAASIgiHACJev2fPpzsJsDs8upfPjbZTQAYZAQMIDnSFyTP7x0wpRgBA0jaN5f85WQ3AWaLX1z+p8luAkABI2AAAAAJMQJGob5ze167Eg11dfU1X25qbFw8p+zS/ekr3We60qneVG/9qj1PLUyqhSd7I+off2Hn6vLNAwCAqUUAY7hUb0+qtyc6L15Z950dK2pLL3jlN7t/dnng3/WJNA0AAKYzUxApI9V1pb/Mx91dl8t8CgAADCGAUVx9Q11E9HZ2p0sucu13FyOirr4hsUYBAMD0JoBRXF3z4vqI6Llyta/EEle6OyPiwcVNCbYKAACmNQGMEmobmxqizCzEzPzD5qbGRFsFAADTmSIclDJnUXNdW0+qt7M7vXp5zdBPM/MPl3x5cfS1DV/32pFnD3WWKFSYPrV394z24t8AACAASURBVLFUxJKn3/pqQXrru3b25Omui6ne7A/qG5Y0rfurFSNUYsy68uudmYogDUuefrn8luvqH1z88JrljSXqi6SvnDvTdqWzJ5VdeNWmpxZGqWaPfvujXn6o/rM/eKOtJ+LBzXueWpi+cu5M28nOntymVm16amFNkQOJ+gfXlNzLaE9R37WrQy9WXV3zqpWrFxbeKvl3QnSf+s1HnZd7M01tqGsusnzu9ojmb+/esLjCEwIAMG0IYJRUs3hx/bFUb8+Vq33Lh9ZCHJh/2NgYUWqK4qikr/x6sKBiVm/P5d6fXW4bHqiGu/LrPSXSV65DnyfVezF18OKV5sc3bhiaD7PZpmDhQ7svLln3YImWl9z+yfoHN+8cVpp/tMuXle5+59DBi0Va+/RbX4139h68WLCj3osnDxarbDnKJvV3v/PekC1HRG9PqrfnUGdnqYvVfeQHuZQYERE9qc5yywMAzEwCGKXVNjY1nOztSXVd6V9RGFQy8w/r64YNjI1N37nDA/FpzdNbcqMu/d2n3jt4LBU9lw++01juJWN95/b87HJvlE1fDUue3vJXjbVzIiLdd+3MgUOdPanOY29EbcEwS/c7A+mr/sHN2XGkTN643FaQc4Zuv2Bwqa+/++R7By+mei8e2hMFAWa0y4/g4smDRZqairh88Aep6EnVP7hm05rlNbV5JzNSbQfOLXp5cEhz9IcwkL7y9hvRd+3IgUOdPVHqYvUeO9kbdc2Pb1y5ek5NRPRdO3vgUFtPRM/lj079VaP3uQEAs4ZnwChjzqLmorUQB+ofNlU4OXAk6StXeiMiljz9cv6ctzmNq3c8nRl3utjdXWrl7HuZi8w8jGtnBtLXmpde/momfUVETe3CDS+/sK4hIqLzZ7/uztvURxcjMvPlctEi5jQ+teOlx+uK7vpwZvsPbt75VF7LawdX6b14+mzfWJevwLCmrmrO/LMnldlLTW32o9zJ7EkPXs1RNyl7Sh/cnLffiNqFG17ePLDr3nTRypnN396xIZO+IqJ24YrsJRhyd9Ws3rHnrd173jL/EACYmQQwyqlZXKwWYmb+YcPiRZU+s1ShVN+w7NH41O49b+3eM/yxq4xy6SvSp053RkTUrdsy/Bm2OSu2rKmPiLj80amBKiO5HPjwsAGZmtXZYJO//VxuLDZmVbN647qGiEi1nbw2tuUrMLypC788MFWybt2aoXupqcvEyMHzPOomZS59sY1H1NRmXkjQUyyANaxZOTRQzamtL708AMAMJYBRVm1NXcSQWogD8w+bG6s0ATFqageCQdtre/e8c667r9zbnweluo9k0lcUf44onRqoolFbNCgOHFr0pjL9//6rnZmxncZiYS8XbHLKLx+DAWNgRGi0y1egoab0JShy1NnznDP6Ji3+6p63du95a+hTZAULF1VfpKnZQAgAMIt4BozyFn75wei8GHm1EPv7eqOK8w8jIhZ/9ekHUwcvpnK1HyKyVfIWL6wpMc7We/FktgRf0eeIMu0sk1JqahsiejLpYmFNpPsyT3+VeLCtpq4uIr/yxMDycfHQzmKPhw3qSacjaka9fAWKpZrRGHeT+vrTkU7fib6u7q7ebHnDoi2t1uOCAADTnADGCBqblsTFy5GrhdjX3dVT/fmHjU/teKmpoGb6QJW8YxENS9aVKkbfsKS+53JvRO+x33SvLjFNsWRKmVNbH1E6M1BK+sqvD7eVi1sAAJQigDGSxY3NcbkzBmohZp4aquL8w5yaxcs3LF6+YeAdU3kjKj2X2352uW/4W6Ea1rz08vI4ldp9LBVRulLiwADXcNkhsiGLp9IRoxnce3BzuQqN418+AaNo0tAy/fUNdXX1dbV1jYsWL0yffOlg+ZE0AIBZTwBjRNlZiKl0RFztTI1z/mH20aySamoXrnhq4Yr4al7x9OhsO7dycUEtjYEQuHrjus432noiLh460pQf0rIDXCVn9GUn4A0MkWVnJFba7CEzGEc02uUTMOompU+9N6xMf96nE9BEAIAZRhEORtbYtCQi4mJ395XRzT/M1rfIN3zcqf/sD17a+exLO98ZXv2vRPH0wmWy9QwLa8oP1ni4/LsrxdYbKOiXezxpoOZ+iZL3mcr7BfvNFvErLBE5KHtcPziXHsvyCRhtk7JFOxrWDE9fxU4RAABDCWBUYHFjc0TE5Y/arvRGJbUfshXJhxf0u/KbtqGjTLnkU/QVWCPW0oioXb5p4D1dlw/mpbhc7fjOtuGRpv9s2+WIyK/kPlBzP68wfU62on2BxjWZ4JdqO1AsMmWPtHndwMDdaJdPQBWbVPQUAQAwhABGJQaKsPf2pCKiuWnE54Wymarn5O4fnOseiFX93ad+vednl4cvnU1KqbbX9h650p/3muBruSeOymeA7BurhqS4hSsfzzXj17nq9um+a0eym61//K8GS3dkg1zvsTf2vHMt24z+7nf27j5WbNpkLvj1nNz9g1+fHazU3999au/OzJHmv/9qtMsnYHRNGryshwfPT+Z8vpR3ioq8z61y6VN7dz770s5nXzpSdNwSAGCa8wwYFckrwr7kyxUkhJrco1k9Jw++dnLwg4Y1TzdfOTg0zyzc8J01qddO9kaq82dvDB9IqX/8haEVOIaas2LdkrafXc4M5ix6eSCt1aze8VLs3X0sFT2XD742JPvVNT++cUNh8fqa1RufTr1x8GL0Xjy0O39CXcOSdc2ptmExLH/7bT+73Dbk44Y1L71ckBtHu3wCRtWkmtWrmjsPdfYMOz8R9Q+uebguc2VTfXciqvySbgCAGUIAoyI1ixfXH0v1RpmX9g4xZ8XLL9Se+s1Hndlihg11zes2blg8J32q2NBG7fKdbzV2n/rNR52p3lwl+oa6+vpVm9aUfBVYgcVfffrBywcvRvScPHyqcWduYuHqHXsWXzt78nTXxVT26bO6+gdLbXZO41O7Cwvi19U/uGrTUwvj1N6h4WTI9ntTucrs9Q1LmkqUzh/t8gkYTZMWbnj5hS/nX9aoq39w8cNrGhtr50TUNB871BnR2XVtw+IpVukRAGBquOfu3buT3YYp5Pjx448++uhkt2LQf/vX/xIRD31xfRW3uXn9N/e8tbuKG5wlut956eDFyRmkooydz7506OgvqrW1T/5wNCL++s/+c7U2ONzr//RhRHxzyV9O3C6AfL+4/E8R8epfPjZB2/+3o89HxJ+sen6Ctg8M8e+nfxIRf7r+J5PdkEHHjx+PiMpDhBEwGDAQsWLJ028Nf6dzthbIyAVIYDJt27BpspsAY9F65PBkNwEgIQIYDMg+53b5d1e+2jjkkbO+7q5M0Y46+Yupa9uGTd/fN4X+IgiVy/ztQAwDZgMBDAbknnPr/Nne+PbGDQOPP/Wnr/zm8M8u90bk16yHKSXTeZW+mL4yd++2DZtkMGDGE8Agq3b5zm+n9/zscvFijA1Lnt4yfGoiTBXSFzPA9/f9RAYDZjzvAYM8i7+68zsvPP1gXX3D4M/qG5as+/YLL7381Ual1ZmSzDxkJslksMluBcAEMgIGhWrnND61w0gXAAATwQgYAABAQgQwAACAhAhgAAAACRHAAAAAEiKAAQAAJEQVRIDZpT/dfe2jk1dTvame7I8a6uvq/nzFw4sW1NQUXyd99qe7TqQi6h77+79dWWKZrOuHn3/3UkTDI8+9uGKsby7vPrr9QFdluwOA6UUAA5g10t1Hf3mgq2fYz3t6Uz297146EQ3Nq7+x8SsiDwBMGFMQAWaHq+/9dFex9JWvp/PUrud/eiadUJMAYPYxAgYwC1x97x9+3pn9j/q6BwonHKbT1393+uyHnamIiEh9+MOjtT9Zv2gy2gkAM50ABjDjdR/Npa+GR77+jRULhkwyrKlZsHLjgpWrrh/+4buXIiK6fv5GzSsvmIsIAFVnCiLADNd/5mRX5l8Njzz34rD0NahmwaaffP2BzL97T33UnUTjAGCWMQIGMLOlr13ujYiI+tXfGLks4YJNW5ouHeiKiEtXrm9qXFB+6dzMxobmr7+4cYSFcwUYL/Wmsj+pa6ivXbJm+crG0g1LXz9z+uzlzoGajQ31TWWWT3d/XLD9zGTL4Zkz/fGPfniqJ+KBLd/f1Nh/9ey59hPZp+Pq6x5Y87VNA9vvv3r2XPtvu3p6B1r7wCPFtjbmQ5vYJlV8NkZ7CPk1KqOSq9N/5o03P+yNiKZvmdoKIIABzGzpq1czneMH1lQ2pbCx8YHouhQRnd1XNy4o012++t5PR5G+0tcPH3r3Uu+Qn6Z6elM9B7oul9hC6urR7Se68n/S09vVc6DrcpEa97lefp7e1KXedy/9tumxzeuLl7Pvu374QGbWZd4qB9681Pz1fRvj8BtDGpy6dOLdS79dPXRy5pgOraSqNKnM2ThR98CWv93UWPjR2A7h6tEfnSgo6zJwdUZ7yACziwAGMKP13ckMaNTVVfpE14Km5rjUGRF9felYVPrNYD/vTEXFY19nBvr3dQ9syQ3mDJbF7+l89/Di7w9NBZG6dCIV9U2PZQdV0t0f//LAqZ6InhO/OrMo/xVhg3mjofnr31iVqS/Sn+4+98sDXT29XR/+MIqWFbl04t2CJuVySOe7P0pFT2/dA4987eEVc2oiIn39zKF3P+yN6D31y7ML8+Lf2A6tpOo0aeBsFIyPpdPXPzr07qXe1KUDP42CDDbGq/Nh5upsXr6ypvDqdJ49s2qBF7gBlCCAQWl95/a8drL3wc17nlo45JPud146eLGCLRRbtxLpU3t3H0tFLHn6ra9W3HGDIvr7BiaU1dZW3CGuvbcuIhWRSqUjiq2VfS9zhekrovtcJh0NGXupaVz/4pbYfqArIlJ9/VFktl7Tt14YDE41jV958e/jRz881ROpy1f7V+YiR3b7hW9/nlPTuP7Fv6/50Q9P9UTXz99r3FekqYXveq5ZsGnNwAzMnt7C1tYsWPnC11PPv3spoudOf8TQXY/+0EoZb5PSZ39VvEk1Cza98FzdG29+2Ju6dPLjhxuzg2YTfXVizsoXvr+y4uMHmOkU4YBS+s8eODl0Rk4y+s4dPpYaeTGYFKNOXxFXr3RFRNSvfnj43xNqahoiYiBCDNXwyPKhw1Y1NXVDl89WGSn6kFvNV77xSF1EROfZIu83a14xdKCmsXGgDEmR1s6pq4+IiFQ6t6UxH1pJ421S/+9+m4qIaP56sWG3OSs3r26IgiIrE3x1ABjCCBgU1X/2B2+0lX9l7cTterKCH4wodfXohycG+veVP+ezaOP3920s8VlNTV1Eqd+1utrhoy5z6uojCn5F+lOZ/6yrKTrIV1NbW2pAr+He0gNTRbY2p7ZuyK7HfmiljLdJ2ZorDywucXWyrcoNak3w1QFgCAEMhum7duTAoc6y3abGp3bvearUh9eOPHuoMyIa1rw0+vmH3e9MVvBjZsp10Ms90DVE6cfGUpdOZAdnx/GcTzrdH+n+vkh3XbmayhbQK6ay59bS6UybSkaXmpqGwsgxuIMiEWJcKj60ksbbpHQ6s9NLB/7hUtkFCyZSFmygqlcHgKEEMMjX333qNx8duzyev992v3OoMyKibt2W5aPunlz59cGLEQ1r1tWfbKvkGTMY0YgPdA1zvWvgrc3FHxtraK7r6UxFpD48fX3lKIrd9V9971ftY8okFSoZXcY0EjUaE35oE28GHALAdCGAQU7+tMO6dd/ZGAdGPxiVSVAR9Y9vXFE72gZcO/Kzy5nkVnvy5GhXhuJqFi1qOJHqiSiou1BGd/fAyElz4/CygQ2PPPfiijiTevPD3ojK6/tlX3KVVddQX1tXV1O3eOGXG/s/ev7d8mM1FSpZ6yI7RDYhEjm0MXhgS8WlF6fqIQDMUAIYDFX/4OZNTy2sif6zo141k6AiGtZsWj3aaUT9Z39wqDOi+ds7VtRG98jLQ4VqFi6pP9VTpFh5UdcPHxh471axh4jqliyaExErN6++/MNTPRGXDhxtGvnVuv1nDmX69wVVznOfVnogpWQHuErNqcvNyqv6hMMJP7QxKD3fsoSpdwgAM5wqiDCotnnN09/ZvfOphWN7smE8kw/Tp95r64l4cPOGxWPaN5Q2Z+Wapsy/ek68+aOz14fXAhyQvn44N9xRtCZeTq60YHT9/L3rI+w/Wxai4ZHh/fu8Abexy1YC7Oy+WuzjgSp/E/HM0oQf2ujl6hD+9lrxC53++EfP/8P25//hR2f7I6bkIQDMcAIY5MxpXL28cdTzBrP6zn2UeWrrwVWjnnw4UHd+ydNjemkYjKRx/SsDeSl6Try7642fHj57PZ3XPU+nr59576fbf5ibbFb32OYRJivWrPjaYwOx593DYx+yzVaQH5dcwuxqPztsxCb9cXvmkbbh5d0nVlUObQwWPJy51r2nfjn8bERcPZ0Z72paO8JYaEzeIQDMbKYgQnV0n8zUjq9bt2a0IerakddO9kY0f9s7l5kwNSv+9lt3fvrzzlRERG/qUu+7l06UWrbwRcAlzRmciFj+6bLsHMieE786XJsbZulPd5/75YGuwUePUul0LBhjRGpc/lh914e90XPizR/d+fo3Vi2oqRmyi7rHVlVeL6RiCRzaGBq14muP/fbN7NlYvXbVVwaqX6avnzn0bvaN1dlXeCVxCP1n3njzw96IaPrWyBNWAWY8AQyq4trvxjr8lZm4WP/4CyYfMrEWbfzbVxYfLehVD9PQvPobGyso1JFR85W1zad+3jni02VzVq5punygqydSlw68WTilre6BR1bU/fbdD3sjetN9FZZpLLqLF56LN978sDd6Ot/d1Vn4YX3TY5vXT8zwVwKHNqZWDZ6NUz/vPDXk44ZHnsu7WFPzEABmMAEMqiB96vTAJKemUQ5/ZevOj75oB4xeTeP6F3+yPt398UeFr3hqqK+r+/MVDy9aUPxNxqUt2vj1BzrfvRTRc+JXZxaVHjdrXP/i3zeeOX32cm6n9XUP5PZY2/Thga6Irq7u9YvGPgw8Z+UL3/9y98cfnbx6qTdb9bC+7oE1X3u4cc4EJockDm0MBs9Gqjd3oesamhcNDohN9UMAmKnuuXv37mS3YQo5fvz4o48+OtmtGPTf/vW/RMRDX1xfxW1uXv/NPW/truIGZ65sVfoHN+8Z4dGs7JINa156eTTlN/rO7XntZG/UrfvOjiHjZt3vvHTwYkQsefot8xLL2fnsS4eO/qJaW/vkD0cj4q//7D9Xa4PDvf5PH0bEN5f8ZRW3uW3Dpu/v+0kVNwiT6x+2P9965HC1tvaLy/8UEa/+5WPV2uAQ/3b0+Yj4k1XPT9D2gSH+/fRPIuJP10+h//EdP348IioPEUbAYNz6ujNzuuqbG0f1d/b0lSu9ERGpttdeaiu+yOWDz16OqCQEAgAwDaiCCOOVzVF1TYtNIwQAoBwBDMYrnUpFRDQsXjTmEvYAAMwOpiDCOGXrH9aPtnxB1KzesWd18Y88AwYAMCMZAYPx6Utn6q3V16nQDADACIyAwfjcSfdGRERd7QgPgKVP7d19LBURzd/e7ZVfAACzkxEwGJd0X2YArK723kluCQAAU58ABlVRV6sCBwAAIzEFEUqZs+Ll3StGWqhMIY0xLxkRjU/t3vNUpQsDADBdGAEDAABIiAAGAACQEAEMAAAgIQIYAABAQgQwAACAhAhgAAAACRHAZqOdz7402U2AKtj57EuHjv5islsBADAK0+g9YBfefHzXueWvHHtuafGPiqxSfOlZ7tDRX2xe/83JbgWMl78jAADT0bQJYBfeLBqxIiKi549/SLAlM0Aug+15a/dktwXGIpO+DH8BANPOtAhgPRfefKZ0/Iq4/cdbYbhrdDI9V0NhTFOiFwAwTU31ANZz4f2jRw6du1VumQsd5yJi7hfuS6hNM4heLAAAJGlKB7Ce97c/c+hWRMxd/sqLLR0lRsEyExDn/sV/aki0cQBMO+mzP911IvXAlu9vaiyzVP/Vs+faf9vV05v5z7qG5kVrV31lUU0le7h++Pl3L1Ww3EhtAGCmmtIBLCJi7vLNG9Y/ubQhLnSUWOL2H29FzP2LL9x+/80fDYyVzZ27fMOLzy2VyAAYlP74lydSIy7zox+e6in4UaqnM/XzzqsPbPlbkQmAcZvSZegbntx3bN9zT5YPUpkBsFuHdu0anKl469a5Xc88/uaFCW8hANNEkWQ1qmVSlw789Ey6+u0CYJaZ8iNgI8pU4MhMU8wMevX0vH/0R4fO3Tq3a/sX3t73ZLH4dvz48VLbu3Wr7ANnk6G3d4QuA1BFCXwJ9PZU+Ze6P91f3Q3ONP/379v/z//6r33Z//wf/1/RM/b/dBzIpq+aP/s/nlj7pf8ts/J/7zj/L+eu9UekPvzw//ry4/+x7K7mPPzycw+X+vD37bv+679GRO1Xnnq41lUro+q/IxP3e52ZmdpT7QYDpfyHiJiSPfbKTfsANlCCfvkr+3IlEBsannxu3xfi8V3nbv3zv/Q8WSyBPfroo0W3dvz48blz505QU8fgd/8aEVFfbzIlJOHGHyIiJvZL4I/dEVHfUOVf6jk1c6q7wRkkff3M6bMfdhbMPPyf/9diZyx97feZAa7mr7+yccHgA19z5jzxZ//xf3njzQ97I/7f/xFz5lT0LFgR1w//IPOlvvpbj//vY93ILFHN35G+/x4T+Xv9bxcjIhqq/UsNlPLv1yMm+n/Wo3Tt2rVRLT/tA1jDk/uOPVnk50tblse50gkMgJkvf0ph/epXNscvS89CTF+92hMR0fSt/PQ1YM7KF76/cnxtufpepjhH3WObvyJ9Acxi0z6AlXTfF+ZG3Lr1x9sRAhjAbFb3wJavbWqcE+mPSy/T/7vfpiIimhsXTUQTuo/+vDMiouGRr60UvwBmtZkbwDK8HQxgFqtZ8sjXv7Fi+IjWcP2p3oiIhnvnREQ6ff2jQ2cv9WYmLtY1NK/4xqoFNWMPTtcPH+iKiKhf/Y0VZosCzHJTugpiBXre3/74448XK3iYKc7xxS8Y/gKYrWoWrKwofUWk0wNhq3bO1fd+uuuH72bTV0Skejrf3fXDsZdATJ89m3kz2ANrTD4EYLoHsIYvfDEi4lzHkATW8/6RcxGxvGXp8HUAoLjUyZ/+vLPou8JSH44xg13/KPPysfrVD3uNGADTfwri0vWb5547dOvcru2RK0N/4c0f7Tp3K2Lu5vXyFwCV6+lNRURD89dzcw7T3R9/dPLUpd6ISH14+vrKjQtGt8XubsNfAOSZ9gEsGp58cfM/P3Po1q1zu545l//B8ldeVP8QgFFqeOS5F/Oe1Kpp/MqmxoV1mTL0nd1XNy4YTZWO/jMnuyIioqnJ8BcAEdN/CmJEphL9268sH3wbwNy5y195+1hmOAwARqFpbZE6GXNWrmmKiIiuru7RbCx97XKmtscjyyekuCIA08/0GQFb+tyxY8+V/LRh6XP7lpb+GAAqUaoMfU1NQ0Spd4iVkn23WN2SRYofApAxE0bAAGB8amrqMv9Ipcda7HC47LvF6hd92eNfAAwQwAAgFjQ1R0REb7qv2Me5say6UUSp7LvF/nyh/AVAlgAGABG192bGwLp+/t71YR9mS8lHbW3lWSpb/7Cu1vxDAHIEMACIqFmx4oHMvzrf3f7Gx1ezMxHT3R8ffuPdTJQaVS2NdF9mLG1Ug2YAzHjTpwgHAEykBZu2NF060BUR0Xvq5z88NWyBIQUS+89katNH07d+sn54MOu7M/pBMwBmPiNgAJDRuP6VLU3FX2FS3/Stvy+Sskrr78vkr/qa2iq0DIAZwwgYAGTVNK5/8e8bz5w+e7kzNVB0vr7ugT9f8fCKBWMcx6qrMQAGQB4BDIBZouYrL/7kKxUstmDlxgUrN4643JyVL3x/5Rg/BWDWMgURAAAgIQIYAABAQgQwAACAhAhgAAAACRHAAAAAEiKAAQAAJEQAA5jeWo8c/oftz092K6A6/mH7861HDk92KwAmkAAGAEwJ/pQAzAZexAww7bUeObxtw6aI+P6+n0x2W2CMjH0Bs4QABjATZDKYAQSmL+kLmCUEMIAZQv8VAKY+z4ABAAAkRAADAABIiAAGAACQEAEMAAAgIQIYAABAQgQwAACAhAhgAAAACRHAAAAAEiKAAQAAJEQAAwAASIgABgAAkBABDAAAICECGAAAQEIEMAAAgIQIYAAAAAkRwAAAABIigAEAACREAAMAAEiIAAYAAJAQAQwAACAhAhgAAEBCBDAAAICECGAAAAAJEcAAAAASIoABAAAkRAADAABIiAAGAACQEAEMAAAgIQIYAABAQgQwAACAhAhgAAAACRHAAAAAEiKAAQAAJEQAAwAASIgABgAAkBABDAAAICECGAAAQEIEMAAAgIQIYAAAAAkRwAAAABIigAEAACREAAMAAEiIAAYAAJAQAQwAACAhAhgAAEBCBDAAAICECGAAAAAJEcAAAAASIoABAAAkRAADAABIiAAGAACQEAEMAAAgIQIYAABAQgQwAACAhAhgAAAACRHAAAAAEiKAAQAAJEQAAwAASIgABgAAkBABDAAAICECGAAAQEIEMAAAgIQIYAAAAAkRwAAAABIigAEAACREAAMAAEiIAAYAAJAQAQwAACAhAhgAAEBCBDAAAICECGAAAAAJEcAAAAASIoABAAAkRAADAABIiAAGAACQEAEMAAAgIQIYAABAQgQwAACAhAhgAAAACRHAAAAAEiKAAQAAJEQAAwAASIgABgAAkBABDAAAICECGAAAQEIEMAAAgIQIYAAAAAkRwAAAABLyucluwJRz69atyW7CUL29PZPdBJhFEvgS6O3xSw2Jmrjf65qIiOjxSw1J+Q8RMSV77JUTwIaaO3fuZDdh0O/+NSKivr5hshsCs8KNP0RM9JfAH7sjor7BLzUkpe+/x0T+Xv/bxYiIBr/UkJR/vx4xxXrs165dG9XypiACAAAkRAADAABIiAAGAACQEAEMAAAg5ig4eQAAIABJREFUIQIYAABAQgQwAACAhAhgAAAACRHAAAAAEiKAAQAAJEQAAwAASIgABgAAkBABDAAAICECGAAAQEIEMAAAgIQIYAAAAAkRwAAAABIigAEAACREAAMAAEiIAAYAAJAQAQwAACAhAhgAAEBCPlf1Ld68ebP0h/Pmzav6DgEAAKaHKgWwm+37fvz6jv0dIy23te1u69rq7BIAAGCaqUoAa982f93+amwIAABgBqtCALu57/WB9NWydev6BU986Uull50/f/z7AwAAmJ7GH8BunjjaEWF2IQAAwAjGXwXxxvWOiGjZ+3fSFwAAQDnVKkPf+CXlDQEAAMoafwCbv6AlIrp/X6b4PAAAANUIYPMeWd8S0XH0hAQGAABQThWmIM7b/s7elujY8dS2dhkMAACgpCpUQdy37cfXG1uio2P/uvn7o6Vla2NjyYUX/F3rdg+LAQAAs9P4A9iN6/v3572FuaNjf0dHyYW3PtEaAhgAADA7VasKIgAAACMY/wjY2ta7d1ur0BIAAIAZzggYAABAQgQwAACAhIx/CuIQN2+WqkV/48SPX48nzm9fW+1dAgAATAtVCmA32/f9+PUd+0uXPxyw9Ynq7A8AAGD6qUoAa982f93+kReLaFlQjd0BAABMS1UIYDf3vZ5NX5m3MHd37+/oKPh3RLRsbXunda13gAEAALPX+Itw3DxxNJOw9t64e/58a2tr6zvrWyKio/GJ1tbW8+fv3r2xtyWiY//rJ0o9HQYAADAbjD+A3bjeEREte9/Znh3emvfI+paI6P79QOCat/1829aIjh0/bh/33gAAAKatapWhb/xS3uzCeV9qjIiO6zdyP1n7xNaI2P+BBAYAAMxeE/kesNwQWGQTWP5PAAAAZpnxB7D5CwrmG+b9LH8ILGP4TwAAAGaN8QewgfmGR/NLbGR+lp/Kbv6+e9x7AgAAmNaqMAVx7d/tbYno2DF/2bZ97QOJa2AILJfK2n+8oyMiWhbMH//+AAAApqdqPAM2b/urWyMiOvbvWDd/W3vejzp2zL/nnmXL7rkn857mlvWPeBEYAAAwa1WnCMfa1rs39m5tKfjR37Vtzfwr8yLmwkr1AAAAs0/VqiDO2956/u7dG21/l51kOG9t640bbVtbWlpaWlq27m27cV78AgAAZrXPVXdz89bmh6x589a2nl9b3T0AAABMVxP0HrCbN73wCwAAoFA1A9jN9n3bli2755577rln/vyBahzt2+7JK44IAAAwi1UrgN1s37Zs/rod+7MVN/J07N+xbv6yTB4DAACYvaoTwNq3zV+3vyMiomXr1oJyiPMXtLRERHTsX7dsn3EwAABgNqtGAGvflnnN19a2G3fPt7Zuf6Jx8LN528+fv9G2tSUiOnb82CgYAAAwi1UhgLV/sD8iWvbeaF1bvM78vLWt7+xtiYj9H0hgAADA7DX+AHbz990R0bL+kXJv+Zr3yHoJDAAAmOXGH8BuXO+IiMYvlX/L8rwvNZb9HAAAYMaboPeAAQAAMNT4A9j8BZVMLhx4UGzB/HHvDwDg/2/v/l0bO/cHj38Mge1vcYs4hhFIUwzDdouJzBQq5YRhCjNFFpxOxiyL7GLSOOW4ycDaYgsjwRYxbIrBRTATu9hC7A5WMBe2uEyGS6SLBhwFvn/Al8tW3kLyb9mWbfnxr9eruRnp+OgU95H01nPOcwDuqKsH2CCXd7Uqr2sR55+oCAAAcI8N4RTEvQKbnJjZ7HOnr9bmzERurhER+eVXxau/HAAAwB01jGvAsuXuKvON2mRuZGRi4vWHiIgPr2dmJiZGRvZv0bz8Y9n8FwAA8IB9NpS9ZMtbzZj5dq7WiGg0GhER0Wh0wysiIvLLzS35BQAAPGxDWwUxW65uNZsby6V8Pn/waD6fLy1vNHfVFwAAwHBmwHqy2WK5WiwPc5cAAAD3hvuAAQAAJCLAAAAAErnoKYitzZk3P1/+5Z68qroaDAAAeKAufA3Y7x9qh1Y3vKjSi2oIMAAA4GG6aIBlHz+N6AbYkeUOAQAAOMeFZ8ByT/K9Ams0orT8/auvillzWgAAAOe78CIc2fJWs7lRyucjolGbm8zlRkZGJmYqm63WNRweAADA/XGZVRCz2WJ1a2t3d7e5sVzKRxyU2MTETGVTiAEAAPRzpWXos8VydT/E8hHRaNTmJnMjSgwAAOCkodwHLFssV7e2dnebB1NiSgwAAOCYod6IOXtiSuxQic1UlBgAAPCgDTXA9p2cEotGbW5uMjezeS2vBwAAcAdcT4DtyUbEk6duFwYAABCXuA/YQFqtzV/evJ6rNY48ms+XXuSu5fUAAADugOEGWGuz8ub121rjSHjl86WX378qF92uGQAAeNiGEmB9J7x0FwAAwBFXCrB+E166CwAAoL/LBFi/CS/dBQAAcI4LB1irMpGb208v3QUAADCoCwdY8+NefeVLpacR8fHnNzM/D/rXT15Vy2INAAB4mC4aYK3fP+z9Z6N2bJn5AZReVEOAAQAAD9NFb8R8MAEGAADAhVx0BqxY3d2tXsuRAAAA3HMXnQEDAADgkgQYAABAIgIMAAAgEQEGAACQiAADAABIRIABAAAkIsAAAAASEWAAAACJCDAAAIBErinAWq3W9ewYAADgzhpmgLU2KzMTEyMjIyMjuVxuZjMiYnNmZGKmsinHAAAAhhVgrc2ZidzkXK3ROPFUozY3mZvo9hgAAMDDNZwA25zJTdYaERH5Umm5lD94Jvckn4+IaNQmJyrmwQAAgIdsGAG2OTNZi4gobTR3t6rV8ounB89ly1tbzY1SPiIac2/MggEAAA/YEAJs8+daROSXm9Vitu8G2WL1x+V8RNR+VmAAAMDDdfUAa/3+ISLyL7/qX19d2a9eKjAAAOCBu3qANT82IuLp47P6KyL7+OmZzwMAANx7bsQMAACQyNUDLPdkkJMLexeKPcld+fUAAADuqKsH2CCXd7Uqr2sR55+oeKbtpefPny9tn/JsZ22pXH7eU15a2+5c/pUAAACuwxBOQdwrsMmJmc0+d/pqbc5M5OYaEZFfflW89KtsLy3Wz3jy+exqvd3e+3e7vro4e2qrAQAA3IhhXAOWLXdXmW/UJnMjIxMTrz9ERHx4PTMzMTEysn+L5uUfy5ec/+psLz0/M78W6xGRmV5YWV9fX19fWZjORER9sbxmGgwAALg9hrMIR7a81Vwu5SMiotFoNLr/W6t1/ysi8svNrUvlV2d7bak8e0Z9RWftp3pEFBYqU+OjERExOj5VWShERPv9rwoMAAC4NYa2CmK2XN1qNjeWS/l8/uDRfD5fWt5o7l6yvtbKs4ur9XZkCgsrC4X+2/z6vh0Rhfz4kYfHX05nFBgAAHCrfDbMnWWzxXK1WB7mLiNTmP7m5dT4aGw3+j7/x06//ooYHXsU0W7v/BExOtQDAgAAuKShBtiwjU5V1qfO3qSz8ykiMmNfnHjmi7FMRPvTTifGFRgAAHAbXD3ANmdGJj+Ulr9/VS5eYY35xN69e3faU+2DxRRviz//dCIlpJPgTeDPjkENSV3fuP5rRER0DGpI5S8RcSu/sQ9uODNgjdrcZG0uIn/rQuyUcxC//vrrvpu/e/cuk8lc90EN7u//iIj4/HNzeJBC81NExPW+Cex8iIjPRw1qSOXf/hnXOa7//W8REaMGNaTyr48R1/1hfUG//fbbhba/+iIcuRel/WU3GrW57kr0M5V+twS7Af1OTgQAALgRVw+wbLG6tbW7210AsftQ4/aFGAAAwI0b3jL0xXI3xJob/UJss3U9ITY69ih6Jxoe010e8dGYcwIAAIBbYmgBtie7NyPW3Ni7NXM0GrXJXG5kZGKiMvQM+2IsExGfdo5f/Hr68ogAAAA3Y+gBtiebLZarW7u9cxO7jzUaH5vDfp3RL59lItqrb7ePPLz9drUdkXn2pQkwAADgtri2AIuIaG1WZia+nZyr9b+H8nB0Cyzqi+Wl7e40WGd7rbxYD/0FAADcLtdxI+ZWa/OXN6+PZlc+X/r+x1fF7DWsUD869d3CzuxivV1fnK0ferywUJnSXwAAwO0xzBmw1mZlZmJiZCSXO5j0yudLyxvN3d2treq11FdERIyOz68sTBcO7gaQKUyvrM+PX9PLAQAAXMowZsBam5XjE17XcE/m8fn19flTnx0dn5ofnzr9eQAAgBt39QDbnMlN1g7+OfTwAgAAuCeGdg1YvrT8/auvru80QwAAgLvu6gGWe7HRvJ7VNQAAAO6VqwdYtlgcwnEAAADcexcNsFZl5s3HiIgnr6rl7JFHBrH/VwAAAA/ORQOs+bFWq0VElF5UI3vkkUHs/xUAAMCDM8z7gAEAAHCGi86AFau7u9VzHgEAAKAPM2AAAACJXD3AWpWZmZmZSuv8rSYmJs7bDAAA4P66eoA1P9ZqtdrH5tlbZR9HrdFonLcZAADA/ZXqFMTW7x8SvRIAAMAtdYkbMW/OjEyeWHe+NjkywFr0+Se5i78eAADA/XCJGbBidaN0uRcrfe8uzAAAwMN1iRmwiOKrjVL83PvHhw+1RiPy+dLTp2f8yZMnL776qii/AACAB+xSARbZYrVa7P335kxtshFPvz94BAAAgD4uF2CH5Z6USqVwcRcAAMA5rh5g2XK1OoQDAQAAuO8uGmCtysybjxERT15Vuytq7D8yiP2/AgAAeHAuGmDNj7VaLSKi9KIa2SOPDGL/rwAAAB6cVDdiBgAAePAuOgNWrO7uVs95BAAAgD7MgAEAACQiwAAAABK5+jL0x7VardOfzGYtwQEAADxUQwqw1mblzeu5WuO87Uobu9XicF4SAADgjhlKgG3O5CYHXokeAADggRpCgLUqr3v1lS+VXj558fjx6dvmcld/PQAAgLvp6gHW+uVtI8LZhQAAAOe4+iqIzY+NiMgvv1JfAAAAZxnWMvRPH1veEAAA4ExXD7Dck3xEfPj9jMXnAQAAGEaAZb96mY9ovP1FgQEAAJxlCKcgZss/LuejMfftzKYGAwAAONUQVkGszLz5+DQfjUZtMleLfL709OmpGz95VS27WAwAAHiYrh5gzY+12qG7MDcatUbj1I1LL6ohwAAAgIdpWKsgAgAAcI6rz4AVq7u71SEcCQAAwD1nBgwAACARAQYAAJDI1U9BjGi1Blx+Ppu1AAcAAPBwXT3ANmdyk7XzNzskny+9/P5VuajGAACAB+UmTkFsNGpzk7mRiYr7NgMAAA/J1QMs92pjY2M5v/fPfKm0vLFnuVTK7z++vLGxsbG8XCrlu4815nIzm1d+eQAAgLvi6qcgZrPF5pvJRkTkl5tb5SPnFRaLxXK12tqcyU3WanM/v9itlovFKEfvoai9rrwqlp2KCAAAPAhDOAVxc2ay1q++9mWL1eZyPqI2uT/jlS1WN0oR0Xj7i/MQAQCAB+LqAdb6/UNE5F9+ddZEVvarl/mI+PD7QW7lnuQjovGxeeUjAAAAuBOuHmDNj42IePr47BMJs4+fxtHc6j4CAADwYAxrFcTDc1v9dOfJAAAAHrCrB1jxRSkiGnNvzlrRcPPNXCMiSi+KBw/9XIuI/JPclY8AAADgThjCDFi3wKI2OTGz2W8arLU5M9G9VfN+f+0/dM6lYwAAAPfI1ZehjyhWN0q1yVo0apO5WuTzpad7V3d9+PCh0Wj0/lHaqBYjYnNmpJtjob8AAIAHZRgBFlGsNjfi28laIyIajdp+c+3LL2/8WC4ee6y0cdrC9QAAAPfQsBbhyBarW7vN5sZyKZ/PHzycz5eWN5rN3a1ycS+1ck9KpeXljebuVrXYd1cAAAD303BmwHqy2WK5Wiyfs1G5Wh3miwIAANwRw5oBAwAA4BxDDbBWa7MyMzExMdIzMTExMVPZbJ19izAAAICHYWinILYqE7m5Y4tvNBqNaDQma3ORX25acAMAAHjghhNgR+orn88/7S5Ef7AKfWMuNxEaDAAAeNCGEWCtyrfd+uouNn8sslqblW8n5xrRmPu28pUEAwAAHq4hXAO2+WauEdE9y/B4fUVEtljeai7nI6Ix92bz6i8HAABwR109wFq/f4iI/PKPZ0xuZcs/Lucj4sPv1uMAAAAerKsHWPNjIyKePj773MLs46cR0fjYvPLrAQAA3FHuAwYAAJDI1QMs9yQfEbWfz768a/PnWkTkn+Su/HoAAAB31NUDrHtyYdReV06/vqtVeV2LOP9ERQAAgHtsCKcgFl/11jjMTcxsto5XWKu1OdO7SVh++VXx6i8HAABwRw3jPmDZ8o/Lb3NzjWjUJnO1iMjn891nerdhjojz1kkEAAC494YRYBHZ8lbz8cy3k7Vubx3uroiIyJc2fqz2uUcYAADAAzKcAIuIbLG6tfuqtfnLm5/ffviw9+jTpy9fvPqqmNVeAAAAQwuwiIjIZovlarE81H0CAADcE+4DBgAAkMiVA6zVOrHwYffxysTETOXkqogAAAAP1RUCrLU5MzEykst9+0ufyGr98rbRqM1N5nIjEzObKgwAAOCyAdbanJnI9RY9bHxsntzg0EON2mRu4oy7NAMAADwMlwqwzZm9+IrIlzZe5U5uUixv7e42N0p7NwSby81sXvYYAQAA7oVLBNjmzGSt+1/55ebuVvX0ReazxepWc7nXYLVJCQYAADxoFw6wVuX1fn79WD7//l7Z8o/7CfbaiYgAAMADdtEAa/3ytnfuYen7AfIrIiJb/r7U/a/G237rdQAAADwMFw2w5se9a7+e9Lny6xS5J3uXgvVbrwMAAOBhuPQy9E8fDzb/FRGRffz0si8DAABwb1z5RswAAAAM5qIBtn824YffB7+cq/X7h+5/XOS8RQAAgHvmogG2fzbhBRbUOFi44yLnLQIAANwzFz4FsfjioksaHvSXCTAAAOAhu/g1YAcFNvftAPf12pzJzV104XoAAID76BKLcBSrG/sJlpuY2Tw1wlqblZmJyd5tmyO//Kp4iQMEAAC4Lz67zB8Vq83lD92JrUZtMleLyJeWX754/Hhvg99//vltrdY49CeljS3TXwAAwMN2qQCLyJa3mjHz7dxeZDVqc43aKdvmS8s/VtUXAADw4F3+PmDZcnWrubFcyp++ST5f2mg2t9QXAABAXHoGrCdbLFeL5Wq0WpvN5u+///zxY0Q8efLi8eNcrpiVXQAAAIdcLcD2ZLPFbLZYtMgGAADA6S5/CiIAAAAXIsAAAAASEWAAAACJCDAAAIBEBBgAAEAiAgwAACARAQYAAJCIAAMAAEhEgAEAACQiwAAAABIRYAAAAIkIMAAAgEQEGAAAQCICDAAAIBEBBgAAkIgAAwAASOSzmz6AW6fdbt/0IRz355+dmz4EeEASvAn82TGoIanrG9d/jYiIjkENqfwlIm7lN/bBCbDjMpnMTR/Cgb//IyLi889Hb/pA4EFofoq47jeBnQ8R8fmoQQ2p/Ns/4zrH9b//LSJi1KCGVP71MeKWfWP/7bffLrS9UxABAAASEWAAAACJCDAAAIBEBBgAAEAiAgwAACARAQYAAJCIAAMAAEhEgAEAACQiwAAAABIRYAAAAIkIMAAAgEQEGAAAQCICDAAAIBEBBgAAkIgAAwAASESAAQAAJCLAAAAAEhFgAAAAiQgwAACARAQYAABAIgIMAAAgEQEGAACQiAADAABIRIABAAAkIsAAAAASEWAAAACJCDAAAIBEBBgAAEAiAgwAACARAQYAAJCIAAMAAEhEgAEAACQiwAAAABIRYAAAAIkIMAAAgEQEGAAAQCICDAAAIBEBBgAAkIgAAwAASESAAQAAJCLAAAAAEhFgAAAAiQgwAACARAQYAABAIgIMAAAgEQEGAACQiAADAABIRIABAAAkIsAAAAASEWAAAACJCDAAAIBEBBgAAEAiAgwAACARAQYAAJCIAAMAAEhEgAEAACQiwAAAABIRYAAAAIkIMAAAgEQEGAAAQCICDAAAIBEBBgAAkIgAAwAASESAAQAAJCLAAAAAEhFgAAAAiQgwAACARAQYAABAIgIMAAAgEQEGAACQiAADAABIRIABAAAkIsAAAAASEWAAAACJCDAAAIBEBBgAAEAiAgwAACARAQYAAJCIAAMAAEhEgAEAACQiwAAAABIRYAAAAIkIMAAAgEQEGAAAQCICDAAAIBEBBgAAkIgAAwAASESAAQAAJCLAAAAAEhFgAAAAiQgwAACARAQYAABAIgIMAAAgEQEGAACQiAADAABIRIABAAAkIsAAAAASEWAAAACJCDAAAIBEBBgAAEAiAgwAACARAQYAAJCIAAMAAEhEgAEAACQiwAAAABIRYAAAAIkIMAAAgEQEGAAAQCICDAAAIJHPbvoAhmJ76flivc/jhYX1+fHkRwMAANDXvZgB6+x8uulDAAAAONe9mAH7Y6cdprsAAIDb7j7MgG036hGRGfvipg8EAADgLPcgwLonIGaefTl600cCAABwlntwCuIfO+2IzLOxP9aWflittyMiMpnCN9/NjysyAADgNrn7M2DdCbD26uJir74iot2uL84+X9q+wcMCAAA47u7PgHVX4IjIFBZ6k16dztrbH1br7fpieWylMtVvHuzdu3en7a/dbp/21E3588/OTR8CPCAJ3gT+7BjUkNT1jeu/RkREx6CGVP4SEbfyG/vg7nyA9ZagLyxU9pdAHB2dmq+MxfPFevv9r52pfgX29ddf993bu3fvMpnMNR3qJfz9HxERn3/uZEpIofkpIuJ63wR2PkTE56MGNaTyb/+M6xzX//63iIhRgxpS+dfHiOv+sL6g33777ULb3/lTEEenKuvr6ycXoB/PFyKi/f5XP0kBAAC3xJ0PsFN9MZaJiPbOHzd9IAAAAF33N8C63B0MAAC4Ne56gHXWys+fP++34GF3cY5HY07KBgAAbom7HmCjY48iIuqNYwXWWfupHhGF/PFrwwAAAG7KXQ+wGH85nYmI+mJ5abu33kZne6k8u9qOyEy/1F8AAMCtceeXoY/Rqe+m38+uttv1xdn64ScKC9/1vQcYAADAzbjzM2DRXYl+ZaFwcDeATKawsLLevSszAADAbXH3Z8C6RsfnK+PzN30UAAAAZ7gPM2AAAAB3ggADAABIRIABAAAkIsAAAAASEWAAAACJCDAAAIBEBBgAAEAiAgwAACARAQYAAJCIAAMAAEhEgAEAACQiwAAAABIRYAAAAIkIMAAAgEQEGAAAQCICDAAAIBEBBgAAkIgAAwAASESAAQAAJCLAAAAAEhFgAAAAiQgwAACARAQYAABAIgIMAAAgEQEGAACQiAADAABIRIABAAAkIsAAAAASEWAAAACJCDAAAIBEBBgAAEAiAgwAACARAQYAAJCIAAMAAEhEgAEAACQiwAAAABIRYAAAAIkIMAAAgEQEGAAAQCICDAAAIBEBBgAAkIgAAwAASESAAQAAJCLAAAAAEhFgAAAAiQgwAACARAQYAABAIgIMAAAgEQEGAACQiAADAABIRIABAAAkIsAAAAASEWAAAACJCDAAAIBEBBgAAEAiAgwAACARAQYAAJCIAAMAAEhEgAEAACQiwAAAABIRYAAAAIkIMAAAgEQEGAAAQCICDAAAIBEBBgAAkIgAAwAASESAAQAAJCLAAAAAEhFgAAAAiQgwAACARAQYAABAIgIMAAAgEQEGAACQiAADAABIRIABAAAkIsAAAAASEWAAAACJCDAAAIBEBBgAAEAiAgwAACARAQYAAJCIAAMAAEhEgAEAACQiwAAAABIRYAAAAIkIMAAAgEQEGAAAQCICDAAAIBEBBgAAkIgAAwAASESAAQAAJCLAAAAAEhFgAAAAiQgwAACARAQYAABAIgIMAAAgEQEGAACQiAADAABIRIABAAAkIsAAAAASEWAAAACJCDAAAIBEBBgAAEAiAgwAACARAQYAAJCIAAMAAEhEgAEAACQiwAAAABL57KYP4NZpt9s3fQjH/fln56YPAR6QBG8Cf3YMakjq+sb1XyMiomNQQyp/iYhb+Y19cALsuEwmc9OHcODv/4iI+Pzz0Zs+EHgQmp8irvtNYOdDRHw+alBDKv/2z7jOcf3vf4uIGDWoIZV/fYy4Zd/Yf/vttwtt7xREAACARAQYAABAIgIMAAAgEQEGAACQiAADAABIRIABAAAkIsAAAAASEWAAAACJCDAAAIBEBBgAAEAiAgwAACARAQYAAJCIAAMAAEhEgAEAACQiwAAAABIRYAAAAIkIMAAAgEQEGAAAQCICDAAAIBEBBgAAkIgAAwAASESAAQAAJCLAAAAAEhFgAAAAiQgwAACARAQYAABAIgIMAAAgEQEGAACQiAADAABIRIABAAAkIsAAAAASEWAAAACJCDAAAIBEBBgAAEAiAgwAACARAQYAAJCIAAMAAEhEgAEAACQiwAAAABIRYAAAAIkIMAAAgEQEGAAAQCICDAAAIBEBBgAAkIgAAwAASESAAQAAJCLAAAAAEhFgAAAAiQgwAACARAQYAABAIgIMAAAgEQEGAACQiAADAABIRIABAAAkIsAAAAASEWAAAACJCDAAAIBEBBgAAEAiAgwAACARAQYAAJCIAAMAAEhEgAEAACQiwAAAABIRYAAAAIkIMAAAgEQEGAAAQCICDAAAIBEBBgAAkIgAAwAASESAAQAAJCLAAAAAEhFgAAAAiQgwAACARAQYAABAIgIMAAAgEQEGAACQiAADAABIRIABAAAkIsAAAAASEWAAAACJCDAAAIBEBBgAAEAiAgwAACARAQYAAJCIAAMAAEhEgAEAACQiwAAAABIRYAAAAIkIMAAAgEQEGAAAQCICDAAAIBEBBgAAkIgAAwAASESAAQAAJCLAAAAAEhFgAAAAiQgwAACARAQYAABAIgIMAAAgEQEGAACQiAADAABIRIABAAAkIsAAAAASEWAAAACJCDAAAIBEBBgAAEAiAgwAACARAQYAAJCIAAMAAEhEgAEAACTy2U0fwLB01pZybyNVAAAM4UlEQVR+eF9vtyMiIlOY/ubl1PjoDR8TAADAYfdjBmx76fns6l59RUS7vro4u7R9k4cEAABw3H0IsO2lxXpEZKYXVtbX19fXVxamMxFRXyyvdW762AAAAPbd/QDrrP1Uj4jCQmXvnMPR8anKQiEi2u9/VWAAAMCtcecDrPPr+3ZEFPLjRx4efzmdUWAAAMCtcucD7I+dfv0VMTr2KCLaO3+kPyQAAIC+7voqiJ2dTxGRGfvixDNfjGUi2p92OnHnV0P835/e3vQhAMP0P/7v/7npQwCG6V//67/d9CEAd8ZdD7BLevfu3WlPtQ8WU7x5//E/TP79/23c9FHAw3KtbwL/eezp/9z5cH37B/q6xnH9n/7rX//2369r58ApbtU39ou67wHW3vkj4uQM2Ndff91383fv3mUymes+qAvJxH+56UMAhun7W/YmA1xVxvQXpHarPkp/++23C21/568BO0e/kxMBAABuxH0PMAAAgFvjrgfY6YsddpdHfDR211fgAAAA7o27HmDdxQ7j087x+32dvjwiAADAzbjzATb65bNMRHv17faRh7ffrrYjMs++NAEGAADcFnc+wHoFFvXF8tJ2dxqss71WXqyH/gIAAG6Xe7AM/ejUdws7s4v1dn1xtn7o8cJCZUp/AQAAt8fdnwGLiNHx+ZWF6cLB/QAyhemV9fnxGzwkAACAE+7BDFhERIyOT82PT83f9GEAAACc7l7MgAEAANwFAgwAACARAQYAAJCIAAMAAEhEgAEAACQiwAAAABIRYAAAAIkIMAAAgEQEGAAAQCICDAAAIBEBBgAAkIgAAwAASESAAQAAJCLAAAAAEhFgAAAAiQgwAACARAQYAABAIgIMAAAgEQEGAACQiAADAABIRIABAAAkIsAAAAASEWAAAACJCDAAAIBEBBgAAEAiAgwAACARAQYAAJCIAAMAAEhEgAEAACQiwAAAABIRYAAAAIkIMAAAgEQEGAAAQCICDAAAIBEBBgAAkMhnN30At867d+9u+hAAAID7yQwYAABAIiO7u7s3fQwAAAAPghkwAACARAQYAABAIgIMAAAgEQEGAACQiAADAABIRIABAAAkIsAAAAASEWAAAACJCDAAAIBEBBgAAEAiAgwAACARAQYAAJCIAAMAAEjks5s+ALiC7aXnP33KPHr0bCz/5dT4aP+NOttrvzZ23n+qP/pmfX58qK/fWSvPrrYz0yuVqVNeHLiaTmf717c/va+3270HMpnCs29e9hnw543H7aXni/UoLFzkfaD7N8Y43AbdMX7uZgMP2Mu8J8BQCDDuuHa73W63o74zdso76PbbxdV6REQ8SnlcwJX1/brVbtfbi/XVTGH6u3lVBMDdI8C4+zKZTLtdb2zPj/cpsO1GvbvB+T+aAbfI9lJ5sd6OiExh+puXX46PdmOrOyO2Wm/XV2c/hZkpeDhGpyrrU4cfMIXFXeUaMO6BR48yEfXGdp+nthv1yDx79ij1IQFXsr20WG9HZKZX1ivzU3v1FRGjo+NT85WVhUImor06u9Rv3APALWYGjHtgLP8sU+87B7bdqEdm+suxndWjD/e7rqN3ttPhn9I620s//LR/7Ukmk3n0zXfzp11rdmQvR/fd2V57+9NqfW8/hel+V7B0tpd+6P7gH5nCwnfzX/za74KWzvbaoethMplC/yMacDO4nTprP9UjorBw2gTX6Pj8d9OfZlfb9Z/WXo6fOgvWdzwefv7IQDnj+rKIztrSD6t7A7Tf2Y/nDfOD3+q/2N/VwZ4Odp/JTH/z3bFDuMBxAhEx+Af9YYN96BuPXJ0ZMO6DL7581ncObLtRj3g0drk3xc5aeXaxfujUxXa7XV+cfX7GL+573/aOfG3cXirPLu5/LYuIdn11cbZ8dDe9F9vfYnG2/Han/yGtHjqmdrt+YlcDbwa3VefX9+2IzPTLs04rGp36phAR7fe/dk7ZS7/xeMje0Dx0enK7XV9d7DOrtvO2PLt6aICuzpbXjrzqQMO8u6u1Q7vq7Wl76fmhx9qriz8c3vsFjhO4tME+9I1HhkKAcS+M9i2w7UY9opC/1KnhnbUfVtsRmemFlfWelYXpTETUf1rr/31ve2l2tR1RWKgc/LLWWetexpIpTK+s7O2mkIlo1xcPvsH1Xmz/1VYWCpl2/dCXucP7zxT2D6l7RO364uE3/gE3g1ur21/n/3Yynj+jwPqNx6PP985xPBji6ysLhYg+Y7xdr7cPj86IaK++3R9Ogw3zrvrqahT29jTd3dPsYj1z/LH9vV/kOIHLGuxD33hkSAQY90OfAuuexHTJ/oo/dtoRkXn25cFJBaPjU5X19fX1vr+md9bKi/WIzPTK4W97vS+ShYXK/NTeRSyj4/OVhUIc+o51sFXvFIbR8fnvpjPHX2DvnKyD8yFGx6cqK9OZw2/8A24Gt1hv9I19cd6GX4xlIqK988fxJ/qPx8O2G/WIyEwfOdlvdPzldN89ZqZXDo3ObwoREZ929gbdQMP8YFd7pzSNjn/5LHPisamje7/YcQKXNNCHvvHIsAgw7onRsUdxpMC6X4ou21973+xWf1ja7pwfLd0f209caLL3xezEQXR/ue99x+p7ulXv9Kpju+pzTlY3PfcmAQbcDG6/y548fOp4PGJ8/tAXq06ns729tra0dNpNho4ey9HuG2yY78k8+/LQF7exRyceu9JxApc00Ie+8ciwWISD+2I8X4h6fX8ljiv2V4x++Syz2m5Hu744W4+IyBSmn/W/3XN7dXax/05O/yG/e7TtnT8iRrtbnfi2+cVYJuLYm3p7dfb50fVE9p/Z+SNi9GKbwW32aacTl7iq/fTxeMKhhW/OduZk3GDDfMBD6mvg4wQua+APfeORYTADxr3R/bm5Nwd21f6KGJ2qrCwUMvsnArbrq6uLs8+fl5e2T/44lil018T+od8pfpf/If+Q7pe8YW0Gt9mpZxYed0r7nDke9xxZ+CaTyRQK09MLKyvHz/0d1KDD/MJvB0M+TqC/gT70jUeGxAwY98ehObAvrtxfEd3LOMbnIzrba7823vfWnG3XF38YO3pqU2GhMj/eGfs0u9pefbs9dfyik8F+yB9oq7NPqrroZnA79X6KPndM9K7HOHYC3znjsWtv4ZvCwsqRRaY7JxcfHcwl5+vOM/TjBE513oe+8cjQmAHjHtmfA7v6/NcRo+NTU/OVysEKZUevpOr+/t67aOvIUoOn/5Df++Y49sX+ViccncwacE5g4KkDuMV6lyweX7/iqN6CM8f76/TxeFhv7mz65bFousQc8mDD/JKGeJzAgE770DceGRoBxn3S/Sb0qfH2nP7q942pdyX93r/Wys+fPz9+z6+DVcv6GZ9fKMSRpQa7XyNPu0HZ3tlI/b9s9jbZf+nerk6uY7i99Pz58+e9xa4H3Axut/1+6nvKb3Qvw+j+FP3NKZO9J8fjAPaG3dGFM8451oGG+XBd5jjhYTn/g/6wy3zo7zEeuTgBxn3SS5l6/Zz5r97aY/XF3pe7zvbasVWM9r5TLZbXDr7/dbZ7px+c9o2quxbtoUtPDnaztNZbV6nTWVsqL3ZXsu2tVXjoxXrbbPc2OXxEvbvOrs4eOqT9Dfe/hQ64Gdxy4/MrvdvXzZaX1g4tS9bpbK8t9S7DyBQWTltmPvqMx0P2Vjx7e2iUrJWfHx92AxlsmF/OMI8THpTzP+iPbD3Ih77xyNC4Box7ZW8Zo/NO+xl/OZ2pr7Zjb7WjiCgsLMTiwdvo6NR30+9nV9vt1cXZowsKnvWdb++v9i89GZ2qLOyUF+vt+upsffXoXg4u0zp4sYPVCzOFQhy9F/P4/ELh02L95CEdPaIBN4NbbnSqshJLP6zW2/XVxfqJZT0zhenv5s/+QeHEeDz81DeF1cX64beAiIjM9MKz94ur7YutXDjYML+UoR4nPCjnf9AfNsiHvvHI0JgB437p/Yh15o11Irrf7aYLe2cWZAoLJ+/XOjpVWVmYPrQkUmQyhemFlcqZFXPy0pPx+e5+DnbTZy+95ZcOHU8lf3wN+oNd7e+r/xENuBncdqNT85WVY8Ow93/n9co59dXbwamXgo3PHxmXmUxhYWW9MjXe/dX8oucSDTTML2W4xwkPyAAf9Mc3P+9D33hkSEZ2d3dv+hiAPraXni/Wo7CwrpsAAO4NM2Bw0/pf+zuEBdQAALhtBBjctONXCkdEZ3tpsd8K2wAA3G1OQYSb19lemu1zWbD7KQMA3DcCDG6Fzvba25/e19vdhTcymcKzb15OjasvAID7RYABAAAk4howAACARAQYAABAIgIMAAAgEQEGAACQiAADAABIRIABAAAkIsAAAAASEWAAAACJCDAAAIBEBBgAAEAiAgwAACARAQYAAJCIAAMAAEhEgAEAACQiwAAAABL5/4oUFU6xVhj+AAAAAElFTkSuQmCC"/>
-          <p:cNvSpPr>
-            <a:spLocks noGrp="1" noChangeAspect="1" noChangeArrowheads="1"/>
-          </p:cNvSpPr>
-          <p:nvPr>
-            <p:ph idx="1"/>
-          </p:nvPr>
-        </p:nvSpPr>
-        <p:spPr bwMode="auto">
-          <a:xfrm>
-            <a:off x="838200" y="1825625"/>
-            <a:ext cx="5503460" cy="4351338"/>
-          </a:xfrm>
-          <a:prstGeom prst="rect">
-            <a:avLst/>
-          </a:prstGeom>
-          <a:noFill/>
-          <a:extLst>
-            <a:ext uri="{909E8E84-426E-40DD-AFC4-6F175D3DCCD1}">
-              <a14:hiddenFill xmlns:a14="http://schemas.microsoft.com/office/drawing/2010/main">
-                <a:solidFill>
-                  <a:srgbClr val="FFFFFF"/>
-                </a:solidFill>
-              </a14:hiddenFill>
-            </a:ext>
-          </a:extLst>
-        </p:spPr>
-        <p:txBody>
-          <a:bodyPr vert="horz" wrap="square" lIns="91440" tIns="45720" rIns="91440" bIns="45720" numCol="1" anchor="t" anchorCtr="0" compatLnSpc="1">
-            <a:prstTxWarp prst="textNoShape">
-              <a:avLst/>
-            </a:prstTxWarp>
-            <a:normAutofit/>
-          </a:bodyPr>
-          <a:lstStyle/>
-          <a:p>
-            <a:r>
-              <a:rPr lang="en-US" dirty="0" smtClean="0"/>
-              <a:t>We want to study cognitive decline among seniors in Oklahoma</a:t>
-            </a:r>
-          </a:p>
-          <a:p>
-            <a:r>
-              <a:rPr lang="en-US" dirty="0" smtClean="0"/>
-              <a:t>Objective: monitoring </a:t>
-            </a:r>
-            <a:r>
-              <a:rPr lang="en-US" dirty="0"/>
-              <a:t>cognitive trajectories over time </a:t>
-            </a:r>
-            <a:endParaRPr lang="en-US" dirty="0" smtClean="0"/>
-          </a:p>
-          <a:p>
-            <a:r>
-              <a:rPr lang="en-US" dirty="0" smtClean="0"/>
-              <a:t>Recruited 200 seniors from three counties</a:t>
-            </a:r>
-          </a:p>
-          <a:p>
-            <a:r>
-              <a:rPr lang="en-US" dirty="0" smtClean="0"/>
-              <a:t>Dashboard is tailor to providers in Tulsa </a:t>
-            </a:r>
-            <a:endParaRPr lang="en-US" dirty="0"/>
-          </a:p>
-        </p:txBody>
-      </p:sp>
-      <p:pic>
-        <p:nvPicPr>
-          <p:cNvPr id="10" name="Picture 9"/>
-          <p:cNvPicPr>
-            <a:picLocks noChangeAspect="1"/>
-          </p:cNvPicPr>
-          <p:nvPr/>
-        </p:nvPicPr>
-        <p:blipFill>
-          <a:blip r:embed="rId2"/>
-          <a:stretch>
-            <a:fillRect/>
-          </a:stretch>
-        </p:blipFill>
-        <p:spPr>
-          <a:xfrm>
-            <a:off x="6341660" y="653257"/>
-            <a:ext cx="5613400" cy="5613400"/>
-          </a:xfrm>
-          <a:prstGeom prst="rect">
-            <a:avLst/>
-          </a:prstGeom>
-        </p:spPr>
-      </p:pic>
     </p:spTree>
     <p:extLst>
       <p:ext uri="{BB962C8B-B14F-4D97-AF65-F5344CB8AC3E}">
-        <p14:creationId xmlns:p14="http://schemas.microsoft.com/office/powerpoint/2010/main" val="998446241"/>
+        <p14:creationId xmlns:p14="http://schemas.microsoft.com/office/powerpoint/2010/main" val="1220325691"/>
       </p:ext>
     </p:extLst>
   </p:cSld>
   <p:clrMapOvr>
     <a:masterClrMapping/>
   </p:clrMapOvr>
+  <p:timing>
+    <p:tnLst>
+      <p:par>
+        <p:cTn id="1" dur="indefinite" restart="never" nodeType="tmRoot"/>
+      </p:par>
+    </p:tnLst>
+  </p:timing>
 </p:sld>
 </file>
 
@@ -4757,25 +4816,29 @@
           <a:chExt cx="0" cy="0"/>
         </a:xfrm>
       </p:grpSpPr>
-      <p:sp>
-        <p:nvSpPr>
-          <p:cNvPr id="2" name="Title 1"/>
-          <p:cNvSpPr>
-            <a:spLocks noGrp="1"/>
-          </p:cNvSpPr>
-          <p:nvPr>
-            <p:ph type="title"/>
-          </p:nvPr>
-        </p:nvSpPr>
-        <p:spPr/>
-        <p:txBody>
-          <a:bodyPr/>
-          <a:lstStyle/>
-          <a:p>
-            <a:endParaRPr lang="en-US"/>
-          </a:p>
-        </p:txBody>
-      </p:sp>
+      <p:pic>
+        <p:nvPicPr>
+          <p:cNvPr id="7" name="Picture 6"/>
+          <p:cNvPicPr>
+            <a:picLocks noChangeAspect="1"/>
+          </p:cNvPicPr>
+          <p:nvPr/>
+        </p:nvPicPr>
+        <p:blipFill rotWithShape="1">
+          <a:blip r:embed="rId2"/>
+          <a:srcRect r="3920" b="9723"/>
+          <a:stretch/>
+        </p:blipFill>
+        <p:spPr>
+          <a:xfrm>
+            <a:off x="4005943" y="3074373"/>
+            <a:ext cx="7381853" cy="3130814"/>
+          </a:xfrm>
+          <a:prstGeom prst="rect">
+            <a:avLst/>
+          </a:prstGeom>
+        </p:spPr>
+      </p:pic>
       <p:sp>
         <p:nvSpPr>
           <p:cNvPr id="4" name="Slide Number Placeholder 3"/>
@@ -4807,25 +4870,128 @@
           </p:cNvPicPr>
           <p:nvPr/>
         </p:nvPicPr>
-        <p:blipFill rotWithShape="1">
-          <a:blip r:embed="rId2"/>
-          <a:srcRect t="8849"/>
-          <a:stretch/>
+        <p:blipFill>
+          <a:blip r:embed="rId3"/>
+          <a:stretch>
+            <a:fillRect/>
+          </a:stretch>
         </p:blipFill>
         <p:spPr>
           <a:xfrm>
-            <a:off x="0" y="1645537"/>
-            <a:ext cx="10638971" cy="5212463"/>
+            <a:off x="258511" y="269555"/>
+            <a:ext cx="3747432" cy="6588445"/>
           </a:xfrm>
           <a:prstGeom prst="rect">
             <a:avLst/>
           </a:prstGeom>
         </p:spPr>
       </p:pic>
+      <p:pic>
+        <p:nvPicPr>
+          <p:cNvPr id="6" name="Picture 5"/>
+          <p:cNvPicPr>
+            <a:picLocks noChangeAspect="1"/>
+          </p:cNvPicPr>
+          <p:nvPr/>
+        </p:nvPicPr>
+        <p:blipFill>
+          <a:blip r:embed="rId4"/>
+          <a:stretch>
+            <a:fillRect/>
+          </a:stretch>
+        </p:blipFill>
+        <p:spPr>
+          <a:xfrm>
+            <a:off x="4199429" y="301278"/>
+            <a:ext cx="3697460" cy="2773095"/>
+          </a:xfrm>
+          <a:prstGeom prst="rect">
+            <a:avLst/>
+          </a:prstGeom>
+        </p:spPr>
+      </p:pic>
+      <p:sp>
+        <p:nvSpPr>
+          <p:cNvPr id="12" name="TextBox 11"/>
+          <p:cNvSpPr txBox="1"/>
+          <p:nvPr/>
+        </p:nvSpPr>
+        <p:spPr>
+          <a:xfrm>
+            <a:off x="2525313" y="6231480"/>
+            <a:ext cx="7565917" cy="584775"/>
+          </a:xfrm>
+          <a:prstGeom prst="rect">
+            <a:avLst/>
+          </a:prstGeom>
+          <a:noFill/>
+        </p:spPr>
+        <p:txBody>
+          <a:bodyPr wrap="none" rtlCol="0">
+            <a:spAutoFit/>
+          </a:bodyPr>
+          <a:lstStyle/>
+          <a:p>
+            <a:r>
+              <a:rPr lang="en-US" sz="3200" dirty="0" smtClean="0">
+                <a:hlinkClick r:id="rId5"/>
+              </a:rPr>
+              <a:t>github.com/</a:t>
+            </a:r>
+            <a:r>
+              <a:rPr lang="en-US" sz="3200" dirty="0" err="1" smtClean="0">
+                <a:hlinkClick r:id="rId5"/>
+              </a:rPr>
+              <a:t>dss-ialh</a:t>
+            </a:r>
+            <a:r>
+              <a:rPr lang="en-US" sz="3200" dirty="0" smtClean="0">
+                <a:hlinkClick r:id="rId5"/>
+              </a:rPr>
+              <a:t>/displaying-health-data</a:t>
+            </a:r>
+            <a:r>
+              <a:rPr lang="en-US" sz="3200" dirty="0" smtClean="0"/>
+              <a:t>  </a:t>
+            </a:r>
+            <a:endParaRPr lang="en-US" sz="3200" dirty="0"/>
+          </a:p>
+        </p:txBody>
+      </p:sp>
+      <p:sp>
+        <p:nvSpPr>
+          <p:cNvPr id="8" name="Title 1"/>
+          <p:cNvSpPr>
+            <a:spLocks noGrp="1"/>
+          </p:cNvSpPr>
+          <p:nvPr>
+            <p:ph type="title"/>
+          </p:nvPr>
+        </p:nvSpPr>
+        <p:spPr>
+          <a:xfrm>
+            <a:off x="8090374" y="561109"/>
+            <a:ext cx="3263425" cy="1129579"/>
+          </a:xfrm>
+        </p:spPr>
+        <p:txBody>
+          <a:bodyPr>
+            <a:normAutofit fontScale="90000"/>
+          </a:bodyPr>
+          <a:lstStyle/>
+          <a:p>
+            <a:r>
+              <a:rPr lang="en-US" dirty="0" smtClean="0"/>
+              <a:t>Fictional, Reproducible example</a:t>
+            </a:r>
+            <a:endParaRPr lang="en-US" dirty="0"/>
+          </a:p>
+        </p:txBody>
+      </p:sp>
     </p:spTree>
     <p:extLst>
       <p:ext uri="{BB962C8B-B14F-4D97-AF65-F5344CB8AC3E}">
-        <p14:creationId xmlns:p14="http://schemas.microsoft.com/office/powerpoint/2010/main" val="2141857561"/>
+        <p14:creationId xmlns:p14="http://schemas.microsoft.com/office/powerpoint/2010/main" val="1777419168"/>
       </p:ext>
     </p:extLst>
   </p:cSld>
@@ -4854,6 +5020,87 @@
       </p:grpSpPr>
       <p:sp>
         <p:nvSpPr>
+          <p:cNvPr id="2" name="Title 1"/>
+          <p:cNvSpPr>
+            <a:spLocks noGrp="1"/>
+          </p:cNvSpPr>
+          <p:nvPr>
+            <p:ph type="title"/>
+          </p:nvPr>
+        </p:nvSpPr>
+        <p:spPr>
+          <a:xfrm>
+            <a:off x="838200" y="365125"/>
+            <a:ext cx="4579961" cy="1325563"/>
+          </a:xfrm>
+        </p:spPr>
+        <p:txBody>
+          <a:bodyPr/>
+          <a:lstStyle/>
+          <a:p>
+            <a:r>
+              <a:rPr lang="en-US" dirty="0" smtClean="0"/>
+              <a:t>Data background</a:t>
+            </a:r>
+            <a:endParaRPr lang="en-US" dirty="0"/>
+          </a:p>
+        </p:txBody>
+      </p:sp>
+      <p:sp>
+        <p:nvSpPr>
+          <p:cNvPr id="3" name="Content Placeholder 2"/>
+          <p:cNvSpPr>
+            <a:spLocks noGrp="1"/>
+          </p:cNvSpPr>
+          <p:nvPr>
+            <p:ph idx="1"/>
+          </p:nvPr>
+        </p:nvSpPr>
+        <p:spPr>
+          <a:xfrm>
+            <a:off x="838201" y="1825625"/>
+            <a:ext cx="4743734" cy="4351338"/>
+          </a:xfrm>
+        </p:spPr>
+        <p:txBody>
+          <a:bodyPr/>
+          <a:lstStyle/>
+          <a:p>
+            <a:r>
+              <a:rPr lang="en-US" dirty="0" smtClean="0"/>
+              <a:t>Studying cognitive decline among OK seniors</a:t>
+            </a:r>
+          </a:p>
+          <a:p>
+            <a:r>
+              <a:rPr lang="en-US" dirty="0" smtClean="0"/>
+              <a:t>Collecting measures on COG and PHYS </a:t>
+            </a:r>
+            <a:r>
+              <a:rPr lang="en-US" dirty="0" smtClean="0"/>
+              <a:t>performance</a:t>
+            </a:r>
+            <a:endParaRPr lang="en-US" dirty="0" smtClean="0"/>
+          </a:p>
+          <a:p>
+            <a:r>
+              <a:rPr lang="en-US" dirty="0" smtClean="0"/>
+              <a:t>Total of 200 respondents from three </a:t>
+            </a:r>
+            <a:r>
+              <a:rPr lang="en-US" dirty="0" smtClean="0"/>
+              <a:t>programs/counties </a:t>
+            </a:r>
+            <a:r>
+              <a:rPr lang="en-US" dirty="0" smtClean="0"/>
+              <a:t>in Oklahoma</a:t>
+            </a:r>
+            <a:endParaRPr lang="en-US" dirty="0"/>
+          </a:p>
+        </p:txBody>
+      </p:sp>
+      <p:sp>
+        <p:nvSpPr>
           <p:cNvPr id="4" name="Slide Number Placeholder 3"/>
           <p:cNvSpPr>
             <a:spLocks noGrp="1"/>
@@ -4875,75 +5122,24 @@
           </a:p>
         </p:txBody>
       </p:sp>
-      <p:sp>
-        <p:nvSpPr>
-          <p:cNvPr id="9" name="AutoShape 2" descr="data:image/png;base64,iVBORw0KGgoAAAANSUhEUgAABIAAAASACAIAAAAIyqENAAAACXBIWXMAAB2HAAAdhwGP5fFlAAAgAElEQVR4nOzdXXCU950v+J+3crFTs1VbdTZIluRUhTqQHYMIGmQXdUTNOAwvBvwyvvCSFAQckwTKczwFNh57PHZyEZskJCaGis+4RBKIwaYSyqfWB4OEeQn2TKFZCkREEHgqcIpUBalRy7tbezE15469aHWrW+putaTWo7fP5wqrn5f/86L2/6v///k999y9ezcAAACYeP/TZDcAAABgthDAAAAAEiKAAQAAJEQAAwAASIgABgAAkBABDAAAICECGAAAQEIEMAAAgIQIYAAAAAkRwAAAABIigAEAACREAAMAAEiIAAYAAJAQAQwAACAhAhgAAEBCBLAK3bzZvm/bsmXL7smzbNmybfvab96c7LaNX/u27CHtq/RoxrDK5Lp5s33ftpl7CWeQm/uy12hb+2S3pYiZ/VUAAEw4AWxEN9u3Lbvnnvnz1+3Y39HRkf9JR0fH/h3r5s+/Z9m29pnb9cp0N6dJyirqZvu+bcsyV7DkJZzYazj9zyExq74K3LEAMHEEsLJu7lt2z/x1+ztGWKxj/7r5y6bkX+vHKXP8O0Y8AVPXzfZtyyo6go796+ZPyGje9D+HxKz6KnDHAsDEEsBKu7lv2fwdg52Qlq17227cuHE358aNtr1bW7Ifd+xfNzVnTFVibevAMZ3fPi//5zeul+yElVplKrm5b1lBn7nEJcxdw+jYMb/qGazMOWSamEVfBeGOBYCJJoCV0r5tsMvVsrXtxt3zrdvXzpuXFzbmzVu7vfX83RttW7M/2b9uOve7Zpr8K1j2Ep6/0bZ3sPc8ARmMac1XAQBQTQJYce3b1u0f+GfL3hvnW9eWHuWZt7b1Rq7/vv91nfepIe8Kxta2kS7h9vN3BzvPHTt+rPPMAF8FAEB1CWDF3Nz3+mCf652Rp9jN2/5Ott/VcfSEbtfkK7iCN8p1mnMKOs/GL4gIXwUAQPUJYEXcPHE0O+No66uVPeE075H1W1tatm7d2/bqI0VXuHmzvbB0daZu9QgNKVxpWa7EWqka8LmfD+SHTC2zkfc5bHsDlcBzf/vv2DF/yA6HrlJh7fBy1euHtLaiU1TcGK5gRMzb/urgFLIPCo5ixKL7RQ5/5HNYsIExHPyobqrsIeQuccEOh685/N4Zocx69S5f0cMs3Ozw7Vb0XoShvyAj7nqyvwrGcuMVrjiKr4IR7tgJOcMAMBvdZajBgZDY2lblDQ7TsrXtRvGV2rYWX6tl743B6XItewvWzv18a9vdUusPWyl/vexHJZucW3d4E/J3Xkqphpc82nKnqKSxX8FSa5Zqd5EVc+uNfA5zC5Y5+BL7G/1NlT2Elr03Sq6cu/zlbr5ijZmgy7e1rXRTtw5tyojXqLJbtHhLJuurYCw3XuGKo/gqGOmOnYAzDACzkRGw4QaLgLUsmD/urbVvuye/gNpQHfvXFSv60L6tZMnrjh3zt30w0l67X19WumR2x46nJuLxlLVPDHS+howe5Wn/YOCP6y3r80YHhhYrHKJj/7r5o/tz+uAV3PrE2tGsGPO+1Jj9Z/fvE5lAdnPfsvllKn4Xrwkytpsq68S2Uit37Ji/rf1m2Ztv+K1T9cuX54PSTd0/9Mys/buB/FBy7l/u9qv0tpgKXwXjVcWvggk4wwAwK012Apx6qvpX78HKDgPFq7M7KRwzKDWQFYV/Fx8+0FBmxSF7HLJyiT+Xl9peBYNmd0f+83fRz/P/7N6ytW2wunfhOSr9R/dhBrc4ipWGtbGgkWMeiBhh1cKDL3W1yt4eY7mphq7Ylt+MlmGXouDzIQdY/cs3fCCmpeRtXGIEp+jeSl+iChoy6V8FYx4BG77Hsl8F5fdZ7TMMALOSADbMYM9lDN33QnkduKK977xOUl6PpaDbN2ytGwU9q3Jd8yJ7LHVsVQpgI3QXi+av4oGn8s/LrjKuAFb5gd0dawAr39LiQXJsN9WI90a526pMUyfg8g0JYEXWK3mM5fLBGNLBpH8VVCmAjearYIR9VvkMA8CsZAriBGr/cXbCUfECavPWtub6OoPT9gaf+9/aVqR8X/5K5RStGZCbJRgd129UsJHRKjdHabCeXN70pLwftrUWnbQ0eLilZzZOV7kJW8Wv1mBRkLzTObabqlCxvQ3eGsU3nPf5oIm/fEW3W/IY5z2yvtT9l/drNQmz46px1casml8FU/YMA8A0IoANM39B6efkR+Xm77sH/lW6gNpgNyjb7aqgG1O0LzxEiZWrdnAllO6fFT+u3EM2ZfpsucNN6KmsxAw+Ebf374of/drWgT+UnM/eQGO7qQqN1D9u/FKxDedunbwO+0RfvpInJu8YCzZb8v4bUzqY5K+CKqnuV0F1zzAAzEoCWBnjHCXK9U7LPcA/rCNZyVojJ7Bq1AwYk1L9s1z3rKBPPdgx3b/unpKyZbErvR5V6jcXzyETYRR7GttNVWCke6Pye2diLl+eMiemWB6MkvffeNPBpHwVVEe1vwom6AwDwCwigA2TfCG84pLr/1dVbt5cQf9sMH+tL/5ypIpUeD0Gr+Do+82DmWLCM+zgrmaJUf86lbsEeb+mhT8vdv8Vj/8jmipfBVNLNc8wAMxKAthwgwMoo+q/39y3bNmybdv2tVfl5bPTWPYv+Xn9s+rkr4oNXsHRzubKe/HuNA3As0Xp+Dr8/hvz7eeroKgqnmEAmI0EsOFyc2xG1X+/eeJoR0fH/v071r1e4h05xVfL9SOHdvin79/ch/XPciUISj8BU1HdtPOl1h5ibFcwv6HTeyJV6ZtqolT18uWMceLf0Ptv7OlginwVTDnVO8MAMBsJYEXkd7ter/A9pXllzrJ9kBJPqRQafNXrgErWmuqT14b0z0q/nXVwjld14+Zg/cDYv67itwAP1vQbff4adh1HVsnB39y3bOBJqoGjGNtNNUEm6vLllNlsuceqCu+/8aSDSf0qqEhS17pQ9c4wAMxCAlgxef33jh3zK+jAt2/LVhrIG+QZ7LyV7rvlFSIf6PHnrVXqb+554zRTVLYcfcfREzfL5K/8nunwuvVZuRCyrMIecH4LImL/uopWbN82P3daSz/IUqIHPaZInKu60LHjx8Uv9fDKBmO7qSbKhF2+GGGzg1m5aJ8/Px+MLx1M5ldBgWreeFVQvTMMALOPAFZc/su29q9btq3Mwxw327flCr0V9twHu10dO54q0u+6md9Zy3W68jpr64rtN2+lqSt7EB1HT+wb6FgWDTUjnaKIm/ue2jGW7t287e/kIljHjvllL2Hc3Lds8BoWe1VT+afKBts4OnmVx4v2yweTdrHbYzQ31QSZuMsX5Tabd75LbDUvH5y4Pr50MIlfBTFRN14VVPEMA8CsM46XOM90Q9533NKydW/bjRuDn9+40bZ3a0HB8+FPwuRvo2Xr3rYbg+vmr9qy90bptXIr3R22w5IrDvn5YJtzoaSgraXWG1x82AZH2tXgquVbVHiaW7bmneLCw63oMaMhbRh6Cbfubbsx/BK2FC5TdD9DLmRuI8MvydD1y5zDwrOUf3/cvdGW/0m522PUN1WJK1H5BS1+61Tv8g27dfK2OuR8l95qxfdfJSbvq2DMN95YvwrujnDHFlusCmcYAGYTAaycwq7RCEbq145qzQrWKrbqxAWwnOx6I+5qSNe8TO+syF6GGUP8ymx7NJewXCtHaOTWvdnPS3dnix7MyAc/tttj1Il5jAFsAi5f3p62ljvQ8j3+wmaNNx1M3lfBGG+8qgSwwb0Uu37VPcMAMHuYgljOvLWt5yvpebVs3XujVI23ta13y22hZWvbjSJrrm0tvd+WrXv3VpjPxivvCZisysst5L8uunT5w4iYt/38jaF/zs/XsrXtRusYJ9NlLmG5rQ/so2VrW8lrONDIUlekZWvb3dZHSq9Y9hzO2172FmvZW/z2GMtNNUEm8vI90VoqfxQ/MfnNGqyfMcL9V4nJ+yoY8403ZpX+1lf3DAPA7CGAjWTe2tbzd+/eaNu7d2tLy5DZatmpSOdby3Y+1raez8wYylt9YN2751vXFl913trW8zdutA1ZaevethvnW7d/KfuTCS9YnUmCBYddcWnwwQQ24sNI87a3nh8+H3Ckc1SheWu351/Dgh20bB24hBXsZPgVyV6Q8kc30jmcN3iD5Dctc+yl7qwx3VQTZQIv37zt5ws3PNKJGVxzMB9U52G4yfoqGPONN2YV/tZX/QwDwOxwz927dye7DYzWzX3LBir2bW27O1GdMJjeciUx/JZMEGcYAMbCCNiU077tnpHKdpd7BxIQUe71c1SHMwwAYyKATTmD71Yq8XaoEd6BBAz+lpR+pxvj4gwDwBgJYFPOvC81Zv+Zee3Q4DjYzZvt+7Ytmz/CO5BglrvZvm1crx9jJM4wAIydZ8Cmovz3uZY0Yhk4mFUGH40c5OGkanKGAaAajIBNRWtby9b1TrrOOEwHeWPHGS17x1z/nmKcYQCoBgFsapq3vUi96kz16UmpMw5T3/wncn+2aPE3iongDANAFZiCCAAAkBAjYAAAAAkRwAAAABIigAEAACREAAMAAEiIAAYAAJAQAQwAACAhAhgAAEBCBDAAAICECGAAAAAJEcAAAAASIoABAAAkRAADAABIiAAGAACQkM9NdgOmluPHj092EwAAgGnm0UcfrXBJAWyoys8dAAAwy412CMcURAAAgIQIYAAAAAkRwAAAABIigAEAACREAAMAAEiIAAYAAJAQAQwAACAhAhgAAEBCBDAAAICECGAAAAAJEcAAAAASIoABAAAkRAADAABIiAAGAACQEAEMAAAgIQIYAABAQgQwAACAhAhgAAAACRHAAAAAEiKAAQAAJEQAAwAASIgABgAAkBABDAAAICECGAAAQEIEMAAAgIQIYAAAAAkRwAAAABIigAEAACREAAMAAEiIAAYAAJAQAQwAACAhn5vsBoyg58L7R4/887lbtyIiYu7c5X+xYf2TSxuKLPj+mz8aXG755hKLAQAATJopHcAuvLl917lbeT+4devcrV3n/nnz2/uebChc8PFd5/KXO3do17k/vnLsuaXJNBQAAKACU3gK4oU3d527FTF3+StvH8t4+5XNcyPi1qFn3rwwZMGImLt5YMGBxc7t2v5+z+Q0HQAAoIgpG8B63j9yLiKWv7LvudxUwoalT+57ZXlExLmOC8MXzM45zC1265//RQIDAACmjCkbwG7/8VZELG8ZOolwacvyiIg//HEgWvX8yz8XW3Dp+s1zJTAAAGBKmbLPgC197tix5ypYrlRQa/jCFyNu3frj7Qi1OAAAgClhyo6AlXKh41xEzP2L/5SJVT1//ENEzP3CfcMWvO8LcyNvpAwAAGCyTdkRsOKyD3xteHJ8w1rHjx8v9dGtW7dKfQQAADAe0yqAXXjzmUO3IuZuXl9xefkScxAfffTRoosfP3587ty5Y28hAAAwm1y7dm1Uy0+fKYgX3ty+61zE3OWv7BvF8FexyYkAAACTYnqMgPW8v31g7GvoK5gBAACmjWkwAnbhzTLpq+ELX4yBiYZDZMojfvEL8hoAADBFTPEA1nPhzcd3nbsVc5e/cqz42FepYoelyyMCAABMjik9BfHCm8/sOjfCxMOG//QXcw/dunXo6IUnn8srzXHh6KFbedXqAQAmxL8dfX6ymwCzy5+u/8lkN2Fcpu4IWM/720dMXxGZBBYR53Ztf/NCZhis50JmVfkLAJhQ0hckb7r/3k3ZEbDMEFbErUPPPH6oyOfLXzk2MOLV8OSLr/zxmV3nbp3b9cy5giUU7AAAJt6frJre3UGYRv799PQe/oqpOwJ2oePcyAtlNSx97u1XNi8ffH/X3OWb3z72XMUvCwMAAEjCVB0BW/rcsWPPjWL5hqVPPrf0ydGsAQAAkLCpOgIGAAAw4whgAAAACRHAAAAAEiKAAQAAJEQAAwAASIgABgAAkBABDAAAICECGAAAQEIEMAAAgIQIYAAAAAkRwAAAABIigAEAACREAAMAAEiIAAYAAJAQAQwAACAhAhgAAEBCBDAAAICECGAAAAAJEcAAAAASIoABAAAkRAADAABIyOcmuwEAACTtiaf+ZrKbwJTwwTv/ONlNmHUEMACAWSQTvVr3vD7ZDWFKyNwPYliSTEEEAJgtnnjqb1r3vC59kZO5GYyIJkkAAwCYFXSyKUogT5gABgAwW+hqU1Trntfl88QIYAAAAAkRwAAAABIigAEAACREAAMAAEiIAAYAAJAQL2IGACAiouvIq293jmL5+9bt+M6Kz49rX/WrvrfzodqxbQKmJyNgAAAACRHAAAAAEmIKIgAAERFNG15v3TDkZ5+179n7QW9E88bWDfdPSqtghjECBgAAkBABDAAAICGmIAIAME6fHtj53oUSdRH7zr713bY7EU3P7HmyacQtpT9tP3P2Uued29kf3Fff9MDDX1nbWLzcYl/608tDl7+3oWnFIyvur6y4YsEcy77uT058dPpCb+aje+9rXrF1w8B2+ro/OfHR1Qu9dwb20rzqsZUPNdVUcgj33te8qOTCoziE/JMcXWc//rCr63amqfX3Li12yNkzH0uffn1LY0WngwQIYAAATAl93e9/92DXkB/e7u26fbDrg/qmZ3YOyW+fdR351dudd4Ytf+d273sXuoYvX16668h7hVX479zufO+7nU3P7Hkyjrw1ZEe3O0+/3Xn1iZeeXVsYq3KZp3A7d97uPH1f88bvDH2ObmyHcO3AnlxKjIiI3jsXxnLITA4BDACAKSD9yf5M+qpf9cym3HjRZ11nf/V2253o7Xr7yML8QiB9Zweiy33NG3PjVJH+9MDh9y70xvDlR9B5+u2CTeWiUdfbe+5E7537mldtXflQbU1ek+LOB4c/WZL3HrNc+ioYH0t/1nXmV2933rnd+d5rUZDBxnYIt9tO3457l6772iMrPl8bEelP2w+/90FvRG/Xh2e/0jTWN7ORGM+AAQAw+fquXr0dEdH0zM782Xqfb1rx7DPNERHReS1vdOzTE5mBpuaN39mQN/Wu5v4tOzcuzfw7le4bTQPuW7cjb1Ofb9qwYmA7vXeieeN3NmTSV2GTevtTufXTn+wfbFLeIdR8vmnDs99bd29E3O48256uwiEsffrZLZn0FRE196/dueOJ+oiI213X8pevXfFs657XW/eYfzi1CGAAAEwdd1LpoT9q2vB6657XW/MfIeu+diEi4t4nVg4f45pTVx8RheloZE2PDR07un9JJmUV20td7b1DWjsYIIsNu9Wu+NoT9RFx54Mzn473EOpXPTI0UH2+rq708kwxpiACADD5amvvjbgTceeD3W9dal702MqFTTWlZ9M1Ptm658kSn32+ri6it8SHpdTPqSv52b11w+pnZFub89nlrsxw1sIST2FlW5VK98X9tTGOQ6irGV5fpG5oe5i6BDAAAKaAxiefab7zduedXNWKiGx9v0X315YoITgg/Vlf9KfSkfrdtUupbG3AUSmWakajP5XZaed72zrLLtjbn4oosq+KD+G+2jnjaimTTQADAGBKaNrw7Pe+XFDtfaC+X1tEfdMTw4rR93W/v/+jMcWtKWMGHAKjJYABADBV1DY+tKXxoS0Db8fKGwvq7frgYFdq8H1W2fd3Zd1Xf29D3b11tQuXLLo/debVt8sPQ02c5o0Vl16cqofABBPAAACYQKm+sTybVFtz/9oN96+NJ/PKvseFjz55pPGh2oi+s7/KRJeCAu65PY6/0aM2p66+8BGvkUy9QyAhqiACAFAdt/v6h/3ss1RFYeKz9j2vbtv56rYjnw77aHjZ92zFi/pVw6NLxKeXJ2HsKFeH8OrlYVUcI2LwAPd80hcxJQ+BhAhgAACMU7Zs+vD3VnV//EFFDzh9fknTvRERBW/KysmmuHK1Cgf0nT17oZIdVlvTylX3RWTezlzk5V3Z87D04YdGHB+brEMgGQIYAADjlI1Pvae/u+eTroEE9VnX2fdfO9hVbr08tSsyLz6+88Hutw50fzaYYdKf5p6VyqaXwd3tP/Jpbsm+9KcH9rz63bbcjMcirxSbQDUPbV2XOwnvt3d/lv3gs66zb23LnIfBV3glcQh9Z9/atvPVbTtfPdA99o1QdZ4BAwBgvGpXfO2Jrr0f9Eb0nn579+nBD+pXPdN09e22Sh4Du3/LS6t6dp++HXcuHNw7fAjovnU7shU4onbFiqVd713ojdud7323cLbefc2rHqvN7PFOKh1Rvn59VdWuePZ78dZ32+5kSoZ8MOTj+lXf2zk4/DU1D4EECGAAAIzf59fu3FF39uMPu7J1C+vvXfrw17Y0fr7v7NVKt1Hz0Hf2LOw6+/GHXXdu5yrR1997X92KrSuHvArs/i07dyzJ313ce9/g65trlra9dyHiwu8+3dJYYU3C6qhd8Wzrok/bz5y9lLqTKy5/X33TA8Nq6E/ZQ2Ci3XP37t3JbsMUcvz48UcffXSyWwEATA//dvT5iPiTVc9PdkMq8sRTf9O65/XJbgVT1Ladr37wzj9OditG9u+nfxIRf7r+J5PdkEHHjx+PiMpDhGfAAAAAEiKAAQAAJEQAAwAASIgABgAAkBABDAAAICECGAAAQEIEMAAAgIQIYAAAAAkRwAAAABIigAEAACREAAMAAEiIAAYAAJAQAQwAACAhAhgAAEBCBDAAAICECGAAAAAJEcAAAAASIoABAAAkRAADAABIiAAGAACQEAEMAAAgIZ+b7AYAAMBYpT95bffp280bWzfcX3qZT9vPnL3Ueed2RETcV9/0wMNfWdv4+dHvq0rbYXYTwAAAmKY+az98+nbZJfq6399/sCt/mdu9XbcPdn1Q3/TMziebKt5TtbYDpiACADAdfda+Z+8HvWUX6X7/u4WpaVBv19t7PumrcFfV2g4YAQMAYPpJf3rg8HsXyqev+PTAwa6Bf9Y3PbPpyaaaiIi+7k9OfHT6Qm9E7+n9Zxd+Z8WIcwirtR2IMAIGAMC08lnX2fdf2z1i+orovnYh84/6Vd/bOZCaIqK28aEtOzcujYiI220fdxVfeQK2AxEhgAEAMH181r5n79ttmdmA9z7x0o4n6ksu2td3JzKLbXqoduiH9295OvPcVtfl7hF2Wa3tQIYABgDANHNf88bv7Xl2bU25ZVKZ4FS/aEnRxWrm3BcRET19n5XfV7W2AxmeAQMAYNqoa1r1zKaHmspGr1G53dcfUYXHt6q1HWY8AQwAgOni800rHhrdGr39qYhhUwcj0v3l69dP1HaY9UxBBABgBmr68sDTWW8f+XTYh5+1f1Rp1YxqbQcyBDAAAGaixoWZEoXR+d5rRz7pSg/8uC/96YERXyA2EduBiDAFEQCAGer+R9bde6HtTkTc7jz9dufpwk/vva/+zu2K4lO1tgMRRsAAAJipalc8+7119xb75N4nXvraA4lvB8IIGAAAM1jtime/t+jTE4fPXugdeJ3Xfc0rtm64vzY+PdAbEXFf7ZwktwMCGAAAM1ltzf1bdt6/ZchP0+meiIhoqK20dny1tsMsZwoiAACzTt/Vq7cjIpqWNE6J7TB7GAEDAGAmSn/y2u7TtyPuW7fjOys+P+Sj/W13IiKaFzYlth2ICCNgAADMTDU1DRERcbvtVwe6P+sb+Olnfd3vZwJVRCz98v3JbQciwggYAAAzVK58/J0LB/deGP5588YthfMG+86+9d22OxGx9OnX8z4a9XagDCNgAADMTLUrnn2muWj5+LiveeP3NlQ6bFWt7UAYAQMAYAZr2vDs9778yYmPrmbLx8d99U2PbfpKU83oihZWazsggAEAME19fu3O19eOtFBt40NbGh8aWj6+6JIrnm1dUYXtQBmmIAIAACREAAMAAEiIAAYAAJAQAQwAACAhAhgAAEBCBDAAAJjVtu18dbKbMIsIYAAAs8IH7/yjfjalfPDOP052E2YLAQwAYBaRwRhi285Xpa8keREzAMBskelnP/HU32T+s3XP65PaHCaZND4pBDAAgNklF8P0v2c5A1+TQgADAJiNdL5hUngGDAAAICFGwIa6devWZDcBAJgeaiIioqenZ5LbAbPGf4iIad5jF8CGmjt37mQ3AQCYHv7tYkREQ0PDZDcEZot/vx4xxXrs165dG9XypiACAAAkRAADAABIiCmIU91/+9f/MtlNgFnkr//sP092EwCAmcwI2JQmfUHC/NIBABPKCNg08NAX1092E2BW+OQPRye7CQDADGcEDAAAICECGAAAQEIEMAAAgIQIYAAAAAkRwAAAABIigAEAACREAAMAAEiIAAYAAJAQAQwAACAhAhgAAEBCBDAAAICECGAAAAAJEcAAAAASIoABAAAkRAADAABIiAAGAACQEAEMAAAgIQIYAABAQgQwAACAhAhgAAAACRHAAAAAEiKAAQAAJEQAAwAASMjnJrsBTLLN67852U2A0Tl09BeT3QQAgDESwGavTPTa89buyW4IjE7urwaSGAAw7Qhgs5HoxbSWuXV3PvvSZDcEAGDUPAM2S0lfTHd73tptAi0AMO0IYLPO5vXflL6YMWQwAGB6EcCA6cqfEgCAaUcAAwAASIgiHACJev2fPpzsJsDs8upfPjbZTQAYZAQMIDnSFyTP7x0wpRgBA0jaN5f85WQ3AWaLX1z+p8luAkABI2AAAAAJMQJGob5ze167Eg11dfU1X25qbFw8p+zS/ekr3We60qneVG/9qj1PLUyqhSd7I+off2Hn6vLNAwCAqUUAY7hUb0+qtyc6L15Z950dK2pLL3jlN7t/dnng3/WJNA0AAKYzUxApI9V1pb/Mx91dl8t8CgAADCGAUVx9Q11E9HZ2p0sucu13FyOirr4hsUYBAMD0JoBRXF3z4vqI6Llyta/EEle6OyPiwcVNCbYKAACmNQGMEmobmxqizCzEzPzD5qbGRFsFAADTmSIclDJnUXNdW0+qt7M7vXp5zdBPM/MPl3x5cfS1DV/32pFnD3WWKFSYPrV394z24t8AACAASURBVLFUxJKn3/pqQXrru3b25Omui6ne7A/qG5Y0rfurFSNUYsy68uudmYogDUuefrn8luvqH1z88JrljSXqi6SvnDvTdqWzJ5VdeNWmpxZGqWaPfvujXn6o/rM/eKOtJ+LBzXueWpi+cu5M28nOntymVm16amFNkQOJ+gfXlNzLaE9R37WrQy9WXV3zqpWrFxbeKvl3QnSf+s1HnZd7M01tqGsusnzu9ojmb+/esLjCEwIAMG0IYJRUs3hx/bFUb8+Vq33Lh9ZCHJh/2NgYUWqK4qikr/x6sKBiVm/P5d6fXW4bHqiGu/LrPSXSV65DnyfVezF18OKV5sc3bhiaD7PZpmDhQ7svLln3YImWl9z+yfoHN+8cVpp/tMuXle5+59DBi0Va+/RbX4139h68WLCj3osnDxarbDnKJvV3v/PekC1HRG9PqrfnUGdnqYvVfeQHuZQYERE9qc5yywMAzEwCGKXVNjY1nOztSXVd6V9RGFQy8w/r64YNjI1N37nDA/FpzdNbcqMu/d2n3jt4LBU9lw++01juJWN95/b87HJvlE1fDUue3vJXjbVzIiLdd+3MgUOdPanOY29EbcEwS/c7A+mr/sHN2XGkTN643FaQc4Zuv2Bwqa+/++R7By+mei8e2hMFAWa0y4/g4smDRZqairh88Aep6EnVP7hm05rlNbV5JzNSbQfOLXp5cEhz9IcwkL7y9hvRd+3IgUOdPVHqYvUeO9kbdc2Pb1y5ek5NRPRdO3vgUFtPRM/lj079VaP3uQEAs4ZnwChjzqLmorUQB+ofNlU4OXAk6StXeiMiljz9cv6ctzmNq3c8nRl3utjdXWrl7HuZi8w8jGtnBtLXmpde/momfUVETe3CDS+/sK4hIqLzZ7/uztvURxcjMvPlctEi5jQ+teOlx+uK7vpwZvsPbt75VF7LawdX6b14+mzfWJevwLCmrmrO/LMnldlLTW32o9zJ7EkPXs1RNyl7Sh/cnLffiNqFG17ePLDr3nTRypnN396xIZO+IqJ24YrsJRhyd9Ws3rHnrd173jL/EACYmQQwyqlZXKwWYmb+YcPiRZU+s1ShVN+w7NH41O49b+3eM/yxq4xy6SvSp053RkTUrdsy/Bm2OSu2rKmPiLj80amBKiO5HPjwsAGZmtXZYJO//VxuLDZmVbN647qGiEi1nbw2tuUrMLypC788MFWybt2aoXupqcvEyMHzPOomZS59sY1H1NRmXkjQUyyANaxZOTRQzamtL708AMAMJYBRVm1NXcSQWogD8w+bG6s0ATFqageCQdtre/e8c667r9zbnweluo9k0lcUf44onRqoolFbNCgOHFr0pjL9//6rnZmxncZiYS8XbHLKLx+DAWNgRGi0y1egoab0JShy1NnznDP6Ji3+6p63du95a+hTZAULF1VfpKnZQAgAMIt4BozyFn75wei8GHm1EPv7eqOK8w8jIhZ/9ekHUwcvpnK1HyKyVfIWL6wpMc7We/FktgRf0eeIMu0sk1JqahsiejLpYmFNpPsyT3+VeLCtpq4uIr/yxMDycfHQzmKPhw3qSacjaka9fAWKpZrRGHeT+vrTkU7fib6u7q7ebHnDoi2t1uOCAADTnADGCBqblsTFy5GrhdjX3dVT/fmHjU/teKmpoGb6QJW8YxENS9aVKkbfsKS+53JvRO+x33SvLjFNsWRKmVNbH1E6M1BK+sqvD7eVi1sAAJQigDGSxY3NcbkzBmohZp4aquL8w5yaxcs3LF6+YeAdU3kjKj2X2352uW/4W6Ea1rz08vI4ldp9LBVRulLiwADXcNkhsiGLp9IRoxnce3BzuQqN418+AaNo0tAy/fUNdXX1dbV1jYsWL0yffOlg+ZE0AIBZTwBjRNlZiKl0RFztTI1z/mH20aySamoXrnhq4Yr4al7x9OhsO7dycUEtjYEQuHrjus432noiLh460pQf0rIDXCVn9GUn4A0MkWVnJFba7CEzGEc02uUTMOompU+9N6xMf96nE9BEAIAZRhEORtbYtCQi4mJ395XRzT/M1rfIN3zcqf/sD17a+exLO98ZXv2vRPH0wmWy9QwLa8oP1ni4/LsrxdYbKOiXezxpoOZ+iZL3mcr7BfvNFvErLBE5KHtcPziXHsvyCRhtk7JFOxrWDE9fxU4RAABDCWBUYHFjc0TE5Y/arvRGJbUfshXJhxf0u/KbtqGjTLnkU/QVWCPW0oioXb5p4D1dlw/mpbhc7fjOtuGRpv9s2+WIyK/kPlBzP68wfU62on2BxjWZ4JdqO1AsMmWPtHndwMDdaJdPQBWbVPQUAQAwhABGJQaKsPf2pCKiuWnE54Wymarn5O4fnOseiFX93ad+vednl4cvnU1KqbbX9h650p/3muBruSeOymeA7BurhqS4hSsfzzXj17nq9um+a0eym61//K8GS3dkg1zvsTf2vHMt24z+7nf27j5WbNpkLvj1nNz9g1+fHazU3999au/OzJHmv/9qtMsnYHRNGryshwfPT+Z8vpR3ioq8z61y6VN7dz770s5nXzpSdNwSAGCa8wwYFckrwr7kyxUkhJrco1k9Jw++dnLwg4Y1TzdfOTg0zyzc8J01qddO9kaq82dvDB9IqX/8haEVOIaas2LdkrafXc4M5ix6eSCt1aze8VLs3X0sFT2XD742JPvVNT++cUNh8fqa1RufTr1x8GL0Xjy0O39CXcOSdc2ptmExLH/7bT+73Dbk44Y1L71ckBtHu3wCRtWkmtWrmjsPdfYMOz8R9Q+uebguc2VTfXciqvySbgCAGUIAoyI1ixfXH0v1RpmX9g4xZ8XLL9Se+s1Hndlihg11zes2blg8J32q2NBG7fKdbzV2n/rNR52p3lwl+oa6+vpVm9aUfBVYgcVfffrBywcvRvScPHyqcWduYuHqHXsWXzt78nTXxVT26bO6+gdLbXZO41O7Cwvi19U/uGrTUwvj1N6h4WTI9ntTucrs9Q1LmkqUzh/t8gkYTZMWbnj5hS/nX9aoq39w8cNrGhtr50TUNB871BnR2XVtw+IpVukRAGBquOfu3buT3YYp5Pjx448++uhkt2LQf/vX/xIRD31xfRW3uXn9N/e8tbuKG5wlut956eDFyRmkooydz7506OgvqrW1T/5wNCL++s/+c7U2ONzr//RhRHxzyV9O3C6AfL+4/E8R8epfPjZB2/+3o89HxJ+sen6Ctg8M8e+nfxIRf7r+J5PdkEHHjx+PiMpDhBEwGDAQsWLJ028Nf6dzthbIyAVIYDJt27BpspsAY9F65PBkNwEgIQIYDMg+53b5d1e+2jjkkbO+7q5M0Y46+Yupa9uGTd/fN4X+IgiVy/ztQAwDZgMBDAbknnPr/Nne+PbGDQOPP/Wnr/zm8M8u90bk16yHKSXTeZW+mL4yd++2DZtkMGDGE8Agq3b5zm+n9/zscvFijA1Lnt4yfGoiTBXSFzPA9/f9RAYDZjzvAYM8i7+68zsvPP1gXX3D4M/qG5as+/YLL7381Ual1ZmSzDxkJslksMluBcAEMgIGhWrnND61w0gXAAATwQgYAABAQgQwAACAhAhgAAAACRHAAAAAEiKAAQAAJEQVRIDZpT/dfe2jk1dTvame7I8a6uvq/nzFw4sW1NQUXyd99qe7TqQi6h77+79dWWKZrOuHn3/3UkTDI8+9uGKsby7vPrr9QFdluwOA6UUAA5g10t1Hf3mgq2fYz3t6Uz297146EQ3Nq7+x8SsiDwBMGFMQAWaHq+/9dFex9JWvp/PUrud/eiadUJMAYPYxAgYwC1x97x9+3pn9j/q6BwonHKbT1393+uyHnamIiEh9+MOjtT9Zv2gy2gkAM50ABjDjdR/Npa+GR77+jRULhkwyrKlZsHLjgpWrrh/+4buXIiK6fv5GzSsvmIsIAFVnCiLADNd/5mRX5l8Njzz34rD0NahmwaaffP2BzL97T33UnUTjAGCWMQIGMLOlr13ujYiI+tXfGLks4YJNW5ouHeiKiEtXrm9qXFB+6dzMxobmr7+4cYSFcwUYL/Wmsj+pa6ivXbJm+crG0g1LXz9z+uzlzoGajQ31TWWWT3d/XLD9zGTL4Zkz/fGPfniqJ+KBLd/f1Nh/9ey59hPZp+Pq6x5Y87VNA9vvv3r2XPtvu3p6B1r7wCPFtjbmQ5vYJlV8NkZ7CPk1KqOSq9N/5o03P+yNiKZvmdoKIIABzGzpq1czneMH1lQ2pbCx8YHouhQRnd1XNy4o012++t5PR5G+0tcPH3r3Uu+Qn6Z6elM9B7oul9hC6urR7Se68n/S09vVc6DrcpEa97lefp7e1KXedy/9tumxzeuLl7Pvu374QGbWZd4qB9681Pz1fRvj8BtDGpy6dOLdS79dPXRy5pgOraSqNKnM2ThR98CWv93UWPjR2A7h6tEfnSgo6zJwdUZ7yACziwAGMKP13ckMaNTVVfpE14Km5rjUGRF9felYVPrNYD/vTEXFY19nBvr3dQ9syQ3mDJbF7+l89/Di7w9NBZG6dCIV9U2PZQdV0t0f//LAqZ6InhO/OrMo/xVhg3mjofnr31iVqS/Sn+4+98sDXT29XR/+MIqWFbl04t2CJuVySOe7P0pFT2/dA4987eEVc2oiIn39zKF3P+yN6D31y7ML8+Lf2A6tpOo0aeBsFIyPpdPXPzr07qXe1KUDP42CDDbGq/Nh5upsXr6ypvDqdJ49s2qBF7gBlCCAQWl95/a8drL3wc17nlo45JPud146eLGCLRRbtxLpU3t3H0tFLHn6ra9W3HGDIvr7BiaU1dZW3CGuvbcuIhWRSqUjiq2VfS9zhekrovtcJh0NGXupaVz/4pbYfqArIlJ9/VFktl7Tt14YDE41jV958e/jRz881ROpy1f7V+YiR3b7hW9/nlPTuP7Fv6/50Q9P9UTXz99r3FekqYXveq5ZsGnNwAzMnt7C1tYsWPnC11PPv3spoudOf8TQXY/+0EoZb5PSZ39VvEk1Cza98FzdG29+2Ju6dPLjhxuzg2YTfXVizsoXvr+y4uMHmOkU4YBS+s8eODl0Rk4y+s4dPpYaeTGYFKNOXxFXr3RFRNSvfnj43xNqahoiYiBCDNXwyPKhw1Y1NXVDl89WGSn6kFvNV77xSF1EROfZIu83a14xdKCmsXGgDEmR1s6pq4+IiFQ6t6UxH1pJ421S/+9+m4qIaP56sWG3OSs3r26IgiIrE3x1ABjCCBgU1X/2B2+0lX9l7cTterKCH4wodfXohycG+veVP+ezaOP3920s8VlNTV1Eqd+1utrhoy5z6uojCn5F+lOZ/6yrKTrIV1NbW2pAr+He0gNTRbY2p7ZuyK7HfmiljLdJ2ZorDywucXWyrcoNak3w1QFgCAEMhum7duTAoc6y3abGp3bvearUh9eOPHuoMyIa1rw0+vmH3e9MVvBjZsp10Ms90DVE6cfGUpdOZAdnx/GcTzrdH+n+vkh3XbmayhbQK6ay59bS6UybSkaXmpqGwsgxuIMiEWJcKj60ksbbpHQ6s9NLB/7hUtkFCyZSFmygqlcHgKEEMMjX333qNx8duzyev992v3OoMyKibt2W5aPunlz59cGLEQ1r1tWfbKvkGTMY0YgPdA1zvWvgrc3FHxtraK7r6UxFpD48fX3lKIrd9V9971ftY8okFSoZXcY0EjUaE35oE28GHALAdCGAQU7+tMO6dd/ZGAdGPxiVSVAR9Y9vXFE72gZcO/Kzy5nkVnvy5GhXhuJqFi1qOJHqiSiou1BGd/fAyElz4/CygQ2PPPfiijiTevPD3ojK6/tlX3KVVddQX1tXV1O3eOGXG/s/ev7d8mM1FSpZ6yI7RDYhEjm0MXhgS8WlF6fqIQDMUAIYDFX/4OZNTy2sif6zo141k6AiGtZsWj3aaUT9Z39wqDOi+ds7VtRG98jLQ4VqFi6pP9VTpFh5UdcPHxh471axh4jqliyaExErN6++/MNTPRGXDhxtGvnVuv1nDmX69wVVznOfVnogpWQHuErNqcvNyqv6hMMJP7QxKD3fsoSpdwgAM5wqiDCotnnN09/ZvfOphWN7smE8kw/Tp95r64l4cPOGxWPaN5Q2Z+Wapsy/ek68+aOz14fXAhyQvn44N9xRtCZeTq60YHT9/L3rI+w/Wxai4ZHh/fu8Abexy1YC7Oy+WuzjgSp/E/HM0oQf2ujl6hD+9lrxC53++EfP/8P25//hR2f7I6bkIQDMcAIY5MxpXL28cdTzBrP6zn2UeWrrwVWjnnw4UHd+ydNjemkYjKRx/SsDeSl6Try7642fHj57PZ3XPU+nr59576fbf5ibbFb32OYRJivWrPjaYwOx593DYx+yzVaQH5dcwuxqPztsxCb9cXvmkbbh5d0nVlUObQwWPJy51r2nfjn8bERcPZ0Z72paO8JYaEzeIQDMbKYgQnV0n8zUjq9bt2a0IerakddO9kY0f9s7l5kwNSv+9lt3fvrzzlRERG/qUu+7l06UWrbwRcAlzRmciFj+6bLsHMieE786XJsbZulPd5/75YGuwUePUul0LBhjRGpc/lh914e90XPizR/d+fo3Vi2oqRmyi7rHVlVeL6RiCRzaGBq14muP/fbN7NlYvXbVVwaqX6avnzn0bvaN1dlXeCVxCP1n3njzw96IaPrWyBNWAWY8AQyq4trvxjr8lZm4WP/4CyYfMrEWbfzbVxYfLehVD9PQvPobGyso1JFR85W1zad+3jni02VzVq5punygqydSlw68WTilre6BR1bU/fbdD3sjetN9FZZpLLqLF56LN978sDd6Ot/d1Vn4YX3TY5vXT8zwVwKHNqZWDZ6NUz/vPDXk44ZHnsu7WFPzEABmMAEMqiB96vTAJKemUQ5/ZevOj75oB4xeTeP6F3+yPt398UeFr3hqqK+r+/MVDy9aUPxNxqUt2vj1BzrfvRTRc+JXZxaVHjdrXP/i3zeeOX32cm6n9XUP5PZY2/Thga6Irq7u9YvGPgw8Z+UL3/9y98cfnbx6qTdb9bC+7oE1X3u4cc4EJockDm0MBs9Gqjd3oesamhcNDohN9UMAmKnuuXv37mS3YQo5fvz4o48+OtmtGPTf/vW/RMRDX1xfxW1uXv/NPW/truIGZ65sVfoHN+8Z4dGs7JINa156eTTlN/rO7XntZG/UrfvOjiHjZt3vvHTwYkQsefot8xLL2fnsS4eO/qJaW/vkD0cj4q//7D9Xa4PDvf5PH0bEN5f8ZRW3uW3Dpu/v+0kVNwiT6x+2P9965HC1tvaLy/8UEa/+5WPV2uAQ/3b0+Yj4k1XPT9D2gSH+/fRPIuJP10+h//EdP348IioPEUbAYNz6ujNzuuqbG0f1d/b0lSu9ERGpttdeaiu+yOWDz16OqCQEAgAwDaiCCOOVzVF1TYtNIwQAoBwBDMYrnUpFRDQsXjTmEvYAAMwOpiDCOGXrH9aPtnxB1KzesWd18Y88AwYAMCMZAYPx6Utn6q3V16nQDADACIyAwfjcSfdGRERd7QgPgKVP7d19LBURzd/e7ZVfAACzkxEwGJd0X2YArK723kluCQAAU58ABlVRV6sCBwAAIzEFEUqZs+Ll3StGWqhMIY0xLxkRjU/t3vNUpQsDADBdGAEDAABIiAAGAACQEAEMAAAgIQIYAABAQgQwAACAhAhgAAAACRHAZqOdz7402U2AKtj57EuHjv5islsBADAK0+g9YBfefHzXueWvHHtuafGPiqxSfOlZ7tDRX2xe/83JbgWMl78jAADT0bQJYBfeLBqxIiKi549/SLAlM0Aug+15a/dktwXGIpO+DH8BANPOtAhgPRfefKZ0/Iq4/cdbYbhrdDI9V0NhTFOiFwAwTU31ANZz4f2jRw6du1VumQsd5yJi7hfuS6hNM4heLAAAJGlKB7Ce97c/c+hWRMxd/sqLLR0lRsEyExDn/sV/aki0cQBMO+mzP911IvXAlu9vaiyzVP/Vs+faf9vV05v5z7qG5kVrV31lUU0le7h++Pl3L1Ww3EhtAGCmmtIBLCJi7vLNG9Y/ubQhLnSUWOL2H29FzP2LL9x+/80fDYyVzZ27fMOLzy2VyAAYlP74lydSIy7zox+e6in4UaqnM/XzzqsPbPlbkQmAcZvSZegbntx3bN9zT5YPUpkBsFuHdu0anKl469a5Xc88/uaFCW8hANNEkWQ1qmVSlw789Ey6+u0CYJaZ8iNgI8pU4MhMU8wMevX0vH/0R4fO3Tq3a/sX3t73ZLH4dvz48VLbu3Wr7ANnk6G3d4QuA1BFCXwJ9PZU+Ze6P91f3Q3ONP/379v/z//6r33Z//wf/1/RM/b/dBzIpq+aP/s/nlj7pf8ts/J/7zj/L+eu9UekPvzw//ry4/+x7K7mPPzycw+X+vD37bv+679GRO1Xnnq41lUro+q/IxP3e52ZmdpT7QYDpfyHiJiSPfbKTfsANlCCfvkr+3IlEBsannxu3xfi8V3nbv3zv/Q8WSyBPfroo0W3dvz48blz505QU8fgd/8aEVFfbzIlJOHGHyIiJvZL4I/dEVHfUOVf6jk1c6q7wRkkff3M6bMfdhbMPPyf/9diZyx97feZAa7mr7+yccHgA19z5jzxZ//xf3njzQ97I/7f/xFz5lT0LFgR1w//IPOlvvpbj//vY93ILFHN35G+/x4T+Xv9bxcjIhqq/UsNlPLv1yMm+n/Wo3Tt2rVRLT/tA1jDk/uOPVnk50tblse50gkMgJkvf0ph/epXNscvS89CTF+92hMR0fSt/PQ1YM7KF76/cnxtufpepjhH3WObvyJ9Acxi0z6AlXTfF+ZG3Lr1x9sRAhjAbFb3wJavbWqcE+mPSy/T/7vfpiIimhsXTUQTuo/+vDMiouGRr60UvwBmtZkbwDK8HQxgFqtZ8sjXv7Fi+IjWcP2p3oiIhnvnREQ6ff2jQ2cv9WYmLtY1NK/4xqoFNWMPTtcPH+iKiKhf/Y0VZosCzHJTugpiBXre3/74448XK3iYKc7xxS8Y/gKYrWoWrKwofUWk0wNhq3bO1fd+uuuH72bTV0Skejrf3fXDsZdATJ89m3kz2ANrTD4EYLoHsIYvfDEi4lzHkATW8/6RcxGxvGXp8HUAoLjUyZ/+vLPou8JSH44xg13/KPPysfrVD3uNGADTfwri0vWb5547dOvcru2RK0N/4c0f7Tp3K2Lu5vXyFwCV6+lNRURD89dzcw7T3R9/dPLUpd6ISH14+vrKjQtGt8XubsNfAOSZ9gEsGp58cfM/P3Po1q1zu545l//B8ldeVP8QgFFqeOS5F/Oe1Kpp/MqmxoV1mTL0nd1XNy4YTZWO/jMnuyIioqnJ8BcAEdN/CmJEphL9268sH3wbwNy5y195+1hmOAwARqFpbZE6GXNWrmmKiIiuru7RbCx97XKmtscjyyekuCIA08/0GQFb+tyxY8+V/LRh6XP7lpb+GAAqUaoMfU1NQ0Spd4iVkn23WN2SRYofApAxE0bAAGB8amrqMv9Ipcda7HC47LvF6hd92eNfAAwQwAAgFjQ1R0REb7qv2Me5say6UUSp7LvF/nyh/AVAlgAGABG192bGwLp+/t71YR9mS8lHbW3lWSpb/7Cu1vxDAHIEMACIqFmx4oHMvzrf3f7Gx1ezMxHT3R8ffuPdTJQaVS2NdF9mLG1Ug2YAzHjTpwgHAEykBZu2NF060BUR0Xvq5z88NWyBIQUS+89katNH07d+sn54MOu7M/pBMwBmPiNgAJDRuP6VLU3FX2FS3/Stvy+Sskrr78vkr/qa2iq0DIAZwwgYAGTVNK5/8e8bz5w+e7kzNVB0vr7ugT9f8fCKBWMcx6qrMQAGQB4BDIBZouYrL/7kKxUstmDlxgUrN4643JyVL3x/5Rg/BWDWMgURAAAgIQIYAABAQgQwAACAhAhgAAAACRHAAAAAEiKAAQAAJEQAA5jeWo8c/oftz092K6A6/mH7861HDk92KwAmkAAGAEwJ/pQAzAZexAww7bUeObxtw6aI+P6+n0x2W2CMjH0Bs4QABjATZDKYAQSmL+kLmCUEMIAZQv8VAKY+z4ABAAAkRAADAABIiAAGAACQEAEMAAAgIQIYAABAQgQwAACAhAhgAAAACRHAAAAAEiKAAQAAJEQAAwAASIgABgAAkBABDAAAICECGAAAQEIEMAAAgIQIYAAAAAkRwAAAABIigAEAACREAAMAAEiIAAYAAJAQAQwAACAhAhgAAEBCBDAAAICECGAAAAAJEcAAAAASIoABAAAkRAADAABIiAAGAACQEAEMAAAgIQIYAABAQgQwAACAhAhgAAAACRHAAAAAEiKAAQAAJEQAAwAASIgABgAAkBABDAAAICECGAAAQEIEMAAAgIQIYAAAAAkRwAAAABIigAEAACREAAMAAEiIAAYAAJAQAQwAACAhAhgAAEBCBDAAAICECGAAAAAJEcAAAAASIoABAAAkRAADAABIiAAGAACQEAEMAAAgIQIYAABAQgQwAACAhAhgAAAACRHAAAAAEiKAAQAAJEQAAwAASIgABgAAkBABDAAAICECGAAAQEIEMAAAgIQIYAAAAAkRwAAAABIigAEAACREAAMAAEiIAAYAAJAQAQwAACAhAhgAAEBCBDAAAICECGAAAAAJEcAAAAASIoABAAAkRAADAABIiAAGAACQEAEMAAAgIQIYAABAQgQwAACAhAhgAAAACRHAAAAAEiKAAQAAJEQAAwAASIgABgAAkBABDAAAICECGAAAQEIEMAAAgIQIYAAAAAkRwAAAABLyucluwJRz69atyW7CUL29PZPdBJhFEvgS6O3xSw2Jmrjf65qIiOjxSw1J+Q8RMSV77JUTwIaaO3fuZDdh0O/+NSKivr5hshsCs8KNP0RM9JfAH7sjor7BLzUkpe+/x0T+Xv/bxYiIBr/UkJR/vx4xxXrs165dG9XypiACAAAkRAADAABIiAAGAACQEAEMAAAg5ig4eQAAIABJREFUIQIYAABAQgQwAACAhAhgAAAACRHAAAAAEiKAAQAAJEQAAwAASIgABgAAkBABDAAAICECGAAAQEIEMAAAgIQIYAAAAAkRwAAAABIigAEAACREAAMAAEiIAAYAAJAQAQwAACAhAhgAAEBCPlf1Ld68ebP0h/Pmzav6DgEAAKaHKgWwm+37fvz6jv0dIy23te1u69rq7BIAAGCaqUoAa982f93+amwIAABgBqtCALu57/WB9NWydev6BU986Uull50/f/z7AwAAmJ7GH8BunjjaEWF2IQAAwAjGXwXxxvWOiGjZ+3fSFwAAQDnVKkPf+CXlDQEAAMoafwCbv6AlIrp/X6b4PAAAANUIYPMeWd8S0XH0hAQGAABQThWmIM7b/s7elujY8dS2dhkMAACgpCpUQdy37cfXG1uio2P/uvn7o6Vla2NjyYUX/F3rdg+LAQAAs9P4A9iN6/v3572FuaNjf0dHyYW3PtEaAhgAADA7VasKIgAAACMY/wjY2ta7d1ur0BIAAIAZzggYAABAQgQwAACAhIx/CuIQN2+WqkV/48SPX48nzm9fW+1dAgAATAtVCmA32/f9+PUd+0uXPxyw9Ynq7A8AAGD6qUoAa982f93+kReLaFlQjd0BAABMS1UIYDf3vZ5NX5m3MHd37+/oKPh3RLRsbXunda13gAEAALPX+Itw3DxxNJOw9t64e/58a2tr6zvrWyKio/GJ1tbW8+fv3r2xtyWiY//rJ0o9HQYAADAbjD+A3bjeEREte9/Znh3emvfI+paI6P79QOCat/1829aIjh0/bh/33gAAAKatapWhb/xS3uzCeV9qjIiO6zdyP1n7xNaI2P+BBAYAAMxeE/kesNwQWGQTWP5PAAAAZpnxB7D5CwrmG+b9LH8ILGP4TwAAAGaN8QewgfmGR/NLbGR+lp/Kbv6+e9x7AgAAmNaqMAVx7d/tbYno2DF/2bZ97QOJa2AILJfK2n+8oyMiWhbMH//+AAAApqdqPAM2b/urWyMiOvbvWDd/W3vejzp2zL/nnmXL7rkn857mlvWPeBEYAAAwa1WnCMfa1rs39m5tKfjR37Vtzfwr8yLmwkr1AAAAs0/VqiDO2956/u7dG21/l51kOG9t640bbVtbWlpaWlq27m27cV78AgAAZrXPVXdz89bmh6x589a2nl9b3T0AAABMVxP0HrCbN73wCwAAoFA1A9jN9n3bli2755577rln/vyBahzt2+7JK44IAAAwi1UrgN1s37Zs/rod+7MVN/J07N+xbv6yTB4DAACYvaoTwNq3zV+3vyMiomXr1oJyiPMXtLRERHTsX7dsn3EwAABgNqtGAGvflnnN19a2G3fPt7Zuf6Jx8LN528+fv9G2tSUiOnb82CgYAAAwi1UhgLV/sD8iWvbeaF1bvM78vLWt7+xtiYj9H0hgAADA7DX+AHbz990R0bL+kXJv+Zr3yHoJDAAAmOXGH8BuXO+IiMYvlX/L8rwvNZb9HAAAYMaboPeAAQAAMNT4A9j8BZVMLhx4UGzB/HHvDwDg/2/v/l0bO/cHj38Mge1vcYs4hhFIUwzDdouJzBQq5YRhCjNFFpxOxiyL7GLSOOW4ycDaYgsjwRYxbIrBRTATu9hC7A5WMBe2uEyGS6SLBhwFvn/Al8tW3kLyb9mWbfnxr9eruRnp+OgU95H01nPOcwDuqKsH2CCXd7Uqr2sR55+oCAAAcI8N4RTEvQKbnJjZ7HOnr9bmzERurhER+eVXxau/HAAAwB01jGvAsuXuKvON2mRuZGRi4vWHiIgPr2dmJiZGRvZv0bz8Y9n8FwAA8IB9NpS9ZMtbzZj5dq7WiGg0GhER0Wh0wysiIvLLzS35BQAAPGxDWwUxW65uNZsby6V8Pn/waD6fLy1vNHfVFwAAwHBmwHqy2WK5WiwPc5cAAAD3hvuAAQAAJCLAAAAAErnoKYitzZk3P1/+5Z68qroaDAAAeKAufA3Y7x9qh1Y3vKjSi2oIMAAA4GG6aIBlHz+N6AbYkeUOAQAAOMeFZ8ByT/K9Ams0orT8/auvillzWgAAAOe78CIc2fJWs7lRyucjolGbm8zlRkZGJmYqm63WNRweAADA/XGZVRCz2WJ1a2t3d7e5sVzKRxyU2MTETGVTiAEAAPRzpWXos8VydT/E8hHRaNTmJnMjSgwAAOCkodwHLFssV7e2dnebB1NiSgwAAOCYod6IOXtiSuxQic1UlBgAAPCgDTXA9p2cEotGbW5uMjezeS2vBwAAcAdcT4DtyUbEk6duFwYAABCXuA/YQFqtzV/evJ6rNY48ms+XXuSu5fUAAADugOEGWGuz8ub121rjSHjl86WX378qF92uGQAAeNiGEmB9J7x0FwAAwBFXCrB+E166CwAAoL/LBFi/CS/dBQAAcI4LB1irMpGb208v3QUAADCoCwdY8+NefeVLpacR8fHnNzM/D/rXT15Vy2INAAB4mC4aYK3fP+z9Z6N2bJn5AZReVEOAAQAAD9NFb8R8MAEGAADAhVx0BqxY3d2tXsuRAAAA3HMXnQEDAADgkgQYAABAIgIMAAAgEQEGAACQiAADAABIRIABAAAkIsAAAAASEWAAAACJCDAAAIBErinAWq3W9ewYAADgzhpmgLU2KzMTEyMjIyMjuVxuZjMiYnNmZGKmsinHAAAAhhVgrc2ZidzkXK3ROPFUozY3mZvo9hgAAMDDNZwA25zJTdYaERH5Umm5lD94Jvckn4+IaNQmJyrmwQAAgIdsGAG2OTNZi4gobTR3t6rV8ounB89ly1tbzY1SPiIac2/MggEAAA/YEAJs8+daROSXm9Vitu8G2WL1x+V8RNR+VmAAAMDDdfUAa/3+ISLyL7/qX19d2a9eKjAAAOCBu3qANT82IuLp47P6KyL7+OmZzwMAANx7bsQMAACQyNUDLPdkkJMLexeKPcld+fUAAADuqKsH2CCXd7Uqr2sR55+oeKbtpefPny9tn/JsZ22pXH7eU15a2+5c/pUAAACuwxBOQdwrsMmJmc0+d/pqbc5M5OYaEZFfflW89KtsLy3Wz3jy+exqvd3e+3e7vro4e2qrAQAA3IhhXAOWLXdXmW/UJnMjIxMTrz9ERHx4PTMzMTEysn+L5uUfy5ec/+psLz0/M78W6xGRmV5YWV9fX19fWZjORER9sbxmGgwAALg9hrMIR7a81Vwu5SMiotFoNLr/W6t1/ysi8svNrUvlV2d7bak8e0Z9RWftp3pEFBYqU+OjERExOj5VWShERPv9rwoMAAC4NYa2CmK2XN1qNjeWS/l8/uDRfD5fWt5o7l6yvtbKs4ur9XZkCgsrC4X+2/z6vh0Rhfz4kYfHX05nFBgAAHCrfDbMnWWzxXK1WB7mLiNTmP7m5dT4aGw3+j7/x06//ooYHXsU0W7v/BExOtQDAgAAuKShBtiwjU5V1qfO3qSz8ykiMmNfnHjmi7FMRPvTTifGFRgAAHAbXD3ANmdGJj+Ulr9/VS5eYY35xN69e3faU+2DxRRviz//dCIlpJPgTeDPjkENSV3fuP5rRER0DGpI5S8RcSu/sQ9uODNgjdrcZG0uIn/rQuyUcxC//vrrvpu/e/cuk8lc90EN7u//iIj4/HNzeJBC81NExPW+Cex8iIjPRw1qSOXf/hnXOa7//W8REaMGNaTyr48R1/1hfUG//fbbhba/+iIcuRel/WU3GrW57kr0M5V+twS7Af1OTgQAALgRVw+wbLG6tbW7210AsftQ4/aFGAAAwI0b3jL0xXI3xJob/UJss3U9ITY69ih6Jxoe010e8dGYcwIAAIBbYmgBtie7NyPW3Ni7NXM0GrXJXG5kZGKiMvQM+2IsExGfdo5f/Hr68ogAAAA3Y+gBtiebLZarW7u9cxO7jzUaH5vDfp3RL59lItqrb7ePPLz9drUdkXn2pQkwAADgtri2AIuIaG1WZia+nZyr9b+H8nB0Cyzqi+Wl7e40WGd7rbxYD/0FAADcLtdxI+ZWa/OXN6+PZlc+X/r+x1fF7DWsUD869d3CzuxivV1fnK0ferywUJnSXwAAwO0xzBmw1mZlZmJiZCSXO5j0yudLyxvN3d2treq11FdERIyOz68sTBcO7gaQKUyvrM+PX9PLAQAAXMowZsBam5XjE17XcE/m8fn19flTnx0dn5ofnzr9eQAAgBt39QDbnMlN1g7+OfTwAgAAuCeGdg1YvrT8/auvru80QwAAgLvu6gGWe7HRvJ7VNQAAAO6VqwdYtlgcwnEAAADcexcNsFZl5s3HiIgnr6rl7JFHBrH/VwAAAA/ORQOs+bFWq0VElF5UI3vkkUHs/xUAAMCDM8z7gAEAAHCGi86AFau7u9VzHgEAAKAPM2AAAACJXD3AWpWZmZmZSuv8rSYmJs7bDAAA4P66eoA1P9ZqtdrH5tlbZR9HrdFonLcZAADA/ZXqFMTW7x8SvRIAAMAtdYkbMW/OjEyeWHe+NjkywFr0+Se5i78eAADA/XCJGbBidaN0uRcrfe8uzAAAwMN1iRmwiOKrjVL83PvHhw+1RiPy+dLTp2f8yZMnL776qii/AACAB+xSARbZYrVa7P335kxtshFPvz94BAAAgD4uF2CH5Z6USqVwcRcAAMA5rh5g2XK1OoQDAQAAuO8uGmCtysybjxERT15Vuytq7D8yiP2/AgAAeHAuGmDNj7VaLSKi9KIa2SOPDGL/rwAAAB6cVDdiBgAAePAuOgNWrO7uVs95BAAAgD7MgAEAACQiwAAAABK5+jL0x7VardOfzGYtwQEAADxUQwqw1mblzeu5WuO87Uobu9XicF4SAADgjhlKgG3O5CYHXokeAADggRpCgLUqr3v1lS+VXj558fjx6dvmcld/PQAAgLvp6gHW+uVtI8LZhQAAAOe4+iqIzY+NiMgvv1JfAAAAZxnWMvRPH1veEAAA4ExXD7Dck3xEfPj9jMXnAQAAGEaAZb96mY9ovP1FgQEAAJxlCKcgZss/LuejMfftzKYGAwAAONUQVkGszLz5+DQfjUZtMleLfL709OmpGz95VS27WAwAAHiYrh5gzY+12qG7MDcatUbj1I1LL6ohwAAAgIdpWKsgAgAAcI6rz4AVq7u71SEcCQAAwD1nBgwAACARAQYAAJDI1U9BjGi1Blx+Ppu1AAcAAPBwXT3ANmdyk7XzNzskny+9/P5VuajGAACAB+UmTkFsNGpzk7mRiYr7NgMAAA/J1QMs92pjY2M5v/fPfKm0vLFnuVTK7z++vLGxsbG8XCrlu4815nIzm1d+eQAAgLvi6qcgZrPF5pvJRkTkl5tb5SPnFRaLxXK12tqcyU3WanM/v9itlovFKEfvoai9rrwqlp2KCAAAPAhDOAVxc2ay1q++9mWL1eZyPqI2uT/jlS1WN0oR0Xj7i/MQAQCAB+LqAdb6/UNE5F9+ddZEVvarl/mI+PD7QW7lnuQjovGxeeUjAAAAuBOuHmDNj42IePr47BMJs4+fxtHc6j4CAADwYAxrFcTDc1v9dOfJAAAAHrCrB1jxRSkiGnNvzlrRcPPNXCMiSi+KBw/9XIuI/JPclY8AAADgThjCDFi3wKI2OTGz2W8arLU5M9G9VfN+f+0/dM6lYwAAAPfI1ZehjyhWN0q1yVo0apO5WuTzpad7V3d9+PCh0Wj0/lHaqBYjYnNmpJtjob8AAIAHZRgBFlGsNjfi28laIyIajdp+c+3LL2/8WC4ee6y0cdrC9QAAAPfQsBbhyBarW7vN5sZyKZ/PHzycz5eWN5rN3a1ycS+1ck9KpeXljebuVrXYd1cAAAD303BmwHqy2WK5Wiyfs1G5Wh3miwIAANwRw5oBAwAA4BxDDbBWa7MyMzExMdIzMTExMVPZbJ19izAAAICHYWinILYqE7m5Y4tvNBqNaDQma3ORX25acAMAAHjghhNgR+orn88/7S5Ef7AKfWMuNxEaDAAAeNCGEWCtyrfd+uouNn8sslqblW8n5xrRmPu28pUEAwAAHq4hXAO2+WauEdE9y/B4fUVEtljeai7nI6Ix92bz6i8HAABwR109wFq/f4iI/PKPZ0xuZcs/Lucj4sPv1uMAAAAerKsHWPNjIyKePj773MLs46cR0fjYvPLrAQAA3FHuAwYAAJDI1QMs9yQfEbWfz768a/PnWkTkn+Su/HoAAAB31NUDrHtyYdReV06/vqtVeV2LOP9ERQAAgHtsCKcgFl/11jjMTcxsto5XWKu1OdO7SVh++VXx6i8HAABwRw3jPmDZ8o/Lb3NzjWjUJnO1iMjn891nerdhjojz1kkEAAC494YRYBHZ8lbz8cy3k7Vubx3uroiIyJc2fqz2uUcYAADAAzKcAIuIbLG6tfuqtfnLm5/ffviw9+jTpy9fvPqqmNVeAAAAQwuwiIjIZovlarE81H0CAADcE+4DBgAAkMiVA6zVOrHwYffxysTETOXkqogAAAAP1RUCrLU5MzEykst9+0ufyGr98rbRqM1N5nIjEzObKgwAAOCyAdbanJnI9RY9bHxsntzg0EON2mRu4oy7NAMAADwMlwqwzZm9+IrIlzZe5U5uUixv7e42N0p7NwSby81sXvYYAQAA7oVLBNjmzGSt+1/55ebuVvX0ReazxepWc7nXYLVJCQYAADxoFw6wVuX1fn79WD7//l7Z8o/7CfbaiYgAAMADdtEAa/3ytnfuYen7AfIrIiJb/r7U/a/G237rdQAAADwMFw2w5se9a7+e9Lny6xS5J3uXgvVbrwMAAOBhuPQy9E8fDzb/FRGRffz0si8DAABwb1z5RswAAAAM5qIBtn824YffB7+cq/X7h+5/XOS8RQAAgHvmogG2fzbhBRbUOFi44yLnLQIAANwzFz4FsfjioksaHvSXCTAAAOAhu/g1YAcFNvftAPf12pzJzV104XoAAID76BKLcBSrG/sJlpuY2Tw1wlqblZmJyd5tmyO//Kp4iQMEAAC4Lz67zB8Vq83lD92JrUZtMleLyJeWX754/Hhvg99//vltrdY49CeljS3TXwAAwMN2qQCLyJa3mjHz7dxeZDVqc43aKdvmS8s/VtUXAADw4F3+PmDZcnWrubFcyp++ST5f2mg2t9QXAABAXHoGrCdbLFeL5Wq0WpvN5u+///zxY0Q8efLi8eNcrpiVXQAAAIdcLcD2ZLPFbLZYtMgGAADA6S5/CiIAAAAXIsAAAAASEWAAAACJCDAAAIBEBBgAAEAiAgwAACARAQYAAJCIAAMAAEhEgAEAACQiwAAAABIRYAAAAIkIMAAAgEQEGAAAQCICDAAAIBEBBgAAkIgAAwAASOSzmz6AW6fdbt/0IRz355+dmz4EeEASvAn82TGoIanrG9d/jYiIjkENqfwlIm7lN/bBCbDjMpnMTR/Cgb//IyLi889Hb/pA4EFofoq47jeBnQ8R8fmoQQ2p/Ns/4zrH9b//LSJi1KCGVP71MeKWfWP/7bffLrS9UxABAAASEWAAAACJCDAAAIBEBBgAAEAiAgwAACARAQYAAJCIAAMAAEhEgAEAACQiwAAAABIRYAAAAIkIMAAAgEQEGAAAQCICDAAAIBEBBgAAkIgAAwAASESAAQAAJCLAAAAAEhFgAAAAiQgwAACARAQYAABAIgIMAAAgEQEGAACQiAADAABIRIABAAAkIsAAAAASEWAAAACJCDAAAIBEBBgAAEAiAgwAACARAQYAAJCIAAMAAEhEgAEAACQiwAAAABIRYAAAAIkIMAAAgEQEGAAAQCICDAAAIBEBBgAAkIgAAwAASESAAQAAJCLAAAAAEhFgAAAAiQgwAACARAQYAABAIgIMAAAgEQEGAACQiAADAABIRIABAAAkIsAAAAASEWAAAACJCDAAAIBEBBgAAEAiAgwAACARAQYAAJCIAAMAAEhEgAEAACQiwAAAABIRYAAAAIkIMAAAgEQEGAAAQCICDAAAIBEBBgAAkIgAAwAASESAAQAAJCLAAAAAEhFgAAAAiQgwAACARAQYAABAIgIMAAAgEQEGAACQiAADAABIRIABAAAkIsAAAAASEWAAAACJCDAAAIBEBBgAAEAiAgwAACARAQYAAJCIAAMAAEhEgAEAACQiwAAAABIRYAAAAIkIMAAAgEQEGAAAQCICDAAAIBEBBgAAkIgAAwAASESAAQAAJCLAAAAAEhFgAAAAiQgwAACARAQYAABAIgIMAAAgEQEGAACQiAADAABIRIABAAAkIsAAAAASEWAAAACJCDAAAIBEBBgAAEAiAgwAACARAQYAAJCIAAMAAEhEgAEAACQiwAAAABIRYAAAAIkIMAAAgEQEGAAAQCICDAAAIJHPbvoAhmJ76flivc/jhYX1+fHkRwMAANDXvZgB6+x8uulDAAAAONe9mAH7Y6cdprsAAIDb7j7MgG036hGRGfvipg8EAADgLPcgwLonIGaefTl600cCAABwlntwCuIfO+2IzLOxP9aWflittyMiMpnCN9/NjysyAADgNrn7M2DdCbD26uJir74iot2uL84+X9q+wcMCAAA47u7PgHVX4IjIFBZ6k16dztrbH1br7fpieWylMtVvHuzdu3en7a/dbp/21E3588/OTR8CPCAJ3gT+7BjUkNT1jeu/RkREx6CGVP4SEbfyG/vg7nyA9ZagLyxU9pdAHB2dmq+MxfPFevv9r52pfgX29ddf993bu3fvMpnMNR3qJfz9HxERn3/uZEpIofkpIuJ63wR2PkTE56MGNaTyb/+M6xzX//63iIhRgxpS+dfHiOv+sL6g33777ULb3/lTEEenKuvr6ycXoB/PFyKi/f5XP0kBAAC3xJ0PsFN9MZaJiPbOHzd9IAAAAF33N8C63B0MAAC4Ne56gHXWys+fP++34GF3cY5HY07KBgAAbom7HmCjY48iIuqNYwXWWfupHhGF/PFrwwAAAG7KXQ+wGH85nYmI+mJ5abu33kZne6k8u9qOyEy/1F8AAMCtceeXoY/Rqe+m38+uttv1xdn64ScKC9/1vQcYAADAzbjzM2DRXYl+ZaFwcDeATKawsLLevSszAADAbXH3Z8C6RsfnK+PzN30UAAAAZ7gPM2AAAAB3ggADAABIRIABAAAkIsAAAAASEWAAAACJCDAAAIBEBBgAAEAiAgwAACARAQYAAJCIAAMAAEhEgAEAACQiwAAAABIRYAAAAIkIMAAAgEQEGAAAQCICDAAAIBEBBgAAkIgAAwAASESAAQAAJCLAAAAAEhFgAAAAiQgwAACARAQYAABAIgIMAAAgEQEGAACQiAADAABIRIABAAAkIsAAAAASEWAAAACJCDAAAIBEBBgAAEAiAgwAACARAQYAAJCIAAMAAEhEgAEAACQiwAAAABIRYAAAAIkIMAAAgEQEGAAAQCICDAAAIBEBBgAAkIgAAwAASESAAQAAJCLAAAAAEhFgAAAAiQgwAACARAQYAABAIgIMAAAgEQEGAACQiAADAABIRIABAAAkIsAAAAASEWAAAACJCDAAAIBEBBgAAEAiAgwAACARAQYAAJCIAAMAAEhEgAEAACQiwAAAABIRYAAAAIkIMAAAgEQEGAAAQCICDAAAIBEBBgAAkIgAAwAASESAAQAAJCLAAAAAEhFgAAAAiQgwAACARAQYAABAIgIMAAAgEQEGAACQiAADAABIRIABAAAkIsAAAAASEWAAAACJCDAAAIBEBBgAAEAiAgwAACARAQYAAJCIAAMAAEhEgAEAACQiwAAAABIRYAAAAIkIMAAAgEQEGAAAQCICDAAAIBEBBgAAkIgAAwAASESAAQAAJCLAAAAAEhFgAAAAiQgwAACARAQYAABAIgIMAAAgEQEGAACQiAADAABIRIABAAAkIsAAAAASEWAAAACJCDAAAIBEBBgAAEAiAgwAACARAQYAAJCIAAMAAEhEgAEAACQiwAAAABL57KYP4NZpt9s3fQjH/fln56YPAR6QBG8Cf3YMakjq+sb1XyMiomNQQyp/iYhb+Y19cALsuEwmc9OHcODv/4iI+Pzz0Zs+EHgQmp8irvtNYOdDRHw+alBDKv/2z7jOcf3vf4uIGDWoIZV/fYy4Zd/Yf/vttwtt7xREAACARAQYAABAIgIMAAAgEQEGAACQiAADAABIRIABAAAkIsAAAAASEWAAAACJCDAAAIBEBBgAAEAiAgwAACARAQYAAJCIAAMAAEhEgAEAACQiwAAAABIRYAAAAIkIMAAAgEQEGAAAQCICDAAAIBEBBgAAkIgAAwAASESAAQAAJCLAAAAAEhFgAAAAiQgwAACARAQYAABAIgIMAAAgEQEGAACQiAADAABIRIABAAAkIsAAAAASEWAAAACJCDAAAIBEBBgAAEAiAgwAACARAQYAAJCIAAMAAEhEgAEAACQiwAAAABIRYAAAAIkIMAAAgEQEGAAAQCICDAAAIBEBBgAAkIgAAwAASESAAQAAJCLAAAAAEhFgAAAAiQgwAACARAQYAABAIgIMAAAgEQEGAACQiAADAABIRIABAAAkIsAAAAASEWAAAACJCDAAAIBEBBgAAEAiAgwAACARAQYAAJCIAAMAAEhEgAEAACQiwAAAABIRYAAAAIkIMAAAgEQEGAAAQCICDAAAIBEBBgAAkIgAAwAASESAAQAAJCLAAAAAEhFgAAAAiQgwAACARAQYAABAIgIMAAAgEQEGAACQiAADAABIRIABAAAkIsAAAAASEWAAAACJCDAAAIBEBBgAAEAiAgwAACARAQYAAJCIAAMAAEhEgAEAACQiwAAAABIRYAAAAIkIMAAAgEQEGAAAQCICDAAAIBEBBgAAkIgAAwAASESAAQAAJCLAAAAAEhFgAAAAiQgwAACARAQYAABAIgIMAAAgEQEGAACQiAADAABIRIABAAAkIsAAAAASEWAAAACJCDAAAIBEBBgAAEAiAgwAACARAQYAAJCIAAMAAEhEgAEAACTy2U0fwLB01pZybyNVAAAM4UlEQVR+eF9vtyMiIlOY/ubl1PjoDR8TAADAYfdjBmx76fns6l59RUS7vro4u7R9k4cEAABw3H0IsO2lxXpEZKYXVtbX19fXVxamMxFRXyyvdW762AAAAPbd/QDrrP1Uj4jCQmXvnMPR8anKQiEi2u9/VWAAAMCtcecDrPPr+3ZEFPLjRx4efzmdUWAAAMCtcucD7I+dfv0VMTr2KCLaO3+kPyQAAIC+7voqiJ2dTxGRGfvixDNfjGUi2p92OnHnV0P835/e3vQhAMP0P/7v/7npQwCG6V//67/d9CEAd8ZdD7BLevfu3WlPtQ8WU7x5//E/TP79/23c9FHAw3KtbwL/eezp/9z5cH37B/q6xnH9n/7rX//2369r58ApbtU39ou67wHW3vkj4uQM2Ndff91383fv3mUymes+qAvJxH+56UMAhun7W/YmA1xVxvQXpHarPkp/++23C21/568BO0e/kxMBAABuxH0PMAAAgFvjrgfY6YsddpdHfDR211fgAAAA7o27HmDdxQ7j087x+32dvjwiAADAzbjzATb65bNMRHv17faRh7ffrrYjMs++NAEGAADcFnc+wHoFFvXF8tJ2dxqss71WXqyH/gIAAG6Xe7AM/ejUdws7s4v1dn1xtn7o8cJCZUp/AQAAt8fdnwGLiNHx+ZWF6cLB/QAyhemV9fnxGzwkAACAE+7BDFhERIyOT82PT83f9GEAAACc7l7MgAEAANwFAgwAACARAQYAAJCIAAMAAEhEgAEAACQiwAAAABIRYAAAAIkIMAAAgEQEGAAAQCICDAAAIBEBBgAAkIgAAwAASESAAQAAJCLAAAAAEhFgAAAAiQgwAACARAQYAABAIgIMAAAgEQEGAACQiAADAABIRIABAAAkIsAAAAASEWAAAACJCDAAAIBEBBgAAEAiAgwAACARAQYAAJCIAAMAAEhEgAEAACQiwAAAABIRYAAAAIkIMAAAgEQEGAAAQCICDAAAIBEBBgAAkMhnN30At867d+9u+hAAAID7yQwYAABAIiO7u7s3fQwAAAAPghkwAACARAQYAABAIgIMAAAgEQEGAACQiAADAABIRIABAAAkIsAAAAASEWAAAACJCDAAAIBEBBgAAEAiAgwAACARAQYAAJCIAAMAAEjks5s+ALiC7aXnP33KPHr0bCz/5dT4aP+NOttrvzZ23n+qP/pmfX58qK/fWSvPrrYz0yuVqVNeHLiaTmf717c/va+3270HMpnCs29e9hnw543H7aXni/UoLFzkfaD7N8Y43AbdMX7uZgMP2Mu8J8BQCDDuuHa73W63o74zdso76PbbxdV6REQ8SnlcwJX1/brVbtfbi/XVTGH6u3lVBMDdI8C4+zKZTLtdb2zPj/cpsO1GvbvB+T+aAbfI9lJ5sd6OiExh+puXX46PdmOrOyO2Wm/XV2c/hZkpeDhGpyrrU4cfMIXFXeUaMO6BR48yEfXGdp+nthv1yDx79ij1IQFXsr20WG9HZKZX1ivzU3v1FRGjo+NT85WVhUImor06u9Rv3APALWYGjHtgLP8sU+87B7bdqEdm+suxndWjD/e7rqN3ttPhn9I620s//LR/7Ukmk3n0zXfzp11rdmQvR/fd2V57+9NqfW8/hel+V7B0tpd+6P7gH5nCwnfzX/za74KWzvbaoethMplC/yMacDO4nTprP9UjorBw2gTX6Pj8d9OfZlfb9Z/WXo6fOgvWdzwefv7IQDnj+rKIztrSD6t7A7Tf2Y/nDfOD3+q/2N/VwZ4Odp/JTH/z3bFDuMBxAhEx+Af9YYN96BuPXJ0ZMO6DL7581ncObLtRj3g0drk3xc5aeXaxfujUxXa7XV+cfX7GL+573/aOfG3cXirPLu5/LYuIdn11cbZ8dDe9F9vfYnG2/Han/yGtHjqmdrt+YlcDbwa3VefX9+2IzPTLs04rGp36phAR7fe/dk7ZS7/xeMje0Dx0enK7XV9d7DOrtvO2PLt6aICuzpbXjrzqQMO8u6u1Q7vq7Wl76fmhx9qriz8c3vsFjhO4tME+9I1HhkKAcS+M9i2w7UY9opC/1KnhnbUfVtsRmemFlfWelYXpTETUf1rr/31ve2l2tR1RWKgc/LLWWetexpIpTK+s7O2mkIlo1xcPvsH1Xmz/1VYWCpl2/dCXucP7zxT2D6l7RO364uE3/gE3g1ur21/n/3Yynj+jwPqNx6PP985xPBji6ysLhYg+Y7xdr7cPj86IaK++3R9Ogw3zrvrqahT29jTd3dPsYj1z/LH9vV/kOIHLGuxD33hkSAQY90OfAuuexHTJ/oo/dtoRkXn25cFJBaPjU5X19fX1vr+md9bKi/WIzPTK4W97vS+ShYXK/NTeRSyj4/OVhUIc+o51sFXvFIbR8fnvpjPHX2DvnKyD8yFGx6cqK9OZw2/8A24Gt1hv9I19cd6GX4xlIqK988fxJ/qPx8O2G/WIyEwfOdlvdPzldN89ZqZXDo3ObwoREZ929gbdQMP8YFd7pzSNjn/5LHPisamje7/YcQKXNNCHvvHIsAgw7onRsUdxpMC6X4ou21973+xWf1ja7pwfLd0f209caLL3xezEQXR/ue99x+p7ulXv9Kpju+pzTlY3PfcmAQbcDG6/y548fOp4PGJ8/tAXq06ns729tra0dNpNho4ey9HuG2yY78k8+/LQF7exRyceu9JxApc00Ie+8ciwWISD+2I8X4h6fX8ljiv2V4x++Syz2m5Hu744W4+IyBSmn/W/3XN7dXax/05O/yG/e7TtnT8iRrtbnfi2+cVYJuLYm3p7dfb50fVE9p/Z+SNi9GKbwW32aacTl7iq/fTxeMKhhW/OduZk3GDDfMBD6mvg4wQua+APfeORYTADxr3R/bm5Nwd21f6KGJ2qrCwUMvsnArbrq6uLs8+fl5e2T/44lil018T+od8pfpf/If+Q7pe8YW0Gt9mpZxYed0r7nDke9xxZ+CaTyRQK09MLKyvHz/0d1KDD/MJvB0M+TqC/gT70jUeGxAwY98ehObAvrtxfEd3LOMbnIzrba7823vfWnG3XF38YO3pqU2GhMj/eGfs0u9pefbs9dfyik8F+yB9oq7NPqrroZnA79X6KPndM9K7HOHYC3znjsWtv4ZvCwsqRRaY7JxcfHcwl5+vOM/TjBE513oe+8cjQmAHjHtmfA7v6/NcRo+NTU/OVysEKZUevpOr+/t67aOvIUoOn/5Df++Y49sX+ViccncwacE5g4KkDuMV6lyweX7/iqN6CM8f76/TxeFhv7mz65bFousQc8mDD/JKGeJzAgE770DceGRoBxn3S/Sb0qfH2nP7q942pdyX93r/Wys+fPz9+z6+DVcv6GZ9fKMSRpQa7XyNPu0HZ3tlI/b9s9jbZf+nerk6uY7i99Pz58+e9xa4H3Axut/1+6nvKb3Qvw+j+FP3NKZO9J8fjAPaG3dGFM8451oGG+XBd5jjhYTn/g/6wy3zo7zEeuTgBxn3SS5l6/Zz5r97aY/XF3pe7zvbasVWM9r5TLZbXDr7/dbZ7px+c9o2quxbtoUtPDnaztNZbV6nTWVsqL3ZXsu2tVXjoxXrbbPc2OXxEvbvOrs4eOqT9Dfe/hQ64Gdxy4/MrvdvXzZaX1g4tS9bpbK8t9S7DyBQWTltmPvqMx0P2Vjx7e2iUrJWfHx92AxlsmF/OMI8THpTzP+iPbD3Ih77xyNC4Box7ZW8Zo/NO+xl/OZ2pr7Zjb7WjiCgsLMTiwdvo6NR30+9nV9vt1cXZowsKnvWdb++v9i89GZ2qLOyUF+vt+upsffXoXg4u0zp4sYPVCzOFQhy9F/P4/ELh02L95CEdPaIBN4NbbnSqshJLP6zW2/XVxfqJZT0zhenv5s/+QeHEeDz81DeF1cX64beAiIjM9MKz94ur7YutXDjYML+UoR4nPCjnf9AfNsiHvvHI0JgB437p/Yh15o11Irrf7aYLe2cWZAoLJ+/XOjpVWVmYPrQkUmQyhemFlcqZFXPy0pPx+e5+DnbTZy+95ZcOHU8lf3wN+oNd7e+r/xENuBncdqNT85WVY8Ow93/n9co59dXbwamXgo3PHxmXmUxhYWW9MjXe/dX8oucSDTTML2W4xwkPyAAf9Mc3P+9D33hkSEZ2d3dv+hiAPraXni/Wo7CwrpsAAO4NM2Bw0/pf+zuEBdQAALhtBBjctONXCkdEZ3tpsd8K2wAA3G1OQYSb19lemu1zWbD7KQMA3DcCDG6Fzvba25/e19vdhTcymcKzb15OjasvAID7RYABAAAk4howAACARAQYAABAIgIMAAAgEQEGAACQiAADAABIRIABAAAkIsAAAAASEWAAAACJCDAAAIBEBBgAAEAiAgwAACARAQYAAJCIAAMAAEhEgAEAACQiwAAAABL5/4oUFU6xVhj+AAAAAElFTkSuQmCC"/>
-          <p:cNvSpPr>
-            <a:spLocks noGrp="1" noChangeAspect="1" noChangeArrowheads="1"/>
-          </p:cNvSpPr>
-          <p:nvPr>
-            <p:ph idx="1"/>
-          </p:nvPr>
-        </p:nvSpPr>
-        <p:spPr bwMode="auto">
-          <a:xfrm>
-            <a:off x="590972" y="382792"/>
-            <a:ext cx="9347200" cy="1135312"/>
-          </a:xfrm>
-          <a:prstGeom prst="rect">
-            <a:avLst/>
-          </a:prstGeom>
-          <a:noFill/>
-          <a:extLst>
-            <a:ext uri="{909E8E84-426E-40DD-AFC4-6F175D3DCCD1}">
-              <a14:hiddenFill xmlns:a14="http://schemas.microsoft.com/office/drawing/2010/main">
-                <a:solidFill>
-                  <a:srgbClr val="FFFFFF"/>
-                </a:solidFill>
-              </a14:hiddenFill>
-            </a:ext>
-          </a:extLst>
-        </p:spPr>
-        <p:txBody>
-          <a:bodyPr vert="horz" wrap="square" lIns="91440" tIns="45720" rIns="91440" bIns="45720" numCol="1" anchor="t" anchorCtr="0" compatLnSpc="1">
-            <a:prstTxWarp prst="textNoShape">
-              <a:avLst/>
-            </a:prstTxWarp>
-            <a:normAutofit/>
-          </a:bodyPr>
-          <a:lstStyle/>
-          <a:p>
-            <a:r>
-              <a:rPr lang="en-US" dirty="0" smtClean="0"/>
-              <a:t>We need to monitor focal group over time</a:t>
-            </a:r>
-          </a:p>
-          <a:p>
-            <a:r>
-              <a:rPr lang="en-US" dirty="0" smtClean="0"/>
-              <a:t>Other counties provide meaningful reference points</a:t>
-            </a:r>
-            <a:endParaRPr lang="en-US" dirty="0"/>
-          </a:p>
-        </p:txBody>
-      </p:sp>
       <p:pic>
         <p:nvPicPr>
-          <p:cNvPr id="3" name="Picture 2"/>
+          <p:cNvPr id="5" name="Picture 4"/>
           <p:cNvPicPr>
             <a:picLocks noChangeAspect="1"/>
           </p:cNvPicPr>
           <p:nvPr/>
         </p:nvPicPr>
-        <p:blipFill rotWithShape="1">
+        <p:blipFill>
           <a:blip r:embed="rId2"/>
-          <a:srcRect t="8058"/>
-          <a:stretch/>
+          <a:stretch>
+            <a:fillRect/>
+          </a:stretch>
         </p:blipFill>
         <p:spPr>
           <a:xfrm>
-            <a:off x="0" y="1654629"/>
-            <a:ext cx="10529145" cy="5203371"/>
+            <a:off x="5812215" y="301538"/>
+            <a:ext cx="6235890" cy="6054812"/>
           </a:xfrm>
           <a:prstGeom prst="rect">
             <a:avLst/>
@@ -4953,7 +5149,7 @@
     </p:spTree>
     <p:extLst>
       <p:ext uri="{BB962C8B-B14F-4D97-AF65-F5344CB8AC3E}">
-        <p14:creationId xmlns:p14="http://schemas.microsoft.com/office/powerpoint/2010/main" val="2876664210"/>
+        <p14:creationId xmlns:p14="http://schemas.microsoft.com/office/powerpoint/2010/main" val="3699864537"/>
       </p:ext>
     </p:extLst>
   </p:cSld>
@@ -4982,6 +5178,38 @@
       </p:grpSpPr>
       <p:sp>
         <p:nvSpPr>
+          <p:cNvPr id="2" name="Title 1"/>
+          <p:cNvSpPr>
+            <a:spLocks noGrp="1"/>
+          </p:cNvSpPr>
+          <p:nvPr>
+            <p:ph type="title"/>
+          </p:nvPr>
+        </p:nvSpPr>
+        <p:spPr>
+          <a:xfrm>
+            <a:off x="645756" y="275431"/>
+            <a:ext cx="5185229" cy="850611"/>
+          </a:xfrm>
+        </p:spPr>
+        <p:txBody>
+          <a:bodyPr/>
+          <a:lstStyle/>
+          <a:p>
+            <a:r>
+              <a:rPr lang="en-US" dirty="0" smtClean="0"/>
+              <a:t>Fictional scenario</a:t>
+            </a:r>
+            <a:r>
+              <a:rPr lang="en-US" dirty="0" smtClean="0"/>
+              <a:t>:</a:t>
+            </a:r>
+            <a:endParaRPr lang="en-US" dirty="0"/>
+          </a:p>
+        </p:txBody>
+      </p:sp>
+      <p:sp>
+        <p:nvSpPr>
           <p:cNvPr id="4" name="Slide Number Placeholder 3"/>
           <p:cNvSpPr>
             <a:spLocks noGrp="1"/>
@@ -5003,32 +5231,9 @@
           </a:p>
         </p:txBody>
       </p:sp>
-      <p:pic>
-        <p:nvPicPr>
-          <p:cNvPr id="5" name="Picture 4"/>
-          <p:cNvPicPr>
-            <a:picLocks noChangeAspect="1"/>
-          </p:cNvPicPr>
-          <p:nvPr/>
-        </p:nvPicPr>
-        <p:blipFill rotWithShape="1">
-          <a:blip r:embed="rId2"/>
-          <a:srcRect t="8372" r="10500"/>
-          <a:stretch/>
-        </p:blipFill>
-        <p:spPr>
-          <a:xfrm>
-            <a:off x="-1" y="1465943"/>
-            <a:ext cx="9798763" cy="5392057"/>
-          </a:xfrm>
-          <a:prstGeom prst="rect">
-            <a:avLst/>
-          </a:prstGeom>
-        </p:spPr>
-      </p:pic>
-      <p:sp>
-        <p:nvSpPr>
-          <p:cNvPr id="6" name="AutoShape 2" descr="data:image/png;base64,iVBORw0KGgoAAAANSUhEUgAABIAAAASACAIAAAAIyqENAAAACXBIWXMAAB2HAAAdhwGP5fFlAAAgAElEQVR4nOzdXXCU950v+J+3crFTs1VbdTZIluRUhTqQHYMIGmQXdUTNOAwvBvwyvvCSFAQckwTKczwFNh57PHZyEZskJCaGis+4RBKIwaYSyqfWB4OEeQn2TKFZCkREEHgqcIpUBalRy7tbezE15469aHWrW+putaTWo7fP5wqrn5f/86L2/6v///k999y9ezcAAACYeP/TZDcAAABgthDAAAAAEiKAAQAAJEQAAwAASIgABgAAkBABDAAAICECGAAAQEIEMAAAgIQIYAAAAAkRwAAAABIigAEAACREAAMAAEiIAAYAAJAQAQwAACAhAhgAAEBCBLAK3bzZvm/bsmXL7smzbNmybfvab96c7LaNX/u27CHtq/RoxrDK5Lp5s33ftpl7CWeQm/uy12hb+2S3pYiZ/VUAAEw4AWxEN9u3Lbvnnvnz1+3Y39HRkf9JR0fH/h3r5s+/Z9m29pnb9cp0N6dJyirqZvu+bcsyV7DkJZzYazj9zyExq74K3LEAMHEEsLJu7lt2z/x1+ztGWKxj/7r5y6bkX+vHKXP8O0Y8AVPXzfZtyyo6go796+ZPyGje9D+HxKz6KnDHAsDEEsBKu7lv2fwdg52Qlq17227cuHE358aNtr1bW7Ifd+xfNzVnTFVibevAMZ3fPi//5zeul+yElVplKrm5b1lBn7nEJcxdw+jYMb/qGazMOWSamEVfBeGOBYCJJoCV0r5tsMvVsrXtxt3zrdvXzpuXFzbmzVu7vfX83RttW7M/2b9uOve7Zpr8K1j2Ep6/0bZ3sPc8ARmMac1XAQBQTQJYce3b1u0f+GfL3hvnW9eWHuWZt7b1Rq7/vv91nfepIe8Kxta2kS7h9vN3BzvPHTt+rPPMAF8FAEB1CWDF3Nz3+mCf652Rp9jN2/5Ott/VcfSEbtfkK7iCN8p1mnMKOs/GL4gIXwUAQPUJYEXcPHE0O+No66uVPeE075H1W1tatm7d2/bqI0VXuHmzvbB0daZu9QgNKVxpWa7EWqka8LmfD+SHTC2zkfc5bHsDlcBzf/vv2DF/yA6HrlJh7fBy1euHtLaiU1TcGK5gRMzb/urgFLIPCo5ixKL7RQ5/5HNYsIExHPyobqrsIeQuccEOh685/N4Zocx69S5f0cMs3Ozw7Vb0XoShvyAj7nqyvwrGcuMVrjiKr4IR7tgJOcMAMBvdZajBgZDY2lblDQ7TsrXtRvGV2rYWX6tl743B6XItewvWzv18a9vdUusPWyl/vexHJZucW3d4E/J3Xkqphpc82nKnqKSxX8FSa5Zqd5EVc+uNfA5zC5Y5+BL7G/1NlT2Elr03Sq6cu/zlbr5ijZmgy7e1rXRTtw5tyojXqLJbtHhLJuurYCw3XuGKo/gqGOmOnYAzDACzkRGw4QaLgLUsmD/urbVvuye/gNpQHfvXFSv60L6tZMnrjh3zt30w0l67X19WumR2x46nJuLxlLVPDHS+howe5Wn/YOCP6y3r80YHhhYrHKJj/7r5o/tz+uAV3PrE2tGsGPO+1Jj9Z/fvE5lAdnPfsvllKn4Xrwkytpsq68S2Uit37Ji/rf1m2Ztv+K1T9cuX54PSTd0/9Mys/buB/FBy7l/u9qv0tpgKXwXjVcWvggk4wwAwK012Apx6qvpX78HKDgPFq7M7KRwzKDWQFYV/Fx8+0FBmxSF7HLJyiT+Xl9peBYNmd0f+83fRz/P/7N6ytW2wunfhOSr9R/dhBrc4ipWGtbGgkWMeiBhh1cKDL3W1yt4eY7mphq7Ylt+MlmGXouDzIQdY/cs3fCCmpeRtXGIEp+jeSl+iChoy6V8FYx4BG77Hsl8F5fdZ7TMMALOSADbMYM9lDN33QnkduKK977xOUl6PpaDbN2ytGwU9q3Jd8yJ7LHVsVQpgI3QXi+av4oGn8s/LrjKuAFb5gd0dawAr39LiQXJsN9WI90a526pMUyfg8g0JYEXWK3mM5fLBGNLBpH8VVCmAjearYIR9VvkMA8CsZAriBGr/cXbCUfECavPWtub6OoPT9gaf+9/aVqR8X/5K5RStGZCbJRgd129UsJHRKjdHabCeXN70pLwftrUWnbQ0eLilZzZOV7kJW8Wv1mBRkLzTObabqlCxvQ3eGsU3nPf5oIm/fEW3W/IY5z2yvtT9l/drNQmz46px1casml8FU/YMA8A0IoANM39B6efkR+Xm77sH/lW6gNpgNyjb7aqgG1O0LzxEiZWrdnAllO6fFT+u3EM2ZfpsucNN6KmsxAw+Ebf374of/drWgT+UnM/eQGO7qQqN1D9u/FKxDedunbwO+0RfvpInJu8YCzZb8v4bUzqY5K+CKqnuV0F1zzAAzEoCWBnjHCXK9U7LPcA/rCNZyVojJ7Bq1AwYk1L9s1z3rKBPPdgx3b/unpKyZbErvR5V6jcXzyETYRR7GttNVWCke6Pye2diLl+eMiemWB6MkvffeNPBpHwVVEe1vwom6AwDwCwigA2TfCG84pLr/1dVbt5cQf9sMH+tL/5ypIpUeD0Gr+Do+82DmWLCM+zgrmaJUf86lbsEeb+mhT8vdv8Vj/8jmipfBVNLNc8wAMxKAthwgwMoo+q/39y3bNmybdv2tVfl5bPTWPYv+Xn9s+rkr4oNXsHRzubKe/HuNA3As0Xp+Dr8/hvz7eeroKgqnmEAmI0EsOFyc2xG1X+/eeJoR0fH/v071r1e4h05xVfL9SOHdvin79/ch/XPciUISj8BU1HdtPOl1h5ibFcwv6HTeyJV6ZtqolT18uWMceLf0Ptv7OlginwVTDnVO8MAMBsJYEXkd7ter/A9pXllzrJ9kBJPqRQafNXrgErWmuqT14b0z0q/nXVwjld14+Zg/cDYv67itwAP1vQbff4adh1HVsnB39y3bOBJqoGjGNtNNUEm6vLllNlsuceqCu+/8aSDSf0qqEhS17pQ9c4wAMxCAlgxef33jh3zK+jAt2/LVhrIG+QZ7LyV7rvlFSIf6PHnrVXqb+554zRTVLYcfcfREzfL5K/8nunwuvVZuRCyrMIecH4LImL/uopWbN82P3daSz/IUqIHPaZInKu60LHjx8Uv9fDKBmO7qSbKhF2+GGGzg1m5aJ8/Px+MLx1M5ldBgWreeFVQvTMMALOPAFZc/su29q9btq3Mwxw327flCr0V9twHu10dO54q0u+6md9Zy3W68jpr64rtN2+lqSt7EB1HT+wb6FgWDTUjnaKIm/ue2jGW7t287e/kIljHjvllL2Hc3Lds8BoWe1VT+afKBts4OnmVx4v2yweTdrHbYzQ31QSZuMsX5Tabd75LbDUvH5y4Pr50MIlfBTFRN14VVPEMA8CsM46XOM90Q9533NKydW/bjRuDn9+40bZ3a0HB8+FPwuRvo2Xr3rYbg+vmr9qy90bptXIr3R22w5IrDvn5YJtzoaSgraXWG1x82AZH2tXgquVbVHiaW7bmneLCw63oMaMhbRh6Cbfubbsx/BK2FC5TdD9DLmRuI8MvydD1y5zDwrOUf3/cvdGW/0m522PUN1WJK1H5BS1+61Tv8g27dfK2OuR8l95qxfdfJSbvq2DMN95YvwrujnDHFlusCmcYAGYTAaycwq7RCEbq145qzQrWKrbqxAWwnOx6I+5qSNe8TO+syF6GGUP8ymx7NJewXCtHaOTWvdnPS3dnix7MyAc/tttj1Il5jAFsAi5f3p62ljvQ8j3+wmaNNx1M3lfBGG+8qgSwwb0Uu37VPcMAMHuYgljOvLWt5yvpebVs3XujVI23ta13y22hZWvbjSJrrm0tvd+WrXv3VpjPxivvCZisysst5L8uunT5w4iYt/38jaF/zs/XsrXtRusYJ9NlLmG5rQ/so2VrW8lrONDIUlekZWvb3dZHSq9Y9hzO2172FmvZW/z2GMtNNUEm8vI90VoqfxQ/MfnNGqyfMcL9V4nJ+yoY8403ZpX+1lf3DAPA7CGAjWTe2tbzd+/eaNu7d2tLy5DZatmpSOdby3Y+1raez8wYylt9YN2751vXFl913trW8zdutA1ZaevethvnW7d/KfuTCS9YnUmCBYddcWnwwQQ24sNI87a3nh8+H3Ckc1SheWu351/Dgh20bB24hBXsZPgVyV6Q8kc30jmcN3iD5Dctc+yl7qwx3VQTZQIv37zt5ws3PNKJGVxzMB9U52G4yfoqGPONN2YV/tZX/QwDwOxwz927dye7DYzWzX3LBir2bW27O1GdMJjeciUx/JZMEGcYAMbCCNiU077tnpHKdpd7BxIQUe71c1SHMwwAYyKATTmD71Yq8XaoEd6BBAz+lpR+pxvj4gwDwBgJYFPOvC81Zv+Zee3Q4DjYzZvt+7Ytmz/CO5BglrvZvm1crx9jJM4wAIydZ8Cmovz3uZY0Yhk4mFUGH40c5OGkanKGAaAajIBNRWtby9b1TrrOOEwHeWPHGS17x1z/nmKcYQCoBgFsapq3vUi96kz16UmpMw5T3/wncn+2aPE3iongDANAFZiCCAAAkBAjYAAAAAkRwAAAABIigAEAACREAAMAAEiIAAYAAJAQAQwAACAhAhgAAEBCBDAAAICECGAAAAAJEcAAAAASIoABAAAkRAADAABIiAAGAACQkM9NdgOmluPHj092EwAAgGnm0UcfrXBJAWyoys8dAAAwy412CMcURAAAgIQIYAAAAAkRwAAAABIigAEAACREAAMAAEiIAAYAAJAQAQwAACAhAhgAAEBCBDAAAICECGAAAAAJEcAAAAASIoABAAAkRAADAABIiAAGAACQEAEMAAAgIQIYAABAQgQwAACAhAhgAAAACRHAAAAAEiKAAQAAJEQAAwAASIgABgAAkBABDAAAICECGAAAQEIEMAAAgIQIYAAAAAkRwAAAABIigAEAACREAAMAAEiIAAYAAJAQAQwAACAhn5vsBoyg58L7R4/887lbtyIiYu7c5X+xYf2TSxuKLPj+mz8aXG755hKLAQAATJopHcAuvLl917lbeT+4devcrV3n/nnz2/uebChc8PFd5/KXO3do17k/vnLsuaXJNBQAAKACU3gK4oU3d527FTF3+StvH8t4+5XNcyPi1qFn3rwwZMGImLt5YMGBxc7t2v5+z+Q0HQAAoIgpG8B63j9yLiKWv7LvudxUwoalT+57ZXlExLmOC8MXzM45zC1265//RQIDAACmjCkbwG7/8VZELG8ZOolwacvyiIg//HEgWvX8yz8XW3Dp+s1zJTAAAGBKmbLPgC197tix5ypYrlRQa/jCFyNu3frj7Qi1OAAAgClhyo6AlXKh41xEzP2L/5SJVT1//ENEzP3CfcMWvO8LcyNvpAwAAGCyTdkRsOKyD3xteHJ8w1rHjx8v9dGtW7dKfQQAADAe0yqAXXjzmUO3IuZuXl9xefkScxAfffTRoosfP3587ty5Y28hAAAwm1y7dm1Uy0+fKYgX3ty+61zE3OWv7BvF8FexyYkAAACTYnqMgPW8v31g7GvoK5gBAACmjWkwAnbhzTLpq+ELX4yBiYZDZMojfvEL8hoAADBFTPEA1nPhzcd3nbsVc5e/cqz42FepYoelyyMCAABMjik9BfHCm8/sOjfCxMOG//QXcw/dunXo6IUnn8srzXHh6KFbedXqAQAmxL8dfX6ymwCzy5+u/8lkN2Fcpu4IWM/720dMXxGZBBYR53Ztf/NCZhis50JmVfkLAJhQ0hckb7r/3k3ZEbDMEFbErUPPPH6oyOfLXzk2MOLV8OSLr/zxmV3nbp3b9cy5giUU7AAAJt6frJre3UGYRv799PQe/oqpOwJ2oePcyAtlNSx97u1XNi8ffH/X3OWb3z72XMUvCwMAAEjCVB0BW/rcsWPPjWL5hqVPPrf0ydGsAQAAkLCpOgIGAAAw4whgAAAACRHAAAAAEiKAAQAAJEQAAwAASIgABgAAkBABDAAAICECGAAAQEIEMAAAgIQIYAAAAAkRwAAAABIigAEAACREAAMAAEiIAAYAAJAQAQwAACAhAhgAAEBCBDAAAICECGAAAAAJEcAAAAASIoABAAAkRAADAABIyOcmuwEAACTtiaf+ZrKbwJTwwTv/ONlNmHUEMACAWSQTvVr3vD7ZDWFKyNwPYliSTEEEAJgtnnjqb1r3vC59kZO5GYyIJkkAAwCYFXSyKUogT5gABgAwW+hqU1Trntfl88QIYAAAAAkRwAAAABIigAEAACREAAMAAEiIAAYAAJAQL2IGACAiouvIq293jmL5+9bt+M6Kz49rX/WrvrfzodqxbQKmJyNgAAAACRHAAAAAEmIKIgAAERFNG15v3TDkZ5+179n7QW9E88bWDfdPSqtghjECBgAAkBABDAAAICGmIAIAME6fHtj53oUSdRH7zr713bY7EU3P7HmyacQtpT9tP3P2Uued29kf3Fff9MDDX1nbWLzcYl/608tDl7+3oWnFIyvur6y4YsEcy77uT058dPpCb+aje+9rXrF1w8B2+ro/OfHR1Qu9dwb20rzqsZUPNdVUcgj33te8qOTCoziE/JMcXWc//rCr63amqfX3Li12yNkzH0uffn1LY0WngwQIYAAATAl93e9/92DXkB/e7u26fbDrg/qmZ3YOyW+fdR351dudd4Ytf+d273sXuoYvX16668h7hVX479zufO+7nU3P7Hkyjrw1ZEe3O0+/3Xn1iZeeXVsYq3KZp3A7d97uPH1f88bvDH2ObmyHcO3AnlxKjIiI3jsXxnLITA4BDACAKSD9yf5M+qpf9cym3HjRZ11nf/V2253o7Xr7yML8QiB9Zweiy33NG3PjVJH+9MDh9y70xvDlR9B5+u2CTeWiUdfbe+5E7537mldtXflQbU1ek+LOB4c/WZL3HrNc+ioYH0t/1nXmV2933rnd+d5rUZDBxnYIt9tO3457l6772iMrPl8bEelP2w+/90FvRG/Xh2e/0jTWN7ORGM+AAQAw+fquXr0dEdH0zM782Xqfb1rx7DPNERHReS1vdOzTE5mBpuaN39mQN/Wu5v4tOzcuzfw7le4bTQPuW7cjb1Ofb9qwYmA7vXeieeN3NmTSV2GTevtTufXTn+wfbFLeIdR8vmnDs99bd29E3O48256uwiEsffrZLZn0FRE196/dueOJ+oiI213X8pevXfFs657XW/eYfzi1CGAAAEwdd1LpoT9q2vB6657XW/MfIeu+diEi4t4nVg4f45pTVx8RheloZE2PDR07un9JJmUV20td7b1DWjsYIIsNu9Wu+NoT9RFx54Mzn473EOpXPTI0UH2+rq708kwxpiACADD5amvvjbgTceeD3W9dal702MqFTTWlZ9M1Ptm658kSn32+ri6it8SHpdTPqSv52b11w+pnZFub89nlrsxw1sIST2FlW5VK98X9tTGOQ6irGV5fpG5oe5i6BDAAAKaAxiefab7zduedXNWKiGx9v0X315YoITgg/Vlf9KfSkfrdtUupbG3AUSmWakajP5XZaed72zrLLtjbn4oosq+KD+G+2jnjaimTTQADAGBKaNrw7Pe+XFDtfaC+X1tEfdMTw4rR93W/v/+jMcWtKWMGHAKjJYABADBV1DY+tKXxoS0Db8fKGwvq7frgYFdq8H1W2fd3Zd1Xf29D3b11tQuXLLo/debVt8sPQ02c5o0Vl16cqofABBPAAACYQKm+sTybVFtz/9oN96+NJ/PKvseFjz55pPGh2oi+s7/KRJeCAu65PY6/0aM2p66+8BGvkUy9QyAhqiACAFAdt/v6h/3ss1RFYeKz9j2vbtv56rYjnw77aHjZ92zFi/pVw6NLxKeXJ2HsKFeH8OrlYVUcI2LwAPd80hcxJQ+BhAhgAACMU7Zs+vD3VnV//EFFDzh9fknTvRERBW/KysmmuHK1Cgf0nT17oZIdVlvTylX3RWTezlzk5V3Z87D04YdGHB+brEMgGQIYAADjlI1Pvae/u+eTroEE9VnX2fdfO9hVbr08tSsyLz6+88Hutw50fzaYYdKf5p6VyqaXwd3tP/Jpbsm+9KcH9rz63bbcjMcirxSbQDUPbV2XOwnvt3d/lv3gs66zb23LnIfBV3glcQh9Z9/atvPVbTtfPdA99o1QdZ4BAwBgvGpXfO2Jrr0f9Eb0nn579+nBD+pXPdN09e22Sh4Du3/LS6t6dp++HXcuHNw7fAjovnU7shU4onbFiqVd713ojdud7323cLbefc2rHqvN7PFOKh1Rvn59VdWuePZ78dZ32+5kSoZ8MOTj+lXf2zk4/DU1D4EECGAAAIzf59fu3FF39uMPu7J1C+vvXfrw17Y0fr7v7NVKt1Hz0Hf2LOw6+/GHXXdu5yrR1997X92KrSuHvArs/i07dyzJ313ce9/g65trlra9dyHiwu8+3dJYYU3C6qhd8Wzrok/bz5y9lLqTKy5/X33TA8Nq6E/ZQ2Ci3XP37t3JbsMUcvz48UcffXSyWwEATA//dvT5iPiTVc9PdkMq8sRTf9O65/XJbgVT1Ladr37wzj9OditG9u+nfxIRf7r+J5PdkEHHjx+PiMpDhGfAAAAAEiKAAQAAJEQAAwAASIgABgAAkBABDAAAICECGAAAQEIEMAAAgIQIYAAAAAkRwAAAABIigAEAACREAAMAAEiIAAYAAJAQAQwAACAhAhgAAEBCBDAAAICECGAAAAAJEcAAAAASIoABAAAkRAADAABIiAAGAACQEAEMAAAgIZ+b7AYAAMBYpT95bffp280bWzfcX3qZT9vPnL3Ueed2RETcV9/0wMNfWdv4+dHvq0rbYXYTwAAAmKY+az98+nbZJfq6399/sCt/mdu9XbcPdn1Q3/TMziebKt5TtbYDpiACADAdfda+Z+8HvWUX6X7/u4WpaVBv19t7PumrcFfV2g4YAQMAYPpJf3rg8HsXyqev+PTAwa6Bf9Y3PbPpyaaaiIi+7k9OfHT6Qm9E7+n9Zxd+Z8WIcwirtR2IMAIGAMC08lnX2fdf2z1i+orovnYh84/6Vd/bOZCaIqK28aEtOzcujYiI220fdxVfeQK2AxEhgAEAMH181r5n79ttmdmA9z7x0o4n6ksu2td3JzKLbXqoduiH9295OvPcVtfl7hF2Wa3tQIYABgDANHNf88bv7Xl2bU25ZVKZ4FS/aEnRxWrm3BcRET19n5XfV7W2AxmeAQMAYNqoa1r1zKaHmspGr1G53dcfUYXHt6q1HWY8AQwAgOni800rHhrdGr39qYhhUwcj0v3l69dP1HaY9UxBBABgBmr68sDTWW8f+XTYh5+1f1Rp1YxqbQcyBDAAAGaixoWZEoXR+d5rRz7pSg/8uC/96YERXyA2EduBiDAFEQCAGer+R9bde6HtTkTc7jz9dufpwk/vva/+zu2K4lO1tgMRRsAAAJipalc8+7119xb75N4nXvraA4lvB8IIGAAAM1jtime/t+jTE4fPXugdeJ3Xfc0rtm64vzY+PdAbEXFf7ZwktwMCGAAAM1ltzf1bdt6/ZchP0+meiIhoqK20dny1tsMsZwoiAACzTt/Vq7cjIpqWNE6J7TB7GAEDAGAmSn/y2u7TtyPuW7fjOys+P+Sj/W13IiKaFzYlth2ICCNgAADMTDU1DRERcbvtVwe6P+sb+Olnfd3vZwJVRCz98v3JbQciwggYAAAzVK58/J0LB/deGP5588YthfMG+86+9d22OxGx9OnX8z4a9XagDCNgAADMTLUrnn2muWj5+LiveeP3NlQ6bFWt7UAYAQMAYAZr2vDs9778yYmPrmbLx8d99U2PbfpKU83oihZWazsggAEAME19fu3O19eOtFBt40NbGh8aWj6+6JIrnm1dUYXtQBmmIAIAACREAAMAAEiIAAYAAJAQAQwAACAhAhgAAEBCBDAAAJjVtu18dbKbMIsIYAAAs8IH7/yjfjalfPDOP052E2YLAQwAYBaRwRhi285Xpa8keREzAMBskelnP/HU32T+s3XP65PaHCaZND4pBDAAgNklF8P0v2c5A1+TQgADAJiNdL5hUngGDAAAICFGwIa6devWZDcBAJgeaiIioqenZ5LbAbPGf4iIad5jF8CGmjt37mQ3AQCYHv7tYkREQ0PDZDcEZot/vx4xxXrs165dG9XypiACAAAkRAADAABIiCmIU91/+9f/MtlNgFnkr//sP092EwCAmcwI2JQmfUHC/NIBABPKCNg08NAX1092E2BW+OQPRye7CQDADGcEDAAAICECGAAAQEIEMAAAgIQIYAAAAAkRwAAAABIigAEAACREAAMAAEiIAAYAAJAQAQwAACAhAhgAAEBCBDAAAICECGAAAAAJEcAAAAASIoABAAAkRAADAABIiAAGAACQEAEMAAAgIQIYAABAQgQwAACAhAhgAAAACRHAAAAAEiKAAQAAJEQAAwAASMjnJrsBTLLN67852U2A0Tl09BeT3QQAgDESwGavTPTa89buyW4IjE7urwaSGAAw7Qhgs5HoxbSWuXV3PvvSZDcEAGDUPAM2S0lfTHd73tptAi0AMO0IYLPO5vXflL6YMWQwAGB6EcCA6cqfEgCAaUcAAwAASIgiHACJev2fPpzsJsDs8upfPjbZTQAYZAQMIDnSFyTP7x0wpRgBA0jaN5f85WQ3AWaLX1z+p8luAkABI2AAAAAJMQJGob5ze167Eg11dfU1X25qbFw8p+zS/ekr3We60qneVG/9qj1PLUyqhSd7I+off2Hn6vLNAwCAqUUAY7hUb0+qtyc6L15Z950dK2pLL3jlN7t/dnng3/WJNA0AAKYzUxApI9V1pb/Mx91dl8t8CgAADCGAUVx9Q11E9HZ2p0sucu13FyOirr4hsUYBAMD0JoBRXF3z4vqI6Llyta/EEle6OyPiwcVNCbYKAACmNQGMEmobmxqizCzEzPzD5qbGRFsFAADTmSIclDJnUXNdW0+qt7M7vXp5zdBPM/MPl3x5cfS1DV/32pFnD3WWKFSYPrV394z24t8AACAASURBVLFUxJKn3/pqQXrru3b25Omui6ne7A/qG5Y0rfurFSNUYsy68uudmYogDUuefrn8luvqH1z88JrljSXqi6SvnDvTdqWzJ5VdeNWmpxZGqWaPfvujXn6o/rM/eKOtJ+LBzXueWpi+cu5M28nOntymVm16amFNkQOJ+gfXlNzLaE9R37WrQy9WXV3zqpWrFxbeKvl3QnSf+s1HnZd7M01tqGsusnzu9ojmb+/esLjCEwIAMG0IYJRUs3hx/bFUb8+Vq33Lh9ZCHJh/2NgYUWqK4qikr/x6sKBiVm/P5d6fXW4bHqiGu/LrPSXSV65DnyfVezF18OKV5sc3bhiaD7PZpmDhQ7svLln3YImWl9z+yfoHN+8cVpp/tMuXle5+59DBi0Va+/RbX4139h68WLCj3osnDxarbDnKJvV3v/PekC1HRG9PqrfnUGdnqYvVfeQHuZQYERE9qc5yywMAzEwCGKXVNjY1nOztSXVd6V9RGFQy8w/r64YNjI1N37nDA/FpzdNbcqMu/d2n3jt4LBU9lw++01juJWN95/b87HJvlE1fDUue3vJXjbVzIiLdd+3MgUOdPanOY29EbcEwS/c7A+mr/sHN2XGkTN643FaQc4Zuv2Bwqa+/++R7By+mei8e2hMFAWa0y4/g4smDRZqairh88Aep6EnVP7hm05rlNbV5JzNSbQfOLXp5cEhz9IcwkL7y9hvRd+3IgUOdPVHqYvUeO9kbdc2Pb1y5ek5NRPRdO3vgUFtPRM/lj079VaP3uQEAs4ZnwChjzqLmorUQB+ofNlU4OXAk6StXeiMiljz9cv6ctzmNq3c8nRl3utjdXWrl7HuZi8w8jGtnBtLXmpde/momfUVETe3CDS+/sK4hIqLzZ7/uztvURxcjMvPlctEi5jQ+teOlx+uK7vpwZvsPbt75VF7LawdX6b14+mzfWJevwLCmrmrO/LMnldlLTW32o9zJ7EkPXs1RNyl7Sh/cnLffiNqFG17ePLDr3nTRypnN396xIZO+IqJ24YrsJRhyd9Ws3rHnrd173jL/EACYmQQwyqlZXKwWYmb+YcPiRZU+s1ShVN+w7NH41O49b+3eM/yxq4xy6SvSp053RkTUrdsy/Bm2OSu2rKmPiLj80amBKiO5HPjwsAGZmtXZYJO//VxuLDZmVbN647qGiEi1nbw2tuUrMLypC788MFWybt2aoXupqcvEyMHzPOomZS59sY1H1NRmXkjQUyyANaxZOTRQzamtL708AMAMJYBRVm1NXcSQWogD8w+bG6s0ATFqageCQdtre/e8c667r9zbnweluo9k0lcUf44onRqoolFbNCgOHFr0pjL9//6rnZmxncZiYS8XbHLKLx+DAWNgRGi0y1egoab0JShy1NnznDP6Ji3+6p63du95a+hTZAULF1VfpKnZQAgAMIt4BozyFn75wei8GHm1EPv7eqOK8w8jIhZ/9ekHUwcvpnK1HyKyVfIWL6wpMc7We/FktgRf0eeIMu0sk1JqahsiejLpYmFNpPsyT3+VeLCtpq4uIr/yxMDycfHQzmKPhw3qSacjaka9fAWKpZrRGHeT+vrTkU7fib6u7q7ebHnDoi2t1uOCAADTnADGCBqblsTFy5GrhdjX3dVT/fmHjU/teKmpoGb6QJW8YxENS9aVKkbfsKS+53JvRO+x33SvLjFNsWRKmVNbH1E6M1BK+sqvD7eVi1sAAJQigDGSxY3NcbkzBmohZp4aquL8w5yaxcs3LF6+YeAdU3kjKj2X2352uW/4W6Ea1rz08vI4ldp9LBVRulLiwADXcNkhsiGLp9IRoxnce3BzuQqN418+AaNo0tAy/fUNdXX1dbV1jYsWL0yffOlg+ZE0AIBZTwBjRNlZiKl0RFztTI1z/mH20aySamoXrnhq4Yr4al7x9OhsO7dycUEtjYEQuHrjus432noiLh460pQf0rIDXCVn9GUn4A0MkWVnJFba7CEzGEc02uUTMOompU+9N6xMf96nE9BEAIAZRhEORtbYtCQi4mJ395XRzT/M1rfIN3zcqf/sD17a+exLO98ZXv2vRPH0wmWy9QwLa8oP1ni4/LsrxdYbKOiXezxpoOZ+iZL3mcr7BfvNFvErLBE5KHtcPziXHsvyCRhtk7JFOxrWDE9fxU4RAABDCWBUYHFjc0TE5Y/arvRGJbUfshXJhxf0u/KbtqGjTLnkU/QVWCPW0oioXb5p4D1dlw/mpbhc7fjOtuGRpv9s2+WIyK/kPlBzP68wfU62on2BxjWZ4JdqO1AsMmWPtHndwMDdaJdPQBWbVPQUAQAwhABGJQaKsPf2pCKiuWnE54Wymarn5O4fnOseiFX93ad+vednl4cvnU1KqbbX9h650p/3muBruSeOymeA7BurhqS4hSsfzzXj17nq9um+a0eym61//K8GS3dkg1zvsTf2vHMt24z+7nf27j5WbNpkLvj1nNz9g1+fHazU3999au/OzJHmv/9qtMsnYHRNGryshwfPT+Z8vpR3ioq8z61y6VN7dz770s5nXzpSdNwSAGCa8wwYFckrwr7kyxUkhJrco1k9Jw++dnLwg4Y1TzdfOTg0zyzc8J01qddO9kaq82dvDB9IqX/8haEVOIaas2LdkrafXc4M5ix6eSCt1aze8VLs3X0sFT2XD742JPvVNT++cUNh8fqa1RufTr1x8GL0Xjy0O39CXcOSdc2ptmExLH/7bT+73Dbk44Y1L71ckBtHu3wCRtWkmtWrmjsPdfYMOz8R9Q+uebguc2VTfXciqvySbgCAGUIAoyI1ixfXH0v1RpmX9g4xZ8XLL9Se+s1Hndlihg11zes2blg8J32q2NBG7fKdbzV2n/rNR52p3lwl+oa6+vpVm9aUfBVYgcVfffrBywcvRvScPHyqcWduYuHqHXsWXzt78nTXxVT26bO6+gdLbXZO41O7Cwvi19U/uGrTUwvj1N6h4WTI9ntTucrs9Q1LmkqUzh/t8gkYTZMWbnj5hS/nX9aoq39w8cNrGhtr50TUNB871BnR2XVtw+IpVukRAGBquOfu3buT3YYp5Pjx448++uhkt2LQf/vX/xIRD31xfRW3uXn9N/e8tbuKG5wlut956eDFyRmkooydz7506OgvqrW1T/5wNCL++s/+c7U2ONzr//RhRHxzyV9O3C6AfL+4/E8R8epfPjZB2/+3o89HxJ+sen6Ctg8M8e+nfxIRf7r+J5PdkEHHjx+PiMpDhBEwGDAQsWLJ028Nf6dzthbIyAVIYDJt27BpspsAY9F65PBkNwEgIQIYDMg+53b5d1e+2jjkkbO+7q5M0Y46+Yupa9uGTd/fN4X+IgiVy/ztQAwDZgMBDAbknnPr/Nne+PbGDQOPP/Wnr/zm8M8u90bk16yHKSXTeZW+mL4yd++2DZtkMGDGE8Agq3b5zm+n9/zscvFijA1Lnt4yfGoiTBXSFzPA9/f9RAYDZjzvAYM8i7+68zsvPP1gXX3D4M/qG5as+/YLL7381Ual1ZmSzDxkJslksMluBcAEMgIGhWrnND61w0gXAAATwQgYAABAQgQwAACAhAhgAAAACRHAAAAAEiKAAQAAJEQVRIDZpT/dfe2jk1dTvame7I8a6uvq/nzFw4sW1NQUXyd99qe7TqQi6h77+79dWWKZrOuHn3/3UkTDI8+9uGKsby7vPrr9QFdluwOA6UUAA5g10t1Hf3mgq2fYz3t6Uz297146EQ3Nq7+x8SsiDwBMGFMQAWaHq+/9dFex9JWvp/PUrud/eiadUJMAYPYxAgYwC1x97x9+3pn9j/q6BwonHKbT1393+uyHnamIiEh9+MOjtT9Zv2gy2gkAM50ABjDjdR/Npa+GR77+jRULhkwyrKlZsHLjgpWrrh/+4buXIiK6fv5GzSsvmIsIAFVnCiLADNd/5mRX5l8Njzz34rD0NahmwaaffP2BzL97T33UnUTjAGCWMQIGMLOlr13ujYiI+tXfGLks4YJNW5ouHeiKiEtXrm9qXFB+6dzMxobmr7+4cYSFcwUYL/Wmsj+pa6ivXbJm+crG0g1LXz9z+uzlzoGajQ31TWWWT3d/XLD9zGTL4Zkz/fGPfniqJ+KBLd/f1Nh/9ey59hPZp+Pq6x5Y87VNA9vvv3r2XPtvu3p6B1r7wCPFtjbmQ5vYJlV8NkZ7CPk1KqOSq9N/5o03P+yNiKZvmdoKIIABzGzpq1czneMH1lQ2pbCx8YHouhQRnd1XNy4o012++t5PR5G+0tcPH3r3Uu+Qn6Z6elM9B7oul9hC6urR7Se68n/S09vVc6DrcpEa97lefp7e1KXedy/9tumxzeuLl7Pvu374QGbWZd4qB9681Pz1fRvj8BtDGpy6dOLdS79dPXRy5pgOraSqNKnM2ThR98CWv93UWPjR2A7h6tEfnSgo6zJwdUZ7yACziwAGMKP13ckMaNTVVfpE14Km5rjUGRF9felYVPrNYD/vTEXFY19nBvr3dQ9syQ3mDJbF7+l89/Di7w9NBZG6dCIV9U2PZQdV0t0f//LAqZ6InhO/OrMo/xVhg3mjofnr31iVqS/Sn+4+98sDXT29XR/+MIqWFbl04t2CJuVySOe7P0pFT2/dA4987eEVc2oiIn39zKF3P+yN6D31y7ML8+Lf2A6tpOo0aeBsFIyPpdPXPzr07qXe1KUDP42CDDbGq/Nh5upsXr6ypvDqdJ49s2qBF7gBlCCAQWl95/a8drL3wc17nlo45JPud146eLGCLRRbtxLpU3t3H0tFLHn6ra9W3HGDIvr7BiaU1dZW3CGuvbcuIhWRSqUjiq2VfS9zhekrovtcJh0NGXupaVz/4pbYfqArIlJ9/VFktl7Tt14YDE41jV958e/jRz881ROpy1f7V+YiR3b7hW9/nlPTuP7Fv6/50Q9P9UTXz99r3FekqYXveq5ZsGnNwAzMnt7C1tYsWPnC11PPv3spoudOf8TQXY/+0EoZb5PSZ39VvEk1Cza98FzdG29+2Ju6dPLjhxuzg2YTfXVizsoXvr+y4uMHmOkU4YBS+s8eODl0Rk4y+s4dPpYaeTGYFKNOXxFXr3RFRNSvfnj43xNqahoiYiBCDNXwyPKhw1Y1NXVDl89WGSn6kFvNV77xSF1EROfZIu83a14xdKCmsXGgDEmR1s6pq4+IiFQ6t6UxH1pJ421S/+9+m4qIaP56sWG3OSs3r26IgiIrE3x1ABjCCBgU1X/2B2+0lX9l7cTterKCH4wodfXohycG+veVP+ezaOP3920s8VlNTV1Eqd+1utrhoy5z6uojCn5F+lOZ/6yrKTrIV1NbW2pAr+He0gNTRbY2p7ZuyK7HfmiljLdJ2ZorDywucXWyrcoNak3w1QFgCAEMhum7duTAoc6y3abGp3bvearUh9eOPHuoMyIa1rw0+vmH3e9MVvBjZsp10Ms90DVE6cfGUpdOZAdnx/GcTzrdH+n+vkh3XbmayhbQK6ay59bS6UybSkaXmpqGwsgxuIMiEWJcKj60ksbbpHQ6s9NLB/7hUtkFCyZSFmygqlcHgKEEMMjX333qNx8duzyev992v3OoMyKibt2W5aPunlz59cGLEQ1r1tWfbKvkGTMY0YgPdA1zvWvgrc3FHxtraK7r6UxFpD48fX3lKIrd9V9971ftY8okFSoZXcY0EjUaE35oE28GHALAdCGAQU7+tMO6dd/ZGAdGPxiVSVAR9Y9vXFE72gZcO/Kzy5nkVnvy5GhXhuJqFi1qOJHqiSiou1BGd/fAyElz4/CygQ2PPPfiijiTevPD3ojK6/tlX3KVVddQX1tXV1O3eOGXG/s/ev7d8mM1FSpZ6yI7RDYhEjm0MXhgS8WlF6fqIQDMUAIYDFX/4OZNTy2sif6zo141k6AiGtZsWj3aaUT9Z39wqDOi+ds7VtRG98jLQ4VqFi6pP9VTpFh5UdcPHxh471axh4jqliyaExErN6++/MNTPRGXDhxtGvnVuv1nDmX69wVVznOfVnogpWQHuErNqcvNyqv6hMMJP7QxKD3fsoSpdwgAM5wqiDCotnnN09/ZvfOphWN7smE8kw/Tp95r64l4cPOGxWPaN5Q2Z+Wapsy/ek68+aOz14fXAhyQvn44N9xRtCZeTq60YHT9/L3rI+w/Wxai4ZHh/fu8Abexy1YC7Oy+WuzjgSp/E/HM0oQf2ujl6hD+9lrxC53++EfP/8P25//hR2f7I6bkIQDMcAIY5MxpXL28cdTzBrP6zn2UeWrrwVWjnnw4UHd+ydNjemkYjKRx/SsDeSl6Try7642fHj57PZ3XPU+nr59576fbf5ibbFb32OYRJivWrPjaYwOx593DYx+yzVaQH5dcwuxqPztsxCb9cXvmkbbh5d0nVlUObQwWPJy51r2nfjn8bERcPZ0Z72paO8JYaEzeIQDMbKYgQnV0n8zUjq9bt2a0IerakddO9kY0f9s7l5kwNSv+9lt3fvrzzlRERG/qUu+7l06UWrbwRcAlzRmciFj+6bLsHMieE786XJsbZulPd5/75YGuwUePUul0LBhjRGpc/lh914e90XPizR/d+fo3Vi2oqRmyi7rHVlVeL6RiCRzaGBq14muP/fbN7NlYvXbVVwaqX6avnzn0bvaN1dlXeCVxCP1n3njzw96IaPrWyBNWAWY8AQyq4trvxjr8lZm4WP/4CyYfMrEWbfzbVxYfLehVD9PQvPobGyso1JFR85W1zad+3jni02VzVq5punygqydSlw68WTilre6BR1bU/fbdD3sjetN9FZZpLLqLF56LN978sDd6Ot/d1Vn4YX3TY5vXT8zwVwKHNqZWDZ6NUz/vPDXk44ZHnsu7WFPzEABmMAEMqiB96vTAJKemUQ5/ZevOj75oB4xeTeP6F3+yPt398UeFr3hqqK+r+/MVDy9aUPxNxqUt2vj1BzrfvRTRc+JXZxaVHjdrXP/i3zeeOX32cm6n9XUP5PZY2/Thga6Irq7u9YvGPgw8Z+UL3/9y98cfnbx6qTdb9bC+7oE1X3u4cc4EJockDm0MBs9Gqjd3oesamhcNDohN9UMAmKnuuXv37mS3YQo5fvz4o48+OtmtGPTf/vW/RMRDX1xfxW1uXv/NPW/truIGZ65sVfoHN+8Z4dGs7JINa156eTTlN/rO7XntZG/UrfvOjiHjZt3vvHTwYkQsefot8xLL2fnsS4eO/qJaW/vkD0cj4q//7D9Xa4PDvf5PH0bEN5f8ZRW3uW3Dpu/v+0kVNwiT6x+2P9965HC1tvaLy/8UEa/+5WPV2uAQ/3b0+Yj4k1XPT9D2gSH+/fRPIuJP10+h//EdP348IioPEUbAYNz6ujNzuuqbG0f1d/b0lSu9ERGpttdeaiu+yOWDz16OqCQEAgAwDaiCCOOVzVF1TYtNIwQAoBwBDMYrnUpFRDQsXjTmEvYAAMwOpiDCOGXrH9aPtnxB1KzesWd18Y88AwYAMCMZAYPx6Utn6q3V16nQDADACIyAwfjcSfdGRERd7QgPgKVP7d19LBURzd/e7ZVfAACzkxEwGJd0X2YArK723kluCQAAU58ABlVRV6sCBwAAIzEFEUqZs+Ll3StGWqhMIY0xLxkRjU/t3vNUpQsDADBdGAEDAABIiAAGAACQEAEMAAAgIQIYAABAQgQwAACAhAhgAAAACRHAZqOdz7402U2AKtj57EuHjv5islsBADAK0+g9YBfefHzXueWvHHtuafGPiqxSfOlZ7tDRX2xe/83JbgWMl78jAADT0bQJYBfeLBqxIiKi549/SLAlM0Aug+15a/dktwXGIpO+DH8BANPOtAhgPRfefKZ0/Iq4/cdbYbhrdDI9V0NhTFOiFwAwTU31ANZz4f2jRw6du1VumQsd5yJi7hfuS6hNM4heLAAAJGlKB7Ce97c/c+hWRMxd/sqLLR0lRsEyExDn/sV/aki0cQBMO+mzP911IvXAlu9vaiyzVP/Vs+faf9vV05v5z7qG5kVrV31lUU0le7h++Pl3L1Ww3EhtAGCmmtIBLCJi7vLNG9Y/ubQhLnSUWOL2H29FzP2LL9x+/80fDYyVzZ27fMOLzy2VyAAYlP74lydSIy7zox+e6in4UaqnM/XzzqsPbPlbkQmAcZvSZegbntx3bN9zT5YPUpkBsFuHdu0anKl469a5Xc88/uaFCW8hANNEkWQ1qmVSlw789Ey6+u0CYJaZ8iNgI8pU4MhMU8wMevX0vH/0R4fO3Tq3a/sX3t73ZLH4dvz48VLbu3Wr7ANnk6G3d4QuA1BFCXwJ9PZU+Ze6P91f3Q3ONP/379v/z//6r33Z//wf/1/RM/b/dBzIpq+aP/s/nlj7pf8ts/J/7zj/L+eu9UekPvzw//ry4/+x7K7mPPzycw+X+vD37bv+679GRO1Xnnq41lUro+q/IxP3e52ZmdpT7QYDpfyHiJiSPfbKTfsANlCCfvkr+3IlEBsannxu3xfi8V3nbv3zv/Q8WSyBPfroo0W3dvz48blz505QU8fgd/8aEVFfbzIlJOHGHyIiJvZL4I/dEVHfUOVf6jk1c6q7wRkkff3M6bMfdhbMPPyf/9diZyx97feZAa7mr7+yccHgA19z5jzxZ//xf3njzQ97I/7f/xFz5lT0LFgR1w//IPOlvvpbj//vY93ILFHN35G+/x4T+Xv9bxcjIhqq/UsNlPLv1yMm+n/Wo3Tt2rVRLT/tA1jDk/uOPVnk50tblse50gkMgJkvf0ph/epXNscvS89CTF+92hMR0fSt/PQ1YM7KF76/cnxtufpepjhH3WObvyJ9Acxi0z6AlXTfF+ZG3Lr1x9sRAhjAbFb3wJavbWqcE+mPSy/T/7vfpiIimhsXTUQTuo/+vDMiouGRr60UvwBmtZkbwDK8HQxgFqtZ8sjXv7Fi+IjWcP2p3oiIhnvnREQ6ff2jQ2cv9WYmLtY1NK/4xqoFNWMPTtcPH+iKiKhf/Y0VZosCzHJTugpiBXre3/74448XK3iYKc7xxS8Y/gKYrWoWrKwofUWk0wNhq3bO1fd+uuuH72bTV0Skejrf3fXDsZdATJ89m3kz2ANrTD4EYLoHsIYvfDEi4lzHkATW8/6RcxGxvGXp8HUAoLjUyZ/+vLPou8JSH44xg13/KPPysfrVD3uNGADTfwri0vWb5547dOvcru2RK0N/4c0f7Tp3K2Lu5vXyFwCV6+lNRURD89dzcw7T3R9/dPLUpd6ISH14+vrKjQtGt8XubsNfAOSZ9gEsGp58cfM/P3Po1q1zu545l//B8ldeVP8QgFFqeOS5F/Oe1Kpp/MqmxoV1mTL0nd1XNy4YTZWO/jMnuyIioqnJ8BcAEdN/CmJEphL9268sH3wbwNy5y195+1hmOAwARqFpbZE6GXNWrmmKiIiuru7RbCx97XKmtscjyyekuCIA08/0GQFb+tyxY8+V/LRh6XP7lpb+GAAqUaoMfU1NQ0Spd4iVkn23WN2SRYofApAxE0bAAGB8amrqMv9Ipcda7HC47LvF6hd92eNfAAwQwAAgFjQ1R0REb7qv2Me5say6UUSp7LvF/nyh/AVAlgAGABG192bGwLp+/t71YR9mS8lHbW3lWSpb/7Cu1vxDAHIEMACIqFmx4oHMvzrf3f7Gx1ezMxHT3R8ffuPdTJQaVS2NdF9mLG1Ug2YAzHjTpwgHAEykBZu2NF060BUR0Xvq5z88NWyBIQUS+89katNH07d+sn54MOu7M/pBMwBmPiNgAJDRuP6VLU3FX2FS3/Stvy+Sskrr78vkr/qa2iq0DIAZwwgYAGTVNK5/8e8bz5w+e7kzNVB0vr7ugT9f8fCKBWMcx6qrMQAGQB4BDIBZouYrL/7kKxUstmDlxgUrN4643JyVL3x/5Rg/BWDWMgURAAAgIQIYAABAQgQwAACAhAhgAAAACRHAAAAAEiKAAQAAJEQAA5jeWo8c/oftz092K6A6/mH7861HDk92KwAmkAAGAEwJ/pQAzAZexAww7bUeObxtw6aI+P6+n0x2W2CMjH0Bs4QABjATZDKYAQSmL+kLmCUEMIAZQv8VAKY+z4ABAAAkRAADAABIiAAGAACQEAEMAAAgIQIYAABAQgQwAACAhAhgAAAACRHAAAAAEiKAAQAAJEQAAwAASIgABgAAkBABDAAAICECGAAAQEIEMAAAgIQIYAAAAAkRwAAAABIigAEAACREAAMAAEiIAAYAAJAQAQwAACAhAhgAAEBCBDAAAICECGAAAAAJEcAAAAASIoABAAAkRAADAABIiAAGAACQEAEMAAAgIQIYAABAQgQwAACAhAhgAAAACRHAAAAAEiKAAQAAJEQAAwAASIgABgAAkBABDAAAICECGAAAQEIEMAAAgIQIYAAAAAkRwAAAABIigAEAACREAAMAAEiIAAYAAJAQAQwAACAhAhgAAEBCBDAAAICECGAAAAAJEcAAAAASIoABAAAkRAADAABIiAAGAACQEAEMAAAgIQIYAABAQgQwAACAhAhgAAAACRHAAAAAEiKAAQAAJEQAAwAASIgABgAAkBABDAAAICECGAAAQEIEMAAAgIQIYAAAAAkRwAAAABIigAEAACREAAMAAEiIAAYAAJAQAQwAACAhAhgAAEBCBDAAAICECGAAAAAJEcAAAAASIoABAAAkRAADAABIiAAGAACQEAEMAAAgIQIYAABAQgQwAACAhAhgAAAACRHAAAAAEiKAAQAAJEQAAwAASIgABgAAkBABDAAAICECGAAAQEIEMAAAgIQIYAAAAAkRwAAAABLyucluwJRz69atyW7CUL29PZPdBJhFEvgS6O3xSw2Jmrjf65qIiOjxSw1J+Q8RMSV77JUTwIaaO3fuZDdh0O/+NSKivr5hshsCs8KNP0RM9JfAH7sjor7BLzUkpe+/x0T+Xv/bxYiIBr/UkJR/vx4xxXrs165dG9XypiACAAAkRAADAABIiAAGAACQEAEMAAAg5ig4eQAAIABJREFUIQIYAABAQgQwAACAhAhgAAAACRHAAAAAEiKAAQAAJEQAAwAASIgABgAAkBABDAAAICECGAAAQEIEMAAAgIQIYAAAAAkRwAAAABIigAEAACREAAMAAEiIAAYAAJAQAQwAACAhAhgAAEBCPlf1Ld68ebP0h/Pmzav6DgEAAKaHKgWwm+37fvz6jv0dIy23te1u69rq7BIAAGCaqUoAa982f93+amwIAABgBqtCALu57/WB9NWydev6BU986Uull50/f/z7AwAAmJ7GH8BunjjaEWF2IQAAwAjGXwXxxvWOiGjZ+3fSFwAAQDnVKkPf+CXlDQEAAMoafwCbv6AlIrp/X6b4PAAAANUIYPMeWd8S0XH0hAQGAABQThWmIM7b/s7elujY8dS2dhkMAACgpCpUQdy37cfXG1uio2P/uvn7o6Vla2NjyYUX/F3rdg+LAQAAs9P4A9iN6/v3572FuaNjf0dHyYW3PtEaAhgAADA7VasKIgAAACMY/wjY2ta7d1ur0BIAAIAZzggYAABAQgQwAACAhIx/CuIQN2+WqkV/48SPX48nzm9fW+1dAgAATAtVCmA32/f9+PUd+0uXPxyw9Ynq7A8AAGD6qUoAa982f93+kReLaFlQjd0BAABMS1UIYDf3vZ5NX5m3MHd37+/oKPh3RLRsbXunda13gAEAALPX+Itw3DxxNJOw9t64e/58a2tr6zvrWyKio/GJ1tbW8+fv3r2xtyWiY//rJ0o9HQYAADAbjD+A3bjeEREte9/Znh3emvfI+paI6P79QOCat/1829aIjh0/bh/33gAAAKatapWhb/xS3uzCeV9qjIiO6zdyP1n7xNaI2P+BBAYAAMxeE/kesNwQWGQTWP5PAAAAZpnxB7D5CwrmG+b9LH8ILGP4TwAAAGaN8QewgfmGR/NLbGR+lp/Kbv6+e9x7AgAAmNaqMAVx7d/tbYno2DF/2bZ97QOJa2AILJfK2n+8oyMiWhbMH//+AAAApqdqPAM2b/urWyMiOvbvWDd/W3vejzp2zL/nnmXL7rkn857mlvWPeBEYAAAwa1WnCMfa1rs39m5tKfjR37Vtzfwr8yLmwkr1AAAAs0/VqiDO2956/u7dG21/l51kOG9t640bbVtbWlpaWlq27m27cV78AgAAZrXPVXdz89bmh6x589a2nl9b3T0AAABMVxP0HrCbN73wCwAAoFA1A9jN9n3bli2755577rln/vyBahzt2+7JK44IAAAwi1UrgN1s37Zs/rod+7MVN/J07N+xbv6yTB4DAACYvaoTwNq3zV+3vyMiomXr1oJyiPMXtLRERHTsX7dsn3EwAABgNqtGAGvflnnN19a2G3fPt7Zuf6Jx8LN528+fv9G2tSUiOnb82CgYAAAwi1UhgLV/sD8iWvbeaF1bvM78vLWt7+xtiYj9H0hgAADA7DX+AHbz990R0bL+kXJv+Zr3yHoJDAAAmOXGH8BuXO+IiMYvlX/L8rwvNZb9HAAAYMaboPeAAQAAMNT4A9j8BZVMLhx4UGzB/HHvDwDg/2/v/l0bO/cHj38Mge1vcYs4hhFIUwzDdouJzBQq5YRhCjNFFpxOxiyL7GLSOOW4ycDaYgsjwRYxbIrBRTATu9hC7A5WMBe2uEyGS6SLBhwFvn/Al8tW3kLyb9mWbfnxr9eruRnp+OgU95H01nPOcwDuqKsH2CCXd7Uqr2sR55+oCAAAcI8N4RTEvQKbnJjZ7HOnr9bmzERurhER+eVXxau/HAAAwB01jGvAsuXuKvON2mRuZGRi4vWHiIgPr2dmJiZGRvZv0bz8Y9n8FwAA8IB9NpS9ZMtbzZj5dq7WiGg0GhER0Wh0wysiIvLLzS35BQAAPGxDWwUxW65uNZsby6V8Pn/waD6fLy1vNHfVFwAAwHBmwHqy2WK5WiwPc5cAAAD3hvuAAQAAJCLAAAAAErnoKYitzZk3P1/+5Z68qroaDAAAeKAufA3Y7x9qh1Y3vKjSi2oIMAAA4GG6aIBlHz+N6AbYkeUOAQAAOMeFZ8ByT/K9Ams0orT8/auvillzWgAAAOe78CIc2fJWs7lRyucjolGbm8zlRkZGJmYqm63WNRweAADA/XGZVRCz2WJ1a2t3d7e5sVzKRxyU2MTETGVTiAEAAPRzpWXos8VydT/E8hHRaNTmJnMjSgwAAOCkodwHLFssV7e2dnebB1NiSgwAAOCYod6IOXtiSuxQic1UlBgAAPCgDTXA9p2cEotGbW5uMjezeS2vBwAAcAdcT4DtyUbEk6duFwYAABCXuA/YQFqtzV/evJ6rNY48ms+XXuSu5fUAAADugOEGWGuz8ub121rjSHjl86WX378qF92uGQAAeNiGEmB9J7x0FwAAwBFXCrB+E166CwAAoL/LBFi/CS/dBQAAcI4LB1irMpGb208v3QUAADCoCwdY8+NefeVLpacR8fHnNzM/D/rXT15Vy2INAAB4mC4aYK3fP+z9Z6N2bJn5AZReVEOAAQAAD9NFb8R8MAEGAADAhVx0BqxY3d2tXsuRAAAA3HMXnQEDAADgkgQYAABAIgIMAAAgEQEGAACQiAADAABIRIABAAAkIsAAAAASEWAAAACJCDAAAIBErinAWq3W9ewYAADgzhpmgLU2KzMTEyMjIyMjuVxuZjMiYnNmZGKmsinHAAAAhhVgrc2ZidzkXK3ROPFUozY3mZvo9hgAAMDDNZwA25zJTdYaERH5Umm5lD94Jvckn4+IaNQmJyrmwQAAgIdsGAG2OTNZi4gobTR3t6rV8ounB89ly1tbzY1SPiIac2/MggEAAA/YEAJs8+daROSXm9Vitu8G2WL1x+V8RNR+VmAAAMDDdfUAa/3+ISLyL7/qX19d2a9eKjAAAOCBu3qANT82IuLp47P6KyL7+OmZzwMAANx7bsQMAACQyNUDLPdkkJMLexeKPcld+fUAAADuqKsH2CCXd7Uqr2sR55+oeKbtpefPny9tn/JsZ22pXH7eU15a2+5c/pUAAACuwxBOQdwrsMmJmc0+d/pqbc5M5OYaEZFfflW89KtsLy3Wz3jy+exqvd3e+3e7vro4e2qrAQAA3IhhXAOWLXdXmW/UJnMjIxMTrz9ERHx4PTMzMTEysn+L5uUfy5ec/+psLz0/M78W6xGRmV5YWV9fX19fWZjORER9sbxmGgwAALg9hrMIR7a81Vwu5SMiotFoNLr/W6t1/ysi8svNrUvlV2d7bak8e0Z9RWftp3pEFBYqU+OjERExOj5VWShERPv9rwoMAAC4NYa2CmK2XN1qNjeWS/l8/uDRfD5fWt5o7l6yvtbKs4ur9XZkCgsrC4X+2/z6vh0Rhfz4kYfHX05nFBgAAHCrfDbMnWWzxXK1WB7mLiNTmP7m5dT4aGw3+j7/x06//ooYHXsU0W7v/BExOtQDAgAAuKShBtiwjU5V1qfO3qSz8ykiMmNfnHjmi7FMRPvTTifGFRgAAHAbXD3ANmdGJj+Ulr9/VS5eYY35xN69e3faU+2DxRRviz//dCIlpJPgTeDPjkENSV3fuP5rRER0DGpI5S8RcSu/sQ9uODNgjdrcZG0uIn/rQuyUcxC//vrrvpu/e/cuk8lc90EN7u//iIj4/HNzeJBC81NExPW+Cex8iIjPRw1qSOXf/hnXOa7//W8REaMGNaTyr48R1/1hfUG//fbbhba/+iIcuRel/WU3GrW57kr0M5V+twS7Af1OTgQAALgRVw+wbLG6tbW7210AsftQ4/aFGAAAwI0b3jL0xXI3xJob/UJss3U9ITY69ih6Jxoe010e8dGYcwIAAIBbYmgBtie7NyPW3Ni7NXM0GrXJXG5kZGKiMvQM+2IsExGfdo5f/Hr68ogAAAA3Y+gBtiebLZarW7u9cxO7jzUaH5vDfp3RL59lItqrb7ePPLz9drUdkXn2pQkwAADgtri2AIuIaG1WZia+nZyr9b+H8nB0Cyzqi+Wl7e40WGd7rbxYD/0FAADcLtdxI+ZWa/OXN6+PZlc+X/r+x1fF7DWsUD869d3CzuxivV1fnK0ferywUJnSXwAAwO0xzBmw1mZlZmJiZCSXO5j0yudLyxvN3d2treq11FdERIyOz68sTBcO7gaQKUyvrM+PX9PLAQAAXMowZsBam5XjE17XcE/m8fn19flTnx0dn5ofnzr9eQAAgBt39QDbnMlN1g7+OfTwAgAAuCeGdg1YvrT8/auvru80QwAAgLvu6gGWe7HRvJ7VNQAAAO6VqwdYtlgcwnEAAADcexcNsFZl5s3HiIgnr6rl7JFHBrH/VwAAAA/ORQOs+bFWq0VElF5UI3vkkUHs/xUAAMCDM8z7gAEAAHCGi86AFau7u9VzHgEAAKAPM2AAAACJXD3AWpWZmZmZSuv8rSYmJs7bDAAA4P66eoA1P9ZqtdrH5tlbZR9HrdFonLcZAADA/ZXqFMTW7x8SvRIAAMAtdYkbMW/OjEyeWHe+NjkywFr0+Se5i78eAADA/XCJGbBidaN0uRcrfe8uzAAAwMN1iRmwiOKrjVL83PvHhw+1RiPy+dLTp2f8yZMnL776qii/AACAB+xSARbZYrVa7P335kxtshFPvz94BAAAgD4uF2CH5Z6USqVwcRcAAMA5rh5g2XK1OoQDAQAAuO8uGmCtysybjxERT15Vuytq7D8yiP2/AgAAeHAuGmDNj7VaLSKi9KIa2SOPDGL/rwAAAB6cVDdiBgAAePAuOgNWrO7uVs95BAAAgD7MgAEAACQiwAAAABK5+jL0x7VardOfzGYtwQEAADxUQwqw1mblzeu5WuO87Uobu9XicF4SAADgjhlKgG3O5CYHXokeAADggRpCgLUqr3v1lS+VXj558fjx6dvmcld/PQAAgLvp6gHW+uVtI8LZhQAAAOe4+iqIzY+NiMgvv1JfAAAAZxnWMvRPH1veEAAA4ExXD7Dck3xEfPj9jMXnAQAAGEaAZb96mY9ovP1FgQEAAJxlCKcgZss/LuejMfftzKYGAwAAONUQVkGszLz5+DQfjUZtMleLfL709OmpGz95VS27WAwAAHiYrh5gzY+12qG7MDcatUbj1I1LL6ohwAAAgIdpWKsgAgAAcI6rz4AVq7u71SEcCQAAwD1nBgwAACARAQYAAJDI1U9BjGi1Blx+Ppu1AAcAAPBwXT3ANmdyk7XzNzskny+9/P5VuajGAACAB+UmTkFsNGpzk7mRiYr7NgMAAA/J1QMs92pjY2M5v/fPfKm0vLFnuVTK7z++vLGxsbG8XCrlu4815nIzm1d+eQAAgLvi6qcgZrPF5pvJRkTkl5tb5SPnFRaLxXK12tqcyU3WanM/v9itlovFKEfvoai9rrwqlp2KCAAAPAhDOAVxc2ay1q++9mWL1eZyPqI2uT/jlS1WN0oR0Xj7i/MQAQCAB+LqAdb6/UNE5F9+ddZEVvarl/mI+PD7QW7lnuQjovGxeeUjAAAAuBOuHmDNj42IePr47BMJs4+fxtHc6j4CAADwYAxrFcTDc1v9dOfJAAAAHrCrB1jxRSkiGnNvzlrRcPPNXCMiSi+KBw/9XIuI/JPclY8AAADgThjCDFi3wKI2OTGz2W8arLU5M9G9VfN+f+0/dM6lYwAAAPfI1ZehjyhWN0q1yVo0apO5WuTzpad7V3d9+PCh0Wj0/lHaqBYjYnNmpJtjob8AAIAHZRgBFlGsNjfi28laIyIajdp+c+3LL2/8WC4ee6y0cdrC9QAAAPfQsBbhyBarW7vN5sZyKZ/PHzycz5eWN5rN3a1ycS+1ck9KpeXljebuVrXYd1cAAAD303BmwHqy2WK5Wiyfs1G5Wh3miwIAANwRw5oBAwAA4BxDDbBWa7MyMzExMdIzMTExMVPZbJ19izAAAICHYWinILYqE7m5Y4tvNBqNaDQma3ORX25acAMAAHjghhNgR+orn88/7S5Ef7AKfWMuNxEaDAAAeNCGEWCtyrfd+uouNn8sslqblW8n5xrRmPu28pUEAwAAHq4hXAO2+WauEdE9y/B4fUVEtljeai7nI6Ix92bz6i8HAABwR109wFq/f4iI/PKPZ0xuZcs/Lucj4sPv1uMAAAAerKsHWPNjIyKePj773MLs46cR0fjYvPLrAQAA3FHuAwYAAJDI1QMs9yQfEbWfz768a/PnWkTkn+Su/HoAAAB31NUDrHtyYdReV06/vqtVeV2LOP9ERQAAgHtsCKcgFl/11jjMTcxsto5XWKu1OdO7SVh++VXx6i8HAABwRw3jPmDZ8o/Lb3NzjWjUJnO1iMjn891nerdhjojz1kkEAAC494YRYBHZ8lbz8cy3k7Vubx3uroiIyJc2fqz2uUcYAADAAzKcAIuIbLG6tfuqtfnLm5/ffviw9+jTpy9fvPqqmNVeAAAAQwuwiIjIZovlarE81H0CAADcE+4DBgAAkMiVA6zVOrHwYffxysTETOXkqogAAAAP1RUCrLU5MzEykst9+0ufyGr98rbRqM1N5nIjEzObKgwAAOCyAdbanJnI9RY9bHxsntzg0EON2mRu4oy7NAMAADwMlwqwzZm9+IrIlzZe5U5uUixv7e42N0p7NwSby81sXvYYAQAA7oVLBNjmzGSt+1/55ebuVvX0ReazxepWc7nXYLVJCQYAADxoFw6wVuX1fn79WD7//l7Z8o/7CfbaiYgAAMADdtEAa/3ytnfuYen7AfIrIiJb/r7U/a/G237rdQAAADwMFw2w5se9a7+e9Lny6xS5J3uXgvVbrwMAAOBhuPQy9E8fDzb/FRGRffz0si8DAABwb1z5RswAAAAM5qIBtn824YffB7+cq/X7h+5/XOS8RQAAgHvmogG2fzbhBRbUOFi44yLnLQIAANwzFz4FsfjioksaHvSXCTAAAOAhu/g1YAcFNvftAPf12pzJzV104XoAAID76BKLcBSrG/sJlpuY2Tw1wlqblZmJyd5tmyO//Kp4iQMEAAC4Lz67zB8Vq83lD92JrUZtMleLyJeWX754/Hhvg99//vltrdY49CeljS3TXwAAwMN2qQCLyJa3mjHz7dxeZDVqc43aKdvmS8s/VtUXAADw4F3+PmDZcnWrubFcyp++ST5f2mg2t9QXAABAXHoGrCdbLFeL5Wq0WpvN5u+///zxY0Q8efLi8eNcrpiVXQAAAIdcLcD2ZLPFbLZYtMgGAADA6S5/CiIAAAAXIsAAAAASEWAAAACJCDAAAIBEBBgAAEAiAgwAACARAQYAAJCIAAMAAEhEgAEAACQiwAAAABIRYAAAAIkIMAAAgEQEGAAAQCICDAAAIBEBBgAAkIgAAwAASOSzmz6AW6fdbt/0IRz355+dmz4EeEASvAn82TGoIanrG9d/jYiIjkENqfwlIm7lN/bBCbDjMpnMTR/Cgb//IyLi889Hb/pA4EFofoq47jeBnQ8R8fmoQQ2p/Ns/4zrH9b//LSJi1KCGVP71MeKWfWP/7bffLrS9UxABAAASEWAAAACJCDAAAIBEBBgAAEAiAgwAACARAQYAAJCIAAMAAEhEgAEAACQiwAAAABIRYAAAAIkIMAAAgEQEGAAAQCICDAAAIBEBBgAAkIgAAwAASESAAQAAJCLAAAAAEhFgAAAAiQgwAACARAQYAABAIgIMAAAgEQEGAACQiAADAABIRIABAAAkIsAAAAASEWAAAACJCDAAAIBEBBgAAEAiAgwAACARAQYAAJCIAAMAAEhEgAEAACQiwAAAABIRYAAAAIkIMAAAgEQEGAAAQCICDAAAIBEBBgAAkIgAAwAASESAAQAAJCLAAAAAEhFgAAAAiQgwAACARAQYAABAIgIMAAAgEQEGAACQiAADAABIRIABAAAkIsAAAAASEWAAAACJCDAAAIBEBBgAAEAiAgwAACARAQYAAJCIAAMAAEhEgAEAACQiwAAAABIRYAAAAIkIMAAAgEQEGAAAQCICDAAAIBEBBgAAkIgAAwAASESAAQAAJCLAAAAAEhFgAAAAiQgwAACARAQYAABAIgIMAAAgEQEGAACQiAADAABIRIABAAAkIsAAAAASEWAAAACJCDAAAIBEBBgAAEAiAgwAACARAQYAAJCIAAMAAEhEgAEAACQiwAAAABIRYAAAAIkIMAAAgEQEGAAAQCICDAAAIBEBBgAAkIgAAwAASESAAQAAJCLAAAAAEhFgAAAAiQgwAACARAQYAABAIgIMAAAgEQEGAACQiAADAABIRIABAAAkIsAAAAASEWAAAACJCDAAAIBEBBgAAEAiAgwAACARAQYAAJCIAAMAAEhEgAEAACQiwAAAABIRYAAAAIkIMAAAgEQEGAAAQCICDAAAIJHPbvoAhmJ76flivc/jhYX1+fHkRwMAANDXvZgB6+x8uulDAAAAONe9mAH7Y6cdprsAAIDb7j7MgG036hGRGfvipg8EAADgLPcgwLonIGaefTl600cCAABwlntwCuIfO+2IzLOxP9aWflittyMiMpnCN9/NjysyAADgNrn7M2DdCbD26uJir74iot2uL84+X9q+wcMCAAA47u7PgHVX4IjIFBZ6k16dztrbH1br7fpieWylMtVvHuzdu3en7a/dbp/21E3588/OTR8CPCAJ3gT+7BjUkNT1jeu/RkREx6CGVP4SEbfyG/vg7nyA9ZagLyxU9pdAHB2dmq+MxfPFevv9r52pfgX29ddf993bu3fvMpnMNR3qJfz9HxERn3/uZEpIofkpIuJ63wR2PkTE56MGNaTyb/+M6xzX//63iIhRgxpS+dfHiOv+sL6g33777ULb3/lTEEenKuvr6ycXoB/PFyKi/f5XP0kBAAC3xJ0PsFN9MZaJiPbOHzd9IAAAAF33N8C63B0MAAC4Ne56gHXWys+fP++34GF3cY5HY07KBgAAbom7HmCjY48iIuqNYwXWWfupHhGF/PFrwwAAAG7KXQ+wGH85nYmI+mJ5abu33kZne6k8u9qOyEy/1F8AAMCtceeXoY/Rqe+m38+uttv1xdn64ScKC9/1vQcYAADAzbjzM2DRXYl+ZaFwcDeATKawsLLevSszAADAbXH3Z8C6RsfnK+PzN30UAAAAZ7gPM2AAAAB3ggADAABIRIABAAAkIsAAAAASEWAAAACJCDAAAIBEBBgAAEAiAgwAACARAQYAAJCIAAMAAEhEgAEAACQiwAAAABIRYAAAAIkIMAAAgEQEGAAAQCICDAAAIBEBBgAAkIgAAwAASESAAQAAJCLAAAAAEhFgAAAAiQgwAACARAQYAABAIgIMAAAgEQEGAACQiAADAABIRIABAAAkIsAAAAASEWAAAACJCDAAAIBEBBgAAEAiAgwAACARAQYAAJCIAAMAAEhEgAEAACQiwAAAABIRYAAAAIkIMAAAgEQEGAAAQCICDAAAIBEBBgAAkIgAAwAASESAAQAAJCLAAAAAEhFgAAAAiQgwAACARAQYAABAIgIMAAAgEQEGAACQiAADAABIRIABAAAkIsAAAAASEWAAAACJCDAAAIBEBBgAAEAiAgwAACARAQYAAJCIAAMAAEhEgAEAACQiwAAAABIRYAAAAIkIMAAAgEQEGAAAQCICDAAAIBEBBgAAkIgAAwAASESAAQAAJCLAAAAAEhFgAAAAiQgwAACARAQYAABAIgIMAAAgEQEGAACQiAADAABIRIABAAAkIsAAAAASEWAAAACJCDAAAIBEBBgAAEAiAgwAACARAQYAAJCIAAMAAEhEgAEAACQiwAAAABIRYAAAAIkIMAAAgEQEGAAAQCICDAAAIBEBBgAAkIgAAwAASESAAQAAJCLAAAAAEhFgAAAAiQgwAACARAQYAABAIgIMAAAgEQEGAACQiAADAABIRIABAAAkIsAAAAASEWAAAACJCDAAAIBEBBgAAEAiAgwAACARAQYAAJCIAAMAAEhEgAEAACQiwAAAABL57KYP4NZpt9s3fQjH/fln56YPAR6QBG8Cf3YMakjq+sb1XyMiomNQQyp/iYhb+Y19cALsuEwmc9OHcODv/4iI+Pzz0Zs+EHgQmp8irvtNYOdDRHw+alBDKv/2z7jOcf3vf4uIGDWoIZV/fYy4Zd/Yf/vttwtt7xREAACARAQYAABAIgIMAAAgEQEGAACQiAADAABIRIABAAAkIsAAAAASEWAAAACJCDAAAIBEBBgAAEAiAgwAACARAQYAAJCIAAMAAEhEgAEAACQiwAAAABIRYAAAAIkIMAAAgEQEGAAAQCICDAAAIBEBBgAAkIgAAwAASESAAQAAJCLAAAAAEhFgAAAAiQgwAACARAQYAABAIgIMAAAgEQEGAACQiAADAABIRIABAAAkIsAAAAASEWAAAACJCDAAAIBEBBgAAEAiAgwAACARAQYAAJCIAAMAAEhEgAEAACQiwAAAABIRYAAAAIkIMAAAgEQEGAAAQCICDAAAIBEBBgAAkIgAAwAASESAAQAAJCLAAAAAEhFgAAAAiQgwAACARAQYAABAIgIMAAAgEQEGAACQiAADAABIRIABAAAkIsAAAAASEWAAAACJCDAAAIBEBBgAAEAiAgwAACARAQYAAJCIAAMAAEhEgAEAACQiwAAAABIRYAAAAIkIMAAAgEQEGAAAQCICDAAAIBEBBgAAkIgAAwAASESAAQAAJCLAAAAAEhFgAAAAiQgwAACARAQYAABAIgIMAAAgEQEGAACQiAADAABIRIABAAAkIsAAAAASEWAAAACJCDAAAIBEBBgAAEAiAgwAACARAQYAAJCIAAMAAEhEgAEAACQiwAAAABIRYAAAAIkIMAAAgEQEGAAAQCICDAAAIBEBBgAAkIgAAwAASESAAQAAJCLAAAAAEhFgAAAAiQgwAACARAQYAABAIgIMAAAgEQEGAACQiAADAABIRIABAAAkIsAAAAASEWAAAACJCDAAAIBEBBgAAEAiAgwAACARAQYAAJCIAAMAAEhEgAEAACTy2U0fwLB01pZybyNVAAAM4UlEQVR+eF9vtyMiIlOY/ubl1PjoDR8TAADAYfdjBmx76fns6l59RUS7vro4u7R9k4cEAABw3H0IsO2lxXpEZKYXVtbX19fXVxamMxFRXyyvdW762AAAAPbd/QDrrP1Uj4jCQmXvnMPR8anKQiEi2u9/VWAAAMCtcecDrPPr+3ZEFPLjRx4efzmdUWAAAMCtcucD7I+dfv0VMTr2KCLaO3+kPyQAAIC+7voqiJ2dTxGRGfvixDNfjGUi2p92OnHnV0P835/e3vQhAMP0P/7v/7npQwCG6V//67/d9CEAd8ZdD7BLevfu3WlPtQ8WU7x5//E/TP79/23c9FHAw3KtbwL/eezp/9z5cH37B/q6xnH9n/7rX//2369r58ApbtU39ou67wHW3vkj4uQM2Ndff91383fv3mUymes+qAvJxH+56UMAhun7W/YmA1xVxvQXpHarPkp/++23C21/568BO0e/kxMBAABuxH0PMAAAgFvjrgfY6YsddpdHfDR211fgAAAA7o27HmDdxQ7j087x+32dvjwiAADAzbjzATb65bNMRHv17faRh7ffrrYjMs++NAEGAADcFnc+wHoFFvXF8tJ2dxqss71WXqyH/gIAAG6Xe7AM/ejUdws7s4v1dn1xtn7o8cJCZUp/AQAAt8fdnwGLiNHx+ZWF6cLB/QAyhemV9fnxGzwkAACAE+7BDFhERIyOT82PT83f9GEAAACc7l7MgAEAANwFAgwAACARAQYAAJCIAAMAAEhEgAEAACQiwAAAABIRYAAAAIkIMAAAgEQEGAAAQCICDAAAIBEBBgAAkIgAAwAASESAAQAAJCLAAAAAEhFgAAAAiQgwAACARAQYAABAIgIMAAAgEQEGAACQiAADAABIRIABAAAkIsAAAAASEWAAAACJCDAAAIBEBBgAAEAiAgwAACARAQYAAJCIAAMAAEhEgAEAACQiwAAAABIRYAAAAIkIMAAAgEQEGAAAQCICDAAAIBEBBgAAkMhnN30At867d+9u+hAAAID7yQwYAABAIiO7u7s3fQwAAAAPghkwAACARAQYAABAIgIMAAAgEQEGAACQiAADAABIRIABAAAkIsAAAAASEWAAAACJCDAAAIBEBBgAAEAiAgwAACARAQYAAJCIAAMAAEjks5s+ALiC7aXnP33KPHr0bCz/5dT4aP+NOttrvzZ23n+qP/pmfX58qK/fWSvPrrYz0yuVqVNeHLiaTmf717c/va+3270HMpnCs29e9hnw543H7aXni/UoLFzkfaD7N8Y43AbdMX7uZgMP2Mu8J8BQCDDuuHa73W63o74zdso76PbbxdV6REQ8SnlcwJX1/brVbtfbi/XVTGH6u3lVBMDdI8C4+zKZTLtdb2zPj/cpsO1GvbvB+T+aAbfI9lJ5sd6OiExh+puXX46PdmOrOyO2Wm/XV2c/hZkpeDhGpyrrU4cfMIXFXeUaMO6BR48yEfXGdp+nthv1yDx79ij1IQFXsr20WG9HZKZX1ivzU3v1FRGjo+NT85WVhUImor06u9Rv3APALWYGjHtgLP8sU+87B7bdqEdm+suxndWjD/e7rqN3ttPhn9I620s//LR/7Ukmk3n0zXfzp11rdmQvR/fd2V57+9NqfW8/hel+V7B0tpd+6P7gH5nCwnfzX/za74KWzvbaoethMplC/yMacDO4nTprP9UjorBw2gTX6Pj8d9OfZlfb9Z/WXo6fOgvWdzwefv7IQDnj+rKIztrSD6t7A7Tf2Y/nDfOD3+q/2N/VwZ4Odp/JTH/z3bFDuMBxAhEx+Af9YYN96BuPXJ0ZMO6DL7581ncObLtRj3g0drk3xc5aeXaxfujUxXa7XV+cfX7GL+573/aOfG3cXirPLu5/LYuIdn11cbZ8dDe9F9vfYnG2/Han/yGtHjqmdrt+YlcDbwa3VefX9+2IzPTLs04rGp36phAR7fe/dk7ZS7/xeMje0Dx0enK7XV9d7DOrtvO2PLt6aICuzpbXjrzqQMO8u6u1Q7vq7Wl76fmhx9qriz8c3vsFjhO4tME+9I1HhkKAcS+M9i2w7UY9opC/1KnhnbUfVtsRmemFlfWelYXpTETUf1rr/31ve2l2tR1RWKgc/LLWWetexpIpTK+s7O2mkIlo1xcPvsH1Xmz/1VYWCpl2/dCXucP7zxT2D6l7RO364uE3/gE3g1ur21/n/3Yynj+jwPqNx6PP985xPBji6ysLhYg+Y7xdr7cPj86IaK++3R9Ogw3zrvrqahT29jTd3dPsYj1z/LH9vV/kOIHLGuxD33hkSAQY90OfAuuexHTJ/oo/dtoRkXn25cFJBaPjU5X19fX1vr+md9bKi/WIzPTK4W97vS+ShYXK/NTeRSyj4/OVhUIc+o51sFXvFIbR8fnvpjPHX2DvnKyD8yFGx6cqK9OZw2/8A24Gt1hv9I19cd6GX4xlIqK988fxJ/qPx8O2G/WIyEwfOdlvdPzldN89ZqZXDo3ObwoREZ929gbdQMP8YFd7pzSNjn/5LHPisamje7/YcQKXNNCHvvHIsAgw7onRsUdxpMC6X4ou21973+xWf1ja7pwfLd0f209caLL3xezEQXR/ue99x+p7ulXv9Kpju+pzTlY3PfcmAQbcDG6/y548fOp4PGJ8/tAXq06ns729tra0dNpNho4ey9HuG2yY78k8+/LQF7exRyceu9JxApc00Ie+8ciwWISD+2I8X4h6fX8ljiv2V4x++Syz2m5Hu744W4+IyBSmn/W/3XN7dXax/05O/yG/e7TtnT8iRrtbnfi2+cVYJuLYm3p7dfb50fVE9p/Z+SNi9GKbwW32aacTl7iq/fTxeMKhhW/OduZk3GDDfMBD6mvg4wQua+APfeORYTADxr3R/bm5Nwd21f6KGJ2qrCwUMvsnArbrq6uLs8+fl5e2T/44lil018T+od8pfpf/If+Q7pe8YW0Gt9mpZxYed0r7nDke9xxZ+CaTyRQK09MLKyvHz/0d1KDD/MJvB0M+TqC/gT70jUeGxAwY98ehObAvrtxfEd3LOMbnIzrba7823vfWnG3XF38YO3pqU2GhMj/eGfs0u9pefbs9dfyik8F+yB9oq7NPqrroZnA79X6KPndM9K7HOHYC3znjsWtv4ZvCwsqRRaY7JxcfHcwl5+vOM/TjBE513oe+8cjQmAHjHtmfA7v6/NcRo+NTU/OVysEKZUevpOr+/t67aOvIUoOn/5Df++Y49sX+ViccncwacE5g4KkDuMV6lyweX7/iqN6CM8f76/TxeFhv7mz65bFousQc8mDD/JKGeJzAgE770DceGRoBxn3S/Sb0qfH2nP7q942pdyX93r/Wys+fPz9+z6+DVcv6GZ9fKMSRpQa7XyNPu0HZ3tlI/b9s9jbZf+nerk6uY7i99Pz58+e9xa4H3Axut/1+6nvKb3Qvw+j+FP3NKZO9J8fjAPaG3dGFM8451oGG+XBd5jjhYTn/g/6wy3zo7zEeuTgBxn3SS5l6/Zz5r97aY/XF3pe7zvbasVWM9r5TLZbXDr7/dbZ7px+c9o2quxbtoUtPDnaztNZbV6nTWVsqL3ZXsu2tVXjoxXrbbPc2OXxEvbvOrs4eOqT9Dfe/hQ64Gdxy4/MrvdvXzZaX1g4tS9bpbK8t9S7DyBQWTltmPvqMx0P2Vjx7e2iUrJWfHx92AxlsmF/OMI8THpTzP+iPbD3Ih77xyNC4Box7ZW8Zo/NO+xl/OZ2pr7Zjb7WjiCgsLMTiwdvo6NR30+9nV9vt1cXZowsKnvWdb++v9i89GZ2qLOyUF+vt+upsffXoXg4u0zp4sYPVCzOFQhy9F/P4/ELh02L95CEdPaIBN4NbbnSqshJLP6zW2/XVxfqJZT0zhenv5s/+QeHEeDz81DeF1cX64beAiIjM9MKz94ur7YutXDjYML+UoR4nPCjnf9AfNsiHvvHI0JgB437p/Yh15o11Irrf7aYLe2cWZAoLJ+/XOjpVWVmYPrQkUmQyhemFlcqZFXPy0pPx+e5+DnbTZy+95ZcOHU8lf3wN+oNd7e+r/xENuBncdqNT85WVY8Ow93/n9co59dXbwamXgo3PHxmXmUxhYWW9MjXe/dX8oucSDTTML2W4xwkPyAAf9Mc3P+9D33hkSEZ2d3dv+hiAPraXni/Wo7CwrpsAAO4NM2Bw0/pf+zuEBdQAALhtBBjctONXCkdEZ3tpsd8K2wAA3G1OQYSb19lemu1zWbD7KQMA3DcCDG6Fzvba25/e19vdhTcymcKzb15OjasvAID7RYABAAAk4howAACARAQYAABAIgIMAAAgEQEGAACQiAADAABIRIABAAAkIsAAAAASEWAAAACJCDAAAIBEBBgAAEAiAgwAACARAQYAAJCIAAMAAEhEgAEAACQiwAAAABL5/4oUFU6xVhj+AAAAAElFTkSuQmCC"/>
+      <p:sp>
+        <p:nvSpPr>
+          <p:cNvPr id="9" name="AutoShape 2" descr="data:image/png;base64,iVBORw0KGgoAAAANSUhEUgAABIAAAASACAIAAAAIyqENAAAACXBIWXMAAB2HAAAdhwGP5fFlAAAgAElEQVR4nOzdXXCU950v+J+3crFTs1VbdTZIluRUhTqQHYMIGmQXdUTNOAwvBvwyvvCSFAQckwTKczwFNh57PHZyEZskJCaGis+4RBKIwaYSyqfWB4OEeQn2TKFZCkREEHgqcIpUBalRy7tbezE15469aHWrW+putaTWo7fP5wqrn5f/86L2/6v///k999y9ezcAAACYeP/TZDcAAABgthDAAAAAEiKAAQAAJEQAAwAASIgABgAAkBABDAAAICECGAAAQEIEMAAAgIQIYAAAAAkRwAAAABIigAEAACREAAMAAEiIAAYAAJAQAQwAACAhAhgAAEBCBLAK3bzZvm/bsmXL7smzbNmybfvab96c7LaNX/u27CHtq/RoxrDK5Lp5s33ftpl7CWeQm/uy12hb+2S3pYiZ/VUAAEw4AWxEN9u3Lbvnnvnz1+3Y39HRkf9JR0fH/h3r5s+/Z9m29pnb9cp0N6dJyirqZvu+bcsyV7DkJZzYazj9zyExq74K3LEAMHEEsLJu7lt2z/x1+ztGWKxj/7r5y6bkX+vHKXP8O0Y8AVPXzfZtyyo6go796+ZPyGje9D+HxKz6KnDHAsDEEsBKu7lv2fwdg52Qlq17227cuHE358aNtr1bW7Ifd+xfNzVnTFVibevAMZ3fPi//5zeul+yElVplKrm5b1lBn7nEJcxdw+jYMb/qGazMOWSamEVfBeGOBYCJJoCV0r5tsMvVsrXtxt3zrdvXzpuXFzbmzVu7vfX83RttW7M/2b9uOve7Zpr8K1j2Ep6/0bZ3sPc8ARmMac1XAQBQTQJYce3b1u0f+GfL3hvnW9eWHuWZt7b1Rq7/vv91nfepIe8Kxta2kS7h9vN3BzvPHTt+rPPMAF8FAEB1CWDF3Nz3+mCf652Rp9jN2/5Ott/VcfSEbtfkK7iCN8p1mnMKOs/GL4gIXwUAQPUJYEXcPHE0O+No66uVPeE075H1W1tatm7d2/bqI0VXuHmzvbB0daZu9QgNKVxpWa7EWqka8LmfD+SHTC2zkfc5bHsDlcBzf/vv2DF/yA6HrlJh7fBy1euHtLaiU1TcGK5gRMzb/urgFLIPCo5ixKL7RQ5/5HNYsIExHPyobqrsIeQuccEOh685/N4Zocx69S5f0cMs3Ozw7Vb0XoShvyAj7nqyvwrGcuMVrjiKr4IR7tgJOcMAMBvdZajBgZDY2lblDQ7TsrXtRvGV2rYWX6tl743B6XItewvWzv18a9vdUusPWyl/vexHJZucW3d4E/J3Xkqphpc82nKnqKSxX8FSa5Zqd5EVc+uNfA5zC5Y5+BL7G/1NlT2Elr03Sq6cu/zlbr5ijZmgy7e1rXRTtw5tyojXqLJbtHhLJuurYCw3XuGKo/gqGOmOnYAzDACzkRGw4QaLgLUsmD/urbVvuye/gNpQHfvXFSv60L6tZMnrjh3zt30w0l67X19WumR2x46nJuLxlLVPDHS+howe5Wn/YOCP6y3r80YHhhYrHKJj/7r5o/tz+uAV3PrE2tGsGPO+1Jj9Z/fvE5lAdnPfsvllKn4Xrwkytpsq68S2Uit37Ji/rf1m2Ztv+K1T9cuX54PSTd0/9Mys/buB/FBy7l/u9qv0tpgKXwXjVcWvggk4wwAwK012Apx6qvpX78HKDgPFq7M7KRwzKDWQFYV/Fx8+0FBmxSF7HLJyiT+Xl9peBYNmd0f+83fRz/P/7N6ytW2wunfhOSr9R/dhBrc4ipWGtbGgkWMeiBhh1cKDL3W1yt4eY7mphq7Ylt+MlmGXouDzIQdY/cs3fCCmpeRtXGIEp+jeSl+iChoy6V8FYx4BG77Hsl8F5fdZ7TMMALOSADbMYM9lDN33QnkduKK977xOUl6PpaDbN2ytGwU9q3Jd8yJ7LHVsVQpgI3QXi+av4oGn8s/LrjKuAFb5gd0dawAr39LiQXJsN9WI90a526pMUyfg8g0JYEXWK3mM5fLBGNLBpH8VVCmAjearYIR9VvkMA8CsZAriBGr/cXbCUfECavPWtub6OoPT9gaf+9/aVqR8X/5K5RStGZCbJRgd129UsJHRKjdHabCeXN70pLwftrUWnbQ0eLilZzZOV7kJW8Wv1mBRkLzTObabqlCxvQ3eGsU3nPf5oIm/fEW3W/IY5z2yvtT9l/drNQmz46px1casml8FU/YMA8A0IoANM39B6efkR+Xm77sH/lW6gNpgNyjb7aqgG1O0LzxEiZWrdnAllO6fFT+u3EM2ZfpsucNN6KmsxAw+Ebf374of/drWgT+UnM/eQGO7qQqN1D9u/FKxDedunbwO+0RfvpInJu8YCzZb8v4bUzqY5K+CKqnuV0F1zzAAzEoCWBnjHCXK9U7LPcA/rCNZyVojJ7Bq1AwYk1L9s1z3rKBPPdgx3b/unpKyZbErvR5V6jcXzyETYRR7GttNVWCke6Pye2diLl+eMiemWB6MkvffeNPBpHwVVEe1vwom6AwDwCwigA2TfCG84pLr/1dVbt5cQf9sMH+tL/5ypIpUeD0Gr+Do+82DmWLCM+zgrmaJUf86lbsEeb+mhT8vdv8Vj/8jmipfBVNLNc8wAMxKAthwgwMoo+q/39y3bNmybdv2tVfl5bPTWPYv+Xn9s+rkr4oNXsHRzubKe/HuNA3As0Xp+Dr8/hvz7eeroKgqnmEAmI0EsOFyc2xG1X+/eeJoR0fH/v071r1e4h05xVfL9SOHdvin79/ch/XPciUISj8BU1HdtPOl1h5ibFcwv6HTeyJV6ZtqolT18uWMceLf0Ptv7OlginwVTDnVO8MAMBsJYEXkd7ter/A9pXllzrJ9kBJPqRQafNXrgErWmuqT14b0z0q/nXVwjld14+Zg/cDYv67itwAP1vQbff4adh1HVsnB39y3bOBJqoGjGNtNNUEm6vLllNlsuceqCu+/8aSDSf0qqEhS17pQ9c4wAMxCAlgxef33jh3zK+jAt2/LVhrIG+QZ7LyV7rvlFSIf6PHnrVXqb+554zRTVLYcfcfREzfL5K/8nunwuvVZuRCyrMIecH4LImL/uopWbN82P3daSz/IUqIHPaZInKu60LHjx8Uv9fDKBmO7qSbKhF2+GGGzg1m5aJ8/Px+MLx1M5ldBgWreeFVQvTMMALOPAFZc/su29q9btq3Mwxw327flCr0V9twHu10dO54q0u+6md9Zy3W68jpr64rtN2+lqSt7EB1HT+wb6FgWDTUjnaKIm/ue2jGW7t287e/kIljHjvllL2Hc3Lds8BoWe1VT+afKBts4OnmVx4v2yweTdrHbYzQ31QSZuMsX5Tabd75LbDUvH5y4Pr50MIlfBTFRN14VVPEMA8CsM46XOM90Q9533NKydW/bjRuDn9+40bZ3a0HB8+FPwuRvo2Xr3rYbg+vmr9qy90bptXIr3R22w5IrDvn5YJtzoaSgraXWG1x82AZH2tXgquVbVHiaW7bmneLCw63oMaMhbRh6Cbfubbsx/BK2FC5TdD9DLmRuI8MvydD1y5zDwrOUf3/cvdGW/0m522PUN1WJK1H5BS1+61Tv8g27dfK2OuR8l95qxfdfJSbvq2DMN95YvwrujnDHFlusCmcYAGYTAaycwq7RCEbq145qzQrWKrbqxAWwnOx6I+5qSNe8TO+syF6GGUP8ymx7NJewXCtHaOTWvdnPS3dnix7MyAc/tttj1Il5jAFsAi5f3p62ljvQ8j3+wmaNNx1M3lfBGG+8qgSwwb0Uu37VPcMAMHuYgljOvLWt5yvpebVs3XujVI23ta13y22hZWvbjSJrrm0tvd+WrXv3VpjPxivvCZisysst5L8uunT5w4iYt/38jaF/zs/XsrXtRusYJ9NlLmG5rQ/so2VrW8lrONDIUlekZWvb3dZHSq9Y9hzO2172FmvZW/z2GMtNNUEm8vI90VoqfxQ/MfnNGqyfMcL9V4nJ+yoY8403ZpX+1lf3DAPA7CGAjWTe2tbzd+/eaNu7d2tLy5DZatmpSOdby3Y+1raez8wYylt9YN2751vXFl913trW8zdutA1ZaevethvnW7d/KfuTCS9YnUmCBYddcWnwwQQ24sNI87a3nh8+H3Ckc1SheWu351/Dgh20bB24hBXsZPgVyV6Q8kc30jmcN3iD5Dctc+yl7qwx3VQTZQIv37zt5ws3PNKJGVxzMB9U52G4yfoqGPONN2YV/tZX/QwDwOxwz927dye7DYzWzX3LBir2bW27O1GdMJjeciUx/JZMEGcYAMbCCNiU077tnpHKdpd7BxIQUe71c1SHMwwAYyKATTmD71Yq8XaoEd6BBAz+lpR+pxvj4gwDwBgJYFPOvC81Zv+Zee3Q4DjYzZvt+7Ytmz/CO5BglrvZvm1crx9jJM4wAIydZ8Cmovz3uZY0Yhk4mFUGH40c5OGkanKGAaAajIBNRWtby9b1TrrOOEwHeWPHGS17x1z/nmKcYQCoBgFsapq3vUi96kz16UmpMw5T3/wncn+2aPE3iongDANAFZiCCAAAkBAjYAAAAAkRwAAAABIigAEAACREAAMAAEiIAAYAAJAQAQwAACAhAhgAAEBCBDAAAICECGAAAAAJEcAAAAASIoABAAAkRAADAABIiAAGAACQkM9NdgOmluPHj092EwAAgGnm0UcfrXBJAWyoys8dAAAwy412CMcURAAAgIQIYAAAAAkRwAAAABIigAEAACREAAMAAEiIAAYAAJAQAQwAACAhAhgAAEBCBDAAAICECGAAAAAJEcAAAAASIoABAAAkRAADAABIiAAGAACQEAEMAAAgIQIYAABAQgQwAACAhAhgAAAACRHAAAAAEiKAAQAAJEQAAwAASIgABgAAkBABDAAAICECGAAAQEIEMAAAgIQIYAAAAAkRwAAAABIigAEAACREAAMAAEiIAAYAAJAQAQwAACAhn5vsBoyg58L7R4/887lbtyIiYu7c5X+xYf2TSxuKLPj+mz8aXG755hKLAQAATJopHcAuvLl917lbeT+4devcrV3n/nnz2/uebChc8PFd5/KXO3do17k/vnLsuaXJNBQAAKACU3gK4oU3d527FTF3+StvH8t4+5XNcyPi1qFn3rwwZMGImLt5YMGBxc7t2v5+z+Q0HQAAoIgpG8B63j9yLiKWv7LvudxUwoalT+57ZXlExLmOC8MXzM45zC1265//RQIDAACmjCkbwG7/8VZELG8ZOolwacvyiIg//HEgWvX8yz8XW3Dp+s1zJTAAAGBKmbLPgC197tix5ypYrlRQa/jCFyNu3frj7Qi1OAAAgClhyo6AlXKh41xEzP2L/5SJVT1//ENEzP3CfcMWvO8LcyNvpAwAAGCyTdkRsOKyD3xteHJ8w1rHjx8v9dGtW7dKfQQAADAe0yqAXXjzmUO3IuZuXl9xefkScxAfffTRoosfP3587ty5Y28hAAAwm1y7dm1Uy0+fKYgX3ty+61zE3OWv7BvF8FexyYkAAACTYnqMgPW8v31g7GvoK5gBAACmjWkwAnbhzTLpq+ELX4yBiYZDZMojfvEL8hoAADBFTPEA1nPhzcd3nbsVc5e/cqz42FepYoelyyMCAABMjik9BfHCm8/sOjfCxMOG//QXcw/dunXo6IUnn8srzXHh6KFbedXqAQAmxL8dfX6ymwCzy5+u/8lkN2Fcpu4IWM/720dMXxGZBBYR53Ztf/NCZhis50JmVfkLAJhQ0hckb7r/3k3ZEbDMEFbErUPPPH6oyOfLXzk2MOLV8OSLr/zxmV3nbp3b9cy5giUU7AAAJt6frJre3UGYRv799PQe/oqpOwJ2oePcyAtlNSx97u1XNi8ffH/X3OWb3z72XMUvCwMAAEjCVB0BW/rcsWPPjWL5hqVPPrf0ydGsAQAAkLCpOgIGAAAw4whgAAAACRHAAAAAEiKAAQAAJEQAAwAASIgABgAAkBABDAAAICECGAAAQEIEMAAAgIQIYAAAAAkRwAAAABIigAEAACREAAMAAEiIAAYAAJAQAQwAACAhAhgAAEBCBDAAAICECGAAAAAJEcAAAAASIoABAAAkRAADAABIyOcmuwEAACTtiaf+ZrKbwJTwwTv/ONlNmHUEMACAWSQTvVr3vD7ZDWFKyNwPYliSTEEEAJgtnnjqb1r3vC59kZO5GYyIJkkAAwCYFXSyKUogT5gABgAwW+hqU1Trntfl88QIYAAAAAkRwAAAABIigAEAACREAAMAAEiIAAYAAJAQL2IGACAiouvIq293jmL5+9bt+M6Kz49rX/WrvrfzodqxbQKmJyNgAAAACRHAAAAAEmIKIgAAERFNG15v3TDkZ5+179n7QW9E88bWDfdPSqtghjECBgAAkBABDAAAICGmIAIAME6fHtj53oUSdRH7zr713bY7EU3P7HmyacQtpT9tP3P2Uued29kf3Fff9MDDX1nbWLzcYl/608tDl7+3oWnFIyvur6y4YsEcy77uT058dPpCb+aje+9rXrF1w8B2+ro/OfHR1Qu9dwb20rzqsZUPNdVUcgj33te8qOTCoziE/JMcXWc//rCr63amqfX3Li12yNkzH0uffn1LY0WngwQIYAAATAl93e9/92DXkB/e7u26fbDrg/qmZ3YOyW+fdR351dudd4Ytf+d273sXuoYvX16668h7hVX479zufO+7nU3P7Hkyjrw1ZEe3O0+/3Xn1iZeeXVsYq3KZp3A7d97uPH1f88bvDH2ObmyHcO3AnlxKjIiI3jsXxnLITA4BDACAKSD9yf5M+qpf9cym3HjRZ11nf/V2253o7Xr7yML8QiB9Zweiy33NG3PjVJH+9MDh9y70xvDlR9B5+u2CTeWiUdfbe+5E7537mldtXflQbU1ek+LOB4c/WZL3HrNc+ioYH0t/1nXmV2933rnd+d5rUZDBxnYIt9tO3457l6772iMrPl8bEelP2w+/90FvRG/Xh2e/0jTWN7ORGM+AAQAw+fquXr0dEdH0zM782Xqfb1rx7DPNERHReS1vdOzTE5mBpuaN39mQN/Wu5v4tOzcuzfw7le4bTQPuW7cjb1Ofb9qwYmA7vXeieeN3NmTSV2GTevtTufXTn+wfbFLeIdR8vmnDs99bd29E3O48256uwiEsffrZLZn0FRE196/dueOJ+oiI213X8pevXfFs657XW/eYfzi1CGAAAEwdd1LpoT9q2vB6657XW/MfIeu+diEi4t4nVg4f45pTVx8RheloZE2PDR07un9JJmUV20td7b1DWjsYIIsNu9Wu+NoT9RFx54Mzn473EOpXPTI0UH2+rq708kwxpiACADD5amvvjbgTceeD3W9dal702MqFTTWlZ9M1Ptm658kSn32+ri6it8SHpdTPqSv52b11w+pnZFub89nlrsxw1sIST2FlW5VK98X9tTGOQ6irGV5fpG5oe5i6BDAAAKaAxiefab7zduedXNWKiGx9v0X315YoITgg/Vlf9KfSkfrdtUupbG3AUSmWakajP5XZaed72zrLLtjbn4oosq+KD+G+2jnjaimTTQADAGBKaNrw7Pe+XFDtfaC+X1tEfdMTw4rR93W/v/+jMcWtKWMGHAKjJYABADBV1DY+tKXxoS0Db8fKGwvq7frgYFdq8H1W2fd3Zd1Xf29D3b11tQuXLLo/debVt8sPQ02c5o0Vl16cqofABBPAAACYQKm+sTybVFtz/9oN96+NJ/PKvseFjz55pPGh2oi+s7/KRJeCAu65PY6/0aM2p66+8BGvkUy9QyAhqiACAFAdt/v6h/3ss1RFYeKz9j2vbtv56rYjnw77aHjZ92zFi/pVw6NLxKeXJ2HsKFeH8OrlYVUcI2LwAPd80hcxJQ+BhAhgAACMU7Zs+vD3VnV//EFFDzh9fknTvRERBW/KysmmuHK1Cgf0nT17oZIdVlvTylX3RWTezlzk5V3Z87D04YdGHB+brEMgGQIYAADjlI1Pvae/u+eTroEE9VnX2fdfO9hVbr08tSsyLz6+88Hutw50fzaYYdKf5p6VyqaXwd3tP/Jpbsm+9KcH9rz63bbcjMcirxSbQDUPbV2XOwnvt3d/lv3gs66zb23LnIfBV3glcQh9Z9/atvPVbTtfPdA99o1QdZ4BAwBgvGpXfO2Jrr0f9Eb0nn579+nBD+pXPdN09e22Sh4Du3/LS6t6dp++HXcuHNw7fAjovnU7shU4onbFiqVd713ojdud7323cLbefc2rHqvN7PFOKh1Rvn59VdWuePZ78dZ32+5kSoZ8MOTj+lXf2zk4/DU1D4EECGAAAIzf59fu3FF39uMPu7J1C+vvXfrw17Y0fr7v7NVKt1Hz0Hf2LOw6+/GHXXdu5yrR1997X92KrSuHvArs/i07dyzJ313ce9/g65trlra9dyHiwu8+3dJYYU3C6qhd8Wzrok/bz5y9lLqTKy5/X33TA8Nq6E/ZQ2Ci3XP37t3JbsMUcvz48UcffXSyWwEATA//dvT5iPiTVc9PdkMq8sRTf9O65/XJbgVT1Ladr37wzj9OditG9u+nfxIRf7r+J5PdkEHHjx+PiMpDhGfAAAAAEiKAAQAAJEQAAwAASIgABgAAkBABDAAAICECGAAAQEIEMAAAgIQIYAAAAAkRwAAAABIigAEAACREAAMAAEiIAAYAAJAQAQwAACAhAhgAAEBCBDAAAICECGAAAAAJEcAAAAASIoABAAAkRAADAABIiAAGAACQEAEMAAAgIZ+b7AYAAMBYpT95bffp280bWzfcX3qZT9vPnL3Ueed2RETcV9/0wMNfWdv4+dHvq0rbYXYTwAAAmKY+az98+nbZJfq6399/sCt/mdu9XbcPdn1Q3/TMziebKt5TtbYDpiACADAdfda+Z+8HvWUX6X7/u4WpaVBv19t7PumrcFfV2g4YAQMAYPpJf3rg8HsXyqev+PTAwa6Bf9Y3PbPpyaaaiIi+7k9OfHT6Qm9E7+n9Zxd+Z8WIcwirtR2IMAIGAMC08lnX2fdf2z1i+orovnYh84/6Vd/bOZCaIqK28aEtOzcujYiI220fdxVfeQK2AxEhgAEAMH181r5n79ttmdmA9z7x0o4n6ksu2td3JzKLbXqoduiH9295OvPcVtfl7hF2Wa3tQIYABgDANHNf88bv7Xl2bU25ZVKZ4FS/aEnRxWrm3BcRET19n5XfV7W2AxmeAQMAYNqoa1r1zKaHmspGr1G53dcfUYXHt6q1HWY8AQwAgOni800rHhrdGr39qYhhUwcj0v3l69dP1HaY9UxBBABgBmr68sDTWW8f+XTYh5+1f1Rp1YxqbQcyBDAAAGaixoWZEoXR+d5rRz7pSg/8uC/96YERXyA2EduBiDAFEQCAGer+R9bde6HtTkTc7jz9dufpwk/vva/+zu2K4lO1tgMRRsAAAJipalc8+7119xb75N4nXvraA4lvB8IIGAAAM1jtime/t+jTE4fPXugdeJ3Xfc0rtm64vzY+PdAbEXFf7ZwktwMCGAAAM1ltzf1bdt6/ZchP0+meiIhoqK20dny1tsMsZwoiAACzTt/Vq7cjIpqWNE6J7TB7GAEDAGAmSn/y2u7TtyPuW7fjOys+P+Sj/W13IiKaFzYlth2ICCNgAADMTDU1DRERcbvtVwe6P+sb+Olnfd3vZwJVRCz98v3JbQciwggYAAAzVK58/J0LB/deGP5588YthfMG+86+9d22OxGx9OnX8z4a9XagDCNgAADMTLUrnn2muWj5+LiveeP3NlQ6bFWt7UAYAQMAYAZr2vDs9778yYmPrmbLx8d99U2PbfpKU83oihZWazsggAEAME19fu3O19eOtFBt40NbGh8aWj6+6JIrnm1dUYXtQBmmIAIAACREAAMAAEiIAAYAAJAQAQwAACAhAhgAAEBCBDAAAJjVtu18dbKbMIsIYAAAs8IH7/yjfjalfPDOP052E2YLAQwAYBaRwRhi285Xpa8keREzAMBskelnP/HU32T+s3XP65PaHCaZND4pBDAAgNklF8P0v2c5A1+TQgADAJiNdL5hUngGDAAAICFGwIa6devWZDcBAJgeaiIioqenZ5LbAbPGf4iIad5jF8CGmjt37mQ3AQCYHv7tYkREQ0PDZDcEZot/vx4xxXrs165dG9XypiACAAAkRAADAABIiCmIU91/+9f/MtlNgFnkr//sP092EwCAmcwI2JQmfUHC/NIBABPKCNg08NAX1092E2BW+OQPRye7CQDADGcEDAAAICECGAAAQEIEMAAAgIQIYAAAAAkRwAAAABIigAEAACREAAMAAEiIAAYAAJAQAQwAACAhAhgAAEBCBDAAAICECGAAAAAJEcAAAAASIoABAAAkRAADAABIiAAGAACQEAEMAAAgIQIYAABAQgQwAACAhAhgAAAACRHAAAAAEiKAAQAAJEQAAwAASMjnJrsBTLLN67852U2A0Tl09BeT3QQAgDESwGavTPTa89buyW4IjE7urwaSGAAw7Qhgs5HoxbSWuXV3PvvSZDcEAGDUPAM2S0lfTHd73tptAi0AMO0IYLPO5vXflL6YMWQwAGB6EcCA6cqfEgCAaUcAAwAASIgiHACJev2fPpzsJsDs8upfPjbZTQAYZAQMIDnSFyTP7x0wpRgBA0jaN5f85WQ3AWaLX1z+p8luAkABI2AAAAAJMQJGob5ze167Eg11dfU1X25qbFw8p+zS/ekr3We60qneVG/9qj1PLUyqhSd7I+off2Hn6vLNAwCAqUUAY7hUb0+qtyc6L15Z950dK2pLL3jlN7t/dnng3/WJNA0AAKYzUxApI9V1pb/Mx91dl8t8CgAADCGAUVx9Q11E9HZ2p0sucu13FyOirr4hsUYBAMD0JoBRXF3z4vqI6Llyta/EEle6OyPiwcVNCbYKAACmNQGMEmobmxqizCzEzPzD5qbGRFsFAADTmSIclDJnUXNdW0+qt7M7vXp5zdBPM/MPl3x5cfS1DV/32pFnD3WWKFSYPrV394z24t8AACAASURBVLFUxJKn3/pqQXrru3b25Omui6ne7A/qG5Y0rfurFSNUYsy68uudmYogDUuefrn8luvqH1z88JrljSXqi6SvnDvTdqWzJ5VdeNWmpxZGqWaPfvujXn6o/rM/eKOtJ+LBzXueWpi+cu5M28nOntymVm16amFNkQOJ+gfXlNzLaE9R37WrQy9WXV3zqpWrFxbeKvl3QnSf+s1HnZd7M01tqGsusnzu9ojmb+/esLjCEwIAMG0IYJRUs3hx/bFUb8+Vq33Lh9ZCHJh/2NgYUWqK4qikr/x6sKBiVm/P5d6fXW4bHqiGu/LrPSXSV65DnyfVezF18OKV5sc3bhiaD7PZpmDhQ7svLln3YImWl9z+yfoHN+8cVpp/tMuXle5+59DBi0Va+/RbX4139h68WLCj3osnDxarbDnKJvV3v/PekC1HRG9PqrfnUGdnqYvVfeQHuZQYERE9qc5yywMAzEwCGKXVNjY1nOztSXVd6V9RGFQy8w/r64YNjI1N37nDA/FpzdNbcqMu/d2n3jt4LBU9lw++01juJWN95/b87HJvlE1fDUue3vJXjbVzIiLdd+3MgUOdPanOY29EbcEwS/c7A+mr/sHN2XGkTN643FaQc4Zuv2Bwqa+/++R7By+mei8e2hMFAWa0y4/g4smDRZqairh88Aep6EnVP7hm05rlNbV5JzNSbQfOLXp5cEhz9IcwkL7y9hvRd+3IgUOdPVHqYvUeO9kbdc2Pb1y5ek5NRPRdO3vgUFtPRM/lj079VaP3uQEAs4ZnwChjzqLmorUQB+ofNlU4OXAk6StXeiMiljz9cv6ctzmNq3c8nRl3utjdXWrl7HuZi8w8jGtnBtLXmpde/momfUVETe3CDS+/sK4hIqLzZ7/uztvURxcjMvPlctEi5jQ+teOlx+uK7vpwZvsPbt75VF7LawdX6b14+mzfWJevwLCmrmrO/LMnldlLTW32o9zJ7EkPXs1RNyl7Sh/cnLffiNqFG17ePLDr3nTRypnN396xIZO+IqJ24YrsJRhyd9Ws3rHnrd173jL/EACYmQQwyqlZXKwWYmb+YcPiRZU+s1ShVN+w7NH41O49b+3eM/yxq4xy6SvSp053RkTUrdsy/Bm2OSu2rKmPiLj80amBKiO5HPjwsAGZmtXZYJO//VxuLDZmVbN647qGiEi1nbw2tuUrMLypC788MFWybt2aoXupqcvEyMHzPOomZS59sY1H1NRmXkjQUyyANaxZOTRQzamtL708AMAMJYBRVm1NXcSQWogD8w+bG6s0ATFqageCQdtre/e8c667r9zbnweluo9k0lcUf44onRqoolFbNCgOHFr0pjL9//6rnZmxncZiYS8XbHLKLx+DAWNgRGi0y1egoab0JShy1NnznDP6Ji3+6p63du95a+hTZAULF1VfpKnZQAgAMIt4BozyFn75wei8GHm1EPv7eqOK8w8jIhZ/9ekHUwcvpnK1HyKyVfIWL6wpMc7We/FktgRf0eeIMu0sk1JqahsiejLpYmFNpPsyT3+VeLCtpq4uIr/yxMDycfHQzmKPhw3qSacjaka9fAWKpZrRGHeT+vrTkU7fib6u7q7ebHnDoi2t1uOCAADTnADGCBqblsTFy5GrhdjX3dVT/fmHjU/teKmpoGb6QJW8YxENS9aVKkbfsKS+53JvRO+x33SvLjFNsWRKmVNbH1E6M1BK+sqvD7eVi1sAAJQigDGSxY3NcbkzBmohZp4aquL8w5yaxcs3LF6+YeAdU3kjKj2X2352uW/4W6Ea1rz08vI4ldp9LBVRulLiwADXcNkhsiGLp9IRoxnce3BzuQqN418+AaNo0tAy/fUNdXX1dbV1jYsWL0yffOlg+ZE0AIBZTwBjRNlZiKl0RFztTI1z/mH20aySamoXrnhq4Yr4al7x9OhsO7dycUEtjYEQuHrjus432noiLh460pQf0rIDXCVn9GUn4A0MkWVnJFba7CEzGEc02uUTMOompU+9N6xMf96nE9BEAIAZRhEORtbYtCQi4mJ395XRzT/M1rfIN3zcqf/sD17a+exLO98ZXv2vRPH0wmWy9QwLa8oP1ni4/LsrxdYbKOiXezxpoOZ+iZL3mcr7BfvNFvErLBE5KHtcPziXHsvyCRhtk7JFOxrWDE9fxU4RAABDCWBUYHFjc0TE5Y/arvRGJbUfshXJhxf0u/KbtqGjTLnkU/QVWCPW0oioXb5p4D1dlw/mpbhc7fjOtuGRpv9s2+WIyK/kPlBzP68wfU62on2BxjWZ4JdqO1AsMmWPtHndwMDdaJdPQBWbVPQUAQAwhABGJQaKsPf2pCKiuWnE54Wymarn5O4fnOseiFX93ad+vednl4cvnU1KqbbX9h650p/3muBruSeOymeA7BurhqS4hSsfzzXj17nq9um+a0eym61//K8GS3dkg1zvsTf2vHMt24z+7nf27j5WbNpkLvj1nNz9g1+fHazU3999au/OzJHmv/9qtMsnYHRNGryshwfPT+Z8vpR3ioq8z61y6VN7dz770s5nXzpSdNwSAGCa8wwYFckrwr7kyxUkhJrco1k9Jw++dnLwg4Y1TzdfOTg0zyzc8J01qddO9kaq82dvDB9IqX/8haEVOIaas2LdkrafXc4M5ix6eSCt1aze8VLs3X0sFT2XD742JPvVNT++cUNh8fqa1RufTr1x8GL0Xjy0O39CXcOSdc2ptmExLH/7bT+73Dbk44Y1L71ckBtHu3wCRtWkmtWrmjsPdfYMOz8R9Q+uebguc2VTfXciqvySbgCAGUIAoyI1ixfXH0v1RpmX9g4xZ8XLL9Se+s1Hndlihg11zes2blg8J32q2NBG7fKdbzV2n/rNR52p3lwl+oa6+vpVm9aUfBVYgcVfffrBywcvRvScPHyqcWduYuHqHXsWXzt78nTXxVT26bO6+gdLbXZO41O7Cwvi19U/uGrTUwvj1N6h4WTI9ntTucrs9Q1LmkqUzh/t8gkYTZMWbnj5hS/nX9aoq39w8cNrGhtr50TUNB871BnR2XVtw+IpVukRAGBquOfu3buT3YYp5Pjx448++uhkt2LQf/vX/xIRD31xfRW3uXn9N/e8tbuKG5wlut956eDFyRmkooydz7506OgvqrW1T/5wNCL++s/+c7U2ONzr//RhRHxzyV9O3C6AfL+4/E8R8epfPjZB2/+3o89HxJ+sen6Ctg8M8e+nfxIRf7r+J5PdkEHHjx+PiMpDhBEwGDAQsWLJ028Nf6dzthbIyAVIYDJt27BpspsAY9F65PBkNwEgIQIYDMg+53b5d1e+2jjkkbO+7q5M0Y46+Yupa9uGTd/fN4X+IgiVy/ztQAwDZgMBDAbknnPr/Nne+PbGDQOPP/Wnr/zm8M8u90bk16yHKSXTeZW+mL4yd++2DZtkMGDGE8Agq3b5zm+n9/zscvFijA1Lnt4yfGoiTBXSFzPA9/f9RAYDZjzvAYM8i7+68zsvPP1gXX3D4M/qG5as+/YLL7381Ual1ZmSzDxkJslksMluBcAEMgIGhWrnND61w0gXAAATwQgYAABAQgQwAACAhAhgAAAACRHAAAAAEiKAAQAAJEQVRIDZpT/dfe2jk1dTvame7I8a6uvq/nzFw4sW1NQUXyd99qe7TqQi6h77+79dWWKZrOuHn3/3UkTDI8+9uGKsby7vPrr9QFdluwOA6UUAA5g10t1Hf3mgq2fYz3t6Uz297146EQ3Nq7+x8SsiDwBMGFMQAWaHq+/9dFex9JWvp/PUrud/eiadUJMAYPYxAgYwC1x97x9+3pn9j/q6BwonHKbT1393+uyHnamIiEh9+MOjtT9Zv2gy2gkAM50ABjDjdR/Npa+GR77+jRULhkwyrKlZsHLjgpWrrh/+4buXIiK6fv5GzSsvmIsIAFVnCiLADNd/5mRX5l8Njzz34rD0NahmwaaffP2BzL97T33UnUTjAGCWMQIGMLOlr13ujYiI+tXfGLks4YJNW5ouHeiKiEtXrm9qXFB+6dzMxobmr7+4cYSFcwUYL/Wmsj+pa6ivXbJm+crG0g1LXz9z+uzlzoGajQ31TWWWT3d/XLD9zGTL4Zkz/fGPfniqJ+KBLd/f1Nh/9ey59hPZp+Pq6x5Y87VNA9vvv3r2XPtvu3p6B1r7wCPFtjbmQ5vYJlV8NkZ7CPk1KqOSq9N/5o03P+yNiKZvmdoKIIABzGzpq1czneMH1lQ2pbCx8YHouhQRnd1XNy4o012++t5PR5G+0tcPH3r3Uu+Qn6Z6elM9B7oul9hC6urR7Se68n/S09vVc6DrcpEa97lefp7e1KXedy/9tumxzeuLl7Pvu374QGbWZd4qB9681Pz1fRvj8BtDGpy6dOLdS79dPXRy5pgOraSqNKnM2ThR98CWv93UWPjR2A7h6tEfnSgo6zJwdUZ7yACziwAGMKP13ckMaNTVVfpE14Km5rjUGRF9felYVPrNYD/vTEXFY19nBvr3dQ9syQ3mDJbF7+l89/Di7w9NBZG6dCIV9U2PZQdV0t0f//LAqZ6InhO/OrMo/xVhg3mjofnr31iVqS/Sn+4+98sDXT29XR/+MIqWFbl04t2CJuVySOe7P0pFT2/dA4987eEVc2oiIn39zKF3P+yN6D31y7ML8+Lf2A6tpOo0aeBsFIyPpdPXPzr07qXe1KUDP42CDDbGq/Nh5upsXr6ypvDqdJ49s2qBF7gBlCCAQWl95/a8drL3wc17nlo45JPud146eLGCLRRbtxLpU3t3H0tFLHn6ra9W3HGDIvr7BiaU1dZW3CGuvbcuIhWRSqUjiq2VfS9zhekrovtcJh0NGXupaVz/4pbYfqArIlJ9/VFktl7Tt14YDE41jV958e/jRz881ROpy1f7V+YiR3b7hW9/nlPTuP7Fv6/50Q9P9UTXz99r3FekqYXveq5ZsGnNwAzMnt7C1tYsWPnC11PPv3spoudOf8TQXY/+0EoZb5PSZ39VvEk1Cza98FzdG29+2Ju6dPLjhxuzg2YTfXVizsoXvr+y4uMHmOkU4YBS+s8eODl0Rk4y+s4dPpYaeTGYFKNOXxFXr3RFRNSvfnj43xNqahoiYiBCDNXwyPKhw1Y1NXVDl89WGSn6kFvNV77xSF1EROfZIu83a14xdKCmsXGgDEmR1s6pq4+IiFQ6t6UxH1pJ421S/+9+m4qIaP56sWG3OSs3r26IgiIrE3x1ABjCCBgU1X/2B2+0lX9l7cTterKCH4wodfXohycG+veVP+ezaOP3920s8VlNTV1Eqd+1utrhoy5z6uojCn5F+lOZ/6yrKTrIV1NbW2pAr+He0gNTRbY2p7ZuyK7HfmiljLdJ2ZorDywucXWyrcoNak3w1QFgCAEMhum7duTAoc6y3abGp3bvearUh9eOPHuoMyIa1rw0+vmH3e9MVvBjZsp10Ms90DVE6cfGUpdOZAdnx/GcTzrdH+n+vkh3XbmayhbQK6ay59bS6UybSkaXmpqGwsgxuIMiEWJcKj60ksbbpHQ6s9NLB/7hUtkFCyZSFmygqlcHgKEEMMjX333qNx8duzyev992v3OoMyKibt2W5aPunlz59cGLEQ1r1tWfbKvkGTMY0YgPdA1zvWvgrc3FHxtraK7r6UxFpD48fX3lKIrd9V9971ftY8okFSoZXcY0EjUaE35oE28GHALAdCGAQU7+tMO6dd/ZGAdGPxiVSVAR9Y9vXFE72gZcO/Kzy5nkVnvy5GhXhuJqFi1qOJHqiSiou1BGd/fAyElz4/CygQ2PPPfiijiTevPD3ojK6/tlX3KVVddQX1tXV1O3eOGXG/s/ev7d8mM1FSpZ6yI7RDYhEjm0MXhgS8WlF6fqIQDMUAIYDFX/4OZNTy2sif6zo141k6AiGtZsWj3aaUT9Z39wqDOi+ds7VtRG98jLQ4VqFi6pP9VTpFh5UdcPHxh471axh4jqliyaExErN6++/MNTPRGXDhxtGvnVuv1nDmX69wVVznOfVnogpWQHuErNqcvNyqv6hMMJP7QxKD3fsoSpdwgAM5wqiDCotnnN09/ZvfOphWN7smE8kw/Tp95r64l4cPOGxWPaN5Q2Z+Wapsy/ek68+aOz14fXAhyQvn44N9xRtCZeTq60YHT9/L3rI+w/Wxai4ZHh/fu8Abexy1YC7Oy+WuzjgSp/E/HM0oQf2ujl6hD+9lrxC53++EfP/8P25//hR2f7I6bkIQDMcAIY5MxpXL28cdTzBrP6zn2UeWrrwVWjnnw4UHd+ydNjemkYjKRx/SsDeSl6Try7642fHj57PZ3XPU+nr59576fbf5ibbFb32OYRJivWrPjaYwOx593DYx+yzVaQH5dcwuxqPztsxCb9cXvmkbbh5d0nVlUObQwWPJy51r2nfjn8bERcPZ0Z72paO8JYaEzeIQDMbKYgQnV0n8zUjq9bt2a0IerakddO9kY0f9s7l5kwNSv+9lt3fvrzzlRERG/qUu+7l06UWrbwRcAlzRmciFj+6bLsHMieE786XJsbZulPd5/75YGuwUePUul0LBhjRGpc/lh914e90XPizR/d+fo3Vi2oqRmyi7rHVlVeL6RiCRzaGBq14muP/fbN7NlYvXbVVwaqX6avnzn0bvaN1dlXeCVxCP1n3njzw96IaPrWyBNWAWY8AQyq4trvxjr8lZm4WP/4CyYfMrEWbfzbVxYfLehVD9PQvPobGyso1JFR85W1zad+3jni02VzVq5punygqydSlw68WTilre6BR1bU/fbdD3sjetN9FZZpLLqLF56LN978sDd6Ot/d1Vn4YX3TY5vXT8zwVwKHNqZWDZ6NUz/vPDXk44ZHnsu7WFPzEABmMAEMqiB96vTAJKemUQ5/ZevOj75oB4xeTeP6F3+yPt398UeFr3hqqK+r+/MVDy9aUPxNxqUt2vj1BzrfvRTRc+JXZxaVHjdrXP/i3zeeOX32cm6n9XUP5PZY2/Thga6Irq7u9YvGPgw8Z+UL3/9y98cfnbx6qTdb9bC+7oE1X3u4cc4EJockDm0MBs9Gqjd3oesamhcNDohN9UMAmKnuuXv37mS3YQo5fvz4o48+OtmtGPTf/vW/RMRDX1xfxW1uXv/NPW/truIGZ65sVfoHN+8Z4dGs7JINa156eTTlN/rO7XntZG/UrfvOjiHjZt3vvHTwYkQsefot8xLL2fnsS4eO/qJaW/vkD0cj4q//7D9Xa4PDvf5PH0bEN5f8ZRW3uW3Dpu/v+0kVNwiT6x+2P9965HC1tvaLy/8UEa/+5WPV2uAQ/3b0+Yj4k1XPT9D2gSH+/fRPIuJP10+h//EdP348IioPEUbAYNz6ujNzuuqbG0f1d/b0lSu9ERGpttdeaiu+yOWDz16OqCQEAgAwDaiCCOOVzVF1TYtNIwQAoBwBDMYrnUpFRDQsXjTmEvYAAMwOpiDCOGXrH9aPtnxB1KzesWd18Y88AwYAMCMZAYPx6Utn6q3V16nQDADACIyAwfjcSfdGRERd7QgPgKVP7d19LBURzd/e7ZVfAACzkxEwGJd0X2YArK723kluCQAAU58ABlVRV6sCBwAAIzEFEUqZs+Ll3StGWqhMIY0xLxkRjU/t3vNUpQsDADBdGAEDAABIiAAGAACQEAEMAAAgIQIYAABAQgQwAACAhAhgAAAACRHAZqOdz7402U2AKtj57EuHjv5islsBADAK0+g9YBfefHzXueWvHHtuafGPiqxSfOlZ7tDRX2xe/83JbgWMl78jAADT0bQJYBfeLBqxIiKi549/SLAlM0Aug+15a/dktwXGIpO+DH8BANPOtAhgPRfefKZ0/Iq4/cdbYbhrdDI9V0NhTFOiFwAwTU31ANZz4f2jRw6du1VumQsd5yJi7hfuS6hNM4heLAAAJGlKB7Ce97c/c+hWRMxd/sqLLR0lRsEyExDn/sV/aki0cQBMO+mzP911IvXAlu9vaiyzVP/Vs+faf9vV05v5z7qG5kVrV31lUU0le7h++Pl3L1Ww3EhtAGCmmtIBLCJi7vLNG9Y/ubQhLnSUWOL2H29FzP2LL9x+/80fDYyVzZ27fMOLzy2VyAAYlP74lydSIy7zox+e6in4UaqnM/XzzqsPbPlbkQmAcZvSZegbntx3bN9zT5YPUpkBsFuHdu0anKl469a5Xc88/uaFCW8hANNEkWQ1qmVSlw789Ey6+u0CYJaZ8iNgI8pU4MhMU8wMevX0vH/0R4fO3Tq3a/sX3t73ZLH4dvz48VLbu3Wr7ANnk6G3d4QuA1BFCXwJ9PZU+Ze6P91f3Q3ONP/379v/z//6r33Z//wf/1/RM/b/dBzIpq+aP/s/nlj7pf8ts/J/7zj/L+eu9UekPvzw//ry4/+x7K7mPPzycw+X+vD37bv+679GRO1Xnnq41lUro+q/IxP3e52ZmdpT7QYDpfyHiJiSPfbKTfsANlCCfvkr+3IlEBsannxu3xfi8V3nbv3zv/Q8WSyBPfroo0W3dvz48blz505QU8fgd/8aEVFfbzIlJOHGHyIiJvZL4I/dEVHfUOVf6jk1c6q7wRkkff3M6bMfdhbMPPyf/9diZyx97feZAa7mr7+yccHgA19z5jzxZ//xf3njzQ97I/7f/xFz5lT0LFgR1w//IPOlvvpbj//vY93ILFHN35G+/x4T+Xv9bxcjIhqq/UsNlPLv1yMm+n/Wo3Tt2rVRLT/tA1jDk/uOPVnk50tblse50gkMgJkvf0ph/epXNscvS89CTF+92hMR0fSt/PQ1YM7KF76/cnxtufpepjhH3WObvyJ9Acxi0z6AlXTfF+ZG3Lr1x9sRAhjAbFb3wJavbWqcE+mPSy/T/7vfpiIimhsXTUQTuo/+vDMiouGRr60UvwBmtZkbwDK8HQxgFqtZ8sjXv7Fi+IjWcP2p3oiIhnvnREQ6ff2jQ2cv9WYmLtY1NK/4xqoFNWMPTtcPH+iKiKhf/Y0VZosCzHJTugpiBXre3/74448XK3iYKc7xxS8Y/gKYrWoWrKwofUWk0wNhq3bO1fd+uuuH72bTV0Skejrf3fXDsZdATJ89m3kz2ANrTD4EYLoHsIYvfDEi4lzHkATW8/6RcxGxvGXp8HUAoLjUyZ/+vLPou8JSH44xg13/KPPysfrVD3uNGADTfwri0vWb5547dOvcru2RK0N/4c0f7Tp3K2Lu5vXyFwCV6+lNRURD89dzcw7T3R9/dPLUpd6ISH14+vrKjQtGt8XubsNfAOSZ9gEsGp58cfM/P3Po1q1zu545l//B8ldeVP8QgFFqeOS5F/Oe1Kpp/MqmxoV1mTL0nd1XNy4YTZWO/jMnuyIioqnJ8BcAEdN/CmJEphL9268sH3wbwNy5y195+1hmOAwARqFpbZE6GXNWrmmKiIiuru7RbCx97XKmtscjyyekuCIA08/0GQFb+tyxY8+V/LRh6XP7lpb+GAAqUaoMfU1NQ0Spd4iVkn23WN2SRYofApAxE0bAAGB8amrqMv9Ipcda7HC47LvF6hd92eNfAAwQwAAgFjQ1R0REb7qv2Me5say6UUSp7LvF/nyh/AVAlgAGABG192bGwLp+/t71YR9mS8lHbW3lWSpb/7Cu1vxDAHIEMACIqFmx4oHMvzrf3f7Gx1ezMxHT3R8ffuPdTJQaVS2NdF9mLG1Ug2YAzHjTpwgHAEykBZu2NF060BUR0Xvq5z88NWyBIQUS+89katNH07d+sn54MOu7M/pBMwBmPiNgAJDRuP6VLU3FX2FS3/Stvy+Sskrr78vkr/qa2iq0DIAZwwgYAGTVNK5/8e8bz5w+e7kzNVB0vr7ugT9f8fCKBWMcx6qrMQAGQB4BDIBZouYrL/7kKxUstmDlxgUrN4643JyVL3x/5Rg/BWDWMgURAAAgIQIYAABAQgQwAACAhAhgAAAACRHAAAAAEiKAAQAAJEQAA5jeWo8c/oftz092K6A6/mH7861HDk92KwAmkAAGAEwJ/pQAzAZexAww7bUeObxtw6aI+P6+n0x2W2CMjH0Bs4QABjATZDKYAQSmL+kLmCUEMIAZQv8VAKY+z4ABAAAkRAADAABIiAAGAACQEAEMAAAgIQIYAABAQgQwAACAhAhgAAAACRHAAAAAEiKAAQAAJEQAAwAASIgABgAAkBABDAAAICECGAAAQEIEMAAAgIQIYAAAAAkRwAAAABIigAEAACREAAMAAEiIAAYAAJAQAQwAACAhAhgAAEBCBDAAAICECGAAAAAJEcAAAAASIoABAAAkRAADAABIiAAGAACQEAEMAAAgIQIYAABAQgQwAACAhAhgAAAACRHAAAAAEiKAAQAAJEQAAwAASIgABgAAkBABDAAAICECGAAAQEIEMAAAgIQIYAAAAAkRwAAAABIigAEAACREAAMAAEiIAAYAAJAQAQwAACAhAhgAAEBCBDAAAICECGAAAAAJEcAAAAASIoABAAAkRAADAABIiAAGAACQEAEMAAAgIQIYAABAQgQwAACAhAhgAAAACRHAAAAAEiKAAQAAJEQAAwAASIgABgAAkBABDAAAICECGAAAQEIEMAAAgIQIYAAAAAkRwAAAABIigAEAACREAAMAAEiIAAYAAJAQAQwAACAhAhgAAEBCBDAAAICECGAAAAAJEcAAAAASIoABAAAkRAADAABIiAAGAACQEAEMAAAgIQIYAABAQgQwAACAhAhgAAAACRHAAAAAEiKAAQAAJEQAAwAASIgABgAAkBABDAAAICECGAAAQEIEMAAAgIQIYAAAAAkRwAAAABLyucluwJRz69atyW7CUL29PZPdBJhFEvgS6O3xSw2Jmrjf65qIiOjxSw1J+Q8RMSV77JUTwIaaO3fuZDdh0O/+NSKivr5hshsCs8KNP0RM9JfAH7sjor7BLzUkpe+/x0T+Xv/bxYiIBr/UkJR/vx4xxXrs165dG9XypiACAAAkRAADAABIiAAGAACQEAEMAAAg5ig4eQAAIABJREFUIQIYAABAQgQwAACAhAhgAAAACRHAAAAAEiKAAQAAJEQAAwAASIgABgAAkBABDAAAICECGAAAQEIEMAAAgIQIYAAAAAkRwAAAABIigAEAACREAAMAAEiIAAYAAJAQAQwAACAhAhgAAEBCPlf1Ld68ebP0h/Pmzav6DgEAAKaHKgWwm+37fvz6jv0dIy23te1u69rq7BIAAGCaqUoAa982f93+amwIAABgBqtCALu57/WB9NWydev6BU986Uull50/f/z7AwAAmJ7GH8BunjjaEWF2IQAAwAjGXwXxxvWOiGjZ+3fSFwAAQDnVKkPf+CXlDQEAAMoafwCbv6AlIrp/X6b4PAAAANUIYPMeWd8S0XH0hAQGAABQThWmIM7b/s7elujY8dS2dhkMAACgpCpUQdy37cfXG1uio2P/uvn7o6Vla2NjyYUX/F3rdg+LAQAAs9P4A9iN6/v3572FuaNjf0dHyYW3PtEaAhgAADA7VasKIgAAACMY/wjY2ta7d1ur0BIAAIAZzggYAABAQgQwAACAhIx/CuIQN2+WqkV/48SPX48nzm9fW+1dAgAATAtVCmA32/f9+PUd+0uXPxyw9Ynq7A8AAGD6qUoAa982f93+kReLaFlQjd0BAABMS1UIYDf3vZ5NX5m3MHd37+/oKPh3RLRsbXunda13gAEAALPX+Itw3DxxNJOw9t64e/58a2tr6zvrWyKio/GJ1tbW8+fv3r2xtyWiY//rJ0o9HQYAADAbjD+A3bjeEREte9/Znh3emvfI+paI6P79QOCat/1829aIjh0/bh/33gAAAKatapWhb/xS3uzCeV9qjIiO6zdyP1n7xNaI2P+BBAYAAMxeE/kesNwQWGQTWP5PAAAAZpnxB7D5CwrmG+b9LH8ILGP4TwAAAGaN8QewgfmGR/NLbGR+lp/Kbv6+e9x7AgAAmNaqMAVx7d/tbYno2DF/2bZ97QOJa2AILJfK2n+8oyMiWhbMH//+AAAApqdqPAM2b/urWyMiOvbvWDd/W3vejzp2zL/nnmXL7rkn857mlvWPeBEYAAAwa1WnCMfa1rs39m5tKfjR37Vtzfwr8yLmwkr1AAAAs0/VqiDO2956/u7dG21/l51kOG9t640bbVtbWlpaWlq27m27cV78AgAAZrXPVXdz89bmh6x589a2nl9b3T0AAABMVxP0HrCbN73wCwAAoFA1A9jN9n3bli2755577rln/vyBahzt2+7JK44IAAAwi1UrgN1s37Zs/rod+7MVN/J07N+xbv6yTB4DAACYvaoTwNq3zV+3vyMiomXr1oJyiPMXtLRERHTsX7dsn3EwAABgNqtGAGvflnnN19a2G3fPt7Zuf6Jx8LN528+fv9G2tSUiOnb82CgYAAAwi1UhgLV/sD8iWvbeaF1bvM78vLWt7+xtiYj9H0hgAADA7DX+AHbz990R0bL+kXJv+Zr3yHoJDAAAmOXGH8BuXO+IiMYvlX/L8rwvNZb9HAAAYMaboPeAAQAAMNT4A9j8BZVMLhx4UGzB/HHvDwDg/2/v/l0bO/cHj38Mge1vcYs4hhFIUwzDdouJzBQq5YRhCjNFFpxOxiyL7GLSOOW4ycDaYgsjwRYxbIrBRTATu9hC7A5WMBe2uEyGS6SLBhwFvn/Al8tW3kLyb9mWbfnxr9eruRnp+OgU95H01nPOcwDuqKsH2CCXd7Uqr2sR55+oCAAAcI8N4RTEvQKbnJjZ7HOnr9bmzERurhER+eVXxau/HAAAwB01jGvAsuXuKvON2mRuZGRi4vWHiIgPr2dmJiZGRvZv0bz8Y9n8FwAA8IB9NpS9ZMtbzZj5dq7WiGg0GhER0Wh0wysiIvLLzS35BQAAPGxDWwUxW65uNZsby6V8Pn/waD6fLy1vNHfVFwAAwHBmwHqy2WK5WiwPc5cAAAD3hvuAAQAAJCLAAAAAErnoKYitzZk3P1/+5Z68qroaDAAAeKAufA3Y7x9qh1Y3vKjSi2oIMAAA4GG6aIBlHz+N6AbYkeUOAQAAOMeFZ8ByT/K9Ams0orT8/auvillzWgAAAOe78CIc2fJWs7lRyucjolGbm8zlRkZGJmYqm63WNRweAADA/XGZVRCz2WJ1a2t3d7e5sVzKRxyU2MTETGVTiAEAAPRzpWXos8VydT/E8hHRaNTmJnMjSgwAAOCkodwHLFssV7e2dnebB1NiSgwAAOCYod6IOXtiSuxQic1UlBgAAPCgDTXA9p2cEotGbW5uMjezeS2vBwAAcAdcT4DtyUbEk6duFwYAABCXuA/YQFqtzV/evJ6rNY48ms+XXuSu5fUAAADugOEGWGuz8ub121rjSHjl86WX378qF92uGQAAeNiGEmB9J7x0FwAAwBFXCrB+E166CwAAoL/LBFi/CS/dBQAAcI4LB1irMpGb208v3QUAADCoCwdY8+NefeVLpacR8fHnNzM/D/rXT15Vy2INAAB4mC4aYK3fP+z9Z6N2bJn5AZReVEOAAQAAD9NFb8R8MAEGAADAhVx0BqxY3d2tXsuRAAAA3HMXnQEDAADgkgQYAABAIgIMAAAgEQEGAACQiAADAABIRIABAAAkIsAAAAASEWAAAACJCDAAAIBErinAWq3W9ewYAADgzhpmgLU2KzMTEyMjIyMjuVxuZjMiYnNmZGKmsinHAAAAhhVgrc2ZidzkXK3ROPFUozY3mZvo9hgAAMDDNZwA25zJTdYaERH5Umm5lD94Jvckn4+IaNQmJyrmwQAAgIdsGAG2OTNZi4gobTR3t6rV8ounB89ly1tbzY1SPiIac2/MggEAAA/YEAJs8+daROSXm9Vitu8G2WL1x+V8RNR+VmAAAMDDdfUAa/3+ISLyL7/qX19d2a9eKjAAAOCBu3qANT82IuLp47P6KyL7+OmZzwMAANx7bsQMAACQyNUDLPdkkJMLexeKPcld+fUAAADuqKsH2CCXd7Uqr2sR55+oeKbtpefPny9tn/JsZ22pXH7eU15a2+5c/pUAAACuwxBOQdwrsMmJmc0+d/pqbc5M5OYaEZFfflW89KtsLy3Wz3jy+exqvd3e+3e7vro4e2qrAQAA3IhhXAOWLXdXmW/UJnMjIxMTrz9ERHx4PTMzMTEysn+L5uUfy5ec/+psLz0/M78W6xGRmV5YWV9fX19fWZjORER9sbxmGgwAALg9hrMIR7a81Vwu5SMiotFoNLr/W6t1/ysi8svNrUvlV2d7bak8e0Z9RWftp3pEFBYqU+OjERExOj5VWShERPv9rwoMAAC4NYa2CmK2XN1qNjeWS/l8/uDRfD5fWt5o7l6yvtbKs4ur9XZkCgsrC4X+2/z6vh0Rhfz4kYfHX05nFBgAAHCrfDbMnWWzxXK1WB7mLiNTmP7m5dT4aGw3+j7/x06//ooYHXsU0W7v/BExOtQDAgAAuKShBtiwjU5V1qfO3qSz8ykiMmNfnHjmi7FMRPvTTifGFRgAAHAbXD3ANmdGJj+Ulr9/VS5eYY35xN69e3faU+2DxRRviz//dCIlpJPgTeDPjkENSV3fuP5rRER0DGpI5S8RcSu/sQ9uODNgjdrcZG0uIn/rQuyUcxC//vrrvpu/e/cuk8lc90EN7u//iIj4/HNzeJBC81NExPW+Cex8iIjPRw1qSOXf/hnXOa7//W8REaMGNaTyr48R1/1hfUG//fbbhba/+iIcuRel/WU3GrW57kr0M5V+twS7Af1OTgQAALgRVw+wbLG6tbW7210AsftQ4/aFGAAAwI0b3jL0xXI3xJob/UJss3U9ITY69ih6Jxoe010e8dGYcwIAAIBbYmgBtie7NyPW3Ni7NXM0GrXJXG5kZGKiMvQM+2IsExGfdo5f/Hr68ogAAAA3Y+gBtiebLZarW7u9cxO7jzUaH5vDfp3RL59lItqrb7ePPLz9drUdkXn2pQkwAADgtri2AIuIaG1WZia+nZyr9b+H8nB0Cyzqi+Wl7e40WGd7rbxYD/0FAADcLtdxI+ZWa/OXN6+PZlc+X/r+x1fF7DWsUD869d3CzuxivV1fnK0ferywUJnSXwAAwO0xzBmw1mZlZmJiZCSXO5j0yudLyxvN3d2treq11FdERIyOz68sTBcO7gaQKUyvrM+PX9PLAQAAXMowZsBam5XjE17XcE/m8fn19flTnx0dn5ofnzr9eQAAgBt39QDbnMlN1g7+OfTwAgAAuCeGdg1YvrT8/auvru80QwAAgLvu6gGWe7HRvJ7VNQAAAO6VqwdYtlgcwnEAAADcexcNsFZl5s3HiIgnr6rl7JFHBrH/VwAAAA/ORQOs+bFWq0VElF5UI3vkkUHs/xUAAMCDM8z7gAEAAHCGi86AFau7u9VzHgEAAKAPM2AAAACJXD3AWpWZmZmZSuv8rSYmJs7bDAAA4P66eoA1P9ZqtdrH5tlbZR9HrdFonLcZAADA/ZXqFMTW7x8SvRIAAMAtdYkbMW/OjEyeWHe+NjkywFr0+Se5i78eAADA/XCJGbBidaN0uRcrfe8uzAAAwMN1iRmwiOKrjVL83PvHhw+1RiPy+dLTp2f8yZMnL776qii/AACAB+xSARbZYrVa7P335kxtshFPvz94BAAAgD4uF2CH5Z6USqVwcRcAAMA5rh5g2XK1OoQDAQAAuO8uGmCtysybjxERT15Vuytq7D8yiP2/AgAAeHAuGmDNj7VaLSKi9KIa2SOPDGL/rwAAAB6cVDdiBgAAePAuOgNWrO7uVs95BAAAgD7MgAEAACQiwAAAABK5+jL0x7VardOfzGYtwQEAADxUQwqw1mblzeu5WuO87Uobu9XicF4SAADgjhlKgG3O5CYHXokeAADggRpCgLUqr3v1lS+VXj558fjx6dvmcld/PQAAgLvp6gHW+uVtI8LZhQAAAOe4+iqIzY+NiMgvv1JfAAAAZxnWMvRPH1veEAAA4ExXD7Dck3xEfPj9jMXnAQAAGEaAZb96mY9ovP1FgQEAAJxlCKcgZss/LuejMfftzKYGAwAAONUQVkGszLz5+DQfjUZtMleLfL709OmpGz95VS27WAwAAHiYrh5gzY+12qG7MDcatUbj1I1LL6ohwAAAgIdpWKsgAgAAcI6rz4AVq7u71SEcCQAAwD1nBgwAACARAQYAAJDI1U9BjGi1Blx+Ppu1AAcAAPBwXT3ANmdyk7XzNzskny+9/P5VuajGAACAB+UmTkFsNGpzk7mRiYr7NgMAAA/J1QMs92pjY2M5v/fPfKm0vLFnuVTK7z++vLGxsbG8XCrlu4815nIzm1d+eQAAgLvi6qcgZrPF5pvJRkTkl5tb5SPnFRaLxXK12tqcyU3WanM/v9itlovFKEfvoai9rrwqlp2KCAAAPAhDOAVxc2ay1q++9mWL1eZyPqI2uT/jlS1WN0oR0Xj7i/MQAQCAB+LqAdb6/UNE5F9+ddZEVvarl/mI+PD7QW7lnuQjovGxeeUjAAAAuBOuHmDNj42IePr47BMJs4+fxtHc6j4CAADwYAxrFcTDc1v9dOfJAAAAHrCrB1jxRSkiGnNvzlrRcPPNXCMiSi+KBw/9XIuI/JPclY8AAADgThjCDFi3wKI2OTGz2W8arLU5M9G9VfN+f+0/dM6lYwAAAPfI1ZehjyhWN0q1yVo0apO5WuTzpad7V3d9+PCh0Wj0/lHaqBYjYnNmpJtjob8AAIAHZRgBFlGsNjfi28laIyIajdp+c+3LL2/8WC4ee6y0cdrC9QAAAPfQsBbhyBarW7vN5sZyKZ/PHzycz5eWN5rN3a1ycS+1ck9KpeXljebuVrXYd1cAAAD303BmwHqy2WK5Wiyfs1G5Wh3miwIAANwRw5oBAwAA4BxDDbBWa7MyMzExMdIzMTExMVPZbJ19izAAAICHYWinILYqE7m5Y4tvNBqNaDQma3ORX25acAMAAHjghhNgR+orn88/7S5Ef7AKfWMuNxEaDAAAeNCGEWCtyrfd+uouNn8sslqblW8n5xrRmPu28pUEAwAAHq4hXAO2+WauEdE9y/B4fUVEtljeai7nI6Ix92bz6i8HAABwR109wFq/f4iI/PKPZ0xuZcs/Lucj4sPv1uMAAAAerKsHWPNjIyKePj773MLs46cR0fjYvPLrAQAA3FHuAwYAAJDI1QMs9yQfEbWfz768a/PnWkTkn+Su/HoAAAB31NUDrHtyYdReV06/vqtVeV2LOP9ERQAAgHtsCKcgFl/11jjMTcxsto5XWKu1OdO7SVh++VXx6i8HAABwRw3jPmDZ8o/Lb3NzjWjUJnO1iMjn891nerdhjojz1kkEAAC494YRYBHZ8lbz8cy3k7Vubx3uroiIyJc2fqz2uUcYAADAAzKcAIuIbLG6tfuqtfnLm5/ffviw9+jTpy9fvPqqmNVeAAAAQwuwiIjIZovlarE81H0CAADcE+4DBgAAkMiVA6zVOrHwYffxysTETOXkqogAAAAP1RUCrLU5MzEykst9+0ufyGr98rbRqM1N5nIjEzObKgwAAOCyAdbanJnI9RY9bHxsntzg0EON2mRu4oy7NAMAADwMlwqwzZm9+IrIlzZe5U5uUixv7e42N0p7NwSby81sXvYYAQAA7oVLBNjmzGSt+1/55ebuVvX0ReazxepWc7nXYLVJCQYAADxoFw6wVuX1fn79WD7//l7Z8o/7CfbaiYgAAMADdtEAa/3ytnfuYen7AfIrIiJb/r7U/a/G237rdQAAADwMFw2w5se9a7+e9Lny6xS5J3uXgvVbrwMAAOBhuPQy9E8fDzb/FRGRffz0si8DAABwb1z5RswAAAAM5qIBtn824YffB7+cq/X7h+5/XOS8RQAAgHvmogG2fzbhBRbUOFi44yLnLQIAANwzFz4FsfjioksaHvSXCTAAAOAhu/g1YAcFNvftAPf12pzJzV104XoAAID76BKLcBSrG/sJlpuY2Tw1wlqblZmJyd5tmyO//Kp4iQMEAAC4Lz67zB8Vq83lD92JrUZtMleLyJeWX754/Hhvg99//vltrdY49CeljS3TXwAAwMN2qQCLyJa3mjHz7dxeZDVqc43aKdvmS8s/VtUXAADw4F3+PmDZcnWrubFcyp++ST5f2mg2t9QXAABAXHoGrCdbLFeL5Wq0WpvN5u+///zxY0Q8efLi8eNcrpiVXQAAAIdcLcD2ZLPFbLZYtMgGAADA6S5/CiIAAAAXIsAAAAASEWAAAACJCDAAAIBEBBgAAEAiAgwAACARAQYAAJCIAAMAAEhEgAEAACQiwAAAABIRYAAAAIkIMAAAgEQEGAAAQCICDAAAIBEBBgAAkIgAAwAASOSzmz6AW6fdbt/0IRz355+dmz4EeEASvAn82TGoIanrG9d/jYiIjkENqfwlIm7lN/bBCbDjMpnMTR/Cgb//IyLi889Hb/pA4EFofoq47jeBnQ8R8fmoQQ2p/Ns/4zrH9b//LSJi1KCGVP71MeKWfWP/7bffLrS9UxABAAASEWAAAACJCDAAAIBEBBgAAEAiAgwAACARAQYAAJCIAAMAAEhEgAEAACQiwAAAABIRYAAAAIkIMAAAgEQEGAAAQCICDAAAIBEBBgAAkIgAAwAASESAAQAAJCLAAAAAEhFgAAAAiQgwAACARAQYAABAIgIMAAAgEQEGAACQiAADAABIRIABAAAkIsAAAAASEWAAAACJCDAAAIBEBBgAAEAiAgwAACARAQYAAJCIAAMAAEhEgAEAACQiwAAAABIRYAAAAIkIMAAAgEQEGAAAQCICDAAAIBEBBgAAkIgAAwAASESAAQAAJCLAAAAAEhFgAAAAiQgwAACARAQYAABAIgIMAAAgEQEGAACQiAADAABIRIABAAAkIsAAAAASEWAAAACJCDAAAIBEBBgAAEAiAgwAACARAQYAAJCIAAMAAEhEgAEAACQiwAAAABIRYAAAAIkIMAAAgEQEGAAAQCICDAAAIBEBBgAAkIgAAwAASESAAQAAJCLAAAAAEhFgAAAAiQgwAACARAQYAABAIgIMAAAgEQEGAACQiAADAABIRIABAAAkIsAAAAASEWAAAACJCDAAAIBEBBgAAEAiAgwAACARAQYAAJCIAAMAAEhEgAEAACQiwAAAABIRYAAAAIkIMAAAgEQEGAAAQCICDAAAIBEBBgAAkIgAAwAASESAAQAAJCLAAAAAEhFgAAAAiQgwAACARAQYAABAIgIMAAAgEQEGAACQiAADAABIRIABAAAkIsAAAAASEWAAAACJCDAAAIBEBBgAAEAiAgwAACARAQYAAJCIAAMAAEhEgAEAACQiwAAAABIRYAAAAIkIMAAAgEQEGAAAQCICDAAAIJHPbvoAhmJ76flivc/jhYX1+fHkRwMAANDXvZgB6+x8uulDAAAAONe9mAH7Y6cdprsAAIDb7j7MgG036hGRGfvipg8EAADgLPcgwLonIGaefTl600cCAABwlntwCuIfO+2IzLOxP9aWflittyMiMpnCN9/NjysyAADgNrn7M2DdCbD26uJir74iot2uL84+X9q+wcMCAAA47u7PgHVX4IjIFBZ6k16dztrbH1br7fpieWylMtVvHuzdu3en7a/dbp/21E3588/OTR8CPCAJ3gT+7BjUkNT1jeu/RkREx6CGVP4SEbfyG/vg7nyA9ZagLyxU9pdAHB2dmq+MxfPFevv9r52pfgX29ddf993bu3fvMpnMNR3qJfz9HxERn3/uZEpIofkpIuJ63wR2PkTE56MGNaTyb/+M6xzX//63iIhRgxpS+dfHiOv+sL6g33777ULb3/lTEEenKuvr6ycXoB/PFyKi/f5XP0kBAAC3xJ0PsFN9MZaJiPbOHzd9IAAAAF33N8C63B0MAAC4Ne56gHXWys+fP++34GF3cY5HY07KBgAAbom7HmCjY48iIuqNYwXWWfupHhGF/PFrwwAAAG7KXQ+wGH85nYmI+mJ5abu33kZne6k8u9qOyEy/1F8AAMCtceeXoY/Rqe+m38+uttv1xdn64ScKC9/1vQcYAADAzbjzM2DRXYl+ZaFwcDeATKawsLLevSszAADAbXH3Z8C6RsfnK+PzN30UAAAAZ7gPM2AAAAB3ggADAABIRIABAAAkIsAAAAASEWAAAACJCDAAAIBEBBgAAEAiAgwAACARAQYAAJCIAAMAAEhEgAEAACQiwAAAABIRYAAAAIkIMAAAgEQEGAAAQCICDAAAIBEBBgAAkIgAAwAASESAAQAAJCLAAAAAEhFgAAAAiQgwAACARAQYAABAIgIMAAAgEQEGAACQiAADAABIRIABAAAkIsAAAAASEWAAAACJCDAAAIBEBBgAAEAiAgwAACARAQYAAJCIAAMAAEhEgAEAACQiwAAAABIRYAAAAIkIMAAAgEQEGAAAQCICDAAAIBEBBgAAkIgAAwAASESAAQAAJCLAAAAAEhFgAAAAiQgwAACARAQYAABAIgIMAAAgEQEGAACQiAADAABIRIABAAAkIsAAAAASEWAAAACJCDAAAIBEBBgAAEAiAgwAACARAQYAAJCIAAMAAEhEgAEAACQiwAAAABIRYAAAAIkIMAAAgEQEGAAAQCICDAAAIBEBBgAAkIgAAwAASESAAQAAJCLAAAAAEhFgAAAAiQgwAACARAQYAABAIgIMAAAgEQEGAACQiAADAABIRIABAAAkIsAAAAASEWAAAACJCDAAAIBEBBgAAEAiAgwAACARAQYAAJCIAAMAAEhEgAEAACQiwAAAABIRYAAAAIkIMAAAgEQEGAAAQCICDAAAIBEBBgAAkIgAAwAASESAAQAAJCLAAAAAEhFgAAAAiQgwAACARAQYAABAIgIMAAAgEQEGAACQiAADAABIRIABAAAkIsAAAAASEWAAAACJCDAAAIBEBBgAAEAiAgwAACARAQYAAJCIAAMAAEhEgAEAACQiwAAAABL57KYP4NZpt9s3fQjH/fln56YPAR6QBG8Cf3YMakjq+sb1XyMiomNQQyp/iYhb+Y19cALsuEwmc9OHcODv/4iI+Pzz0Zs+EHgQmp8irvtNYOdDRHw+alBDKv/2z7jOcf3vf4uIGDWoIZV/fYy4Zd/Yf/vttwtt7xREAACARAQYAABAIgIMAAAgEQEGAACQiAADAABIRIABAAAkIsAAAAASEWAAAACJCDAAAIBEBBgAAEAiAgwAACARAQYAAJCIAAMAAEhEgAEAACQiwAAAABIRYAAAAIkIMAAAgEQEGAAAQCICDAAAIBEBBgAAkIgAAwAASESAAQAAJCLAAAAAEhFgAAAAiQgwAACARAQYAABAIgIMAAAgEQEGAACQiAADAABIRIABAAAkIsAAAAASEWAAAACJCDAAAIBEBBgAAEAiAgwAACARAQYAAJCIAAMAAEhEgAEAACQiwAAAABIRYAAAAIkIMAAAgEQEGAAAQCICDAAAIBEBBgAAkIgAAwAASESAAQAAJCLAAAAAEhFgAAAAiQgwAACARAQYAABAIgIMAAAgEQEGAACQiAADAABIRIABAAAkIsAAAAASEWAAAACJCDAAAIBEBBgAAEAiAgwAACARAQYAAJCIAAMAAEhEgAEAACQiwAAAABIRYAAAAIkIMAAAgEQEGAAAQCICDAAAIBEBBgAAkIgAAwAASESAAQAAJCLAAAAAEhFgAAAAiQgwAACARAQYAABAIgIMAAAgEQEGAACQiAADAABIRIABAAAkIsAAAAASEWAAAACJCDAAAIBEBBgAAEAiAgwAACARAQYAAJCIAAMAAEhEgAEAACQiwAAAABIRYAAAAIkIMAAAgEQEGAAAQCICDAAAIBEBBgAAkIgAAwAASESAAQAAJCLAAAAAEhFgAAAAiQgwAACARAQYAABAIgIMAAAgEQEGAACQiAADAABIRIABAAAkIsAAAAASEWAAAACJCDAAAIBEBBgAAEAiAgwAACARAQYAAJCIAAMAAEhEgAEAACTy2U0fwLB01pZybyNVAAAM4UlEQVR+eF9vtyMiIlOY/ubl1PjoDR8TAADAYfdjBmx76fns6l59RUS7vro4u7R9k4cEAABw3H0IsO2lxXpEZKYXVtbX19fXVxamMxFRXyyvdW762AAAAPbd/QDrrP1Uj4jCQmXvnMPR8anKQiEi2u9/VWAAAMCtcecDrPPr+3ZEFPLjRx4efzmdUWAAAMCtcucD7I+dfv0VMTr2KCLaO3+kPyQAAIC+7voqiJ2dTxGRGfvixDNfjGUi2p92OnHnV0P835/e3vQhAMP0P/7v/7npQwCG6V//67/d9CEAd8ZdD7BLevfu3WlPtQ8WU7x5//E/TP79/23c9FHAw3KtbwL/eezp/9z5cH37B/q6xnH9n/7rX//2369r58ApbtU39ou67wHW3vkj4uQM2Ndff91383fv3mUymes+qAvJxH+56UMAhun7W/YmA1xVxvQXpHarPkp/++23C21/568BO0e/kxMBAABuxH0PMAAAgFvjrgfY6YsddpdHfDR211fgAAAA7o27HmDdxQ7j087x+32dvjwiAADAzbjzATb65bNMRHv17faRh7ffrrYjMs++NAEGAADcFnc+wHoFFvXF8tJ2dxqss71WXqyH/gIAAG6Xe7AM/ejUdws7s4v1dn1xtn7o8cJCZUp/AQAAt8fdnwGLiNHx+ZWF6cLB/QAyhemV9fnxGzwkAACAE+7BDFhERIyOT82PT83f9GEAAACc7l7MgAEAANwFAgwAACARAQYAAJCIAAMAAEhEgAEAACQiwAAAABIRYAAAAIkIMAAAgEQEGAAAQCICDAAAIBEBBgAAkIgAAwAASESAAQAAJCLAAAAAEhFgAAAAiQgwAACARAQYAABAIgIMAAAgEQEGAACQiAADAABIRIABAAAkIsAAAAASEWAAAACJCDAAAIBEBBgAAEAiAgwAACARAQYAAJCIAAMAAEhEgAEAACQiwAAAABIRYAAAAIkIMAAAgEQEGAAAQCICDAAAIBEBBgAAkMhnN30At867d+9u+hAAAID7yQwYAABAIiO7u7s3fQwAAAAPghkwAACARAQYAABAIgIMAAAgEQEGAACQiAADAABIRIABAAAkIsAAAAASEWAAAACJCDAAAIBEBBgAAEAiAgwAACARAQYAAJCIAAMAAEjks5s+ALiC7aXnP33KPHr0bCz/5dT4aP+NOttrvzZ23n+qP/pmfX58qK/fWSvPrrYz0yuVqVNeHLiaTmf717c/va+3270HMpnCs29e9hnw543H7aXni/UoLFzkfaD7N8Y43AbdMX7uZgMP2Mu8J8BQCDDuuHa73W63o74zdso76PbbxdV6REQ8SnlcwJX1/brVbtfbi/XVTGH6u3lVBMDdI8C4+zKZTLtdb2zPj/cpsO1GvbvB+T+aAbfI9lJ5sd6OiExh+puXX46PdmOrOyO2Wm/XV2c/hZkpeDhGpyrrU4cfMIXFXeUaMO6BR48yEfXGdp+nthv1yDx79ij1IQFXsr20WG9HZKZX1ivzU3v1FRGjo+NT85WVhUImor06u9Rv3APALWYGjHtgLP8sU+87B7bdqEdm+suxndWjD/e7rqN3ttPhn9I620s//LR/7Ukmk3n0zXfzp11rdmQvR/fd2V57+9NqfW8/hel+V7B0tpd+6P7gH5nCwnfzX/za74KWzvbaoethMplC/yMacDO4nTprP9UjorBw2gTX6Pj8d9OfZlfb9Z/WXo6fOgvWdzwefv7IQDnj+rKIztrSD6t7A7Tf2Y/nDfOD3+q/2N/VwZ4Odp/JTH/z3bFDuMBxAhEx+Af9YYN96BuPXJ0ZMO6DL7581ncObLtRj3g0drk3xc5aeXaxfujUxXa7XV+cfX7GL+573/aOfG3cXirPLu5/LYuIdn11cbZ8dDe9F9vfYnG2/Han/yGtHjqmdrt+YlcDbwa3VefX9+2IzPTLs04rGp36phAR7fe/dk7ZS7/xeMje0Dx0enK7XV9d7DOrtvO2PLt6aICuzpbXjrzqQMO8u6u1Q7vq7Wl76fmhx9qriz8c3vsFjhO4tME+9I1HhkKAcS+M9i2w7UY9opC/1KnhnbUfVtsRmemFlfWelYXpTETUf1rr/31ve2l2tR1RWKgc/LLWWetexpIpTK+s7O2mkIlo1xcPvsH1Xmz/1VYWCpl2/dCXucP7zxT2D6l7RO364uE3/gE3g1ur21/n/3Yynj+jwPqNx6PP985xPBji6ysLhYg+Y7xdr7cPj86IaK++3R9Ogw3zrvrqahT29jTd3dPsYj1z/LH9vV/kOIHLGuxD33hkSAQY90OfAuuexHTJ/oo/dtoRkXn25cFJBaPjU5X19fX1vr+md9bKi/WIzPTK4W97vS+ShYXK/NTeRSyj4/OVhUIc+o51sFXvFIbR8fnvpjPHX2DvnKyD8yFGx6cqK9OZw2/8A24Gt1hv9I19cd6GX4xlIqK988fxJ/qPx8O2G/WIyEwfOdlvdPzldN89ZqZXDo3ObwoREZ929gbdQMP8YFd7pzSNjn/5LHPisamje7/YcQKXNNCHvvHIsAgw7onRsUdxpMC6X4ou21973+xWf1ja7pwfLd0f209caLL3xezEQXR/ue99x+p7ulXv9Kpju+pzTlY3PfcmAQbcDG6/y548fOp4PGJ8/tAXq06ns729tra0dNpNho4ey9HuG2yY78k8+/LQF7exRyceu9JxApc00Ie+8ciwWISD+2I8X4h6fX8ljiv2V4x++Syz2m5Hu744W4+IyBSmn/W/3XN7dXax/05O/yG/e7TtnT8iRrtbnfi2+cVYJuLYm3p7dfb50fVE9p/Z+SNi9GKbwW32aacTl7iq/fTxeMKhhW/OduZk3GDDfMBD6mvg4wQua+APfeORYTADxr3R/bm5Nwd21f6KGJ2qrCwUMvsnArbrq6uLs8+fl5e2T/44lil018T+od8pfpf/If+Q7pe8YW0Gt9mpZxYed0r7nDke9xxZ+CaTyRQK09MLKyvHz/0d1KDD/MJvB0M+TqC/gT70jUeGxAwY98ehObAvrtxfEd3LOMbnIzrba7823vfWnG3XF38YO3pqU2GhMj/eGfs0u9pefbs9dfyik8F+yB9oq7NPqrroZnA79X6KPndM9K7HOHYC3znjsWtv4ZvCwsqRRaY7JxcfHcwl5+vOM/TjBE513oe+8cjQmAHjHtmfA7v6/NcRo+NTU/OVysEKZUevpOr+/t67aOvIUoOn/5Df++Y49sX+ViccncwacE5g4KkDuMV6lyweX7/iqN6CM8f76/TxeFhv7mz65bFousQc8mDD/JKGeJzAgE770DceGRoBxn3S/Sb0qfH2nP7q942pdyX93r/Wys+fPz9+z6+DVcv6GZ9fKMSRpQa7XyNPu0HZ3tlI/b9s9jbZf+nerk6uY7i99Pz58+e9xa4H3Axut/1+6nvKb3Qvw+j+FP3NKZO9J8fjAPaG3dGFM8451oGG+XBd5jjhYTn/g/6wy3zo7zEeuTgBxn3SS5l6/Zz5r97aY/XF3pe7zvbasVWM9r5TLZbXDr7/dbZ7px+c9o2quxbtoUtPDnaztNZbV6nTWVsqL3ZXsu2tVXjoxXrbbPc2OXxEvbvOrs4eOqT9Dfe/hQ64Gdxy4/MrvdvXzZaX1g4tS9bpbK8t9S7DyBQWTltmPvqMx0P2Vjx7e2iUrJWfHx92AxlsmF/OMI8THpTzP+iPbD3Ih77xyNC4Box7ZW8Zo/NO+xl/OZ2pr7Zjb7WjiCgsLMTiwdvo6NR30+9nV9vt1cXZowsKnvWdb++v9i89GZ2qLOyUF+vt+upsffXoXg4u0zp4sYPVCzOFQhy9F/P4/ELh02L95CEdPaIBN4NbbnSqshJLP6zW2/XVxfqJZT0zhenv5s/+QeHEeDz81DeF1cX64beAiIjM9MKz94ur7YutXDjYML+UoR4nPCjnf9AfNsiHvvHI0JgB437p/Yh15o11Irrf7aYLe2cWZAoLJ+/XOjpVWVmYPrQkUmQyhemFlcqZFXPy0pPx+e5+DnbTZy+95ZcOHU8lf3wN+oNd7e+r/xENuBncdqNT85WVY8Ow93/n9co59dXbwamXgo3PHxmXmUxhYWW9MjXe/dX8oucSDTTML2W4xwkPyAAf9Mc3P+9D33hkSEZ2d3dv+hiAPraXni/Wo7CwrpsAAO4NM2Bw0/pf+zuEBdQAALhtBBjctONXCkdEZ3tpsd8K2wAA3G1OQYSb19lemu1zWbD7KQMA3DcCDG6Fzvba25/e19vdhTcymcKzb15OjasvAID7RYABAAAk4howAACARAQYAABAIgIMAAAgEQEGAACQiAADAABIRIABAAAkIsAAAAASEWAAAACJCDAAAIBEBBgAAEAiAgwAACARAQYAAJCIAAMAAEhEgAEAACQiwAAAABL5/4oUFU6xVhj+AAAAAElFTkSuQmCC"/>
           <p:cNvSpPr>
             <a:spLocks noGrp="1" noChangeAspect="1" noChangeArrowheads="1"/>
           </p:cNvSpPr>
@@ -5038,8 +5243,8 @@
         </p:nvSpPr>
         <p:spPr bwMode="auto">
           <a:xfrm>
-            <a:off x="159657" y="182676"/>
-            <a:ext cx="7228114" cy="1135312"/>
+            <a:off x="135082" y="1215736"/>
+            <a:ext cx="6206578" cy="4961227"/>
           </a:xfrm>
           <a:prstGeom prst="rect">
             <a:avLst/>
@@ -5060,27 +5265,94 @@
             <a:prstTxWarp prst="textNoShape">
               <a:avLst/>
             </a:prstTxWarp>
+            <a:normAutofit lnSpcReduction="10000"/>
           </a:bodyPr>
           <a:lstStyle/>
           <a:p>
             <a:r>
               <a:rPr lang="en-US" dirty="0" smtClean="0"/>
-              <a:t>We also need to see the progress of individuals</a:t>
-            </a:r>
-          </a:p>
-          <a:p>
-            <a:r>
-              <a:rPr lang="en-US" dirty="0" smtClean="0"/>
-              <a:t>(Tulsa county trajectories are in orange)</a:t>
+              <a:t>We want to study cognitive decline among seniors in </a:t>
+            </a:r>
+            <a:r>
+              <a:rPr lang="en-US" dirty="0" smtClean="0"/>
+              <a:t>Oklahoma</a:t>
+            </a:r>
+          </a:p>
+          <a:p>
+            <a:endParaRPr lang="en-US" dirty="0" smtClean="0"/>
+          </a:p>
+          <a:p>
+            <a:r>
+              <a:rPr lang="en-US" dirty="0" smtClean="0"/>
+              <a:t>Objective: monitoring </a:t>
+            </a:r>
+            <a:r>
+              <a:rPr lang="en-US" dirty="0"/>
+              <a:t>cognitive trajectories over time </a:t>
+            </a:r>
+            <a:endParaRPr lang="en-US" dirty="0" smtClean="0"/>
+          </a:p>
+          <a:p>
+            <a:endParaRPr lang="en-US" dirty="0" smtClean="0"/>
+          </a:p>
+          <a:p>
+            <a:r>
+              <a:rPr lang="en-US" dirty="0" smtClean="0"/>
+              <a:t>Recruited 200 seniors from three </a:t>
+            </a:r>
+            <a:r>
+              <a:rPr lang="en-US" dirty="0" smtClean="0"/>
+              <a:t>programs/counties</a:t>
+            </a:r>
+          </a:p>
+          <a:p>
+            <a:endParaRPr lang="en-US" dirty="0" smtClean="0"/>
+          </a:p>
+          <a:p>
+            <a:r>
+              <a:rPr lang="en-US" dirty="0" smtClean="0"/>
+              <a:t>Dashboard is </a:t>
+            </a:r>
+            <a:r>
+              <a:rPr lang="en-US" dirty="0" smtClean="0"/>
+              <a:t>tailored </a:t>
+            </a:r>
+            <a:r>
+              <a:rPr lang="en-US" dirty="0" smtClean="0"/>
+              <a:t>to providers in Tulsa </a:t>
             </a:r>
             <a:endParaRPr lang="en-US" dirty="0"/>
           </a:p>
         </p:txBody>
       </p:sp>
+      <p:pic>
+        <p:nvPicPr>
+          <p:cNvPr id="10" name="Picture 9"/>
+          <p:cNvPicPr>
+            <a:picLocks noChangeAspect="1"/>
+          </p:cNvPicPr>
+          <p:nvPr/>
+        </p:nvPicPr>
+        <p:blipFill>
+          <a:blip r:embed="rId2"/>
+          <a:stretch>
+            <a:fillRect/>
+          </a:stretch>
+        </p:blipFill>
+        <p:spPr>
+          <a:xfrm>
+            <a:off x="6341660" y="653257"/>
+            <a:ext cx="5613400" cy="5613400"/>
+          </a:xfrm>
+          <a:prstGeom prst="rect">
+            <a:avLst/>
+          </a:prstGeom>
+        </p:spPr>
+      </p:pic>
     </p:spTree>
     <p:extLst>
       <p:ext uri="{BB962C8B-B14F-4D97-AF65-F5344CB8AC3E}">
-        <p14:creationId xmlns:p14="http://schemas.microsoft.com/office/powerpoint/2010/main" val="976041723"/>
+        <p14:creationId xmlns:p14="http://schemas.microsoft.com/office/powerpoint/2010/main" val="998446241"/>
       </p:ext>
     </p:extLst>
   </p:cSld>
@@ -5109,29 +5381,6 @@
       </p:grpSpPr>
       <p:sp>
         <p:nvSpPr>
-          <p:cNvPr id="2" name="Title 1"/>
-          <p:cNvSpPr>
-            <a:spLocks noGrp="1"/>
-          </p:cNvSpPr>
-          <p:nvPr>
-            <p:ph type="title"/>
-          </p:nvPr>
-        </p:nvSpPr>
-        <p:spPr/>
-        <p:txBody>
-          <a:bodyPr/>
-          <a:lstStyle/>
-          <a:p>
-            <a:r>
-              <a:rPr lang="en-US" dirty="0" smtClean="0"/>
-              <a:t>Pipeline diagram</a:t>
-            </a:r>
-            <a:endParaRPr lang="en-US" dirty="0"/>
-          </a:p>
-        </p:txBody>
-      </p:sp>
-      <p:sp>
-        <p:nvSpPr>
           <p:cNvPr id="4" name="Slide Number Placeholder 3"/>
           <p:cNvSpPr>
             <a:spLocks noGrp="1"/>
@@ -5153,31 +5402,20 @@
           </a:p>
         </p:txBody>
       </p:sp>
-      <p:pic>
-        <p:nvPicPr>
-          <p:cNvPr id="5122" name="Picture 2" descr="flow-skeleton.png"/>
-          <p:cNvPicPr>
-            <a:picLocks noChangeAspect="1" noChangeArrowheads="1"/>
-          </p:cNvPicPr>
-          <p:nvPr/>
-        </p:nvPicPr>
-        <p:blipFill>
-          <a:blip r:embed="rId2">
-            <a:extLst>
-              <a:ext uri="{28A0092B-C50C-407E-A947-70E740481C1C}">
-                <a14:useLocalDpi xmlns:a14="http://schemas.microsoft.com/office/drawing/2010/main" val="0"/>
-              </a:ext>
-            </a:extLst>
-          </a:blip>
-          <a:srcRect/>
-          <a:stretch>
-            <a:fillRect/>
-          </a:stretch>
-        </p:blipFill>
+      <p:sp>
+        <p:nvSpPr>
+          <p:cNvPr id="9" name="AutoShape 2" descr="data:image/png;base64,iVBORw0KGgoAAAANSUhEUgAABIAAAASACAIAAAAIyqENAAAACXBIWXMAAB2HAAAdhwGP5fFlAAAgAElEQVR4nOzdXXCU950v+J+3crFTs1VbdTZIluRUhTqQHYMIGmQXdUTNOAwvBvwyvvCSFAQckwTKczwFNh57PHZyEZskJCaGis+4RBKIwaYSyqfWB4OEeQn2TKFZCkREEHgqcIpUBalRy7tbezE15469aHWrW+putaTWo7fP5wqrn5f/86L2/6v///k999y9ezcAAACYeP/TZDcAAABgthDAAAAAEiKAAQAAJEQAAwAASIgABgAAkBABDAAAICECGAAAQEIEMAAAgIQIYAAAAAkRwAAAABIigAEAACREAAMAAEiIAAYAAJAQAQwAACAhAhgAAEBCBLAK3bzZvm/bsmXL7smzbNmybfvab96c7LaNX/u27CHtq/RoxrDK5Lp5s33ftpl7CWeQm/uy12hb+2S3pYiZ/VUAAEw4AWxEN9u3Lbvnnvnz1+3Y39HRkf9JR0fH/h3r5s+/Z9m29pnb9cp0N6dJyirqZvu+bcsyV7DkJZzYazj9zyExq74K3LEAMHEEsLJu7lt2z/x1+ztGWKxj/7r5y6bkX+vHKXP8O0Y8AVPXzfZtyyo6go796+ZPyGje9D+HxKz6KnDHAsDEEsBKu7lv2fwdg52Qlq17227cuHE358aNtr1bW7Ifd+xfNzVnTFVibevAMZ3fPi//5zeul+yElVplKrm5b1lBn7nEJcxdw+jYMb/qGazMOWSamEVfBeGOBYCJJoCV0r5tsMvVsrXtxt3zrdvXzpuXFzbmzVu7vfX83RttW7M/2b9uOve7Zpr8K1j2Ep6/0bZ3sPc8ARmMac1XAQBQTQJYce3b1u0f+GfL3hvnW9eWHuWZt7b1Rq7/vv91nfepIe8Kxta2kS7h9vN3BzvPHTt+rPPMAF8FAEB1CWDF3Nz3+mCf652Rp9jN2/5Ott/VcfSEbtfkK7iCN8p1mnMKOs/GL4gIXwUAQPUJYEXcPHE0O+No66uVPeE075H1W1tatm7d2/bqI0VXuHmzvbB0daZu9QgNKVxpWa7EWqka8LmfD+SHTC2zkfc5bHsDlcBzf/vv2DF/yA6HrlJh7fBy1euHtLaiU1TcGK5gRMzb/urgFLIPCo5ixKL7RQ5/5HNYsIExHPyobqrsIeQuccEOh685/N4Zocx69S5f0cMs3Ozw7Vb0XoShvyAj7nqyvwrGcuMVrjiKr4IR7tgJOcMAMBvdZajBgZDY2lblDQ7TsrXtRvGV2rYWX6tl743B6XItewvWzv18a9vdUusPWyl/vexHJZucW3d4E/J3Xkqphpc82nKnqKSxX8FSa5Zqd5EVc+uNfA5zC5Y5+BL7G/1NlT2Elr03Sq6cu/zlbr5ijZmgy7e1rXRTtw5tyojXqLJbtHhLJuurYCw3XuGKo/gqGOmOnYAzDACzkRGw4QaLgLUsmD/urbVvuye/gNpQHfvXFSv60L6tZMnrjh3zt30w0l67X19WumR2x46nJuLxlLVPDHS+howe5Wn/YOCP6y3r80YHhhYrHKJj/7r5o/tz+uAV3PrE2tGsGPO+1Jj9Z/fvE5lAdnPfsvllKn4Xrwkytpsq68S2Uit37Ji/rf1m2Ztv+K1T9cuX54PSTd0/9Mys/buB/FBy7l/u9qv0tpgKXwXjVcWvggk4wwAwK012Apx6qvpX78HKDgPFq7M7KRwzKDWQFYV/Fx8+0FBmxSF7HLJyiT+Xl9peBYNmd0f+83fRz/P/7N6ytW2wunfhOSr9R/dhBrc4ipWGtbGgkWMeiBhh1cKDL3W1yt4eY7mphq7Ylt+MlmGXouDzIQdY/cs3fCCmpeRtXGIEp+jeSl+iChoy6V8FYx4BG77Hsl8F5fdZ7TMMALOSADbMYM9lDN33QnkduKK977xOUl6PpaDbN2ytGwU9q3Jd8yJ7LHVsVQpgI3QXi+av4oGn8s/LrjKuAFb5gd0dawAr39LiQXJsN9WI90a526pMUyfg8g0JYEXWK3mM5fLBGNLBpH8VVCmAjearYIR9VvkMA8CsZAriBGr/cXbCUfECavPWtub6OoPT9gaf+9/aVqR8X/5K5RStGZCbJRgd129UsJHRKjdHabCeXN70pLwftrUWnbQ0eLilZzZOV7kJW8Wv1mBRkLzTObabqlCxvQ3eGsU3nPf5oIm/fEW3W/IY5z2yvtT9l/drNQmz46px1casml8FU/YMA8A0IoANM39B6efkR+Xm77sH/lW6gNpgNyjb7aqgG1O0LzxEiZWrdnAllO6fFT+u3EM2ZfpsucNN6KmsxAw+Ebf374of/drWgT+UnM/eQGO7qQqN1D9u/FKxDedunbwO+0RfvpInJu8YCzZb8v4bUzqY5K+CKqnuV0F1zzAAzEoCWBnjHCXK9U7LPcA/rCNZyVojJ7Bq1AwYk1L9s1z3rKBPPdgx3b/unpKyZbErvR5V6jcXzyETYRR7GttNVWCke6Pye2diLl+eMiemWB6MkvffeNPBpHwVVEe1vwom6AwDwCwigA2TfCG84pLr/1dVbt5cQf9sMH+tL/5ypIpUeD0Gr+Do+82DmWLCM+zgrmaJUf86lbsEeb+mhT8vdv8Vj/8jmipfBVNLNc8wAMxKAthwgwMoo+q/39y3bNmybdv2tVfl5bPTWPYv+Xn9s+rkr4oNXsHRzubKe/HuNA3As0Xp+Dr8/hvz7eeroKgqnmEAmI0EsOFyc2xG1X+/eeJoR0fH/v071r1e4h05xVfL9SOHdvin79/ch/XPciUISj8BU1HdtPOl1h5ibFcwv6HTeyJV6ZtqolT18uWMceLf0Ptv7OlginwVTDnVO8MAMBsJYEXkd7ter/A9pXllzrJ9kBJPqRQafNXrgErWmuqT14b0z0q/nXVwjld14+Zg/cDYv67itwAP1vQbff4adh1HVsnB39y3bOBJqoGjGNtNNUEm6vLllNlsuceqCu+/8aSDSf0qqEhS17pQ9c4wAMxCAlgxef33jh3zK+jAt2/LVhrIG+QZ7LyV7rvlFSIf6PHnrVXqb+554zRTVLYcfcfREzfL5K/8nunwuvVZuRCyrMIecH4LImL/uopWbN82P3daSz/IUqIHPaZInKu60LHjx8Uv9fDKBmO7qSbKhF2+GGGzg1m5aJ8/Px+MLx1M5ldBgWreeFVQvTMMALOPAFZc/su29q9btq3Mwxw327flCr0V9twHu10dO54q0u+6md9Zy3W68jpr64rtN2+lqSt7EB1HT+wb6FgWDTUjnaKIm/ue2jGW7t287e/kIljHjvllL2Hc3Lds8BoWe1VT+afKBts4OnmVx4v2yweTdrHbYzQ31QSZuMsX5Tabd75LbDUvH5y4Pr50MIlfBTFRN14VVPEMA8CsM46XOM90Q9533NKydW/bjRuDn9+40bZ3a0HB8+FPwuRvo2Xr3rYbg+vmr9qy90bptXIr3R22w5IrDvn5YJtzoaSgraXWG1x82AZH2tXgquVbVHiaW7bmneLCw63oMaMhbRh6Cbfubbsx/BK2FC5TdD9DLmRuI8MvydD1y5zDwrOUf3/cvdGW/0m522PUN1WJK1H5BS1+61Tv8g27dfK2OuR8l95qxfdfJSbvq2DMN95YvwrujnDHFlusCmcYAGYTAaycwq7RCEbq145qzQrWKrbqxAWwnOx6I+5qSNe8TO+syF6GGUP8ymx7NJewXCtHaOTWvdnPS3dnix7MyAc/tttj1Il5jAFsAi5f3p62ljvQ8j3+wmaNNx1M3lfBGG+8qgSwwb0Uu37VPcMAMHuYgljOvLWt5yvpebVs3XujVI23ta13y22hZWvbjSJrrm0tvd+WrXv3VpjPxivvCZisysst5L8uunT5w4iYt/38jaF/zs/XsrXtRusYJ9NlLmG5rQ/so2VrW8lrONDIUlekZWvb3dZHSq9Y9hzO2172FmvZW/z2GMtNNUEm8vI90VoqfxQ/MfnNGqyfMcL9V4nJ+yoY8403ZpX+1lf3DAPA7CGAjWTe2tbzd+/eaNu7d2tLy5DZatmpSOdby3Y+1raez8wYylt9YN2751vXFl913trW8zdutA1ZaevethvnW7d/KfuTCS9YnUmCBYddcWnwwQQ24sNI87a3nh8+H3Ckc1SheWu351/Dgh20bB24hBXsZPgVyV6Q8kc30jmcN3iD5Dctc+yl7qwx3VQTZQIv37zt5ws3PNKJGVxzMB9U52G4yfoqGPONN2YV/tZX/QwDwOxwz927dye7DYzWzX3LBir2bW27O1GdMJjeciUx/JZMEGcYAMbCCNiU077tnpHKdpd7BxIQUe71c1SHMwwAYyKATTmD71Yq8XaoEd6BBAz+lpR+pxvj4gwDwBgJYFPOvC81Zv+Zee3Q4DjYzZvt+7Ytmz/CO5BglrvZvm1crx9jJM4wAIydZ8Cmovz3uZY0Yhk4mFUGH40c5OGkanKGAaAajIBNRWtby9b1TrrOOEwHeWPHGS17x1z/nmKcYQCoBgFsapq3vUi96kz16UmpMw5T3/wncn+2aPE3iongDANAFZiCCAAAkBAjYAAAAAkRwAAAABIigAEAACREAAMAAEiIAAYAAJAQAQwAACAhAhgAAEBCBDAAAICECGAAAAAJEcAAAAASIoABAAAkRAADAABIiAAGAACQkM9NdgOmluPHj092EwAAgGnm0UcfrXBJAWyoys8dAAAwy412CMcURAAAgIQIYAAAAAkRwAAAABIigAEAACREAAMAAEiIAAYAAJAQAQwAACAhAhgAAEBCBDAAAICECGAAAAAJEcAAAAASIoABAAAkRAADAABIiAAGAACQEAEMAAAgIQIYAABAQgQwAACAhAhgAAAACRHAAAAAEiKAAQAAJEQAAwAASIgABgAAkBABDAAAICECGAAAQEIEMAAAgIQIYAAAAAkRwAAAABIigAEAACREAAMAAEiIAAYAAJAQAQwAACAhn5vsBoyg58L7R4/887lbtyIiYu7c5X+xYf2TSxuKLPj+mz8aXG755hKLAQAATJopHcAuvLl917lbeT+4devcrV3n/nnz2/uebChc8PFd5/KXO3do17k/vnLsuaXJNBQAAKACU3gK4oU3d527FTF3+StvH8t4+5XNcyPi1qFn3rwwZMGImLt5YMGBxc7t2v5+z+Q0HQAAoIgpG8B63j9yLiKWv7LvudxUwoalT+57ZXlExLmOC8MXzM45zC1265//RQIDAACmjCkbwG7/8VZELG8ZOolwacvyiIg//HEgWvX8yz8XW3Dp+s1zJTAAAGBKmbLPgC197tix5ypYrlRQa/jCFyNu3frj7Qi1OAAAgClhyo6AlXKh41xEzP2L/5SJVT1//ENEzP3CfcMWvO8LcyNvpAwAAGCyTdkRsOKyD3xteHJ8w1rHjx8v9dGtW7dKfQQAADAe0yqAXXjzmUO3IuZuXl9xefkScxAfffTRoosfP3587ty5Y28hAAAwm1y7dm1Uy0+fKYgX3ty+61zE3OWv7BvF8FexyYkAAACTYnqMgPW8v31g7GvoK5gBAACmjWkwAnbhzTLpq+ELX4yBiYZDZMojfvEL8hoAADBFTPEA1nPhzcd3nbsVc5e/cqz42FepYoelyyMCAABMjik9BfHCm8/sOjfCxMOG//QXcw/dunXo6IUnn8srzXHh6KFbedXqAQAmxL8dfX6ymwCzy5+u/8lkN2Fcpu4IWM/720dMXxGZBBYR53Ztf/NCZhis50JmVfkLAJhQ0hckb7r/3k3ZEbDMEFbErUPPPH6oyOfLXzk2MOLV8OSLr/zxmV3nbp3b9cy5giUU7AAAJt6frJre3UGYRv799PQe/oqpOwJ2oePcyAtlNSx97u1XNi8ffH/X3OWb3z72XMUvCwMAAEjCVB0BW/rcsWPPjWL5hqVPPrf0ydGsAQAAkLCpOgIGAAAw4whgAAAACRHAAAAAEiKAAQAAJEQAAwAASIgABgAAkBABDAAAICECGAAAQEIEMAAAgIQIYAAAAAkRwAAAABIigAEAACREAAMAAEiIAAYAAJAQAQwAACAhAhgAAEBCBDAAAICECGAAAAAJEcAAAAASIoABAAAkRAADAABIyOcmuwEAACTtiaf+ZrKbwJTwwTv/ONlNmHUEMACAWSQTvVr3vD7ZDWFKyNwPYliSTEEEAJgtnnjqb1r3vC59kZO5GYyIJkkAAwCYFXSyKUogT5gABgAwW+hqU1Trntfl88QIYAAAAAkRwAAAABIigAEAACREAAMAAEiIAAYAAJAQL2IGACAiouvIq293jmL5+9bt+M6Kz49rX/WrvrfzodqxbQKmJyNgAAAACRHAAAAAEmIKIgAAERFNG15v3TDkZ5+179n7QW9E88bWDfdPSqtghjECBgAAkBABDAAAICGmIAIAME6fHtj53oUSdRH7zr713bY7EU3P7HmyacQtpT9tP3P2Uued29kf3Fff9MDDX1nbWLzcYl/608tDl7+3oWnFIyvur6y4YsEcy77uT058dPpCb+aje+9rXrF1w8B2+ro/OfHR1Qu9dwb20rzqsZUPNdVUcgj33te8qOTCoziE/JMcXWc//rCr63amqfX3Li12yNkzH0uffn1LY0WngwQIYAAATAl93e9/92DXkB/e7u26fbDrg/qmZ3YOyW+fdR351dudd4Ytf+d273sXuoYvX16668h7hVX479zufO+7nU3P7Hkyjrw1ZEe3O0+/3Xn1iZeeXVsYq3KZp3A7d97uPH1f88bvDH2ObmyHcO3AnlxKjIiI3jsXxnLITA4BDACAKSD9yf5M+qpf9cym3HjRZ11nf/V2253o7Xr7yML8QiB9Zweiy33NG3PjVJH+9MDh9y70xvDlR9B5+u2CTeWiUdfbe+5E7537mldtXflQbU1ek+LOB4c/WZL3HrNc+ioYH0t/1nXmV2933rnd+d5rUZDBxnYIt9tO3457l6772iMrPl8bEelP2w+/90FvRG/Xh2e/0jTWN7ORGM+AAQAw+fquXr0dEdH0zM782Xqfb1rx7DPNERHReS1vdOzTE5mBpuaN39mQN/Wu5v4tOzcuzfw7le4bTQPuW7cjb1Ofb9qwYmA7vXeieeN3NmTSV2GTevtTufXTn+wfbFLeIdR8vmnDs99bd29E3O48256uwiEsffrZLZn0FRE196/dueOJ+oiI213X8pevXfFs657XW/eYfzi1CGAAAEwdd1LpoT9q2vB6657XW/MfIeu+diEi4t4nVg4f45pTVx8RheloZE2PDR07un9JJmUV20td7b1DWjsYIIsNu9Wu+NoT9RFx54Mzn473EOpXPTI0UH2+rq708kwxpiACADD5amvvjbgTceeD3W9dal702MqFTTWlZ9M1Ptm658kSn32+ri6it8SHpdTPqSv52b11w+pnZFub89nlrsxw1sIST2FlW5VK98X9tTGOQ6irGV5fpG5oe5i6BDAAAKaAxiefab7zduedXNWKiGx9v0X315YoITgg/Vlf9KfSkfrdtUupbG3AUSmWakajP5XZaed72zrLLtjbn4oosq+KD+G+2jnjaimTTQADAGBKaNrw7Pe+XFDtfaC+X1tEfdMTw4rR93W/v/+jMcWtKWMGHAKjJYABADBV1DY+tKXxoS0Db8fKGwvq7frgYFdq8H1W2fd3Zd1Xf29D3b11tQuXLLo/debVt8sPQ02c5o0Vl16cqofABBPAAACYQKm+sTybVFtz/9oN96+NJ/PKvseFjz55pPGh2oi+s7/KRJeCAu65PY6/0aM2p66+8BGvkUy9QyAhqiACAFAdt/v6h/3ss1RFYeKz9j2vbtv56rYjnw77aHjZ92zFi/pVw6NLxKeXJ2HsKFeH8OrlYVUcI2LwAPd80hcxJQ+BhAhgAACMU7Zs+vD3VnV//EFFDzh9fknTvRERBW/KysmmuHK1Cgf0nT17oZIdVlvTylX3RWTezlzk5V3Z87D04YdGHB+brEMgGQIYAADjlI1Pvae/u+eTroEE9VnX2fdfO9hVbr08tSsyLz6+88Hutw50fzaYYdKf5p6VyqaXwd3tP/Jpbsm+9KcH9rz63bbcjMcirxSbQDUPbV2XOwnvt3d/lv3gs66zb23LnIfBV3glcQh9Z9/atvPVbTtfPdA99o1QdZ4BAwBgvGpXfO2Jrr0f9Eb0nn579+nBD+pXPdN09e22Sh4Du3/LS6t6dp++HXcuHNw7fAjovnU7shU4onbFiqVd713ojdud7323cLbefc2rHqvN7PFOKh1Rvn59VdWuePZ78dZ32+5kSoZ8MOTj+lXf2zk4/DU1D4EECGAAAIzf59fu3FF39uMPu7J1C+vvXfrw17Y0fr7v7NVKt1Hz0Hf2LOw6+/GHXXdu5yrR1997X92KrSuHvArs/i07dyzJ313ce9/g65trlra9dyHiwu8+3dJYYU3C6qhd8Wzrok/bz5y9lLqTKy5/X33TA8Nq6E/ZQ2Ci3XP37t3JbsMUcvz48UcffXSyWwEATA//dvT5iPiTVc9PdkMq8sRTf9O65/XJbgVT1Ladr37wzj9OditG9u+nfxIRf7r+J5PdkEHHjx+PiMpDhGfAAAAAEiKAAQAAJEQAAwAASIgABgAAkBABDAAAICECGAAAQEIEMAAAgIQIYAAAAAkRwAAAABIigAEAACREAAMAAEiIAAYAAJAQAQwAACAhAhgAAEBCBDAAAICECGAAAAAJEcAAAAASIoABAAAkRAADAABIiAAGAACQEAEMAAAgIZ+b7AYAAMBYpT95bffp280bWzfcX3qZT9vPnL3Ueed2RETcV9/0wMNfWdv4+dHvq0rbYXYTwAAAmKY+az98+nbZJfq6399/sCt/mdu9XbcPdn1Q3/TMziebKt5TtbYDpiACADAdfda+Z+8HvWUX6X7/u4WpaVBv19t7PumrcFfV2g4YAQMAYPpJf3rg8HsXyqev+PTAwa6Bf9Y3PbPpyaaaiIi+7k9OfHT6Qm9E7+n9Zxd+Z8WIcwirtR2IMAIGAMC08lnX2fdf2z1i+orovnYh84/6Vd/bOZCaIqK28aEtOzcujYiI220fdxVfeQK2AxEhgAEAMH181r5n79ttmdmA9z7x0o4n6ksu2td3JzKLbXqoduiH9295OvPcVtfl7hF2Wa3tQIYABgDANHNf88bv7Xl2bU25ZVKZ4FS/aEnRxWrm3BcRET19n5XfV7W2AxmeAQMAYNqoa1r1zKaHmspGr1G53dcfUYXHt6q1HWY8AQwAgOni800rHhrdGr39qYhhUwcj0v3l69dP1HaY9UxBBABgBmr68sDTWW8f+XTYh5+1f1Rp1YxqbQcyBDAAAGaixoWZEoXR+d5rRz7pSg/8uC/96YERXyA2EduBiDAFEQCAGer+R9bde6HtTkTc7jz9dufpwk/vva/+zu2K4lO1tgMRRsAAAJipalc8+7119xb75N4nXvraA4lvB8IIGAAAM1jtime/t+jTE4fPXugdeJ3Xfc0rtm64vzY+PdAbEXFf7ZwktwMCGAAAM1ltzf1bdt6/ZchP0+meiIhoqK20dny1tsMsZwoiAACzTt/Vq7cjIpqWNE6J7TB7GAEDAGAmSn/y2u7TtyPuW7fjOys+P+Sj/W13IiKaFzYlth2ICCNgAADMTDU1DRERcbvtVwe6P+sb+Olnfd3vZwJVRCz98v3JbQciwggYAAAzVK58/J0LB/deGP5588YthfMG+86+9d22OxGx9OnX8z4a9XagDCNgAADMTLUrnn2muWj5+LiveeP3NlQ6bFWt7UAYAQMAYAZr2vDs9778yYmPrmbLx8d99U2PbfpKU83oihZWazsggAEAME19fu3O19eOtFBt40NbGh8aWj6+6JIrnm1dUYXtQBmmIAIAACREAAMAAEiIAAYAAJAQAQwAACAhAhgAAEBCBDAAAJjVtu18dbKbMIsIYAAAs8IH7/yjfjalfPDOP052E2YLAQwAYBaRwRhi285Xpa8keREzAMBskelnP/HU32T+s3XP65PaHCaZND4pBDAAgNklF8P0v2c5A1+TQgADAJiNdL5hUngGDAAAICFGwIa6devWZDcBAJgeaiIioqenZ5LbAbPGf4iIad5jF8CGmjt37mQ3AQCYHv7tYkREQ0PDZDcEZot/vx4xxXrs165dG9XypiACAAAkRAADAABIiCmIU91/+9f/MtlNgFnkr//sP092EwCAmcwI2JQmfUHC/NIBABPKCNg08NAX1092E2BW+OQPRye7CQDADGcEDAAAICECGAAAQEIEMAAAgIQIYAAAAAkRwAAAABIigAEAACREAAMAAEiIAAYAAJAQAQwAACAhAhgAAEBCBDAAAICECGAAAAAJEcAAAAASIoABAAAkRAADAABIiAAGAACQEAEMAAAgIQIYAABAQgQwAACAhAhgAAAACRHAAAAAEiKAAQAAJEQAAwAASMjnJrsBTLLN67852U2A0Tl09BeT3QQAgDESwGavTPTa89buyW4IjE7urwaSGAAw7Qhgs5HoxbSWuXV3PvvSZDcEAGDUPAM2S0lfTHd73tptAi0AMO0IYLPO5vXflL6YMWQwAGB6EcCA6cqfEgCAaUcAAwAASIgiHACJev2fPpzsJsDs8upfPjbZTQAYZAQMIDnSFyTP7x0wpRgBA0jaN5f85WQ3AWaLX1z+p8luAkABI2AAAAAJMQJGob5ze167Eg11dfU1X25qbFw8p+zS/ekr3We60qneVG/9qj1PLUyqhSd7I+off2Hn6vLNAwCAqUUAY7hUb0+qtyc6L15Z950dK2pLL3jlN7t/dnng3/WJNA0AAKYzUxApI9V1pb/Mx91dl8t8CgAADCGAUVx9Q11E9HZ2p0sucu13FyOirr4hsUYBAMD0JoBRXF3z4vqI6Llyta/EEle6OyPiwcVNCbYKAACmNQGMEmobmxqizCzEzPzD5qbGRFsFAADTmSIclDJnUXNdW0+qt7M7vXp5zdBPM/MPl3x5cfS1DV/32pFnD3WWKFSYPrV394z24t8AACAASURBVLFUxJKn3/pqQXrru3b25Omui6ne7A/qG5Y0rfurFSNUYsy68uudmYogDUuefrn8luvqH1z88JrljSXqi6SvnDvTdqWzJ5VdeNWmpxZGqWaPfvujXn6o/rM/eKOtJ+LBzXueWpi+cu5M28nOntymVm16amFNkQOJ+gfXlNzLaE9R37WrQy9WXV3zqpWrFxbeKvl3QnSf+s1HnZd7M01tqGsusnzu9ojmb+/esLjCEwIAMG0IYJRUs3hx/bFUb8+Vq33Lh9ZCHJh/2NgYUWqK4qikr/x6sKBiVm/P5d6fXW4bHqiGu/LrPSXSV65DnyfVezF18OKV5sc3bhiaD7PZpmDhQ7svLln3YImWl9z+yfoHN+8cVpp/tMuXle5+59DBi0Va+/RbX4139h68WLCj3osnDxarbDnKJvV3v/PekC1HRG9PqrfnUGdnqYvVfeQHuZQYERE9qc5yywMAzEwCGKXVNjY1nOztSXVd6V9RGFQy8w/r64YNjI1N37nDA/FpzdNbcqMu/d2n3jt4LBU9lw++01juJWN95/b87HJvlE1fDUue3vJXjbVzIiLdd+3MgUOdPanOY29EbcEwS/c7A+mr/sHN2XGkTN643FaQc4Zuv2Bwqa+/++R7By+mei8e2hMFAWa0y4/g4smDRZqairh88Aep6EnVP7hm05rlNbV5JzNSbQfOLXp5cEhz9IcwkL7y9hvRd+3IgUOdPVHqYvUeO9kbdc2Pb1y5ek5NRPRdO3vgUFtPRM/lj079VaP3uQEAs4ZnwChjzqLmorUQB+ofNlU4OXAk6StXeiMiljz9cv6ctzmNq3c8nRl3utjdXWrl7HuZi8w8jGtnBtLXmpde/momfUVETe3CDS+/sK4hIqLzZ7/uztvURxcjMvPlctEi5jQ+teOlx+uK7vpwZvsPbt75VF7LawdX6b14+mzfWJevwLCmrmrO/LMnldlLTW32o9zJ7EkPXs1RNyl7Sh/cnLffiNqFG17ePLDr3nTRypnN396xIZO+IqJ24YrsJRhyd9Ws3rHnrd173jL/EACYmQQwyqlZXKwWYmb+YcPiRZU+s1ShVN+w7NH41O49b+3eM/yxq4xy6SvSp053RkTUrdsy/Bm2OSu2rKmPiLj80amBKiO5HPjwsAGZmtXZYJO//VxuLDZmVbN647qGiEi1nbw2tuUrMLypC788MFWybt2aoXupqcvEyMHzPOomZS59sY1H1NRmXkjQUyyANaxZOTRQzamtL708AMAMJYBRVm1NXcSQWogD8w+bG6s0ATFqageCQdtre/e8c667r9zbnweluo9k0lcUf44onRqoolFbNCgOHFr0pjL9//6rnZmxncZiYS8XbHLKLx+DAWNgRGi0y1egoab0JShy1NnznDP6Ji3+6p63du95a+hTZAULF1VfpKnZQAgAMIt4BozyFn75wei8GHm1EPv7eqOK8w8jIhZ/9ekHUwcvpnK1HyKyVfIWL6wpMc7We/FktgRf0eeIMu0sk1JqahsiejLpYmFNpPsyT3+VeLCtpq4uIr/yxMDycfHQzmKPhw3qSacjaka9fAWKpZrRGHeT+vrTkU7fib6u7q7ebHnDoi2t1uOCAADTnADGCBqblsTFy5GrhdjX3dVT/fmHjU/teKmpoGb6QJW8YxENS9aVKkbfsKS+53JvRO+x33SvLjFNsWRKmVNbH1E6M1BK+sqvD7eVi1sAAJQigDGSxY3NcbkzBmohZp4aquL8w5yaxcs3LF6+YeAdU3kjKj2X2352uW/4W6Ea1rz08vI4ldp9LBVRulLiwADXcNkhsiGLp9IRoxnce3BzuQqN418+AaNo0tAy/fUNdXX1dbV1jYsWL0yffOlg+ZE0AIBZTwBjRNlZiKl0RFztTI1z/mH20aySamoXrnhq4Yr4al7x9OhsO7dycUEtjYEQuHrjus432noiLh460pQf0rIDXCVn9GUn4A0MkWVnJFba7CEzGEc02uUTMOompU+9N6xMf96nE9BEAIAZRhEORtbYtCQi4mJ395XRzT/M1rfIN3zcqf/sD17a+exLO98ZXv2vRPH0wmWy9QwLa8oP1ni4/LsrxdYbKOiXezxpoOZ+iZL3mcr7BfvNFvErLBE5KHtcPziXHsvyCRhtk7JFOxrWDE9fxU4RAABDCWBUYHFjc0TE5Y/arvRGJbUfshXJhxf0u/KbtqGjTLnkU/QVWCPW0oioXb5p4D1dlw/mpbhc7fjOtuGRpv9s2+WIyK/kPlBzP68wfU62on2BxjWZ4JdqO1AsMmWPtHndwMDdaJdPQBWbVPQUAQAwhABGJQaKsPf2pCKiuWnE54Wymarn5O4fnOseiFX93ad+vednl4cvnU1KqbbX9h650p/3muBruSeOymeA7BurhqS4hSsfzzXj17nq9um+a0eym61//K8GS3dkg1zvsTf2vHMt24z+7nf27j5WbNpkLvj1nNz9g1+fHazU3999au/OzJHmv/9qtMsnYHRNGryshwfPT+Z8vpR3ioq8z61y6VN7dz770s5nXzpSdNwSAGCa8wwYFckrwr7kyxUkhJrco1k9Jw++dnLwg4Y1TzdfOTg0zyzc8J01qddO9kaq82dvDB9IqX/8haEVOIaas2LdkrafXc4M5ix6eSCt1aze8VLs3X0sFT2XD742JPvVNT++cUNh8fqa1RufTr1x8GL0Xjy0O39CXcOSdc2ptmExLH/7bT+73Dbk44Y1L71ckBtHu3wCRtWkmtWrmjsPdfYMOz8R9Q+uebguc2VTfXciqvySbgCAGUIAoyI1ixfXH0v1RpmX9g4xZ8XLL9Se+s1Hndlihg11zes2blg8J32q2NBG7fKdbzV2n/rNR52p3lwl+oa6+vpVm9aUfBVYgcVfffrBywcvRvScPHyqcWduYuHqHXsWXzt78nTXxVT26bO6+gdLbXZO41O7Cwvi19U/uGrTUwvj1N6h4WTI9ntTucrs9Q1LmkqUzh/t8gkYTZMWbnj5hS/nX9aoq39w8cNrGhtr50TUNB871BnR2XVtw+IpVukRAGBquOfu3buT3YYp5Pjx448++uhkt2LQf/vX/xIRD31xfRW3uXn9N/e8tbuKG5wlut956eDFyRmkooydz7506OgvqrW1T/5wNCL++s/+c7U2ONzr//RhRHxzyV9O3C6AfL+4/E8R8epfPjZB2/+3o89HxJ+sen6Ctg8M8e+nfxIRf7r+J5PdkEHHjx+PiMpDhBEwGDAQsWLJ028Nf6dzthbIyAVIYDJt27BpspsAY9F65PBkNwEgIQIYDMg+53b5d1e+2jjkkbO+7q5M0Y46+Yupa9uGTd/fN4X+IgiVy/ztQAwDZgMBDAbknnPr/Nne+PbGDQOPP/Wnr/zm8M8u90bk16yHKSXTeZW+mL4yd++2DZtkMGDGE8Agq3b5zm+n9/zscvFijA1Lnt4yfGoiTBXSFzPA9/f9RAYDZjzvAYM8i7+68zsvPP1gXX3D4M/qG5as+/YLL7381Ual1ZmSzDxkJslksMluBcAEMgIGhWrnND61w0gXAAATwQgYAABAQgQwAACAhAhgAAAACRHAAAAAEiKAAQAAJEQVRIDZpT/dfe2jk1dTvame7I8a6uvq/nzFw4sW1NQUXyd99qe7TqQi6h77+79dWWKZrOuHn3/3UkTDI8+9uGKsby7vPrr9QFdluwOA6UUAA5g10t1Hf3mgq2fYz3t6Uz297146EQ3Nq7+x8SsiDwBMGFMQAWaHq+/9dFex9JWvp/PUrud/eiadUJMAYPYxAgYwC1x97x9+3pn9j/q6BwonHKbT1393+uyHnamIiEh9+MOjtT9Zv2gy2gkAM50ABjDjdR/Npa+GR77+jRULhkwyrKlZsHLjgpWrrh/+4buXIiK6fv5GzSsvmIsIAFVnCiLADNd/5mRX5l8Njzz34rD0NahmwaaffP2BzL97T33UnUTjAGCWMQIGMLOlr13ujYiI+tXfGLks4YJNW5ouHeiKiEtXrm9qXFB+6dzMxobmr7+4cYSFcwUYL/Wmsj+pa6ivXbJm+crG0g1LXz9z+uzlzoGajQ31TWWWT3d/XLD9zGTL4Zkz/fGPfniqJ+KBLd/f1Nh/9ey59hPZp+Pq6x5Y87VNA9vvv3r2XPtvu3p6B1r7wCPFtjbmQ5vYJlV8NkZ7CPk1KqOSq9N/5o03P+yNiKZvmdoKIIABzGzpq1czneMH1lQ2pbCx8YHouhQRnd1XNy4o012++t5PR5G+0tcPH3r3Uu+Qn6Z6elM9B7oul9hC6urR7Se68n/S09vVc6DrcpEa97lefp7e1KXedy/9tumxzeuLl7Pvu374QGbWZd4qB9681Pz1fRvj8BtDGpy6dOLdS79dPXRy5pgOraSqNKnM2ThR98CWv93UWPjR2A7h6tEfnSgo6zJwdUZ7yACziwAGMKP13ckMaNTVVfpE14Km5rjUGRF9felYVPrNYD/vTEXFY19nBvr3dQ9syQ3mDJbF7+l89/Di7w9NBZG6dCIV9U2PZQdV0t0f//LAqZ6InhO/OrMo/xVhg3mjofnr31iVqS/Sn+4+98sDXT29XR/+MIqWFbl04t2CJuVySOe7P0pFT2/dA4987eEVc2oiIn39zKF3P+yN6D31y7ML8+Lf2A6tpOo0aeBsFIyPpdPXPzr07qXe1KUDP42CDDbGq/Nh5upsXr6ypvDqdJ49s2qBF7gBlCCAQWl95/a8drL3wc17nlo45JPud146eLGCLRRbtxLpU3t3H0tFLHn6ra9W3HGDIvr7BiaU1dZW3CGuvbcuIhWRSqUjiq2VfS9zhekrovtcJh0NGXupaVz/4pbYfqArIlJ9/VFktl7Tt14YDE41jV958e/jRz881ROpy1f7V+YiR3b7hW9/nlPTuP7Fv6/50Q9P9UTXz99r3FekqYXveq5ZsGnNwAzMnt7C1tYsWPnC11PPv3spoudOf8TQXY/+0EoZb5PSZ39VvEk1Cza98FzdG29+2Ju6dPLjhxuzg2YTfXVizsoXvr+y4uMHmOkU4YBS+s8eODl0Rk4y+s4dPpYaeTGYFKNOXxFXr3RFRNSvfnj43xNqahoiYiBCDNXwyPKhw1Y1NXVDl89WGSn6kFvNV77xSF1EROfZIu83a14xdKCmsXGgDEmR1s6pq4+IiFQ6t6UxH1pJ421S/+9+m4qIaP56sWG3OSs3r26IgiIrE3x1ABjCCBgU1X/2B2+0lX9l7cTterKCH4wodfXohycG+veVP+ezaOP3920s8VlNTV1Eqd+1utrhoy5z6uojCn5F+lOZ/6yrKTrIV1NbW2pAr+He0gNTRbY2p7ZuyK7HfmiljLdJ2ZorDywucXWyrcoNak3w1QFgCAEMhum7duTAoc6y3abGp3bvearUh9eOPHuoMyIa1rw0+vmH3e9MVvBjZsp10Ms90DVE6cfGUpdOZAdnx/GcTzrdH+n+vkh3XbmayhbQK6ay59bS6UybSkaXmpqGwsgxuIMiEWJcKj60ksbbpHQ6s9NLB/7hUtkFCyZSFmygqlcHgKEEMMjX333qNx8duzyev992v3OoMyKibt2W5aPunlz59cGLEQ1r1tWfbKvkGTMY0YgPdA1zvWvgrc3FHxtraK7r6UxFpD48fX3lKIrd9V9971ftY8okFSoZXcY0EjUaE35oE28GHALAdCGAQU7+tMO6dd/ZGAdGPxiVSVAR9Y9vXFE72gZcO/Kzy5nkVnvy5GhXhuJqFi1qOJHqiSiou1BGd/fAyElz4/CygQ2PPPfiijiTevPD3ojK6/tlX3KVVddQX1tXV1O3eOGXG/s/ev7d8mM1FSpZ6yI7RDYhEjm0MXhgS8WlF6fqIQDMUAIYDFX/4OZNTy2sif6zo141k6AiGtZsWj3aaUT9Z39wqDOi+ds7VtRG98jLQ4VqFi6pP9VTpFh5UdcPHxh471axh4jqliyaExErN6++/MNTPRGXDhxtGvnVuv1nDmX69wVVznOfVnogpWQHuErNqcvNyqv6hMMJP7QxKD3fsoSpdwgAM5wqiDCotnnN09/ZvfOphWN7smE8kw/Tp95r64l4cPOGxWPaN5Q2Z+Wapsy/ek68+aOz14fXAhyQvn44N9xRtCZeTq60YHT9/L3rI+w/Wxai4ZHh/fu8Abexy1YC7Oy+WuzjgSp/E/HM0oQf2ujl6hD+9lrxC53++EfP/8P25//hR2f7I6bkIQDMcAIY5MxpXL28cdTzBrP6zn2UeWrrwVWjnnw4UHd+ydNjemkYjKRx/SsDeSl6Try7642fHj57PZ3XPU+nr59576fbf5ibbFb32OYRJivWrPjaYwOx593DYx+yzVaQH5dcwuxqPztsxCb9cXvmkbbh5d0nVlUObQwWPJy51r2nfjn8bERcPZ0Z72paO8JYaEzeIQDMbKYgQnV0n8zUjq9bt2a0IerakddO9kY0f9s7l5kwNSv+9lt3fvrzzlRERG/qUu+7l06UWrbwRcAlzRmciFj+6bLsHMieE786XJsbZulPd5/75YGuwUePUul0LBhjRGpc/lh914e90XPizR/d+fo3Vi2oqRmyi7rHVlVeL6RiCRzaGBq14muP/fbN7NlYvXbVVwaqX6avnzn0bvaN1dlXeCVxCP1n3njzw96IaPrWyBNWAWY8AQyq4trvxjr8lZm4WP/4CyYfMrEWbfzbVxYfLehVD9PQvPobGyso1JFR85W1zad+3jni02VzVq5punygqydSlw68WTilre6BR1bU/fbdD3sjetN9FZZpLLqLF56LN978sDd6Ot/d1Vn4YX3TY5vXT8zwVwKHNqZWDZ6NUz/vPDXk44ZHnsu7WFPzEABmMAEMqiB96vTAJKemUQ5/ZevOj75oB4xeTeP6F3+yPt398UeFr3hqqK+r+/MVDy9aUPxNxqUt2vj1BzrfvRTRc+JXZxaVHjdrXP/i3zeeOX32cm6n9XUP5PZY2/Thga6Irq7u9YvGPgw8Z+UL3/9y98cfnbx6qTdb9bC+7oE1X3u4cc4EJockDm0MBs9Gqjd3oesamhcNDohN9UMAmKnuuXv37mS3YQo5fvz4o48+OtmtGPTf/vW/RMRDX1xfxW1uXv/NPW/truIGZ65sVfoHN+8Z4dGs7JINa156eTTlN/rO7XntZG/UrfvOjiHjZt3vvHTwYkQsefot8xLL2fnsS4eO/qJaW/vkD0cj4q//7D9Xa4PDvf5PH0bEN5f8ZRW3uW3Dpu/v+0kVNwiT6x+2P9965HC1tvaLy/8UEa/+5WPV2uAQ/3b0+Yj4k1XPT9D2gSH+/fRPIuJP10+h//EdP348IioPEUbAYNz6ujNzuuqbG0f1d/b0lSu9ERGpttdeaiu+yOWDz16OqCQEAgAwDaiCCOOVzVF1TYtNIwQAoBwBDMYrnUpFRDQsXjTmEvYAAMwOpiDCOGXrH9aPtnxB1KzesWd18Y88AwYAMCMZAYPx6Utn6q3V16nQDADACIyAwfjcSfdGRERd7QgPgKVP7d19LBURzd/e7ZVfAACzkxEwGJd0X2YArK723kluCQAAU58ABlVRV6sCBwAAIzEFEUqZs+Ll3StGWqhMIY0xLxkRjU/t3vNUpQsDADBdGAEDAABIiAAGAACQEAEMAAAgIQIYAABAQgQwAACAhAhgAAAACRHAZqOdz7402U2AKtj57EuHjv5islsBADAK0+g9YBfefHzXueWvHHtuafGPiqxSfOlZ7tDRX2xe/83JbgWMl78jAADT0bQJYBfeLBqxIiKi549/SLAlM0Aug+15a/dktwXGIpO+DH8BANPOtAhgPRfefKZ0/Iq4/cdbYbhrdDI9V0NhTFOiFwAwTU31ANZz4f2jRw6du1VumQsd5yJi7hfuS6hNM4heLAAAJGlKB7Ce97c/c+hWRMxd/sqLLR0lRsEyExDn/sV/aki0cQBMO+mzP911IvXAlu9vaiyzVP/Vs+faf9vV05v5z7qG5kVrV31lUU0le7h++Pl3L1Ww3EhtAGCmmtIBLCJi7vLNG9Y/ubQhLnSUWOL2H29FzP2LL9x+/80fDYyVzZ27fMOLzy2VyAAYlP74lydSIy7zox+e6in4UaqnM/XzzqsPbPlbkQmAcZvSZegbntx3bN9zT5YPUpkBsFuHdu0anKl469a5Xc88/uaFCW8hANNEkWQ1qmVSlw789Ey6+u0CYJaZ8iNgI8pU4MhMU8wMevX0vH/0R4fO3Tq3a/sX3t73ZLH4dvz48VLbu3Wr7ANnk6G3d4QuA1BFCXwJ9PZU+Ze6P91f3Q3ONP/379v/z//6r33Z//wf/1/RM/b/dBzIpq+aP/s/nlj7pf8ts/J/7zj/L+eu9UekPvzw//ry4/+x7K7mPPzycw+X+vD37bv+679GRO1Xnnq41lUro+q/IxP3e52ZmdpT7QYDpfyHiJiSPfbKTfsANlCCfvkr+3IlEBsannxu3xfi8V3nbv3zv/Q8WSyBPfroo0W3dvz48blz505QU8fgd/8aEVFfbzIlJOHGHyIiJvZL4I/dEVHfUOVf6jk1c6q7wRkkff3M6bMfdhbMPPyf/9diZyx97feZAa7mr7+yccHgA19z5jzxZ//xf3njzQ97I/7f/xFz5lT0LFgR1w//IPOlvvpbj//vY93ILFHN35G+/x4T+Xv9bxcjIhqq/UsNlPLv1yMm+n/Wo3Tt2rVRLT/tA1jDk/uOPVnk50tblse50gkMgJkvf0ph/epXNscvS89CTF+92hMR0fSt/PQ1YM7KF76/cnxtufpepjhH3WObvyJ9Acxi0z6AlXTfF+ZG3Lr1x9sRAhjAbFb3wJavbWqcE+mPSy/T/7vfpiIimhsXTUQTuo/+vDMiouGRr60UvwBmtZkbwDK8HQxgFqtZ8sjXv7Fi+IjWcP2p3oiIhnvnREQ6ff2jQ2cv9WYmLtY1NK/4xqoFNWMPTtcPH+iKiKhf/Y0VZosCzHJTugpiBXre3/74448XK3iYKc7xxS8Y/gKYrWoWrKwofUWk0wNhq3bO1fd+uuuH72bTV0Skejrf3fXDsZdATJ89m3kz2ANrTD4EYLoHsIYvfDEi4lzHkATW8/6RcxGxvGXp8HUAoLjUyZ/+vLPou8JSH44xg13/KPPysfrVD3uNGADTfwri0vWb5547dOvcru2RK0N/4c0f7Tp3K2Lu5vXyFwCV6+lNRURD89dzcw7T3R9/dPLUpd6ISH14+vrKjQtGt8XubsNfAOSZ9gEsGp58cfM/P3Po1q1zu545l//B8ldeVP8QgFFqeOS5F/Oe1Kpp/MqmxoV1mTL0nd1XNy4YTZWO/jMnuyIioqnJ8BcAEdN/CmJEphL9268sH3wbwNy5y195+1hmOAwARqFpbZE6GXNWrmmKiIiuru7RbCx97XKmtscjyyekuCIA08/0GQFb+tyxY8+V/LRh6XP7lpb+GAAqUaoMfU1NQ0Spd4iVkn23WN2SRYofApAxE0bAAGB8amrqMv9Ipcda7HC47LvF6hd92eNfAAwQwAAgFjQ1R0REb7qv2Me5say6UUSp7LvF/nyh/AVAlgAGABG192bGwLp+/t71YR9mS8lHbW3lWSpb/7Cu1vxDAHIEMACIqFmx4oHMvzrf3f7Gx1ezMxHT3R8ffuPdTJQaVS2NdF9mLG1Ug2YAzHjTpwgHAEykBZu2NF060BUR0Xvq5z88NWyBIQUS+89katNH07d+sn54MOu7M/pBMwBmPiNgAJDRuP6VLU3FX2FS3/Stvy+Sskrr78vkr/qa2iq0DIAZwwgYAGTVNK5/8e8bz5w+e7kzNVB0vr7ugT9f8fCKBWMcx6qrMQAGQB4BDIBZouYrL/7kKxUstmDlxgUrN4643JyVL3x/5Rg/BWDWMgURAAAgIQIYAABAQgQwAACAhAhgAAAACRHAAAAAEiKAAQAAJEQAA5jeWo8c/oftz092K6A6/mH7861HDk92KwAmkAAGAEwJ/pQAzAZexAww7bUeObxtw6aI+P6+n0x2W2CMjH0Bs4QABjATZDKYAQSmL+kLmCUEMIAZQv8VAKY+z4ABAAAkRAADAABIiAAGAACQEAEMAAAgIQIYAABAQgQwAACAhAhgAAAACRHAAAAAEiKAAQAAJEQAAwAASIgABgAAkBABDAAAICECGAAAQEIEMAAAgIQIYAAAAAkRwAAAABIigAEAACREAAMAAEiIAAYAAJAQAQwAACAhAhgAAEBCBDAAAICECGAAAAAJEcAAAAASIoABAAAkRAADAABIiAAGAACQEAEMAAAgIQIYAABAQgQwAACAhAhgAAAACRHAAAAAEiKAAQAAJEQAAwAASIgABgAAkBABDAAAICECGAAAQEIEMAAAgIQIYAAAAAkRwAAAABIigAEAACREAAMAAEiIAAYAAJAQAQwAACAhAhgAAEBCBDAAAICECGAAAAAJEcAAAAASIoABAAAkRAADAABIiAAGAACQEAEMAAAgIQIYAABAQgQwAACAhAhgAAAACRHAAAAAEiKAAQAAJEQAAwAASIgABgAAkBABDAAAICECGAAAQEIEMAAAgIQIYAAAAAkRwAAAABIigAEAACREAAMAAEiIAAYAAJAQAQwAACAhAhgAAEBCBDAAAICECGAAAAAJEcAAAAASIoABAAAkRAADAABIiAAGAACQEAEMAAAgIQIYAABAQgQwAACAhAhgAAAACRHAAAAAEiKAAQAAJEQAAwAASIgABgAAkBABDAAAICECGAAAQEIEMAAAgIQIYAAAAAkRwAAAABLyucluwJRz69atyW7CUL29PZPdBJhFEvgS6O3xSw2Jmrjf65qIiOjxSw1J+Q8RMSV77JUTwIaaO3fuZDdh0O/+NSKivr5hshsCs8KNP0RM9JfAH7sjor7BLzUkpe+/x0T+Xv/bxYiIBr/UkJR/vx4xxXrs165dG9XypiACAAAkRAADAABIiAAGAACQEAEMAAAg5ig4eQAAIABJREFUIQIYAABAQgQwAACAhAhgAAAACRHAAAAAEiKAAQAAJEQAAwAASIgABgAAkBABDAAAICECGAAAQEIEMAAAgIQIYAAAAAkRwAAAABIigAEAACREAAMAAEiIAAYAAJAQAQwAACAhAhgAAEBCPlf1Ld68ebP0h/Pmzav6DgEAAKaHKgWwm+37fvz6jv0dIy23te1u69rq7BIAAGCaqUoAa982f93+amwIAABgBqtCALu57/WB9NWydev6BU986Uull50/f/z7AwAAmJ7GH8BunjjaEWF2IQAAwAjGXwXxxvWOiGjZ+3fSFwAAQDnVKkPf+CXlDQEAAMoafwCbv6AlIrp/X6b4PAAAANUIYPMeWd8S0XH0hAQGAABQThWmIM7b/s7elujY8dS2dhkMAACgpCpUQdy37cfXG1uio2P/uvn7o6Vla2NjyYUX/F3rdg+LAQAAs9P4A9iN6/v3572FuaNjf0dHyYW3PtEaAhgAADA7VasKIgAAACMY/wjY2ta7d1ur0BIAAIAZzggYAABAQgQwAACAhIx/CuIQN2+WqkV/48SPX48nzm9fW+1dAgAATAtVCmA32/f9+PUd+0uXPxyw9Ynq7A8AAGD6qUoAa982f93+kReLaFlQjd0BAABMS1UIYDf3vZ5NX5m3MHd37+/oKPh3RLRsbXunda13gAEAALPX+Itw3DxxNJOw9t64e/58a2tr6zvrWyKio/GJ1tbW8+fv3r2xtyWiY//rJ0o9HQYAADAbjD+A3bjeEREte9/Znh3emvfI+paI6P79QOCat/1829aIjh0/bh/33gAAAKatapWhb/xS3uzCeV9qjIiO6zdyP1n7xNaI2P+BBAYAAMxeE/kesNwQWGQTWP5PAAAAZpnxB7D5CwrmG+b9LH8ILGP4TwAAAGaN8QewgfmGR/NLbGR+lp/Kbv6+e9x7AgAAmNaqMAVx7d/tbYno2DF/2bZ97QOJa2AILJfK2n+8oyMiWhbMH//+AAAApqdqPAM2b/urWyMiOvbvWDd/W3vejzp2zL/nnmXL7rkn857mlvWPeBEYAAAwa1WnCMfa1rs39m5tKfjR37Vtzfwr8yLmwkr1AAAAs0/VqiDO2956/u7dG21/l51kOG9t640bbVtbWlpaWlq27m27cV78AgAAZrXPVXdz89bmh6x589a2nl9b3T0AAABMVxP0HrCbN73wCwAAoFA1A9jN9n3bli2755577rln/vyBahzt2+7JK44IAAAwi1UrgN1s37Zs/rod+7MVN/J07N+xbv6yTB4DAACYvaoTwNq3zV+3vyMiomXr1oJyiPMXtLRERHTsX7dsn3EwAABgNqtGAGvflnnN19a2G3fPt7Zuf6Jx8LN528+fv9G2tSUiOnb82CgYAAAwi1UhgLV/sD8iWvbeaF1bvM78vLWt7+xtiYj9H0hgAADA7DX+AHbz990R0bL+kXJv+Zr3yHoJDAAAmOXGH8BuXO+IiMYvlX/L8rwvNZb9HAAAYMaboPeAAQAAMNT4A9j8BZVMLhx4UGzB/HHvDwDg/2/v/l0bO/cHj38Mge1vcYs4hhFIUwzDdouJzBQq5YRhCjNFFpxOxiyL7GLSOOW4ycDaYgsjwRYxbIrBRTATu9hC7A5WMBe2uEyGS6SLBhwFvn/Al8tW3kLyb9mWbfnxr9eruRnp+OgU95H01nPOcwDuqKsH2CCXd7Uqr2sR55+oCAAAcI8N4RTEvQKbnJjZ7HOnr9bmzERurhER+eVXxau/HAAAwB01jGvAsuXuKvON2mRuZGRi4vWHiIgPr2dmJiZGRvZv0bz8Y9n8FwAA8IB9NpS9ZMtbzZj5dq7WiGg0GhER0Wh0wysiIvLLzS35BQAAPGxDWwUxW65uNZsby6V8Pn/waD6fLy1vNHfVFwAAwHBmwHqy2WK5WiwPc5cAAAD3hvuAAQAAJCLAAAAAErnoKYitzZk3P1/+5Z68qroaDAAAeKAufA3Y7x9qh1Y3vKjSi2oIMAAA4GG6aIBlHz+N6AbYkeUOAQAAOMeFZ8ByT/K9Ams0orT8/auvillzWgAAAOe78CIc2fJWs7lRyucjolGbm8zlRkZGJmYqm63WNRweAADA/XGZVRCz2WJ1a2t3d7e5sVzKRxyU2MTETGVTiAEAAPRzpWXos8VydT/E8hHRaNTmJnMjSgwAAOCkodwHLFssV7e2dnebB1NiSgwAAOCYod6IOXtiSuxQic1UlBgAAPCgDTXA9p2cEotGbW5uMjezeS2vBwAAcAdcT4DtyUbEk6duFwYAABCXuA/YQFqtzV/evJ6rNY48ms+XXuSu5fUAAADugOEGWGuz8ub121rjSHjl86WX378qF92uGQAAeNiGEmB9J7x0FwAAwBFXCrB+E166CwAAoL/LBFi/CS/dBQAAcI4LB1irMpGb208v3QUAADCoCwdY8+NefeVLpacR8fHnNzM/D/rXT15Vy2INAAB4mC4aYK3fP+z9Z6N2bJn5AZReVEOAAQAAD9NFb8R8MAEGAADAhVx0BqxY3d2tXsuRAAAA3HMXnQEDAADgkgQYAABAIgIMAAAgEQEGAACQiAADAABIRIABAAAkIsAAAAASEWAAAACJCDAAAIBErinAWq3W9ewYAADgzhpmgLU2KzMTEyMjIyMjuVxuZjMiYnNmZGKmsinHAAAAhhVgrc2ZidzkXK3ROPFUozY3mZvo9hgAAMDDNZwA25zJTdYaERH5Umm5lD94Jvckn4+IaNQmJyrmwQAAgIdsGAG2OTNZi4gobTR3t6rV8ounB89ly1tbzY1SPiIac2/MggEAAA/YEAJs8+daROSXm9Vitu8G2WL1x+V8RNR+VmAAAMDDdfUAa/3+ISLyL7/qX19d2a9eKjAAAOCBu3qANT82IuLp47P6KyL7+OmZzwMAANx7bsQMAACQyNUDLPdkkJMLexeKPcld+fUAAADuqKsH2CCXd7Uqr2sR55+oeKbtpefPny9tn/JsZ22pXH7eU15a2+5c/pUAAACuwxBOQdwrsMmJmc0+d/pqbc5M5OYaEZFfflW89KtsLy3Wz3jy+exqvd3e+3e7vro4e2qrAQAA3IhhXAOWLXdXmW/UJnMjIxMTrz9ERHx4PTMzMTEysn+L5uUfy5ec/+psLz0/M78W6xGRmV5YWV9fX19fWZjORER9sbxmGgwAALg9hrMIR7a81Vwu5SMiotFoNLr/W6t1/ysi8svNrUvlV2d7bak8e0Z9RWftp3pEFBYqU+OjERExOj5VWShERPv9rwoMAAC4NYa2CmK2XN1qNjeWS/l8/uDRfD5fWt5o7l6yvtbKs4ur9XZkCgsrC4X+2/z6vh0Rhfz4kYfHX05nFBgAAHCrfDbMnWWzxXK1WB7mLiNTmP7m5dT4aGw3+j7/x06//ooYHXsU0W7v/BExOtQDAgAAuKShBtiwjU5V1qfO3qSz8ykiMmNfnHjmi7FMRPvTTifGFRgAAHAbXD3ANmdGJj+Ulr9/VS5eYY35xN69e3faU+2DxRRviz//dCIlpJPgTeDPjkENSV3fuP5rRER0DGpI5S8RcSu/sQ9uODNgjdrcZG0uIn/rQuyUcxC//vrrvpu/e/cuk8lc90EN7u//iIj4/HNzeJBC81NExPW+Cex8iIjPRw1qSOXf/hnXOa7//W8REaMGNaTyr48R1/1hfUG//fbbhba/+iIcuRel/WU3GrW57kr0M5V+twS7Af1OTgQAALgRVw+wbLG6tbW7210AsftQ4/aFGAAAwI0b3jL0xXI3xJob/UJss3U9ITY69ih6Jxoe010e8dGYcwIAAIBbYmgBtie7NyPW3Ni7NXM0GrXJXG5kZGKiMvQM+2IsExGfdo5f/Hr68ogAAAA3Y+gBtiebLZarW7u9cxO7jzUaH5vDfp3RL59lItqrb7ePPLz9drUdkXn2pQkwAADgtri2AIuIaG1WZia+nZyr9b+H8nB0Cyzqi+Wl7e40WGd7rbxYD/0FAADcLtdxI+ZWa/OXN6+PZlc+X/r+x1fF7DWsUD869d3CzuxivV1fnK0ferywUJnSXwAAwO0xzBmw1mZlZmJiZCSXO5j0yudLyxvN3d2treq11FdERIyOz68sTBcO7gaQKUyvrM+PX9PLAQAAXMowZsBam5XjE17XcE/m8fn19flTnx0dn5ofnzr9eQAAgBt39QDbnMlN1g7+OfTwAgAAuCeGdg1YvrT8/auvru80QwAAgLvu6gGWe7HRvJ7VNQAAAO6VqwdYtlgcwnEAAADcexcNsFZl5s3HiIgnr6rl7JFHBrH/VwAAAA/ORQOs+bFWq0VElF5UI3vkkUHs/xUAAMCDM8z7gAEAAHCGi86AFau7u9VzHgEAAKAPM2AAAACJXD3AWpWZmZmZSuv8rSYmJs7bDAAA4P66eoA1P9ZqtdrH5tlbZR9HrdFonLcZAADA/ZXqFMTW7x8SvRIAAMAtdYkbMW/OjEyeWHe+NjkywFr0+Se5i78eAADA/XCJGbBidaN0uRcrfe8uzAAAwMN1iRmwiOKrjVL83PvHhw+1RiPy+dLTp2f8yZMnL776qii/AACAB+xSARbZYrVa7P335kxtshFPvz94BAAAgD4uF2CH5Z6USqVwcRcAAMA5rh5g2XK1OoQDAQAAuO8uGmCtysybjxERT15Vuytq7D8yiP2/AgAAeHAuGmDNj7VaLSKi9KIa2SOPDGL/rwAAAB6cVDdiBgAAePAuOgNWrO7uVs95BAAAgD7MgAEAACQiwAAAABK5+jL0x7VardOfzGYtwQEAADxUQwqw1mblzeu5WuO87Uobu9XicF4SAADgjhlKgG3O5CYHXokeAADggRpCgLUqr3v1lS+VXj558fjx6dvmcld/PQAAgLvp6gHW+uVtI8LZhQAAAOe4+iqIzY+NiMgvv1JfAAAAZxnWMvRPH1veEAAA4ExXD7Dck3xEfPj9jMXnAQAAGEaAZb96mY9ovP1FgQEAAJxlCKcgZss/LuejMfftzKYGAwAAONUQVkGszLz5+DQfjUZtMleLfL709OmpGz95VS27WAwAAHiYrh5gzY+12qG7MDcatUbj1I1LL6ohwAAAgIdpWKsgAgAAcI6rz4AVq7u71SEcCQAAwD1nBgwAACARAQYAAJDI1U9BjGi1Blx+Ppu1AAcAAPBwXT3ANmdyk7XzNzskny+9/P5VuajGAACAB+UmTkFsNGpzk7mRiYr7NgMAAA/J1QMs92pjY2M5v/fPfKm0vLFnuVTK7z++vLGxsbG8XCrlu4815nIzm1d+eQAAgLvi6qcgZrPF5pvJRkTkl5tb5SPnFRaLxXK12tqcyU3WanM/v9itlovFKEfvoai9rrwqlp2KCAAAPAhDOAVxc2ay1q++9mWL1eZyPqI2uT/jlS1WN0oR0Xj7i/MQAQCAB+LqAdb6/UNE5F9+ddZEVvarl/mI+PD7QW7lnuQjovGxeeUjAAAAuBOuHmDNj42IePr47BMJs4+fxtHc6j4CAADwYAxrFcTDc1v9dOfJAAAAHrCrB1jxRSkiGnNvzlrRcPPNXCMiSi+KBw/9XIuI/JPclY8AAADgThjCDFi3wKI2OTGz2W8arLU5M9G9VfN+f+0/dM6lYwAAAPfI1ZehjyhWN0q1yVo0apO5WuTzpad7V3d9+PCh0Wj0/lHaqBYjYnNmpJtjob8AAIAHZRgBFlGsNjfi28laIyIajdp+c+3LL2/8WC4ee6y0cdrC9QAAAPfQsBbhyBarW7vN5sZyKZ/PHzycz5eWN5rN3a1ycS+1ck9KpeXljebuVrXYd1cAAAD303BmwHqy2WK5Wiyfs1G5Wh3miwIAANwRw5oBAwAA4BxDDbBWa7MyMzExMdIzMTExMVPZbJ19izAAAICHYWinILYqE7m5Y4tvNBqNaDQma3ORX25acAMAAHjghhNgR+orn88/7S5Ef7AKfWMuNxEaDAAAeNCGEWCtyrfd+uouNn8sslqblW8n5xrRmPu28pUEAwAAHq4hXAO2+WauEdE9y/B4fUVEtljeai7nI6Ix92bz6i8HAABwR109wFq/f4iI/PKPZ0xuZcs/Lucj4sPv1uMAAAAerKsHWPNjIyKePj773MLs46cR0fjYvPLrAQAA3FHuAwYAAJDI1QMs9yQfEbWfz768a/PnWkTkn+Su/HoAAAB31NUDrHtyYdReV06/vqtVeV2LOP9ERQAAgHtsCKcgFl/11jjMTcxsto5XWKu1OdO7SVh++VXx6i8HAABwRw3jPmDZ8o/Lb3NzjWjUJnO1iMjn891nerdhjojz1kkEAAC494YRYBHZ8lbz8cy3k7Vubx3uroiIyJc2fqz2uUcYAADAAzKcAIuIbLG6tfuqtfnLm5/ffviw9+jTpy9fvPqqmNVeAAAAQwuwiIjIZovlarE81H0CAADcE+4DBgAAkMiVA6zVOrHwYffxysTETOXkqogAAAAP1RUCrLU5MzEykst9+0ufyGr98rbRqM1N5nIjEzObKgwAAOCyAdbanJnI9RY9bHxsntzg0EON2mRu4oy7NAMAADwMlwqwzZm9+IrIlzZe5U5uUixv7e42N0p7NwSby81sXvYYAQAA7oVLBNjmzGSt+1/55ebuVvX0ReazxepWc7nXYLVJCQYAADxoFw6wVuX1fn79WD7//l7Z8o/7CfbaiYgAAMADdtEAa/3ytnfuYen7AfIrIiJb/r7U/a/G237rdQAAADwMFw2w5se9a7+e9Lny6xS5J3uXgvVbrwMAAOBhuPQy9E8fDzb/FRGRffz0si8DAABwb1z5RswAAAAM5qIBtn824YffB7+cq/X7h+5/XOS8RQAAgHvmogG2fzbhBRbUOFi44yLnLQIAANwzFz4FsfjioksaHvSXCTAAAOAhu/g1YAcFNvftAPf12pzJzV104XoAAID76BKLcBSrG/sJlpuY2Tw1wlqblZmJyd5tmyO//Kp4iQMEAAC4Lz67zB8Vq83lD92JrUZtMleLyJeWX754/Hhvg99//vltrdY49CeljS3TXwAAwMN2qQCLyJa3mjHz7dxeZDVqc43aKdvmS8s/VtUXAADw4F3+PmDZcnWrubFcyp++ST5f2mg2t9QXAABAXHoGrCdbLFeL5Wq0WpvN5u+///zxY0Q8efLi8eNcrpiVXQAAAIdcLcD2ZLPFbLZYtMgGAADA6S5/CiIAAAAXIsAAAAASEWAAAACJCDAAAIBEBBgAAEAiAgwAACARAQYAAJCIAAMAAEhEgAEAACQiwAAAABIRYAAAAIkIMAAAgEQEGAAAQCICDAAAIBEBBgAAkIgAAwAASOSzmz6AW6fdbt/0IRz355+dmz4EeEASvAn82TGoIanrG9d/jYiIjkENqfwlIm7lN/bBCbDjMpnMTR/Cgb//IyLi889Hb/pA4EFofoq47jeBnQ8R8fmoQQ2p/Ns/4zrH9b//LSJi1KCGVP71MeKWfWP/7bffLrS9UxABAAASEWAAAACJCDAAAIBEBBgAAEAiAgwAACARAQYAAJCIAAMAAEhEgAEAACQiwAAAABIRYAAAAIkIMAAAgEQEGAAAQCICDAAAIBEBBgAAkIgAAwAASESAAQAAJCLAAAAAEhFgAAAAiQgwAACARAQYAABAIgIMAAAgEQEGAACQiAADAABIRIABAAAkIsAAAAASEWAAAACJCDAAAIBEBBgAAEAiAgwAACARAQYAAJCIAAMAAEhEgAEAACQiwAAAABIRYAAAAIkIMAAAgEQEGAAAQCICDAAAIBEBBgAAkIgAAwAASESAAQAAJCLAAAAAEhFgAAAAiQgwAACARAQYAABAIgIMAAAgEQEGAACQiAADAABIRIABAAAkIsAAAAASEWAAAACJCDAAAIBEBBgAAEAiAgwAACARAQYAAJCIAAMAAEhEgAEAACQiwAAAABIRYAAAAIkIMAAAgEQEGAAAQCICDAAAIBEBBgAAkIgAAwAASESAAQAAJCLAAAAAEhFgAAAAiQgwAACARAQYAABAIgIMAAAgEQEGAACQiAADAABIRIABAAAkIsAAAAASEWAAAACJCDAAAIBEBBgAAEAiAgwAACARAQYAAJCIAAMAAEhEgAEAACQiwAAAABIRYAAAAIkIMAAAgEQEGAAAQCICDAAAIBEBBgAAkIgAAwAASESAAQAAJCLAAAAAEhFgAAAAiQgwAACARAQYAABAIgIMAAAgEQEGAACQiAADAABIRIABAAAkIsAAAAASEWAAAACJCDAAAIBEBBgAAEAiAgwAACARAQYAAJCIAAMAAEhEgAEAACQiwAAAABIRYAAAAIkIMAAAgEQEGAAAQCICDAAAIJHPbvoAhmJ76flivc/jhYX1+fHkRwMAANDXvZgB6+x8uulDAAAAONe9mAH7Y6cdprsAAIDb7j7MgG036hGRGfvipg8EAADgLPcgwLonIGaefTl600cCAABwlntwCuIfO+2IzLOxP9aWflittyMiMpnCN9/NjysyAADgNrn7M2DdCbD26uJir74iot2uL84+X9q+wcMCAAA47u7PgHVX4IjIFBZ6k16dztrbH1br7fpieWylMtVvHuzdu3en7a/dbp/21E3588/OTR8CPCAJ3gT+7BjUkNT1jeu/RkREx6CGVP4SEbfyG/vg7nyA9ZagLyxU9pdAHB2dmq+MxfPFevv9r52pfgX29ddf993bu3fvMpnMNR3qJfz9HxERn3/uZEpIofkpIuJ63wR2PkTE56MGNaTyb/+M6xzX//63iIhRgxpS+dfHiOv+sL6g33777ULb3/lTEEenKuvr6ycXoB/PFyKi/f5XP0kBAAC3xJ0PsFN9MZaJiPbOHzd9IAAAAF33N8C63B0MAAC4Ne56gHXWys+fP++34GF3cY5HY07KBgAAbom7HmCjY48iIuqNYwXWWfupHhGF/PFrwwAAAG7KXQ+wGH85nYmI+mJ5abu33kZne6k8u9qOyEy/1F8AAMCtceeXoY/Rqe+m38+uttv1xdn64ScKC9/1vQcYAADAzbjzM2DRXYl+ZaFwcDeATKawsLLevSszAADAbXH3Z8C6RsfnK+PzN30UAAAAZ7gPM2AAAAB3ggADAABIRIABAAAkIsAAAAASEWAAAACJCDAAAIBEBBgAAEAiAgwAACARAQYAAJCIAAMAAEhEgAEAACQiwAAAABIRYAAAAIkIMAAAgEQEGAAAQCICDAAAIBEBBgAAkIgAAwAASESAAQAAJCLAAAAAEhFgAAAAiQgwAACARAQYAABAIgIMAAAgEQEGAACQiAADAABIRIABAAAkIsAAAAASEWAAAACJCDAAAIBEBBgAAEAiAgwAACARAQYAAJCIAAMAAEhEgAEAACQiwAAAABIRYAAAAIkIMAAAgEQEGAAAQCICDAAAIBEBBgAAkIgAAwAASESAAQAAJCLAAAAAEhFgAAAAiQgwAACARAQYAABAIgIMAAAgEQEGAACQiAADAABIRIABAAAkIsAAAAASEWAAAACJCDAAAIBEBBgAAEAiAgwAACARAQYAAJCIAAMAAEhEgAEAACQiwAAAABIRYAAAAIkIMAAAgEQEGAAAQCICDAAAIBEBBgAAkIgAAwAASESAAQAAJCLAAAAAEhFgAAAAiQgwAACARAQYAABAIgIMAAAgEQEGAACQiAADAABIRIABAAAkIsAAAAASEWAAAACJCDAAAIBEBBgAAEAiAgwAACARAQYAAJCIAAMAAEhEgAEAACQiwAAAABIRYAAAAIkIMAAAgEQEGAAAQCICDAAAIBEBBgAAkIgAAwAASESAAQAAJCLAAAAAEhFgAAAAiQgwAACARAQYAABAIgIMAAAgEQEGAACQiAADAABIRIABAAAkIsAAAAASEWAAAACJCDAAAIBEBBgAAEAiAgwAACARAQYAAJCIAAMAAEhEgAEAACQiwAAAABL57KYP4NZpt9s3fQjH/fln56YPAR6QBG8Cf3YMakjq+sb1XyMiomNQQyp/iYhb+Y19cALsuEwmc9OHcODv/4iI+Pzz0Zs+EHgQmp8irvtNYOdDRHw+alBDKv/2z7jOcf3vf4uIGDWoIZV/fYy4Zd/Yf/vttwtt7xREAACARAQYAABAIgIMAAAgEQEGAACQiAADAABIRIABAAAkIsAAAAASEWAAAACJCDAAAIBEBBgAAEAiAgwAACARAQYAAJCIAAMAAEhEgAEAACQiwAAAABIRYAAAAIkIMAAAgEQEGAAAQCICDAAAIBEBBgAAkIgAAwAASESAAQAAJCLAAAAAEhFgAAAAiQgwAACARAQYAABAIgIMAAAgEQEGAACQiAADAABIRIABAAAkIsAAAAASEWAAAACJCDAAAIBEBBgAAEAiAgwAACARAQYAAJCIAAMAAEhEgAEAACQiwAAAABIRYAAAAIkIMAAAgEQEGAAAQCICDAAAIBEBBgAAkIgAAwAASESAAQAAJCLAAAAAEhFgAAAAiQgwAACARAQYAABAIgIMAAAgEQEGAACQiAADAABIRIABAAAkIsAAAAASEWAAAACJCDAAAIBEBBgAAEAiAgwAACARAQYAAJCIAAMAAEhEgAEAACQiwAAAABIRYAAAAIkIMAAAgEQEGAAAQCICDAAAIBEBBgAAkIgAAwAASESAAQAAJCLAAAAAEhFgAAAAiQgwAACARAQYAABAIgIMAAAgEQEGAACQiAADAABIRIABAAAkIsAAAAASEWAAAACJCDAAAIBEBBgAAEAiAgwAACARAQYAAJCIAAMAAEhEgAEAACQiwAAAABIRYAAAAIkIMAAAgEQEGAAAQCICDAAAIBEBBgAAkIgAAwAASESAAQAAJCLAAAAAEhFgAAAAiQgwAACARAQYAABAIgIMAAAgEQEGAACQiAADAABIRIABAAAkIsAAAAASEWAAAACJCDAAAIBEBBgAAEAiAgwAACARAQYAAJCIAAMAAEhEgAEAACTy2U0fwLB01pZybyNVAAAM4UlEQVR+eF9vtyMiIlOY/ubl1PjoDR8TAADAYfdjBmx76fns6l59RUS7vro4u7R9k4cEAABw3H0IsO2lxXpEZKYXVtbX19fXVxamMxFRXyyvdW762AAAAPbd/QDrrP1Uj4jCQmXvnMPR8anKQiEi2u9/VWAAAMCtcecDrPPr+3ZEFPLjRx4efzmdUWAAAMCtcucD7I+dfv0VMTr2KCLaO3+kPyQAAIC+7voqiJ2dTxGRGfvixDNfjGUi2p92OnHnV0P835/e3vQhAMP0P/7v/7npQwCG6V//67/d9CEAd8ZdD7BLevfu3WlPtQ8WU7x5//E/TP79/23c9FHAw3KtbwL/eezp/9z5cH37B/q6xnH9n/7rX//2369r58ApbtU39ou67wHW3vkj4uQM2Ndff91383fv3mUymes+qAvJxH+56UMAhun7W/YmA1xVxvQXpHarPkp/++23C21/568BO0e/kxMBAABuxH0PMAAAgFvjrgfY6YsddpdHfDR211fgAAAA7o27HmDdxQ7j087x+32dvjwiAADAzbjzATb65bNMRHv17faRh7ffrrYjMs++NAEGAADcFnc+wHoFFvXF8tJ2dxqss71WXqyH/gIAAG6Xe7AM/ejUdws7s4v1dn1xtn7o8cJCZUp/AQAAt8fdnwGLiNHx+ZWF6cLB/QAyhemV9fnxGzwkAACAE+7BDFhERIyOT82PT83f9GEAAACc7l7MgAEAANwFAgwAACARAQYAAJCIAAMAAEhEgAEAACQiwAAAABIRYAAAAIkIMAAAgEQEGAAAQCICDAAAIBEBBgAAkIgAAwAASESAAQAAJCLAAAAAEhFgAAAAiQgwAACARAQYAABAIgIMAAAgEQEGAACQiAADAABIRIABAAAkIsAAAAASEWAAAACJCDAAAIBEBBgAAEAiAgwAACARAQYAAJCIAAMAAEhEgAEAACQiwAAAABIRYAAAAIkIMAAAgEQEGAAAQCICDAAAIBEBBgAAkMhnN30At867d+9u+hAAAID7yQwYAABAIiO7u7s3fQwAAAAPghkwAACARAQYAABAIgIMAAAgEQEGAACQiAADAABIRIABAAAkIsAAAAASEWAAAACJCDAAAIBEBBgAAEAiAgwAACARAQYAAJCIAAMAAEjks5s+ALiC7aXnP33KPHr0bCz/5dT4aP+NOttrvzZ23n+qP/pmfX58qK/fWSvPrrYz0yuVqVNeHLiaTmf717c/va+3270HMpnCs29e9hnw543H7aXni/UoLFzkfaD7N8Y43AbdMX7uZgMP2Mu8J8BQCDDuuHa73W63o74zdso76PbbxdV6REQ8SnlcwJX1/brVbtfbi/XVTGH6u3lVBMDdI8C4+zKZTLtdb2zPj/cpsO1GvbvB+T+aAbfI9lJ5sd6OiExh+puXX46PdmOrOyO2Wm/XV2c/hZkpeDhGpyrrU4cfMIXFXeUaMO6BR48yEfXGdp+nthv1yDx79ij1IQFXsr20WG9HZKZX1ivzU3v1FRGjo+NT85WVhUImor06u9Rv3APALWYGjHtgLP8sU+87B7bdqEdm+suxndWjD/e7rqN3ttPhn9I620s//LR/7Ukmk3n0zXfzp11rdmQvR/fd2V57+9NqfW8/hel+V7B0tpd+6P7gH5nCwnfzX/za74KWzvbaoethMplC/yMacDO4nTprP9UjorBw2gTX6Pj8d9OfZlfb9Z/WXo6fOgvWdzwefv7IQDnj+rKIztrSD6t7A7Tf2Y/nDfOD3+q/2N/VwZ4Odp/JTH/z3bFDuMBxAhEx+Af9YYN96BuPXJ0ZMO6DL7581ncObLtRj3g0drk3xc5aeXaxfujUxXa7XV+cfX7GL+573/aOfG3cXirPLu5/LYuIdn11cbZ8dDe9F9vfYnG2/Han/yGtHjqmdrt+YlcDbwa3VefX9+2IzPTLs04rGp36phAR7fe/dk7ZS7/xeMje0Dx0enK7XV9d7DOrtvO2PLt6aICuzpbXjrzqQMO8u6u1Q7vq7Wl76fmhx9qriz8c3vsFjhO4tME+9I1HhkKAcS+M9i2w7UY9opC/1KnhnbUfVtsRmemFlfWelYXpTETUf1rr/31ve2l2tR1RWKgc/LLWWetexpIpTK+s7O2mkIlo1xcPvsH1Xmz/1VYWCpl2/dCXucP7zxT2D6l7RO364uE3/gE3g1ur21/n/3Yynj+jwPqNx6PP985xPBji6ysLhYg+Y7xdr7cPj86IaK++3R9Ogw3zrvrqahT29jTd3dPsYj1z/LH9vV/kOIHLGuxD33hkSAQY90OfAuuexHTJ/oo/dtoRkXn25cFJBaPjU5X19fX1vr+md9bKi/WIzPTK4W97vS+ShYXK/NTeRSyj4/OVhUIc+o51sFXvFIbR8fnvpjPHX2DvnKyD8yFGx6cqK9OZw2/8A24Gt1hv9I19cd6GX4xlIqK988fxJ/qPx8O2G/WIyEwfOdlvdPzldN89ZqZXDo3ObwoREZ929gbdQMP8YFd7pzSNjn/5LHPisamje7/YcQKXNNCHvvHIsAgw7onRsUdxpMC6X4ou21973+xWf1ja7pwfLd0f209caLL3xezEQXR/ue99x+p7ulXv9Kpju+pzTlY3PfcmAQbcDG6/y548fOp4PGJ8/tAXq06ns729tra0dNpNho4ey9HuG2yY78k8+/LQF7exRyceu9JxApc00Ie+8ciwWISD+2I8X4h6fX8ljiv2V4x++Syz2m5Hu744W4+IyBSmn/W/3XN7dXax/05O/yG/e7TtnT8iRrtbnfi2+cVYJuLYm3p7dfb50fVE9p/Z+SNi9GKbwW32aacTl7iq/fTxeMKhhW/OduZk3GDDfMBD6mvg4wQua+APfeORYTADxr3R/bm5Nwd21f6KGJ2qrCwUMvsnArbrq6uLs8+fl5e2T/44lil018T+od8pfpf/If+Q7pe8YW0Gt9mpZxYed0r7nDke9xxZ+CaTyRQK09MLKyvHz/0d1KDD/MJvB0M+TqC/gT70jUeGxAwY98ehObAvrtxfEd3LOMbnIzrba7823vfWnG3XF38YO3pqU2GhMj/eGfs0u9pefbs9dfyik8F+yB9oq7NPqrroZnA79X6KPndM9K7HOHYC3znjsWtv4ZvCwsqRRaY7JxcfHcwl5+vOM/TjBE513oe+8cjQmAHjHtmfA7v6/NcRo+NTU/OVysEKZUevpOr+/t67aOvIUoOn/5Df++Y49sX+ViccncwacE5g4KkDuMV6lyweX7/iqN6CM8f76/TxeFhv7mz65bFousQc8mDD/JKGeJzAgE770DceGRoBxn3S/Sb0qfH2nP7q942pdyX93r/Wys+fPz9+z6+DVcv6GZ9fKMSRpQa7XyNPu0HZ3tlI/b9s9jbZf+nerk6uY7i99Pz58+e9xa4H3Axut/1+6nvKb3Qvw+j+FP3NKZO9J8fjAPaG3dGFM8451oGG+XBd5jjhYTn/g/6wy3zo7zEeuTgBxn3SS5l6/Zz5r97aY/XF3pe7zvbasVWM9r5TLZbXDr7/dbZ7px+c9o2quxbtoUtPDnaztNZbV6nTWVsqL3ZXsu2tVXjoxXrbbPc2OXxEvbvOrs4eOqT9Dfe/hQ64Gdxy4/MrvdvXzZaX1g4tS9bpbK8t9S7DyBQWTltmPvqMx0P2Vjx7e2iUrJWfHx92AxlsmF/OMI8THpTzP+iPbD3Ih77xyNC4Box7ZW8Zo/NO+xl/OZ2pr7Zjb7WjiCgsLMTiwdvo6NR30+9nV9vt1cXZowsKnvWdb++v9i89GZ2qLOyUF+vt+upsffXoXg4u0zp4sYPVCzOFQhy9F/P4/ELh02L95CEdPaIBN4NbbnSqshJLP6zW2/XVxfqJZT0zhenv5s/+QeHEeDz81DeF1cX64beAiIjM9MKz94ur7YutXDjYML+UoR4nPCjnf9AfNsiHvvHI0JgB437p/Yh15o11Irrf7aYLe2cWZAoLJ+/XOjpVWVmYPrQkUmQyhemFlcqZFXPy0pPx+e5+DnbTZy+95ZcOHU8lf3wN+oNd7e+r/xENuBncdqNT85WVY8Ow93/n9co59dXbwamXgo3PHxmXmUxhYWW9MjXe/dX8oucSDTTML2W4xwkPyAAf9Mc3P+9D33hkSEZ2d3dv+hiAPraXni/Wo7CwrpsAAO4NM2Bw0/pf+zuEBdQAALhtBBjctONXCkdEZ3tpsd8K2wAA3G1OQYSb19lemu1zWbD7KQMA3DcCDG6Fzvba25/e19vdhTcymcKzb15OjasvAID7RYABAAAk4howAACARAQYAABAIgIMAAAgEQEGAACQiAADAABIRIABAAAkIsAAAAASEWAAAACJCDAAAIBEBBgAAEAiAgwAACARAQYAAJCIAAMAAEhEgAEAACQiwAAAABL5/4oUFU6xVhj+AAAAAElFTkSuQmCC"/>
+          <p:cNvSpPr>
+            <a:spLocks noGrp="1" noChangeAspect="1" noChangeArrowheads="1"/>
+          </p:cNvSpPr>
+          <p:nvPr>
+            <p:ph idx="1"/>
+          </p:nvPr>
+        </p:nvSpPr>
         <p:spPr bwMode="auto">
           <a:xfrm>
-            <a:off x="838200" y="1512094"/>
-            <a:ext cx="10902608" cy="4844256"/>
+            <a:off x="0" y="382791"/>
+            <a:ext cx="3146221" cy="5072435"/>
           </a:xfrm>
           <a:prstGeom prst="rect">
             <a:avLst/>
@@ -5193,24 +5431,100 @@
             </a:ext>
           </a:extLst>
         </p:spPr>
+        <p:txBody>
+          <a:bodyPr vert="horz" wrap="square" lIns="91440" tIns="45720" rIns="91440" bIns="45720" numCol="1" anchor="t" anchorCtr="0" compatLnSpc="1">
+            <a:prstTxWarp prst="textNoShape">
+              <a:avLst/>
+            </a:prstTxWarp>
+            <a:normAutofit/>
+          </a:bodyPr>
+          <a:lstStyle/>
+          <a:p>
+            <a:pPr marL="0" indent="0">
+              <a:buNone/>
+            </a:pPr>
+            <a:r>
+              <a:rPr lang="en-US" dirty="0" smtClean="0"/>
+              <a:t>Program directors need </a:t>
+            </a:r>
+            <a:r>
+              <a:rPr lang="en-US" dirty="0" smtClean="0"/>
+              <a:t>to monitor </a:t>
+            </a:r>
+            <a:r>
+              <a:rPr lang="en-US" dirty="0" smtClean="0"/>
+              <a:t>the focal </a:t>
+            </a:r>
+            <a:r>
+              <a:rPr lang="en-US" dirty="0" smtClean="0"/>
+              <a:t>group over </a:t>
+            </a:r>
+            <a:r>
+              <a:rPr lang="en-US" dirty="0" smtClean="0"/>
+              <a:t>time.</a:t>
+            </a:r>
+            <a:endParaRPr lang="en-US" dirty="0" smtClean="0"/>
+          </a:p>
+          <a:p>
+            <a:pPr marL="0" indent="0">
+              <a:buNone/>
+            </a:pPr>
+            <a:endParaRPr lang="en-US" dirty="0" smtClean="0"/>
+          </a:p>
+          <a:p>
+            <a:pPr marL="0" indent="0">
+              <a:buNone/>
+            </a:pPr>
+            <a:r>
+              <a:rPr lang="en-US" dirty="0" smtClean="0"/>
+              <a:t>De-emphasized programs provide </a:t>
+            </a:r>
+            <a:r>
+              <a:rPr lang="en-US" dirty="0" smtClean="0"/>
+              <a:t>meaningful reference </a:t>
+            </a:r>
+            <a:r>
+              <a:rPr lang="en-US" dirty="0" smtClean="0"/>
+              <a:t>points.</a:t>
+            </a:r>
+            <a:endParaRPr lang="en-US" dirty="0"/>
+          </a:p>
+        </p:txBody>
+      </p:sp>
+      <p:pic>
+        <p:nvPicPr>
+          <p:cNvPr id="6" name="Picture 5"/>
+          <p:cNvPicPr>
+            <a:picLocks noChangeAspect="1"/>
+          </p:cNvPicPr>
+          <p:nvPr/>
+        </p:nvPicPr>
+        <p:blipFill>
+          <a:blip r:embed="rId2"/>
+          <a:stretch>
+            <a:fillRect/>
+          </a:stretch>
+        </p:blipFill>
+        <p:spPr>
+          <a:xfrm>
+            <a:off x="3146221" y="0"/>
+            <a:ext cx="9037622" cy="6858000"/>
+          </a:xfrm>
+          <a:prstGeom prst="rect">
+            <a:avLst/>
+          </a:prstGeom>
+        </p:spPr>
       </p:pic>
     </p:spTree>
     <p:extLst>
       <p:ext uri="{BB962C8B-B14F-4D97-AF65-F5344CB8AC3E}">
-        <p14:creationId xmlns:p14="http://schemas.microsoft.com/office/powerpoint/2010/main" val="3315723086"/>
+        <p14:creationId xmlns:p14="http://schemas.microsoft.com/office/powerpoint/2010/main" val="2876664210"/>
       </p:ext>
     </p:extLst>
   </p:cSld>
   <p:clrMapOvr>
     <a:masterClrMapping/>
   </p:clrMapOvr>
-  <p:timing>
-    <p:tnLst>
-      <p:par>
-        <p:cTn id="1" dur="indefinite" restart="never" nodeType="tmRoot"/>
-      </p:par>
-    </p:tnLst>
-  </p:timing>
 </p:sld>
 </file>
 
@@ -5233,48 +5547,6 @@
       </p:grpSpPr>
       <p:sp>
         <p:nvSpPr>
-          <p:cNvPr id="2" name="Title 1"/>
-          <p:cNvSpPr>
-            <a:spLocks noGrp="1"/>
-          </p:cNvSpPr>
-          <p:nvPr>
-            <p:ph type="title"/>
-          </p:nvPr>
-        </p:nvSpPr>
-        <p:spPr/>
-        <p:txBody>
-          <a:bodyPr/>
-          <a:lstStyle/>
-          <a:p>
-            <a:r>
-              <a:rPr lang="en-US" dirty="0" smtClean="0"/>
-              <a:t>Takeaways</a:t>
-            </a:r>
-            <a:endParaRPr lang="en-US" dirty="0"/>
-          </a:p>
-        </p:txBody>
-      </p:sp>
-      <p:sp>
-        <p:nvSpPr>
-          <p:cNvPr id="3" name="Content Placeholder 2"/>
-          <p:cNvSpPr>
-            <a:spLocks noGrp="1"/>
-          </p:cNvSpPr>
-          <p:nvPr>
-            <p:ph idx="1"/>
-          </p:nvPr>
-        </p:nvSpPr>
-        <p:spPr/>
-        <p:txBody>
-          <a:bodyPr/>
-          <a:lstStyle/>
-          <a:p>
-            <a:endParaRPr lang="en-US"/>
-          </a:p>
-        </p:txBody>
-      </p:sp>
-      <p:sp>
-        <p:nvSpPr>
           <p:cNvPr id="4" name="Slide Number Placeholder 3"/>
           <p:cNvSpPr>
             <a:spLocks noGrp="1"/>
@@ -5296,10 +5568,110 @@
           </a:p>
         </p:txBody>
       </p:sp>
+      <p:sp>
+        <p:nvSpPr>
+          <p:cNvPr id="6" name="AutoShape 2" descr="data:image/png;base64,iVBORw0KGgoAAAANSUhEUgAABIAAAASACAIAAAAIyqENAAAACXBIWXMAAB2HAAAdhwGP5fFlAAAgAElEQVR4nOzdXXCU950v+J+3crFTs1VbdTZIluRUhTqQHYMIGmQXdUTNOAwvBvwyvvCSFAQckwTKczwFNh57PHZyEZskJCaGis+4RBKIwaYSyqfWB4OEeQn2TKFZCkREEHgqcIpUBalRy7tbezE15469aHWrW+putaTWo7fP5wqrn5f/86L2/6v///k999y9ezcAAACYeP/TZDcAAABgthDAAAAAEiKAAQAAJEQAAwAASIgABgAAkBABDAAAICECGAAAQEIEMAAAgIQIYAAAAAkRwAAAABIigAEAACREAAMAAEiIAAYAAJAQAQwAACAhAhgAAEBCBLAK3bzZvm/bsmXL7smzbNmybfvab96c7LaNX/u27CHtq/RoxrDK5Lp5s33ftpl7CWeQm/uy12hb+2S3pYiZ/VUAAEw4AWxEN9u3Lbvnnvnz1+3Y39HRkf9JR0fH/h3r5s+/Z9m29pnb9cp0N6dJyirqZvu+bcsyV7DkJZzYazj9zyExq74K3LEAMHEEsLJu7lt2z/x1+ztGWKxj/7r5y6bkX+vHKXP8O0Y8AVPXzfZtyyo6go796+ZPyGje9D+HxKz6KnDHAsDEEsBKu7lv2fwdg52Qlq17227cuHE358aNtr1bW7Ifd+xfNzVnTFVibevAMZ3fPi//5zeul+yElVplKrm5b1lBn7nEJcxdw+jYMb/qGazMOWSamEVfBeGOBYCJJoCV0r5tsMvVsrXtxt3zrdvXzpuXFzbmzVu7vfX83RttW7M/2b9uOve7Zpr8K1j2Ep6/0bZ3sPc8ARmMac1XAQBQTQJYce3b1u0f+GfL3hvnW9eWHuWZt7b1Rq7/vv91nfepIe8Kxta2kS7h9vN3BzvPHTt+rPPMAF8FAEB1CWDF3Nz3+mCf652Rp9jN2/5Ott/VcfSEbtfkK7iCN8p1mnMKOs/GL4gIXwUAQPUJYEXcPHE0O+No66uVPeE075H1W1tatm7d2/bqI0VXuHmzvbB0daZu9QgNKVxpWa7EWqka8LmfD+SHTC2zkfc5bHsDlcBzf/vv2DF/yA6HrlJh7fBy1euHtLaiU1TcGK5gRMzb/urgFLIPCo5ixKL7RQ5/5HNYsIExHPyobqrsIeQuccEOh685/N4Zocx69S5f0cMs3Ozw7Vb0XoShvyAj7nqyvwrGcuMVrjiKr4IR7tgJOcMAMBvdZajBgZDY2lblDQ7TsrXtRvGV2rYWX6tl743B6XItewvWzv18a9vdUusPWyl/vexHJZucW3d4E/J3Xkqphpc82nKnqKSxX8FSa5Zqd5EVc+uNfA5zC5Y5+BL7G/1NlT2Elr03Sq6cu/zlbr5ijZmgy7e1rXRTtw5tyojXqLJbtHhLJuurYCw3XuGKo/gqGOmOnYAzDACzkRGw4QaLgLUsmD/urbVvuye/gNpQHfvXFSv60L6tZMnrjh3zt30w0l67X19WumR2x46nJuLxlLVPDHS+howe5Wn/YOCP6y3r80YHhhYrHKJj/7r5o/tz+uAV3PrE2tGsGPO+1Jj9Z/fvE5lAdnPfsvllKn4Xrwkytpsq68S2Uit37Ji/rf1m2Ztv+K1T9cuX54PSTd0/9Mys/buB/FBy7l/u9qv0tpgKXwXjVcWvggk4wwAwK012Apx6qvpX78HKDgPFq7M7KRwzKDWQFYV/Fx8+0FBmxSF7HLJyiT+Xl9peBYNmd0f+83fRz/P/7N6ytW2wunfhOSr9R/dhBrc4ipWGtbGgkWMeiBhh1cKDL3W1yt4eY7mphq7Ylt+MlmGXouDzIQdY/cs3fCCmpeRtXGIEp+jeSl+iChoy6V8FYx4BG77Hsl8F5fdZ7TMMALOSADbMYM9lDN33QnkduKK977xOUl6PpaDbN2ytGwU9q3Jd8yJ7LHVsVQpgI3QXi+av4oGn8s/LrjKuAFb5gd0dawAr39LiQXJsN9WI90a526pMUyfg8g0JYEXWK3mM5fLBGNLBpH8VVCmAjearYIR9VvkMA8CsZAriBGr/cXbCUfECavPWtub6OoPT9gaf+9/aVqR8X/5K5RStGZCbJRgd129UsJHRKjdHabCeXN70pLwftrUWnbQ0eLilZzZOV7kJW8Wv1mBRkLzTObabqlCxvQ3eGsU3nPf5oIm/fEW3W/IY5z2yvtT9l/drNQmz46px1casml8FU/YMA8A0IoANM39B6efkR+Xm77sH/lW6gNpgNyjb7aqgG1O0LzxEiZWrdnAllO6fFT+u3EM2ZfpsucNN6KmsxAw+Ebf374of/drWgT+UnM/eQGO7qQqN1D9u/FKxDedunbwO+0RfvpInJu8YCzZb8v4bUzqY5K+CKqnuV0F1zzAAzEoCWBnjHCXK9U7LPcA/rCNZyVojJ7Bq1AwYk1L9s1z3rKBPPdgx3b/unpKyZbErvR5V6jcXzyETYRR7GttNVWCke6Pye2diLl+eMiemWB6MkvffeNPBpHwVVEe1vwom6AwDwCwigA2TfCG84pLr/1dVbt5cQf9sMH+tL/5ypIpUeD0Gr+Do+82DmWLCM+zgrmaJUf86lbsEeb+mhT8vdv8Vj/8jmipfBVNLNc8wAMxKAthwgwMoo+q/39y3bNmybdv2tVfl5bPTWPYv+Xn9s+rkr4oNXsHRzubKe/HuNA3As0Xp+Dr8/hvz7eeroKgqnmEAmI0EsOFyc2xG1X+/eeJoR0fH/v071r1e4h05xVfL9SOHdvin79/ch/XPciUISj8BU1HdtPOl1h5ibFcwv6HTeyJV6ZtqolT18uWMceLf0Ptv7OlginwVTDnVO8MAMBsJYEXkd7ter/A9pXllzrJ9kBJPqRQafNXrgErWmuqT14b0z0q/nXVwjld14+Zg/cDYv67itwAP1vQbff4adh1HVsnB39y3bOBJqoGjGNtNNUEm6vLllNlsuceqCu+/8aSDSf0qqEhS17pQ9c4wAMxCAlgxef33jh3zK+jAt2/LVhrIG+QZ7LyV7rvlFSIf6PHnrVXqb+554zRTVLYcfcfREzfL5K/8nunwuvVZuRCyrMIecH4LImL/uopWbN82P3daSz/IUqIHPaZInKu60LHjx8Uv9fDKBmO7qSbKhF2+GGGzg1m5aJ8/Px+MLx1M5ldBgWreeFVQvTMMALOPAFZc/su29q9btq3Mwxw327flCr0V9twHu10dO54q0u+6md9Zy3W68jpr64rtN2+lqSt7EB1HT+wb6FgWDTUjnaKIm/ue2jGW7t287e/kIljHjvllL2Hc3Lds8BoWe1VT+afKBts4OnmVx4v2yweTdrHbYzQ31QSZuMsX5Tabd75LbDUvH5y4Pr50MIlfBTFRN14VVPEMA8CsM46XOM90Q9533NKydW/bjRuDn9+40bZ3a0HB8+FPwuRvo2Xr3rYbg+vmr9qy90bptXIr3R22w5IrDvn5YJtzoaSgraXWG1x82AZH2tXgquVbVHiaW7bmneLCw63oMaMhbRh6Cbfubbsx/BK2FC5TdD9DLmRuI8MvydD1y5zDwrOUf3/cvdGW/0m522PUN1WJK1H5BS1+61Tv8g27dfK2OuR8l95qxfdfJSbvq2DMN95YvwrujnDHFlusCmcYAGYTAaycwq7RCEbq145qzQrWKrbqxAWwnOx6I+5qSNe8TO+syF6GGUP8ymx7NJewXCtHaOTWvdnPS3dnix7MyAc/tttj1Il5jAFsAi5f3p62ljvQ8j3+wmaNNx1M3lfBGG+8qgSwwb0Uu37VPcMAMHuYgljOvLWt5yvpebVs3XujVI23ta13y22hZWvbjSJrrm0tvd+WrXv3VpjPxivvCZisysst5L8uunT5w4iYt/38jaF/zs/XsrXtRusYJ9NlLmG5rQ/so2VrW8lrONDIUlekZWvb3dZHSq9Y9hzO2172FmvZW/z2GMtNNUEm8vI90VoqfxQ/MfnNGqyfMcL9V4nJ+yoY8403ZpX+1lf3DAPA7CGAjWTe2tbzd+/eaNu7d2tLy5DZatmpSOdby3Y+1raez8wYylt9YN2751vXFl913trW8zdutA1ZaevethvnW7d/KfuTCS9YnUmCBYddcWnwwQQ24sNI87a3nh8+H3Ckc1SheWu351/Dgh20bB24hBXsZPgVyV6Q8kc30jmcN3iD5Dctc+yl7qwx3VQTZQIv37zt5ws3PNKJGVxzMB9U52G4yfoqGPONN2YV/tZX/QwDwOxwz927dye7DYzWzX3LBir2bW27O1GdMJjeciUx/JZMEGcYAMbCCNiU077tnpHKdpd7BxIQUe71c1SHMwwAYyKATTmD71Yq8XaoEd6BBAz+lpR+pxvj4gwDwBgJYFPOvC81Zv+Zee3Q4DjYzZvt+7Ytmz/CO5BglrvZvm1crx9jJM4wAIydZ8Cmovz3uZY0Yhk4mFUGH40c5OGkanKGAaAajIBNRWtby9b1TrrOOEwHeWPHGS17x1z/nmKcYQCoBgFsapq3vUi96kz16UmpMw5T3/wncn+2aPE3iongDANAFZiCCAAAkBAjYAAAAAkRwAAAABIigAEAACREAAMAAEiIAAYAAJAQAQwAACAhAhgAAEBCBDAAAICECGAAAAAJEcAAAAASIoABAAAkRAADAABIiAAGAACQkM9NdgOmluPHj092EwAAgGnm0UcfrXBJAWyoys8dAAAwy412CMcURAAAgIQIYAAAAAkRwAAAABIigAEAACREAAMAAEiIAAYAAJAQAQwAACAhAhgAAEBCBDAAAICECGAAAAAJEcAAAAASIoABAAAkRAADAABIiAAGAACQEAEMAAAgIQIYAABAQgQwAACAhAhgAAAACRHAAAAAEiKAAQAAJEQAAwAASIgABgAAkBABDAAAICECGAAAQEIEMAAAgIQIYAAAAAkRwAAAABIigAEAACREAAMAAEiIAAYAAJAQAQwAACAhn5vsBoyg58L7R4/887lbtyIiYu7c5X+xYf2TSxuKLPj+mz8aXG755hKLAQAATJopHcAuvLl917lbeT+4devcrV3n/nnz2/uebChc8PFd5/KXO3do17k/vnLsuaXJNBQAAKACU3gK4oU3d527FTF3+StvH8t4+5XNcyPi1qFn3rwwZMGImLt5YMGBxc7t2v5+z+Q0HQAAoIgpG8B63j9yLiKWv7LvudxUwoalT+57ZXlExLmOC8MXzM45zC1265//RQIDAACmjCkbwG7/8VZELG8ZOolwacvyiIg//HEgWvX8yz8XW3Dp+s1zJTAAAGBKmbLPgC197tix5ypYrlRQa/jCFyNu3frj7Qi1OAAAgClhyo6AlXKh41xEzP2L/5SJVT1//ENEzP3CfcMWvO8LcyNvpAwAAGCyTdkRsOKyD3xteHJ8w1rHjx8v9dGtW7dKfQQAADAe0yqAXXjzmUO3IuZuXl9xefkScxAfffTRoosfP3587ty5Y28hAAAwm1y7dm1Uy0+fKYgX3ty+61zE3OWv7BvF8FexyYkAAACTYnqMgPW8v31g7GvoK5gBAACmjWkwAnbhzTLpq+ELX4yBiYZDZMojfvEL8hoAADBFTPEA1nPhzcd3nbsVc5e/cqz42FepYoelyyMCAABMjik9BfHCm8/sOjfCxMOG//QXcw/dunXo6IUnn8srzXHh6KFbedXqAQAmxL8dfX6ymwCzy5+u/8lkN2Fcpu4IWM/720dMXxGZBBYR53Ztf/NCZhis50JmVfkLAJhQ0hckb7r/3k3ZEbDMEFbErUPPPH6oyOfLXzk2MOLV8OSLr/zxmV3nbp3b9cy5giUU7AAAJt6frJre3UGYRv799PQe/oqpOwJ2oePcyAtlNSx97u1XNi8ffH/X3OWb3z72XMUvCwMAAEjCVB0BW/rcsWPPjWL5hqVPPrf0ydGsAQAAkLCpOgIGAAAw4whgAAAACRHAAAAAEiKAAQAAJEQAAwAASIgABgAAkBABDAAAICECGAAAQEIEMAAAgIQIYAAAAAkRwAAAABIigAEAACREAAMAAEiIAAYAAJAQAQwAACAhAhgAAEBCBDAAAICECGAAAAAJEcAAAAASIoABAAAkRAADAABIyOcmuwEAACTtiaf+ZrKbwJTwwTv/ONlNmHUEMACAWSQTvVr3vD7ZDWFKyNwPYliSTEEEAJgtnnjqb1r3vC59kZO5GYyIJkkAAwCYFXSyKUogT5gABgAwW+hqU1Trntfl88QIYAAAAAkRwAAAABIigAEAACREAAMAAEiIAAYAAJAQL2IGACAiouvIq293jmL5+9bt+M6Kz49rX/WrvrfzodqxbQKmJyNgAAAACRHAAAAAEmIKIgAAERFNG15v3TDkZ5+179n7QW9E88bWDfdPSqtghjECBgAAkBABDAAAICGmIAIAME6fHtj53oUSdRH7zr713bY7EU3P7HmyacQtpT9tP3P2Uued29kf3Fff9MDDX1nbWLzcYl/608tDl7+3oWnFIyvur6y4YsEcy77uT058dPpCb+aje+9rXrF1w8B2+ro/OfHR1Qu9dwb20rzqsZUPNdVUcgj33te8qOTCoziE/JMcXWc//rCr63amqfX3Li12yNkzH0uffn1LY0WngwQIYAAATAl93e9/92DXkB/e7u26fbDrg/qmZ3YOyW+fdR351dudd4Ytf+d273sXuoYvX16668h7hVX479zufO+7nU3P7Hkyjrw1ZEe3O0+/3Xn1iZeeXVsYq3KZp3A7d97uPH1f88bvDH2ObmyHcO3AnlxKjIiI3jsXxnLITA4BDACAKSD9yf5M+qpf9cym3HjRZ11nf/V2253o7Xr7yML8QiB9Zweiy33NG3PjVJH+9MDh9y70xvDlR9B5+u2CTeWiUdfbe+5E7537mldtXflQbU1ek+LOB4c/WZL3HrNc+ioYH0t/1nXmV2933rnd+d5rUZDBxnYIt9tO3457l6772iMrPl8bEelP2w+/90FvRG/Xh2e/0jTWN7ORGM+AAQAw+fquXr0dEdH0zM782Xqfb1rx7DPNERHReS1vdOzTE5mBpuaN39mQN/Wu5v4tOzcuzfw7le4bTQPuW7cjb1Ofb9qwYmA7vXeieeN3NmTSV2GTevtTufXTn+wfbFLeIdR8vmnDs99bd29E3O48256uwiEsffrZLZn0FRE196/dueOJ+oiI213X8pevXfFs657XW/eYfzi1CGAAAEwdd1LpoT9q2vB6657XW/MfIeu+diEi4t4nVg4f45pTVx8RheloZE2PDR07un9JJmUV20td7b1DWjsYIIsNu9Wu+NoT9RFx54Mzn473EOpXPTI0UH2+rq708kwxpiACADD5amvvjbgTceeD3W9dal702MqFTTWlZ9M1Ptm658kSn32+ri6it8SHpdTPqSv52b11w+pnZFub89nlrsxw1sIST2FlW5VK98X9tTGOQ6irGV5fpG5oe5i6BDAAAKaAxiefab7zduedXNWKiGx9v0X315YoITgg/Vlf9KfSkfrdtUupbG3AUSmWakajP5XZaed72zrLLtjbn4oosq+KD+G+2jnjaimTTQADAGBKaNrw7Pe+XFDtfaC+X1tEfdMTw4rR93W/v/+jMcWtKWMGHAKjJYABADBV1DY+tKXxoS0Db8fKGwvq7frgYFdq8H1W2fd3Zd1Xf29D3b11tQuXLLo/debVt8sPQ02c5o0Vl16cqofABBPAAACYQKm+sTybVFtz/9oN96+NJ/PKvseFjz55pPGh2oi+s7/KRJeCAu65PY6/0aM2p66+8BGvkUy9QyAhqiACAFAdt/v6h/3ss1RFYeKz9j2vbtv56rYjnw77aHjZ92zFi/pVw6NLxKeXJ2HsKFeH8OrlYVUcI2LwAPd80hcxJQ+BhAhgAACMU7Zs+vD3VnV//EFFDzh9fknTvRERBW/KysmmuHK1Cgf0nT17oZIdVlvTylX3RWTezlzk5V3Z87D04YdGHB+brEMgGQIYAADjlI1Pvae/u+eTroEE9VnX2fdfO9hVbr08tSsyLz6+88Hutw50fzaYYdKf5p6VyqaXwd3tP/Jpbsm+9KcH9rz63bbcjMcirxSbQDUPbV2XOwnvt3d/lv3gs66zb23LnIfBV3glcQh9Z9/atvPVbTtfPdA99o1QdZ4BAwBgvGpXfO2Jrr0f9Eb0nn579+nBD+pXPdN09e22Sh4Du3/LS6t6dp++HXcuHNw7fAjovnU7shU4onbFiqVd713ojdud7323cLbefc2rHqvN7PFOKh1Rvn59VdWuePZ78dZ32+5kSoZ8MOTj+lXf2zk4/DU1D4EECGAAAIzf59fu3FF39uMPu7J1C+vvXfrw17Y0fr7v7NVKt1Hz0Hf2LOw6+/GHXXdu5yrR1997X92KrSuHvArs/i07dyzJ313ce9/g65trlra9dyHiwu8+3dJYYU3C6qhd8Wzrok/bz5y9lLqTKy5/X33TA8Nq6E/ZQ2Ci3XP37t3JbsMUcvz48UcffXSyWwEATA//dvT5iPiTVc9PdkMq8sRTf9O65/XJbgVT1Ladr37wzj9OditG9u+nfxIRf7r+J5PdkEHHjx+PiMpDhGfAAAAAEiKAAQAAJEQAAwAASIgABgAAkBABDAAAICECGAAAQEIEMAAAgIQIYAAAAAkRwAAAABIigAEAACREAAMAAEiIAAYAAJAQAQwAACAhAhgAAEBCBDAAAICECGAAAAAJEcAAAAASIoABAAAkRAADAABIiAAGAACQEAEMAAAgIZ+b7AYAAMBYpT95bffp280bWzfcX3qZT9vPnL3Ueed2RETcV9/0wMNfWdv4+dHvq0rbYXYTwAAAmKY+az98+nbZJfq6399/sCt/mdu9XbcPdn1Q3/TMziebKt5TtbYDpiACADAdfda+Z+8HvWUX6X7/u4WpaVBv19t7PumrcFfV2g4YAQMAYPpJf3rg8HsXyqev+PTAwa6Bf9Y3PbPpyaaaiIi+7k9OfHT6Qm9E7+n9Zxd+Z8WIcwirtR2IMAIGAMC08lnX2fdf2z1i+orovnYh84/6Vd/bOZCaIqK28aEtOzcujYiI220fdxVfeQK2AxEhgAEAMH181r5n79ttmdmA9z7x0o4n6ksu2td3JzKLbXqoduiH9295OvPcVtfl7hF2Wa3tQIYABgDANHNf88bv7Xl2bU25ZVKZ4FS/aEnRxWrm3BcRET19n5XfV7W2AxmeAQMAYNqoa1r1zKaHmspGr1G53dcfUYXHt6q1HWY8AQwAgOni800rHhrdGr39qYhhUwcj0v3l69dP1HaY9UxBBABgBmr68sDTWW8f+XTYh5+1f1Rp1YxqbQcyBDAAAGaixoWZEoXR+d5rRz7pSg/8uC/96YERXyA2EduBiDAFEQCAGer+R9bde6HtTkTc7jz9dufpwk/vva/+zu2K4lO1tgMRRsAAAJipalc8+7119xb75N4nXvraA4lvB8IIGAAAM1jtime/t+jTE4fPXugdeJ3Xfc0rtm64vzY+PdAbEXFf7ZwktwMCGAAAM1ltzf1bdt6/ZchP0+meiIhoqK20dny1tsMsZwoiAACzTt/Vq7cjIpqWNE6J7TB7GAEDAGAmSn/y2u7TtyPuW7fjOys+P+Sj/W13IiKaFzYlth2ICCNgAADMTDU1DRERcbvtVwe6P+sb+Olnfd3vZwJVRCz98v3JbQciwggYAAAzVK58/J0LB/deGP5588YthfMG+86+9d22OxGx9OnX8z4a9XagDCNgAADMTLUrnn2muWj5+LiveeP3NlQ6bFWt7UAYAQMAYAZr2vDs9778yYmPrmbLx8d99U2PbfpKU83oihZWazsggAEAME19fu3O19eOtFBt40NbGh8aWj6+6JIrnm1dUYXtQBmmIAIAACREAAMAAEiIAAYAAJAQAQwAACAhAhgAAEBCBDAAAJjVtu18dbKbMIsIYAAAs8IH7/yjfjalfPDOP052E2YLAQwAYBaRwRhi285Xpa8keREzAMBskelnP/HU32T+s3XP65PaHCaZND4pBDAAgNklF8P0v2c5A1+TQgADAJiNdL5hUngGDAAAICFGwIa6devWZDcBAJgeaiIioqenZ5LbAbPGf4iIad5jF8CGmjt37mQ3AQCYHv7tYkREQ0PDZDcEZot/vx4xxXrs165dG9XypiACAAAkRAADAABIiCmIU91/+9f/MtlNgFnkr//sP092EwCAmcwI2JQmfUHC/NIBABPKCNg08NAX1092E2BW+OQPRye7CQDADGcEDAAAICECGAAAQEIEMAAAgIQIYAAAAAkRwAAAABIigAEAACREAAMAAEiIAAYAAJAQAQwAACAhAhgAAEBCBDAAAICECGAAAAAJEcAAAAASIoABAAAkRAADAABIiAAGAACQEAEMAAAgIQIYAABAQgQwAACAhAhgAAAACRHAAAAAEiKAAQAAJEQAAwAASMjnJrsBTLLN67852U2A0Tl09BeT3QQAgDESwGavTPTa89buyW4IjE7urwaSGAAw7Qhgs5HoxbSWuXV3PvvSZDcEAGDUPAM2S0lfTHd73tptAi0AMO0IYLPO5vXflL6YMWQwAGB6EcCA6cqfEgCAaUcAAwAASIgiHACJev2fPpzsJsDs8upfPjbZTQAYZAQMIDnSFyTP7x0wpRgBA0jaN5f85WQ3AWaLX1z+p8luAkABI2AAAAAJMQJGob5ze167Eg11dfU1X25qbFw8p+zS/ekr3We60qneVG/9qj1PLUyqhSd7I+off2Hn6vLNAwCAqUUAY7hUb0+qtyc6L15Z950dK2pLL3jlN7t/dnng3/WJNA0AAKYzUxApI9V1pb/Mx91dl8t8CgAADCGAUVx9Q11E9HZ2p0sucu13FyOirr4hsUYBAMD0JoBRXF3z4vqI6Llyta/EEle6OyPiwcVNCbYKAACmNQGMEmobmxqizCzEzPzD5qbGRFsFAADTmSIclDJnUXNdW0+qt7M7vXp5zdBPM/MPl3x5cfS1DV/32pFnD3WWKFSYPrV394z24t8AACAASURBVLFUxJKn3/pqQXrru3b25Omui6ne7A/qG5Y0rfurFSNUYsy68uudmYogDUuefrn8luvqH1z88JrljSXqi6SvnDvTdqWzJ5VdeNWmpxZGqWaPfvujXn6o/rM/eKOtJ+LBzXueWpi+cu5M28nOntymVm16amFNkQOJ+gfXlNzLaE9R37WrQy9WXV3zqpWrFxbeKvl3QnSf+s1HnZd7M01tqGsusnzu9ojmb+/esLjCEwIAMG0IYJRUs3hx/bFUb8+Vq33Lh9ZCHJh/2NgYUWqK4qikr/x6sKBiVm/P5d6fXW4bHqiGu/LrPSXSV65DnyfVezF18OKV5sc3bhiaD7PZpmDhQ7svLln3YImWl9z+yfoHN+8cVpp/tMuXle5+59DBi0Va+/RbX4139h68WLCj3osnDxarbDnKJvV3v/PekC1HRG9PqrfnUGdnqYvVfeQHuZQYERE9qc5yywMAzEwCGKXVNjY1nOztSXVd6V9RGFQy8w/r64YNjI1N37nDA/FpzdNbcqMu/d2n3jt4LBU9lw++01juJWN95/b87HJvlE1fDUue3vJXjbVzIiLdd+3MgUOdPanOY29EbcEwS/c7A+mr/sHN2XGkTN643FaQc4Zuv2Bwqa+/++R7By+mei8e2hMFAWa0y4/g4smDRZqairh88Aep6EnVP7hm05rlNbV5JzNSbQfOLXp5cEhz9IcwkL7y9hvRd+3IgUOdPVHqYvUeO9kbdc2Pb1y5ek5NRPRdO3vgUFtPRM/lj079VaP3uQEAs4ZnwChjzqLmorUQB+ofNlU4OXAk6StXeiMiljz9cv6ctzmNq3c8nRl3utjdXWrl7HuZi8w8jGtnBtLXmpde/momfUVETe3CDS+/sK4hIqLzZ7/uztvURxcjMvPlctEi5jQ+teOlx+uK7vpwZvsPbt75VF7LawdX6b14+mzfWJevwLCmrmrO/LMnldlLTW32o9zJ7EkPXs1RNyl7Sh/cnLffiNqFG17ePLDr3nTRypnN396xIZO+IqJ24YrsJRhyd9Ws3rHnrd173jL/EACYmQQwyqlZXKwWYmb+YcPiRZU+s1ShVN+w7NH41O49b+3eM/yxq4xy6SvSp053RkTUrdsy/Bm2OSu2rKmPiLj80amBKiO5HPjwsAGZmtXZYJO//VxuLDZmVbN647qGiEi1nbw2tuUrMLypC788MFWybt2aoXupqcvEyMHzPOomZS59sY1H1NRmXkjQUyyANaxZOTRQzamtL708AMAMJYBRVm1NXcSQWogD8w+bG6s0ATFqageCQdtre/e8c667r9zbnweluo9k0lcUf44onRqoolFbNCgOHFr0pjL9//6rnZmxncZiYS8XbHLKLx+DAWNgRGi0y1egoab0JShy1NnznDP6Ji3+6p63du95a+hTZAULF1VfpKnZQAgAMIt4BozyFn75wei8GHm1EPv7eqOK8w8jIhZ/9ekHUwcvpnK1HyKyVfIWL6wpMc7We/FktgRf0eeIMu0sk1JqahsiejLpYmFNpPsyT3+VeLCtpq4uIr/yxMDycfHQzmKPhw3qSacjaka9fAWKpZrRGHeT+vrTkU7fib6u7q7ebHnDoi2t1uOCAADTnADGCBqblsTFy5GrhdjX3dVT/fmHjU/teKmpoGb6QJW8YxENS9aVKkbfsKS+53JvRO+x33SvLjFNsWRKmVNbH1E6M1BK+sqvD7eVi1sAAJQigDGSxY3NcbkzBmohZp4aquL8w5yaxcs3LF6+YeAdU3kjKj2X2352uW/4W6Ea1rz08vI4ldp9LBVRulLiwADXcNkhsiGLp9IRoxnce3BzuQqN418+AaNo0tAy/fUNdXX1dbV1jYsWL0yffOlg+ZE0AIBZTwBjRNlZiKl0RFztTI1z/mH20aySamoXrnhq4Yr4al7x9OhsO7dycUEtjYEQuHrjus432noiLh460pQf0rIDXCVn9GUn4A0MkWVnJFba7CEzGEc02uUTMOompU+9N6xMf96nE9BEAIAZRhEORtbYtCQi4mJ395XRzT/M1rfIN3zcqf/sD17a+exLO98ZXv2vRPH0wmWy9QwLa8oP1ni4/LsrxdYbKOiXezxpoOZ+iZL3mcr7BfvNFvErLBE5KHtcPziXHsvyCRhtk7JFOxrWDE9fxU4RAABDCWBUYHFjc0TE5Y/arvRGJbUfshXJhxf0u/KbtqGjTLnkU/QVWCPW0oioXb5p4D1dlw/mpbhc7fjOtuGRpv9s2+WIyK/kPlBzP68wfU62on2BxjWZ4JdqO1AsMmWPtHndwMDdaJdPQBWbVPQUAQAwhABGJQaKsPf2pCKiuWnE54Wymarn5O4fnOseiFX93ad+vednl4cvnU1KqbbX9h650p/3muBruSeOymeA7BurhqS4hSsfzzXj17nq9um+a0eym61//K8GS3dkg1zvsTf2vHMt24z+7nf27j5WbNpkLvj1nNz9g1+fHazU3999au/OzJHmv/9qtMsnYHRNGryshwfPT+Z8vpR3ioq8z61y6VN7dz770s5nXzpSdNwSAGCa8wwYFckrwr7kyxUkhJrco1k9Jw++dnLwg4Y1TzdfOTg0zyzc8J01qddO9kaq82dvDB9IqX/8haEVOIaas2LdkrafXc4M5ix6eSCt1aze8VLs3X0sFT2XD742JPvVNT++cUNh8fqa1RufTr1x8GL0Xjy0O39CXcOSdc2ptmExLH/7bT+73Dbk44Y1L71ckBtHu3wCRtWkmtWrmjsPdfYMOz8R9Q+uebguc2VTfXciqvySbgCAGUIAoyI1ixfXH0v1RpmX9g4xZ8XLL9Se+s1Hndlihg11zes2blg8J32q2NBG7fKdbzV2n/rNR52p3lwl+oa6+vpVm9aUfBVYgcVfffrBywcvRvScPHyqcWduYuHqHXsWXzt78nTXxVT26bO6+gdLbXZO41O7Cwvi19U/uGrTUwvj1N6h4WTI9ntTucrs9Q1LmkqUzh/t8gkYTZMWbnj5hS/nX9aoq39w8cNrGhtr50TUNB871BnR2XVtw+IpVukRAGBquOfu3buT3YYp5Pjx448++uhkt2LQf/vX/xIRD31xfRW3uXn9N/e8tbuKG5wlut956eDFyRmkooydz7506OgvqrW1T/5wNCL++s/+c7U2ONzr//RhRHxzyV9O3C6AfL+4/E8R8epfPjZB2/+3o89HxJ+sen6Ctg8M8e+nfxIRf7r+J5PdkEHHjx+PiMpDhBEwGDAQsWLJ028Nf6dzthbIyAVIYDJt27BpspsAY9F65PBkNwEgIQIYDMg+53b5d1e+2jjkkbO+7q5M0Y46+Yupa9uGTd/fN4X+IgiVy/ztQAwDZgMBDAbknnPr/Nne+PbGDQOPP/Wnr/zm8M8u90bk16yHKSXTeZW+mL4yd++2DZtkMGDGE8Agq3b5zm+n9/zscvFijA1Lnt4yfGoiTBXSFzPA9/f9RAYDZjzvAYM8i7+68zsvPP1gXX3D4M/qG5as+/YLL7381Ual1ZmSzDxkJslksMluBcAEMgIGhWrnND61w0gXAAATwQgYAABAQgQwAACAhAhgAAAACRHAAAAAEiKAAQAAJEQVRIDZpT/dfe2jk1dTvame7I8a6uvq/nzFw4sW1NQUXyd99qe7TqQi6h77+79dWWKZrOuHn3/3UkTDI8+9uGKsby7vPrr9QFdluwOA6UUAA5g10t1Hf3mgq2fYz3t6Uz297146EQ3Nq7+x8SsiDwBMGFMQAWaHq+/9dFex9JWvp/PUrud/eiadUJMAYPYxAgYwC1x97x9+3pn9j/q6BwonHKbT1393+uyHnamIiEh9+MOjtT9Zv2gy2gkAM50ABjDjdR/Npa+GR77+jRULhkwyrKlZsHLjgpWrrh/+4buXIiK6fv5GzSsvmIsIAFVnCiLADNd/5mRX5l8Njzz34rD0NahmwaaffP2BzL97T33UnUTjAGCWMQIGMLOlr13ujYiI+tXfGLks4YJNW5ouHeiKiEtXrm9qXFB+6dzMxobmr7+4cYSFcwUYL/Wmsj+pa6ivXbJm+crG0g1LXz9z+uzlzoGajQ31TWWWT3d/XLD9zGTL4Zkz/fGPfniqJ+KBLd/f1Nh/9ey59hPZp+Pq6x5Y87VNA9vvv3r2XPtvu3p6B1r7wCPFtjbmQ5vYJlV8NkZ7CPk1KqOSq9N/5o03P+yNiKZvmdoKIIABzGzpq1czneMH1lQ2pbCx8YHouhQRnd1XNy4o012++t5PR5G+0tcPH3r3Uu+Qn6Z6elM9B7oul9hC6urR7Se68n/S09vVc6DrcpEa97lefp7e1KXedy/9tumxzeuLl7Pvu374QGbWZd4qB9681Pz1fRvj8BtDGpy6dOLdS79dPXRy5pgOraSqNKnM2ThR98CWv93UWPjR2A7h6tEfnSgo6zJwdUZ7yACziwAGMKP13ckMaNTVVfpE14Km5rjUGRF9felYVPrNYD/vTEXFY19nBvr3dQ9syQ3mDJbF7+l89/Di7w9NBZG6dCIV9U2PZQdV0t0f//LAqZ6InhO/OrMo/xVhg3mjofnr31iVqS/Sn+4+98sDXT29XR/+MIqWFbl04t2CJuVySOe7P0pFT2/dA4987eEVc2oiIn39zKF3P+yN6D31y7ML8+Lf2A6tpOo0aeBsFIyPpdPXPzr07qXe1KUDP42CDDbGq/Nh5upsXr6ypvDqdJ49s2qBF7gBlCCAQWl95/a8drL3wc17nlo45JPud146eLGCLRRbtxLpU3t3H0tFLHn6ra9W3HGDIvr7BiaU1dZW3CGuvbcuIhWRSqUjiq2VfS9zhekrovtcJh0NGXupaVz/4pbYfqArIlJ9/VFktl7Tt14YDE41jV958e/jRz881ROpy1f7V+YiR3b7hW9/nlPTuP7Fv6/50Q9P9UTXz99r3FekqYXveq5ZsGnNwAzMnt7C1tYsWPnC11PPv3spoudOf8TQXY/+0EoZb5PSZ39VvEk1Cza98FzdG29+2Ju6dPLjhxuzg2YTfXVizsoXvr+y4uMHmOkU4YBS+s8eODl0Rk4y+s4dPpYaeTGYFKNOXxFXr3RFRNSvfnj43xNqahoiYiBCDNXwyPKhw1Y1NXVDl89WGSn6kFvNV77xSF1EROfZIu83a14xdKCmsXGgDEmR1s6pq4+IiFQ6t6UxH1pJ421S/+9+m4qIaP56sWG3OSs3r26IgiIrE3x1ABjCCBgU1X/2B2+0lX9l7cTterKCH4wodfXohycG+veVP+ezaOP3920s8VlNTV1Eqd+1utrhoy5z6uojCn5F+lOZ/6yrKTrIV1NbW2pAr+He0gNTRbY2p7ZuyK7HfmiljLdJ2ZorDywucXWyrcoNak3w1QFgCAEMhum7duTAoc6y3abGp3bvearUh9eOPHuoMyIa1rw0+vmH3e9MVvBjZsp10Ms90DVE6cfGUpdOZAdnx/GcTzrdH+n+vkh3XbmayhbQK6ay59bS6UybSkaXmpqGwsgxuIMiEWJcKj60ksbbpHQ6s9NLB/7hUtkFCyZSFmygqlcHgKEEMMjX333qNx8duzyev992v3OoMyKibt2W5aPunlz59cGLEQ1r1tWfbKvkGTMY0YgPdA1zvWvgrc3FHxtraK7r6UxFpD48fX3lKIrd9V9971ftY8okFSoZXcY0EjUaE35oE28GHALAdCGAQU7+tMO6dd/ZGAdGPxiVSVAR9Y9vXFE72gZcO/Kzy5nkVnvy5GhXhuJqFi1qOJHqiSiou1BGd/fAyElz4/CygQ2PPPfiijiTevPD3ojK6/tlX3KVVddQX1tXV1O3eOGXG/s/ev7d8mM1FSpZ6yI7RDYhEjm0MXhgS8WlF6fqIQDMUAIYDFX/4OZNTy2sif6zo141k6AiGtZsWj3aaUT9Z39wqDOi+ds7VtRG98jLQ4VqFi6pP9VTpFh5UdcPHxh471axh4jqliyaExErN6++/MNTPRGXDhxtGvnVuv1nDmX69wVVznOfVnogpWQHuErNqcvNyqv6hMMJP7QxKD3fsoSpdwgAM5wqiDCotnnN09/ZvfOphWN7smE8kw/Tp95r64l4cPOGxWPaN5Q2Z+Wapsy/ek68+aOz14fXAhyQvn44N9xRtCZeTq60YHT9/L3rI+w/Wxai4ZHh/fu8Abexy1YC7Oy+WuzjgSp/E/HM0oQf2ujl6hD+9lrxC53++EfP/8P25//hR2f7I6bkIQDMcAIY5MxpXL28cdTzBrP6zn2UeWrrwVWjnnw4UHd+ydNjemkYjKRx/SsDeSl6Try7642fHj57PZ3XPU+nr59576fbf5ibbFb32OYRJivWrPjaYwOx593DYx+yzVaQH5dcwuxqPztsxCb9cXvmkbbh5d0nVlUObQwWPJy51r2nfjn8bERcPZ0Z72paO8JYaEzeIQDMbKYgQnV0n8zUjq9bt2a0IerakddO9kY0f9s7l5kwNSv+9lt3fvrzzlRERG/qUu+7l06UWrbwRcAlzRmciFj+6bLsHMieE786XJsbZulPd5/75YGuwUePUul0LBhjRGpc/lh914e90XPizR/d+fo3Vi2oqRmyi7rHVlVeL6RiCRzaGBq14muP/fbN7NlYvXbVVwaqX6avnzn0bvaN1dlXeCVxCP1n3njzw96IaPrWyBNWAWY8AQyq4trvxjr8lZm4WP/4CyYfMrEWbfzbVxYfLehVD9PQvPobGyso1JFR85W1zad+3jni02VzVq5punygqydSlw68WTilre6BR1bU/fbdD3sjetN9FZZpLLqLF56LN978sDd6Ot/d1Vn4YX3TY5vXT8zwVwKHNqZWDZ6NUz/vPDXk44ZHnsu7WFPzEABmMAEMqiB96vTAJKemUQ5/ZevOj75oB4xeTeP6F3+yPt398UeFr3hqqK+r+/MVDy9aUPxNxqUt2vj1BzrfvRTRc+JXZxaVHjdrXP/i3zeeOX32cm6n9XUP5PZY2/Thga6Irq7u9YvGPgw8Z+UL3/9y98cfnbx6qTdb9bC+7oE1X3u4cc4EJockDm0MBs9Gqjd3oesamhcNDohN9UMAmKnuuXv37mS3YQo5fvz4o48+OtmtGPTf/vW/RMRDX1xfxW1uXv/NPW/truIGZ65sVfoHN+8Z4dGs7JINa156eTTlN/rO7XntZG/UrfvOjiHjZt3vvHTwYkQsefot8xLL2fnsS4eO/qJaW/vkD0cj4q//7D9Xa4PDvf5PH0bEN5f8ZRW3uW3Dpu/v+0kVNwiT6x+2P9965HC1tvaLy/8UEa/+5WPV2uAQ/3b0+Yj4k1XPT9D2gSH+/fRPIuJP10+h//EdP348IioPEUbAYNz6ujNzuuqbG0f1d/b0lSu9ERGpttdeaiu+yOWDz16OqCQEAgAwDaiCCOOVzVF1TYtNIwQAoBwBDMYrnUpFRDQsXjTmEvYAAMwOpiDCOGXrH9aPtnxB1KzesWd18Y88AwYAMCMZAYPx6Utn6q3V16nQDADACIyAwfjcSfdGRERd7QgPgKVP7d19LBURzd/e7ZVfAACzkxEwGJd0X2YArK723kluCQAAU58ABlVRV6sCBwAAIzEFEUqZs+Ll3StGWqhMIY0xLxkRjU/t3vNUpQsDADBdGAEDAABIiAAGAACQEAEMAAAgIQIYAABAQgQwAACAhAhgAAAACRHAZqOdz7402U2AKtj57EuHjv5islsBADAK0+g9YBfefHzXueWvHHtuafGPiqxSfOlZ7tDRX2xe/83JbgWMl78jAADT0bQJYBfeLBqxIiKi549/SLAlM0Aug+15a/dktwXGIpO+DH8BANPOtAhgPRfefKZ0/Iq4/cdbYbhrdDI9V0NhTFOiFwAwTU31ANZz4f2jRw6du1VumQsd5yJi7hfuS6hNM4heLAAAJGlKB7Ce97c/c+hWRMxd/sqLLR0lRsEyExDn/sV/aki0cQBMO+mzP911IvXAlu9vaiyzVP/Vs+faf9vV05v5z7qG5kVrV31lUU0le7h++Pl3L1Ww3EhtAGCmmtIBLCJi7vLNG9Y/ubQhLnSUWOL2H29FzP2LL9x+/80fDYyVzZ27fMOLzy2VyAAYlP74lydSIy7zox+e6in4UaqnM/XzzqsPbPlbkQmAcZvSZegbntx3bN9zT5YPUpkBsFuHdu0anKl469a5Xc88/uaFCW8hANNEkWQ1qmVSlw789Ey6+u0CYJaZ8iNgI8pU4MhMU8wMevX0vH/0R4fO3Tq3a/sX3t73ZLH4dvz48VLbu3Wr7ANnk6G3d4QuA1BFCXwJ9PZU+Ze6P91f3Q3ONP/379v/z//6r33Z//wf/1/RM/b/dBzIpq+aP/s/nlj7pf8ts/J/7zj/L+eu9UekPvzw//ry4/+x7K7mPPzycw+X+vD37bv+679GRO1Xnnq41lUro+q/IxP3e52ZmdpT7QYDpfyHiJiSPfbKTfsANlCCfvkr+3IlEBsannxu3xfi8V3nbv3zv/Q8WSyBPfroo0W3dvz48blz505QU8fgd/8aEVFfbzIlJOHGHyIiJvZL4I/dEVHfUOVf6jk1c6q7wRkkff3M6bMfdhbMPPyf/9diZyx97feZAa7mr7+yccHgA19z5jzxZ//xf3njzQ97I/7f/xFz5lT0LFgR1w//IPOlvvpbj//vY93ILFHN35G+/x4T+Xv9bxcjIhqq/UsNlPLv1yMm+n/Wo3Tt2rVRLT/tA1jDk/uOPVnk50tblse50gkMgJkvf0ph/epXNscvS89CTF+92hMR0fSt/PQ1YM7KF76/cnxtufpepjhH3WObvyJ9Acxi0z6AlXTfF+ZG3Lr1x9sRAhjAbFb3wJavbWqcE+mPSy/T/7vfpiIimhsXTUQTuo/+vDMiouGRr60UvwBmtZkbwDK8HQxgFqtZ8sjXv7Fi+IjWcP2p3oiIhnvnREQ6ff2jQ2cv9WYmLtY1NK/4xqoFNWMPTtcPH+iKiKhf/Y0VZosCzHJTugpiBXre3/74448XK3iYKc7xxS8Y/gKYrWoWrKwofUWk0wNhq3bO1fd+uuuH72bTV0Skejrf3fXDsZdATJ89m3kz2ANrTD4EYLoHsIYvfDEi4lzHkATW8/6RcxGxvGXp8HUAoLjUyZ/+vLPou8JSH44xg13/KPPysfrVD3uNGADTfwri0vWb5547dOvcru2RK0N/4c0f7Tp3K2Lu5vXyFwCV6+lNRURD89dzcw7T3R9/dPLUpd6ISH14+vrKjQtGt8XubsNfAOSZ9gEsGp58cfM/P3Po1q1zu545l//B8ldeVP8QgFFqeOS5F/Oe1Kpp/MqmxoV1mTL0nd1XNy4YTZWO/jMnuyIioqnJ8BcAEdN/CmJEphL9268sH3wbwNy5y195+1hmOAwARqFpbZE6GXNWrmmKiIiuru7RbCx97XKmtscjyyekuCIA08/0GQFb+tyxY8+V/LRh6XP7lpb+GAAqUaoMfU1NQ0Spd4iVkn23WN2SRYofApAxE0bAAGB8amrqMv9Ipcda7HC47LvF6hd92eNfAAwQwAAgFjQ1R0REb7qv2Me5say6UUSp7LvF/nyh/AVAlgAGABG192bGwLp+/t71YR9mS8lHbW3lWSpb/7Cu1vxDAHIEMACIqFmx4oHMvzrf3f7Gx1ezMxHT3R8ffuPdTJQaVS2NdF9mLG1Ug2YAzHjTpwgHAEykBZu2NF060BUR0Xvq5z88NWyBIQUS+89katNH07d+sn54MOu7M/pBMwBmPiNgAJDRuP6VLU3FX2FS3/Stvy+Sskrr78vkr/qa2iq0DIAZwwgYAGTVNK5/8e8bz5w+e7kzNVB0vr7ugT9f8fCKBWMcx6qrMQAGQB4BDIBZouYrL/7kKxUstmDlxgUrN4643JyVL3x/5Rg/BWDWMgURAAAgIQIYAABAQgQwAACAhAhgAAAACRHAAAAAEiKAAQAAJEQAA5jeWo8c/oftz092K6A6/mH7861HDk92KwAmkAAGAEwJ/pQAzAZexAww7bUeObxtw6aI+P6+n0x2W2CMjH0Bs4QABjATZDKYAQSmL+kLmCUEMIAZQv8VAKY+z4ABAAAkRAADAABIiAAGAACQEAEMAAAgIQIYAABAQgQwAACAhAhgAAAACRHAAAAAEiKAAQAAJEQAAwAASIgABgAAkBABDAAAICECGAAAQEIEMAAAgIQIYAAAAAkRwAAAABIigAEAACREAAMAAEiIAAYAAJAQAQwAACAhAhgAAEBCBDAAAICECGAAAAAJEcAAAAASIoABAAAkRAADAABIiAAGAACQEAEMAAAgIQIYAABAQgQwAACAhAhgAAAACRHAAAAAEiKAAQAAJEQAAwAASIgABgAAkBABDAAAICECGAAAQEIEMAAAgIQIYAAAAAkRwAAAABIigAEAACREAAMAAEiIAAYAAJAQAQwAACAhAhgAAEBCBDAAAICECGAAAAAJEcAAAAASIoABAAAkRAADAABIiAAGAACQEAEMAAAgIQIYAABAQgQwAACAhAhgAAAACRHAAAAAEiKAAQAAJEQAAwAASIgABgAAkBABDAAAICECGAAAQEIEMAAAgIQIYAAAAAkRwAAAABIigAEAACREAAMAAEiIAAYAAJAQAQwAACAhAhgAAEBCBDAAAICECGAAAAAJEcAAAAASIoABAAAkRAADAABIiAAGAACQEAEMAAAgIQIYAABAQgQwAACAhAhgAAAACRHAAAAAEiKAAQAAJEQAAwAASIgABgAAkBABDAAAICECGAAAQEIEMAAAgIQIYAAAAAkRwAAAABLyucluwJRz69atyW7CUL29PZPdBJhFEvgS6O3xSw2Jmrjf65qIiOjxSw1J+Q8RMSV77JUTwIaaO3fuZDdh0O/+NSKivr5hshsCs8KNP0RM9JfAH7sjor7BLzUkpe+/x0T+Xv/bxYiIBr/UkJR/vx4xxXrs165dG9XypiACAAAkRAADAABIiAAGAACQEAEMAAAg5ig4eQAAIABJREFUIQIYAABAQgQwAACAhAhgAAAACRHAAAAAEiKAAQAAJEQAAwAASIgABgAAkBABDAAAICECGAAAQEIEMAAAgIQIYAAAAAkRwAAAABIigAEAACREAAMAAEiIAAYAAJAQAQwAACAhAhgAAEBCPlf1Ld68ebP0h/Pmzav6DgEAAKaHKgWwm+37fvz6jv0dIy23te1u69rq7BIAAGCaqUoAa982f93+amwIAABgBqtCALu57/WB9NWydev6BU986Uull50/f/z7AwAAmJ7GH8BunjjaEWF2IQAAwAjGXwXxxvWOiGjZ+3fSFwAAQDnVKkPf+CXlDQEAAMoafwCbv6AlIrp/X6b4PAAAANUIYPMeWd8S0XH0hAQGAABQThWmIM7b/s7elujY8dS2dhkMAACgpCpUQdy37cfXG1uio2P/uvn7o6Vla2NjyYUX/F3rdg+LAQAAs9P4A9iN6/v3572FuaNjf0dHyYW3PtEaAhgAADA7VasKIgAAACMY/wjY2ta7d1ur0BIAAIAZzggYAABAQgQwAACAhIx/CuIQN2+WqkV/48SPX48nzm9fW+1dAgAATAtVCmA32/f9+PUd+0uXPxyw9Ynq7A8AAGD6qUoAa982f93+kReLaFlQjd0BAABMS1UIYDf3vZ5NX5m3MHd37+/oKPh3RLRsbXunda13gAEAALPX+Itw3DxxNJOw9t64e/58a2tr6zvrWyKio/GJ1tbW8+fv3r2xtyWiY//rJ0o9HQYAADAbjD+A3bjeEREte9/Znh3emvfI+paI6P79QOCat/1829aIjh0/bh/33gAAAKatapWhb/xS3uzCeV9qjIiO6zdyP1n7xNaI2P+BBAYAAMxeE/kesNwQWGQTWP5PAAAAZpnxB7D5CwrmG+b9LH8ILGP4TwAAAGaN8QewgfmGR/NLbGR+lp/Kbv6+e9x7AgAAmNaqMAVx7d/tbYno2DF/2bZ97QOJa2AILJfK2n+8oyMiWhbMH//+AAAApqdqPAM2b/urWyMiOvbvWDd/W3vejzp2zL/nnmXL7rkn857mlvWPeBEYAAAwa1WnCMfa1rs39m5tKfjR37Vtzfwr8yLmwkr1AAAAs0/VqiDO2956/u7dG21/l51kOG9t640bbVtbWlpaWlq27m27cV78AgAAZrXPVXdz89bmh6x589a2nl9b3T0AAABMVxP0HrCbN73wCwAAoFA1A9jN9n3bli2755577rln/vyBahzt2+7JK44IAAAwi1UrgN1s37Zs/rod+7MVN/J07N+xbv6yTB4DAACYvaoTwNq3zV+3vyMiomXr1oJyiPMXtLRERHTsX7dsn3EwAABgNqtGAGvflnnN19a2G3fPt7Zuf6Jx8LN528+fv9G2tSUiOnb82CgYAAAwi1UhgLV/sD8iWvbeaF1bvM78vLWt7+xtiYj9H0hgAADA7DX+AHbz990R0bL+kXJv+Zr3yHoJDAAAmOXGH8BuXO+IiMYvlX/L8rwvNZb9HAAAYMaboPeAAQAAMNT4A9j8BZVMLhx4UGzB/HHvDwDg/2/v/l0bO/cHj38Mge1vcYs4hhFIUwzDdouJzBQq5YRhCjNFFpxOxiyL7GLSOOW4ycDaYgsjwRYxbIrBRTATu9hC7A5WMBe2uEyGS6SLBhwFvn/Al8tW3kLyb9mWbfnxr9eruRnp+OgU95H01nPOcwDuqKsH2CCXd7Uqr2sR55+oCAAAcI8N4RTEvQKbnJjZ7HOnr9bmzERurhER+eVXxau/HAAAwB01jGvAsuXuKvON2mRuZGRi4vWHiIgPr2dmJiZGRvZv0bz8Y9n8FwAA8IB9NpS9ZMtbzZj5dq7WiGg0GhER0Wh0wysiIvLLzS35BQAAPGxDWwUxW65uNZsby6V8Pn/waD6fLy1vNHfVFwAAwHBmwHqy2WK5WiwPc5cAAAD3hvuAAQAAJCLAAAAAErnoKYitzZk3P1/+5Z68qroaDAAAeKAufA3Y7x9qh1Y3vKjSi2oIMAAA4GG6aIBlHz+N6AbYkeUOAQAAOMeFZ8ByT/K9Ams0orT8/auvillzWgAAAOe78CIc2fJWs7lRyucjolGbm8zlRkZGJmYqm63WNRweAADA/XGZVRCz2WJ1a2t3d7e5sVzKRxyU2MTETGVTiAEAAPRzpWXos8VydT/E8hHRaNTmJnMjSgwAAOCkodwHLFssV7e2dnebB1NiSgwAAOCYod6IOXtiSuxQic1UlBgAAPCgDTXA9p2cEotGbW5uMjezeS2vBwAAcAdcT4DtyUbEk6duFwYAABCXuA/YQFqtzV/evJ6rNY48ms+XXuSu5fUAAADugOEGWGuz8ub121rjSHjl86WX378qF92uGQAAeNiGEmB9J7x0FwAAwBFXCrB+E166CwAAoL/LBFi/CS/dBQAAcI4LB1irMpGb208v3QUAADCoCwdY8+NefeVLpacR8fHnNzM/D/rXT15Vy2INAAB4mC4aYK3fP+z9Z6N2bJn5AZReVEOAAQAAD9NFb8R8MAEGAADAhVx0BqxY3d2tXsuRAAAA3HMXnQEDAADgkgQYAABAIgIMAAAgEQEGAACQiAADAABIRIABAAAkIsAAAAASEWAAAACJCDAAAIBErinAWq3W9ewYAADgzhpmgLU2KzMTEyMjIyMjuVxuZjMiYnNmZGKmsinHAAAAhhVgrc2ZidzkXK3ROPFUozY3mZvo9hgAAMDDNZwA25zJTdYaERH5Umm5lD94Jvckn4+IaNQmJyrmwQAAgIdsGAG2OTNZi4gobTR3t6rV8ounB89ly1tbzY1SPiIac2/MggEAAA/YEAJs8+daROSXm9Vitu8G2WL1x+V8RNR+VmAAAMDDdfUAa/3+ISLyL7/qX19d2a9eKjAAAOCBu3qANT82IuLp47P6KyL7+OmZzwMAANx7bsQMAACQyNUDLPdkkJMLexeKPcld+fUAAADuqKsH2CCXd7Uqr2sR55+oeKbtpefPny9tn/JsZ22pXH7eU15a2+5c/pUAAACuwxBOQdwrsMmJmc0+d/pqbc5M5OYaEZFfflW89KtsLy3Wz3jy+exqvd3e+3e7vro4e2qrAQAA3IhhXAOWLXdXmW/UJnMjIxMTrz9ERHx4PTMzMTEysn+L5uUfy5ec/+psLz0/M78W6xGRmV5YWV9fX19fWZjORER9sbxmGgwAALg9hrMIR7a81Vwu5SMiotFoNLr/W6t1/ysi8svNrUvlV2d7bak8e0Z9RWftp3pEFBYqU+OjERExOj5VWShERPv9rwoMAAC4NYa2CmK2XN1qNjeWS/l8/uDRfD5fWt5o7l6yvtbKs4ur9XZkCgsrC4X+2/z6vh0Rhfz4kYfHX05nFBgAAHCrfDbMnWWzxXK1WB7mLiNTmP7m5dT4aGw3+j7/x06//ooYHXsU0W7v/BExOtQDAgAAuKShBtiwjU5V1qfO3qSz8ykiMmNfnHjmi7FMRPvTTifGFRgAAHAbXD3ANmdGJj+Ulr9/VS5eYY35xN69e3faU+2DxRRviz//dCIlpJPgTeDPjkENSV3fuP5rRER0DGpI5S8RcSu/sQ9uODNgjdrcZG0uIn/rQuyUcxC//vrrvpu/e/cuk8lc90EN7u//iIj4/HNzeJBC81NExPW+Cex8iIjPRw1qSOXf/hnXOa7//W8REaMGNaTyr48R1/1hfUG//fbbhba/+iIcuRel/WU3GrW57kr0M5V+twS7Af1OTgQAALgRVw+wbLG6tbW7210AsftQ4/aFGAAAwI0b3jL0xXI3xJob/UJss3U9ITY69ih6Jxoe010e8dGYcwIAAIBbYmgBtie7NyPW3Ni7NXM0GrXJXG5kZGKiMvQM+2IsExGfdo5f/Hr68ogAAAA3Y+gBtiebLZarW7u9cxO7jzUaH5vDfp3RL59lItqrb7ePPLz9drUdkXn2pQkwAADgtri2AIuIaG1WZia+nZyr9b+H8nB0Cyzqi+Wl7e40WGd7rbxYD/0FAADcLtdxI+ZWa/OXN6+PZlc+X/r+x1fF7DWsUD869d3CzuxivV1fnK0ferywUJnSXwAAwO0xzBmw1mZlZmJiZCSXO5j0yudLyxvN3d2treq11FdERIyOz68sTBcO7gaQKUyvrM+PX9PLAQAAXMowZsBam5XjE17XcE/m8fn19flTnx0dn5ofnzr9eQAAgBt39QDbnMlN1g7+OfTwAgAAuCeGdg1YvrT8/auvru80QwAAgLvu6gGWe7HRvJ7VNQAAAO6VqwdYtlgcwnEAAADcexcNsFZl5s3HiIgnr6rl7JFHBrH/VwAAAA/ORQOs+bFWq0VElF5UI3vkkUHs/xUAAMCDM8z7gAEAAHCGi86AFau7u9VzHgEAAKAPM2AAAACJXD3AWpWZmZmZSuv8rSYmJs7bDAAA4P66eoA1P9ZqtdrH5tlbZR9HrdFonLcZAADA/ZXqFMTW7x8SvRIAAMAtdYkbMW/OjEyeWHe+NjkywFr0+Se5i78eAADA/XCJGbBidaN0uRcrfe8uzAAAwMN1iRmwiOKrjVL83PvHhw+1RiPy+dLTp2f8yZMnL776qii/AACAB+xSARbZYrVa7P335kxtshFPvz94BAAAgD4uF2CH5Z6USqVwcRcAAMA5rh5g2XK1OoQDAQAAuO8uGmCtysybjxERT15Vuytq7D8yiP2/AgAAeHAuGmDNj7VaLSKi9KIa2SOPDGL/rwAAAB6cVDdiBgAAePAuOgNWrO7uVs95BAAAgD7MgAEAACQiwAAAABK5+jL0x7VardOfzGYtwQEAADxUQwqw1mblzeu5WuO87Uobu9XicF4SAADgjhlKgG3O5CYHXokeAADggRpCgLUqr3v1lS+VXj558fjx6dvmcld/PQAAgLvp6gHW+uVtI8LZhQAAAOe4+iqIzY+NiMgvv1JfAAAAZxnWMvRPH1veEAAA4ExXD7Dck3xEfPj9jMXnAQAAGEaAZb96mY9ovP1FgQEAAJxlCKcgZss/LuejMfftzKYGAwAAONUQVkGszLz5+DQfjUZtMleLfL709OmpGz95VS27WAwAAHiYrh5gzY+12qG7MDcatUbj1I1LL6ohwAAAgIdpWKsgAgAAcI6rz4AVq7u71SEcCQAAwD1nBgwAACARAQYAAJDI1U9BjGi1Blx+Ppu1AAcAAPBwXT3ANmdyk7XzNzskny+9/P5VuajGAACAB+UmTkFsNGpzk7mRiYr7NgMAAA/J1QMs92pjY2M5v/fPfKm0vLFnuVTK7z++vLGxsbG8XCrlu4815nIzm1d+eQAAgLvi6qcgZrPF5pvJRkTkl5tb5SPnFRaLxXK12tqcyU3WanM/v9itlovFKEfvoai9rrwqlp2KCAAAPAhDOAVxc2ay1q++9mWL1eZyPqI2uT/jlS1WN0oR0Xj7i/MQAQCAB+LqAdb6/UNE5F9+ddZEVvarl/mI+PD7QW7lnuQjovGxeeUjAAAAuBOuHmDNj42IePr47BMJs4+fxtHc6j4CAADwYAxrFcTDc1v9dOfJAAAAHrCrB1jxRSkiGnNvzlrRcPPNXCMiSi+KBw/9XIuI/JPclY8AAADgThjCDFi3wKI2OTGz2W8arLU5M9G9VfN+f+0/dM6lYwAAAPfI1ZehjyhWN0q1yVo0apO5WuTzpad7V3d9+PCh0Wj0/lHaqBYjYnNmpJtjob8AAIAHZRgBFlGsNjfi28laIyIajdp+c+3LL2/8WC4ee6y0cdrC9QAAAPfQsBbhyBarW7vN5sZyKZ/PHzycz5eWN5rN3a1ycS+1ck9KpeXljebuVrXYd1cAAAD303BmwHqy2WK5Wiyfs1G5Wh3miwIAANwRw5oBAwAA4BxDDbBWa7MyMzExMdIzMTExMVPZbJ19izAAAICHYWinILYqE7m5Y4tvNBqNaDQma3ORX25acAMAAHjghhNgR+orn88/7S5Ef7AKfWMuNxEaDAAAeNCGEWCtyrfd+uouNn8sslqblW8n5xrRmPu28pUEAwAAHq4hXAO2+WauEdE9y/B4fUVEtljeai7nI6Ix92bz6i8HAABwR109wFq/f4iI/PKPZ0xuZcs/Lucj4sPv1uMAAAAerKsHWPNjIyKePj773MLs46cR0fjYvPLrAQAA3FHuAwYAAJDI1QMs9yQfEbWfz768a/PnWkTkn+Su/HoAAAB31NUDrHtyYdReV06/vqtVeV2LOP9ERQAAgHtsCKcgFl/11jjMTcxsto5XWKu1OdO7SVh++VXx6i8HAABwRw3jPmDZ8o/Lb3NzjWjUJnO1iMjn891nerdhjojz1kkEAAC494YRYBHZ8lbz8cy3k7Vubx3uroiIyJc2fqz2uUcYAADAAzKcAIuIbLG6tfuqtfnLm5/ffviw9+jTpy9fvPqqmNVeAAAAQwuwiIjIZovlarE81H0CAADcE+4DBgAAkMiVA6zVOrHwYffxysTETOXkqogAAAAP1RUCrLU5MzEykst9+0ufyGr98rbRqM1N5nIjEzObKgwAAOCyAdbanJnI9RY9bHxsntzg0EON2mRu4oy7NAMAADwMlwqwzZm9+IrIlzZe5U5uUixv7e42N0p7NwSby81sXvYYAQAA7oVLBNjmzGSt+1/55ebuVvX0ReazxepWc7nXYLVJCQYAADxoFw6wVuX1fn79WD7//l7Z8o/7CfbaiYgAAMADdtEAa/3ytnfuYen7AfIrIiJb/r7U/a/G237rdQAAADwMFw2w5se9a7+e9Lny6xS5J3uXgvVbrwMAAOBhuPQy9E8fDzb/FRGRffz0si8DAABwb1z5RswAAAAM5qIBtn824YffB7+cq/X7h+5/XOS8RQAAgHvmogG2fzbhBRbUOFi44yLnLQIAANwzFz4FsfjioksaHvSXCTAAAOAhu/g1YAcFNvftAPf12pzJzV104XoAAID76BKLcBSrG/sJlpuY2Tw1wlqblZmJyd5tmyO//Kp4iQMEAAC4Lz67zB8Vq83lD92JrUZtMleLyJeWX754/Hhvg99//vltrdY49CeljS3TXwAAwMN2qQCLyJa3mjHz7dxeZDVqc43aKdvmS8s/VtUXAADw4F3+PmDZcnWrubFcyp++ST5f2mg2t9QXAABAXHoGrCdbLFeL5Wq0WpvN5u+///zxY0Q8efLi8eNcrpiVXQAAAIdcLcD2ZLPFbLZYtMgGAADA6S5/CiIAAAAXIsAAAAASEWAAAACJCDAAAIBEBBgAAEAiAgwAACARAQYAAJCIAAMAAEhEgAEAACQiwAAAABIRYAAAAIkIMAAAgEQEGAAAQCICDAAAIBEBBgAAkIgAAwAASOSzmz6AW6fdbt/0IRz355+dmz4EeEASvAn82TGoIanrG9d/jYiIjkENqfwlIm7lN/bBCbDjMpnMTR/Cgb//IyLi889Hb/pA4EFofoq47jeBnQ8R8fmoQQ2p/Ns/4zrH9b//LSJi1KCGVP71MeKWfWP/7bffLrS9UxABAAASEWAAAACJCDAAAIBEBBgAAEAiAgwAACARAQYAAJCIAAMAAEhEgAEAACQiwAAAABIRYAAAAIkIMAAAgEQEGAAAQCICDAAAIBEBBgAAkIgAAwAASESAAQAAJCLAAAAAEhFgAAAAiQgwAACARAQYAABAIgIMAAAgEQEGAACQiAADAABIRIABAAAkIsAAAAASEWAAAACJCDAAAIBEBBgAAEAiAgwAACARAQYAAJCIAAMAAEhEgAEAACQiwAAAABIRYAAAAIkIMAAAgEQEGAAAQCICDAAAIBEBBgAAkIgAAwAASESAAQAAJCLAAAAAEhFgAAAAiQgwAACARAQYAABAIgIMAAAgEQEGAACQiAADAABIRIABAAAkIsAAAAASEWAAAACJCDAAAIBEBBgAAEAiAgwAACARAQYAAJCIAAMAAEhEgAEAACQiwAAAABIRYAAAAIkIMAAAgEQEGAAAQCICDAAAIBEBBgAAkIgAAwAASESAAQAAJCLAAAAAEhFgAAAAiQgwAACARAQYAABAIgIMAAAgEQEGAACQiAADAABIRIABAAAkIsAAAAASEWAAAACJCDAAAIBEBBgAAEAiAgwAACARAQYAAJCIAAMAAEhEgAEAACQiwAAAABIRYAAAAIkIMAAAgEQEGAAAQCICDAAAIBEBBgAAkIgAAwAASESAAQAAJCLAAAAAEhFgAAAAiQgwAACARAQYAABAIgIMAAAgEQEGAACQiAADAABIRIABAAAkIsAAAAASEWAAAACJCDAAAIBEBBgAAEAiAgwAACARAQYAAJCIAAMAAEhEgAEAACQiwAAAABIRYAAAAIkIMAAAgEQEGAAAQCICDAAAIJHPbvoAhmJ76flivc/jhYX1+fHkRwMAANDXvZgB6+x8uulDAAAAONe9mAH7Y6cdprsAAIDb7j7MgG036hGRGfvipg8EAADgLPcgwLonIGaefTl600cCAABwlntwCuIfO+2IzLOxP9aWflittyMiMpnCN9/NjysyAADgNrn7M2DdCbD26uJir74iot2uL84+X9q+wcMCAAA47u7PgHVX4IjIFBZ6k16dztrbH1br7fpieWylMtVvHuzdu3en7a/dbp/21E3588/OTR8CPCAJ3gT+7BjUkNT1jeu/RkREx6CGVP4SEbfyG/vg7nyA9ZagLyxU9pdAHB2dmq+MxfPFevv9r52pfgX29ddf993bu3fvMpnMNR3qJfz9HxERn3/uZEpIofkpIuJ63wR2PkTE56MGNaTyb/+M6xzX//63iIhRgxpS+dfHiOv+sL6g33777ULb3/lTEEenKuvr6ycXoB/PFyKi/f5XP0kBAAC3xJ0PsFN9MZaJiPbOHzd9IAAAAF33N8C63B0MAAC4Ne56gHXWys+fP++34GF3cY5HY07KBgAAbom7HmCjY48iIuqNYwXWWfupHhGF/PFrwwAAAG7KXQ+wGH85nYmI+mJ5abu33kZne6k8u9qOyEy/1F8AAMCtceeXoY/Rqe+m38+uttv1xdn64ScKC9/1vQcYAADAzbjzM2DRXYl+ZaFwcDeATKawsLLevSszAADAbXH3Z8C6RsfnK+PzN30UAAAAZ7gPM2AAAAB3ggADAABIRIABAAAkIsAAAAASEWAAAACJCDAAAIBEBBgAAEAiAgwAACARAQYAAJCIAAMAAEhEgAEAACQiwAAAABIRYAAAAIkIMAAAgEQEGAAAQCICDAAAIBEBBgAAkIgAAwAASESAAQAAJCLAAAAAEhFgAAAAiQgwAACARAQYAABAIgIMAAAgEQEGAACQiAADAABIRIABAAAkIsAAAAASEWAAAACJCDAAAIBEBBgAAEAiAgwAACARAQYAAJCIAAMAAEhEgAEAACQiwAAAABIRYAAAAIkIMAAAgEQEGAAAQCICDAAAIBEBBgAAkIgAAwAASESAAQAAJCLAAAAAEhFgAAAAiQgwAACARAQYAABAIgIMAAAgEQEGAACQiAADAABIRIABAAAkIsAAAAASEWAAAACJCDAAAIBEBBgAAEAiAgwAACARAQYAAJCIAAMAAEhEgAEAACQiwAAAABIRYAAAAIkIMAAAgEQEGAAAQCICDAAAIBEBBgAAkIgAAwAASESAAQAAJCLAAAAAEhFgAAAAiQgwAACARAQYAABAIgIMAAAgEQEGAACQiAADAABIRIABAAAkIsAAAAASEWAAAACJCDAAAIBEBBgAAEAiAgwAACARAQYAAJCIAAMAAEhEgAEAACQiwAAAABIRYAAAAIkIMAAAgEQEGAAAQCICDAAAIBEBBgAAkIgAAwAASESAAQAAJCLAAAAAEhFgAAAAiQgwAACARAQYAABAIgIMAAAgEQEGAACQiAADAABIRIABAAAkIsAAAAASEWAAAACJCDAAAIBEBBgAAEAiAgwAACARAQYAAJCIAAMAAEhEgAEAACQiwAAAABL57KYP4NZpt9s3fQjH/fln56YPAR6QBG8Cf3YMakjq+sb1XyMiomNQQyp/iYhb+Y19cALsuEwmc9OHcODv/4iI+Pzz0Zs+EHgQmp8irvtNYOdDRHw+alBDKv/2z7jOcf3vf4uIGDWoIZV/fYy4Zd/Yf/vttwtt7xREAACARAQYAABAIgIMAAAgEQEGAACQiAADAABIRIABAAAkIsAAAAASEWAAAACJCDAAAIBEBBgAAEAiAgwAACARAQYAAJCIAAMAAEhEgAEAACQiwAAAABIRYAAAAIkIMAAAgEQEGAAAQCICDAAAIBEBBgAAkIgAAwAASESAAQAAJCLAAAAAEhFgAAAAiQgwAACARAQYAABAIgIMAAAgEQEGAACQiAADAABIRIABAAAkIsAAAAASEWAAAACJCDAAAIBEBBgAAEAiAgwAACARAQYAAJCIAAMAAEhEgAEAACQiwAAAABIRYAAAAIkIMAAAgEQEGAAAQCICDAAAIBEBBgAAkIgAAwAASESAAQAAJCLAAAAAEhFgAAAAiQgwAACARAQYAABAIgIMAAAgEQEGAACQiAADAABIRIABAAAkIsAAAAASEWAAAACJCDAAAIBEBBgAAEAiAgwAACARAQYAAJCIAAMAAEhEgAEAACQiwAAAABIRYAAAAIkIMAAAgEQEGAAAQCICDAAAIBEBBgAAkIgAAwAASESAAQAAJCLAAAAAEhFgAAAAiQgwAACARAQYAABAIgIMAAAgEQEGAACQiAADAABIRIABAAAkIsAAAAASEWAAAACJCDAAAIBEBBgAAEAiAgwAACARAQYAAJCIAAMAAEhEgAEAACQiwAAAABIRYAAAAIkIMAAAgEQEGAAAQCICDAAAIBEBBgAAkIgAAwAASESAAQAAJCLAAAAAEhFgAAAAiQgwAACARAQYAABAIgIMAAAgEQEGAACQiAADAABIRIABAAAkIsAAAAASEWAAAACJCDAAAIBEBBgAAEAiAgwAACARAQYAAJCIAAMAAEhEgAEAACTy2U0fwLB01pZybyNVAAAM4UlEQVR+eF9vtyMiIlOY/ubl1PjoDR8TAADAYfdjBmx76fns6l59RUS7vro4u7R9k4cEAABw3H0IsO2lxXpEZKYXVtbX19fXVxamMxFRXyyvdW762AAAAPbd/QDrrP1Uj4jCQmXvnMPR8anKQiEi2u9/VWAAAMCtcecDrPPr+3ZEFPLjRx4efzmdUWAAAMCtcucD7I+dfv0VMTr2KCLaO3+kPyQAAIC+7voqiJ2dTxGRGfvixDNfjGUi2p92OnHnV0P835/e3vQhAMP0P/7v/7npQwCG6V//67/d9CEAd8ZdD7BLevfu3WlPtQ8WU7x5//E/TP79/23c9FHAw3KtbwL/eezp/9z5cH37B/q6xnH9n/7rX//2369r58ApbtU39ou67wHW3vkj4uQM2Ndff91383fv3mUymes+qAvJxH+56UMAhun7W/YmA1xVxvQXpHarPkp/++23C21/568BO0e/kxMBAABuxH0PMAAAgFvjrgfY6YsddpdHfDR211fgAAAA7o27HmDdxQ7j087x+32dvjwiAADAzbjzATb65bNMRHv17faRh7ffrrYjMs++NAEGAADcFnc+wHoFFvXF8tJ2dxqss71WXqyH/gIAAG6Xe7AM/ejUdws7s4v1dn1xtn7o8cJCZUp/AQAAt8fdnwGLiNHx+ZWF6cLB/QAyhemV9fnxGzwkAACAE+7BDFhERIyOT82PT83f9GEAAACc7l7MgAEAANwFAgwAACARAQYAAJCIAAMAAEhEgAEAACQiwAAAABIRYAAAAIkIMAAAgEQEGAAAQCICDAAAIBEBBgAAkIgAAwAASESAAQAAJCLAAAAAEhFgAAAAiQgwAACARAQYAABAIgIMAAAgEQEGAACQiAADAABIRIABAAAkIsAAAAASEWAAAACJCDAAAIBEBBgAAEAiAgwAACARAQYAAJCIAAMAAEhEgAEAACQiwAAAABIRYAAAAIkIMAAAgEQEGAAAQCICDAAAIBEBBgAAkMhnN30At867d+9u+hAAAID7yQwYAABAIiO7u7s3fQwAAAAPghkwAACARAQYAABAIgIMAAAgEQEGAACQiAADAABIRIABAAAkIsAAAAASEWAAAACJCDAAAIBEBBgAAEAiAgwAACARAQYAAJCIAAMAAEjks5s+ALiC7aXnP33KPHr0bCz/5dT4aP+NOttrvzZ23n+qP/pmfX58qK/fWSvPrrYz0yuVqVNeHLiaTmf717c/va+3270HMpnCs29e9hnw543H7aXni/UoLFzkfaD7N8Y43AbdMX7uZgMP2Mu8J8BQCDDuuHa73W63o74zdso76PbbxdV6REQ8SnlcwJX1/brVbtfbi/XVTGH6u3lVBMDdI8C4+zKZTLtdb2zPj/cpsO1GvbvB+T+aAbfI9lJ5sd6OiExh+puXX46PdmOrOyO2Wm/XV2c/hZkpeDhGpyrrU4cfMIXFXeUaMO6BR48yEfXGdp+nthv1yDx79ij1IQFXsr20WG9HZKZX1ivzU3v1FRGjo+NT85WVhUImor06u9Rv3APALWYGjHtgLP8sU+87B7bdqEdm+suxndWjD/e7rqN3ttPhn9I620s//LR/7Ukmk3n0zXfzp11rdmQvR/fd2V57+9NqfW8/hel+V7B0tpd+6P7gH5nCwnfzX/za74KWzvbaoethMplC/yMacDO4nTprP9UjorBw2gTX6Pj8d9OfZlfb9Z/WXo6fOgvWdzwefv7IQDnj+rKIztrSD6t7A7Tf2Y/nDfOD3+q/2N/VwZ4Odp/JTH/z3bFDuMBxAhEx+Af9YYN96BuPXJ0ZMO6DL7581ncObLtRj3g0drk3xc5aeXaxfujUxXa7XV+cfX7GL+573/aOfG3cXirPLu5/LYuIdn11cbZ8dDe9F9vfYnG2/Han/yGtHjqmdrt+YlcDbwa3VefX9+2IzPTLs04rGp36phAR7fe/dk7ZS7/xeMje0Dx0enK7XV9d7DOrtvO2PLt6aICuzpbXjrzqQMO8u6u1Q7vq7Wl76fmhx9qriz8c3vsFjhO4tME+9I1HhkKAcS+M9i2w7UY9opC/1KnhnbUfVtsRmemFlfWelYXpTETUf1rr/31ve2l2tR1RWKgc/LLWWetexpIpTK+s7O2mkIlo1xcPvsH1Xmz/1VYWCpl2/dCXucP7zxT2D6l7RO364uE3/gE3g1ur21/n/3Yynj+jwPqNx6PP985xPBji6ysLhYg+Y7xdr7cPj86IaK++3R9Ogw3zrvrqahT29jTd3dPsYj1z/LH9vV/kOIHLGuxD33hkSAQY90OfAuuexHTJ/oo/dtoRkXn25cFJBaPjU5X19fX1vr+md9bKi/WIzPTK4W97vS+ShYXK/NTeRSyj4/OVhUIc+o51sFXvFIbR8fnvpjPHX2DvnKyD8yFGx6cqK9OZw2/8A24Gt1hv9I19cd6GX4xlIqK988fxJ/qPx8O2G/WIyEwfOdlvdPzldN89ZqZXDo3ObwoREZ929gbdQMP8YFd7pzSNjn/5LHPisamje7/YcQKXNNCHvvHIsAgw7onRsUdxpMC6X4ou21973+xWf1ja7pwfLd0f209caLL3xezEQXR/ue99x+p7ulXv9Kpju+pzTlY3PfcmAQbcDG6/y548fOp4PGJ8/tAXq06ns729tra0dNpNho4ey9HuG2yY78k8+/LQF7exRyceu9JxApc00Ie+8ciwWISD+2I8X4h6fX8ljiv2V4x++Syz2m5Hu744W4+IyBSmn/W/3XN7dXax/05O/yG/e7TtnT8iRrtbnfi2+cVYJuLYm3p7dfb50fVE9p/Z+SNi9GKbwW32aacTl7iq/fTxeMKhhW/OduZk3GDDfMBD6mvg4wQua+APfeORYTADxr3R/bm5Nwd21f6KGJ2qrCwUMvsnArbrq6uLs8+fl5e2T/44lil018T+od8pfpf/If+Q7pe8YW0Gt9mpZxYed0r7nDke9xxZ+CaTyRQK09MLKyvHz/0d1KDD/MJvB0M+TqC/gT70jUeGxAwY98ehObAvrtxfEd3LOMbnIzrba7823vfWnG3XF38YO3pqU2GhMj/eGfs0u9pefbs9dfyik8F+yB9oq7NPqrroZnA79X6KPndM9K7HOHYC3znjsWtv4ZvCwsqRRaY7JxcfHcwl5+vOM/TjBE513oe+8cjQmAHjHtmfA7v6/NcRo+NTU/OVysEKZUevpOr+/t67aOvIUoOn/5Df++Y49sX+ViccncwacE5g4KkDuMV6lyweX7/iqN6CM8f76/TxeFhv7mz65bFousQc8mDD/JKGeJzAgE770DceGRoBxn3S/Sb0qfH2nP7q942pdyX93r/Wys+fPz9+z6+DVcv6GZ9fKMSRpQa7XyNPu0HZ3tlI/b9s9jbZf+nerk6uY7i99Pz58+e9xa4H3Axut/1+6nvKb3Qvw+j+FP3NKZO9J8fjAPaG3dGFM8451oGG+XBd5jjhYTn/g/6wy3zo7zEeuTgBxn3SS5l6/Zz5r97aY/XF3pe7zvbasVWM9r5TLZbXDr7/dbZ7px+c9o2quxbtoUtPDnaztNZbV6nTWVsqL3ZXsu2tVXjoxXrbbPc2OXxEvbvOrs4eOqT9Dfe/hQ64Gdxy4/MrvdvXzZaX1g4tS9bpbK8t9S7DyBQWTltmPvqMx0P2Vjx7e2iUrJWfHx92AxlsmF/OMI8THpTzP+iPbD3Ih77xyNC4Box7ZW8Zo/NO+xl/OZ2pr7Zjb7WjiCgsLMTiwdvo6NR30+9nV9vt1cXZowsKnvWdb++v9i89GZ2qLOyUF+vt+upsffXoXg4u0zp4sYPVCzOFQhy9F/P4/ELh02L95CEdPaIBN4NbbnSqshJLP6zW2/XVxfqJZT0zhenv5s/+QeHEeDz81DeF1cX64beAiIjM9MKz94ur7YutXDjYML+UoR4nPCjnf9AfNsiHvvHI0JgB437p/Yh15o11Irrf7aYLe2cWZAoLJ+/XOjpVWVmYPrQkUmQyhemFlcqZFXPy0pPx+e5+DnbTZy+95ZcOHU8lf3wN+oNd7e+r/xENuBncdqNT85WVY8Ow93/n9co59dXbwamXgo3PHxmXmUxhYWW9MjXe/dX8oucSDTTML2W4xwkPyAAf9Mc3P+9D33hkSEZ2d3dv+hiAPraXni/Wo7CwrpsAAO4NM2Bw0/pf+zuEBdQAALhtBBjctONXCkdEZ3tpsd8K2wAA3G1OQYSb19lemu1zWbD7KQMA3DcCDG6Fzvba25/e19vdhTcymcKzb15OjasvAID7RYABAAAk4howAACARAQYAABAIgIMAAAgEQEGAACQiAADAABIRIABAAAkIsAAAAASEWAAAACJCDAAAIBEBBgAAEAiAgwAACARAQYAAJCIAAMAAEhEgAEAACQiwAAAABL5/4oUFU6xVhj+AAAAAElFTkSuQmCC"/>
+          <p:cNvSpPr>
+            <a:spLocks noGrp="1" noChangeAspect="1" noChangeArrowheads="1"/>
+          </p:cNvSpPr>
+          <p:nvPr>
+            <p:ph idx="1"/>
+          </p:nvPr>
+        </p:nvSpPr>
+        <p:spPr bwMode="auto">
+          <a:xfrm>
+            <a:off x="0" y="182676"/>
+            <a:ext cx="3135817" cy="5210206"/>
+          </a:xfrm>
+          <a:prstGeom prst="rect">
+            <a:avLst/>
+          </a:prstGeom>
+          <a:noFill/>
+          <a:extLst>
+            <a:ext uri="{909E8E84-426E-40DD-AFC4-6F175D3DCCD1}">
+              <a14:hiddenFill xmlns:a14="http://schemas.microsoft.com/office/drawing/2010/main">
+                <a:solidFill>
+                  <a:srgbClr val="FFFFFF"/>
+                </a:solidFill>
+              </a14:hiddenFill>
+            </a:ext>
+          </a:extLst>
+        </p:spPr>
+        <p:txBody>
+          <a:bodyPr vert="horz" wrap="square" lIns="91440" tIns="45720" rIns="91440" bIns="45720" numCol="1" anchor="t" anchorCtr="0" compatLnSpc="1">
+            <a:prstTxWarp prst="textNoShape">
+              <a:avLst/>
+            </a:prstTxWarp>
+            <a:normAutofit/>
+          </a:bodyPr>
+          <a:lstStyle/>
+          <a:p>
+            <a:pPr marL="0" indent="0">
+              <a:buNone/>
+            </a:pPr>
+            <a:r>
+              <a:rPr lang="en-US" dirty="0" smtClean="0"/>
+              <a:t>We also need to see the progress of </a:t>
+            </a:r>
+            <a:r>
+              <a:rPr lang="en-US" dirty="0" smtClean="0"/>
+              <a:t>individuals</a:t>
+            </a:r>
+          </a:p>
+          <a:p>
+            <a:pPr marL="0" indent="0">
+              <a:buNone/>
+            </a:pPr>
+            <a:endParaRPr lang="en-US" dirty="0" smtClean="0"/>
+          </a:p>
+          <a:p>
+            <a:pPr marL="0" indent="0">
+              <a:buNone/>
+            </a:pPr>
+            <a:r>
+              <a:rPr lang="en-US" dirty="0" smtClean="0"/>
+              <a:t>Tulsa </a:t>
+            </a:r>
+            <a:r>
+              <a:rPr lang="en-US" dirty="0" smtClean="0"/>
+              <a:t>county trajectories are in </a:t>
+            </a:r>
+            <a:r>
+              <a:rPr lang="en-US" dirty="0" smtClean="0"/>
+              <a:t>orange.  The others are primarily for context.</a:t>
+            </a:r>
+            <a:endParaRPr lang="en-US" dirty="0"/>
+          </a:p>
+        </p:txBody>
+      </p:sp>
+      <p:pic>
+        <p:nvPicPr>
+          <p:cNvPr id="2" name="Picture 1"/>
+          <p:cNvPicPr>
+            <a:picLocks noChangeAspect="1"/>
+          </p:cNvPicPr>
+          <p:nvPr/>
+        </p:nvPicPr>
+        <p:blipFill>
+          <a:blip r:embed="rId2"/>
+          <a:stretch>
+            <a:fillRect/>
+          </a:stretch>
+        </p:blipFill>
+        <p:spPr>
+          <a:xfrm>
+            <a:off x="3135817" y="0"/>
+            <a:ext cx="9037622" cy="6858000"/>
+          </a:xfrm>
+          <a:prstGeom prst="rect">
+            <a:avLst/>
+          </a:prstGeom>
+        </p:spPr>
+      </p:pic>
     </p:spTree>
     <p:extLst>
       <p:ext uri="{BB962C8B-B14F-4D97-AF65-F5344CB8AC3E}">
-        <p14:creationId xmlns:p14="http://schemas.microsoft.com/office/powerpoint/2010/main" val="2489979003"/>
+        <p14:creationId xmlns:p14="http://schemas.microsoft.com/office/powerpoint/2010/main" val="976041723"/>
       </p:ext>
     </p:extLst>
   </p:cSld>
@@ -5328,370 +5700,110 @@
       </p:grpSpPr>
       <p:sp>
         <p:nvSpPr>
-          <p:cNvPr id="6" name="TextBox 5"/>
-          <p:cNvSpPr txBox="1"/>
-          <p:nvPr/>
-        </p:nvSpPr>
-        <p:spPr>
-          <a:xfrm>
-            <a:off x="1683370" y="523091"/>
-            <a:ext cx="8797601" cy="1846659"/>
+          <p:cNvPr id="4" name="Slide Number Placeholder 3"/>
+          <p:cNvSpPr>
+            <a:spLocks noGrp="1"/>
+          </p:cNvSpPr>
+          <p:nvPr>
+            <p:ph type="sldNum" sz="quarter" idx="12"/>
+          </p:nvPr>
+        </p:nvSpPr>
+        <p:spPr/>
+        <p:txBody>
+          <a:bodyPr/>
+          <a:lstStyle/>
+          <a:p>
+            <a:fld id="{AF87EE96-E852-4892-A22F-23BA018C684B}" type="slidenum">
+              <a:rPr lang="en-US" smtClean="0"/>
+              <a:t>18</a:t>
+            </a:fld>
+            <a:endParaRPr lang="en-US"/>
+          </a:p>
+        </p:txBody>
+      </p:sp>
+      <p:sp>
+        <p:nvSpPr>
+          <p:cNvPr id="6" name="AutoShape 2" descr="data:image/png;base64,iVBORw0KGgoAAAANSUhEUgAABIAAAASACAIAAAAIyqENAAAACXBIWXMAAB2HAAAdhwGP5fFlAAAgAElEQVR4nOzdXXCU950v+J+3crFTs1VbdTZIluRUhTqQHYMIGmQXdUTNOAwvBvwyvvCSFAQckwTKczwFNh57PHZyEZskJCaGis+4RBKIwaYSyqfWB4OEeQn2TKFZCkREEHgqcIpUBalRy7tbezE15469aHWrW+putaTWo7fP5wqrn5f/86L2/6v///k999y9ezcAAACYeP/TZDcAAABgthDAAAAAEiKAAQAAJEQAAwAASIgABgAAkBABDAAAICECGAAAQEIEMAAAgIQIYAAAAAkRwAAAABIigAEAACREAAMAAEiIAAYAAJAQAQwAACAhAhgAAEBCBLAK3bzZvm/bsmXL7smzbNmybfvab96c7LaNX/u27CHtq/RoxrDK5Lp5s33ftpl7CWeQm/uy12hb+2S3pYiZ/VUAAEw4AWxEN9u3Lbvnnvnz1+3Y39HRkf9JR0fH/h3r5s+/Z9m29pnb9cp0N6dJyirqZvu+bcsyV7DkJZzYazj9zyExq74K3LEAMHEEsLJu7lt2z/x1+ztGWKxj/7r5y6bkX+vHKXP8O0Y8AVPXzfZtyyo6go796+ZPyGje9D+HxKz6KnDHAsDEEsBKu7lv2fwdg52Qlq17227cuHE358aNtr1bW7Ifd+xfNzVnTFVibevAMZ3fPi//5zeul+yElVplKrm5b1lBn7nEJcxdw+jYMb/qGazMOWSamEVfBeGOBYCJJoCV0r5tsMvVsrXtxt3zrdvXzpuXFzbmzVu7vfX83RttW7M/2b9uOve7Zpr8K1j2Ep6/0bZ3sPc8ARmMac1XAQBQTQJYce3b1u0f+GfL3hvnW9eWHuWZt7b1Rq7/vv91nfepIe8Kxta2kS7h9vN3BzvPHTt+rPPMAF8FAEB1CWDF3Nz3+mCf652Rp9jN2/5Ott/VcfSEbtfkK7iCN8p1mnMKOs/GL4gIXwUAQPUJYEXcPHE0O+No66uVPeE075H1W1tatm7d2/bqI0VXuHmzvbB0daZu9QgNKVxpWa7EWqka8LmfD+SHTC2zkfc5bHsDlcBzf/vv2DF/yA6HrlJh7fBy1euHtLaiU1TcGK5gRMzb/urgFLIPCo5ixKL7RQ5/5HNYsIExHPyobqrsIeQuccEOh685/N4Zocx69S5f0cMs3Ozw7Vb0XoShvyAj7nqyvwrGcuMVrjiKr4IR7tgJOcMAMBvdZajBgZDY2lblDQ7TsrXtRvGV2rYWX6tl743B6XItewvWzv18a9vdUusPWyl/vexHJZucW3d4E/J3Xkqphpc82nKnqKSxX8FSa5Zqd5EVc+uNfA5zC5Y5+BL7G/1NlT2Elr03Sq6cu/zlbr5ijZmgy7e1rXRTtw5tyojXqLJbtHhLJuurYCw3XuGKo/gqGOmOnYAzDACzkRGw4QaLgLUsmD/urbVvuye/gNpQHfvXFSv60L6tZMnrjh3zt30w0l67X19WumR2x46nJuLxlLVPDHS+howe5Wn/YOCP6y3r80YHhhYrHKJj/7r5o/tz+uAV3PrE2tGsGPO+1Jj9Z/fvE5lAdnPfsvllKn4Xrwkytpsq68S2Uit37Ji/rf1m2Ztv+K1T9cuX54PSTd0/9Mys/buB/FBy7l/u9qv0tpgKXwXjVcWvggk4wwAwK012Apx6qvpX78HKDgPFq7M7KRwzKDWQFYV/Fx8+0FBmxSF7HLJyiT+Xl9peBYNmd0f+83fRz/P/7N6ytW2wunfhOSr9R/dhBrc4ipWGtbGgkWMeiBhh1cKDL3W1yt4eY7mphq7Ylt+MlmGXouDzIQdY/cs3fCCmpeRtXGIEp+jeSl+iChoy6V8FYx4BG77Hsl8F5fdZ7TMMALOSADbMYM9lDN33QnkduKK977xOUl6PpaDbN2ytGwU9q3Jd8yJ7LHVsVQpgI3QXi+av4oGn8s/LrjKuAFb5gd0dawAr39LiQXJsN9WI90a526pMUyfg8g0JYEXWK3mM5fLBGNLBpH8VVCmAjearYIR9VvkMA8CsZAriBGr/cXbCUfECavPWtub6OoPT9gaf+9/aVqR8X/5K5RStGZCbJRgd129UsJHRKjdHabCeXN70pLwftrUWnbQ0eLilZzZOV7kJW8Wv1mBRkLzTObabqlCxvQ3eGsU3nPf5oIm/fEW3W/IY5z2yvtT9l/drNQmz46px1casml8FU/YMA8A0IoANM39B6efkR+Xm77sH/lW6gNpgNyjb7aqgG1O0LzxEiZWrdnAllO6fFT+u3EM2ZfpsucNN6KmsxAw+Ebf374of/drWgT+UnM/eQGO7qQqN1D9u/FKxDedunbwO+0RfvpInJu8YCzZb8v4bUzqY5K+CKqnuV0F1zzAAzEoCWBnjHCXK9U7LPcA/rCNZyVojJ7Bq1AwYk1L9s1z3rKBPPdgx3b/unpKyZbErvR5V6jcXzyETYRR7GttNVWCke6Pye2diLl+eMiemWB6MkvffeNPBpHwVVEe1vwom6AwDwCwigA2TfCG84pLr/1dVbt5cQf9sMH+tL/5ypIpUeD0Gr+Do+82DmWLCM+zgrmaJUf86lbsEeb+mhT8vdv8Vj/8jmipfBVNLNc8wAMxKAthwgwMoo+q/39y3bNmybdv2tVfl5bPTWPYv+Xn9s+rkr4oNXsHRzubKe/HuNA3As0Xp+Dr8/hvz7eeroKgqnmEAmI0EsOFyc2xG1X+/eeJoR0fH/v071r1e4h05xVfL9SOHdvin79/ch/XPciUISj8BU1HdtPOl1h5ibFcwv6HTeyJV6ZtqolT18uWMceLf0Ptv7OlginwVTDnVO8MAMBsJYEXkd7ter/A9pXllzrJ9kBJPqRQafNXrgErWmuqT14b0z0q/nXVwjld14+Zg/cDYv67itwAP1vQbff4adh1HVsnB39y3bOBJqoGjGNtNNUEm6vLllNlsuceqCu+/8aSDSf0qqEhS17pQ9c4wAMxCAlgxef33jh3zK+jAt2/LVhrIG+QZ7LyV7rvlFSIf6PHnrVXqb+554zRTVLYcfcfREzfL5K/8nunwuvVZuRCyrMIecH4LImL/uopWbN82P3daSz/IUqIHPaZInKu60LHjx8Uv9fDKBmO7qSbKhF2+GGGzg1m5aJ8/Px+MLx1M5ldBgWreeFVQvTMMALOPAFZc/su29q9btq3Mwxw327flCr0V9twHu10dO54q0u+6md9Zy3W68jpr64rtN2+lqSt7EB1HT+wb6FgWDTUjnaKIm/ue2jGW7t287e/kIljHjvllL2Hc3Lds8BoWe1VT+afKBts4OnmVx4v2yweTdrHbYzQ31QSZuMsX5Tabd75LbDUvH5y4Pr50MIlfBTFRN14VVPEMA8CsM46XOM90Q9533NKydW/bjRuDn9+40bZ3a0HB8+FPwuRvo2Xr3rYbg+vmr9qy90bptXIr3R22w5IrDvn5YJtzoaSgraXWG1x82AZH2tXgquVbVHiaW7bmneLCw63oMaMhbRh6Cbfubbsx/BK2FC5TdD9DLmRuI8MvydD1y5zDwrOUf3/cvdGW/0m522PUN1WJK1H5BS1+61Tv8g27dfK2OuR8l95qxfdfJSbvq2DMN95YvwrujnDHFlusCmcYAGYTAaycwq7RCEbq145qzQrWKrbqxAWwnOx6I+5qSNe8TO+syF6GGUP8ymx7NJewXCtHaOTWvdnPS3dnix7MyAc/tttj1Il5jAFsAi5f3p62ljvQ8j3+wmaNNx1M3lfBGG+8qgSwwb0Uu37VPcMAMHuYgljOvLWt5yvpebVs3XujVI23ta13y22hZWvbjSJrrm0tvd+WrXv3VpjPxivvCZisysst5L8uunT5w4iYt/38jaF/zs/XsrXtRusYJ9NlLmG5rQ/so2VrW8lrONDIUlekZWvb3dZHSq9Y9hzO2172FmvZW/z2GMtNNUEm8vI90VoqfxQ/MfnNGqyfMcL9V4nJ+yoY8403ZpX+1lf3DAPA7CGAjWTe2tbzd+/eaNu7d2tLy5DZatmpSOdby3Y+1raez8wYylt9YN2751vXFl913trW8zdutA1ZaevethvnW7d/KfuTCS9YnUmCBYddcWnwwQQ24sNI87a3nh8+H3Ckc1SheWu351/Dgh20bB24hBXsZPgVyV6Q8kc30jmcN3iD5Dctc+yl7qwx3VQTZQIv37zt5ws3PNKJGVxzMB9U52G4yfoqGPONN2YV/tZX/QwDwOxwz927dye7DYzWzX3LBir2bW27O1GdMJjeciUx/JZMEGcYAMbCCNiU077tnpHKdpd7BxIQUe71c1SHMwwAYyKATTmD71Yq8XaoEd6BBAz+lpR+pxvj4gwDwBgJYFPOvC81Zv+Zee3Q4DjYzZvt+7Ytmz/CO5BglrvZvm1crx9jJM4wAIydZ8Cmovz3uZY0Yhk4mFUGH40c5OGkanKGAaAajIBNRWtby9b1TrrOOEwHeWPHGS17x1z/nmKcYQCoBgFsapq3vUi96kz16UmpMw5T3/wncn+2aPE3iongDANAFZiCCAAAkBAjYAAAAAkRwAAAABIigAEAACREAAMAAEiIAAYAAJAQAQwAACAhAhgAAEBCBDAAAICECGAAAAAJEcAAAAASIoABAAAkRAADAABIiAAGAACQkM9NdgOmluPHj092EwAAgGnm0UcfrXBJAWyoys8dAAAwy412CMcURAAAgIQIYAAAAAkRwAAAABIigAEAACREAAMAAEiIAAYAAJAQAQwAACAhAhgAAEBCBDAAAICECGAAAAAJEcAAAAASIoABAAAkRAADAABIiAAGAACQEAEMAAAgIQIYAABAQgQwAACAhAhgAAAACRHAAAAAEiKAAQAAJEQAAwAASIgABgAAkBABDAAAICECGAAAQEIEMAAAgIQIYAAAAAkRwAAAABIigAEAACREAAMAAEiIAAYAAJAQAQwAACAhn5vsBoyg58L7R4/887lbtyIiYu7c5X+xYf2TSxuKLPj+mz8aXG755hKLAQAATJopHcAuvLl917lbeT+4devcrV3n/nnz2/uebChc8PFd5/KXO3do17k/vnLsuaXJNBQAAKACU3gK4oU3d527FTF3+StvH8t4+5XNcyPi1qFn3rwwZMGImLt5YMGBxc7t2v5+z+Q0HQAAoIgpG8B63j9yLiKWv7LvudxUwoalT+57ZXlExLmOC8MXzM45zC1265//RQIDAACmjCkbwG7/8VZELG8ZOolwacvyiIg//HEgWvX8yz8XW3Dp+s1zJTAAAGBKmbLPgC197tix5ypYrlRQa/jCFyNu3frj7Qi1OAAAgClhyo6AlXKh41xEzP2L/5SJVT1//ENEzP3CfcMWvO8LcyNvpAwAAGCyTdkRsOKyD3xteHJ8w1rHjx8v9dGtW7dKfQQAADAe0yqAXXjzmUO3IuZuXl9xefkScxAfffTRoosfP3587ty5Y28hAAAwm1y7dm1Uy0+fKYgX3ty+61zE3OWv7BvF8FexyYkAAACTYnqMgPW8v31g7GvoK5gBAACmjWkwAnbhzTLpq+ELX4yBiYZDZMojfvEL8hoAADBFTPEA1nPhzcd3nbsVc5e/cqz42FepYoelyyMCAABMjik9BfHCm8/sOjfCxMOG//QXcw/dunXo6IUnn8srzXHh6KFbedXqAQAmxL8dfX6ymwCzy5+u/8lkN2Fcpu4IWM/720dMXxGZBBYR53Ztf/NCZhis50JmVfkLAJhQ0hckb7r/3k3ZEbDMEFbErUPPPH6oyOfLXzk2MOLV8OSLr/zxmV3nbp3b9cy5giUU7AAAJt6frJre3UGYRv799PQe/oqpOwJ2oePcyAtlNSx97u1XNi8ffH/X3OWb3z72XMUvCwMAAEjCVB0BW/rcsWPPjWL5hqVPPrf0ydGsAQAAkLCpOgIGAAAw4whgAAAACRHAAAAAEiKAAQAAJEQAAwAASIgABgAAkBABDAAAICECGAAAQEIEMAAAgIQIYAAAAAkRwAAAABIigAEAACREAAMAAEiIAAYAAJAQAQwAACAhAhgAAEBCBDAAAICECGAAAAAJEcAAAAASIoABAAAkRAADAABIyOcmuwEAACTtiaf+ZrKbwJTwwTv/ONlNmHUEMACAWSQTvVr3vD7ZDWFKyNwPYliSTEEEAJgtnnjqb1r3vC59kZO5GYyIJkkAAwCYFXSyKUogT5gABgAwW+hqU1Trntfl88QIYAAAAAkRwAAAABIigAEAACREAAMAAEiIAAYAAJAQL2IGACAiouvIq293jmL5+9bt+M6Kz49rX/WrvrfzodqxbQKmJyNgAAAACRHAAAAAEmIKIgAAERFNG15v3TDkZ5+179n7QW9E88bWDfdPSqtghjECBgAAkBABDAAAICGmIAIAME6fHtj53oUSdRH7zr713bY7EU3P7HmyacQtpT9tP3P2Uued29kf3Fff9MDDX1nbWLzcYl/608tDl7+3oWnFIyvur6y4YsEcy77uT058dPpCb+aje+9rXrF1w8B2+ro/OfHR1Qu9dwb20rzqsZUPNdVUcgj33te8qOTCoziE/JMcXWc//rCr63amqfX3Li12yNkzH0uffn1LY0WngwQIYAAATAl93e9/92DXkB/e7u26fbDrg/qmZ3YOyW+fdR351dudd4Ytf+d273sXuoYvX16668h7hVX479zufO+7nU3P7Hkyjrw1ZEe3O0+/3Xn1iZeeXVsYq3KZp3A7d97uPH1f88bvDH2ObmyHcO3AnlxKjIiI3jsXxnLITA4BDACAKSD9yf5M+qpf9cym3HjRZ11nf/V2253o7Xr7yML8QiB9Zweiy33NG3PjVJH+9MDh9y70xvDlR9B5+u2CTeWiUdfbe+5E7537mldtXflQbU1ek+LOB4c/WZL3HrNc+ioYH0t/1nXmV2933rnd+d5rUZDBxnYIt9tO3457l6772iMrPl8bEelP2w+/90FvRG/Xh2e/0jTWN7ORGM+AAQAw+fquXr0dEdH0zM782Xqfb1rx7DPNERHReS1vdOzTE5mBpuaN39mQN/Wu5v4tOzcuzfw7le4bTQPuW7cjb1Ofb9qwYmA7vXeieeN3NmTSV2GTevtTufXTn+wfbFLeIdR8vmnDs99bd29E3O48256uwiEsffrZLZn0FRE196/dueOJ+oiI213X8pevXfFs657XW/eYfzi1CGAAAEwdd1LpoT9q2vB6657XW/MfIeu+diEi4t4nVg4f45pTVx8RheloZE2PDR07un9JJmUV20td7b1DWjsYIIsNu9Wu+NoT9RFx54Mzn473EOpXPTI0UH2+rq708kwxpiACADD5amvvjbgTceeD3W9dal702MqFTTWlZ9M1Ptm658kSn32+ri6it8SHpdTPqSv52b11w+pnZFub89nlrsxw1sIST2FlW5VK98X9tTGOQ6irGV5fpG5oe5i6BDAAAKaAxiefab7zduedXNWKiGx9v0X315YoITgg/Vlf9KfSkfrdtUupbG3AUSmWakajP5XZaed72zrLLtjbn4oosq+KD+G+2jnjaimTTQADAGBKaNrw7Pe+XFDtfaC+X1tEfdMTw4rR93W/v/+jMcWtKWMGHAKjJYABADBV1DY+tKXxoS0Db8fKGwvq7frgYFdq8H1W2fd3Zd1Xf29D3b11tQuXLLo/debVt8sPQ02c5o0Vl16cqofABBPAAACYQKm+sTybVFtz/9oN96+NJ/PKvseFjz55pPGh2oi+s7/KRJeCAu65PY6/0aM2p66+8BGvkUy9QyAhqiACAFAdt/v6h/3ss1RFYeKz9j2vbtv56rYjnw77aHjZ92zFi/pVw6NLxKeXJ2HsKFeH8OrlYVUcI2LwAPd80hcxJQ+BhAhgAACMU7Zs+vD3VnV//EFFDzh9fknTvRERBW/KysmmuHK1Cgf0nT17oZIdVlvTylX3RWTezlzk5V3Z87D04YdGHB+brEMgGQIYAADjlI1Pvae/u+eTroEE9VnX2fdfO9hVbr08tSsyLz6+88Hutw50fzaYYdKf5p6VyqaXwd3tP/Jpbsm+9KcH9rz63bbcjMcirxSbQDUPbV2XOwnvt3d/lv3gs66zb23LnIfBV3glcQh9Z9/atvPVbTtfPdA99o1QdZ4BAwBgvGpXfO2Jrr0f9Eb0nn579+nBD+pXPdN09e22Sh4Du3/LS6t6dp++HXcuHNw7fAjovnU7shU4onbFiqVd713ojdud7323cLbefc2rHqvN7PFOKh1Rvn59VdWuePZ78dZ32+5kSoZ8MOTj+lXf2zk4/DU1D4EECGAAAIzf59fu3FF39uMPu7J1C+vvXfrw17Y0fr7v7NVKt1Hz0Hf2LOw6+/GHXXdu5yrR1997X92KrSuHvArs/i07dyzJ313ce9/g65trlra9dyHiwu8+3dJYYU3C6qhd8Wzrok/bz5y9lLqTKy5/X33TA8Nq6E/ZQ2Ci3XP37t3JbsMUcvz48UcffXSyWwEATA//dvT5iPiTVc9PdkMq8sRTf9O65/XJbgVT1Ladr37wzj9OditG9u+nfxIRf7r+J5PdkEHHjx+PiMpDhGfAAAAAEiKAAQAAJEQAAwAASIgABgAAkBABDAAAICECGAAAQEIEMAAAgIQIYAAAAAkRwAAAABIigAEAACREAAMAAEiIAAYAAJAQAQwAACAhAhgAAEBCBDAAAICECGAAAAAJEcAAAAASIoABAAAkRAADAABIiAAGAACQEAEMAAAgIZ+b7AYAAMBYpT95bffp280bWzfcX3qZT9vPnL3Ueed2RETcV9/0wMNfWdv4+dHvq0rbYXYTwAAAmKY+az98+nbZJfq6399/sCt/mdu9XbcPdn1Q3/TMziebKt5TtbYDpiACADAdfda+Z+8HvWUX6X7/u4WpaVBv19t7PumrcFfV2g4YAQMAYPpJf3rg8HsXyqev+PTAwa6Bf9Y3PbPpyaaaiIi+7k9OfHT6Qm9E7+n9Zxd+Z8WIcwirtR2IMAIGAMC08lnX2fdf2z1i+orovnYh84/6Vd/bOZCaIqK28aEtOzcujYiI220fdxVfeQK2AxEhgAEAMH181r5n79ttmdmA9z7x0o4n6ksu2td3JzKLbXqoduiH9295OvPcVtfl7hF2Wa3tQIYABgDANHNf88bv7Xl2bU25ZVKZ4FS/aEnRxWrm3BcRET19n5XfV7W2AxmeAQMAYNqoa1r1zKaHmspGr1G53dcfUYXHt6q1HWY8AQwAgOni800rHhrdGr39qYhhUwcj0v3l69dP1HaY9UxBBABgBmr68sDTWW8f+XTYh5+1f1Rp1YxqbQcyBDAAAGaixoWZEoXR+d5rRz7pSg/8uC/96YERXyA2EduBiDAFEQCAGer+R9bde6HtTkTc7jz9dufpwk/vva/+zu2K4lO1tgMRRsAAAJipalc8+7119xb75N4nXvraA4lvB8IIGAAAM1jtime/t+jTE4fPXugdeJ3Xfc0rtm64vzY+PdAbEXFf7ZwktwMCGAAAM1ltzf1bdt6/ZchP0+meiIhoqK20dny1tsMsZwoiAACzTt/Vq7cjIpqWNE6J7TB7GAEDAGAmSn/y2u7TtyPuW7fjOys+P+Sj/W13IiKaFzYlth2ICCNgAADMTDU1DRERcbvtVwe6P+sb+Olnfd3vZwJVRCz98v3JbQciwggYAAAzVK58/J0LB/deGP5588YthfMG+86+9d22OxGx9OnX8z4a9XagDCNgAADMTLUrnn2muWj5+LiveeP3NlQ6bFWt7UAYAQMAYAZr2vDs9778yYmPrmbLx8d99U2PbfpKU83oihZWazsggAEAME19fu3O19eOtFBt40NbGh8aWj6+6JIrnm1dUYXtQBmmIAIAACREAAMAAEiIAAYAAJAQAQwAACAhAhgAAEBCBDAAAJjVtu18dbKbMIsIYAAAs8IH7/yjfjalfPDOP052E2YLAQwAYBaRwRhi285Xpa8keREzAMBskelnP/HU32T+s3XP65PaHCaZND4pBDAAgNklF8P0v2c5A1+TQgADAJiNdL5hUngGDAAAICFGwIa6devWZDcBAJgeaiIioqenZ5LbAbPGf4iIad5jF8CGmjt37mQ3AQCYHv7tYkREQ0PDZDcEZot/vx4xxXrs165dG9XypiACAAAkRAADAABIiCmIU91/+9f/MtlNgFnkr//sP092EwCAmcwI2JQmfUHC/NIBABPKCNg08NAX1092E2BW+OQPRye7CQDADGcEDAAAICECGAAAQEIEMAAAgIQIYAAAAAkRwAAAABIigAEAACREAAMAAEiIAAYAAJAQAQwAACAhAhgAAEBCBDAAAICECGAAAAAJEcAAAAASIoABAAAkRAADAABIiAAGAACQEAEMAAAgIQIYAABAQgQwAACAhAhgAAAACRHAAAAAEiKAAQAAJEQAAwAASMjnJrsBTLLN67852U2A0Tl09BeT3QQAgDESwGavTPTa89buyW4IjE7urwaSGAAw7Qhgs5HoxbSWuXV3PvvSZDcEAGDUPAM2S0lfTHd73tptAi0AMO0IYLPO5vXflL6YMWQwAGB6EcCA6cqfEgCAaUcAAwAASIgiHACJev2fPpzsJsDs8upfPjbZTQAYZAQMIDnSFyTP7x0wpRgBA0jaN5f85WQ3AWaLX1z+p8luAkABI2AAAAAJMQJGob5ze167Eg11dfU1X25qbFw8p+zS/ekr3We60qneVG/9qj1PLUyqhSd7I+off2Hn6vLNAwCAqUUAY7hUb0+qtyc6L15Z950dK2pLL3jlN7t/dnng3/WJNA0AAKYzUxApI9V1pb/Mx91dl8t8CgAADCGAUVx9Q11E9HZ2p0sucu13FyOirr4hsUYBAMD0JoBRXF3z4vqI6Llyta/EEle6OyPiwcVNCbYKAACmNQGMEmobmxqizCzEzPzD5qbGRFsFAADTmSIclDJnUXNdW0+qt7M7vXp5zdBPM/MPl3x5cfS1DV/32pFnD3WWKFSYPrV394z24t8AACAASURBVLFUxJKn3/pqQXrru3b25Omui6ne7A/qG5Y0rfurFSNUYsy68uudmYogDUuefrn8luvqH1z88JrljSXqi6SvnDvTdqWzJ5VdeNWmpxZGqWaPfvujXn6o/rM/eKOtJ+LBzXueWpi+cu5M28nOntymVm16amFNkQOJ+gfXlNzLaE9R37WrQy9WXV3zqpWrFxbeKvl3QnSf+s1HnZd7M01tqGsusnzu9ojmb+/esLjCEwIAMG0IYJRUs3hx/bFUb8+Vq33Lh9ZCHJh/2NgYUWqK4qikr/x6sKBiVm/P5d6fXW4bHqiGu/LrPSXSV65DnyfVezF18OKV5sc3bhiaD7PZpmDhQ7svLln3YImWl9z+yfoHN+8cVpp/tMuXle5+59DBi0Va+/RbX4139h68WLCj3osnDxarbDnKJvV3v/PekC1HRG9PqrfnUGdnqYvVfeQHuZQYERE9qc5yywMAzEwCGKXVNjY1nOztSXVd6V9RGFQy8w/r64YNjI1N37nDA/FpzdNbcqMu/d2n3jt4LBU9lw++01juJWN95/b87HJvlE1fDUue3vJXjbVzIiLdd+3MgUOdPanOY29EbcEwS/c7A+mr/sHN2XGkTN643FaQc4Zuv2Bwqa+/++R7By+mei8e2hMFAWa0y4/g4smDRZqairh88Aep6EnVP7hm05rlNbV5JzNSbQfOLXp5cEhz9IcwkL7y9hvRd+3IgUOdPVHqYvUeO9kbdc2Pb1y5ek5NRPRdO3vgUFtPRM/lj079VaP3uQEAs4ZnwChjzqLmorUQB+ofNlU4OXAk6StXeiMiljz9cv6ctzmNq3c8nRl3utjdXWrl7HuZi8w8jGtnBtLXmpde/momfUVETe3CDS+/sK4hIqLzZ7/uztvURxcjMvPlctEi5jQ+teOlx+uK7vpwZvsPbt75VF7LawdX6b14+mzfWJevwLCmrmrO/LMnldlLTW32o9zJ7EkPXs1RNyl7Sh/cnLffiNqFG17ePLDr3nTRypnN396xIZO+IqJ24YrsJRhyd9Ws3rHnrd173jL/EACYmQQwyqlZXKwWYmb+YcPiRZU+s1ShVN+w7NH41O49b+3eM/yxq4xy6SvSp053RkTUrdsy/Bm2OSu2rKmPiLj80amBKiO5HPjwsAGZmtXZYJO//VxuLDZmVbN647qGiEi1nbw2tuUrMLypC788MFWybt2aoXupqcvEyMHzPOomZS59sY1H1NRmXkjQUyyANaxZOTRQzamtL708AMAMJYBRVm1NXcSQWogD8w+bG6s0ATFqageCQdtre/e8c667r9zbnweluo9k0lcUf44onRqoolFbNCgOHFr0pjL9//6rnZmxncZiYS8XbHLKLx+DAWNgRGi0y1egoab0JShy1NnznDP6Ji3+6p63du95a+hTZAULF1VfpKnZQAgAMIt4BozyFn75wei8GHm1EPv7eqOK8w8jIhZ/9ekHUwcvpnK1HyKyVfIWL6wpMc7We/FktgRf0eeIMu0sk1JqahsiejLpYmFNpPsyT3+VeLCtpq4uIr/yxMDycfHQzmKPhw3qSacjaka9fAWKpZrRGHeT+vrTkU7fib6u7q7ebHnDoi2t1uOCAADTnADGCBqblsTFy5GrhdjX3dVT/fmHjU/teKmpoGb6QJW8YxENS9aVKkbfsKS+53JvRO+x33SvLjFNsWRKmVNbH1E6M1BK+sqvD7eVi1sAAJQigDGSxY3NcbkzBmohZp4aquL8w5yaxcs3LF6+YeAdU3kjKj2X2352uW/4W6Ea1rz08vI4ldp9LBVRulLiwADXcNkhsiGLp9IRoxnce3BzuQqN418+AaNo0tAy/fUNdXX1dbV1jYsWL0yffOlg+ZE0AIBZTwBjRNlZiKl0RFztTI1z/mH20aySamoXrnhq4Yr4al7x9OhsO7dycUEtjYEQuHrjus432noiLh460pQf0rIDXCVn9GUn4A0MkWVnJFba7CEzGEc02uUTMOompU+9N6xMf96nE9BEAIAZRhEORtbYtCQi4mJ395XRzT/M1rfIN3zcqf/sD17a+exLO98ZXv2vRPH0wmWy9QwLa8oP1ni4/LsrxdYbKOiXezxpoOZ+iZL3mcr7BfvNFvErLBE5KHtcPziXHsvyCRhtk7JFOxrWDE9fxU4RAABDCWBUYHFjc0TE5Y/arvRGJbUfshXJhxf0u/KbtqGjTLnkU/QVWCPW0oioXb5p4D1dlw/mpbhc7fjOtuGRpv9s2+WIyK/kPlBzP68wfU62on2BxjWZ4JdqO1AsMmWPtHndwMDdaJdPQBWbVPQUAQAwhABGJQaKsPf2pCKiuWnE54Wymarn5O4fnOseiFX93ad+vednl4cvnU1KqbbX9h650p/3muBruSeOymeA7BurhqS4hSsfzzXj17nq9um+a0eym61//K8GS3dkg1zvsTf2vHMt24z+7nf27j5WbNpkLvj1nNz9g1+fHazU3999au/OzJHmv/9qtMsnYHRNGryshwfPT+Z8vpR3ioq8z61y6VN7dz770s5nXzpSdNwSAGCa8wwYFckrwr7kyxUkhJrco1k9Jw++dnLwg4Y1TzdfOTg0zyzc8J01qddO9kaq82dvDB9IqX/8haEVOIaas2LdkrafXc4M5ix6eSCt1aze8VLs3X0sFT2XD742JPvVNT++cUNh8fqa1RufTr1x8GL0Xjy0O39CXcOSdc2ptmExLH/7bT+73Dbk44Y1L71ckBtHu3wCRtWkmtWrmjsPdfYMOz8R9Q+uebguc2VTfXciqvySbgCAGUIAoyI1ixfXH0v1RpmX9g4xZ8XLL9Se+s1Hndlihg11zes2blg8J32q2NBG7fKdbzV2n/rNR52p3lwl+oa6+vpVm9aUfBVYgcVfffrBywcvRvScPHyqcWduYuHqHXsWXzt78nTXxVT26bO6+gdLbXZO41O7Cwvi19U/uGrTUwvj1N6h4WTI9ntTucrs9Q1LmkqUzh/t8gkYTZMWbnj5hS/nX9aoq39w8cNrGhtr50TUNB871BnR2XVtw+IpVukRAGBquOfu3buT3YYp5Pjx448++uhkt2LQf/vX/xIRD31xfRW3uXn9N/e8tbuKG5wlut956eDFyRmkooydz7506OgvqrW1T/5wNCL++s/+c7U2ONzr//RhRHxzyV9O3C6AfL+4/E8R8epfPjZB2/+3o89HxJ+sen6Ctg8M8e+nfxIRf7r+J5PdkEHHjx+PiMpDhBEwGDAQsWLJ028Nf6dzthbIyAVIYDJt27BpspsAY9F65PBkNwEgIQIYDMg+53b5d1e+2jjkkbO+7q5M0Y46+Yupa9uGTd/fN4X+IgiVy/ztQAwDZgMBDAbknnPr/Nne+PbGDQOPP/Wnr/zm8M8u90bk16yHKSXTeZW+mL4yd++2DZtkMGDGE8Agq3b5zm+n9/zscvFijA1Lnt4yfGoiTBXSFzPA9/f9RAYDZjzvAYM8i7+68zsvPP1gXX3D4M/qG5as+/YLL7381Ual1ZmSzDxkJslksMluBcAEMgIGhWrnND61w0gXAAATwQgYAABAQgQwAACAhAhgAAAACRHAAAAAEiKAAQAAJEQVRIDZpT/dfe2jk1dTvame7I8a6uvq/nzFw4sW1NQUXyd99qe7TqQi6h77+79dWWKZrOuHn3/3UkTDI8+9uGKsby7vPrr9QFdluwOA6UUAA5g10t1Hf3mgq2fYz3t6Uz297146EQ3Nq7+x8SsiDwBMGFMQAWaHq+/9dFex9JWvp/PUrud/eiadUJMAYPYxAgYwC1x97x9+3pn9j/q6BwonHKbT1393+uyHnamIiEh9+MOjtT9Zv2gy2gkAM50ABjDjdR/Npa+GR77+jRULhkwyrKlZsHLjgpWrrh/+4buXIiK6fv5GzSsvmIsIAFVnCiLADNd/5mRX5l8Njzz34rD0NahmwaaffP2BzL97T33UnUTjAGCWMQIGMLOlr13ujYiI+tXfGLks4YJNW5ouHeiKiEtXrm9qXFB+6dzMxobmr7+4cYSFcwUYL/Wmsj+pa6ivXbJm+crG0g1LXz9z+uzlzoGajQ31TWWWT3d/XLD9zGTL4Zkz/fGPfniqJ+KBLd/f1Nh/9ey59hPZp+Pq6x5Y87VNA9vvv3r2XPtvu3p6B1r7wCPFtjbmQ5vYJlV8NkZ7CPk1KqOSq9N/5o03P+yNiKZvmdoKIIABzGzpq1czneMH1lQ2pbCx8YHouhQRnd1XNy4o012++t5PR5G+0tcPH3r3Uu+Qn6Z6elM9B7oul9hC6urR7Se68n/S09vVc6DrcpEa97lefp7e1KXedy/9tumxzeuLl7Pvu374QGbWZd4qB9681Pz1fRvj8BtDGpy6dOLdS79dPXRy5pgOraSqNKnM2ThR98CWv93UWPjR2A7h6tEfnSgo6zJwdUZ7yACziwAGMKP13ckMaNTVVfpE14Km5rjUGRF9felYVPrNYD/vTEXFY19nBvr3dQ9syQ3mDJbF7+l89/Di7w9NBZG6dCIV9U2PZQdV0t0f//LAqZ6InhO/OrMo/xVhg3mjofnr31iVqS/Sn+4+98sDXT29XR/+MIqWFbl04t2CJuVySOe7P0pFT2/dA4987eEVc2oiIn39zKF3P+yN6D31y7ML8+Lf2A6tpOo0aeBsFIyPpdPXPzr07qXe1KUDP42CDDbGq/Nh5upsXr6ypvDqdJ49s2qBF7gBlCCAQWl95/a8drL3wc17nlo45JPud146eLGCLRRbtxLpU3t3H0tFLHn6ra9W3HGDIvr7BiaU1dZW3CGuvbcuIhWRSqUjiq2VfS9zhekrovtcJh0NGXupaVz/4pbYfqArIlJ9/VFktl7Tt14YDE41jV958e/jRz881ROpy1f7V+YiR3b7hW9/nlPTuP7Fv6/50Q9P9UTXz99r3FekqYXveq5ZsGnNwAzMnt7C1tYsWPnC11PPv3spoudOf8TQXY/+0EoZb5PSZ39VvEk1Cza98FzdG29+2Ju6dPLjhxuzg2YTfXVizsoXvr+y4uMHmOkU4YBS+s8eODl0Rk4y+s4dPpYaeTGYFKNOXxFXr3RFRNSvfnj43xNqahoiYiBCDNXwyPKhw1Y1NXVDl89WGSn6kFvNV77xSF1EROfZIu83a14xdKCmsXGgDEmR1s6pq4+IiFQ6t6UxH1pJ421S/+9+m4qIaP56sWG3OSs3r26IgiIrE3x1ABjCCBgU1X/2B2+0lX9l7cTterKCH4wodfXohycG+veVP+ezaOP3920s8VlNTV1Eqd+1utrhoy5z6uojCn5F+lOZ/6yrKTrIV1NbW2pAr+He0gNTRbY2p7ZuyK7HfmiljLdJ2ZorDywucXWyrcoNak3w1QFgCAEMhum7duTAoc6y3abGp3bvearUh9eOPHuoMyIa1rw0+vmH3e9MVvBjZsp10Ms90DVE6cfGUpdOZAdnx/GcTzrdH+n+vkh3XbmayhbQK6ay59bS6UybSkaXmpqGwsgxuIMiEWJcKj60ksbbpHQ6s9NLB/7hUtkFCyZSFmygqlcHgKEEMMjX333qNx8duzyev992v3OoMyKibt2W5aPunlz59cGLEQ1r1tWfbKvkGTMY0YgPdA1zvWvgrc3FHxtraK7r6UxFpD48fX3lKIrd9V9971ftY8okFSoZXcY0EjUaE35oE28GHALAdCGAQU7+tMO6dd/ZGAdGPxiVSVAR9Y9vXFE72gZcO/Kzy5nkVnvy5GhXhuJqFi1qOJHqiSiou1BGd/fAyElz4/CygQ2PPPfiijiTevPD3ojK6/tlX3KVVddQX1tXV1O3eOGXG/s/ev7d8mM1FSpZ6yI7RDYhEjm0MXhgS8WlF6fqIQDMUAIYDFX/4OZNTy2sif6zo141k6AiGtZsWj3aaUT9Z39wqDOi+ds7VtRG98jLQ4VqFi6pP9VTpFh5UdcPHxh471axh4jqliyaExErN6++/MNTPRGXDhxtGvnVuv1nDmX69wVVznOfVnogpWQHuErNqcvNyqv6hMMJP7QxKD3fsoSpdwgAM5wqiDCotnnN09/ZvfOphWN7smE8kw/Tp95r64l4cPOGxWPaN5Q2Z+Wapsy/ek68+aOz14fXAhyQvn44N9xRtCZeTq60YHT9/L3rI+w/Wxai4ZHh/fu8Abexy1YC7Oy+WuzjgSp/E/HM0oQf2ujl6hD+9lrxC53++EfP/8P25//hR2f7I6bkIQDMcAIY5MxpXL28cdTzBrP6zn2UeWrrwVWjnnw4UHd+ydNjemkYjKRx/SsDeSl6Try7642fHj57PZ3XPU+nr59576fbf5ibbFb32OYRJivWrPjaYwOx593DYx+yzVaQH5dcwuxqPztsxCb9cXvmkbbh5d0nVlUObQwWPJy51r2nfjn8bERcPZ0Z72paO8JYaEzeIQDMbKYgQnV0n8zUjq9bt2a0IerakddO9kY0f9s7l5kwNSv+9lt3fvrzzlRERG/qUu+7l06UWrbwRcAlzRmciFj+6bLsHMieE786XJsbZulPd5/75YGuwUePUul0LBhjRGpc/lh914e90XPizR/d+fo3Vi2oqRmyi7rHVlVeL6RiCRzaGBq14muP/fbN7NlYvXbVVwaqX6avnzn0bvaN1dlXeCVxCP1n3njzw96IaPrWyBNWAWY8AQyq4trvxjr8lZm4WP/4CyYfMrEWbfzbVxYfLehVD9PQvPobGyso1JFR85W1zad+3jni02VzVq5punygqydSlw68WTilre6BR1bU/fbdD3sjetN9FZZpLLqLF56LN978sDd6Ot/d1Vn4YX3TY5vXT8zwVwKHNqZWDZ6NUz/vPDXk44ZHnsu7WFPzEABmMAEMqiB96vTAJKemUQ5/ZevOj75oB4xeTeP6F3+yPt398UeFr3hqqK+r+/MVDy9aUPxNxqUt2vj1BzrfvRTRc+JXZxaVHjdrXP/i3zeeOX32cm6n9XUP5PZY2/Thga6Irq7u9YvGPgw8Z+UL3/9y98cfnbx6qTdb9bC+7oE1X3u4cc4EJockDm0MBs9Gqjd3oesamhcNDohN9UMAmKnuuXv37mS3YQo5fvz4o48+OtmtGPTf/vW/RMRDX1xfxW1uXv/NPW/truIGZ65sVfoHN+8Z4dGs7JINa156eTTlN/rO7XntZG/UrfvOjiHjZt3vvHTwYkQsefot8xLL2fnsS4eO/qJaW/vkD0cj4q//7D9Xa4PDvf5PH0bEN5f8ZRW3uW3Dpu/v+0kVNwiT6x+2P9965HC1tvaLy/8UEa/+5WPV2uAQ/3b0+Yj4k1XPT9D2gSH+/fRPIuJP10+h//EdP348IioPEUbAYNz6ujNzuuqbG0f1d/b0lSu9ERGpttdeaiu+yOWDz16OqCQEAgAwDaiCCOOVzVF1TYtNIwQAoBwBDMYrnUpFRDQsXjTmEvYAAMwOpiDCOGXrH9aPtnxB1KzesWd18Y88AwYAMCMZAYPx6Utn6q3V16nQDADACIyAwfjcSfdGRERd7QgPgKVP7d19LBURzd/e7ZVfAACzkxEwGJd0X2YArK723kluCQAAU58ABlVRV6sCBwAAIzEFEUqZs+Ll3StGWqhMIY0xLxkRjU/t3vNUpQsDADBdGAEDAABIiAAGAACQEAEMAAAgIQIYAABAQgQwAACAhAhgAAAACRHAZqOdz7402U2AKtj57EuHjv5islsBADAK0+g9YBfefHzXueWvHHtuafGPiqxSfOlZ7tDRX2xe/83JbgWMl78jAADT0bQJYBfeLBqxIiKi549/SLAlM0Aug+15a/dktwXGIpO+DH8BANPOtAhgPRfefKZ0/Iq4/cdbYbhrdDI9V0NhTFOiFwAwTU31ANZz4f2jRw6du1VumQsd5yJi7hfuS6hNM4heLAAAJGlKB7Ce97c/c+hWRMxd/sqLLR0lRsEyExDn/sV/aki0cQBMO+mzP911IvXAlu9vaiyzVP/Vs+faf9vV05v5z7qG5kVrV31lUU0le7h++Pl3L1Ww3EhtAGCmmtIBLCJi7vLNG9Y/ubQhLnSUWOL2H29FzP2LL9x+/80fDYyVzZ27fMOLzy2VyAAYlP74lydSIy7zox+e6in4UaqnM/XzzqsPbPlbkQmAcZvSZegbntx3bN9zT5YPUpkBsFuHdu0anKl469a5Xc88/uaFCW8hANNEkWQ1qmVSlw789Ey6+u0CYJaZ8iNgI8pU4MhMU8wMevX0vH/0R4fO3Tq3a/sX3t73ZLH4dvz48VLbu3Wr7ANnk6G3d4QuA1BFCXwJ9PZU+Ze6P91f3Q3ONP/379v/z//6r33Z//wf/1/RM/b/dBzIpq+aP/s/nlj7pf8ts/J/7zj/L+eu9UekPvzw//ry4/+x7K7mPPzycw+X+vD37bv+679GRO1Xnnq41lUro+q/IxP3e52ZmdpT7QYDpfyHiJiSPfbKTfsANlCCfvkr+3IlEBsannxu3xfi8V3nbv3zv/Q8WSyBPfroo0W3dvz48blz505QU8fgd/8aEVFfbzIlJOHGHyIiJvZL4I/dEVHfUOVf6jk1c6q7wRkkff3M6bMfdhbMPPyf/9diZyx97feZAa7mr7+yccHgA19z5jzxZ//xf3njzQ97I/7f/xFz5lT0LFgR1w//IPOlvvpbj//vY93ILFHN35G+/x4T+Xv9bxcjIhqq/UsNlPLv1yMm+n/Wo3Tt2rVRLT/tA1jDk/uOPVnk50tblse50gkMgJkvf0ph/epXNscvS89CTF+92hMR0fSt/PQ1YM7KF76/cnxtufpepjhH3WObvyJ9Acxi0z6AlXTfF+ZG3Lr1x9sRAhjAbFb3wJavbWqcE+mPSy/T/7vfpiIimhsXTUQTuo/+vDMiouGRr60UvwBmtZkbwDK8HQxgFqtZ8sjXv7Fi+IjWcP2p3oiIhnvnREQ6ff2jQ2cv9WYmLtY1NK/4xqoFNWMPTtcPH+iKiKhf/Y0VZosCzHJTugpiBXre3/74448XK3iYKc7xxS8Y/gKYrWoWrKwofUWk0wNhq3bO1fd+uuuH72bTV0Skejrf3fXDsZdATJ89m3kz2ANrTD4EYLoHsIYvfDEi4lzHkATW8/6RcxGxvGXp8HUAoLjUyZ/+vLPou8JSH44xg13/KPPysfrVD3uNGADTfwri0vWb5547dOvcru2RK0N/4c0f7Tp3K2Lu5vXyFwCV6+lNRURD89dzcw7T3R9/dPLUpd6ISH14+vrKjQtGt8XubsNfAOSZ9gEsGp58cfM/P3Po1q1zu545l//B8ldeVP8QgFFqeOS5F/Oe1Kpp/MqmxoV1mTL0nd1XNy4YTZWO/jMnuyIioqnJ8BcAEdN/CmJEphL9268sH3wbwNy5y195+1hmOAwARqFpbZE6GXNWrmmKiIiuru7RbCx97XKmtscjyyekuCIA08/0GQFb+tyxY8+V/LRh6XP7lpb+GAAqUaoMfU1NQ0Spd4iVkn23WN2SRYofApAxE0bAAGB8amrqMv9Ipcda7HC47LvF6hd92eNfAAwQwAAgFjQ1R0REb7qv2Me5say6UUSp7LvF/nyh/AVAlgAGABG192bGwLp+/t71YR9mS8lHbW3lWSpb/7Cu1vxDAHIEMACIqFmx4oHMvzrf3f7Gx1ezMxHT3R8ffuPdTJQaVS2NdF9mLG1Ug2YAzHjTpwgHAEykBZu2NF060BUR0Xvq5z88NWyBIQUS+89katNH07d+sn54MOu7M/pBMwBmPiNgAJDRuP6VLU3FX2FS3/Stvy+Sskrr78vkr/qa2iq0DIAZwwgYAGTVNK5/8e8bz5w+e7kzNVB0vr7ugT9f8fCKBWMcx6qrMQAGQB4BDIBZouYrL/7kKxUstmDlxgUrN4643JyVL3x/5Rg/BWDWMgURAAAgIQIYAABAQgQwAACAhAhgAAAACRHAAAAAEiKAAQAAJEQAA5jeWo8c/oftz092K6A6/mH7861HDk92KwAmkAAGAEwJ/pQAzAZexAww7bUeObxtw6aI+P6+n0x2W2CMjH0Bs4QABjATZDKYAQSmL+kLmCUEMIAZQv8VAKY+z4ABAAAkRAADAABIiAAGAACQEAEMAAAgIQIYAABAQgQwAACAhAhgAAAACRHAAAAAEiKAAQAAJEQAAwAASIgABgAAkBABDAAAICECGAAAQEIEMAAAgIQIYAAAAAkRwAAAABIigAEAACREAAMAAEiIAAYAAJAQAQwAACAhAhgAAEBCBDAAAICECGAAAAAJEcAAAAASIoABAAAkRAADAABIiAAGAACQEAEMAAAgIQIYAABAQgQwAACAhAhgAAAACRHAAAAAEiKAAQAAJEQAAwAASIgABgAAkBABDAAAICECGAAAQEIEMAAAgIQIYAAAAAkRwAAAABIigAEAACREAAMAAEiIAAYAAJAQAQwAACAhAhgAAEBCBDAAAICECGAAAAAJEcAAAAASIoABAAAkRAADAABIiAAGAACQEAEMAAAgIQIYAABAQgQwAACAhAhgAAAACRHAAAAAEiKAAQAAJEQAAwAASIgABgAAkBABDAAAICECGAAAQEIEMAAAgIQIYAAAAAkRwAAAABIigAEAACREAAMAAEiIAAYAAJAQAQwAACAhAhgAAEBCBDAAAICECGAAAAAJEcAAAAASIoABAAAkRAADAABIiAAGAACQEAEMAAAgIQIYAABAQgQwAACAhAhgAAAACRHAAAAAEiKAAQAAJEQAAwAASIgABgAAkBABDAAAICECGAAAQEIEMAAAgIQIYAAAAAkRwAAAABLyucluwJRz69atyW7CUL29PZPdBJhFEvgS6O3xSw2Jmrjf65qIiOjxSw1J+Q8RMSV77JUTwIaaO3fuZDdh0O/+NSKivr5hshsCs8KNP0RM9JfAH7sjor7BLzUkpe+/x0T+Xv/bxYiIBr/UkJR/vx4xxXrs165dG9XypiACAAAkRAADAABIiAAGAACQEAEMAAAg5ig4eQAAIABJREFUIQIYAABAQgQwAACAhAhgAAAACRHAAAAAEiKAAQAAJEQAAwAASIgABgAAkBABDAAAICECGAAAQEIEMAAAgIQIYAAAAAkRwAAAABIigAEAACREAAMAAEiIAAYAAJAQAQwAACAhAhgAAEBCPlf1Ld68ebP0h/Pmzav6DgEAAKaHKgWwm+37fvz6jv0dIy23te1u69rq7BIAAGCaqUoAa982f93+amwIAABgBqtCALu57/WB9NWydev6BU986Uull50/f/z7AwAAmJ7GH8BunjjaEWF2IQAAwAjGXwXxxvWOiGjZ+3fSFwAAQDnVKkPf+CXlDQEAAMoafwCbv6AlIrp/X6b4PAAAANUIYPMeWd8S0XH0hAQGAABQThWmIM7b/s7elujY8dS2dhkMAACgpCpUQdy37cfXG1uio2P/uvn7o6Vla2NjyYUX/F3rdg+LAQAAs9P4A9iN6/v3572FuaNjf0dHyYW3PtEaAhgAADA7VasKIgAAACMY/wjY2ta7d1ur0BIAAIAZzggYAABAQgQwAACAhIx/CuIQN2+WqkV/48SPX48nzm9fW+1dAgAATAtVCmA32/f9+PUd+0uXPxyw9Ynq7A8AAGD6qUoAa982f93+kReLaFlQjd0BAABMS1UIYDf3vZ5NX5m3MHd37+/oKPh3RLRsbXunda13gAEAALPX+Itw3DxxNJOw9t64e/58a2tr6zvrWyKio/GJ1tbW8+fv3r2xtyWiY//rJ0o9HQYAADAbjD+A3bjeEREte9/Znh3emvfI+paI6P79QOCat/1829aIjh0/bh/33gAAAKatapWhb/xS3uzCeV9qjIiO6zdyP1n7xNaI2P+BBAYAAMxeE/kesNwQWGQTWP5PAAAAZpnxB7D5CwrmG+b9LH8ILGP4TwAAAGaN8QewgfmGR/NLbGR+lp/Kbv6+e9x7AgAAmNaqMAVx7d/tbYno2DF/2bZ97QOJa2AILJfK2n+8oyMiWhbMH//+AAAApqdqPAM2b/urWyMiOvbvWDd/W3vejzp2zL/nnmXL7rkn857mlvWPeBEYAAAwa1WnCMfa1rs39m5tKfjR37Vtzfwr8yLmwkr1AAAAs0/VqiDO2956/u7dG21/l51kOG9t640bbVtbWlpaWlq27m27cV78AgAAZrXPVXdz89bmh6x589a2nl9b3T0AAABMVxP0HrCbN73wCwAAoFA1A9jN9n3bli2755577rln/vyBahzt2+7JK44IAAAwi1UrgN1s37Zs/rod+7MVN/J07N+xbv6yTB4DAACYvaoTwNq3zV+3vyMiomXr1oJyiPMXtLRERHTsX7dsn3EwAABgNqtGAGvflnnN19a2G3fPt7Zuf6Jx8LN528+fv9G2tSUiOnb82CgYAAAwi1UhgLV/sD8iWvbeaF1bvM78vLWt7+xtiYj9H0hgAADA7DX+AHbz990R0bL+kXJv+Zr3yHoJDAAAmOXGH8BuXO+IiMYvlX/L8rwvNZb9HAAAYMaboPeAAQAAMNT4A9j8BZVMLhx4UGzB/HHvDwDg/2/v/l0bO/cHj38Mge1vcYs4hhFIUwzDdouJzBQq5YRhCjNFFpxOxiyL7GLSOOW4ycDaYgsjwRYxbIrBRTATu9hC7A5WMBe2uEyGS6SLBhwFvn/Al8tW3kLyb9mWbfnxr9eruRnp+OgU95H01nPOcwDuqKsH2CCXd7Uqr2sR55+oCAAAcI8N4RTEvQKbnJjZ7HOnr9bmzERurhER+eVXxau/HAAAwB01jGvAsuXuKvON2mRuZGRi4vWHiIgPr2dmJiZGRvZv0bz8Y9n8FwAA8IB9NpS9ZMtbzZj5dq7WiGg0GhER0Wh0wysiIvLLzS35BQAAPGxDWwUxW65uNZsby6V8Pn/waD6fLy1vNHfVFwAAwHBmwHqy2WK5WiwPc5cAAAD3hvuAAQAAJCLAAAAAErnoKYitzZk3P1/+5Z68qroaDAAAeKAufA3Y7x9qh1Y3vKjSi2oIMAAA4GG6aIBlHz+N6AbYkeUOAQAAOMeFZ8ByT/K9Ams0orT8/auvillzWgAAAOe78CIc2fJWs7lRyucjolGbm8zlRkZGJmYqm63WNRweAADA/XGZVRCz2WJ1a2t3d7e5sVzKRxyU2MTETGVTiAEAAPRzpWXos8VydT/E8hHRaNTmJnMjSgwAAOCkodwHLFssV7e2dnebB1NiSgwAAOCYod6IOXtiSuxQic1UlBgAAPCgDTXA9p2cEotGbW5uMjezeS2vBwAAcAdcT4DtyUbEk6duFwYAABCXuA/YQFqtzV/evJ6rNY48ms+XXuSu5fUAAADugOEGWGuz8ub121rjSHjl86WX378qF92uGQAAeNiGEmB9J7x0FwAAwBFXCrB+E166CwAAoL/LBFi/CS/dBQAAcI4LB1irMpGb208v3QUAADCoCwdY8+NefeVLpacR8fHnNzM/D/rXT15Vy2INAAB4mC4aYK3fP+z9Z6N2bJn5AZReVEOAAQAAD9NFb8R8MAEGAADAhVx0BqxY3d2tXsuRAAAA3HMXnQEDAADgkgQYAABAIgIMAAAgEQEGAACQiAADAABIRIABAAAkIsAAAAASEWAAAACJCDAAAIBErinAWq3W9ewYAADgzhpmgLU2KzMTEyMjIyMjuVxuZjMiYnNmZGKmsinHAAAAhhVgrc2ZidzkXK3ROPFUozY3mZvo9hgAAMDDNZwA25zJTdYaERH5Umm5lD94Jvckn4+IaNQmJyrmwQAAgIdsGAG2OTNZi4gobTR3t6rV8ounB89ly1tbzY1SPiIac2/MggEAAA/YEAJs8+daROSXm9Vitu8G2WL1x+V8RNR+VmAAAMDDdfUAa/3+ISLyL7/qX19d2a9eKjAAAOCBu3qANT82IuLp47P6KyL7+OmZzwMAANx7bsQMAACQyNUDLPdkkJMLexeKPcld+fUAAADuqKsH2CCXd7Uqr2sR55+oeKbtpefPny9tn/JsZ22pXH7eU15a2+5c/pUAAACuwxBOQdwrsMmJmc0+d/pqbc5M5OYaEZFfflW89KtsLy3Wz3jy+exqvd3e+3e7vro4e2qrAQAA3IhhXAOWLXdXmW/UJnMjIxMTrz9ERHx4PTMzMTEysn+L5uUfy5ec/+psLz0/M78W6xGRmV5YWV9fX19fWZjORER9sbxmGgwAALg9hrMIR7a81Vwu5SMiotFoNLr/W6t1/ysi8svNrUvlV2d7bak8e0Z9RWftp3pEFBYqU+OjERExOj5VWShERPv9rwoMAAC4NYa2CmK2XN1qNjeWS/l8/uDRfD5fWt5o7l6yvtbKs4ur9XZkCgsrC4X+2/z6vh0Rhfz4kYfHX05nFBgAAHCrfDbMnWWzxXK1WB7mLiNTmP7m5dT4aGw3+j7/x06//ooYHXsU0W7v/BExOtQDAgAAuKShBtiwjU5V1qfO3qSz8ykiMmNfnHjmi7FMRPvTTifGFRgAAHAbXD3ANmdGJj+Ulr9/VS5eYY35xN69e3faU+2DxRRviz//dCIlpJPgTeDPjkENSV3fuP5rRER0DGpI5S8RcSu/sQ9uODNgjdrcZG0uIn/rQuyUcxC//vrrvpu/e/cuk8lc90EN7u//iIj4/HNzeJBC81NExPW+Cex8iIjPRw1qSOXf/hnXOa7//W8REaMGNaTyr48R1/1hfUG//fbbhba/+iIcuRel/WU3GrW57kr0M5V+twS7Af1OTgQAALgRVw+wbLG6tbW7210AsftQ4/aFGAAAwI0b3jL0xXI3xJob/UJss3U9ITY69ih6Jxoe010e8dGYcwIAAIBbYmgBtie7NyPW3Ni7NXM0GrXJXG5kZGKiMvQM+2IsExGfdo5f/Hr68ogAAAA3Y+gBtiebLZarW7u9cxO7jzUaH5vDfp3RL59lItqrb7ePPLz9drUdkXn2pQkwAADgtri2AIuIaG1WZia+nZyr9b+H8nB0Cyzqi+Wl7e40WGd7rbxYD/0FAADcLtdxI+ZWa/OXN6+PZlc+X/r+x1fF7DWsUD869d3CzuxivV1fnK0ferywUJnSXwAAwO0xzBmw1mZlZmJiZCSXO5j0yudLyxvN3d2treq11FdERIyOz68sTBcO7gaQKUyvrM+PX9PLAQAAXMowZsBam5XjE17XcE/m8fn19flTnx0dn5ofnzr9eQAAgBt39QDbnMlN1g7+OfTwAgAAuCeGdg1YvrT8/auvru80QwAAgLvu6gGWe7HRvJ7VNQAAAO6VqwdYtlgcwnEAAADcexcNsFZl5s3HiIgnr6rl7JFHBrH/VwAAAA/ORQOs+bFWq0VElF5UI3vkkUHs/xUAAMCDM8z7gAEAAHCGi86AFau7u9VzHgEAAKAPM2AAAACJXD3AWpWZmZmZSuv8rSYmJs7bDAAA4P66eoA1P9ZqtdrH5tlbZR9HrdFonLcZAADA/ZXqFMTW7x8SvRIAAMAtdYkbMW/OjEyeWHe+NjkywFr0+Se5i78eAADA/XCJGbBidaN0uRcrfe8uzAAAwMN1iRmwiOKrjVL83PvHhw+1RiPy+dLTp2f8yZMnL776qii/AACAB+xSARbZYrVa7P335kxtshFPvz94BAAAgD4uF2CH5Z6USqVwcRcAAMA5rh5g2XK1OoQDAQAAuO8uGmCtysybjxERT15Vuytq7D8yiP2/AgAAeHAuGmDNj7VaLSKi9KIa2SOPDGL/rwAAAB6cVDdiBgAAePAuOgNWrO7uVs95BAAAgD7MgAEAACQiwAAAABK5+jL0x7VardOfzGYtwQEAADxUQwqw1mblzeu5WuO87Uobu9XicF4SAADgjhlKgG3O5CYHXokeAADggRpCgLUqr3v1lS+VXj558fjx6dvmcld/PQAAgLvp6gHW+uVtI8LZhQAAAOe4+iqIzY+NiMgvv1JfAAAAZxnWMvRPH1veEAAA4ExXD7Dck3xEfPj9jMXnAQAAGEaAZb96mY9ovP1FgQEAAJxlCKcgZss/LuejMfftzKYGAwAAONUQVkGszLz5+DQfjUZtMleLfL709OmpGz95VS27WAwAAHiYrh5gzY+12qG7MDcatUbj1I1LL6ohwAAAgIdpWKsgAgAAcI6rz4AVq7u71SEcCQAAwD1nBgwAACARAQYAAJDI1U9BjGi1Blx+Ppu1AAcAAPBwXT3ANmdyk7XzNzskny+9/P5VuajGAACAB+UmTkFsNGpzk7mRiYr7NgMAAA/J1QMs92pjY2M5v/fPfKm0vLFnuVTK7z++vLGxsbG8XCrlu4815nIzm1d+eQAAgLvi6qcgZrPF5pvJRkTkl5tb5SPnFRaLxXK12tqcyU3WanM/v9itlovFKEfvoai9rrwqlp2KCAAAPAhDOAVxc2ay1q++9mWL1eZyPqI2uT/jlS1WN0oR0Xj7i/MQAQCAB+LqAdb6/UNE5F9+ddZEVvarl/mI+PD7QW7lnuQjovGxeeUjAAAAuBOuHmDNj42IePr47BMJs4+fxtHc6j4CAADwYAxrFcTDc1v9dOfJAAAAHrCrB1jxRSkiGnNvzlrRcPPNXCMiSi+KBw/9XIuI/JPclY8AAADgThjCDFi3wKI2OTGz2W8arLU5M9G9VfN+f+0/dM6lYwAAAPfI1ZehjyhWN0q1yVo0apO5WuTzpad7V3d9+PCh0Wj0/lHaqBYjYnNmpJtjob8AAIAHZRgBFlGsNjfi28laIyIajdp+c+3LL2/8WC4ee6y0cdrC9QAAAPfQsBbhyBarW7vN5sZyKZ/PHzycz5eWN5rN3a1ycS+1ck9KpeXljebuVrXYd1cAAAD303BmwHqy2WK5Wiyfs1G5Wh3miwIAANwRw5oBAwAA4BxDDbBWa7MyMzExMdIzMTExMVPZbJ19izAAAICHYWinILYqE7m5Y4tvNBqNaDQma3ORX25acAMAAHjghhNgR+orn88/7S5Ef7AKfWMuNxEaDAAAeNCGEWCtyrfd+uouNn8sslqblW8n5xrRmPu28pUEAwAAHq4hXAO2+WauEdE9y/B4fUVEtljeai7nI6Ix92bz6i8HAABwR109wFq/f4iI/PKPZ0xuZcs/Lucj4sPv1uMAAAAerKsHWPNjIyKePj773MLs46cR0fjYvPLrAQAA3FHuAwYAAJDI1QMs9yQfEbWfz768a/PnWkTkn+Su/HoAAAB31NUDrHtyYdReV06/vqtVeV2LOP9ERQAAgHtsCKcgFl/11jjMTcxsto5XWKu1OdO7SVh++VXx6i8HAABwRw3jPmDZ8o/Lb3NzjWjUJnO1iMjn891nerdhjojz1kkEAAC494YRYBHZ8lbz8cy3k7Vubx3uroiIyJc2fqz2uUcYAADAAzKcAIuIbLG6tfuqtfnLm5/ffviw9+jTpy9fvPqqmNVeAAAAQwuwiIjIZovlarE81H0CAADcE+4DBgAAkMiVA6zVOrHwYffxysTETOXkqogAAAAP1RUCrLU5MzEykst9+0ufyGr98rbRqM1N5nIjEzObKgwAAOCyAdbanJnI9RY9bHxsntzg0EON2mRu4oy7NAMAADwMlwqwzZm9+IrIlzZe5U5uUixv7e42N0p7NwSby81sXvYYAQAA7oVLBNjmzGSt+1/55ebuVvX0ReazxepWc7nXYLVJCQYAADxoFw6wVuX1fn79WD7//l7Z8o/7CfbaiYgAAMADdtEAa/3ytnfuYen7AfIrIiJb/r7U/a/G237rdQAAADwMFw2w5se9a7+e9Lny6xS5J3uXgvVbrwMAAOBhuPQy9E8fDzb/FRGRffz0si8DAABwb1z5RswAAAAM5qIBtn824YffB7+cq/X7h+5/XOS8RQAAgHvmogG2fzbhBRbUOFi44yLnLQIAANwzFz4FsfjioksaHvSXCTAAAOAhu/g1YAcFNvftAPf12pzJzV104XoAAID76BKLcBSrG/sJlpuY2Tw1wlqblZmJyd5tmyO//Kp4iQMEAAC4Lz67zB8Vq83lD92JrUZtMleLyJeWX754/Hhvg99//vltrdY49CeljS3TXwAAwMN2qQCLyJa3mjHz7dxeZDVqc43aKdvmS8s/VtUXAADw4F3+PmDZcnWrubFcyp++ST5f2mg2t9QXAABAXHoGrCdbLFeL5Wq0WpvN5u+///zxY0Q8efLi8eNcrpiVXQAAAIdcLcD2ZLPFbLZYtMgGAADA6S5/CiIAAAAXIsAAAAASEWAAAACJCDAAAIBEBBgAAEAiAgwAACARAQYAAJCIAAMAAEhEgAEAACQiwAAAABIRYAAAAIkIMAAAgEQEGAAAQCICDAAAIBEBBgAAkIgAAwAASOSzmz6AW6fdbt/0IRz355+dmz4EeEASvAn82TGoIanrG9d/jYiIjkENqfwlIm7lN/bBCbDjMpnMTR/Cgb//IyLi889Hb/pA4EFofoq47jeBnQ8R8fmoQQ2p/Ns/4zrH9b//LSJi1KCGVP71MeKWfWP/7bffLrS9UxABAAASEWAAAACJCDAAAIBEBBgAAEAiAgwAACARAQYAAJCIAAMAAEhEgAEAACQiwAAAABIRYAAAAIkIMAAAgEQEGAAAQCICDAAAIBEBBgAAkIgAAwAASESAAQAAJCLAAAAAEhFgAAAAiQgwAACARAQYAABAIgIMAAAgEQEGAACQiAADAABIRIABAAAkIsAAAAASEWAAAACJCDAAAIBEBBgAAEAiAgwAACARAQYAAJCIAAMAAEhEgAEAACQiwAAAABIRYAAAAIkIMAAAgEQEGAAAQCICDAAAIBEBBgAAkIgAAwAASESAAQAAJCLAAAAAEhFgAAAAiQgwAACARAQYAABAIgIMAAAgEQEGAACQiAADAABIRIABAAAkIsAAAAASEWAAAACJCDAAAIBEBBgAAEAiAgwAACARAQYAAJCIAAMAAEhEgAEAACQiwAAAABIRYAAAAIkIMAAAgEQEGAAAQCICDAAAIBEBBgAAkIgAAwAASESAAQAAJCLAAAAAEhFgAAAAiQgwAACARAQYAABAIgIMAAAgEQEGAACQiAADAABIRIABAAAkIsAAAAASEWAAAACJCDAAAIBEBBgAAEAiAgwAACARAQYAAJCIAAMAAEhEgAEAACQiwAAAABIRYAAAAIkIMAAAgEQEGAAAQCICDAAAIBEBBgAAkIgAAwAASESAAQAAJCLAAAAAEhFgAAAAiQgwAACARAQYAABAIgIMAAAgEQEGAACQiAADAABIRIABAAAkIsAAAAASEWAAAACJCDAAAIBEBBgAAEAiAgwAACARAQYAAJCIAAMAAEhEgAEAACQiwAAAABIRYAAAAIkIMAAAgEQEGAAAQCICDAAAIJHPbvoAhmJ76flivc/jhYX1+fHkRwMAANDXvZgB6+x8uulDAAAAONe9mAH7Y6cdprsAAIDb7j7MgG036hGRGfvipg8EAADgLPcgwLonIGaefTl600cCAABwlntwCuIfO+2IzLOxP9aWflittyMiMpnCN9/NjysyAADgNrn7M2DdCbD26uJir74iot2uL84+X9q+wcMCAAA47u7PgHVX4IjIFBZ6k16dztrbH1br7fpieWylMtVvHuzdu3en7a/dbp/21E3588/OTR8CPCAJ3gT+7BjUkNT1jeu/RkREx6CGVP4SEbfyG/vg7nyA9ZagLyxU9pdAHB2dmq+MxfPFevv9r52pfgX29ddf993bu3fvMpnMNR3qJfz9HxERn3/uZEpIofkpIuJ63wR2PkTE56MGNaTyb/+M6xzX//63iIhRgxpS+dfHiOv+sL6g33777ULb3/lTEEenKuvr6ycXoB/PFyKi/f5XP0kBAAC3xJ0PsFN9MZaJiPbOHzd9IAAAAF33N8C63B0MAAC4Ne56gHXWys+fP++34GF3cY5HY07KBgAAbom7HmCjY48iIuqNYwXWWfupHhGF/PFrwwAAAG7KXQ+wGH85nYmI+mJ5abu33kZne6k8u9qOyEy/1F8AAMCtceeXoY/Rqe+m38+uttv1xdn64ScKC9/1vQcYAADAzbjzM2DRXYl+ZaFwcDeATKawsLLevSszAADAbXH3Z8C6RsfnK+PzN30UAAAAZ7gPM2AAAAB3ggADAABIRIABAAAkIsAAAAASEWAAAACJCDAAAIBEBBgAAEAiAgwAACARAQYAAJCIAAMAAEhEgAEAACQiwAAAABIRYAAAAIkIMAAAgEQEGAAAQCICDAAAIBEBBgAAkIgAAwAASESAAQAAJCLAAAAAEhFgAAAAiQgwAACARAQYAABAIgIMAAAgEQEGAACQiAADAABIRIABAAAkIsAAAAASEWAAAACJCDAAAIBEBBgAAEAiAgwAACARAQYAAJCIAAMAAEhEgAEAACQiwAAAABIRYAAAAIkIMAAAgEQEGAAAQCICDAAAIBEBBgAAkIgAAwAASESAAQAAJCLAAAAAEhFgAAAAiQgwAACARAQYAABAIgIMAAAgEQEGAACQiAADAABIRIABAAAkIsAAAAASEWAAAACJCDAAAIBEBBgAAEAiAgwAACARAQYAAJCIAAMAAEhEgAEAACQiwAAAABIRYAAAAIkIMAAAgEQEGAAAQCICDAAAIBEBBgAAkIgAAwAASESAAQAAJCLAAAAAEhFgAAAAiQgwAACARAQYAABAIgIMAAAgEQEGAACQiAADAABIRIABAAAkIsAAAAASEWAAAACJCDAAAIBEBBgAAEAiAgwAACARAQYAAJCIAAMAAEhEgAEAACQiwAAAABIRYAAAAIkIMAAAgEQEGAAAQCICDAAAIBEBBgAAkIgAAwAASESAAQAAJCLAAAAAEhFgAAAAiQgwAACARAQYAABAIgIMAAAgEQEGAACQiAADAABIRIABAAAkIsAAAAASEWAAAACJCDAAAIBEBBgAAEAiAgwAACARAQYAAJCIAAMAAEhEgAEAACQiwAAAABL57KYP4NZpt9s3fQjH/fln56YPAR6QBG8Cf3YMakjq+sb1XyMiomNQQyp/iYhb+Y19cALsuEwmc9OHcODv/4iI+Pzz0Zs+EHgQmp8irvtNYOdDRHw+alBDKv/2z7jOcf3vf4uIGDWoIZV/fYy4Zd/Yf/vttwtt7xREAACARAQYAABAIgIMAAAgEQEGAACQiAADAABIRIABAAAkIsAAAAASEWAAAACJCDAAAIBEBBgAAEAiAgwAACARAQYAAJCIAAMAAEhEgAEAACQiwAAAABIRYAAAAIkIMAAAgEQEGAAAQCICDAAAIBEBBgAAkIgAAwAASESAAQAAJCLAAAAAEhFgAAAAiQgwAACARAQYAABAIgIMAAAgEQEGAACQiAADAABIRIABAAAkIsAAAAASEWAAAACJCDAAAIBEBBgAAEAiAgwAACARAQYAAJCIAAMAAEhEgAEAACQiwAAAABIRYAAAAIkIMAAAgEQEGAAAQCICDAAAIBEBBgAAkIgAAwAASESAAQAAJCLAAAAAEhFgAAAAiQgwAACARAQYAABAIgIMAAAgEQEGAACQiAADAABIRIABAAAkIsAAAAASEWAAAACJCDAAAIBEBBgAAEAiAgwAACARAQYAAJCIAAMAAEhEgAEAACQiwAAAABIRYAAAAIkIMAAAgEQEGAAAQCICDAAAIBEBBgAAkIgAAwAASESAAQAAJCLAAAAAEhFgAAAAiQgwAACARAQYAABAIgIMAAAgEQEGAACQiAADAABIRIABAAAkIsAAAAASEWAAAACJCDAAAIBEBBgAAEAiAgwAACARAQYAAJCIAAMAAEhEgAEAACQiwAAAABIRYAAAAIkIMAAAgEQEGAAAQCICDAAAIBEBBgAAkIgAAwAASESAAQAAJCLAAAAAEhFgAAAAiQgwAACARAQYAABAIgIMAAAgEQEGAACQiAADAABIRIABAAAkIsAAAAASEWAAAACJCDAAAIBEBBgAAEAiAgwAACARAQYAAJCIAAMAAEhEgAEAACTy2U0fwLB01pZybyNVAAAM4UlEQVR+eF9vtyMiIlOY/ubl1PjoDR8TAADAYfdjBmx76fns6l59RUS7vro4u7R9k4cEAABw3H0IsO2lxXpEZKYXVtbX19fXVxamMxFRXyyvdW762AAAAPbd/QDrrP1Uj4jCQmXvnMPR8anKQiEi2u9/VWAAAMCtcecDrPPr+3ZEFPLjRx4efzmdUWAAAMCtcucD7I+dfv0VMTr2KCLaO3+kPyQAAIC+7voqiJ2dTxGRGfvixDNfjGUi2p92OnHnV0P835/e3vQhAMP0P/7v/7npQwCG6V//67/d9CEAd8ZdD7BLevfu3WlPtQ8WU7x5//E/TP79/23c9FHAw3KtbwL/eezp/9z5cH37B/q6xnH9n/7rX//2369r58ApbtU39ou67wHW3vkj4uQM2Ndff91383fv3mUymes+qAvJxH+56UMAhun7W/YmA1xVxvQXpHarPkp/++23C21/568BO0e/kxMBAABuxH0PMAAAgFvjrgfY6YsddpdHfDR211fgAAAA7o27HmDdxQ7j087x+32dvjwiAADAzbjzATb65bNMRHv17faRh7ffrrYjMs++NAEGAADcFnc+wHoFFvXF8tJ2dxqss71WXqyH/gIAAG6Xe7AM/ejUdws7s4v1dn1xtn7o8cJCZUp/AQAAt8fdnwGLiNHx+ZWF6cLB/QAyhemV9fnxGzwkAACAE+7BDFhERIyOT82PT83f9GEAAACc7l7MgAEAANwFAgwAACARAQYAAJCIAAMAAEhEgAEAACQiwAAAABIRYAAAAIkIMAAAgEQEGAAAQCICDAAAIBEBBgAAkIgAAwAASESAAQAAJCLAAAAAEhFgAAAAiQgwAACARAQYAABAIgIMAAAgEQEGAACQiAADAABIRIABAAAkIsAAAAASEWAAAACJCDAAAIBEBBgAAEAiAgwAACARAQYAAJCIAAMAAEhEgAEAACQiwAAAABIRYAAAAIkIMAAAgEQEGAAAQCICDAAAIBEBBgAAkMhnN30At867d+9u+hAAAID7yQwYAABAIiO7u7s3fQwAAAAPghkwAACARAQYAABAIgIMAAAgEQEGAACQiAADAABIRIABAAAkIsAAAAASEWAAAACJCDAAAIBEBBgAAEAiAgwAACARAQYAAJCIAAMAAEjks5s+ALiC7aXnP33KPHr0bCz/5dT4aP+NOttrvzZ23n+qP/pmfX58qK/fWSvPrrYz0yuVqVNeHLiaTmf717c/va+3270HMpnCs29e9hnw543H7aXni/UoLFzkfaD7N8Y43AbdMX7uZgMP2Mu8J8BQCDDuuHa73W63o74zdso76PbbxdV6REQ8SnlcwJX1/brVbtfbi/XVTGH6u3lVBMDdI8C4+zKZTLtdb2zPj/cpsO1GvbvB+T+aAbfI9lJ5sd6OiExh+puXX46PdmOrOyO2Wm/XV2c/hZkpeDhGpyrrU4cfMIXFXeUaMO6BR48yEfXGdp+nthv1yDx79ij1IQFXsr20WG9HZKZX1ivzU3v1FRGjo+NT85WVhUImor06u9Rv3APALWYGjHtgLP8sU+87B7bdqEdm+suxndWjD/e7rqN3ttPhn9I620s//LR/7Ukmk3n0zXfzp11rdmQvR/fd2V57+9NqfW8/hel+V7B0tpd+6P7gH5nCwnfzX/za74KWzvbaoethMplC/yMacDO4nTprP9UjorBw2gTX6Pj8d9OfZlfb9Z/WXo6fOgvWdzwefv7IQDnj+rKIztrSD6t7A7Tf2Y/nDfOD3+q/2N/VwZ4Odp/JTH/z3bFDuMBxAhEx+Af9YYN96BuPXJ0ZMO6DL7581ncObLtRj3g0drk3xc5aeXaxfujUxXa7XV+cfX7GL+573/aOfG3cXirPLu5/LYuIdn11cbZ8dDe9F9vfYnG2/Han/yGtHjqmdrt+YlcDbwa3VefX9+2IzPTLs04rGp36phAR7fe/dk7ZS7/xeMje0Dx0enK7XV9d7DOrtvO2PLt6aICuzpbXjrzqQMO8u6u1Q7vq7Wl76fmhx9qriz8c3vsFjhO4tME+9I1HhkKAcS+M9i2w7UY9opC/1KnhnbUfVtsRmemFlfWelYXpTETUf1rr/31ve2l2tR1RWKgc/LLWWetexpIpTK+s7O2mkIlo1xcPvsH1Xmz/1VYWCpl2/dCXucP7zxT2D6l7RO364uE3/gE3g1ur21/n/3Yynj+jwPqNx6PP985xPBji6ysLhYg+Y7xdr7cPj86IaK++3R9Ogw3zrvrqahT29jTd3dPsYj1z/LH9vV/kOIHLGuxD33hkSAQY90OfAuuexHTJ/oo/dtoRkXn25cFJBaPjU5X19fX1vr+md9bKi/WIzPTK4W97vS+ShYXK/NTeRSyj4/OVhUIc+o51sFXvFIbR8fnvpjPHX2DvnKyD8yFGx6cqK9OZw2/8A24Gt1hv9I19cd6GX4xlIqK988fxJ/qPx8O2G/WIyEwfOdlvdPzldN89ZqZXDo3ObwoREZ929gbdQMP8YFd7pzSNjn/5LHPisamje7/YcQKXNNCHvvHIsAgw7onRsUdxpMC6X4ou21973+xWf1ja7pwfLd0f209caLL3xezEQXR/ue99x+p7ulXv9Kpju+pzTlY3PfcmAQbcDG6/y548fOp4PGJ8/tAXq06ns729tra0dNpNho4ey9HuG2yY78k8+/LQF7exRyceu9JxApc00Ie+8ciwWISD+2I8X4h6fX8ljiv2V4x++Syz2m5Hu744W4+IyBSmn/W/3XN7dXax/05O/yG/e7TtnT8iRrtbnfi2+cVYJuLYm3p7dfb50fVE9p/Z+SNi9GKbwW32aacTl7iq/fTxeMKhhW/OduZk3GDDfMBD6mvg4wQua+APfeORYTADxr3R/bm5Nwd21f6KGJ2qrCwUMvsnArbrq6uLs8+fl5e2T/44lil018T+od8pfpf/If+Q7pe8YW0Gt9mpZxYed0r7nDke9xxZ+CaTyRQK09MLKyvHz/0d1KDD/MJvB0M+TqC/gT70jUeGxAwY98ehObAvrtxfEd3LOMbnIzrba7823vfWnG3XF38YO3pqU2GhMj/eGfs0u9pefbs9dfyik8F+yB9oq7NPqrroZnA79X6KPndM9K7HOHYC3znjsWtv4ZvCwsqRRaY7JxcfHcwl5+vOM/TjBE513oe+8cjQmAHjHtmfA7v6/NcRo+NTU/OVysEKZUevpOr+/t67aOvIUoOn/5Df++Y49sX+ViccncwacE5g4KkDuMV6lyweX7/iqN6CM8f76/TxeFhv7mz65bFousQc8mDD/JKGeJzAgE770DceGRoBxn3S/Sb0qfH2nP7q942pdyX93r/Wys+fPz9+z6+DVcv6GZ9fKMSRpQa7XyNPu0HZ3tlI/b9s9jbZf+nerk6uY7i99Pz58+e9xa4H3Axut/1+6nvKb3Qvw+j+FP3NKZO9J8fjAPaG3dGFM8451oGG+XBd5jjhYTn/g/6wy3zo7zEeuTgBxn3SS5l6/Zz5r97aY/XF3pe7zvbasVWM9r5TLZbXDr7/dbZ7px+c9o2quxbtoUtPDnaztNZbV6nTWVsqL3ZXsu2tVXjoxXrbbPc2OXxEvbvOrs4eOqT9Dfe/hQ64Gdxy4/MrvdvXzZaX1g4tS9bpbK8t9S7DyBQWTltmPvqMx0P2Vjx7e2iUrJWfHx92AxlsmF/OMI8THpTzP+iPbD3Ih77xyNC4Box7ZW8Zo/NO+xl/OZ2pr7Zjb7WjiCgsLMTiwdvo6NR30+9nV9vt1cXZowsKnvWdb++v9i89GZ2qLOyUF+vt+upsffXoXg4u0zp4sYPVCzOFQhy9F/P4/ELh02L95CEdPaIBN4NbbnSqshJLP6zW2/XVxfqJZT0zhenv5s/+QeHEeDz81DeF1cX64beAiIjM9MKz94ur7YutXDjYML+UoR4nPCjnf9AfNsiHvvHI0JgB437p/Yh15o11Irrf7aYLe2cWZAoLJ+/XOjpVWVmYPrQkUmQyhemFlcqZFXPy0pPx+e5+DnbTZy+95ZcOHU8lf3wN+oNd7e+r/xENuBncdqNT85WVY8Ow93/n9co59dXbwamXgo3PHxmXmUxhYWW9MjXe/dX8oucSDTTML2W4xwkPyAAf9Mc3P+9D33hkSEZ2d3dv+hiAPraXni/Wo7CwrpsAAO4NM2Bw0/pf+zuEBdQAALhtBBjctONXCkdEZ3tpsd8K2wAA3G1OQYSb19lemu1zWbD7KQMA3DcCDG6Fzvba25/e19vdhTcymcKzb15OjasvAID7RYABAAAk4howAACARAQYAABAIgIMAAAgEQEGAACQiAADAABIRIABAAAkIsAAAAASEWAAAACJCDAAAIBEBBgAAEAiAgwAACARAQYAAJCIAAMAAEhEgAEAACQiwAAAABL5/4oUFU6xVhj+AAAAAElFTkSuQmCC"/>
+          <p:cNvSpPr>
+            <a:spLocks noGrp="1" noChangeAspect="1" noChangeArrowheads="1"/>
+          </p:cNvSpPr>
+          <p:nvPr>
+            <p:ph idx="1"/>
+          </p:nvPr>
+        </p:nvSpPr>
+        <p:spPr bwMode="auto">
+          <a:xfrm>
+            <a:off x="0" y="182676"/>
+            <a:ext cx="3135817" cy="5210206"/>
           </a:xfrm>
           <a:prstGeom prst="rect">
             <a:avLst/>
           </a:prstGeom>
           <a:noFill/>
-        </p:spPr>
-        <p:txBody>
-          <a:bodyPr wrap="none" rtlCol="0">
-            <a:spAutoFit/>
+          <a:extLst>
+            <a:ext uri="{909E8E84-426E-40DD-AFC4-6F175D3DCCD1}">
+              <a14:hiddenFill xmlns:a14="http://schemas.microsoft.com/office/drawing/2010/main">
+                <a:solidFill>
+                  <a:srgbClr val="FFFFFF"/>
+                </a:solidFill>
+              </a14:hiddenFill>
+            </a:ext>
+          </a:extLst>
+        </p:spPr>
+        <p:txBody>
+          <a:bodyPr vert="horz" wrap="square" lIns="91440" tIns="45720" rIns="91440" bIns="45720" numCol="1" anchor="t" anchorCtr="0" compatLnSpc="1">
+            <a:prstTxWarp prst="textNoShape">
+              <a:avLst/>
+            </a:prstTxWarp>
+            <a:normAutofit/>
           </a:bodyPr>
           <a:lstStyle/>
           <a:p>
-            <a:r>
-              <a:rPr lang="en-US" sz="6600" dirty="0">
-                <a:latin typeface="Arial" panose="020B0604020202020204" pitchFamily="34" charset="0"/>
-                <a:cs typeface="Arial" panose="020B0604020202020204" pitchFamily="34" charset="0"/>
-              </a:rPr>
-              <a:t>Displaying Health Data</a:t>
-            </a:r>
-          </a:p>
-          <a:p>
-            <a:r>
-              <a:rPr lang="en-US" sz="4800" dirty="0">
-                <a:solidFill>
-                  <a:schemeClr val="bg1">
-                    <a:lumMod val="65000"/>
-                  </a:schemeClr>
-                </a:solidFill>
-                <a:latin typeface="Arial" panose="020B0604020202020204" pitchFamily="34" charset="0"/>
-                <a:cs typeface="Arial" panose="020B0604020202020204" pitchFamily="34" charset="0"/>
-              </a:rPr>
-              <a:t>Cases, Techniques, Solutions</a:t>
-            </a:r>
-          </a:p>
-        </p:txBody>
-      </p:sp>
-      <p:sp>
-        <p:nvSpPr>
-          <p:cNvPr id="8" name="TextBox 7"/>
-          <p:cNvSpPr txBox="1"/>
-          <p:nvPr/>
-        </p:nvSpPr>
-        <p:spPr>
-          <a:xfrm>
-            <a:off x="899787" y="2885935"/>
-            <a:ext cx="4309834" cy="1200329"/>
-          </a:xfrm>
-          <a:prstGeom prst="rect">
-            <a:avLst/>
-          </a:prstGeom>
-          <a:noFill/>
-        </p:spPr>
-        <p:txBody>
-          <a:bodyPr wrap="none" rtlCol="0">
-            <a:spAutoFit/>
-          </a:bodyPr>
-          <a:lstStyle/>
-          <a:p>
-            <a:r>
-              <a:rPr lang="en-US" dirty="0">
-                <a:latin typeface="Arial" panose="020B0604020202020204" pitchFamily="34" charset="0"/>
-                <a:cs typeface="Arial" panose="020B0604020202020204" pitchFamily="34" charset="0"/>
-              </a:rPr>
-              <a:t>Colloquium + Live-Webcast + Recording</a:t>
-            </a:r>
-          </a:p>
-          <a:p>
-            <a:r>
-              <a:rPr lang="en-US" dirty="0">
-                <a:latin typeface="Arial" panose="020B0604020202020204" pitchFamily="34" charset="0"/>
-                <a:cs typeface="Arial" panose="020B0604020202020204" pitchFamily="34" charset="0"/>
-              </a:rPr>
-              <a:t>Medical Sciences Building (MBS) 160</a:t>
-            </a:r>
-          </a:p>
-          <a:p>
-            <a:r>
-              <a:rPr lang="en-US" dirty="0">
-                <a:latin typeface="Arial" panose="020B0604020202020204" pitchFamily="34" charset="0"/>
-                <a:cs typeface="Arial" panose="020B0604020202020204" pitchFamily="34" charset="0"/>
-              </a:rPr>
-              <a:t>University of Victoria</a:t>
-            </a:r>
-          </a:p>
-          <a:p>
-            <a:r>
-              <a:rPr lang="en-US" dirty="0">
-                <a:solidFill>
-                  <a:srgbClr val="FF0000"/>
-                </a:solidFill>
-                <a:latin typeface="Arial" panose="020B0604020202020204" pitchFamily="34" charset="0"/>
-                <a:cs typeface="Arial" panose="020B0604020202020204" pitchFamily="34" charset="0"/>
-              </a:rPr>
-              <a:t>November 28 – 30 , 1 – 3 pm PST</a:t>
-            </a:r>
+            <a:pPr marL="0" indent="0">
+              <a:buNone/>
+            </a:pPr>
+            <a:r>
+              <a:rPr lang="en-US" dirty="0" smtClean="0"/>
+              <a:t>Some nurses were more comfortable starting with tables than graphs.</a:t>
+            </a:r>
+            <a:endParaRPr lang="en-US" dirty="0"/>
           </a:p>
         </p:txBody>
       </p:sp>
       <p:pic>
         <p:nvPicPr>
-          <p:cNvPr id="9" name="Picture 8"/>
+          <p:cNvPr id="8" name="Picture 7"/>
           <p:cNvPicPr>
             <a:picLocks noChangeAspect="1"/>
           </p:cNvPicPr>
           <p:nvPr/>
         </p:nvPicPr>
         <p:blipFill>
-          <a:blip r:embed="rId3">
-            <a:extLst>
-              <a:ext uri="{28A0092B-C50C-407E-A947-70E740481C1C}">
-                <a14:useLocalDpi xmlns:a14="http://schemas.microsoft.com/office/drawing/2010/main" val="0"/>
-              </a:ext>
-            </a:extLst>
-          </a:blip>
+          <a:blip r:embed="rId2"/>
           <a:stretch>
             <a:fillRect/>
           </a:stretch>
         </p:blipFill>
         <p:spPr>
           <a:xfrm>
-            <a:off x="241295" y="4803774"/>
-            <a:ext cx="11747505" cy="1762126"/>
+            <a:off x="3135817" y="0"/>
+            <a:ext cx="9037622" cy="6858000"/>
           </a:xfrm>
           <a:prstGeom prst="rect">
             <a:avLst/>
           </a:prstGeom>
         </p:spPr>
       </p:pic>
-      <p:sp>
-        <p:nvSpPr>
-          <p:cNvPr id="5" name="Content Placeholder 2"/>
-          <p:cNvSpPr txBox="1">
-            <a:spLocks/>
-          </p:cNvSpPr>
-          <p:nvPr/>
-        </p:nvSpPr>
-        <p:spPr>
-          <a:xfrm>
-            <a:off x="5772150" y="2904137"/>
-            <a:ext cx="6419850" cy="1365250"/>
-          </a:xfrm>
-          <a:prstGeom prst="rect">
-            <a:avLst/>
-          </a:prstGeom>
-        </p:spPr>
-        <p:txBody>
-          <a:bodyPr vert="horz" lIns="91440" tIns="45720" rIns="91440" bIns="45720" rtlCol="0">
-            <a:normAutofit/>
-          </a:bodyPr>
-          <a:lstStyle>
-            <a:lvl1pPr marL="0" indent="0" algn="ctr" defTabSz="914400" rtl="0" eaLnBrk="1" latinLnBrk="0" hangingPunct="1">
-              <a:lnSpc>
-                <a:spcPct val="90000"/>
-              </a:lnSpc>
-              <a:spcBef>
-                <a:spcPts val="1000"/>
-              </a:spcBef>
-              <a:buFont typeface="Arial" panose="020B0604020202020204" pitchFamily="34" charset="0"/>
-              <a:buNone/>
-              <a:defRPr sz="2400" kern="1200">
-                <a:solidFill>
-                  <a:schemeClr val="tx1"/>
-                </a:solidFill>
-                <a:latin typeface="+mn-lt"/>
-                <a:ea typeface="+mn-ea"/>
-                <a:cs typeface="+mn-cs"/>
-              </a:defRPr>
-            </a:lvl1pPr>
-            <a:lvl2pPr marL="457200" indent="0" algn="ctr" defTabSz="914400" rtl="0" eaLnBrk="1" latinLnBrk="0" hangingPunct="1">
-              <a:lnSpc>
-                <a:spcPct val="90000"/>
-              </a:lnSpc>
-              <a:spcBef>
-                <a:spcPts val="500"/>
-              </a:spcBef>
-              <a:buFont typeface="Arial" panose="020B0604020202020204" pitchFamily="34" charset="0"/>
-              <a:buNone/>
-              <a:defRPr sz="2000" kern="1200">
-                <a:solidFill>
-                  <a:schemeClr val="tx1"/>
-                </a:solidFill>
-                <a:latin typeface="+mn-lt"/>
-                <a:ea typeface="+mn-ea"/>
-                <a:cs typeface="+mn-cs"/>
-              </a:defRPr>
-            </a:lvl2pPr>
-            <a:lvl3pPr marL="914400" indent="0" algn="ctr" defTabSz="914400" rtl="0" eaLnBrk="1" latinLnBrk="0" hangingPunct="1">
-              <a:lnSpc>
-                <a:spcPct val="90000"/>
-              </a:lnSpc>
-              <a:spcBef>
-                <a:spcPts val="500"/>
-              </a:spcBef>
-              <a:buFont typeface="Arial" panose="020B0604020202020204" pitchFamily="34" charset="0"/>
-              <a:buNone/>
-              <a:defRPr sz="1800" kern="1200">
-                <a:solidFill>
-                  <a:schemeClr val="tx1"/>
-                </a:solidFill>
-                <a:latin typeface="+mn-lt"/>
-                <a:ea typeface="+mn-ea"/>
-                <a:cs typeface="+mn-cs"/>
-              </a:defRPr>
-            </a:lvl3pPr>
-            <a:lvl4pPr marL="1371600" indent="0" algn="ctr" defTabSz="914400" rtl="0" eaLnBrk="1" latinLnBrk="0" hangingPunct="1">
-              <a:lnSpc>
-                <a:spcPct val="90000"/>
-              </a:lnSpc>
-              <a:spcBef>
-                <a:spcPts val="500"/>
-              </a:spcBef>
-              <a:buFont typeface="Arial" panose="020B0604020202020204" pitchFamily="34" charset="0"/>
-              <a:buNone/>
-              <a:defRPr sz="1600" kern="1200">
-                <a:solidFill>
-                  <a:schemeClr val="tx1"/>
-                </a:solidFill>
-                <a:latin typeface="+mn-lt"/>
-                <a:ea typeface="+mn-ea"/>
-                <a:cs typeface="+mn-cs"/>
-              </a:defRPr>
-            </a:lvl4pPr>
-            <a:lvl5pPr marL="1828800" indent="0" algn="ctr" defTabSz="914400" rtl="0" eaLnBrk="1" latinLnBrk="0" hangingPunct="1">
-              <a:lnSpc>
-                <a:spcPct val="90000"/>
-              </a:lnSpc>
-              <a:spcBef>
-                <a:spcPts val="500"/>
-              </a:spcBef>
-              <a:buFont typeface="Arial" panose="020B0604020202020204" pitchFamily="34" charset="0"/>
-              <a:buNone/>
-              <a:defRPr sz="1600" kern="1200">
-                <a:solidFill>
-                  <a:schemeClr val="tx1"/>
-                </a:solidFill>
-                <a:latin typeface="+mn-lt"/>
-                <a:ea typeface="+mn-ea"/>
-                <a:cs typeface="+mn-cs"/>
-              </a:defRPr>
-            </a:lvl5pPr>
-            <a:lvl6pPr marL="2286000" indent="0" algn="ctr" defTabSz="914400" rtl="0" eaLnBrk="1" latinLnBrk="0" hangingPunct="1">
-              <a:lnSpc>
-                <a:spcPct val="90000"/>
-              </a:lnSpc>
-              <a:spcBef>
-                <a:spcPts val="500"/>
-              </a:spcBef>
-              <a:buFont typeface="Arial" panose="020B0604020202020204" pitchFamily="34" charset="0"/>
-              <a:buNone/>
-              <a:defRPr sz="1600" kern="1200">
-                <a:solidFill>
-                  <a:schemeClr val="tx1"/>
-                </a:solidFill>
-                <a:latin typeface="+mn-lt"/>
-                <a:ea typeface="+mn-ea"/>
-                <a:cs typeface="+mn-cs"/>
-              </a:defRPr>
-            </a:lvl6pPr>
-            <a:lvl7pPr marL="2743200" indent="0" algn="ctr" defTabSz="914400" rtl="0" eaLnBrk="1" latinLnBrk="0" hangingPunct="1">
-              <a:lnSpc>
-                <a:spcPct val="90000"/>
-              </a:lnSpc>
-              <a:spcBef>
-                <a:spcPts val="500"/>
-              </a:spcBef>
-              <a:buFont typeface="Arial" panose="020B0604020202020204" pitchFamily="34" charset="0"/>
-              <a:buNone/>
-              <a:defRPr sz="1600" kern="1200">
-                <a:solidFill>
-                  <a:schemeClr val="tx1"/>
-                </a:solidFill>
-                <a:latin typeface="+mn-lt"/>
-                <a:ea typeface="+mn-ea"/>
-                <a:cs typeface="+mn-cs"/>
-              </a:defRPr>
-            </a:lvl7pPr>
-            <a:lvl8pPr marL="3200400" indent="0" algn="ctr" defTabSz="914400" rtl="0" eaLnBrk="1" latinLnBrk="0" hangingPunct="1">
-              <a:lnSpc>
-                <a:spcPct val="90000"/>
-              </a:lnSpc>
-              <a:spcBef>
-                <a:spcPts val="500"/>
-              </a:spcBef>
-              <a:buFont typeface="Arial" panose="020B0604020202020204" pitchFamily="34" charset="0"/>
-              <a:buNone/>
-              <a:defRPr sz="1600" kern="1200">
-                <a:solidFill>
-                  <a:schemeClr val="tx1"/>
-                </a:solidFill>
-                <a:latin typeface="+mn-lt"/>
-                <a:ea typeface="+mn-ea"/>
-                <a:cs typeface="+mn-cs"/>
-              </a:defRPr>
-            </a:lvl8pPr>
-            <a:lvl9pPr marL="3657600" indent="0" algn="ctr" defTabSz="914400" rtl="0" eaLnBrk="1" latinLnBrk="0" hangingPunct="1">
-              <a:lnSpc>
-                <a:spcPct val="90000"/>
-              </a:lnSpc>
-              <a:spcBef>
-                <a:spcPts val="500"/>
-              </a:spcBef>
-              <a:buFont typeface="Arial" panose="020B0604020202020204" pitchFamily="34" charset="0"/>
-              <a:buNone/>
-              <a:defRPr sz="1600" kern="1200">
-                <a:solidFill>
-                  <a:schemeClr val="tx1"/>
-                </a:solidFill>
-                <a:latin typeface="+mn-lt"/>
-                <a:ea typeface="+mn-ea"/>
-                <a:cs typeface="+mn-cs"/>
-              </a:defRPr>
-            </a:lvl9pPr>
-          </a:lstStyle>
-          <a:p>
-            <a:r>
-              <a:rPr lang="en-US" sz="3600" dirty="0"/>
-              <a:t>Please email questions to </a:t>
-            </a:r>
-            <a:r>
-              <a:rPr lang="en-US" sz="3600" dirty="0">
-                <a:hlinkClick r:id="rId4"/>
-              </a:rPr>
-              <a:t>aging@uvic.ca</a:t>
-            </a:r>
-            <a:r>
-              <a:rPr lang="en-US" sz="3600" dirty="0"/>
-              <a:t> </a:t>
-            </a:r>
-          </a:p>
-        </p:txBody>
-      </p:sp>
     </p:spTree>
     <p:extLst>
       <p:ext uri="{BB962C8B-B14F-4D97-AF65-F5344CB8AC3E}">
-        <p14:creationId xmlns:p14="http://schemas.microsoft.com/office/powerpoint/2010/main" val="693685710"/>
+        <p14:creationId xmlns:p14="http://schemas.microsoft.com/office/powerpoint/2010/main" val="2141857561"/>
       </p:ext>
     </p:extLst>
   </p:cSld>
   <p:clrMapOvr>
     <a:masterClrMapping/>
   </p:clrMapOvr>
-  <mc:AlternateContent xmlns:mc="http://schemas.openxmlformats.org/markup-compatibility/2006" xmlns:p14="http://schemas.microsoft.com/office/powerpoint/2010/main">
-    <mc:Choice Requires="p14">
-      <p:transition p14:dur="0"/>
-    </mc:Choice>
-    <mc:Fallback xmlns="">
-      <p:transition/>
-    </mc:Fallback>
-  </mc:AlternateContent>
-  <p:timing>
-    <p:tnLst>
-      <p:par>
-        <p:cTn id="1" dur="indefinite" restart="never" nodeType="tmRoot"/>
-      </p:par>
-    </p:tnLst>
-  </p:timing>
 </p:sld>
 </file>
 
@@ -5712,226 +5824,119 @@
           <a:chExt cx="0" cy="0"/>
         </a:xfrm>
       </p:grpSpPr>
+      <p:sp>
+        <p:nvSpPr>
+          <p:cNvPr id="4" name="Slide Number Placeholder 3"/>
+          <p:cNvSpPr>
+            <a:spLocks noGrp="1"/>
+          </p:cNvSpPr>
+          <p:nvPr>
+            <p:ph type="sldNum" sz="quarter" idx="12"/>
+          </p:nvPr>
+        </p:nvSpPr>
+        <p:spPr/>
+        <p:txBody>
+          <a:bodyPr/>
+          <a:lstStyle/>
+          <a:p>
+            <a:fld id="{AF87EE96-E852-4892-A22F-23BA018C684B}" type="slidenum">
+              <a:rPr lang="en-US" smtClean="0"/>
+              <a:t>19</a:t>
+            </a:fld>
+            <a:endParaRPr lang="en-US"/>
+          </a:p>
+        </p:txBody>
+      </p:sp>
       <p:pic>
         <p:nvPicPr>
-          <p:cNvPr id="5" name="Picture 4"/>
+          <p:cNvPr id="3" name="Picture 2"/>
           <p:cNvPicPr>
             <a:picLocks noChangeAspect="1"/>
           </p:cNvPicPr>
           <p:nvPr/>
         </p:nvPicPr>
         <p:blipFill>
-          <a:blip r:embed="rId2" cstate="print">
-            <a:extLst>
-              <a:ext uri="{28A0092B-C50C-407E-A947-70E740481C1C}">
-                <a14:useLocalDpi xmlns:a14="http://schemas.microsoft.com/office/drawing/2010/main" val="0"/>
-              </a:ext>
-            </a:extLst>
-          </a:blip>
+          <a:blip r:embed="rId2"/>
           <a:stretch>
             <a:fillRect/>
           </a:stretch>
         </p:blipFill>
         <p:spPr>
           <a:xfrm>
-            <a:off x="2905829" y="252201"/>
-            <a:ext cx="3017510" cy="2326500"/>
+            <a:off x="3135839" y="0"/>
+            <a:ext cx="9037622" cy="6858000"/>
           </a:xfrm>
           <a:prstGeom prst="rect">
             <a:avLst/>
           </a:prstGeom>
         </p:spPr>
       </p:pic>
-      <p:pic>
-        <p:nvPicPr>
-          <p:cNvPr id="6" name="Picture 5"/>
-          <p:cNvPicPr>
-            <a:picLocks noChangeAspect="1"/>
-          </p:cNvPicPr>
-          <p:nvPr/>
-        </p:nvPicPr>
-        <p:blipFill>
-          <a:blip r:embed="rId3">
-            <a:extLst>
-              <a:ext uri="{28A0092B-C50C-407E-A947-70E740481C1C}">
-                <a14:useLocalDpi xmlns:a14="http://schemas.microsoft.com/office/drawing/2010/main" val="0"/>
-              </a:ext>
-            </a:extLst>
-          </a:blip>
-          <a:stretch>
-            <a:fillRect/>
-          </a:stretch>
-        </p:blipFill>
-        <p:spPr>
-          <a:xfrm>
-            <a:off x="9334709" y="3745309"/>
-            <a:ext cx="1905000" cy="1905000"/>
+      <p:sp>
+        <p:nvSpPr>
+          <p:cNvPr id="6" name="AutoShape 2" descr="data:image/png;base64,iVBORw0KGgoAAAANSUhEUgAABIAAAASACAIAAAAIyqENAAAACXBIWXMAAB2HAAAdhwGP5fFlAAAgAElEQVR4nOzdXXCU950v+J+3crFTs1VbdTZIluRUhTqQHYMIGmQXdUTNOAwvBvwyvvCSFAQckwTKczwFNh57PHZyEZskJCaGis+4RBKIwaYSyqfWB4OEeQn2TKFZCkREEHgqcIpUBalRy7tbezE15469aHWrW+putaTWo7fP5wqrn5f/86L2/6v///k999y9ezcAAACYeP/TZDcAAABgthDAAAAAEiKAAQAAJEQAAwAASIgABgAAkBABDAAAICECGAAAQEIEMAAAgIQIYAAAAAkRwAAAABIigAEAACREAAMAAEiIAAYAAJAQAQwAACAhAhgAAEBCBLAK3bzZvm/bsmXL7smzbNmybfvab96c7LaNX/u27CHtq/RoxrDK5Lp5s33ftpl7CWeQm/uy12hb+2S3pYiZ/VUAAEw4AWxEN9u3Lbvnnvnz1+3Y39HRkf9JR0fH/h3r5s+/Z9m29pnb9cp0N6dJyirqZvu+bcsyV7DkJZzYazj9zyExq74K3LEAMHEEsLJu7lt2z/x1+ztGWKxj/7r5y6bkX+vHKXP8O0Y8AVPXzfZtyyo6go796+ZPyGje9D+HxKz6KnDHAsDEEsBKu7lv2fwdg52Qlq17227cuHE358aNtr1bW7Ifd+xfNzVnTFVibevAMZ3fPi//5zeul+yElVplKrm5b1lBn7nEJcxdw+jYMb/qGazMOWSamEVfBeGOBYCJJoCV0r5tsMvVsrXtxt3zrdvXzpuXFzbmzVu7vfX83RttW7M/2b9uOve7Zpr8K1j2Ep6/0bZ3sPc8ARmMac1XAQBQTQJYce3b1u0f+GfL3hvnW9eWHuWZt7b1Rq7/vv91nfepIe8Kxta2kS7h9vN3BzvPHTt+rPPMAF8FAEB1CWDF3Nz3+mCf652Rp9jN2/5Ott/VcfSEbtfkK7iCN8p1mnMKOs/GL4gIXwUAQPUJYEXcPHE0O+No66uVPeE075H1W1tatm7d2/bqI0VXuHmzvbB0daZu9QgNKVxpWa7EWqka8LmfD+SHTC2zkfc5bHsDlcBzf/vv2DF/yA6HrlJh7fBy1euHtLaiU1TcGK5gRMzb/urgFLIPCo5ixKL7RQ5/5HNYsIExHPyobqrsIeQuccEOh685/N4Zocx69S5f0cMs3Ozw7Vb0XoShvyAj7nqyvwrGcuMVrjiKr4IR7tgJOcMAMBvdZajBgZDY2lblDQ7TsrXtRvGV2rYWX6tl743B6XItewvWzv18a9vdUusPWyl/vexHJZucW3d4E/J3Xkqphpc82nKnqKSxX8FSa5Zqd5EVc+uNfA5zC5Y5+BL7G/1NlT2Elr03Sq6cu/zlbr5ijZmgy7e1rXRTtw5tyojXqLJbtHhLJuurYCw3XuGKo/gqGOmOnYAzDACzkRGw4QaLgLUsmD/urbVvuye/gNpQHfvXFSv60L6tZMnrjh3zt30w0l67X19WumR2x46nJuLxlLVPDHS+howe5Wn/YOCP6y3r80YHhhYrHKJj/7r5o/tz+uAV3PrE2tGsGPO+1Jj9Z/fvE5lAdnPfsvllKn4Xrwkytpsq68S2Uit37Ji/rf1m2Ztv+K1T9cuX54PSTd0/9Mys/buB/FBy7l/u9qv0tpgKXwXjVcWvggk4wwAwK012Apx6qvpX78HKDgPFq7M7KRwzKDWQFYV/Fx8+0FBmxSF7HLJyiT+Xl9peBYNmd0f+83fRz/P/7N6ytW2wunfhOSr9R/dhBrc4ipWGtbGgkWMeiBhh1cKDL3W1yt4eY7mphq7Ylt+MlmGXouDzIQdY/cs3fCCmpeRtXGIEp+jeSl+iChoy6V8FYx4BG77Hsl8F5fdZ7TMMALOSADbMYM9lDN33QnkduKK977xOUl6PpaDbN2ytGwU9q3Jd8yJ7LHVsVQpgI3QXi+av4oGn8s/LrjKuAFb5gd0dawAr39LiQXJsN9WI90a526pMUyfg8g0JYEXWK3mM5fLBGNLBpH8VVCmAjearYIR9VvkMA8CsZAriBGr/cXbCUfECavPWtub6OoPT9gaf+9/aVqR8X/5K5RStGZCbJRgd129UsJHRKjdHabCeXN70pLwftrUWnbQ0eLilZzZOV7kJW8Wv1mBRkLzTObabqlCxvQ3eGsU3nPf5oIm/fEW3W/IY5z2yvtT9l/drNQmz46px1casml8FU/YMA8A0IoANM39B6efkR+Xm77sH/lW6gNpgNyjb7aqgG1O0LzxEiZWrdnAllO6fFT+u3EM2ZfpsucNN6KmsxAw+Ebf374of/drWgT+UnM/eQGO7qQqN1D9u/FKxDedunbwO+0RfvpInJu8YCzZb8v4bUzqY5K+CKqnuV0F1zzAAzEoCWBnjHCXK9U7LPcA/rCNZyVojJ7Bq1AwYk1L9s1z3rKBPPdgx3b/unpKyZbErvR5V6jcXzyETYRR7GttNVWCke6Pye2diLl+eMiemWB6MkvffeNPBpHwVVEe1vwom6AwDwCwigA2TfCG84pLr/1dVbt5cQf9sMH+tL/5ypIpUeD0Gr+Do+82DmWLCM+zgrmaJUf86lbsEeb+mhT8vdv8Vj/8jmipfBVNLNc8wAMxKAthwgwMoo+q/39y3bNmybdv2tVfl5bPTWPYv+Xn9s+rkr4oNXsHRzubKe/HuNA3As0Xp+Dr8/hvz7eeroKgqnmEAmI0EsOFyc2xG1X+/eeJoR0fH/v071r1e4h05xVfL9SOHdvin79/ch/XPciUISj8BU1HdtPOl1h5ibFcwv6HTeyJV6ZtqolT18uWMceLf0Ptv7OlginwVTDnVO8MAMBsJYEXkd7ter/A9pXllzrJ9kBJPqRQafNXrgErWmuqT14b0z0q/nXVwjld14+Zg/cDYv67itwAP1vQbff4adh1HVsnB39y3bOBJqoGjGNtNNUEm6vLllNlsuceqCu+/8aSDSf0qqEhS17pQ9c4wAMxCAlgxef33jh3zK+jAt2/LVhrIG+QZ7LyV7rvlFSIf6PHnrVXqb+554zRTVLYcfcfREzfL5K/8nunwuvVZuRCyrMIecH4LImL/uopWbN82P3daSz/IUqIHPaZInKu60LHjx8Uv9fDKBmO7qSbKhF2+GGGzg1m5aJ8/Px+MLx1M5ldBgWreeFVQvTMMALOPAFZc/su29q9btq3Mwxw327flCr0V9twHu10dO54q0u+6md9Zy3W68jpr64rtN2+lqSt7EB1HT+wb6FgWDTUjnaKIm/ue2jGW7t287e/kIljHjvllL2Hc3Lds8BoWe1VT+afKBts4OnmVx4v2yweTdrHbYzQ31QSZuMsX5Tabd75LbDUvH5y4Pr50MIlfBTFRN14VVPEMA8CsM46XOM90Q9533NKydW/bjRuDn9+40bZ3a0HB8+FPwuRvo2Xr3rYbg+vmr9qy90bptXIr3R22w5IrDvn5YJtzoaSgraXWG1x82AZH2tXgquVbVHiaW7bmneLCw63oMaMhbRh6Cbfubbsx/BK2FC5TdD9DLmRuI8MvydD1y5zDwrOUf3/cvdGW/0m522PUN1WJK1H5BS1+61Tv8g27dfK2OuR8l95qxfdfJSbvq2DMN95YvwrujnDHFlusCmcYAGYTAaycwq7RCEbq145qzQrWKrbqxAWwnOx6I+5qSNe8TO+syF6GGUP8ymx7NJewXCtHaOTWvdnPS3dnix7MyAc/tttj1Il5jAFsAi5f3p62ljvQ8j3+wmaNNx1M3lfBGG+8qgSwwb0Uu37VPcMAMHuYgljOvLWt5yvpebVs3XujVI23ta13y22hZWvbjSJrrm0tvd+WrXv3VpjPxivvCZisysst5L8uunT5w4iYt/38jaF/zs/XsrXtRusYJ9NlLmG5rQ/so2VrW8lrONDIUlekZWvb3dZHSq9Y9hzO2172FmvZW/z2GMtNNUEm8vI90VoqfxQ/MfnNGqyfMcL9V4nJ+yoY8403ZpX+1lf3DAPA7CGAjWTe2tbzd+/eaNu7d2tLy5DZatmpSOdby3Y+1raez8wYylt9YN2751vXFl913trW8zdutA1ZaevethvnW7d/KfuTCS9YnUmCBYddcWnwwQQ24sNI87a3nh8+H3Ckc1SheWu351/Dgh20bB24hBXsZPgVyV6Q8kc30jmcN3iD5Dctc+yl7qwx3VQTZQIv37zt5ws3PNKJGVxzMB9U52G4yfoqGPONN2YV/tZX/QwDwOxwz927dye7DYzWzX3LBir2bW27O1GdMJjeciUx/JZMEGcYAMbCCNiU077tnpHKdpd7BxIQUe71c1SHMwwAYyKATTmD71Yq8XaoEd6BBAz+lpR+pxvj4gwDwBgJYFPOvC81Zv+Zee3Q4DjYzZvt+7Ytmz/CO5BglrvZvm1crx9jJM4wAIydZ8Cmovz3uZY0Yhk4mFUGH40c5OGkanKGAaAajIBNRWtby9b1TrrOOEwHeWPHGS17x1z/nmKcYQCoBgFsapq3vUi96kz16UmpMw5T3/wncn+2aPE3iongDANAFZiCCAAAkBAjYAAAAAkRwAAAABIigAEAACREAAMAAEiIAAYAAJAQAQwAACAhAhgAAEBCBDAAAICECGAAAAAJEcAAAAASIoABAAAkRAADAABIiAAGAACQkM9NdgOmluPHj092EwAAgGnm0UcfrXBJAWyoys8dAAAwy412CMcURAAAgIQIYAAAAAkRwAAAABIigAEAACREAAMAAEiIAAYAAJAQAQwAACAhAhgAAEBCBDAAAICECGAAAAAJEcAAAAASIoABAAAkRAADAABIiAAGAACQEAEMAAAgIQIYAABAQgQwAACAhAhgAAAACRHAAAAAEiKAAQAAJEQAAwAASIgABgAAkBABDAAAICECGAAAQEIEMAAAgIQIYAAAAAkRwAAAABIigAEAACREAAMAAEiIAAYAAJAQAQwAACAhn5vsBoyg58L7R4/887lbtyIiYu7c5X+xYf2TSxuKLPj+mz8aXG755hKLAQAATJopHcAuvLl917lbeT+4devcrV3n/nnz2/uebChc8PFd5/KXO3do17k/vnLsuaXJNBQAAKACU3gK4oU3d527FTF3+StvH8t4+5XNcyPi1qFn3rwwZMGImLt5YMGBxc7t2v5+z+Q0HQAAoIgpG8B63j9yLiKWv7LvudxUwoalT+57ZXlExLmOC8MXzM45zC1265//RQIDAACmjCkbwG7/8VZELG8ZOolwacvyiIg//HEgWvX8yz8XW3Dp+s1zJTAAAGBKmbLPgC197tix5ypYrlRQa/jCFyNu3frj7Qi1OAAAgClhyo6AlXKh41xEzP2L/5SJVT1//ENEzP3CfcMWvO8LcyNvpAwAAGCyTdkRsOKyD3xteHJ8w1rHjx8v9dGtW7dKfQQAADAe0yqAXXjzmUO3IuZuXl9xefkScxAfffTRoosfP3587ty5Y28hAAAwm1y7dm1Uy0+fKYgX3ty+61zE3OWv7BvF8FexyYkAAACTYnqMgPW8v31g7GvoK5gBAACmjWkwAnbhzTLpq+ELX4yBiYZDZMojfvEL8hoAADBFTPEA1nPhzcd3nbsVc5e/cqz42FepYoelyyMCAABMjik9BfHCm8/sOjfCxMOG//QXcw/dunXo6IUnn8srzXHh6KFbedXqAQAmxL8dfX6ymwCzy5+u/8lkN2Fcpu4IWM/720dMXxGZBBYR53Ztf/NCZhis50JmVfkLAJhQ0hckb7r/3k3ZEbDMEFbErUPPPH6oyOfLXzk2MOLV8OSLr/zxmV3nbp3b9cy5giUU7AAAJt6frJre3UGYRv799PQe/oqpOwJ2oePcyAtlNSx97u1XNi8ffH/X3OWb3z72XMUvCwMAAEjCVB0BW/rcsWPPjWL5hqVPPrf0ydGsAQAAkLCpOgIGAAAw4whgAAAACRHAAAAAEiKAAQAAJEQAAwAASIgABgAAkBABDAAAICECGAAAQEIEMAAAgIQIYAAAAAkRwAAAABIigAEAACREAAMAAEiIAAYAAJAQAQwAACAhAhgAAEBCBDAAAICECGAAAAAJEcAAAAASIoABAAAkRAADAABIyOcmuwEAACTtiaf+ZrKbwJTwwTv/ONlNmHUEMACAWSQTvVr3vD7ZDWFKyNwPYliSTEEEAJgtnnjqb1r3vC59kZO5GYyIJkkAAwCYFXSyKUogT5gABgAwW+hqU1Trntfl88QIYAAAAAkRwAAAABIigAEAACREAAMAAEiIAAYAAJAQL2IGACAiouvIq293jmL5+9bt+M6Kz49rX/WrvrfzodqxbQKmJyNgAAAACRHAAAAAEmIKIgAAERFNG15v3TDkZ5+179n7QW9E88bWDfdPSqtghjECBgAAkBABDAAAICGmIAIAME6fHtj53oUSdRH7zr713bY7EU3P7HmyacQtpT9tP3P2Uued29kf3Fff9MDDX1nbWLzcYl/608tDl7+3oWnFIyvur6y4YsEcy77uT058dPpCb+aje+9rXrF1w8B2+ro/OfHR1Qu9dwb20rzqsZUPNdVUcgj33te8qOTCoziE/JMcXWc//rCr63amqfX3Li12yNkzH0uffn1LY0WngwQIYAAATAl93e9/92DXkB/e7u26fbDrg/qmZ3YOyW+fdR351dudd4Ytf+d273sXuoYvX16668h7hVX479zufO+7nU3P7Hkyjrw1ZEe3O0+/3Xn1iZeeXVsYq3KZp3A7d97uPH1f88bvDH2ObmyHcO3AnlxKjIiI3jsXxnLITA4BDACAKSD9yf5M+qpf9cym3HjRZ11nf/V2253o7Xr7yML8QiB9Zweiy33NG3PjVJH+9MDh9y70xvDlR9B5+u2CTeWiUdfbe+5E7537mldtXflQbU1ek+LOB4c/WZL3HrNc+ioYH0t/1nXmV2933rnd+d5rUZDBxnYIt9tO3457l6772iMrPl8bEelP2w+/90FvRG/Xh2e/0jTWN7ORGM+AAQAw+fquXr0dEdH0zM782Xqfb1rx7DPNERHReS1vdOzTE5mBpuaN39mQN/Wu5v4tOzcuzfw7le4bTQPuW7cjb1Ofb9qwYmA7vXeieeN3NmTSV2GTevtTufXTn+wfbFLeIdR8vmnDs99bd29E3O48256uwiEsffrZLZn0FRE196/dueOJ+oiI213X8pevXfFs657XW/eYfzi1CGAAAEwdd1LpoT9q2vB6657XW/MfIeu+diEi4t4nVg4f45pTVx8RheloZE2PDR07un9JJmUV20td7b1DWjsYIIsNu9Wu+NoT9RFx54Mzn473EOpXPTI0UH2+rq708kwxpiACADD5amvvjbgTceeD3W9dal702MqFTTWlZ9M1Ptm658kSn32+ri6it8SHpdTPqSv52b11w+pnZFub89nlrsxw1sIST2FlW5VK98X9tTGOQ6irGV5fpG5oe5i6BDAAAKaAxiefab7zduedXNWKiGx9v0X315YoITgg/Vlf9KfSkfrdtUupbG3AUSmWakajP5XZaed72zrLLtjbn4oosq+KD+G+2jnjaimTTQADAGBKaNrw7Pe+XFDtfaC+X1tEfdMTw4rR93W/v/+jMcWtKWMGHAKjJYABADBV1DY+tKXxoS0Db8fKGwvq7frgYFdq8H1W2fd3Zd1Xf29D3b11tQuXLLo/debVt8sPQ02c5o0Vl16cqofABBPAAACYQKm+sTybVFtz/9oN96+NJ/PKvseFjz55pPGh2oi+s7/KRJeCAu65PY6/0aM2p66+8BGvkUy9QyAhqiACAFAdt/v6h/3ss1RFYeKz9j2vbtv56rYjnw77aHjZ92zFi/pVw6NLxKeXJ2HsKFeH8OrlYVUcI2LwAPd80hcxJQ+BhAhgAACMU7Zs+vD3VnV//EFFDzh9fknTvRERBW/KysmmuHK1Cgf0nT17oZIdVlvTylX3RWTezlzk5V3Z87D04YdGHB+brEMgGQIYAADjlI1Pvae/u+eTroEE9VnX2fdfO9hVbr08tSsyLz6+88Hutw50fzaYYdKf5p6VyqaXwd3tP/Jpbsm+9KcH9rz63bbcjMcirxSbQDUPbV2XOwnvt3d/lv3gs66zb23LnIfBV3glcQh9Z9/atvPVbTtfPdA99o1QdZ4BAwBgvGpXfO2Jrr0f9Eb0nn579+nBD+pXPdN09e22Sh4Du3/LS6t6dp++HXcuHNw7fAjovnU7shU4onbFiqVd713ojdud7323cLbefc2rHqvN7PFOKh1Rvn59VdWuePZ78dZ32+5kSoZ8MOTj+lXf2zk4/DU1D4EECGAAAIzf59fu3FF39uMPu7J1C+vvXfrw17Y0fr7v7NVKt1Hz0Hf2LOw6+/GHXXdu5yrR1997X92KrSuHvArs/i07dyzJ313ce9/g65trlra9dyHiwu8+3dJYYU3C6qhd8Wzrok/bz5y9lLqTKy5/X33TA8Nq6E/ZQ2Ci3XP37t3JbsMUcvz48UcffXSyWwEATA//dvT5iPiTVc9PdkMq8sRTf9O65/XJbgVT1Ladr37wzj9OditG9u+nfxIRf7r+J5PdkEHHjx+PiMpDhGfAAAAAEiKAAQAAJEQAAwAASIgABgAAkBABDAAAICECGAAAQEIEMAAAgIQIYAAAAAkRwAAAABIigAEAACREAAMAAEiIAAYAAJAQAQwAACAhAhgAAEBCBDAAAICECGAAAAAJEcAAAAASIoABAAAkRAADAABIiAAGAACQEAEMAAAgIZ+b7AYAAMBYpT95bffp280bWzfcX3qZT9vPnL3Ueed2RETcV9/0wMNfWdv4+dHvq0rbYXYTwAAAmKY+az98+nbZJfq6399/sCt/mdu9XbcPdn1Q3/TMziebKt5TtbYDpiACADAdfda+Z+8HvWUX6X7/u4WpaVBv19t7PumrcFfV2g4YAQMAYPpJf3rg8HsXyqev+PTAwa6Bf9Y3PbPpyaaaiIi+7k9OfHT6Qm9E7+n9Zxd+Z8WIcwirtR2IMAIGAMC08lnX2fdf2z1i+orovnYh84/6Vd/bOZCaIqK28aEtOzcujYiI220fdxVfeQK2AxEhgAEAMH181r5n79ttmdmA9z7x0o4n6ksu2td3JzKLbXqoduiH9295OvPcVtfl7hF2Wa3tQIYABgDANHNf88bv7Xl2bU25ZVKZ4FS/aEnRxWrm3BcRET19n5XfV7W2AxmeAQMAYNqoa1r1zKaHmspGr1G53dcfUYXHt6q1HWY8AQwAgOni800rHhrdGr39qYhhUwcj0v3l69dP1HaY9UxBBABgBmr68sDTWW8f+XTYh5+1f1Rp1YxqbQcyBDAAAGaixoWZEoXR+d5rRz7pSg/8uC/96YERXyA2EduBiDAFEQCAGer+R9bde6HtTkTc7jz9dufpwk/vva/+zu2K4lO1tgMRRsAAAJipalc8+7119xb75N4nXvraA4lvB8IIGAAAM1jtime/t+jTE4fPXugdeJ3Xfc0rtm64vzY+PdAbEXFf7ZwktwMCGAAAM1ltzf1bdt6/ZchP0+meiIhoqK20dny1tsMsZwoiAACzTt/Vq7cjIpqWNE6J7TB7GAEDAGAmSn/y2u7TtyPuW7fjOys+P+Sj/W13IiKaFzYlth2ICCNgAADMTDU1DRERcbvtVwe6P+sb+Olnfd3vZwJVRCz98v3JbQciwggYAAAzVK58/J0LB/deGP5588YthfMG+86+9d22OxGx9OnX8z4a9XagDCNgAADMTLUrnn2muWj5+LiveeP3NlQ6bFWt7UAYAQMAYAZr2vDs9778yYmPrmbLx8d99U2PbfpKU83oihZWazsggAEAME19fu3O19eOtFBt40NbGh8aWj6+6JIrnm1dUYXtQBmmIAIAACREAAMAAEiIAAYAAJAQAQwAACAhAhgAAEBCBDAAAJjVtu18dbKbMIsIYAAAs8IH7/yjfjalfPDOP052E2YLAQwAYBaRwRhi285Xpa8keREzAMBskelnP/HU32T+s3XP65PaHCaZND4pBDAAgNklF8P0v2c5A1+TQgADAJiNdL5hUngGDAAAICFGwIa6devWZDcBAJgeaiIioqenZ5LbAbPGf4iIad5jF8CGmjt37mQ3AQCYHv7tYkREQ0PDZDcEZot/vx4xxXrs165dG9XypiACAAAkRAADAABIiCmIU91/+9f/MtlNgFnkr//sP092EwCAmcwI2JQmfUHC/NIBABPKCNg08NAX1092E2BW+OQPRye7CQDADGcEDAAAICECGAAAQEIEMAAAgIQIYAAAAAkRwAAAABIigAEAACREAAMAAEiIAAYAAJAQAQwAACAhAhgAAEBCBDAAAICECGAAAAAJEcAAAAASIoABAAAkRAADAABIiAAGAACQEAEMAAAgIQIYAABAQgQwAACAhAhgAAAACRHAAAAAEiKAAQAAJEQAAwAASMjnJrsBTLLN67852U2A0Tl09BeT3QQAgDESwGavTPTa89buyW4IjE7urwaSGAAw7Qhgs5HoxbSWuXV3PvvSZDcEAGDUPAM2S0lfTHd73tptAi0AMO0IYLPO5vXflL6YMWQwAGB6EcCA6cqfEgCAaUcAAwAASIgiHACJev2fPpzsJsDs8upfPjbZTQAYZAQMIDnSFyTP7x0wpRgBA0jaN5f85WQ3AWaLX1z+p8luAkABI2AAAAAJMQJGob5ze167Eg11dfU1X25qbFw8p+zS/ekr3We60qneVG/9qj1PLUyqhSd7I+off2Hn6vLNAwCAqUUAY7hUb0+qtyc6L15Z950dK2pLL3jlN7t/dnng3/WJNA0AAKYzUxApI9V1pb/Mx91dl8t8CgAADCGAUVx9Q11E9HZ2p0sucu13FyOirr4hsUYBAMD0JoBRXF3z4vqI6Llyta/EEle6OyPiwcVNCbYKAACmNQGMEmobmxqizCzEzPzD5qbGRFsFAADTmSIclDJnUXNdW0+qt7M7vXp5zdBPM/MPl3x5cfS1DV/32pFnD3WWKFSYPrV394z24t8AACAASURBVLFUxJKn3/pqQXrru3b25Omui6ne7A/qG5Y0rfurFSNUYsy68uudmYogDUuefrn8luvqH1z88JrljSXqi6SvnDvTdqWzJ5VdeNWmpxZGqWaPfvujXn6o/rM/eKOtJ+LBzXueWpi+cu5M28nOntymVm16amFNkQOJ+gfXlNzLaE9R37WrQy9WXV3zqpWrFxbeKvl3QnSf+s1HnZd7M01tqGsusnzu9ojmb+/esLjCEwIAMG0IYJRUs3hx/bFUb8+Vq33Lh9ZCHJh/2NgYUWqK4qikr/x6sKBiVm/P5d6fXW4bHqiGu/LrPSXSV65DnyfVezF18OKV5sc3bhiaD7PZpmDhQ7svLln3YImWl9z+yfoHN+8cVpp/tMuXle5+59DBi0Va+/RbX4139h68WLCj3osnDxarbDnKJvV3v/PekC1HRG9PqrfnUGdnqYvVfeQHuZQYERE9qc5yywMAzEwCGKXVNjY1nOztSXVd6V9RGFQy8w/r64YNjI1N37nDA/FpzdNbcqMu/d2n3jt4LBU9lw++01juJWN95/b87HJvlE1fDUue3vJXjbVzIiLdd+3MgUOdPanOY29EbcEwS/c7A+mr/sHN2XGkTN643FaQc4Zuv2Bwqa+/++R7By+mei8e2hMFAWa0y4/g4smDRZqairh88Aep6EnVP7hm05rlNbV5JzNSbQfOLXp5cEhz9IcwkL7y9hvRd+3IgUOdPVHqYvUeO9kbdc2Pb1y5ek5NRPRdO3vgUFtPRM/lj079VaP3uQEAs4ZnwChjzqLmorUQB+ofNlU4OXAk6StXeiMiljz9cv6ctzmNq3c8nRl3utjdXWrl7HuZi8w8jGtnBtLXmpde/momfUVETe3CDS+/sK4hIqLzZ7/uztvURxcjMvPlctEi5jQ+teOlx+uK7vpwZvsPbt75VF7LawdX6b14+mzfWJevwLCmrmrO/LMnldlLTW32o9zJ7EkPXs1RNyl7Sh/cnLffiNqFG17ePLDr3nTRypnN396xIZO+IqJ24YrsJRhyd9Ws3rHnrd173jL/EACYmQQwyqlZXKwWYmb+YcPiRZU+s1ShVN+w7NH41O49b+3eM/yxq4xy6SvSp053RkTUrdsy/Bm2OSu2rKmPiLj80amBKiO5HPjwsAGZmtXZYJO//VxuLDZmVbN647qGiEi1nbw2tuUrMLypC788MFWybt2aoXupqcvEyMHzPOomZS59sY1H1NRmXkjQUyyANaxZOTRQzamtL708AMAMJYBRVm1NXcSQWogD8w+bG6s0ATFqageCQdtre/e8c667r9zbnweluo9k0lcUf44onRqoolFbNCgOHFr0pjL9//6rnZmxncZiYS8XbHLKLx+DAWNgRGi0y1egoab0JShy1NnznDP6Ji3+6p63du95a+hTZAULF1VfpKnZQAgAMIt4BozyFn75wei8GHm1EPv7eqOK8w8jIhZ/9ekHUwcvpnK1HyKyVfIWL6wpMc7We/FktgRf0eeIMu0sk1JqahsiejLpYmFNpPsyT3+VeLCtpq4uIr/yxMDycfHQzmKPhw3qSacjaka9fAWKpZrRGHeT+vrTkU7fib6u7q7ebHnDoi2t1uOCAADTnADGCBqblsTFy5GrhdjX3dVT/fmHjU/teKmpoGb6QJW8YxENS9aVKkbfsKS+53JvRO+x33SvLjFNsWRKmVNbH1E6M1BK+sqvD7eVi1sAAJQigDGSxY3NcbkzBmohZp4aquL8w5yaxcs3LF6+YeAdU3kjKj2X2352uW/4W6Ea1rz08vI4ldp9LBVRulLiwADXcNkhsiGLp9IRoxnce3BzuQqN418+AaNo0tAy/fUNdXX1dbV1jYsWL0yffOlg+ZE0AIBZTwBjRNlZiKl0RFztTI1z/mH20aySamoXrnhq4Yr4al7x9OhsO7dycUEtjYEQuHrjus432noiLh460pQf0rIDXCVn9GUn4A0MkWVnJFba7CEzGEc02uUTMOompU+9N6xMf96nE9BEAIAZRhEORtbYtCQi4mJ395XRzT/M1rfIN3zcqf/sD17a+exLO98ZXv2vRPH0wmWy9QwLa8oP1ni4/LsrxdYbKOiXezxpoOZ+iZL3mcr7BfvNFvErLBE5KHtcPziXHsvyCRhtk7JFOxrWDE9fxU4RAABDCWBUYHFjc0TE5Y/arvRGJbUfshXJhxf0u/KbtqGjTLnkU/QVWCPW0oioXb5p4D1dlw/mpbhc7fjOtuGRpv9s2+WIyK/kPlBzP68wfU62on2BxjWZ4JdqO1AsMmWPtHndwMDdaJdPQBWbVPQUAQAwhABGJQaKsPf2pCKiuWnE54Wymarn5O4fnOseiFX93ad+vednl4cvnU1KqbbX9h650p/3muBruSeOymeA7BurhqS4hSsfzzXj17nq9um+a0eym61//K8GS3dkg1zvsTf2vHMt24z+7nf27j5WbNpkLvj1nNz9g1+fHazU3999au/OzJHmv/9qtMsnYHRNGryshwfPT+Z8vpR3ioq8z61y6VN7dz770s5nXzpSdNwSAGCa8wwYFckrwr7kyxUkhJrco1k9Jw++dnLwg4Y1TzdfOTg0zyzc8J01qddO9kaq82dvDB9IqX/8haEVOIaas2LdkrafXc4M5ix6eSCt1aze8VLs3X0sFT2XD742JPvVNT++cUNh8fqa1RufTr1x8GL0Xjy0O39CXcOSdc2ptmExLH/7bT+73Dbk44Y1L71ckBtHu3wCRtWkmtWrmjsPdfYMOz8R9Q+uebguc2VTfXciqvySbgCAGUIAoyI1ixfXH0v1RpmX9g4xZ8XLL9Se+s1Hndlihg11zes2blg8J32q2NBG7fKdbzV2n/rNR52p3lwl+oa6+vpVm9aUfBVYgcVfffrBywcvRvScPHyqcWduYuHqHXsWXzt78nTXxVT26bO6+gdLbXZO41O7Cwvi19U/uGrTUwvj1N6h4WTI9ntTucrs9Q1LmkqUzh/t8gkYTZMWbnj5hS/nX9aoq39w8cNrGhtr50TUNB871BnR2XVtw+IpVukRAGBquOfu3buT3YYp5Pjx448++uhkt2LQf/vX/xIRD31xfRW3uXn9N/e8tbuKG5wlut956eDFyRmkooydz7506OgvqrW1T/5wNCL++s/+c7U2ONzr//RhRHxzyV9O3C6AfL+4/E8R8epfPjZB2/+3o89HxJ+sen6Ctg8M8e+nfxIRf7r+J5PdkEHHjx+PiMpDhBEwGDAQsWLJ028Nf6dzthbIyAVIYDJt27BpspsAY9F65PBkNwEgIQIYDMg+53b5d1e+2jjkkbO+7q5M0Y46+Yupa9uGTd/fN4X+IgiVy/ztQAwDZgMBDAbknnPr/Nne+PbGDQOPP/Wnr/zm8M8u90bk16yHKSXTeZW+mL4yd++2DZtkMGDGE8Agq3b5zm+n9/zscvFijA1Lnt4yfGoiTBXSFzPA9/f9RAYDZjzvAYM8i7+68zsvPP1gXX3D4M/qG5as+/YLL7381Ual1ZmSzDxkJslksMluBcAEMgIGhWrnND61w0gXAAATwQgYAABAQgQwAACAhAhgAAAACRHAAAAAEiKAAQAAJEQVRIDZpT/dfe2jk1dTvame7I8a6uvq/nzFw4sW1NQUXyd99qe7TqQi6h77+79dWWKZrOuHn3/3UkTDI8+9uGKsby7vPrr9QFdluwOA6UUAA5g10t1Hf3mgq2fYz3t6Uz297146EQ3Nq7+x8SsiDwBMGFMQAWaHq+/9dFex9JWvp/PUrud/eiadUJMAYPYxAgYwC1x97x9+3pn9j/q6BwonHKbT1393+uyHnamIiEh9+MOjtT9Zv2gy2gkAM50ABjDjdR/Npa+GR77+jRULhkwyrKlZsHLjgpWrrh/+4buXIiK6fv5GzSsvmIsIAFVnCiLADNd/5mRX5l8Njzz34rD0NahmwaaffP2BzL97T33UnUTjAGCWMQIGMLOlr13ujYiI+tXfGLks4YJNW5ouHeiKiEtXrm9qXFB+6dzMxobmr7+4cYSFcwUYL/Wmsj+pa6ivXbJm+crG0g1LXz9z+uzlzoGajQ31TWWWT3d/XLD9zGTL4Zkz/fGPfniqJ+KBLd/f1Nh/9ey59hPZp+Pq6x5Y87VNA9vvv3r2XPtvu3p6B1r7wCPFtjbmQ5vYJlV8NkZ7CPk1KqOSq9N/5o03P+yNiKZvmdoKIIABzGzpq1czneMH1lQ2pbCx8YHouhQRnd1XNy4o012++t5PR5G+0tcPH3r3Uu+Qn6Z6elM9B7oul9hC6urR7Se68n/S09vVc6DrcpEa97lefp7e1KXedy/9tumxzeuLl7Pvu374QGbWZd4qB9681Pz1fRvj8BtDGpy6dOLdS79dPXRy5pgOraSqNKnM2ThR98CWv93UWPjR2A7h6tEfnSgo6zJwdUZ7yACziwAGMKP13ckMaNTVVfpE14Km5rjUGRF9felYVPrNYD/vTEXFY19nBvr3dQ9syQ3mDJbF7+l89/Di7w9NBZG6dCIV9U2PZQdV0t0f//LAqZ6InhO/OrMo/xVhg3mjofnr31iVqS/Sn+4+98sDXT29XR/+MIqWFbl04t2CJuVySOe7P0pFT2/dA4987eEVc2oiIn39zKF3P+yN6D31y7ML8+Lf2A6tpOo0aeBsFIyPpdPXPzr07qXe1KUDP42CDDbGq/Nh5upsXr6ypvDqdJ49s2qBF7gBlCCAQWl95/a8drL3wc17nlo45JPud146eLGCLRRbtxLpU3t3H0tFLHn6ra9W3HGDIvr7BiaU1dZW3CGuvbcuIhWRSqUjiq2VfS9zhekrovtcJh0NGXupaVz/4pbYfqArIlJ9/VFktl7Tt14YDE41jV958e/jRz881ROpy1f7V+YiR3b7hW9/nlPTuP7Fv6/50Q9P9UTXz99r3FekqYXveq5ZsGnNwAzMnt7C1tYsWPnC11PPv3spoudOf8TQXY/+0EoZb5PSZ39VvEk1Cza98FzdG29+2Ju6dPLjhxuzg2YTfXVizsoXvr+y4uMHmOkU4YBS+s8eODl0Rk4y+s4dPpYaeTGYFKNOXxFXr3RFRNSvfnj43xNqahoiYiBCDNXwyPKhw1Y1NXVDl89WGSn6kFvNV77xSF1EROfZIu83a14xdKCmsXGgDEmR1s6pq4+IiFQ6t6UxH1pJ421S/+9+m4qIaP56sWG3OSs3r26IgiIrE3x1ABjCCBgU1X/2B2+0lX9l7cTterKCH4wodfXohycG+veVP+ezaOP3920s8VlNTV1Eqd+1utrhoy5z6uojCn5F+lOZ/6yrKTrIV1NbW2pAr+He0gNTRbY2p7ZuyK7HfmiljLdJ2ZorDywucXWyrcoNak3w1QFgCAEMhum7duTAoc6y3abGp3bvearUh9eOPHuoMyIa1rw0+vmH3e9MVvBjZsp10Ms90DVE6cfGUpdOZAdnx/GcTzrdH+n+vkh3XbmayhbQK6ay59bS6UybSkaXmpqGwsgxuIMiEWJcKj60ksbbpHQ6s9NLB/7hUtkFCyZSFmygqlcHgKEEMMjX333qNx8duzyev992v3OoMyKibt2W5aPunlz59cGLEQ1r1tWfbKvkGTMY0YgPdA1zvWvgrc3FHxtraK7r6UxFpD48fX3lKIrd9V9971ftY8okFSoZXcY0EjUaE35oE28GHALAdCGAQU7+tMO6dd/ZGAdGPxiVSVAR9Y9vXFE72gZcO/Kzy5nkVnvy5GhXhuJqFi1qOJHqiSiou1BGd/fAyElz4/CygQ2PPPfiijiTevPD3ojK6/tlX3KVVddQX1tXV1O3eOGXG/s/ev7d8mM1FSpZ6yI7RDYhEjm0MXhgS8WlF6fqIQDMUAIYDFX/4OZNTy2sif6zo141k6AiGtZsWj3aaUT9Z39wqDOi+ds7VtRG98jLQ4VqFi6pP9VTpFh5UdcPHxh471axh4jqliyaExErN6++/MNTPRGXDhxtGvnVuv1nDmX69wVVznOfVnogpWQHuErNqcvNyqv6hMMJP7QxKD3fsoSpdwgAM5wqiDCotnnN09/ZvfOphWN7smE8kw/Tp95r64l4cPOGxWPaN5Q2Z+Wapsy/ek68+aOz14fXAhyQvn44N9xRtCZeTq60YHT9/L3rI+w/Wxai4ZHh/fu8Abexy1YC7Oy+WuzjgSp/E/HM0oQf2ujl6hD+9lrxC53++EfP/8P25//hR2f7I6bkIQDMcAIY5MxpXL28cdTzBrP6zn2UeWrrwVWjnnw4UHd+ydNjemkYjKRx/SsDeSl6Try7642fHj57PZ3XPU+nr59576fbf5ibbFb32OYRJivWrPjaYwOx593DYx+yzVaQH5dcwuxqPztsxCb9cXvmkbbh5d0nVlUObQwWPJy51r2nfjn8bERcPZ0Z72paO8JYaEzeIQDMbKYgQnV0n8zUjq9bt2a0IerakddO9kY0f9s7l5kwNSv+9lt3fvrzzlRERG/qUu+7l06UWrbwRcAlzRmciFj+6bLsHMieE786XJsbZulPd5/75YGuwUePUul0LBhjRGpc/lh914e90XPizR/d+fo3Vi2oqRmyi7rHVlVeL6RiCRzaGBq14muP/fbN7NlYvXbVVwaqX6avnzn0bvaN1dlXeCVxCP1n3njzw96IaPrWyBNWAWY8AQyq4trvxjr8lZm4WP/4CyYfMrEWbfzbVxYfLehVD9PQvPobGyso1JFR85W1zad+3jni02VzVq5punygqydSlw68WTilre6BR1bU/fbdD3sjetN9FZZpLLqLF56LN978sDd6Ot/d1Vn4YX3TY5vXT8zwVwKHNqZWDZ6NUz/vPDXk44ZHnsu7WFPzEABmMAEMqiB96vTAJKemUQ5/ZevOj75oB4xeTeP6F3+yPt398UeFr3hqqK+r+/MVDy9aUPxNxqUt2vj1BzrfvRTRc+JXZxaVHjdrXP/i3zeeOX32cm6n9XUP5PZY2/Thga6Irq7u9YvGPgw8Z+UL3/9y98cfnbx6qTdb9bC+7oE1X3u4cc4EJockDm0MBs9Gqjd3oesamhcNDohN9UMAmKnuuXv37mS3YQo5fvz4o48+OtmtGPTf/vW/RMRDX1xfxW1uXv/NPW/truIGZ65sVfoHN+8Z4dGs7JINa156eTTlN/rO7XntZG/UrfvOjiHjZt3vvHTwYkQsefot8xLL2fnsS4eO/qJaW/vkD0cj4q//7D9Xa4PDvf5PH0bEN5f8ZRW3uW3Dpu/v+0kVNwiT6x+2P9965HC1tvaLy/8UEa/+5WPV2uAQ/3b0+Yj4k1XPT9D2gSH+/fRPIuJP10+h//EdP348IioPEUbAYNz6ujNzuuqbG0f1d/b0lSu9ERGpttdeaiu+yOWDz16OqCQEAgAwDaiCCOOVzVF1TYtNIwQAoBwBDMYrnUpFRDQsXjTmEvYAAMwOpiDCOGXrH9aPtnxB1KzesWd18Y88AwYAMCMZAYPx6Utn6q3V16nQDADACIyAwfjcSfdGRERd7QgPgKVP7d19LBURzd/e7ZVfAACzkxEwGJd0X2YArK723kluCQAAU58ABlVRV6sCBwAAIzEFEUqZs+Ll3StGWqhMIY0xLxkRjU/t3vNUpQsDADBdGAEDAABIiAAGAACQEAEMAAAgIQIYAABAQgQwAACAhAhgAAAACRHAZqOdz7402U2AKtj57EuHjv5islsBADAK0+g9YBfefHzXueWvHHtuafGPiqxSfOlZ7tDRX2xe/83JbgWMl78jAADT0bQJYBfeLBqxIiKi549/SLAlM0Aug+15a/dktwXGIpO+DH8BANPOtAhgPRfefKZ0/Iq4/cdbYbhrdDI9V0NhTFOiFwAwTU31ANZz4f2jRw6du1VumQsd5yJi7hfuS6hNM4heLAAAJGlKB7Ce97c/c+hWRMxd/sqLLR0lRsEyExDn/sV/aki0cQBMO+mzP911IvXAlu9vaiyzVP/Vs+faf9vV05v5z7qG5kVrV31lUU0le7h++Pl3L1Ww3EhtAGCmmtIBLCJi7vLNG9Y/ubQhLnSUWOL2H29FzP2LL9x+/80fDYyVzZ27fMOLzy2VyAAYlP74lydSIy7zox+e6in4UaqnM/XzzqsPbPlbkQmAcZvSZegbntx3bN9zT5YPUpkBsFuHdu0anKl469a5Xc88/uaFCW8hANNEkWQ1qmVSlw789Ey6+u0CYJaZ8iNgI8pU4MhMU8wMevX0vH/0R4fO3Tq3a/sX3t73ZLH4dvz48VLbu3Wr7ANnk6G3d4QuA1BFCXwJ9PZU+Ze6P91f3Q3ONP/379v/z//6r33Z//wf/1/RM/b/dBzIpq+aP/s/nlj7pf8ts/J/7zj/L+eu9UekPvzw//ry4/+x7K7mPPzycw+X+vD37bv+679GRO1Xnnq41lUro+q/IxP3e52ZmdpT7QYDpfyHiJiSPfbKTfsANlCCfvkr+3IlEBsannxu3xfi8V3nbv3zv/Q8WSyBPfroo0W3dvz48blz505QU8fgd/8aEVFfbzIlJOHGHyIiJvZL4I/dEVHfUOVf6jk1c6q7wRkkff3M6bMfdhbMPPyf/9diZyx97feZAa7mr7+yccHgA19z5jzxZ//xf3njzQ97I/7f/xFz5lT0LFgR1w//IPOlvvpbj//vY93ILFHN35G+/x4T+Xv9bxcjIhqq/UsNlPLv1yMm+n/Wo3Tt2rVRLT/tA1jDk/uOPVnk50tblse50gkMgJkvf0ph/epXNscvS89CTF+92hMR0fSt/PQ1YM7KF76/cnxtufpepjhH3WObvyJ9Acxi0z6AlXTfF+ZG3Lr1x9sRAhjAbFb3wJavbWqcE+mPSy/T/7vfpiIimhsXTUQTuo/+vDMiouGRr60UvwBmtZkbwDK8HQxgFqtZ8sjXv7Fi+IjWcP2p3oiIhnvnREQ6ff2jQ2cv9WYmLtY1NK/4xqoFNWMPTtcPH+iKiKhf/Y0VZosCzHJTugpiBXre3/74448XK3iYKc7xxS8Y/gKYrWoWrKwofUWk0wNhq3bO1fd+uuuH72bTV0Skejrf3fXDsZdATJ89m3kz2ANrTD4EYLoHsIYvfDEi4lzHkATW8/6RcxGxvGXp8HUAoLjUyZ/+vLPou8JSH44xg13/KPPysfrVD3uNGADTfwri0vWb5547dOvcru2RK0N/4c0f7Tp3K2Lu5vXyFwCV6+lNRURD89dzcw7T3R9/dPLUpd6ISH14+vrKjQtGt8XubsNfAOSZ9gEsGp58cfM/P3Po1q1zu545l//B8ldeVP8QgFFqeOS5F/Oe1Kpp/MqmxoV1mTL0nd1XNy4YTZWO/jMnuyIioqnJ8BcAEdN/CmJEphL9268sH3wbwNy5y195+1hmOAwARqFpbZE6GXNWrmmKiIiuru7RbCx97XKmtscjyyekuCIA08/0GQFb+tyxY8+V/LRh6XP7lpb+GAAqUaoMfU1NQ0Spd4iVkn23WN2SRYofApAxE0bAAGB8amrqMv9Ipcda7HC47LvF6hd92eNfAAwQwAAgFjQ1R0REb7qv2Me5say6UUSp7LvF/nyh/AVAlgAGABG192bGwLp+/t71YR9mS8lHbW3lWSpb/7Cu1vxDAHIEMACIqFmx4oHMvzrf3f7Gx1ezMxHT3R8ffuPdTJQaVS2NdF9mLG1Ug2YAzHjTpwgHAEykBZu2NF060BUR0Xvq5z88NWyBIQUS+89katNH07d+sn54MOu7M/pBMwBmPiNgAJDRuP6VLU3FX2FS3/Stvy+Sskrr78vkr/qa2iq0DIAZwwgYAGTVNK5/8e8bz5w+e7kzNVB0vr7ugT9f8fCKBWMcx6qrMQAGQB4BDIBZouYrL/7kKxUstmDlxgUrN4643JyVL3x/5Rg/BWDWMgURAAAgIQIYAABAQgQwAACAhAhgAAAACRHAAAAAEiKAAQAAJEQAA5jeWo8c/oftz092K6A6/mH7861HDk92KwAmkAAGAEwJ/pQAzAZexAww7bUeObxtw6aI+P6+n0x2W2CMjH0Bs4QABjATZDKYAQSmL+kLmCUEMIAZQv8VAKY+z4ABAAAkRAADAABIiAAGAACQEAEMAAAgIQIYAABAQgQwAACAhAhgAAAACRHAAAAAEiKAAQAAJEQAAwAASIgABgAAkBABDAAAICECGAAAQEIEMAAAgIQIYAAAAAkRwAAAABIigAEAACREAAMAAEiIAAYAAJAQAQwAACAhAhgAAEBCBDAAAICECGAAAAAJEcAAAAASIoABAAAkRAADAABIiAAGAACQEAEMAAAgIQIYAABAQgQwAACAhAhgAAAACRHAAAAAEiKAAQAAJEQAAwAASIgABgAAkBABDAAAICECGAAAQEIEMAAAgIQIYAAAAAkRwAAAABIigAEAACREAAMAAEiIAAYAAJAQAQwAACAhAhgAAEBCBDAAAICECGAAAAAJEcAAAAASIoABAAAkRAADAABIiAAGAACQEAEMAAAgIQIYAABAQgQwAACAhAhgAAAACRHAAAAAEiKAAQAAJEQAAwAASIgABgAAkBABDAAAICECGAAAQEIEMAAAgIQIYAAAAAkRwAAAABIigAEAACREAAMAAEiIAAYAAJAQAQwAACAhAhgAAEBCBDAAAICECGAAAAAJEcAAAAASIoABAAAkRAADAABIiAAGAACQEAEMAAAgIQIYAABAQgQwAACAhAhgAAAACRHAAAAAEiKAAQAAJEQAAwAASIgABgAAkBABDAAAICECGAAAQEIEMAAAgIQIYAAAAAkRwAAAABLyucluwJRz69atyW7CUL29PZPdBJhFEvgS6O3xSw2Jmrjf65qIiOjxSw1J+Q8RMSV77JUTwIaaO3fuZDdh0O/+NSKivr5hshsCs8KNP0RM9JfAH7sjor7BLzUkpe+/x0T+Xv/bxYiIBr/UkJR/vx4xxXrs165dG9XypiACAAAkRAADAABIiAAGAACQEAEMAAAg5ig4eQAAIABJREFUIQIYAABAQgQwAACAhAhgAAAACRHAAAAAEiKAAQAAJEQAAwAASIgABgAAkBABDAAAICECGAAAQEIEMAAAgIQIYAAAAAkRwAAAABIigAEAACREAAMAAEiIAAYAAJAQAQwAACAhAhgAAEBCPlf1Ld68ebP0h/Pmzav6DgEAAKaHKgWwm+37fvz6jv0dIy23te1u69rq7BIAAGCaqUoAa982f93+amwIAABgBqtCALu57/WB9NWydev6BU986Uull50/f/z7AwAAmJ7GH8BunjjaEWF2IQAAwAjGXwXxxvWOiGjZ+3fSFwAAQDnVKkPf+CXlDQEAAMoafwCbv6AlIrp/X6b4PAAAANUIYPMeWd8S0XH0hAQGAABQThWmIM7b/s7elujY8dS2dhkMAACgpCpUQdy37cfXG1uio2P/uvn7o6Vla2NjyYUX/F3rdg+LAQAAs9P4A9iN6/v3572FuaNjf0dHyYW3PtEaAhgAADA7VasKIgAAACMY/wjY2ta7d1ur0BIAAIAZzggYAABAQgQwAACAhIx/CuIQN2+WqkV/48SPX48nzm9fW+1dAgAATAtVCmA32/f9+PUd+0uXPxyw9Ynq7A8AAGD6qUoAa982f93+kReLaFlQjd0BAABMS1UIYDf3vZ5NX5m3MHd37+/oKPh3RLRsbXunda13gAEAALPX+Itw3DxxNJOw9t64e/58a2tr6zvrWyKio/GJ1tbW8+fv3r2xtyWiY//rJ0o9HQYAADAbjD+A3bjeEREte9/Znh3emvfI+paI6P79QOCat/1829aIjh0/bh/33gAAAKatapWhb/xS3uzCeV9qjIiO6zdyP1n7xNaI2P+BBAYAAMxeE/kesNwQWGQTWP5PAAAAZpnxB7D5CwrmG+b9LH8ILGP4TwAAAGaN8QewgfmGR/NLbGR+lp/Kbv6+e9x7AgAAmNaqMAVx7d/tbYno2DF/2bZ97QOJa2AILJfK2n+8oyMiWhbMH//+AAAApqdqPAM2b/urWyMiOvbvWDd/W3vejzp2zL/nnmXL7rkn857mlvWPeBEYAAAwa1WnCMfa1rs39m5tKfjR37Vtzfwr8yLmwkr1AAAAs0/VqiDO2956/u7dG21/l51kOG9t640bbVtbWlpaWlq27m27cV78AgAAZrXPVXdz89bmh6x589a2nl9b3T0AAABMVxP0HrCbN73wCwAAoFA1A9jN9n3bli2755577rln/vyBahzt2+7JK44IAAAwi1UrgN1s37Zs/rod+7MVN/J07N+xbv6yTB4DAACYvaoTwNq3zV+3vyMiomXr1oJyiPMXtLRERHTsX7dsn3EwAABgNqtGAGvflnnN19a2G3fPt7Zuf6Jx8LN528+fv9G2tSUiOnb82CgYAAAwi1UhgLV/sD8iWvbeaF1bvM78vLWt7+xtiYj9H0hgAADA7DX+AHbz990R0bL+kXJv+Zr3yHoJDAAAmOXGH8BuXO+IiMYvlX/L8rwvNZb9HAAAYMaboPeAAQAAMNT4A9j8BZVMLhx4UGzB/HHvDwDg/2/v/l0bO/cHj38Mge1vcYs4hhFIUwzDdouJzBQq5YRhCjNFFpxOxiyL7GLSOOW4ycDaYgsjwRYxbIrBRTATu9hC7A5WMBe2uEyGS6SLBhwFvn/Al8tW3kLyb9mWbfnxr9eruRnp+OgU95H01nPOcwDuqKsH2CCXd7Uqr2sR55+oCAAAcI8N4RTEvQKbnJjZ7HOnr9bmzERurhER+eVXxau/HAAAwB01jGvAsuXuKvON2mRuZGRi4vWHiIgPr2dmJiZGRvZv0bz8Y9n8FwAA8IB9NpS9ZMtbzZj5dq7WiGg0GhER0Wh0wysiIvLLzS35BQAAPGxDWwUxW65uNZsby6V8Pn/waD6fLy1vNHfVFwAAwHBmwHqy2WK5WiwPc5cAAAD3hvuAAQAAJCLAAAAAErnoKYitzZk3P1/+5Z68qroaDAAAeKAufA3Y7x9qh1Y3vKjSi2oIMAAA4GG6aIBlHz+N6AbYkeUOAQAAOMeFZ8ByT/K9Ams0orT8/auvillzWgAAAOe78CIc2fJWs7lRyucjolGbm8zlRkZGJmYqm63WNRweAADA/XGZVRCz2WJ1a2t3d7e5sVzKRxyU2MTETGVTiAEAAPRzpWXos8VydT/E8hHRaNTmJnMjSgwAAOCkodwHLFssV7e2dnebB1NiSgwAAOCYod6IOXtiSuxQic1UlBgAAPCgDTXA9p2cEotGbW5uMjezeS2vBwAAcAdcT4DtyUbEk6duFwYAABCXuA/YQFqtzV/evJ6rNY48ms+XXuSu5fUAAADugOEGWGuz8ub121rjSHjl86WX378qF92uGQAAeNiGEmB9J7x0FwAAwBFXCrB+E166CwAAoL/LBFi/CS/dBQAAcI4LB1irMpGb208v3QUAADCoCwdY8+NefeVLpacR8fHnNzM/D/rXT15Vy2INAAB4mC4aYK3fP+z9Z6N2bJn5AZReVEOAAQAAD9NFb8R8MAEGAADAhVx0BqxY3d2tXsuRAAAA3HMXnQEDAADgkgQYAABAIgIMAAAgEQEGAACQiAADAABIRIABAAAkIsAAAAASEWAAAACJCDAAAIBErinAWq3W9ewYAADgzhpmgLU2KzMTEyMjIyMjuVxuZjMiYnNmZGKmsinHAAAAhhVgrc2ZidzkXK3ROPFUozY3mZvo9hgAAMDDNZwA25zJTdYaERH5Umm5lD94Jvckn4+IaNQmJyrmwQAAgIdsGAG2OTNZi4gobTR3t6rV8ounB89ly1tbzY1SPiIac2/MggEAAA/YEAJs8+daROSXm9Vitu8G2WL1x+V8RNR+VmAAAMDDdfUAa/3+ISLyL7/qX19d2a9eKjAAAOCBu3qANT82IuLp47P6KyL7+OmZzwMAANx7bsQMAACQyNUDLPdkkJMLexeKPcld+fUAAADuqKsH2CCXd7Uqr2sR55+oeKbtpefPny9tn/JsZ22pXH7eU15a2+5c/pUAAACuwxBOQdwrsMmJmc0+d/pqbc5M5OYaEZFfflW89KtsLy3Wz3jy+exqvd3e+3e7vro4e2qrAQAA3IhhXAOWLXdXmW/UJnMjIxMTrz9ERHx4PTMzMTEysn+L5uUfy5ec/+psLz0/M78W6xGRmV5YWV9fX19fWZjORER9sbxmGgwAALg9hrMIR7a81Vwu5SMiotFoNLr/W6t1/ysi8svNrUvlV2d7bak8e0Z9RWftp3pEFBYqU+OjERExOj5VWShERPv9rwoMAAC4NYa2CmK2XN1qNjeWS/l8/uDRfD5fWt5o7l6yvtbKs4ur9XZkCgsrC4X+2/z6vh0Rhfz4kYfHX05nFBgAAHCrfDbMnWWzxXK1WB7mLiNTmP7m5dT4aGw3+j7/x06//ooYHXsU0W7v/BExOtQDAgAAuKShBtiwjU5V1qfO3qSz8ykiMmNfnHjmi7FMRPvTTifGFRgAAHAbXD3ANmdGJj+Ulr9/VS5eYY35xN69e3faU+2DxRRviz//dCIlpJPgTeDPjkENSV3fuP5rRER0DGpI5S8RcSu/sQ9uODNgjdrcZG0uIn/rQuyUcxC//vrrvpu/e/cuk8lc90EN7u//iIj4/HNzeJBC81NExPW+Cex8iIjPRw1qSOXf/hnXOa7//W8REaMGNaTyr48R1/1hfUG//fbbhba/+iIcuRel/WU3GrW57kr0M5V+twS7Af1OTgQAALgRVw+wbLG6tbW7210AsftQ4/aFGAAAwI0b3jL0xXI3xJob/UJss3U9ITY69ih6Jxoe010e8dGYcwIAAIBbYmgBtie7NyPW3Ni7NXM0GrXJXG5kZGKiMvQM+2IsExGfdo5f/Hr68ogAAAA3Y+gBtiebLZarW7u9cxO7jzUaH5vDfp3RL59lItqrb7ePPLz9drUdkXn2pQkwAADgtri2AIuIaG1WZia+nZyr9b+H8nB0Cyzqi+Wl7e40WGd7rbxYD/0FAADcLtdxI+ZWa/OXN6+PZlc+X/r+x1fF7DWsUD869d3CzuxivV1fnK0ferywUJnSXwAAwO0xzBmw1mZlZmJiZCSXO5j0yudLyxvN3d2treq11FdERIyOz68sTBcO7gaQKUyvrM+PX9PLAQAAXMowZsBam5XjE17XcE/m8fn19flTnx0dn5ofnzr9eQAAgBt39QDbnMlN1g7+OfTwAgAAuCeGdg1YvrT8/auvru80QwAAgLvu6gGWe7HRvJ7VNQAAAO6VqwdYtlgcwnEAAADcexcNsFZl5s3HiIgnr6rl7JFHBrH/VwAAAA/ORQOs+bFWq0VElF5UI3vkkUHs/xUAAMCDM8z7gAEAAHCGi86AFau7u9VzHgEAAKAPM2AAAACJXD3AWpWZmZmZSuv8rSYmJs7bDAAA4P66eoA1P9ZqtdrH5tlbZR9HrdFonLcZAADA/ZXqFMTW7x8SvRIAAMAtdYkbMW/OjEyeWHe+NjkywFr0+Se5i78eAADA/XCJGbBidaN0uRcrfe8uzAAAwMN1iRmwiOKrjVL83PvHhw+1RiPy+dLTp2f8yZMnL776qii/AACAB+xSARbZYrVa7P335kxtshFPvz94BAAAgD4uF2CH5Z6USqVwcRcAAMA5rh5g2XK1OoQDAQAAuO8uGmCtysybjxERT15Vuytq7D8yiP2/AgAAeHAuGmDNj7VaLSKi9KIa2SOPDGL/rwAAAB6cVDdiBgAAePAuOgNWrO7uVs95BAAAgD7MgAEAACQiwAAAABK5+jL0x7VardOfzGYtwQEAADxUQwqw1mblzeu5WuO87Uobu9XicF4SAADgjhlKgG3O5CYHXokeAADggRpCgLUqr3v1lS+VXj558fjx6dvmcld/PQAAgLvp6gHW+uVtI8LZhQAAAOe4+iqIzY+NiMgvv1JfAAAAZxnWMvRPH1veEAAA4ExXD7Dck3xEfPj9jMXnAQAAGEaAZb96mY9ovP1FgQEAAJxlCKcgZss/LuejMfftzKYGAwAAONUQVkGszLz5+DQfjUZtMleLfL709OmpGz95VS27WAwAAHiYrh5gzY+12qG7MDcatUbj1I1LL6ohwAAAgIdpWKsgAgAAcI6rz4AVq7u71SEcCQAAwD1nBgwAACARAQYAAJDI1U9BjGi1Blx+Ppu1AAcAAPBwXT3ANmdyk7XzNzskny+9/P5VuajGAACAB+UmTkFsNGpzk7mRiYr7NgMAAA/J1QMs92pjY2M5v/fPfKm0vLFnuVTK7z++vLGxsbG8XCrlu4815nIzm1d+eQAAgLvi6qcgZrPF5pvJRkTkl5tb5SPnFRaLxXK12tqcyU3WanM/v9itlovFKEfvoai9rrwqlp2KCAAAPAhDOAVxc2ay1q++9mWL1eZyPqI2uT/jlS1WN0oR0Xj7i/MQAQCAB+LqAdb6/UNE5F9+ddZEVvarl/mI+PD7QW7lnuQjovGxeeUjAAAAuBOuHmDNj42IePr47BMJs4+fxtHc6j4CAADwYAxrFcTDc1v9dOfJAAAAHrCrB1jxRSkiGnNvzlrRcPPNXCMiSi+KBw/9XIuI/JPclY8AAADgThjCDFi3wKI2OTGz2W8arLU5M9G9VfN+f+0/dM6lYwAAAPfI1ZehjyhWN0q1yVo0apO5WuTzpad7V3d9+PCh0Wj0/lHaqBYjYnNmpJtjob8AAIAHZRgBFlGsNjfi28laIyIajdp+c+3LL2/8WC4ee6y0cdrC9QAAAPfQsBbhyBarW7vN5sZyKZ/PHzycz5eWN5rN3a1ycS+1ck9KpeXljebuVrXYd1cAAAD303BmwHqy2WK5Wiyfs1G5Wh3miwIAANwRw5oBAwAA4BxDDbBWa7MyMzExMdIzMTExMVPZbJ19izAAAICHYWinILYqE7m5Y4tvNBqNaDQma3ORX25acAMAAHjghhNgR+orn88/7S5Ef7AKfWMuNxEaDAAAeNCGEWCtyrfd+uouNn8sslqblW8n5xrRmPu28pUEAwAAHq4hXAO2+WauEdE9y/B4fUVEtljeai7nI6Ix92bz6i8HAABwR109wFq/f4iI/PKPZ0xuZcs/Lucj4sPv1uMAAAAerKsHWPNjIyKePj773MLs46cR0fjYvPLrAQAA3FHuAwYAAJDI1QMs9yQfEbWfz768a/PnWkTkn+Su/HoAAAB31NUDrHtyYdReV06/vqtVeV2LOP9ERQAAgHtsCKcgFl/11jjMTcxsto5XWKu1OdO7SVh++VXx6i8HAABwRw3jPmDZ8o/Lb3NzjWjUJnO1iMjn891nerdhjojz1kkEAAC494YRYBHZ8lbz8cy3k7Vubx3uroiIyJc2fqz2uUcYAADAAzKcAIuIbLG6tfuqtfnLm5/ffviw9+jTpy9fvPqqmNVeAAAAQwuwiIjIZovlarE81H0CAADcE+4DBgAAkMiVA6zVOrHwYffxysTETOXkqogAAAAP1RUCrLU5MzEykst9+0ufyGr98rbRqM1N5nIjEzObKgwAAOCyAdbanJnI9RY9bHxsntzg0EON2mRu4oy7NAMAADwMlwqwzZm9+IrIlzZe5U5uUixv7e42N0p7NwSby81sXvYYAQAA7oVLBNjmzGSt+1/55ebuVvX0ReazxepWc7nXYLVJCQYAADxoFw6wVuX1fn79WD7//l7Z8o/7CfbaiYgAAMADdtEAa/3ytnfuYen7AfIrIiJb/r7U/a/G237rdQAAADwMFw2w5se9a7+e9Lny6xS5J3uXgvVbrwMAAOBhuPQy9E8fDzb/FRGRffz0si8DAABwb1z5RswAAAAM5qIBtn824YffB7+cq/X7h+5/XOS8RQAAgHvmogG2fzbhBRbUOFi44yLnLQIAANwzFz4FsfjioksaHvSXCTAAAOAhu/g1YAcFNvftAPf12pzJzV104XoAAID76BKLcBSrG/sJlpuY2Tw1wlqblZmJyd5tmyO//Kp4iQMEAAC4Lz67zB8Vq83lD92JrUZtMleLyJeWX754/Hhvg99//vltrdY49CeljS3TXwAAwMN2qQCLyJa3mjHz7dxeZDVqc43aKdvmS8s/VtUXAADw4F3+PmDZcnWrubFcyp++ST5f2mg2t9QXAABAXHoGrCdbLFeL5Wq0WpvN5u+///zxY0Q8efLi8eNcrpiVXQAAAIdcLcD2ZLPFbLZYtMgGAADA6S5/CiIAAAAXIsAAAAASEWAAAACJCDAAAIBEBBgAAEAiAgwAACARAQYAAJCIAAMAAEhEgAEAACQiwAAAABIRYAAAAIkIMAAAgEQEGAAAQCICDAAAIBEBBgAAkIgAAwAASOSzmz6AW6fdbt/0IRz355+dmz4EeEASvAn82TGoIanrG9d/jYiIjkENqfwlIm7lN/bBCbDjMpnMTR/Cgb//IyLi889Hb/pA4EFofoq47jeBnQ8R8fmoQQ2p/Ns/4zrH9b//LSJi1KCGVP71MeKWfWP/7bffLrS9UxABAAASEWAAAACJCDAAAIBEBBgAAEAiAgwAACARAQYAAJCIAAMAAEhEgAEAACQiwAAAABIRYAAAAIkIMAAAgEQEGAAAQCICDAAAIBEBBgAAkIgAAwAASESAAQAAJCLAAAAAEhFgAAAAiQgwAACARAQYAABAIgIMAAAgEQEGAACQiAADAABIRIABAAAkIsAAAAASEWAAAACJCDAAAIBEBBgAAEAiAgwAACARAQYAAJCIAAMAAEhEgAEAACQiwAAAABIRYAAAAIkIMAAAgEQEGAAAQCICDAAAIBEBBgAAkIgAAwAASESAAQAAJCLAAAAAEhFgAAAAiQgwAACARAQYAABAIgIMAAAgEQEGAACQiAADAABIRIABAAAkIsAAAAASEWAAAACJCDAAAIBEBBgAAEAiAgwAACARAQYAAJCIAAMAAEhEgAEAACQiwAAAABIRYAAAAIkIMAAAgEQEGAAAQCICDAAAIBEBBgAAkIgAAwAASESAAQAAJCLAAAAAEhFgAAAAiQgwAACARAQYAABAIgIMAAAgEQEGAACQiAADAABIRIABAAAkIsAAAAASEWAAAACJCDAAAIBEBBgAAEAiAgwAACARAQYAAJCIAAMAAEhEgAEAACQiwAAAABIRYAAAAIkIMAAAgEQEGAAAQCICDAAAIBEBBgAAkIgAAwAASESAAQAAJCLAAAAAEhFgAAAAiQgwAACARAQYAABAIgIMAAAgEQEGAACQiAADAABIRIABAAAkIsAAAAASEWAAAACJCDAAAIBEBBgAAEAiAgwAACARAQYAAJCIAAMAAEhEgAEAACQiwAAAABIRYAAAAIkIMAAAgEQEGAAAQCICDAAAIJHPbvoAhmJ76flivc/jhYX1+fHkRwMAANDXvZgB6+x8uulDAAAAONe9mAH7Y6cdprsAAIDb7j7MgG036hGRGfvipg8EAADgLPcgwLonIGaefTl600cCAABwlntwCuIfO+2IzLOxP9aWflittyMiMpnCN9/NjysyAADgNrn7M2DdCbD26uJir74iot2uL84+X9q+wcMCAAA47u7PgHVX4IjIFBZ6k16dztrbH1br7fpieWylMtVvHuzdu3en7a/dbp/21E3588/OTR8CPCAJ3gT+7BjUkNT1jeu/RkREx6CGVP4SEbfyG/vg7nyA9ZagLyxU9pdAHB2dmq+MxfPFevv9r52pfgX29ddf993bu3fvMpnMNR3qJfz9HxERn3/uZEpIofkpIuJ63wR2PkTE56MGNaTyb/+M6xzX//63iIhRgxpS+dfHiOv+sL6g33777ULb3/lTEEenKuvr6ycXoB/PFyKi/f5XP0kBAAC3xJ0PsFN9MZaJiPbOHzd9IAAAAF33N8C63B0MAAC4Ne56gHXWys+fP++34GF3cY5HY07KBgAAbom7HmCjY48iIuqNYwXWWfupHhGF/PFrwwAAAG7KXQ+wGH85nYmI+mJ5abu33kZne6k8u9qOyEy/1F8AAMCtceeXoY/Rqe+m38+uttv1xdn64ScKC9/1vQcYAADAzbjzM2DRXYl+ZaFwcDeATKawsLLevSszAADAbXH3Z8C6RsfnK+PzN30UAAAAZ7gPM2AAAAB3ggADAABIRIABAAAkIsAAAAASEWAAAACJCDAAAIBEBBgAAEAiAgwAACARAQYAAJCIAAMAAEhEgAEAACQiwAAAABIRYAAAAIkIMAAAgEQEGAAAQCICDAAAIBEBBgAAkIgAAwAASESAAQAAJCLAAAAAEhFgAAAAiQgwAACARAQYAABAIgIMAAAgEQEGAACQiAADAABIRIABAAAkIsAAAAASEWAAAACJCDAAAIBEBBgAAEAiAgwAACARAQYAAJCIAAMAAEhEgAEAACQiwAAAABIRYAAAAIkIMAAAgEQEGAAAQCICDAAAIBEBBgAAkIgAAwAASESAAQAAJCLAAAAAEhFgAAAAiQgwAACARAQYAABAIgIMAAAgEQEGAACQiAADAABIRIABAAAkIsAAAAASEWAAAACJCDAAAIBEBBgAAEAiAgwAACARAQYAAJCIAAMAAEhEgAEAACQiwAAAABIRYAAAAIkIMAAAgEQEGAAAQCICDAAAIBEBBgAAkIgAAwAASESAAQAAJCLAAAAAEhFgAAAAiQgwAACARAQYAABAIgIMAAAgEQEGAACQiAADAABIRIABAAAkIsAAAAASEWAAAACJCDAAAIBEBBgAAEAiAgwAACARAQYAAJCIAAMAAEhEgAEAACQiwAAAABIRYAAAAIkIMAAAgEQEGAAAQCICDAAAIBEBBgAAkIgAAwAASESAAQAAJCLAAAAAEhFgAAAAiQgwAACARAQYAABAIgIMAAAgEQEGAACQiAADAABIRIABAAAkIsAAAAASEWAAAACJCDAAAIBEBBgAAEAiAgwAACARAQYAAJCIAAMAAEhEgAEAACQiwAAAABL57KYP4NZpt9s3fQjH/fln56YPAR6QBG8Cf3YMakjq+sb1XyMiomNQQyp/iYhb+Y19cALsuEwmc9OHcODv/4iI+Pzz0Zs+EHgQmp8irvtNYOdDRHw+alBDKv/2z7jOcf3vf4uIGDWoIZV/fYy4Zd/Yf/vttwtt7xREAACARAQYAABAIgIMAAAgEQEGAACQiAADAABIRIABAAAkIsAAAAASEWAAAACJCDAAAIBEBBgAAEAiAgwAACARAQYAAJCIAAMAAEhEgAEAACQiwAAAABIRYAAAAIkIMAAAgEQEGAAAQCICDAAAIBEBBgAAkIgAAwAASESAAQAAJCLAAAAAEhFgAAAAiQgwAACARAQYAABAIgIMAAAgEQEGAACQiAADAABIRIABAAAkIsAAAAASEWAAAACJCDAAAIBEBBgAAEAiAgwAACARAQYAAJCIAAMAAEhEgAEAACQiwAAAABIRYAAAAIkIMAAAgEQEGAAAQCICDAAAIBEBBgAAkIgAAwAASESAAQAAJCLAAAAAEhFgAAAAiQgwAACARAQYAABAIgIMAAAgEQEGAACQiAADAABIRIABAAAkIsAAAAASEWAAAACJCDAAAIBEBBgAAEAiAgwAACARAQYAAJCIAAMAAEhEgAEAACQiwAAAABIRYAAAAIkIMAAAgEQEGAAAQCICDAAAIBEBBgAAkIgAAwAASESAAQAAJCLAAAAAEhFgAAAAiQgwAACARAQYAABAIgIMAAAgEQEGAACQiAADAABIRIABAAAkIsAAAAASEWAAAACJCDAAAIBEBBgAAEAiAgwAACARAQYAAJCIAAMAAEhEgAEAACQiwAAAABIRYAAAAIkIMAAAgEQEGAAAQCICDAAAIBEBBgAAkIgAAwAASESAAQAAJCLAAAAAEhFgAAAAiQgwAACARAQYAABAIgIMAAAgEQEGAACQiAADAABIRIABAAAkIsAAAAASEWAAAACJCDAAAIBEBBgAAEAiAgwAACARAQYAAJCIAAMAAEhEgAEAACTy2U0fwLB01pZybyNVAAAM4UlEQVR+eF9vtyMiIlOY/ubl1PjoDR8TAADAYfdjBmx76fns6l59RUS7vro4u7R9k4cEAABw3H0IsO2lxXpEZKYXVtbX19fXVxamMxFRXyyvdW762AAAAPbd/QDrrP1Uj4jCQmXvnMPR8anKQiEi2u9/VWAAAMCtcecDrPPr+3ZEFPLjRx4efzmdUWAAAMCtcucD7I+dfv0VMTr2KCLaO3+kPyQAAIC+7voqiJ2dTxGRGfvixDNfjGUi2p92OnHnV0P835/e3vQhAMP0P/7v/7npQwCG6V//67/d9CEAd8ZdD7BLevfu3WlPtQ8WU7x5//E/TP79/23c9FHAw3KtbwL/eezp/9z5cH37B/q6xnH9n/7rX//2369r58ApbtU39ou67wHW3vkj4uQM2Ndff91383fv3mUymes+qAvJxH+56UMAhun7W/YmA1xVxvQXpHarPkp/++23C21/568BO0e/kxMBAABuxH0PMAAAgFvjrgfY6YsddpdHfDR211fgAAAA7o27HmDdxQ7j087x+32dvjwiAADAzbjzATb65bNMRHv17faRh7ffrrYjMs++NAEGAADcFnc+wHoFFvXF8tJ2dxqss71WXqyH/gIAAG6Xe7AM/ejUdws7s4v1dn1xtn7o8cJCZUp/AQAAt8fdnwGLiNHx+ZWF6cLB/QAyhemV9fnxGzwkAACAE+7BDFhERIyOT82PT83f9GEAAACc7l7MgAEAANwFAgwAACARAQYAAJCIAAMAAEhEgAEAACQiwAAAABIRYAAAAIkIMAAAgEQEGAAAQCICDAAAIBEBBgAAkIgAAwAASESAAQAAJCLAAAAAEhFgAAAAiQgwAACARAQYAABAIgIMAAAgEQEGAACQiAADAABIRIABAAAkIsAAAAASEWAAAACJCDAAAIBEBBgAAEAiAgwAACARAQYAAJCIAAMAAEhEgAEAACQiwAAAABIRYAAAAIkIMAAAgEQEGAAAQCICDAAAIBEBBgAAkMhnN30At867d+9u+hAAAID7yQwYAABAIiO7u7s3fQwAAAAPghkwAACARAQYAABAIgIMAAAgEQEGAACQiAADAABIRIABAAAkIsAAAAASEWAAAACJCDAAAIBEBBgAAEAiAgwAACARAQYAAJCIAAMAAEjks5s+ALiC7aXnP33KPHr0bCz/5dT4aP+NOttrvzZ23n+qP/pmfX58qK/fWSvPrrYz0yuVqVNeHLiaTmf717c/va+3270HMpnCs29e9hnw543H7aXni/UoLFzkfaD7N8Y43AbdMX7uZgMP2Mu8J8BQCDDuuHa73W63o74zdso76PbbxdV6REQ8SnlcwJX1/brVbtfbi/XVTGH6u3lVBMDdI8C4+zKZTLtdb2zPj/cpsO1GvbvB+T+aAbfI9lJ5sd6OiExh+puXX46PdmOrOyO2Wm/XV2c/hZkpeDhGpyrrU4cfMIXFXeUaMO6BR48yEfXGdp+nthv1yDx79ij1IQFXsr20WG9HZKZX1ivzU3v1FRGjo+NT85WVhUImor06u9Rv3APALWYGjHtgLP8sU+87B7bdqEdm+suxndWjD/e7rqN3ttPhn9I620s//LR/7Ukmk3n0zXfzp11rdmQvR/fd2V57+9NqfW8/hel+V7B0tpd+6P7gH5nCwnfzX/za74KWzvbaoethMplC/yMacDO4nTprP9UjorBw2gTX6Pj8d9OfZlfb9Z/WXo6fOgvWdzwefv7IQDnj+rKIztrSD6t7A7Tf2Y/nDfOD3+q/2N/VwZ4Odp/JTH/z3bFDuMBxAhEx+Af9YYN96BuPXJ0ZMO6DL7581ncObLtRj3g0drk3xc5aeXaxfujUxXa7XV+cfX7GL+573/aOfG3cXirPLu5/LYuIdn11cbZ8dDe9F9vfYnG2/Han/yGtHjqmdrt+YlcDbwa3VefX9+2IzPTLs04rGp36phAR7fe/dk7ZS7/xeMje0Dx0enK7XV9d7DOrtvO2PLt6aICuzpbXjrzqQMO8u6u1Q7vq7Wl76fmhx9qriz8c3vsFjhO4tME+9I1HhkKAcS+M9i2w7UY9opC/1KnhnbUfVtsRmemFlfWelYXpTETUf1rr/31ve2l2tR1RWKgc/LLWWetexpIpTK+s7O2mkIlo1xcPvsH1Xmz/1VYWCpl2/dCXucP7zxT2D6l7RO364uE3/gE3g1ur21/n/3Yynj+jwPqNx6PP985xPBji6ysLhYg+Y7xdr7cPj86IaK++3R9Ogw3zrvrqahT29jTd3dPsYj1z/LH9vV/kOIHLGuxD33hkSAQY90OfAuuexHTJ/oo/dtoRkXn25cFJBaPjU5X19fX1vr+md9bKi/WIzPTK4W97vS+ShYXK/NTeRSyj4/OVhUIc+o51sFXvFIbR8fnvpjPHX2DvnKyD8yFGx6cqK9OZw2/8A24Gt1hv9I19cd6GX4xlIqK988fxJ/qPx8O2G/WIyEwfOdlvdPzldN89ZqZXDo3ObwoREZ929gbdQMP8YFd7pzSNjn/5LHPisamje7/YcQKXNNCHvvHIsAgw7onRsUdxpMC6X4ou21973+xWf1ja7pwfLd0f209caLL3xezEQXR/ue99x+p7ulXv9Kpju+pzTlY3PfcmAQbcDG6/y548fOp4PGJ8/tAXq06ns729tra0dNpNho4ey9HuG2yY78k8+/LQF7exRyceu9JxApc00Ie+8ciwWISD+2I8X4h6fX8ljiv2V4x++Syz2m5Hu744W4+IyBSmn/W/3XN7dXax/05O/yG/e7TtnT8iRrtbnfi2+cVYJuLYm3p7dfb50fVE9p/Z+SNi9GKbwW32aacTl7iq/fTxeMKhhW/OduZk3GDDfMBD6mvg4wQua+APfeORYTADxr3R/bm5Nwd21f6KGJ2qrCwUMvsnArbrq6uLs8+fl5e2T/44lil018T+od8pfpf/If+Q7pe8YW0Gt9mpZxYed0r7nDke9xxZ+CaTyRQK09MLKyvHz/0d1KDD/MJvB0M+TqC/gT70jUeGxAwY98ehObAvrtxfEd3LOMbnIzrba7823vfWnG3XF38YO3pqU2GhMj/eGfs0u9pefbs9dfyik8F+yB9oq7NPqrroZnA79X6KPndM9K7HOHYC3znjsWtv4ZvCwsqRRaY7JxcfHcwl5+vOM/TjBE513oe+8cjQmAHjHtmfA7v6/NcRo+NTU/OVysEKZUevpOr+/t67aOvIUoOn/5Df++Y49sX+ViccncwacE5g4KkDuMV6lyweX7/iqN6CM8f76/TxeFhv7mz65bFousQc8mDD/JKGeJzAgE770DceGRoBxn3S/Sb0qfH2nP7q942pdyX93r/Wys+fPz9+z6+DVcv6GZ9fKMSRpQa7XyNPu0HZ3tlI/b9s9jbZf+nerk6uY7i99Pz58+e9xa4H3Axut/1+6nvKb3Qvw+j+FP3NKZO9J8fjAPaG3dGFM8451oGG+XBd5jjhYTn/g/6wy3zo7zEeuTgBxn3SS5l6/Zz5r97aY/XF3pe7zvbasVWM9r5TLZbXDr7/dbZ7px+c9o2quxbtoUtPDnaztNZbV6nTWVsqL3ZXsu2tVXjoxXrbbPc2OXxEvbvOrs4eOqT9Dfe/hQ64Gdxy4/MrvdvXzZaX1g4tS9bpbK8t9S7DyBQWTltmPvqMx0P2Vjx7e2iUrJWfHx92AxlsmF/OMI8THpTzP+iPbD3Ih77xyNC4Box7ZW8Zo/NO+xl/OZ2pr7Zjb7WjiCgsLMTiwdvo6NR30+9nV9vt1cXZowsKnvWdb++v9i89GZ2qLOyUF+vt+upsffXoXg4u0zp4sYPVCzOFQhy9F/P4/ELh02L95CEdPaIBN4NbbnSqshJLP6zW2/XVxfqJZT0zhenv5s/+QeHEeDz81DeF1cX64beAiIjM9MKz94ur7YutXDjYML+UoR4nPCjnf9AfNsiHvvHI0JgB437p/Yh15o11Irrf7aYLe2cWZAoLJ+/XOjpVWVmYPrQkUmQyhemFlcqZFXPy0pPx+e5+DnbTZy+95ZcOHU8lf3wN+oNd7e+r/xENuBncdqNT85WVY8Ow93/n9co59dXbwamXgo3PHxmXmUxhYWW9MjXe/dX8oucSDTTML2W4xwkPyAAf9Mc3P+9D33hkSEZ2d3dv+hiAPraXni/Wo7CwrpsAAO4NM2Bw0/pf+zuEBdQAALhtBBjctONXCkdEZ3tpsd8K2wAA3G1OQYSb19lemu1zWbD7KQMA3DcCDG6Fzvba25/e19vdhTcymcKzb15OjasvAID7RYABAAAk4howAACARAQYAABAIgIMAAAgEQEGAACQiAADAABIRIABAAAkIsAAAAASEWAAAACJCDAAAIBEBBgAAEAiAgwAACARAQYAAJCIAAMAAEhEgAEAACQiwAAAABL5/4oUFU6xVhj+AAAAAElFTkSuQmCC"/>
+          <p:cNvSpPr>
+            <a:spLocks noGrp="1" noChangeAspect="1" noChangeArrowheads="1"/>
+          </p:cNvSpPr>
+          <p:nvPr>
+            <p:ph idx="1"/>
+          </p:nvPr>
+        </p:nvSpPr>
+        <p:spPr bwMode="auto">
+          <a:xfrm>
+            <a:off x="0" y="182676"/>
+            <a:ext cx="3135817" cy="5210206"/>
           </a:xfrm>
           <a:prstGeom prst="rect">
             <a:avLst/>
           </a:prstGeom>
-        </p:spPr>
-      </p:pic>
-      <p:pic>
-        <p:nvPicPr>
-          <p:cNvPr id="7" name="Picture 6"/>
-          <p:cNvPicPr>
-            <a:picLocks noChangeAspect="1"/>
-          </p:cNvPicPr>
-          <p:nvPr/>
-        </p:nvPicPr>
-        <p:blipFill>
-          <a:blip r:embed="rId4" cstate="print">
-            <a:extLst>
-              <a:ext uri="{28A0092B-C50C-407E-A947-70E740481C1C}">
-                <a14:useLocalDpi xmlns:a14="http://schemas.microsoft.com/office/drawing/2010/main" val="0"/>
-              </a:ext>
-            </a:extLst>
-          </a:blip>
-          <a:stretch>
-            <a:fillRect/>
-          </a:stretch>
-        </p:blipFill>
-        <p:spPr>
-          <a:xfrm>
-            <a:off x="292591" y="2159000"/>
-            <a:ext cx="2170000" cy="2170000"/>
-          </a:xfrm>
-          <a:prstGeom prst="rect">
-            <a:avLst/>
-          </a:prstGeom>
-        </p:spPr>
-      </p:pic>
-      <p:pic>
-        <p:nvPicPr>
-          <p:cNvPr id="8" name="Picture 7"/>
-          <p:cNvPicPr>
-            <a:picLocks noChangeAspect="1"/>
-          </p:cNvPicPr>
-          <p:nvPr/>
-        </p:nvPicPr>
-        <p:blipFill>
-          <a:blip r:embed="rId5" cstate="print">
-            <a:extLst>
-              <a:ext uri="{28A0092B-C50C-407E-A947-70E740481C1C}">
-                <a14:useLocalDpi xmlns:a14="http://schemas.microsoft.com/office/drawing/2010/main" val="0"/>
-              </a:ext>
-            </a:extLst>
-          </a:blip>
-          <a:stretch>
-            <a:fillRect/>
-          </a:stretch>
-        </p:blipFill>
-        <p:spPr>
-          <a:xfrm>
-            <a:off x="8631338" y="673697"/>
-            <a:ext cx="1950724" cy="1905004"/>
-          </a:xfrm>
-          <a:prstGeom prst="rect">
-            <a:avLst/>
-          </a:prstGeom>
-        </p:spPr>
-      </p:pic>
-      <p:pic>
-        <p:nvPicPr>
-          <p:cNvPr id="9" name="Picture 8"/>
-          <p:cNvPicPr>
-            <a:picLocks noChangeAspect="1"/>
-          </p:cNvPicPr>
-          <p:nvPr/>
-        </p:nvPicPr>
-        <p:blipFill>
-          <a:blip r:embed="rId6" cstate="print">
-            <a:extLst>
-              <a:ext uri="{28A0092B-C50C-407E-A947-70E740481C1C}">
-                <a14:useLocalDpi xmlns:a14="http://schemas.microsoft.com/office/drawing/2010/main" val="0"/>
-              </a:ext>
-            </a:extLst>
-          </a:blip>
-          <a:stretch>
-            <a:fillRect/>
-          </a:stretch>
-        </p:blipFill>
-        <p:spPr>
-          <a:xfrm>
-            <a:off x="5160316" y="5243401"/>
-            <a:ext cx="2106168" cy="813816"/>
-          </a:xfrm>
-          <a:prstGeom prst="rect">
-            <a:avLst/>
-          </a:prstGeom>
-        </p:spPr>
-      </p:pic>
-      <p:pic>
-        <p:nvPicPr>
-          <p:cNvPr id="10" name="Picture 9"/>
-          <p:cNvPicPr>
-            <a:picLocks noChangeAspect="1"/>
-          </p:cNvPicPr>
-          <p:nvPr/>
-        </p:nvPicPr>
-        <p:blipFill>
-          <a:blip r:embed="rId7" cstate="print">
-            <a:extLst>
-              <a:ext uri="{28A0092B-C50C-407E-A947-70E740481C1C}">
-                <a14:useLocalDpi xmlns:a14="http://schemas.microsoft.com/office/drawing/2010/main" val="0"/>
-              </a:ext>
-            </a:extLst>
-          </a:blip>
-          <a:stretch>
-            <a:fillRect/>
-          </a:stretch>
-        </p:blipFill>
-        <p:spPr>
-          <a:xfrm>
-            <a:off x="3867596" y="5077285"/>
-            <a:ext cx="749808" cy="1146048"/>
-          </a:xfrm>
-          <a:prstGeom prst="rect">
-            <a:avLst/>
-          </a:prstGeom>
-        </p:spPr>
-      </p:pic>
-      <p:pic>
-        <p:nvPicPr>
-          <p:cNvPr id="11" name="Picture 10"/>
-          <p:cNvPicPr>
-            <a:picLocks noChangeAspect="1"/>
-          </p:cNvPicPr>
-          <p:nvPr/>
-        </p:nvPicPr>
-        <p:blipFill>
-          <a:blip r:embed="rId8" cstate="print">
-            <a:extLst>
-              <a:ext uri="{28A0092B-C50C-407E-A947-70E740481C1C}">
-                <a14:useLocalDpi xmlns:a14="http://schemas.microsoft.com/office/drawing/2010/main" val="0"/>
-              </a:ext>
-            </a:extLst>
-          </a:blip>
-          <a:stretch>
-            <a:fillRect/>
-          </a:stretch>
-        </p:blipFill>
-        <p:spPr>
-          <a:xfrm>
-            <a:off x="6912772" y="3244000"/>
-            <a:ext cx="1252731" cy="737618"/>
-          </a:xfrm>
-          <a:prstGeom prst="rect">
-            <a:avLst/>
-          </a:prstGeom>
-        </p:spPr>
-      </p:pic>
+          <a:noFill/>
+          <a:extLst>
+            <a:ext uri="{909E8E84-426E-40DD-AFC4-6F175D3DCCD1}">
+              <a14:hiddenFill xmlns:a14="http://schemas.microsoft.com/office/drawing/2010/main">
+                <a:solidFill>
+                  <a:srgbClr val="FFFFFF"/>
+                </a:solidFill>
+              </a14:hiddenFill>
+            </a:ext>
+          </a:extLst>
+        </p:spPr>
+        <p:txBody>
+          <a:bodyPr vert="horz" wrap="square" lIns="91440" tIns="45720" rIns="91440" bIns="45720" numCol="1" anchor="t" anchorCtr="0" compatLnSpc="1">
+            <a:prstTxWarp prst="textNoShape">
+              <a:avLst/>
+            </a:prstTxWarp>
+            <a:normAutofit/>
+          </a:bodyPr>
+          <a:lstStyle/>
+          <a:p>
+            <a:pPr marL="0" indent="0">
+              <a:buNone/>
+            </a:pPr>
+            <a:r>
+              <a:rPr lang="en-US" dirty="0" smtClean="0"/>
+              <a:t>Histograms are particularly benefited from full-sentence hover text.</a:t>
+            </a:r>
+            <a:endParaRPr lang="en-US" dirty="0"/>
+          </a:p>
+        </p:txBody>
+      </p:sp>
     </p:spTree>
     <p:extLst>
       <p:ext uri="{BB962C8B-B14F-4D97-AF65-F5344CB8AC3E}">
-        <p14:creationId xmlns:p14="http://schemas.microsoft.com/office/powerpoint/2010/main" val="2658313713"/>
+        <p14:creationId xmlns:p14="http://schemas.microsoft.com/office/powerpoint/2010/main" val="1648253073"/>
       </p:ext>
     </p:extLst>
   </p:cSld>
   <p:clrMapOvr>
     <a:masterClrMapping/>
   </p:clrMapOvr>
+  <p:timing>
+    <p:tnLst>
+      <p:par>
+        <p:cTn id="1" dur="indefinite" restart="never" nodeType="tmRoot"/>
+      </p:par>
+    </p:tnLst>
+  </p:timing>
 </p:sld>
 </file>
 
@@ -6218,6 +6223,1786 @@
 </p:sld>
 </file>
 
+<file path=ppt/slides/slide20.xml><?xml version="1.0" encoding="utf-8"?>
+<p:sld xmlns:a="http://schemas.openxmlformats.org/drawingml/2006/main" xmlns:r="http://schemas.openxmlformats.org/officeDocument/2006/relationships" xmlns:p="http://schemas.openxmlformats.org/presentationml/2006/main">
+  <p:cSld>
+    <p:spTree>
+      <p:nvGrpSpPr>
+        <p:cNvPr id="1" name=""/>
+        <p:cNvGrpSpPr/>
+        <p:nvPr/>
+      </p:nvGrpSpPr>
+      <p:grpSpPr>
+        <a:xfrm>
+          <a:off x="0" y="0"/>
+          <a:ext cx="0" cy="0"/>
+          <a:chOff x="0" y="0"/>
+          <a:chExt cx="0" cy="0"/>
+        </a:xfrm>
+      </p:grpSpPr>
+      <p:sp>
+        <p:nvSpPr>
+          <p:cNvPr id="4" name="Slide Number Placeholder 3"/>
+          <p:cNvSpPr>
+            <a:spLocks noGrp="1"/>
+          </p:cNvSpPr>
+          <p:nvPr>
+            <p:ph type="sldNum" sz="quarter" idx="12"/>
+          </p:nvPr>
+        </p:nvSpPr>
+        <p:spPr/>
+        <p:txBody>
+          <a:bodyPr/>
+          <a:lstStyle/>
+          <a:p>
+            <a:fld id="{AF87EE96-E852-4892-A22F-23BA018C684B}" type="slidenum">
+              <a:rPr lang="en-US" smtClean="0"/>
+              <a:t>20</a:t>
+            </a:fld>
+            <a:endParaRPr lang="en-US"/>
+          </a:p>
+        </p:txBody>
+      </p:sp>
+      <p:sp>
+        <p:nvSpPr>
+          <p:cNvPr id="6" name="AutoShape 2" descr="data:image/png;base64,iVBORw0KGgoAAAANSUhEUgAABIAAAASACAIAAAAIyqENAAAACXBIWXMAAB2HAAAdhwGP5fFlAAAgAElEQVR4nOzdXXCU950v+J+3crFTs1VbdTZIluRUhTqQHYMIGmQXdUTNOAwvBvwyvvCSFAQckwTKczwFNh57PHZyEZskJCaGis+4RBKIwaYSyqfWB4OEeQn2TKFZCkREEHgqcIpUBalRy7tbezE15469aHWrW+putaTWo7fP5wqrn5f/86L2/6v///k999y9ezcAAACYeP/TZDcAAABgthDAAAAAEiKAAQAAJEQAAwAASIgABgAAkBABDAAAICECGAAAQEIEMAAAgIQIYAAAAAkRwAAAABIigAEAACREAAMAAEiIAAYAAJAQAQwAACAhAhgAAEBCBLAK3bzZvm/bsmXL7smzbNmybfvab96c7LaNX/u27CHtq/RoxrDK5Lp5s33ftpl7CWeQm/uy12hb+2S3pYiZ/VUAAEw4AWxEN9u3Lbvnnvnz1+3Y39HRkf9JR0fH/h3r5s+/Z9m29pnb9cp0N6dJyirqZvu+bcsyV7DkJZzYazj9zyExq74K3LEAMHEEsLJu7lt2z/x1+ztGWKxj/7r5y6bkX+vHKXP8O0Y8AVPXzfZtyyo6go796+ZPyGje9D+HxKz6KnDHAsDEEsBKu7lv2fwdg52Qlq17227cuHE358aNtr1bW7Ifd+xfNzVnTFVibevAMZ3fPi//5zeul+yElVplKrm5b1lBn7nEJcxdw+jYMb/qGazMOWSamEVfBeGOBYCJJoCV0r5tsMvVsrXtxt3zrdvXzpuXFzbmzVu7vfX83RttW7M/2b9uOve7Zpr8K1j2Ep6/0bZ3sPc8ARmMac1XAQBQTQJYce3b1u0f+GfL3hvnW9eWHuWZt7b1Rq7/vv91nfepIe8Kxta2kS7h9vN3BzvPHTt+rPPMAF8FAEB1CWDF3Nz3+mCf652Rp9jN2/5Ott/VcfSEbtfkK7iCN8p1mnMKOs/GL4gIXwUAQPUJYEXcPHE0O+No66uVPeE075H1W1tatm7d2/bqI0VXuHmzvbB0daZu9QgNKVxpWa7EWqka8LmfD+SHTC2zkfc5bHsDlcBzf/vv2DF/yA6HrlJh7fBy1euHtLaiU1TcGK5gRMzb/urgFLIPCo5ixKL7RQ5/5HNYsIExHPyobqrsIeQuccEOh685/N4Zocx69S5f0cMs3Ozw7Vb0XoShvyAj7nqyvwrGcuMVrjiKr4IR7tgJOcMAMBvdZajBgZDY2lblDQ7TsrXtRvGV2rYWX6tl743B6XItewvWzv18a9vdUusPWyl/vexHJZucW3d4E/J3Xkqphpc82nKnqKSxX8FSa5Zqd5EVc+uNfA5zC5Y5+BL7G/1NlT2Elr03Sq6cu/zlbr5ijZmgy7e1rXRTtw5tyojXqLJbtHhLJuurYCw3XuGKo/gqGOmOnYAzDACzkRGw4QaLgLUsmD/urbVvuye/gNpQHfvXFSv60L6tZMnrjh3zt30w0l67X19WumR2x46nJuLxlLVPDHS+howe5Wn/YOCP6y3r80YHhhYrHKJj/7r5o/tz+uAV3PrE2tGsGPO+1Jj9Z/fvE5lAdnPfsvllKn4Xrwkytpsq68S2Uit37Ji/rf1m2Ztv+K1T9cuX54PSTd0/9Mys/buB/FBy7l/u9qv0tpgKXwXjVcWvggk4wwAwK012Apx6qvpX78HKDgPFq7M7KRwzKDWQFYV/Fx8+0FBmxSF7HLJyiT+Xl9peBYNmd0f+83fRz/P/7N6ytW2wunfhOSr9R/dhBrc4ipWGtbGgkWMeiBhh1cKDL3W1yt4eY7mphq7Ylt+MlmGXouDzIQdY/cs3fCCmpeRtXGIEp+jeSl+iChoy6V8FYx4BG77Hsl8F5fdZ7TMMALOSADbMYM9lDN33QnkduKK977xOUl6PpaDbN2ytGwU9q3Jd8yJ7LHVsVQpgI3QXi+av4oGn8s/LrjKuAFb5gd0dawAr39LiQXJsN9WI90a526pMUyfg8g0JYEXWK3mM5fLBGNLBpH8VVCmAjearYIR9VvkMA8CsZAriBGr/cXbCUfECavPWtub6OoPT9gaf+9/aVqR8X/5K5RStGZCbJRgd129UsJHRKjdHabCeXN70pLwftrUWnbQ0eLilZzZOV7kJW8Wv1mBRkLzTObabqlCxvQ3eGsU3nPf5oIm/fEW3W/IY5z2yvtT9l/drNQmz46px1casml8FU/YMA8A0IoANM39B6efkR+Xm77sH/lW6gNpgNyjb7aqgG1O0LzxEiZWrdnAllO6fFT+u3EM2ZfpsucNN6KmsxAw+Ebf374of/drWgT+UnM/eQGO7qQqN1D9u/FKxDedunbwO+0RfvpInJu8YCzZb8v4bUzqY5K+CKqnuV0F1zzAAzEoCWBnjHCXK9U7LPcA/rCNZyVojJ7Bq1AwYk1L9s1z3rKBPPdgx3b/unpKyZbErvR5V6jcXzyETYRR7GttNVWCke6Pye2diLl+eMiemWB6MkvffeNPBpHwVVEe1vwom6AwDwCwigA2TfCG84pLr/1dVbt5cQf9sMH+tL/5ypIpUeD0Gr+Do+82DmWLCM+zgrmaJUf86lbsEeb+mhT8vdv8Vj/8jmipfBVNLNc8wAMxKAthwgwMoo+q/39y3bNmybdv2tVfl5bPTWPYv+Xn9s+rkr4oNXsHRzubKe/HuNA3As0Xp+Dr8/hvz7eeroKgqnmEAmI0EsOFyc2xG1X+/eeJoR0fH/v071r1e4h05xVfL9SOHdvin79/ch/XPciUISj8BU1HdtPOl1h5ibFcwv6HTeyJV6ZtqolT18uWMceLf0Ptv7OlginwVTDnVO8MAMBsJYEXkd7ter/A9pXllzrJ9kBJPqRQafNXrgErWmuqT14b0z0q/nXVwjld14+Zg/cDYv67itwAP1vQbff4adh1HVsnB39y3bOBJqoGjGNtNNUEm6vLllNlsuceqCu+/8aSDSf0qqEhS17pQ9c4wAMxCAlgxef33jh3zK+jAt2/LVhrIG+QZ7LyV7rvlFSIf6PHnrVXqb+554zRTVLYcfcfREzfL5K/8nunwuvVZuRCyrMIecH4LImL/uopWbN82P3daSz/IUqIHPaZInKu60LHjx8Uv9fDKBmO7qSbKhF2+GGGzg1m5aJ8/Px+MLx1M5ldBgWreeFVQvTMMALOPAFZc/su29q9btq3Mwxw327flCr0V9twHu10dO54q0u+6md9Zy3W68jpr64rtN2+lqSt7EB1HT+wb6FgWDTUjnaKIm/ue2jGW7t287e/kIljHjvllL2Hc3Lds8BoWe1VT+afKBts4OnmVx4v2yweTdrHbYzQ31QSZuMsX5Tabd75LbDUvH5y4Pr50MIlfBTFRN14VVPEMA8CsM46XOM90Q9533NKydW/bjRuDn9+40bZ3a0HB8+FPwuRvo2Xr3rYbg+vmr9qy90bptXIr3R22w5IrDvn5YJtzoaSgraXWG1x82AZH2tXgquVbVHiaW7bmneLCw63oMaMhbRh6Cbfubbsx/BK2FC5TdD9DLmRuI8MvydD1y5zDwrOUf3/cvdGW/0m522PUN1WJK1H5BS1+61Tv8g27dfK2OuR8l95qxfdfJSbvq2DMN95YvwrujnDHFlusCmcYAGYTAaycwq7RCEbq145qzQrWKrbqxAWwnOx6I+5qSNe8TO+syF6GGUP8ymx7NJewXCtHaOTWvdnPS3dnix7MyAc/tttj1Il5jAFsAi5f3p62ljvQ8j3+wmaNNx1M3lfBGG+8qgSwwb0Uu37VPcMAMHuYgljOvLWt5yvpebVs3XujVI23ta13y22hZWvbjSJrrm0tvd+WrXv3VpjPxivvCZisysst5L8uunT5w4iYt/38jaF/zs/XsrXtRusYJ9NlLmG5rQ/so2VrW8lrONDIUlekZWvb3dZHSq9Y9hzO2172FmvZW/z2GMtNNUEm8vI90VoqfxQ/MfnNGqyfMcL9V4nJ+yoY8403ZpX+1lf3DAPA7CGAjWTe2tbzd+/eaNu7d2tLy5DZatmpSOdby3Y+1raez8wYylt9YN2751vXFl913trW8zdutA1ZaevethvnW7d/KfuTCS9YnUmCBYddcWnwwQQ24sNI87a3nh8+H3Ckc1SheWu351/Dgh20bB24hBXsZPgVyV6Q8kc30jmcN3iD5Dctc+yl7qwx3VQTZQIv37zt5ws3PNKJGVxzMB9U52G4yfoqGPONN2YV/tZX/QwDwOxwz927dye7DYzWzX3LBir2bW27O1GdMJjeciUx/JZMEGcYAMbCCNiU077tnpHKdpd7BxIQUe71c1SHMwwAYyKATTmD71Yq8XaoEd6BBAz+lpR+pxvj4gwDwBgJYFPOvC81Zv+Zee3Q4DjYzZvt+7Ytmz/CO5BglrvZvm1crx9jJM4wAIydZ8Cmovz3uZY0Yhk4mFUGH40c5OGkanKGAaAajIBNRWtby9b1TrrOOEwHeWPHGS17x1z/nmKcYQCoBgFsapq3vUi96kz16UmpMw5T3/wncn+2aPE3iongDANAFZiCCAAAkBAjYAAAAAkRwAAAABIigAEAACREAAMAAEiIAAYAAJAQAQwAACAhAhgAAEBCBDAAAICECGAAAAAJEcAAAAASIoABAAAkRAADAABIiAAGAACQkM9NdgOmluPHj092EwAAgGnm0UcfrXBJAWyoys8dAAAwy412CMcURAAAgIQIYAAAAAkRwAAAABIigAEAACREAAMAAEiIAAYAAJAQAQwAACAhAhgAAEBCBDAAAICECGAAAAAJEcAAAAASIoABAAAkRAADAABIiAAGAACQEAEMAAAgIQIYAABAQgQwAACAhAhgAAAACRHAAAAAEiKAAQAAJEQAAwAASIgABgAAkBABDAAAICECGAAAQEIEMAAAgIQIYAAAAAkRwAAAABIigAEAACREAAMAAEiIAAYAAJAQAQwAACAhn5vsBoyg58L7R4/887lbtyIiYu7c5X+xYf2TSxuKLPj+mz8aXG755hKLAQAATJopHcAuvLl917lbeT+4devcrV3n/nnz2/uebChc8PFd5/KXO3do17k/vnLsuaXJNBQAAKACU3gK4oU3d527FTF3+StvH8t4+5XNcyPi1qFn3rwwZMGImLt5YMGBxc7t2v5+z+Q0HQAAoIgpG8B63j9yLiKWv7LvudxUwoalT+57ZXlExLmOC8MXzM45zC1265//RQIDAACmjCkbwG7/8VZELG8ZOolwacvyiIg//HEgWvX8yz8XW3Dp+s1zJTAAAGBKmbLPgC197tix5ypYrlRQa/jCFyNu3frj7Qi1OAAAgClhyo6AlXKh41xEzP2L/5SJVT1//ENEzP3CfcMWvO8LcyNvpAwAAGCyTdkRsOKyD3xteHJ8w1rHjx8v9dGtW7dKfQQAADAe0yqAXXjzmUO3IuZuXl9xefkScxAfffTRoosfP3587ty5Y28hAAAwm1y7dm1Uy0+fKYgX3ty+61zE3OWv7BvF8FexyYkAAACTYnqMgPW8v31g7GvoK5gBAACmjWkwAnbhzTLpq+ELX4yBiYZDZMojfvEL8hoAADBFTPEA1nPhzcd3nbsVc5e/cqz42FepYoelyyMCAABMjik9BfHCm8/sOjfCxMOG//QXcw/dunXo6IUnn8srzXHh6KFbedXqAQAmxL8dfX6ymwCzy5+u/8lkN2Fcpu4IWM/720dMXxGZBBYR53Ztf/NCZhis50JmVfkLAJhQ0hckb7r/3k3ZEbDMEFbErUPPPH6oyOfLXzk2MOLV8OSLr/zxmV3nbp3b9cy5giUU7AAAJt6frJre3UGYRv799PQe/oqpOwJ2oePcyAtlNSx97u1XNi8ffH/X3OWb3z72XMUvCwMAAEjCVB0BW/rcsWPPjWL5hqVPPrf0ydGsAQAAkLCpOgIGAAAw4whgAAAACRHAAAAAEiKAAQAAJEQAAwAASIgABgAAkBABDAAAICECGAAAQEIEMAAAgIQIYAAAAAkRwAAAABIigAEAACREAAMAAEiIAAYAAJAQAQwAACAhAhgAAEBCBDAAAICECGAAAAAJEcAAAAASIoABAAAkRAADAABIyOcmuwEAACTtiaf+ZrKbwJTwwTv/ONlNmHUEMACAWSQTvVr3vD7ZDWFKyNwPYliSTEEEAJgtnnjqb1r3vC59kZO5GYyIJkkAAwCYFXSyKUogT5gABgAwW+hqU1Trntfl88QIYAAAAAkRwAAAABIigAEAACREAAMAAEiIAAYAAJAQL2IGACAiouvIq293jmL5+9bt+M6Kz49rX/WrvrfzodqxbQKmJyNgAAAACRHAAAAAEmIKIgAAERFNG15v3TDkZ5+179n7QW9E88bWDfdPSqtghjECBgAAkBABDAAAICGmIAIAME6fHtj53oUSdRH7zr713bY7EU3P7HmyacQtpT9tP3P2Uued29kf3Fff9MDDX1nbWLzcYl/608tDl7+3oWnFIyvur6y4YsEcy77uT058dPpCb+aje+9rXrF1w8B2+ro/OfHR1Qu9dwb20rzqsZUPNdVUcgj33te8qOTCoziE/JMcXWc//rCr63amqfX3Li12yNkzH0uffn1LY0WngwQIYAAATAl93e9/92DXkB/e7u26fbDrg/qmZ3YOyW+fdR351dudd4Ytf+d273sXuoYvX16668h7hVX479zufO+7nU3P7Hkyjrw1ZEe3O0+/3Xn1iZeeXVsYq3KZp3A7d97uPH1f88bvDH2ObmyHcO3AnlxKjIiI3jsXxnLITA4BDACAKSD9yf5M+qpf9cym3HjRZ11nf/V2253o7Xr7yML8QiB9Zweiy33NG3PjVJH+9MDh9y70xvDlR9B5+u2CTeWiUdfbe+5E7537mldtXflQbU1ek+LOB4c/WZL3HrNc+ioYH0t/1nXmV2933rnd+d5rUZDBxnYIt9tO3457l6772iMrPl8bEelP2w+/90FvRG/Xh2e/0jTWN7ORGM+AAQAw+fquXr0dEdH0zM782Xqfb1rx7DPNERHReS1vdOzTE5mBpuaN39mQN/Wu5v4tOzcuzfw7le4bTQPuW7cjb1Ofb9qwYmA7vXeieeN3NmTSV2GTevtTufXTn+wfbFLeIdR8vmnDs99bd29E3O48256uwiEsffrZLZn0FRE196/dueOJ+oiI213X8pevXfFs657XW/eYfzi1CGAAAEwdd1LpoT9q2vB6657XW/MfIeu+diEi4t4nVg4f45pTVx8RheloZE2PDR07un9JJmUV20td7b1DWjsYIIsNu9Wu+NoT9RFx54Mzn473EOpXPTI0UH2+rq708kwxpiACADD5amvvjbgTceeD3W9dal702MqFTTWlZ9M1Ptm658kSn32+ri6it8SHpdTPqSv52b11w+pnZFub89nlrsxw1sIST2FlW5VK98X9tTGOQ6irGV5fpG5oe5i6BDAAAKaAxiefab7zduedXNWKiGx9v0X315YoITgg/Vlf9KfSkfrdtUupbG3AUSmWakajP5XZaed72zrLLtjbn4oosq+KD+G+2jnjaimTTQADAGBKaNrw7Pe+XFDtfaC+X1tEfdMTw4rR93W/v/+jMcWtKWMGHAKjJYABADBV1DY+tKXxoS0Db8fKGwvq7frgYFdq8H1W2fd3Zd1Xf29D3b11tQuXLLo/debVt8sPQ02c5o0Vl16cqofABBPAAACYQKm+sTybVFtz/9oN96+NJ/PKvseFjz55pPGh2oi+s7/KRJeCAu65PY6/0aM2p66+8BGvkUy9QyAhqiACAFAdt/v6h/3ss1RFYeKz9j2vbtv56rYjnw77aHjZ92zFi/pVw6NLxKeXJ2HsKFeH8OrlYVUcI2LwAPd80hcxJQ+BhAhgAACMU7Zs+vD3VnV//EFFDzh9fknTvRERBW/KysmmuHK1Cgf0nT17oZIdVlvTylX3RWTezlzk5V3Z87D04YdGHB+brEMgGQIYAADjlI1Pvae/u+eTroEE9VnX2fdfO9hVbr08tSsyLz6+88Hutw50fzaYYdKf5p6VyqaXwd3tP/Jpbsm+9KcH9rz63bbcjMcirxSbQDUPbV2XOwnvt3d/lv3gs66zb23LnIfBV3glcQh9Z9/atvPVbTtfPdA99o1QdZ4BAwBgvGpXfO2Jrr0f9Eb0nn579+nBD+pXPdN09e22Sh4Du3/LS6t6dp++HXcuHNw7fAjovnU7shU4onbFiqVd713ojdud7323cLbefc2rHqvN7PFOKh1Rvn59VdWuePZ78dZ32+5kSoZ8MOTj+lXf2zk4/DU1D4EECGAAAIzf59fu3FF39uMPu7J1C+vvXfrw17Y0fr7v7NVKt1Hz0Hf2LOw6+/GHXXdu5yrR1997X92KrSuHvArs/i07dyzJ313ce9/g65trlra9dyHiwu8+3dJYYU3C6qhd8Wzrok/bz5y9lLqTKy5/X33TA8Nq6E/ZQ2Ci3XP37t3JbsMUcvz48UcffXSyWwEATA//dvT5iPiTVc9PdkMq8sRTf9O65/XJbgVT1Ladr37wzj9OditG9u+nfxIRf7r+J5PdkEHHjx+PiMpDhGfAAAAAEiKAAQAAJEQAAwAASIgABgAAkBABDAAAICECGAAAQEIEMAAAgIQIYAAAAAkRwAAAABIigAEAACREAAMAAEiIAAYAAJAQAQwAACAhAhgAAEBCBDAAAICECGAAAAAJEcAAAAASIoABAAAkRAADAABIiAAGAACQEAEMAAAgIZ+b7AYAAMBYpT95bffp280bWzfcX3qZT9vPnL3Ueed2RETcV9/0wMNfWdv4+dHvq0rbYXYTwAAAmKY+az98+nbZJfq6399/sCt/mdu9XbcPdn1Q3/TMziebKt5TtbYDpiACADAdfda+Z+8HvWUX6X7/u4WpaVBv19t7PumrcFfV2g4YAQMAYPpJf3rg8HsXyqev+PTAwa6Bf9Y3PbPpyaaaiIi+7k9OfHT6Qm9E7+n9Zxd+Z8WIcwirtR2IMAIGAMC08lnX2fdf2z1i+orovnYh84/6Vd/bOZCaIqK28aEtOzcujYiI220fdxVfeQK2AxEhgAEAMH181r5n79ttmdmA9z7x0o4n6ksu2td3JzKLbXqoduiH9295OvPcVtfl7hF2Wa3tQIYABgDANHNf88bv7Xl2bU25ZVKZ4FS/aEnRxWrm3BcRET19n5XfV7W2AxmeAQMAYNqoa1r1zKaHmspGr1G53dcfUYXHt6q1HWY8AQwAgOni800rHhrdGr39qYhhUwcj0v3l69dP1HaY9UxBBABgBmr68sDTWW8f+XTYh5+1f1Rp1YxqbQcyBDAAAGaixoWZEoXR+d5rRz7pSg/8uC/96YERXyA2EduBiDAFEQCAGer+R9bde6HtTkTc7jz9dufpwk/vva/+zu2K4lO1tgMRRsAAAJipalc8+7119xb75N4nXvraA4lvB8IIGAAAM1jtime/t+jTE4fPXugdeJ3Xfc0rtm64vzY+PdAbEXFf7ZwktwMCGAAAM1ltzf1bdt6/ZchP0+meiIhoqK20dny1tsMsZwoiAACzTt/Vq7cjIpqWNE6J7TB7GAEDAGAmSn/y2u7TtyPuW7fjOys+P+Sj/W13IiKaFzYlth2ICCNgAADMTDU1DRERcbvtVwe6P+sb+Olnfd3vZwJVRCz98v3JbQciwggYAAAzVK58/J0LB/deGP5588YthfMG+86+9d22OxGx9OnX8z4a9XagDCNgAADMTLUrnn2muWj5+LiveeP3NlQ6bFWt7UAYAQMAYAZr2vDs9778yYmPrmbLx8d99U2PbfpKU83oihZWazsggAEAME19fu3O19eOtFBt40NbGh8aWj6+6JIrnm1dUYXtQBmmIAIAACREAAMAAEiIAAYAAJAQAQwAACAhAhgAAEBCBDAAAJjVtu18dbKbMIsIYAAAs8IH7/yjfjalfPDOP052E2YLAQwAYBaRwRhi285Xpa8keREzAMBskelnP/HU32T+s3XP65PaHCaZND4pBDAAgNklF8P0v2c5A1+TQgADAJiNdL5hUngGDAAAICFGwIa6devWZDcBAJgeaiIioqenZ5LbAbPGf4iIad5jF8CGmjt37mQ3AQCYHv7tYkREQ0PDZDcEZot/vx4xxXrs165dG9XypiACAAAkRAADAABIiCmIU91/+9f/MtlNgFnkr//sP092EwCAmcwI2JQmfUHC/NIBABPKCNg08NAX1092E2BW+OQPRye7CQDADGcEDAAAICECGAAAQEIEMAAAgIQIYAAAAAkRwAAAABIigAEAACREAAMAAEiIAAYAAJAQAQwAACAhAhgAAEBCBDAAAICECGAAAAAJEcAAAAASIoABAAAkRAADAABIiAAGAACQEAEMAAAgIQIYAABAQgQwAACAhAhgAAAACRHAAAAAEiKAAQAAJEQAAwAASMjnJrsBTLLN67852U2A0Tl09BeT3QQAgDESwGavTPTa89buyW4IjE7urwaSGAAw7Qhgs5HoxbSWuXV3PvvSZDcEAGDUPAM2S0lfTHd73tptAi0AMO0IYLPO5vXflL6YMWQwAGB6EcCA6cqfEgCAaUcAAwAASIgiHACJev2fPpzsJsDs8upfPjbZTQAYZAQMIDnSFyTP7x0wpRgBA0jaN5f85WQ3AWaLX1z+p8luAkABI2AAAAAJMQJGob5ze167Eg11dfU1X25qbFw8p+zS/ekr3We60qneVG/9qj1PLUyqhSd7I+off2Hn6vLNAwCAqUUAY7hUb0+qtyc6L15Z950dK2pLL3jlN7t/dnng3/WJNA0AAKYzUxApI9V1pb/Mx91dl8t8CgAADCGAUVx9Q11E9HZ2p0sucu13FyOirr4hsUYBAMD0JoBRXF3z4vqI6Llyta/EEle6OyPiwcVNCbYKAACmNQGMEmobmxqizCzEzPzD5qbGRFsFAADTmSIclDJnUXNdW0+qt7M7vXp5zdBPM/MPl3x5cfS1DV/32pFnD3WWKFSYPrV394z24t8AACAASURBVLFUxJKn3/pqQXrru3b25Omui6ne7A/qG5Y0rfurFSNUYsy68uudmYogDUuefrn8luvqH1z88JrljSXqi6SvnDvTdqWzJ5VdeNWmpxZGqWaPfvujXn6o/rM/eKOtJ+LBzXueWpi+cu5M28nOntymVm16amFNkQOJ+gfXlNzLaE9R37WrQy9WXV3zqpWrFxbeKvl3QnSf+s1HnZd7M01tqGsusnzu9ojmb+/esLjCEwIAMG0IYJRUs3hx/bFUb8+Vq33Lh9ZCHJh/2NgYUWqK4qikr/x6sKBiVm/P5d6fXW4bHqiGu/LrPSXSV65DnyfVezF18OKV5sc3bhiaD7PZpmDhQ7svLln3YImWl9z+yfoHN+8cVpp/tMuXle5+59DBi0Va+/RbX4139h68WLCj3osnDxarbDnKJvV3v/PekC1HRG9PqrfnUGdnqYvVfeQHuZQYERE9qc5yywMAzEwCGKXVNjY1nOztSXVd6V9RGFQy8w/r64YNjI1N37nDA/FpzdNbcqMu/d2n3jt4LBU9lw++01juJWN95/b87HJvlE1fDUue3vJXjbVzIiLdd+3MgUOdPanOY29EbcEwS/c7A+mr/sHN2XGkTN643FaQc4Zuv2Bwqa+/++R7By+mei8e2hMFAWa0y4/g4smDRZqairh88Aep6EnVP7hm05rlNbV5JzNSbQfOLXp5cEhz9IcwkL7y9hvRd+3IgUOdPVHqYvUeO9kbdc2Pb1y5ek5NRPRdO3vgUFtPRM/lj079VaP3uQEAs4ZnwChjzqLmorUQB+ofNlU4OXAk6StXeiMiljz9cv6ctzmNq3c8nRl3utjdXWrl7HuZi8w8jGtnBtLXmpde/momfUVETe3CDS+/sK4hIqLzZ7/uztvURxcjMvPlctEi5jQ+teOlx+uK7vpwZvsPbt75VF7LawdX6b14+mzfWJevwLCmrmrO/LMnldlLTW32o9zJ7EkPXs1RNyl7Sh/cnLffiNqFG17ePLDr3nTRypnN396xIZO+IqJ24YrsJRhyd9Ws3rHnrd173jL/EACYmQQwyqlZXKwWYmb+YcPiRZU+s1ShVN+w7NH41O49b+3eM/yxq4xy6SvSp053RkTUrdsy/Bm2OSu2rKmPiLj80amBKiO5HPjwsAGZmtXZYJO//VxuLDZmVbN647qGiEi1nbw2tuUrMLypC788MFWybt2aoXupqcvEyMHzPOomZS59sY1H1NRmXkjQUyyANaxZOTRQzamtL708AMAMJYBRVm1NXcSQWogD8w+bG6s0ATFqageCQdtre/e8c667r9zbnweluo9k0lcUf44onRqoolFbNCgOHFr0pjL9//6rnZmxncZiYS8XbHLKLx+DAWNgRGi0y1egoab0JShy1NnznDP6Ji3+6p63du95a+hTZAULF1VfpKnZQAgAMIt4BozyFn75wei8GHm1EPv7eqOK8w8jIhZ/9ekHUwcvpnK1HyKyVfIWL6wpMc7We/FktgRf0eeIMu0sk1JqahsiejLpYmFNpPsyT3+VeLCtpq4uIr/yxMDycfHQzmKPhw3qSacjaka9fAWKpZrRGHeT+vrTkU7fib6u7q7ebHnDoi2t1uOCAADTnADGCBqblsTFy5GrhdjX3dVT/fmHjU/teKmpoGb6QJW8YxENS9aVKkbfsKS+53JvRO+x33SvLjFNsWRKmVNbH1E6M1BK+sqvD7eVi1sAAJQigDGSxY3NcbkzBmohZp4aquL8w5yaxcs3LF6+YeAdU3kjKj2X2352uW/4W6Ea1rz08vI4ldp9LBVRulLiwADXcNkhsiGLp9IRoxnce3BzuQqN418+AaNo0tAy/fUNdXX1dbV1jYsWL0yffOlg+ZE0AIBZTwBjRNlZiKl0RFztTI1z/mH20aySamoXrnhq4Yr4al7x9OhsO7dycUEtjYEQuHrjus432noiLh460pQf0rIDXCVn9GUn4A0MkWVnJFba7CEzGEc02uUTMOompU+9N6xMf96nE9BEAIAZRhEORtbYtCQi4mJ395XRzT/M1rfIN3zcqf/sD17a+exLO98ZXv2vRPH0wmWy9QwLa8oP1ni4/LsrxdYbKOiXezxpoOZ+iZL3mcr7BfvNFvErLBE5KHtcPziXHsvyCRhtk7JFOxrWDE9fxU4RAABDCWBUYHFjc0TE5Y/arvRGJbUfshXJhxf0u/KbtqGjTLnkU/QVWCPW0oioXb5p4D1dlw/mpbhc7fjOtuGRpv9s2+WIyK/kPlBzP68wfU62on2BxjWZ4JdqO1AsMmWPtHndwMDdaJdPQBWbVPQUAQAwhABGJQaKsPf2pCKiuWnE54Wymarn5O4fnOseiFX93ad+vednl4cvnU1KqbbX9h650p/3muBruSeOymeA7BurhqS4hSsfzzXj17nq9um+a0eym61//K8GS3dkg1zvsTf2vHMt24z+7nf27j5WbNpkLvj1nNz9g1+fHazU3999au/OzJHmv/9qtMsnYHRNGryshwfPT+Z8vpR3ioq8z61y6VN7dz770s5nXzpSdNwSAGCa8wwYFckrwr7kyxUkhJrco1k9Jw++dnLwg4Y1TzdfOTg0zyzc8J01qddO9kaq82dvDB9IqX/8haEVOIaas2LdkrafXc4M5ix6eSCt1aze8VLs3X0sFT2XD742JPvVNT++cUNh8fqa1RufTr1x8GL0Xjy0O39CXcOSdc2ptmExLH/7bT+73Dbk44Y1L71ckBtHu3wCRtWkmtWrmjsPdfYMOz8R9Q+uebguc2VTfXciqvySbgCAGUIAoyI1ixfXH0v1RpmX9g4xZ8XLL9Se+s1Hndlihg11zes2blg8J32q2NBG7fKdbzV2n/rNR52p3lwl+oa6+vpVm9aUfBVYgcVfffrBywcvRvScPHyqcWduYuHqHXsWXzt78nTXxVT26bO6+gdLbXZO41O7Cwvi19U/uGrTUwvj1N6h4WTI9ntTucrs9Q1LmkqUzh/t8gkYTZMWbnj5hS/nX9aoq39w8cNrGhtr50TUNB871BnR2XVtw+IpVukRAGBquOfu3buT3YYp5Pjx448++uhkt2LQf/vX/xIRD31xfRW3uXn9N/e8tbuKG5wlut956eDFyRmkooydz7506OgvqrW1T/5wNCL++s/+c7U2ONzr//RhRHxzyV9O3C6AfL+4/E8R8epfPjZB2/+3o89HxJ+sen6Ctg8M8e+nfxIRf7r+J5PdkEHHjx+PiMpDhBEwGDAQsWLJ028Nf6dzthbIyAVIYDJt27BpspsAY9F65PBkNwEgIQIYDMg+53b5d1e+2jjkkbO+7q5M0Y46+Yupa9uGTd/fN4X+IgiVy/ztQAwDZgMBDAbknnPr/Nne+PbGDQOPP/Wnr/zm8M8u90bk16yHKSXTeZW+mL4yd++2DZtkMGDGE8Agq3b5zm+n9/zscvFijA1Lnt4yfGoiTBXSFzPA9/f9RAYDZjzvAYM8i7+68zsvPP1gXX3D4M/qG5as+/YLL7381Ual1ZmSzDxkJslksMluBcAEMgIGhWrnND61w0gXAAATwQgYAABAQgQwAACAhAhgAAAACRHAAAAAEiKAAQAAJEQVRIDZpT/dfe2jk1dTvame7I8a6uvq/nzFw4sW1NQUXyd99qe7TqQi6h77+79dWWKZrOuHn3/3UkTDI8+9uGKsby7vPrr9QFdluwOA6UUAA5g10t1Hf3mgq2fYz3t6Uz297146EQ3Nq7+x8SsiDwBMGFMQAWaHq+/9dFex9JWvp/PUrud/eiadUJMAYPYxAgYwC1x97x9+3pn9j/q6BwonHKbT1393+uyHnamIiEh9+MOjtT9Zv2gy2gkAM50ABjDjdR/Npa+GR77+jRULhkwyrKlZsHLjgpWrrh/+4buXIiK6fv5GzSsvmIsIAFVnCiLADNd/5mRX5l8Njzz34rD0NahmwaaffP2BzL97T33UnUTjAGCWMQIGMLOlr13ujYiI+tXfGLks4YJNW5ouHeiKiEtXrm9qXFB+6dzMxobmr7+4cYSFcwUYL/Wmsj+pa6ivXbJm+crG0g1LXz9z+uzlzoGajQ31TWWWT3d/XLD9zGTL4Zkz/fGPfniqJ+KBLd/f1Nh/9ey59hPZp+Pq6x5Y87VNA9vvv3r2XPtvu3p6B1r7wCPFtjbmQ5vYJlV8NkZ7CPk1KqOSq9N/5o03P+yNiKZvmdoKIIABzGzpq1czneMH1lQ2pbCx8YHouhQRnd1XNy4o012++t5PR5G+0tcPH3r3Uu+Qn6Z6elM9B7oul9hC6urR7Se68n/S09vVc6DrcpEa97lefp7e1KXedy/9tumxzeuLl7Pvu374QGbWZd4qB9681Pz1fRvj8BtDGpy6dOLdS79dPXRy5pgOraSqNKnM2ThR98CWv93UWPjR2A7h6tEfnSgo6zJwdUZ7yACziwAGMKP13ckMaNTVVfpE14Km5rjUGRF9felYVPrNYD/vTEXFY19nBvr3dQ9syQ3mDJbF7+l89/Di7w9NBZG6dCIV9U2PZQdV0t0f//LAqZ6InhO/OrMo/xVhg3mjofnr31iVqS/Sn+4+98sDXT29XR/+MIqWFbl04t2CJuVySOe7P0pFT2/dA4987eEVc2oiIn39zKF3P+yN6D31y7ML8+Lf2A6tpOo0aeBsFIyPpdPXPzr07qXe1KUDP42CDDbGq/Nh5upsXr6ypvDqdJ49s2qBF7gBlCCAQWl95/a8drL3wc17nlo45JPud146eLGCLRRbtxLpU3t3H0tFLHn6ra9W3HGDIvr7BiaU1dZW3CGuvbcuIhWRSqUjiq2VfS9zhekrovtcJh0NGXupaVz/4pbYfqArIlJ9/VFktl7Tt14YDE41jV958e/jRz881ROpy1f7V+YiR3b7hW9/nlPTuP7Fv6/50Q9P9UTXz99r3FekqYXveq5ZsGnNwAzMnt7C1tYsWPnC11PPv3spoudOf8TQXY/+0EoZb5PSZ39VvEk1Cza98FzdG29+2Ju6dPLjhxuzg2YTfXVizsoXvr+y4uMHmOkU4YBS+s8eODl0Rk4y+s4dPpYaeTGYFKNOXxFXr3RFRNSvfnj43xNqahoiYiBCDNXwyPKhw1Y1NXVDl89WGSn6kFvNV77xSF1EROfZIu83a14xdKCmsXGgDEmR1s6pq4+IiFQ6t6UxH1pJ421S/+9+m4qIaP56sWG3OSs3r26IgiIrE3x1ABjCCBgU1X/2B2+0lX9l7cTterKCH4wodfXohycG+veVP+ezaOP3920s8VlNTV1Eqd+1utrhoy5z6uojCn5F+lOZ/6yrKTrIV1NbW2pAr+He0gNTRbY2p7ZuyK7HfmiljLdJ2ZorDywucXWyrcoNak3w1QFgCAEMhum7duTAoc6y3abGp3bvearUh9eOPHuoMyIa1rw0+vmH3e9MVvBjZsp10Ms90DVE6cfGUpdOZAdnx/GcTzrdH+n+vkh3XbmayhbQK6ay59bS6UybSkaXmpqGwsgxuIMiEWJcKj60ksbbpHQ6s9NLB/7hUtkFCyZSFmygqlcHgKEEMMjX333qNx8duzyev992v3OoMyKibt2W5aPunlz59cGLEQ1r1tWfbKvkGTMY0YgPdA1zvWvgrc3FHxtraK7r6UxFpD48fX3lKIrd9V9971ftY8okFSoZXcY0EjUaE35oE28GHALAdCGAQU7+tMO6dd/ZGAdGPxiVSVAR9Y9vXFE72gZcO/Kzy5nkVnvy5GhXhuJqFi1qOJHqiSiou1BGd/fAyElz4/CygQ2PPPfiijiTevPD3ojK6/tlX3KVVddQX1tXV1O3eOGXG/s/ev7d8mM1FSpZ6yI7RDYhEjm0MXhgS8WlF6fqIQDMUAIYDFX/4OZNTy2sif6zo141k6AiGtZsWj3aaUT9Z39wqDOi+ds7VtRG98jLQ4VqFi6pP9VTpFh5UdcPHxh471axh4jqliyaExErN6++/MNTPRGXDhxtGvnVuv1nDmX69wVVznOfVnogpWQHuErNqcvNyqv6hMMJP7QxKD3fsoSpdwgAM5wqiDCotnnN09/ZvfOphWN7smE8kw/Tp95r64l4cPOGxWPaN5Q2Z+Wapsy/ek68+aOz14fXAhyQvn44N9xRtCZeTq60YHT9/L3rI+w/Wxai4ZHh/fu8Abexy1YC7Oy+WuzjgSp/E/HM0oQf2ujl6hD+9lrxC53++EfP/8P25//hR2f7I6bkIQDMcAIY5MxpXL28cdTzBrP6zn2UeWrrwVWjnnw4UHd+ydNjemkYjKRx/SsDeSl6Try7642fHj57PZ3XPU+nr59576fbf5ibbFb32OYRJivWrPjaYwOx593DYx+yzVaQH5dcwuxqPztsxCb9cXvmkbbh5d0nVlUObQwWPJy51r2nfjn8bERcPZ0Z72paO8JYaEzeIQDMbKYgQnV0n8zUjq9bt2a0IerakddO9kY0f9s7l5kwNSv+9lt3fvrzzlRERG/qUu+7l06UWrbwRcAlzRmciFj+6bLsHMieE786XJsbZulPd5/75YGuwUePUul0LBhjRGpc/lh914e90XPizR/d+fo3Vi2oqRmyi7rHVlVeL6RiCRzaGBq14muP/fbN7NlYvXbVVwaqX6avnzn0bvaN1dlXeCVxCP1n3njzw96IaPrWyBNWAWY8AQyq4trvxjr8lZm4WP/4CyYfMrEWbfzbVxYfLehVD9PQvPobGyso1JFR85W1zad+3jni02VzVq5punygqydSlw68WTilre6BR1bU/fbdD3sjetN9FZZpLLqLF56LN978sDd6Ot/d1Vn4YX3TY5vXT8zwVwKHNqZWDZ6NUz/vPDXk44ZHnsu7WFPzEABmMAEMqiB96vTAJKemUQ5/ZevOj75oB4xeTeP6F3+yPt398UeFr3hqqK+r+/MVDy9aUPxNxqUt2vj1BzrfvRTRc+JXZxaVHjdrXP/i3zeeOX32cm6n9XUP5PZY2/Thga6Irq7u9YvGPgw8Z+UL3/9y98cfnbx6qTdb9bC+7oE1X3u4cc4EJockDm0MBs9Gqjd3oesamhcNDohN9UMAmKnuuXv37mS3YQo5fvz4o48+OtmtGPTf/vW/RMRDX1xfxW1uXv/NPW/truIGZ65sVfoHN+8Z4dGs7JINa156eTTlN/rO7XntZG/UrfvOjiHjZt3vvHTwYkQsefot8xLL2fnsS4eO/qJaW/vkD0cj4q//7D9Xa4PDvf5PH0bEN5f8ZRW3uW3Dpu/v+0kVNwiT6x+2P9965HC1tvaLy/8UEa/+5WPV2uAQ/3b0+Yj4k1XPT9D2gSH+/fRPIuJP10+h//EdP348IioPEUbAYNz6ujNzuuqbG0f1d/b0lSu9ERGpttdeaiu+yOWDz16OqCQEAgAwDaiCCOOVzVF1TYtNIwQAoBwBDMYrnUpFRDQsXjTmEvYAAMwOpiDCOGXrH9aPtnxB1KzesWd18Y88AwYAMCMZAYPx6Utn6q3V16nQDADACIyAwfjcSfdGRERd7QgPgKVP7d19LBURzd/e7ZVfAACzkxEwGJd0X2YArK723kluCQAAU58ABlVRV6sCBwAAIzEFEUqZs+Ll3StGWqhMIY0xLxkRjU/t3vNUpQsDADBdGAEDAABIiAAGAACQEAEMAAAgIQIYAABAQgQwAACAhAhgAAAACRHAZqOdz7402U2AKtj57EuHjv5islsBADAK0+g9YBfefHzXueWvHHtuafGPiqxSfOlZ7tDRX2xe/83JbgWMl78jAADT0bQJYBfeLBqxIiKi549/SLAlM0Aug+15a/dktwXGIpO+DH8BANPOtAhgPRfefKZ0/Iq4/cdbYbhrdDI9V0NhTFOiFwAwTU31ANZz4f2jRw6du1VumQsd5yJi7hfuS6hNM4heLAAAJGlKB7Ce97c/c+hWRMxd/sqLLR0lRsEyExDn/sV/aki0cQBMO+mzP911IvXAlu9vaiyzVP/Vs+faf9vV05v5z7qG5kVrV31lUU0le7h++Pl3L1Ww3EhtAGCmmtIBLCJi7vLNG9Y/ubQhLnSUWOL2H29FzP2LL9x+/80fDYyVzZ27fMOLzy2VyAAYlP74lydSIy7zox+e6in4UaqnM/XzzqsPbPlbkQmAcZvSZegbntx3bN9zT5YPUpkBsFuHdu0anKl469a5Xc88/uaFCW8hANNEkWQ1qmVSlw789Ey6+u0CYJaZ8iNgI8pU4MhMU8wMevX0vH/0R4fO3Tq3a/sX3t73ZLH4dvz48VLbu3Wr7ANnk6G3d4QuA1BFCXwJ9PZU+Ze6P91f3Q3ONP/379v/z//6r33Z//wf/1/RM/b/dBzIpq+aP/s/nlj7pf8ts/J/7zj/L+eu9UekPvzw//ry4/+x7K7mPPzycw+X+vD37bv+679GRO1Xnnq41lUro+q/IxP3e52ZmdpT7QYDpfyHiJiSPfbKTfsANlCCfvkr+3IlEBsannxu3xfi8V3nbv3zv/Q8WSyBPfroo0W3dvz48blz505QU8fgd/8aEVFfbzIlJOHGHyIiJvZL4I/dEVHfUOVf6jk1c6q7wRkkff3M6bMfdhbMPPyf/9diZyx97feZAa7mr7+yccHgA19z5jzxZ//xf3njzQ97I/7f/xFz5lT0LFgR1w//IPOlvvpbj//vY93ILFHN35G+/x4T+Xv9bxcjIhqq/UsNlPLv1yMm+n/Wo3Tt2rVRLT/tA1jDk/uOPVnk50tblse50gkMgJkvf0ph/epXNscvS89CTF+92hMR0fSt/PQ1YM7KF76/cnxtufpepjhH3WObvyJ9Acxi0z6AlXTfF+ZG3Lr1x9sRAhjAbFb3wJavbWqcE+mPSy/T/7vfpiIimhsXTUQTuo/+vDMiouGRr60UvwBmtZkbwDK8HQxgFqtZ8sjXv7Fi+IjWcP2p3oiIhnvnREQ6ff2jQ2cv9WYmLtY1NK/4xqoFNWMPTtcPH+iKiKhf/Y0VZosCzHJTugpiBXre3/74448XK3iYKc7xxS8Y/gKYrWoWrKwofUWk0wNhq3bO1fd+uuuH72bTV0Skejrf3fXDsZdATJ89m3kz2ANrTD4EYLoHsIYvfDEi4lzHkATW8/6RcxGxvGXp8HUAoLjUyZ/+vLPou8JSH44xg13/KPPysfrVD3uNGADTfwri0vWb5547dOvcru2RK0N/4c0f7Tp3K2Lu5vXyFwCV6+lNRURD89dzcw7T3R9/dPLUpd6ISH14+vrKjQtGt8XubsNfAOSZ9gEsGp58cfM/P3Po1q1zu545l//B8ldeVP8QgFFqeOS5F/Oe1Kpp/MqmxoV1mTL0nd1XNy4YTZWO/jMnuyIioqnJ8BcAEdN/CmJEphL9268sH3wbwNy5y195+1hmOAwARqFpbZE6GXNWrmmKiIiuru7RbCx97XKmtscjyyekuCIA08/0GQFb+tyxY8+V/LRh6XP7lpb+GAAqUaoMfU1NQ0Spd4iVkn23WN2SRYofApAxE0bAAGB8amrqMv9Ipcda7HC47LvF6hd92eNfAAwQwAAgFjQ1R0REb7qv2Me5say6UUSp7LvF/nyh/AVAlgAGABG192bGwLp+/t71YR9mS8lHbW3lWSpb/7Cu1vxDAHIEMACIqFmx4oHMvzrf3f7Gx1ezMxHT3R8ffuPdTJQaVS2NdF9mLG1Ug2YAzHjTpwgHAEykBZu2NF060BUR0Xvq5z88NWyBIQUS+89katNH07d+sn54MOu7M/pBMwBmPiNgAJDRuP6VLU3FX2FS3/Stvy+Sskrr78vkr/qa2iq0DIAZwwgYAGTVNK5/8e8bz5w+e7kzNVB0vr7ugT9f8fCKBWMcx6qrMQAGQB4BDIBZouYrL/7kKxUstmDlxgUrN4643JyVL3x/5Rg/BWDWMgURAAAgIQIYAABAQgQwAACAhAhgAAAACRHAAAAAEiKAAQAAJEQAA5jeWo8c/oftz092K6A6/mH7861HDk92KwAmkAAGAEwJ/pQAzAZexAww7bUeObxtw6aI+P6+n0x2W2CMjH0Bs4QABjATZDKYAQSmL+kLmCUEMIAZQv8VAKY+z4ABAAAkRAADAABIiAAGAACQEAEMAAAgIQIYAABAQgQwAACAhAhgAAAACRHAAAAAEiKAAQAAJEQAAwAASIgABgAAkBABDAAAICECGAAAQEIEMAAAgIQIYAAAAAkRwAAAABIigAEAACREAAMAAEiIAAYAAJAQAQwAACAhAhgAAEBCBDAAAICECGAAAAAJEcAAAAASIoABAAAkRAADAABIiAAGAACQEAEMAAAgIQIYAABAQgQwAACAhAhgAAAACRHAAAAAEiKAAQAAJEQAAwAASIgABgAAkBABDAAAICECGAAAQEIEMAAAgIQIYAAAAAkRwAAAABIigAEAACREAAMAAEiIAAYAAJAQAQwAACAhAhgAAEBCBDAAAICECGAAAAAJEcAAAAASIoABAAAkRAADAABIiAAGAACQEAEMAAAgIQIYAABAQgQwAACAhAhgAAAACRHAAAAAEiKAAQAAJEQAAwAASIgABgAAkBABDAAAICECGAAAQEIEMAAAgIQIYAAAAAkRwAAAABIigAEAACREAAMAAEiIAAYAAJAQAQwAACAhAhgAAEBCBDAAAICECGAAAAAJEcAAAAASIoABAAAkRAADAABIiAAGAACQEAEMAAAgIQIYAABAQgQwAACAhAhgAAAACRHAAAAAEiKAAQAAJEQAAwAASIgABgAAkBABDAAAICECGAAAQEIEMAAAgIQIYAAAAAkRwAAAABLyucluwJRz69atyW7CUL29PZPdBJhFEvgS6O3xSw2Jmrjf65qIiOjxSw1J+Q8RMSV77JUTwIaaO3fuZDdh0O/+NSKivr5hshsCs8KNP0RM9JfAH7sjor7BLzUkpe+/x0T+Xv/bxYiIBr/UkJR/vx4xxXrs165dG9XypiACAAAkRAADAABIiAAGAACQEAEMAAAg5ig4eQAAIABJREFUIQIYAABAQgQwAACAhAhgAAAACRHAAAAAEiKAAQAAJEQAAwAASIgABgAAkBABDAAAICECGAAAQEIEMAAAgIQIYAAAAAkRwAAAABIigAEAACREAAMAAEiIAAYAAJAQAQwAACAhAhgAAEBCPlf1Ld68ebP0h/Pmzav6DgEAAKaHKgWwm+37fvz6jv0dIy23te1u69rq7BIAAGCaqUoAa982f93+amwIAABgBqtCALu57/WB9NWydev6BU986Uull50/f/z7AwAAmJ7GH8BunjjaEWF2IQAAwAjGXwXxxvWOiGjZ+3fSFwAAQDnVKkPf+CXlDQEAAMoafwCbv6AlIrp/X6b4PAAAANUIYPMeWd8S0XH0hAQGAABQThWmIM7b/s7elujY8dS2dhkMAACgpCpUQdy37cfXG1uio2P/uvn7o6Vla2NjyYUX/F3rdg+LAQAAs9P4A9iN6/v3572FuaNjf0dHyYW3PtEaAhgAADA7VasKIgAAACMY/wjY2ta7d1ur0BIAAIAZzggYAABAQgQwAACAhIx/CuIQN2+WqkV/48SPX48nzm9fW+1dAgAATAtVCmA32/f9+PUd+0uXPxyw9Ynq7A8AAGD6qUoAa982f93+kReLaFlQjd0BAABMS1UIYDf3vZ5NX5m3MHd37+/oKPh3RLRsbXunda13gAEAALPX+Itw3DxxNJOw9t64e/58a2tr6zvrWyKio/GJ1tbW8+fv3r2xtyWiY//rJ0o9HQYAADAbjD+A3bjeEREte9/Znh3emvfI+paI6P79QOCat/1829aIjh0/bh/33gAAAKatapWhb/xS3uzCeV9qjIiO6zdyP1n7xNaI2P+BBAYAAMxeE/kesNwQWGQTWP5PAAAAZpnxB7D5CwrmG+b9LH8ILGP4TwAAAGaN8QewgfmGR/NLbGR+lp/Kbv6+e9x7AgAAmNaqMAVx7d/tbYno2DF/2bZ97QOJa2AILJfK2n+8oyMiWhbMH//+AAAApqdqPAM2b/urWyMiOvbvWDd/W3vejzp2zL/nnmXL7rkn857mlvWPeBEYAAAwa1WnCMfa1rs39m5tKfjR37Vtzfwr8yLmwkr1AAAAs0/VqiDO2956/u7dG21/l51kOG9t640bbVtbWlpaWlq27m27cV78AgAAZrXPVXdz89bmh6x589a2nl9b3T0AAABMVxP0HrCbN73wCwAAoFA1A9jN9n3bli2755577rln/vyBahzt2+7JK44IAAAwi1UrgN1s37Zs/rod+7MVN/J07N+xbv6yTB4DAACYvaoTwNq3zV+3vyMiomXr1oJyiPMXtLRERHTsX7dsn3EwAABgNqtGAGvflnnN19a2G3fPt7Zuf6Jx8LN528+fv9G2tSUiOnb82CgYAAAwi1UhgLV/sD8iWvbeaF1bvM78vLWt7+xtiYj9H0hgAADA7DX+AHbz990R0bL+kXJv+Zr3yHoJDAAAmOXGH8BuXO+IiMYvlX/L8rwvNZb9HAAAYMaboPeAAQAAMNT4A9j8BZVMLhx4UGzB/HHvDwDg/2/v/l0bO/cHj38Mge1vcYs4hhFIUwzDdouJzBQq5YRhCjNFFpxOxiyL7GLSOOW4ycDaYgsjwRYxbIrBRTATu9hC7A5WMBe2uEyGS6SLBhwFvn/Al8tW3kLyb9mWbfnxr9eruRnp+OgU95H01nPOcwDuqKsH2CCXd7Uqr2sR55+oCAAAcI8N4RTEvQKbnJjZ7HOnr9bmzERurhER+eVXxau/HAAAwB01jGvAsuXuKvON2mRuZGRi4vWHiIgPr2dmJiZGRvZv0bz8Y9n8FwAA8IB9NpS9ZMtbzZj5dq7WiGg0GhER0Wh0wysiIvLLzS35BQAAPGxDWwUxW65uNZsby6V8Pn/waD6fLy1vNHfVFwAAwHBmwHqy2WK5WiwPc5cAAAD3hvuAAQAAJCLAAAAAErnoKYitzZk3P1/+5Z68qroaDAAAeKAufA3Y7x9qh1Y3vKjSi2oIMAAA4GG6aIBlHz+N6AbYkeUOAQAAOMeFZ8ByT/K9Ams0orT8/auvillzWgAAAOe78CIc2fJWs7lRyucjolGbm8zlRkZGJmYqm63WNRweAADA/XGZVRCz2WJ1a2t3d7e5sVzKRxyU2MTETGVTiAEAAPRzpWXos8VydT/E8hHRaNTmJnMjSgwAAOCkodwHLFssV7e2dnebB1NiSgwAAOCYod6IOXtiSuxQic1UlBgAAPCgDTXA9p2cEotGbW5uMjezeS2vBwAAcAdcT4DtyUbEk6duFwYAABCXuA/YQFqtzV/evJ6rNY48ms+XXuSu5fUAAADugOEGWGuz8ub121rjSHjl86WX378qF92uGQAAeNiGEmB9J7x0FwAAwBFXCrB+E166CwAAoL/LBFi/CS/dBQAAcI4LB1irMpGb208v3QUAADCoCwdY8+NefeVLpacR8fHnNzM/D/rXT15Vy2INAAB4mC4aYK3fP+z9Z6N2bJn5AZReVEOAAQAAD9NFb8R8MAEGAADAhVx0BqxY3d2tXsuRAAAA3HMXnQEDAADgkgQYAABAIgIMAAAgEQEGAACQiAADAABIRIABAAAkIsAAAAASEWAAAACJCDAAAIBErinAWq3W9ewYAADgzhpmgLU2KzMTEyMjIyMjuVxuZjMiYnNmZGKmsinHAAAAhhVgrc2ZidzkXK3ROPFUozY3mZvo9hgAAMDDNZwA25zJTdYaERH5Umm5lD94Jvckn4+IaNQmJyrmwQAAgIdsGAG2OTNZi4gobTR3t6rV8ounB89ly1tbzY1SPiIac2/MggEAAA/YEAJs8+daROSXm9Vitu8G2WL1x+V8RNR+VmAAAMDDdfUAa/3+ISLyL7/qX19d2a9eKjAAAOCBu3qANT82IuLp47P6KyL7+OmZzwMAANx7bsQMAACQyNUDLPdkkJMLexeKPcld+fUAAADuqKsH2CCXd7Uqr2sR55+oeKbtpefPny9tn/JsZ22pXH7eU15a2+5c/pUAAACuwxBOQdwrsMmJmc0+d/pqbc5M5OYaEZFfflW89KtsLy3Wz3jy+exqvd3e+3e7vro4e2qrAQAA3IhhXAOWLXdXmW/UJnMjIxMTrz9ERHx4PTMzMTEysn+L5uUfy5ec/+psLz0/M78W6xGRmV5YWV9fX19fWZjORER9sbxmGgwAALg9hrMIR7a81Vwu5SMiotFoNLr/W6t1/ysi8svNrUvlV2d7bak8e0Z9RWftp3pEFBYqU+OjERExOj5VWShERPv9rwoMAAC4NYa2CmK2XN1qNjeWS/l8/uDRfD5fWt5o7l6yvtbKs4ur9XZkCgsrC4X+2/z6vh0Rhfz4kYfHX05nFBgAAHCrfDbMnWWzxXK1WB7mLiNTmP7m5dT4aGw3+j7/x06//ooYHXsU0W7v/BExOtQDAgAAuKShBtiwjU5V1qfO3qSz8ykiMmNfnHjmi7FMRPvTTifGFRgAAHAbXD3ANmdGJj+Ulr9/VS5eYY35xN69e3faU+2DxRRviz//dCIlpJPgTeDPjkENSV3fuP5rRER0DGpI5S8RcSu/sQ9uODNgjdrcZG0uIn/rQuyUcxC//vrrvpu/e/cuk8lc90EN7u//iIj4/HNzeJBC81NExPW+Cex8iIjPRw1qSOXf/hnXOa7//W8REaMGNaTyr48R1/1hfUG//fbbhba/+iIcuRel/WU3GrW57kr0M5V+twS7Af1OTgQAALgRVw+wbLG6tbW7210AsftQ4/aFGAAAwI0b3jL0xXI3xJob/UJss3U9ITY69ih6Jxoe010e8dGYcwIAAIBbYmgBtie7NyPW3Ni7NXM0GrXJXG5kZGKiMvQM+2IsExGfdo5f/Hr68ogAAAA3Y+gBtiebLZarW7u9cxO7jzUaH5vDfp3RL59lItqrb7ePPLz9drUdkXn2pQkwAADgtri2AIuIaG1WZia+nZyr9b+H8nB0Cyzqi+Wl7e40WGd7rbxYD/0FAADcLtdxI+ZWa/OXN6+PZlc+X/r+x1fF7DWsUD869d3CzuxivV1fnK0ferywUJnSXwAAwO0xzBmw1mZlZmJiZCSXO5j0yudLyxvN3d2treq11FdERIyOz68sTBcO7gaQKUyvrM+PX9PLAQAAXMowZsBam5XjE17XcE/m8fn19flTnx0dn5ofnzr9eQAAgBt39QDbnMlN1g7+OfTwAgAAuCeGdg1YvrT8/auvru80QwAAgLvu6gGWe7HRvJ7VNQAAAO6VqwdYtlgcwnEAAADcexcNsFZl5s3HiIgnr6rl7JFHBrH/VwAAAA/ORQOs+bFWq0VElF5UI3vkkUHs/xUAAMCDM8z7gAEAAHCGi86AFau7u9VzHgEAAKAPM2AAAACJXD3AWpWZmZmZSuv8rSYmJs7bDAAA4P66eoA1P9ZqtdrH5tlbZR9HrdFonLcZAADA/ZXqFMTW7x8SvRIAAMAtdYkbMW/OjEyeWHe+NjkywFr0+Se5i78eAADA/XCJGbBidaN0uRcrfe8uzAAAwMN1iRmwiOKrjVL83PvHhw+1RiPy+dLTp2f8yZMnL776qii/AACAB+xSARbZYrVa7P335kxtshFPvz94BAAAgD4uF2CH5Z6USqVwcRcAAMA5rh5g2XK1OoQDAQAAuO8uGmCtysybjxERT15Vuytq7D8yiP2/AgAAeHAuGmDNj7VaLSKi9KIa2SOPDGL/rwAAAB6cVDdiBgAAePAuOgNWrO7uVs95BAAAgD7MgAEAACQiwAAAABK5+jL0x7VardOfzGYtwQEAADxUQwqw1mblzeu5WuO87Uobu9XicF4SAADgjhlKgG3O5CYHXokeAADggRpCgLUqr3v1lS+VXj558fjx6dvmcld/PQAAgLvp6gHW+uVtI8LZhQAAAOe4+iqIzY+NiMgvv1JfAAAAZxnWMvRPH1veEAAA4ExXD7Dck3xEfPj9jMXnAQAAGEaAZb96mY9ovP1FgQEAAJxlCKcgZss/LuejMfftzKYGAwAAONUQVkGszLz5+DQfjUZtMleLfL709OmpGz95VS27WAwAAHiYrh5gzY+12qG7MDcatUbj1I1LL6ohwAAAgIdpWKsgAgAAcI6rz4AVq7u71SEcCQAAwD1nBgwAACARAQYAAJDI1U9BjGi1Blx+Ppu1AAcAAPBwXT3ANmdyk7XzNzskny+9/P5VuajGAACAB+UmTkFsNGpzk7mRiYr7NgMAAA/J1QMs92pjY2M5v/fPfKm0vLFnuVTK7z++vLGxsbG8XCrlu4815nIzm1d+eQAAgLvi6qcgZrPF5pvJRkTkl5tb5SPnFRaLxXK12tqcyU3WanM/v9itlovFKEfvoai9rrwqlp2KCAAAPAhDOAVxc2ay1q++9mWL1eZyPqI2uT/jlS1WN0oR0Xj7i/MQAQCAB+LqAdb6/UNE5F9+ddZEVvarl/mI+PD7QW7lnuQjovGxeeUjAAAAuBOuHmDNj42IePr47BMJs4+fxtHc6j4CAADwYAxrFcTDc1v9dOfJAAAAHrCrB1jxRSkiGnNvzlrRcPPNXCMiSi+KBw/9XIuI/JPclY8AAADgThjCDFi3wKI2OTGz2W8arLU5M9G9VfN+f+0/dM6lYwAAAPfI1ZehjyhWN0q1yVo0apO5WuTzpad7V3d9+PCh0Wj0/lHaqBYjYnNmpJtjob8AAIAHZRgBFlGsNjfi28laIyIajdp+c+3LL2/8WC4ee6y0cdrC9QAAAPfQsBbhyBarW7vN5sZyKZ/PHzycz5eWN5rN3a1ycS+1ck9KpeXljebuVrXYd1cAAAD303BmwHqy2WK5Wiyfs1G5Wh3miwIAANwRw5oBAwAA4BxDDbBWa7MyMzExMdIzMTExMVPZbJ19izAAAICHYWinILYqE7m5Y4tvNBqNaDQma3ORX25acAMAAHjghhNgR+orn88/7S5Ef7AKfWMuNxEaDAAAeNCGEWCtyrfd+uouNn8sslqblW8n5xrRmPu28pUEAwAAHq4hXAO2+WauEdE9y/B4fUVEtljeai7nI6Ix92bz6i8HAABwR109wFq/f4iI/PKPZ0xuZcs/Lucj4sPv1uMAAAAerKsHWPNjIyKePj773MLs46cR0fjYvPLrAQAA3FHuAwYAAJDI1QMs9yQfEbWfz768a/PnWkTkn+Su/HoAAAB31NUDrHtyYdReV06/vqtVeV2LOP9ERQAAgHtsCKcgFl/11jjMTcxsto5XWKu1OdO7SVh++VXx6i8HAABwRw3jPmDZ8o/Lb3NzjWjUJnO1iMjn891nerdhjojz1kkEAAC494YRYBHZ8lbz8cy3k7Vubx3uroiIyJc2fqz2uUcYAADAAzKcAIuIbLG6tfuqtfnLm5/ffviw9+jTpy9fvPqqmNVeAAAAQwuwiIjIZovlarE81H0CAADcE+4DBgAAkMiVA6zVOrHwYffxysTETOXkqogAAAAP1RUCrLU5MzEykst9+0ufyGr98rbRqM1N5nIjEzObKgwAAOCyAdbanJnI9RY9bHxsntzg0EON2mRu4oy7NAMAADwMlwqwzZm9+IrIlzZe5U5uUixv7e42N0p7NwSby81sXvYYAQAA7oVLBNjmzGSt+1/55ebuVvX0ReazxepWc7nXYLVJCQYAADxoFw6wVuX1fn79WD7//l7Z8o/7CfbaiYgAAMADdtEAa/3ytnfuYen7AfIrIiJb/r7U/a/G237rdQAAADwMFw2w5se9a7+e9Lny6xS5J3uXgvVbrwMAAOBhuPQy9E8fDzb/FRGRffz0si8DAABwb1z5RswAAAAM5qIBtn824YffB7+cq/X7h+5/XOS8RQAAgHvmogG2fzbhBRbUOFi44yLnLQIAANwzFz4FsfjioksaHvSXCTAAAOAhu/g1YAcFNvftAPf12pzJzV104XoAAID76BKLcBSrG/sJlpuY2Tw1wlqblZmJyd5tmyO//Kp4iQMEAAC4Lz67zB8Vq83lD92JrUZtMleLyJeWX754/Hhvg99//vltrdY49CeljS3TXwAAwMN2qQCLyJa3mjHz7dxeZDVqc43aKdvmS8s/VtUXAADw4F3+PmDZcnWrubFcyp++ST5f2mg2t9QXAABAXHoGrCdbLFeL5Wq0WpvN5u+///zxY0Q8efLi8eNcrpiVXQAAAIdcLcD2ZLPFbLZYtMgGAADA6S5/CiIAAAAXIsAAAAASEWAAAACJCDAAAIBEBBgAAEAiAgwAACARAQYAAJCIAAMAAEhEgAEAACQiwAAAABIRYAAAAIkIMAAAgEQEGAAAQCICDAAAIBEBBgAAkIgAAwAASOSzmz6AW6fdbt/0IRz355+dmz4EeEASvAn82TGoIanrG9d/jYiIjkENqfwlIm7lN/bBCbDjMpnMTR/Cgb//IyLi889Hb/pA4EFofoq47jeBnQ8R8fmoQQ2p/Ns/4zrH9b//LSJi1KCGVP71MeKWfWP/7bffLrS9UxABAAASEWAAAACJCDAAAIBEBBgAAEAiAgwAACARAQYAAJCIAAMAAEhEgAEAACQiwAAAABIRYAAAAIkIMAAAgEQEGAAAQCICDAAAIBEBBgAAkIgAAwAASESAAQAAJCLAAAAAEhFgAAAAiQgwAACARAQYAABAIgIMAAAgEQEGAACQiAADAABIRIABAAAkIsAAAAASEWAAAACJCDAAAIBEBBgAAEAiAgwAACARAQYAAJCIAAMAAEhEgAEAACQiwAAAABIRYAAAAIkIMAAAgEQEGAAAQCICDAAAIBEBBgAAkIgAAwAASESAAQAAJCLAAAAAEhFgAAAAiQgwAACARAQYAABAIgIMAAAgEQEGAACQiAADAABIRIABAAAkIsAAAAASEWAAAACJCDAAAIBEBBgAAEAiAgwAACARAQYAAJCIAAMAAEhEgAEAACQiwAAAABIRYAAAAIkIMAAAgEQEGAAAQCICDAAAIBEBBgAAkIgAAwAASESAAQAAJCLAAAAAEhFgAAAAiQgwAACARAQYAABAIgIMAAAgEQEGAACQiAADAABIRIABAAAkIsAAAAASEWAAAACJCDAAAIBEBBgAAEAiAgwAACARAQYAAJCIAAMAAEhEgAEAACQiwAAAABIRYAAAAIkIMAAAgEQEGAAAQCICDAAAIBEBBgAAkIgAAwAASESAAQAAJCLAAAAAEhFgAAAAiQgwAACARAQYAABAIgIMAAAgEQEGAACQiAADAABIRIABAAAkIsAAAAASEWAAAACJCDAAAIBEBBgAAEAiAgwAACARAQYAAJCIAAMAAEhEgAEAACQiwAAAABIRYAAAAIkIMAAAgEQEGAAAQCICDAAAIJHPbvoAhmJ76flivc/jhYX1+fHkRwMAANDXvZgB6+x8uulDAAAAONe9mAH7Y6cdprsAAIDb7j7MgG036hGRGfvipg8EAADgLPcgwLonIGaefTl600cCAABwlntwCuIfO+2IzLOxP9aWflittyMiMpnCN9/NjysyAADgNrn7M2DdCbD26uJir74iot2uL84+X9q+wcMCAAA47u7PgHVX4IjIFBZ6k16dztrbH1br7fpieWylMtVvHuzdu3en7a/dbp/21E3588/OTR8CPCAJ3gT+7BjUkNT1jeu/RkREx6CGVP4SEbfyG/vg7nyA9ZagLyxU9pdAHB2dmq+MxfPFevv9r52pfgX29ddf993bu3fvMpnMNR3qJfz9HxERn3/uZEpIofkpIuJ63wR2PkTE56MGNaTyb/+M6xzX//63iIhRgxpS+dfHiOv+sL6g33777ULb3/lTEEenKuvr6ycXoB/PFyKi/f5XP0kBAAC3xJ0PsFN9MZaJiPbOHzd9IAAAAF33N8C63B0MAAC4Ne56gHXWys+fP++34GF3cY5HY07KBgAAbom7HmCjY48iIuqNYwXWWfupHhGF/PFrwwAAAG7KXQ+wGH85nYmI+mJ5abu33kZne6k8u9qOyEy/1F8AAMCtceeXoY/Rqe+m38+uttv1xdn64ScKC9/1vQcYAADAzbjzM2DRXYl+ZaFwcDeATKawsLLevSszAADAbXH3Z8C6RsfnK+PzN30UAAAAZ7gPM2AAAAB3ggADAABIRIABAAAkIsAAAAASEWAAAACJCDAAAIBEBBgAAEAiAgwAACARAQYAAJCIAAMAAEhEgAEAACQiwAAAABIRYAAAAIkIMAAAgEQEGAAAQCICDAAAIBEBBgAAkIgAAwAASESAAQAAJCLAAAAAEhFgAAAAiQgwAACARAQYAABAIgIMAAAgEQEGAACQiAADAABIRIABAAAkIsAAAAASEWAAAACJCDAAAIBEBBgAAEAiAgwAACARAQYAAJCIAAMAAEhEgAEAACQiwAAAABIRYAAAAIkIMAAAgEQEGAAAQCICDAAAIBEBBgAAkIgAAwAASESAAQAAJCLAAAAAEhFgAAAAiQgwAACARAQYAABAIgIMAAAgEQEGAACQiAADAABIRIABAAAkIsAAAAASEWAAAACJCDAAAIBEBBgAAEAiAgwAACARAQYAAJCIAAMAAEhEgAEAACQiwAAAABIRYAAAAIkIMAAAgEQEGAAAQCICDAAAIBEBBgAAkIgAAwAASESAAQAAJCLAAAAAEhFgAAAAiQgwAACARAQYAABAIgIMAAAgEQEGAACQiAADAABIRIABAAAkIsAAAAASEWAAAACJCDAAAIBEBBgAAEAiAgwAACARAQYAAJCIAAMAAEhEgAEAACQiwAAAABIRYAAAAIkIMAAAgEQEGAAAQCICDAAAIBEBBgAAkIgAAwAASESAAQAAJCLAAAAAEhFgAAAAiQgwAACARAQYAABAIgIMAAAgEQEGAACQiAADAABIRIABAAAkIsAAAAASEWAAAACJCDAAAIBEBBgAAEAiAgwAACARAQYAAJCIAAMAAEhEgAEAACQiwAAAABL57KYP4NZpt9s3fQjH/fln56YPAR6QBG8Cf3YMakjq+sb1XyMiomNQQyp/iYhb+Y19cALsuEwmc9OHcODv/4iI+Pzz0Zs+EHgQmp8irvtNYOdDRHw+alBDKv/2z7jOcf3vf4uIGDWoIZV/fYy4Zd/Yf/vttwtt7xREAACARAQYAABAIgIMAAAgEQEGAACQiAADAABIRIABAAAkIsAAAAASEWAAAACJCDAAAIBEBBgAAEAiAgwAACARAQYAAJCIAAMAAEhEgAEAACQiwAAAABIRYAAAAIkIMAAAgEQEGAAAQCICDAAAIBEBBgAAkIgAAwAASESAAQAAJCLAAAAAEhFgAAAAiQgwAACARAQYAABAIgIMAAAgEQEGAACQiAADAABIRIABAAAkIsAAAAASEWAAAACJCDAAAIBEBBgAAEAiAgwAACARAQYAAJCIAAMAAEhEgAEAACQiwAAAABIRYAAAAIkIMAAAgEQEGAAAQCICDAAAIBEBBgAAkIgAAwAASESAAQAAJCLAAAAAEhFgAAAAiQgwAACARAQYAABAIgIMAAAgEQEGAACQiAADAABIRIABAAAkIsAAAAASEWAAAACJCDAAAIBEBBgAAEAiAgwAACARAQYAAJCIAAMAAEhEgAEAACQiwAAAABIRYAAAAIkIMAAAgEQEGAAAQCICDAAAIBEBBgAAkIgAAwAASESAAQAAJCLAAAAAEhFgAAAAiQgwAACARAQYAABAIgIMAAAgEQEGAACQiAADAABIRIABAAAkIsAAAAASEWAAAACJCDAAAIBEBBgAAEAiAgwAACARAQYAAJCIAAMAAEhEgAEAACQiwAAAABIRYAAAAIkIMAAAgEQEGAAAQCICDAAAIBEBBgAAkIgAAwAASESAAQAAJCLAAAAAEhFgAAAAiQgwAACARAQYAABAIgIMAAAgEQEGAACQiAADAABIRIABAAAkIsAAAAASEWAAAACJCDAAAIBEBBgAAEAiAgwAACARAQYAAJCIAAMAAEhEgAEAACTy2U0fwLB01pZybyNVAAAM4UlEQVR+eF9vtyMiIlOY/ubl1PjoDR8TAADAYfdjBmx76fns6l59RUS7vro4u7R9k4cEAABw3H0IsO2lxXpEZKYXVtbX19fXVxamMxFRXyyvdW762AAAAPbd/QDrrP1Uj4jCQmXvnMPR8anKQiEi2u9/VWAAAMCtcecDrPPr+3ZEFPLjRx4efzmdUWAAAMCtcucD7I+dfv0VMTr2KCLaO3+kPyQAAIC+7voqiJ2dTxGRGfvixDNfjGUi2p92OnHnV0P835/e3vQhAMP0P/7v/7npQwCG6V//67/d9CEAd8ZdD7BLevfu3WlPtQ8WU7x5//E/TP79/23c9FHAw3KtbwL/eezp/9z5cH37B/q6xnH9n/7rX//2369r58ApbtU39ou67wHW3vkj4uQM2Ndff91383fv3mUymes+qAvJxH+56UMAhun7W/YmA1xVxvQXpHarPkp/++23C21/568BO0e/kxMBAABuxH0PMAAAgFvjrgfY6YsddpdHfDR211fgAAAA7o27HmDdxQ7j087x+32dvjwiAADAzbjzATb65bNMRHv17faRh7ffrrYjMs++NAEGAADcFnc+wHoFFvXF8tJ2dxqss71WXqyH/gIAAG6Xe7AM/ejUdws7s4v1dn1xtn7o8cJCZUp/AQAAt8fdnwGLiNHx+ZWF6cLB/QAyhemV9fnxGzwkAACAE+7BDFhERIyOT82PT83f9GEAAACc7l7MgAEAANwFAgwAACARAQYAAJCIAAMAAEhEgAEAACQiwAAAABIRYAAAAIkIMAAAgEQEGAAAQCICDAAAIBEBBgAAkIgAAwAASESAAQAAJCLAAAAAEhFgAAAAiQgwAACARAQYAABAIgIMAAAgEQEGAACQiAADAABIRIABAAAkIsAAAAASEWAAAACJCDAAAIBEBBgAAEAiAgwAACARAQYAAJCIAAMAAEhEgAEAACQiwAAAABIRYAAAAIkIMAAAgEQEGAAAQCICDAAAIBEBBgAAkMhnN30At867d+9u+hAAAID7yQwYAABAIiO7u7s3fQwAAAAPghkwAACARAQYAABAIgIMAAAgEQEGAACQiAADAABIRIABAAAkIsAAAAASEWAAAACJCDAAAIBEBBgAAEAiAgwAACARAQYAAJCIAAMAAEjks5s+ALiC7aXnP33KPHr0bCz/5dT4aP+NOttrvzZ23n+qP/pmfX58qK/fWSvPrrYz0yuVqVNeHLiaTmf717c/va+3270HMpnCs29e9hnw543H7aXni/UoLFzkfaD7N8Y43AbdMX7uZgMP2Mu8J8BQCDDuuHa73W63o74zdso76PbbxdV6REQ8SnlcwJX1/brVbtfbi/XVTGH6u3lVBMDdI8C4+zKZTLtdb2zPj/cpsO1GvbvB+T+aAbfI9lJ5sd6OiExh+puXX46PdmOrOyO2Wm/XV2c/hZkpeDhGpyrrU4cfMIXFXeUaMO6BR48yEfXGdp+nthv1yDx79ij1IQFXsr20WG9HZKZX1ivzU3v1FRGjo+NT85WVhUImor06u9Rv3APALWYGjHtgLP8sU+87B7bdqEdm+suxndWjD/e7rqN3ttPhn9I620s//LR/7Ukmk3n0zXfzp11rdmQvR/fd2V57+9NqfW8/hel+V7B0tpd+6P7gH5nCwnfzX/za74KWzvbaoethMplC/yMacDO4nTprP9UjorBw2gTX6Pj8d9OfZlfb9Z/WXo6fOgvWdzwefv7IQDnj+rKIztrSD6t7A7Tf2Y/nDfOD3+q/2N/VwZ4Odp/JTH/z3bFDuMBxAhEx+Af9YYN96BuPXJ0ZMO6DL7581ncObLtRj3g0drk3xc5aeXaxfujUxXa7XV+cfX7GL+573/aOfG3cXirPLu5/LYuIdn11cbZ8dDe9F9vfYnG2/Han/yGtHjqmdrt+YlcDbwa3VefX9+2IzPTLs04rGp36phAR7fe/dk7ZS7/xeMje0Dx0enK7XV9d7DOrtvO2PLt6aICuzpbXjrzqQMO8u6u1Q7vq7Wl76fmhx9qriz8c3vsFjhO4tME+9I1HhkKAcS+M9i2w7UY9opC/1KnhnbUfVtsRmemFlfWelYXpTETUf1rr/31ve2l2tR1RWKgc/LLWWetexpIpTK+s7O2mkIlo1xcPvsH1Xmz/1VYWCpl2/dCXucP7zxT2D6l7RO364uE3/gE3g1ur21/n/3Yynj+jwPqNx6PP985xPBji6ysLhYg+Y7xdr7cPj86IaK++3R9Ogw3zrvrqahT29jTd3dPsYj1z/LH9vV/kOIHLGuxD33hkSAQY90OfAuuexHTJ/oo/dtoRkXn25cFJBaPjU5X19fX1vr+md9bKi/WIzPTK4W97vS+ShYXK/NTeRSyj4/OVhUIc+o51sFXvFIbR8fnvpjPHX2DvnKyD8yFGx6cqK9OZw2/8A24Gt1hv9I19cd6GX4xlIqK988fxJ/qPx8O2G/WIyEwfOdlvdPzldN89ZqZXDo3ObwoREZ929gbdQMP8YFd7pzSNjn/5LHPisamje7/YcQKXNNCHvvHIsAgw7onRsUdxpMC6X4ou21973+xWf1ja7pwfLd0f209caLL3xezEQXR/ue99x+p7ulXv9Kpju+pzTlY3PfcmAQbcDG6/y548fOp4PGJ8/tAXq06ns729tra0dNpNho4ey9HuG2yY78k8+/LQF7exRyceu9JxApc00Ie+8ciwWISD+2I8X4h6fX8ljiv2V4x++Syz2m5Hu744W4+IyBSmn/W/3XN7dXax/05O/yG/e7TtnT8iRrtbnfi2+cVYJuLYm3p7dfb50fVE9p/Z+SNi9GKbwW32aacTl7iq/fTxeMKhhW/OduZk3GDDfMBD6mvg4wQua+APfeORYTADxr3R/bm5Nwd21f6KGJ2qrCwUMvsnArbrq6uLs8+fl5e2T/44lil018T+od8pfpf/If+Q7pe8YW0Gt9mpZxYed0r7nDke9xxZ+CaTyRQK09MLKyvHz/0d1KDD/MJvB0M+TqC/gT70jUeGxAwY98ehObAvrtxfEd3LOMbnIzrba7823vfWnG3XF38YO3pqU2GhMj/eGfs0u9pefbs9dfyik8F+yB9oq7NPqrroZnA79X6KPndM9K7HOHYC3znjsWtv4ZvCwsqRRaY7JxcfHcwl5+vOM/TjBE513oe+8cjQmAHjHtmfA7v6/NcRo+NTU/OVysEKZUevpOr+/t67aOvIUoOn/5Df++Y49sX+ViccncwacE5g4KkDuMV6lyweX7/iqN6CM8f76/TxeFhv7mz65bFousQc8mDD/JKGeJzAgE770DceGRoBxn3S/Sb0qfH2nP7q942pdyX93r/Wys+fPz9+z6+DVcv6GZ9fKMSRpQa7XyNPu0HZ3tlI/b9s9jbZf+nerk6uY7i99Pz58+e9xa4H3Axut/1+6nvKb3Qvw+j+FP3NKZO9J8fjAPaG3dGFM8451oGG+XBd5jjhYTn/g/6wy3zo7zEeuTgBxn3SS5l6/Zz5r97aY/XF3pe7zvbasVWM9r5TLZbXDr7/dbZ7px+c9o2quxbtoUtPDnaztNZbV6nTWVsqL3ZXsu2tVXjoxXrbbPc2OXxEvbvOrs4eOqT9Dfe/hQ64Gdxy4/MrvdvXzZaX1g4tS9bpbK8t9S7DyBQWTltmPvqMx0P2Vjx7e2iUrJWfHx92AxlsmF/OMI8THpTzP+iPbD3Ih77xyNC4Box7ZW8Zo/NO+xl/OZ2pr7Zjb7WjiCgsLMTiwdvo6NR30+9nV9vt1cXZowsKnvWdb++v9i89GZ2qLOyUF+vt+upsffXoXg4u0zp4sYPVCzOFQhy9F/P4/ELh02L95CEdPaIBN4NbbnSqshJLP6zW2/XVxfqJZT0zhenv5s/+QeHEeDz81DeF1cX64beAiIjM9MKz94ur7YutXDjYML+UoR4nPCjnf9AfNsiHvvHI0JgB437p/Yh15o11Irrf7aYLe2cWZAoLJ+/XOjpVWVmYPrQkUmQyhemFlcqZFXPy0pPx+e5+DnbTZy+95ZcOHU8lf3wN+oNd7e+r/xENuBncdqNT85WVY8Ow93/n9co59dXbwamXgo3PHxmXmUxhYWW9MjXe/dX8oucSDTTML2W4xwkPyAAf9Mc3P+9D33hkSEZ2d3dv+hiAPraXni/Wo7CwrpsAAO4NM2Bw0/pf+zuEBdQAALhtBBjctONXCkdEZ3tpsd8K2wAA3G1OQYSb19lemu1zWbD7KQMA3DcCDG6Fzvba25/e19vdhTcymcKzb15OjasvAID7RYABAAAk4howAACARAQYAABAIgIMAAAgEQEGAACQiAADAABIRIABAAAkIsAAAAASEWAAAACJCDAAAIBEBBgAAEAiAgwAACARAQYAAJCIAAMAAEhEgAEAACQiwAAAABL5/4oUFU6xVhj+AAAAAElFTkSuQmCC"/>
+          <p:cNvSpPr>
+            <a:spLocks noGrp="1" noChangeAspect="1" noChangeArrowheads="1"/>
+          </p:cNvSpPr>
+          <p:nvPr>
+            <p:ph idx="1"/>
+          </p:nvPr>
+        </p:nvSpPr>
+        <p:spPr bwMode="auto">
+          <a:xfrm>
+            <a:off x="0" y="182676"/>
+            <a:ext cx="3135817" cy="5210206"/>
+          </a:xfrm>
+          <a:prstGeom prst="rect">
+            <a:avLst/>
+          </a:prstGeom>
+          <a:noFill/>
+          <a:extLst>
+            <a:ext uri="{909E8E84-426E-40DD-AFC4-6F175D3DCCD1}">
+              <a14:hiddenFill xmlns:a14="http://schemas.microsoft.com/office/drawing/2010/main">
+                <a:solidFill>
+                  <a:srgbClr val="FFFFFF"/>
+                </a:solidFill>
+              </a14:hiddenFill>
+            </a:ext>
+          </a:extLst>
+        </p:spPr>
+        <p:txBody>
+          <a:bodyPr vert="horz" wrap="square" lIns="91440" tIns="45720" rIns="91440" bIns="45720" numCol="1" anchor="t" anchorCtr="0" compatLnSpc="1">
+            <a:prstTxWarp prst="textNoShape">
+              <a:avLst/>
+            </a:prstTxWarp>
+            <a:normAutofit/>
+          </a:bodyPr>
+          <a:lstStyle/>
+          <a:p>
+            <a:pPr marL="0" indent="0">
+              <a:buNone/>
+            </a:pPr>
+            <a:r>
+              <a:rPr lang="en-US" dirty="0" smtClean="0"/>
+              <a:t>Each dashboard had several tabs of documentation.</a:t>
+            </a:r>
+          </a:p>
+          <a:p>
+            <a:pPr marL="0" indent="0">
+              <a:buNone/>
+            </a:pPr>
+            <a:endParaRPr lang="en-US" dirty="0"/>
+          </a:p>
+          <a:p>
+            <a:pPr marL="0" indent="0">
+              <a:buNone/>
+            </a:pPr>
+            <a:r>
+              <a:rPr lang="en-US" dirty="0" smtClean="0"/>
+              <a:t>Our quality varied across dashboards, and</a:t>
+            </a:r>
+            <a:r>
+              <a:rPr lang="en-US" dirty="0"/>
+              <a:t> </a:t>
+            </a:r>
+            <a:r>
+              <a:rPr lang="en-US" dirty="0" smtClean="0"/>
+              <a:t>this is a representative example.</a:t>
+            </a:r>
+          </a:p>
+        </p:txBody>
+      </p:sp>
+      <p:pic>
+        <p:nvPicPr>
+          <p:cNvPr id="2" name="Picture 1"/>
+          <p:cNvPicPr>
+            <a:picLocks noChangeAspect="1"/>
+          </p:cNvPicPr>
+          <p:nvPr/>
+        </p:nvPicPr>
+        <p:blipFill rotWithShape="1">
+          <a:blip r:embed="rId2"/>
+          <a:srcRect t="7552" r="19954" b="20303"/>
+          <a:stretch/>
+        </p:blipFill>
+        <p:spPr>
+          <a:xfrm>
+            <a:off x="3125426" y="550717"/>
+            <a:ext cx="8948811" cy="6120246"/>
+          </a:xfrm>
+          <a:prstGeom prst="rect">
+            <a:avLst/>
+          </a:prstGeom>
+          <a:ln>
+            <a:noFill/>
+          </a:ln>
+          <a:effectLst>
+            <a:outerShdw blurRad="292100" dist="139700" dir="2700000" algn="tl" rotWithShape="0">
+              <a:srgbClr val="333333">
+                <a:alpha val="65000"/>
+              </a:srgbClr>
+            </a:outerShdw>
+          </a:effectLst>
+        </p:spPr>
+      </p:pic>
+    </p:spTree>
+    <p:extLst>
+      <p:ext uri="{BB962C8B-B14F-4D97-AF65-F5344CB8AC3E}">
+        <p14:creationId xmlns:p14="http://schemas.microsoft.com/office/powerpoint/2010/main" val="3541535487"/>
+      </p:ext>
+    </p:extLst>
+  </p:cSld>
+  <p:clrMapOvr>
+    <a:masterClrMapping/>
+  </p:clrMapOvr>
+  <p:timing>
+    <p:tnLst>
+      <p:par>
+        <p:cTn id="1" dur="indefinite" restart="never" nodeType="tmRoot"/>
+      </p:par>
+    </p:tnLst>
+  </p:timing>
+</p:sld>
+</file>
+
+<file path=ppt/slides/slide21.xml><?xml version="1.0" encoding="utf-8"?>
+<p:sld xmlns:a="http://schemas.openxmlformats.org/drawingml/2006/main" xmlns:r="http://schemas.openxmlformats.org/officeDocument/2006/relationships" xmlns:p="http://schemas.openxmlformats.org/presentationml/2006/main">
+  <p:cSld>
+    <p:spTree>
+      <p:nvGrpSpPr>
+        <p:cNvPr id="1" name=""/>
+        <p:cNvGrpSpPr/>
+        <p:nvPr/>
+      </p:nvGrpSpPr>
+      <p:grpSpPr>
+        <a:xfrm>
+          <a:off x="0" y="0"/>
+          <a:ext cx="0" cy="0"/>
+          <a:chOff x="0" y="0"/>
+          <a:chExt cx="0" cy="0"/>
+        </a:xfrm>
+      </p:grpSpPr>
+      <p:sp>
+        <p:nvSpPr>
+          <p:cNvPr id="2" name="Title 1"/>
+          <p:cNvSpPr>
+            <a:spLocks noGrp="1"/>
+          </p:cNvSpPr>
+          <p:nvPr>
+            <p:ph type="title"/>
+          </p:nvPr>
+        </p:nvSpPr>
+        <p:spPr>
+          <a:xfrm>
+            <a:off x="734291" y="157308"/>
+            <a:ext cx="10515600" cy="1048038"/>
+          </a:xfrm>
+        </p:spPr>
+        <p:txBody>
+          <a:bodyPr>
+            <a:normAutofit fontScale="90000"/>
+          </a:bodyPr>
+          <a:lstStyle/>
+          <a:p>
+            <a:r>
+              <a:rPr lang="en-US" dirty="0"/>
+              <a:t>Pipeline </a:t>
+            </a:r>
+            <a:r>
+              <a:rPr lang="en-US" sz="3100" dirty="0" smtClean="0"/>
+              <a:t>(available at </a:t>
+            </a:r>
+            <a:r>
+              <a:rPr lang="en-US" sz="3100" dirty="0" smtClean="0">
+                <a:hlinkClick r:id="rId2"/>
+              </a:rPr>
+              <a:t>github.com/</a:t>
+            </a:r>
+            <a:r>
+              <a:rPr lang="en-US" sz="3100" dirty="0" err="1" smtClean="0">
+                <a:hlinkClick r:id="rId2"/>
+              </a:rPr>
+              <a:t>dss-ialh</a:t>
+            </a:r>
+            <a:r>
+              <a:rPr lang="en-US" sz="3100" dirty="0" smtClean="0">
+                <a:hlinkClick r:id="rId2"/>
+              </a:rPr>
+              <a:t>/displaying-health-data</a:t>
+            </a:r>
+            <a:r>
+              <a:rPr lang="en-US" sz="3100" dirty="0" smtClean="0"/>
+              <a:t>)</a:t>
+            </a:r>
+            <a:endParaRPr lang="en-US" dirty="0"/>
+          </a:p>
+        </p:txBody>
+      </p:sp>
+      <p:sp>
+        <p:nvSpPr>
+          <p:cNvPr id="4" name="Slide Number Placeholder 3"/>
+          <p:cNvSpPr>
+            <a:spLocks noGrp="1"/>
+          </p:cNvSpPr>
+          <p:nvPr>
+            <p:ph type="sldNum" sz="quarter" idx="12"/>
+          </p:nvPr>
+        </p:nvSpPr>
+        <p:spPr/>
+        <p:txBody>
+          <a:bodyPr/>
+          <a:lstStyle/>
+          <a:p>
+            <a:fld id="{AF87EE96-E852-4892-A22F-23BA018C684B}" type="slidenum">
+              <a:rPr lang="en-US" smtClean="0"/>
+              <a:t>21</a:t>
+            </a:fld>
+            <a:endParaRPr lang="en-US"/>
+          </a:p>
+        </p:txBody>
+      </p:sp>
+      <p:pic>
+        <p:nvPicPr>
+          <p:cNvPr id="5122" name="Picture 2" descr="flow-skeleton.png"/>
+          <p:cNvPicPr>
+            <a:picLocks noChangeAspect="1" noChangeArrowheads="1"/>
+          </p:cNvPicPr>
+          <p:nvPr/>
+        </p:nvPicPr>
+        <p:blipFill>
+          <a:blip r:embed="rId3">
+            <a:extLst>
+              <a:ext uri="{28A0092B-C50C-407E-A947-70E740481C1C}">
+                <a14:useLocalDpi xmlns:a14="http://schemas.microsoft.com/office/drawing/2010/main" val="0"/>
+              </a:ext>
+            </a:extLst>
+          </a:blip>
+          <a:srcRect/>
+          <a:stretch>
+            <a:fillRect/>
+          </a:stretch>
+        </p:blipFill>
+        <p:spPr bwMode="auto">
+          <a:xfrm>
+            <a:off x="131617" y="1387111"/>
+            <a:ext cx="11838709" cy="5260185"/>
+          </a:xfrm>
+          <a:prstGeom prst="rect">
+            <a:avLst/>
+          </a:prstGeom>
+          <a:noFill/>
+          <a:extLst>
+            <a:ext uri="{909E8E84-426E-40DD-AFC4-6F175D3DCCD1}">
+              <a14:hiddenFill xmlns:a14="http://schemas.microsoft.com/office/drawing/2010/main">
+                <a:solidFill>
+                  <a:srgbClr val="FFFFFF"/>
+                </a:solidFill>
+              </a14:hiddenFill>
+            </a:ext>
+          </a:extLst>
+        </p:spPr>
+      </p:pic>
+    </p:spTree>
+    <p:extLst>
+      <p:ext uri="{BB962C8B-B14F-4D97-AF65-F5344CB8AC3E}">
+        <p14:creationId xmlns:p14="http://schemas.microsoft.com/office/powerpoint/2010/main" val="3315723086"/>
+      </p:ext>
+    </p:extLst>
+  </p:cSld>
+  <p:clrMapOvr>
+    <a:masterClrMapping/>
+  </p:clrMapOvr>
+  <p:timing>
+    <p:tnLst>
+      <p:par>
+        <p:cTn id="1" dur="indefinite" restart="never" nodeType="tmRoot"/>
+      </p:par>
+    </p:tnLst>
+  </p:timing>
+</p:sld>
+</file>
+
+<file path=ppt/slides/slide22.xml><?xml version="1.0" encoding="utf-8"?>
+<p:sld xmlns:a="http://schemas.openxmlformats.org/drawingml/2006/main" xmlns:r="http://schemas.openxmlformats.org/officeDocument/2006/relationships" xmlns:p="http://schemas.openxmlformats.org/presentationml/2006/main">
+  <p:cSld>
+    <p:spTree>
+      <p:nvGrpSpPr>
+        <p:cNvPr id="1" name=""/>
+        <p:cNvGrpSpPr/>
+        <p:nvPr/>
+      </p:nvGrpSpPr>
+      <p:grpSpPr>
+        <a:xfrm>
+          <a:off x="0" y="0"/>
+          <a:ext cx="0" cy="0"/>
+          <a:chOff x="0" y="0"/>
+          <a:chExt cx="0" cy="0"/>
+        </a:xfrm>
+      </p:grpSpPr>
+      <p:sp>
+        <p:nvSpPr>
+          <p:cNvPr id="2" name="Title 1"/>
+          <p:cNvSpPr>
+            <a:spLocks noGrp="1"/>
+          </p:cNvSpPr>
+          <p:nvPr>
+            <p:ph type="title"/>
+          </p:nvPr>
+        </p:nvSpPr>
+        <p:spPr>
+          <a:xfrm>
+            <a:off x="734291" y="157308"/>
+            <a:ext cx="10515600" cy="1048038"/>
+          </a:xfrm>
+        </p:spPr>
+        <p:txBody>
+          <a:bodyPr/>
+          <a:lstStyle/>
+          <a:p>
+            <a:r>
+              <a:rPr lang="en-US" dirty="0" smtClean="0"/>
+              <a:t>Pipeline</a:t>
+            </a:r>
+            <a:endParaRPr lang="en-US" dirty="0"/>
+          </a:p>
+        </p:txBody>
+      </p:sp>
+      <p:sp>
+        <p:nvSpPr>
+          <p:cNvPr id="4" name="Slide Number Placeholder 3"/>
+          <p:cNvSpPr>
+            <a:spLocks noGrp="1"/>
+          </p:cNvSpPr>
+          <p:nvPr>
+            <p:ph type="sldNum" sz="quarter" idx="12"/>
+          </p:nvPr>
+        </p:nvSpPr>
+        <p:spPr/>
+        <p:txBody>
+          <a:bodyPr/>
+          <a:lstStyle/>
+          <a:p>
+            <a:fld id="{AF87EE96-E852-4892-A22F-23BA018C684B}" type="slidenum">
+              <a:rPr lang="en-US" smtClean="0"/>
+              <a:t>22</a:t>
+            </a:fld>
+            <a:endParaRPr lang="en-US"/>
+          </a:p>
+        </p:txBody>
+      </p:sp>
+      <p:pic>
+        <p:nvPicPr>
+          <p:cNvPr id="5122" name="Picture 2" descr="flow-skeleton.png"/>
+          <p:cNvPicPr>
+            <a:picLocks noChangeAspect="1" noChangeArrowheads="1"/>
+          </p:cNvPicPr>
+          <p:nvPr/>
+        </p:nvPicPr>
+        <p:blipFill>
+          <a:blip r:embed="rId2">
+            <a:extLst>
+              <a:ext uri="{28A0092B-C50C-407E-A947-70E740481C1C}">
+                <a14:useLocalDpi xmlns:a14="http://schemas.microsoft.com/office/drawing/2010/main" val="0"/>
+              </a:ext>
+            </a:extLst>
+          </a:blip>
+          <a:srcRect/>
+          <a:stretch>
+            <a:fillRect/>
+          </a:stretch>
+        </p:blipFill>
+        <p:spPr bwMode="auto">
+          <a:xfrm>
+            <a:off x="131617" y="1387111"/>
+            <a:ext cx="11838709" cy="5260185"/>
+          </a:xfrm>
+          <a:prstGeom prst="rect">
+            <a:avLst/>
+          </a:prstGeom>
+          <a:noFill/>
+          <a:extLst>
+            <a:ext uri="{909E8E84-426E-40DD-AFC4-6F175D3DCCD1}">
+              <a14:hiddenFill xmlns:a14="http://schemas.microsoft.com/office/drawing/2010/main">
+                <a:solidFill>
+                  <a:srgbClr val="FFFFFF"/>
+                </a:solidFill>
+              </a14:hiddenFill>
+            </a:ext>
+          </a:extLst>
+        </p:spPr>
+      </p:pic>
+      <p:sp>
+        <p:nvSpPr>
+          <p:cNvPr id="3" name="Oval 2"/>
+          <p:cNvSpPr/>
+          <p:nvPr/>
+        </p:nvSpPr>
+        <p:spPr>
+          <a:xfrm>
+            <a:off x="9746672" y="4561609"/>
+            <a:ext cx="1652155" cy="1205345"/>
+          </a:xfrm>
+          <a:prstGeom prst="ellipse">
+            <a:avLst/>
+          </a:prstGeom>
+          <a:noFill/>
+          <a:ln w="76200"/>
+        </p:spPr>
+        <p:style>
+          <a:lnRef idx="2">
+            <a:schemeClr val="accent2"/>
+          </a:lnRef>
+          <a:fillRef idx="1">
+            <a:schemeClr val="lt1"/>
+          </a:fillRef>
+          <a:effectRef idx="0">
+            <a:schemeClr val="accent2"/>
+          </a:effectRef>
+          <a:fontRef idx="minor">
+            <a:schemeClr val="dk1"/>
+          </a:fontRef>
+        </p:style>
+        <p:txBody>
+          <a:bodyPr rtlCol="0" anchor="ctr"/>
+          <a:lstStyle/>
+          <a:p>
+            <a:pPr algn="ctr"/>
+            <a:endParaRPr lang="en-US"/>
+          </a:p>
+        </p:txBody>
+      </p:sp>
+    </p:spTree>
+    <p:extLst>
+      <p:ext uri="{BB962C8B-B14F-4D97-AF65-F5344CB8AC3E}">
+        <p14:creationId xmlns:p14="http://schemas.microsoft.com/office/powerpoint/2010/main" val="1162926796"/>
+      </p:ext>
+    </p:extLst>
+  </p:cSld>
+  <p:clrMapOvr>
+    <a:masterClrMapping/>
+  </p:clrMapOvr>
+  <p:timing>
+    <p:tnLst>
+      <p:par>
+        <p:cTn id="1" dur="indefinite" restart="never" nodeType="tmRoot"/>
+      </p:par>
+    </p:tnLst>
+  </p:timing>
+</p:sld>
+</file>
+
+<file path=ppt/slides/slide23.xml><?xml version="1.0" encoding="utf-8"?>
+<p:sld xmlns:a="http://schemas.openxmlformats.org/drawingml/2006/main" xmlns:r="http://schemas.openxmlformats.org/officeDocument/2006/relationships" xmlns:p="http://schemas.openxmlformats.org/presentationml/2006/main">
+  <p:cSld>
+    <p:spTree>
+      <p:nvGrpSpPr>
+        <p:cNvPr id="1" name=""/>
+        <p:cNvGrpSpPr/>
+        <p:nvPr/>
+      </p:nvGrpSpPr>
+      <p:grpSpPr>
+        <a:xfrm>
+          <a:off x="0" y="0"/>
+          <a:ext cx="0" cy="0"/>
+          <a:chOff x="0" y="0"/>
+          <a:chExt cx="0" cy="0"/>
+        </a:xfrm>
+      </p:grpSpPr>
+      <p:sp>
+        <p:nvSpPr>
+          <p:cNvPr id="2" name="Title 1"/>
+          <p:cNvSpPr>
+            <a:spLocks noGrp="1"/>
+          </p:cNvSpPr>
+          <p:nvPr>
+            <p:ph type="title"/>
+          </p:nvPr>
+        </p:nvSpPr>
+        <p:spPr/>
+        <p:txBody>
+          <a:bodyPr/>
+          <a:lstStyle/>
+          <a:p>
+            <a:r>
+              <a:rPr lang="en-US" dirty="0" smtClean="0"/>
+              <a:t>Takeaways</a:t>
+            </a:r>
+            <a:endParaRPr lang="en-US" dirty="0"/>
+          </a:p>
+        </p:txBody>
+      </p:sp>
+      <p:sp>
+        <p:nvSpPr>
+          <p:cNvPr id="3" name="Content Placeholder 2"/>
+          <p:cNvSpPr>
+            <a:spLocks noGrp="1"/>
+          </p:cNvSpPr>
+          <p:nvPr>
+            <p:ph idx="1"/>
+          </p:nvPr>
+        </p:nvSpPr>
+        <p:spPr/>
+        <p:txBody>
+          <a:bodyPr/>
+          <a:lstStyle/>
+          <a:p>
+            <a:endParaRPr lang="en-US"/>
+          </a:p>
+        </p:txBody>
+      </p:sp>
+      <p:sp>
+        <p:nvSpPr>
+          <p:cNvPr id="4" name="Slide Number Placeholder 3"/>
+          <p:cNvSpPr>
+            <a:spLocks noGrp="1"/>
+          </p:cNvSpPr>
+          <p:nvPr>
+            <p:ph type="sldNum" sz="quarter" idx="12"/>
+          </p:nvPr>
+        </p:nvSpPr>
+        <p:spPr/>
+        <p:txBody>
+          <a:bodyPr/>
+          <a:lstStyle/>
+          <a:p>
+            <a:fld id="{AF87EE96-E852-4892-A22F-23BA018C684B}" type="slidenum">
+              <a:rPr lang="en-US" smtClean="0"/>
+              <a:t>23</a:t>
+            </a:fld>
+            <a:endParaRPr lang="en-US"/>
+          </a:p>
+        </p:txBody>
+      </p:sp>
+    </p:spTree>
+    <p:extLst>
+      <p:ext uri="{BB962C8B-B14F-4D97-AF65-F5344CB8AC3E}">
+        <p14:creationId xmlns:p14="http://schemas.microsoft.com/office/powerpoint/2010/main" val="2489979003"/>
+      </p:ext>
+    </p:extLst>
+  </p:cSld>
+  <p:clrMapOvr>
+    <a:masterClrMapping/>
+  </p:clrMapOvr>
+</p:sld>
+</file>
+
+<file path=ppt/slides/slide24.xml><?xml version="1.0" encoding="utf-8"?>
+<p:sld xmlns:a="http://schemas.openxmlformats.org/drawingml/2006/main" xmlns:r="http://schemas.openxmlformats.org/officeDocument/2006/relationships" xmlns:p="http://schemas.openxmlformats.org/presentationml/2006/main">
+  <p:cSld>
+    <p:spTree>
+      <p:nvGrpSpPr>
+        <p:cNvPr id="1" name=""/>
+        <p:cNvGrpSpPr/>
+        <p:nvPr/>
+      </p:nvGrpSpPr>
+      <p:grpSpPr>
+        <a:xfrm>
+          <a:off x="0" y="0"/>
+          <a:ext cx="0" cy="0"/>
+          <a:chOff x="0" y="0"/>
+          <a:chExt cx="0" cy="0"/>
+        </a:xfrm>
+      </p:grpSpPr>
+      <p:sp>
+        <p:nvSpPr>
+          <p:cNvPr id="2" name="Title 1"/>
+          <p:cNvSpPr>
+            <a:spLocks noGrp="1"/>
+          </p:cNvSpPr>
+          <p:nvPr>
+            <p:ph type="title"/>
+          </p:nvPr>
+        </p:nvSpPr>
+        <p:spPr>
+          <a:xfrm>
+            <a:off x="838200" y="365126"/>
+            <a:ext cx="10515600" cy="958850"/>
+          </a:xfrm>
+        </p:spPr>
+        <p:txBody>
+          <a:bodyPr/>
+          <a:lstStyle/>
+          <a:p>
+            <a:r>
+              <a:rPr lang="en-US" dirty="0" smtClean="0"/>
+              <a:t>Providers</a:t>
+            </a:r>
+            <a:endParaRPr lang="en-US" dirty="0"/>
+          </a:p>
+        </p:txBody>
+      </p:sp>
+      <p:sp>
+        <p:nvSpPr>
+          <p:cNvPr id="3" name="Content Placeholder 2"/>
+          <p:cNvSpPr>
+            <a:spLocks noGrp="1"/>
+          </p:cNvSpPr>
+          <p:nvPr>
+            <p:ph idx="1"/>
+          </p:nvPr>
+        </p:nvSpPr>
+        <p:spPr>
+          <a:xfrm>
+            <a:off x="93518" y="1323975"/>
+            <a:ext cx="12022282" cy="5032375"/>
+          </a:xfrm>
+        </p:spPr>
+        <p:txBody>
+          <a:bodyPr>
+            <a:normAutofit fontScale="85000" lnSpcReduction="10000"/>
+          </a:bodyPr>
+          <a:lstStyle/>
+          <a:p>
+            <a:pPr marL="514350" indent="-514350">
+              <a:buFont typeface="+mj-lt"/>
+              <a:buAutoNum type="arabicPeriod"/>
+            </a:pPr>
+            <a:r>
+              <a:rPr lang="en-US" b="1" dirty="0" smtClean="0"/>
+              <a:t>Oklahoma State Department of Health</a:t>
+            </a:r>
+            <a:r>
+              <a:rPr lang="en-US" dirty="0" smtClean="0"/>
+              <a:t>– </a:t>
+            </a:r>
+            <a:r>
+              <a:rPr lang="en-US" dirty="0"/>
+              <a:t>Persephone Starks, John Delara, Beth Martin</a:t>
+            </a:r>
+          </a:p>
+          <a:p>
+            <a:pPr marL="514350" indent="-514350">
+              <a:buFont typeface="+mj-lt"/>
+              <a:buAutoNum type="arabicPeriod"/>
+            </a:pPr>
+            <a:r>
+              <a:rPr lang="en-US" b="1" dirty="0"/>
+              <a:t>Children First Tulsa </a:t>
+            </a:r>
+            <a:r>
+              <a:rPr lang="en-US" dirty="0"/>
+              <a:t>– LouAnn Beuke</a:t>
+            </a:r>
+          </a:p>
+          <a:p>
+            <a:pPr marL="514350" indent="-514350">
+              <a:buFont typeface="+mj-lt"/>
+              <a:buAutoNum type="arabicPeriod"/>
+            </a:pPr>
+            <a:r>
+              <a:rPr lang="en-US" b="1" dirty="0" smtClean="0"/>
+              <a:t>LCDA</a:t>
+            </a:r>
+            <a:r>
+              <a:rPr lang="en-US" dirty="0" smtClean="0"/>
+              <a:t> </a:t>
+            </a:r>
+            <a:r>
+              <a:rPr lang="en-US" dirty="0"/>
+              <a:t>– Patty </a:t>
+            </a:r>
+            <a:r>
+              <a:rPr lang="en-US" dirty="0" err="1"/>
+              <a:t>Demoraes-Huffhine</a:t>
+            </a:r>
+            <a:endParaRPr lang="en-US" dirty="0"/>
+          </a:p>
+          <a:p>
+            <a:pPr marL="514350" indent="-514350">
+              <a:buFont typeface="+mj-lt"/>
+              <a:buAutoNum type="arabicPeriod"/>
+            </a:pPr>
+            <a:r>
+              <a:rPr lang="en-US" b="1" dirty="0"/>
+              <a:t>Oklahoma City County Health Department </a:t>
+            </a:r>
+            <a:r>
+              <a:rPr lang="en-US" dirty="0"/>
+              <a:t>– Denise Howard, Diane Sammons, </a:t>
+            </a:r>
+            <a:r>
+              <a:rPr lang="en-US" dirty="0" smtClean="0"/>
+              <a:t> Sally Dixon</a:t>
+            </a:r>
+            <a:endParaRPr lang="en-US" dirty="0"/>
+          </a:p>
+          <a:p>
+            <a:pPr marL="514350" indent="-514350">
+              <a:buFont typeface="+mj-lt"/>
+              <a:buAutoNum type="arabicPeriod"/>
+            </a:pPr>
+            <a:r>
+              <a:rPr lang="en-US" b="1" dirty="0"/>
+              <a:t>OKC Public Schools </a:t>
+            </a:r>
+            <a:r>
+              <a:rPr lang="en-US" dirty="0"/>
+              <a:t>– Yolanda Lucero, </a:t>
+            </a:r>
+            <a:r>
+              <a:rPr lang="en-US" dirty="0" err="1"/>
+              <a:t>Kethzia</a:t>
+            </a:r>
+            <a:r>
+              <a:rPr lang="en-US" dirty="0"/>
+              <a:t> </a:t>
+            </a:r>
+            <a:r>
+              <a:rPr lang="en-US" dirty="0" err="1"/>
+              <a:t>Njikam</a:t>
+            </a:r>
+            <a:endParaRPr lang="en-US" dirty="0"/>
+          </a:p>
+          <a:p>
+            <a:pPr marL="514350" indent="-514350">
+              <a:buFont typeface="+mj-lt"/>
+              <a:buAutoNum type="arabicPeriod"/>
+            </a:pPr>
+            <a:r>
+              <a:rPr lang="en-US" b="1" dirty="0"/>
+              <a:t>PAT Bethany Public Schools </a:t>
+            </a:r>
+            <a:r>
+              <a:rPr lang="en-US" dirty="0"/>
+              <a:t>– Mindy </a:t>
+            </a:r>
+            <a:r>
+              <a:rPr lang="en-US" dirty="0" smtClean="0"/>
+              <a:t>Turner, Jem Balderas</a:t>
+            </a:r>
+            <a:endParaRPr lang="en-US" dirty="0"/>
+          </a:p>
+          <a:p>
+            <a:pPr marL="514350" indent="-514350">
+              <a:buFont typeface="+mj-lt"/>
+              <a:buAutoNum type="arabicPeriod"/>
+            </a:pPr>
+            <a:r>
+              <a:rPr lang="en-US" b="1" dirty="0"/>
+              <a:t>PAT Parent Promise </a:t>
+            </a:r>
+            <a:r>
+              <a:rPr lang="en-US" dirty="0"/>
+              <a:t>– Shawna </a:t>
+            </a:r>
+            <a:r>
+              <a:rPr lang="en-US" dirty="0" smtClean="0"/>
+              <a:t>Norman</a:t>
+            </a:r>
+          </a:p>
+          <a:p>
+            <a:pPr marL="514350" indent="-514350">
+              <a:buFont typeface="+mj-lt"/>
+              <a:buAutoNum type="arabicPeriod"/>
+            </a:pPr>
+            <a:r>
+              <a:rPr lang="en-US" b="1" dirty="0" smtClean="0"/>
+              <a:t>Community </a:t>
+            </a:r>
+            <a:r>
+              <a:rPr lang="en-US" b="1" dirty="0"/>
+              <a:t>Action Program Tulsa </a:t>
+            </a:r>
+            <a:r>
+              <a:rPr lang="en-US" dirty="0"/>
+              <a:t>– Dana James</a:t>
+            </a:r>
+          </a:p>
+          <a:p>
+            <a:pPr marL="514350" indent="-514350">
+              <a:buFont typeface="+mj-lt"/>
+              <a:buAutoNum type="arabicPeriod"/>
+            </a:pPr>
+            <a:r>
+              <a:rPr lang="en-US" b="1" dirty="0" smtClean="0"/>
+              <a:t>Cherokee PARENTS </a:t>
+            </a:r>
+            <a:r>
+              <a:rPr lang="en-US" dirty="0" smtClean="0"/>
+              <a:t>– Ben King, Jennifer Kirby, Amy </a:t>
+            </a:r>
+            <a:r>
+              <a:rPr lang="en-US" dirty="0" err="1" smtClean="0"/>
+              <a:t>Thilges</a:t>
+            </a:r>
+            <a:endParaRPr lang="en-US" dirty="0" smtClean="0"/>
+          </a:p>
+          <a:p>
+            <a:pPr marL="514350" indent="-514350">
+              <a:buFont typeface="+mj-lt"/>
+              <a:buAutoNum type="arabicPeriod"/>
+            </a:pPr>
+            <a:r>
+              <a:rPr lang="en-US" b="1" dirty="0" smtClean="0"/>
+              <a:t>PCCT </a:t>
+            </a:r>
+            <a:r>
+              <a:rPr lang="en-US" b="1" dirty="0"/>
+              <a:t>PAT Tulsa  </a:t>
+            </a:r>
+            <a:r>
+              <a:rPr lang="en-US" dirty="0"/>
+              <a:t>- Sarah </a:t>
+            </a:r>
+            <a:r>
+              <a:rPr lang="en-US" dirty="0" err="1"/>
+              <a:t>Neyman</a:t>
+            </a:r>
+            <a:endParaRPr lang="en-US" dirty="0"/>
+          </a:p>
+          <a:p>
+            <a:pPr marL="514350" indent="-514350">
+              <a:buFont typeface="+mj-lt"/>
+              <a:buAutoNum type="arabicPeriod"/>
+            </a:pPr>
+            <a:r>
+              <a:rPr lang="en-US" b="1" dirty="0" err="1" smtClean="0"/>
+              <a:t>SafeCare</a:t>
+            </a:r>
+            <a:r>
+              <a:rPr lang="en-US" b="1" dirty="0" smtClean="0"/>
+              <a:t> </a:t>
+            </a:r>
+            <a:r>
+              <a:rPr lang="en-US" b="1" dirty="0"/>
+              <a:t>PCCT </a:t>
+            </a:r>
+            <a:r>
+              <a:rPr lang="en-US" dirty="0"/>
+              <a:t>– Sheri </a:t>
+            </a:r>
+            <a:r>
+              <a:rPr lang="en-US" dirty="0" smtClean="0"/>
+              <a:t>Davis</a:t>
+            </a:r>
+            <a:endParaRPr lang="en-US" dirty="0"/>
+          </a:p>
+          <a:p>
+            <a:pPr marL="514350" indent="-514350">
+              <a:buFont typeface="+mj-lt"/>
+              <a:buAutoNum type="arabicPeriod"/>
+            </a:pPr>
+            <a:r>
+              <a:rPr lang="en-US" b="1" dirty="0" err="1"/>
+              <a:t>SafeCare</a:t>
+            </a:r>
+            <a:r>
+              <a:rPr lang="en-US" b="1" dirty="0"/>
+              <a:t> </a:t>
+            </a:r>
+            <a:r>
+              <a:rPr lang="en-US" b="1" dirty="0" err="1"/>
+              <a:t>NorthCare</a:t>
+            </a:r>
+            <a:r>
+              <a:rPr lang="en-US" b="1" dirty="0"/>
+              <a:t> </a:t>
+            </a:r>
+            <a:r>
+              <a:rPr lang="en-US" dirty="0"/>
+              <a:t>– Dwan </a:t>
+            </a:r>
+            <a:r>
+              <a:rPr lang="en-US" dirty="0" smtClean="0"/>
+              <a:t>McDonald </a:t>
+            </a:r>
+            <a:endParaRPr lang="en-US" dirty="0"/>
+          </a:p>
+        </p:txBody>
+      </p:sp>
+      <p:sp>
+        <p:nvSpPr>
+          <p:cNvPr id="4" name="Slide Number Placeholder 3"/>
+          <p:cNvSpPr>
+            <a:spLocks noGrp="1"/>
+          </p:cNvSpPr>
+          <p:nvPr>
+            <p:ph type="sldNum" sz="quarter" idx="12"/>
+          </p:nvPr>
+        </p:nvSpPr>
+        <p:spPr/>
+        <p:txBody>
+          <a:bodyPr/>
+          <a:lstStyle/>
+          <a:p>
+            <a:fld id="{AF87EE96-E852-4892-A22F-23BA018C684B}" type="slidenum">
+              <a:rPr lang="en-US" smtClean="0"/>
+              <a:t>24</a:t>
+            </a:fld>
+            <a:endParaRPr lang="en-US"/>
+          </a:p>
+        </p:txBody>
+      </p:sp>
+    </p:spTree>
+    <p:extLst>
+      <p:ext uri="{BB962C8B-B14F-4D97-AF65-F5344CB8AC3E}">
+        <p14:creationId xmlns:p14="http://schemas.microsoft.com/office/powerpoint/2010/main" val="737116301"/>
+      </p:ext>
+    </p:extLst>
+  </p:cSld>
+  <p:clrMapOvr>
+    <a:masterClrMapping/>
+  </p:clrMapOvr>
+</p:sld>
+</file>
+
+<file path=ppt/slides/slide25.xml><?xml version="1.0" encoding="utf-8"?>
+<p:sld xmlns:a="http://schemas.openxmlformats.org/drawingml/2006/main" xmlns:r="http://schemas.openxmlformats.org/officeDocument/2006/relationships" xmlns:p="http://schemas.openxmlformats.org/presentationml/2006/main">
+  <p:cSld>
+    <p:spTree>
+      <p:nvGrpSpPr>
+        <p:cNvPr id="1" name=""/>
+        <p:cNvGrpSpPr/>
+        <p:nvPr/>
+      </p:nvGrpSpPr>
+      <p:grpSpPr>
+        <a:xfrm>
+          <a:off x="0" y="0"/>
+          <a:ext cx="0" cy="0"/>
+          <a:chOff x="0" y="0"/>
+          <a:chExt cx="0" cy="0"/>
+        </a:xfrm>
+      </p:grpSpPr>
+      <p:sp>
+        <p:nvSpPr>
+          <p:cNvPr id="2" name="Title 1"/>
+          <p:cNvSpPr>
+            <a:spLocks noGrp="1"/>
+          </p:cNvSpPr>
+          <p:nvPr>
+            <p:ph type="title"/>
+          </p:nvPr>
+        </p:nvSpPr>
+        <p:spPr>
+          <a:xfrm>
+            <a:off x="405245" y="365126"/>
+            <a:ext cx="11305310" cy="958850"/>
+          </a:xfrm>
+        </p:spPr>
+        <p:txBody>
+          <a:bodyPr>
+            <a:normAutofit fontScale="90000"/>
+          </a:bodyPr>
+          <a:lstStyle/>
+          <a:p>
+            <a:r>
+              <a:rPr lang="en-US" dirty="0" smtClean="0"/>
+              <a:t>University of Oklahoma HSC Analysts </a:t>
+            </a:r>
+            <a:br>
+              <a:rPr lang="en-US" dirty="0" smtClean="0"/>
+            </a:br>
+            <a:r>
+              <a:rPr lang="en-US" sz="3600" dirty="0" smtClean="0"/>
+              <a:t>for the MIECHV-3 CQI</a:t>
+            </a:r>
+            <a:endParaRPr lang="en-US" sz="3600" dirty="0"/>
+          </a:p>
+        </p:txBody>
+      </p:sp>
+      <p:sp>
+        <p:nvSpPr>
+          <p:cNvPr id="3" name="Content Placeholder 2"/>
+          <p:cNvSpPr>
+            <a:spLocks noGrp="1"/>
+          </p:cNvSpPr>
+          <p:nvPr>
+            <p:ph idx="1"/>
+          </p:nvPr>
+        </p:nvSpPr>
+        <p:spPr>
+          <a:xfrm>
+            <a:off x="405245" y="1830243"/>
+            <a:ext cx="10948555" cy="4891232"/>
+          </a:xfrm>
+        </p:spPr>
+        <p:txBody>
+          <a:bodyPr>
+            <a:normAutofit lnSpcReduction="10000"/>
+          </a:bodyPr>
+          <a:lstStyle/>
+          <a:p>
+            <a:pPr marL="0" indent="0">
+              <a:buNone/>
+            </a:pPr>
+            <a:r>
+              <a:rPr lang="en-US" dirty="0" smtClean="0"/>
+              <a:t>David Bard, </a:t>
+            </a:r>
+          </a:p>
+          <a:p>
+            <a:pPr marL="0" indent="0">
+              <a:buNone/>
+            </a:pPr>
+            <a:r>
+              <a:rPr lang="en-US" dirty="0" smtClean="0"/>
+              <a:t>Will Beasley</a:t>
+            </a:r>
+          </a:p>
+          <a:p>
+            <a:pPr marL="0" indent="0">
+              <a:buNone/>
+            </a:pPr>
+            <a:r>
+              <a:rPr lang="en-US" dirty="0" smtClean="0"/>
+              <a:t>Geneva Marshall</a:t>
+            </a:r>
+          </a:p>
+          <a:p>
+            <a:pPr marL="0" indent="0">
+              <a:buNone/>
+            </a:pPr>
+            <a:r>
+              <a:rPr lang="en-US" dirty="0" smtClean="0"/>
+              <a:t>Thomas Wilson</a:t>
+            </a:r>
+          </a:p>
+          <a:p>
+            <a:pPr marL="0" indent="0">
+              <a:buNone/>
+            </a:pPr>
+            <a:r>
+              <a:rPr lang="en-US" dirty="0" smtClean="0"/>
+              <a:t>Andrew Peters</a:t>
+            </a:r>
+          </a:p>
+          <a:p>
+            <a:pPr marL="0" indent="0">
+              <a:buNone/>
+            </a:pPr>
+            <a:r>
+              <a:rPr lang="en-US" dirty="0" smtClean="0"/>
+              <a:t>Chris Aston</a:t>
+            </a:r>
+          </a:p>
+          <a:p>
+            <a:pPr marL="0" indent="0">
+              <a:buNone/>
+            </a:pPr>
+            <a:r>
+              <a:rPr lang="en-US" dirty="0" smtClean="0"/>
+              <a:t>Donna Wells</a:t>
+            </a:r>
+          </a:p>
+          <a:p>
+            <a:pPr marL="0" indent="0">
+              <a:buNone/>
+            </a:pPr>
+            <a:r>
+              <a:rPr lang="en-US" dirty="0" smtClean="0"/>
+              <a:t>Som Bohora</a:t>
+            </a:r>
+            <a:endParaRPr lang="en-US" dirty="0"/>
+          </a:p>
+          <a:p>
+            <a:pPr marL="0" indent="0">
+              <a:buNone/>
+            </a:pPr>
+            <a:r>
+              <a:rPr lang="en-US" dirty="0"/>
+              <a:t>Maleeha </a:t>
+            </a:r>
+            <a:r>
+              <a:rPr lang="en-US" dirty="0" smtClean="0"/>
+              <a:t>Shahid</a:t>
+            </a:r>
+          </a:p>
+          <a:p>
+            <a:pPr marL="0" indent="0">
+              <a:buNone/>
+            </a:pPr>
+            <a:r>
+              <a:rPr lang="en-US" dirty="0" smtClean="0"/>
+              <a:t>Yutian Thompson</a:t>
+            </a:r>
+            <a:endParaRPr lang="en-US" dirty="0"/>
+          </a:p>
+        </p:txBody>
+      </p:sp>
+      <p:sp>
+        <p:nvSpPr>
+          <p:cNvPr id="4" name="Slide Number Placeholder 3"/>
+          <p:cNvSpPr>
+            <a:spLocks noGrp="1"/>
+          </p:cNvSpPr>
+          <p:nvPr>
+            <p:ph type="sldNum" sz="quarter" idx="12"/>
+          </p:nvPr>
+        </p:nvSpPr>
+        <p:spPr/>
+        <p:txBody>
+          <a:bodyPr/>
+          <a:lstStyle/>
+          <a:p>
+            <a:fld id="{AF87EE96-E852-4892-A22F-23BA018C684B}" type="slidenum">
+              <a:rPr lang="en-US" smtClean="0"/>
+              <a:t>25</a:t>
+            </a:fld>
+            <a:endParaRPr lang="en-US"/>
+          </a:p>
+        </p:txBody>
+      </p:sp>
+    </p:spTree>
+    <p:extLst>
+      <p:ext uri="{BB962C8B-B14F-4D97-AF65-F5344CB8AC3E}">
+        <p14:creationId xmlns:p14="http://schemas.microsoft.com/office/powerpoint/2010/main" val="3171237915"/>
+      </p:ext>
+    </p:extLst>
+  </p:cSld>
+  <p:clrMapOvr>
+    <a:masterClrMapping/>
+  </p:clrMapOvr>
+</p:sld>
+</file>
+
+<file path=ppt/slides/slide26.xml><?xml version="1.0" encoding="utf-8"?>
+<p:sld xmlns:a="http://schemas.openxmlformats.org/drawingml/2006/main" xmlns:r="http://schemas.openxmlformats.org/officeDocument/2006/relationships" xmlns:p="http://schemas.openxmlformats.org/presentationml/2006/main">
+  <p:cSld>
+    <p:spTree>
+      <p:nvGrpSpPr>
+        <p:cNvPr id="1" name=""/>
+        <p:cNvGrpSpPr/>
+        <p:nvPr/>
+      </p:nvGrpSpPr>
+      <p:grpSpPr>
+        <a:xfrm>
+          <a:off x="0" y="0"/>
+          <a:ext cx="0" cy="0"/>
+          <a:chOff x="0" y="0"/>
+          <a:chExt cx="0" cy="0"/>
+        </a:xfrm>
+      </p:grpSpPr>
+      <p:sp>
+        <p:nvSpPr>
+          <p:cNvPr id="6" name="TextBox 5"/>
+          <p:cNvSpPr txBox="1"/>
+          <p:nvPr/>
+        </p:nvSpPr>
+        <p:spPr>
+          <a:xfrm>
+            <a:off x="1683370" y="523091"/>
+            <a:ext cx="8797601" cy="1846659"/>
+          </a:xfrm>
+          <a:prstGeom prst="rect">
+            <a:avLst/>
+          </a:prstGeom>
+          <a:noFill/>
+        </p:spPr>
+        <p:txBody>
+          <a:bodyPr wrap="none" rtlCol="0">
+            <a:spAutoFit/>
+          </a:bodyPr>
+          <a:lstStyle/>
+          <a:p>
+            <a:r>
+              <a:rPr lang="en-US" sz="6600" dirty="0">
+                <a:latin typeface="Arial" panose="020B0604020202020204" pitchFamily="34" charset="0"/>
+                <a:cs typeface="Arial" panose="020B0604020202020204" pitchFamily="34" charset="0"/>
+              </a:rPr>
+              <a:t>Displaying Health Data</a:t>
+            </a:r>
+          </a:p>
+          <a:p>
+            <a:r>
+              <a:rPr lang="en-US" sz="4800" dirty="0">
+                <a:solidFill>
+                  <a:schemeClr val="bg1">
+                    <a:lumMod val="65000"/>
+                  </a:schemeClr>
+                </a:solidFill>
+                <a:latin typeface="Arial" panose="020B0604020202020204" pitchFamily="34" charset="0"/>
+                <a:cs typeface="Arial" panose="020B0604020202020204" pitchFamily="34" charset="0"/>
+              </a:rPr>
+              <a:t>Cases, Techniques, Solutions</a:t>
+            </a:r>
+          </a:p>
+        </p:txBody>
+      </p:sp>
+      <p:sp>
+        <p:nvSpPr>
+          <p:cNvPr id="8" name="TextBox 7"/>
+          <p:cNvSpPr txBox="1"/>
+          <p:nvPr/>
+        </p:nvSpPr>
+        <p:spPr>
+          <a:xfrm>
+            <a:off x="899787" y="2885935"/>
+            <a:ext cx="4309834" cy="1200329"/>
+          </a:xfrm>
+          <a:prstGeom prst="rect">
+            <a:avLst/>
+          </a:prstGeom>
+          <a:noFill/>
+        </p:spPr>
+        <p:txBody>
+          <a:bodyPr wrap="none" rtlCol="0">
+            <a:spAutoFit/>
+          </a:bodyPr>
+          <a:lstStyle/>
+          <a:p>
+            <a:r>
+              <a:rPr lang="en-US" dirty="0">
+                <a:latin typeface="Arial" panose="020B0604020202020204" pitchFamily="34" charset="0"/>
+                <a:cs typeface="Arial" panose="020B0604020202020204" pitchFamily="34" charset="0"/>
+              </a:rPr>
+              <a:t>Colloquium + Live-Webcast + Recording</a:t>
+            </a:r>
+          </a:p>
+          <a:p>
+            <a:r>
+              <a:rPr lang="en-US" dirty="0">
+                <a:latin typeface="Arial" panose="020B0604020202020204" pitchFamily="34" charset="0"/>
+                <a:cs typeface="Arial" panose="020B0604020202020204" pitchFamily="34" charset="0"/>
+              </a:rPr>
+              <a:t>Medical Sciences Building (MBS) 160</a:t>
+            </a:r>
+          </a:p>
+          <a:p>
+            <a:r>
+              <a:rPr lang="en-US" dirty="0">
+                <a:latin typeface="Arial" panose="020B0604020202020204" pitchFamily="34" charset="0"/>
+                <a:cs typeface="Arial" panose="020B0604020202020204" pitchFamily="34" charset="0"/>
+              </a:rPr>
+              <a:t>University of Victoria</a:t>
+            </a:r>
+          </a:p>
+          <a:p>
+            <a:r>
+              <a:rPr lang="en-US" dirty="0">
+                <a:solidFill>
+                  <a:srgbClr val="FF0000"/>
+                </a:solidFill>
+                <a:latin typeface="Arial" panose="020B0604020202020204" pitchFamily="34" charset="0"/>
+                <a:cs typeface="Arial" panose="020B0604020202020204" pitchFamily="34" charset="0"/>
+              </a:rPr>
+              <a:t>November 28 – 30 , 1 – 3 pm PST</a:t>
+            </a:r>
+          </a:p>
+        </p:txBody>
+      </p:sp>
+      <p:pic>
+        <p:nvPicPr>
+          <p:cNvPr id="9" name="Picture 8"/>
+          <p:cNvPicPr>
+            <a:picLocks noChangeAspect="1"/>
+          </p:cNvPicPr>
+          <p:nvPr/>
+        </p:nvPicPr>
+        <p:blipFill>
+          <a:blip r:embed="rId3">
+            <a:extLst>
+              <a:ext uri="{28A0092B-C50C-407E-A947-70E740481C1C}">
+                <a14:useLocalDpi xmlns:a14="http://schemas.microsoft.com/office/drawing/2010/main" val="0"/>
+              </a:ext>
+            </a:extLst>
+          </a:blip>
+          <a:stretch>
+            <a:fillRect/>
+          </a:stretch>
+        </p:blipFill>
+        <p:spPr>
+          <a:xfrm>
+            <a:off x="241295" y="4803774"/>
+            <a:ext cx="11747505" cy="1762126"/>
+          </a:xfrm>
+          <a:prstGeom prst="rect">
+            <a:avLst/>
+          </a:prstGeom>
+        </p:spPr>
+      </p:pic>
+      <p:sp>
+        <p:nvSpPr>
+          <p:cNvPr id="5" name="Content Placeholder 2"/>
+          <p:cNvSpPr txBox="1">
+            <a:spLocks/>
+          </p:cNvSpPr>
+          <p:nvPr/>
+        </p:nvSpPr>
+        <p:spPr>
+          <a:xfrm>
+            <a:off x="5772150" y="2904137"/>
+            <a:ext cx="6419850" cy="1365250"/>
+          </a:xfrm>
+          <a:prstGeom prst="rect">
+            <a:avLst/>
+          </a:prstGeom>
+        </p:spPr>
+        <p:txBody>
+          <a:bodyPr vert="horz" lIns="91440" tIns="45720" rIns="91440" bIns="45720" rtlCol="0">
+            <a:normAutofit/>
+          </a:bodyPr>
+          <a:lstStyle>
+            <a:lvl1pPr marL="0" indent="0" algn="ctr" defTabSz="914400" rtl="0" eaLnBrk="1" latinLnBrk="0" hangingPunct="1">
+              <a:lnSpc>
+                <a:spcPct val="90000"/>
+              </a:lnSpc>
+              <a:spcBef>
+                <a:spcPts val="1000"/>
+              </a:spcBef>
+              <a:buFont typeface="Arial" panose="020B0604020202020204" pitchFamily="34" charset="0"/>
+              <a:buNone/>
+              <a:defRPr sz="2400" kern="1200">
+                <a:solidFill>
+                  <a:schemeClr val="tx1"/>
+                </a:solidFill>
+                <a:latin typeface="+mn-lt"/>
+                <a:ea typeface="+mn-ea"/>
+                <a:cs typeface="+mn-cs"/>
+              </a:defRPr>
+            </a:lvl1pPr>
+            <a:lvl2pPr marL="457200" indent="0" algn="ctr" defTabSz="914400" rtl="0" eaLnBrk="1" latinLnBrk="0" hangingPunct="1">
+              <a:lnSpc>
+                <a:spcPct val="90000"/>
+              </a:lnSpc>
+              <a:spcBef>
+                <a:spcPts val="500"/>
+              </a:spcBef>
+              <a:buFont typeface="Arial" panose="020B0604020202020204" pitchFamily="34" charset="0"/>
+              <a:buNone/>
+              <a:defRPr sz="2000" kern="1200">
+                <a:solidFill>
+                  <a:schemeClr val="tx1"/>
+                </a:solidFill>
+                <a:latin typeface="+mn-lt"/>
+                <a:ea typeface="+mn-ea"/>
+                <a:cs typeface="+mn-cs"/>
+              </a:defRPr>
+            </a:lvl2pPr>
+            <a:lvl3pPr marL="914400" indent="0" algn="ctr" defTabSz="914400" rtl="0" eaLnBrk="1" latinLnBrk="0" hangingPunct="1">
+              <a:lnSpc>
+                <a:spcPct val="90000"/>
+              </a:lnSpc>
+              <a:spcBef>
+                <a:spcPts val="500"/>
+              </a:spcBef>
+              <a:buFont typeface="Arial" panose="020B0604020202020204" pitchFamily="34" charset="0"/>
+              <a:buNone/>
+              <a:defRPr sz="1800" kern="1200">
+                <a:solidFill>
+                  <a:schemeClr val="tx1"/>
+                </a:solidFill>
+                <a:latin typeface="+mn-lt"/>
+                <a:ea typeface="+mn-ea"/>
+                <a:cs typeface="+mn-cs"/>
+              </a:defRPr>
+            </a:lvl3pPr>
+            <a:lvl4pPr marL="1371600" indent="0" algn="ctr" defTabSz="914400" rtl="0" eaLnBrk="1" latinLnBrk="0" hangingPunct="1">
+              <a:lnSpc>
+                <a:spcPct val="90000"/>
+              </a:lnSpc>
+              <a:spcBef>
+                <a:spcPts val="500"/>
+              </a:spcBef>
+              <a:buFont typeface="Arial" panose="020B0604020202020204" pitchFamily="34" charset="0"/>
+              <a:buNone/>
+              <a:defRPr sz="1600" kern="1200">
+                <a:solidFill>
+                  <a:schemeClr val="tx1"/>
+                </a:solidFill>
+                <a:latin typeface="+mn-lt"/>
+                <a:ea typeface="+mn-ea"/>
+                <a:cs typeface="+mn-cs"/>
+              </a:defRPr>
+            </a:lvl4pPr>
+            <a:lvl5pPr marL="1828800" indent="0" algn="ctr" defTabSz="914400" rtl="0" eaLnBrk="1" latinLnBrk="0" hangingPunct="1">
+              <a:lnSpc>
+                <a:spcPct val="90000"/>
+              </a:lnSpc>
+              <a:spcBef>
+                <a:spcPts val="500"/>
+              </a:spcBef>
+              <a:buFont typeface="Arial" panose="020B0604020202020204" pitchFamily="34" charset="0"/>
+              <a:buNone/>
+              <a:defRPr sz="1600" kern="1200">
+                <a:solidFill>
+                  <a:schemeClr val="tx1"/>
+                </a:solidFill>
+                <a:latin typeface="+mn-lt"/>
+                <a:ea typeface="+mn-ea"/>
+                <a:cs typeface="+mn-cs"/>
+              </a:defRPr>
+            </a:lvl5pPr>
+            <a:lvl6pPr marL="2286000" indent="0" algn="ctr" defTabSz="914400" rtl="0" eaLnBrk="1" latinLnBrk="0" hangingPunct="1">
+              <a:lnSpc>
+                <a:spcPct val="90000"/>
+              </a:lnSpc>
+              <a:spcBef>
+                <a:spcPts val="500"/>
+              </a:spcBef>
+              <a:buFont typeface="Arial" panose="020B0604020202020204" pitchFamily="34" charset="0"/>
+              <a:buNone/>
+              <a:defRPr sz="1600" kern="1200">
+                <a:solidFill>
+                  <a:schemeClr val="tx1"/>
+                </a:solidFill>
+                <a:latin typeface="+mn-lt"/>
+                <a:ea typeface="+mn-ea"/>
+                <a:cs typeface="+mn-cs"/>
+              </a:defRPr>
+            </a:lvl6pPr>
+            <a:lvl7pPr marL="2743200" indent="0" algn="ctr" defTabSz="914400" rtl="0" eaLnBrk="1" latinLnBrk="0" hangingPunct="1">
+              <a:lnSpc>
+                <a:spcPct val="90000"/>
+              </a:lnSpc>
+              <a:spcBef>
+                <a:spcPts val="500"/>
+              </a:spcBef>
+              <a:buFont typeface="Arial" panose="020B0604020202020204" pitchFamily="34" charset="0"/>
+              <a:buNone/>
+              <a:defRPr sz="1600" kern="1200">
+                <a:solidFill>
+                  <a:schemeClr val="tx1"/>
+                </a:solidFill>
+                <a:latin typeface="+mn-lt"/>
+                <a:ea typeface="+mn-ea"/>
+                <a:cs typeface="+mn-cs"/>
+              </a:defRPr>
+            </a:lvl7pPr>
+            <a:lvl8pPr marL="3200400" indent="0" algn="ctr" defTabSz="914400" rtl="0" eaLnBrk="1" latinLnBrk="0" hangingPunct="1">
+              <a:lnSpc>
+                <a:spcPct val="90000"/>
+              </a:lnSpc>
+              <a:spcBef>
+                <a:spcPts val="500"/>
+              </a:spcBef>
+              <a:buFont typeface="Arial" panose="020B0604020202020204" pitchFamily="34" charset="0"/>
+              <a:buNone/>
+              <a:defRPr sz="1600" kern="1200">
+                <a:solidFill>
+                  <a:schemeClr val="tx1"/>
+                </a:solidFill>
+                <a:latin typeface="+mn-lt"/>
+                <a:ea typeface="+mn-ea"/>
+                <a:cs typeface="+mn-cs"/>
+              </a:defRPr>
+            </a:lvl8pPr>
+            <a:lvl9pPr marL="3657600" indent="0" algn="ctr" defTabSz="914400" rtl="0" eaLnBrk="1" latinLnBrk="0" hangingPunct="1">
+              <a:lnSpc>
+                <a:spcPct val="90000"/>
+              </a:lnSpc>
+              <a:spcBef>
+                <a:spcPts val="500"/>
+              </a:spcBef>
+              <a:buFont typeface="Arial" panose="020B0604020202020204" pitchFamily="34" charset="0"/>
+              <a:buNone/>
+              <a:defRPr sz="1600" kern="1200">
+                <a:solidFill>
+                  <a:schemeClr val="tx1"/>
+                </a:solidFill>
+                <a:latin typeface="+mn-lt"/>
+                <a:ea typeface="+mn-ea"/>
+                <a:cs typeface="+mn-cs"/>
+              </a:defRPr>
+            </a:lvl9pPr>
+          </a:lstStyle>
+          <a:p>
+            <a:r>
+              <a:rPr lang="en-US" sz="3600" dirty="0"/>
+              <a:t>Please email questions to </a:t>
+            </a:r>
+            <a:r>
+              <a:rPr lang="en-US" sz="3600" dirty="0">
+                <a:hlinkClick r:id="rId4"/>
+              </a:rPr>
+              <a:t>aging@uvic.ca</a:t>
+            </a:r>
+            <a:r>
+              <a:rPr lang="en-US" sz="3600" dirty="0"/>
+              <a:t> </a:t>
+            </a:r>
+          </a:p>
+        </p:txBody>
+      </p:sp>
+    </p:spTree>
+    <p:extLst>
+      <p:ext uri="{BB962C8B-B14F-4D97-AF65-F5344CB8AC3E}">
+        <p14:creationId xmlns:p14="http://schemas.microsoft.com/office/powerpoint/2010/main" val="693685710"/>
+      </p:ext>
+    </p:extLst>
+  </p:cSld>
+  <p:clrMapOvr>
+    <a:masterClrMapping/>
+  </p:clrMapOvr>
+  <mc:AlternateContent xmlns:mc="http://schemas.openxmlformats.org/markup-compatibility/2006" xmlns:p14="http://schemas.microsoft.com/office/powerpoint/2010/main">
+    <mc:Choice Requires="p14">
+      <p:transition p14:dur="0"/>
+    </mc:Choice>
+    <mc:Fallback xmlns="">
+      <p:transition/>
+    </mc:Fallback>
+  </mc:AlternateContent>
+  <p:timing>
+    <p:tnLst>
+      <p:par>
+        <p:cTn id="1" dur="indefinite" restart="never" nodeType="tmRoot"/>
+      </p:par>
+    </p:tnLst>
+  </p:timing>
+</p:sld>
+</file>
+
+<file path=ppt/slides/slide27.xml><?xml version="1.0" encoding="utf-8"?>
+<p:sld xmlns:a="http://schemas.openxmlformats.org/drawingml/2006/main" xmlns:r="http://schemas.openxmlformats.org/officeDocument/2006/relationships" xmlns:p="http://schemas.openxmlformats.org/presentationml/2006/main">
+  <p:cSld>
+    <p:spTree>
+      <p:nvGrpSpPr>
+        <p:cNvPr id="1" name=""/>
+        <p:cNvGrpSpPr/>
+        <p:nvPr/>
+      </p:nvGrpSpPr>
+      <p:grpSpPr>
+        <a:xfrm>
+          <a:off x="0" y="0"/>
+          <a:ext cx="0" cy="0"/>
+          <a:chOff x="0" y="0"/>
+          <a:chExt cx="0" cy="0"/>
+        </a:xfrm>
+      </p:grpSpPr>
+      <p:pic>
+        <p:nvPicPr>
+          <p:cNvPr id="5" name="Picture 4"/>
+          <p:cNvPicPr>
+            <a:picLocks noChangeAspect="1"/>
+          </p:cNvPicPr>
+          <p:nvPr/>
+        </p:nvPicPr>
+        <p:blipFill>
+          <a:blip r:embed="rId2" cstate="print">
+            <a:extLst>
+              <a:ext uri="{28A0092B-C50C-407E-A947-70E740481C1C}">
+                <a14:useLocalDpi xmlns:a14="http://schemas.microsoft.com/office/drawing/2010/main" val="0"/>
+              </a:ext>
+            </a:extLst>
+          </a:blip>
+          <a:stretch>
+            <a:fillRect/>
+          </a:stretch>
+        </p:blipFill>
+        <p:spPr>
+          <a:xfrm>
+            <a:off x="2905829" y="252201"/>
+            <a:ext cx="3017510" cy="2326500"/>
+          </a:xfrm>
+          <a:prstGeom prst="rect">
+            <a:avLst/>
+          </a:prstGeom>
+        </p:spPr>
+      </p:pic>
+      <p:pic>
+        <p:nvPicPr>
+          <p:cNvPr id="6" name="Picture 5"/>
+          <p:cNvPicPr>
+            <a:picLocks noChangeAspect="1"/>
+          </p:cNvPicPr>
+          <p:nvPr/>
+        </p:nvPicPr>
+        <p:blipFill>
+          <a:blip r:embed="rId3">
+            <a:extLst>
+              <a:ext uri="{28A0092B-C50C-407E-A947-70E740481C1C}">
+                <a14:useLocalDpi xmlns:a14="http://schemas.microsoft.com/office/drawing/2010/main" val="0"/>
+              </a:ext>
+            </a:extLst>
+          </a:blip>
+          <a:stretch>
+            <a:fillRect/>
+          </a:stretch>
+        </p:blipFill>
+        <p:spPr>
+          <a:xfrm>
+            <a:off x="9334709" y="3745309"/>
+            <a:ext cx="1905000" cy="1905000"/>
+          </a:xfrm>
+          <a:prstGeom prst="rect">
+            <a:avLst/>
+          </a:prstGeom>
+        </p:spPr>
+      </p:pic>
+      <p:pic>
+        <p:nvPicPr>
+          <p:cNvPr id="7" name="Picture 6"/>
+          <p:cNvPicPr>
+            <a:picLocks noChangeAspect="1"/>
+          </p:cNvPicPr>
+          <p:nvPr/>
+        </p:nvPicPr>
+        <p:blipFill>
+          <a:blip r:embed="rId4" cstate="print">
+            <a:extLst>
+              <a:ext uri="{28A0092B-C50C-407E-A947-70E740481C1C}">
+                <a14:useLocalDpi xmlns:a14="http://schemas.microsoft.com/office/drawing/2010/main" val="0"/>
+              </a:ext>
+            </a:extLst>
+          </a:blip>
+          <a:stretch>
+            <a:fillRect/>
+          </a:stretch>
+        </p:blipFill>
+        <p:spPr>
+          <a:xfrm>
+            <a:off x="292591" y="2159000"/>
+            <a:ext cx="2170000" cy="2170000"/>
+          </a:xfrm>
+          <a:prstGeom prst="rect">
+            <a:avLst/>
+          </a:prstGeom>
+        </p:spPr>
+      </p:pic>
+      <p:pic>
+        <p:nvPicPr>
+          <p:cNvPr id="8" name="Picture 7"/>
+          <p:cNvPicPr>
+            <a:picLocks noChangeAspect="1"/>
+          </p:cNvPicPr>
+          <p:nvPr/>
+        </p:nvPicPr>
+        <p:blipFill>
+          <a:blip r:embed="rId5" cstate="print">
+            <a:extLst>
+              <a:ext uri="{28A0092B-C50C-407E-A947-70E740481C1C}">
+                <a14:useLocalDpi xmlns:a14="http://schemas.microsoft.com/office/drawing/2010/main" val="0"/>
+              </a:ext>
+            </a:extLst>
+          </a:blip>
+          <a:stretch>
+            <a:fillRect/>
+          </a:stretch>
+        </p:blipFill>
+        <p:spPr>
+          <a:xfrm>
+            <a:off x="8631338" y="673697"/>
+            <a:ext cx="1950724" cy="1905004"/>
+          </a:xfrm>
+          <a:prstGeom prst="rect">
+            <a:avLst/>
+          </a:prstGeom>
+        </p:spPr>
+      </p:pic>
+      <p:pic>
+        <p:nvPicPr>
+          <p:cNvPr id="9" name="Picture 8"/>
+          <p:cNvPicPr>
+            <a:picLocks noChangeAspect="1"/>
+          </p:cNvPicPr>
+          <p:nvPr/>
+        </p:nvPicPr>
+        <p:blipFill>
+          <a:blip r:embed="rId6" cstate="print">
+            <a:extLst>
+              <a:ext uri="{28A0092B-C50C-407E-A947-70E740481C1C}">
+                <a14:useLocalDpi xmlns:a14="http://schemas.microsoft.com/office/drawing/2010/main" val="0"/>
+              </a:ext>
+            </a:extLst>
+          </a:blip>
+          <a:stretch>
+            <a:fillRect/>
+          </a:stretch>
+        </p:blipFill>
+        <p:spPr>
+          <a:xfrm>
+            <a:off x="5160316" y="5243401"/>
+            <a:ext cx="2106168" cy="813816"/>
+          </a:xfrm>
+          <a:prstGeom prst="rect">
+            <a:avLst/>
+          </a:prstGeom>
+        </p:spPr>
+      </p:pic>
+      <p:pic>
+        <p:nvPicPr>
+          <p:cNvPr id="10" name="Picture 9"/>
+          <p:cNvPicPr>
+            <a:picLocks noChangeAspect="1"/>
+          </p:cNvPicPr>
+          <p:nvPr/>
+        </p:nvPicPr>
+        <p:blipFill>
+          <a:blip r:embed="rId7" cstate="print">
+            <a:extLst>
+              <a:ext uri="{28A0092B-C50C-407E-A947-70E740481C1C}">
+                <a14:useLocalDpi xmlns:a14="http://schemas.microsoft.com/office/drawing/2010/main" val="0"/>
+              </a:ext>
+            </a:extLst>
+          </a:blip>
+          <a:stretch>
+            <a:fillRect/>
+          </a:stretch>
+        </p:blipFill>
+        <p:spPr>
+          <a:xfrm>
+            <a:off x="3867596" y="5077285"/>
+            <a:ext cx="749808" cy="1146048"/>
+          </a:xfrm>
+          <a:prstGeom prst="rect">
+            <a:avLst/>
+          </a:prstGeom>
+        </p:spPr>
+      </p:pic>
+      <p:pic>
+        <p:nvPicPr>
+          <p:cNvPr id="11" name="Picture 10"/>
+          <p:cNvPicPr>
+            <a:picLocks noChangeAspect="1"/>
+          </p:cNvPicPr>
+          <p:nvPr/>
+        </p:nvPicPr>
+        <p:blipFill>
+          <a:blip r:embed="rId8" cstate="print">
+            <a:extLst>
+              <a:ext uri="{28A0092B-C50C-407E-A947-70E740481C1C}">
+                <a14:useLocalDpi xmlns:a14="http://schemas.microsoft.com/office/drawing/2010/main" val="0"/>
+              </a:ext>
+            </a:extLst>
+          </a:blip>
+          <a:stretch>
+            <a:fillRect/>
+          </a:stretch>
+        </p:blipFill>
+        <p:spPr>
+          <a:xfrm>
+            <a:off x="6912772" y="3244000"/>
+            <a:ext cx="1252731" cy="737618"/>
+          </a:xfrm>
+          <a:prstGeom prst="rect">
+            <a:avLst/>
+          </a:prstGeom>
+        </p:spPr>
+      </p:pic>
+    </p:spTree>
+    <p:extLst>
+      <p:ext uri="{BB962C8B-B14F-4D97-AF65-F5344CB8AC3E}">
+        <p14:creationId xmlns:p14="http://schemas.microsoft.com/office/powerpoint/2010/main" val="2658313713"/>
+      </p:ext>
+    </p:extLst>
+  </p:cSld>
+  <p:clrMapOvr>
+    <a:masterClrMapping/>
+  </p:clrMapOvr>
+</p:sld>
+</file>
+
 <file path=ppt/slides/slide3.xml><?xml version="1.0" encoding="utf-8"?>
 <p:sld xmlns:a="http://schemas.openxmlformats.org/drawingml/2006/main" xmlns:r="http://schemas.openxmlformats.org/officeDocument/2006/relationships" xmlns:p="http://schemas.openxmlformats.org/presentationml/2006/main">
   <p:cSld>
@@ -6788,178 +8573,82 @@
             <a:spLocks noGrp="1"/>
           </p:cNvSpPr>
           <p:nvPr>
-            <p:ph type="title"/>
-          </p:nvPr>
-        </p:nvSpPr>
-        <p:spPr/>
-        <p:txBody>
-          <a:bodyPr/>
-          <a:lstStyle/>
-          <a:p>
-            <a:r>
-              <a:rPr lang="en-US" dirty="0" smtClean="0"/>
-              <a:t>Today</a:t>
-            </a:r>
-            <a:endParaRPr lang="en-US" dirty="0"/>
-          </a:p>
-        </p:txBody>
-      </p:sp>
-      <p:sp>
-        <p:nvSpPr>
-          <p:cNvPr id="3" name="Content Placeholder 2"/>
-          <p:cNvSpPr>
-            <a:spLocks noGrp="1"/>
-          </p:cNvSpPr>
-          <p:nvPr>
-            <p:ph idx="1"/>
-          </p:nvPr>
-        </p:nvSpPr>
-        <p:spPr/>
+            <p:ph type="ctrTitle"/>
+          </p:nvPr>
+        </p:nvSpPr>
+        <p:spPr>
+          <a:xfrm>
+            <a:off x="290945" y="353291"/>
+            <a:ext cx="11585864" cy="3156672"/>
+          </a:xfrm>
+        </p:spPr>
         <p:txBody>
           <a:bodyPr>
-            <a:normAutofit fontScale="92500" lnSpcReduction="20000"/>
+            <a:normAutofit/>
           </a:bodyPr>
           <a:lstStyle/>
           <a:p>
             <a:r>
               <a:rPr lang="en-US" dirty="0" smtClean="0"/>
-              <a:t>A.0. What is </a:t>
-            </a:r>
-            <a:r>
-              <a:rPr lang="en-US" dirty="0" smtClean="0">
-                <a:hlinkClick r:id="rId2"/>
-              </a:rPr>
-              <a:t>BBMC</a:t>
-            </a:r>
-            <a:r>
-              <a:rPr lang="en-US" dirty="0"/>
-              <a:t> </a:t>
-            </a:r>
-            <a:r>
-              <a:rPr lang="en-US" dirty="0" smtClean="0"/>
-              <a:t>and what I do there</a:t>
-            </a:r>
-          </a:p>
-          <a:p>
-            <a:r>
-              <a:rPr lang="en-US" dirty="0" smtClean="0"/>
-              <a:t>A.1. Examples of the dashboards I have built</a:t>
-            </a:r>
-          </a:p>
-          <a:p>
-            <a:pPr lvl="1"/>
-            <a:r>
-              <a:rPr lang="en-US" dirty="0" smtClean="0"/>
-              <a:t>Takeaway: Dashboards are fun only if the pipeline is solid</a:t>
-            </a:r>
-          </a:p>
-          <a:p>
-            <a:endParaRPr lang="en-US" dirty="0" smtClean="0"/>
-          </a:p>
-          <a:p>
-            <a:r>
-              <a:rPr lang="en-US" dirty="0" smtClean="0"/>
-              <a:t>B.0 Fictional dashboard to demonstrate the pipeline</a:t>
-            </a:r>
-          </a:p>
-          <a:p>
-            <a:pPr lvl="1"/>
-            <a:r>
-              <a:rPr lang="en-US" dirty="0" smtClean="0"/>
-              <a:t>Very simple, reproducible example. </a:t>
-            </a:r>
-            <a:endParaRPr lang="en-US" dirty="0"/>
-          </a:p>
-          <a:p>
-            <a:pPr lvl="1"/>
-            <a:r>
-              <a:rPr lang="en-US" dirty="0" smtClean="0"/>
-              <a:t>Reproduce the example by forking </a:t>
-            </a:r>
-            <a:r>
-              <a:rPr lang="en-US" dirty="0" smtClean="0">
-                <a:hlinkClick r:id="rId3"/>
-              </a:rPr>
-              <a:t>github.com/</a:t>
-            </a:r>
-            <a:r>
-              <a:rPr lang="en-US" dirty="0" err="1" smtClean="0">
-                <a:hlinkClick r:id="rId3"/>
-              </a:rPr>
-              <a:t>dss-ialh</a:t>
-            </a:r>
-            <a:r>
-              <a:rPr lang="en-US" dirty="0" smtClean="0">
-                <a:hlinkClick r:id="rId3"/>
-              </a:rPr>
-              <a:t>/displaying-health-data</a:t>
-            </a:r>
-            <a:r>
-              <a:rPr lang="en-US" dirty="0" smtClean="0"/>
-              <a:t>  </a:t>
-            </a:r>
-          </a:p>
-          <a:p>
-            <a:pPr lvl="1"/>
-            <a:r>
-              <a:rPr lang="en-US" dirty="0" smtClean="0"/>
-              <a:t>What the dashboard does</a:t>
-            </a:r>
-          </a:p>
-          <a:p>
-            <a:pPr lvl="1"/>
-            <a:r>
-              <a:rPr lang="en-US" dirty="0" smtClean="0"/>
-              <a:t>How it was build - pipeline</a:t>
-            </a:r>
-          </a:p>
-          <a:p>
-            <a:pPr lvl="1"/>
-            <a:r>
-              <a:rPr lang="en-US" dirty="0" smtClean="0"/>
-              <a:t>Diagram</a:t>
-            </a:r>
-          </a:p>
-          <a:p>
-            <a:pPr lvl="1"/>
-            <a:endParaRPr lang="en-US" dirty="0"/>
-          </a:p>
-          <a:p>
-            <a:r>
-              <a:rPr lang="en-US" dirty="0" smtClean="0"/>
-              <a:t>C.0. Takeaways and recommendations</a:t>
-            </a:r>
-            <a:endParaRPr lang="en-US" dirty="0"/>
-          </a:p>
-        </p:txBody>
-      </p:sp>
-      <p:sp>
-        <p:nvSpPr>
-          <p:cNvPr id="4" name="Slide Number Placeholder 3"/>
-          <p:cNvSpPr>
-            <a:spLocks noGrp="1"/>
-          </p:cNvSpPr>
-          <p:nvPr>
-            <p:ph type="sldNum" sz="quarter" idx="12"/>
-          </p:nvPr>
-        </p:nvSpPr>
-        <p:spPr/>
-        <p:txBody>
-          <a:bodyPr/>
-          <a:lstStyle/>
-          <a:p>
-            <a:fld id="{AF87EE96-E852-4892-A22F-23BA018C684B}" type="slidenum">
-              <a:rPr lang="en-US" smtClean="0"/>
-              <a:t>4</a:t>
-            </a:fld>
-            <a:endParaRPr lang="en-US"/>
+              <a:t>Building Pipelines and Dashboards for Practitioners:</a:t>
+            </a:r>
+            <a:br>
+              <a:rPr lang="en-US" dirty="0" smtClean="0"/>
+            </a:br>
+            <a:r>
+              <a:rPr lang="en-US" sz="3600" dirty="0" smtClean="0"/>
+              <a:t>Mobilizing knowledge with reproducible reporting</a:t>
+            </a:r>
+            <a:endParaRPr lang="en-US" sz="3600" dirty="0"/>
+          </a:p>
+        </p:txBody>
+      </p:sp>
+      <p:sp>
+        <p:nvSpPr>
+          <p:cNvPr id="3" name="Subtitle 2"/>
+          <p:cNvSpPr>
+            <a:spLocks noGrp="1"/>
+          </p:cNvSpPr>
+          <p:nvPr>
+            <p:ph type="subTitle" idx="1"/>
+          </p:nvPr>
+        </p:nvSpPr>
+        <p:spPr>
+          <a:xfrm>
+            <a:off x="1409700" y="4651521"/>
+            <a:ext cx="9144000" cy="1655762"/>
+          </a:xfrm>
+        </p:spPr>
+        <p:txBody>
+          <a:bodyPr>
+            <a:noAutofit/>
+          </a:bodyPr>
+          <a:lstStyle/>
+          <a:p>
+            <a:r>
+              <a:rPr lang="en-US" sz="3200" dirty="0" smtClean="0"/>
+              <a:t>Will Beasley, Geneva Marshall, &amp; David Bard</a:t>
+            </a:r>
+          </a:p>
+          <a:p>
+            <a:r>
+              <a:rPr lang="en-US" sz="3200" dirty="0" smtClean="0"/>
+              <a:t>University of Oklahoma Health Science Center</a:t>
+            </a:r>
+          </a:p>
+          <a:p>
+            <a:r>
+              <a:rPr lang="en-US" sz="3200" dirty="0" smtClean="0"/>
+              <a:t>Biomedical and Behavioral Health Core</a:t>
+            </a:r>
+            <a:endParaRPr lang="en-US" sz="3200" dirty="0"/>
           </a:p>
         </p:txBody>
       </p:sp>
     </p:spTree>
     <p:extLst>
       <p:ext uri="{BB962C8B-B14F-4D97-AF65-F5344CB8AC3E}">
-        <p14:creationId xmlns:p14="http://schemas.microsoft.com/office/powerpoint/2010/main" val="3581731317"/>
+        <p14:creationId xmlns:p14="http://schemas.microsoft.com/office/powerpoint/2010/main" val="3938155882"/>
       </p:ext>
     </p:extLst>
   </p:cSld>
@@ -6988,43 +8677,167 @@
       </p:grpSpPr>
       <p:sp>
         <p:nvSpPr>
-          <p:cNvPr id="2" name="Title 1"/>
-          <p:cNvSpPr>
-            <a:spLocks noGrp="1"/>
-          </p:cNvSpPr>
-          <p:nvPr>
-            <p:ph type="title"/>
-          </p:nvPr>
-        </p:nvSpPr>
-        <p:spPr/>
-        <p:txBody>
-          <a:bodyPr/>
-          <a:lstStyle/>
-          <a:p>
-            <a:r>
-              <a:rPr lang="en-US" dirty="0" smtClean="0"/>
-              <a:t>Who I am and what I do</a:t>
+          <p:cNvPr id="3" name="Content Placeholder 2"/>
+          <p:cNvSpPr>
+            <a:spLocks noGrp="1"/>
+          </p:cNvSpPr>
+          <p:nvPr>
+            <p:ph idx="1"/>
+          </p:nvPr>
+        </p:nvSpPr>
+        <p:spPr>
+          <a:xfrm>
+            <a:off x="838200" y="301336"/>
+            <a:ext cx="10515600" cy="6296891"/>
+          </a:xfrm>
+        </p:spPr>
+        <p:txBody>
+          <a:bodyPr>
+            <a:normAutofit/>
+          </a:bodyPr>
+          <a:lstStyle/>
+          <a:p>
+            <a:pPr marL="0" indent="0">
+              <a:buNone/>
+            </a:pPr>
+            <a:r>
+              <a:rPr lang="en-US" dirty="0" smtClean="0"/>
+              <a:t>A.0. What is </a:t>
+            </a:r>
+            <a:r>
+              <a:rPr lang="en-US" dirty="0" smtClean="0">
+                <a:hlinkClick r:id="rId2"/>
+              </a:rPr>
+              <a:t>BBMC</a:t>
+            </a:r>
+            <a:r>
+              <a:rPr lang="en-US" dirty="0"/>
+              <a:t> </a:t>
+            </a:r>
+            <a:r>
+              <a:rPr lang="en-US" dirty="0" smtClean="0"/>
+              <a:t>and what I do there</a:t>
+            </a:r>
+          </a:p>
+          <a:p>
+            <a:pPr marL="0" indent="0">
+              <a:buNone/>
+            </a:pPr>
+            <a:endParaRPr lang="en-US" dirty="0" smtClean="0"/>
+          </a:p>
+          <a:p>
+            <a:pPr marL="0" indent="0">
+              <a:buNone/>
+            </a:pPr>
+            <a:r>
+              <a:rPr lang="en-US" dirty="0" smtClean="0"/>
+              <a:t>A.1</a:t>
+            </a:r>
+            <a:r>
+              <a:rPr lang="en-US" dirty="0" smtClean="0"/>
+              <a:t>. Examples of the dashboards I have built</a:t>
+            </a:r>
+          </a:p>
+          <a:p>
+            <a:pPr lvl="1"/>
+            <a:r>
+              <a:rPr lang="en-US" dirty="0" smtClean="0"/>
+              <a:t>Takeaway: Dashboards are fun only if the pipeline is solid</a:t>
+            </a:r>
+          </a:p>
+          <a:p>
+            <a:endParaRPr lang="en-US" dirty="0" smtClean="0"/>
+          </a:p>
+          <a:p>
+            <a:pPr marL="0" indent="0">
+              <a:buNone/>
+            </a:pPr>
+            <a:r>
+              <a:rPr lang="en-US" dirty="0" smtClean="0"/>
+              <a:t>B.0 Fictional dashboard to demonstrate the pipeline</a:t>
+            </a:r>
+          </a:p>
+          <a:p>
+            <a:pPr lvl="1"/>
+            <a:r>
+              <a:rPr lang="en-US" dirty="0" smtClean="0"/>
+              <a:t>Simplified reproducible </a:t>
+            </a:r>
+            <a:r>
+              <a:rPr lang="en-US" dirty="0" smtClean="0"/>
+              <a:t>example. </a:t>
             </a:r>
             <a:endParaRPr lang="en-US" dirty="0"/>
           </a:p>
-        </p:txBody>
-      </p:sp>
-      <p:sp>
-        <p:nvSpPr>
-          <p:cNvPr id="3" name="Content Placeholder 2"/>
-          <p:cNvSpPr>
-            <a:spLocks noGrp="1"/>
-          </p:cNvSpPr>
-          <p:nvPr>
-            <p:ph idx="1"/>
-          </p:nvPr>
-        </p:nvSpPr>
-        <p:spPr/>
-        <p:txBody>
-          <a:bodyPr/>
-          <a:lstStyle/>
-          <a:p>
-            <a:endParaRPr lang="en-US"/>
+          <a:p>
+            <a:pPr lvl="1"/>
+            <a:r>
+              <a:rPr lang="en-US" dirty="0" smtClean="0"/>
+              <a:t>Reproduce the example by forking </a:t>
+            </a:r>
+            <a:r>
+              <a:rPr lang="en-US" dirty="0" smtClean="0"/>
+              <a:t/>
+            </a:r>
+            <a:br>
+              <a:rPr lang="en-US" dirty="0" smtClean="0"/>
+            </a:br>
+            <a:r>
+              <a:rPr lang="en-US" dirty="0" smtClean="0">
+                <a:hlinkClick r:id="rId3"/>
+              </a:rPr>
+              <a:t>github.com/</a:t>
+            </a:r>
+            <a:r>
+              <a:rPr lang="en-US" dirty="0" err="1" smtClean="0">
+                <a:hlinkClick r:id="rId3"/>
+              </a:rPr>
+              <a:t>dss-ialh</a:t>
+            </a:r>
+            <a:r>
+              <a:rPr lang="en-US" dirty="0" smtClean="0">
+                <a:hlinkClick r:id="rId3"/>
+              </a:rPr>
+              <a:t>/displaying-health-data</a:t>
+            </a:r>
+            <a:r>
+              <a:rPr lang="en-US" dirty="0" smtClean="0"/>
+              <a:t>  </a:t>
+            </a:r>
+            <a:endParaRPr lang="en-US" dirty="0" smtClean="0"/>
+          </a:p>
+          <a:p>
+            <a:pPr lvl="1"/>
+            <a:r>
+              <a:rPr lang="en-US" dirty="0" smtClean="0"/>
+              <a:t>Dashboard content</a:t>
+            </a:r>
+            <a:endParaRPr lang="en-US" dirty="0" smtClean="0"/>
+          </a:p>
+          <a:p>
+            <a:pPr lvl="1"/>
+            <a:r>
+              <a:rPr lang="en-US" dirty="0" smtClean="0"/>
+              <a:t>Upstream </a:t>
+            </a:r>
+            <a:r>
+              <a:rPr lang="en-US" dirty="0" smtClean="0"/>
+              <a:t>pipeline</a:t>
+            </a:r>
+          </a:p>
+          <a:p>
+            <a:pPr lvl="1"/>
+            <a:endParaRPr lang="en-US" dirty="0"/>
+          </a:p>
+          <a:p>
+            <a:pPr marL="0" indent="0">
+              <a:buNone/>
+            </a:pPr>
+            <a:r>
+              <a:rPr lang="en-US" dirty="0" smtClean="0"/>
+              <a:t>C.0. Takeaways and recommendations</a:t>
+            </a:r>
+            <a:endParaRPr lang="en-US" dirty="0"/>
           </a:p>
         </p:txBody>
       </p:sp>
@@ -7054,7 +8867,7 @@
     </p:spTree>
     <p:extLst>
       <p:ext uri="{BB962C8B-B14F-4D97-AF65-F5344CB8AC3E}">
-        <p14:creationId xmlns:p14="http://schemas.microsoft.com/office/powerpoint/2010/main" val="4051429671"/>
+        <p14:creationId xmlns:p14="http://schemas.microsoft.com/office/powerpoint/2010/main" val="3581731317"/>
       </p:ext>
     </p:extLst>
   </p:cSld>
@@ -7098,7 +8911,7 @@
           <a:p>
             <a:r>
               <a:rPr lang="en-US" dirty="0" smtClean="0"/>
-              <a:t>Dashboard example 1</a:t>
+              <a:t>Who I am and what I do</a:t>
             </a:r>
             <a:endParaRPr lang="en-US" dirty="0"/>
           </a:p>
@@ -7149,7 +8962,7 @@
     </p:spTree>
     <p:extLst>
       <p:ext uri="{BB962C8B-B14F-4D97-AF65-F5344CB8AC3E}">
-        <p14:creationId xmlns:p14="http://schemas.microsoft.com/office/powerpoint/2010/main" val="2208313364"/>
+        <p14:creationId xmlns:p14="http://schemas.microsoft.com/office/powerpoint/2010/main" val="4051429671"/>
       </p:ext>
     </p:extLst>
   </p:cSld>
@@ -7186,35 +8999,23 @@
             <p:ph type="title"/>
           </p:nvPr>
         </p:nvSpPr>
-        <p:spPr/>
-        <p:txBody>
-          <a:bodyPr/>
-          <a:lstStyle/>
-          <a:p>
-            <a:r>
-              <a:rPr lang="en-US" dirty="0" smtClean="0"/>
-              <a:t>Dashboard example 2</a:t>
+        <p:spPr>
+          <a:xfrm>
+            <a:off x="0" y="365125"/>
+            <a:ext cx="2836718" cy="4393911"/>
+          </a:xfrm>
+        </p:spPr>
+        <p:txBody>
+          <a:bodyPr>
+            <a:normAutofit/>
+          </a:bodyPr>
+          <a:lstStyle/>
+          <a:p>
+            <a:r>
+              <a:rPr lang="en-US" dirty="0" smtClean="0"/>
+              <a:t>Example 1: history of therapist training  </a:t>
             </a:r>
             <a:endParaRPr lang="en-US" dirty="0"/>
-          </a:p>
-        </p:txBody>
-      </p:sp>
-      <p:sp>
-        <p:nvSpPr>
-          <p:cNvPr id="3" name="Content Placeholder 2"/>
-          <p:cNvSpPr>
-            <a:spLocks noGrp="1"/>
-          </p:cNvSpPr>
-          <p:nvPr>
-            <p:ph idx="1"/>
-          </p:nvPr>
-        </p:nvSpPr>
-        <p:spPr/>
-        <p:txBody>
-          <a:bodyPr/>
-          <a:lstStyle/>
-          <a:p>
-            <a:endParaRPr lang="en-US"/>
           </a:p>
         </p:txBody>
       </p:sp>
@@ -7241,10 +9042,44 @@
           </a:p>
         </p:txBody>
       </p:sp>
+      <p:pic>
+        <p:nvPicPr>
+          <p:cNvPr id="7" name="Picture 6"/>
+          <p:cNvPicPr>
+            <a:picLocks noChangeAspect="1"/>
+          </p:cNvPicPr>
+          <p:nvPr/>
+        </p:nvPicPr>
+        <p:blipFill>
+          <a:blip r:embed="rId2"/>
+          <a:stretch>
+            <a:fillRect/>
+          </a:stretch>
+        </p:blipFill>
+        <p:spPr>
+          <a:xfrm>
+            <a:off x="2919846" y="56544"/>
+            <a:ext cx="8837966" cy="6706495"/>
+          </a:xfrm>
+          <a:prstGeom prst="rect">
+            <a:avLst/>
+          </a:prstGeom>
+          <a:ln>
+            <a:noFill/>
+          </a:ln>
+          <a:effectLst>
+            <a:outerShdw blurRad="292100" dist="139700" dir="2700000" algn="tl" rotWithShape="0">
+              <a:srgbClr val="333333">
+                <a:alpha val="65000"/>
+              </a:srgbClr>
+            </a:outerShdw>
+          </a:effectLst>
+        </p:spPr>
+      </p:pic>
     </p:spTree>
     <p:extLst>
       <p:ext uri="{BB962C8B-B14F-4D97-AF65-F5344CB8AC3E}">
-        <p14:creationId xmlns:p14="http://schemas.microsoft.com/office/powerpoint/2010/main" val="3752506749"/>
+        <p14:creationId xmlns:p14="http://schemas.microsoft.com/office/powerpoint/2010/main" val="2208313364"/>
       </p:ext>
     </p:extLst>
   </p:cSld>
@@ -7281,35 +9116,21 @@
             <p:ph type="title"/>
           </p:nvPr>
         </p:nvSpPr>
-        <p:spPr/>
+        <p:spPr>
+          <a:xfrm>
+            <a:off x="287480" y="136525"/>
+            <a:ext cx="11610109" cy="1082331"/>
+          </a:xfrm>
+        </p:spPr>
         <p:txBody>
           <a:bodyPr/>
           <a:lstStyle/>
           <a:p>
             <a:r>
               <a:rPr lang="en-US" dirty="0" smtClean="0"/>
-              <a:t>Dashboard example 3</a:t>
+              <a:t>Example 2: availability of specialized CPS workers</a:t>
             </a:r>
             <a:endParaRPr lang="en-US" dirty="0"/>
-          </a:p>
-        </p:txBody>
-      </p:sp>
-      <p:sp>
-        <p:nvSpPr>
-          <p:cNvPr id="3" name="Content Placeholder 2"/>
-          <p:cNvSpPr>
-            <a:spLocks noGrp="1"/>
-          </p:cNvSpPr>
-          <p:nvPr>
-            <p:ph idx="1"/>
-          </p:nvPr>
-        </p:nvSpPr>
-        <p:spPr/>
-        <p:txBody>
-          <a:bodyPr/>
-          <a:lstStyle/>
-          <a:p>
-            <a:endParaRPr lang="en-US"/>
           </a:p>
         </p:txBody>
       </p:sp>
@@ -7336,6 +9157,40 @@
           </a:p>
         </p:txBody>
       </p:sp>
+      <p:pic>
+        <p:nvPicPr>
+          <p:cNvPr id="5" name="Picture 4"/>
+          <p:cNvPicPr>
+            <a:picLocks noChangeAspect="1"/>
+          </p:cNvPicPr>
+          <p:nvPr/>
+        </p:nvPicPr>
+        <p:blipFill>
+          <a:blip r:embed="rId2"/>
+          <a:stretch>
+            <a:fillRect/>
+          </a:stretch>
+        </p:blipFill>
+        <p:spPr>
+          <a:xfrm>
+            <a:off x="287481" y="1227805"/>
+            <a:ext cx="11610109" cy="5484721"/>
+          </a:xfrm>
+          <a:prstGeom prst="rect">
+            <a:avLst/>
+          </a:prstGeom>
+          <a:ln>
+            <a:noFill/>
+          </a:ln>
+          <a:effectLst>
+            <a:outerShdw blurRad="292100" dist="139700" dir="2700000" algn="tl" rotWithShape="0">
+              <a:srgbClr val="333333">
+                <a:alpha val="65000"/>
+              </a:srgbClr>
+            </a:outerShdw>
+          </a:effectLst>
+        </p:spPr>
+      </p:pic>
     </p:spTree>
     <p:extLst>
       <p:ext uri="{BB962C8B-B14F-4D97-AF65-F5344CB8AC3E}">
@@ -7376,35 +9231,28 @@
             <p:ph type="title"/>
           </p:nvPr>
         </p:nvSpPr>
-        <p:spPr/>
+        <p:spPr>
+          <a:xfrm>
+            <a:off x="1" y="10330"/>
+            <a:ext cx="6515100" cy="1444397"/>
+          </a:xfrm>
+        </p:spPr>
         <p:txBody>
           <a:bodyPr/>
           <a:lstStyle/>
           <a:p>
             <a:r>
               <a:rPr lang="en-US" dirty="0" smtClean="0"/>
-              <a:t>Fictional, Reproducible example</a:t>
+              <a:t>Example 3:</a:t>
+            </a:r>
+            <a:br>
+              <a:rPr lang="en-US" dirty="0" smtClean="0"/>
+            </a:br>
+            <a:r>
+              <a:rPr lang="en-US" dirty="0" smtClean="0"/>
+              <a:t>data collection quality</a:t>
             </a:r>
             <a:endParaRPr lang="en-US" dirty="0"/>
-          </a:p>
-        </p:txBody>
-      </p:sp>
-      <p:sp>
-        <p:nvSpPr>
-          <p:cNvPr id="3" name="Content Placeholder 2"/>
-          <p:cNvSpPr>
-            <a:spLocks noGrp="1"/>
-          </p:cNvSpPr>
-          <p:nvPr>
-            <p:ph idx="1"/>
-          </p:nvPr>
-        </p:nvSpPr>
-        <p:spPr/>
-        <p:txBody>
-          <a:bodyPr/>
-          <a:lstStyle/>
-          <a:p>
-            <a:endParaRPr lang="en-US"/>
           </a:p>
         </p:txBody>
       </p:sp>
@@ -7431,10 +9279,78 @@
           </a:p>
         </p:txBody>
       </p:sp>
+      <p:pic>
+        <p:nvPicPr>
+          <p:cNvPr id="7" name="Picture 6"/>
+          <p:cNvPicPr>
+            <a:picLocks noChangeAspect="1"/>
+          </p:cNvPicPr>
+          <p:nvPr/>
+        </p:nvPicPr>
+        <p:blipFill>
+          <a:blip r:embed="rId2"/>
+          <a:stretch>
+            <a:fillRect/>
+          </a:stretch>
+        </p:blipFill>
+        <p:spPr>
+          <a:xfrm>
+            <a:off x="6961913" y="92015"/>
+            <a:ext cx="5032086" cy="6547775"/>
+          </a:xfrm>
+          <a:prstGeom prst="rect">
+            <a:avLst/>
+          </a:prstGeom>
+          <a:ln>
+            <a:noFill/>
+          </a:ln>
+          <a:effectLst>
+            <a:outerShdw blurRad="292100" dist="139700" dir="2700000" algn="tl" rotWithShape="0">
+              <a:srgbClr val="333333">
+                <a:alpha val="65000"/>
+              </a:srgbClr>
+            </a:outerShdw>
+          </a:effectLst>
+        </p:spPr>
+      </p:pic>
+      <p:pic>
+        <p:nvPicPr>
+          <p:cNvPr id="9" name="Picture 8"/>
+          <p:cNvPicPr>
+            <a:picLocks noChangeAspect="1"/>
+          </p:cNvPicPr>
+          <p:nvPr/>
+        </p:nvPicPr>
+        <p:blipFill>
+          <a:blip r:embed="rId3"/>
+          <a:stretch>
+            <a:fillRect/>
+          </a:stretch>
+        </p:blipFill>
+        <p:spPr>
+          <a:xfrm>
+            <a:off x="-15726" y="1867020"/>
+            <a:ext cx="6790601" cy="4772770"/>
+          </a:xfrm>
+          <a:prstGeom prst="rect">
+            <a:avLst/>
+          </a:prstGeom>
+          <a:ln>
+            <a:noFill/>
+          </a:ln>
+          <a:effectLst>
+            <a:outerShdw blurRad="292100" dist="139700" dir="2700000" algn="tl" rotWithShape="0">
+              <a:srgbClr val="333333">
+                <a:alpha val="65000"/>
+              </a:srgbClr>
+            </a:outerShdw>
+          </a:effectLst>
+        </p:spPr>
+      </p:pic>
     </p:spTree>
     <p:extLst>
       <p:ext uri="{BB962C8B-B14F-4D97-AF65-F5344CB8AC3E}">
-        <p14:creationId xmlns:p14="http://schemas.microsoft.com/office/powerpoint/2010/main" val="1220325691"/>
+        <p14:creationId xmlns:p14="http://schemas.microsoft.com/office/powerpoint/2010/main" val="3752506749"/>
       </p:ext>
     </p:extLst>
   </p:cSld>

--- a/documentation/products/beasley/dhd-2018-uvic-3-a-beasley-2018-11-29.pptx
+++ b/documentation/products/beasley/dhd-2018-uvic-3-a-beasley-2018-11-29.pptx
@@ -5,36 +5,39 @@
     <p:sldMasterId id="2147483672" r:id="rId1"/>
   </p:sldMasterIdLst>
   <p:notesMasterIdLst>
-    <p:notesMasterId r:id="rId29"/>
+    <p:notesMasterId r:id="rId32"/>
   </p:notesMasterIdLst>
   <p:sldIdLst>
     <p:sldId id="259" r:id="rId2"/>
     <p:sldId id="260" r:id="rId3"/>
     <p:sldId id="261" r:id="rId4"/>
     <p:sldId id="283" r:id="rId5"/>
-    <p:sldId id="268" r:id="rId6"/>
-    <p:sldId id="275" r:id="rId7"/>
-    <p:sldId id="276" r:id="rId8"/>
-    <p:sldId id="278" r:id="rId9"/>
-    <p:sldId id="277" r:id="rId10"/>
-    <p:sldId id="288" r:id="rId11"/>
-    <p:sldId id="287" r:id="rId12"/>
-    <p:sldId id="279" r:id="rId13"/>
-    <p:sldId id="269" r:id="rId14"/>
-    <p:sldId id="271" r:id="rId15"/>
-    <p:sldId id="272" r:id="rId16"/>
+    <p:sldId id="275" r:id="rId6"/>
+    <p:sldId id="276" r:id="rId7"/>
+    <p:sldId id="278" r:id="rId8"/>
+    <p:sldId id="277" r:id="rId9"/>
+    <p:sldId id="288" r:id="rId10"/>
+    <p:sldId id="287" r:id="rId11"/>
+    <p:sldId id="279" r:id="rId12"/>
+    <p:sldId id="269" r:id="rId13"/>
+    <p:sldId id="272" r:id="rId14"/>
+    <p:sldId id="290" r:id="rId15"/>
+    <p:sldId id="271" r:id="rId16"/>
     <p:sldId id="273" r:id="rId17"/>
     <p:sldId id="270" r:id="rId18"/>
     <p:sldId id="274" r:id="rId19"/>
     <p:sldId id="284" r:id="rId20"/>
     <p:sldId id="285" r:id="rId21"/>
-    <p:sldId id="267" r:id="rId22"/>
-    <p:sldId id="286" r:id="rId23"/>
-    <p:sldId id="280" r:id="rId24"/>
-    <p:sldId id="281" r:id="rId25"/>
-    <p:sldId id="282" r:id="rId26"/>
-    <p:sldId id="264" r:id="rId27"/>
-    <p:sldId id="265" r:id="rId28"/>
+    <p:sldId id="280" r:id="rId22"/>
+    <p:sldId id="294" r:id="rId23"/>
+    <p:sldId id="289" r:id="rId24"/>
+    <p:sldId id="267" r:id="rId25"/>
+    <p:sldId id="286" r:id="rId26"/>
+    <p:sldId id="295" r:id="rId27"/>
+    <p:sldId id="281" r:id="rId28"/>
+    <p:sldId id="282" r:id="rId29"/>
+    <p:sldId id="264" r:id="rId30"/>
+    <p:sldId id="265" r:id="rId31"/>
   </p:sldIdLst>
   <p:sldSz cx="12192000" cy="6858000"/>
   <p:notesSz cx="6858000" cy="9144000"/>
@@ -142,7 +145,6 @@
             <p14:sldId id="260"/>
             <p14:sldId id="261"/>
             <p14:sldId id="283"/>
-            <p14:sldId id="268"/>
             <p14:sldId id="275"/>
             <p14:sldId id="276"/>
             <p14:sldId id="278"/>
@@ -151,16 +153,20 @@
             <p14:sldId id="287"/>
             <p14:sldId id="279"/>
             <p14:sldId id="269"/>
+            <p14:sldId id="272"/>
+            <p14:sldId id="290"/>
             <p14:sldId id="271"/>
-            <p14:sldId id="272"/>
             <p14:sldId id="273"/>
             <p14:sldId id="270"/>
             <p14:sldId id="274"/>
             <p14:sldId id="284"/>
             <p14:sldId id="285"/>
+            <p14:sldId id="280"/>
+            <p14:sldId id="294"/>
+            <p14:sldId id="289"/>
             <p14:sldId id="267"/>
             <p14:sldId id="286"/>
-            <p14:sldId id="280"/>
+            <p14:sldId id="295"/>
             <p14:sldId id="281"/>
             <p14:sldId id="282"/>
             <p14:sldId id="264"/>
@@ -1075,6 +1081,234 @@
             <p:ph type="sldImg"/>
           </p:nvPr>
         </p:nvSpPr>
+        <p:spPr/>
+      </p:sp>
+      <p:sp>
+        <p:nvSpPr>
+          <p:cNvPr id="3" name="Notes Placeholder 2"/>
+          <p:cNvSpPr>
+            <a:spLocks noGrp="1"/>
+          </p:cNvSpPr>
+          <p:nvPr>
+            <p:ph type="body" idx="1"/>
+          </p:nvPr>
+        </p:nvSpPr>
+        <p:spPr/>
+        <p:txBody>
+          <a:bodyPr/>
+          <a:lstStyle/>
+          <a:p>
+            <a:r>
+              <a:rPr lang="en-US" dirty="0" smtClean="0"/>
+              <a:t>1. The nurses have incredible ideas for improving services delivered. It's worth our time to facilitate and translate these ideas into interventions that can be evaluated with quantitative evidence.</a:t>
+            </a:r>
+          </a:p>
+          <a:p>
+            <a:r>
+              <a:rPr lang="en-US" dirty="0" smtClean="0"/>
+              <a:t>2. Even if you "knew" everything you do is superior, implementing the nurses treatment ideas and measurement ideas increases their engagement in the process.  This should improve the services the provide, and the quality of the research.</a:t>
+            </a:r>
+          </a:p>
+          <a:p>
+            <a:r>
+              <a:rPr lang="en-US" dirty="0" smtClean="0"/>
+              <a:t>3. The effectiveness of the dashboards will improve if the nurses are involved in their development.  They are the audience, after all.</a:t>
+            </a:r>
+          </a:p>
+          <a:p>
+            <a:r>
+              <a:rPr lang="en-US" dirty="0" smtClean="0"/>
+              <a:t>4. Math phobia is a real thing.  It was a powerful obstacle to the nurses' acceptance of the information display.  Even after you warn your dashboard developers (and the nurses), there will probably be a gap still.</a:t>
+            </a:r>
+          </a:p>
+          <a:p>
+            <a:r>
+              <a:rPr lang="en-US" dirty="0" smtClean="0"/>
+              <a:t>5. Writing the scribes is difficult (</a:t>
+            </a:r>
+            <a:r>
+              <a:rPr lang="en-US" dirty="0" err="1" smtClean="0"/>
+              <a:t>ie</a:t>
+            </a:r>
+            <a:r>
+              <a:rPr lang="en-US" dirty="0" smtClean="0"/>
+              <a:t>, the piece that grooms and reshapes multiple analysis-agnostic data tables into a single analysis-specific rectangle).</a:t>
+            </a:r>
+          </a:p>
+          <a:p>
+            <a:endParaRPr lang="en-US" dirty="0"/>
+          </a:p>
+        </p:txBody>
+      </p:sp>
+      <p:sp>
+        <p:nvSpPr>
+          <p:cNvPr id="4" name="Slide Number Placeholder 3"/>
+          <p:cNvSpPr>
+            <a:spLocks noGrp="1"/>
+          </p:cNvSpPr>
+          <p:nvPr>
+            <p:ph type="sldNum" sz="quarter" idx="10"/>
+          </p:nvPr>
+        </p:nvSpPr>
+        <p:spPr/>
+        <p:txBody>
+          <a:bodyPr/>
+          <a:lstStyle/>
+          <a:p>
+            <a:fld id="{5F76E0D0-8EB9-440D-8664-FC49256EEEFF}" type="slidenum">
+              <a:rPr lang="en-US" smtClean="0"/>
+              <a:t>21</a:t>
+            </a:fld>
+            <a:endParaRPr lang="en-US"/>
+          </a:p>
+        </p:txBody>
+      </p:sp>
+    </p:spTree>
+    <p:extLst>
+      <p:ext uri="{BB962C8B-B14F-4D97-AF65-F5344CB8AC3E}">
+        <p14:creationId xmlns:p14="http://schemas.microsoft.com/office/powerpoint/2010/main" val="3269640421"/>
+      </p:ext>
+    </p:extLst>
+  </p:cSld>
+  <p:clrMapOvr>
+    <a:masterClrMapping/>
+  </p:clrMapOvr>
+</p:notes>
+</file>
+
+<file path=ppt/notesSlides/notesSlide5.xml><?xml version="1.0" encoding="utf-8"?>
+<p:notes xmlns:a="http://schemas.openxmlformats.org/drawingml/2006/main" xmlns:r="http://schemas.openxmlformats.org/officeDocument/2006/relationships" xmlns:p="http://schemas.openxmlformats.org/presentationml/2006/main">
+  <p:cSld>
+    <p:spTree>
+      <p:nvGrpSpPr>
+        <p:cNvPr id="1" name=""/>
+        <p:cNvGrpSpPr/>
+        <p:nvPr/>
+      </p:nvGrpSpPr>
+      <p:grpSpPr>
+        <a:xfrm>
+          <a:off x="0" y="0"/>
+          <a:ext cx="0" cy="0"/>
+          <a:chOff x="0" y="0"/>
+          <a:chExt cx="0" cy="0"/>
+        </a:xfrm>
+      </p:grpSpPr>
+      <p:sp>
+        <p:nvSpPr>
+          <p:cNvPr id="2" name="Slide Image Placeholder 1"/>
+          <p:cNvSpPr>
+            <a:spLocks noGrp="1" noRot="1" noChangeAspect="1"/>
+          </p:cNvSpPr>
+          <p:nvPr>
+            <p:ph type="sldImg"/>
+          </p:nvPr>
+        </p:nvSpPr>
+        <p:spPr/>
+      </p:sp>
+      <p:sp>
+        <p:nvSpPr>
+          <p:cNvPr id="3" name="Notes Placeholder 2"/>
+          <p:cNvSpPr>
+            <a:spLocks noGrp="1"/>
+          </p:cNvSpPr>
+          <p:nvPr>
+            <p:ph type="body" idx="1"/>
+          </p:nvPr>
+        </p:nvSpPr>
+        <p:spPr/>
+        <p:txBody>
+          <a:bodyPr/>
+          <a:lstStyle/>
+          <a:p>
+            <a:r>
+              <a:rPr lang="en-US" dirty="0" smtClean="0"/>
+              <a:t>*. Writing the scribes is really difficult, particularly for these monitoring scenarios.  That's another 20 minute talk.</a:t>
+            </a:r>
+          </a:p>
+          <a:p>
+            <a:r>
+              <a:rPr lang="en-US" dirty="0" smtClean="0"/>
+              <a:t>2. This particular group of nurses preferred a top-down entry into their data.  Most scientists prefer bottom-up.  Here are some examples of how we changed our presentation.</a:t>
+            </a:r>
+          </a:p>
+          <a:p>
+            <a:r>
+              <a:rPr lang="en-US" dirty="0" smtClean="0"/>
+              <a:t>3. Hovering text provides an alternative entry into understanding the graph.  Showing a textual representation of the coordinates wasn't helpful for some.  The hover text were complete sentences, like "For Tulsa county in 2004, the average cognitive score was 5.5" in spaghetti plots and "" in histograms.</a:t>
+            </a:r>
+          </a:p>
+          <a:p>
+            <a:r>
+              <a:rPr lang="en-US" dirty="0" smtClean="0"/>
+              <a:t>4. Monthly meetings are not frequent enough at the beginning.</a:t>
+            </a:r>
+            <a:endParaRPr lang="en-US" dirty="0"/>
+          </a:p>
+        </p:txBody>
+      </p:sp>
+      <p:sp>
+        <p:nvSpPr>
+          <p:cNvPr id="4" name="Slide Number Placeholder 3"/>
+          <p:cNvSpPr>
+            <a:spLocks noGrp="1"/>
+          </p:cNvSpPr>
+          <p:nvPr>
+            <p:ph type="sldNum" sz="quarter" idx="10"/>
+          </p:nvPr>
+        </p:nvSpPr>
+        <p:spPr/>
+        <p:txBody>
+          <a:bodyPr/>
+          <a:lstStyle/>
+          <a:p>
+            <a:fld id="{5F76E0D0-8EB9-440D-8664-FC49256EEEFF}" type="slidenum">
+              <a:rPr lang="en-US" smtClean="0"/>
+              <a:t>22</a:t>
+            </a:fld>
+            <a:endParaRPr lang="en-US"/>
+          </a:p>
+        </p:txBody>
+      </p:sp>
+    </p:spTree>
+    <p:extLst>
+      <p:ext uri="{BB962C8B-B14F-4D97-AF65-F5344CB8AC3E}">
+        <p14:creationId xmlns:p14="http://schemas.microsoft.com/office/powerpoint/2010/main" val="536229884"/>
+      </p:ext>
+    </p:extLst>
+  </p:cSld>
+  <p:clrMapOvr>
+    <a:masterClrMapping/>
+  </p:clrMapOvr>
+</p:notes>
+</file>
+
+<file path=ppt/notesSlides/notesSlide6.xml><?xml version="1.0" encoding="utf-8"?>
+<p:notes xmlns:a="http://schemas.openxmlformats.org/drawingml/2006/main" xmlns:r="http://schemas.openxmlformats.org/officeDocument/2006/relationships" xmlns:p="http://schemas.openxmlformats.org/presentationml/2006/main">
+  <p:cSld>
+    <p:spTree>
+      <p:nvGrpSpPr>
+        <p:cNvPr id="1" name=""/>
+        <p:cNvGrpSpPr/>
+        <p:nvPr/>
+      </p:nvGrpSpPr>
+      <p:grpSpPr>
+        <a:xfrm>
+          <a:off x="0" y="0"/>
+          <a:ext cx="0" cy="0"/>
+          <a:chOff x="0" y="0"/>
+          <a:chExt cx="0" cy="0"/>
+        </a:xfrm>
+      </p:grpSpPr>
+      <p:sp>
+        <p:nvSpPr>
+          <p:cNvPr id="2" name="Slide Image Placeholder 1"/>
+          <p:cNvSpPr>
+            <a:spLocks noGrp="1" noRot="1" noChangeAspect="1"/>
+          </p:cNvSpPr>
+          <p:nvPr>
+            <p:ph type="sldImg"/>
+          </p:nvPr>
+        </p:nvSpPr>
         <p:spPr>
           <a:xfrm>
             <a:off x="685800" y="1143000"/>
@@ -1213,7 +1447,7 @@
           <a:p>
             <a:fld id="{5F76E0D0-8EB9-440D-8664-FC49256EEEFF}" type="slidenum">
               <a:rPr lang="en-US" smtClean="0"/>
-              <a:t>26</a:t>
+              <a:t>29</a:t>
             </a:fld>
             <a:endParaRPr lang="en-US"/>
           </a:p>
@@ -4277,9 +4511,32 @@
           <a:chExt cx="0" cy="0"/>
         </a:xfrm>
       </p:grpSpPr>
+      <p:sp>
+        <p:nvSpPr>
+          <p:cNvPr id="4" name="Slide Number Placeholder 3"/>
+          <p:cNvSpPr>
+            <a:spLocks noGrp="1"/>
+          </p:cNvSpPr>
+          <p:nvPr>
+            <p:ph type="sldNum" sz="quarter" idx="12"/>
+          </p:nvPr>
+        </p:nvSpPr>
+        <p:spPr/>
+        <p:txBody>
+          <a:bodyPr/>
+          <a:lstStyle/>
+          <a:p>
+            <a:fld id="{AF87EE96-E852-4892-A22F-23BA018C684B}" type="slidenum">
+              <a:rPr lang="en-US" smtClean="0"/>
+              <a:t>10</a:t>
+            </a:fld>
+            <a:endParaRPr lang="en-US"/>
+          </a:p>
+        </p:txBody>
+      </p:sp>
       <p:pic>
         <p:nvPicPr>
-          <p:cNvPr id="6" name="Picture 5"/>
+          <p:cNvPr id="5" name="Picture 4"/>
           <p:cNvPicPr>
             <a:picLocks noChangeAspect="1"/>
           </p:cNvPicPr>
@@ -4293,8 +4550,8 @@
         </p:blipFill>
         <p:spPr>
           <a:xfrm>
-            <a:off x="8723689" y="365125"/>
-            <a:ext cx="3194686" cy="6348151"/>
+            <a:off x="5635000" y="228600"/>
+            <a:ext cx="5951200" cy="6492875"/>
           </a:xfrm>
           <a:prstGeom prst="rect">
             <a:avLst/>
@@ -4313,64 +4570,7 @@
       </p:pic>
       <p:sp>
         <p:nvSpPr>
-          <p:cNvPr id="4" name="Slide Number Placeholder 3"/>
-          <p:cNvSpPr>
-            <a:spLocks noGrp="1"/>
-          </p:cNvSpPr>
-          <p:nvPr>
-            <p:ph type="sldNum" sz="quarter" idx="12"/>
-          </p:nvPr>
-        </p:nvSpPr>
-        <p:spPr/>
-        <p:txBody>
-          <a:bodyPr/>
-          <a:lstStyle/>
-          <a:p>
-            <a:fld id="{AF87EE96-E852-4892-A22F-23BA018C684B}" type="slidenum">
-              <a:rPr lang="en-US" smtClean="0"/>
-              <a:t>10</a:t>
-            </a:fld>
-            <a:endParaRPr lang="en-US"/>
-          </a:p>
-        </p:txBody>
-      </p:sp>
-      <p:pic>
-        <p:nvPicPr>
-          <p:cNvPr id="5" name="Picture 4"/>
-          <p:cNvPicPr>
-            <a:picLocks noChangeAspect="1"/>
-          </p:cNvPicPr>
-          <p:nvPr/>
-        </p:nvPicPr>
-        <p:blipFill>
-          <a:blip r:embed="rId3"/>
-          <a:stretch>
-            <a:fillRect/>
-          </a:stretch>
-        </p:blipFill>
-        <p:spPr>
-          <a:xfrm>
-            <a:off x="5495651" y="0"/>
-            <a:ext cx="3478024" cy="6598227"/>
-          </a:xfrm>
-          <a:prstGeom prst="rect">
-            <a:avLst/>
-          </a:prstGeom>
-          <a:ln>
-            <a:noFill/>
-          </a:ln>
-          <a:effectLst>
-            <a:outerShdw blurRad="292100" dist="139700" dir="2700000" algn="tl" rotWithShape="0">
-              <a:srgbClr val="333333">
-                <a:alpha val="65000"/>
-              </a:srgbClr>
-            </a:outerShdw>
-          </a:effectLst>
-        </p:spPr>
-      </p:pic>
-      <p:sp>
-        <p:nvSpPr>
-          <p:cNvPr id="7" name="Title 1"/>
+          <p:cNvPr id="6" name="Title 1"/>
           <p:cNvSpPr>
             <a:spLocks noGrp="1"/>
           </p:cNvSpPr>
@@ -4392,14 +4592,14 @@
           <a:p>
             <a:r>
               <a:rPr lang="en-US" dirty="0" smtClean="0"/>
-              <a:t>Example 4:</a:t>
+              <a:t>Example 5:</a:t>
             </a:r>
             <a:br>
               <a:rPr lang="en-US" dirty="0" smtClean="0"/>
             </a:br>
             <a:r>
               <a:rPr lang="en-US" dirty="0" smtClean="0"/>
-              <a:t>MCMC HPDs are updated as collection progresses</a:t>
+              <a:t>semi-annual reports with multilevel longitudinal models</a:t>
             </a:r>
             <a:endParaRPr lang="en-US" dirty="0"/>
           </a:p>
@@ -4408,7 +4608,7 @@
     </p:spTree>
     <p:extLst>
       <p:ext uri="{BB962C8B-B14F-4D97-AF65-F5344CB8AC3E}">
-        <p14:creationId xmlns:p14="http://schemas.microsoft.com/office/powerpoint/2010/main" val="1879131006"/>
+        <p14:creationId xmlns:p14="http://schemas.microsoft.com/office/powerpoint/2010/main" val="3283106728"/>
       </p:ext>
     </p:extLst>
   </p:cSld>
@@ -4444,6 +4644,189 @@
       </p:grpSpPr>
       <p:sp>
         <p:nvSpPr>
+          <p:cNvPr id="2" name="Title 1"/>
+          <p:cNvSpPr>
+            <a:spLocks noGrp="1"/>
+          </p:cNvSpPr>
+          <p:nvPr>
+            <p:ph type="title"/>
+          </p:nvPr>
+        </p:nvSpPr>
+        <p:spPr>
+          <a:xfrm>
+            <a:off x="838200" y="1"/>
+            <a:ext cx="10515600" cy="955964"/>
+          </a:xfrm>
+        </p:spPr>
+        <p:txBody>
+          <a:bodyPr/>
+          <a:lstStyle/>
+          <a:p>
+            <a:r>
+              <a:rPr lang="en-US" dirty="0" smtClean="0"/>
+              <a:t>dashboards vs reports</a:t>
+            </a:r>
+            <a:endParaRPr lang="en-US" dirty="0"/>
+          </a:p>
+        </p:txBody>
+      </p:sp>
+      <p:sp>
+        <p:nvSpPr>
+          <p:cNvPr id="3" name="Content Placeholder 2"/>
+          <p:cNvSpPr>
+            <a:spLocks noGrp="1"/>
+          </p:cNvSpPr>
+          <p:nvPr>
+            <p:ph idx="1"/>
+          </p:nvPr>
+        </p:nvSpPr>
+        <p:spPr>
+          <a:xfrm>
+            <a:off x="838200" y="955965"/>
+            <a:ext cx="10515600" cy="5765510"/>
+          </a:xfrm>
+        </p:spPr>
+        <p:txBody>
+          <a:bodyPr/>
+          <a:lstStyle/>
+          <a:p>
+            <a:r>
+              <a:rPr lang="en-US" dirty="0"/>
+              <a:t>Blur the distinction </a:t>
+            </a:r>
+            <a:endParaRPr lang="en-US" dirty="0" smtClean="0"/>
+          </a:p>
+          <a:p>
+            <a:endParaRPr lang="en-US" dirty="0" smtClean="0"/>
+          </a:p>
+          <a:p>
+            <a:r>
+              <a:rPr lang="en-US" dirty="0" smtClean="0"/>
+              <a:t>Try </a:t>
+            </a:r>
+            <a:r>
+              <a:rPr lang="en-US" dirty="0" smtClean="0"/>
+              <a:t>to make your reports more like dashboards, so they</a:t>
+            </a:r>
+          </a:p>
+          <a:p>
+            <a:pPr marL="914400" lvl="1" indent="-457200">
+              <a:buAutoNum type="arabicPeriod"/>
+            </a:pPr>
+            <a:r>
+              <a:rPr lang="en-US" dirty="0" smtClean="0"/>
+              <a:t>Are a</a:t>
+            </a:r>
+            <a:r>
+              <a:rPr lang="en-US" dirty="0" smtClean="0"/>
+              <a:t>utomated,</a:t>
+            </a:r>
+          </a:p>
+          <a:p>
+            <a:pPr marL="914400" lvl="1" indent="-457200">
+              <a:buAutoNum type="arabicPeriod"/>
+            </a:pPr>
+            <a:r>
+              <a:rPr lang="en-US" dirty="0" smtClean="0"/>
+              <a:t>Are frequently updated &amp; consumed (especially early in the project),</a:t>
+            </a:r>
+          </a:p>
+          <a:p>
+            <a:pPr marL="914400" lvl="1" indent="-457200">
+              <a:buAutoNum type="arabicPeriod"/>
+            </a:pPr>
+            <a:r>
+              <a:rPr lang="en-US" dirty="0" smtClean="0"/>
+              <a:t>Actively flag errors, and</a:t>
+            </a:r>
+          </a:p>
+          <a:p>
+            <a:pPr marL="914400" lvl="1" indent="-457200">
+              <a:buAutoNum type="arabicPeriod"/>
+            </a:pPr>
+            <a:r>
+              <a:rPr lang="en-US" dirty="0" smtClean="0"/>
+              <a:t>Are easy and fun to jump into</a:t>
+            </a:r>
+          </a:p>
+          <a:p>
+            <a:pPr marL="914400" lvl="1" indent="-457200">
+              <a:buAutoNum type="arabicPeriod"/>
+            </a:pPr>
+            <a:endParaRPr lang="en-US" dirty="0"/>
+          </a:p>
+          <a:p>
+            <a:r>
+              <a:rPr lang="en-US" dirty="0" smtClean="0"/>
+              <a:t>Try to make your dashboards more like reports, so they</a:t>
+            </a:r>
+          </a:p>
+          <a:p>
+            <a:pPr marL="914400" lvl="1" indent="-457200">
+              <a:buAutoNum type="arabicPeriod"/>
+            </a:pPr>
+            <a:r>
+              <a:rPr lang="en-US" dirty="0" smtClean="0"/>
+              <a:t>Provide context and are self-explanatory,</a:t>
+            </a:r>
+          </a:p>
+          <a:p>
+            <a:pPr marL="914400" lvl="1" indent="-457200">
+              <a:buAutoNum type="arabicPeriod"/>
+            </a:pPr>
+            <a:r>
+              <a:rPr lang="en-US" dirty="0" smtClean="0"/>
+              <a:t>Are portable and </a:t>
+            </a:r>
+            <a:r>
+              <a:rPr lang="en-US" dirty="0" err="1" smtClean="0"/>
+              <a:t>archivable</a:t>
+            </a:r>
+            <a:r>
+              <a:rPr lang="en-US" dirty="0" smtClean="0"/>
+              <a:t>, and</a:t>
+            </a:r>
+          </a:p>
+          <a:p>
+            <a:pPr marL="914400" lvl="1" indent="-457200">
+              <a:buAutoNum type="arabicPeriod"/>
+            </a:pPr>
+            <a:r>
+              <a:rPr lang="en-US" dirty="0" smtClean="0"/>
+              <a:t>Contain statistical analyses that encourage sophisticated reasoning.</a:t>
+            </a:r>
+          </a:p>
+          <a:p>
+            <a:pPr marL="914400" lvl="1" indent="-457200">
+              <a:buAutoNum type="arabicPeriod"/>
+            </a:pPr>
+            <a:endParaRPr lang="en-US" dirty="0" smtClean="0"/>
+          </a:p>
+          <a:p>
+            <a:pPr marL="914400" lvl="1" indent="-457200">
+              <a:buAutoNum type="arabicPeriod"/>
+            </a:pPr>
+            <a:endParaRPr lang="en-US" dirty="0" smtClean="0"/>
+          </a:p>
+          <a:p>
+            <a:pPr marL="971550" lvl="1" indent="-514350">
+              <a:buAutoNum type="arabicPeriod"/>
+            </a:pPr>
+            <a:endParaRPr lang="en-US" dirty="0" smtClean="0"/>
+          </a:p>
+          <a:p>
+            <a:pPr marL="514350" indent="-514350">
+              <a:buAutoNum type="arabicPeriod"/>
+            </a:pPr>
+            <a:endParaRPr lang="en-US" dirty="0" smtClean="0"/>
+          </a:p>
+          <a:p>
+            <a:endParaRPr lang="en-US" dirty="0"/>
+          </a:p>
+        </p:txBody>
+      </p:sp>
+      <p:sp>
+        <p:nvSpPr>
           <p:cNvPr id="4" name="Slide Number Placeholder 3"/>
           <p:cNvSpPr>
             <a:spLocks noGrp="1"/>
@@ -4465,81 +4848,10 @@
           </a:p>
         </p:txBody>
       </p:sp>
-      <p:pic>
-        <p:nvPicPr>
-          <p:cNvPr id="5" name="Picture 4"/>
-          <p:cNvPicPr>
-            <a:picLocks noChangeAspect="1"/>
-          </p:cNvPicPr>
-          <p:nvPr/>
-        </p:nvPicPr>
-        <p:blipFill>
-          <a:blip r:embed="rId2"/>
-          <a:stretch>
-            <a:fillRect/>
-          </a:stretch>
-        </p:blipFill>
-        <p:spPr>
-          <a:xfrm>
-            <a:off x="5635000" y="228600"/>
-            <a:ext cx="5951200" cy="6492875"/>
-          </a:xfrm>
-          <a:prstGeom prst="rect">
-            <a:avLst/>
-          </a:prstGeom>
-          <a:ln>
-            <a:noFill/>
-          </a:ln>
-          <a:effectLst>
-            <a:outerShdw blurRad="292100" dist="139700" dir="2700000" algn="tl" rotWithShape="0">
-              <a:srgbClr val="333333">
-                <a:alpha val="65000"/>
-              </a:srgbClr>
-            </a:outerShdw>
-          </a:effectLst>
-        </p:spPr>
-      </p:pic>
-      <p:sp>
-        <p:nvSpPr>
-          <p:cNvPr id="6" name="Title 1"/>
-          <p:cNvSpPr>
-            <a:spLocks noGrp="1"/>
-          </p:cNvSpPr>
-          <p:nvPr>
-            <p:ph type="title"/>
-          </p:nvPr>
-        </p:nvSpPr>
-        <p:spPr>
-          <a:xfrm>
-            <a:off x="1" y="10330"/>
-            <a:ext cx="4894117" cy="3813525"/>
-          </a:xfrm>
-        </p:spPr>
-        <p:txBody>
-          <a:bodyPr>
-            <a:normAutofit/>
-          </a:bodyPr>
-          <a:lstStyle/>
-          <a:p>
-            <a:r>
-              <a:rPr lang="en-US" dirty="0" smtClean="0"/>
-              <a:t>Example 5:</a:t>
-            </a:r>
-            <a:br>
-              <a:rPr lang="en-US" dirty="0" smtClean="0"/>
-            </a:br>
-            <a:r>
-              <a:rPr lang="en-US" dirty="0" smtClean="0"/>
-              <a:t>semi-annual reports with multilevel longitudinal models</a:t>
-            </a:r>
-            <a:endParaRPr lang="en-US" dirty="0"/>
-          </a:p>
-        </p:txBody>
-      </p:sp>
     </p:spTree>
     <p:extLst>
       <p:ext uri="{BB962C8B-B14F-4D97-AF65-F5344CB8AC3E}">
-        <p14:creationId xmlns:p14="http://schemas.microsoft.com/office/powerpoint/2010/main" val="3283106728"/>
+        <p14:creationId xmlns:p14="http://schemas.microsoft.com/office/powerpoint/2010/main" val="1220325691"/>
       </p:ext>
     </p:extLst>
   </p:cSld>
@@ -4573,189 +4885,29 @@
           <a:chExt cx="0" cy="0"/>
         </a:xfrm>
       </p:grpSpPr>
-      <p:sp>
-        <p:nvSpPr>
-          <p:cNvPr id="2" name="Title 1"/>
-          <p:cNvSpPr>
-            <a:spLocks noGrp="1"/>
-          </p:cNvSpPr>
-          <p:nvPr>
-            <p:ph type="title"/>
-          </p:nvPr>
-        </p:nvSpPr>
+      <p:pic>
+        <p:nvPicPr>
+          <p:cNvPr id="7" name="Picture 6"/>
+          <p:cNvPicPr>
+            <a:picLocks noChangeAspect="1"/>
+          </p:cNvPicPr>
+          <p:nvPr/>
+        </p:nvPicPr>
+        <p:blipFill rotWithShape="1">
+          <a:blip r:embed="rId2"/>
+          <a:srcRect r="3920" b="9723"/>
+          <a:stretch/>
+        </p:blipFill>
         <p:spPr>
           <a:xfrm>
-            <a:off x="838200" y="1"/>
-            <a:ext cx="10515600" cy="955964"/>
-          </a:xfrm>
-        </p:spPr>
-        <p:txBody>
-          <a:bodyPr/>
-          <a:lstStyle/>
-          <a:p>
-            <a:r>
-              <a:rPr lang="en-US" dirty="0" smtClean="0"/>
-              <a:t>dashboards vs reports</a:t>
-            </a:r>
-            <a:endParaRPr lang="en-US" dirty="0"/>
-          </a:p>
-        </p:txBody>
-      </p:sp>
-      <p:sp>
-        <p:nvSpPr>
-          <p:cNvPr id="3" name="Content Placeholder 2"/>
-          <p:cNvSpPr>
-            <a:spLocks noGrp="1"/>
-          </p:cNvSpPr>
-          <p:nvPr>
-            <p:ph idx="1"/>
-          </p:nvPr>
-        </p:nvSpPr>
-        <p:spPr>
-          <a:xfrm>
-            <a:off x="838200" y="955965"/>
-            <a:ext cx="10515600" cy="5765510"/>
-          </a:xfrm>
-        </p:spPr>
-        <p:txBody>
-          <a:bodyPr/>
-          <a:lstStyle/>
-          <a:p>
-            <a:r>
-              <a:rPr lang="en-US" dirty="0"/>
-              <a:t>Blur the distinction </a:t>
-            </a:r>
-            <a:endParaRPr lang="en-US" dirty="0" smtClean="0"/>
-          </a:p>
-          <a:p>
-            <a:endParaRPr lang="en-US" dirty="0" smtClean="0"/>
-          </a:p>
-          <a:p>
-            <a:r>
-              <a:rPr lang="en-US" dirty="0" smtClean="0"/>
-              <a:t>Try </a:t>
-            </a:r>
-            <a:r>
-              <a:rPr lang="en-US" dirty="0" smtClean="0"/>
-              <a:t>to make your reports more like dashboards, so they</a:t>
-            </a:r>
-          </a:p>
-          <a:p>
-            <a:pPr marL="914400" lvl="1" indent="-457200">
-              <a:buAutoNum type="arabicPeriod"/>
-            </a:pPr>
-            <a:r>
-              <a:rPr lang="en-US" dirty="0" smtClean="0"/>
-              <a:t>Are a</a:t>
-            </a:r>
-            <a:r>
-              <a:rPr lang="en-US" dirty="0" smtClean="0"/>
-              <a:t>utomated,</a:t>
-            </a:r>
-          </a:p>
-          <a:p>
-            <a:pPr marL="914400" lvl="1" indent="-457200">
-              <a:buAutoNum type="arabicPeriod"/>
-            </a:pPr>
-            <a:r>
-              <a:rPr lang="en-US" dirty="0" smtClean="0"/>
-              <a:t>Are frequently updated &amp; consumed (especially early in the project),</a:t>
-            </a:r>
-          </a:p>
-          <a:p>
-            <a:pPr marL="914400" lvl="1" indent="-457200">
-              <a:buAutoNum type="arabicPeriod"/>
-            </a:pPr>
-            <a:r>
-              <a:rPr lang="en-US" dirty="0" smtClean="0"/>
-              <a:t>Actively flag errors, and</a:t>
-            </a:r>
-          </a:p>
-          <a:p>
-            <a:pPr marL="914400" lvl="1" indent="-457200">
-              <a:buAutoNum type="arabicPeriod"/>
-            </a:pPr>
-            <a:r>
-              <a:rPr lang="en-US" dirty="0" smtClean="0"/>
-              <a:t>Are easy and fun to jump into</a:t>
-            </a:r>
-          </a:p>
-          <a:p>
-            <a:pPr marL="914400" lvl="1" indent="-457200">
-              <a:buAutoNum type="arabicPeriod"/>
-            </a:pPr>
-            <a:endParaRPr lang="en-US" dirty="0"/>
-          </a:p>
-          <a:p>
-            <a:r>
-              <a:rPr lang="en-US" dirty="0" smtClean="0"/>
-              <a:t>Try to make your dashboards more like reports, so they</a:t>
-            </a:r>
-          </a:p>
-          <a:p>
-            <a:pPr marL="914400" lvl="1" indent="-457200">
-              <a:buAutoNum type="arabicPeriod"/>
-            </a:pPr>
-            <a:r>
-              <a:rPr lang="en-US" dirty="0" smtClean="0"/>
-              <a:t>Provide context and are self-explanatory,</a:t>
-            </a:r>
-          </a:p>
-          <a:p>
-            <a:pPr marL="914400" lvl="1" indent="-457200">
-              <a:buAutoNum type="arabicPeriod"/>
-            </a:pPr>
-            <a:r>
-              <a:rPr lang="en-US" dirty="0" smtClean="0"/>
-              <a:t>Are portable and </a:t>
-            </a:r>
-            <a:r>
-              <a:rPr lang="en-US" dirty="0" err="1" smtClean="0"/>
-              <a:t>archivable</a:t>
-            </a:r>
-            <a:r>
-              <a:rPr lang="en-US" dirty="0" smtClean="0"/>
-              <a:t>, and</a:t>
-            </a:r>
-          </a:p>
-          <a:p>
-            <a:pPr marL="914400" lvl="1" indent="-457200">
-              <a:buAutoNum type="arabicPeriod"/>
-            </a:pPr>
-            <a:r>
-              <a:rPr lang="en-US" dirty="0" smtClean="0"/>
-              <a:t>Contain statistical analyses that encourage sophisticated reasoning.</a:t>
-            </a:r>
-          </a:p>
-          <a:p>
-            <a:pPr marL="914400" lvl="1" indent="-457200">
-              <a:buAutoNum type="arabicPeriod"/>
-            </a:pPr>
-            <a:endParaRPr lang="en-US" dirty="0" smtClean="0"/>
-          </a:p>
-          <a:p>
-            <a:pPr marL="914400" lvl="1" indent="-457200">
-              <a:buAutoNum type="arabicPeriod"/>
-            </a:pPr>
-            <a:endParaRPr lang="en-US" dirty="0" smtClean="0"/>
-          </a:p>
-          <a:p>
-            <a:pPr marL="971550" lvl="1" indent="-514350">
-              <a:buAutoNum type="arabicPeriod"/>
-            </a:pPr>
-            <a:endParaRPr lang="en-US" dirty="0" smtClean="0"/>
-          </a:p>
-          <a:p>
-            <a:pPr marL="514350" indent="-514350">
-              <a:buAutoNum type="arabicPeriod"/>
-            </a:pPr>
-            <a:endParaRPr lang="en-US" dirty="0" smtClean="0"/>
-          </a:p>
-          <a:p>
-            <a:endParaRPr lang="en-US" dirty="0"/>
-          </a:p>
-        </p:txBody>
-      </p:sp>
+            <a:off x="4005943" y="3074373"/>
+            <a:ext cx="7381853" cy="3130814"/>
+          </a:xfrm>
+          <a:prstGeom prst="rect">
+            <a:avLst/>
+          </a:prstGeom>
+        </p:spPr>
+      </p:pic>
       <p:sp>
         <p:nvSpPr>
           <p:cNvPr id="4" name="Slide Number Placeholder 3"/>
@@ -4779,23 +4931,142 @@
           </a:p>
         </p:txBody>
       </p:sp>
+      <p:pic>
+        <p:nvPicPr>
+          <p:cNvPr id="5" name="Picture 4"/>
+          <p:cNvPicPr>
+            <a:picLocks noChangeAspect="1"/>
+          </p:cNvPicPr>
+          <p:nvPr/>
+        </p:nvPicPr>
+        <p:blipFill>
+          <a:blip r:embed="rId3"/>
+          <a:stretch>
+            <a:fillRect/>
+          </a:stretch>
+        </p:blipFill>
+        <p:spPr>
+          <a:xfrm>
+            <a:off x="258511" y="269555"/>
+            <a:ext cx="3747432" cy="6588445"/>
+          </a:xfrm>
+          <a:prstGeom prst="rect">
+            <a:avLst/>
+          </a:prstGeom>
+        </p:spPr>
+      </p:pic>
+      <p:pic>
+        <p:nvPicPr>
+          <p:cNvPr id="6" name="Picture 5"/>
+          <p:cNvPicPr>
+            <a:picLocks noChangeAspect="1"/>
+          </p:cNvPicPr>
+          <p:nvPr/>
+        </p:nvPicPr>
+        <p:blipFill>
+          <a:blip r:embed="rId4"/>
+          <a:stretch>
+            <a:fillRect/>
+          </a:stretch>
+        </p:blipFill>
+        <p:spPr>
+          <a:xfrm>
+            <a:off x="4199429" y="301278"/>
+            <a:ext cx="3697460" cy="2773095"/>
+          </a:xfrm>
+          <a:prstGeom prst="rect">
+            <a:avLst/>
+          </a:prstGeom>
+        </p:spPr>
+      </p:pic>
+      <p:sp>
+        <p:nvSpPr>
+          <p:cNvPr id="12" name="TextBox 11"/>
+          <p:cNvSpPr txBox="1"/>
+          <p:nvPr/>
+        </p:nvSpPr>
+        <p:spPr>
+          <a:xfrm>
+            <a:off x="2525313" y="6231480"/>
+            <a:ext cx="7565917" cy="584775"/>
+          </a:xfrm>
+          <a:prstGeom prst="rect">
+            <a:avLst/>
+          </a:prstGeom>
+          <a:noFill/>
+        </p:spPr>
+        <p:txBody>
+          <a:bodyPr wrap="none" rtlCol="0">
+            <a:spAutoFit/>
+          </a:bodyPr>
+          <a:lstStyle/>
+          <a:p>
+            <a:r>
+              <a:rPr lang="en-US" sz="3200" dirty="0" smtClean="0">
+                <a:hlinkClick r:id="rId5"/>
+              </a:rPr>
+              <a:t>github.com/</a:t>
+            </a:r>
+            <a:r>
+              <a:rPr lang="en-US" sz="3200" dirty="0" err="1" smtClean="0">
+                <a:hlinkClick r:id="rId5"/>
+              </a:rPr>
+              <a:t>dss-ialh</a:t>
+            </a:r>
+            <a:r>
+              <a:rPr lang="en-US" sz="3200" dirty="0" smtClean="0">
+                <a:hlinkClick r:id="rId5"/>
+              </a:rPr>
+              <a:t>/displaying-health-data</a:t>
+            </a:r>
+            <a:r>
+              <a:rPr lang="en-US" sz="3200" dirty="0" smtClean="0"/>
+              <a:t>  </a:t>
+            </a:r>
+            <a:endParaRPr lang="en-US" sz="3200" dirty="0"/>
+          </a:p>
+        </p:txBody>
+      </p:sp>
+      <p:sp>
+        <p:nvSpPr>
+          <p:cNvPr id="8" name="Title 1"/>
+          <p:cNvSpPr>
+            <a:spLocks noGrp="1"/>
+          </p:cNvSpPr>
+          <p:nvPr>
+            <p:ph type="title"/>
+          </p:nvPr>
+        </p:nvSpPr>
+        <p:spPr>
+          <a:xfrm>
+            <a:off x="8090374" y="561109"/>
+            <a:ext cx="3263425" cy="1129579"/>
+          </a:xfrm>
+        </p:spPr>
+        <p:txBody>
+          <a:bodyPr>
+            <a:normAutofit fontScale="90000"/>
+          </a:bodyPr>
+          <a:lstStyle/>
+          <a:p>
+            <a:r>
+              <a:rPr lang="en-US" dirty="0" smtClean="0"/>
+              <a:t>Fictional, Reproducible example</a:t>
+            </a:r>
+            <a:endParaRPr lang="en-US" dirty="0"/>
+          </a:p>
+        </p:txBody>
+      </p:sp>
     </p:spTree>
     <p:extLst>
       <p:ext uri="{BB962C8B-B14F-4D97-AF65-F5344CB8AC3E}">
-        <p14:creationId xmlns:p14="http://schemas.microsoft.com/office/powerpoint/2010/main" val="1220325691"/>
+        <p14:creationId xmlns:p14="http://schemas.microsoft.com/office/powerpoint/2010/main" val="1777419168"/>
       </p:ext>
     </p:extLst>
   </p:cSld>
   <p:clrMapOvr>
     <a:masterClrMapping/>
   </p:clrMapOvr>
-  <p:timing>
-    <p:tnLst>
-      <p:par>
-        <p:cTn id="1" dur="indefinite" restart="never" nodeType="tmRoot"/>
-      </p:par>
-    </p:tnLst>
-  </p:timing>
 </p:sld>
 </file>
 
@@ -4816,182 +5087,173 @@
           <a:chExt cx="0" cy="0"/>
         </a:xfrm>
       </p:grpSpPr>
-      <p:pic>
-        <p:nvPicPr>
-          <p:cNvPr id="7" name="Picture 6"/>
-          <p:cNvPicPr>
-            <a:picLocks noChangeAspect="1"/>
-          </p:cNvPicPr>
-          <p:nvPr/>
-        </p:nvPicPr>
-        <p:blipFill rotWithShape="1">
-          <a:blip r:embed="rId2"/>
-          <a:srcRect r="3920" b="9723"/>
-          <a:stretch/>
-        </p:blipFill>
+      <p:sp>
+        <p:nvSpPr>
+          <p:cNvPr id="2" name="Title 1"/>
+          <p:cNvSpPr>
+            <a:spLocks noGrp="1"/>
+          </p:cNvSpPr>
+          <p:nvPr>
+            <p:ph type="title"/>
+          </p:nvPr>
+        </p:nvSpPr>
         <p:spPr>
           <a:xfrm>
-            <a:off x="4005943" y="3074373"/>
-            <a:ext cx="7381853" cy="3130814"/>
+            <a:off x="645756" y="275431"/>
+            <a:ext cx="5185229" cy="850611"/>
+          </a:xfrm>
+        </p:spPr>
+        <p:txBody>
+          <a:bodyPr/>
+          <a:lstStyle/>
+          <a:p>
+            <a:r>
+              <a:rPr lang="en-US" dirty="0" smtClean="0"/>
+              <a:t>Fictional scenario</a:t>
+            </a:r>
+            <a:endParaRPr lang="en-US" dirty="0"/>
+          </a:p>
+        </p:txBody>
+      </p:sp>
+      <p:sp>
+        <p:nvSpPr>
+          <p:cNvPr id="4" name="Slide Number Placeholder 3"/>
+          <p:cNvSpPr>
+            <a:spLocks noGrp="1"/>
+          </p:cNvSpPr>
+          <p:nvPr>
+            <p:ph type="sldNum" sz="quarter" idx="12"/>
+          </p:nvPr>
+        </p:nvSpPr>
+        <p:spPr/>
+        <p:txBody>
+          <a:bodyPr/>
+          <a:lstStyle/>
+          <a:p>
+            <a:fld id="{AF87EE96-E852-4892-A22F-23BA018C684B}" type="slidenum">
+              <a:rPr lang="en-US" smtClean="0"/>
+              <a:t>13</a:t>
+            </a:fld>
+            <a:endParaRPr lang="en-US"/>
+          </a:p>
+        </p:txBody>
+      </p:sp>
+      <p:sp>
+        <p:nvSpPr>
+          <p:cNvPr id="9" name="AutoShape 2" descr="data:image/png;base64,iVBORw0KGgoAAAANSUhEUgAABIAAAASACAIAAAAIyqENAAAACXBIWXMAAB2HAAAdhwGP5fFlAAAgAElEQVR4nOzdXXCU950v+J+3crFTs1VbdTZIluRUhTqQHYMIGmQXdUTNOAwvBvwyvvCSFAQckwTKczwFNh57PHZyEZskJCaGis+4RBKIwaYSyqfWB4OEeQn2TKFZCkREEHgqcIpUBalRy7tbezE15469aHWrW+putaTWo7fP5wqrn5f/86L2/6v///k999y9ezcAAACYeP/TZDcAAABgthDAAAAAEiKAAQAAJEQAAwAASIgABgAAkBABDAAAICECGAAAQEIEMAAAgIQIYAAAAAkRwAAAABIigAEAACREAAMAAEiIAAYAAJAQAQwAACAhAhgAAEBCBLAK3bzZvm/bsmXL7smzbNmybfvab96c7LaNX/u27CHtq/RoxrDK5Lp5s33ftpl7CWeQm/uy12hb+2S3pYiZ/VUAAEw4AWxEN9u3Lbvnnvnz1+3Y39HRkf9JR0fH/h3r5s+/Z9m29pnb9cp0N6dJyirqZvu+bcsyV7DkJZzYazj9zyExq74K3LEAMHEEsLJu7lt2z/x1+ztGWKxj/7r5y6bkX+vHKXP8O0Y8AVPXzfZtyyo6go796+ZPyGje9D+HxKz6KnDHAsDEEsBKu7lv2fwdg52Qlq17227cuHE358aNtr1bW7Ifd+xfNzVnTFVibevAMZ3fPi//5zeul+yElVplKrm5b1lBn7nEJcxdw+jYMb/qGazMOWSamEVfBeGOBYCJJoCV0r5tsMvVsrXtxt3zrdvXzpuXFzbmzVu7vfX83RttW7M/2b9uOve7Zpr8K1j2Ep6/0bZ3sPc8ARmMac1XAQBQTQJYce3b1u0f+GfL3hvnW9eWHuWZt7b1Rq7/vv91nfepIe8Kxta2kS7h9vN3BzvPHTt+rPPMAF8FAEB1CWDF3Nz3+mCf652Rp9jN2/5Ott/VcfSEbtfkK7iCN8p1mnMKOs/GL4gIXwUAQPUJYEXcPHE0O+No66uVPeE075H1W1tatm7d2/bqI0VXuHmzvbB0daZu9QgNKVxpWa7EWqka8LmfD+SHTC2zkfc5bHsDlcBzf/vv2DF/yA6HrlJh7fBy1euHtLaiU1TcGK5gRMzb/urgFLIPCo5ixKL7RQ5/5HNYsIExHPyobqrsIeQuccEOh685/N4Zocx69S5f0cMs3Ozw7Vb0XoShvyAj7nqyvwrGcuMVrjiKr4IR7tgJOcMAMBvdZajBgZDY2lblDQ7TsrXtRvGV2rYWX6tl743B6XItewvWzv18a9vdUusPWyl/vexHJZucW3d4E/J3Xkqphpc82nKnqKSxX8FSa5Zqd5EVc+uNfA5zC5Y5+BL7G/1NlT2Elr03Sq6cu/zlbr5ijZmgy7e1rXRTtw5tyojXqLJbtHhLJuurYCw3XuGKo/gqGOmOnYAzDACzkRGw4QaLgLUsmD/urbVvuye/gNpQHfvXFSv60L6tZMnrjh3zt30w0l67X19WumR2x46nJuLxlLVPDHS+howe5Wn/YOCP6y3r80YHhhYrHKJj/7r5o/tz+uAV3PrE2tGsGPO+1Jj9Z/fvE5lAdnPfsvllKn4Xrwkytpsq68S2Uit37Ji/rf1m2Ztv+K1T9cuX54PSTd0/9Mys/buB/FBy7l/u9qv0tpgKXwXjVcWvggk4wwAwK012Apx6qvpX78HKDgPFq7M7KRwzKDWQFYV/Fx8+0FBmxSF7HLJyiT+Xl9peBYNmd0f+83fRz/P/7N6ytW2wunfhOSr9R/dhBrc4ipWGtbGgkWMeiBhh1cKDL3W1yt4eY7mphq7Ylt+MlmGXouDzIQdY/cs3fCCmpeRtXGIEp+jeSl+iChoy6V8FYx4BG77Hsl8F5fdZ7TMMALOSADbMYM9lDN33QnkduKK977xOUl6PpaDbN2ytGwU9q3Jd8yJ7LHVsVQpgI3QXi+av4oGn8s/LrjKuAFb5gd0dawAr39LiQXJsN9WI90a526pMUyfg8g0JYEXWK3mM5fLBGNLBpH8VVCmAjearYIR9VvkMA8CsZAriBGr/cXbCUfECavPWtub6OoPT9gaf+9/aVqR8X/5K5RStGZCbJRgd129UsJHRKjdHabCeXN70pLwftrUWnbQ0eLilZzZOV7kJW8Wv1mBRkLzTObabqlCxvQ3eGsU3nPf5oIm/fEW3W/IY5z2yvtT9l/drNQmz46px1casml8FU/YMA8A0IoANM39B6efkR+Xm77sH/lW6gNpgNyjb7aqgG1O0LzxEiZWrdnAllO6fFT+u3EM2ZfpsucNN6KmsxAw+Ebf374of/drWgT+UnM/eQGO7qQqN1D9u/FKxDedunbwO+0RfvpInJu8YCzZb8v4bUzqY5K+CKqnuV0F1zzAAzEoCWBnjHCXK9U7LPcA/rCNZyVojJ7Bq1AwYk1L9s1z3rKBPPdgx3b/unpKyZbErvR5V6jcXzyETYRR7GttNVWCke6Pye2diLl+eMiemWB6MkvffeNPBpHwVVEe1vwom6AwDwCwigA2TfCG84pLr/1dVbt5cQf9sMH+tL/5ypIpUeD0Gr+Do+82DmWLCM+zgrmaJUf86lbsEeb+mhT8vdv8Vj/8jmipfBVNLNc8wAMxKAthwgwMoo+q/39y3bNmybdv2tVfl5bPTWPYv+Xn9s+rkr4oNXsHRzubKe/HuNA3As0Xp+Dr8/hvz7eeroKgqnmEAmI0EsOFyc2xG1X+/eeJoR0fH/v071r1e4h05xVfL9SOHdvin79/ch/XPciUISj8BU1HdtPOl1h5ibFcwv6HTeyJV6ZtqolT18uWMceLf0Ptv7OlginwVTDnVO8MAMBsJYEXkd7ter/A9pXllzrJ9kBJPqRQafNXrgErWmuqT14b0z0q/nXVwjld14+Zg/cDYv67itwAP1vQbff4adh1HVsnB39y3bOBJqoGjGNtNNUEm6vLllNlsuceqCu+/8aSDSf0qqEhS17pQ9c4wAMxCAlgxef33jh3zK+jAt2/LVhrIG+QZ7LyV7rvlFSIf6PHnrVXqb+554zRTVLYcfcfREzfL5K/8nunwuvVZuRCyrMIecH4LImL/uopWbN82P3daSz/IUqIHPaZInKu60LHjx8Uv9fDKBmO7qSbKhF2+GGGzg1m5aJ8/Px+MLx1M5ldBgWreeFVQvTMMALOPAFZc/su29q9btq3Mwxw327flCr0V9twHu10dO54q0u+6md9Zy3W68jpr64rtN2+lqSt7EB1HT+wb6FgWDTUjnaKIm/ue2jGW7t287e/kIljHjvllL2Hc3Lds8BoWe1VT+afKBts4OnmVx4v2yweTdrHbYzQ31QSZuMsX5Tabd75LbDUvH5y4Pr50MIlfBTFRN14VVPEMA8CsM46XOM90Q9533NKydW/bjRuDn9+40bZ3a0HB8+FPwuRvo2Xr3rYbg+vmr9qy90bptXIr3R22w5IrDvn5YJtzoaSgraXWG1x82AZH2tXgquVbVHiaW7bmneLCw63oMaMhbRh6Cbfubbsx/BK2FC5TdD9DLmRuI8MvydD1y5zDwrOUf3/cvdGW/0m522PUN1WJK1H5BS1+61Tv8g27dfK2OuR8l95qxfdfJSbvq2DMN95YvwrujnDHFlusCmcYAGYTAaycwq7RCEbq145qzQrWKrbqxAWwnOx6I+5qSNe8TO+syF6GGUP8ymx7NJewXCtHaOTWvdnPS3dnix7MyAc/tttj1Il5jAFsAi5f3p62ljvQ8j3+wmaNNx1M3lfBGG+8qgSwwb0Uu37VPcMAMHuYgljOvLWt5yvpebVs3XujVI23ta13y22hZWvbjSJrrm0tvd+WrXv3VpjPxivvCZisysst5L8uunT5w4iYt/38jaF/zs/XsrXtRusYJ9NlLmG5rQ/so2VrW8lrONDIUlekZWvb3dZHSq9Y9hzO2172FmvZW/z2GMtNNUEm8vI90VoqfxQ/MfnNGqyfMcL9V4nJ+yoY8403ZpX+1lf3DAPA7CGAjWTe2tbzd+/eaNu7d2tLy5DZatmpSOdby3Y+1raez8wYylt9YN2751vXFl913trW8zdutA1ZaevethvnW7d/KfuTCS9YnUmCBYddcWnwwQQ24sNI87a3nh8+H3Ckc1SheWu351/Dgh20bB24hBXsZPgVyV6Q8kc30jmcN3iD5Dctc+yl7qwx3VQTZQIv37zt5ws3PNKJGVxzMB9U52G4yfoqGPONN2YV/tZX/QwDwOxwz927dye7DYzWzX3LBir2bW27O1GdMJjeciUx/JZMEGcYAMbCCNiU077tnpHKdpd7BxIQUe71c1SHMwwAYyKATTmD71Yq8XaoEd6BBAz+lpR+pxvj4gwDwBgJYFPOvC81Zv+Zee3Q4DjYzZvt+7Ytmz/CO5BglrvZvm1crx9jJM4wAIydZ8Cmovz3uZY0Yhk4mFUGH40c5OGkanKGAaAajIBNRWtby9b1TrrOOEwHeWPHGS17x1z/nmKcYQCoBgFsapq3vUi96kz16UmpMw5T3/wncn+2aPE3iongDANAFZiCCAAAkBAjYAAAAAkRwAAAABIigAEAACREAAMAAEiIAAYAAJAQAQwAACAhAhgAAEBCBDAAAICECGAAAAAJEcAAAAASIoABAAAkRAADAABIiAAGAACQkM9NdgOmluPHj092EwAAgGnm0UcfrXBJAWyoys8dAAAwy412CMcURAAAgIQIYAAAAAkRwAAAABIigAEAACREAAMAAEiIAAYAAJAQAQwAACAhAhgAAEBCBDAAAICECGAAAAAJEcAAAAASIoABAAAkRAADAABIiAAGAACQEAEMAAAgIQIYAABAQgQwAACAhAhgAAAACRHAAAAAEiKAAQAAJEQAAwAASIgABgAAkBABDAAAICECGAAAQEIEMAAAgIQIYAAAAAkRwAAAABIigAEAACREAAMAAEiIAAYAAJAQAQwAACAhn5vsBoyg58L7R4/887lbtyIiYu7c5X+xYf2TSxuKLPj+mz8aXG755hKLAQAATJopHcAuvLl917lbeT+4devcrV3n/nnz2/uebChc8PFd5/KXO3do17k/vnLsuaXJNBQAAKACU3gK4oU3d527FTF3+StvH8t4+5XNcyPi1qFn3rwwZMGImLt5YMGBxc7t2v5+z+Q0HQAAoIgpG8B63j9yLiKWv7LvudxUwoalT+57ZXlExLmOC8MXzM45zC1265//RQIDAACmjCkbwG7/8VZELG8ZOolwacvyiIg//HEgWvX8yz8XW3Dp+s1zJTAAAGBKmbLPgC197tix5ypYrlRQa/jCFyNu3frj7Qi1OAAAgClhyo6AlXKh41xEzP2L/5SJVT1//ENEzP3CfcMWvO8LcyNvpAwAAGCyTdkRsOKyD3xteHJ8w1rHjx8v9dGtW7dKfQQAADAe0yqAXXjzmUO3IuZuXl9xefkScxAfffTRoosfP3587ty5Y28hAAAwm1y7dm1Uy0+fKYgX3ty+61zE3OWv7BvF8FexyYkAAACTYnqMgPW8v31g7GvoK5gBAACmjWkwAnbhzTLpq+ELX4yBiYZDZMojfvEL8hoAADBFTPEA1nPhzcd3nbsVc5e/cqz42FepYoelyyMCAABMjik9BfHCm8/sOjfCxMOG//QXcw/dunXo6IUnn8srzXHh6KFbedXqAQAmxL8dfX6ymwCzy5+u/8lkN2Fcpu4IWM/720dMXxGZBBYR53Ztf/NCZhis50JmVfkLAJhQ0hckb7r/3k3ZEbDMEFbErUPPPH6oyOfLXzk2MOLV8OSLr/zxmV3nbp3b9cy5giUU7AAAJt6frJre3UGYRv799PQe/oqpOwJ2oePcyAtlNSx97u1XNi8ffH/X3OWb3z72XMUvCwMAAEjCVB0BW/rcsWPPjWL5hqVPPrf0ydGsAQAAkLCpOgIGAAAw4whgAAAACRHAAAAAEiKAAQAAJEQAAwAASIgABgAAkBABDAAAICECGAAAQEIEMAAAgIQIYAAAAAkRwAAAABIigAEAACREAAMAAEiIAAYAAJAQAQwAACAhAhgAAEBCBDAAAICECGAAAAAJEcAAAAASIoABAAAkRAADAABIyOcmuwEAACTtiaf+ZrKbwJTwwTv/ONlNmHUEMACAWSQTvVr3vD7ZDWFKyNwPYliSTEEEAJgtnnjqb1r3vC59kZO5GYyIJkkAAwCYFXSyKUogT5gABgAwW+hqU1Trntfl88QIYAAAAAkRwAAAABIigAEAACREAAMAAEiIAAYAAJAQL2IGACAiouvIq293jmL5+9bt+M6Kz49rX/WrvrfzodqxbQKmJyNgAAAACRHAAAAAEmIKIgAAERFNG15v3TDkZ5+179n7QW9E88bWDfdPSqtghjECBgAAkBABDAAAICGmIAIAME6fHtj53oUSdRH7zr713bY7EU3P7HmyacQtpT9tP3P2Uued29kf3Fff9MDDX1nbWLzcYl/608tDl7+3oWnFIyvur6y4YsEcy77uT058dPpCb+aje+9rXrF1w8B2+ro/OfHR1Qu9dwb20rzqsZUPNdVUcgj33te8qOTCoziE/JMcXWc//rCr63amqfX3Li12yNkzH0uffn1LY0WngwQIYAAATAl93e9/92DXkB/e7u26fbDrg/qmZ3YOyW+fdR351dudd4Ytf+d273sXuoYvX16668h7hVX479zufO+7nU3P7Hkyjrw1ZEe3O0+/3Xn1iZeeXVsYq3KZp3A7d97uPH1f88bvDH2ObmyHcO3AnlxKjIiI3jsXxnLITA4BDACAKSD9yf5M+qpf9cym3HjRZ11nf/V2253o7Xr7yML8QiB9Zweiy33NG3PjVJH+9MDh9y70xvDlR9B5+u2CTeWiUdfbe+5E7537mldtXflQbU1ek+LOB4c/WZL3HrNc+ioYH0t/1nXmV2933rnd+d5rUZDBxnYIt9tO3457l6772iMrPl8bEelP2w+/90FvRG/Xh2e/0jTWN7ORGM+AAQAw+fquXr0dEdH0zM782Xqfb1rx7DPNERHReS1vdOzTE5mBpuaN39mQN/Wu5v4tOzcuzfw7le4bTQPuW7cjb1Ofb9qwYmA7vXeieeN3NmTSV2GTevtTufXTn+wfbFLeIdR8vmnDs99bd29E3O48256uwiEsffrZLZn0FRE196/dueOJ+oiI213X8pevXfFs657XW/eYfzi1CGAAAEwdd1LpoT9q2vB6657XW/MfIeu+diEi4t4nVg4f45pTVx8RheloZE2PDR07un9JJmUV20td7b1DWjsYIIsNu9Wu+NoT9RFx54Mzn473EOpXPTI0UH2+rq708kwxpiACADD5amvvjbgTceeD3W9dal702MqFTTWlZ9M1Ptm658kSn32+ri6it8SHpdTPqSv52b11w+pnZFub89nlrsxw1sIST2FlW5VK98X9tTGOQ6irGV5fpG5oe5i6BDAAAKaAxiefab7zduedXNWKiGx9v0X315YoITgg/Vlf9KfSkfrdtUupbG3AUSmWakajP5XZaed72zrLLtjbn4oosq+KD+G+2jnjaimTTQADAGBKaNrw7Pe+XFDtfaC+X1tEfdMTw4rR93W/v/+jMcWtKWMGHAKjJYABADBV1DY+tKXxoS0Db8fKGwvq7frgYFdq8H1W2fd3Zd1Xf29D3b11tQuXLLo/debVt8sPQ02c5o0Vl16cqofABBPAAACYQKm+sTybVFtz/9oN96+NJ/PKvseFjz55pPGh2oi+s7/KRJeCAu65PY6/0aM2p66+8BGvkUy9QyAhqiACAFAdt/v6h/3ss1RFYeKz9j2vbtv56rYjnw77aHjZ92zFi/pVw6NLxKeXJ2HsKFeH8OrlYVUcI2LwAPd80hcxJQ+BhAhgAACMU7Zs+vD3VnV//EFFDzh9fknTvRERBW/KysmmuHK1Cgf0nT17oZIdVlvTylX3RWTezlzk5V3Z87D04YdGHB+brEMgGQIYAADjlI1Pvae/u+eTroEE9VnX2fdfO9hVbr08tSsyLz6+88Hutw50fzaYYdKf5p6VyqaXwd3tP/Jpbsm+9KcH9rz63bbcjMcirxSbQDUPbV2XOwnvt3d/lv3gs66zb23LnIfBV3glcQh9Z9/atvPVbTtfPdA99o1QdZ4BAwBgvGpXfO2Jrr0f9Eb0nn579+nBD+pXPdN09e22Sh4Du3/LS6t6dp++HXcuHNw7fAjovnU7shU4onbFiqVd713ojdud7323cLbefc2rHqvN7PFOKh1Rvn59VdWuePZ78dZ32+5kSoZ8MOTj+lXf2zk4/DU1D4EECGAAAIzf59fu3FF39uMPu7J1C+vvXfrw17Y0fr7v7NVKt1Hz0Hf2LOw6+/GHXXdu5yrR1997X92KrSuHvArs/i07dyzJ313ce9/g65trlra9dyHiwu8+3dJYYU3C6qhd8Wzrok/bz5y9lLqTKy5/X33TA8Nq6E/ZQ2Ci3XP37t3JbsMUcvz48UcffXSyWwEATA//dvT5iPiTVc9PdkMq8sRTf9O65/XJbgVT1Ladr37wzj9OditG9u+nfxIRf7r+J5PdkEHHjx+PiMpDhGfAAAAAEiKAAQAAJEQAAwAASIgABgAAkBABDAAAICECGAAAQEIEMAAAgIQIYAAAAAkRwAAAABIigAEAACREAAMAAEiIAAYAAJAQAQwAACAhAhgAAEBCBDAAAICECGAAAAAJEcAAAAASIoABAAAkRAADAABIiAAGAACQEAEMAAAgIZ+b7AYAAMBYpT95bffp280bWzfcX3qZT9vPnL3Ueed2RETcV9/0wMNfWdv4+dHvq0rbYXYTwAAAmKY+az98+nbZJfq6399/sCt/mdu9XbcPdn1Q3/TMziebKt5TtbYDpiACADAdfda+Z+8HvWUX6X7/u4WpaVBv19t7PumrcFfV2g4YAQMAYPpJf3rg8HsXyqev+PTAwa6Bf9Y3PbPpyaaaiIi+7k9OfHT6Qm9E7+n9Zxd+Z8WIcwirtR2IMAIGAMC08lnX2fdf2z1i+orovnYh84/6Vd/bOZCaIqK28aEtOzcujYiI220fdxVfeQK2AxEhgAEAMH181r5n79ttmdmA9z7x0o4n6ksu2td3JzKLbXqoduiH9295OvPcVtfl7hF2Wa3tQIYABgDANHNf88bv7Xl2bU25ZVKZ4FS/aEnRxWrm3BcRET19n5XfV7W2AxmeAQMAYNqoa1r1zKaHmspGr1G53dcfUYXHt6q1HWY8AQwAgOni800rHhrdGr39qYhhUwcj0v3l69dP1HaY9UxBBABgBmr68sDTWW8f+XTYh5+1f1Rp1YxqbQcyBDAAAGaixoWZEoXR+d5rRz7pSg/8uC/96YERXyA2EduBiDAFEQCAGer+R9bde6HtTkTc7jz9dufpwk/vva/+zu2K4lO1tgMRRsAAAJipalc8+7119xb75N4nXvraA4lvB8IIGAAAM1jtime/t+jTE4fPXugdeJ3Xfc0rtm64vzY+PdAbEXFf7ZwktwMCGAAAM1ltzf1bdt6/ZchP0+meiIhoqK20dny1tsMsZwoiAACzTt/Vq7cjIpqWNE6J7TB7GAEDAGAmSn/y2u7TtyPuW7fjOys+P+Sj/W13IiKaFzYlth2ICCNgAADMTDU1DRERcbvtVwe6P+sb+Olnfd3vZwJVRCz98v3JbQciwggYAAAzVK58/J0LB/deGP5588YthfMG+86+9d22OxGx9OnX8z4a9XagDCNgAADMTLUrnn2muWj5+LiveeP3NlQ6bFWt7UAYAQMAYAZr2vDs9778yYmPrmbLx8d99U2PbfpKU83oihZWazsggAEAME19fu3O19eOtFBt40NbGh8aWj6+6JIrnm1dUYXtQBmmIAIAACREAAMAAEiIAAYAAJAQAQwAACAhAhgAAEBCBDAAAJjVtu18dbKbMIsIYAAAs8IH7/yjfjalfPDOP052E2YLAQwAYBaRwRhi285Xpa8keREzAMBskelnP/HU32T+s3XP65PaHCaZND4pBDAAgNklF8P0v2c5A1+TQgADAJiNdL5hUngGDAAAICFGwIa6devWZDcBAJgeaiIioqenZ5LbAbPGf4iIad5jF8CGmjt37mQ3AQCYHv7tYkREQ0PDZDcEZot/vx4xxXrs165dG9XypiACAAAkRAADAABIiCmIU91/+9f/MtlNgFnkr//sP092EwCAmcwI2JQmfUHC/NIBABPKCNg08NAX1092E2BW+OQPRye7CQDADGcEDAAAICECGAAAQEIEMAAAgIQIYAAAAAkRwAAAABIigAEAACREAAMAAEiIAAYAAJAQAQwAACAhAhgAAEBCBDAAAICECGAAAAAJEcAAAAASIoABAAAkRAADAABIiAAGAACQEAEMAAAgIQIYAABAQgQwAACAhAhgAAAACRHAAAAAEiKAAQAAJEQAAwAASMjnJrsBTLLN67852U2A0Tl09BeT3QQAgDESwGavTPTa89buyW4IjE7urwaSGAAw7Qhgs5HoxbSWuXV3PvvSZDcEAGDUPAM2S0lfTHd73tptAi0AMO0IYLPO5vXflL6YMWQwAGB6EcCA6cqfEgCAaUcAAwAASIgiHACJev2fPpzsJsDs8upfPjbZTQAYZAQMIDnSFyTP7x0wpRgBA0jaN5f85WQ3AWaLX1z+p8luAkABI2AAAAAJMQJGob5ze167Eg11dfU1X25qbFw8p+zS/ekr3We60qneVG/9qj1PLUyqhSd7I+off2Hn6vLNAwCAqUUAY7hUb0+qtyc6L15Z950dK2pLL3jlN7t/dnng3/WJNA0AAKYzUxApI9V1pb/Mx91dl8t8CgAADCGAUVx9Q11E9HZ2p0sucu13FyOirr4hsUYBAMD0JoBRXF3z4vqI6Llyta/EEle6OyPiwcVNCbYKAACmNQGMEmobmxqizCzEzPzD5qbGRFsFAADTmSIclDJnUXNdW0+qt7M7vXp5zdBPM/MPl3x5cfS1DV/32pFnD3WWKFSYPrV394z24t8AACAASURBVLFUxJKn3/pqQXrru3b25Omui6ne7A/qG5Y0rfurFSNUYsy68uudmYogDUuefrn8luvqH1z88JrljSXqi6SvnDvTdqWzJ5VdeNWmpxZGqWaPfvujXn6o/rM/eKOtJ+LBzXueWpi+cu5M28nOntymVm16amFNkQOJ+gfXlNzLaE9R37WrQy9WXV3zqpWrFxbeKvl3QnSf+s1HnZd7M01tqGsusnzu9ojmb+/esLjCEwIAMG0IYJRUs3hx/bFUb8+Vq33Lh9ZCHJh/2NgYUWqK4qikr/x6sKBiVm/P5d6fXW4bHqiGu/LrPSXSV65DnyfVezF18OKV5sc3bhiaD7PZpmDhQ7svLln3YImWl9z+yfoHN+8cVpp/tMuXle5+59DBi0Va+/RbX4139h68WLCj3osnDxarbDnKJvV3v/PekC1HRG9PqrfnUGdnqYvVfeQHuZQYERE9qc5yywMAzEwCGKXVNjY1nOztSXVd6V9RGFQy8w/r64YNjI1N37nDA/FpzdNbcqMu/d2n3jt4LBU9lw++01juJWN95/b87HJvlE1fDUue3vJXjbVzIiLdd+3MgUOdPanOY29EbcEwS/c7A+mr/sHN2XGkTN643FaQc4Zuv2Bwqa+/++R7By+mei8e2hMFAWa0y4/g4smDRZqairh88Aep6EnVP7hm05rlNbV5JzNSbQfOLXp5cEhz9IcwkL7y9hvRd+3IgUOdPVHqYvUeO9kbdc2Pb1y5ek5NRPRdO3vgUFtPRM/lj079VaP3uQEAs4ZnwChjzqLmorUQB+ofNlU4OXAk6StXeiMiljz9cv6ctzmNq3c8nRl3utjdXWrl7HuZi8w8jGtnBtLXmpde/momfUVETe3CDS+/sK4hIqLzZ7/uztvURxcjMvPlctEi5jQ+teOlx+uK7vpwZvsPbt75VF7LawdX6b14+mzfWJevwLCmrmrO/LMnldlLTW32o9zJ7EkPXs1RNyl7Sh/cnLffiNqFG17ePLDr3nTRypnN396xIZO+IqJ24YrsJRhyd9Ws3rHnrd173jL/EACYmQQwyqlZXKwWYmb+YcPiRZU+s1ShVN+w7NH41O49b+3eM/yxq4xy6SvSp053RkTUrdsy/Bm2OSu2rKmPiLj80amBKiO5HPjwsAGZmtXZYJO//VxuLDZmVbN647qGiEi1nbw2tuUrMLypC788MFWybt2aoXupqcvEyMHzPOomZS59sY1H1NRmXkjQUyyANaxZOTRQzamtL708AMAMJYBRVm1NXcSQWogD8w+bG6s0ATFqageCQdtre/e8c667r9zbnweluo9k0lcUf44onRqoolFbNCgOHFr0pjL9//6rnZmxncZiYS8XbHLKLx+DAWNgRGi0y1egoab0JShy1NnznDP6Ji3+6p63du95a+hTZAULF1VfpKnZQAgAMIt4BozyFn75wei8GHm1EPv7eqOK8w8jIhZ/9ekHUwcvpnK1HyKyVfIWL6wpMc7We/FktgRf0eeIMu0sk1JqahsiejLpYmFNpPsyT3+VeLCtpq4uIr/yxMDycfHQzmKPhw3qSacjaka9fAWKpZrRGHeT+vrTkU7fib6u7q7ebHnDoi2t1uOCAADTnADGCBqblsTFy5GrhdjX3dVT/fmHjU/teKmpoGb6QJW8YxENS9aVKkbfsKS+53JvRO+x33SvLjFNsWRKmVNbH1E6M1BK+sqvD7eVi1sAAJQigDGSxY3NcbkzBmohZp4aquL8w5yaxcs3LF6+YeAdU3kjKj2X2352uW/4W6Ea1rz08vI4ldp9LBVRulLiwADXcNkhsiGLp9IRoxnce3BzuQqN418+AaNo0tAy/fUNdXX1dbV1jYsWL0yffOlg+ZE0AIBZTwBjRNlZiKl0RFztTI1z/mH20aySamoXrnhq4Yr4al7x9OhsO7dycUEtjYEQuHrjus432noiLh460pQf0rIDXCVn9GUn4A0MkWVnJFba7CEzGEc02uUTMOompU+9N6xMf96nE9BEAIAZRhEORtbYtCQi4mJ395XRzT/M1rfIN3zcqf/sD17a+exLO98ZXv2vRPH0wmWy9QwLa8oP1ni4/LsrxdYbKOiXezxpoOZ+iZL3mcr7BfvNFvErLBE5KHtcPziXHsvyCRhtk7JFOxrWDE9fxU4RAABDCWBUYHFjc0TE5Y/arvRGJbUfshXJhxf0u/KbtqGjTLnkU/QVWCPW0oioXb5p4D1dlw/mpbhc7fjOtuGRpv9s2+WIyK/kPlBzP68wfU62on2BxjWZ4JdqO1AsMmWPtHndwMDdaJdPQBWbVPQUAQAwhABGJQaKsPf2pCKiuWnE54Wymarn5O4fnOseiFX93ad+vednl4cvnU1KqbbX9h650p/3muBruSeOymeA7BurhqS4hSsfzzXj17nq9um+a0eym61//K8GS3dkg1zvsTf2vHMt24z+7nf27j5WbNpkLvj1nNz9g1+fHazU3999au/OzJHmv/9qtMsnYHRNGryshwfPT+Z8vpR3ioq8z61y6VN7dz770s5nXzpSdNwSAGCa8wwYFckrwr7kyxUkhJrco1k9Jw++dnLwg4Y1TzdfOTg0zyzc8J01qddO9kaq82dvDB9IqX/8haEVOIaas2LdkrafXc4M5ix6eSCt1aze8VLs3X0sFT2XD742JPvVNT++cUNh8fqa1RufTr1x8GL0Xjy0O39CXcOSdc2ptmExLH/7bT+73Dbk44Y1L71ckBtHu3wCRtWkmtWrmjsPdfYMOz8R9Q+uebguc2VTfXciqvySbgCAGUIAoyI1ixfXH0v1RpmX9g4xZ8XLL9Se+s1Hndlihg11zes2blg8J32q2NBG7fKdbzV2n/rNR52p3lwl+oa6+vpVm9aUfBVYgcVfffrBywcvRvScPHyqcWduYuHqHXsWXzt78nTXxVT26bO6+gdLbXZO41O7Cwvi19U/uGrTUwvj1N6h4WTI9ntTucrs9Q1LmkqUzh/t8gkYTZMWbnj5hS/nX9aoq39w8cNrGhtr50TUNB871BnR2XVtw+IpVukRAGBquOfu3buT3YYp5Pjx448++uhkt2LQf/vX/xIRD31xfRW3uXn9N/e8tbuKG5wlut956eDFyRmkooydz7506OgvqrW1T/5wNCL++s/+c7U2ONzr//RhRHxzyV9O3C6AfL+4/E8R8epfPjZB2/+3o89HxJ+sen6Ctg8M8e+nfxIRf7r+J5PdkEHHjx+PiMpDhBEwGDAQsWLJ028Nf6dzthbIyAVIYDJt27BpspsAY9F65PBkNwEgIQIYDMg+53b5d1e+2jjkkbO+7q5M0Y46+Yupa9uGTd/fN4X+IgiVy/ztQAwDZgMBDAbknnPr/Nne+PbGDQOPP/Wnr/zm8M8u90bk16yHKSXTeZW+mL4yd++2DZtkMGDGE8Agq3b5zm+n9/zscvFijA1Lnt4yfGoiTBXSFzPA9/f9RAYDZjzvAYM8i7+68zsvPP1gXX3D4M/qG5as+/YLL7381Ual1ZmSzDxkJslksMluBcAEMgIGhWrnND61w0gXAAATwQgYAABAQgQwAACAhAhgAAAACRHAAAAAEiKAAQAAJEQVRIDZpT/dfe2jk1dTvame7I8a6uvq/nzFw4sW1NQUXyd99qe7TqQi6h77+79dWWKZrOuHn3/3UkTDI8+9uGKsby7vPrr9QFdluwOA6UUAA5g10t1Hf3mgq2fYz3t6Uz297146EQ3Nq7+x8SsiDwBMGFMQAWaHq+/9dFex9JWvp/PUrud/eiadUJMAYPYxAgYwC1x97x9+3pn9j/q6BwonHKbT1393+uyHnamIiEh9+MOjtT9Zv2gy2gkAM50ABjDjdR/Npa+GR77+jRULhkwyrKlZsHLjgpWrrh/+4buXIiK6fv5GzSsvmIsIAFVnCiLADNd/5mRX5l8Njzz34rD0NahmwaaffP2BzL97T33UnUTjAGCWMQIGMLOlr13ujYiI+tXfGLks4YJNW5ouHeiKiEtXrm9qXFB+6dzMxobmr7+4cYSFcwUYL/Wmsj+pa6ivXbJm+crG0g1LXz9z+uzlzoGajQ31TWWWT3d/XLD9zGTL4Zkz/fGPfniqJ+KBLd/f1Nh/9ey59hPZp+Pq6x5Y87VNA9vvv3r2XPtvu3p6B1r7wCPFtjbmQ5vYJlV8NkZ7CPk1KqOSq9N/5o03P+yNiKZvmdoKIIABzGzpq1czneMH1lQ2pbCx8YHouhQRnd1XNy4o012++t5PR5G+0tcPH3r3Uu+Qn6Z6elM9B7oul9hC6urR7Se68n/S09vVc6DrcpEa97lefp7e1KXedy/9tumxzeuLl7Pvu374QGbWZd4qB9681Pz1fRvj8BtDGpy6dOLdS79dPXRy5pgOraSqNKnM2ThR98CWv93UWPjR2A7h6tEfnSgo6zJwdUZ7yACziwAGMKP13ckMaNTVVfpE14Km5rjUGRF9felYVPrNYD/vTEXFY19nBvr3dQ9syQ3mDJbF7+l89/Di7w9NBZG6dCIV9U2PZQdV0t0f//LAqZ6InhO/OrMo/xVhg3mjofnr31iVqS/Sn+4+98sDXT29XR/+MIqWFbl04t2CJuVySOe7P0pFT2/dA4987eEVc2oiIn39zKF3P+yN6D31y7ML8+Lf2A6tpOo0aeBsFIyPpdPXPzr07qXe1KUDP42CDDbGq/Nh5upsXr6ypvDqdJ49s2qBF7gBlCCAQWl95/a8drL3wc17nlo45JPud146eLGCLRRbtxLpU3t3H0tFLHn6ra9W3HGDIvr7BiaU1dZW3CGuvbcuIhWRSqUjiq2VfS9zhekrovtcJh0NGXupaVz/4pbYfqArIlJ9/VFktl7Tt14YDE41jV958e/jRz881ROpy1f7V+YiR3b7hW9/nlPTuP7Fv6/50Q9P9UTXz99r3FekqYXveq5ZsGnNwAzMnt7C1tYsWPnC11PPv3spoudOf8TQXY/+0EoZb5PSZ39VvEk1Cza98FzdG29+2Ju6dPLjhxuzg2YTfXVizsoXvr+y4uMHmOkU4YBS+s8eODl0Rk4y+s4dPpYaeTGYFKNOXxFXr3RFRNSvfnj43xNqahoiYiBCDNXwyPKhw1Y1NXVDl89WGSn6kFvNV77xSF1EROfZIu83a14xdKCmsXGgDEmR1s6pq4+IiFQ6t6UxH1pJ421S/+9+m4qIaP56sWG3OSs3r26IgiIrE3x1ABjCCBgU1X/2B2+0lX9l7cTterKCH4wodfXohycG+veVP+ezaOP3920s8VlNTV1Eqd+1utrhoy5z6uojCn5F+lOZ/6yrKTrIV1NbW2pAr+He0gNTRbY2p7ZuyK7HfmiljLdJ2ZorDywucXWyrcoNak3w1QFgCAEMhum7duTAoc6y3abGp3bvearUh9eOPHuoMyIa1rw0+vmH3e9MVvBjZsp10Ms90DVE6cfGUpdOZAdnx/GcTzrdH+n+vkh3XbmayhbQK6ay59bS6UybSkaXmpqGwsgxuIMiEWJcKj60ksbbpHQ6s9NLB/7hUtkFCyZSFmygqlcHgKEEMMjX333qNx8duzyev992v3OoMyKibt2W5aPunlz59cGLEQ1r1tWfbKvkGTMY0YgPdA1zvWvgrc3FHxtraK7r6UxFpD48fX3lKIrd9V9971ftY8okFSoZXcY0EjUaE35oE28GHALAdCGAQU7+tMO6dd/ZGAdGPxiVSVAR9Y9vXFE72gZcO/Kzy5nkVnvy5GhXhuJqFi1qOJHqiSiou1BGd/fAyElz4/CygQ2PPPfiijiTevPD3ojK6/tlX3KVVddQX1tXV1O3eOGXG/s/ev7d8mM1FSpZ6yI7RDYhEjm0MXhgS8WlF6fqIQDMUAIYDFX/4OZNTy2sif6zo141k6AiGtZsWj3aaUT9Z39wqDOi+ds7VtRG98jLQ4VqFi6pP9VTpFh5UdcPHxh471axh4jqliyaExErN6++/MNTPRGXDhxtGvnVuv1nDmX69wVVznOfVnogpWQHuErNqcvNyqv6hMMJP7QxKD3fsoSpdwgAM5wqiDCotnnN09/ZvfOphWN7smE8kw/Tp95r64l4cPOGxWPaN5Q2Z+Wapsy/ek68+aOz14fXAhyQvn44N9xRtCZeTq60YHT9/L3rI+w/Wxai4ZHh/fu8Abexy1YC7Oy+WuzjgSp/E/HM0oQf2ujl6hD+9lrxC53++EfP/8P25//hR2f7I6bkIQDMcAIY5MxpXL28cdTzBrP6zn2UeWrrwVWjnnw4UHd+ydNjemkYjKRx/SsDeSl6Try7642fHj57PZ3XPU+nr59576fbf5ibbFb32OYRJivWrPjaYwOx593DYx+yzVaQH5dcwuxqPztsxCb9cXvmkbbh5d0nVlUObQwWPJy51r2nfjn8bERcPZ0Z72paO8JYaEzeIQDMbKYgQnV0n8zUjq9bt2a0IerakddO9kY0f9s7l5kwNSv+9lt3fvrzzlRERG/qUu+7l06UWrbwRcAlzRmciFj+6bLsHMieE786XJsbZulPd5/75YGuwUePUul0LBhjRGpc/lh914e90XPizR/d+fo3Vi2oqRmyi7rHVlVeL6RiCRzaGBq14muP/fbN7NlYvXbVVwaqX6avnzn0bvaN1dlXeCVxCP1n3njzw96IaPrWyBNWAWY8AQyq4trvxjr8lZm4WP/4CyYfMrEWbfzbVxYfLehVD9PQvPobGyso1JFR85W1zad+3jni02VzVq5punygqydSlw68WTilre6BR1bU/fbdD3sjetN9FZZpLLqLF56LN978sDd6Ot/d1Vn4YX3TY5vXT8zwVwKHNqZWDZ6NUz/vPDXk44ZHnsu7WFPzEABmMAEMqiB96vTAJKemUQ5/ZevOj75oB4xeTeP6F3+yPt398UeFr3hqqK+r+/MVDy9aUPxNxqUt2vj1BzrfvRTRc+JXZxaVHjdrXP/i3zeeOX32cm6n9XUP5PZY2/Thga6Irq7u9YvGPgw8Z+UL3/9y98cfnbx6qTdb9bC+7oE1X3u4cc4EJockDm0MBs9Gqjd3oesamhcNDohN9UMAmKnuuXv37mS3YQo5fvz4o48+OtmtGPTf/vW/RMRDX1xfxW1uXv/NPW/truIGZ65sVfoHN+8Z4dGs7JINa156eTTlN/rO7XntZG/UrfvOjiHjZt3vvHTwYkQsefot8xLL2fnsS4eO/qJaW/vkD0cj4q//7D9Xa4PDvf5PH0bEN5f8ZRW3uW3Dpu/v+0kVNwiT6x+2P9965HC1tvaLy/8UEa/+5WPV2uAQ/3b0+Yj4k1XPT9D2gSH+/fRPIuJP10+h//EdP348IioPEUbAYNz6ujNzuuqbG0f1d/b0lSu9ERGpttdeaiu+yOWDz16OqCQEAgAwDaiCCOOVzVF1TYtNIwQAoBwBDMYrnUpFRDQsXjTmEvYAAMwOpiDCOGXrH9aPtnxB1KzesWd18Y88AwYAMCMZAYPx6Utn6q3V16nQDADACIyAwfjcSfdGRERd7QgPgKVP7d19LBURzd/e7ZVfAACzkxEwGJd0X2YArK723kluCQAAU58ABlVRV6sCBwAAIzEFEUqZs+Ll3StGWqhMIY0xLxkRjU/t3vNUpQsDADBdGAEDAABIiAAGAACQEAEMAAAgIQIYAABAQgQwAACAhAhgAAAACRHAZqOdz7402U2AKtj57EuHjv5islsBADAK0+g9YBfefHzXueWvHHtuafGPiqxSfOlZ7tDRX2xe/83JbgWMl78jAADT0bQJYBfeLBqxIiKi549/SLAlM0Aug+15a/dktwXGIpO+DH8BANPOtAhgPRfefKZ0/Iq4/cdbYbhrdDI9V0NhTFOiFwAwTU31ANZz4f2jRw6du1VumQsd5yJi7hfuS6hNM4heLAAAJGlKB7Ce97c/c+hWRMxd/sqLLR0lRsEyExDn/sV/aki0cQBMO+mzP911IvXAlu9vaiyzVP/Vs+faf9vV05v5z7qG5kVrV31lUU0le7h++Pl3L1Ww3EhtAGCmmtIBLCJi7vLNG9Y/ubQhLnSUWOL2H29FzP2LL9x+/80fDYyVzZ27fMOLzy2VyAAYlP74lydSIy7zox+e6in4UaqnM/XzzqsPbPlbkQmAcZvSZegbntx3bN9zT5YPUpkBsFuHdu0anKl469a5Xc88/uaFCW8hANNEkWQ1qmVSlw789Ey6+u0CYJaZ8iNgI8pU4MhMU8wMevX0vH/0R4fO3Tq3a/sX3t73ZLH4dvz48VLbu3Wr7ANnk6G3d4QuA1BFCXwJ9PZU+Ze6P91f3Q3ONP/379v/z//6r33Z//wf/1/RM/b/dBzIpq+aP/s/nlj7pf8ts/J/7zj/L+eu9UekPvzw//ry4/+x7K7mPPzycw+X+vD37bv+679GRO1Xnnq41lUro+q/IxP3e52ZmdpT7QYDpfyHiJiSPfbKTfsANlCCfvkr+3IlEBsannxu3xfi8V3nbv3zv/Q8WSyBPfroo0W3dvz48blz505QU8fgd/8aEVFfbzIlJOHGHyIiJvZL4I/dEVHfUOVf6jk1c6q7wRkkff3M6bMfdhbMPPyf/9diZyx97feZAa7mr7+yccHgA19z5jzxZ//xf3njzQ97I/7f/xFz5lT0LFgR1w//IPOlvvpbj//vY93ILFHN35G+/x4T+Xv9bxcjIhqq/UsNlPLv1yMm+n/Wo3Tt2rVRLT/tA1jDk/uOPVnk50tblse50gkMgJkvf0ph/epXNscvS89CTF+92hMR0fSt/PQ1YM7KF76/cnxtufpepjhH3WObvyJ9Acxi0z6AlXTfF+ZG3Lr1x9sRAhjAbFb3wJavbWqcE+mPSy/T/7vfpiIimhsXTUQTuo/+vDMiouGRr60UvwBmtZkbwDK8HQxgFqtZ8sjXv7Fi+IjWcP2p3oiIhnvnREQ6ff2jQ2cv9WYmLtY1NK/4xqoFNWMPTtcPH+iKiKhf/Y0VZosCzHJTugpiBXre3/74448XK3iYKc7xxS8Y/gKYrWoWrKwofUWk0wNhq3bO1fd+uuuH72bTV0Skejrf3fXDsZdATJ89m3kz2ANrTD4EYLoHsIYvfDEi4lzHkATW8/6RcxGxvGXp8HUAoLjUyZ/+vLPou8JSH44xg13/KPPysfrVD3uNGADTfwri0vWb5547dOvcru2RK0N/4c0f7Tp3K2Lu5vXyFwCV6+lNRURD89dzcw7T3R9/dPLUpd6ISH14+vrKjQtGt8XubsNfAOSZ9gEsGp58cfM/P3Po1q1zu545l//B8ldeVP8QgFFqeOS5F/Oe1Kpp/MqmxoV1mTL0nd1XNy4YTZWO/jMnuyIioqnJ8BcAEdN/CmJEphL9268sH3wbwNy5y195+1hmOAwARqFpbZE6GXNWrmmKiIiuru7RbCx97XKmtscjyyekuCIA08/0GQFb+tyxY8+V/LRh6XP7lpb+GAAqUaoMfU1NQ0Spd4iVkn23WN2SRYofApAxE0bAAGB8amrqMv9Ipcda7HC47LvF6hd92eNfAAwQwAAgFjQ1R0REb7qv2Me5say6UUSp7LvF/nyh/AVAlgAGABG192bGwLp+/t71YR9mS8lHbW3lWSpb/7Cu1vxDAHIEMACIqFmx4oHMvzrf3f7Gx1ezMxHT3R8ffuPdTJQaVS2NdF9mLG1Ug2YAzHjTpwgHAEykBZu2NF060BUR0Xvq5z88NWyBIQUS+89katNH07d+sn54MOu7M/pBMwBmPiNgAJDRuP6VLU3FX2FS3/Stvy+Sskrr78vkr/qa2iq0DIAZwwgYAGTVNK5/8e8bz5w+e7kzNVB0vr7ugT9f8fCKBWMcx6qrMQAGQB4BDIBZouYrL/7kKxUstmDlxgUrN4643JyVL3x/5Rg/BWDWMgURAAAgIQIYAABAQgQwAACAhAhgAAAACRHAAAAAEiKAAQAAJEQAA5jeWo8c/oftz092K6A6/mH7861HDk92KwAmkAAGAEwJ/pQAzAZexAww7bUeObxtw6aI+P6+n0x2W2CMjH0Bs4QABjATZDKYAQSmL+kLmCUEMIAZQv8VAKY+z4ABAAAkRAADAABIiAAGAACQEAEMAAAgIQIYAABAQgQwAACAhAhgAAAACRHAAAAAEiKAAQAAJEQAAwAASIgABgAAkBABDAAAICECGAAAQEIEMAAAgIQIYAAAAAkRwAAAABIigAEAACREAAMAAEiIAAYAAJAQAQwAACAhAhgAAEBCBDAAAICECGAAAAAJEcAAAAASIoABAAAkRAADAABIiAAGAACQEAEMAAAgIQIYAABAQgQwAACAhAhgAAAACRHAAAAAEiKAAQAAJEQAAwAASIgABgAAkBABDAAAICECGAAAQEIEMAAAgIQIYAAAAAkRwAAAABIigAEAACREAAMAAEiIAAYAAJAQAQwAACAhAhgAAEBCBDAAAICECGAAAAAJEcAAAAASIoABAAAkRAADAABIiAAGAACQEAEMAAAgIQIYAABAQgQwAACAhAhgAAAACRHAAAAAEiKAAQAAJEQAAwAASIgABgAAkBABDAAAICECGAAAQEIEMAAAgIQIYAAAAAkRwAAAABIigAEAACREAAMAAEiIAAYAAJAQAQwAACAhAhgAAEBCBDAAAICECGAAAAAJEcAAAAASIoABAAAkRAADAABIiAAGAACQEAEMAAAgIQIYAABAQgQwAACAhAhgAAAACRHAAAAAEiKAAQAAJEQAAwAASIgABgAAkBABDAAAICECGAAAQEIEMAAAgIQIYAAAAAkRwAAAABLyucluwJRz69atyW7CUL29PZPdBJhFEvgS6O3xSw2Jmrjf65qIiOjxSw1J+Q8RMSV77JUTwIaaO3fuZDdh0O/+NSKivr5hshsCs8KNP0RM9JfAH7sjor7BLzUkpe+/x0T+Xv/bxYiIBr/UkJR/vx4xxXrs165dG9XypiACAAAkRAADAABIiAAGAACQEAEMAAAg5ig4eQAAIABJREFUIQIYAABAQgQwAACAhAhgAAAACRHAAAAAEiKAAQAAJEQAAwAASIgABgAAkBABDAAAICECGAAAQEIEMAAAgIQIYAAAAAkRwAAAABIigAEAACREAAMAAEiIAAYAAJAQAQwAACAhAhgAAEBCPlf1Ld68ebP0h/Pmzav6DgEAAKaHKgWwm+37fvz6jv0dIy23te1u69rq7BIAAGCaqUoAa982f93+amwIAABgBqtCALu57/WB9NWydev6BU986Uull50/f/z7AwAAmJ7GH8BunjjaEWF2IQAAwAjGXwXxxvWOiGjZ+3fSFwAAQDnVKkPf+CXlDQEAAMoafwCbv6AlIrp/X6b4PAAAANUIYPMeWd8S0XH0hAQGAABQThWmIM7b/s7elujY8dS2dhkMAACgpCpUQdy37cfXG1uio2P/uvn7o6Vla2NjyYUX/F3rdg+LAQAAs9P4A9iN6/v3572FuaNjf0dHyYW3PtEaAhgAADA7VasKIgAAACMY/wjY2ta7d1ur0BIAAIAZzggYAABAQgQwAACAhIx/CuIQN2+WqkV/48SPX48nzm9fW+1dAgAATAtVCmA32/f9+PUd+0uXPxyw9Ynq7A8AAGD6qUoAa982f93+kReLaFlQjd0BAABMS1UIYDf3vZ5NX5m3MHd37+/oKPh3RLRsbXunda13gAEAALPX+Itw3DxxNJOw9t64e/58a2tr6zvrWyKio/GJ1tbW8+fv3r2xtyWiY//rJ0o9HQYAADAbjD+A3bjeEREte9/Znh3emvfI+paI6P79QOCat/1829aIjh0/bh/33gAAAKatapWhb/xS3uzCeV9qjIiO6zdyP1n7xNaI2P+BBAYAAMxeE/kesNwQWGQTWP5PAAAAZpnxB7D5CwrmG+b9LH8ILGP4TwAAAGaN8QewgfmGR/NLbGR+lp/Kbv6+e9x7AgAAmNaqMAVx7d/tbYno2DF/2bZ97QOJa2AILJfK2n+8oyMiWhbMH//+AAAApqdqPAM2b/urWyMiOvbvWDd/W3vejzp2zL/nnmXL7rkn857mlvWPeBEYAAAwa1WnCMfa1rs39m5tKfjR37Vtzfwr8yLmwkr1AAAAs0/VqiDO2956/u7dG21/l51kOG9t640bbVtbWlpaWlq27m27cV78AgAAZrXPVXdz89bmh6x589a2nl9b3T0AAABMVxP0HrCbN73wCwAAoFA1A9jN9n3bli2755577rln/vyBahzt2+7JK44IAAAwi1UrgN1s37Zs/rod+7MVN/J07N+xbv6yTB4DAACYvaoTwNq3zV+3vyMiomXr1oJyiPMXtLRERHTsX7dsn3EwAABgNqtGAGvflnnN19a2G3fPt7Zuf6Jx8LN528+fv9G2tSUiOnb82CgYAAAwi1UhgLV/sD8iWvbeaF1bvM78vLWt7+xtiYj9H0hgAADA7DX+AHbz990R0bL+kXJv+Zr3yHoJDAAAmOXGH8BuXO+IiMYvlX/L8rwvNZb9HAAAYMaboPeAAQAAMNT4A9j8BZVMLhx4UGzB/HHvDwDg/2/v/l0bO/cHj38Mge1vcYs4hhFIUwzDdouJzBQq5YRhCjNFFpxOxiyL7GLSOOW4ycDaYgsjwRYxbIrBRTATu9hC7A5WMBe2uEyGS6SLBhwFvn/Al8tW3kLyb9mWbfnxr9eruRnp+OgU95H01nPOcwDuqKsH2CCXd7Uqr2sR55+oCAAAcI8N4RTEvQKbnJjZ7HOnr9bmzERurhER+eVXxau/HAAAwB01jGvAsuXuKvON2mRuZGRi4vWHiIgPr2dmJiZGRvZv0bz8Y9n8FwAA8IB9NpS9ZMtbzZj5dq7WiGg0GhER0Wh0wysiIvLLzS35BQAAPGxDWwUxW65uNZsby6V8Pn/waD6fLy1vNHfVFwAAwHBmwHqy2WK5WiwPc5cAAAD3hvuAAQAAJCLAAAAAErnoKYitzZk3P1/+5Z68qroaDAAAeKAufA3Y7x9qh1Y3vKjSi2oIMAAA4GG6aIBlHz+N6AbYkeUOAQAAOMeFZ8ByT/K9Ams0orT8/auvillzWgAAAOe78CIc2fJWs7lRyucjolGbm8zlRkZGJmYqm63WNRweAADA/XGZVRCz2WJ1a2t3d7e5sVzKRxyU2MTETGVTiAEAAPRzpWXos8VydT/E8hHRaNTmJnMjSgwAAOCkodwHLFssV7e2dnebB1NiSgwAAOCYod6IOXtiSuxQic1UlBgAAPCgDTXA9p2cEotGbW5uMjezeS2vBwAAcAdcT4DtyUbEk6duFwYAABCXuA/YQFqtzV/evJ6rNY48ms+XXuSu5fUAAADugOEGWGuz8ub121rjSHjl86WX378qF92uGQAAeNiGEmB9J7x0FwAAwBFXCrB+E166CwAAoL/LBFi/CS/dBQAAcI4LB1irMpGb208v3QUAADCoCwdY8+NefeVLpacR8fHnNzM/D/rXT15Vy2INAAB4mC4aYK3fP+z9Z6N2bJn5AZReVEOAAQAAD9NFb8R8MAEGAADAhVx0BqxY3d2tXsuRAAAA3HMXnQEDAADgkgQYAABAIgIMAAAgEQEGAACQiAADAABIRIABAAAkIsAAAAASEWAAAACJCDAAAIBErinAWq3W9ewYAADgzhpmgLU2KzMTEyMjIyMjuVxuZjMiYnNmZGKmsinHAAAAhhVgrc2ZidzkXK3ROPFUozY3mZvo9hgAAMDDNZwA25zJTdYaERH5Umm5lD94Jvckn4+IaNQmJyrmwQAAgIdsGAG2OTNZi4gobTR3t6rV8ounB89ly1tbzY1SPiIac2/MggEAAA/YEAJs8+daROSXm9Vitu8G2WL1x+V8RNR+VmAAAMDDdfUAa/3+ISLyL7/qX19d2a9eKjAAAOCBu3qANT82IuLp47P6KyL7+OmZzwMAANx7bsQMAACQyNUDLPdkkJMLexeKPcld+fUAAADuqKsH2CCXd7Uqr2sR55+oeKbtpefPny9tn/JsZ22pXH7eU15a2+5c/pUAAACuwxBOQdwrsMmJmc0+d/pqbc5M5OYaEZFfflW89KtsLy3Wz3jy+exqvd3e+3e7vro4e2qrAQAA3IhhXAOWLXdXmW/UJnMjIxMTrz9ERHx4PTMzMTEysn+L5uUfy5ec/+psLz0/M78W6xGRmV5YWV9fX19fWZjORER9sbxmGgwAALg9hrMIR7a81Vwu5SMiotFoNLr/W6t1/ysi8svNrUvlV2d7bak8e0Z9RWftp3pEFBYqU+OjERExOj5VWShERPv9rwoMAAC4NYa2CmK2XN1qNjeWS/l8/uDRfD5fWt5o7l6yvtbKs4ur9XZkCgsrC4X+2/z6vh0Rhfz4kYfHX05nFBgAAHCrfDbMnWWzxXK1WB7mLiNTmP7m5dT4aGw3+j7/x06//ooYHXsU0W7v/BExOtQDAgAAuKShBtiwjU5V1qfO3qSz8ykiMmNfnHjmi7FMRPvTTifGFRgAAHAbXD3ANmdGJj+Ulr9/VS5eYY35xN69e3faU+2DxRRviz//dCIlpJPgTeDPjkENSV3fuP5rRER0DGpI5S8RcSu/sQ9uODNgjdrcZG0uIn/rQuyUcxC//vrrvpu/e/cuk8lc90EN7u//iIj4/HNzeJBC81NExPW+Cex8iIjPRw1qSOXf/hnXOa7//W8REaMGNaTyr48R1/1hfUG//fbbhba/+iIcuRel/WU3GrW57kr0M5V+twS7Af1OTgQAALgRVw+wbLG6tbW7210AsftQ4/aFGAAAwI0b3jL0xXI3xJob/UJss3U9ITY69ih6Jxoe010e8dGYcwIAAIBbYmgBtie7NyPW3Ni7NXM0GrXJXG5kZGKiMvQM+2IsExGfdo5f/Hr68ogAAAA3Y+gBtiebLZarW7u9cxO7jzUaH5vDfp3RL59lItqrb7ePPLz9drUdkXn2pQkwAADgtri2AIuIaG1WZia+nZyr9b+H8nB0Cyzqi+Wl7e40WGd7rbxYD/0FAADcLtdxI+ZWa/OXN6+PZlc+X/r+x1fF7DWsUD869d3CzuxivV1fnK0ferywUJnSXwAAwO0xzBmw1mZlZmJiZCSXO5j0yudLyxvN3d2treq11FdERIyOz68sTBcO7gaQKUyvrM+PX9PLAQAAXMowZsBam5XjE17XcE/m8fn19flTnx0dn5ofnzr9eQAAgBt39QDbnMlN1g7+OfTwAgAAuCeGdg1YvrT8/auvru80QwAAgLvu6gGWe7HRvJ7VNQAAAO6VqwdYtlgcwnEAAADcexcNsFZl5s3HiIgnr6rl7JFHBrH/VwAAAA/ORQOs+bFWq0VElF5UI3vkkUHs/xUAAMCDM8z7gAEAAHCGi86AFau7u9VzHgEAAKAPM2AAAACJXD3AWpWZmZmZSuv8rSYmJs7bDAAA4P66eoA1P9ZqtdrH5tlbZR9HrdFonLcZAADA/ZXqFMTW7x8SvRIAAMAtdYkbMW/OjEyeWHe+NjkywFr0+Se5i78eAADA/XCJGbBidaN0uRcrfe8uzAAAwMN1iRmwiOKrjVL83PvHhw+1RiPy+dLTp2f8yZMnL776qii/AACAB+xSARbZYrVa7P335kxtshFPvz94BAAAgD4uF2CH5Z6USqVwcRcAAMA5rh5g2XK1OoQDAQAAuO8uGmCtysybjxERT15Vuytq7D8yiP2/AgAAeHAuGmDNj7VaLSKi9KIa2SOPDGL/rwAAAB6cVDdiBgAAePAuOgNWrO7uVs95BAAAgD7MgAEAACQiwAAAABK5+jL0x7VardOfzGYtwQEAADxUQwqw1mblzeu5WuO87Uobu9XicF4SAADgjhlKgG3O5CYHXokeAADggRpCgLUqr3v1lS+VXj558fjx6dvmcld/PQAAgLvp6gHW+uVtI8LZhQAAAOe4+iqIzY+NiMgvv1JfAAAAZxnWMvRPH1veEAAA4ExXD7Dck3xEfPj9jMXnAQAAGEaAZb96mY9ovP1FgQEAAJxlCKcgZss/LuejMfftzKYGAwAAONUQVkGszLz5+DQfjUZtMleLfL709OmpGz95VS27WAwAAHiYrh5gzY+12qG7MDcatUbj1I1LL6ohwAAAgIdpWKsgAgAAcI6rz4AVq7u71SEcCQAAwD1nBgwAACARAQYAAJDI1U9BjGi1Blx+Ppu1AAcAAPBwXT3ANmdyk7XzNzskny+9/P5VuajGAACAB+UmTkFsNGpzk7mRiYr7NgMAAA/J1QMs92pjY2M5v/fPfKm0vLFnuVTK7z++vLGxsbG8XCrlu4815nIzm1d+eQAAgLvi6qcgZrPF5pvJRkTkl5tb5SPnFRaLxXK12tqcyU3WanM/v9itlovFKEfvoai9rrwqlp2KCAAAPAhDOAVxc2ay1q++9mWL1eZyPqI2uT/jlS1WN0oR0Xj7i/MQAQCAB+LqAdb6/UNE5F9+ddZEVvarl/mI+PD7QW7lnuQjovGxeeUjAAAAuBOuHmDNj42IePr47BMJs4+fxtHc6j4CAADwYAxrFcTDc1v9dOfJAAAAHrCrB1jxRSkiGnNvzlrRcPPNXCMiSi+KBw/9XIuI/JPclY8AAADgThjCDFi3wKI2OTGz2W8arLU5M9G9VfN+f+0/dM6lYwAAAPfI1ZehjyhWN0q1yVo0apO5WuTzpad7V3d9+PCh0Wj0/lHaqBYjYnNmpJtjob8AAIAHZRgBFlGsNjfi28laIyIajdp+c+3LL2/8WC4ee6y0cdrC9QAAAPfQsBbhyBarW7vN5sZyKZ/PHzycz5eWN5rN3a1ycS+1ck9KpeXljebuVrXYd1cAAAD303BmwHqy2WK5Wiyfs1G5Wh3miwIAANwRw5oBAwAA4BxDDbBWa7MyMzExMdIzMTExMVPZbJ19izAAAICHYWinILYqE7m5Y4tvNBqNaDQma3ORX25acAMAAHjghhNgR+orn88/7S5Ef7AKfWMuNxEaDAAAeNCGEWCtyrfd+uouNn8sslqblW8n5xrRmPu28pUEAwAAHq4hXAO2+WauEdE9y/B4fUVEtljeai7nI6Ix92bz6i8HAABwR109wFq/f4iI/PKPZ0xuZcs/Lucj4sPv1uMAAAAerKsHWPNjIyKePj773MLs46cR0fjYvPLrAQAA3FHuAwYAAJDI1QMs9yQfEbWfz768a/PnWkTkn+Su/HoAAAB31NUDrHtyYdReV06/vqtVeV2LOP9ERQAAgHtsCKcgFl/11jjMTcxsto5XWKu1OdO7SVh++VXx6i8HAABwRw3jPmDZ8o/Lb3NzjWjUJnO1iMjn891nerdhjojz1kkEAAC494YRYBHZ8lbz8cy3k7Vubx3uroiIyJc2fqz2uUcYAADAAzKcAIuIbLG6tfuqtfnLm5/ffviw9+jTpy9fvPqqmNVeAAAAQwuwiIjIZovlarE81H0CAADcE+4DBgAAkMiVA6zVOrHwYffxysTETOXkqogAAAAP1RUCrLU5MzEykst9+0ufyGr98rbRqM1N5nIjEzObKgwAAOCyAdbanJnI9RY9bHxsntzg0EON2mRu4oy7NAMAADwMlwqwzZm9+IrIlzZe5U5uUixv7e42N0p7NwSby81sXvYYAQAA7oVLBNjmzGSt+1/55ebuVvX0ReazxepWc7nXYLVJCQYAADxoFw6wVuX1fn79WD7//l7Z8o/7CfbaiYgAAMADdtEAa/3ytnfuYen7AfIrIiJb/r7U/a/G237rdQAAADwMFw2w5se9a7+e9Lny6xS5J3uXgvVbrwMAAOBhuPQy9E8fDzb/FRGRffz0si8DAABwb1z5RswAAAAM5qIBtn824YffB7+cq/X7h+5/XOS8RQAAgHvmogG2fzbhBRbUOFi44yLnLQIAANwzFz4FsfjioksaHvSXCTAAAOAhu/g1YAcFNvftAPf12pzJzV104XoAAID76BKLcBSrG/sJlpuY2Tw1wlqblZmJyd5tmyO//Kp4iQMEAAC4Lz67zB8Vq83lD92JrUZtMleLyJeWX754/Hhvg99//vltrdY49CeljS3TXwAAwMN2qQCLyJa3mjHz7dxeZDVqc43aKdvmS8s/VtUXAADw4F3+PmDZcnWrubFcyp++ST5f2mg2t9QXAABAXHoGrCdbLFeL5Wq0WpvN5u+///zxY0Q8efLi8eNcrpiVXQAAAIdcLcD2ZLPFbLZYtMgGAADA6S5/CiIAAAAXIsAAAAASEWAAAACJCDAAAIBEBBgAAEAiAgwAACARAQYAAJCIAAMAAEhEgAEAACQiwAAAABIRYAAAAIkIMAAAgEQEGAAAQCICDAAAIBEBBgAAkIgAAwAASOSzmz6AW6fdbt/0IRz355+dmz4EeEASvAn82TGoIanrG9d/jYiIjkENqfwlIm7lN/bBCbDjMpnMTR/Cgb//IyLi889Hb/pA4EFofoq47jeBnQ8R8fmoQQ2p/Ns/4zrH9b//LSJi1KCGVP71MeKWfWP/7bffLrS9UxABAAASEWAAAACJCDAAAIBEBBgAAEAiAgwAACARAQYAAJCIAAMAAEhEgAEAACQiwAAAABIRYAAAAIkIMAAAgEQEGAAAQCICDAAAIBEBBgAAkIgAAwAASESAAQAAJCLAAAAAEhFgAAAAiQgwAACARAQYAABAIgIMAAAgEQEGAACQiAADAABIRIABAAAkIsAAAAASEWAAAACJCDAAAIBEBBgAAEAiAgwAACARAQYAAJCIAAMAAEhEgAEAACQiwAAAABIRYAAAAIkIMAAAgEQEGAAAQCICDAAAIBEBBgAAkIgAAwAASESAAQAAJCLAAAAAEhFgAAAAiQgwAACARAQYAABAIgIMAAAgEQEGAACQiAADAABIRIABAAAkIsAAAAASEWAAAACJCDAAAIBEBBgAAEAiAgwAACARAQYAAJCIAAMAAEhEgAEAACQiwAAAABIRYAAAAIkIMAAAgEQEGAAAQCICDAAAIBEBBgAAkIgAAwAASESAAQAAJCLAAAAAEhFgAAAAiQgwAACARAQYAABAIgIMAAAgEQEGAACQiAADAABIRIABAAAkIsAAAAASEWAAAACJCDAAAIBEBBgAAEAiAgwAACARAQYAAJCIAAMAAEhEgAEAACQiwAAAABIRYAAAAIkIMAAAgEQEGAAAQCICDAAAIBEBBgAAkIgAAwAASESAAQAAJCLAAAAAEhFgAAAAiQgwAACARAQYAABAIgIMAAAgEQEGAACQiAADAABIRIABAAAkIsAAAAASEWAAAACJCDAAAIBEBBgAAEAiAgwAACARAQYAAJCIAAMAAEhEgAEAACQiwAAAABIRYAAAAIkIMAAAgEQEGAAAQCICDAAAIJHPbvoAhmJ76flivc/jhYX1+fHkRwMAANDXvZgB6+x8uulDAAAAONe9mAH7Y6cdprsAAIDb7j7MgG036hGRGfvipg8EAADgLPcgwLonIGaefTl600cCAABwlntwCuIfO+2IzLOxP9aWflittyMiMpnCN9/NjysyAADgNrn7M2DdCbD26uJir74iot2uL84+X9q+wcMCAAA47u7PgHVX4IjIFBZ6k16dztrbH1br7fpieWylMtVvHuzdu3en7a/dbp/21E3588/OTR8CPCAJ3gT+7BjUkNT1jeu/RkREx6CGVP4SEbfyG/vg7nyA9ZagLyxU9pdAHB2dmq+MxfPFevv9r52pfgX29ddf993bu3fvMpnMNR3qJfz9HxERn3/uZEpIofkpIuJ63wR2PkTE56MGNaTyb/+M6xzX//63iIhRgxpS+dfHiOv+sL6g33777ULb3/lTEEenKuvr6ycXoB/PFyKi/f5XP0kBAAC3xJ0PsFN9MZaJiPbOHzd9IAAAAF33N8C63B0MAAC4Ne56gHXWys+fP++34GF3cY5HY07KBgAAbom7HmCjY48iIuqNYwXWWfupHhGF/PFrwwAAAG7KXQ+wGH85nYmI+mJ5abu33kZne6k8u9qOyEy/1F8AAMCtceeXoY/Rqe+m38+uttv1xdn64ScKC9/1vQcYAADAzbjzM2DRXYl+ZaFwcDeATKawsLLevSszAADAbXH3Z8C6RsfnK+PzN30UAAAAZ7gPM2AAAAB3ggADAABIRIABAAAkIsAAAAASEWAAAACJCDAAAIBEBBgAAEAiAgwAACARAQYAAJCIAAMAAEhEgAEAACQiwAAAABIRYAAAAIkIMAAAgEQEGAAAQCICDAAAIBEBBgAAkIgAAwAASESAAQAAJCLAAAAAEhFgAAAAiQgwAACARAQYAABAIgIMAAAgEQEGAACQiAADAABIRIABAAAkIsAAAAASEWAAAACJCDAAAIBEBBgAAEAiAgwAACARAQYAAJCIAAMAAEhEgAEAACQiwAAAABIRYAAAAIkIMAAAgEQEGAAAQCICDAAAIBEBBgAAkIgAAwAASESAAQAAJCLAAAAAEhFgAAAAiQgwAACARAQYAABAIgIMAAAgEQEGAACQiAADAABIRIABAAAkIsAAAAASEWAAAACJCDAAAIBEBBgAAEAiAgwAACARAQYAAJCIAAMAAEhEgAEAACQiwAAAABIRYAAAAIkIMAAAgEQEGAAAQCICDAAAIBEBBgAAkIgAAwAASESAAQAAJCLAAAAAEhFgAAAAiQgwAACARAQYAABAIgIMAAAgEQEGAACQiAADAABIRIABAAAkIsAAAAASEWAAAACJCDAAAIBEBBgAAEAiAgwAACARAQYAAJCIAAMAAEhEgAEAACQiwAAAABIRYAAAAIkIMAAAgEQEGAAAQCICDAAAIBEBBgAAkIgAAwAASESAAQAAJCLAAAAAEhFgAAAAiQgwAACARAQYAABAIgIMAAAgEQEGAACQiAADAABIRIABAAAkIsAAAAASEWAAAACJCDAAAIBEBBgAAEAiAgwAACARAQYAAJCIAAMAAEhEgAEAACQiwAAAABL57KYP4NZpt9s3fQjH/fln56YPAR6QBG8Cf3YMakjq+sb1XyMiomNQQyp/iYhb+Y19cALsuEwmc9OHcODv/4iI+Pzz0Zs+EHgQmp8irvtNYOdDRHw+alBDKv/2z7jOcf3vf4uIGDWoIZV/fYy4Zd/Yf/vttwtt7xREAACARAQYAABAIgIMAAAgEQEGAACQiAADAABIRIABAAAkIsAAAAASEWAAAACJCDAAAIBEBBgAAEAiAgwAACARAQYAAJCIAAMAAEhEgAEAACQiwAAAABIRYAAAAIkIMAAAgEQEGAAAQCICDAAAIBEBBgAAkIgAAwAASESAAQAAJCLAAAAAEhFgAAAAiQgwAACARAQYAABAIgIMAAAgEQEGAACQiAADAABIRIABAAAkIsAAAAASEWAAAACJCDAAAIBEBBgAAEAiAgwAACARAQYAAJCIAAMAAEhEgAEAACQiwAAAABIRYAAAAIkIMAAAgEQEGAAAQCICDAAAIBEBBgAAkIgAAwAASESAAQAAJCLAAAAAEhFgAAAAiQgwAACARAQYAABAIgIMAAAgEQEGAACQiAADAABIRIABAAAkIsAAAAASEWAAAACJCDAAAIBEBBgAAEAiAgwAACARAQYAAJCIAAMAAEhEgAEAACQiwAAAABIRYAAAAIkIMAAAgEQEGAAAQCICDAAAIBEBBgAAkIgAAwAASESAAQAAJCLAAAAAEhFgAAAAiQgwAACARAQYAABAIgIMAAAgEQEGAACQiAADAABIRIABAAAkIsAAAAASEWAAAACJCDAAAIBEBBgAAEAiAgwAACARAQYAAJCIAAMAAEhEgAEAACQiwAAAABIRYAAAAIkIMAAAgEQEGAAAQCICDAAAIBEBBgAAkIgAAwAASESAAQAAJCLAAAAAEhFgAAAAiQgwAACARAQYAABAIgIMAAAgEQEGAACQiAADAABIRIABAAAkIsAAAAASEWAAAACJCDAAAIBEBBgAAEAiAgwAACARAQYAAJCIAAMAAEhEgAEAACTy2U0fwLB01pZybyNVAAAM4UlEQVR+eF9vtyMiIlOY/ubl1PjoDR8TAADAYfdjBmx76fns6l59RUS7vro4u7R9k4cEAABw3H0IsO2lxXpEZKYXVtbX19fXVxamMxFRXyyvdW762AAAAPbd/QDrrP1Uj4jCQmXvnMPR8anKQiEi2u9/VWAAAMCtcecDrPPr+3ZEFPLjRx4efzmdUWAAAMCtcucD7I+dfv0VMTr2KCLaO3+kPyQAAIC+7voqiJ2dTxGRGfvixDNfjGUi2p92OnHnV0P835/e3vQhAMP0P/7v/7npQwCG6V//67/d9CEAd8ZdD7BLevfu3WlPtQ8WU7x5//E/TP79/23c9FHAw3KtbwL/eezp/9z5cH37B/q6xnH9n/7rX//2369r58ApbtU39ou67wHW3vkj4uQM2Ndff91383fv3mUymes+qAvJxH+56UMAhun7W/YmA1xVxvQXpHarPkp/++23C21/568BO0e/kxMBAABuxH0PMAAAgFvjrgfY6YsddpdHfDR211fgAAAA7o27HmDdxQ7j087x+32dvjwiAADAzbjzATb65bNMRHv17faRh7ffrrYjMs++NAEGAADcFnc+wHoFFvXF8tJ2dxqss71WXqyH/gIAAG6Xe7AM/ejUdws7s4v1dn1xtn7o8cJCZUp/AQAAt8fdnwGLiNHx+ZWF6cLB/QAyhemV9fnxGzwkAACAE+7BDFhERIyOT82PT83f9GEAAACc7l7MgAEAANwFAgwAACARAQYAAJCIAAMAAEhEgAEAACQiwAAAABIRYAAAAIkIMAAAgEQEGAAAQCICDAAAIBEBBgAAkIgAAwAASESAAQAAJCLAAAAAEhFgAAAAiQgwAACARAQYAABAIgIMAAAgEQEGAACQiAADAABIRIABAAAkIsAAAAASEWAAAACJCDAAAIBEBBgAAEAiAgwAACARAQYAAJCIAAMAAEhEgAEAACQiwAAAABIRYAAAAIkIMAAAgEQEGAAAQCICDAAAIBEBBgAAkMhnN30At867d+9u+hAAAID7yQwYAABAIiO7u7s3fQwAAAAPghkwAACARAQYAABAIgIMAAAgEQEGAACQiAADAABIRIABAAAkIsAAAAASEWAAAACJCDAAAIBEBBgAAEAiAgwAACARAQYAAJCIAAMAAEjks5s+ALiC7aXnP33KPHr0bCz/5dT4aP+NOttrvzZ23n+qP/pmfX58qK/fWSvPrrYz0yuVqVNeHLiaTmf717c/va+3270HMpnCs29e9hnw543H7aXni/UoLFzkfaD7N8Y43AbdMX7uZgMP2Mu8J8BQCDDuuHa73W63o74zdso76PbbxdV6REQ8SnlcwJX1/brVbtfbi/XVTGH6u3lVBMDdI8C4+zKZTLtdb2zPj/cpsO1GvbvB+T+aAbfI9lJ5sd6OiExh+puXX46PdmOrOyO2Wm/XV2c/hZkpeDhGpyrrU4cfMIXFXeUaMO6BR48yEfXGdp+nthv1yDx79ij1IQFXsr20WG9HZKZX1ivzU3v1FRGjo+NT85WVhUImor06u9Rv3APALWYGjHtgLP8sU+87B7bdqEdm+suxndWjD/e7rqN3ttPhn9I620s//LR/7Ukmk3n0zXfzp11rdmQvR/fd2V57+9NqfW8/hel+V7B0tpd+6P7gH5nCwnfzX/za74KWzvbaoethMplC/yMacDO4nTprP9UjorBw2gTX6Pj8d9OfZlfb9Z/WXo6fOgvWdzwefv7IQDnj+rKIztrSD6t7A7Tf2Y/nDfOD3+q/2N/VwZ4Odp/JTH/z3bFDuMBxAhEx+Af9YYN96BuPXJ0ZMO6DL7581ncObLtRj3g0drk3xc5aeXaxfujUxXa7XV+cfX7GL+573/aOfG3cXirPLu5/LYuIdn11cbZ8dDe9F9vfYnG2/Han/yGtHjqmdrt+YlcDbwa3VefX9+2IzPTLs04rGp36phAR7fe/dk7ZS7/xeMje0Dx0enK7XV9d7DOrtvO2PLt6aICuzpbXjrzqQMO8u6u1Q7vq7Wl76fmhx9qriz8c3vsFjhO4tME+9I1HhkKAcS+M9i2w7UY9opC/1KnhnbUfVtsRmemFlfWelYXpTETUf1rr/31ve2l2tR1RWKgc/LLWWetexpIpTK+s7O2mkIlo1xcPvsH1Xmz/1VYWCpl2/dCXucP7zxT2D6l7RO364uE3/gE3g1ur21/n/3Yynj+jwPqNx6PP985xPBji6ysLhYg+Y7xdr7cPj86IaK++3R9Ogw3zrvrqahT29jTd3dPsYj1z/LH9vV/kOIHLGuxD33hkSAQY90OfAuuexHTJ/oo/dtoRkXn25cFJBaPjU5X19fX1vr+md9bKi/WIzPTK4W97vS+ShYXK/NTeRSyj4/OVhUIc+o51sFXvFIbR8fnvpjPHX2DvnKyD8yFGx6cqK9OZw2/8A24Gt1hv9I19cd6GX4xlIqK988fxJ/qPx8O2G/WIyEwfOdlvdPzldN89ZqZXDo3ObwoREZ929gbdQMP8YFd7pzSNjn/5LHPisamje7/YcQKXNNCHvvHIsAgw7onRsUdxpMC6X4ou21973+xWf1ja7pwfLd0f209caLL3xezEQXR/ue99x+p7ulXv9Kpju+pzTlY3PfcmAQbcDG6/y548fOp4PGJ8/tAXq06ns729tra0dNpNho4ey9HuG2yY78k8+/LQF7exRyceu9JxApc00Ie+8ciwWISD+2I8X4h6fX8ljiv2V4x++Syz2m5Hu744W4+IyBSmn/W/3XN7dXax/05O/yG/e7TtnT8iRrtbnfi2+cVYJuLYm3p7dfb50fVE9p/Z+SNi9GKbwW32aacTl7iq/fTxeMKhhW/OduZk3GDDfMBD6mvg4wQua+APfeORYTADxr3R/bm5Nwd21f6KGJ2qrCwUMvsnArbrq6uLs8+fl5e2T/44lil018T+od8pfpf/If+Q7pe8YW0Gt9mpZxYed0r7nDke9xxZ+CaTyRQK09MLKyvHz/0d1KDD/MJvB0M+TqC/gT70jUeGxAwY98ehObAvrtxfEd3LOMbnIzrba7823vfWnG3XF38YO3pqU2GhMj/eGfs0u9pefbs9dfyik8F+yB9oq7NPqrroZnA79X6KPndM9K7HOHYC3znjsWtv4ZvCwsqRRaY7JxcfHcwl5+vOM/TjBE513oe+8cjQmAHjHtmfA7v6/NcRo+NTU/OVysEKZUevpOr+/t67aOvIUoOn/5Df++Y49sX+ViccncwacE5g4KkDuMV6lyweX7/iqN6CM8f76/TxeFhv7mz65bFousQc8mDD/JKGeJzAgE770DceGRoBxn3S/Sb0qfH2nP7q942pdyX93r/Wys+fPz9+z6+DVcv6GZ9fKMSRpQa7XyNPu0HZ3tlI/b9s9jbZf+nerk6uY7i99Pz58+e9xa4H3Axut/1+6nvKb3Qvw+j+FP3NKZO9J8fjAPaG3dGFM8451oGG+XBd5jjhYTn/g/6wy3zo7zEeuTgBxn3SS5l6/Zz5r97aY/XF3pe7zvbasVWM9r5TLZbXDr7/dbZ7px+c9o2quxbtoUtPDnaztNZbV6nTWVsqL3ZXsu2tVXjoxXrbbPc2OXxEvbvOrs4eOqT9Dfe/hQ64Gdxy4/MrvdvXzZaX1g4tS9bpbK8t9S7DyBQWTltmPvqMx0P2Vjx7e2iUrJWfHx92AxlsmF/OMI8THpTzP+iPbD3Ih77xyNC4Box7ZW8Zo/NO+xl/OZ2pr7Zjb7WjiCgsLMTiwdvo6NR30+9nV9vt1cXZowsKnvWdb++v9i89GZ2qLOyUF+vt+upsffXoXg4u0zp4sYPVCzOFQhy9F/P4/ELh02L95CEdPaIBN4NbbnSqshJLP6zW2/XVxfqJZT0zhenv5s/+QeHEeDz81DeF1cX64beAiIjM9MKz94ur7YutXDjYML+UoR4nPCjnf9AfNsiHvvHI0JgB437p/Yh15o11Irrf7aYLe2cWZAoLJ+/XOjpVWVmYPrQkUmQyhemFlcqZFXPy0pPx+e5+DnbTZy+95ZcOHU8lf3wN+oNd7e+r/xENuBncdqNT85WVY8Ow93/n9co59dXbwamXgo3PHxmXmUxhYWW9MjXe/dX8oucSDTTML2W4xwkPyAAf9Mc3P+9D33hkSEZ2d3dv+hiAPraXni/Wo7CwrpsAAO4NM2Bw0/pf+zuEBdQAALhtBBjctONXCkdEZ3tpsd8K2wAA3G1OQYSb19lemu1zWbD7KQMA3DcCDG6Fzvba25/e19vdhTcymcKzb15OjasvAID7RYABAAAk4howAACARAQYAABAIgIMAAAgEQEGAACQiAADAABIRIABAAAkIsAAAAASEWAAAACJCDAAAIBEBBgAAEAiAgwAACARAQYAAJCIAAMAAEhEgAEAACQiwAAAABL5/4oUFU6xVhj+AAAAAElFTkSuQmCC"/>
+          <p:cNvSpPr>
+            <a:spLocks noGrp="1" noChangeAspect="1" noChangeArrowheads="1"/>
+          </p:cNvSpPr>
+          <p:nvPr>
+            <p:ph idx="1"/>
+          </p:nvPr>
+        </p:nvSpPr>
+        <p:spPr bwMode="auto">
+          <a:xfrm>
+            <a:off x="135082" y="1215736"/>
+            <a:ext cx="6206578" cy="5505739"/>
           </a:xfrm>
           <a:prstGeom prst="rect">
             <a:avLst/>
           </a:prstGeom>
-        </p:spPr>
-      </p:pic>
-      <p:sp>
-        <p:nvSpPr>
-          <p:cNvPr id="4" name="Slide Number Placeholder 3"/>
-          <p:cNvSpPr>
-            <a:spLocks noGrp="1"/>
-          </p:cNvSpPr>
-          <p:nvPr>
-            <p:ph type="sldNum" sz="quarter" idx="12"/>
-          </p:nvPr>
-        </p:nvSpPr>
-        <p:spPr/>
-        <p:txBody>
-          <a:bodyPr/>
-          <a:lstStyle/>
-          <a:p>
-            <a:fld id="{AF87EE96-E852-4892-A22F-23BA018C684B}" type="slidenum">
-              <a:rPr lang="en-US" smtClean="0"/>
-              <a:t>13</a:t>
-            </a:fld>
-            <a:endParaRPr lang="en-US"/>
+          <a:noFill/>
+          <a:extLst>
+            <a:ext uri="{909E8E84-426E-40DD-AFC4-6F175D3DCCD1}">
+              <a14:hiddenFill xmlns:a14="http://schemas.microsoft.com/office/drawing/2010/main">
+                <a:solidFill>
+                  <a:srgbClr val="FFFFFF"/>
+                </a:solidFill>
+              </a14:hiddenFill>
+            </a:ext>
+          </a:extLst>
+        </p:spPr>
+        <p:txBody>
+          <a:bodyPr vert="horz" wrap="square" lIns="91440" tIns="45720" rIns="91440" bIns="45720" numCol="1" anchor="t" anchorCtr="0" compatLnSpc="1">
+            <a:prstTxWarp prst="textNoShape">
+              <a:avLst/>
+            </a:prstTxWarp>
+            <a:normAutofit/>
+          </a:bodyPr>
+          <a:lstStyle/>
+          <a:p>
+            <a:r>
+              <a:rPr lang="en-US" dirty="0" smtClean="0"/>
+              <a:t>We partner with three </a:t>
+            </a:r>
+            <a:r>
+              <a:rPr lang="en-US" dirty="0"/>
+              <a:t>county programs to monitor the cognitive trajectories of patients over time</a:t>
+            </a:r>
+            <a:r>
+              <a:rPr lang="en-US" dirty="0" smtClean="0"/>
+              <a:t>.</a:t>
+            </a:r>
+          </a:p>
+          <a:p>
+            <a:endParaRPr lang="en-US" dirty="0" smtClean="0"/>
+          </a:p>
+          <a:p>
+            <a:r>
+              <a:rPr lang="en-US" dirty="0" smtClean="0"/>
+              <a:t>Recruited </a:t>
+            </a:r>
+            <a:r>
+              <a:rPr lang="en-US" dirty="0" smtClean="0"/>
+              <a:t>200 seniors from three </a:t>
+            </a:r>
+            <a:r>
+              <a:rPr lang="en-US" dirty="0" smtClean="0"/>
+              <a:t>programs/counties</a:t>
+            </a:r>
+          </a:p>
+          <a:p>
+            <a:endParaRPr lang="en-US" dirty="0" smtClean="0"/>
+          </a:p>
+          <a:p>
+            <a:r>
+              <a:rPr lang="en-US" dirty="0" smtClean="0"/>
+              <a:t>Dashboard is </a:t>
+            </a:r>
+            <a:r>
+              <a:rPr lang="en-US" dirty="0" smtClean="0"/>
+              <a:t>tailored </a:t>
+            </a:r>
+            <a:r>
+              <a:rPr lang="en-US" dirty="0" smtClean="0"/>
+              <a:t>to providers in Tulsa </a:t>
+            </a:r>
+            <a:endParaRPr lang="en-US" dirty="0"/>
           </a:p>
         </p:txBody>
       </p:sp>
       <p:pic>
         <p:nvPicPr>
-          <p:cNvPr id="5" name="Picture 4"/>
+          <p:cNvPr id="10" name="Picture 9"/>
           <p:cNvPicPr>
             <a:picLocks noChangeAspect="1"/>
           </p:cNvPicPr>
           <p:nvPr/>
         </p:nvPicPr>
         <p:blipFill>
-          <a:blip r:embed="rId3"/>
+          <a:blip r:embed="rId2"/>
           <a:stretch>
             <a:fillRect/>
           </a:stretch>
         </p:blipFill>
         <p:spPr>
           <a:xfrm>
-            <a:off x="258511" y="269555"/>
-            <a:ext cx="3747432" cy="6588445"/>
+            <a:off x="6341660" y="653257"/>
+            <a:ext cx="5613400" cy="5613400"/>
           </a:xfrm>
           <a:prstGeom prst="rect">
             <a:avLst/>
           </a:prstGeom>
         </p:spPr>
       </p:pic>
-      <p:pic>
-        <p:nvPicPr>
-          <p:cNvPr id="6" name="Picture 5"/>
-          <p:cNvPicPr>
-            <a:picLocks noChangeAspect="1"/>
-          </p:cNvPicPr>
-          <p:nvPr/>
-        </p:nvPicPr>
-        <p:blipFill>
-          <a:blip r:embed="rId4"/>
-          <a:stretch>
-            <a:fillRect/>
-          </a:stretch>
-        </p:blipFill>
-        <p:spPr>
-          <a:xfrm>
-            <a:off x="4199429" y="301278"/>
-            <a:ext cx="3697460" cy="2773095"/>
-          </a:xfrm>
-          <a:prstGeom prst="rect">
-            <a:avLst/>
-          </a:prstGeom>
-        </p:spPr>
-      </p:pic>
-      <p:sp>
-        <p:nvSpPr>
-          <p:cNvPr id="12" name="TextBox 11"/>
-          <p:cNvSpPr txBox="1"/>
-          <p:nvPr/>
-        </p:nvSpPr>
-        <p:spPr>
-          <a:xfrm>
-            <a:off x="2525313" y="6231480"/>
-            <a:ext cx="7565917" cy="584775"/>
-          </a:xfrm>
-          <a:prstGeom prst="rect">
-            <a:avLst/>
-          </a:prstGeom>
-          <a:noFill/>
-        </p:spPr>
-        <p:txBody>
-          <a:bodyPr wrap="none" rtlCol="0">
-            <a:spAutoFit/>
-          </a:bodyPr>
-          <a:lstStyle/>
-          <a:p>
-            <a:r>
-              <a:rPr lang="en-US" sz="3200" dirty="0" smtClean="0">
-                <a:hlinkClick r:id="rId5"/>
-              </a:rPr>
-              <a:t>github.com/</a:t>
-            </a:r>
-            <a:r>
-              <a:rPr lang="en-US" sz="3200" dirty="0" err="1" smtClean="0">
-                <a:hlinkClick r:id="rId5"/>
-              </a:rPr>
-              <a:t>dss-ialh</a:t>
-            </a:r>
-            <a:r>
-              <a:rPr lang="en-US" sz="3200" dirty="0" smtClean="0">
-                <a:hlinkClick r:id="rId5"/>
-              </a:rPr>
-              <a:t>/displaying-health-data</a:t>
-            </a:r>
-            <a:r>
-              <a:rPr lang="en-US" sz="3200" dirty="0" smtClean="0"/>
-              <a:t>  </a:t>
-            </a:r>
-            <a:endParaRPr lang="en-US" sz="3200" dirty="0"/>
-          </a:p>
-        </p:txBody>
-      </p:sp>
-      <p:sp>
-        <p:nvSpPr>
-          <p:cNvPr id="8" name="Title 1"/>
-          <p:cNvSpPr>
-            <a:spLocks noGrp="1"/>
-          </p:cNvSpPr>
-          <p:nvPr>
-            <p:ph type="title"/>
-          </p:nvPr>
-        </p:nvSpPr>
-        <p:spPr>
-          <a:xfrm>
-            <a:off x="8090374" y="561109"/>
-            <a:ext cx="3263425" cy="1129579"/>
-          </a:xfrm>
-        </p:spPr>
-        <p:txBody>
-          <a:bodyPr>
-            <a:normAutofit fontScale="90000"/>
-          </a:bodyPr>
-          <a:lstStyle/>
-          <a:p>
-            <a:r>
-              <a:rPr lang="en-US" dirty="0" smtClean="0"/>
-              <a:t>Fictional, Reproducible example</a:t>
-            </a:r>
-            <a:endParaRPr lang="en-US" dirty="0"/>
-          </a:p>
-        </p:txBody>
-      </p:sp>
     </p:spTree>
     <p:extLst>
       <p:ext uri="{BB962C8B-B14F-4D97-AF65-F5344CB8AC3E}">
-        <p14:creationId xmlns:p14="http://schemas.microsoft.com/office/powerpoint/2010/main" val="1777419168"/>
+        <p14:creationId xmlns:p14="http://schemas.microsoft.com/office/powerpoint/2010/main" val="998446241"/>
       </p:ext>
     </p:extLst>
   </p:cSld>
@@ -5028,19 +5290,14 @@
             <p:ph type="title"/>
           </p:nvPr>
         </p:nvSpPr>
-        <p:spPr>
-          <a:xfrm>
-            <a:off x="838200" y="365125"/>
-            <a:ext cx="4579961" cy="1325563"/>
-          </a:xfrm>
-        </p:spPr>
+        <p:spPr/>
         <p:txBody>
           <a:bodyPr/>
           <a:lstStyle/>
           <a:p>
             <a:r>
               <a:rPr lang="en-US" dirty="0" smtClean="0"/>
-              <a:t>Data background</a:t>
+              <a:t>In the real study…</a:t>
             </a:r>
             <a:endParaRPr lang="en-US" dirty="0"/>
           </a:p>
@@ -5056,44 +5313,85 @@
             <p:ph idx="1"/>
           </p:nvPr>
         </p:nvSpPr>
-        <p:spPr>
-          <a:xfrm>
-            <a:off x="838201" y="1825625"/>
-            <a:ext cx="4743734" cy="4351338"/>
-          </a:xfrm>
-        </p:spPr>
-        <p:txBody>
-          <a:bodyPr/>
-          <a:lstStyle/>
-          <a:p>
-            <a:r>
-              <a:rPr lang="en-US" dirty="0" smtClean="0"/>
-              <a:t>Studying cognitive decline among OK seniors</a:t>
-            </a:r>
-          </a:p>
-          <a:p>
-            <a:r>
-              <a:rPr lang="en-US" dirty="0" smtClean="0"/>
-              <a:t>Collecting measures on COG and PHYS </a:t>
-            </a:r>
-            <a:r>
-              <a:rPr lang="en-US" dirty="0" smtClean="0"/>
-              <a:t>performance</a:t>
+        <p:spPr/>
+        <p:txBody>
+          <a:bodyPr>
+            <a:normAutofit lnSpcReduction="10000"/>
+          </a:bodyPr>
+          <a:lstStyle/>
+          <a:p>
+            <a:pPr marL="0" indent="0">
+              <a:buNone/>
+            </a:pPr>
+            <a:r>
+              <a:rPr lang="en-US" dirty="0" smtClean="0"/>
+              <a:t>The </a:t>
+            </a:r>
+            <a:r>
+              <a:rPr lang="en-US" dirty="0"/>
+              <a:t>nurses create three 6-month mini-research studies.  </a:t>
             </a:r>
             <a:endParaRPr lang="en-US" dirty="0" smtClean="0"/>
           </a:p>
           <a:p>
-            <a:r>
-              <a:rPr lang="en-US" dirty="0" smtClean="0"/>
-              <a:t>Total of 200 respondents from three </a:t>
-            </a:r>
-            <a:r>
-              <a:rPr lang="en-US" dirty="0" smtClean="0"/>
-              <a:t>programs/counties </a:t>
-            </a:r>
-            <a:r>
-              <a:rPr lang="en-US" dirty="0" smtClean="0"/>
-              <a:t>in Oklahoma</a:t>
+            <a:pPr marL="0" indent="0">
+              <a:buNone/>
+            </a:pPr>
+            <a:endParaRPr lang="en-US" dirty="0"/>
+          </a:p>
+          <a:p>
+            <a:pPr marL="0" indent="0">
+              <a:buNone/>
+            </a:pPr>
+            <a:r>
+              <a:rPr lang="en-US" dirty="0" smtClean="0"/>
+              <a:t>They </a:t>
+            </a:r>
+            <a:r>
+              <a:rPr lang="en-US" dirty="0"/>
+              <a:t>develop a manageable change to the services the provide, and see if their mini-intervention improves </a:t>
+            </a:r>
+            <a:r>
+              <a:rPr lang="en-US" dirty="0" smtClean="0"/>
+              <a:t>an outcome they’ve chosen. </a:t>
+            </a:r>
+          </a:p>
+          <a:p>
+            <a:pPr marL="0" indent="0">
+              <a:buNone/>
+            </a:pPr>
+            <a:endParaRPr lang="en-US" dirty="0"/>
+          </a:p>
+          <a:p>
+            <a:pPr marL="0" indent="0">
+              <a:buNone/>
+            </a:pPr>
+            <a:r>
+              <a:rPr lang="en-US" dirty="0" smtClean="0"/>
+              <a:t>One </a:t>
+            </a:r>
+            <a:r>
+              <a:rPr lang="en-US" dirty="0"/>
+              <a:t>real intervention involved a thorough script of welcoming new clients.  Another real intervention was sending text messages to clients to reduce no-shows</a:t>
+            </a:r>
+            <a:r>
+              <a:rPr lang="en-US" dirty="0" smtClean="0"/>
+              <a:t>.</a:t>
+            </a:r>
+          </a:p>
+          <a:p>
+            <a:pPr marL="0" indent="0">
+              <a:buNone/>
+            </a:pPr>
+            <a:endParaRPr lang="en-US" dirty="0"/>
+          </a:p>
+          <a:p>
+            <a:pPr marL="0" indent="0">
+              <a:buNone/>
+            </a:pPr>
+            <a:r>
+              <a:rPr lang="en-US" dirty="0" smtClean="0"/>
+              <a:t>Starts with 2-day workshop to develop the ideas.</a:t>
             </a:r>
             <a:endParaRPr lang="en-US" dirty="0"/>
           </a:p>
@@ -5122,34 +5420,10 @@
           </a:p>
         </p:txBody>
       </p:sp>
-      <p:pic>
-        <p:nvPicPr>
-          <p:cNvPr id="5" name="Picture 4"/>
-          <p:cNvPicPr>
-            <a:picLocks noChangeAspect="1"/>
-          </p:cNvPicPr>
-          <p:nvPr/>
-        </p:nvPicPr>
-        <p:blipFill>
-          <a:blip r:embed="rId2"/>
-          <a:stretch>
-            <a:fillRect/>
-          </a:stretch>
-        </p:blipFill>
-        <p:spPr>
-          <a:xfrm>
-            <a:off x="5812215" y="301538"/>
-            <a:ext cx="6235890" cy="6054812"/>
-          </a:xfrm>
-          <a:prstGeom prst="rect">
-            <a:avLst/>
-          </a:prstGeom>
-        </p:spPr>
-      </p:pic>
     </p:spTree>
     <p:extLst>
       <p:ext uri="{BB962C8B-B14F-4D97-AF65-F5344CB8AC3E}">
-        <p14:creationId xmlns:p14="http://schemas.microsoft.com/office/powerpoint/2010/main" val="3699864537"/>
+        <p14:creationId xmlns:p14="http://schemas.microsoft.com/office/powerpoint/2010/main" val="3135876214"/>
       </p:ext>
     </p:extLst>
   </p:cSld>
@@ -5188,8 +5462,8 @@
         </p:nvSpPr>
         <p:spPr>
           <a:xfrm>
-            <a:off x="645756" y="275431"/>
-            <a:ext cx="5185229" cy="850611"/>
+            <a:off x="838200" y="365125"/>
+            <a:ext cx="4579961" cy="1325563"/>
           </a:xfrm>
         </p:spPr>
         <p:txBody>
@@ -5198,11 +5472,60 @@
           <a:p>
             <a:r>
               <a:rPr lang="en-US" dirty="0" smtClean="0"/>
-              <a:t>Fictional scenario</a:t>
-            </a:r>
-            <a:r>
-              <a:rPr lang="en-US" dirty="0" smtClean="0"/>
-              <a:t>:</a:t>
+              <a:t>Data background</a:t>
+            </a:r>
+            <a:endParaRPr lang="en-US" dirty="0"/>
+          </a:p>
+        </p:txBody>
+      </p:sp>
+      <p:sp>
+        <p:nvSpPr>
+          <p:cNvPr id="3" name="Content Placeholder 2"/>
+          <p:cNvSpPr>
+            <a:spLocks noGrp="1"/>
+          </p:cNvSpPr>
+          <p:nvPr>
+            <p:ph idx="1"/>
+          </p:nvPr>
+        </p:nvSpPr>
+        <p:spPr>
+          <a:xfrm>
+            <a:off x="838201" y="1825625"/>
+            <a:ext cx="4743734" cy="4351338"/>
+          </a:xfrm>
+        </p:spPr>
+        <p:txBody>
+          <a:bodyPr/>
+          <a:lstStyle/>
+          <a:p>
+            <a:r>
+              <a:rPr lang="en-US" dirty="0" smtClean="0"/>
+              <a:t>Studying cognitive decline among OK seniors</a:t>
+            </a:r>
+          </a:p>
+          <a:p>
+            <a:r>
+              <a:rPr lang="en-US" dirty="0" smtClean="0"/>
+              <a:t>Collecting measures on COG and PHYS </a:t>
+            </a:r>
+            <a:r>
+              <a:rPr lang="en-US" dirty="0" smtClean="0"/>
+              <a:t>performance</a:t>
+            </a:r>
+            <a:endParaRPr lang="en-US" dirty="0" smtClean="0"/>
+          </a:p>
+          <a:p>
+            <a:r>
+              <a:rPr lang="en-US" dirty="0" smtClean="0"/>
+              <a:t>Total of 200 respondents from three </a:t>
+            </a:r>
+            <a:r>
+              <a:rPr lang="en-US" dirty="0" smtClean="0"/>
+              <a:t>programs/counties </a:t>
+            </a:r>
+            <a:r>
+              <a:rPr lang="en-US" dirty="0" smtClean="0"/>
+              <a:t>in Oklahoma</a:t>
             </a:r>
             <a:endParaRPr lang="en-US" dirty="0"/>
           </a:p>
@@ -5231,103 +5554,9 @@
           </a:p>
         </p:txBody>
       </p:sp>
-      <p:sp>
-        <p:nvSpPr>
-          <p:cNvPr id="9" name="AutoShape 2" descr="data:image/png;base64,iVBORw0KGgoAAAANSUhEUgAABIAAAASACAIAAAAIyqENAAAACXBIWXMAAB2HAAAdhwGP5fFlAAAgAElEQVR4nOzdXXCU950v+J+3crFTs1VbdTZIluRUhTqQHYMIGmQXdUTNOAwvBvwyvvCSFAQckwTKczwFNh57PHZyEZskJCaGis+4RBKIwaYSyqfWB4OEeQn2TKFZCkREEHgqcIpUBalRy7tbezE15469aHWrW+putaTWo7fP5wqrn5f/86L2/6v///k999y9ezcAAACYeP/TZDcAAABgthDAAAAAEiKAAQAAJEQAAwAASIgABgAAkBABDAAAICECGAAAQEIEMAAAgIQIYAAAAAkRwAAAABIigAEAACREAAMAAEiIAAYAAJAQAQwAACAhAhgAAEBCBLAK3bzZvm/bsmXL7smzbNmybfvab96c7LaNX/u27CHtq/RoxrDK5Lp5s33ftpl7CWeQm/uy12hb+2S3pYiZ/VUAAEw4AWxEN9u3Lbvnnvnz1+3Y39HRkf9JR0fH/h3r5s+/Z9m29pnb9cp0N6dJyirqZvu+bcsyV7DkJZzYazj9zyExq74K3LEAMHEEsLJu7lt2z/x1+ztGWKxj/7r5y6bkX+vHKXP8O0Y8AVPXzfZtyyo6go796+ZPyGje9D+HxKz6KnDHAsDEEsBKu7lv2fwdg52Qlq17227cuHE358aNtr1bW7Ifd+xfNzVnTFVibevAMZ3fPi//5zeul+yElVplKrm5b1lBn7nEJcxdw+jYMb/qGazMOWSamEVfBeGOBYCJJoCV0r5tsMvVsrXtxt3zrdvXzpuXFzbmzVu7vfX83RttW7M/2b9uOve7Zpr8K1j2Ep6/0bZ3sPc8ARmMac1XAQBQTQJYce3b1u0f+GfL3hvnW9eWHuWZt7b1Rq7/vv91nfepIe8Kxta2kS7h9vN3BzvPHTt+rPPMAF8FAEB1CWDF3Nz3+mCf652Rp9jN2/5Ott/VcfSEbtfkK7iCN8p1mnMKOs/GL4gIXwUAQPUJYEXcPHE0O+No66uVPeE075H1W1tatm7d2/bqI0VXuHmzvbB0daZu9QgNKVxpWa7EWqka8LmfD+SHTC2zkfc5bHsDlcBzf/vv2DF/yA6HrlJh7fBy1euHtLaiU1TcGK5gRMzb/urgFLIPCo5ixKL7RQ5/5HNYsIExHPyobqrsIeQuccEOh685/N4Zocx69S5f0cMs3Ozw7Vb0XoShvyAj7nqyvwrGcuMVrjiKr4IR7tgJOcMAMBvdZajBgZDY2lblDQ7TsrXtRvGV2rYWX6tl743B6XItewvWzv18a9vdUusPWyl/vexHJZucW3d4E/J3Xkqphpc82nKnqKSxX8FSa5Zqd5EVc+uNfA5zC5Y5+BL7G/1NlT2Elr03Sq6cu/zlbr5ijZmgy7e1rXRTtw5tyojXqLJbtHhLJuurYCw3XuGKo/gqGOmOnYAzDACzkRGw4QaLgLUsmD/urbVvuye/gNpQHfvXFSv60L6tZMnrjh3zt30w0l67X19WumR2x46nJuLxlLVPDHS+howe5Wn/YOCP6y3r80YHhhYrHKJj/7r5o/tz+uAV3PrE2tGsGPO+1Jj9Z/fvE5lAdnPfsvllKn4Xrwkytpsq68S2Uit37Ji/rf1m2Ztv+K1T9cuX54PSTd0/9Mys/buB/FBy7l/u9qv0tpgKXwXjVcWvggk4wwAwK012Apx6qvpX78HKDgPFq7M7KRwzKDWQFYV/Fx8+0FBmxSF7HLJyiT+Xl9peBYNmd0f+83fRz/P/7N6ytW2wunfhOSr9R/dhBrc4ipWGtbGgkWMeiBhh1cKDL3W1yt4eY7mphq7Ylt+MlmGXouDzIQdY/cs3fCCmpeRtXGIEp+jeSl+iChoy6V8FYx4BG77Hsl8F5fdZ7TMMALOSADbMYM9lDN33QnkduKK977xOUl6PpaDbN2ytGwU9q3Jd8yJ7LHVsVQpgI3QXi+av4oGn8s/LrjKuAFb5gd0dawAr39LiQXJsN9WI90a526pMUyfg8g0JYEXWK3mM5fLBGNLBpH8VVCmAjearYIR9VvkMA8CsZAriBGr/cXbCUfECavPWtub6OoPT9gaf+9/aVqR8X/5K5RStGZCbJRgd129UsJHRKjdHabCeXN70pLwftrUWnbQ0eLilZzZOV7kJW8Wv1mBRkLzTObabqlCxvQ3eGsU3nPf5oIm/fEW3W/IY5z2yvtT9l/drNQmz46px1casml8FU/YMA8A0IoANM39B6efkR+Xm77sH/lW6gNpgNyjb7aqgG1O0LzxEiZWrdnAllO6fFT+u3EM2ZfpsucNN6KmsxAw+Ebf374of/drWgT+UnM/eQGO7qQqN1D9u/FKxDedunbwO+0RfvpInJu8YCzZb8v4bUzqY5K+CKqnuV0F1zzAAzEoCWBnjHCXK9U7LPcA/rCNZyVojJ7Bq1AwYk1L9s1z3rKBPPdgx3b/unpKyZbErvR5V6jcXzyETYRR7GttNVWCke6Pye2diLl+eMiemWB6MkvffeNPBpHwVVEe1vwom6AwDwCwigA2TfCG84pLr/1dVbt5cQf9sMH+tL/5ypIpUeD0Gr+Do+82DmWLCM+zgrmaJUf86lbsEeb+mhT8vdv8Vj/8jmipfBVNLNc8wAMxKAthwgwMoo+q/39y3bNmybdv2tVfl5bPTWPYv+Xn9s+rkr4oNXsHRzubKe/HuNA3As0Xp+Dr8/hvz7eeroKgqnmEAmI0EsOFyc2xG1X+/eeJoR0fH/v071r1e4h05xVfL9SOHdvin79/ch/XPciUISj8BU1HdtPOl1h5ibFcwv6HTeyJV6ZtqolT18uWMceLf0Ptv7OlginwVTDnVO8MAMBsJYEXkd7ter/A9pXllzrJ9kBJPqRQafNXrgErWmuqT14b0z0q/nXVwjld14+Zg/cDYv67itwAP1vQbff4adh1HVsnB39y3bOBJqoGjGNtNNUEm6vLllNlsuceqCu+/8aSDSf0qqEhS17pQ9c4wAMxCAlgxef33jh3zK+jAt2/LVhrIG+QZ7LyV7rvlFSIf6PHnrVXqb+554zRTVLYcfcfREzfL5K/8nunwuvVZuRCyrMIecH4LImL/uopWbN82P3daSz/IUqIHPaZInKu60LHjx8Uv9fDKBmO7qSbKhF2+GGGzg1m5aJ8/Px+MLx1M5ldBgWreeFVQvTMMALOPAFZc/su29q9btq3Mwxw327flCr0V9twHu10dO54q0u+6md9Zy3W68jpr64rtN2+lqSt7EB1HT+wb6FgWDTUjnaKIm/ue2jGW7t287e/kIljHjvllL2Hc3Lds8BoWe1VT+afKBts4OnmVx4v2yweTdrHbYzQ31QSZuMsX5Tabd75LbDUvH5y4Pr50MIlfBTFRN14VVPEMA8CsM46XOM90Q9533NKydW/bjRuDn9+40bZ3a0HB8+FPwuRvo2Xr3rYbg+vmr9qy90bptXIr3R22w5IrDvn5YJtzoaSgraXWG1x82AZH2tXgquVbVHiaW7bmneLCw63oMaMhbRh6Cbfubbsx/BK2FC5TdD9DLmRuI8MvydD1y5zDwrOUf3/cvdGW/0m522PUN1WJK1H5BS1+61Tv8g27dfK2OuR8l95qxfdfJSbvq2DMN95YvwrujnDHFlusCmcYAGYTAaycwq7RCEbq145qzQrWKrbqxAWwnOx6I+5qSNe8TO+syF6GGUP8ymx7NJewXCtHaOTWvdnPS3dnix7MyAc/tttj1Il5jAFsAi5f3p62ljvQ8j3+wmaNNx1M3lfBGG+8qgSwwb0Uu37VPcMAMHuYgljOvLWt5yvpebVs3XujVI23ta13y22hZWvbjSJrrm0tvd+WrXv3VpjPxivvCZisysst5L8uunT5w4iYt/38jaF/zs/XsrXtRusYJ9NlLmG5rQ/so2VrW8lrONDIUlekZWvb3dZHSq9Y9hzO2172FmvZW/z2GMtNNUEm8vI90VoqfxQ/MfnNGqyfMcL9V4nJ+yoY8403ZpX+1lf3DAPA7CGAjWTe2tbzd+/eaNu7d2tLy5DZatmpSOdby3Y+1raez8wYylt9YN2751vXFl913trW8zdutA1ZaevethvnW7d/KfuTCS9YnUmCBYddcWnwwQQ24sNI87a3nh8+H3Ckc1SheWu351/Dgh20bB24hBXsZPgVyV6Q8kc30jmcN3iD5Dctc+yl7qwx3VQTZQIv37zt5ws3PNKJGVxzMB9U52G4yfoqGPONN2YV/tZX/QwDwOxwz927dye7DYzWzX3LBir2bW27O1GdMJjeciUx/JZMEGcYAMbCCNiU077tnpHKdpd7BxIQUe71c1SHMwwAYyKATTmD71Yq8XaoEd6BBAz+lpR+pxvj4gwDwBgJYFPOvC81Zv+Zee3Q4DjYzZvt+7Ytmz/CO5BglrvZvm1crx9jJM4wAIydZ8Cmovz3uZY0Yhk4mFUGH40c5OGkanKGAaAajIBNRWtby9b1TrrOOEwHeWPHGS17x1z/nmKcYQCoBgFsapq3vUi96kz16UmpMw5T3/wncn+2aPE3iongDANAFZiCCAAAkBAjYAAAAAkRwAAAABIigAEAACREAAMAAEiIAAYAAJAQAQwAACAhAhgAAEBCBDAAAICECGAAAAAJEcAAAAASIoABAAAkRAADAABIiAAGAACQkM9NdgOmluPHj092EwAAgGnm0UcfrXBJAWyoys8dAAAwy412CMcURAAAgIQIYAAAAAkRwAAAABIigAEAACREAAMAAEiIAAYAAJAQAQwAACAhAhgAAEBCBDAAAICECGAAAAAJEcAAAAASIoABAAAkRAADAABIiAAGAACQEAEMAAAgIQIYAABAQgQwAACAhAhgAAAACRHAAAAAEiKAAQAAJEQAAwAASIgABgAAkBABDAAAICECGAAAQEIEMAAAgIQIYAAAAAkRwAAAABIigAEAACREAAMAAEiIAAYAAJAQAQwAACAhn5vsBoyg58L7R4/887lbtyIiYu7c5X+xYf2TSxuKLPj+mz8aXG755hKLAQAATJopHcAuvLl917lbeT+4devcrV3n/nnz2/uebChc8PFd5/KXO3do17k/vnLsuaXJNBQAAKACU3gK4oU3d527FTF3+StvH8t4+5XNcyPi1qFn3rwwZMGImLt5YMGBxc7t2v5+z+Q0HQAAoIgpG8B63j9yLiKWv7LvudxUwoalT+57ZXlExLmOC8MXzM45zC1265//RQIDAACmjCkbwG7/8VZELG8ZOolwacvyiIg//HEgWvX8yz8XW3Dp+s1zJTAAAGBKmbLPgC197tix5ypYrlRQa/jCFyNu3frj7Qi1OAAAgClhyo6AlXKh41xEzP2L/5SJVT1//ENEzP3CfcMWvO8LcyNvpAwAAGCyTdkRsOKyD3xteHJ8w1rHjx8v9dGtW7dKfQQAADAe0yqAXXjzmUO3IuZuXl9xefkScxAfffTRoosfP3587ty5Y28hAAAwm1y7dm1Uy0+fKYgX3ty+61zE3OWv7BvF8FexyYkAAACTYnqMgPW8v31g7GvoK5gBAACmjWkwAnbhzTLpq+ELX4yBiYZDZMojfvEL8hoAADBFTPEA1nPhzcd3nbsVc5e/cqz42FepYoelyyMCAABMjik9BfHCm8/sOjfCxMOG//QXcw/dunXo6IUnn8srzXHh6KFbedXqAQAmxL8dfX6ymwCzy5+u/8lkN2Fcpu4IWM/720dMXxGZBBYR53Ztf/NCZhis50JmVfkLAJhQ0hckb7r/3k3ZEbDMEFbErUPPPH6oyOfLXzk2MOLV8OSLr/zxmV3nbp3b9cy5giUU7AAAJt6frJre3UGYRv799PQe/oqpOwJ2oePcyAtlNSx97u1XNi8ffH/X3OWb3z72XMUvCwMAAEjCVB0BW/rcsWPPjWL5hqVPPrf0ydGsAQAAkLCpOgIGAAAw4whgAAAACRHAAAAAEiKAAQAAJEQAAwAASIgABgAAkBABDAAAICECGAAAQEIEMAAAgIQIYAAAAAkRwAAAABIigAEAACREAAMAAEiIAAYAAJAQAQwAACAhAhgAAEBCBDAAAICECGAAAAAJEcAAAAASIoABAAAkRAADAABIyOcmuwEAACTtiaf+ZrKbwJTwwTv/ONlNmHUEMACAWSQTvVr3vD7ZDWFKyNwPYliSTEEEAJgtnnjqb1r3vC59kZO5GYyIJkkAAwCYFXSyKUogT5gABgAwW+hqU1Trntfl88QIYAAAAAkRwAAAABIigAEAACREAAMAAEiIAAYAAJAQL2IGACAiouvIq293jmL5+9bt+M6Kz49rX/WrvrfzodqxbQKmJyNgAAAACRHAAAAAEmIKIgAAERFNG15v3TDkZ5+179n7QW9E88bWDfdPSqtghjECBgAAkBABDAAAICGmIAIAME6fHtj53oUSdRH7zr713bY7EU3P7HmyacQtpT9tP3P2Uued29kf3Fff9MDDX1nbWLzcYl/608tDl7+3oWnFIyvur6y4YsEcy77uT058dPpCb+aje+9rXrF1w8B2+ro/OfHR1Qu9dwb20rzqsZUPNdVUcgj33te8qOTCoziE/JMcXWc//rCr63amqfX3Li12yNkzH0uffn1LY0WngwQIYAAATAl93e9/92DXkB/e7u26fbDrg/qmZ3YOyW+fdR351dudd4Ytf+d273sXuoYvX16668h7hVX479zufO+7nU3P7Hkyjrw1ZEe3O0+/3Xn1iZeeXVsYq3KZp3A7d97uPH1f88bvDH2ObmyHcO3AnlxKjIiI3jsXxnLITA4BDACAKSD9yf5M+qpf9cym3HjRZ11nf/V2253o7Xr7yML8QiB9Zweiy33NG3PjVJH+9MDh9y70xvDlR9B5+u2CTeWiUdfbe+5E7537mldtXflQbU1ek+LOB4c/WZL3HrNc+ioYH0t/1nXmV2933rnd+d5rUZDBxnYIt9tO3457l6772iMrPl8bEelP2w+/90FvRG/Xh2e/0jTWN7ORGM+AAQAw+fquXr0dEdH0zM782Xqfb1rx7DPNERHReS1vdOzTE5mBpuaN39mQN/Wu5v4tOzcuzfw7le4bTQPuW7cjb1Ofb9qwYmA7vXeieeN3NmTSV2GTevtTufXTn+wfbFLeIdR8vmnDs99bd29E3O48256uwiEsffrZLZn0FRE196/dueOJ+oiI213X8pevXfFs657XW/eYfzi1CGAAAEwdd1LpoT9q2vB6657XW/MfIeu+diEi4t4nVg4f45pTVx8RheloZE2PDR07un9JJmUV20td7b1DWjsYIIsNu9Wu+NoT9RFx54Mzn473EOpXPTI0UH2+rq708kwxpiACADD5amvvjbgTceeD3W9dal702MqFTTWlZ9M1Ptm658kSn32+ri6it8SHpdTPqSv52b11w+pnZFub89nlrsxw1sIST2FlW5VK98X9tTGOQ6irGV5fpG5oe5i6BDAAAKaAxiefab7zduedXNWKiGx9v0X315YoITgg/Vlf9KfSkfrdtUupbG3AUSmWakajP5XZaed72zrLLtjbn4oosq+KD+G+2jnjaimTTQADAGBKaNrw7Pe+XFDtfaC+X1tEfdMTw4rR93W/v/+jMcWtKWMGHAKjJYABADBV1DY+tKXxoS0Db8fKGwvq7frgYFdq8H1W2fd3Zd1Xf29D3b11tQuXLLo/debVt8sPQ02c5o0Vl16cqofABBPAAACYQKm+sTybVFtz/9oN96+NJ/PKvseFjz55pPGh2oi+s7/KRJeCAu65PY6/0aM2p66+8BGvkUy9QyAhqiACAFAdt/v6h/3ss1RFYeKz9j2vbtv56rYjnw77aHjZ92zFi/pVw6NLxKeXJ2HsKFeH8OrlYVUcI2LwAPd80hcxJQ+BhAhgAACMU7Zs+vD3VnV//EFFDzh9fknTvRERBW/KysmmuHK1Cgf0nT17oZIdVlvTylX3RWTezlzk5V3Z87D04YdGHB+brEMgGQIYAADjlI1Pvae/u+eTroEE9VnX2fdfO9hVbr08tSsyLz6+88Hutw50fzaYYdKf5p6VyqaXwd3tP/Jpbsm+9KcH9rz63bbcjMcirxSbQDUPbV2XOwnvt3d/lv3gs66zb23LnIfBV3glcQh9Z9/atvPVbTtfPdA99o1QdZ4BAwBgvGpXfO2Jrr0f9Eb0nn579+nBD+pXPdN09e22Sh4Du3/LS6t6dp++HXcuHNw7fAjovnU7shU4onbFiqVd713ojdud7323cLbefc2rHqvN7PFOKh1Rvn59VdWuePZ78dZ32+5kSoZ8MOTj+lXf2zk4/DU1D4EECGAAAIzf59fu3FF39uMPu7J1C+vvXfrw17Y0fr7v7NVKt1Hz0Hf2LOw6+/GHXXdu5yrR1997X92KrSuHvArs/i07dyzJ313ce9/g65trlra9dyHiwu8+3dJYYU3C6qhd8Wzrok/bz5y9lLqTKy5/X33TA8Nq6E/ZQ2Ci3XP37t3JbsMUcvz48UcffXSyWwEATA//dvT5iPiTVc9PdkMq8sRTf9O65/XJbgVT1Ladr37wzj9OditG9u+nfxIRf7r+J5PdkEHHjx+PiMpDhGfAAAAAEiKAAQAAJEQAAwAASIgABgAAkBABDAAAICECGAAAQEIEMAAAgIQIYAAAAAkRwAAAABIigAEAACREAAMAAEiIAAYAAJAQAQwAACAhAhgAAEBCBDAAAICECGAAAAAJEcAAAAASIoABAAAkRAADAABIiAAGAACQEAEMAAAgIZ+b7AYAAMBYpT95bffp280bWzfcX3qZT9vPnL3Ueed2RETcV9/0wMNfWdv4+dHvq0rbYXYTwAAAmKY+az98+nbZJfq6399/sCt/mdu9XbcPdn1Q3/TMziebKt5TtbYDpiACADAdfda+Z+8HvWUX6X7/u4WpaVBv19t7PumrcFfV2g4YAQMAYPpJf3rg8HsXyqev+PTAwa6Bf9Y3PbPpyaaaiIi+7k9OfHT6Qm9E7+n9Zxd+Z8WIcwirtR2IMAIGAMC08lnX2fdf2z1i+orovnYh84/6Vd/bOZCaIqK28aEtOzcujYiI220fdxVfeQK2AxEhgAEAMH181r5n79ttmdmA9z7x0o4n6ksu2td3JzKLbXqoduiH9295OvPcVtfl7hF2Wa3tQIYABgDANHNf88bv7Xl2bU25ZVKZ4FS/aEnRxWrm3BcRET19n5XfV7W2AxmeAQMAYNqoa1r1zKaHmspGr1G53dcfUYXHt6q1HWY8AQwAgOni800rHhrdGr39qYhhUwcj0v3l69dP1HaY9UxBBABgBmr68sDTWW8f+XTYh5+1f1Rp1YxqbQcyBDAAAGaixoWZEoXR+d5rRz7pSg/8uC/96YERXyA2EduBiDAFEQCAGer+R9bde6HtTkTc7jz9dufpwk/vva/+zu2K4lO1tgMRRsAAAJipalc8+7119xb75N4nXvraA4lvB8IIGAAAM1jtime/t+jTE4fPXugdeJ3Xfc0rtm64vzY+PdAbEXFf7ZwktwMCGAAAM1ltzf1bdt6/ZchP0+meiIhoqK20dny1tsMsZwoiAACzTt/Vq7cjIpqWNE6J7TB7GAEDAGAmSn/y2u7TtyPuW7fjOys+P+Sj/W13IiKaFzYlth2ICCNgAADMTDU1DRERcbvtVwe6P+sb+Olnfd3vZwJVRCz98v3JbQciwggYAAAzVK58/J0LB/deGP5588YthfMG+86+9d22OxGx9OnX8z4a9XagDCNgAADMTLUrnn2muWj5+LiveeP3NlQ6bFWt7UAYAQMAYAZr2vDs9778yYmPrmbLx8d99U2PbfpKU83oihZWazsggAEAME19fu3O19eOtFBt40NbGh8aWj6+6JIrnm1dUYXtQBmmIAIAACREAAMAAEiIAAYAAJAQAQwAACAhAhgAAEBCBDAAAJjVtu18dbKbMIsIYAAAs8IH7/yjfjalfPDOP052E2YLAQwAYBaRwRhi285Xpa8keREzAMBskelnP/HU32T+s3XP65PaHCaZND4pBDAAgNklF8P0v2c5A1+TQgADAJiNdL5hUngGDAAAICFGwIa6devWZDcBAJgeaiIioqenZ5LbAbPGf4iIad5jF8CGmjt37mQ3AQCYHv7tYkREQ0PDZDcEZot/vx4xxXrs165dG9XypiACAAAkRAADAABIiCmIU91/+9f/MtlNgFnkr//sP092EwCAmcwI2JQmfUHC/NIBABPKCNg08NAX1092E2BW+OQPRye7CQDADGcEDAAAICECGAAAQEIEMAAAgIQIYAAAAAkRwAAAABIigAEAACREAAMAAEiIAAYAAJAQAQwAACAhAhgAAEBCBDAAAICECGAAAAAJEcAAAAASIoABAAAkRAADAABIiAAGAACQEAEMAAAgIQIYAABAQgQwAACAhAhgAAAACRHAAAAAEiKAAQAAJEQAAwAASMjnJrsBTLLN67852U2A0Tl09BeT3QQAgDESwGavTPTa89buyW4IjE7urwaSGAAw7Qhgs5HoxbSWuXV3PvvSZDcEAGDUPAM2S0lfTHd73tptAi0AMO0IYLPO5vXflL6YMWQwAGB6EcCA6cqfEgCAaUcAAwAASIgiHACJev2fPpzsJsDs8upfPjbZTQAYZAQMIDnSFyTP7x0wpRgBA0jaN5f85WQ3AWaLX1z+p8luAkABI2AAAAAJMQJGob5ze167Eg11dfU1X25qbFw8p+zS/ekr3We60qneVG/9qj1PLUyqhSd7I+off2Hn6vLNAwCAqUUAY7hUb0+qtyc6L15Z950dK2pLL3jlN7t/dnng3/WJNA0AAKYzUxApI9V1pb/Mx91dl8t8CgAADCGAUVx9Q11E9HZ2p0sucu13FyOirr4hsUYBAMD0JoBRXF3z4vqI6Llyta/EEle6OyPiwcVNCbYKAACmNQGMEmobmxqizCzEzPzD5qbGRFsFAADTmSIclDJnUXNdW0+qt7M7vXp5zdBPM/MPl3x5cfS1DV/32pFnD3WWKFSYPrV394z24t8AACAASURBVLFUxJKn3/pqQXrru3b25Omui6ne7A/qG5Y0rfurFSNUYsy68uudmYogDUuefrn8luvqH1z88JrljSXqi6SvnDvTdqWzJ5VdeNWmpxZGqWaPfvujXn6o/rM/eKOtJ+LBzXueWpi+cu5M28nOntymVm16amFNkQOJ+gfXlNzLaE9R37WrQy9WXV3zqpWrFxbeKvl3QnSf+s1HnZd7M01tqGsusnzu9ojmb+/esLjCEwIAMG0IYJRUs3hx/bFUb8+Vq33Lh9ZCHJh/2NgYUWqK4qikr/x6sKBiVm/P5d6fXW4bHqiGu/LrPSXSV65DnyfVezF18OKV5sc3bhiaD7PZpmDhQ7svLln3YImWl9z+yfoHN+8cVpp/tMuXle5+59DBi0Va+/RbX4139h68WLCj3osnDxarbDnKJvV3v/PekC1HRG9PqrfnUGdnqYvVfeQHuZQYERE9qc5yywMAzEwCGKXVNjY1nOztSXVd6V9RGFQy8w/r64YNjI1N37nDA/FpzdNbcqMu/d2n3jt4LBU9lw++01juJWN95/b87HJvlE1fDUue3vJXjbVzIiLdd+3MgUOdPanOY29EbcEwS/c7A+mr/sHN2XGkTN643FaQc4Zuv2Bwqa+/++R7By+mei8e2hMFAWa0y4/g4smDRZqairh88Aep6EnVP7hm05rlNbV5JzNSbQfOLXp5cEhz9IcwkL7y9hvRd+3IgUOdPVHqYvUeO9kbdc2Pb1y5ek5NRPRdO3vgUFtPRM/lj079VaP3uQEAs4ZnwChjzqLmorUQB+ofNlU4OXAk6StXeiMiljz9cv6ctzmNq3c8nRl3utjdXWrl7HuZi8w8jGtnBtLXmpde/momfUVETe3CDS+/sK4hIqLzZ7/uztvURxcjMvPlctEi5jQ+teOlx+uK7vpwZvsPbt75VF7LawdX6b14+mzfWJevwLCmrmrO/LMnldlLTW32o9zJ7EkPXs1RNyl7Sh/cnLffiNqFG17ePLDr3nTRypnN396xIZO+IqJ24YrsJRhyd9Ws3rHnrd173jL/EACYmQQwyqlZXKwWYmb+YcPiRZU+s1ShVN+w7NH41O49b+3eM/yxq4xy6SvSp053RkTUrdsy/Bm2OSu2rKmPiLj80amBKiO5HPjwsAGZmtXZYJO//VxuLDZmVbN647qGiEi1nbw2tuUrMLypC788MFWybt2aoXupqcvEyMHzPOomZS59sY1H1NRmXkjQUyyANaxZOTRQzamtL708AMAMJYBRVm1NXcSQWogD8w+bG6s0ATFqageCQdtre/e8c667r9zbnweluo9k0lcUf44onRqoolFbNCgOHFr0pjL9//6rnZmxncZiYS8XbHLKLx+DAWNgRGi0y1egoab0JShy1NnznDP6Ji3+6p63du95a+hTZAULF1VfpKnZQAgAMIt4BozyFn75wei8GHm1EPv7eqOK8w8jIhZ/9ekHUwcvpnK1HyKyVfIWL6wpMc7We/FktgRf0eeIMu0sk1JqahsiejLpYmFNpPsyT3+VeLCtpq4uIr/yxMDycfHQzmKPhw3qSacjaka9fAWKpZrRGHeT+vrTkU7fib6u7q7ebHnDoi2t1uOCAADTnADGCBqblsTFy5GrhdjX3dVT/fmHjU/teKmpoGb6QJW8YxENS9aVKkbfsKS+53JvRO+x33SvLjFNsWRKmVNbH1E6M1BK+sqvD7eVi1sAAJQigDGSxY3NcbkzBmohZp4aquL8w5yaxcs3LF6+YeAdU3kjKj2X2352uW/4W6Ea1rz08vI4ldp9LBVRulLiwADXcNkhsiGLp9IRoxnce3BzuQqN418+AaNo0tAy/fUNdXX1dbV1jYsWL0yffOlg+ZE0AIBZTwBjRNlZiKl0RFztTI1z/mH20aySamoXrnhq4Yr4al7x9OhsO7dycUEtjYEQuHrjus432noiLh460pQf0rIDXCVn9GUn4A0MkWVnJFba7CEzGEc02uUTMOompU+9N6xMf96nE9BEAIAZRhEORtbYtCQi4mJ395XRzT/M1rfIN3zcqf/sD17a+exLO98ZXv2vRPH0wmWy9QwLa8oP1ni4/LsrxdYbKOiXezxpoOZ+iZL3mcr7BfvNFvErLBE5KHtcPziXHsvyCRhtk7JFOxrWDE9fxU4RAABDCWBUYHFjc0TE5Y/arvRGJbUfshXJhxf0u/KbtqGjTLnkU/QVWCPW0oioXb5p4D1dlw/mpbhc7fjOtuGRpv9s2+WIyK/kPlBzP68wfU62on2BxjWZ4JdqO1AsMmWPtHndwMDdaJdPQBWbVPQUAQAwhABGJQaKsPf2pCKiuWnE54Wymarn5O4fnOseiFX93ad+vednl4cvnU1KqbbX9h650p/3muBruSeOymeA7BurhqS4hSsfzzXj17nq9um+a0eym61//K8GS3dkg1zvsTf2vHMt24z+7nf27j5WbNpkLvj1nNz9g1+fHazU3999au/OzJHmv/9qtMsnYHRNGryshwfPT+Z8vpR3ioq8z61y6VN7dz770s5nXzpSdNwSAGCa8wwYFckrwr7kyxUkhJrco1k9Jw++dnLwg4Y1TzdfOTg0zyzc8J01qddO9kaq82dvDB9IqX/8haEVOIaas2LdkrafXc4M5ix6eSCt1aze8VLs3X0sFT2XD742JPvVNT++cUNh8fqa1RufTr1x8GL0Xjy0O39CXcOSdc2ptmExLH/7bT+73Dbk44Y1L71ckBtHu3wCRtWkmtWrmjsPdfYMOz8R9Q+uebguc2VTfXciqvySbgCAGUIAoyI1ixfXH0v1RpmX9g4xZ8XLL9Se+s1Hndlihg11zes2blg8J32q2NBG7fKdbzV2n/rNR52p3lwl+oa6+vpVm9aUfBVYgcVfffrBywcvRvScPHyqcWduYuHqHXsWXzt78nTXxVT26bO6+gdLbXZO41O7Cwvi19U/uGrTUwvj1N6h4WTI9ntTucrs9Q1LmkqUzh/t8gkYTZMWbnj5hS/nX9aoq39w8cNrGhtr50TUNB871BnR2XVtw+IpVukRAGBquOfu3buT3YYp5Pjx448++uhkt2LQf/vX/xIRD31xfRW3uXn9N/e8tbuKG5wlut956eDFyRmkooydz7506OgvqrW1T/5wNCL++s/+c7U2ONzr//RhRHxzyV9O3C6AfL+4/E8R8epfPjZB2/+3o89HxJ+sen6Ctg8M8e+nfxIRf7r+J5PdkEHHjx+PiMpDhBEwGDAQsWLJ028Nf6dzthbIyAVIYDJt27BpspsAY9F65PBkNwEgIQIYDMg+53b5d1e+2jjkkbO+7q5M0Y46+Yupa9uGTd/fN4X+IgiVy/ztQAwDZgMBDAbknnPr/Nne+PbGDQOPP/Wnr/zm8M8u90bk16yHKSXTeZW+mL4yd++2DZtkMGDGE8Agq3b5zm+n9/zscvFijA1Lnt4yfGoiTBXSFzPA9/f9RAYDZjzvAYM8i7+68zsvPP1gXX3D4M/qG5as+/YLL7381Ual1ZmSzDxkJslksMluBcAEMgIGhWrnND61w0gXAAATwQgYAABAQgQwAACAhAhgAAAACRHAAAAAEiKAAQAAJEQVRIDZpT/dfe2jk1dTvame7I8a6uvq/nzFw4sW1NQUXyd99qe7TqQi6h77+79dWWKZrOuHn3/3UkTDI8+9uGKsby7vPrr9QFdluwOA6UUAA5g10t1Hf3mgq2fYz3t6Uz297146EQ3Nq7+x8SsiDwBMGFMQAWaHq+/9dFex9JWvp/PUrud/eiadUJMAYPYxAgYwC1x97x9+3pn9j/q6BwonHKbT1393+uyHnamIiEh9+MOjtT9Zv2gy2gkAM50ABjDjdR/Npa+GR77+jRULhkwyrKlZsHLjgpWrrh/+4buXIiK6fv5GzSsvmIsIAFVnCiLADNd/5mRX5l8Njzz34rD0NahmwaaffP2BzL97T33UnUTjAGCWMQIGMLOlr13ujYiI+tXfGLks4YJNW5ouHeiKiEtXrm9qXFB+6dzMxobmr7+4cYSFcwUYL/Wmsj+pa6ivXbJm+crG0g1LXz9z+uzlzoGajQ31TWWWT3d/XLD9zGTL4Zkz/fGPfniqJ+KBLd/f1Nh/9ey59hPZp+Pq6x5Y87VNA9vvv3r2XPtvu3p6B1r7wCPFtjbmQ5vYJlV8NkZ7CPk1KqOSq9N/5o03P+yNiKZvmdoKIIABzGzpq1czneMH1lQ2pbCx8YHouhQRnd1XNy4o012++t5PR5G+0tcPH3r3Uu+Qn6Z6elM9B7oul9hC6urR7Se68n/S09vVc6DrcpEa97lefp7e1KXedy/9tumxzeuLl7Pvu374QGbWZd4qB9681Pz1fRvj8BtDGpy6dOLdS79dPXRy5pgOraSqNKnM2ThR98CWv93UWPjR2A7h6tEfnSgo6zJwdUZ7yACziwAGMKP13ckMaNTVVfpE14Km5rjUGRF9felYVPrNYD/vTEXFY19nBvr3dQ9syQ3mDJbF7+l89/Di7w9NBZG6dCIV9U2PZQdV0t0f//LAqZ6InhO/OrMo/xVhg3mjofnr31iVqS/Sn+4+98sDXT29XR/+MIqWFbl04t2CJuVySOe7P0pFT2/dA4987eEVc2oiIn39zKF3P+yN6D31y7ML8+Lf2A6tpOo0aeBsFIyPpdPXPzr07qXe1KUDP42CDDbGq/Nh5upsXr6ypvDqdJ49s2qBF7gBlCCAQWl95/a8drL3wc17nlo45JPud146eLGCLRRbtxLpU3t3H0tFLHn6ra9W3HGDIvr7BiaU1dZW3CGuvbcuIhWRSqUjiq2VfS9zhekrovtcJh0NGXupaVz/4pbYfqArIlJ9/VFktl7Tt14YDE41jV958e/jRz881ROpy1f7V+YiR3b7hW9/nlPTuP7Fv6/50Q9P9UTXz99r3FekqYXveq5ZsGnNwAzMnt7C1tYsWPnC11PPv3spoudOf8TQXY/+0EoZb5PSZ39VvEk1Cza98FzdG29+2Ju6dPLjhxuzg2YTfXVizsoXvr+y4uMHmOkU4YBS+s8eODl0Rk4y+s4dPpYaeTGYFKNOXxFXr3RFRNSvfnj43xNqahoiYiBCDNXwyPKhw1Y1NXVDl89WGSn6kFvNV77xSF1EROfZIu83a14xdKCmsXGgDEmR1s6pq4+IiFQ6t6UxH1pJ421S/+9+m4qIaP56sWG3OSs3r26IgiIrE3x1ABjCCBgU1X/2B2+0lX9l7cTterKCH4wodfXohycG+veVP+ezaOP3920s8VlNTV1Eqd+1utrhoy5z6uojCn5F+lOZ/6yrKTrIV1NbW2pAr+He0gNTRbY2p7ZuyK7HfmiljLdJ2ZorDywucXWyrcoNak3w1QFgCAEMhum7duTAoc6y3abGp3bvearUh9eOPHuoMyIa1rw0+vmH3e9MVvBjZsp10Ms90DVE6cfGUpdOZAdnx/GcTzrdH+n+vkh3XbmayhbQK6ay59bS6UybSkaXmpqGwsgxuIMiEWJcKj60ksbbpHQ6s9NLB/7hUtkFCyZSFmygqlcHgKEEMMjX333qNx8duzyev992v3OoMyKibt2W5aPunlz59cGLEQ1r1tWfbKvkGTMY0YgPdA1zvWvgrc3FHxtraK7r6UxFpD48fX3lKIrd9V9971ftY8okFSoZXcY0EjUaE35oE28GHALAdCGAQU7+tMO6dd/ZGAdGPxiVSVAR9Y9vXFE72gZcO/Kzy5nkVnvy5GhXhuJqFi1qOJHqiSiou1BGd/fAyElz4/CygQ2PPPfiijiTevPD3ojK6/tlX3KVVddQX1tXV1O3eOGXG/s/ev7d8mM1FSpZ6yI7RDYhEjm0MXhgS8WlF6fqIQDMUAIYDFX/4OZNTy2sif6zo141k6AiGtZsWj3aaUT9Z39wqDOi+ds7VtRG98jLQ4VqFi6pP9VTpFh5UdcPHxh471axh4jqliyaExErN6++/MNTPRGXDhxtGvnVuv1nDmX69wVVznOfVnogpWQHuErNqcvNyqv6hMMJP7QxKD3fsoSpdwgAM5wqiDCotnnN09/ZvfOphWN7smE8kw/Tp95r64l4cPOGxWPaN5Q2Z+Wapsy/ek68+aOz14fXAhyQvn44N9xRtCZeTq60YHT9/L3rI+w/Wxai4ZHh/fu8Abexy1YC7Oy+WuzjgSp/E/HM0oQf2ujl6hD+9lrxC53++EfP/8P25//hR2f7I6bkIQDMcAIY5MxpXL28cdTzBrP6zn2UeWrrwVWjnnw4UHd+ydNjemkYjKRx/SsDeSl6Try7642fHj57PZ3XPU+nr59576fbf5ibbFb32OYRJivWrPjaYwOx593DYx+yzVaQH5dcwuxqPztsxCb9cXvmkbbh5d0nVlUObQwWPJy51r2nfjn8bERcPZ0Z72paO8JYaEzeIQDMbKYgQnV0n8zUjq9bt2a0IerakddO9kY0f9s7l5kwNSv+9lt3fvrzzlRERG/qUu+7l06UWrbwRcAlzRmciFj+6bLsHMieE786XJsbZulPd5/75YGuwUePUul0LBhjRGpc/lh914e90XPizR/d+fo3Vi2oqRmyi7rHVlVeL6RiCRzaGBq14muP/fbN7NlYvXbVVwaqX6avnzn0bvaN1dlXeCVxCP1n3njzw96IaPrWyBNWAWY8AQyq4trvxjr8lZm4WP/4CyYfMrEWbfzbVxYfLehVD9PQvPobGyso1JFR85W1zad+3jni02VzVq5punygqydSlw68WTilre6BR1bU/fbdD3sjetN9FZZpLLqLF56LN978sDd6Ot/d1Vn4YX3TY5vXT8zwVwKHNqZWDZ6NUz/vPDXk44ZHnsu7WFPzEABmMAEMqiB96vTAJKemUQ5/ZevOj75oB4xeTeP6F3+yPt398UeFr3hqqK+r+/MVDy9aUPxNxqUt2vj1BzrfvRTRc+JXZxaVHjdrXP/i3zeeOX32cm6n9XUP5PZY2/Thga6Irq7u9YvGPgw8Z+UL3/9y98cfnbx6qTdb9bC+7oE1X3u4cc4EJockDm0MBs9Gqjd3oesamhcNDohN9UMAmKnuuXv37mS3YQo5fvz4o48+OtmtGPTf/vW/RMRDX1xfxW1uXv/NPW/truIGZ65sVfoHN+8Z4dGs7JINa156eTTlN/rO7XntZG/UrfvOjiHjZt3vvHTwYkQsefot8xLL2fnsS4eO/qJaW/vkD0cj4q//7D9Xa4PDvf5PH0bEN5f8ZRW3uW3Dpu/v+0kVNwiT6x+2P9965HC1tvaLy/8UEa/+5WPV2uAQ/3b0+Yj4k1XPT9D2gSH+/fRPIuJP10+h//EdP348IioPEUbAYNz6ujNzuuqbG0f1d/b0lSu9ERGpttdeaiu+yOWDz16OqCQEAgAwDaiCCOOVzVF1TYtNIwQAoBwBDMYrnUpFRDQsXjTmEvYAAMwOpiDCOGXrH9aPtnxB1KzesWd18Y88AwYAMCMZAYPx6Utn6q3V16nQDADACIyAwfjcSfdGRERd7QgPgKVP7d19LBURzd/e7ZVfAACzkxEwGJd0X2YArK723kluCQAAU58ABlVRV6sCBwAAIzEFEUqZs+Ll3StGWqhMIY0xLxkRjU/t3vNUpQsDADBdGAEDAABIiAAGAACQEAEMAAAgIQIYAABAQgQwAACAhAhgAAAACRHAZqOdz7402U2AKtj57EuHjv5islsBADAK0+g9YBfefHzXueWvHHtuafGPiqxSfOlZ7tDRX2xe/83JbgWMl78jAADT0bQJYBfeLBqxIiKi549/SLAlM0Aug+15a/dktwXGIpO+DH8BANPOtAhgPRfefKZ0/Iq4/cdbYbhrdDI9V0NhTFOiFwAwTU31ANZz4f2jRw6du1VumQsd5yJi7hfuS6hNM4heLAAAJGlKB7Ce97c/c+hWRMxd/sqLLR0lRsEyExDn/sV/aki0cQBMO+mzP911IvXAlu9vaiyzVP/Vs+faf9vV05v5z7qG5kVrV31lUU0le7h++Pl3L1Ww3EhtAGCmmtIBLCJi7vLNG9Y/ubQhLnSUWOL2H29FzP2LL9x+/80fDYyVzZ27fMOLzy2VyAAYlP74lydSIy7zox+e6in4UaqnM/XzzqsPbPlbkQmAcZvSZegbntx3bN9zT5YPUpkBsFuHdu0anKl469a5Xc88/uaFCW8hANNEkWQ1qmVSlw789Ey6+u0CYJaZ8iNgI8pU4MhMU8wMevX0vH/0R4fO3Tq3a/sX3t73ZLH4dvz48VLbu3Wr7ANnk6G3d4QuA1BFCXwJ9PZU+Ze6P91f3Q3ONP/379v/z//6r33Z//wf/1/RM/b/dBzIpq+aP/s/nlj7pf8ts/J/7zj/L+eu9UekPvzw//ry4/+x7K7mPPzycw+X+vD37bv+679GRO1Xnnq41lUro+q/IxP3e52ZmdpT7QYDpfyHiJiSPfbKTfsANlCCfvkr+3IlEBsannxu3xfi8V3nbv3zv/Q8WSyBPfroo0W3dvz48blz505QU8fgd/8aEVFfbzIlJOHGHyIiJvZL4I/dEVHfUOVf6jk1c6q7wRkkff3M6bMfdhbMPPyf/9diZyx97feZAa7mr7+yccHgA19z5jzxZ//xf3njzQ97I/7f/xFz5lT0LFgR1w//IPOlvvpbj//vY93ILFHN35G+/x4T+Xv9bxcjIhqq/UsNlPLv1yMm+n/Wo3Tt2rVRLT/tA1jDk/uOPVnk50tblse50gkMgJkvf0ph/epXNscvS89CTF+92hMR0fSt/PQ1YM7KF76/cnxtufpepjhH3WObvyJ9Acxi0z6AlXTfF+ZG3Lr1x9sRAhjAbFb3wJavbWqcE+mPSy/T/7vfpiIimhsXTUQTuo/+vDMiouGRr60UvwBmtZkbwDK8HQxgFqtZ8sjXv7Fi+IjWcP2p3oiIhnvnREQ6ff2jQ2cv9WYmLtY1NK/4xqoFNWMPTtcPH+iKiKhf/Y0VZosCzHJTugpiBXre3/74448XK3iYKc7xxS8Y/gKYrWoWrKwofUWk0wNhq3bO1fd+uuuH72bTV0Skejrf3fXDsZdATJ89m3kz2ANrTD4EYLoHsIYvfDEi4lzHkATW8/6RcxGxvGXp8HUAoLjUyZ/+vLPou8JSH44xg13/KPPysfrVD3uNGADTfwri0vWb5547dOvcru2RK0N/4c0f7Tp3K2Lu5vXyFwCV6+lNRURD89dzcw7T3R9/dPLUpd6ISH14+vrKjQtGt8XubsNfAOSZ9gEsGp58cfM/P3Po1q1zu545l//B8ldeVP8QgFFqeOS5F/Oe1Kpp/MqmxoV1mTL0nd1XNy4YTZWO/jMnuyIioqnJ8BcAEdN/CmJEphL9268sH3wbwNy5y195+1hmOAwARqFpbZE6GXNWrmmKiIiuru7RbCx97XKmtscjyyekuCIA08/0GQFb+tyxY8+V/LRh6XP7lpb+GAAqUaoMfU1NQ0Spd4iVkn23WN2SRYofApAxE0bAAGB8amrqMv9Ipcda7HC47LvF6hd92eNfAAwQwAAgFjQ1R0REb7qv2Me5say6UUSp7LvF/nyh/AVAlgAGABG192bGwLp+/t71YR9mS8lHbW3lWSpb/7Cu1vxDAHIEMACIqFmx4oHMvzrf3f7Gx1ezMxHT3R8ffuPdTJQaVS2NdF9mLG1Ug2YAzHjTpwgHAEykBZu2NF060BUR0Xvq5z88NWyBIQUS+89katNH07d+sn54MOu7M/pBMwBmPiNgAJDRuP6VLU3FX2FS3/Stvy+Sskrr78vkr/qa2iq0DIAZwwgYAGTVNK5/8e8bz5w+e7kzNVB0vr7ugT9f8fCKBWMcx6qrMQAGQB4BDIBZouYrL/7kKxUstmDlxgUrN4643JyVL3x/5Rg/BWDWMgURAAAgIQIYAABAQgQwAACAhAhgAAAACRHAAAAAEiKAAQAAJEQAA5jeWo8c/oftz092K6A6/mH7861HDk92KwAmkAAGAEwJ/pQAzAZexAww7bUeObxtw6aI+P6+n0x2W2CMjH0Bs4QABjATZDKYAQSmL+kLmCUEMIAZQv8VAKY+z4ABAAAkRAADAABIiAAGAACQEAEMAAAgIQIYAABAQgQwAACAhAhgAAAACRHAAAAAEiKAAQAAJEQAAwAASIgABgAAkBABDAAAICECGAAAQEIEMAAAgIQIYAAAAAkRwAAAABIigAEAACREAAMAAEiIAAYAAJAQAQwAACAhAhgAAEBCBDAAAICECGAAAAAJEcAAAAASIoABAAAkRAADAABIiAAGAACQEAEMAAAgIQIYAABAQgQwAACAhAhgAAAACRHAAAAAEiKAAQAAJEQAAwAASIgABgAAkBABDAAAICECGAAAQEIEMAAAgIQIYAAAAAkRwAAAABIigAEAACREAAMAAEiIAAYAAJAQAQwAACAhAhgAAEBCBDAAAICECGAAAAAJEcAAAAASIoABAAAkRAADAABIiAAGAACQEAEMAAAgIQIYAABAQgQwAACAhAhgAAAACRHAAAAAEiKAAQAAJEQAAwAASIgABgAAkBABDAAAICECGAAAQEIEMAAAgIQIYAAAAAkRwAAAABIigAEAACREAAMAAEiIAAYAAJAQAQwAACAhAhgAAEBCBDAAAICECGAAAAAJEcAAAAASIoABAAAkRAADAABIiAAGAACQEAEMAAAgIQIYAABAQgQwAACAhAhgAAAACRHAAAAAEiKAAQAAJEQAAwAASIgABgAAkBABDAAAICECGAAAQEIEMAAAgIQIYAAAAAkRwAAAABLyucluwJRz69atyW7CUL29PZPdBJhFEvgS6O3xSw2Jmrjf65qIiOjxSw1J+Q8RMSV77JUTwIaaO3fuZDdh0O/+NSKivr5hshsCs8KNP0RM9JfAH7sjor7BLzUkpe+/x0T+Xv/bxYiIBr/UkJR/vx4xxXrs165dG9XypiACAAAkRAADAABIiAAGAACQEAEMAAAg5ig4eQAAIABJREFUIQIYAABAQgQwAACAhAhgAAAACRHAAAAAEiKAAQAAJEQAAwAASIgABgAAkBABDAAAICECGAAAQEIEMAAAgIQIYAAAAAkRwAAAABIigAEAACREAAMAAEiIAAYAAJAQAQwAACAhAhgAAEBCPlf1Ld68ebP0h/Pmzav6DgEAAKaHKgWwm+37fvz6jv0dIy23te1u69rq7BIAAGCaqUoAa982f93+amwIAABgBqtCALu57/WB9NWydev6BU986Uull50/f/z7AwAAmJ7GH8BunjjaEWF2IQAAwAjGXwXxxvWOiGjZ+3fSFwAAQDnVKkPf+CXlDQEAAMoafwCbv6AlIrp/X6b4PAAAANUIYPMeWd8S0XH0hAQGAABQThWmIM7b/s7elujY8dS2dhkMAACgpCpUQdy37cfXG1uio2P/uvn7o6Vla2NjyYUX/F3rdg+LAQAAs9P4A9iN6/v3572FuaNjf0dHyYW3PtEaAhgAADA7VasKIgAAACMY/wjY2ta7d1ur0BIAAIAZzggYAABAQgQwAACAhIx/CuIQN2+WqkV/48SPX48nzm9fW+1dAgAATAtVCmA32/f9+PUd+0uXPxyw9Ynq7A8AAGD6qUoAa982f93+kReLaFlQjd0BAABMS1UIYDf3vZ5NX5m3MHd37+/oKPh3RLRsbXunda13gAEAALPX+Itw3DxxNJOw9t64e/58a2tr6zvrWyKio/GJ1tbW8+fv3r2xtyWiY//rJ0o9HQYAADAbjD+A3bjeEREte9/Znh3emvfI+paI6P79QOCat/1829aIjh0/bh/33gAAAKatapWhb/xS3uzCeV9qjIiO6zdyP1n7xNaI2P+BBAYAAMxeE/kesNwQWGQTWP5PAAAAZpnxB7D5CwrmG+b9LH8ILGP4TwAAAGaN8QewgfmGR/NLbGR+lp/Kbv6+e9x7AgAAmNaqMAVx7d/tbYno2DF/2bZ97QOJa2AILJfK2n+8oyMiWhbMH//+AAAApqdqPAM2b/urWyMiOvbvWDd/W3vejzp2zL/nnmXL7rkn857mlvWPeBEYAAAwa1WnCMfa1rs39m5tKfjR37Vtzfwr8yLmwkr1AAAAs0/VqiDO2956/u7dG21/l51kOG9t640bbVtbWlpaWlq27m27cV78AgAAZrXPVXdz89bmh6x589a2nl9b3T0AAABMVxP0HrCbN73wCwAAoFA1A9jN9n3bli2755577rln/vyBahzt2+7JK44IAAAwi1UrgN1s37Zs/rod+7MVN/J07N+xbv6yTB4DAACYvaoTwNq3zV+3vyMiomXr1oJyiPMXtLRERHTsX7dsn3EwAABgNqtGAGvflnnN19a2G3fPt7Zuf6Jx8LN528+fv9G2tSUiOnb82CgYAAAwi1UhgLV/sD8iWvbeaF1bvM78vLWt7+xtiYj9H0hgAADA7DX+AHbz990R0bL+kXJv+Zr3yHoJDAAAmOXGH8BuXO+IiMYvlX/L8rwvNZb9HAAAYMaboPeAAQAAMNT4A9j8BZVMLhx4UGzB/HHvDwDg/2/v/l0bO/cHj38Mge1vcYs4hhFIUwzDdouJzBQq5YRhCjNFFpxOxiyL7GLSOOW4ycDaYgsjwRYxbIrBRTATu9hC7A5WMBe2uEyGS6SLBhwFvn/Al8tW3kLyb9mWbfnxr9eruRnp+OgU95H01nPOcwDuqKsH2CCXd7Uqr2sR55+oCAAAcI8N4RTEvQKbnJjZ7HOnr9bmzERurhER+eVXxau/HAAAwB01jGvAsuXuKvON2mRuZGRi4vWHiIgPr2dmJiZGRvZv0bz8Y9n8FwAA8IB9NpS9ZMtbzZj5dq7WiGg0GhER0Wh0wysiIvLLzS35BQAAPGxDWwUxW65uNZsby6V8Pn/waD6fLy1vNHfVFwAAwHBmwHqy2WK5WiwPc5cAAAD3hvuAAQAAJCLAAAAAErnoKYitzZk3P1/+5Z68qroaDAAAeKAufA3Y7x9qh1Y3vKjSi2oIMAAA4GG6aIBlHz+N6AbYkeUOAQAAOMeFZ8ByT/K9Ams0orT8/auvillzWgAAAOe78CIc2fJWs7lRyucjolGbm8zlRkZGJmYqm63WNRweAADA/XGZVRCz2WJ1a2t3d7e5sVzKRxyU2MTETGVTiAEAAPRzpWXos8VydT/E8hHRaNTmJnMjSgwAAOCkodwHLFssV7e2dnebB1NiSgwAAOCYod6IOXtiSuxQic1UlBgAAPCgDTXA9p2cEotGbW5uMjezeS2vBwAAcAdcT4DtyUbEk6duFwYAABCXuA/YQFqtzV/evJ6rNY48ms+XXuSu5fUAAADugOEGWGuz8ub121rjSHjl86WX378qF92uGQAAeNiGEmB9J7x0FwAAwBFXCrB+E166CwAAoL/LBFi/CS/dBQAAcI4LB1irMpGb208v3QUAADCoCwdY8+NefeVLpacR8fHnNzM/D/rXT15Vy2INAAB4mC4aYK3fP+z9Z6N2bJn5AZReVEOAAQAAD9NFb8R8MAEGAADAhVx0BqxY3d2tXsuRAAAA3HMXnQEDAADgkgQYAABAIgIMAAAgEQEGAACQiAADAABIRIABAAAkIsAAAAASEWAAAACJCDAAAIBErinAWq3W9ewYAADgzhpmgLU2KzMTEyMjIyMjuVxuZjMiYnNmZGKmsinHAAAAhhVgrc2ZidzkXK3ROPFUozY3mZvo9hgAAMDDNZwA25zJTdYaERH5Umm5lD94Jvckn4+IaNQmJyrmwQAAgIdsGAG2OTNZi4gobTR3t6rV8ounB89ly1tbzY1SPiIac2/MggEAAA/YEAJs8+daROSXm9Vitu8G2WL1x+V8RNR+VmAAAMDDdfUAa/3+ISLyL7/qX19d2a9eKjAAAOCBu3qANT82IuLp47P6KyL7+OmZzwMAANx7bsQMAACQyNUDLPdkkJMLexeKPcld+fUAAADuqKsH2CCXd7Uqr2sR55+oeKbtpefPny9tn/JsZ22pXH7eU15a2+5c/pUAAACuwxBOQdwrsMmJmc0+d/pqbc5M5OYaEZFfflW89KtsLy3Wz3jy+exqvd3e+3e7vro4e2qrAQAA3IhhXAOWLXdXmW/UJnMjIxMTrz9ERHx4PTMzMTEysn+L5uUfy5ec/+psLz0/M78W6xGRmV5YWV9fX19fWZjORER9sbxmGgwAALg9hrMIR7a81Vwu5SMiotFoNLr/W6t1/ysi8svNrUvlV2d7bak8e0Z9RWftp3pEFBYqU+OjERExOj5VWShERPv9rwoMAAC4NYa2CmK2XN1qNjeWS/l8/uDRfD5fWt5o7l6yvtbKs4ur9XZkCgsrC4X+2/z6vh0Rhfz4kYfHX05nFBgAAHCrfDbMnWWzxXK1WB7mLiNTmP7m5dT4aGw3+j7/x06//ooYHXsU0W7v/BExOtQDAgAAuKShBtiwjU5V1qfO3qSz8ykiMmNfnHjmi7FMRPvTTifGFRgAAHAbXD3ANmdGJj+Ulr9/VS5eYY35xN69e3faU+2DxRRviz//dCIlpJPgTeDPjkENSV3fuP5rRER0DGpI5S8RcSu/sQ9uODNgjdrcZG0uIn/rQuyUcxC//vrrvpu/e/cuk8lc90EN7u//iIj4/HNzeJBC81NExPW+Cex8iIjPRw1qSOXf/hnXOa7//W8REaMGNaTyr48R1/1hfUG//fbbhba/+iIcuRel/WU3GrW57kr0M5V+twS7Af1OTgQAALgRVw+wbLG6tbW7210AsftQ4/aFGAAAwI0b3jL0xXI3xJob/UJss3U9ITY69ih6Jxoe010e8dGYcwIAAIBbYmgBtie7NyPW3Ni7NXM0GrXJXG5kZGKiMvQM+2IsExGfdo5f/Hr68ogAAAA3Y+gBtiebLZarW7u9cxO7jzUaH5vDfp3RL59lItqrb7ePPLz9drUdkXn2pQkwAADgtri2AIuIaG1WZia+nZyr9b+H8nB0Cyzqi+Wl7e40WGd7rbxYD/0FAADcLtdxI+ZWa/OXN6+PZlc+X/r+x1fF7DWsUD869d3CzuxivV1fnK0ferywUJnSXwAAwO0xzBmw1mZlZmJiZCSXO5j0yudLyxvN3d2treq11FdERIyOz68sTBcO7gaQKUyvrM+PX9PLAQAAXMowZsBam5XjE17XcE/m8fn19flTnx0dn5ofnzr9eQAAgBt39QDbnMlN1g7+OfTwAgAAuCeGdg1YvrT8/auvru80QwAAgLvu6gGWe7HRvJ7VNQAAAO6VqwdYtlgcwnEAAADcexcNsFZl5s3HiIgnr6rl7JFHBrH/VwAAAA/ORQOs+bFWq0VElF5UI3vkkUHs/xUAAMCDM8z7gAEAAHCGi86AFau7u9VzHgEAAKAPM2AAAACJXD3AWpWZmZmZSuv8rSYmJs7bDAAA4P66eoA1P9ZqtdrH5tlbZR9HrdFonLcZAADA/ZXqFMTW7x8SvRIAAMAtdYkbMW/OjEyeWHe+NjkywFr0+Se5i78eAADA/XCJGbBidaN0uRcrfe8uzAAAwMN1iRmwiOKrjVL83PvHhw+1RiPy+dLTp2f8yZMnL776qii/AACAB+xSARbZYrVa7P335kxtshFPvz94BAAAgD4uF2CH5Z6USqVwcRcAAMA5rh5g2XK1OoQDAQAAuO8uGmCtysybjxERT15Vuytq7D8yiP2/AgAAeHAuGmDNj7VaLSKi9KIa2SOPDGL/rwAAAB6cVDdiBgAAePAuOgNWrO7uVs95BAAAgD7MgAEAACQiwAAAABK5+jL0x7VardOfzGYtwQEAADxUQwqw1mblzeu5WuO87Uobu9XicF4SAADgjhlKgG3O5CYHXokeAADggRpCgLUqr3v1lS+VXj558fjx6dvmcld/PQAAgLvp6gHW+uVtI8LZhQAAAOe4+iqIzY+NiMgvv1JfAAAAZxnWMvRPH1veEAAA4ExXD7Dck3xEfPj9jMXnAQAAGEaAZb96mY9ovP1FgQEAAJxlCKcgZss/LuejMfftzKYGAwAAONUQVkGszLz5+DQfjUZtMleLfL709OmpGz95VS27WAwAAHiYrh5gzY+12qG7MDcatUbj1I1LL6ohwAAAgIdpWKsgAgAAcI6rz4AVq7u71SEcCQAAwD1nBgwAACARAQYAAJDI1U9BjGi1Blx+Ppu1AAcAAPBwXT3ANmdyk7XzNzskny+9/P5VuajGAACAB+UmTkFsNGpzk7mRiYr7NgMAAA/J1QMs92pjY2M5v/fPfKm0vLFnuVTK7z++vLGxsbG8XCrlu4815nIzm1d+eQAAgLvi6qcgZrPF5pvJRkTkl5tb5SPnFRaLxXK12tqcyU3WanM/v9itlovFKEfvoai9rrwqlp2KCAAAPAhDOAVxc2ay1q++9mWL1eZyPqI2uT/jlS1WN0oR0Xj7i/MQAQCAB+LqAdb6/UNE5F9+ddZEVvarl/mI+PD7QW7lnuQjovGxeeUjAAAAuBOuHmDNj42IePr47BMJs4+fxtHc6j4CAADwYAxrFcTDc1v9dOfJAAAAHrCrB1jxRSkiGnNvzlrRcPPNXCMiSi+KBw/9XIuI/JPclY8AAADgThjCDFi3wKI2OTGz2W8arLU5M9G9VfN+f+0/dM6lYwAAAPfI1ZehjyhWN0q1yVo0apO5WuTzpad7V3d9+PCh0Wj0/lHaqBYjYnNmpJtjob8AAIAHZRgBFlGsNjfi28laIyIajdp+c+3LL2/8WC4ee6y0cdrC9QAAAPfQsBbhyBarW7vN5sZyKZ/PHzycz5eWN5rN3a1ycS+1ck9KpeXljebuVrXYd1cAAAD303BmwHqy2WK5Wiyfs1G5Wh3miwIAANwRw5oBAwAA4BxDDbBWa7MyMzExMdIzMTExMVPZbJ19izAAAICHYWinILYqE7m5Y4tvNBqNaDQma3ORX25acAMAAHjghhNgR+orn88/7S5Ef7AKfWMuNxEaDAAAeNCGEWCtyrfd+uouNn8sslqblW8n5xrRmPu28pUEAwAAHq4hXAO2+WauEdE9y/B4fUVEtljeai7nI6Ix92bz6i8HAABwR109wFq/f4iI/PKPZ0xuZcs/Lucj4sPv1uMAAAAerKsHWPNjIyKePj773MLs46cR0fjYvPLrAQAA3FHuAwYAAJDI1QMs9yQfEbWfz768a/PnWkTkn+Su/HoAAAB31NUDrHtyYdReV06/vqtVeV2LOP9ERQAAgHtsCKcgFl/11jjMTcxsto5XWKu1OdO7SVh++VXx6i8HAABwRw3jPmDZ8o/Lb3NzjWjUJnO1iMjn891nerdhjojz1kkEAAC494YRYBHZ8lbz8cy3k7Vubx3uroiIyJc2fqz2uUcYAADAAzKcAIuIbLG6tfuqtfnLm5/ffviw9+jTpy9fvPqqmNVeAAAAQwuwiIjIZovlarE81H0CAADcE+4DBgAAkMiVA6zVOrHwYffxysTETOXkqogAAAAP1RUCrLU5MzEykst9+0ufyGr98rbRqM1N5nIjEzObKgwAAOCyAdbanJnI9RY9bHxsntzg0EON2mRu4oy7NAMAADwMlwqwzZm9+IrIlzZe5U5uUixv7e42N0p7NwSby81sXvYYAQAA7oVLBNjmzGSt+1/55ebuVvX0ReazxepWc7nXYLVJCQYAADxoFw6wVuX1fn79WD7//l7Z8o/7CfbaiYgAAMADdtEAa/3ytnfuYen7AfIrIiJb/r7U/a/G237rdQAAADwMFw2w5se9a7+e9Lny6xS5J3uXgvVbrwMAAOBhuPQy9E8fDzb/FRGRffz0si8DAABwb1z5RswAAAAM5qIBtn824YffB7+cq/X7h+5/XOS8RQAAgHvmogG2fzbhBRbUOFi44yLnLQIAANwzFz4FsfjioksaHvSXCTAAAOAhu/g1YAcFNvftAPf12pzJzV104XoAAID76BKLcBSrG/sJlpuY2Tw1wlqblZmJyd5tmyO//Kp4iQMEAAC4Lz67zB8Vq83lD92JrUZtMleLyJeWX754/Hhvg99//vltrdY49CeljS3TXwAAwMN2qQCLyJa3mjHz7dxeZDVqc43aKdvmS8s/VtUXAADw4F3+PmDZcnWrubFcyp++ST5f2mg2t9QXAABAXHoGrCdbLFeL5Wq0WpvN5u+///zxY0Q8efLi8eNcrpiVXQAAAIdcLcD2ZLPFbLZYtMgGAADA6S5/CiIAAAAXIsAAAAASEWAAAACJCDAAAIBEBBgAAEAiAgwAACARAQYAAJCIAAMAAEhEgAEAACQiwAAAABIRYAAAAIkIMAAAgEQEGAAAQCICDAAAIBEBBgAAkIgAAwAASOSzmz6AW6fdbt/0IRz355+dmz4EeEASvAn82TGoIanrG9d/jYiIjkENqfwlIm7lN/bBCbDjMpnMTR/Cgb//IyLi889Hb/pA4EFofoq47jeBnQ8R8fmoQQ2p/Ns/4zrH9b//LSJi1KCGVP71MeKWfWP/7bffLrS9UxABAAASEWAAAACJCDAAAIBEBBgAAEAiAgwAACARAQYAAJCIAAMAAEhEgAEAACQiwAAAABIRYAAAAIkIMAAAgEQEGAAAQCICDAAAIBEBBgAAkIgAAwAASESAAQAAJCLAAAAAEhFgAAAAiQgwAACARAQYAABAIgIMAAAgEQEGAACQiAADAABIRIABAAAkIsAAAAASEWAAAACJCDAAAIBEBBgAAEAiAgwAACARAQYAAJCIAAMAAEhEgAEAACQiwAAAABIRYAAAAIkIMAAAgEQEGAAAQCICDAAAIBEBBgAAkIgAAwAASESAAQAAJCLAAAAAEhFgAAAAiQgwAACARAQYAABAIgIMAAAgEQEGAACQiAADAABIRIABAAAkIsAAAAASEWAAAACJCDAAAIBEBBgAAEAiAgwAACARAQYAAJCIAAMAAEhEgAEAACQiwAAAABIRYAAAAIkIMAAAgEQEGAAAQCICDAAAIBEBBgAAkIgAAwAASESAAQAAJCLAAAAAEhFgAAAAiQgwAACARAQYAABAIgIMAAAgEQEGAACQiAADAABIRIABAAAkIsAAAAASEWAAAACJCDAAAIBEBBgAAEAiAgwAACARAQYAAJCIAAMAAEhEgAEAACQiwAAAABIRYAAAAIkIMAAAgEQEGAAAQCICDAAAIBEBBgAAkIgAAwAASESAAQAAJCLAAAAAEhFgAAAAiQgwAACARAQYAABAIgIMAAAgEQEGAACQiAADAABIRIABAAAkIsAAAAASEWAAAACJCDAAAIBEBBgAAEAiAgwAACARAQYAAJCIAAMAAEhEgAEAACQiwAAAABIRYAAAAIkIMAAAgEQEGAAAQCICDAAAIJHPbvoAhmJ76flivc/jhYX1+fHkRwMAANDXvZgB6+x8uulDAAAAONe9mAH7Y6cdprsAAIDb7j7MgG036hGRGfvipg8EAADgLPcgwLonIGaefTl600cCAABwlntwCuIfO+2IzLOxP9aWflittyMiMpnCN9/NjysyAADgNrn7M2DdCbD26uJir74iot2uL84+X9q+wcMCAAA47u7PgHVX4IjIFBZ6k16dztrbH1br7fpieWylMtVvHuzdu3en7a/dbp/21E3588/OTR8CPCAJ3gT+7BjUkNT1jeu/RkREx6CGVP4SEbfyG/vg7nyA9ZagLyxU9pdAHB2dmq+MxfPFevv9r52pfgX29ddf993bu3fvMpnMNR3qJfz9HxERn3/uZEpIofkpIuJ63wR2PkTE56MGNaTyb/+M6xzX//63iIhRgxpS+dfHiOv+sL6g33777ULb3/lTEEenKuvr6ycXoB/PFyKi/f5XP0kBAAC3xJ0PsFN9MZaJiPbOHzd9IAAAAF33N8C63B0MAAC4Ne56gHXWys+fP++34GF3cY5HY07KBgAAbom7HmCjY48iIuqNYwXWWfupHhGF/PFrwwAAAG7KXQ+wGH85nYmI+mJ5abu33kZne6k8u9qOyEy/1F8AAMCtceeXoY/Rqe+m38+uttv1xdn64ScKC9/1vQcYAADAzbjzM2DRXYl+ZaFwcDeATKawsLLevSszAADAbXH3Z8C6RsfnK+PzN30UAAAAZ7gPM2AAAAB3ggADAABIRIABAAAkIsAAAAASEWAAAACJCDAAAIBEBBgAAEAiAgwAACARAQYAAJCIAAMAAEhEgAEAACQiwAAAABIRYAAAAIkIMAAAgEQEGAAAQCICDAAAIBEBBgAAkIgAAwAASESAAQAAJCLAAAAAEhFgAAAAiQgwAACARAQYAABAIgIMAAAgEQEGAACQiAADAABIRIABAAAkIsAAAAASEWAAAACJCDAAAIBEBBgAAEAiAgwAACARAQYAAJCIAAMAAEhEgAEAACQiwAAAABIRYAAAAIkIMAAAgEQEGAAAQCICDAAAIBEBBgAAkIgAAwAASESAAQAAJCLAAAAAEhFgAAAAiQgwAACARAQYAABAIgIMAAAgEQEGAACQiAADAABIRIABAAAkIsAAAAASEWAAAACJCDAAAIBEBBgAAEAiAgwAACARAQYAAJCIAAMAAEhEgAEAACQiwAAAABIRYAAAAIkIMAAAgEQEGAAAQCICDAAAIBEBBgAAkIgAAwAASESAAQAAJCLAAAAAEhFgAAAAiQgwAACARAQYAABAIgIMAAAgEQEGAACQiAADAABIRIABAAAkIsAAAAASEWAAAACJCDAAAIBEBBgAAEAiAgwAACARAQYAAJCIAAMAAEhEgAEAACQiwAAAABIRYAAAAIkIMAAAgEQEGAAAQCICDAAAIBEBBgAAkIgAAwAASESAAQAAJCLAAAAAEhFgAAAAiQgwAACARAQYAABAIgIMAAAgEQEGAACQiAADAABIRIABAAAkIsAAAAASEWAAAACJCDAAAIBEBBgAAEAiAgwAACARAQYAAJCIAAMAAEhEgAEAACQiwAAAABL57KYP4NZpt9s3fQjH/fln56YPAR6QBG8Cf3YMakjq+sb1XyMiomNQQyp/iYhb+Y19cALsuEwmc9OHcODv/4iI+Pzz0Zs+EHgQmp8irvtNYOdDRHw+alBDKv/2z7jOcf3vf4uIGDWoIZV/fYy4Zd/Yf/vttwtt7xREAACARAQYAABAIgIMAAAgEQEGAACQiAADAABIRIABAAAkIsAAAAASEWAAAACJCDAAAIBEBBgAAEAiAgwAACARAQYAAJCIAAMAAEhEgAEAACQiwAAAABIRYAAAAIkIMAAAgEQEGAAAQCICDAAAIBEBBgAAkIgAAwAASESAAQAAJCLAAAAAEhFgAAAAiQgwAACARAQYAABAIgIMAAAgEQEGAACQiAADAABIRIABAAAkIsAAAAASEWAAAACJCDAAAIBEBBgAAEAiAgwAACARAQYAAJCIAAMAAEhEgAEAACQiwAAAABIRYAAAAIkIMAAAgEQEGAAAQCICDAAAIBEBBgAAkIgAAwAASESAAQAAJCLAAAAAEhFgAAAAiQgwAACARAQYAABAIgIMAAAgEQEGAACQiAADAABIRIABAAAkIsAAAAASEWAAAACJCDAAAIBEBBgAAEAiAgwAACARAQYAAJCIAAMAAEhEgAEAACQiwAAAABIRYAAAAIkIMAAAgEQEGAAAQCICDAAAIBEBBgAAkIgAAwAASESAAQAAJCLAAAAAEhFgAAAAiQgwAACARAQYAABAIgIMAAAgEQEGAACQiAADAABIRIABAAAkIsAAAAASEWAAAACJCDAAAIBEBBgAAEAiAgwAACARAQYAAJCIAAMAAEhEgAEAACQiwAAAABIRYAAAAIkIMAAAgEQEGAAAQCICDAAAIBEBBgAAkIgAAwAASESAAQAAJCLAAAAAEhFgAAAAiQgwAACARAQYAABAIgIMAAAgEQEGAACQiAADAABIRIABAAAkIsAAAAASEWAAAACJCDAAAIBEBBgAAEAiAgwAACARAQYAAJCIAAMAAEhEgAEAACTy2U0fwLB01pZybyNVAAAM4UlEQVR+eF9vtyMiIlOY/ubl1PjoDR8TAADAYfdjBmx76fns6l59RUS7vro4u7R9k4cEAABw3H0IsO2lxXpEZKYXVtbX19fXVxamMxFRXyyvdW762AAAAPbd/QDrrP1Uj4jCQmXvnMPR8anKQiEi2u9/VWAAAMCtcecDrPPr+3ZEFPLjRx4efzmdUWAAAMCtcucD7I+dfv0VMTr2KCLaO3+kPyQAAIC+7voqiJ2dTxGRGfvixDNfjGUi2p92OnHnV0P835/e3vQhAMP0P/7v/7npQwCG6V//67/d9CEAd8ZdD7BLevfu3WlPtQ8WU7x5//E/TP79/23c9FHAw3KtbwL/eezp/9z5cH37B/q6xnH9n/7rX//2369r58ApbtU39ou67wHW3vkj4uQM2Ndff91383fv3mUymes+qAvJxH+56UMAhun7W/YmA1xVxvQXpHarPkp/++23C21/568BO0e/kxMBAABuxH0PMAAAgFvjrgfY6YsddpdHfDR211fgAAAA7o27HmDdxQ7j087x+32dvjwiAADAzbjzATb65bNMRHv17faRh7ffrrYjMs++NAEGAADcFnc+wHoFFvXF8tJ2dxqss71WXqyH/gIAAG6Xe7AM/ejUdws7s4v1dn1xtn7o8cJCZUp/AQAAt8fdnwGLiNHx+ZWF6cLB/QAyhemV9fnxGzwkAACAE+7BDFhERIyOT82PT83f9GEAAACc7l7MgAEAANwFAgwAACARAQYAAJCIAAMAAEhEgAEAACQiwAAAABIRYAAAAIkIMAAAgEQEGAAAQCICDAAAIBEBBgAAkIgAAwAASESAAQAAJCLAAAAAEhFgAAAAiQgwAACARAQYAABAIgIMAAAgEQEGAACQiAADAABIRIABAAAkIsAAAAASEWAAAACJCDAAAIBEBBgAAEAiAgwAACARAQYAAJCIAAMAAEhEgAEAACQiwAAAABIRYAAAAIkIMAAAgEQEGAAAQCICDAAAIBEBBgAAkMhnN30At867d+9u+hAAAID7yQwYAABAIiO7u7s3fQwAAAAPghkwAACARAQYAABAIgIMAAAgEQEGAACQiAADAABIRIABAAAkIsAAAAASEWAAAACJCDAAAIBEBBgAAEAiAgwAACARAQYAAJCIAAMAAEjks5s+ALiC7aXnP33KPHr0bCz/5dT4aP+NOttrvzZ23n+qP/pmfX58qK/fWSvPrrYz0yuVqVNeHLiaTmf717c/va+3270HMpnCs29e9hnw543H7aXni/UoLFzkfaD7N8Y43AbdMX7uZgMP2Mu8J8BQCDDuuHa73W63o74zdso76PbbxdV6REQ8SnlcwJX1/brVbtfbi/XVTGH6u3lVBMDdI8C4+zKZTLtdb2zPj/cpsO1GvbvB+T+aAbfI9lJ5sd6OiExh+puXX46PdmOrOyO2Wm/XV2c/hZkpeDhGpyrrU4cfMIXFXeUaMO6BR48yEfXGdp+nthv1yDx79ij1IQFXsr20WG9HZKZX1ivzU3v1FRGjo+NT85WVhUImor06u9Rv3APALWYGjHtgLP8sU+87B7bdqEdm+suxndWjD/e7rqN3ttPhn9I620s//LR/7Ukmk3n0zXfzp11rdmQvR/fd2V57+9NqfW8/hel+V7B0tpd+6P7gH5nCwnfzX/za74KWzvbaoethMplC/yMacDO4nTprP9UjorBw2gTX6Pj8d9OfZlfb9Z/WXo6fOgvWdzwefv7IQDnj+rKIztrSD6t7A7Tf2Y/nDfOD3+q/2N/VwZ4Odp/JTH/z3bFDuMBxAhEx+Af9YYN96BuPXJ0ZMO6DL7581ncObLtRj3g0drk3xc5aeXaxfujUxXa7XV+cfX7GL+573/aOfG3cXirPLu5/LYuIdn11cbZ8dDe9F9vfYnG2/Han/yGtHjqmdrt+YlcDbwa3VefX9+2IzPTLs04rGp36phAR7fe/dk7ZS7/xeMje0Dx0enK7XV9d7DOrtvO2PLt6aICuzpbXjrzqQMO8u6u1Q7vq7Wl76fmhx9qriz8c3vsFjhO4tME+9I1HhkKAcS+M9i2w7UY9opC/1KnhnbUfVtsRmemFlfWelYXpTETUf1rr/31ve2l2tR1RWKgc/LLWWetexpIpTK+s7O2mkIlo1xcPvsH1Xmz/1VYWCpl2/dCXucP7zxT2D6l7RO364uE3/gE3g1ur21/n/3Yynj+jwPqNx6PP985xPBji6ysLhYg+Y7xdr7cPj86IaK++3R9Ogw3zrvrqahT29jTd3dPsYj1z/LH9vV/kOIHLGuxD33hkSAQY90OfAuuexHTJ/oo/dtoRkXn25cFJBaPjU5X19fX1vr+md9bKi/WIzPTK4W97vS+ShYXK/NTeRSyj4/OVhUIc+o51sFXvFIbR8fnvpjPHX2DvnKyD8yFGx6cqK9OZw2/8A24Gt1hv9I19cd6GX4xlIqK988fxJ/qPx8O2G/WIyEwfOdlvdPzldN89ZqZXDo3ObwoREZ929gbdQMP8YFd7pzSNjn/5LHPisamje7/YcQKXNNCHvvHIsAgw7onRsUdxpMC6X4ou21973+xWf1ja7pwfLd0f209caLL3xezEQXR/ue99x+p7ulXv9Kpju+pzTlY3PfcmAQbcDG6/y548fOp4PGJ8/tAXq06ns729tra0dNpNho4ey9HuG2yY78k8+/LQF7exRyceu9JxApc00Ie+8ciwWISD+2I8X4h6fX8ljiv2V4x++Syz2m5Hu744W4+IyBSmn/W/3XN7dXax/05O/yG/e7TtnT8iRrtbnfi2+cVYJuLYm3p7dfb50fVE9p/Z+SNi9GKbwW32aacTl7iq/fTxeMKhhW/OduZk3GDDfMBD6mvg4wQua+APfeORYTADxr3R/bm5Nwd21f6KGJ2qrCwUMvsnArbrq6uLs8+fl5e2T/44lil018T+od8pfpf/If+Q7pe8YW0Gt9mpZxYed0r7nDke9xxZ+CaTyRQK09MLKyvHz/0d1KDD/MJvB0M+TqC/gT70jUeGxAwY98ehObAvrtxfEd3LOMbnIzrba7823vfWnG3XF38YO3pqU2GhMj/eGfs0u9pefbs9dfyik8F+yB9oq7NPqrroZnA79X6KPndM9K7HOHYC3znjsWtv4ZvCwsqRRaY7JxcfHcwl5+vOM/TjBE513oe+8cjQmAHjHtmfA7v6/NcRo+NTU/OVysEKZUevpOr+/t67aOvIUoOn/5Df++Y49sX+ViccncwacE5g4KkDuMV6lyweX7/iqN6CM8f76/TxeFhv7mz65bFousQc8mDD/JKGeJzAgE770DceGRoBxn3S/Sb0qfH2nP7q942pdyX93r/Wys+fPz9+z6+DVcv6GZ9fKMSRpQa7XyNPu0HZ3tlI/b9s9jbZf+nerk6uY7i99Pz58+e9xa4H3Axut/1+6nvKb3Qvw+j+FP3NKZO9J8fjAPaG3dGFM8451oGG+XBd5jjhYTn/g/6wy3zo7zEeuTgBxn3SS5l6/Zz5r97aY/XF3pe7zvbasVWM9r5TLZbXDr7/dbZ7px+c9o2quxbtoUtPDnaztNZbV6nTWVsqL3ZXsu2tVXjoxXrbbPc2OXxEvbvOrs4eOqT9Dfe/hQ64Gdxy4/MrvdvXzZaX1g4tS9bpbK8t9S7DyBQWTltmPvqMx0P2Vjx7e2iUrJWfHx92AxlsmF/OMI8THpTzP+iPbD3Ih77xyNC4Box7ZW8Zo/NO+xl/OZ2pr7Zjb7WjiCgsLMTiwdvo6NR30+9nV9vt1cXZowsKnvWdb++v9i89GZ2qLOyUF+vt+upsffXoXg4u0zp4sYPVCzOFQhy9F/P4/ELh02L95CEdPaIBN4NbbnSqshJLP6zW2/XVxfqJZT0zhenv5s/+QeHEeDz81DeF1cX64beAiIjM9MKz94ur7YutXDjYML+UoR4nPCjnf9AfNsiHvvHI0JgB437p/Yh15o11Irrf7aYLe2cWZAoLJ+/XOjpVWVmYPrQkUmQyhemFlcqZFXPy0pPx+e5+DnbTZy+95ZcOHU8lf3wN+oNd7e+r/xENuBncdqNT85WVY8Ow93/n9co59dXbwamXgo3PHxmXmUxhYWW9MjXe/dX8oucSDTTML2W4xwkPyAAf9Mc3P+9D33hkSEZ2d3dv+hiAPraXni/Wo7CwrpsAAO4NM2Bw0/pf+zuEBdQAALhtBBjctONXCkdEZ3tpsd8K2wAA3G1OQYSb19lemu1zWbD7KQMA3DcCDG6Fzvba25/e19vdhTcymcKzb15OjasvAID7RYABAAAk4howAACARAQYAABAIgIMAAAgEQEGAACQiAADAABIRIABAAAkIsAAAAASEWAAAACJCDAAAIBEBBgAAEAiAgwAACARAQYAAJCIAAMAAEhEgAEAACQiwAAAABL5/4oUFU6xVhj+AAAAAElFTkSuQmCC"/>
-          <p:cNvSpPr>
-            <a:spLocks noGrp="1" noChangeAspect="1" noChangeArrowheads="1"/>
-          </p:cNvSpPr>
-          <p:nvPr>
-            <p:ph idx="1"/>
-          </p:nvPr>
-        </p:nvSpPr>
-        <p:spPr bwMode="auto">
-          <a:xfrm>
-            <a:off x="135082" y="1215736"/>
-            <a:ext cx="6206578" cy="4961227"/>
-          </a:xfrm>
-          <a:prstGeom prst="rect">
-            <a:avLst/>
-          </a:prstGeom>
-          <a:noFill/>
-          <a:extLst>
-            <a:ext uri="{909E8E84-426E-40DD-AFC4-6F175D3DCCD1}">
-              <a14:hiddenFill xmlns:a14="http://schemas.microsoft.com/office/drawing/2010/main">
-                <a:solidFill>
-                  <a:srgbClr val="FFFFFF"/>
-                </a:solidFill>
-              </a14:hiddenFill>
-            </a:ext>
-          </a:extLst>
-        </p:spPr>
-        <p:txBody>
-          <a:bodyPr vert="horz" wrap="square" lIns="91440" tIns="45720" rIns="91440" bIns="45720" numCol="1" anchor="t" anchorCtr="0" compatLnSpc="1">
-            <a:prstTxWarp prst="textNoShape">
-              <a:avLst/>
-            </a:prstTxWarp>
-            <a:normAutofit lnSpcReduction="10000"/>
-          </a:bodyPr>
-          <a:lstStyle/>
-          <a:p>
-            <a:r>
-              <a:rPr lang="en-US" dirty="0" smtClean="0"/>
-              <a:t>We want to study cognitive decline among seniors in </a:t>
-            </a:r>
-            <a:r>
-              <a:rPr lang="en-US" dirty="0" smtClean="0"/>
-              <a:t>Oklahoma</a:t>
-            </a:r>
-          </a:p>
-          <a:p>
-            <a:endParaRPr lang="en-US" dirty="0" smtClean="0"/>
-          </a:p>
-          <a:p>
-            <a:r>
-              <a:rPr lang="en-US" dirty="0" smtClean="0"/>
-              <a:t>Objective: monitoring </a:t>
-            </a:r>
-            <a:r>
-              <a:rPr lang="en-US" dirty="0"/>
-              <a:t>cognitive trajectories over time </a:t>
-            </a:r>
-            <a:endParaRPr lang="en-US" dirty="0" smtClean="0"/>
-          </a:p>
-          <a:p>
-            <a:endParaRPr lang="en-US" dirty="0" smtClean="0"/>
-          </a:p>
-          <a:p>
-            <a:r>
-              <a:rPr lang="en-US" dirty="0" smtClean="0"/>
-              <a:t>Recruited 200 seniors from three </a:t>
-            </a:r>
-            <a:r>
-              <a:rPr lang="en-US" dirty="0" smtClean="0"/>
-              <a:t>programs/counties</a:t>
-            </a:r>
-          </a:p>
-          <a:p>
-            <a:endParaRPr lang="en-US" dirty="0" smtClean="0"/>
-          </a:p>
-          <a:p>
-            <a:r>
-              <a:rPr lang="en-US" dirty="0" smtClean="0"/>
-              <a:t>Dashboard is </a:t>
-            </a:r>
-            <a:r>
-              <a:rPr lang="en-US" dirty="0" smtClean="0"/>
-              <a:t>tailored </a:t>
-            </a:r>
-            <a:r>
-              <a:rPr lang="en-US" dirty="0" smtClean="0"/>
-              <a:t>to providers in Tulsa </a:t>
-            </a:r>
-            <a:endParaRPr lang="en-US" dirty="0"/>
-          </a:p>
-        </p:txBody>
-      </p:sp>
       <p:pic>
         <p:nvPicPr>
-          <p:cNvPr id="10" name="Picture 9"/>
+          <p:cNvPr id="5" name="Picture 4"/>
           <p:cNvPicPr>
             <a:picLocks noChangeAspect="1"/>
           </p:cNvPicPr>
@@ -5341,8 +5570,8 @@
         </p:blipFill>
         <p:spPr>
           <a:xfrm>
-            <a:off x="6341660" y="653257"/>
-            <a:ext cx="5613400" cy="5613400"/>
+            <a:off x="5812215" y="301538"/>
+            <a:ext cx="6235890" cy="6054812"/>
           </a:xfrm>
           <a:prstGeom prst="rect">
             <a:avLst/>
@@ -5352,7 +5581,7 @@
     </p:spTree>
     <p:extLst>
       <p:ext uri="{BB962C8B-B14F-4D97-AF65-F5344CB8AC3E}">
-        <p14:creationId xmlns:p14="http://schemas.microsoft.com/office/powerpoint/2010/main" val="998446241"/>
+        <p14:creationId xmlns:p14="http://schemas.microsoft.com/office/powerpoint/2010/main" val="3699864537"/>
       </p:ext>
     </p:extLst>
   </p:cSld>
@@ -6416,6 +6645,645 @@
         </p:nvSpPr>
         <p:spPr>
           <a:xfrm>
+            <a:off x="789709" y="105352"/>
+            <a:ext cx="10515600" cy="705139"/>
+          </a:xfrm>
+        </p:spPr>
+        <p:txBody>
+          <a:bodyPr/>
+          <a:lstStyle/>
+          <a:p>
+            <a:r>
+              <a:rPr lang="en-US" dirty="0" smtClean="0"/>
+              <a:t>Lessons Reinforced</a:t>
+            </a:r>
+            <a:endParaRPr lang="en-US" dirty="0"/>
+          </a:p>
+        </p:txBody>
+      </p:sp>
+      <p:sp>
+        <p:nvSpPr>
+          <p:cNvPr id="3" name="Content Placeholder 2"/>
+          <p:cNvSpPr>
+            <a:spLocks noGrp="1"/>
+          </p:cNvSpPr>
+          <p:nvPr>
+            <p:ph idx="1"/>
+          </p:nvPr>
+        </p:nvSpPr>
+        <p:spPr>
+          <a:xfrm>
+            <a:off x="197427" y="1163782"/>
+            <a:ext cx="11700164" cy="5557693"/>
+          </a:xfrm>
+        </p:spPr>
+        <p:txBody>
+          <a:bodyPr>
+            <a:normAutofit/>
+          </a:bodyPr>
+          <a:lstStyle/>
+          <a:p>
+            <a:pPr marL="514350" indent="-514350">
+              <a:buFont typeface="+mj-lt"/>
+              <a:buAutoNum type="arabicPeriod"/>
+            </a:pPr>
+            <a:r>
+              <a:rPr lang="en-US" dirty="0" smtClean="0"/>
+              <a:t>The providers have </a:t>
+            </a:r>
+            <a:r>
+              <a:rPr lang="en-US" dirty="0"/>
+              <a:t>incredible ideas for improving services delivered. It's worth our time to facilitate and translate these </a:t>
+            </a:r>
+            <a:r>
+              <a:rPr lang="en-US" dirty="0" smtClean="0"/>
+              <a:t>ideas.</a:t>
+            </a:r>
+            <a:endParaRPr lang="en-US" dirty="0"/>
+          </a:p>
+          <a:p>
+            <a:pPr marL="514350" indent="-514350">
+              <a:buFont typeface="+mj-lt"/>
+              <a:buAutoNum type="arabicPeriod"/>
+            </a:pPr>
+            <a:endParaRPr lang="en-US" dirty="0" smtClean="0"/>
+          </a:p>
+          <a:p>
+            <a:pPr marL="514350" indent="-514350">
+              <a:buFont typeface="+mj-lt"/>
+              <a:buAutoNum type="arabicPeriod"/>
+            </a:pPr>
+            <a:r>
+              <a:rPr lang="en-US" dirty="0" smtClean="0"/>
+              <a:t>Implementing their </a:t>
+            </a:r>
+            <a:r>
+              <a:rPr lang="en-US" dirty="0" err="1" smtClean="0"/>
+              <a:t>tx</a:t>
+            </a:r>
+            <a:r>
+              <a:rPr lang="en-US" dirty="0" smtClean="0"/>
+              <a:t> &amp; measurements ideas </a:t>
+            </a:r>
+            <a:r>
+              <a:rPr lang="en-US" dirty="0"/>
+              <a:t>increases their </a:t>
+            </a:r>
+            <a:r>
+              <a:rPr lang="en-US" dirty="0" smtClean="0"/>
+              <a:t>engagement.</a:t>
+            </a:r>
+            <a:endParaRPr lang="en-US" dirty="0"/>
+          </a:p>
+          <a:p>
+            <a:pPr marL="514350" indent="-514350">
+              <a:buFont typeface="+mj-lt"/>
+              <a:buAutoNum type="arabicPeriod"/>
+            </a:pPr>
+            <a:endParaRPr lang="en-US" dirty="0" smtClean="0"/>
+          </a:p>
+          <a:p>
+            <a:pPr marL="514350" indent="-514350">
+              <a:buFont typeface="+mj-lt"/>
+              <a:buAutoNum type="arabicPeriod"/>
+            </a:pPr>
+            <a:r>
+              <a:rPr lang="en-US" dirty="0" smtClean="0"/>
+              <a:t>Incorporate the providers in the dashboard design</a:t>
+            </a:r>
+          </a:p>
+          <a:p>
+            <a:pPr marL="514350" indent="-514350">
+              <a:buFont typeface="+mj-lt"/>
+              <a:buAutoNum type="arabicPeriod"/>
+            </a:pPr>
+            <a:endParaRPr lang="en-US" dirty="0" smtClean="0"/>
+          </a:p>
+          <a:p>
+            <a:pPr marL="514350" indent="-514350">
+              <a:buFont typeface="+mj-lt"/>
+              <a:buAutoNum type="arabicPeriod"/>
+            </a:pPr>
+            <a:r>
+              <a:rPr lang="en-US" dirty="0" smtClean="0"/>
+              <a:t>Math </a:t>
+            </a:r>
+            <a:r>
+              <a:rPr lang="en-US" dirty="0"/>
+              <a:t>phobia </a:t>
+            </a:r>
+            <a:r>
+              <a:rPr lang="en-US" dirty="0" smtClean="0"/>
+              <a:t>is real, and it might be hard for your developers to related to.</a:t>
+            </a:r>
+            <a:endParaRPr lang="en-US" dirty="0"/>
+          </a:p>
+          <a:p>
+            <a:pPr marL="514350" indent="-514350">
+              <a:buFont typeface="+mj-lt"/>
+              <a:buAutoNum type="arabicPeriod"/>
+            </a:pPr>
+            <a:endParaRPr lang="en-US" dirty="0" smtClean="0"/>
+          </a:p>
+          <a:p>
+            <a:pPr marL="514350" indent="-514350">
+              <a:buFont typeface="+mj-lt"/>
+              <a:buAutoNum type="arabicPeriod"/>
+            </a:pPr>
+            <a:r>
+              <a:rPr lang="en-US" dirty="0" smtClean="0"/>
+              <a:t>Writing </a:t>
+            </a:r>
+            <a:r>
+              <a:rPr lang="en-US" dirty="0"/>
+              <a:t>the scribes is difficult (</a:t>
+            </a:r>
+            <a:r>
+              <a:rPr lang="en-US" dirty="0" err="1"/>
+              <a:t>ie</a:t>
+            </a:r>
+            <a:r>
+              <a:rPr lang="en-US" dirty="0"/>
+              <a:t>, </a:t>
+            </a:r>
+            <a:r>
+              <a:rPr lang="en-US" dirty="0" smtClean="0"/>
+              <a:t>grooms </a:t>
+            </a:r>
+            <a:r>
+              <a:rPr lang="en-US" dirty="0"/>
+              <a:t>and reshapes multiple analysis-agnostic data tables into a single analysis-specific rectangle).</a:t>
+            </a:r>
+            <a:endParaRPr lang="en-US" dirty="0"/>
+          </a:p>
+        </p:txBody>
+      </p:sp>
+      <p:sp>
+        <p:nvSpPr>
+          <p:cNvPr id="4" name="Slide Number Placeholder 3"/>
+          <p:cNvSpPr>
+            <a:spLocks noGrp="1"/>
+          </p:cNvSpPr>
+          <p:nvPr>
+            <p:ph type="sldNum" sz="quarter" idx="12"/>
+          </p:nvPr>
+        </p:nvSpPr>
+        <p:spPr/>
+        <p:txBody>
+          <a:bodyPr/>
+          <a:lstStyle/>
+          <a:p>
+            <a:fld id="{AF87EE96-E852-4892-A22F-23BA018C684B}" type="slidenum">
+              <a:rPr lang="en-US" smtClean="0"/>
+              <a:t>21</a:t>
+            </a:fld>
+            <a:endParaRPr lang="en-US"/>
+          </a:p>
+        </p:txBody>
+      </p:sp>
+    </p:spTree>
+    <p:extLst>
+      <p:ext uri="{BB962C8B-B14F-4D97-AF65-F5344CB8AC3E}">
+        <p14:creationId xmlns:p14="http://schemas.microsoft.com/office/powerpoint/2010/main" val="2489979003"/>
+      </p:ext>
+    </p:extLst>
+  </p:cSld>
+  <p:clrMapOvr>
+    <a:masterClrMapping/>
+  </p:clrMapOvr>
+</p:sld>
+</file>
+
+<file path=ppt/slides/slide22.xml><?xml version="1.0" encoding="utf-8"?>
+<p:sld xmlns:a="http://schemas.openxmlformats.org/drawingml/2006/main" xmlns:r="http://schemas.openxmlformats.org/officeDocument/2006/relationships" xmlns:p="http://schemas.openxmlformats.org/presentationml/2006/main">
+  <p:cSld>
+    <p:spTree>
+      <p:nvGrpSpPr>
+        <p:cNvPr id="1" name=""/>
+        <p:cNvGrpSpPr/>
+        <p:nvPr/>
+      </p:nvGrpSpPr>
+      <p:grpSpPr>
+        <a:xfrm>
+          <a:off x="0" y="0"/>
+          <a:ext cx="0" cy="0"/>
+          <a:chOff x="0" y="0"/>
+          <a:chExt cx="0" cy="0"/>
+        </a:xfrm>
+      </p:grpSpPr>
+      <p:sp>
+        <p:nvSpPr>
+          <p:cNvPr id="2" name="Title 1"/>
+          <p:cNvSpPr>
+            <a:spLocks noGrp="1"/>
+          </p:cNvSpPr>
+          <p:nvPr>
+            <p:ph type="title"/>
+          </p:nvPr>
+        </p:nvSpPr>
+        <p:spPr>
+          <a:xfrm>
+            <a:off x="789709" y="105352"/>
+            <a:ext cx="10515600" cy="705139"/>
+          </a:xfrm>
+        </p:spPr>
+        <p:txBody>
+          <a:bodyPr/>
+          <a:lstStyle/>
+          <a:p>
+            <a:r>
+              <a:rPr lang="en-US" dirty="0" smtClean="0"/>
+              <a:t>Lessons Learned</a:t>
+            </a:r>
+            <a:endParaRPr lang="en-US" dirty="0"/>
+          </a:p>
+        </p:txBody>
+      </p:sp>
+      <p:sp>
+        <p:nvSpPr>
+          <p:cNvPr id="3" name="Content Placeholder 2"/>
+          <p:cNvSpPr>
+            <a:spLocks noGrp="1"/>
+          </p:cNvSpPr>
+          <p:nvPr>
+            <p:ph idx="1"/>
+          </p:nvPr>
+        </p:nvSpPr>
+        <p:spPr>
+          <a:xfrm>
+            <a:off x="197427" y="1163782"/>
+            <a:ext cx="11700164" cy="5557693"/>
+          </a:xfrm>
+        </p:spPr>
+        <p:txBody>
+          <a:bodyPr>
+            <a:normAutofit/>
+          </a:bodyPr>
+          <a:lstStyle/>
+          <a:p>
+            <a:pPr marL="514350" indent="-514350">
+              <a:buFont typeface="+mj-lt"/>
+              <a:buAutoNum type="arabicPeriod"/>
+            </a:pPr>
+            <a:r>
+              <a:rPr lang="en-US" dirty="0"/>
+              <a:t>This particular group of nurses preferred a top-down entry into their data.  Most scientists prefer bottom-up.  Here are some examples of how we changed our presentation.</a:t>
+            </a:r>
+          </a:p>
+          <a:p>
+            <a:pPr marL="514350" indent="-514350">
+              <a:buFont typeface="+mj-lt"/>
+              <a:buAutoNum type="arabicPeriod"/>
+            </a:pPr>
+            <a:endParaRPr lang="en-US" dirty="0" smtClean="0"/>
+          </a:p>
+          <a:p>
+            <a:pPr marL="514350" indent="-514350">
+              <a:buFont typeface="+mj-lt"/>
+              <a:buAutoNum type="arabicPeriod"/>
+            </a:pPr>
+            <a:r>
+              <a:rPr lang="en-US" dirty="0"/>
+              <a:t>Hovering text provides an alternative entry into understanding the graph. </a:t>
+            </a:r>
+            <a:endParaRPr lang="en-US" dirty="0" smtClean="0"/>
+          </a:p>
+          <a:p>
+            <a:pPr marL="514350" indent="-514350">
+              <a:buFont typeface="+mj-lt"/>
+              <a:buAutoNum type="arabicPeriod"/>
+            </a:pPr>
+            <a:endParaRPr lang="en-US" dirty="0" smtClean="0"/>
+          </a:p>
+          <a:p>
+            <a:pPr marL="514350" indent="-514350">
+              <a:buFont typeface="+mj-lt"/>
+              <a:buAutoNum type="arabicPeriod"/>
+            </a:pPr>
+            <a:r>
+              <a:rPr lang="en-US" dirty="0" smtClean="0"/>
+              <a:t>Incorporate the providers in the dashboard design</a:t>
+            </a:r>
+          </a:p>
+          <a:p>
+            <a:pPr marL="514350" indent="-514350">
+              <a:buFont typeface="+mj-lt"/>
+              <a:buAutoNum type="arabicPeriod"/>
+            </a:pPr>
+            <a:endParaRPr lang="en-US" dirty="0" smtClean="0"/>
+          </a:p>
+          <a:p>
+            <a:pPr marL="514350" indent="-514350">
+              <a:buFont typeface="+mj-lt"/>
+              <a:buAutoNum type="arabicPeriod"/>
+            </a:pPr>
+            <a:r>
+              <a:rPr lang="en-US" dirty="0"/>
+              <a:t>Monthly meetings are not frequent enough at the beginning</a:t>
+            </a:r>
+            <a:endParaRPr lang="en-US" dirty="0"/>
+          </a:p>
+        </p:txBody>
+      </p:sp>
+      <p:sp>
+        <p:nvSpPr>
+          <p:cNvPr id="4" name="Slide Number Placeholder 3"/>
+          <p:cNvSpPr>
+            <a:spLocks noGrp="1"/>
+          </p:cNvSpPr>
+          <p:nvPr>
+            <p:ph type="sldNum" sz="quarter" idx="12"/>
+          </p:nvPr>
+        </p:nvSpPr>
+        <p:spPr/>
+        <p:txBody>
+          <a:bodyPr/>
+          <a:lstStyle/>
+          <a:p>
+            <a:fld id="{AF87EE96-E852-4892-A22F-23BA018C684B}" type="slidenum">
+              <a:rPr lang="en-US" smtClean="0"/>
+              <a:t>22</a:t>
+            </a:fld>
+            <a:endParaRPr lang="en-US"/>
+          </a:p>
+        </p:txBody>
+      </p:sp>
+    </p:spTree>
+    <p:extLst>
+      <p:ext uri="{BB962C8B-B14F-4D97-AF65-F5344CB8AC3E}">
+        <p14:creationId xmlns:p14="http://schemas.microsoft.com/office/powerpoint/2010/main" val="1584836679"/>
+      </p:ext>
+    </p:extLst>
+  </p:cSld>
+  <p:clrMapOvr>
+    <a:masterClrMapping/>
+  </p:clrMapOvr>
+</p:sld>
+</file>
+
+<file path=ppt/slides/slide23.xml><?xml version="1.0" encoding="utf-8"?>
+<p:sld xmlns:a="http://schemas.openxmlformats.org/drawingml/2006/main" xmlns:r="http://schemas.openxmlformats.org/officeDocument/2006/relationships" xmlns:p="http://schemas.openxmlformats.org/presentationml/2006/main">
+  <p:cSld>
+    <p:spTree>
+      <p:nvGrpSpPr>
+        <p:cNvPr id="1" name=""/>
+        <p:cNvGrpSpPr/>
+        <p:nvPr/>
+      </p:nvGrpSpPr>
+      <p:grpSpPr>
+        <a:xfrm>
+          <a:off x="0" y="0"/>
+          <a:ext cx="0" cy="0"/>
+          <a:chOff x="0" y="0"/>
+          <a:chExt cx="0" cy="0"/>
+        </a:xfrm>
+      </p:grpSpPr>
+      <p:sp>
+        <p:nvSpPr>
+          <p:cNvPr id="4" name="Slide Number Placeholder 3"/>
+          <p:cNvSpPr>
+            <a:spLocks noGrp="1"/>
+          </p:cNvSpPr>
+          <p:nvPr>
+            <p:ph type="sldNum" sz="quarter" idx="12"/>
+          </p:nvPr>
+        </p:nvSpPr>
+        <p:spPr/>
+        <p:txBody>
+          <a:bodyPr/>
+          <a:lstStyle/>
+          <a:p>
+            <a:fld id="{AF87EE96-E852-4892-A22F-23BA018C684B}" type="slidenum">
+              <a:rPr lang="en-US" smtClean="0"/>
+              <a:t>23</a:t>
+            </a:fld>
+            <a:endParaRPr lang="en-US"/>
+          </a:p>
+        </p:txBody>
+      </p:sp>
+      <p:sp>
+        <p:nvSpPr>
+          <p:cNvPr id="6" name="AutoShape 2" descr="data:image/png;base64,iVBORw0KGgoAAAANSUhEUgAABIAAAASACAIAAAAIyqENAAAACXBIWXMAAB2HAAAdhwGP5fFlAAAgAElEQVR4nOzdXXCU950v+J+3crFTs1VbdTZIluRUhTqQHYMIGmQXdUTNOAwvBvwyvvCSFAQckwTKczwFNh57PHZyEZskJCaGis+4RBKIwaYSyqfWB4OEeQn2TKFZCkREEHgqcIpUBalRy7tbezE15469aHWrW+putaTWo7fP5wqrn5f/86L2/6v///k999y9ezcAAACYeP/TZDcAAABgthDAAAAAEiKAAQAAJEQAAwAASIgABgAAkBABDAAAICECGAAAQEIEMAAAgIQIYAAAAAkRwAAAABIigAEAACREAAMAAEiIAAYAAJAQAQwAACAhAhgAAEBCBLAK3bzZvm/bsmXL7smzbNmybfvab96c7LaNX/u27CHtq/RoxrDK5Lp5s33ftpl7CWeQm/uy12hb+2S3pYiZ/VUAAEw4AWxEN9u3Lbvnnvnz1+3Y39HRkf9JR0fH/h3r5s+/Z9m29pnb9cp0N6dJyirqZvu+bcsyV7DkJZzYazj9zyExq74K3LEAMHEEsLJu7lt2z/x1+ztGWKxj/7r5y6bkX+vHKXP8O0Y8AVPXzfZtyyo6go796+ZPyGje9D+HxKz6KnDHAsDEEsBKu7lv2fwdg52Qlq17227cuHE358aNtr1bW7Ifd+xfNzVnTFVibevAMZ3fPi//5zeul+yElVplKrm5b1lBn7nEJcxdw+jYMb/qGazMOWSamEVfBeGOBYCJJoCV0r5tsMvVsrXtxt3zrdvXzpuXFzbmzVu7vfX83RttW7M/2b9uOve7Zpr8K1j2Ep6/0bZ3sPc8ARmMac1XAQBQTQJYce3b1u0f+GfL3hvnW9eWHuWZt7b1Rq7/vv91nfepIe8Kxta2kS7h9vN3BzvPHTt+rPPMAF8FAEB1CWDF3Nz3+mCf652Rp9jN2/5Ott/VcfSEbtfkK7iCN8p1mnMKOs/GL4gIXwUAQPUJYEXcPHE0O+No66uVPeE075H1W1tatm7d2/bqI0VXuHmzvbB0daZu9QgNKVxpWa7EWqka8LmfD+SHTC2zkfc5bHsDlcBzf/vv2DF/yA6HrlJh7fBy1euHtLaiU1TcGK5gRMzb/urgFLIPCo5ixKL7RQ5/5HNYsIExHPyobqrsIeQuccEOh685/N4Zocx69S5f0cMs3Ozw7Vb0XoShvyAj7nqyvwrGcuMVrjiKr4IR7tgJOcMAMBvdZajBgZDY2lblDQ7TsrXtRvGV2rYWX6tl743B6XItewvWzv18a9vdUusPWyl/vexHJZucW3d4E/J3Xkqphpc82nKnqKSxX8FSa5Zqd5EVc+uNfA5zC5Y5+BL7G/1NlT2Elr03Sq6cu/zlbr5ijZmgy7e1rXRTtw5tyojXqLJbtHhLJuurYCw3XuGKo/gqGOmOnYAzDACzkRGw4QaLgLUsmD/urbVvuye/gNpQHfvXFSv60L6tZMnrjh3zt30w0l67X19WumR2x46nJuLxlLVPDHS+howe5Wn/YOCP6y3r80YHhhYrHKJj/7r5o/tz+uAV3PrE2tGsGPO+1Jj9Z/fvE5lAdnPfsvllKn4Xrwkytpsq68S2Uit37Ji/rf1m2Ztv+K1T9cuX54PSTd0/9Mys/buB/FBy7l/u9qv0tpgKXwXjVcWvggk4wwAwK012Apx6qvpX78HKDgPFq7M7KRwzKDWQFYV/Fx8+0FBmxSF7HLJyiT+Xl9peBYNmd0f+83fRz/P/7N6ytW2wunfhOSr9R/dhBrc4ipWGtbGgkWMeiBhh1cKDL3W1yt4eY7mphq7Ylt+MlmGXouDzIQdY/cs3fCCmpeRtXGIEp+jeSl+iChoy6V8FYx4BG77Hsl8F5fdZ7TMMALOSADbMYM9lDN33QnkduKK977xOUl6PpaDbN2ytGwU9q3Jd8yJ7LHVsVQpgI3QXi+av4oGn8s/LrjKuAFb5gd0dawAr39LiQXJsN9WI90a526pMUyfg8g0JYEXWK3mM5fLBGNLBpH8VVCmAjearYIR9VvkMA8CsZAriBGr/cXbCUfECavPWtub6OoPT9gaf+9/aVqR8X/5K5RStGZCbJRgd129UsJHRKjdHabCeXN70pLwftrUWnbQ0eLilZzZOV7kJW8Wv1mBRkLzTObabqlCxvQ3eGsU3nPf5oIm/fEW3W/IY5z2yvtT9l/drNQmz46px1casml8FU/YMA8A0IoANM39B6efkR+Xm77sH/lW6gNpgNyjb7aqgG1O0LzxEiZWrdnAllO6fFT+u3EM2ZfpsucNN6KmsxAw+Ebf374of/drWgT+UnM/eQGO7qQqN1D9u/FKxDedunbwO+0RfvpInJu8YCzZb8v4bUzqY5K+CKqnuV0F1zzAAzEoCWBnjHCXK9U7LPcA/rCNZyVojJ7Bq1AwYk1L9s1z3rKBPPdgx3b/unpKyZbErvR5V6jcXzyETYRR7GttNVWCke6Pye2diLl+eMiemWB6MkvffeNPBpHwVVEe1vwom6AwDwCwigA2TfCG84pLr/1dVbt5cQf9sMH+tL/5ypIpUeD0Gr+Do+82DmWLCM+zgrmaJUf86lbsEeb+mhT8vdv8Vj/8jmipfBVNLNc8wAMxKAthwgwMoo+q/39y3bNmybdv2tVfl5bPTWPYv+Xn9s+rkr4oNXsHRzubKe/HuNA3As0Xp+Dr8/hvz7eeroKgqnmEAmI0EsOFyc2xG1X+/eeJoR0fH/v071r1e4h05xVfL9SOHdvin79/ch/XPciUISj8BU1HdtPOl1h5ibFcwv6HTeyJV6ZtqolT18uWMceLf0Ptv7OlginwVTDnVO8MAMBsJYEXkd7ter/A9pXllzrJ9kBJPqRQafNXrgErWmuqT14b0z0q/nXVwjld14+Zg/cDYv67itwAP1vQbff4adh1HVsnB39y3bOBJqoGjGNtNNUEm6vLllNlsuceqCu+/8aSDSf0qqEhS17pQ9c4wAMxCAlgxef33jh3zK+jAt2/LVhrIG+QZ7LyV7rvlFSIf6PHnrVXqb+554zRTVLYcfcfREzfL5K/8nunwuvVZuRCyrMIecH4LImL/uopWbN82P3daSz/IUqIHPaZInKu60LHjx8Uv9fDKBmO7qSbKhF2+GGGzg1m5aJ8/Px+MLx1M5ldBgWreeFVQvTMMALOPAFZc/su29q9btq3Mwxw327flCr0V9twHu10dO54q0u+6md9Zy3W68jpr64rtN2+lqSt7EB1HT+wb6FgWDTUjnaKIm/ue2jGW7t287e/kIljHjvllL2Hc3Lds8BoWe1VT+afKBts4OnmVx4v2yweTdrHbYzQ31QSZuMsX5Tabd75LbDUvH5y4Pr50MIlfBTFRN14VVPEMA8CsM46XOM90Q9533NKydW/bjRuDn9+40bZ3a0HB8+FPwuRvo2Xr3rYbg+vmr9qy90bptXIr3R22w5IrDvn5YJtzoaSgraXWG1x82AZH2tXgquVbVHiaW7bmneLCw63oMaMhbRh6Cbfubbsx/BK2FC5TdD9DLmRuI8MvydD1y5zDwrOUf3/cvdGW/0m522PUN1WJK1H5BS1+61Tv8g27dfK2OuR8l95qxfdfJSbvq2DMN95YvwrujnDHFlusCmcYAGYTAaycwq7RCEbq145qzQrWKrbqxAWwnOx6I+5qSNe8TO+syF6GGUP8ymx7NJewXCtHaOTWvdnPS3dnix7MyAc/tttj1Il5jAFsAi5f3p62ljvQ8j3+wmaNNx1M3lfBGG+8qgSwwb0Uu37VPcMAMHuYgljOvLWt5yvpebVs3XujVI23ta13y22hZWvbjSJrrm0tvd+WrXv3VpjPxivvCZisysst5L8uunT5w4iYt/38jaF/zs/XsrXtRusYJ9NlLmG5rQ/so2VrW8lrONDIUlekZWvb3dZHSq9Y9hzO2172FmvZW/z2GMtNNUEm8vI90VoqfxQ/MfnNGqyfMcL9V4nJ+yoY8403ZpX+1lf3DAPA7CGAjWTe2tbzd+/eaNu7d2tLy5DZatmpSOdby3Y+1raez8wYylt9YN2751vXFl913trW8zdutA1ZaevethvnW7d/KfuTCS9YnUmCBYddcWnwwQQ24sNI87a3nh8+H3Ckc1SheWu351/Dgh20bB24hBXsZPgVyV6Q8kc30jmcN3iD5Dctc+yl7qwx3VQTZQIv37zt5ws3PNKJGVxzMB9U52G4yfoqGPONN2YV/tZX/QwDwOxwz927dye7DYzWzX3LBir2bW27O1GdMJjeciUx/JZMEGcYAMbCCNiU077tnpHKdpd7BxIQUe71c1SHMwwAYyKATTmD71Yq8XaoEd6BBAz+lpR+pxvj4gwDwBgJYFPOvC81Zv+Zee3Q4DjYzZvt+7Ytmz/CO5BglrvZvm1crx9jJM4wAIydZ8Cmovz3uZY0Yhk4mFUGH40c5OGkanKGAaAajIBNRWtby9b1TrrOOEwHeWPHGS17x1z/nmKcYQCoBgFsapq3vUi96kz16UmpMw5T3/wncn+2aPE3iongDANAFZiCCAAAkBAjYAAAAAkRwAAAABIigAEAACREAAMAAEiIAAYAAJAQAQwAACAhAhgAAEBCBDAAAICECGAAAAAJEcAAAAASIoABAAAkRAADAABIiAAGAACQkM9NdgOmluPHj092EwAAgGnm0UcfrXBJAWyoys8dAAAwy412CMcURAAAgIQIYAAAAAkRwAAAABIigAEAACREAAMAAEiIAAYAAJAQAQwAACAhAhgAAEBCBDAAAICECGAAAAAJEcAAAAASIoABAAAkRAADAABIiAAGAACQEAEMAAAgIQIYAABAQgQwAACAhAhgAAAACRHAAAAAEiKAAQAAJEQAAwAASIgABgAAkBABDAAAICECGAAAQEIEMAAAgIQIYAAAAAkRwAAAABIigAEAACREAAMAAEiIAAYAAJAQAQwAACAhn5vsBoyg58L7R4/887lbtyIiYu7c5X+xYf2TSxuKLPj+mz8aXG755hKLAQAATJopHcAuvLl917lbeT+4devcrV3n/nnz2/uebChc8PFd5/KXO3do17k/vnLsuaXJNBQAAKACU3gK4oU3d527FTF3+StvH8t4+5XNcyPi1qFn3rwwZMGImLt5YMGBxc7t2v5+z+Q0HQAAoIgpG8B63j9yLiKWv7LvudxUwoalT+57ZXlExLmOC8MXzM45zC1265//RQIDAACmjCkbwG7/8VZELG8ZOolwacvyiIg//HEgWvX8yz8XW3Dp+s1zJTAAAGBKmbLPgC197tix5ypYrlRQa/jCFyNu3frj7Qi1OAAAgClhyo6AlXKh41xEzP2L/5SJVT1//ENEzP3CfcMWvO8LcyNvpAwAAGCyTdkRsOKyD3xteHJ8w1rHjx8v9dGtW7dKfQQAADAe0yqAXXjzmUO3IuZuXl9xefkScxAfffTRoosfP3587ty5Y28hAAAwm1y7dm1Uy0+fKYgX3ty+61zE3OWv7BvF8FexyYkAAACTYnqMgPW8v31g7GvoK5gBAACmjWkwAnbhzTLpq+ELX4yBiYZDZMojfvEL8hoAADBFTPEA1nPhzcd3nbsVc5e/cqz42FepYoelyyMCAABMjik9BfHCm8/sOjfCxMOG//QXcw/dunXo6IUnn8srzXHh6KFbedXqAQAmxL8dfX6ymwCzy5+u/8lkN2Fcpu4IWM/720dMXxGZBBYR53Ztf/NCZhis50JmVfkLAJhQ0hckb7r/3k3ZEbDMEFbErUPPPH6oyOfLXzk2MOLV8OSLr/zxmV3nbp3b9cy5giUU7AAAJt6frJre3UGYRv799PQe/oqpOwJ2oePcyAtlNSx97u1XNi8ffH/X3OWb3z72XMUvCwMAAEjCVB0BW/rcsWPPjWL5hqVPPrf0ydGsAQAAkLCpOgIGAAAw4whgAAAACRHAAAAAEiKAAQAAJEQAAwAASIgABgAAkBABDAAAICECGAAAQEIEMAAAgIQIYAAAAAkRwAAAABIigAEAACREAAMAAEiIAAYAAJAQAQwAACAhAhgAAEBCBDAAAICECGAAAAAJEcAAAAASIoABAAAkRAADAABIyOcmuwEAACTtiaf+ZrKbwJTwwTv/ONlNmHUEMACAWSQTvVr3vD7ZDWFKyNwPYliSTEEEAJgtnnjqb1r3vC59kZO5GYyIJkkAAwCYFXSyKUogT5gABgAwW+hqU1Trntfl88QIYAAAAAkRwAAAABIigAEAACREAAMAAEiIAAYAAJAQL2IGACAiouvIq293jmL5+9bt+M6Kz49rX/WrvrfzodqxbQKmJyNgAAAACRHAAAAAEmIKIgAAERFNG15v3TDkZ5+179n7QW9E88bWDfdPSqtghjECBgAAkBABDAAAICGmIAIAME6fHtj53oUSdRH7zr713bY7EU3P7HmyacQtpT9tP3P2Uued29kf3Fff9MDDX1nbWLzcYl/608tDl7+3oWnFIyvur6y4YsEcy77uT058dPpCb+aje+9rXrF1w8B2+ro/OfHR1Qu9dwb20rzqsZUPNdVUcgj33te8qOTCoziE/JMcXWc//rCr63amqfX3Li12yNkzH0uffn1LY0WngwQIYAAATAl93e9/92DXkB/e7u26fbDrg/qmZ3YOyW+fdR351dudd4Ytf+d273sXuoYvX16668h7hVX479zufO+7nU3P7Hkyjrw1ZEe3O0+/3Xn1iZeeXVsYq3KZp3A7d97uPH1f88bvDH2ObmyHcO3AnlxKjIiI3jsXxnLITA4BDACAKSD9yf5M+qpf9cym3HjRZ11nf/V2253o7Xr7yML8QiB9Zweiy33NG3PjVJH+9MDh9y70xvDlR9B5+u2CTeWiUdfbe+5E7537mldtXflQbU1ek+LOB4c/WZL3HrNc+ioYH0t/1nXmV2933rnd+d5rUZDBxnYIt9tO3457l6772iMrPl8bEelP2w+/90FvRG/Xh2e/0jTWN7ORGM+AAQAw+fquXr0dEdH0zM782Xqfb1rx7DPNERHReS1vdOzTE5mBpuaN39mQN/Wu5v4tOzcuzfw7le4bTQPuW7cjb1Ofb9qwYmA7vXeieeN3NmTSV2GTevtTufXTn+wfbFLeIdR8vmnDs99bd29E3O48256uwiEsffrZLZn0FRE196/dueOJ+oiI213X8pevXfFs657XW/eYfzi1CGAAAEwdd1LpoT9q2vB6657XW/MfIeu+diEi4t4nVg4f45pTVx8RheloZE2PDR07un9JJmUV20td7b1DWjsYIIsNu9Wu+NoT9RFx54Mzn473EOpXPTI0UH2+rq708kwxpiACADD5amvvjbgTceeD3W9dal702MqFTTWlZ9M1Ptm658kSn32+ri6it8SHpdTPqSv52b11w+pnZFub89nlrsxw1sIST2FlW5VK98X9tTGOQ6irGV5fpG5oe5i6BDAAAKaAxiefab7zduedXNWKiGx9v0X315YoITgg/Vlf9KfSkfrdtUupbG3AUSmWakajP5XZaed72zrLLtjbn4oosq+KD+G+2jnjaimTTQADAGBKaNrw7Pe+XFDtfaC+X1tEfdMTw4rR93W/v/+jMcWtKWMGHAKjJYABADBV1DY+tKXxoS0Db8fKGwvq7frgYFdq8H1W2fd3Zd1Xf29D3b11tQuXLLo/debVt8sPQ02c5o0Vl16cqofABBPAAACYQKm+sTybVFtz/9oN96+NJ/PKvseFjz55pPGh2oi+s7/KRJeCAu65PY6/0aM2p66+8BGvkUy9QyAhqiACAFAdt/v6h/3ss1RFYeKz9j2vbtv56rYjnw77aHjZ92zFi/pVw6NLxKeXJ2HsKFeH8OrlYVUcI2LwAPd80hcxJQ+BhAhgAACMU7Zs+vD3VnV//EFFDzh9fknTvRERBW/KysmmuHK1Cgf0nT17oZIdVlvTylX3RWTezlzk5V3Z87D04YdGHB+brEMgGQIYAADjlI1Pvae/u+eTroEE9VnX2fdfO9hVbr08tSsyLz6+88Hutw50fzaYYdKf5p6VyqaXwd3tP/Jpbsm+9KcH9rz63bbcjMcirxSbQDUPbV2XOwnvt3d/lv3gs66zb23LnIfBV3glcQh9Z9/atvPVbTtfPdA99o1QdZ4BAwBgvGpXfO2Jrr0f9Eb0nn579+nBD+pXPdN09e22Sh4Du3/LS6t6dp++HXcuHNw7fAjovnU7shU4onbFiqVd713ojdud7323cLbefc2rHqvN7PFOKh1Rvn59VdWuePZ78dZ32+5kSoZ8MOTj+lXf2zk4/DU1D4EECGAAAIzf59fu3FF39uMPu7J1C+vvXfrw17Y0fr7v7NVKt1Hz0Hf2LOw6+/GHXXdu5yrR1997X92KrSuHvArs/i07dyzJ313ce9/g65trlra9dyHiwu8+3dJYYU3C6qhd8Wzrok/bz5y9lLqTKy5/X33TA8Nq6E/ZQ2Ci3XP37t3JbsMUcvz48UcffXSyWwEATA//dvT5iPiTVc9PdkMq8sRTf9O65/XJbgVT1Ladr37wzj9OditG9u+nfxIRf7r+J5PdkEHHjx+PiMpDhGfAAAAAEiKAAQAAJEQAAwAASIgABgAAkBABDAAAICECGAAAQEIEMAAAgIQIYAAAAAkRwAAAABIigAEAACREAAMAAEiIAAYAAJAQAQwAACAhAhgAAEBCBDAAAICECGAAAAAJEcAAAAASIoABAAAkRAADAABIiAAGAACQEAEMAAAgIZ+b7AYAAMBYpT95bffp280bWzfcX3qZT9vPnL3Ueed2RETcV9/0wMNfWdv4+dHvq0rbYXYTwAAAmKY+az98+nbZJfq6399/sCt/mdu9XbcPdn1Q3/TMziebKt5TtbYDpiACADAdfda+Z+8HvWUX6X7/u4WpaVBv19t7PumrcFfV2g4YAQMAYPpJf3rg8HsXyqev+PTAwa6Bf9Y3PbPpyaaaiIi+7k9OfHT6Qm9E7+n9Zxd+Z8WIcwirtR2IMAIGAMC08lnX2fdf2z1i+orovnYh84/6Vd/bOZCaIqK28aEtOzcujYiI220fdxVfeQK2AxEhgAEAMH181r5n79ttmdmA9z7x0o4n6ksu2td3JzKLbXqoduiH9295OvPcVtfl7hF2Wa3tQIYABgDANHNf88bv7Xl2bU25ZVKZ4FS/aEnRxWrm3BcRET19n5XfV7W2AxmeAQMAYNqoa1r1zKaHmspGr1G53dcfUYXHt6q1HWY8AQwAgOni800rHhrdGr39qYhhUwcj0v3l69dP1HaY9UxBBABgBmr68sDTWW8f+XTYh5+1f1Rp1YxqbQcyBDAAAGaixoWZEoXR+d5rRz7pSg/8uC/96YERXyA2EduBiDAFEQCAGer+R9bde6HtTkTc7jz9dufpwk/vva/+zu2K4lO1tgMRRsAAAJipalc8+7119xb75N4nXvraA4lvB8IIGAAAM1jtime/t+jTE4fPXugdeJ3Xfc0rtm64vzY+PdAbEXFf7ZwktwMCGAAAM1ltzf1bdt6/ZchP0+meiIhoqK20dny1tsMsZwoiAACzTt/Vq7cjIpqWNE6J7TB7GAEDAGAmSn/y2u7TtyPuW7fjOys+P+Sj/W13IiKaFzYlth2ICCNgAADMTDU1DRERcbvtVwe6P+sb+Olnfd3vZwJVRCz98v3JbQciwggYAAAzVK58/J0LB/deGP5588YthfMG+86+9d22OxGx9OnX8z4a9XagDCNgAADMTLUrnn2muWj5+LiveeP3NlQ6bFWt7UAYAQMAYAZr2vDs9778yYmPrmbLx8d99U2PbfpKU83oihZWazsggAEAME19fu3O19eOtFBt40NbGh8aWj6+6JIrnm1dUYXtQBmmIAIAACREAAMAAEiIAAYAAJAQAQwAACAhAhgAAEBCBDAAAJjVtu18dbKbMIsIYAAAs8IH7/yjfjalfPDOP052E2YLAQwAYBaRwRhi285Xpa8keREzAMBskelnP/HU32T+s3XP65PaHCaZND4pBDAAgNklF8P0v2c5A1+TQgADAJiNdL5hUngGDAAAICFGwIa6devWZDcBAJgeaiIioqenZ5LbAbPGf4iIad5jF8CGmjt37mQ3AQCYHv7tYkREQ0PDZDcEZot/vx4xxXrs165dG9XypiACAAAkRAADAABIiCmIU91/+9f/MtlNgFnkr//sP092EwCAmcwI2JQmfUHC/NIBABPKCNg08NAX1092E2BW+OQPRye7CQDADGcEDAAAICECGAAAQEIEMAAAgIQIYAAAAAkRwAAAABIigAEAACREAAMAAEiIAAYAAJAQAQwAACAhAhgAAEBCBDAAAICECGAAAAAJEcAAAAASIoABAAAkRAADAABIiAAGAACQEAEMAAAgIQIYAABAQgQwAACAhAhgAAAACRHAAAAAEiKAAQAAJEQAAwAASMjnJrsBTLLN67852U2A0Tl09BeT3QQAgDESwGavTPTa89buyW4IjE7urwaSGAAw7Qhgs5HoxbSWuXV3PvvSZDcEAGDUPAM2S0lfTHd73tptAi0AMO0IYLPO5vXflL6YMWQwAGB6EcCA6cqfEgCAaUcAAwAASIgiHACJev2fPpzsJsDs8upfPjbZTQAYZAQMIDnSFyTP7x0wpRgBA0jaN5f85WQ3AWaLX1z+p8luAkABI2AAAAAJMQJGob5ze167Eg11dfU1X25qbFw8p+zS/ekr3We60qneVG/9qj1PLUyqhSd7I+off2Hn6vLNAwCAqUUAY7hUb0+qtyc6L15Z950dK2pLL3jlN7t/dnng3/WJNA0AAKYzUxApI9V1pb/Mx91dl8t8CgAADCGAUVx9Q11E9HZ2p0sucu13FyOirr4hsUYBAMD0JoBRXF3z4vqI6Llyta/EEle6OyPiwcVNCbYKAACmNQGMEmobmxqizCzEzPzD5qbGRFsFAADTmSIclDJnUXNdW0+qt7M7vXp5zdBPM/MPl3x5cfS1DV/32pFnD3WWKFSYPrV394z24t8AACAASURBVLFUxJKn3/pqQXrru3b25Omui6ne7A/qG5Y0rfurFSNUYsy68uudmYogDUuefrn8luvqH1z88JrljSXqi6SvnDvTdqWzJ5VdeNWmpxZGqWaPfvujXn6o/rM/eKOtJ+LBzXueWpi+cu5M28nOntymVm16amFNkQOJ+gfXlNzLaE9R37WrQy9WXV3zqpWrFxbeKvl3QnSf+s1HnZd7M01tqGsusnzu9ojmb+/esLjCEwIAMG0IYJRUs3hx/bFUb8+Vq33Lh9ZCHJh/2NgYUWqK4qikr/x6sKBiVm/P5d6fXW4bHqiGu/LrPSXSV65DnyfVezF18OKV5sc3bhiaD7PZpmDhQ7svLln3YImWl9z+yfoHN+8cVpp/tMuXle5+59DBi0Va+/RbX4139h68WLCj3osnDxarbDnKJvV3v/PekC1HRG9PqrfnUGdnqYvVfeQHuZQYERE9qc5yywMAzEwCGKXVNjY1nOztSXVd6V9RGFQy8w/r64YNjI1N37nDA/FpzdNbcqMu/d2n3jt4LBU9lw++01juJWN95/b87HJvlE1fDUue3vJXjbVzIiLdd+3MgUOdPanOY29EbcEwS/c7A+mr/sHN2XGkTN643FaQc4Zuv2Bwqa+/++R7By+mei8e2hMFAWa0y4/g4smDRZqairh88Aep6EnVP7hm05rlNbV5JzNSbQfOLXp5cEhz9IcwkL7y9hvRd+3IgUOdPVHqYvUeO9kbdc2Pb1y5ek5NRPRdO3vgUFtPRM/lj079VaP3uQEAs4ZnwChjzqLmorUQB+ofNlU4OXAk6StXeiMiljz9cv6ctzmNq3c8nRl3utjdXWrl7HuZi8w8jGtnBtLXmpde/momfUVETe3CDS+/sK4hIqLzZ7/uztvURxcjMvPlctEi5jQ+teOlx+uK7vpwZvsPbt75VF7LawdX6b14+mzfWJevwLCmrmrO/LMnldlLTW32o9zJ7EkPXs1RNyl7Sh/cnLffiNqFG17ePLDr3nTRypnN396xIZO+IqJ24YrsJRhyd9Ws3rHnrd173jL/EACYmQQwyqlZXKwWYmb+YcPiRZU+s1ShVN+w7NH41O49b+3eM/yxq4xy6SvSp053RkTUrdsy/Bm2OSu2rKmPiLj80amBKiO5HPjwsAGZmtXZYJO//VxuLDZmVbN647qGiEi1nbw2tuUrMLypC788MFWybt2aoXupqcvEyMHzPOomZS59sY1H1NRmXkjQUyyANaxZOTRQzamtL708AMAMJYBRVm1NXcSQWogD8w+bG6s0ATFqageCQdtre/e8c667r9zbnweluo9k0lcUf44onRqoolFbNCgOHFr0pjL9//6rnZmxncZiYS8XbHLKLx+DAWNgRGi0y1egoab0JShy1NnznDP6Ji3+6p63du95a+hTZAULF1VfpKnZQAgAMIt4BozyFn75wei8GHm1EPv7eqOK8w8jIhZ/9ekHUwcvpnK1HyKyVfIWL6wpMc7We/FktgRf0eeIMu0sk1JqahsiejLpYmFNpPsyT3+VeLCtpq4uIr/yxMDycfHQzmKPhw3qSacjaka9fAWKpZrRGHeT+vrTkU7fib6u7q7ebHnDoi2t1uOCAADTnADGCBqblsTFy5GrhdjX3dVT/fmHjU/teKmpoGb6QJW8YxENS9aVKkbfsKS+53JvRO+x33SvLjFNsWRKmVNbH1E6M1BK+sqvD7eVi1sAAJQigDGSxY3NcbkzBmohZp4aquL8w5yaxcs3LF6+YeAdU3kjKj2X2352uW/4W6Ea1rz08vI4ldp9LBVRulLiwADXcNkhsiGLp9IRoxnce3BzuQqN418+AaNo0tAy/fUNdXX1dbV1jYsWL0yffOlg+ZE0AIBZTwBjRNlZiKl0RFztTI1z/mH20aySamoXrnhq4Yr4al7x9OhsO7dycUEtjYEQuHrjus432noiLh460pQf0rIDXCVn9GUn4A0MkWVnJFba7CEzGEc02uUTMOompU+9N6xMf96nE9BEAIAZRhEORtbYtCQi4mJ395XRzT/M1rfIN3zcqf/sD17a+exLO98ZXv2vRPH0wmWy9QwLa8oP1ni4/LsrxdYbKOiXezxpoOZ+iZL3mcr7BfvNFvErLBE5KHtcPziXHsvyCRhtk7JFOxrWDE9fxU4RAABDCWBUYHFjc0TE5Y/arvRGJbUfshXJhxf0u/KbtqGjTLnkU/QVWCPW0oioXb5p4D1dlw/mpbhc7fjOtuGRpv9s2+WIyK/kPlBzP68wfU62on2BxjWZ4JdqO1AsMmWPtHndwMDdaJdPQBWbVPQUAQAwhABGJQaKsPf2pCKiuWnE54Wymarn5O4fnOseiFX93ad+vednl4cvnU1KqbbX9h650p/3muBruSeOymeA7BurhqS4hSsfzzXj17nq9um+a0eym61//K8GS3dkg1zvsTf2vHMt24z+7nf27j5WbNpkLvj1nNz9g1+fHazU3999au/OzJHmv/9qtMsnYHRNGryshwfPT+Z8vpR3ioq8z61y6VN7dz770s5nXzpSdNwSAGCa8wwYFckrwr7kyxUkhJrco1k9Jw++dnLwg4Y1TzdfOTg0zyzc8J01qddO9kaq82dvDB9IqX/8haEVOIaas2LdkrafXc4M5ix6eSCt1aze8VLs3X0sFT2XD742JPvVNT++cUNh8fqa1RufTr1x8GL0Xjy0O39CXcOSdc2ptmExLH/7bT+73Dbk44Y1L71ckBtHu3wCRtWkmtWrmjsPdfYMOz8R9Q+uebguc2VTfXciqvySbgCAGUIAoyI1ixfXH0v1RpmX9g4xZ8XLL9Se+s1Hndlihg11zes2blg8J32q2NBG7fKdbzV2n/rNR52p3lwl+oa6+vpVm9aUfBVYgcVfffrBywcvRvScPHyqcWduYuHqHXsWXzt78nTXxVT26bO6+gdLbXZO41O7Cwvi19U/uGrTUwvj1N6h4WTI9ntTucrs9Q1LmkqUzh/t8gkYTZMWbnj5hS/nX9aoq39w8cNrGhtr50TUNB871BnR2XVtw+IpVukRAGBquOfu3buT3YYp5Pjx448++uhkt2LQf/vX/xIRD31xfRW3uXn9N/e8tbuKG5wlut956eDFyRmkooydz7506OgvqrW1T/5wNCL++s/+c7U2ONzr//RhRHxzyV9O3C6AfL+4/E8R8epfPjZB2/+3o89HxJ+sen6Ctg8M8e+nfxIRf7r+J5PdkEHHjx+PiMpDhBEwGDAQsWLJ028Nf6dzthbIyAVIYDJt27BpspsAY9F65PBkNwEgIQIYDMg+53b5d1e+2jjkkbO+7q5M0Y46+Yupa9uGTd/fN4X+IgiVy/ztQAwDZgMBDAbknnPr/Nne+PbGDQOPP/Wnr/zm8M8u90bk16yHKSXTeZW+mL4yd++2DZtkMGDGE8Agq3b5zm+n9/zscvFijA1Lnt4yfGoiTBXSFzPA9/f9RAYDZjzvAYM8i7+68zsvPP1gXX3D4M/qG5as+/YLL7381Ual1ZmSzDxkJslksMluBcAEMgIGhWrnND61w0gXAAATwQgYAABAQgQwAACAhAhgAAAACRHAAAAAEiKAAQAAJEQVRIDZpT/dfe2jk1dTvame7I8a6uvq/nzFw4sW1NQUXyd99qe7TqQi6h77+79dWWKZrOuHn3/3UkTDI8+9uGKsby7vPrr9QFdluwOA6UUAA5g10t1Hf3mgq2fYz3t6Uz297146EQ3Nq7+x8SsiDwBMGFMQAWaHq+/9dFex9JWvp/PUrud/eiadUJMAYPYxAgYwC1x97x9+3pn9j/q6BwonHKbT1393+uyHnamIiEh9+MOjtT9Zv2gy2gkAM50ABjDjdR/Npa+GR77+jRULhkwyrKlZsHLjgpWrrh/+4buXIiK6fv5GzSsvmIsIAFVnCiLADNd/5mRX5l8Njzz34rD0NahmwaaffP2BzL97T33UnUTjAGCWMQIGMLOlr13ujYiI+tXfGLks4YJNW5ouHeiKiEtXrm9qXFB+6dzMxobmr7+4cYSFcwUYL/Wmsj+pa6ivXbJm+crG0g1LXz9z+uzlzoGajQ31TWWWT3d/XLD9zGTL4Zkz/fGPfniqJ+KBLd/f1Nh/9ey59hPZp+Pq6x5Y87VNA9vvv3r2XPtvu3p6B1r7wCPFtjbmQ5vYJlV8NkZ7CPk1KqOSq9N/5o03P+yNiKZvmdoKIIABzGzpq1czneMH1lQ2pbCx8YHouhQRnd1XNy4o012++t5PR5G+0tcPH3r3Uu+Qn6Z6elM9B7oul9hC6urR7Se68n/S09vVc6DrcpEa97lefp7e1KXedy/9tumxzeuLl7Pvu374QGbWZd4qB9681Pz1fRvj8BtDGpy6dOLdS79dPXRy5pgOraSqNKnM2ThR98CWv93UWPjR2A7h6tEfnSgo6zJwdUZ7yACziwAGMKP13ckMaNTVVfpE14Km5rjUGRF9felYVPrNYD/vTEXFY19nBvr3dQ9syQ3mDJbF7+l89/Di7w9NBZG6dCIV9U2PZQdV0t0f//LAqZ6InhO/OrMo/xVhg3mjofnr31iVqS/Sn+4+98sDXT29XR/+MIqWFbl04t2CJuVySOe7P0pFT2/dA4987eEVc2oiIn39zKF3P+yN6D31y7ML8+Lf2A6tpOo0aeBsFIyPpdPXPzr07qXe1KUDP42CDDbGq/Nh5upsXr6ypvDqdJ49s2qBF7gBlCCAQWl95/a8drL3wc17nlo45JPud146eLGCLRRbtxLpU3t3H0tFLHn6ra9W3HGDIvr7BiaU1dZW3CGuvbcuIhWRSqUjiq2VfS9zhekrovtcJh0NGXupaVz/4pbYfqArIlJ9/VFktl7Tt14YDE41jV958e/jRz881ROpy1f7V+YiR3b7hW9/nlPTuP7Fv6/50Q9P9UTXz99r3FekqYXveq5ZsGnNwAzMnt7C1tYsWPnC11PPv3spoudOf8TQXY/+0EoZb5PSZ39VvEk1Cza98FzdG29+2Ju6dPLjhxuzg2YTfXVizsoXvr+y4uMHmOkU4YBS+s8eODl0Rk4y+s4dPpYaeTGYFKNOXxFXr3RFRNSvfnj43xNqahoiYiBCDNXwyPKhw1Y1NXVDl89WGSn6kFvNV77xSF1EROfZIu83a14xdKCmsXGgDEmR1s6pq4+IiFQ6t6UxH1pJ421S/+9+m4qIaP56sWG3OSs3r26IgiIrE3x1ABjCCBgU1X/2B2+0lX9l7cTterKCH4wodfXohycG+veVP+ezaOP3920s8VlNTV1Eqd+1utrhoy5z6uojCn5F+lOZ/6yrKTrIV1NbW2pAr+He0gNTRbY2p7ZuyK7HfmiljLdJ2ZorDywucXWyrcoNak3w1QFgCAEMhum7duTAoc6y3abGp3bvearUh9eOPHuoMyIa1rw0+vmH3e9MVvBjZsp10Ms90DVE6cfGUpdOZAdnx/GcTzrdH+n+vkh3XbmayhbQK6ay59bS6UybSkaXmpqGwsgxuIMiEWJcKj60ksbbpHQ6s9NLB/7hUtkFCyZSFmygqlcHgKEEMMjX333qNx8duzyev992v3OoMyKibt2W5aPunlz59cGLEQ1r1tWfbKvkGTMY0YgPdA1zvWvgrc3FHxtraK7r6UxFpD48fX3lKIrd9V9971ftY8okFSoZXcY0EjUaE35oE28GHALAdCGAQU7+tMO6dd/ZGAdGPxiVSVAR9Y9vXFE72gZcO/Kzy5nkVnvy5GhXhuJqFi1qOJHqiSiou1BGd/fAyElz4/CygQ2PPPfiijiTevPD3ojK6/tlX3KVVddQX1tXV1O3eOGXG/s/ev7d8mM1FSpZ6yI7RDYhEjm0MXhgS8WlF6fqIQDMUAIYDFX/4OZNTy2sif6zo141k6AiGtZsWj3aaUT9Z39wqDOi+ds7VtRG98jLQ4VqFi6pP9VTpFh5UdcPHxh471axh4jqliyaExErN6++/MNTPRGXDhxtGvnVuv1nDmX69wVVznOfVnogpWQHuErNqcvNyqv6hMMJP7QxKD3fsoSpdwgAM5wqiDCotnnN09/ZvfOphWN7smE8kw/Tp95r64l4cPOGxWPaN5Q2Z+Wapsy/ek68+aOz14fXAhyQvn44N9xRtCZeTq60YHT9/L3rI+w/Wxai4ZHh/fu8Abexy1YC7Oy+WuzjgSp/E/HM0oQf2ujl6hD+9lrxC53++EfP/8P25//hR2f7I6bkIQDMcAIY5MxpXL28cdTzBrP6zn2UeWrrwVWjnnw4UHd+ydNjemkYjKRx/SsDeSl6Try7642fHj57PZ3XPU+nr59576fbf5ibbFb32OYRJivWrPjaYwOx593DYx+yzVaQH5dcwuxqPztsxCb9cXvmkbbh5d0nVlUObQwWPJy51r2nfjn8bERcPZ0Z72paO8JYaEzeIQDMbKYgQnV0n8zUjq9bt2a0IerakddO9kY0f9s7l5kwNSv+9lt3fvrzzlRERG/qUu+7l06UWrbwRcAlzRmciFj+6bLsHMieE786XJsbZulPd5/75YGuwUePUul0LBhjRGpc/lh914e90XPizR/d+fo3Vi2oqRmyi7rHVlVeL6RiCRzaGBq14muP/fbN7NlYvXbVVwaqX6avnzn0bvaN1dlXeCVxCP1n3njzw96IaPrWyBNWAWY8AQyq4trvxjr8lZm4WP/4CyYfMrEWbfzbVxYfLehVD9PQvPobGyso1JFR85W1zad+3jni02VzVq5punygqydSlw68WTilre6BR1bU/fbdD3sjetN9FZZpLLqLF56LN978sDd6Ot/d1Vn4YX3TY5vXT8zwVwKHNqZWDZ6NUz/vPDXk44ZHnsu7WFPzEABmMAEMqiB96vTAJKemUQ5/ZevOj75oB4xeTeP6F3+yPt398UeFr3hqqK+r+/MVDy9aUPxNxqUt2vj1BzrfvRTRc+JXZxaVHjdrXP/i3zeeOX32cm6n9XUP5PZY2/Thga6Irq7u9YvGPgw8Z+UL3/9y98cfnbx6qTdb9bC+7oE1X3u4cc4EJockDm0MBs9Gqjd3oesamhcNDohN9UMAmKnuuXv37mS3YQo5fvz4o48+OtmtGPTf/vW/RMRDX1xfxW1uXv/NPW/truIGZ65sVfoHN+8Z4dGs7JINa156eTTlN/rO7XntZG/UrfvOjiHjZt3vvHTwYkQsefot8xLL2fnsS4eO/qJaW/vkD0cj4q//7D9Xa4PDvf5PH0bEN5f8ZRW3uW3Dpu/v+0kVNwiT6x+2P9965HC1tvaLy/8UEa/+5WPV2uAQ/3b0+Yj4k1XPT9D2gSH+/fRPIuJP10+h//EdP348IioPEUbAYNz6ujNzuuqbG0f1d/b0lSu9ERGpttdeaiu+yOWDz16OqCQEAgAwDaiCCOOVzVF1TYtNIwQAoBwBDMYrnUpFRDQsXjTmEvYAAMwOpiDCOGXrH9aPtnxB1KzesWd18Y88AwYAMCMZAYPx6Utn6q3V16nQDADACIyAwfjcSfdGRERd7QgPgKVP7d19LBURzd/e7ZVfAACzkxEwGJd0X2YArK723kluCQAAU58ABlVRV6sCBwAAIzEFEUqZs+Ll3StGWqhMIY0xLxkRjU/t3vNUpQsDADBdGAEDAABIiAAGAACQEAEMAAAgIQIYAABAQgQwAACAhAhgAAAACRHAZqOdz7402U2AKtj57EuHjv5islsBADAK0+g9YBfefHzXueWvHHtuafGPiqxSfOlZ7tDRX2xe/83JbgWMl78jAADT0bQJYBfeLBqxIiKi549/SLAlM0Aug+15a/dktwXGIpO+DH8BANPOtAhgPRfefKZ0/Iq4/cdbYbhrdDI9V0NhTFOiFwAwTU31ANZz4f2jRw6du1VumQsd5yJi7hfuS6hNM4heLAAAJGlKB7Ce97c/c+hWRMxd/sqLLR0lRsEyExDn/sV/aki0cQBMO+mzP911IvXAlu9vaiyzVP/Vs+faf9vV05v5z7qG5kVrV31lUU0le7h++Pl3L1Ww3EhtAGCmmtIBLCJi7vLNG9Y/ubQhLnSUWOL2H29FzP2LL9x+/80fDYyVzZ27fMOLzy2VyAAYlP74lydSIy7zox+e6in4UaqnM/XzzqsPbPlbkQmAcZvSZegbntx3bN9zT5YPUpkBsFuHdu0anKl469a5Xc88/uaFCW8hANNEkWQ1qmVSlw789Ey6+u0CYJaZ8iNgI8pU4MhMU8wMevX0vH/0R4fO3Tq3a/sX3t73ZLH4dvz48VLbu3Wr7ANnk6G3d4QuA1BFCXwJ9PZU+Ze6P91f3Q3ONP/379v/z//6r33Z//wf/1/RM/b/dBzIpq+aP/s/nlj7pf8ts/J/7zj/L+eu9UekPvzw//ry4/+x7K7mPPzycw+X+vD37bv+679GRO1Xnnq41lUro+q/IxP3e52ZmdpT7QYDpfyHiJiSPfbKTfsANlCCfvkr+3IlEBsannxu3xfi8V3nbv3zv/Q8WSyBPfroo0W3dvz48blz505QU8fgd/8aEVFfbzIlJOHGHyIiJvZL4I/dEVHfUOVf6jk1c6q7wRkkff3M6bMfdhbMPPyf/9diZyx97feZAa7mr7+yccHgA19z5jzxZ//xf3njzQ97I/7f/xFz5lT0LFgR1w//IPOlvvpbj//vY93ILFHN35G+/x4T+Xv9bxcjIhqq/UsNlPLv1yMm+n/Wo3Tt2rVRLT/tA1jDk/uOPVnk50tblse50gkMgJkvf0ph/epXNscvS89CTF+92hMR0fSt/PQ1YM7KF76/cnxtufpepjhH3WObvyJ9Acxi0z6AlXTfF+ZG3Lr1x9sRAhjAbFb3wJavbWqcE+mPSy/T/7vfpiIimhsXTUQTuo/+vDMiouGRr60UvwBmtZkbwDK8HQxgFqtZ8sjXv7Fi+IjWcP2p3oiIhnvnREQ6ff2jQ2cv9WYmLtY1NK/4xqoFNWMPTtcPH+iKiKhf/Y0VZosCzHJTugpiBXre3/74448XK3iYKc7xxS8Y/gKYrWoWrKwofUWk0wNhq3bO1fd+uuuH72bTV0Skejrf3fXDsZdATJ89m3kz2ANrTD4EYLoHsIYvfDEi4lzHkATW8/6RcxGxvGXp8HUAoLjUyZ/+vLPou8JSH44xg13/KPPysfrVD3uNGADTfwri0vWb5547dOvcru2RK0N/4c0f7Tp3K2Lu5vXyFwCV6+lNRURD89dzcw7T3R9/dPLUpd6ISH14+vrKjQtGt8XubsNfAOSZ9gEsGp58cfM/P3Po1q1zu545l//B8ldeVP8QgFFqeOS5F/Oe1Kpp/MqmxoV1mTL0nd1XNy4YTZWO/jMnuyIioqnJ8BcAEdN/CmJEphL9268sH3wbwNy5y195+1hmOAwARqFpbZE6GXNWrmmKiIiuru7RbCx97XKmtscjyyekuCIA08/0GQFb+tyxY8+V/LRh6XP7lpb+GAAqUaoMfU1NQ0Spd4iVkn23WN2SRYofApAxE0bAAGB8amrqMv9Ipcda7HC47LvF6hd92eNfAAwQwAAgFjQ1R0REb7qv2Me5say6UUSp7LvF/nyh/AVAlgAGABG192bGwLp+/t71YR9mS8lHbW3lWSpb/7Cu1vxDAHIEMACIqFmx4oHMvzrf3f7Gx1ezMxHT3R8ffuPdTJQaVS2NdF9mLG1Ug2YAzHjTpwgHAEykBZu2NF060BUR0Xvq5z88NWyBIQUS+89katNH07d+sn54MOu7M/pBMwBmPiNgAJDRuP6VLU3FX2FS3/Stvy+Sskrr78vkr/qa2iq0DIAZwwgYAGTVNK5/8e8bz5w+e7kzNVB0vr7ugT9f8fCKBWMcx6qrMQAGQB4BDIBZouYrL/7kKxUstmDlxgUrN4643JyVL3x/5Rg/BWDWMgURAAAgIQIYAABAQgQwAACAhAhgAAAACRHAAAAAEiKAAQAAJEQAA5jeWo8c/oftz092K6A6/mH7861HDk92KwAmkAAGAEwJ/pQAzAZexAww7bUeObxtw6aI+P6+n0x2W2CMjH0Bs4QABjATZDKYAQSmL+kLmCUEMIAZQv8VAKY+z4ABAAAkRAADAABIiAAGAACQEAEMAAAgIQIYAABAQgQwAACAhAhgAAAACRHAAAAAEiKAAQAAJEQAAwAASIgABgAAkBABDAAAICECGAAAQEIEMAAAgIQIYAAAAAkRwAAAABIigAEAACREAAMAAEiIAAYAAJAQAQwAACAhAhgAAEBCBDAAAICECGAAAAAJEcAAAAASIoABAAAkRAADAABIiAAGAACQEAEMAAAgIQIYAABAQgQwAACAhAhgAAAACRHAAAAAEiKAAQAAJEQAAwAASIgABgAAkBABDAAAICECGAAAQEIEMAAAgIQIYAAAAAkRwAAAABIigAEAACREAAMAAEiIAAYAAJAQAQwAACAhAhgAAEBCBDAAAICECGAAAAAJEcAAAAASIoABAAAkRAADAABIiAAGAACQEAEMAAAgIQIYAABAQgQwAACAhAhgAAAACRHAAAAAEiKAAQAAJEQAAwAASIgABgAAkBABDAAAICECGAAAQEIEMAAAgIQIYAAAAAkRwAAAABIigAEAACREAAMAAEiIAAYAAJAQAQwAACAhAhgAAEBCBDAAAICECGAAAAAJEcAAAAASIoABAAAkRAADAABIiAAGAACQEAEMAAAgIQIYAABAQgQwAACAhAhgAAAACRHAAAAAEiKAAQAAJEQAAwAASIgABgAAkBABDAAAICECGAAAQEIEMAAAgIQIYAAAAAkRwAAAABLyucluwJRz69atyW7CUL29PZPdBJhFEvgS6O3xSw2Jmrjf65qIiOjxSw1J+Q8RMSV77JUTwIaaO3fuZDdh0O/+NSKivr5hshsCs8KNP0RM9JfAH7sjor7BLzUkpe+/x0T+Xv/bxYiIBr/UkJR/vx4xxXrs165dG9XypiACAAAkRAADAABIiAAGAACQEAEMAAAg5ig4eQAAIABJREFUIQIYAABAQgQwAACAhAhgAAAACRHAAAAAEiKAAQAAJEQAAwAASIgABgAAkBABDAAAICECGAAAQEIEMAAAgIQIYAAAAAkRwAAAABIigAEAACREAAMAAEiIAAYAAJAQAQwAACAhAhgAAEBCPlf1Ld68ebP0h/Pmzav6DgEAAKaHKgWwm+37fvz6jv0dIy23te1u69rq7BIAAGCaqUoAa982f93+amwIAABgBqtCALu57/WB9NWydev6BU986Uull50/f/z7AwAAmJ7GH8BunjjaEWF2IQAAwAjGXwXxxvWOiGjZ+3fSFwAAQDnVKkPf+CXlDQEAAMoafwCbv6AlIrp/X6b4PAAAANUIYPMeWd8S0XH0hAQGAABQThWmIM7b/s7elujY8dS2dhkMAACgpCpUQdy37cfXG1uio2P/uvn7o6Vla2NjyYUX/F3rdg+LAQAAs9P4A9iN6/v3572FuaNjf0dHyYW3PtEaAhgAADA7VasKIgAAACMY/wjY2ta7d1ur0BIAAIAZzggYAABAQgQwAACAhIx/CuIQN2+WqkV/48SPX48nzm9fW+1dAgAATAtVCmA32/f9+PUd+0uXPxyw9Ynq7A8AAGD6qUoAa982f93+kReLaFlQjd0BAABMS1UIYDf3vZ5NX5m3MHd37+/oKPh3RLRsbXunda13gAEAALPX+Itw3DxxNJOw9t64e/58a2tr6zvrWyKio/GJ1tbW8+fv3r2xtyWiY//rJ0o9HQYAADAbjD+A3bjeEREte9/Znh3emvfI+paI6P79QOCat/1829aIjh0/bh/33gAAAKatapWhb/xS3uzCeV9qjIiO6zdyP1n7xNaI2P+BBAYAAMxeE/kesNwQWGQTWP5PAAAAZpnxB7D5CwrmG+b9LH8ILGP4TwAAAGaN8QewgfmGR/NLbGR+lp/Kbv6+e9x7AgAAmNaqMAVx7d/tbYno2DF/2bZ97QOJa2AILJfK2n+8oyMiWhbMH//+AAAApqdqPAM2b/urWyMiOvbvWDd/W3vejzp2zL/nnmXL7rkn857mlvWPeBEYAAAwa1WnCMfa1rs39m5tKfjR37Vtzfwr8yLmwkr1AAAAs0/VqiDO2956/u7dG21/l51kOG9t640bbVtbWlpaWlq27m27cV78AgAAZrXPVXdz89bmh6x589a2nl9b3T0AAABMVxP0HrCbN73wCwAAoFA1A9jN9n3bli2755577rln/vyBahzt2+7JK44IAAAwi1UrgN1s37Zs/rod+7MVN/J07N+xbv6yTB4DAACYvaoTwNq3zV+3vyMiomXr1oJyiPMXtLRERHTsX7dsn3EwAABgNqtGAGvflnnN19a2G3fPt7Zuf6Jx8LN528+fv9G2tSUiOnb82CgYAAAwi1UhgLV/sD8iWvbeaF1bvM78vLWt7+xtiYj9H0hgAADA7DX+AHbz990R0bL+kXJv+Zr3yHoJDAAAmOXGH8BuXO+IiMYvlX/L8rwvNZb9HAAAYMaboPeAAQAAMNT4A9j8BZVMLhx4UGzB/HHvDwDg/2/v/l0bO/cHj38Mge1vcYs4hhFIUwzDdouJzBQq5YRhCjNFFpxOxiyL7GLSOOW4ycDaYgsjwRYxbIrBRTATu9hC7A5WMBe2uEyGS6SLBhwFvn/Al8tW3kLyb9mWbfnxr9eruRnp+OgU95H01nPOcwDuqKsH2CCXd7Uqr2sR55+oCAAAcI8N4RTEvQKbnJjZ7HOnr9bmzERurhER+eVXxau/HAAAwB01jGvAsuXuKvON2mRuZGRi4vWHiIgPr2dmJiZGRvZv0bz8Y9n8FwAA8IB9NpS9ZMtbzZj5dq7WiGg0GhER0Wh0wysiIvLLzS35BQAAPGxDWwUxW65uNZsby6V8Pn/waD6fLy1vNHfVFwAAwHBmwHqy2WK5WiwPc5cAAAD3hvuAAQAAJCLAAAAAErnoKYitzZk3P1/+5Z68qroaDAAAeKAufA3Y7x9qh1Y3vKjSi2oIMAAA4GG6aIBlHz+N6AbYkeUOAQAAOMeFZ8ByT/K9Ams0orT8/auvillzWgAAAOe78CIc2fJWs7lRyucjolGbm8zlRkZGJmYqm63WNRweAADA/XGZVRCz2WJ1a2t3d7e5sVzKRxyU2MTETGVTiAEAAPRzpWXos8VydT/E8hHRaNTmJnMjSgwAAOCkodwHLFssV7e2dnebB1NiSgwAAOCYod6IOXtiSuxQic1UlBgAAPCgDTXA9p2cEotGbW5uMjezeS2vBwAAcAdcT4DtyUbEk6duFwYAABCXuA/YQFqtzV/evJ6rNY48ms+XXuSu5fUAAADugOEGWGuz8ub121rjSHjl86WX378qF92uGQAAeNiGEmB9J7x0FwAAwBFXCrB+E166CwAAoL/LBFi/CS/dBQAAcI4LB1irMpGb208v3QUAADCoCwdY8+NefeVLpacR8fHnNzM/D/rXT15Vy2INAAB4mC4aYK3fP+z9Z6N2bJn5AZReVEOAAQAAD9NFb8R8MAEGAADAhVx0BqxY3d2tXsuRAAAA3HMXnQEDAADgkgQYAABAIgIMAAAgEQEGAACQiAADAABIRIABAAAkIsAAAAASEWAAAACJCDAAAIBErinAWq3W9ewYAADgzhpmgLU2KzMTEyMjIyMjuVxuZjMiYnNmZGKmsinHAAAAhhVgrc2ZidzkXK3ROPFUozY3mZvo9hgAAMDDNZwA25zJTdYaERH5Umm5lD94Jvckn4+IaNQmJyrmwQAAgIdsGAG2OTNZi4gobTR3t6rV8ounB89ly1tbzY1SPiIac2/MggEAAA/YEAJs8+daROSXm9Vitu8G2WL1x+V8RNR+VmAAAMDDdfUAa/3+ISLyL7/qX19d2a9eKjAAAOCBu3qANT82IuLp47P6KyL7+OmZzwMAANx7bsQMAACQyNUDLPdkkJMLexeKPcld+fUAAADuqKsH2CCXd7Uqr2sR55+oeKbtpefPny9tn/JsZ22pXH7eU15a2+5c/pUAAACuwxBOQdwrsMmJmc0+d/pqbc5M5OYaEZFfflW89KtsLy3Wz3jy+exqvd3e+3e7vro4e2qrAQAA3IhhXAOWLXdXmW/UJnMjIxMTrz9ERHx4PTMzMTEysn+L5uUfy5ec/+psLz0/M78W6xGRmV5YWV9fX19fWZjORER9sbxmGgwAALg9hrMIR7a81Vwu5SMiotFoNLr/W6t1/ysi8svNrUvlV2d7bak8e0Z9RWftp3pEFBYqU+OjERExOj5VWShERPv9rwoMAAC4NYa2CmK2XN1qNjeWS/l8/uDRfD5fWt5o7l6yvtbKs4ur9XZkCgsrC4X+2/z6vh0Rhfz4kYfHX05nFBgAAHCrfDbMnWWzxXK1WB7mLiNTmP7m5dT4aGw3+j7/x06//ooYHXsU0W7v/BExOtQDAgAAuKShBtiwjU5V1qfO3qSz8ykiMmNfnHjmi7FMRPvTTifGFRgAAHAbXD3ANmdGJj+Ulr9/VS5eYY35xN69e3faU+2DxRRviz//dCIlpJPgTeDPjkENSV3fuP5rRER0DGpI5S8RcSu/sQ9uODNgjdrcZG0uIn/rQuyUcxC//vrrvpu/e/cuk8lc90EN7u//iIj4/HNzeJBC81NExPW+Cex8iIjPRw1qSOXf/hnXOa7//W8REaMGNaTyr48R1/1hfUG//fbbhba/+iIcuRel/WU3GrW57kr0M5V+twS7Af1OTgQAALgRVw+wbLG6tbW7210AsftQ4/aFGAAAwI0b3jL0xXI3xJob/UJss3U9ITY69ih6Jxoe010e8dGYcwIAAIBbYmgBtie7NyPW3Ni7NXM0GrXJXG5kZGKiMvQM+2IsExGfdo5f/Hr68ogAAAA3Y+gBtiebLZarW7u9cxO7jzUaH5vDfp3RL59lItqrb7ePPLz9drUdkXn2pQkwAADgtri2AIuIaG1WZia+nZyr9b+H8nB0Cyzqi+Wl7e40WGd7rbxYD/0FAADcLtdxI+ZWa/OXN6+PZlc+X/r+x1fF7DWsUD869d3CzuxivV1fnK0ferywUJnSXwAAwO0xzBmw1mZlZmJiZCSXO5j0yudLyxvN3d2treq11FdERIyOz68sTBcO7gaQKUyvrM+PX9PLAQAAXMowZsBam5XjE17XcE/m8fn19flTnx0dn5ofnzr9eQAAgBt39QDbnMlN1g7+OfTwAgAAuCeGdg1YvrT8/auvru80QwAAgLvu6gGWe7HRvJ7VNQAAAO6VqwdYtlgcwnEAAADcexcNsFZl5s3HiIgnr6rl7JFHBrH/VwAAAA/ORQOs+bFWq0VElF5UI3vkkUHs/xUAAMCDM8z7gAEAAHCGi86AFau7u9VzHgEAAKAPM2AAAACJXD3AWpWZmZmZSuv8rSYmJs7bDAAA4P66eoA1P9ZqtdrH5tlbZR9HrdFonLcZAADA/ZXqFMTW7x8SvRIAAMAtdYkbMW/OjEyeWHe+NjkywFr0+Se5i78eAADA/XCJGbBidaN0uRcrfe8uzAAAwMN1iRmwiOKrjVL83PvHhw+1RiPy+dLTp2f8yZMnL776qii/AACAB+xSARbZYrVa7P335kxtshFPvz94BAAAgD4uF2CH5Z6USqVwcRcAAMA5rh5g2XK1OoQDAQAAuO8uGmCtysybjxERT15Vuytq7D8yiP2/AgAAeHAuGmDNj7VaLSKi9KIa2SOPDGL/rwAAAB6cVDdiBgAAePAuOgNWrO7uVs95BAAAgD7MgAEAACQiwAAAABK5+jL0x7VardOfzGYtwQEAADxUQwqw1mblzeu5WuO87Uobu9XicF4SAADgjhlKgG3O5CYHXokeAADggRpCgLUqr3v1lS+VXj558fjx6dvmcld/PQAAgLvp6gHW+uVtI8LZhQAAAOe4+iqIzY+NiMgvv1JfAAAAZxnWMvRPH1veEAAA4ExXD7Dck3xEfPj9jMXnAQAAGEaAZb96mY9ovP1FgQEAAJxlCKcgZss/LuejMfftzKYGAwAAONUQVkGszLz5+DQfjUZtMleLfL709OmpGz95VS27WAwAAHiYrh5gzY+12qG7MDcatUbj1I1LL6ohwAAAgIdpWKsgAgAAcI6rz4AVq7u71SEcCQAAwD1nBgwAACARAQYAAJDI1U9BjGi1Blx+Ppu1AAcAAPBwXT3ANmdyk7XzNzskny+9/P5VuajGAACAB+UmTkFsNGpzk7mRiYr7NgMAAA/J1QMs92pjY2M5v/fPfKm0vLFnuVTK7z++vLGxsbG8XCrlu4815nIzm1d+eQAAgLvi6qcgZrPF5pvJRkTkl5tb5SPnFRaLxXK12tqcyU3WanM/v9itlovFKEfvoai9rrwqlp2KCAAAPAhDOAVxc2ay1q++9mWL1eZyPqI2uT/jlS1WN0oR0Xj7i/MQAQCAB+LqAdb6/UNE5F9+ddZEVvarl/mI+PD7QW7lnuQjovGxeeUjAAAAuBOuHmDNj42IePr47BMJs4+fxtHc6j4CAADwYAxrFcTDc1v9dOfJAAAAHrCrB1jxRSkiGnNvzlrRcPPNXCMiSi+KBw/9XIuI/JPclY8AAADgThjCDFi3wKI2OTGz2W8arLU5M9G9VfN+f+0/dM6lYwAAAPfI1ZehjyhWN0q1yVo0apO5WuTzpad7V3d9+PCh0Wj0/lHaqBYjYnNmpJtjob8AAIAHZRgBFlGsNjfi28laIyIajdp+c+3LL2/8WC4ee6y0cdrC9QAAAPfQsBbhyBarW7vN5sZyKZ/PHzycz5eWN5rN3a1ycS+1ck9KpeXljebuVrXYd1cAAAD303BmwHqy2WK5Wiyfs1G5Wh3miwIAANwRw5oBAwAA4BxDDbBWa7MyMzExMdIzMTExMVPZbJ19izAAAICHYWinILYqE7m5Y4tvNBqNaDQma3ORX25acAMAAHjghhNgR+orn88/7S5Ef7AKfWMuNxEaDAAAeNCGEWCtyrfd+uouNn8sslqblW8n5xrRmPu28pUEAwAAHq4hXAO2+WauEdE9y/B4fUVEtljeai7nI6Ix92bz6i8HAABwR109wFq/f4iI/PKPZ0xuZcs/Lucj4sPv1uMAAAAerKsHWPNjIyKePj773MLs46cR0fjYvPLrAQAA3FHuAwYAAJDI1QMs9yQfEbWfz768a/PnWkTkn+Su/HoAAAB31NUDrHtyYdReV06/vqtVeV2LOP9ERQAAgHtsCKcgFl/11jjMTcxsto5XWKu1OdO7SVh++VXx6i8HAABwRw3jPmDZ8o/Lb3NzjWjUJnO1iMjn891nerdhjojz1kkEAAC494YRYBHZ8lbz8cy3k7Vubx3uroiIyJc2fqz2uUcYAADAAzKcAIuIbLG6tfuqtfnLm5/ffviw9+jTpy9fvPqqmNVeAAAAQwuwiIjIZovlarE81H0CAADcE+4DBgAAkMiVA6zVOrHwYffxysTETOXkqogAAAAP1RUCrLU5MzEykst9+0ufyGr98rbRqM1N5nIjEzObKgwAAOCyAdbanJnI9RY9bHxsntzg0EON2mRu4oy7NAMAADwMlwqwzZm9+IrIlzZe5U5uUixv7e42N0p7NwSby81sXvYYAQAA7oVLBNjmzGSt+1/55ebuVvX0ReazxepWc7nXYLVJCQYAADxoFw6wVuX1fn79WD7//l7Z8o/7CfbaiYgAAMADdtEAa/3ytnfuYen7AfIrIiJb/r7U/a/G237rdQAAADwMFw2w5se9a7+e9Lny6xS5J3uXgvVbrwMAAOBhuPQy9E8fDzb/FRGRffz0si8DAABwb1z5RswAAAAM5qIBtn824YffB7+cq/X7h+5/XOS8RQAAgHvmogG2fzbhBRbUOFi44yLnLQIAANwzFz4FsfjioksaHvSXCTAAAOAhu/g1YAcFNvftAPf12pzJzV104XoAAID76BKLcBSrG/sJlpuY2Tw1wlqblZmJyd5tmyO//Kp4iQMEAAC4Lz67zB8Vq83lD92JrUZtMleLyJeWX754/Hhvg99//vltrdY49CeljS3TXwAAwMN2qQCLyJa3mjHz7dxeZDVqc43aKdvmS8s/VtUXAADw4F3+PmDZcnWrubFcyp++ST5f2mg2t9QXAABAXHoGrCdbLFeL5Wq0WpvN5u+///zxY0Q8efLi8eNcrpiVXQAAAIdcLcD2ZLPFbLZYtMgGAADA6S5/CiIAAAAXIsAAAAASEWAAAACJCDAAAIBEBBgAAEAiAgwAACARAQYAAJCIAAMAAEhEgAEAACQiwAAAABIRYAAAAIkIMAAAgEQEGAAAQCICDAAAIBEBBgAAkIgAAwAASOSzmz6AW6fdbt/0IRz355+dmz4EeEASvAn82TGoIanrG9d/jYiIjkENqfwlIm7lN/bBCbDjMpnMTR/Cgb//IyLi889Hb/pA4EFofoq47jeBnQ8R8fmoQQ2p/Ns/4zrH9b//LSJi1KCGVP71MeKWfWP/7bffLrS9UxABAAASEWAAAACJCDAAAIBEBBgAAEAiAgwAACARAQYAAJCIAAMAAEhEgAEAACQiwAAAABIRYAAAAIkIMAAAgEQEGAAAQCICDAAAIBEBBgAAkIgAAwAASESAAQAAJCLAAAAAEhFgAAAAiQgwAACARAQYAABAIgIMAAAgEQEGAACQiAADAABIRIABAAAkIsAAAAASEWAAAACJCDAAAIBEBBgAAEAiAgwAACARAQYAAJCIAAMAAEhEgAEAACQiwAAAABIRYAAAAIkIMAAAgEQEGAAAQCICDAAAIBEBBgAAkIgAAwAASESAAQAAJCLAAAAAEhFgAAAAiQgwAACARAQYAABAIgIMAAAgEQEGAACQiAADAABIRIABAAAkIsAAAAASEWAAAACJCDAAAIBEBBgAAEAiAgwAACARAQYAAJCIAAMAAEhEgAEAACQiwAAAABIRYAAAAIkIMAAAgEQEGAAAQCICDAAAIBEBBgAAkIgAAwAASESAAQAAJCLAAAAAEhFgAAAAiQgwAACARAQYAABAIgIMAAAgEQEGAACQiAADAABIRIABAAAkIsAAAAASEWAAAACJCDAAAIBEBBgAAEAiAgwAACARAQYAAJCIAAMAAEhEgAEAACQiwAAAABIRYAAAAIkIMAAAgEQEGAAAQCICDAAAIBEBBgAAkIgAAwAASESAAQAAJCLAAAAAEhFgAAAAiQgwAACARAQYAABAIgIMAAAgEQEGAACQiAADAABIRIABAAAkIsAAAAASEWAAAACJCDAAAIBEBBgAAEAiAgwAACARAQYAAJCIAAMAAEhEgAEAACQiwAAAABIRYAAAAIkIMAAAgEQEGAAAQCICDAAAIJHPbvoAhmJ76flivc/jhYX1+fHkRwMAANDXvZgB6+x8uulDAAAAONe9mAH7Y6cdprsAAIDb7j7MgG036hGRGfvipg8EAADgLPcgwLonIGaefTl600cCAABwlntwCuIfO+2IzLOxP9aWflittyMiMpnCN9/NjysyAADgNrn7M2DdCbD26uJir74iot2uL84+X9q+wcMCAAA47u7PgHVX4IjIFBZ6k16dztrbH1br7fpieWylMtVvHuzdu3en7a/dbp/21E3588/OTR8CPCAJ3gT+7BjUkNT1jeu/RkREx6CGVP4SEbfyG/vg7nyA9ZagLyxU9pdAHB2dmq+MxfPFevv9r52pfgX29ddf993bu3fvMpnMNR3qJfz9HxERn3/uZEpIofkpIuJ63wR2PkTE56MGNaTyb/+M6xzX//63iIhRgxpS+dfHiOv+sL6g33777ULb3/lTEEenKuvr6ycXoB/PFyKi/f5XP0kBAAC3xJ0PsFN9MZaJiPbOHzd9IAAAAF33N8C63B0MAAC4Ne56gHXWys+fP++34GF3cY5HY07KBgAAbom7HmCjY48iIuqNYwXWWfupHhGF/PFrwwAAAG7KXQ+wGH85nYmI+mJ5abu33kZne6k8u9qOyEy/1F8AAMCtceeXoY/Rqe+m38+uttv1xdn64ScKC9/1vQcYAADAzbjzM2DRXYl+ZaFwcDeATKawsLLevSszAADAbXH3Z8C6RsfnK+PzN30UAAAAZ7gPM2AAAAB3ggADAABIRIABAAAkIsAAAAASEWAAAACJCDAAAIBEBBgAAEAiAgwAACARAQYAAJCIAAMAAEhEgAEAACQiwAAAABIRYAAAAIkIMAAAgEQEGAAAQCICDAAAIBEBBgAAkIgAAwAASESAAQAAJCLAAAAAEhFgAAAAiQgwAACARAQYAABAIgIMAAAgEQEGAACQiAADAABIRIABAAAkIsAAAAASEWAAAACJCDAAAIBEBBgAAEAiAgwAACARAQYAAJCIAAMAAEhEgAEAACQiwAAAABIRYAAAAIkIMAAAgEQEGAAAQCICDAAAIBEBBgAAkIgAAwAASESAAQAAJCLAAAAAEhFgAAAAiQgwAACARAQYAABAIgIMAAAgEQEGAACQiAADAABIRIABAAAkIsAAAAASEWAAAACJCDAAAIBEBBgAAEAiAgwAACARAQYAAJCIAAMAAEhEgAEAACQiwAAAABIRYAAAAIkIMAAAgEQEGAAAQCICDAAAIBEBBgAAkIgAAwAASESAAQAAJCLAAAAAEhFgAAAAiQgwAACARAQYAABAIgIMAAAgEQEGAACQiAADAABIRIABAAAkIsAAAAASEWAAAACJCDAAAIBEBBgAAEAiAgwAACARAQYAAJCIAAMAAEhEgAEAACQiwAAAABIRYAAAAIkIMAAAgEQEGAAAQCICDAAAIBEBBgAAkIgAAwAASESAAQAAJCLAAAAAEhFgAAAAiQgwAACARAQYAABAIgIMAAAgEQEGAACQiAADAABIRIABAAAkIsAAAAASEWAAAACJCDAAAIBEBBgAAEAiAgwAACARAQYAAJCIAAMAAEhEgAEAACQiwAAAABL57KYP4NZpt9s3fQjH/fln56YPAR6QBG8Cf3YMakjq+sb1XyMiomNQQyp/iYhb+Y19cALsuEwmc9OHcODv/4iI+Pzz0Zs+EHgQmp8irvtNYOdDRHw+alBDKv/2z7jOcf3vf4uIGDWoIZV/fYy4Zd/Yf/vttwtt7xREAACARAQYAABAIgIMAAAgEQEGAACQiAADAABIRIABAAAkIsAAAAASEWAAAACJCDAAAIBEBBgAAEAiAgwAACARAQYAAJCIAAMAAEhEgAEAACQiwAAAABIRYAAAAIkIMAAAgEQEGAAAQCICDAAAIBEBBgAAkIgAAwAASESAAQAAJCLAAAAAEhFgAAAAiQgwAACARAQYAABAIgIMAAAgEQEGAACQiAADAABIRIABAAAkIsAAAAASEWAAAACJCDAAAIBEBBgAAEAiAgwAACARAQYAAJCIAAMAAEhEgAEAACQiwAAAABIRYAAAAIkIMAAAgEQEGAAAQCICDAAAIBEBBgAAkIgAAwAASESAAQAAJCLAAAAAEhFgAAAAiQgwAACARAQYAABAIgIMAAAgEQEGAACQiAADAABIRIABAAAkIsAAAAASEWAAAACJCDAAAIBEBBgAAEAiAgwAACARAQYAAJCIAAMAAEhEgAEAACQiwAAAABIRYAAAAIkIMAAAgEQEGAAAQCICDAAAIBEBBgAAkIgAAwAASESAAQAAJCLAAAAAEhFgAAAAiQgwAACARAQYAABAIgIMAAAgEQEGAACQiAADAABIRIABAAAkIsAAAAASEWAAAACJCDAAAIBEBBgAAEAiAgwAACARAQYAAJCIAAMAAEhEgAEAACQiwAAAABIRYAAAAIkIMAAAgEQEGAAAQCICDAAAIBEBBgAAkIgAAwAASESAAQAAJCLAAAAAEhFgAAAAiQgwAACARAQYAABAIgIMAAAgEQEGAACQiAADAABIRIABAAAkIsAAAAASEWAAAACJCDAAAIBEBBgAAEAiAgwAACARAQYAAJCIAAMAAEhEgAEAACTy2U0fwLB01pZybyNVAAAM4UlEQVR+eF9vtyMiIlOY/ubl1PjoDR8TAADAYfdjBmx76fns6l59RUS7vro4u7R9k4cEAABw3H0IsO2lxXpEZKYXVtbX19fXVxamMxFRXyyvdW762AAAAPbd/QDrrP1Uj4jCQmXvnMPR8anKQiEi2u9/VWAAAMCtcecDrPPr+3ZEFPLjRx4efzmdUWAAAMCtcucD7I+dfv0VMTr2KCLaO3+kPyQAAIC+7voqiJ2dTxGRGfvixDNfjGUi2p92OnHnV0P835/e3vQhAMP0P/7v/7npQwCG6V//67/d9CEAd8ZdD7BLevfu3WlPtQ8WU7x5//E/TP79/23c9FHAw3KtbwL/eezp/9z5cH37B/q6xnH9n/7rX//2369r58ApbtU39ou67wHW3vkj4uQM2Ndff91383fv3mUymes+qAvJxH+56UMAhun7W/YmA1xVxvQXpHarPkp/++23C21/568BO0e/kxMBAABuxH0PMAAAgFvjrgfY6YsddpdHfDR211fgAAAA7o27HmDdxQ7j087x+32dvjwiAADAzbjzATb65bNMRHv17faRh7ffrrYjMs++NAEGAADcFnc+wHoFFvXF8tJ2dxqss71WXqyH/gIAAG6Xe7AM/ejUdws7s4v1dn1xtn7o8cJCZUp/AQAAt8fdnwGLiNHx+ZWF6cLB/QAyhemV9fnxGzwkAACAE+7BDFhERIyOT82PT83f9GEAAACc7l7MgAEAANwFAgwAACARAQYAAJCIAAMAAEhEgAEAACQiwAAAABIRYAAAAIkIMAAAgEQEGAAAQCICDAAAIBEBBgAAkIgAAwAASESAAQAAJCLAAAAAEhFgAAAAiQgwAACARAQYAABAIgIMAAAgEQEGAACQiAADAABIRIABAAAkIsAAAAASEWAAAACJCDAAAIBEBBgAAEAiAgwAACARAQYAAJCIAAMAAEhEgAEAACQiwAAAABIRYAAAAIkIMAAAgEQEGAAAQCICDAAAIBEBBgAAkMhnN30At867d+9u+hAAAID7yQwYAABAIiO7u7s3fQwAAAAPghkwAACARAQYAABAIgIMAAAgEQEGAACQiAADAABIRIABAAAkIsAAAAASEWAAAACJCDAAAIBEBBgAAEAiAgwAACARAQYAAJCIAAMAAEjks5s+ALiC7aXnP33KPHr0bCz/5dT4aP+NOttrvzZ23n+qP/pmfX58qK/fWSvPrrYz0yuVqVNeHLiaTmf717c/va+3270HMpnCs29e9hnw543H7aXni/UoLFzkfaD7N8Y43AbdMX7uZgMP2Mu8J8BQCDDuuHa73W63o74zdso76PbbxdV6REQ8SnlcwJX1/brVbtfbi/XVTGH6u3lVBMDdI8C4+zKZTLtdb2zPj/cpsO1GvbvB+T+aAbfI9lJ5sd6OiExh+puXX46PdmOrOyO2Wm/XV2c/hZkpeDhGpyrrU4cfMIXFXeUaMO6BR48yEfXGdp+nthv1yDx79ij1IQFXsr20WG9HZKZX1ivzU3v1FRGjo+NT85WVhUImor06u9Rv3APALWYGjHtgLP8sU+87B7bdqEdm+suxndWjD/e7rqN3ttPhn9I620s//LR/7Ukmk3n0zXfzp11rdmQvR/fd2V57+9NqfW8/hel+V7B0tpd+6P7gH5nCwnfzX/za74KWzvbaoethMplC/yMacDO4nTprP9UjorBw2gTX6Pj8d9OfZlfb9Z/WXo6fOgvWdzwefv7IQDnj+rKIztrSD6t7A7Tf2Y/nDfOD3+q/2N/VwZ4Odp/JTH/z3bFDuMBxAhEx+Af9YYN96BuPXJ0ZMO6DL7581ncObLtRj3g0drk3xc5aeXaxfujUxXa7XV+cfX7GL+573/aOfG3cXirPLu5/LYuIdn11cbZ8dDe9F9vfYnG2/Han/yGtHjqmdrt+YlcDbwa3VefX9+2IzPTLs04rGp36phAR7fe/dk7ZS7/xeMje0Dx0enK7XV9d7DOrtvO2PLt6aICuzpbXjrzqQMO8u6u1Q7vq7Wl76fmhx9qriz8c3vsFjhO4tME+9I1HhkKAcS+M9i2w7UY9opC/1KnhnbUfVtsRmemFlfWelYXpTETUf1rr/31ve2l2tR1RWKgc/LLWWetexpIpTK+s7O2mkIlo1xcPvsH1Xmz/1VYWCpl2/dCXucP7zxT2D6l7RO364uE3/gE3g1ur21/n/3Yynj+jwPqNx6PP985xPBji6ysLhYg+Y7xdr7cPj86IaK++3R9Ogw3zrvrqahT29jTd3dPsYj1z/LH9vV/kOIHLGuxD33hkSAQY90OfAuuexHTJ/oo/dtoRkXn25cFJBaPjU5X19fX1vr+md9bKi/WIzPTK4W97vS+ShYXK/NTeRSyj4/OVhUIc+o51sFXvFIbR8fnvpjPHX2DvnKyD8yFGx6cqK9OZw2/8A24Gt1hv9I19cd6GX4xlIqK988fxJ/qPx8O2G/WIyEwfOdlvdPzldN89ZqZXDo3ObwoREZ929gbdQMP8YFd7pzSNjn/5LHPisamje7/YcQKXNNCHvvHIsAgw7onRsUdxpMC6X4ou21973+xWf1ja7pwfLd0f209caLL3xezEQXR/ue99x+p7ulXv9Kpju+pzTlY3PfcmAQbcDG6/y548fOp4PGJ8/tAXq06ns729tra0dNpNho4ey9HuG2yY78k8+/LQF7exRyceu9JxApc00Ie+8ciwWISD+2I8X4h6fX8ljiv2V4x++Syz2m5Hu744W4+IyBSmn/W/3XN7dXax/05O/yG/e7TtnT8iRrtbnfi2+cVYJuLYm3p7dfb50fVE9p/Z+SNi9GKbwW32aacTl7iq/fTxeMKhhW/OduZk3GDDfMBD6mvg4wQua+APfeORYTADxr3R/bm5Nwd21f6KGJ2qrCwUMvsnArbrq6uLs8+fl5e2T/44lil018T+od8pfpf/If+Q7pe8YW0Gt9mpZxYed0r7nDke9xxZ+CaTyRQK09MLKyvHz/0d1KDD/MJvB0M+TqC/gT70jUeGxAwY98ehObAvrtxfEd3LOMbnIzrba7823vfWnG3XF38YO3pqU2GhMj/eGfs0u9pefbs9dfyik8F+yB9oq7NPqrroZnA79X6KPndM9K7HOHYC3znjsWtv4ZvCwsqRRaY7JxcfHcwl5+vOM/TjBE513oe+8cjQmAHjHtmfA7v6/NcRo+NTU/OVysEKZUevpOr+/t67aOvIUoOn/5Df++Y49sX+ViccncwacE5g4KkDuMV6lyweX7/iqN6CM8f76/TxeFhv7mz65bFousQc8mDD/JKGeJzAgE770DceGRoBxn3S/Sb0qfH2nP7q942pdyX93r/Wys+fPz9+z6+DVcv6GZ9fKMSRpQa7XyNPu0HZ3tlI/b9s9jbZf+nerk6uY7i99Pz58+e9xa4H3Axut/1+6nvKb3Qvw+j+FP3NKZO9J8fjAPaG3dGFM8451oGG+XBd5jjhYTn/g/6wy3zo7zEeuTgBxn3SS5l6/Zz5r97aY/XF3pe7zvbasVWM9r5TLZbXDr7/dbZ7px+c9o2quxbtoUtPDnaztNZbV6nTWVsqL3ZXsu2tVXjoxXrbbPc2OXxEvbvOrs4eOqT9Dfe/hQ64Gdxy4/MrvdvXzZaX1g4tS9bpbK8t9S7DyBQWTltmPvqMx0P2Vjx7e2iUrJWfHx92AxlsmF/OMI8THpTzP+iPbD3Ih77xyNC4Box7ZW8Zo/NO+xl/OZ2pr7Zjb7WjiCgsLMTiwdvo6NR30+9nV9vt1cXZowsKnvWdb++v9i89GZ2qLOyUF+vt+upsffXoXg4u0zp4sYPVCzOFQhy9F/P4/ELh02L95CEdPaIBN4NbbnSqshJLP6zW2/XVxfqJZT0zhenv5s/+QeHEeDz81DeF1cX64beAiIjM9MKz94ur7YutXDjYML+UoR4nPCjnf9AfNsiHvvHI0JgB437p/Yh15o11Irrf7aYLe2cWZAoLJ+/XOjpVWVmYPrQkUmQyhemFlcqZFXPy0pPx+e5+DnbTZy+95ZcOHU8lf3wN+oNd7e+r/xENuBncdqNT85WVY8Ow93/n9co59dXbwamXgo3PHxmXmUxhYWW9MjXe/dX8oucSDTTML2W4xwkPyAAf9Mc3P+9D33hkSEZ2d3dv+hiAPraXni/Wo7CwrpsAAO4NM2Bw0/pf+zuEBdQAALhtBBjctONXCkdEZ3tpsd8K2wAA3G1OQYSb19lemu1zWbD7KQMA3DcCDG6Fzvba25/e19vdhTcymcKzb15OjasvAID7RYABAAAk4howAACARAQYAABAIgIMAAAgEQEGAACQiAADAABIRIABAAAkIsAAAAASEWAAAACJCDAAAIBEBBgAAEAiAgwAACARAQYAAJCIAAMAAEhEgAEAACQiwAAAABL5/4oUFU6xVhj+AAAAAElFTkSuQmCC"/>
+          <p:cNvSpPr>
+            <a:spLocks noGrp="1" noChangeAspect="1" noChangeArrowheads="1"/>
+          </p:cNvSpPr>
+          <p:nvPr>
+            <p:ph idx="1"/>
+          </p:nvPr>
+        </p:nvSpPr>
+        <p:spPr bwMode="auto">
+          <a:xfrm>
+            <a:off x="249380" y="365473"/>
+            <a:ext cx="8707583" cy="6149627"/>
+          </a:xfrm>
+          <a:prstGeom prst="rect">
+            <a:avLst/>
+          </a:prstGeom>
+          <a:noFill/>
+          <a:extLst>
+            <a:ext uri="{909E8E84-426E-40DD-AFC4-6F175D3DCCD1}">
+              <a14:hiddenFill xmlns:a14="http://schemas.microsoft.com/office/drawing/2010/main">
+                <a:solidFill>
+                  <a:srgbClr val="FFFFFF"/>
+                </a:solidFill>
+              </a14:hiddenFill>
+            </a:ext>
+          </a:extLst>
+        </p:spPr>
+        <p:txBody>
+          <a:bodyPr vert="horz" wrap="square" lIns="91440" tIns="45720" rIns="91440" bIns="45720" numCol="1" anchor="t" anchorCtr="0" compatLnSpc="1">
+            <a:prstTxWarp prst="textNoShape">
+              <a:avLst/>
+            </a:prstTxWarp>
+            <a:normAutofit/>
+          </a:bodyPr>
+          <a:lstStyle/>
+          <a:p>
+            <a:pPr marL="0" indent="0">
+              <a:buNone/>
+            </a:pPr>
+            <a:r>
+              <a:rPr lang="en-US" dirty="0" smtClean="0"/>
+              <a:t>Suggestions for improvements about anything?</a:t>
+            </a:r>
+          </a:p>
+          <a:p>
+            <a:pPr marL="0" indent="0">
+              <a:buNone/>
+            </a:pPr>
+            <a:endParaRPr lang="en-US" dirty="0"/>
+          </a:p>
+          <a:p>
+            <a:r>
+              <a:rPr lang="en-US" dirty="0" smtClean="0"/>
+              <a:t>Specific graphs</a:t>
+            </a:r>
+          </a:p>
+          <a:p>
+            <a:r>
+              <a:rPr lang="en-US" dirty="0" smtClean="0"/>
+              <a:t>Presentation order</a:t>
+            </a:r>
+          </a:p>
+          <a:p>
+            <a:r>
+              <a:rPr lang="en-US" dirty="0" smtClean="0"/>
+              <a:t>Verbal documentation</a:t>
+            </a:r>
+            <a:endParaRPr lang="en-US" dirty="0"/>
+          </a:p>
+          <a:p>
+            <a:r>
+              <a:rPr lang="en-US" dirty="0"/>
+              <a:t>My approach/attitude towards the </a:t>
+            </a:r>
+            <a:r>
+              <a:rPr lang="en-US" dirty="0" smtClean="0"/>
+              <a:t>information</a:t>
+            </a:r>
+            <a:endParaRPr lang="en-US" dirty="0"/>
+          </a:p>
+          <a:p>
+            <a:r>
+              <a:rPr lang="en-US" dirty="0"/>
+              <a:t>My approach/attitude towards the </a:t>
+            </a:r>
+            <a:r>
+              <a:rPr lang="en-US" dirty="0" smtClean="0"/>
+              <a:t>consumers</a:t>
+            </a:r>
+          </a:p>
+          <a:p>
+            <a:r>
+              <a:rPr lang="en-US" dirty="0" smtClean="0"/>
+              <a:t>Feature to emphasis or de-emphasize</a:t>
+            </a:r>
+          </a:p>
+          <a:p>
+            <a:pPr marL="0" indent="0">
+              <a:buNone/>
+            </a:pPr>
+            <a:endParaRPr lang="en-US" dirty="0"/>
+          </a:p>
+          <a:p>
+            <a:endParaRPr lang="en-US" dirty="0"/>
+          </a:p>
+        </p:txBody>
+      </p:sp>
+      <p:pic>
+        <p:nvPicPr>
+          <p:cNvPr id="5" name="Picture 2" descr="Will Beasley"/>
+          <p:cNvPicPr>
+            <a:picLocks noChangeAspect="1" noChangeArrowheads="1"/>
+          </p:cNvPicPr>
+          <p:nvPr/>
+        </p:nvPicPr>
+        <p:blipFill>
+          <a:blip r:embed="rId2">
+            <a:extLst>
+              <a:ext uri="{28A0092B-C50C-407E-A947-70E740481C1C}">
+                <a14:useLocalDpi xmlns:a14="http://schemas.microsoft.com/office/drawing/2010/main" val="0"/>
+              </a:ext>
+            </a:extLst>
+          </a:blip>
+          <a:srcRect/>
+          <a:stretch>
+            <a:fillRect/>
+          </a:stretch>
+        </p:blipFill>
+        <p:spPr bwMode="auto">
+          <a:xfrm>
+            <a:off x="9629425" y="2049832"/>
+            <a:ext cx="1870639" cy="2494187"/>
+          </a:xfrm>
+          <a:prstGeom prst="rect">
+            <a:avLst/>
+          </a:prstGeom>
+          <a:noFill/>
+          <a:extLst>
+            <a:ext uri="{909E8E84-426E-40DD-AFC4-6F175D3DCCD1}">
+              <a14:hiddenFill xmlns:a14="http://schemas.microsoft.com/office/drawing/2010/main">
+                <a:solidFill>
+                  <a:srgbClr val="FFFFFF"/>
+                </a:solidFill>
+              </a14:hiddenFill>
+            </a:ext>
+          </a:extLst>
+        </p:spPr>
+      </p:pic>
+      <p:pic>
+        <p:nvPicPr>
+          <p:cNvPr id="8" name="Picture 7"/>
+          <p:cNvPicPr>
+            <a:picLocks noChangeAspect="1"/>
+          </p:cNvPicPr>
+          <p:nvPr/>
+        </p:nvPicPr>
+        <p:blipFill>
+          <a:blip r:embed="rId3"/>
+          <a:stretch>
+            <a:fillRect/>
+          </a:stretch>
+        </p:blipFill>
+        <p:spPr>
+          <a:xfrm>
+            <a:off x="9261326" y="4012809"/>
+            <a:ext cx="2719391" cy="1409319"/>
+          </a:xfrm>
+          <a:prstGeom prst="rect">
+            <a:avLst/>
+          </a:prstGeom>
+        </p:spPr>
+      </p:pic>
+    </p:spTree>
+    <p:extLst>
+      <p:ext uri="{BB962C8B-B14F-4D97-AF65-F5344CB8AC3E}">
+        <p14:creationId xmlns:p14="http://schemas.microsoft.com/office/powerpoint/2010/main" val="2768648688"/>
+      </p:ext>
+    </p:extLst>
+  </p:cSld>
+  <p:clrMapOvr>
+    <a:masterClrMapping/>
+  </p:clrMapOvr>
+  <p:timing>
+    <p:tnLst>
+      <p:par>
+        <p:cTn id="1" dur="indefinite" restart="never" nodeType="tmRoot"/>
+      </p:par>
+    </p:tnLst>
+  </p:timing>
+</p:sld>
+</file>
+
+<file path=ppt/slides/slide24.xml><?xml version="1.0" encoding="utf-8"?>
+<p:sld xmlns:a="http://schemas.openxmlformats.org/drawingml/2006/main" xmlns:r="http://schemas.openxmlformats.org/officeDocument/2006/relationships" xmlns:p="http://schemas.openxmlformats.org/presentationml/2006/main">
+  <p:cSld>
+    <p:spTree>
+      <p:nvGrpSpPr>
+        <p:cNvPr id="1" name=""/>
+        <p:cNvGrpSpPr/>
+        <p:nvPr/>
+      </p:nvGrpSpPr>
+      <p:grpSpPr>
+        <a:xfrm>
+          <a:off x="0" y="0"/>
+          <a:ext cx="0" cy="0"/>
+          <a:chOff x="0" y="0"/>
+          <a:chExt cx="0" cy="0"/>
+        </a:xfrm>
+      </p:grpSpPr>
+      <p:sp>
+        <p:nvSpPr>
+          <p:cNvPr id="2" name="Title 1"/>
+          <p:cNvSpPr>
+            <a:spLocks noGrp="1"/>
+          </p:cNvSpPr>
+          <p:nvPr>
+            <p:ph type="title"/>
+          </p:nvPr>
+        </p:nvSpPr>
+        <p:spPr>
+          <a:xfrm>
             <a:off x="734291" y="157308"/>
             <a:ext cx="10515600" cy="1048038"/>
           </a:xfrm>
@@ -6477,7 +7345,7 @@
           <a:p>
             <a:fld id="{AF87EE96-E852-4892-A22F-23BA018C684B}" type="slidenum">
               <a:rPr lang="en-US" smtClean="0"/>
-              <a:t>21</a:t>
+              <a:t>24</a:t>
             </a:fld>
             <a:endParaRPr lang="en-US"/>
           </a:p>
@@ -6544,7 +7412,7 @@
 </p:sld>
 </file>
 
-<file path=ppt/slides/slide22.xml><?xml version="1.0" encoding="utf-8"?>
+<file path=ppt/slides/slide25.xml><?xml version="1.0" encoding="utf-8"?>
 <p:sld xmlns:a="http://schemas.openxmlformats.org/drawingml/2006/main" xmlns:r="http://schemas.openxmlformats.org/officeDocument/2006/relationships" xmlns:p="http://schemas.openxmlformats.org/presentationml/2006/main">
   <p:cSld>
     <p:spTree>
@@ -6606,7 +7474,7 @@
           <a:p>
             <a:fld id="{AF87EE96-E852-4892-A22F-23BA018C684B}" type="slidenum">
               <a:rPr lang="en-US" smtClean="0"/>
-              <a:t>22</a:t>
+              <a:t>25</a:t>
             </a:fld>
             <a:endParaRPr lang="en-US"/>
           </a:p>
@@ -6713,7 +7581,7 @@
 </p:sld>
 </file>
 
-<file path=ppt/slides/slide23.xml><?xml version="1.0" encoding="utf-8"?>
+<file path=ppt/slides/slide26.xml><?xml version="1.0" encoding="utf-8"?>
 <p:sld xmlns:a="http://schemas.openxmlformats.org/drawingml/2006/main" xmlns:r="http://schemas.openxmlformats.org/officeDocument/2006/relationships" xmlns:p="http://schemas.openxmlformats.org/presentationml/2006/main">
   <p:cSld>
     <p:spTree>
@@ -6740,65 +7608,185 @@
             <p:ph type="title"/>
           </p:nvPr>
         </p:nvSpPr>
+        <p:spPr>
+          <a:xfrm>
+            <a:off x="784514" y="0"/>
+            <a:ext cx="10515600" cy="1325563"/>
+          </a:xfrm>
+        </p:spPr>
+        <p:txBody>
+          <a:bodyPr/>
+          <a:lstStyle/>
+          <a:p>
+            <a:r>
+              <a:rPr lang="en-US" dirty="0"/>
+              <a:t>Deployment Options</a:t>
+            </a:r>
+          </a:p>
+        </p:txBody>
+      </p:sp>
+      <p:sp>
+        <p:nvSpPr>
+          <p:cNvPr id="3" name="Content Placeholder 2"/>
+          <p:cNvSpPr>
+            <a:spLocks noGrp="1"/>
+          </p:cNvSpPr>
+          <p:nvPr>
+            <p:ph idx="1"/>
+          </p:nvPr>
+        </p:nvSpPr>
+        <p:spPr>
+          <a:xfrm>
+            <a:off x="166255" y="1454727"/>
+            <a:ext cx="11752118" cy="5266748"/>
+          </a:xfrm>
+        </p:spPr>
+        <p:txBody>
+          <a:bodyPr/>
+          <a:lstStyle/>
+          <a:p>
+            <a:pPr marL="514350" indent="-514350">
+              <a:buAutoNum type="arabicPeriod"/>
+            </a:pPr>
+            <a:r>
+              <a:rPr lang="en-US" dirty="0" smtClean="0"/>
+              <a:t>Server-rendered vs Client-rendered</a:t>
+            </a:r>
+          </a:p>
+          <a:p>
+            <a:pPr marL="514350" indent="-514350">
+              <a:buAutoNum type="arabicPeriod"/>
+            </a:pPr>
+            <a:endParaRPr lang="en-US" dirty="0" smtClean="0"/>
+          </a:p>
+          <a:p>
+            <a:pPr marL="514350" indent="-514350">
+              <a:buAutoNum type="arabicPeriod"/>
+            </a:pPr>
+            <a:r>
+              <a:rPr lang="en-US" dirty="0" smtClean="0"/>
+              <a:t>Interactive vs static</a:t>
+            </a:r>
+          </a:p>
+          <a:p>
+            <a:pPr marL="514350" indent="-514350">
+              <a:buAutoNum type="arabicPeriod"/>
+            </a:pPr>
+            <a:endParaRPr lang="en-US" dirty="0" smtClean="0"/>
+          </a:p>
+          <a:p>
+            <a:pPr marL="514350" indent="-514350">
+              <a:buAutoNum type="arabicPeriod"/>
+            </a:pPr>
+            <a:r>
+              <a:rPr lang="en-US" dirty="0" smtClean="0"/>
+              <a:t>Stage to redact PHI</a:t>
+            </a:r>
+          </a:p>
+          <a:p>
+            <a:pPr marL="514350" indent="-514350">
+              <a:buAutoNum type="arabicPeriod"/>
+            </a:pPr>
+            <a:endParaRPr lang="en-US" dirty="0" smtClean="0"/>
+          </a:p>
+          <a:p>
+            <a:pPr marL="514350" indent="-514350">
+              <a:buAutoNum type="arabicPeriod"/>
+            </a:pPr>
+            <a:r>
+              <a:rPr lang="en-US" dirty="0" smtClean="0"/>
+              <a:t>Reconnect to PHI record using authentication</a:t>
+            </a:r>
+          </a:p>
+          <a:p>
+            <a:pPr marL="514350" indent="-514350">
+              <a:buAutoNum type="arabicPeriod"/>
+            </a:pPr>
+            <a:endParaRPr lang="en-US" dirty="0" smtClean="0"/>
+          </a:p>
+          <a:p>
+            <a:pPr marL="514350" indent="-514350">
+              <a:buAutoNum type="arabicPeriod"/>
+            </a:pPr>
+            <a:r>
+              <a:rPr lang="en-US" dirty="0" smtClean="0"/>
+              <a:t>human vs </a:t>
+            </a:r>
+            <a:r>
+              <a:rPr lang="en-US" dirty="0" err="1" smtClean="0"/>
+              <a:t>cronjob</a:t>
+            </a:r>
+            <a:endParaRPr lang="en-US" dirty="0" smtClean="0"/>
+          </a:p>
+          <a:p>
+            <a:pPr marL="514350" indent="-514350">
+              <a:buAutoNum type="arabicPeriod"/>
+            </a:pPr>
+            <a:endParaRPr lang="en-US" dirty="0"/>
+          </a:p>
+        </p:txBody>
+      </p:sp>
+      <p:sp>
+        <p:nvSpPr>
+          <p:cNvPr id="4" name="Slide Number Placeholder 3"/>
+          <p:cNvSpPr>
+            <a:spLocks noGrp="1"/>
+          </p:cNvSpPr>
+          <p:nvPr>
+            <p:ph type="sldNum" sz="quarter" idx="12"/>
+          </p:nvPr>
+        </p:nvSpPr>
         <p:spPr/>
         <p:txBody>
           <a:bodyPr/>
           <a:lstStyle/>
           <a:p>
-            <a:r>
-              <a:rPr lang="en-US" dirty="0" smtClean="0"/>
-              <a:t>Takeaways</a:t>
-            </a:r>
-            <a:endParaRPr lang="en-US" dirty="0"/>
-          </a:p>
-        </p:txBody>
-      </p:sp>
-      <p:sp>
-        <p:nvSpPr>
-          <p:cNvPr id="3" name="Content Placeholder 2"/>
-          <p:cNvSpPr>
-            <a:spLocks noGrp="1"/>
-          </p:cNvSpPr>
-          <p:nvPr>
-            <p:ph idx="1"/>
-          </p:nvPr>
-        </p:nvSpPr>
-        <p:spPr/>
-        <p:txBody>
-          <a:bodyPr/>
-          <a:lstStyle/>
-          <a:p>
-            <a:endParaRPr lang="en-US"/>
-          </a:p>
-        </p:txBody>
-      </p:sp>
-      <p:sp>
-        <p:nvSpPr>
-          <p:cNvPr id="4" name="Slide Number Placeholder 3"/>
-          <p:cNvSpPr>
-            <a:spLocks noGrp="1"/>
-          </p:cNvSpPr>
-          <p:nvPr>
-            <p:ph type="sldNum" sz="quarter" idx="12"/>
-          </p:nvPr>
-        </p:nvSpPr>
-        <p:spPr/>
-        <p:txBody>
-          <a:bodyPr/>
-          <a:lstStyle/>
-          <a:p>
             <a:fld id="{AF87EE96-E852-4892-A22F-23BA018C684B}" type="slidenum">
               <a:rPr lang="en-US" smtClean="0"/>
-              <a:t>23</a:t>
+              <a:t>26</a:t>
             </a:fld>
             <a:endParaRPr lang="en-US"/>
           </a:p>
         </p:txBody>
       </p:sp>
+      <p:pic>
+        <p:nvPicPr>
+          <p:cNvPr id="6" name="Picture 5"/>
+          <p:cNvPicPr>
+            <a:picLocks noChangeAspect="1"/>
+          </p:cNvPicPr>
+          <p:nvPr/>
+        </p:nvPicPr>
+        <p:blipFill>
+          <a:blip r:embed="rId2"/>
+          <a:stretch>
+            <a:fillRect/>
+          </a:stretch>
+        </p:blipFill>
+        <p:spPr>
+          <a:xfrm>
+            <a:off x="7522586" y="2644054"/>
+            <a:ext cx="4475003" cy="4019550"/>
+          </a:xfrm>
+          <a:prstGeom prst="rect">
+            <a:avLst/>
+          </a:prstGeom>
+          <a:ln>
+            <a:noFill/>
+          </a:ln>
+          <a:effectLst>
+            <a:outerShdw blurRad="292100" dist="139700" dir="2700000" algn="tl" rotWithShape="0">
+              <a:srgbClr val="333333">
+                <a:alpha val="65000"/>
+              </a:srgbClr>
+            </a:outerShdw>
+          </a:effectLst>
+        </p:spPr>
+      </p:pic>
     </p:spTree>
     <p:extLst>
       <p:ext uri="{BB962C8B-B14F-4D97-AF65-F5344CB8AC3E}">
-        <p14:creationId xmlns:p14="http://schemas.microsoft.com/office/powerpoint/2010/main" val="2489979003"/>
+        <p14:creationId xmlns:p14="http://schemas.microsoft.com/office/powerpoint/2010/main" val="2496558073"/>
       </p:ext>
     </p:extLst>
   </p:cSld>
@@ -6808,7 +7796,7 @@
 </p:sld>
 </file>
 
-<file path=ppt/slides/slide24.xml><?xml version="1.0" encoding="utf-8"?>
+<file path=ppt/slides/slide27.xml><?xml version="1.0" encoding="utf-8"?>
 <p:sld xmlns:a="http://schemas.openxmlformats.org/drawingml/2006/main" xmlns:r="http://schemas.openxmlformats.org/officeDocument/2006/relationships" xmlns:p="http://schemas.openxmlformats.org/presentationml/2006/main">
   <p:cSld>
     <p:spTree>
@@ -6847,7 +7835,7 @@
           <a:p>
             <a:r>
               <a:rPr lang="en-US" dirty="0" smtClean="0"/>
-              <a:t>Providers</a:t>
+              <a:t>Providers in Oklahoma</a:t>
             </a:r>
             <a:endParaRPr lang="en-US" dirty="0"/>
           </a:p>
@@ -7149,7 +8137,7 @@
           <a:p>
             <a:fld id="{AF87EE96-E852-4892-A22F-23BA018C684B}" type="slidenum">
               <a:rPr lang="en-US" smtClean="0"/>
-              <a:t>24</a:t>
+              <a:t>27</a:t>
             </a:fld>
             <a:endParaRPr lang="en-US"/>
           </a:p>
@@ -7168,7 +8156,7 @@
 </p:sld>
 </file>
 
-<file path=ppt/slides/slide25.xml><?xml version="1.0" encoding="utf-8"?>
+<file path=ppt/slides/slide28.xml><?xml version="1.0" encoding="utf-8"?>
 <p:sld xmlns:a="http://schemas.openxmlformats.org/drawingml/2006/main" xmlns:r="http://schemas.openxmlformats.org/officeDocument/2006/relationships" xmlns:p="http://schemas.openxmlformats.org/presentationml/2006/main">
   <p:cSld>
     <p:spTree>
@@ -7358,7 +8346,7 @@
           <a:p>
             <a:fld id="{AF87EE96-E852-4892-A22F-23BA018C684B}" type="slidenum">
               <a:rPr lang="en-US" smtClean="0"/>
-              <a:t>25</a:t>
+              <a:t>28</a:t>
             </a:fld>
             <a:endParaRPr lang="en-US"/>
           </a:p>
@@ -7377,7 +8365,7 @@
 </p:sld>
 </file>
 
-<file path=ppt/slides/slide26.xml><?xml version="1.0" encoding="utf-8"?>
+<file path=ppt/slides/slide29.xml><?xml version="1.0" encoding="utf-8"?>
 <p:sld xmlns:a="http://schemas.openxmlformats.org/drawingml/2006/main" xmlns:r="http://schemas.openxmlformats.org/officeDocument/2006/relationships" xmlns:p="http://schemas.openxmlformats.org/presentationml/2006/main">
   <p:cSld>
     <p:spTree>
@@ -7760,246 +8748,6 @@
       </p:par>
     </p:tnLst>
   </p:timing>
-</p:sld>
-</file>
-
-<file path=ppt/slides/slide27.xml><?xml version="1.0" encoding="utf-8"?>
-<p:sld xmlns:a="http://schemas.openxmlformats.org/drawingml/2006/main" xmlns:r="http://schemas.openxmlformats.org/officeDocument/2006/relationships" xmlns:p="http://schemas.openxmlformats.org/presentationml/2006/main">
-  <p:cSld>
-    <p:spTree>
-      <p:nvGrpSpPr>
-        <p:cNvPr id="1" name=""/>
-        <p:cNvGrpSpPr/>
-        <p:nvPr/>
-      </p:nvGrpSpPr>
-      <p:grpSpPr>
-        <a:xfrm>
-          <a:off x="0" y="0"/>
-          <a:ext cx="0" cy="0"/>
-          <a:chOff x="0" y="0"/>
-          <a:chExt cx="0" cy="0"/>
-        </a:xfrm>
-      </p:grpSpPr>
-      <p:pic>
-        <p:nvPicPr>
-          <p:cNvPr id="5" name="Picture 4"/>
-          <p:cNvPicPr>
-            <a:picLocks noChangeAspect="1"/>
-          </p:cNvPicPr>
-          <p:nvPr/>
-        </p:nvPicPr>
-        <p:blipFill>
-          <a:blip r:embed="rId2" cstate="print">
-            <a:extLst>
-              <a:ext uri="{28A0092B-C50C-407E-A947-70E740481C1C}">
-                <a14:useLocalDpi xmlns:a14="http://schemas.microsoft.com/office/drawing/2010/main" val="0"/>
-              </a:ext>
-            </a:extLst>
-          </a:blip>
-          <a:stretch>
-            <a:fillRect/>
-          </a:stretch>
-        </p:blipFill>
-        <p:spPr>
-          <a:xfrm>
-            <a:off x="2905829" y="252201"/>
-            <a:ext cx="3017510" cy="2326500"/>
-          </a:xfrm>
-          <a:prstGeom prst="rect">
-            <a:avLst/>
-          </a:prstGeom>
-        </p:spPr>
-      </p:pic>
-      <p:pic>
-        <p:nvPicPr>
-          <p:cNvPr id="6" name="Picture 5"/>
-          <p:cNvPicPr>
-            <a:picLocks noChangeAspect="1"/>
-          </p:cNvPicPr>
-          <p:nvPr/>
-        </p:nvPicPr>
-        <p:blipFill>
-          <a:blip r:embed="rId3">
-            <a:extLst>
-              <a:ext uri="{28A0092B-C50C-407E-A947-70E740481C1C}">
-                <a14:useLocalDpi xmlns:a14="http://schemas.microsoft.com/office/drawing/2010/main" val="0"/>
-              </a:ext>
-            </a:extLst>
-          </a:blip>
-          <a:stretch>
-            <a:fillRect/>
-          </a:stretch>
-        </p:blipFill>
-        <p:spPr>
-          <a:xfrm>
-            <a:off x="9334709" y="3745309"/>
-            <a:ext cx="1905000" cy="1905000"/>
-          </a:xfrm>
-          <a:prstGeom prst="rect">
-            <a:avLst/>
-          </a:prstGeom>
-        </p:spPr>
-      </p:pic>
-      <p:pic>
-        <p:nvPicPr>
-          <p:cNvPr id="7" name="Picture 6"/>
-          <p:cNvPicPr>
-            <a:picLocks noChangeAspect="1"/>
-          </p:cNvPicPr>
-          <p:nvPr/>
-        </p:nvPicPr>
-        <p:blipFill>
-          <a:blip r:embed="rId4" cstate="print">
-            <a:extLst>
-              <a:ext uri="{28A0092B-C50C-407E-A947-70E740481C1C}">
-                <a14:useLocalDpi xmlns:a14="http://schemas.microsoft.com/office/drawing/2010/main" val="0"/>
-              </a:ext>
-            </a:extLst>
-          </a:blip>
-          <a:stretch>
-            <a:fillRect/>
-          </a:stretch>
-        </p:blipFill>
-        <p:spPr>
-          <a:xfrm>
-            <a:off x="292591" y="2159000"/>
-            <a:ext cx="2170000" cy="2170000"/>
-          </a:xfrm>
-          <a:prstGeom prst="rect">
-            <a:avLst/>
-          </a:prstGeom>
-        </p:spPr>
-      </p:pic>
-      <p:pic>
-        <p:nvPicPr>
-          <p:cNvPr id="8" name="Picture 7"/>
-          <p:cNvPicPr>
-            <a:picLocks noChangeAspect="1"/>
-          </p:cNvPicPr>
-          <p:nvPr/>
-        </p:nvPicPr>
-        <p:blipFill>
-          <a:blip r:embed="rId5" cstate="print">
-            <a:extLst>
-              <a:ext uri="{28A0092B-C50C-407E-A947-70E740481C1C}">
-                <a14:useLocalDpi xmlns:a14="http://schemas.microsoft.com/office/drawing/2010/main" val="0"/>
-              </a:ext>
-            </a:extLst>
-          </a:blip>
-          <a:stretch>
-            <a:fillRect/>
-          </a:stretch>
-        </p:blipFill>
-        <p:spPr>
-          <a:xfrm>
-            <a:off x="8631338" y="673697"/>
-            <a:ext cx="1950724" cy="1905004"/>
-          </a:xfrm>
-          <a:prstGeom prst="rect">
-            <a:avLst/>
-          </a:prstGeom>
-        </p:spPr>
-      </p:pic>
-      <p:pic>
-        <p:nvPicPr>
-          <p:cNvPr id="9" name="Picture 8"/>
-          <p:cNvPicPr>
-            <a:picLocks noChangeAspect="1"/>
-          </p:cNvPicPr>
-          <p:nvPr/>
-        </p:nvPicPr>
-        <p:blipFill>
-          <a:blip r:embed="rId6" cstate="print">
-            <a:extLst>
-              <a:ext uri="{28A0092B-C50C-407E-A947-70E740481C1C}">
-                <a14:useLocalDpi xmlns:a14="http://schemas.microsoft.com/office/drawing/2010/main" val="0"/>
-              </a:ext>
-            </a:extLst>
-          </a:blip>
-          <a:stretch>
-            <a:fillRect/>
-          </a:stretch>
-        </p:blipFill>
-        <p:spPr>
-          <a:xfrm>
-            <a:off x="5160316" y="5243401"/>
-            <a:ext cx="2106168" cy="813816"/>
-          </a:xfrm>
-          <a:prstGeom prst="rect">
-            <a:avLst/>
-          </a:prstGeom>
-        </p:spPr>
-      </p:pic>
-      <p:pic>
-        <p:nvPicPr>
-          <p:cNvPr id="10" name="Picture 9"/>
-          <p:cNvPicPr>
-            <a:picLocks noChangeAspect="1"/>
-          </p:cNvPicPr>
-          <p:nvPr/>
-        </p:nvPicPr>
-        <p:blipFill>
-          <a:blip r:embed="rId7" cstate="print">
-            <a:extLst>
-              <a:ext uri="{28A0092B-C50C-407E-A947-70E740481C1C}">
-                <a14:useLocalDpi xmlns:a14="http://schemas.microsoft.com/office/drawing/2010/main" val="0"/>
-              </a:ext>
-            </a:extLst>
-          </a:blip>
-          <a:stretch>
-            <a:fillRect/>
-          </a:stretch>
-        </p:blipFill>
-        <p:spPr>
-          <a:xfrm>
-            <a:off x="3867596" y="5077285"/>
-            <a:ext cx="749808" cy="1146048"/>
-          </a:xfrm>
-          <a:prstGeom prst="rect">
-            <a:avLst/>
-          </a:prstGeom>
-        </p:spPr>
-      </p:pic>
-      <p:pic>
-        <p:nvPicPr>
-          <p:cNvPr id="11" name="Picture 10"/>
-          <p:cNvPicPr>
-            <a:picLocks noChangeAspect="1"/>
-          </p:cNvPicPr>
-          <p:nvPr/>
-        </p:nvPicPr>
-        <p:blipFill>
-          <a:blip r:embed="rId8" cstate="print">
-            <a:extLst>
-              <a:ext uri="{28A0092B-C50C-407E-A947-70E740481C1C}">
-                <a14:useLocalDpi xmlns:a14="http://schemas.microsoft.com/office/drawing/2010/main" val="0"/>
-              </a:ext>
-            </a:extLst>
-          </a:blip>
-          <a:stretch>
-            <a:fillRect/>
-          </a:stretch>
-        </p:blipFill>
-        <p:spPr>
-          <a:xfrm>
-            <a:off x="6912772" y="3244000"/>
-            <a:ext cx="1252731" cy="737618"/>
-          </a:xfrm>
-          <a:prstGeom prst="rect">
-            <a:avLst/>
-          </a:prstGeom>
-        </p:spPr>
-      </p:pic>
-    </p:spTree>
-    <p:extLst>
-      <p:ext uri="{BB962C8B-B14F-4D97-AF65-F5344CB8AC3E}">
-        <p14:creationId xmlns:p14="http://schemas.microsoft.com/office/powerpoint/2010/main" val="2658313713"/>
-      </p:ext>
-    </p:extLst>
-  </p:cSld>
-  <p:clrMapOvr>
-    <a:masterClrMapping/>
-  </p:clrMapOvr>
 </p:sld>
 </file>
 
@@ -8549,6 +9297,246 @@
 </p:sld>
 </file>
 
+<file path=ppt/slides/slide30.xml><?xml version="1.0" encoding="utf-8"?>
+<p:sld xmlns:a="http://schemas.openxmlformats.org/drawingml/2006/main" xmlns:r="http://schemas.openxmlformats.org/officeDocument/2006/relationships" xmlns:p="http://schemas.openxmlformats.org/presentationml/2006/main">
+  <p:cSld>
+    <p:spTree>
+      <p:nvGrpSpPr>
+        <p:cNvPr id="1" name=""/>
+        <p:cNvGrpSpPr/>
+        <p:nvPr/>
+      </p:nvGrpSpPr>
+      <p:grpSpPr>
+        <a:xfrm>
+          <a:off x="0" y="0"/>
+          <a:ext cx="0" cy="0"/>
+          <a:chOff x="0" y="0"/>
+          <a:chExt cx="0" cy="0"/>
+        </a:xfrm>
+      </p:grpSpPr>
+      <p:pic>
+        <p:nvPicPr>
+          <p:cNvPr id="5" name="Picture 4"/>
+          <p:cNvPicPr>
+            <a:picLocks noChangeAspect="1"/>
+          </p:cNvPicPr>
+          <p:nvPr/>
+        </p:nvPicPr>
+        <p:blipFill>
+          <a:blip r:embed="rId2" cstate="print">
+            <a:extLst>
+              <a:ext uri="{28A0092B-C50C-407E-A947-70E740481C1C}">
+                <a14:useLocalDpi xmlns:a14="http://schemas.microsoft.com/office/drawing/2010/main" val="0"/>
+              </a:ext>
+            </a:extLst>
+          </a:blip>
+          <a:stretch>
+            <a:fillRect/>
+          </a:stretch>
+        </p:blipFill>
+        <p:spPr>
+          <a:xfrm>
+            <a:off x="2905829" y="252201"/>
+            <a:ext cx="3017510" cy="2326500"/>
+          </a:xfrm>
+          <a:prstGeom prst="rect">
+            <a:avLst/>
+          </a:prstGeom>
+        </p:spPr>
+      </p:pic>
+      <p:pic>
+        <p:nvPicPr>
+          <p:cNvPr id="6" name="Picture 5"/>
+          <p:cNvPicPr>
+            <a:picLocks noChangeAspect="1"/>
+          </p:cNvPicPr>
+          <p:nvPr/>
+        </p:nvPicPr>
+        <p:blipFill>
+          <a:blip r:embed="rId3">
+            <a:extLst>
+              <a:ext uri="{28A0092B-C50C-407E-A947-70E740481C1C}">
+                <a14:useLocalDpi xmlns:a14="http://schemas.microsoft.com/office/drawing/2010/main" val="0"/>
+              </a:ext>
+            </a:extLst>
+          </a:blip>
+          <a:stretch>
+            <a:fillRect/>
+          </a:stretch>
+        </p:blipFill>
+        <p:spPr>
+          <a:xfrm>
+            <a:off x="9334709" y="3745309"/>
+            <a:ext cx="1905000" cy="1905000"/>
+          </a:xfrm>
+          <a:prstGeom prst="rect">
+            <a:avLst/>
+          </a:prstGeom>
+        </p:spPr>
+      </p:pic>
+      <p:pic>
+        <p:nvPicPr>
+          <p:cNvPr id="7" name="Picture 6"/>
+          <p:cNvPicPr>
+            <a:picLocks noChangeAspect="1"/>
+          </p:cNvPicPr>
+          <p:nvPr/>
+        </p:nvPicPr>
+        <p:blipFill>
+          <a:blip r:embed="rId4" cstate="print">
+            <a:extLst>
+              <a:ext uri="{28A0092B-C50C-407E-A947-70E740481C1C}">
+                <a14:useLocalDpi xmlns:a14="http://schemas.microsoft.com/office/drawing/2010/main" val="0"/>
+              </a:ext>
+            </a:extLst>
+          </a:blip>
+          <a:stretch>
+            <a:fillRect/>
+          </a:stretch>
+        </p:blipFill>
+        <p:spPr>
+          <a:xfrm>
+            <a:off x="292591" y="2159000"/>
+            <a:ext cx="2170000" cy="2170000"/>
+          </a:xfrm>
+          <a:prstGeom prst="rect">
+            <a:avLst/>
+          </a:prstGeom>
+        </p:spPr>
+      </p:pic>
+      <p:pic>
+        <p:nvPicPr>
+          <p:cNvPr id="8" name="Picture 7"/>
+          <p:cNvPicPr>
+            <a:picLocks noChangeAspect="1"/>
+          </p:cNvPicPr>
+          <p:nvPr/>
+        </p:nvPicPr>
+        <p:blipFill>
+          <a:blip r:embed="rId5" cstate="print">
+            <a:extLst>
+              <a:ext uri="{28A0092B-C50C-407E-A947-70E740481C1C}">
+                <a14:useLocalDpi xmlns:a14="http://schemas.microsoft.com/office/drawing/2010/main" val="0"/>
+              </a:ext>
+            </a:extLst>
+          </a:blip>
+          <a:stretch>
+            <a:fillRect/>
+          </a:stretch>
+        </p:blipFill>
+        <p:spPr>
+          <a:xfrm>
+            <a:off x="8631338" y="673697"/>
+            <a:ext cx="1950724" cy="1905004"/>
+          </a:xfrm>
+          <a:prstGeom prst="rect">
+            <a:avLst/>
+          </a:prstGeom>
+        </p:spPr>
+      </p:pic>
+      <p:pic>
+        <p:nvPicPr>
+          <p:cNvPr id="9" name="Picture 8"/>
+          <p:cNvPicPr>
+            <a:picLocks noChangeAspect="1"/>
+          </p:cNvPicPr>
+          <p:nvPr/>
+        </p:nvPicPr>
+        <p:blipFill>
+          <a:blip r:embed="rId6" cstate="print">
+            <a:extLst>
+              <a:ext uri="{28A0092B-C50C-407E-A947-70E740481C1C}">
+                <a14:useLocalDpi xmlns:a14="http://schemas.microsoft.com/office/drawing/2010/main" val="0"/>
+              </a:ext>
+            </a:extLst>
+          </a:blip>
+          <a:stretch>
+            <a:fillRect/>
+          </a:stretch>
+        </p:blipFill>
+        <p:spPr>
+          <a:xfrm>
+            <a:off x="5160316" y="5243401"/>
+            <a:ext cx="2106168" cy="813816"/>
+          </a:xfrm>
+          <a:prstGeom prst="rect">
+            <a:avLst/>
+          </a:prstGeom>
+        </p:spPr>
+      </p:pic>
+      <p:pic>
+        <p:nvPicPr>
+          <p:cNvPr id="10" name="Picture 9"/>
+          <p:cNvPicPr>
+            <a:picLocks noChangeAspect="1"/>
+          </p:cNvPicPr>
+          <p:nvPr/>
+        </p:nvPicPr>
+        <p:blipFill>
+          <a:blip r:embed="rId7" cstate="print">
+            <a:extLst>
+              <a:ext uri="{28A0092B-C50C-407E-A947-70E740481C1C}">
+                <a14:useLocalDpi xmlns:a14="http://schemas.microsoft.com/office/drawing/2010/main" val="0"/>
+              </a:ext>
+            </a:extLst>
+          </a:blip>
+          <a:stretch>
+            <a:fillRect/>
+          </a:stretch>
+        </p:blipFill>
+        <p:spPr>
+          <a:xfrm>
+            <a:off x="3867596" y="5077285"/>
+            <a:ext cx="749808" cy="1146048"/>
+          </a:xfrm>
+          <a:prstGeom prst="rect">
+            <a:avLst/>
+          </a:prstGeom>
+        </p:spPr>
+      </p:pic>
+      <p:pic>
+        <p:nvPicPr>
+          <p:cNvPr id="11" name="Picture 10"/>
+          <p:cNvPicPr>
+            <a:picLocks noChangeAspect="1"/>
+          </p:cNvPicPr>
+          <p:nvPr/>
+        </p:nvPicPr>
+        <p:blipFill>
+          <a:blip r:embed="rId8" cstate="print">
+            <a:extLst>
+              <a:ext uri="{28A0092B-C50C-407E-A947-70E740481C1C}">
+                <a14:useLocalDpi xmlns:a14="http://schemas.microsoft.com/office/drawing/2010/main" val="0"/>
+              </a:ext>
+            </a:extLst>
+          </a:blip>
+          <a:stretch>
+            <a:fillRect/>
+          </a:stretch>
+        </p:blipFill>
+        <p:spPr>
+          <a:xfrm>
+            <a:off x="6912772" y="3244000"/>
+            <a:ext cx="1252731" cy="737618"/>
+          </a:xfrm>
+          <a:prstGeom prst="rect">
+            <a:avLst/>
+          </a:prstGeom>
+        </p:spPr>
+      </p:pic>
+    </p:spTree>
+    <p:extLst>
+      <p:ext uri="{BB962C8B-B14F-4D97-AF65-F5344CB8AC3E}">
+        <p14:creationId xmlns:p14="http://schemas.microsoft.com/office/powerpoint/2010/main" val="2658313713"/>
+      </p:ext>
+    </p:extLst>
+  </p:cSld>
+  <p:clrMapOvr>
+    <a:masterClrMapping/>
+  </p:clrMapOvr>
+</p:sld>
+</file>
+
 <file path=ppt/slides/slide4.xml><?xml version="1.0" encoding="utf-8"?>
 <p:sld xmlns:a="http://schemas.openxmlformats.org/drawingml/2006/main" xmlns:r="http://schemas.openxmlformats.org/officeDocument/2006/relationships" xmlns:p="http://schemas.openxmlformats.org/presentationml/2006/main">
   <p:cSld>
@@ -8677,6 +9665,29 @@
       </p:grpSpPr>
       <p:sp>
         <p:nvSpPr>
+          <p:cNvPr id="2" name="Title 1"/>
+          <p:cNvSpPr>
+            <a:spLocks noGrp="1"/>
+          </p:cNvSpPr>
+          <p:nvPr>
+            <p:ph type="title"/>
+          </p:nvPr>
+        </p:nvSpPr>
+        <p:spPr/>
+        <p:txBody>
+          <a:bodyPr/>
+          <a:lstStyle/>
+          <a:p>
+            <a:r>
+              <a:rPr lang="en-US" dirty="0" smtClean="0"/>
+              <a:t>Common Roles for the BBMC </a:t>
+            </a:r>
+            <a:endParaRPr lang="en-US" dirty="0"/>
+          </a:p>
+        </p:txBody>
+      </p:sp>
+      <p:sp>
+        <p:nvSpPr>
           <p:cNvPr id="3" name="Content Placeholder 2"/>
           <p:cNvSpPr>
             <a:spLocks noGrp="1"/>
@@ -8685,16 +9696,9 @@
             <p:ph idx="1"/>
           </p:nvPr>
         </p:nvSpPr>
-        <p:spPr>
-          <a:xfrm>
-            <a:off x="838200" y="301336"/>
-            <a:ext cx="10515600" cy="6296891"/>
-          </a:xfrm>
-        </p:spPr>
-        <p:txBody>
-          <a:bodyPr>
-            <a:normAutofit/>
-          </a:bodyPr>
+        <p:spPr/>
+        <p:txBody>
+          <a:bodyPr/>
           <a:lstStyle/>
           <a:p>
             <a:pPr marL="0" indent="0">
@@ -8702,21 +9706,11 @@
             </a:pPr>
             <a:r>
               <a:rPr lang="en-US" dirty="0" smtClean="0"/>
-              <a:t>A.0. What is </a:t>
-            </a:r>
-            <a:r>
-              <a:rPr lang="en-US" dirty="0" smtClean="0">
-                <a:hlinkClick r:id="rId2"/>
-              </a:rPr>
-              <a:t>BBMC</a:t>
+              <a:t>domain </a:t>
             </a:r>
             <a:r>
               <a:rPr lang="en-US" dirty="0"/>
-              <a:t> </a:t>
-            </a:r>
-            <a:r>
-              <a:rPr lang="en-US" dirty="0" smtClean="0"/>
-              <a:t>and what I do there</a:t>
+              <a:t>experts in the clinical space</a:t>
             </a:r>
           </a:p>
           <a:p>
@@ -8731,21 +9725,17 @@
             </a:pPr>
             <a:r>
               <a:rPr lang="en-US" dirty="0" smtClean="0"/>
-              <a:t>A.1</a:t>
-            </a:r>
-            <a:r>
-              <a:rPr lang="en-US" dirty="0" smtClean="0"/>
-              <a:t>. Examples of the dashboards I have built</a:t>
-            </a:r>
-          </a:p>
-          <a:p>
-            <a:pPr lvl="1"/>
-            <a:r>
-              <a:rPr lang="en-US" dirty="0" smtClean="0"/>
-              <a:t>Takeaway: Dashboards are fun only if the pipeline is solid</a:t>
-            </a:r>
-          </a:p>
-          <a:p>
+              <a:t>assimilating </a:t>
+            </a:r>
+            <a:r>
+              <a:rPr lang="en-US" dirty="0"/>
+              <a:t>data sources from multiple agencies</a:t>
+            </a:r>
+          </a:p>
+          <a:p>
+            <a:pPr marL="0" indent="0">
+              <a:buNone/>
+            </a:pPr>
             <a:endParaRPr lang="en-US" dirty="0" smtClean="0"/>
           </a:p>
           <a:p>
@@ -8754,88 +9744,30 @@
             </a:pPr>
             <a:r>
               <a:rPr lang="en-US" dirty="0" smtClean="0"/>
-              <a:t>B.0 Fictional dashboard to demonstrate the pipeline</a:t>
-            </a:r>
-          </a:p>
-          <a:p>
-            <a:pPr lvl="1"/>
-            <a:r>
-              <a:rPr lang="en-US" dirty="0" smtClean="0"/>
-              <a:t>Simplified reproducible </a:t>
-            </a:r>
-            <a:r>
-              <a:rPr lang="en-US" dirty="0" smtClean="0"/>
-              <a:t>example. </a:t>
-            </a:r>
-            <a:endParaRPr lang="en-US" dirty="0"/>
-          </a:p>
-          <a:p>
-            <a:pPr lvl="1"/>
-            <a:r>
-              <a:rPr lang="en-US" dirty="0" smtClean="0"/>
-              <a:t>Reproduce the example by forking </a:t>
-            </a:r>
-            <a:r>
-              <a:rPr lang="en-US" dirty="0" smtClean="0"/>
-              <a:t/>
-            </a:r>
-            <a:br>
-              <a:rPr lang="en-US" dirty="0" smtClean="0"/>
-            </a:br>
-            <a:r>
-              <a:rPr lang="en-US" dirty="0" smtClean="0">
-                <a:hlinkClick r:id="rId3"/>
-              </a:rPr>
-              <a:t>github.com/</a:t>
-            </a:r>
-            <a:r>
-              <a:rPr lang="en-US" dirty="0" err="1" smtClean="0">
-                <a:hlinkClick r:id="rId3"/>
-              </a:rPr>
-              <a:t>dss-ialh</a:t>
-            </a:r>
-            <a:r>
-              <a:rPr lang="en-US" dirty="0" smtClean="0">
-                <a:hlinkClick r:id="rId3"/>
-              </a:rPr>
-              <a:t>/displaying-health-data</a:t>
-            </a:r>
-            <a:r>
-              <a:rPr lang="en-US" dirty="0" smtClean="0"/>
-              <a:t>  </a:t>
-            </a:r>
+              <a:t>statistical </a:t>
+            </a:r>
+            <a:r>
+              <a:rPr lang="en-US" dirty="0"/>
+              <a:t>analysis for academic publications</a:t>
+            </a:r>
+          </a:p>
+          <a:p>
+            <a:pPr marL="0" indent="0">
+              <a:buNone/>
+            </a:pPr>
             <a:endParaRPr lang="en-US" dirty="0" smtClean="0"/>
           </a:p>
           <a:p>
-            <a:pPr lvl="1"/>
-            <a:r>
-              <a:rPr lang="en-US" dirty="0" smtClean="0"/>
-              <a:t>Dashboard content</a:t>
-            </a:r>
-            <a:endParaRPr lang="en-US" dirty="0" smtClean="0"/>
-          </a:p>
-          <a:p>
-            <a:pPr lvl="1"/>
-            <a:r>
-              <a:rPr lang="en-US" dirty="0" smtClean="0"/>
-              <a:t>Upstream </a:t>
-            </a:r>
-            <a:r>
-              <a:rPr lang="en-US" dirty="0" smtClean="0"/>
-              <a:t>pipeline</a:t>
-            </a:r>
-          </a:p>
-          <a:p>
-            <a:pPr lvl="1"/>
-            <a:endParaRPr lang="en-US" dirty="0"/>
-          </a:p>
-          <a:p>
             <a:pPr marL="0" indent="0">
               <a:buNone/>
             </a:pPr>
             <a:r>
               <a:rPr lang="en-US" dirty="0" smtClean="0"/>
-              <a:t>C.0. Takeaways and recommendations</a:t>
+              <a:t>information </a:t>
+            </a:r>
+            <a:r>
+              <a:rPr lang="en-US" dirty="0"/>
+              <a:t>displays for nontechnical audiences</a:t>
             </a:r>
             <a:endParaRPr lang="en-US" dirty="0"/>
           </a:p>
@@ -8867,7 +9799,7 @@
     </p:spTree>
     <p:extLst>
       <p:ext uri="{BB962C8B-B14F-4D97-AF65-F5344CB8AC3E}">
-        <p14:creationId xmlns:p14="http://schemas.microsoft.com/office/powerpoint/2010/main" val="3581731317"/>
+        <p14:creationId xmlns:p14="http://schemas.microsoft.com/office/powerpoint/2010/main" val="4051429671"/>
       </p:ext>
     </p:extLst>
   </p:cSld>
@@ -8904,35 +9836,23 @@
             <p:ph type="title"/>
           </p:nvPr>
         </p:nvSpPr>
-        <p:spPr/>
-        <p:txBody>
-          <a:bodyPr/>
-          <a:lstStyle/>
-          <a:p>
-            <a:r>
-              <a:rPr lang="en-US" dirty="0" smtClean="0"/>
-              <a:t>Who I am and what I do</a:t>
+        <p:spPr>
+          <a:xfrm>
+            <a:off x="0" y="365125"/>
+            <a:ext cx="2836718" cy="4393911"/>
+          </a:xfrm>
+        </p:spPr>
+        <p:txBody>
+          <a:bodyPr>
+            <a:normAutofit/>
+          </a:bodyPr>
+          <a:lstStyle/>
+          <a:p>
+            <a:r>
+              <a:rPr lang="en-US" dirty="0" smtClean="0"/>
+              <a:t>Example 1: history of therapist training  </a:t>
             </a:r>
             <a:endParaRPr lang="en-US" dirty="0"/>
-          </a:p>
-        </p:txBody>
-      </p:sp>
-      <p:sp>
-        <p:nvSpPr>
-          <p:cNvPr id="3" name="Content Placeholder 2"/>
-          <p:cNvSpPr>
-            <a:spLocks noGrp="1"/>
-          </p:cNvSpPr>
-          <p:nvPr>
-            <p:ph idx="1"/>
-          </p:nvPr>
-        </p:nvSpPr>
-        <p:spPr/>
-        <p:txBody>
-          <a:bodyPr/>
-          <a:lstStyle/>
-          <a:p>
-            <a:endParaRPr lang="en-US"/>
           </a:p>
         </p:txBody>
       </p:sp>
@@ -8959,10 +9879,44 @@
           </a:p>
         </p:txBody>
       </p:sp>
+      <p:pic>
+        <p:nvPicPr>
+          <p:cNvPr id="7" name="Picture 6"/>
+          <p:cNvPicPr>
+            <a:picLocks noChangeAspect="1"/>
+          </p:cNvPicPr>
+          <p:nvPr/>
+        </p:nvPicPr>
+        <p:blipFill>
+          <a:blip r:embed="rId2"/>
+          <a:stretch>
+            <a:fillRect/>
+          </a:stretch>
+        </p:blipFill>
+        <p:spPr>
+          <a:xfrm>
+            <a:off x="2919846" y="56544"/>
+            <a:ext cx="8837966" cy="6706495"/>
+          </a:xfrm>
+          <a:prstGeom prst="rect">
+            <a:avLst/>
+          </a:prstGeom>
+          <a:ln>
+            <a:noFill/>
+          </a:ln>
+          <a:effectLst>
+            <a:outerShdw blurRad="292100" dist="139700" dir="2700000" algn="tl" rotWithShape="0">
+              <a:srgbClr val="333333">
+                <a:alpha val="65000"/>
+              </a:srgbClr>
+            </a:outerShdw>
+          </a:effectLst>
+        </p:spPr>
+      </p:pic>
     </p:spTree>
     <p:extLst>
       <p:ext uri="{BB962C8B-B14F-4D97-AF65-F5344CB8AC3E}">
-        <p14:creationId xmlns:p14="http://schemas.microsoft.com/office/powerpoint/2010/main" val="4051429671"/>
+        <p14:creationId xmlns:p14="http://schemas.microsoft.com/office/powerpoint/2010/main" val="2208313364"/>
       </p:ext>
     </p:extLst>
   </p:cSld>
@@ -9001,19 +9955,17 @@
         </p:nvSpPr>
         <p:spPr>
           <a:xfrm>
-            <a:off x="0" y="365125"/>
-            <a:ext cx="2836718" cy="4393911"/>
-          </a:xfrm>
-        </p:spPr>
-        <p:txBody>
-          <a:bodyPr>
-            <a:normAutofit/>
-          </a:bodyPr>
-          <a:lstStyle/>
-          <a:p>
-            <a:r>
-              <a:rPr lang="en-US" dirty="0" smtClean="0"/>
-              <a:t>Example 1: history of therapist training  </a:t>
+            <a:off x="287480" y="136525"/>
+            <a:ext cx="11610109" cy="1082331"/>
+          </a:xfrm>
+        </p:spPr>
+        <p:txBody>
+          <a:bodyPr/>
+          <a:lstStyle/>
+          <a:p>
+            <a:r>
+              <a:rPr lang="en-US" dirty="0" smtClean="0"/>
+              <a:t>Example 2: availability of specialized CPS workers</a:t>
             </a:r>
             <a:endParaRPr lang="en-US" dirty="0"/>
           </a:p>
@@ -9044,7 +9996,7 @@
       </p:sp>
       <p:pic>
         <p:nvPicPr>
-          <p:cNvPr id="7" name="Picture 6"/>
+          <p:cNvPr id="5" name="Picture 4"/>
           <p:cNvPicPr>
             <a:picLocks noChangeAspect="1"/>
           </p:cNvPicPr>
@@ -9058,8 +10010,8 @@
         </p:blipFill>
         <p:spPr>
           <a:xfrm>
-            <a:off x="2919846" y="56544"/>
-            <a:ext cx="8837966" cy="6706495"/>
+            <a:off x="287481" y="1227805"/>
+            <a:ext cx="11610109" cy="5484721"/>
           </a:xfrm>
           <a:prstGeom prst="rect">
             <a:avLst/>
@@ -9079,7 +10031,7 @@
     </p:spTree>
     <p:extLst>
       <p:ext uri="{BB962C8B-B14F-4D97-AF65-F5344CB8AC3E}">
-        <p14:creationId xmlns:p14="http://schemas.microsoft.com/office/powerpoint/2010/main" val="2208313364"/>
+        <p14:creationId xmlns:p14="http://schemas.microsoft.com/office/powerpoint/2010/main" val="193892450"/>
       </p:ext>
     </p:extLst>
   </p:cSld>
@@ -9118,8 +10070,8 @@
         </p:nvSpPr>
         <p:spPr>
           <a:xfrm>
-            <a:off x="287480" y="136525"/>
-            <a:ext cx="11610109" cy="1082331"/>
+            <a:off x="1" y="10330"/>
+            <a:ext cx="6515100" cy="1444397"/>
           </a:xfrm>
         </p:spPr>
         <p:txBody>
@@ -9128,7 +10080,14 @@
           <a:p>
             <a:r>
               <a:rPr lang="en-US" dirty="0" smtClean="0"/>
-              <a:t>Example 2: availability of specialized CPS workers</a:t>
+              <a:t>Example 3:</a:t>
+            </a:r>
+            <a:br>
+              <a:rPr lang="en-US" dirty="0" smtClean="0"/>
+            </a:br>
+            <a:r>
+              <a:rPr lang="en-US" dirty="0" smtClean="0"/>
+              <a:t>data collection quality</a:t>
             </a:r>
             <a:endParaRPr lang="en-US" dirty="0"/>
           </a:p>
@@ -9159,7 +10118,7 @@
       </p:sp>
       <p:pic>
         <p:nvPicPr>
-          <p:cNvPr id="5" name="Picture 4"/>
+          <p:cNvPr id="7" name="Picture 6"/>
           <p:cNvPicPr>
             <a:picLocks noChangeAspect="1"/>
           </p:cNvPicPr>
@@ -9173,8 +10132,8 @@
         </p:blipFill>
         <p:spPr>
           <a:xfrm>
-            <a:off x="287481" y="1227805"/>
-            <a:ext cx="11610109" cy="5484721"/>
+            <a:off x="6961913" y="92015"/>
+            <a:ext cx="5032086" cy="6547775"/>
           </a:xfrm>
           <a:prstGeom prst="rect">
             <a:avLst/>
@@ -9191,10 +10150,44 @@
           </a:effectLst>
         </p:spPr>
       </p:pic>
+      <p:pic>
+        <p:nvPicPr>
+          <p:cNvPr id="9" name="Picture 8"/>
+          <p:cNvPicPr>
+            <a:picLocks noChangeAspect="1"/>
+          </p:cNvPicPr>
+          <p:nvPr/>
+        </p:nvPicPr>
+        <p:blipFill>
+          <a:blip r:embed="rId3"/>
+          <a:stretch>
+            <a:fillRect/>
+          </a:stretch>
+        </p:blipFill>
+        <p:spPr>
+          <a:xfrm>
+            <a:off x="-15726" y="1867020"/>
+            <a:ext cx="6790601" cy="4772770"/>
+          </a:xfrm>
+          <a:prstGeom prst="rect">
+            <a:avLst/>
+          </a:prstGeom>
+          <a:ln>
+            <a:noFill/>
+          </a:ln>
+          <a:effectLst>
+            <a:outerShdw blurRad="292100" dist="139700" dir="2700000" algn="tl" rotWithShape="0">
+              <a:srgbClr val="333333">
+                <a:alpha val="65000"/>
+              </a:srgbClr>
+            </a:outerShdw>
+          </a:effectLst>
+        </p:spPr>
+      </p:pic>
     </p:spTree>
     <p:extLst>
       <p:ext uri="{BB962C8B-B14F-4D97-AF65-F5344CB8AC3E}">
-        <p14:creationId xmlns:p14="http://schemas.microsoft.com/office/powerpoint/2010/main" val="193892450"/>
+        <p14:creationId xmlns:p14="http://schemas.microsoft.com/office/powerpoint/2010/main" val="3752506749"/>
       </p:ext>
     </p:extLst>
   </p:cSld>
@@ -9221,67 +10214,9 @@
           <a:chExt cx="0" cy="0"/>
         </a:xfrm>
       </p:grpSpPr>
-      <p:sp>
-        <p:nvSpPr>
-          <p:cNvPr id="2" name="Title 1"/>
-          <p:cNvSpPr>
-            <a:spLocks noGrp="1"/>
-          </p:cNvSpPr>
-          <p:nvPr>
-            <p:ph type="title"/>
-          </p:nvPr>
-        </p:nvSpPr>
-        <p:spPr>
-          <a:xfrm>
-            <a:off x="1" y="10330"/>
-            <a:ext cx="6515100" cy="1444397"/>
-          </a:xfrm>
-        </p:spPr>
-        <p:txBody>
-          <a:bodyPr/>
-          <a:lstStyle/>
-          <a:p>
-            <a:r>
-              <a:rPr lang="en-US" dirty="0" smtClean="0"/>
-              <a:t>Example 3:</a:t>
-            </a:r>
-            <a:br>
-              <a:rPr lang="en-US" dirty="0" smtClean="0"/>
-            </a:br>
-            <a:r>
-              <a:rPr lang="en-US" dirty="0" smtClean="0"/>
-              <a:t>data collection quality</a:t>
-            </a:r>
-            <a:endParaRPr lang="en-US" dirty="0"/>
-          </a:p>
-        </p:txBody>
-      </p:sp>
-      <p:sp>
-        <p:nvSpPr>
-          <p:cNvPr id="4" name="Slide Number Placeholder 3"/>
-          <p:cNvSpPr>
-            <a:spLocks noGrp="1"/>
-          </p:cNvSpPr>
-          <p:nvPr>
-            <p:ph type="sldNum" sz="quarter" idx="12"/>
-          </p:nvPr>
-        </p:nvSpPr>
-        <p:spPr/>
-        <p:txBody>
-          <a:bodyPr/>
-          <a:lstStyle/>
-          <a:p>
-            <a:fld id="{AF87EE96-E852-4892-A22F-23BA018C684B}" type="slidenum">
-              <a:rPr lang="en-US" smtClean="0"/>
-              <a:t>9</a:t>
-            </a:fld>
-            <a:endParaRPr lang="en-US"/>
-          </a:p>
-        </p:txBody>
-      </p:sp>
       <p:pic>
         <p:nvPicPr>
-          <p:cNvPr id="7" name="Picture 6"/>
+          <p:cNvPr id="6" name="Picture 5"/>
           <p:cNvPicPr>
             <a:picLocks noChangeAspect="1"/>
           </p:cNvPicPr>
@@ -9295,8 +10230,8 @@
         </p:blipFill>
         <p:spPr>
           <a:xfrm>
-            <a:off x="6961913" y="92015"/>
-            <a:ext cx="5032086" cy="6547775"/>
+            <a:off x="8723689" y="365125"/>
+            <a:ext cx="3194686" cy="6348151"/>
           </a:xfrm>
           <a:prstGeom prst="rect">
             <a:avLst/>
@@ -9313,9 +10248,32 @@
           </a:effectLst>
         </p:spPr>
       </p:pic>
+      <p:sp>
+        <p:nvSpPr>
+          <p:cNvPr id="4" name="Slide Number Placeholder 3"/>
+          <p:cNvSpPr>
+            <a:spLocks noGrp="1"/>
+          </p:cNvSpPr>
+          <p:nvPr>
+            <p:ph type="sldNum" sz="quarter" idx="12"/>
+          </p:nvPr>
+        </p:nvSpPr>
+        <p:spPr/>
+        <p:txBody>
+          <a:bodyPr/>
+          <a:lstStyle/>
+          <a:p>
+            <a:fld id="{AF87EE96-E852-4892-A22F-23BA018C684B}" type="slidenum">
+              <a:rPr lang="en-US" smtClean="0"/>
+              <a:t>9</a:t>
+            </a:fld>
+            <a:endParaRPr lang="en-US"/>
+          </a:p>
+        </p:txBody>
+      </p:sp>
       <p:pic>
         <p:nvPicPr>
-          <p:cNvPr id="9" name="Picture 8"/>
+          <p:cNvPr id="5" name="Picture 4"/>
           <p:cNvPicPr>
             <a:picLocks noChangeAspect="1"/>
           </p:cNvPicPr>
@@ -9329,8 +10287,8 @@
         </p:blipFill>
         <p:spPr>
           <a:xfrm>
-            <a:off x="-15726" y="1867020"/>
-            <a:ext cx="6790601" cy="4772770"/>
+            <a:off x="5495651" y="0"/>
+            <a:ext cx="3478024" cy="6598227"/>
           </a:xfrm>
           <a:prstGeom prst="rect">
             <a:avLst/>
@@ -9347,16 +10305,60 @@
           </a:effectLst>
         </p:spPr>
       </p:pic>
+      <p:sp>
+        <p:nvSpPr>
+          <p:cNvPr id="7" name="Title 1"/>
+          <p:cNvSpPr>
+            <a:spLocks noGrp="1"/>
+          </p:cNvSpPr>
+          <p:nvPr>
+            <p:ph type="title"/>
+          </p:nvPr>
+        </p:nvSpPr>
+        <p:spPr>
+          <a:xfrm>
+            <a:off x="1" y="10330"/>
+            <a:ext cx="4894117" cy="3813525"/>
+          </a:xfrm>
+        </p:spPr>
+        <p:txBody>
+          <a:bodyPr>
+            <a:normAutofit/>
+          </a:bodyPr>
+          <a:lstStyle/>
+          <a:p>
+            <a:r>
+              <a:rPr lang="en-US" dirty="0" smtClean="0"/>
+              <a:t>Example 4:</a:t>
+            </a:r>
+            <a:br>
+              <a:rPr lang="en-US" dirty="0" smtClean="0"/>
+            </a:br>
+            <a:r>
+              <a:rPr lang="en-US" dirty="0" smtClean="0"/>
+              <a:t>MCMC HPDs are updated as collection progresses</a:t>
+            </a:r>
+            <a:endParaRPr lang="en-US" dirty="0"/>
+          </a:p>
+        </p:txBody>
+      </p:sp>
     </p:spTree>
     <p:extLst>
       <p:ext uri="{BB962C8B-B14F-4D97-AF65-F5344CB8AC3E}">
-        <p14:creationId xmlns:p14="http://schemas.microsoft.com/office/powerpoint/2010/main" val="3752506749"/>
+        <p14:creationId xmlns:p14="http://schemas.microsoft.com/office/powerpoint/2010/main" val="1879131006"/>
       </p:ext>
     </p:extLst>
   </p:cSld>
   <p:clrMapOvr>
     <a:masterClrMapping/>
   </p:clrMapOvr>
+  <p:timing>
+    <p:tnLst>
+      <p:par>
+        <p:cTn id="1" dur="indefinite" restart="never" nodeType="tmRoot"/>
+      </p:par>
+    </p:tnLst>
+  </p:timing>
 </p:sld>
 </file>
 

--- a/documentation/products/beasley/dhd-2018-uvic-3-a-beasley-2018-11-29.pptx
+++ b/documentation/products/beasley/dhd-2018-uvic-3-a-beasley-2018-11-29.pptx
@@ -5,7 +5,7 @@
     <p:sldMasterId id="2147483672" r:id="rId1"/>
   </p:sldMasterIdLst>
   <p:notesMasterIdLst>
-    <p:notesMasterId r:id="rId32"/>
+    <p:notesMasterId r:id="rId34"/>
   </p:notesMasterIdLst>
   <p:sldIdLst>
     <p:sldId id="259" r:id="rId2"/>
@@ -20,24 +20,26 @@
     <p:sldId id="287" r:id="rId11"/>
     <p:sldId id="279" r:id="rId12"/>
     <p:sldId id="269" r:id="rId13"/>
-    <p:sldId id="272" r:id="rId14"/>
-    <p:sldId id="290" r:id="rId15"/>
-    <p:sldId id="271" r:id="rId16"/>
-    <p:sldId id="273" r:id="rId17"/>
-    <p:sldId id="270" r:id="rId18"/>
-    <p:sldId id="274" r:id="rId19"/>
-    <p:sldId id="284" r:id="rId20"/>
-    <p:sldId id="285" r:id="rId21"/>
-    <p:sldId id="280" r:id="rId22"/>
-    <p:sldId id="294" r:id="rId23"/>
-    <p:sldId id="289" r:id="rId24"/>
-    <p:sldId id="267" r:id="rId25"/>
-    <p:sldId id="286" r:id="rId26"/>
-    <p:sldId id="295" r:id="rId27"/>
-    <p:sldId id="281" r:id="rId28"/>
-    <p:sldId id="282" r:id="rId29"/>
-    <p:sldId id="264" r:id="rId30"/>
-    <p:sldId id="265" r:id="rId31"/>
+    <p:sldId id="296" r:id="rId14"/>
+    <p:sldId id="272" r:id="rId15"/>
+    <p:sldId id="290" r:id="rId16"/>
+    <p:sldId id="271" r:id="rId17"/>
+    <p:sldId id="273" r:id="rId18"/>
+    <p:sldId id="270" r:id="rId19"/>
+    <p:sldId id="274" r:id="rId20"/>
+    <p:sldId id="284" r:id="rId21"/>
+    <p:sldId id="285" r:id="rId22"/>
+    <p:sldId id="280" r:id="rId23"/>
+    <p:sldId id="294" r:id="rId24"/>
+    <p:sldId id="289" r:id="rId25"/>
+    <p:sldId id="267" r:id="rId26"/>
+    <p:sldId id="286" r:id="rId27"/>
+    <p:sldId id="295" r:id="rId28"/>
+    <p:sldId id="297" r:id="rId29"/>
+    <p:sldId id="281" r:id="rId30"/>
+    <p:sldId id="282" r:id="rId31"/>
+    <p:sldId id="264" r:id="rId32"/>
+    <p:sldId id="265" r:id="rId33"/>
   </p:sldIdLst>
   <p:sldSz cx="12192000" cy="6858000"/>
   <p:notesSz cx="6858000" cy="9144000"/>
@@ -153,6 +155,7 @@
             <p14:sldId id="287"/>
             <p14:sldId id="279"/>
             <p14:sldId id="269"/>
+            <p14:sldId id="296"/>
             <p14:sldId id="272"/>
             <p14:sldId id="290"/>
             <p14:sldId id="271"/>
@@ -167,6 +170,7 @@
             <p14:sldId id="267"/>
             <p14:sldId id="286"/>
             <p14:sldId id="295"/>
+            <p14:sldId id="297"/>
             <p14:sldId id="281"/>
             <p14:sldId id="282"/>
             <p14:sldId id="264"/>
@@ -1157,7 +1161,7 @@
           <a:p>
             <a:fld id="{5F76E0D0-8EB9-440D-8664-FC49256EEEFF}" type="slidenum">
               <a:rPr lang="en-US" smtClean="0"/>
-              <a:t>21</a:t>
+              <a:t>22</a:t>
             </a:fld>
             <a:endParaRPr lang="en-US"/>
           </a:p>
@@ -1263,7 +1267,7 @@
           <a:p>
             <a:fld id="{5F76E0D0-8EB9-440D-8664-FC49256EEEFF}" type="slidenum">
               <a:rPr lang="en-US" smtClean="0"/>
-              <a:t>22</a:t>
+              <a:t>23</a:t>
             </a:fld>
             <a:endParaRPr lang="en-US"/>
           </a:p>
@@ -1447,7 +1451,7 @@
           <a:p>
             <a:fld id="{5F76E0D0-8EB9-440D-8664-FC49256EEEFF}" type="slidenum">
               <a:rPr lang="en-US" smtClean="0"/>
-              <a:t>29</a:t>
+              <a:t>31</a:t>
             </a:fld>
             <a:endParaRPr lang="en-US"/>
           </a:p>
@@ -5099,17 +5103,45 @@
         </p:nvSpPr>
         <p:spPr>
           <a:xfrm>
-            <a:off x="645756" y="275431"/>
-            <a:ext cx="5185229" cy="850611"/>
-          </a:xfrm>
-        </p:spPr>
-        <p:txBody>
-          <a:bodyPr/>
-          <a:lstStyle/>
-          <a:p>
-            <a:r>
-              <a:rPr lang="en-US" dirty="0" smtClean="0"/>
-              <a:t>Fictional scenario</a:t>
+            <a:off x="734291" y="157308"/>
+            <a:ext cx="10515600" cy="1048038"/>
+          </a:xfrm>
+        </p:spPr>
+        <p:txBody>
+          <a:bodyPr>
+            <a:normAutofit fontScale="90000"/>
+          </a:bodyPr>
+          <a:lstStyle/>
+          <a:p>
+            <a:r>
+              <a:rPr lang="en-US" dirty="0"/>
+              <a:t>Pipeline </a:t>
+            </a:r>
+            <a:r>
+              <a:rPr lang="en-US" sz="3100" dirty="0" smtClean="0"/>
+              <a:t>(available at </a:t>
+            </a:r>
+            <a:r>
+              <a:rPr lang="en-US" sz="3100" dirty="0" smtClean="0">
+                <a:hlinkClick r:id="rId2"/>
+              </a:rPr>
+              <a:t>github.com/</a:t>
+            </a:r>
+            <a:r>
+              <a:rPr lang="en-US" sz="3100" dirty="0" err="1" smtClean="0">
+                <a:hlinkClick r:id="rId2"/>
+              </a:rPr>
+              <a:t>dss-ialh</a:t>
+            </a:r>
+            <a:r>
+              <a:rPr lang="en-US" sz="3100" dirty="0" smtClean="0">
+                <a:hlinkClick r:id="rId2"/>
+              </a:rPr>
+              <a:t>/displaying-health-data</a:t>
+            </a:r>
+            <a:r>
+              <a:rPr lang="en-US" sz="3100" dirty="0" smtClean="0"/>
+              <a:t>)</a:t>
             </a:r>
             <a:endParaRPr lang="en-US" dirty="0"/>
           </a:p>
@@ -5138,20 +5170,31 @@
           </a:p>
         </p:txBody>
       </p:sp>
-      <p:sp>
-        <p:nvSpPr>
-          <p:cNvPr id="9" name="AutoShape 2" descr="data:image/png;base64,iVBORw0KGgoAAAANSUhEUgAABIAAAASACAIAAAAIyqENAAAACXBIWXMAAB2HAAAdhwGP5fFlAAAgAElEQVR4nOzdXXCU950v+J+3crFTs1VbdTZIluRUhTqQHYMIGmQXdUTNOAwvBvwyvvCSFAQckwTKczwFNh57PHZyEZskJCaGis+4RBKIwaYSyqfWB4OEeQn2TKFZCkREEHgqcIpUBalRy7tbezE15469aHWrW+putaTWo7fP5wqrn5f/86L2/6v///k999y9ezcAAACYeP/TZDcAAABgthDAAAAAEiKAAQAAJEQAAwAASIgABgAAkBABDAAAICECGAAAQEIEMAAAgIQIYAAAAAkRwAAAABIigAEAACREAAMAAEiIAAYAAJAQAQwAACAhAhgAAEBCBLAK3bzZvm/bsmXL7smzbNmybfvab96c7LaNX/u27CHtq/RoxrDK5Lp5s33ftpl7CWeQm/uy12hb+2S3pYiZ/VUAAEw4AWxEN9u3Lbvnnvnz1+3Y39HRkf9JR0fH/h3r5s+/Z9m29pnb9cp0N6dJyirqZvu+bcsyV7DkJZzYazj9zyExq74K3LEAMHEEsLJu7lt2z/x1+ztGWKxj/7r5y6bkX+vHKXP8O0Y8AVPXzfZtyyo6go796+ZPyGje9D+HxKz6KnDHAsDEEsBKu7lv2fwdg52Qlq17227cuHE358aNtr1bW7Ifd+xfNzVnTFVibevAMZ3fPi//5zeul+yElVplKrm5b1lBn7nEJcxdw+jYMb/qGazMOWSamEVfBeGOBYCJJoCV0r5tsMvVsrXtxt3zrdvXzpuXFzbmzVu7vfX83RttW7M/2b9uOve7Zpr8K1j2Ep6/0bZ3sPc8ARmMac1XAQBQTQJYce3b1u0f+GfL3hvnW9eWHuWZt7b1Rq7/vv91nfepIe8Kxta2kS7h9vN3BzvPHTt+rPPMAF8FAEB1CWDF3Nz3+mCf652Rp9jN2/5Ott/VcfSEbtfkK7iCN8p1mnMKOs/GL4gIXwUAQPUJYEXcPHE0O+No66uVPeE075H1W1tatm7d2/bqI0VXuHmzvbB0daZu9QgNKVxpWa7EWqka8LmfD+SHTC2zkfc5bHsDlcBzf/vv2DF/yA6HrlJh7fBy1euHtLaiU1TcGK5gRMzb/urgFLIPCo5ixKL7RQ5/5HNYsIExHPyobqrsIeQuccEOh685/N4Zocx69S5f0cMs3Ozw7Vb0XoShvyAj7nqyvwrGcuMVrjiKr4IR7tgJOcMAMBvdZajBgZDY2lblDQ7TsrXtRvGV2rYWX6tl743B6XItewvWzv18a9vdUusPWyl/vexHJZucW3d4E/J3Xkqphpc82nKnqKSxX8FSa5Zqd5EVc+uNfA5zC5Y5+BL7G/1NlT2Elr03Sq6cu/zlbr5ijZmgy7e1rXRTtw5tyojXqLJbtHhLJuurYCw3XuGKo/gqGOmOnYAzDACzkRGw4QaLgLUsmD/urbVvuye/gNpQHfvXFSv60L6tZMnrjh3zt30w0l67X19WumR2x46nJuLxlLVPDHS+howe5Wn/YOCP6y3r80YHhhYrHKJj/7r5o/tz+uAV3PrE2tGsGPO+1Jj9Z/fvE5lAdnPfsvllKn4Xrwkytpsq68S2Uit37Ji/rf1m2Ztv+K1T9cuX54PSTd0/9Mys/buB/FBy7l/u9qv0tpgKXwXjVcWvggk4wwAwK012Apx6qvpX78HKDgPFq7M7KRwzKDWQFYV/Fx8+0FBmxSF7HLJyiT+Xl9peBYNmd0f+83fRz/P/7N6ytW2wunfhOSr9R/dhBrc4ipWGtbGgkWMeiBhh1cKDL3W1yt4eY7mphq7Ylt+MlmGXouDzIQdY/cs3fCCmpeRtXGIEp+jeSl+iChoy6V8FYx4BG77Hsl8F5fdZ7TMMALOSADbMYM9lDN33QnkduKK977xOUl6PpaDbN2ytGwU9q3Jd8yJ7LHVsVQpgI3QXi+av4oGn8s/LrjKuAFb5gd0dawAr39LiQXJsN9WI90a526pMUyfg8g0JYEXWK3mM5fLBGNLBpH8VVCmAjearYIR9VvkMA8CsZAriBGr/cXbCUfECavPWtub6OoPT9gaf+9/aVqR8X/5K5RStGZCbJRgd129UsJHRKjdHabCeXN70pLwftrUWnbQ0eLilZzZOV7kJW8Wv1mBRkLzTObabqlCxvQ3eGsU3nPf5oIm/fEW3W/IY5z2yvtT9l/drNQmz46px1casml8FU/YMA8A0IoANM39B6efkR+Xm77sH/lW6gNpgNyjb7aqgG1O0LzxEiZWrdnAllO6fFT+u3EM2ZfpsucNN6KmsxAw+Ebf374of/drWgT+UnM/eQGO7qQqN1D9u/FKxDedunbwO+0RfvpInJu8YCzZb8v4bUzqY5K+CKqnuV0F1zzAAzEoCWBnjHCXK9U7LPcA/rCNZyVojJ7Bq1AwYk1L9s1z3rKBPPdgx3b/unpKyZbErvR5V6jcXzyETYRR7GttNVWCke6Pye2diLl+eMiemWB6MkvffeNPBpHwVVEe1vwom6AwDwCwigA2TfCG84pLr/1dVbt5cQf9sMH+tL/5ypIpUeD0Gr+Do+82DmWLCM+zgrmaJUf86lbsEeb+mhT8vdv8Vj/8jmipfBVNLNc8wAMxKAthwgwMoo+q/39y3bNmybdv2tVfl5bPTWPYv+Xn9s+rkr4oNXsHRzubKe/HuNA3As0Xp+Dr8/hvz7eeroKgqnmEAmI0EsOFyc2xG1X+/eeJoR0fH/v071r1e4h05xVfL9SOHdvin79/ch/XPciUISj8BU1HdtPOl1h5ibFcwv6HTeyJV6ZtqolT18uWMceLf0Ptv7OlginwVTDnVO8MAMBsJYEXkd7ter/A9pXllzrJ9kBJPqRQafNXrgErWmuqT14b0z0q/nXVwjld14+Zg/cDYv67itwAP1vQbff4adh1HVsnB39y3bOBJqoGjGNtNNUEm6vLllNlsuceqCu+/8aSDSf0qqEhS17pQ9c4wAMxCAlgxef33jh3zK+jAt2/LVhrIG+QZ7LyV7rvlFSIf6PHnrVXqb+554zRTVLYcfcfREzfL5K/8nunwuvVZuRCyrMIecH4LImL/uopWbN82P3daSz/IUqIHPaZInKu60LHjx8Uv9fDKBmO7qSbKhF2+GGGzg1m5aJ8/Px+MLx1M5ldBgWreeFVQvTMMALOPAFZc/su29q9btq3Mwxw327flCr0V9twHu10dO54q0u+6md9Zy3W68jpr64rtN2+lqSt7EB1HT+wb6FgWDTUjnaKIm/ue2jGW7t287e/kIljHjvllL2Hc3Lds8BoWe1VT+afKBts4OnmVx4v2yweTdrHbYzQ31QSZuMsX5Tabd75LbDUvH5y4Pr50MIlfBTFRN14VVPEMA8CsM46XOM90Q9533NKydW/bjRuDn9+40bZ3a0HB8+FPwuRvo2Xr3rYbg+vmr9qy90bptXIr3R22w5IrDvn5YJtzoaSgraXWG1x82AZH2tXgquVbVHiaW7bmneLCw63oMaMhbRh6Cbfubbsx/BK2FC5TdD9DLmRuI8MvydD1y5zDwrOUf3/cvdGW/0m522PUN1WJK1H5BS1+61Tv8g27dfK2OuR8l95qxfdfJSbvq2DMN95YvwrujnDHFlusCmcYAGYTAaycwq7RCEbq145qzQrWKrbqxAWwnOx6I+5qSNe8TO+syF6GGUP8ymx7NJewXCtHaOTWvdnPS3dnix7MyAc/tttj1Il5jAFsAi5f3p62ljvQ8j3+wmaNNx1M3lfBGG+8qgSwwb0Uu37VPcMAMHuYgljOvLWt5yvpebVs3XujVI23ta13y22hZWvbjSJrrm0tvd+WrXv3VpjPxivvCZisysst5L8uunT5w4iYt/38jaF/zs/XsrXtRusYJ9NlLmG5rQ/so2VrW8lrONDIUlekZWvb3dZHSq9Y9hzO2172FmvZW/z2GMtNNUEm8vI90VoqfxQ/MfnNGqyfMcL9V4nJ+yoY8403ZpX+1lf3DAPA7CGAjWTe2tbzd+/eaNu7d2tLy5DZatmpSOdby3Y+1raez8wYylt9YN2751vXFl913trW8zdutA1ZaevethvnW7d/KfuTCS9YnUmCBYddcWnwwQQ24sNI87a3nh8+H3Ckc1SheWu351/Dgh20bB24hBXsZPgVyV6Q8kc30jmcN3iD5Dctc+yl7qwx3VQTZQIv37zt5ws3PNKJGVxzMB9U52G4yfoqGPONN2YV/tZX/QwDwOxwz927dye7DYzWzX3LBir2bW27O1GdMJjeciUx/JZMEGcYAMbCCNiU077tnpHKdpd7BxIQUe71c1SHMwwAYyKATTmD71Yq8XaoEd6BBAz+lpR+pxvj4gwDwBgJYFPOvC81Zv+Zee3Q4DjYzZvt+7Ytmz/CO5BglrvZvm1crx9jJM4wAIydZ8Cmovz3uZY0Yhk4mFUGH40c5OGkanKGAaAajIBNRWtby9b1TrrOOEwHeWPHGS17x1z/nmKcYQCoBgFsapq3vUi96kz16UmpMw5T3/wncn+2aPE3iongDANAFZiCCAAAkBAjYAAAAAkRwAAAABIigAEAACREAAMAAEiIAAYAAJAQAQwAACAhAhgAAEBCBDAAAICECGAAAAAJEcAAAAASIoABAAAkRAADAABIiAAGAACQkM9NdgOmluPHj092EwAAgGnm0UcfrXBJAWyoys8dAAAwy412CMcURAAAgIQIYAAAAAkRwAAAABIigAEAACREAAMAAEiIAAYAAJAQAQwAACAhAhgAAEBCBDAAAICECGAAAAAJEcAAAAASIoABAAAkRAADAABIiAAGAACQEAEMAAAgIQIYAABAQgQwAACAhAhgAAAACRHAAAAAEiKAAQAAJEQAAwAASIgABgAAkBABDAAAICECGAAAQEIEMAAAgIQIYAAAAAkRwAAAABIigAEAACREAAMAAEiIAAYAAJAQAQwAACAhn5vsBoyg58L7R4/887lbtyIiYu7c5X+xYf2TSxuKLPj+mz8aXG755hKLAQAATJopHcAuvLl917lbeT+4devcrV3n/nnz2/uebChc8PFd5/KXO3do17k/vnLsuaXJNBQAAKACU3gK4oU3d527FTF3+StvH8t4+5XNcyPi1qFn3rwwZMGImLt5YMGBxc7t2v5+z+Q0HQAAoIgpG8B63j9yLiKWv7LvudxUwoalT+57ZXlExLmOC8MXzM45zC1265//RQIDAACmjCkbwG7/8VZELG8ZOolwacvyiIg//HEgWvX8yz8XW3Dp+s1zJTAAAGBKmbLPgC197tix5ypYrlRQa/jCFyNu3frj7Qi1OAAAgClhyo6AlXKh41xEzP2L/5SJVT1//ENEzP3CfcMWvO8LcyNvpAwAAGCyTdkRsOKyD3xteHJ8w1rHjx8v9dGtW7dKfQQAADAe0yqAXXjzmUO3IuZuXl9xefkScxAfffTRoosfP3587ty5Y28hAAAwm1y7dm1Uy0+fKYgX3ty+61zE3OWv7BvF8FexyYkAAACTYnqMgPW8v31g7GvoK5gBAACmjWkwAnbhzTLpq+ELX4yBiYZDZMojfvEL8hoAADBFTPEA1nPhzcd3nbsVc5e/cqz42FepYoelyyMCAABMjik9BfHCm8/sOjfCxMOG//QXcw/dunXo6IUnn8srzXHh6KFbedXqAQAmxL8dfX6ymwCzy5+u/8lkN2Fcpu4IWM/720dMXxGZBBYR53Ztf/NCZhis50JmVfkLAJhQ0hckb7r/3k3ZEbDMEFbErUPPPH6oyOfLXzk2MOLV8OSLr/zxmV3nbp3b9cy5giUU7AAAJt6frJre3UGYRv799PQe/oqpOwJ2oePcyAtlNSx97u1XNi8ffH/X3OWb3z72XMUvCwMAAEjCVB0BW/rcsWPPjWL5hqVPPrf0ydGsAQAAkLCpOgIGAAAw4whgAAAACRHAAAAAEiKAAQAAJEQAAwAASIgABgAAkBABDAAAICECGAAAQEIEMAAAgIQIYAAAAAkRwAAAABIigAEAACREAAMAAEiIAAYAAJAQAQwAACAhAhgAAEBCBDAAAICECGAAAAAJEcAAAAASIoABAAAkRAADAABIyOcmuwEAACTtiaf+ZrKbwJTwwTv/ONlNmHUEMACAWSQTvVr3vD7ZDWFKyNwPYliSTEEEAJgtnnjqb1r3vC59kZO5GYyIJkkAAwCYFXSyKUogT5gABgAwW+hqU1Trntfl88QIYAAAAAkRwAAAABIigAEAACREAAMAAEiIAAYAAJAQL2IGACAiouvIq293jmL5+9bt+M6Kz49rX/WrvrfzodqxbQKmJyNgAAAACRHAAAAAEmIKIgAAERFNG15v3TDkZ5+179n7QW9E88bWDfdPSqtghjECBgAAkBABDAAAICGmIAIAME6fHtj53oUSdRH7zr713bY7EU3P7HmyacQtpT9tP3P2Uued29kf3Fff9MDDX1nbWLzcYl/608tDl7+3oWnFIyvur6y4YsEcy77uT058dPpCb+aje+9rXrF1w8B2+ro/OfHR1Qu9dwb20rzqsZUPNdVUcgj33te8qOTCoziE/JMcXWc//rCr63amqfX3Li12yNkzH0uffn1LY0WngwQIYAAATAl93e9/92DXkB/e7u26fbDrg/qmZ3YOyW+fdR351dudd4Ytf+d273sXuoYvX16668h7hVX479zufO+7nU3P7Hkyjrw1ZEe3O0+/3Xn1iZeeXVsYq3KZp3A7d97uPH1f88bvDH2ObmyHcO3AnlxKjIiI3jsXxnLITA4BDACAKSD9yf5M+qpf9cym3HjRZ11nf/V2253o7Xr7yML8QiB9Zweiy33NG3PjVJH+9MDh9y70xvDlR9B5+u2CTeWiUdfbe+5E7537mldtXflQbU1ek+LOB4c/WZL3HrNc+ioYH0t/1nXmV2933rnd+d5rUZDBxnYIt9tO3457l6772iMrPl8bEelP2w+/90FvRG/Xh2e/0jTWN7ORGM+AAQAw+fquXr0dEdH0zM782Xqfb1rx7DPNERHReS1vdOzTE5mBpuaN39mQN/Wu5v4tOzcuzfw7le4bTQPuW7cjb1Ofb9qwYmA7vXeieeN3NmTSV2GTevtTufXTn+wfbFLeIdR8vmnDs99bd29E3O48256uwiEsffrZLZn0FRE196/dueOJ+oiI213X8pevXfFs657XW/eYfzi1CGAAAEwdd1LpoT9q2vB6657XW/MfIeu+diEi4t4nVg4f45pTVx8RheloZE2PDR07un9JJmUV20td7b1DWjsYIIsNu9Wu+NoT9RFx54Mzn473EOpXPTI0UH2+rq708kwxpiACADD5amvvjbgTceeD3W9dal702MqFTTWlZ9M1Ptm658kSn32+ri6it8SHpdTPqSv52b11w+pnZFub89nlrsxw1sIST2FlW5VK98X9tTGOQ6irGV5fpG5oe5i6BDAAAKaAxiefab7zduedXNWKiGx9v0X315YoITgg/Vlf9KfSkfrdtUupbG3AUSmWakajP5XZaed72zrLLtjbn4oosq+KD+G+2jnjaimTTQADAGBKaNrw7Pe+XFDtfaC+X1tEfdMTw4rR93W/v/+jMcWtKWMGHAKjJYABADBV1DY+tKXxoS0Db8fKGwvq7frgYFdq8H1W2fd3Zd1Xf29D3b11tQuXLLo/debVt8sPQ02c5o0Vl16cqofABBPAAACYQKm+sTybVFtz/9oN96+NJ/PKvseFjz55pPGh2oi+s7/KRJeCAu65PY6/0aM2p66+8BGvkUy9QyAhqiACAFAdt/v6h/3ss1RFYeKz9j2vbtv56rYjnw77aHjZ92zFi/pVw6NLxKeXJ2HsKFeH8OrlYVUcI2LwAPd80hcxJQ+BhAhgAACMU7Zs+vD3VnV//EFFDzh9fknTvRERBW/KysmmuHK1Cgf0nT17oZIdVlvTylX3RWTezlzk5V3Z87D04YdGHB+brEMgGQIYAADjlI1Pvae/u+eTroEE9VnX2fdfO9hVbr08tSsyLz6+88Hutw50fzaYYdKf5p6VyqaXwd3tP/Jpbsm+9KcH9rz63bbcjMcirxSbQDUPbV2XOwnvt3d/lv3gs66zb23LnIfBV3glcQh9Z9/atvPVbTtfPdA99o1QdZ4BAwBgvGpXfO2Jrr0f9Eb0nn579+nBD+pXPdN09e22Sh4Du3/LS6t6dp++HXcuHNw7fAjovnU7shU4onbFiqVd713ojdud7323cLbefc2rHqvN7PFOKh1Rvn59VdWuePZ78dZ32+5kSoZ8MOTj+lXf2zk4/DU1D4EECGAAAIzf59fu3FF39uMPu7J1C+vvXfrw17Y0fr7v7NVKt1Hz0Hf2LOw6+/GHXXdu5yrR1997X92KrSuHvArs/i07dyzJ313ce9/g65trlra9dyHiwu8+3dJYYU3C6qhd8Wzrok/bz5y9lLqTKy5/X33TA8Nq6E/ZQ2Ci3XP37t3JbsMUcvz48UcffXSyWwEATA//dvT5iPiTVc9PdkMq8sRTf9O65/XJbgVT1Ladr37wzj9OditG9u+nfxIRf7r+J5PdkEHHjx+PiMpDhGfAAAAAEiKAAQAAJEQAAwAASIgABgAAkBABDAAAICECGAAAQEIEMAAAgIQIYAAAAAkRwAAAABIigAEAACREAAMAAEiIAAYAAJAQAQwAACAhAhgAAEBCBDAAAICECGAAAAAJEcAAAAASIoABAAAkRAADAABIiAAGAACQEAEMAAAgIZ+b7AYAAMBYpT95bffp280bWzfcX3qZT9vPnL3Ueed2RETcV9/0wMNfWdv4+dHvq0rbYXYTwAAAmKY+az98+nbZJfq6399/sCt/mdu9XbcPdn1Q3/TMziebKt5TtbYDpiACADAdfda+Z+8HvWUX6X7/u4WpaVBv19t7PumrcFfV2g4YAQMAYPpJf3rg8HsXyqev+PTAwa6Bf9Y3PbPpyaaaiIi+7k9OfHT6Qm9E7+n9Zxd+Z8WIcwirtR2IMAIGAMC08lnX2fdf2z1i+orovnYh84/6Vd/bOZCaIqK28aEtOzcujYiI220fdxVfeQK2AxEhgAEAMH181r5n79ttmdmA9z7x0o4n6ksu2td3JzKLbXqoduiH9295OvPcVtfl7hF2Wa3tQIYABgDANHNf88bv7Xl2bU25ZVKZ4FS/aEnRxWrm3BcRET19n5XfV7W2AxmeAQMAYNqoa1r1zKaHmspGr1G53dcfUYXHt6q1HWY8AQwAgOni800rHhrdGr39qYhhUwcj0v3l69dP1HaY9UxBBABgBmr68sDTWW8f+XTYh5+1f1Rp1YxqbQcyBDAAAGaixoWZEoXR+d5rRz7pSg/8uC/96YERXyA2EduBiDAFEQCAGer+R9bde6HtTkTc7jz9dufpwk/vva/+zu2K4lO1tgMRRsAAAJipalc8+7119xb75N4nXvraA4lvB8IIGAAAM1jtime/t+jTE4fPXugdeJ3Xfc0rtm64vzY+PdAbEXFf7ZwktwMCGAAAM1ltzf1bdt6/ZchP0+meiIhoqK20dny1tsMsZwoiAACzTt/Vq7cjIpqWNE6J7TB7GAEDAGAmSn/y2u7TtyPuW7fjOys+P+Sj/W13IiKaFzYlth2ICCNgAADMTDU1DRERcbvtVwe6P+sb+Olnfd3vZwJVRCz98v3JbQciwggYAAAzVK58/J0LB/deGP5588YthfMG+86+9d22OxGx9OnX8z4a9XagDCNgAADMTLUrnn2muWj5+LiveeP3NlQ6bFWt7UAYAQMAYAZr2vDs9778yYmPrmbLx8d99U2PbfpKU83oihZWazsggAEAME19fu3O19eOtFBt40NbGh8aWj6+6JIrnm1dUYXtQBmmIAIAACREAAMAAEiIAAYAAJAQAQwAACAhAhgAAEBCBDAAAJjVtu18dbKbMIsIYAAAs8IH7/yjfjalfPDOP052E2YLAQwAYBaRwRhi285Xpa8keREzAMBskelnP/HU32T+s3XP65PaHCaZND4pBDAAgNklF8P0v2c5A1+TQgADAJiNdL5hUngGDAAAICFGwIa6devWZDcBAJgeaiIioqenZ5LbAbPGf4iIad5jF8CGmjt37mQ3AQCYHv7tYkREQ0PDZDcEZot/vx4xxXrs165dG9XypiACAAAkRAADAABIiCmIU91/+9f/MtlNgFnkr//sP092EwCAmcwI2JQmfUHC/NIBABPKCNg08NAX1092E2BW+OQPRye7CQDADGcEDAAAICECGAAAQEIEMAAAgIQIYAAAAAkRwAAAABIigAEAACREAAMAAEiIAAYAAJAQAQwAACAhAhgAAEBCBDAAAICECGAAAAAJEcAAAAASIoABAAAkRAADAABIiAAGAACQEAEMAAAgIQIYAABAQgQwAACAhAhgAAAACRHAAAAAEiKAAQAAJEQAAwAASMjnJrsBTLLN67852U2A0Tl09BeT3QQAgDESwGavTPTa89buyW4IjE7urwaSGAAw7Qhgs5HoxbSWuXV3PvvSZDcEAGDUPAM2S0lfTHd73tptAi0AMO0IYLPO5vXflL6YMWQwAGB6EcCA6cqfEgCAaUcAAwAASIgiHACJev2fPpzsJsDs8upfPjbZTQAYZAQMIDnSFyTP7x0wpRgBA0jaN5f85WQ3AWaLX1z+p8luAkABI2AAAAAJMQJGob5ze167Eg11dfU1X25qbFw8p+zS/ekr3We60qneVG/9qj1PLUyqhSd7I+off2Hn6vLNAwCAqUUAY7hUb0+qtyc6L15Z950dK2pLL3jlN7t/dnng3/WJNA0AAKYzUxApI9V1pb/Mx91dl8t8CgAADCGAUVx9Q11E9HZ2p0sucu13FyOirr4hsUYBAMD0JoBRXF3z4vqI6Llyta/EEle6OyPiwcVNCbYKAACmNQGMEmobmxqizCzEzPzD5qbGRFsFAADTmSIclDJnUXNdW0+qt7M7vXp5zdBPM/MPl3x5cfS1DV/32pFnD3WWKFSYPrV394z24t8AACAASURBVLFUxJKn3/pqQXrru3b25Omui6ne7A/qG5Y0rfurFSNUYsy68uudmYogDUuefrn8luvqH1z88JrljSXqi6SvnDvTdqWzJ5VdeNWmpxZGqWaPfvujXn6o/rM/eKOtJ+LBzXueWpi+cu5M28nOntymVm16amFNkQOJ+gfXlNzLaE9R37WrQy9WXV3zqpWrFxbeKvl3QnSf+s1HnZd7M01tqGsusnzu9ojmb+/esLjCEwIAMG0IYJRUs3hx/bFUb8+Vq33Lh9ZCHJh/2NgYUWqK4qikr/x6sKBiVm/P5d6fXW4bHqiGu/LrPSXSV65DnyfVezF18OKV5sc3bhiaD7PZpmDhQ7svLln3YImWl9z+yfoHN+8cVpp/tMuXle5+59DBi0Va+/RbX4139h68WLCj3osnDxarbDnKJvV3v/PekC1HRG9PqrfnUGdnqYvVfeQHuZQYERE9qc5yywMAzEwCGKXVNjY1nOztSXVd6V9RGFQy8w/r64YNjI1N37nDA/FpzdNbcqMu/d2n3jt4LBU9lw++01juJWN95/b87HJvlE1fDUue3vJXjbVzIiLdd+3MgUOdPanOY29EbcEwS/c7A+mr/sHN2XGkTN643FaQc4Zuv2Bwqa+/++R7By+mei8e2hMFAWa0y4/g4smDRZqairh88Aep6EnVP7hm05rlNbV5JzNSbQfOLXp5cEhz9IcwkL7y9hvRd+3IgUOdPVHqYvUeO9kbdc2Pb1y5ek5NRPRdO3vgUFtPRM/lj079VaP3uQEAs4ZnwChjzqLmorUQB+ofNlU4OXAk6StXeiMiljz9cv6ctzmNq3c8nRl3utjdXWrl7HuZi8w8jGtnBtLXmpde/momfUVETe3CDS+/sK4hIqLzZ7/uztvURxcjMvPlctEi5jQ+teOlx+uK7vpwZvsPbt75VF7LawdX6b14+mzfWJevwLCmrmrO/LMnldlLTW32o9zJ7EkPXs1RNyl7Sh/cnLffiNqFG17ePLDr3nTRypnN396xIZO+IqJ24YrsJRhyd9Ws3rHnrd173jL/EACYmQQwyqlZXKwWYmb+YcPiRZU+s1ShVN+w7NH41O49b+3eM/yxq4xy6SvSp053RkTUrdsy/Bm2OSu2rKmPiLj80amBKiO5HPjwsAGZmtXZYJO//VxuLDZmVbN647qGiEi1nbw2tuUrMLypC788MFWybt2aoXupqcvEyMHzPOomZS59sY1H1NRmXkjQUyyANaxZOTRQzamtL708AMAMJYBRVm1NXcSQWogD8w+bG6s0ATFqageCQdtre/e8c667r9zbnweluo9k0lcUf44onRqoolFbNCgOHFr0pjL9//6rnZmxncZiYS8XbHLKLx+DAWNgRGi0y1egoab0JShy1NnznDP6Ji3+6p63du95a+hTZAULF1VfpKnZQAgAMIt4BozyFn75wei8GHm1EPv7eqOK8w8jIhZ/9ekHUwcvpnK1HyKyVfIWL6wpMc7We/FktgRf0eeIMu0sk1JqahsiejLpYmFNpPsyT3+VeLCtpq4uIr/yxMDycfHQzmKPhw3qSacjaka9fAWKpZrRGHeT+vrTkU7fib6u7q7ebHnDoi2t1uOCAADTnADGCBqblsTFy5GrhdjX3dVT/fmHjU/teKmpoGb6QJW8YxENS9aVKkbfsKS+53JvRO+x33SvLjFNsWRKmVNbH1E6M1BK+sqvD7eVi1sAAJQigDGSxY3NcbkzBmohZp4aquL8w5yaxcs3LF6+YeAdU3kjKj2X2352uW/4W6Ea1rz08vI4ldp9LBVRulLiwADXcNkhsiGLp9IRoxnce3BzuQqN418+AaNo0tAy/fUNdXX1dbV1jYsWL0yffOlg+ZE0AIBZTwBjRNlZiKl0RFztTI1z/mH20aySamoXrnhq4Yr4al7x9OhsO7dycUEtjYEQuHrjus432noiLh460pQf0rIDXCVn9GUn4A0MkWVnJFba7CEzGEc02uUTMOompU+9N6xMf96nE9BEAIAZRhEORtbYtCQi4mJ395XRzT/M1rfIN3zcqf/sD17a+exLO98ZXv2vRPH0wmWy9QwLa8oP1ni4/LsrxdYbKOiXezxpoOZ+iZL3mcr7BfvNFvErLBE5KHtcPziXHsvyCRhtk7JFOxrWDE9fxU4RAABDCWBUYHFjc0TE5Y/arvRGJbUfshXJhxf0u/KbtqGjTLnkU/QVWCPW0oioXb5p4D1dlw/mpbhc7fjOtuGRpv9s2+WIyK/kPlBzP68wfU62on2BxjWZ4JdqO1AsMmWPtHndwMDdaJdPQBWbVPQUAQAwhABGJQaKsPf2pCKiuWnE54Wymarn5O4fnOseiFX93ad+vednl4cvnU1KqbbX9h650p/3muBruSeOymeA7BurhqS4hSsfzzXj17nq9um+a0eym61//K8GS3dkg1zvsTf2vHMt24z+7nf27j5WbNpkLvj1nNz9g1+fHazU3999au/OzJHmv/9qtMsnYHRNGryshwfPT+Z8vpR3ioq8z61y6VN7dz770s5nXzpSdNwSAGCa8wwYFckrwr7kyxUkhJrco1k9Jw++dnLwg4Y1TzdfOTg0zyzc8J01qddO9kaq82dvDB9IqX/8haEVOIaas2LdkrafXc4M5ix6eSCt1aze8VLs3X0sFT2XD742JPvVNT++cUNh8fqa1RufTr1x8GL0Xjy0O39CXcOSdc2ptmExLH/7bT+73Dbk44Y1L71ckBtHu3wCRtWkmtWrmjsPdfYMOz8R9Q+uebguc2VTfXciqvySbgCAGUIAoyI1ixfXH0v1RpmX9g4xZ8XLL9Se+s1Hndlihg11zes2blg8J32q2NBG7fKdbzV2n/rNR52p3lwl+oa6+vpVm9aUfBVYgcVfffrBywcvRvScPHyqcWduYuHqHXsWXzt78nTXxVT26bO6+gdLbXZO41O7Cwvi19U/uGrTUwvj1N6h4WTI9ntTucrs9Q1LmkqUzh/t8gkYTZMWbnj5hS/nX9aoq39w8cNrGhtr50TUNB871BnR2XVtw+IpVukRAGBquOfu3buT3YYp5Pjx448++uhkt2LQf/vX/xIRD31xfRW3uXn9N/e8tbuKG5wlut956eDFyRmkooydz7506OgvqrW1T/5wNCL++s/+c7U2ONzr//RhRHxzyV9O3C6AfL+4/E8R8epfPjZB2/+3o89HxJ+sen6Ctg8M8e+nfxIRf7r+J5PdkEHHjx+PiMpDhBEwGDAQsWLJ028Nf6dzthbIyAVIYDJt27BpspsAY9F65PBkNwEgIQIYDMg+53b5d1e+2jjkkbO+7q5M0Y46+Yupa9uGTd/fN4X+IgiVy/ztQAwDZgMBDAbknnPr/Nne+PbGDQOPP/Wnr/zm8M8u90bk16yHKSXTeZW+mL4yd++2DZtkMGDGE8Agq3b5zm+n9/zscvFijA1Lnt4yfGoiTBXSFzPA9/f9RAYDZjzvAYM8i7+68zsvPP1gXX3D4M/qG5as+/YLL7381Ual1ZmSzDxkJslksMluBcAEMgIGhWrnND61w0gXAAATwQgYAABAQgQwAACAhAhgAAAACRHAAAAAEiKAAQAAJEQVRIDZpT/dfe2jk1dTvame7I8a6uvq/nzFw4sW1NQUXyd99qe7TqQi6h77+79dWWKZrOuHn3/3UkTDI8+9uGKsby7vPrr9QFdluwOA6UUAA5g10t1Hf3mgq2fYz3t6Uz297146EQ3Nq7+x8SsiDwBMGFMQAWaHq+/9dFex9JWvp/PUrud/eiadUJMAYPYxAgYwC1x97x9+3pn9j/q6BwonHKbT1393+uyHnamIiEh9+MOjtT9Zv2gy2gkAM50ABjDjdR/Npa+GR77+jRULhkwyrKlZsHLjgpWrrh/+4buXIiK6fv5GzSsvmIsIAFVnCiLADNd/5mRX5l8Njzz34rD0NahmwaaffP2BzL97T33UnUTjAGCWMQIGMLOlr13ujYiI+tXfGLks4YJNW5ouHeiKiEtXrm9qXFB+6dzMxobmr7+4cYSFcwUYL/Wmsj+pa6ivXbJm+crG0g1LXz9z+uzlzoGajQ31TWWWT3d/XLD9zGTL4Zkz/fGPfniqJ+KBLd/f1Nh/9ey59hPZp+Pq6x5Y87VNA9vvv3r2XPtvu3p6B1r7wCPFtjbmQ5vYJlV8NkZ7CPk1KqOSq9N/5o03P+yNiKZvmdoKIIABzGzpq1czneMH1lQ2pbCx8YHouhQRnd1XNy4o012++t5PR5G+0tcPH3r3Uu+Qn6Z6elM9B7oul9hC6urR7Se68n/S09vVc6DrcpEa97lefp7e1KXedy/9tumxzeuLl7Pvu374QGbWZd4qB9681Pz1fRvj8BtDGpy6dOLdS79dPXRy5pgOraSqNKnM2ThR98CWv93UWPjR2A7h6tEfnSgo6zJwdUZ7yACziwAGMKP13ckMaNTVVfpE14Km5rjUGRF9felYVPrNYD/vTEXFY19nBvr3dQ9syQ3mDJbF7+l89/Di7w9NBZG6dCIV9U2PZQdV0t0f//LAqZ6InhO/OrMo/xVhg3mjofnr31iVqS/Sn+4+98sDXT29XR/+MIqWFbl04t2CJuVySOe7P0pFT2/dA4987eEVc2oiIn39zKF3P+yN6D31y7ML8+Lf2A6tpOo0aeBsFIyPpdPXPzr07qXe1KUDP42CDDbGq/Nh5upsXr6ypvDqdJ49s2qBF7gBlCCAQWl95/a8drL3wc17nlo45JPud146eLGCLRRbtxLpU3t3H0tFLHn6ra9W3HGDIvr7BiaU1dZW3CGuvbcuIhWRSqUjiq2VfS9zhekrovtcJh0NGXupaVz/4pbYfqArIlJ9/VFktl7Tt14YDE41jV958e/jRz881ROpy1f7V+YiR3b7hW9/nlPTuP7Fv6/50Q9P9UTXz99r3FekqYXveq5ZsGnNwAzMnt7C1tYsWPnC11PPv3spoudOf8TQXY/+0EoZb5PSZ39VvEk1Cza98FzdG29+2Ju6dPLjhxuzg2YTfXVizsoXvr+y4uMHmOkU4YBS+s8eODl0Rk4y+s4dPpYaeTGYFKNOXxFXr3RFRNSvfnj43xNqahoiYiBCDNXwyPKhw1Y1NXVDl89WGSn6kFvNV77xSF1EROfZIu83a14xdKCmsXGgDEmR1s6pq4+IiFQ6t6UxH1pJ421S/+9+m4qIaP56sWG3OSs3r26IgiIrE3x1ABjCCBgU1X/2B2+0lX9l7cTterKCH4wodfXohycG+veVP+ezaOP3920s8VlNTV1Eqd+1utrhoy5z6uojCn5F+lOZ/6yrKTrIV1NbW2pAr+He0gNTRbY2p7ZuyK7HfmiljLdJ2ZorDywucXWyrcoNak3w1QFgCAEMhum7duTAoc6y3abGp3bvearUh9eOPHuoMyIa1rw0+vmH3e9MVvBjZsp10Ms90DVE6cfGUpdOZAdnx/GcTzrdH+n+vkh3XbmayhbQK6ay59bS6UybSkaXmpqGwsgxuIMiEWJcKj60ksbbpHQ6s9NLB/7hUtkFCyZSFmygqlcHgKEEMMjX333qNx8duzyev992v3OoMyKibt2W5aPunlz59cGLEQ1r1tWfbKvkGTMY0YgPdA1zvWvgrc3FHxtraK7r6UxFpD48fX3lKIrd9V9971ftY8okFSoZXcY0EjUaE35oE28GHALAdCGAQU7+tMO6dd/ZGAdGPxiVSVAR9Y9vXFE72gZcO/Kzy5nkVnvy5GhXhuJqFi1qOJHqiSiou1BGd/fAyElz4/CygQ2PPPfiijiTevPD3ojK6/tlX3KVVddQX1tXV1O3eOGXG/s/ev7d8mM1FSpZ6yI7RDYhEjm0MXhgS8WlF6fqIQDMUAIYDFX/4OZNTy2sif6zo141k6AiGtZsWj3aaUT9Z39wqDOi+ds7VtRG98jLQ4VqFi6pP9VTpFh5UdcPHxh471axh4jqliyaExErN6++/MNTPRGXDhxtGvnVuv1nDmX69wVVznOfVnogpWQHuErNqcvNyqv6hMMJP7QxKD3fsoSpdwgAM5wqiDCotnnN09/ZvfOphWN7smE8kw/Tp95r64l4cPOGxWPaN5Q2Z+Wapsy/ek68+aOz14fXAhyQvn44N9xRtCZeTq60YHT9/L3rI+w/Wxai4ZHh/fu8Abexy1YC7Oy+WuzjgSp/E/HM0oQf2ujl6hD+9lrxC53++EfP/8P25//hR2f7I6bkIQDMcAIY5MxpXL28cdTzBrP6zn2UeWrrwVWjnnw4UHd+ydNjemkYjKRx/SsDeSl6Try7642fHj57PZ3XPU+nr59576fbf5ibbFb32OYRJivWrPjaYwOx593DYx+yzVaQH5dcwuxqPztsxCb9cXvmkbbh5d0nVlUObQwWPJy51r2nfjn8bERcPZ0Z72paO8JYaEzeIQDMbKYgQnV0n8zUjq9bt2a0IerakddO9kY0f9s7l5kwNSv+9lt3fvrzzlRERG/qUu+7l06UWrbwRcAlzRmciFj+6bLsHMieE786XJsbZulPd5/75YGuwUePUul0LBhjRGpc/lh914e90XPizR/d+fo3Vi2oqRmyi7rHVlVeL6RiCRzaGBq14muP/fbN7NlYvXbVVwaqX6avnzn0bvaN1dlXeCVxCP1n3njzw96IaPrWyBNWAWY8AQyq4trvxjr8lZm4WP/4CyYfMrEWbfzbVxYfLehVD9PQvPobGyso1JFR85W1zad+3jni02VzVq5punygqydSlw68WTilre6BR1bU/fbdD3sjetN9FZZpLLqLF56LN978sDd6Ot/d1Vn4YX3TY5vXT8zwVwKHNqZWDZ6NUz/vPDXk44ZHnsu7WFPzEABmMAEMqiB96vTAJKemUQ5/ZevOj75oB4xeTeP6F3+yPt398UeFr3hqqK+r+/MVDy9aUPxNxqUt2vj1BzrfvRTRc+JXZxaVHjdrXP/i3zeeOX32cm6n9XUP5PZY2/Thga6Irq7u9YvGPgw8Z+UL3/9y98cfnbx6qTdb9bC+7oE1X3u4cc4EJockDm0MBs9Gqjd3oesamhcNDohN9UMAmKnuuXv37mS3YQo5fvz4o48+OtmtGPTf/vW/RMRDX1xfxW1uXv/NPW/truIGZ65sVfoHN+8Z4dGs7JINa156eTTlN/rO7XntZG/UrfvOjiHjZt3vvHTwYkQsefot8xLL2fnsS4eO/qJaW/vkD0cj4q//7D9Xa4PDvf5PH0bEN5f8ZRW3uW3Dpu/v+0kVNwiT6x+2P9965HC1tvaLy/8UEa/+5WPV2uAQ/3b0+Yj4k1XPT9D2gSH+/fRPIuJP10+h//EdP348IioPEUbAYNz6ujNzuuqbG0f1d/b0lSu9ERGpttdeaiu+yOWDz16OqCQEAgAwDaiCCOOVzVF1TYtNIwQAoBwBDMYrnUpFRDQsXjTmEvYAAMwOpiDCOGXrH9aPtnxB1KzesWd18Y88AwYAMCMZAYPx6Utn6q3V16nQDADACIyAwfjcSfdGRERd7QgPgKVP7d19LBURzd/e7ZVfAACzkxEwGJd0X2YArK723kluCQAAU58ABlVRV6sCBwAAIzEFEUqZs+Ll3StGWqhMIY0xLxkRjU/t3vNUpQsDADBdGAEDAABIiAAGAACQEAEMAAAgIQIYAABAQgQwAACAhAhgAAAACRHAZqOdz7402U2AKtj57EuHjv5islsBADAK0+g9YBfefHzXueWvHHtuafGPiqxSfOlZ7tDRX2xe/83JbgWMl78jAADT0bQJYBfeLBqxIiKi549/SLAlM0Aug+15a/dktwXGIpO+DH8BANPOtAhgPRfefKZ0/Iq4/cdbYbhrdDI9V0NhTFOiFwAwTU31ANZz4f2jRw6du1VumQsd5yJi7hfuS6hNM4heLAAAJGlKB7Ce97c/c+hWRMxd/sqLLR0lRsEyExDn/sV/aki0cQBMO+mzP911IvXAlu9vaiyzVP/Vs+faf9vV05v5z7qG5kVrV31lUU0le7h++Pl3L1Ww3EhtAGCmmtIBLCJi7vLNG9Y/ubQhLnSUWOL2H29FzP2LL9x+/80fDYyVzZ27fMOLzy2VyAAYlP74lydSIy7zox+e6in4UaqnM/XzzqsPbPlbkQmAcZvSZegbntx3bN9zT5YPUpkBsFuHdu0anKl469a5Xc88/uaFCW8hANNEkWQ1qmVSlw789Ey6+u0CYJaZ8iNgI8pU4MhMU8wMevX0vH/0R4fO3Tq3a/sX3t73ZLH4dvz48VLbu3Wr7ANnk6G3d4QuA1BFCXwJ9PZU+Ze6P91f3Q3ONP/379v/z//6r33Z//wf/1/RM/b/dBzIpq+aP/s/nlj7pf8ts/J/7zj/L+eu9UekPvzw//ry4/+x7K7mPPzycw+X+vD37bv+679GRO1Xnnq41lUro+q/IxP3e52ZmdpT7QYDpfyHiJiSPfbKTfsANlCCfvkr+3IlEBsannxu3xfi8V3nbv3zv/Q8WSyBPfroo0W3dvz48blz505QU8fgd/8aEVFfbzIlJOHGHyIiJvZL4I/dEVHfUOVf6jk1c6q7wRkkff3M6bMfdhbMPPyf/9diZyx97feZAa7mr7+yccHgA19z5jzxZ//xf3njzQ97I/7f/xFz5lT0LFgR1w//IPOlvvpbj//vY93ILFHN35G+/x4T+Xv9bxcjIhqq/UsNlPLv1yMm+n/Wo3Tt2rVRLT/tA1jDk/uOPVnk50tblse50gkMgJkvf0ph/epXNscvS89CTF+92hMR0fSt/PQ1YM7KF76/cnxtufpepjhH3WObvyJ9Acxi0z6AlXTfF+ZG3Lr1x9sRAhjAbFb3wJavbWqcE+mPSy/T/7vfpiIimhsXTUQTuo/+vDMiouGRr60UvwBmtZkbwDK8HQxgFqtZ8sjXv7Fi+IjWcP2p3oiIhnvnREQ6ff2jQ2cv9WYmLtY1NK/4xqoFNWMPTtcPH+iKiKhf/Y0VZosCzHJTugpiBXre3/74448XK3iYKc7xxS8Y/gKYrWoWrKwofUWk0wNhq3bO1fd+uuuH72bTV0Skejrf3fXDsZdATJ89m3kz2ANrTD4EYLoHsIYvfDEi4lzHkATW8/6RcxGxvGXp8HUAoLjUyZ/+vLPou8JSH44xg13/KPPysfrVD3uNGADTfwri0vWb5547dOvcru2RK0N/4c0f7Tp3K2Lu5vXyFwCV6+lNRURD89dzcw7T3R9/dPLUpd6ISH14+vrKjQtGt8XubsNfAOSZ9gEsGp58cfM/P3Po1q1zu545l//B8ldeVP8QgFFqeOS5F/Oe1Kpp/MqmxoV1mTL0nd1XNy4YTZWO/jMnuyIioqnJ8BcAEdN/CmJEphL9268sH3wbwNy5y195+1hmOAwARqFpbZE6GXNWrmmKiIiuru7RbCx97XKmtscjyyekuCIA08/0GQFb+tyxY8+V/LRh6XP7lpb+GAAqUaoMfU1NQ0Spd4iVkn23WN2SRYofApAxE0bAAGB8amrqMv9Ipcda7HC47LvF6hd92eNfAAwQwAAgFjQ1R0REb7qv2Me5say6UUSp7LvF/nyh/AVAlgAGABG192bGwLp+/t71YR9mS8lHbW3lWSpb/7Cu1vxDAHIEMACIqFmx4oHMvzrf3f7Gx1ezMxHT3R8ffuPdTJQaVS2NdF9mLG1Ug2YAzHjTpwgHAEykBZu2NF060BUR0Xvq5z88NWyBIQUS+89katNH07d+sn54MOu7M/pBMwBmPiNgAJDRuP6VLU3FX2FS3/Stvy+Sskrr78vkr/qa2iq0DIAZwwgYAGTVNK5/8e8bz5w+e7kzNVB0vr7ugT9f8fCKBWMcx6qrMQAGQB4BDIBZouYrL/7kKxUstmDlxgUrN4643JyVL3x/5Rg/BWDWMgURAAAgIQIYAABAQgQwAACAhAhgAAAACRHAAAAAEiKAAQAAJEQAA5jeWo8c/oftz092K6A6/mH7861HDk92KwAmkAAGAEwJ/pQAzAZexAww7bUeObxtw6aI+P6+n0x2W2CMjH0Bs4QABjATZDKYAQSmL+kLmCUEMIAZQv8VAKY+z4ABAAAkRAADAABIiAAGAACQEAEMAAAgIQIYAABAQgQwAACAhAhgAAAACRHAAAAAEiKAAQAAJEQAAwAASIgABgAAkBABDAAAICECGAAAQEIEMAAAgIQIYAAAAAkRwAAAABIigAEAACREAAMAAEiIAAYAAJAQAQwAACAhAhgAAEBCBDAAAICECGAAAAAJEcAAAAASIoABAAAkRAADAABIiAAGAACQEAEMAAAgIQIYAABAQgQwAACAhAhgAAAACRHAAAAAEiKAAQAAJEQAAwAASIgABgAAkBABDAAAICECGAAAQEIEMAAAgIQIYAAAAAkRwAAAABIigAEAACREAAMAAEiIAAYAAJAQAQwAACAhAhgAAEBCBDAAAICECGAAAAAJEcAAAAASIoABAAAkRAADAABIiAAGAACQEAEMAAAgIQIYAABAQgQwAACAhAhgAAAACRHAAAAAEiKAAQAAJEQAAwAASIgABgAAkBABDAAAICECGAAAQEIEMAAAgIQIYAAAAAkRwAAAABIigAEAACREAAMAAEiIAAYAAJAQAQwAACAhAhgAAEBCBDAAAICECGAAAAAJEcAAAAASIoABAAAkRAADAABIiAAGAACQEAEMAAAgIQIYAABAQgQwAACAhAhgAAAACRHAAAAAEiKAAQAAJEQAAwAASIgABgAAkBABDAAAICECGAAAQEIEMAAAgIQIYAAAAAkRwAAAABLyucluwJRz69atyW7CUL29PZPdBJhFEvgS6O3xSw2Jmrjf65qIiOjxSw1J+Q8RMSV77JUTwIaaO3fuZDdh0O/+NSKivr5hshsCs8KNP0RM9JfAH7sjor7BLzUkpe+/x0T+Xv/bxYiIBr/UkJR/vx4xxXrs165dG9XypiACAAAkRAADAABIiAAGAACQEAEMAAAg5ig4eQAAIABJREFUIQIYAABAQgQwAACAhAhgAAAACRHAAAAAEiKAAQAAJEQAAwAASIgABgAAkBABDAAAICECGAAAQEIEMAAAgIQIYAAAAAkRwAAAABIigAEAACREAAMAAEiIAAYAAJAQAQwAACAhAhgAAEBCPlf1Ld68ebP0h/Pmzav6DgEAAKaHKgWwm+37fvz6jv0dIy23te1u69rq7BIAAGCaqUoAa982f93+amwIAABgBqtCALu57/WB9NWydev6BU986Uull50/f/z7AwAAmJ7GH8BunjjaEWF2IQAAwAjGXwXxxvWOiGjZ+3fSFwAAQDnVKkPf+CXlDQEAAMoafwCbv6AlIrp/X6b4PAAAANUIYPMeWd8S0XH0hAQGAABQThWmIM7b/s7elujY8dS2dhkMAACgpCpUQdy37cfXG1uio2P/uvn7o6Vla2NjyYUX/F3rdg+LAQAAs9P4A9iN6/v3572FuaNjf0dHyYW3PtEaAhgAADA7VasKIgAAACMY/wjY2ta7d1ur0BIAAIAZzggYAABAQgQwAACAhIx/CuIQN2+WqkV/48SPX48nzm9fW+1dAgAATAtVCmA32/f9+PUd+0uXPxyw9Ynq7A8AAGD6qUoAa982f93+kReLaFlQjd0BAABMS1UIYDf3vZ5NX5m3MHd37+/oKPh3RLRsbXunda13gAEAALPX+Itw3DxxNJOw9t64e/58a2tr6zvrWyKio/GJ1tbW8+fv3r2xtyWiY//rJ0o9HQYAADAbjD+A3bjeEREte9/Znh3emvfI+paI6P79QOCat/1829aIjh0/bh/33gAAAKatapWhb/xS3uzCeV9qjIiO6zdyP1n7xNaI2P+BBAYAAMxeE/kesNwQWGQTWP5PAAAAZpnxB7D5CwrmG+b9LH8ILGP4TwAAAGaN8QewgfmGR/NLbGR+lp/Kbv6+e9x7AgAAmNaqMAVx7d/tbYno2DF/2bZ97QOJa2AILJfK2n+8oyMiWhbMH//+AAAApqdqPAM2b/urWyMiOvbvWDd/W3vejzp2zL/nnmXL7rkn857mlvWPeBEYAAAwa1WnCMfa1rs39m5tKfjR37Vtzfwr8yLmwkr1AAAAs0/VqiDO2956/u7dG21/l51kOG9t640bbVtbWlpaWlq27m27cV78AgAAZrXPVXdz89bmh6x589a2nl9b3T0AAABMVxP0HrCbN73wCwAAoFA1A9jN9n3bli2755577rln/vyBahzt2+7JK44IAAAwi1UrgN1s37Zs/rod+7MVN/J07N+xbv6yTB4DAACYvaoTwNq3zV+3vyMiomXr1oJyiPMXtLRERHTsX7dsn3EwAABgNqtGAGvflnnN19a2G3fPt7Zuf6Jx8LN528+fv9G2tSUiOnb82CgYAAAwi1UhgLV/sD8iWvbeaF1bvM78vLWt7+xtiYj9H0hgAADA7DX+AHbz990R0bL+kXJv+Zr3yHoJDAAAmOXGH8BuXO+IiMYvlX/L8rwvNZb9HAAAYMaboPeAAQAAMNT4A9j8BZVMLhx4UGzB/HHvDwDg/2/v/l0bO/cHj38Mge1vcYs4hhFIUwzDdouJzBQq5YRhCjNFFpxOxiyL7GLSOOW4ycDaYgsjwRYxbIrBRTATu9hC7A5WMBe2uEyGS6SLBhwFvn/Al8tW3kLyb9mWbfnxr9eruRnp+OgU95H01nPOcwDuqKsH2CCXd7Uqr2sR55+oCAAAcI8N4RTEvQKbnJjZ7HOnr9bmzERurhER+eVXxau/HAAAwB01jGvAsuXuKvON2mRuZGRi4vWHiIgPr2dmJiZGRvZv0bz8Y9n8FwAA8IB9NpS9ZMtbzZj5dq7WiGg0GhER0Wh0wysiIvLLzS35BQAAPGxDWwUxW65uNZsby6V8Pn/waD6fLy1vNHfVFwAAwHBmwHqy2WK5WiwPc5cAAAD3hvuAAQAAJCLAAAAAErnoKYitzZk3P1/+5Z68qroaDAAAeKAufA3Y7x9qh1Y3vKjSi2oIMAAA4GG6aIBlHz+N6AbYkeUOAQAAOMeFZ8ByT/K9Ams0orT8/auvillzWgAAAOe78CIc2fJWs7lRyucjolGbm8zlRkZGJmYqm63WNRweAADA/XGZVRCz2WJ1a2t3d7e5sVzKRxyU2MTETGVTiAEAAPRzpWXos8VydT/E8hHRaNTmJnMjSgwAAOCkodwHLFssV7e2dnebB1NiSgwAAOCYod6IOXtiSuxQic1UlBgAAPCgDTXA9p2cEotGbW5uMjezeS2vBwAAcAdcT4DtyUbEk6duFwYAABCXuA/YQFqtzV/evJ6rNY48ms+XXuSu5fUAAADugOEGWGuz8ub121rjSHjl86WX378qF92uGQAAeNiGEmB9J7x0FwAAwBFXCrB+E166CwAAoL/LBFi/CS/dBQAAcI4LB1irMpGb208v3QUAADCoCwdY8+NefeVLpacR8fHnNzM/D/rXT15Vy2INAAB4mC4aYK3fP+z9Z6N2bJn5AZReVEOAAQAAD9NFb8R8MAEGAADAhVx0BqxY3d2tXsuRAAAA3HMXnQEDAADgkgQYAABAIgIMAAAgEQEGAACQiAADAABIRIABAAAkIsAAAAASEWAAAACJCDAAAIBErinAWq3W9ewYAADgzhpmgLU2KzMTEyMjIyMjuVxuZjMiYnNmZGKmsinHAAAAhhVgrc2ZidzkXK3ROPFUozY3mZvo9hgAAMDDNZwA25zJTdYaERH5Umm5lD94Jvckn4+IaNQmJyrmwQAAgIdsGAG2OTNZi4gobTR3t6rV8ounB89ly1tbzY1SPiIac2/MggEAAA/YEAJs8+daROSXm9Vitu8G2WL1x+V8RNR+VmAAAMDDdfUAa/3+ISLyL7/qX19d2a9eKjAAAOCBu3qANT82IuLp47P6KyL7+OmZzwMAANx7bsQMAACQyNUDLPdkkJMLexeKPcld+fUAAADuqKsH2CCXd7Uqr2sR55+oeKbtpefPny9tn/JsZ22pXH7eU15a2+5c/pUAAACuwxBOQdwrsMmJmc0+d/pqbc5M5OYaEZFfflW89KtsLy3Wz3jy+exqvd3e+3e7vro4e2qrAQAA3IhhXAOWLXdXmW/UJnMjIxMTrz9ERHx4PTMzMTEysn+L5uUfy5ec/+psLz0/M78W6xGRmV5YWV9fX19fWZjORER9sbxmGgwAALg9hrMIR7a81Vwu5SMiotFoNLr/W6t1/ysi8svNrUvlV2d7bak8e0Z9RWftp3pEFBYqU+OjERExOj5VWShERPv9rwoMAAC4NYa2CmK2XN1qNjeWS/l8/uDRfD5fWt5o7l6yvtbKs4ur9XZkCgsrC4X+2/z6vh0Rhfz4kYfHX05nFBgAAHCrfDbMnWWzxXK1WB7mLiNTmP7m5dT4aGw3+j7/x06//ooYHXsU0W7v/BExOtQDAgAAuKShBtiwjU5V1qfO3qSz8ykiMmNfnHjmi7FMRPvTTifGFRgAAHAbXD3ANmdGJj+Ulr9/VS5eYY35xN69e3faU+2DxRRviz//dCIlpJPgTeDPjkENSV3fuP5rRER0DGpI5S8RcSu/sQ9uODNgjdrcZG0uIn/rQuyUcxC//vrrvpu/e/cuk8lc90EN7u//iIj4/HNzeJBC81NExPW+Cex8iIjPRw1qSOXf/hnXOa7//W8REaMGNaTyr48R1/1hfUG//fbbhba/+iIcuRel/WU3GrW57kr0M5V+twS7Af1OTgQAALgRVw+wbLG6tbW7210AsftQ4/aFGAAAwI0b3jL0xXI3xJob/UJss3U9ITY69ih6Jxoe010e8dGYcwIAAIBbYmgBtie7NyPW3Ni7NXM0GrXJXG5kZGKiMvQM+2IsExGfdo5f/Hr68ogAAAA3Y+gBtiebLZarW7u9cxO7jzUaH5vDfp3RL59lItqrb7ePPLz9drUdkXn2pQkwAADgtri2AIuIaG1WZia+nZyr9b+H8nB0Cyzqi+Wl7e40WGd7rbxYD/0FAADcLtdxI+ZWa/OXN6+PZlc+X/r+x1fF7DWsUD869d3CzuxivV1fnK0ferywUJnSXwAAwO0xzBmw1mZlZmJiZCSXO5j0yudLyxvN3d2treq11FdERIyOz68sTBcO7gaQKUyvrM+PX9PLAQAAXMowZsBam5XjE17XcE/m8fn19flTnx0dn5ofnzr9eQAAgBt39QDbnMlN1g7+OfTwAgAAuCeGdg1YvrT8/auvru80QwAAgLvu6gGWe7HRvJ7VNQAAAO6VqwdYtlgcwnEAAADcexcNsFZl5s3HiIgnr6rl7JFHBrH/VwAAAA/ORQOs+bFWq0VElF5UI3vkkUHs/xUAAMCDM8z7gAEAAHCGi86AFau7u9VzHgEAAKAPM2AAAACJXD3AWpWZmZmZSuv8rSYmJs7bDAAA4P66eoA1P9ZqtdrH5tlbZR9HrdFonLcZAADA/ZXqFMTW7x8SvRIAAMAtdYkbMW/OjEyeWHe+NjkywFr0+Se5i78eAADA/XCJGbBidaN0uRcrfe8uzAAAwMN1iRmwiOKrjVL83PvHhw+1RiPy+dLTp2f8yZMnL776qii/AACAB+xSARbZYrVa7P335kxtshFPvz94BAAAgD4uF2CH5Z6USqVwcRcAAMA5rh5g2XK1OoQDAQAAuO8uGmCtysybjxERT15Vuytq7D8yiP2/AgAAeHAuGmDNj7VaLSKi9KIa2SOPDGL/rwAAAB6cVDdiBgAAePAuOgNWrO7uVs95BAAAgD7MgAEAACQiwAAAABK5+jL0x7VardOfzGYtwQEAADxUQwqw1mblzeu5WuO87Uobu9XicF4SAADgjhlKgG3O5CYHXokeAADggRpCgLUqr3v1lS+VXj558fjx6dvmcld/PQAAgLvp6gHW+uVtI8LZhQAAAOe4+iqIzY+NiMgvv1JfAAAAZxnWMvRPH1veEAAA4ExXD7Dck3xEfPj9jMXnAQAAGEaAZb96mY9ovP1FgQEAAJxlCKcgZss/LuejMfftzKYGAwAAONUQVkGszLz5+DQfjUZtMleLfL709OmpGz95VS27WAwAAHiYrh5gzY+12qG7MDcatUbj1I1LL6ohwAAAgIdpWKsgAgAAcI6rz4AVq7u71SEcCQAAwD1nBgwAACARAQYAAJDI1U9BjGi1Blx+Ppu1AAcAAPBwXT3ANmdyk7XzNzskny+9/P5VuajGAACAB+UmTkFsNGpzk7mRiYr7NgMAAA/J1QMs92pjY2M5v/fPfKm0vLFnuVTK7z++vLGxsbG8XCrlu4815nIzm1d+eQAAgLvi6qcgZrPF5pvJRkTkl5tb5SPnFRaLxXK12tqcyU3WanM/v9itlovFKEfvoai9rrwqlp2KCAAAPAhDOAVxc2ay1q++9mWL1eZyPqI2uT/jlS1WN0oR0Xj7i/MQAQCAB+LqAdb6/UNE5F9+ddZEVvarl/mI+PD7QW7lnuQjovGxeeUjAAAAuBOuHmDNj42IePr47BMJs4+fxtHc6j4CAADwYAxrFcTDc1v9dOfJAAAAHrCrB1jxRSkiGnNvzlrRcPPNXCMiSi+KBw/9XIuI/JPclY8AAADgThjCDFi3wKI2OTGz2W8arLU5M9G9VfN+f+0/dM6lYwAAAPfI1ZehjyhWN0q1yVo0apO5WuTzpad7V3d9+PCh0Wj0/lHaqBYjYnNmpJtjob8AAIAHZRgBFlGsNjfi28laIyIajdp+c+3LL2/8WC4ee6y0cdrC9QAAAPfQsBbhyBarW7vN5sZyKZ/PHzycz5eWN5rN3a1ycS+1ck9KpeXljebuVrXYd1cAAAD303BmwHqy2WK5Wiyfs1G5Wh3miwIAANwRw5oBAwAA4BxDDbBWa7MyMzExMdIzMTExMVPZbJ19izAAAICHYWinILYqE7m5Y4tvNBqNaDQma3ORX25acAMAAHjghhNgR+orn88/7S5Ef7AKfWMuNxEaDAAAeNCGEWCtyrfd+uouNn8sslqblW8n5xrRmPu28pUEAwAAHq4hXAO2+WauEdE9y/B4fUVEtljeai7nI6Ix92bz6i8HAABwR109wFq/f4iI/PKPZ0xuZcs/Lucj4sPv1uMAAAAerKsHWPNjIyKePj773MLs46cR0fjYvPLrAQAA3FHuAwYAAJDI1QMs9yQfEbWfz768a/PnWkTkn+Su/HoAAAB31NUDrHtyYdReV06/vqtVeV2LOP9ERQAAgHtsCKcgFl/11jjMTcxsto5XWKu1OdO7SVh++VXx6i8HAABwRw3jPmDZ8o/Lb3NzjWjUJnO1iMjn891nerdhjojz1kkEAAC494YRYBHZ8lbz8cy3k7Vubx3uroiIyJc2fqz2uUcYAADAAzKcAIuIbLG6tfuqtfnLm5/ffviw9+jTpy9fvPqqmNVeAAAAQwuwiIjIZovlarE81H0CAADcE+4DBgAAkMiVA6zVOrHwYffxysTETOXkqogAAAAP1RUCrLU5MzEykst9+0ufyGr98rbRqM1N5nIjEzObKgwAAOCyAdbanJnI9RY9bHxsntzg0EON2mRu4oy7NAMAADwMlwqwzZm9+IrIlzZe5U5uUixv7e42N0p7NwSby81sXvYYAQAA7oVLBNjmzGSt+1/55ebuVvX0ReazxepWc7nXYLVJCQYAADxoFw6wVuX1fn79WD7//l7Z8o/7CfbaiYgAAMADdtEAa/3ytnfuYen7AfIrIiJb/r7U/a/G237rdQAAADwMFw2w5se9a7+e9Lny6xS5J3uXgvVbrwMAAOBhuPQy9E8fDzb/FRGRffz0si8DAABwb1z5RswAAAAM5qIBtn824YffB7+cq/X7h+5/XOS8RQAAgHvmogG2fzbhBRbUOFi44yLnLQIAANwzFz4FsfjioksaHvSXCTAAAOAhu/g1YAcFNvftAPf12pzJzV104XoAAID76BKLcBSrG/sJlpuY2Tw1wlqblZmJyd5tmyO//Kp4iQMEAAC4Lz67zB8Vq83lD92JrUZtMleLyJeWX754/Hhvg99//vltrdY49CeljS3TXwAAwMN2qQCLyJa3mjHz7dxeZDVqc43aKdvmS8s/VtUXAADw4F3+PmDZcnWrubFcyp++ST5f2mg2t9QXAABAXHoGrCdbLFeL5Wq0WpvN5u+///zxY0Q8efLi8eNcrpiVXQAAAIdcLcD2ZLPFbLZYtMgGAADA6S5/CiIAAAAXIsAAAAASEWAAAACJCDAAAIBEBBgAAEAiAgwAACARAQYAAJCIAAMAAEhEgAEAACQiwAAAABIRYAAAAIkIMAAAgEQEGAAAQCICDAAAIBEBBgAAkIgAAwAASOSzmz6AW6fdbt/0IRz355+dmz4EeEASvAn82TGoIanrG9d/jYiIjkENqfwlIm7lN/bBCbDjMpnMTR/Cgb//IyLi889Hb/pA4EFofoq47jeBnQ8R8fmoQQ2p/Ns/4zrH9b//LSJi1KCGVP71MeKWfWP/7bffLrS9UxABAAASEWAAAACJCDAAAIBEBBgAAEAiAgwAACARAQYAAJCIAAMAAEhEgAEAACQiwAAAABIRYAAAAIkIMAAAgEQEGAAAQCICDAAAIBEBBgAAkIgAAwAASESAAQAAJCLAAAAAEhFgAAAAiQgwAACARAQYAABAIgIMAAAgEQEGAACQiAADAABIRIABAAAkIsAAAAASEWAAAACJCDAAAIBEBBgAAEAiAgwAACARAQYAAJCIAAMAAEhEgAEAACQiwAAAABIRYAAAAIkIMAAAgEQEGAAAQCICDAAAIBEBBgAAkIgAAwAASESAAQAAJCLAAAAAEhFgAAAAiQgwAACARAQYAABAIgIMAAAgEQEGAACQiAADAABIRIABAAAkIsAAAAASEWAAAACJCDAAAIBEBBgAAEAiAgwAACARAQYAAJCIAAMAAEhEgAEAACQiwAAAABIRYAAAAIkIMAAAgEQEGAAAQCICDAAAIBEBBgAAkIgAAwAASESAAQAAJCLAAAAAEhFgAAAAiQgwAACARAQYAABAIgIMAAAgEQEGAACQiAADAABIRIABAAAkIsAAAAASEWAAAACJCDAAAIBEBBgAAEAiAgwAACARAQYAAJCIAAMAAEhEgAEAACQiwAAAABIRYAAAAIkIMAAAgEQEGAAAQCICDAAAIBEBBgAAkIgAAwAASESAAQAAJCLAAAAAEhFgAAAAiQgwAACARAQYAABAIgIMAAAgEQEGAACQiAADAABIRIABAAAkIsAAAAASEWAAAACJCDAAAIBEBBgAAEAiAgwAACARAQYAAJCIAAMAAEhEgAEAACQiwAAAABIRYAAAAIkIMAAAgEQEGAAAQCICDAAAIJHPbvoAhmJ76flivc/jhYX1+fHkRwMAANDXvZgB6+x8uulDAAAAONe9mAH7Y6cdprsAAIDb7j7MgG036hGRGfvipg8EAADgLPcgwLonIGaefTl600cCAABwlntwCuIfO+2IzLOxP9aWflittyMiMpnCN9/NjysyAADgNrn7M2DdCbD26uJir74iot2uL84+X9q+wcMCAAA47u7PgHVX4IjIFBZ6k16dztrbH1br7fpieWylMtVvHuzdu3en7a/dbp/21E3588/OTR8CPCAJ3gT+7BjUkNT1jeu/RkREx6CGVP4SEbfyG/vg7nyA9ZagLyxU9pdAHB2dmq+MxfPFevv9r52pfgX29ddf993bu3fvMpnMNR3qJfz9HxERn3/uZEpIofkpIuJ63wR2PkTE56MGNaTyb/+M6xzX//63iIhRgxpS+dfHiOv+sL6g33777ULb3/lTEEenKuvr6ycXoB/PFyKi/f5XP0kBAAC3xJ0PsFN9MZaJiPbOHzd9IAAAAF33N8C63B0MAAC4Ne56gHXWys+fP++34GF3cY5HY07KBgAAbom7HmCjY48iIuqNYwXWWfupHhGF/PFrwwAAAG7KXQ+wGH85nYmI+mJ5abu33kZne6k8u9qOyEy/1F8AAMCtceeXoY/Rqe+m38+uttv1xdn64ScKC9/1vQcYAADAzbjzM2DRXYl+ZaFwcDeATKawsLLevSszAADAbXH3Z8C6RsfnK+PzN30UAAAAZ7gPM2AAAAB3ggADAABIRIABAAAkIsAAAAASEWAAAACJCDAAAIBEBBgAAEAiAgwAACARAQYAAJCIAAMAAEhEgAEAACQiwAAAABIRYAAAAIkIMAAAgEQEGAAAQCICDAAAIBEBBgAAkIgAAwAASESAAQAAJCLAAAAAEhFgAAAAiQgwAACARAQYAABAIgIMAAAgEQEGAACQiAADAABIRIABAAAkIsAAAAASEWAAAACJCDAAAIBEBBgAAEAiAgwAACARAQYAAJCIAAMAAEhEgAEAACQiwAAAABIRYAAAAIkIMAAAgEQEGAAAQCICDAAAIBEBBgAAkIgAAwAASESAAQAAJCLAAAAAEhFgAAAAiQgwAACARAQYAABAIgIMAAAgEQEGAACQiAADAABIRIABAAAkIsAAAAASEWAAAACJCDAAAIBEBBgAAEAiAgwAACARAQYAAJCIAAMAAEhEgAEAACQiwAAAABIRYAAAAIkIMAAAgEQEGAAAQCICDAAAIBEBBgAAkIgAAwAASESAAQAAJCLAAAAAEhFgAAAAiQgwAACARAQYAABAIgIMAAAgEQEGAACQiAADAABIRIABAAAkIsAAAAASEWAAAACJCDAAAIBEBBgAAEAiAgwAACARAQYAAJCIAAMAAEhEgAEAACQiwAAAABIRYAAAAIkIMAAAgEQEGAAAQCICDAAAIBEBBgAAkIgAAwAASESAAQAAJCLAAAAAEhFgAAAAiQgwAACARAQYAABAIgIMAAAgEQEGAACQiAADAABIRIABAAAkIsAAAAASEWAAAACJCDAAAIBEBBgAAEAiAgwAACARAQYAAJCIAAMAAEhEgAEAACQiwAAAABL57KYP4NZpt9s3fQjH/fln56YPAR6QBG8Cf3YMakjq+sb1XyMiomNQQyp/iYhb+Y19cALsuEwmc9OHcODv/4iI+Pzz0Zs+EHgQmp8irvtNYOdDRHw+alBDKv/2z7jOcf3vf4uIGDWoIZV/fYy4Zd/Yf/vttwtt7xREAACARAQYAABAIgIMAAAgEQEGAACQiAADAABIRIABAAAkIsAAAAASEWAAAACJCDAAAIBEBBgAAEAiAgwAACARAQYAAJCIAAMAAEhEgAEAACQiwAAAABIRYAAAAIkIMAAAgEQEGAAAQCICDAAAIBEBBgAAkIgAAwAASESAAQAAJCLAAAAAEhFgAAAAiQgwAACARAQYAABAIgIMAAAgEQEGAACQiAADAABIRIABAAAkIsAAAAASEWAAAACJCDAAAIBEBBgAAEAiAgwAACARAQYAAJCIAAMAAEhEgAEAACQiwAAAABIRYAAAAIkIMAAAgEQEGAAAQCICDAAAIBEBBgAAkIgAAwAASESAAQAAJCLAAAAAEhFgAAAAiQgwAACARAQYAABAIgIMAAAgEQEGAACQiAADAABIRIABAAAkIsAAAAASEWAAAACJCDAAAIBEBBgAAEAiAgwAACARAQYAAJCIAAMAAEhEgAEAACQiwAAAABIRYAAAAIkIMAAAgEQEGAAAQCICDAAAIBEBBgAAkIgAAwAASESAAQAAJCLAAAAAEhFgAAAAiQgwAACARAQYAABAIgIMAAAgEQEGAACQiAADAABIRIABAAAkIsAAAAASEWAAAACJCDAAAIBEBBgAAEAiAgwAACARAQYAAJCIAAMAAEhEgAEAACQiwAAAABIRYAAAAIkIMAAAgEQEGAAAQCICDAAAIBEBBgAAkIgAAwAASESAAQAAJCLAAAAAEhFgAAAAiQgwAACARAQYAABAIgIMAAAgEQEGAACQiAADAABIRIABAAAkIsAAAAASEWAAAACJCDAAAIBEBBgAAEAiAgwAACARAQYAAJCIAAMAAEhEgAEAACTy2U0fwLB01pZybyNVAAAM4UlEQVR+eF9vtyMiIlOY/ubl1PjoDR8TAADAYfdjBmx76fns6l59RUS7vro4u7R9k4cEAABw3H0IsO2lxXpEZKYXVtbX19fXVxamMxFRXyyvdW762AAAAPbd/QDrrP1Uj4jCQmXvnMPR8anKQiEi2u9/VWAAAMCtcecDrPPr+3ZEFPLjRx4efzmdUWAAAMCtcucD7I+dfv0VMTr2KCLaO3+kPyQAAIC+7voqiJ2dTxGRGfvixDNfjGUi2p92OnHnV0P835/e3vQhAMP0P/7v/7npQwCG6V//67/d9CEAd8ZdD7BLevfu3WlPtQ8WU7x5//E/TP79/23c9FHAw3KtbwL/eezp/9z5cH37B/q6xnH9n/7rX//2369r58ApbtU39ou67wHW3vkj4uQM2Ndff91383fv3mUymes+qAvJxH+56UMAhun7W/YmA1xVxvQXpHarPkp/++23C21/568BO0e/kxMBAABuxH0PMAAAgFvjrgfY6YsddpdHfDR211fgAAAA7o27HmDdxQ7j087x+32dvjwiAADAzbjzATb65bNMRHv17faRh7ffrrYjMs++NAEGAADcFnc+wHoFFvXF8tJ2dxqss71WXqyH/gIAAG6Xe7AM/ejUdws7s4v1dn1xtn7o8cJCZUp/AQAAt8fdnwGLiNHx+ZWF6cLB/QAyhemV9fnxGzwkAACAE+7BDFhERIyOT82PT83f9GEAAACc7l7MgAEAANwFAgwAACARAQYAAJCIAAMAAEhEgAEAACQiwAAAABIRYAAAAIkIMAAAgEQEGAAAQCICDAAAIBEBBgAAkIgAAwAASESAAQAAJCLAAAAAEhFgAAAAiQgwAACARAQYAABAIgIMAAAgEQEGAACQiAADAABIRIABAAAkIsAAAAASEWAAAACJCDAAAIBEBBgAAEAiAgwAACARAQYAAJCIAAMAAEhEgAEAACQiwAAAABIRYAAAAIkIMAAAgEQEGAAAQCICDAAAIBEBBgAAkMhnN30At867d+9u+hAAAID7yQwYAABAIiO7u7s3fQwAAAAPghkwAACARAQYAABAIgIMAAAgEQEGAACQiAADAABIRIABAAAkIsAAAAASEWAAAACJCDAAAIBEBBgAAEAiAgwAACARAQYAAJCIAAMAAEjks5s+ALiC7aXnP33KPHr0bCz/5dT4aP+NOttrvzZ23n+qP/pmfX58qK/fWSvPrrYz0yuVqVNeHLiaTmf717c/va+3270HMpnCs29e9hnw543H7aXni/UoLFzkfaD7N8Y43AbdMX7uZgMP2Mu8J8BQCDDuuHa73W63o74zdso76PbbxdV6REQ8SnlcwJX1/brVbtfbi/XVTGH6u3lVBMDdI8C4+zKZTLtdb2zPj/cpsO1GvbvB+T+aAbfI9lJ5sd6OiExh+puXX46PdmOrOyO2Wm/XV2c/hZkpeDhGpyrrU4cfMIXFXeUaMO6BR48yEfXGdp+nthv1yDx79ij1IQFXsr20WG9HZKZX1ivzU3v1FRGjo+NT85WVhUImor06u9Rv3APALWYGjHtgLP8sU+87B7bdqEdm+suxndWjD/e7rqN3ttPhn9I620s//LR/7Ukmk3n0zXfzp11rdmQvR/fd2V57+9NqfW8/hel+V7B0tpd+6P7gH5nCwnfzX/za74KWzvbaoethMplC/yMacDO4nTprP9UjorBw2gTX6Pj8d9OfZlfb9Z/WXo6fOgvWdzwefv7IQDnj+rKIztrSD6t7A7Tf2Y/nDfOD3+q/2N/VwZ4Odp/JTH/z3bFDuMBxAhEx+Af9YYN96BuPXJ0ZMO6DL7581ncObLtRj3g0drk3xc5aeXaxfujUxXa7XV+cfX7GL+573/aOfG3cXirPLu5/LYuIdn11cbZ8dDe9F9vfYnG2/Han/yGtHjqmdrt+YlcDbwa3VefX9+2IzPTLs04rGp36phAR7fe/dk7ZS7/xeMje0Dx0enK7XV9d7DOrtvO2PLt6aICuzpbXjrzqQMO8u6u1Q7vq7Wl76fmhx9qriz8c3vsFjhO4tME+9I1HhkKAcS+M9i2w7UY9opC/1KnhnbUfVtsRmemFlfWelYXpTETUf1rr/31ve2l2tR1RWKgc/LLWWetexpIpTK+s7O2mkIlo1xcPvsH1Xmz/1VYWCpl2/dCXucP7zxT2D6l7RO364uE3/gE3g1ur21/n/3Yynj+jwPqNx6PP985xPBji6ysLhYg+Y7xdr7cPj86IaK++3R9Ogw3zrvrqahT29jTd3dPsYj1z/LH9vV/kOIHLGuxD33hkSAQY90OfAuuexHTJ/oo/dtoRkXn25cFJBaPjU5X19fX1vr+md9bKi/WIzPTK4W97vS+ShYXK/NTeRSyj4/OVhUIc+o51sFXvFIbR8fnvpjPHX2DvnKyD8yFGx6cqK9OZw2/8A24Gt1hv9I19cd6GX4xlIqK988fxJ/qPx8O2G/WIyEwfOdlvdPzldN89ZqZXDo3ObwoREZ929gbdQMP8YFd7pzSNjn/5LHPisamje7/YcQKXNNCHvvHIsAgw7onRsUdxpMC6X4ou21973+xWf1ja7pwfLd0f209caLL3xezEQXR/ue99x+p7ulXv9Kpju+pzTlY3PfcmAQbcDG6/y548fOp4PGJ8/tAXq06ns729tra0dNpNho4ey9HuG2yY78k8+/LQF7exRyceu9JxApc00Ie+8ciwWISD+2I8X4h6fX8ljiv2V4x++Syz2m5Hu744W4+IyBSmn/W/3XN7dXax/05O/yG/e7TtnT8iRrtbnfi2+cVYJuLYm3p7dfb50fVE9p/Z+SNi9GKbwW32aacTl7iq/fTxeMKhhW/OduZk3GDDfMBD6mvg4wQua+APfeORYTADxr3R/bm5Nwd21f6KGJ2qrCwUMvsnArbrq6uLs8+fl5e2T/44lil018T+od8pfpf/If+Q7pe8YW0Gt9mpZxYed0r7nDke9xxZ+CaTyRQK09MLKyvHz/0d1KDD/MJvB0M+TqC/gT70jUeGxAwY98ehObAvrtxfEd3LOMbnIzrba7823vfWnG3XF38YO3pqU2GhMj/eGfs0u9pefbs9dfyik8F+yB9oq7NPqrroZnA79X6KPndM9K7HOHYC3znjsWtv4ZvCwsqRRaY7JxcfHcwl5+vOM/TjBE513oe+8cjQmAHjHtmfA7v6/NcRo+NTU/OVysEKZUevpOr+/t67aOvIUoOn/5Df++Y49sX+ViccncwacE5g4KkDuMV6lyweX7/iqN6CM8f76/TxeFhv7mz65bFousQc8mDD/JKGeJzAgE770DceGRoBxn3S/Sb0qfH2nP7q942pdyX93r/Wys+fPz9+z6+DVcv6GZ9fKMSRpQa7XyNPu0HZ3tlI/b9s9jbZf+nerk6uY7i99Pz58+e9xa4H3Axut/1+6nvKb3Qvw+j+FP3NKZO9J8fjAPaG3dGFM8451oGG+XBd5jjhYTn/g/6wy3zo7zEeuTgBxn3SS5l6/Zz5r97aY/XF3pe7zvbasVWM9r5TLZbXDr7/dbZ7px+c9o2quxbtoUtPDnaztNZbV6nTWVsqL3ZXsu2tVXjoxXrbbPc2OXxEvbvOrs4eOqT9Dfe/hQ64Gdxy4/MrvdvXzZaX1g4tS9bpbK8t9S7DyBQWTltmPvqMx0P2Vjx7e2iUrJWfHx92AxlsmF/OMI8THpTzP+iPbD3Ih77xyNC4Box7ZW8Zo/NO+xl/OZ2pr7Zjb7WjiCgsLMTiwdvo6NR30+9nV9vt1cXZowsKnvWdb++v9i89GZ2qLOyUF+vt+upsffXoXg4u0zp4sYPVCzOFQhy9F/P4/ELh02L95CEdPaIBN4NbbnSqshJLP6zW2/XVxfqJZT0zhenv5s/+QeHEeDz81DeF1cX64beAiIjM9MKz94ur7YutXDjYML+UoR4nPCjnf9AfNsiHvvHI0JgB437p/Yh15o11Irrf7aYLe2cWZAoLJ+/XOjpVWVmYPrQkUmQyhemFlcqZFXPy0pPx+e5+DnbTZy+95ZcOHU8lf3wN+oNd7e+r/xENuBncdqNT85WVY8Ow93/n9co59dXbwamXgo3PHxmXmUxhYWW9MjXe/dX8oucSDTTML2W4xwkPyAAf9Mc3P+9D33hkSEZ2d3dv+hiAPraXni/Wo7CwrpsAAO4NM2Bw0/pf+zuEBdQAALhtBBjctONXCkdEZ3tpsd8K2wAA3G1OQYSb19lemu1zWbD7KQMA3DcCDG6Fzvba25/e19vdhTcymcKzb15OjasvAID7RYABAAAk4howAACARAQYAABAIgIMAAAgEQEGAACQiAADAABIRIABAAAkIsAAAAASEWAAAACJCDAAAIBEBBgAAEAiAgwAACARAQYAAJCIAAMAAEhEgAEAACQiwAAAABL5/4oUFU6xVhj+AAAAAElFTkSuQmCC"/>
-          <p:cNvSpPr>
-            <a:spLocks noGrp="1" noChangeAspect="1" noChangeArrowheads="1"/>
-          </p:cNvSpPr>
-          <p:nvPr>
-            <p:ph idx="1"/>
-          </p:nvPr>
-        </p:nvSpPr>
+      <p:pic>
+        <p:nvPicPr>
+          <p:cNvPr id="5122" name="Picture 2" descr="flow-skeleton.png"/>
+          <p:cNvPicPr>
+            <a:picLocks noChangeAspect="1" noChangeArrowheads="1"/>
+          </p:cNvPicPr>
+          <p:nvPr/>
+        </p:nvPicPr>
+        <p:blipFill>
+          <a:blip r:embed="rId3">
+            <a:extLst>
+              <a:ext uri="{28A0092B-C50C-407E-A947-70E740481C1C}">
+                <a14:useLocalDpi xmlns:a14="http://schemas.microsoft.com/office/drawing/2010/main" val="0"/>
+              </a:ext>
+            </a:extLst>
+          </a:blip>
+          <a:srcRect/>
+          <a:stretch>
+            <a:fillRect/>
+          </a:stretch>
+        </p:blipFill>
         <p:spPr bwMode="auto">
           <a:xfrm>
-            <a:off x="135082" y="1215736"/>
-            <a:ext cx="6206578" cy="5505739"/>
+            <a:off x="131617" y="1387111"/>
+            <a:ext cx="11838709" cy="5260185"/>
           </a:xfrm>
           <a:prstGeom prst="rect">
             <a:avLst/>
@@ -5167,99 +5210,24 @@
             </a:ext>
           </a:extLst>
         </p:spPr>
-        <p:txBody>
-          <a:bodyPr vert="horz" wrap="square" lIns="91440" tIns="45720" rIns="91440" bIns="45720" numCol="1" anchor="t" anchorCtr="0" compatLnSpc="1">
-            <a:prstTxWarp prst="textNoShape">
-              <a:avLst/>
-            </a:prstTxWarp>
-            <a:normAutofit/>
-          </a:bodyPr>
-          <a:lstStyle/>
-          <a:p>
-            <a:r>
-              <a:rPr lang="en-US" dirty="0" smtClean="0"/>
-              <a:t>We partner with three </a:t>
-            </a:r>
-            <a:r>
-              <a:rPr lang="en-US" dirty="0"/>
-              <a:t>county programs to monitor the cognitive trajectories of patients over time</a:t>
-            </a:r>
-            <a:r>
-              <a:rPr lang="en-US" dirty="0" smtClean="0"/>
-              <a:t>.</a:t>
-            </a:r>
-          </a:p>
-          <a:p>
-            <a:endParaRPr lang="en-US" dirty="0" smtClean="0"/>
-          </a:p>
-          <a:p>
-            <a:r>
-              <a:rPr lang="en-US" dirty="0" smtClean="0"/>
-              <a:t>Recruited </a:t>
-            </a:r>
-            <a:r>
-              <a:rPr lang="en-US" dirty="0" smtClean="0"/>
-              <a:t>200 seniors from three </a:t>
-            </a:r>
-            <a:r>
-              <a:rPr lang="en-US" dirty="0" smtClean="0"/>
-              <a:t>programs/counties</a:t>
-            </a:r>
-          </a:p>
-          <a:p>
-            <a:endParaRPr lang="en-US" dirty="0" smtClean="0"/>
-          </a:p>
-          <a:p>
-            <a:r>
-              <a:rPr lang="en-US" dirty="0" smtClean="0"/>
-              <a:t>Dashboard is </a:t>
-            </a:r>
-            <a:r>
-              <a:rPr lang="en-US" dirty="0" smtClean="0"/>
-              <a:t>tailored </a:t>
-            </a:r>
-            <a:r>
-              <a:rPr lang="en-US" dirty="0" smtClean="0"/>
-              <a:t>to providers in Tulsa </a:t>
-            </a:r>
-            <a:endParaRPr lang="en-US" dirty="0"/>
-          </a:p>
-        </p:txBody>
-      </p:sp>
-      <p:pic>
-        <p:nvPicPr>
-          <p:cNvPr id="10" name="Picture 9"/>
-          <p:cNvPicPr>
-            <a:picLocks noChangeAspect="1"/>
-          </p:cNvPicPr>
-          <p:nvPr/>
-        </p:nvPicPr>
-        <p:blipFill>
-          <a:blip r:embed="rId2"/>
-          <a:stretch>
-            <a:fillRect/>
-          </a:stretch>
-        </p:blipFill>
-        <p:spPr>
-          <a:xfrm>
-            <a:off x="6341660" y="653257"/>
-            <a:ext cx="5613400" cy="5613400"/>
-          </a:xfrm>
-          <a:prstGeom prst="rect">
-            <a:avLst/>
-          </a:prstGeom>
-        </p:spPr>
       </p:pic>
     </p:spTree>
     <p:extLst>
       <p:ext uri="{BB962C8B-B14F-4D97-AF65-F5344CB8AC3E}">
-        <p14:creationId xmlns:p14="http://schemas.microsoft.com/office/powerpoint/2010/main" val="998446241"/>
+        <p14:creationId xmlns:p14="http://schemas.microsoft.com/office/powerpoint/2010/main" val="7240196"/>
       </p:ext>
     </p:extLst>
   </p:cSld>
   <p:clrMapOvr>
     <a:masterClrMapping/>
   </p:clrMapOvr>
+  <p:timing>
+    <p:tnLst>
+      <p:par>
+        <p:cTn id="1" dur="indefinite" restart="never" nodeType="tmRoot"/>
+      </p:par>
+    </p:tnLst>
+  </p:timing>
 </p:sld>
 </file>
 
@@ -5290,108 +5258,19 @@
             <p:ph type="title"/>
           </p:nvPr>
         </p:nvSpPr>
-        <p:spPr/>
+        <p:spPr>
+          <a:xfrm>
+            <a:off x="645756" y="275431"/>
+            <a:ext cx="5185229" cy="850611"/>
+          </a:xfrm>
+        </p:spPr>
         <p:txBody>
           <a:bodyPr/>
           <a:lstStyle/>
           <a:p>
             <a:r>
               <a:rPr lang="en-US" dirty="0" smtClean="0"/>
-              <a:t>In the real study…</a:t>
-            </a:r>
-            <a:endParaRPr lang="en-US" dirty="0"/>
-          </a:p>
-        </p:txBody>
-      </p:sp>
-      <p:sp>
-        <p:nvSpPr>
-          <p:cNvPr id="3" name="Content Placeholder 2"/>
-          <p:cNvSpPr>
-            <a:spLocks noGrp="1"/>
-          </p:cNvSpPr>
-          <p:nvPr>
-            <p:ph idx="1"/>
-          </p:nvPr>
-        </p:nvSpPr>
-        <p:spPr/>
-        <p:txBody>
-          <a:bodyPr>
-            <a:normAutofit lnSpcReduction="10000"/>
-          </a:bodyPr>
-          <a:lstStyle/>
-          <a:p>
-            <a:pPr marL="0" indent="0">
-              <a:buNone/>
-            </a:pPr>
-            <a:r>
-              <a:rPr lang="en-US" dirty="0" smtClean="0"/>
-              <a:t>The </a:t>
-            </a:r>
-            <a:r>
-              <a:rPr lang="en-US" dirty="0"/>
-              <a:t>nurses create three 6-month mini-research studies.  </a:t>
-            </a:r>
-            <a:endParaRPr lang="en-US" dirty="0" smtClean="0"/>
-          </a:p>
-          <a:p>
-            <a:pPr marL="0" indent="0">
-              <a:buNone/>
-            </a:pPr>
-            <a:endParaRPr lang="en-US" dirty="0"/>
-          </a:p>
-          <a:p>
-            <a:pPr marL="0" indent="0">
-              <a:buNone/>
-            </a:pPr>
-            <a:r>
-              <a:rPr lang="en-US" dirty="0" smtClean="0"/>
-              <a:t>They </a:t>
-            </a:r>
-            <a:r>
-              <a:rPr lang="en-US" dirty="0"/>
-              <a:t>develop a manageable change to the services the provide, and see if their mini-intervention improves </a:t>
-            </a:r>
-            <a:r>
-              <a:rPr lang="en-US" dirty="0" smtClean="0"/>
-              <a:t>an outcome they’ve chosen. </a:t>
-            </a:r>
-          </a:p>
-          <a:p>
-            <a:pPr marL="0" indent="0">
-              <a:buNone/>
-            </a:pPr>
-            <a:endParaRPr lang="en-US" dirty="0"/>
-          </a:p>
-          <a:p>
-            <a:pPr marL="0" indent="0">
-              <a:buNone/>
-            </a:pPr>
-            <a:r>
-              <a:rPr lang="en-US" dirty="0" smtClean="0"/>
-              <a:t>One </a:t>
-            </a:r>
-            <a:r>
-              <a:rPr lang="en-US" dirty="0"/>
-              <a:t>real intervention involved a thorough script of welcoming new clients.  Another real intervention was sending text messages to clients to reduce no-shows</a:t>
-            </a:r>
-            <a:r>
-              <a:rPr lang="en-US" dirty="0" smtClean="0"/>
-              <a:t>.</a:t>
-            </a:r>
-          </a:p>
-          <a:p>
-            <a:pPr marL="0" indent="0">
-              <a:buNone/>
-            </a:pPr>
-            <a:endParaRPr lang="en-US" dirty="0"/>
-          </a:p>
-          <a:p>
-            <a:pPr marL="0" indent="0">
-              <a:buNone/>
-            </a:pPr>
-            <a:r>
-              <a:rPr lang="en-US" dirty="0" smtClean="0"/>
-              <a:t>Starts with 2-day workshop to develop the ideas.</a:t>
+              <a:t>Fictional scenario</a:t>
             </a:r>
             <a:endParaRPr lang="en-US" dirty="0"/>
           </a:p>
@@ -5420,10 +5299,122 @@
           </a:p>
         </p:txBody>
       </p:sp>
+      <p:sp>
+        <p:nvSpPr>
+          <p:cNvPr id="9" name="AutoShape 2" descr="data:image/png;base64,iVBORw0KGgoAAAANSUhEUgAABIAAAASACAIAAAAIyqENAAAACXBIWXMAAB2HAAAdhwGP5fFlAAAgAElEQVR4nOzdXXCU950v+J+3crFTs1VbdTZIluRUhTqQHYMIGmQXdUTNOAwvBvwyvvCSFAQckwTKczwFNh57PHZyEZskJCaGis+4RBKIwaYSyqfWB4OEeQn2TKFZCkREEHgqcIpUBalRy7tbezE15469aHWrW+putaTWo7fP5wqrn5f/86L2/6v///k999y9ezcAAACYeP/TZDcAAABgthDAAAAAEiKAAQAAJEQAAwAASIgABgAAkBABDAAAICECGAAAQEIEMAAAgIQIYAAAAAkRwAAAABIigAEAACREAAMAAEiIAAYAAJAQAQwAACAhAhgAAEBCBLAK3bzZvm/bsmXL7smzbNmybfvab96c7LaNX/u27CHtq/RoxrDK5Lp5s33ftpl7CWeQm/uy12hb+2S3pYiZ/VUAAEw4AWxEN9u3Lbvnnvnz1+3Y39HRkf9JR0fH/h3r5s+/Z9m29pnb9cp0N6dJyirqZvu+bcsyV7DkJZzYazj9zyExq74K3LEAMHEEsLJu7lt2z/x1+ztGWKxj/7r5y6bkX+vHKXP8O0Y8AVPXzfZtyyo6go796+ZPyGje9D+HxKz6KnDHAsDEEsBKu7lv2fwdg52Qlq17227cuHE358aNtr1bW7Ifd+xfNzVnTFVibevAMZ3fPi//5zeul+yElVplKrm5b1lBn7nEJcxdw+jYMb/qGazMOWSamEVfBeGOBYCJJoCV0r5tsMvVsrXtxt3zrdvXzpuXFzbmzVu7vfX83RttW7M/2b9uOve7Zpr8K1j2Ep6/0bZ3sPc8ARmMac1XAQBQTQJYce3b1u0f+GfL3hvnW9eWHuWZt7b1Rq7/vv91nfepIe8Kxta2kS7h9vN3BzvPHTt+rPPMAF8FAEB1CWDF3Nz3+mCf652Rp9jN2/5Ott/VcfSEbtfkK7iCN8p1mnMKOs/GL4gIXwUAQPUJYEXcPHE0O+No66uVPeE075H1W1tatm7d2/bqI0VXuHmzvbB0daZu9QgNKVxpWa7EWqka8LmfD+SHTC2zkfc5bHsDlcBzf/vv2DF/yA6HrlJh7fBy1euHtLaiU1TcGK5gRMzb/urgFLIPCo5ixKL7RQ5/5HNYsIExHPyobqrsIeQuccEOh685/N4Zocx69S5f0cMs3Ozw7Vb0XoShvyAj7nqyvwrGcuMVrjiKr4IR7tgJOcMAMBvdZajBgZDY2lblDQ7TsrXtRvGV2rYWX6tl743B6XItewvWzv18a9vdUusPWyl/vexHJZucW3d4E/J3Xkqphpc82nKnqKSxX8FSa5Zqd5EVc+uNfA5zC5Y5+BL7G/1NlT2Elr03Sq6cu/zlbr5ijZmgy7e1rXRTtw5tyojXqLJbtHhLJuurYCw3XuGKo/gqGOmOnYAzDACzkRGw4QaLgLUsmD/urbVvuye/gNpQHfvXFSv60L6tZMnrjh3zt30w0l67X19WumR2x46nJuLxlLVPDHS+howe5Wn/YOCP6y3r80YHhhYrHKJj/7r5o/tz+uAV3PrE2tGsGPO+1Jj9Z/fvE5lAdnPfsvllKn4Xrwkytpsq68S2Uit37Ji/rf1m2Ztv+K1T9cuX54PSTd0/9Mys/buB/FBy7l/u9qv0tpgKXwXjVcWvggk4wwAwK012Apx6qvpX78HKDgPFq7M7KRwzKDWQFYV/Fx8+0FBmxSF7HLJyiT+Xl9peBYNmd0f+83fRz/P/7N6ytW2wunfhOSr9R/dhBrc4ipWGtbGgkWMeiBhh1cKDL3W1yt4eY7mphq7Ylt+MlmGXouDzIQdY/cs3fCCmpeRtXGIEp+jeSl+iChoy6V8FYx4BG77Hsl8F5fdZ7TMMALOSADbMYM9lDN33QnkduKK977xOUl6PpaDbN2ytGwU9q3Jd8yJ7LHVsVQpgI3QXi+av4oGn8s/LrjKuAFb5gd0dawAr39LiQXJsN9WI90a526pMUyfg8g0JYEXWK3mM5fLBGNLBpH8VVCmAjearYIR9VvkMA8CsZAriBGr/cXbCUfECavPWtub6OoPT9gaf+9/aVqR8X/5K5RStGZCbJRgd129UsJHRKjdHabCeXN70pLwftrUWnbQ0eLilZzZOV7kJW8Wv1mBRkLzTObabqlCxvQ3eGsU3nPf5oIm/fEW3W/IY5z2yvtT9l/drNQmz46px1casml8FU/YMA8A0IoANM39B6efkR+Xm77sH/lW6gNpgNyjb7aqgG1O0LzxEiZWrdnAllO6fFT+u3EM2ZfpsucNN6KmsxAw+Ebf374of/drWgT+UnM/eQGO7qQqN1D9u/FKxDedunbwO+0RfvpInJu8YCzZb8v4bUzqY5K+CKqnuV0F1zzAAzEoCWBnjHCXK9U7LPcA/rCNZyVojJ7Bq1AwYk1L9s1z3rKBPPdgx3b/unpKyZbErvR5V6jcXzyETYRR7GttNVWCke6Pye2diLl+eMiemWB6MkvffeNPBpHwVVEe1vwom6AwDwCwigA2TfCG84pLr/1dVbt5cQf9sMH+tL/5ypIpUeD0Gr+Do+82DmWLCM+zgrmaJUf86lbsEeb+mhT8vdv8Vj/8jmipfBVNLNc8wAMxKAthwgwMoo+q/39y3bNmybdv2tVfl5bPTWPYv+Xn9s+rkr4oNXsHRzubKe/HuNA3As0Xp+Dr8/hvz7eeroKgqnmEAmI0EsOFyc2xG1X+/eeJoR0fH/v071r1e4h05xVfL9SOHdvin79/ch/XPciUISj8BU1HdtPOl1h5ibFcwv6HTeyJV6ZtqolT18uWMceLf0Ptv7OlginwVTDnVO8MAMBsJYEXkd7ter/A9pXllzrJ9kBJPqRQafNXrgErWmuqT14b0z0q/nXVwjld14+Zg/cDYv67itwAP1vQbff4adh1HVsnB39y3bOBJqoGjGNtNNUEm6vLllNlsuceqCu+/8aSDSf0qqEhS17pQ9c4wAMxCAlgxef33jh3zK+jAt2/LVhrIG+QZ7LyV7rvlFSIf6PHnrVXqb+554zRTVLYcfcfREzfL5K/8nunwuvVZuRCyrMIecH4LImL/uopWbN82P3daSz/IUqIHPaZInKu60LHjx8Uv9fDKBmO7qSbKhF2+GGGzg1m5aJ8/Px+MLx1M5ldBgWreeFVQvTMMALOPAFZc/su29q9btq3Mwxw327flCr0V9twHu10dO54q0u+6md9Zy3W68jpr64rtN2+lqSt7EB1HT+wb6FgWDTUjnaKIm/ue2jGW7t287e/kIljHjvllL2Hc3Lds8BoWe1VT+afKBts4OnmVx4v2yweTdrHbYzQ31QSZuMsX5Tabd75LbDUvH5y4Pr50MIlfBTFRN14VVPEMA8CsM46XOM90Q9533NKydW/bjRuDn9+40bZ3a0HB8+FPwuRvo2Xr3rYbg+vmr9qy90bptXIr3R22w5IrDvn5YJtzoaSgraXWG1x82AZH2tXgquVbVHiaW7bmneLCw63oMaMhbRh6Cbfubbsx/BK2FC5TdD9DLmRuI8MvydD1y5zDwrOUf3/cvdGW/0m522PUN1WJK1H5BS1+61Tv8g27dfK2OuR8l95qxfdfJSbvq2DMN95YvwrujnDHFlusCmcYAGYTAaycwq7RCEbq145qzQrWKrbqxAWwnOx6I+5qSNe8TO+syF6GGUP8ymx7NJewXCtHaOTWvdnPS3dnix7MyAc/tttj1Il5jAFsAi5f3p62ljvQ8j3+wmaNNx1M3lfBGG+8qgSwwb0Uu37VPcMAMHuYgljOvLWt5yvpebVs3XujVI23ta13y22hZWvbjSJrrm0tvd+WrXv3VpjPxivvCZisysst5L8uunT5w4iYt/38jaF/zs/XsrXtRusYJ9NlLmG5rQ/so2VrW8lrONDIUlekZWvb3dZHSq9Y9hzO2172FmvZW/z2GMtNNUEm8vI90VoqfxQ/MfnNGqyfMcL9V4nJ+yoY8403ZpX+1lf3DAPA7CGAjWTe2tbzd+/eaNu7d2tLy5DZatmpSOdby3Y+1raez8wYylt9YN2751vXFl913trW8zdutA1ZaevethvnW7d/KfuTCS9YnUmCBYddcWnwwQQ24sNI87a3nh8+H3Ckc1SheWu351/Dgh20bB24hBXsZPgVyV6Q8kc30jmcN3iD5Dctc+yl7qwx3VQTZQIv37zt5ws3PNKJGVxzMB9U52G4yfoqGPONN2YV/tZX/QwDwOxwz927dye7DYzWzX3LBir2bW27O1GdMJjeciUx/JZMEGcYAMbCCNiU077tnpHKdpd7BxIQUe71c1SHMwwAYyKATTmD71Yq8XaoEd6BBAz+lpR+pxvj4gwDwBgJYFPOvC81Zv+Zee3Q4DjYzZvt+7Ytmz/CO5BglrvZvm1crx9jJM4wAIydZ8Cmovz3uZY0Yhk4mFUGH40c5OGkanKGAaAajIBNRWtby9b1TrrOOEwHeWPHGS17x1z/nmKcYQCoBgFsapq3vUi96kz16UmpMw5T3/wncn+2aPE3iongDANAFZiCCAAAkBAjYAAAAAkRwAAAABIigAEAACREAAMAAEiIAAYAAJAQAQwAACAhAhgAAEBCBDAAAICECGAAAAAJEcAAAAASIoABAAAkRAADAABIiAAGAACQkM9NdgOmluPHj092EwAAgGnm0UcfrXBJAWyoys8dAAAwy412CMcURAAAgIQIYAAAAAkRwAAAABIigAEAACREAAMAAEiIAAYAAJAQAQwAACAhAhgAAEBCBDAAAICECGAAAAAJEcAAAAASIoABAAAkRAADAABIiAAGAACQEAEMAAAgIQIYAABAQgQwAACAhAhgAAAACRHAAAAAEiKAAQAAJEQAAwAASIgABgAAkBABDAAAICECGAAAQEIEMAAAgIQIYAAAAAkRwAAAABIigAEAACREAAMAAEiIAAYAAJAQAQwAACAhn5vsBoyg58L7R4/887lbtyIiYu7c5X+xYf2TSxuKLPj+mz8aXG755hKLAQAATJopHcAuvLl917lbeT+4devcrV3n/nnz2/uebChc8PFd5/KXO3do17k/vnLsuaXJNBQAAKACU3gK4oU3d527FTF3+StvH8t4+5XNcyPi1qFn3rwwZMGImLt5YMGBxc7t2v5+z+Q0HQAAoIgpG8B63j9yLiKWv7LvudxUwoalT+57ZXlExLmOC8MXzM45zC1265//RQIDAACmjCkbwG7/8VZELG8ZOolwacvyiIg//HEgWvX8yz8XW3Dp+s1zJTAAAGBKmbLPgC197tix5ypYrlRQa/jCFyNu3frj7Qi1OAAAgClhyo6AlXKh41xEzP2L/5SJVT1//ENEzP3CfcMWvO8LcyNvpAwAAGCyTdkRsOKyD3xteHJ8w1rHjx8v9dGtW7dKfQQAADAe0yqAXXjzmUO3IuZuXl9xefkScxAfffTRoosfP3587ty5Y28hAAAwm1y7dm1Uy0+fKYgX3ty+61zE3OWv7BvF8FexyYkAAACTYnqMgPW8v31g7GvoK5gBAACmjWkwAnbhzTLpq+ELX4yBiYZDZMojfvEL8hoAADBFTPEA1nPhzcd3nbsVc5e/cqz42FepYoelyyMCAABMjik9BfHCm8/sOjfCxMOG//QXcw/dunXo6IUnn8srzXHh6KFbedXqAQAmxL8dfX6ymwCzy5+u/8lkN2Fcpu4IWM/720dMXxGZBBYR53Ztf/NCZhis50JmVfkLAJhQ0hckb7r/3k3ZEbDMEFbErUPPPH6oyOfLXzk2MOLV8OSLr/zxmV3nbp3b9cy5giUU7AAAJt6frJre3UGYRv799PQe/oqpOwJ2oePcyAtlNSx97u1XNi8ffH/X3OWb3z72XMUvCwMAAEjCVB0BW/rcsWPPjWL5hqVPPrf0ydGsAQAAkLCpOgIGAAAw4whgAAAACRHAAAAAEiKAAQAAJEQAAwAASIgABgAAkBABDAAAICECGAAAQEIEMAAAgIQIYAAAAAkRwAAAABIigAEAACREAAMAAEiIAAYAAJAQAQwAACAhAhgAAEBCBDAAAICECGAAAAAJEcAAAAASIoABAAAkRAADAABIyOcmuwEAACTtiaf+ZrKbwJTwwTv/ONlNmHUEMACAWSQTvVr3vD7ZDWFKyNwPYliSTEEEAJgtnnjqb1r3vC59kZO5GYyIJkkAAwCYFXSyKUogT5gABgAwW+hqU1Trntfl88QIYAAAAAkRwAAAABIigAEAACREAAMAAEiIAAYAAJAQL2IGACAiouvIq293jmL5+9bt+M6Kz49rX/WrvrfzodqxbQKmJyNgAAAACRHAAAAAEmIKIgAAERFNG15v3TDkZ5+179n7QW9E88bWDfdPSqtghjECBgAAkBABDAAAICGmIAIAME6fHtj53oUSdRH7zr713bY7EU3P7HmyacQtpT9tP3P2Uued29kf3Fff9MDDX1nbWLzcYl/608tDl7+3oWnFIyvur6y4YsEcy77uT058dPpCb+aje+9rXrF1w8B2+ro/OfHR1Qu9dwb20rzqsZUPNdVUcgj33te8qOTCoziE/JMcXWc//rCr63amqfX3Li12yNkzH0uffn1LY0WngwQIYAAATAl93e9/92DXkB/e7u26fbDrg/qmZ3YOyW+fdR351dudd4Ytf+d273sXuoYvX16668h7hVX479zufO+7nU3P7Hkyjrw1ZEe3O0+/3Xn1iZeeXVsYq3KZp3A7d97uPH1f88bvDH2ObmyHcO3AnlxKjIiI3jsXxnLITA4BDACAKSD9yf5M+qpf9cym3HjRZ11nf/V2253o7Xr7yML8QiB9Zweiy33NG3PjVJH+9MDh9y70xvDlR9B5+u2CTeWiUdfbe+5E7537mldtXflQbU1ek+LOB4c/WZL3HrNc+ioYH0t/1nXmV2933rnd+d5rUZDBxnYIt9tO3457l6772iMrPl8bEelP2w+/90FvRG/Xh2e/0jTWN7ORGM+AAQAw+fquXr0dEdH0zM782Xqfb1rx7DPNERHReS1vdOzTE5mBpuaN39mQN/Wu5v4tOzcuzfw7le4bTQPuW7cjb1Ofb9qwYmA7vXeieeN3NmTSV2GTevtTufXTn+wfbFLeIdR8vmnDs99bd29E3O48256uwiEsffrZLZn0FRE196/dueOJ+oiI213X8pevXfFs657XW/eYfzi1CGAAAEwdd1LpoT9q2vB6657XW/MfIeu+diEi4t4nVg4f45pTVx8RheloZE2PDR07un9JJmUV20td7b1DWjsYIIsNu9Wu+NoT9RFx54Mzn473EOpXPTI0UH2+rq708kwxpiACADD5amvvjbgTceeD3W9dal702MqFTTWlZ9M1Ptm658kSn32+ri6it8SHpdTPqSv52b11w+pnZFub89nlrsxw1sIST2FlW5VK98X9tTGOQ6irGV5fpG5oe5i6BDAAAKaAxiefab7zduedXNWKiGx9v0X315YoITgg/Vlf9KfSkfrdtUupbG3AUSmWakajP5XZaed72zrLLtjbn4oosq+KD+G+2jnjaimTTQADAGBKaNrw7Pe+XFDtfaC+X1tEfdMTw4rR93W/v/+jMcWtKWMGHAKjJYABADBV1DY+tKXxoS0Db8fKGwvq7frgYFdq8H1W2fd3Zd1Xf29D3b11tQuXLLo/debVt8sPQ02c5o0Vl16cqofABBPAAACYQKm+sTybVFtz/9oN96+NJ/PKvseFjz55pPGh2oi+s7/KRJeCAu65PY6/0aM2p66+8BGvkUy9QyAhqiACAFAdt/v6h/3ss1RFYeKz9j2vbtv56rYjnw77aHjZ92zFi/pVw6NLxKeXJ2HsKFeH8OrlYVUcI2LwAPd80hcxJQ+BhAhgAACMU7Zs+vD3VnV//EFFDzh9fknTvRERBW/KysmmuHK1Cgf0nT17oZIdVlvTylX3RWTezlzk5V3Z87D04YdGHB+brEMgGQIYAADjlI1Pvae/u+eTroEE9VnX2fdfO9hVbr08tSsyLz6+88Hutw50fzaYYdKf5p6VyqaXwd3tP/Jpbsm+9KcH9rz63bbcjMcirxSbQDUPbV2XOwnvt3d/lv3gs66zb23LnIfBV3glcQh9Z9/atvPVbTtfPdA99o1QdZ4BAwBgvGpXfO2Jrr0f9Eb0nn579+nBD+pXPdN09e22Sh4Du3/LS6t6dp++HXcuHNw7fAjovnU7shU4onbFiqVd713ojdud7323cLbefc2rHqvN7PFOKh1Rvn59VdWuePZ78dZ32+5kSoZ8MOTj+lXf2zk4/DU1D4EECGAAAIzf59fu3FF39uMPu7J1C+vvXfrw17Y0fr7v7NVKt1Hz0Hf2LOw6+/GHXXdu5yrR1997X92KrSuHvArs/i07dyzJ313ce9/g65trlra9dyHiwu8+3dJYYU3C6qhd8Wzrok/bz5y9lLqTKy5/X33TA8Nq6E/ZQ2Ci3XP37t3JbsMUcvz48UcffXSyWwEATA//dvT5iPiTVc9PdkMq8sRTf9O65/XJbgVT1Ladr37wzj9OditG9u+nfxIRf7r+J5PdkEHHjx+PiMpDhGfAAAAAEiKAAQAAJEQAAwAASIgABgAAkBABDAAAICECGAAAQEIEMAAAgIQIYAAAAAkRwAAAABIigAEAACREAAMAAEiIAAYAAJAQAQwAACAhAhgAAEBCBDAAAICECGAAAAAJEcAAAAASIoABAAAkRAADAABIiAAGAACQEAEMAAAgIZ+b7AYAAMBYpT95bffp280bWzfcX3qZT9vPnL3Ueed2RETcV9/0wMNfWdv4+dHvq0rbYXYTwAAAmKY+az98+nbZJfq6399/sCt/mdu9XbcPdn1Q3/TMziebKt5TtbYDpiACADAdfda+Z+8HvWUX6X7/u4WpaVBv19t7PumrcFfV2g4YAQMAYPpJf3rg8HsXyqev+PTAwa6Bf9Y3PbPpyaaaiIi+7k9OfHT6Qm9E7+n9Zxd+Z8WIcwirtR2IMAIGAMC08lnX2fdf2z1i+orovnYh84/6Vd/bOZCaIqK28aEtOzcujYiI220fdxVfeQK2AxEhgAEAMH181r5n79ttmdmA9z7x0o4n6ksu2td3JzKLbXqoduiH9295OvPcVtfl7hF2Wa3tQIYABgDANHNf88bv7Xl2bU25ZVKZ4FS/aEnRxWrm3BcRET19n5XfV7W2AxmeAQMAYNqoa1r1zKaHmspGr1G53dcfUYXHt6q1HWY8AQwAgOni800rHhrdGr39qYhhUwcj0v3l69dP1HaY9UxBBABgBmr68sDTWW8f+XTYh5+1f1Rp1YxqbQcyBDAAAGaixoWZEoXR+d5rRz7pSg/8uC/96YERXyA2EduBiDAFEQCAGer+R9bde6HtTkTc7jz9dufpwk/vva/+zu2K4lO1tgMRRsAAAJipalc8+7119xb75N4nXvraA4lvB8IIGAAAM1jtime/t+jTE4fPXugdeJ3Xfc0rtm64vzY+PdAbEXFf7ZwktwMCGAAAM1ltzf1bdt6/ZchP0+meiIhoqK20dny1tsMsZwoiAACzTt/Vq7cjIpqWNE6J7TB7GAEDAGAmSn/y2u7TtyPuW7fjOys+P+Sj/W13IiKaFzYlth2ICCNgAADMTDU1DRERcbvtVwe6P+sb+Olnfd3vZwJVRCz98v3JbQciwggYAAAzVK58/J0LB/deGP5588YthfMG+86+9d22OxGx9OnX8z4a9XagDCNgAADMTLUrnn2muWj5+LiveeP3NlQ6bFWt7UAYAQMAYAZr2vDs9778yYmPrmbLx8d99U2PbfpKU83oihZWazsggAEAME19fu3O19eOtFBt40NbGh8aWj6+6JIrnm1dUYXtQBmmIAIAACREAAMAAEiIAAYAAJAQAQwAACAhAhgAAEBCBDAAAJjVtu18dbKbMIsIYAAAs8IH7/yjfjalfPDOP052E2YLAQwAYBaRwRhi285Xpa8keREzAMBskelnP/HU32T+s3XP65PaHCaZND4pBDAAgNklF8P0v2c5A1+TQgADAJiNdL5hUngGDAAAICFGwIa6devWZDcBAJgeaiIioqenZ5LbAbPGf4iIad5jF8CGmjt37mQ3AQCYHv7tYkREQ0PDZDcEZot/vx4xxXrs165dG9XypiACAAAkRAADAABIiCmIU91/+9f/MtlNgFnkr//sP092EwCAmcwI2JQmfUHC/NIBABPKCNg08NAX1092E2BW+OQPRye7CQDADGcEDAAAICECGAAAQEIEMAAAgIQIYAAAAAkRwAAAABIigAEAACREAAMAAEiIAAYAAJAQAQwAACAhAhgAAEBCBDAAAICECGAAAAAJEcAAAAASIoABAAAkRAADAABIiAAGAACQEAEMAAAgIQIYAABAQgQwAACAhAhgAAAACRHAAAAAEiKAAQAAJEQAAwAASMjnJrsBTLLN67852U2A0Tl09BeT3QQAgDESwGavTPTa89buyW4IjE7urwaSGAAw7Qhgs5HoxbSWuXV3PvvSZDcEAGDUPAM2S0lfTHd73tptAi0AMO0IYLPO5vXflL6YMWQwAGB6EcCA6cqfEgCAaUcAAwAASIgiHACJev2fPpzsJsDs8upfPjbZTQAYZAQMIDnSFyTP7x0wpRgBA0jaN5f85WQ3AWaLX1z+p8luAkABI2AAAAAJMQJGob5ze167Eg11dfU1X25qbFw8p+zS/ekr3We60qneVG/9qj1PLUyqhSd7I+off2Hn6vLNAwCAqUUAY7hUb0+qtyc6L15Z950dK2pLL3jlN7t/dnng3/WJNA0AAKYzUxApI9V1pb/Mx91dl8t8CgAADCGAUVx9Q11E9HZ2p0sucu13FyOirr4hsUYBAMD0JoBRXF3z4vqI6Llyta/EEle6OyPiwcVNCbYKAACmNQGMEmobmxqizCzEzPzD5qbGRFsFAADTmSIclDJnUXNdW0+qt7M7vXp5zdBPM/MPl3x5cfS1DV/32pFnD3WWKFSYPrV394z24t8AACAASURBVLFUxJKn3/pqQXrru3b25Omui6ne7A/qG5Y0rfurFSNUYsy68uudmYogDUuefrn8luvqH1z88JrljSXqi6SvnDvTdqWzJ5VdeNWmpxZGqWaPfvujXn6o/rM/eKOtJ+LBzXueWpi+cu5M28nOntymVm16amFNkQOJ+gfXlNzLaE9R37WrQy9WXV3zqpWrFxbeKvl3QnSf+s1HnZd7M01tqGsusnzu9ojmb+/esLjCEwIAMG0IYJRUs3hx/bFUb8+Vq33Lh9ZCHJh/2NgYUWqK4qikr/x6sKBiVm/P5d6fXW4bHqiGu/LrPSXSV65DnyfVezF18OKV5sc3bhiaD7PZpmDhQ7svLln3YImWl9z+yfoHN+8cVpp/tMuXle5+59DBi0Va+/RbX4139h68WLCj3osnDxarbDnKJvV3v/PekC1HRG9PqrfnUGdnqYvVfeQHuZQYERE9qc5yywMAzEwCGKXVNjY1nOztSXVd6V9RGFQy8w/r64YNjI1N37nDA/FpzdNbcqMu/d2n3jt4LBU9lw++01juJWN95/b87HJvlE1fDUue3vJXjbVzIiLdd+3MgUOdPanOY29EbcEwS/c7A+mr/sHN2XGkTN643FaQc4Zuv2Bwqa+/++R7By+mei8e2hMFAWa0y4/g4smDRZqairh88Aep6EnVP7hm05rlNbV5JzNSbQfOLXp5cEhz9IcwkL7y9hvRd+3IgUOdPVHqYvUeO9kbdc2Pb1y5ek5NRPRdO3vgUFtPRM/lj079VaP3uQEAs4ZnwChjzqLmorUQB+ofNlU4OXAk6StXeiMiljz9cv6ctzmNq3c8nRl3utjdXWrl7HuZi8w8jGtnBtLXmpde/momfUVETe3CDS+/sK4hIqLzZ7/uztvURxcjMvPlctEi5jQ+teOlx+uK7vpwZvsPbt75VF7LawdX6b14+mzfWJevwLCmrmrO/LMnldlLTW32o9zJ7EkPXs1RNyl7Sh/cnLffiNqFG17ePLDr3nTRypnN396xIZO+IqJ24YrsJRhyd9Ws3rHnrd173jL/EACYmQQwyqlZXKwWYmb+YcPiRZU+s1ShVN+w7NH41O49b+3eM/yxq4xy6SvSp053RkTUrdsy/Bm2OSu2rKmPiLj80amBKiO5HPjwsAGZmtXZYJO//VxuLDZmVbN647qGiEi1nbw2tuUrMLypC788MFWybt2aoXupqcvEyMHzPOomZS59sY1H1NRmXkjQUyyANaxZOTRQzamtL708AMAMJYBRVm1NXcSQWogD8w+bG6s0ATFqageCQdtre/e8c667r9zbnweluo9k0lcUf44onRqoolFbNCgOHFr0pjL9//6rnZmxncZiYS8XbHLKLx+DAWNgRGi0y1egoab0JShy1NnznDP6Ji3+6p63du95a+hTZAULF1VfpKnZQAgAMIt4BozyFn75wei8GHm1EPv7eqOK8w8jIhZ/9ekHUwcvpnK1HyKyVfIWL6wpMc7We/FktgRf0eeIMu0sk1JqahsiejLpYmFNpPsyT3+VeLCtpq4uIr/yxMDycfHQzmKPhw3qSacjaka9fAWKpZrRGHeT+vrTkU7fib6u7q7ebHnDoi2t1uOCAADTnADGCBqblsTFy5GrhdjX3dVT/fmHjU/teKmpoGb6QJW8YxENS9aVKkbfsKS+53JvRO+x33SvLjFNsWRKmVNbH1E6M1BK+sqvD7eVi1sAAJQigDGSxY3NcbkzBmohZp4aquL8w5yaxcs3LF6+YeAdU3kjKj2X2352uW/4W6Ea1rz08vI4ldp9LBVRulLiwADXcNkhsiGLp9IRoxnce3BzuQqN418+AaNo0tAy/fUNdXX1dbV1jYsWL0yffOlg+ZE0AIBZTwBjRNlZiKl0RFztTI1z/mH20aySamoXrnhq4Yr4al7x9OhsO7dycUEtjYEQuHrjus432noiLh460pQf0rIDXCVn9GUn4A0MkWVnJFba7CEzGEc02uUTMOompU+9N6xMf96nE9BEAIAZRhEORtbYtCQi4mJ395XRzT/M1rfIN3zcqf/sD17a+exLO98ZXv2vRPH0wmWy9QwLa8oP1ni4/LsrxdYbKOiXezxpoOZ+iZL3mcr7BfvNFvErLBE5KHtcPziXHsvyCRhtk7JFOxrWDE9fxU4RAABDCWBUYHFjc0TE5Y/arvRGJbUfshXJhxf0u/KbtqGjTLnkU/QVWCPW0oioXb5p4D1dlw/mpbhc7fjOtuGRpv9s2+WIyK/kPlBzP68wfU62on2BxjWZ4JdqO1AsMmWPtHndwMDdaJdPQBWbVPQUAQAwhABGJQaKsPf2pCKiuWnE54Wymarn5O4fnOseiFX93ad+vednl4cvnU1KqbbX9h650p/3muBruSeOymeA7BurhqS4hSsfzzXj17nq9um+a0eym61//K8GS3dkg1zvsTf2vHMt24z+7nf27j5WbNpkLvj1nNz9g1+fHazU3999au/OzJHmv/9qtMsnYHRNGryshwfPT+Z8vpR3ioq8z61y6VN7dz770s5nXzpSdNwSAGCa8wwYFckrwr7kyxUkhJrco1k9Jw++dnLwg4Y1TzdfOTg0zyzc8J01qddO9kaq82dvDB9IqX/8haEVOIaas2LdkrafXc4M5ix6eSCt1aze8VLs3X0sFT2XD742JPvVNT++cUNh8fqa1RufTr1x8GL0Xjy0O39CXcOSdc2ptmExLH/7bT+73Dbk44Y1L71ckBtHu3wCRtWkmtWrmjsPdfYMOz8R9Q+uebguc2VTfXciqvySbgCAGUIAoyI1ixfXH0v1RpmX9g4xZ8XLL9Se+s1Hndlihg11zes2blg8J32q2NBG7fKdbzV2n/rNR52p3lwl+oa6+vpVm9aUfBVYgcVfffrBywcvRvScPHyqcWduYuHqHXsWXzt78nTXxVT26bO6+gdLbXZO41O7Cwvi19U/uGrTUwvj1N6h4WTI9ntTucrs9Q1LmkqUzh/t8gkYTZMWbnj5hS/nX9aoq39w8cNrGhtr50TUNB871BnR2XVtw+IpVukRAGBquOfu3buT3YYp5Pjx448++uhkt2LQf/vX/xIRD31xfRW3uXn9N/e8tbuKG5wlut956eDFyRmkooydz7506OgvqrW1T/5wNCL++s/+c7U2ONzr//RhRHxzyV9O3C6AfL+4/E8R8epfPjZB2/+3o89HxJ+sen6Ctg8M8e+nfxIRf7r+J5PdkEHHjx+PiMpDhBEwGDAQsWLJ028Nf6dzthbIyAVIYDJt27BpspsAY9F65PBkNwEgIQIYDMg+53b5d1e+2jjkkbO+7q5M0Y46+Yupa9uGTd/fN4X+IgiVy/ztQAwDZgMBDAbknnPr/Nne+PbGDQOPP/Wnr/zm8M8u90bk16yHKSXTeZW+mL4yd++2DZtkMGDGE8Agq3b5zm+n9/zscvFijA1Lnt4yfGoiTBXSFzPA9/f9RAYDZjzvAYM8i7+68zsvPP1gXX3D4M/qG5as+/YLL7381Ual1ZmSzDxkJslksMluBcAEMgIGhWrnND61w0gXAAATwQgYAABAQgQwAACAhAhgAAAACRHAAAAAEiKAAQAAJEQVRIDZpT/dfe2jk1dTvame7I8a6uvq/nzFw4sW1NQUXyd99qe7TqQi6h77+79dWWKZrOuHn3/3UkTDI8+9uGKsby7vPrr9QFdluwOA6UUAA5g10t1Hf3mgq2fYz3t6Uz297146EQ3Nq7+x8SsiDwBMGFMQAWaHq+/9dFex9JWvp/PUrud/eiadUJMAYPYxAgYwC1x97x9+3pn9j/q6BwonHKbT1393+uyHnamIiEh9+MOjtT9Zv2gy2gkAM50ABjDjdR/Npa+GR77+jRULhkwyrKlZsHLjgpWrrh/+4buXIiK6fv5GzSsvmIsIAFVnCiLADNd/5mRX5l8Njzz34rD0NahmwaaffP2BzL97T33UnUTjAGCWMQIGMLOlr13ujYiI+tXfGLks4YJNW5ouHeiKiEtXrm9qXFB+6dzMxobmr7+4cYSFcwUYL/Wmsj+pa6ivXbJm+crG0g1LXz9z+uzlzoGajQ31TWWWT3d/XLD9zGTL4Zkz/fGPfniqJ+KBLd/f1Nh/9ey59hPZp+Pq6x5Y87VNA9vvv3r2XPtvu3p6B1r7wCPFtjbmQ5vYJlV8NkZ7CPk1KqOSq9N/5o03P+yNiKZvmdoKIIABzGzpq1czneMH1lQ2pbCx8YHouhQRnd1XNy4o012++t5PR5G+0tcPH3r3Uu+Qn6Z6elM9B7oul9hC6urR7Se68n/S09vVc6DrcpEa97lefp7e1KXedy/9tumxzeuLl7Pvu374QGbWZd4qB9681Pz1fRvj8BtDGpy6dOLdS79dPXRy5pgOraSqNKnM2ThR98CWv93UWPjR2A7h6tEfnSgo6zJwdUZ7yACziwAGMKP13ckMaNTVVfpE14Km5rjUGRF9felYVPrNYD/vTEXFY19nBvr3dQ9syQ3mDJbF7+l89/Di7w9NBZG6dCIV9U2PZQdV0t0f//LAqZ6InhO/OrMo/xVhg3mjofnr31iVqS/Sn+4+98sDXT29XR/+MIqWFbl04t2CJuVySOe7P0pFT2/dA4987eEVc2oiIn39zKF3P+yN6D31y7ML8+Lf2A6tpOo0aeBsFIyPpdPXPzr07qXe1KUDP42CDDbGq/Nh5upsXr6ypvDqdJ49s2qBF7gBlCCAQWl95/a8drL3wc17nlo45JPud146eLGCLRRbtxLpU3t3H0tFLHn6ra9W3HGDIvr7BiaU1dZW3CGuvbcuIhWRSqUjiq2VfS9zhekrovtcJh0NGXupaVz/4pbYfqArIlJ9/VFktl7Tt14YDE41jV958e/jRz881ROpy1f7V+YiR3b7hW9/nlPTuP7Fv6/50Q9P9UTXz99r3FekqYXveq5ZsGnNwAzMnt7C1tYsWPnC11PPv3spoudOf8TQXY/+0EoZb5PSZ39VvEk1Cza98FzdG29+2Ju6dPLjhxuzg2YTfXVizsoXvr+y4uMHmOkU4YBS+s8eODl0Rk4y+s4dPpYaeTGYFKNOXxFXr3RFRNSvfnj43xNqahoiYiBCDNXwyPKhw1Y1NXVDl89WGSn6kFvNV77xSF1EROfZIu83a14xdKCmsXGgDEmR1s6pq4+IiFQ6t6UxH1pJ421S/+9+m4qIaP56sWG3OSs3r26IgiIrE3x1ABjCCBgU1X/2B2+0lX9l7cTterKCH4wodfXohycG+veVP+ezaOP3920s8VlNTV1Eqd+1utrhoy5z6uojCn5F+lOZ/6yrKTrIV1NbW2pAr+He0gNTRbY2p7ZuyK7HfmiljLdJ2ZorDywucXWyrcoNak3w1QFgCAEMhum7duTAoc6y3abGp3bvearUh9eOPHuoMyIa1rw0+vmH3e9MVvBjZsp10Ms90DVE6cfGUpdOZAdnx/GcTzrdH+n+vkh3XbmayhbQK6ay59bS6UybSkaXmpqGwsgxuIMiEWJcKj60ksbbpHQ6s9NLB/7hUtkFCyZSFmygqlcHgKEEMMjX333qNx8duzyev992v3OoMyKibt2W5aPunlz59cGLEQ1r1tWfbKvkGTMY0YgPdA1zvWvgrc3FHxtraK7r6UxFpD48fX3lKIrd9V9971ftY8okFSoZXcY0EjUaE35oE28GHALAdCGAQU7+tMO6dd/ZGAdGPxiVSVAR9Y9vXFE72gZcO/Kzy5nkVnvy5GhXhuJqFi1qOJHqiSiou1BGd/fAyElz4/CygQ2PPPfiijiTevPD3ojK6/tlX3KVVddQX1tXV1O3eOGXG/s/ev7d8mM1FSpZ6yI7RDYhEjm0MXhgS8WlF6fqIQDMUAIYDFX/4OZNTy2sif6zo141k6AiGtZsWj3aaUT9Z39wqDOi+ds7VtRG98jLQ4VqFi6pP9VTpFh5UdcPHxh471axh4jqliyaExErN6++/MNTPRGXDhxtGvnVuv1nDmX69wVVznOfVnogpWQHuErNqcvNyqv6hMMJP7QxKD3fsoSpdwgAM5wqiDCotnnN09/ZvfOphWN7smE8kw/Tp95r64l4cPOGxWPaN5Q2Z+Wapsy/ek68+aOz14fXAhyQvn44N9xRtCZeTq60YHT9/L3rI+w/Wxai4ZHh/fu8Abexy1YC7Oy+WuzjgSp/E/HM0oQf2ujl6hD+9lrxC53++EfP/8P25//hR2f7I6bkIQDMcAIY5MxpXL28cdTzBrP6zn2UeWrrwVWjnnw4UHd+ydNjemkYjKRx/SsDeSl6Try7642fHj57PZ3XPU+nr59576fbf5ibbFb32OYRJivWrPjaYwOx593DYx+yzVaQH5dcwuxqPztsxCb9cXvmkbbh5d0nVlUObQwWPJy51r2nfjn8bERcPZ0Z72paO8JYaEzeIQDMbKYgQnV0n8zUjq9bt2a0IerakddO9kY0f9s7l5kwNSv+9lt3fvrzzlRERG/qUu+7l06UWrbwRcAlzRmciFj+6bLsHMieE786XJsbZulPd5/75YGuwUePUul0LBhjRGpc/lh914e90XPizR/d+fo3Vi2oqRmyi7rHVlVeL6RiCRzaGBq14muP/fbN7NlYvXbVVwaqX6avnzn0bvaN1dlXeCVxCP1n3njzw96IaPrWyBNWAWY8AQyq4trvxjr8lZm4WP/4CyYfMrEWbfzbVxYfLehVD9PQvPobGyso1JFR85W1zad+3jni02VzVq5punygqydSlw68WTilre6BR1bU/fbdD3sjetN9FZZpLLqLF56LN978sDd6Ot/d1Vn4YX3TY5vXT8zwVwKHNqZWDZ6NUz/vPDXk44ZHnsu7WFPzEABmMAEMqiB96vTAJKemUQ5/ZevOj75oB4xeTeP6F3+yPt398UeFr3hqqK+r+/MVDy9aUPxNxqUt2vj1BzrfvRTRc+JXZxaVHjdrXP/i3zeeOX32cm6n9XUP5PZY2/Thga6Irq7u9YvGPgw8Z+UL3/9y98cfnbx6qTdb9bC+7oE1X3u4cc4EJockDm0MBs9Gqjd3oesamhcNDohN9UMAmKnuuXv37mS3YQo5fvz4o48+OtmtGPTf/vW/RMRDX1xfxW1uXv/NPW/truIGZ65sVfoHN+8Z4dGs7JINa156eTTlN/rO7XntZG/UrfvOjiHjZt3vvHTwYkQsefot8xLL2fnsS4eO/qJaW/vkD0cj4q//7D9Xa4PDvf5PH0bEN5f8ZRW3uW3Dpu/v+0kVNwiT6x+2P9965HC1tvaLy/8UEa/+5WPV2uAQ/3b0+Yj4k1XPT9D2gSH+/fRPIuJP10+h//EdP348IioPEUbAYNz6ujNzuuqbG0f1d/b0lSu9ERGpttdeaiu+yOWDz16OqCQEAgAwDaiCCOOVzVF1TYtNIwQAoBwBDMYrnUpFRDQsXjTmEvYAAMwOpiDCOGXrH9aPtnxB1KzesWd18Y88AwYAMCMZAYPx6Utn6q3V16nQDADACIyAwfjcSfdGRERd7QgPgKVP7d19LBURzd/e7ZVfAACzkxEwGJd0X2YArK723kluCQAAU58ABlVRV6sCBwAAIzEFEUqZs+Ll3StGWqhMIY0xLxkRjU/t3vNUpQsDADBdGAEDAABIiAAGAACQEAEMAAAgIQIYAABAQgQwAACAhAhgAAAACRHAZqOdz7402U2AKtj57EuHjv5islsBADAK0+g9YBfefHzXueWvHHtuafGPiqxSfOlZ7tDRX2xe/83JbgWMl78jAADT0bQJYBfeLBqxIiKi549/SLAlM0Aug+15a/dktwXGIpO+DH8BANPOtAhgPRfefKZ0/Iq4/cdbYbhrdDI9V0NhTFOiFwAwTU31ANZz4f2jRw6du1VumQsd5yJi7hfuS6hNM4heLAAAJGlKB7Ce97c/c+hWRMxd/sqLLR0lRsEyExDn/sV/aki0cQBMO+mzP911IvXAlu9vaiyzVP/Vs+faf9vV05v5z7qG5kVrV31lUU0le7h++Pl3L1Ww3EhtAGCmmtIBLCJi7vLNG9Y/ubQhLnSUWOL2H29FzP2LL9x+/80fDYyVzZ27fMOLzy2VyAAYlP74lydSIy7zox+e6in4UaqnM/XzzqsPbPlbkQmAcZvSZegbntx3bN9zT5YPUpkBsFuHdu0anKl469a5Xc88/uaFCW8hANNEkWQ1qmVSlw789Ey6+u0CYJaZ8iNgI8pU4MhMU8wMevX0vH/0R4fO3Tq3a/sX3t73ZLH4dvz48VLbu3Wr7ANnk6G3d4QuA1BFCXwJ9PZU+Ze6P91f3Q3ONP/379v/z//6r33Z//wf/1/RM/b/dBzIpq+aP/s/nlj7pf8ts/J/7zj/L+eu9UekPvzw//ry4/+x7K7mPPzycw+X+vD37bv+679GRO1Xnnq41lUro+q/IxP3e52ZmdpT7QYDpfyHiJiSPfbKTfsANlCCfvkr+3IlEBsannxu3xfi8V3nbv3zv/Q8WSyBPfroo0W3dvz48blz505QU8fgd/8aEVFfbzIlJOHGHyIiJvZL4I/dEVHfUOVf6jk1c6q7wRkkff3M6bMfdhbMPPyf/9diZyx97feZAa7mr7+yccHgA19z5jzxZ//xf3njzQ97I/7f/xFz5lT0LFgR1w//IPOlvvpbj//vY93ILFHN35G+/x4T+Xv9bxcjIhqq/UsNlPLv1yMm+n/Wo3Tt2rVRLT/tA1jDk/uOPVnk50tblse50gkMgJkvf0ph/epXNscvS89CTF+92hMR0fSt/PQ1YM7KF76/cnxtufpepjhH3WObvyJ9Acxi0z6AlXTfF+ZG3Lr1x9sRAhjAbFb3wJavbWqcE+mPSy/T/7vfpiIimhsXTUQTuo/+vDMiouGRr60UvwBmtZkbwDK8HQxgFqtZ8sjXv7Fi+IjWcP2p3oiIhnvnREQ6ff2jQ2cv9WYmLtY1NK/4xqoFNWMPTtcPH+iKiKhf/Y0VZosCzHJTugpiBXre3/74448XK3iYKc7xxS8Y/gKYrWoWrKwofUWk0wNhq3bO1fd+uuuH72bTV0Skejrf3fXDsZdATJ89m3kz2ANrTD4EYLoHsIYvfDEi4lzHkATW8/6RcxGxvGXp8HUAoLjUyZ/+vLPou8JSH44xg13/KPPysfrVD3uNGADTfwri0vWb5547dOvcru2RK0N/4c0f7Tp3K2Lu5vXyFwCV6+lNRURD89dzcw7T3R9/dPLUpd6ISH14+vrKjQtGt8XubsNfAOSZ9gEsGp58cfM/P3Po1q1zu545l//B8ldeVP8QgFFqeOS5F/Oe1Kpp/MqmxoV1mTL0nd1XNy4YTZWO/jMnuyIioqnJ8BcAEdN/CmJEphL9268sH3wbwNy5y195+1hmOAwARqFpbZE6GXNWrmmKiIiuru7RbCx97XKmtscjyyekuCIA08/0GQFb+tyxY8+V/LRh6XP7lpb+GAAqUaoMfU1NQ0Spd4iVkn23WN2SRYofApAxE0bAAGB8amrqMv9Ipcda7HC47LvF6hd92eNfAAwQwAAgFjQ1R0REb7qv2Me5say6UUSp7LvF/nyh/AVAlgAGABG192bGwLp+/t71YR9mS8lHbW3lWSpb/7Cu1vxDAHIEMACIqFmx4oHMvzrf3f7Gx1ezMxHT3R8ffuPdTJQaVS2NdF9mLG1Ug2YAzHjTpwgHAEykBZu2NF060BUR0Xvq5z88NWyBIQUS+89katNH07d+sn54MOu7M/pBMwBmPiNgAJDRuP6VLU3FX2FS3/Stvy+Sskrr78vkr/qa2iq0DIAZwwgYAGTVNK5/8e8bz5w+e7kzNVB0vr7ugT9f8fCKBWMcx6qrMQAGQB4BDIBZouYrL/7kKxUstmDlxgUrN4643JyVL3x/5Rg/BWDWMgURAAAgIQIYAABAQgQwAACAhAhgAAAACRHAAAAAEiKAAQAAJEQAA5jeWo8c/oftz092K6A6/mH7861HDk92KwAmkAAGAEwJ/pQAzAZexAww7bUeObxtw6aI+P6+n0x2W2CMjH0Bs4QABjATZDKYAQSmL+kLmCUEMIAZQv8VAKY+z4ABAAAkRAADAABIiAAGAACQEAEMAAAgIQIYAABAQgQwAACAhAhgAAAACRHAAAAAEiKAAQAAJEQAAwAASIgABgAAkBABDAAAICECGAAAQEIEMAAAgIQIYAAAAAkRwAAAABIigAEAACREAAMAAEiIAAYAAJAQAQwAACAhAhgAAEBCBDAAAICECGAAAAAJEcAAAAASIoABAAAkRAADAABIiAAGAACQEAEMAAAgIQIYAABAQgQwAACAhAhgAAAACRHAAAAAEiKAAQAAJEQAAwAASIgABgAAkBABDAAAICECGAAAQEIEMAAAgIQIYAAAAAkRwAAAABIigAEAACREAAMAAEiIAAYAAJAQAQwAACAhAhgAAEBCBDAAAICECGAAAAAJEcAAAAASIoABAAAkRAADAABIiAAGAACQEAEMAAAgIQIYAABAQgQwAACAhAhgAAAACRHAAAAAEiKAAQAAJEQAAwAASIgABgAAkBABDAAAICECGAAAQEIEMAAAgIQIYAAAAAkRwAAAABIigAEAACREAAMAAEiIAAYAAJAQAQwAACAhAhgAAEBCBDAAAICECGAAAAAJEcAAAAASIoABAAAkRAADAABIiAAGAACQEAEMAAAgIQIYAABAQgQwAACAhAhgAAAACRHAAAAAEiKAAQAAJEQAAwAASIgABgAAkBABDAAAICECGAAAQEIEMAAAgIQIYAAAAAkRwAAAABLyucluwJRz69atyW7CUL29PZPdBJhFEvgS6O3xSw2Jmrjf65qIiOjxSw1J+Q8RMSV77JUTwIaaO3fuZDdh0O/+NSKivr5hshsCs8KNP0RM9JfAH7sjor7BLzUkpe+/x0T+Xv/bxYiIBr/UkJR/vx4xxXrs165dG9XypiACAAAkRAADAABIiAAGAACQEAEMAAAg5ig4eQAAIABJREFUIQIYAABAQgQwAACAhAhgAAAACRHAAAAAEiKAAQAAJEQAAwAASIgABgAAkBABDAAAICECGAAAQEIEMAAAgIQIYAAAAAkRwAAAABIigAEAACREAAMAAEiIAAYAAJAQAQwAACAhAhgAAEBCPlf1Ld68ebP0h/Pmzav6DgEAAKaHKgWwm+37fvz6jv0dIy23te1u69rq7BIAAGCaqUoAa982f93+amwIAABgBqtCALu57/WB9NWydev6BU986Uull50/f/z7AwAAmJ7GH8BunjjaEWF2IQAAwAjGXwXxxvWOiGjZ+3fSFwAAQDnVKkPf+CXlDQEAAMoafwCbv6AlIrp/X6b4PAAAANUIYPMeWd8S0XH0hAQGAABQThWmIM7b/s7elujY8dS2dhkMAACgpCpUQdy37cfXG1uio2P/uvn7o6Vla2NjyYUX/F3rdg+LAQAAs9P4A9iN6/v3572FuaNjf0dHyYW3PtEaAhgAADA7VasKIgAAACMY/wjY2ta7d1ur0BIAAIAZzggYAABAQgQwAACAhIx/CuIQN2+WqkV/48SPX48nzm9fW+1dAgAATAtVCmA32/f9+PUd+0uXPxyw9Ynq7A8AAGD6qUoAa982f93+kReLaFlQjd0BAABMS1UIYDf3vZ5NX5m3MHd37+/oKPh3RLRsbXunda13gAEAALPX+Itw3DxxNJOw9t64e/58a2tr6zvrWyKio/GJ1tbW8+fv3r2xtyWiY//rJ0o9HQYAADAbjD+A3bjeEREte9/Znh3emvfI+paI6P79QOCat/1829aIjh0/bh/33gAAAKatapWhb/xS3uzCeV9qjIiO6zdyP1n7xNaI2P+BBAYAAMxeE/kesNwQWGQTWP5PAAAAZpnxB7D5CwrmG+b9LH8ILGP4TwAAAGaN8QewgfmGR/NLbGR+lp/Kbv6+e9x7AgAAmNaqMAVx7d/tbYno2DF/2bZ97QOJa2AILJfK2n+8oyMiWhbMH//+AAAApqdqPAM2b/urWyMiOvbvWDd/W3vejzp2zL/nnmXL7rkn857mlvWPeBEYAAAwa1WnCMfa1rs39m5tKfjR37Vtzfwr8yLmwkr1AAAAs0/VqiDO2956/u7dG21/l51kOG9t640bbVtbWlpaWlq27m27cV78AgAAZrXPVXdz89bmh6x589a2nl9b3T0AAABMVxP0HrCbN73wCwAAoFA1A9jN9n3bli2755577rln/vyBahzt2+7JK44IAAAwi1UrgN1s37Zs/rod+7MVN/J07N+xbv6yTB4DAACYvaoTwNq3zV+3vyMiomXr1oJyiPMXtLRERHTsX7dsn3EwAABgNqtGAGvflnnN19a2G3fPt7Zuf6Jx8LN528+fv9G2tSUiOnb82CgYAAAwi1UhgLV/sD8iWvbeaF1bvM78vLWt7+xtiYj9H0hgAADA7DX+AHbz990R0bL+kXJv+Zr3yHoJDAAAmOXGH8BuXO+IiMYvlX/L8rwvNZb9HAAAYMaboPeAAQAAMNT4A9j8BZVMLhx4UGzB/HHvDwDg/2/v/l0bO/cHj38Mge1vcYs4hhFIUwzDdouJzBQq5YRhCjNFFpxOxiyL7GLSOOW4ycDaYgsjwRYxbIrBRTATu9hC7A5WMBe2uEyGS6SLBhwFvn/Al8tW3kLyb9mWbfnxr9eruRnp+OgU95H01nPOcwDuqKsH2CCXd7Uqr2sR55+oCAAAcI8N4RTEvQKbnJjZ7HOnr9bmzERurhER+eVXxau/HAAAwB01jGvAsuXuKvON2mRuZGRi4vWHiIgPr2dmJiZGRvZv0bz8Y9n8FwAA8IB9NpS9ZMtbzZj5dq7WiGg0GhER0Wh0wysiIvLLzS35BQAAPGxDWwUxW65uNZsby6V8Pn/waD6fLy1vNHfVFwAAwHBmwHqy2WK5WiwPc5cAAAD3hvuAAQAAJCLAAAAAErnoKYitzZk3P1/+5Z68qroaDAAAeKAufA3Y7x9qh1Y3vKjSi2oIMAAA4GG6aIBlHz+N6AbYkeUOAQAAOMeFZ8ByT/K9Ams0orT8/auvillzWgAAAOe78CIc2fJWs7lRyucjolGbm8zlRkZGJmYqm63WNRweAADA/XGZVRCz2WJ1a2t3d7e5sVzKRxyU2MTETGVTiAEAAPRzpWXos8VydT/E8hHRaNTmJnMjSgwAAOCkodwHLFssV7e2dnebB1NiSgwAAOCYod6IOXtiSuxQic1UlBgAAPCgDTXA9p2cEotGbW5uMjezeS2vBwAAcAdcT4DtyUbEk6duFwYAABCXuA/YQFqtzV/evJ6rNY48ms+XXuSu5fUAAADugOEGWGuz8ub121rjSHjl86WX378qF92uGQAAeNiGEmB9J7x0FwAAwBFXCrB+E166CwAAoL/LBFi/CS/dBQAAcI4LB1irMpGb208v3QUAADCoCwdY8+NefeVLpacR8fHnNzM/D/rXT15Vy2INAAB4mC4aYK3fP+z9Z6N2bJn5AZReVEOAAQAAD9NFb8R8MAEGAADAhVx0BqxY3d2tXsuRAAAA3HMXnQEDAADgkgQYAABAIgIMAAAgEQEGAACQiAADAABIRIABAAAkIsAAAAASEWAAAACJCDAAAIBErinAWq3W9ewYAADgzhpmgLU2KzMTEyMjIyMjuVxuZjMiYnNmZGKmsinHAAAAhhVgrc2ZidzkXK3ROPFUozY3mZvo9hgAAMDDNZwA25zJTdYaERH5Umm5lD94Jvckn4+IaNQmJyrmwQAAgIdsGAG2OTNZi4gobTR3t6rV8ounB89ly1tbzY1SPiIac2/MggEAAA/YEAJs8+daROSXm9Vitu8G2WL1x+V8RNR+VmAAAMDDdfUAa/3+ISLyL7/qX19d2a9eKjAAAOCBu3qANT82IuLp47P6KyL7+OmZzwMAANx7bsQMAACQyNUDLPdkkJMLexeKPcld+fUAAADuqKsH2CCXd7Uqr2sR55+oeKbtpefPny9tn/JsZ22pXH7eU15a2+5c/pUAAACuwxBOQdwrsMmJmc0+d/pqbc5M5OYaEZFfflW89KtsLy3Wz3jy+exqvd3e+3e7vro4e2qrAQAA3IhhXAOWLXdXmW/UJnMjIxMTrz9ERHx4PTMzMTEysn+L5uUfy5ec/+psLz0/M78W6xGRmV5YWV9fX19fWZjORER9sbxmGgwAALg9hrMIR7a81Vwu5SMiotFoNLr/W6t1/ysi8svNrUvlV2d7bak8e0Z9RWftp3pEFBYqU+OjERExOj5VWShERPv9rwoMAAC4NYa2CmK2XN1qNjeWS/l8/uDRfD5fWt5o7l6yvtbKs4ur9XZkCgsrC4X+2/z6vh0Rhfz4kYfHX05nFBgAAHCrfDbMnWWzxXK1WB7mLiNTmP7m5dT4aGw3+j7/x06//ooYHXsU0W7v/BExOtQDAgAAuKShBtiwjU5V1qfO3qSz8ykiMmNfnHjmi7FMRPvTTifGFRgAAHAbXD3ANmdGJj+Ulr9/VS5eYY35xN69e3faU+2DxRRviz//dCIlpJPgTeDPjkENSV3fuP5rRER0DGpI5S8RcSu/sQ9uODNgjdrcZG0uIn/rQuyUcxC//vrrvpu/e/cuk8lc90EN7u//iIj4/HNzeJBC81NExPW+Cex8iIjPRw1qSOXf/hnXOa7//W8REaMGNaTyr48R1/1hfUG//fbbhba/+iIcuRel/WU3GrW57kr0M5V+twS7Af1OTgQAALgRVw+wbLG6tbW7210AsftQ4/aFGAAAwI0b3jL0xXI3xJob/UJss3U9ITY69ih6Jxoe010e8dGYcwIAAIBbYmgBtie7NyPW3Ni7NXM0GrXJXG5kZGKiMvQM+2IsExGfdo5f/Hr68ogAAAA3Y+gBtiebLZarW7u9cxO7jzUaH5vDfp3RL59lItqrb7ePPLz9drUdkXn2pQkwAADgtri2AIuIaG1WZia+nZyr9b+H8nB0Cyzqi+Wl7e40WGd7rbxYD/0FAADcLtdxI+ZWa/OXN6+PZlc+X/r+x1fF7DWsUD869d3CzuxivV1fnK0ferywUJnSXwAAwO0xzBmw1mZlZmJiZCSXO5j0yudLyxvN3d2treq11FdERIyOz68sTBcO7gaQKUyvrM+PX9PLAQAAXMowZsBam5XjE17XcE/m8fn19flTnx0dn5ofnzr9eQAAgBt39QDbnMlN1g7+OfTwAgAAuCeGdg1YvrT8/auvru80QwAAgLvu6gGWe7HRvJ7VNQAAAO6VqwdYtlgcwnEAAADcexcNsFZl5s3HiIgnr6rl7JFHBrH/VwAAAA/ORQOs+bFWq0VElF5UI3vkkUHs/xUAAMCDM8z7gAEAAHCGi86AFau7u9VzHgEAAKAPM2AAAACJXD3AWpWZmZmZSuv8rSYmJs7bDAAA4P66eoA1P9ZqtdrH5tlbZR9HrdFonLcZAADA/ZXqFMTW7x8SvRIAAMAtdYkbMW/OjEyeWHe+NjkywFr0+Se5i78eAADA/XCJGbBidaN0uRcrfe8uzAAAwMN1iRmwiOKrjVL83PvHhw+1RiPy+dLTp2f8yZMnL776qii/AACAB+xSARbZYrVa7P335kxtshFPvz94BAAAgD4uF2CH5Z6USqVwcRcAAMA5rh5g2XK1OoQDAQAAuO8uGmCtysybjxERT15Vuytq7D8yiP2/AgAAeHAuGmDNj7VaLSKi9KIa2SOPDGL/rwAAAB6cVDdiBgAAePAuOgNWrO7uVs95BAAAgD7MgAEAACQiwAAAABK5+jL0x7VardOfzGYtwQEAADxUQwqw1mblzeu5WuO87Uobu9XicF4SAADgjhlKgG3O5CYHXokeAADggRpCgLUqr3v1lS+VXj558fjx6dvmcld/PQAAgLvp6gHW+uVtI8LZhQAAAOe4+iqIzY+NiMgvv1JfAAAAZxnWMvRPH1veEAAA4ExXD7Dck3xEfPj9jMXnAQAAGEaAZb96mY9ovP1FgQEAAJxlCKcgZss/LuejMfftzKYGAwAAONUQVkGszLz5+DQfjUZtMleLfL709OmpGz95VS27WAwAAHiYrh5gzY+12qG7MDcatUbj1I1LL6ohwAAAgIdpWKsgAgAAcI6rz4AVq7u71SEcCQAAwD1nBgwAACARAQYAAJDI1U9BjGi1Blx+Ppu1AAcAAPBwXT3ANmdyk7XzNzskny+9/P5VuajGAACAB+UmTkFsNGpzk7mRiYr7NgMAAA/J1QMs92pjY2M5v/fPfKm0vLFnuVTK7z++vLGxsbG8XCrlu4815nIzm1d+eQAAgLvi6qcgZrPF5pvJRkTkl5tb5SPnFRaLxXK12tqcyU3WanM/v9itlovFKEfvoai9rrwqlp2KCAAAPAhDOAVxc2ay1q++9mWL1eZyPqI2uT/jlS1WN0oR0Xj7i/MQAQCAB+LqAdb6/UNE5F9+ddZEVvarl/mI+PD7QW7lnuQjovGxeeUjAAAAuBOuHmDNj42IePr47BMJs4+fxtHc6j4CAADwYAxrFcTDc1v9dOfJAAAAHrCrB1jxRSkiGnNvzlrRcPPNXCMiSi+KBw/9XIuI/JPclY8AAADgThjCDFi3wKI2OTGz2W8arLU5M9G9VfN+f+0/dM6lYwAAAPfI1ZehjyhWN0q1yVo0apO5WuTzpad7V3d9+PCh0Wj0/lHaqBYjYnNmpJtjob8AAIAHZRgBFlGsNjfi28laIyIajdp+c+3LL2/8WC4ee6y0cdrC9QAAAPfQsBbhyBarW7vN5sZyKZ/PHzycz5eWN5rN3a1ycS+1ck9KpeXljebuVrXYd1cAAAD303BmwHqy2WK5Wiyfs1G5Wh3miwIAANwRw5oBAwAA4BxDDbBWa7MyMzExMdIzMTExMVPZbJ19izAAAICHYWinILYqE7m5Y4tvNBqNaDQma3ORX25acAMAAHjghhNgR+orn88/7S5Ef7AKfWMuNxEaDAAAeNCGEWCtyrfd+uouNn8sslqblW8n5xrRmPu28pUEAwAAHq4hXAO2+WauEdE9y/B4fUVEtljeai7nI6Ix92bz6i8HAABwR109wFq/f4iI/PKPZ0xuZcs/Lucj4sPv1uMAAAAerKsHWPNjIyKePj773MLs46cR0fjYvPLrAQAA3FHuAwYAAJDI1QMs9yQfEbWfz768a/PnWkTkn+Su/HoAAAB31NUDrHtyYdReV06/vqtVeV2LOP9ERQAAgHtsCKcgFl/11jjMTcxsto5XWKu1OdO7SVh++VXx6i8HAABwRw3jPmDZ8o/Lb3NzjWjUJnO1iMjn891nerdhjojz1kkEAAC494YRYBHZ8lbz8cy3k7Vubx3uroiIyJc2fqz2uUcYAADAAzKcAIuIbLG6tfuqtfnLm5/ffviw9+jTpy9fvPqqmNVeAAAAQwuwiIjIZovlarE81H0CAADcE+4DBgAAkMiVA6zVOrHwYffxysTETOXkqogAAAAP1RUCrLU5MzEykst9+0ufyGr98rbRqM1N5nIjEzObKgwAAOCyAdbanJnI9RY9bHxsntzg0EON2mRu4oy7NAMAADwMlwqwzZm9+IrIlzZe5U5uUixv7e42N0p7NwSby81sXvYYAQAA7oVLBNjmzGSt+1/55ebuVvX0ReazxepWc7nXYLVJCQYAADxoFw6wVuX1fn79WD7//l7Z8o/7CfbaiYgAAMADdtEAa/3ytnfuYen7AfIrIiJb/r7U/a/G237rdQAAADwMFw2w5se9a7+e9Lny6xS5J3uXgvVbrwMAAOBhuPQy9E8fDzb/FRGRffz0si8DAABwb1z5RswAAAAM5qIBtn824YffB7+cq/X7h+5/XOS8RQAAgHvmogG2fzbhBRbUOFi44yLnLQIAANwzFz4FsfjioksaHvSXCTAAAOAhu/g1YAcFNvftAPf12pzJzV104XoAAID76BKLcBSrG/sJlpuY2Tw1wlqblZmJyd5tmyO//Kp4iQMEAAC4Lz67zB8Vq83lD92JrUZtMleLyJeWX754/Hhvg99//vltrdY49CeljS3TXwAAwMN2qQCLyJa3mjHz7dxeZDVqc43aKdvmS8s/VtUXAADw4F3+PmDZcnWrubFcyp++ST5f2mg2t9QXAABAXHoGrCdbLFeL5Wq0WpvN5u+///zxY0Q8efLi8eNcrpiVXQAAAIdcLcD2ZLPFbLZYtMgGAADA6S5/CiIAAAAXIsAAAAASEWAAAACJCDAAAIBEBBgAAEAiAgwAACARAQYAAJCIAAMAAEhEgAEAACQiwAAAABIRYAAAAIkIMAAAgEQEGAAAQCICDAAAIBEBBgAAkIgAAwAASOSzmz6AW6fdbt/0IRz355+dmz4EeEASvAn82TGoIanrG9d/jYiIjkENqfwlIm7lN/bBCbDjMpnMTR/Cgb//IyLi889Hb/pA4EFofoq47jeBnQ8R8fmoQQ2p/Ns/4zrH9b//LSJi1KCGVP71MeKWfWP/7bffLrS9UxABAAASEWAAAACJCDAAAIBEBBgAAEAiAgwAACARAQYAAJCIAAMAAEhEgAEAACQiwAAAABIRYAAAAIkIMAAAgEQEGAAAQCICDAAAIBEBBgAAkIgAAwAASESAAQAAJCLAAAAAEhFgAAAAiQgwAACARAQYAABAIgIMAAAgEQEGAACQiAADAABIRIABAAAkIsAAAAASEWAAAACJCDAAAIBEBBgAAEAiAgwAACARAQYAAJCIAAMAAEhEgAEAACQiwAAAABIRYAAAAIkIMAAAgEQEGAAAQCICDAAAIBEBBgAAkIgAAwAASESAAQAAJCLAAAAAEhFgAAAAiQgwAACARAQYAABAIgIMAAAgEQEGAACQiAADAABIRIABAAAkIsAAAAASEWAAAACJCDAAAIBEBBgAAEAiAgwAACARAQYAAJCIAAMAAEhEgAEAACQiwAAAABIRYAAAAIkIMAAAgEQEGAAAQCICDAAAIBEBBgAAkIgAAwAASESAAQAAJCLAAAAAEhFgAAAAiQgwAACARAQYAABAIgIMAAAgEQEGAACQiAADAABIRIABAAAkIsAAAAASEWAAAACJCDAAAIBEBBgAAEAiAgwAACARAQYAAJCIAAMAAEhEgAEAACQiwAAAABIRYAAAAIkIMAAAgEQEGAAAQCICDAAAIBEBBgAAkIgAAwAASESAAQAAJCLAAAAAEhFgAAAAiQgwAACARAQYAABAIgIMAAAgEQEGAACQiAADAABIRIABAAAkIsAAAAASEWAAAACJCDAAAIBEBBgAAEAiAgwAACARAQYAAJCIAAMAAEhEgAEAACQiwAAAABIRYAAAAIkIMAAAgEQEGAAAQCICDAAAIJHPbvoAhmJ76flivc/jhYX1+fHkRwMAANDXvZgB6+x8uulDAAAAONe9mAH7Y6cdprsAAIDb7j7MgG036hGRGfvipg8EAADgLPcgwLonIGaefTl600cCAABwlntwCuIfO+2IzLOxP9aWflittyMiMpnCN9/NjysyAADgNrn7M2DdCbD26uJir74iot2uL84+X9q+wcMCAAA47u7PgHVX4IjIFBZ6k16dztrbH1br7fpieWylMtVvHuzdu3en7a/dbp/21E3588/OTR8CPCAJ3gT+7BjUkNT1jeu/RkREx6CGVP4SEbfyG/vg7nyA9ZagLyxU9pdAHB2dmq+MxfPFevv9r52pfgX29ddf993bu3fvMpnMNR3qJfz9HxERn3/uZEpIofkpIuJ63wR2PkTE56MGNaTyb/+M6xzX//63iIhRgxpS+dfHiOv+sL6g33777ULb3/lTEEenKuvr6ycXoB/PFyKi/f5XP0kBAAC3xJ0PsFN9MZaJiPbOHzd9IAAAAF33N8C63B0MAAC4Ne56gHXWys+fP++34GF3cY5HY07KBgAAbom7HmCjY48iIuqNYwXWWfupHhGF/PFrwwAAAG7KXQ+wGH85nYmI+mJ5abu33kZne6k8u9qOyEy/1F8AAMCtceeXoY/Rqe+m38+uttv1xdn64ScKC9/1vQcYAADAzbjzM2DRXYl+ZaFwcDeATKawsLLevSszAADAbXH3Z8C6RsfnK+PzN30UAAAAZ7gPM2AAAAB3ggADAABIRIABAAAkIsAAAAASEWAAAACJCDAAAIBEBBgAAEAiAgwAACARAQYAAJCIAAMAAEhEgAEAACQiwAAAABIRYAAAAIkIMAAAgEQEGAAAQCICDAAAIBEBBgAAkIgAAwAASESAAQAAJCLAAAAAEhFgAAAAiQgwAACARAQYAABAIgIMAAAgEQEGAACQiAADAABIRIABAAAkIsAAAAASEWAAAACJCDAAAIBEBBgAAEAiAgwAACARAQYAAJCIAAMAAEhEgAEAACQiwAAAABIRYAAAAIkIMAAAgEQEGAAAQCICDAAAIBEBBgAAkIgAAwAASESAAQAAJCLAAAAAEhFgAAAAiQgwAACARAQYAABAIgIMAAAgEQEGAACQiAADAABIRIABAAAkIsAAAAASEWAAAACJCDAAAIBEBBgAAEAiAgwAACARAQYAAJCIAAMAAEhEgAEAACQiwAAAABIRYAAAAIkIMAAAgEQEGAAAQCICDAAAIBEBBgAAkIgAAwAASESAAQAAJCLAAAAAEhFgAAAAiQgwAACARAQYAABAIgIMAAAgEQEGAACQiAADAABIRIABAAAkIsAAAAASEWAAAACJCDAAAIBEBBgAAEAiAgwAACARAQYAAJCIAAMAAEhEgAEAACQiwAAAABIRYAAAAIkIMAAAgEQEGAAAQCICDAAAIBEBBgAAkIgAAwAASESAAQAAJCLAAAAAEhFgAAAAiQgwAACARAQYAABAIgIMAAAgEQEGAACQiAADAABIRIABAAAkIsAAAAASEWAAAACJCDAAAIBEBBgAAEAiAgwAACARAQYAAJCIAAMAAEhEgAEAACQiwAAAABL57KYP4NZpt9s3fQjH/fln56YPAR6QBG8Cf3YMakjq+sb1XyMiomNQQyp/iYhb+Y19cALsuEwmc9OHcODv/4iI+Pzz0Zs+EHgQmp8irvtNYOdDRHw+alBDKv/2z7jOcf3vf4uIGDWoIZV/fYy4Zd/Yf/vttwtt7xREAACARAQYAABAIgIMAAAgEQEGAACQiAADAABIRIABAAAkIsAAAAASEWAAAACJCDAAAIBEBBgAAEAiAgwAACARAQYAAJCIAAMAAEhEgAEAACQiwAAAABIRYAAAAIkIMAAAgEQEGAAAQCICDAAAIBEBBgAAkIgAAwAASESAAQAAJCLAAAAAEhFgAAAAiQgwAACARAQYAABAIgIMAAAgEQEGAACQiAADAABIRIABAAAkIsAAAAASEWAAAACJCDAAAIBEBBgAAEAiAgwAACARAQYAAJCIAAMAAEhEgAEAACQiwAAAABIRYAAAAIkIMAAAgEQEGAAAQCICDAAAIBEBBgAAkIgAAwAASESAAQAAJCLAAAAAEhFgAAAAiQgwAACARAQYAABAIgIMAAAgEQEGAACQiAADAABIRIABAAAkIsAAAAASEWAAAACJCDAAAIBEBBgAAEAiAgwAACARAQYAAJCIAAMAAEhEgAEAACQiwAAAABIRYAAAAIkIMAAAgEQEGAAAQCICDAAAIBEBBgAAkIgAAwAASESAAQAAJCLAAAAAEhFgAAAAiQgwAACARAQYAABAIgIMAAAgEQEGAACQiAADAABIRIABAAAkIsAAAAASEWAAAACJCDAAAIBEBBgAAEAiAgwAACARAQYAAJCIAAMAAEhEgAEAACQiwAAAABIRYAAAAIkIMAAAgEQEGAAAQCICDAAAIBEBBgAAkIgAAwAASESAAQAAJCLAAAAAEhFgAAAAiQgwAACARAQYAABAIgIMAAAgEQEGAACQiAADAABIRIABAAAkIsAAAAASEWAAAACJCDAAAIBEBBgAAEAiAgwAACARAQYAAJCIAAMAAEhEgAEAACTy2U0fwLB01pZybyNVAAAM4UlEQVR+eF9vtyMiIlOY/ubl1PjoDR8TAADAYfdjBmx76fns6l59RUS7vro4u7R9k4cEAABw3H0IsO2lxXpEZKYXVtbX19fXVxamMxFRXyyvdW762AAAAPbd/QDrrP1Uj4jCQmXvnMPR8anKQiEi2u9/VWAAAMCtcecDrPPr+3ZEFPLjRx4efzmdUWAAAMCtcucD7I+dfv0VMTr2KCLaO3+kPyQAAIC+7voqiJ2dTxGRGfvixDNfjGUi2p92OnHnV0P835/e3vQhAMP0P/7v/7npQwCG6V//67/d9CEAd8ZdD7BLevfu3WlPtQ8WU7x5//E/TP79/23c9FHAw3KtbwL/eezp/9z5cH37B/q6xnH9n/7rX//2369r58ApbtU39ou67wHW3vkj4uQM2Ndff91383fv3mUymes+qAvJxH+56UMAhun7W/YmA1xVxvQXpHarPkp/++23C21/568BO0e/kxMBAABuxH0PMAAAgFvjrgfY6YsddpdHfDR211fgAAAA7o27HmDdxQ7j087x+32dvjwiAADAzbjzATb65bNMRHv17faRh7ffrrYjMs++NAEGAADcFnc+wHoFFvXF8tJ2dxqss71WXqyH/gIAAG6Xe7AM/ejUdws7s4v1dn1xtn7o8cJCZUp/AQAAt8fdnwGLiNHx+ZWF6cLB/QAyhemV9fnxGzwkAACAE+7BDFhERIyOT82PT83f9GEAAACc7l7MgAEAANwFAgwAACARAQYAAJCIAAMAAEhEgAEAACQiwAAAABIRYAAAAIkIMAAAgEQEGAAAQCICDAAAIBEBBgAAkIgAAwAASESAAQAAJCLAAAAAEhFgAAAAiQgwAACARAQYAABAIgIMAAAgEQEGAACQiAADAABIRIABAAAkIsAAAAASEWAAAACJCDAAAIBEBBgAAEAiAgwAACARAQYAAJCIAAMAAEhEgAEAACQiwAAAABIRYAAAAIkIMAAAgEQEGAAAQCICDAAAIBEBBgAAkMhnN30At867d+9u+hAAAID7yQwYAABAIiO7u7s3fQwAAAAPghkwAACARAQYAABAIgIMAAAgEQEGAACQiAADAABIRIABAAAkIsAAAAASEWAAAACJCDAAAIBEBBgAAEAiAgwAACARAQYAAJCIAAMAAEjks5s+ALiC7aXnP33KPHr0bCz/5dT4aP+NOttrvzZ23n+qP/pmfX58qK/fWSvPrrYz0yuVqVNeHLiaTmf717c/va+3270HMpnCs29e9hnw543H7aXni/UoLFzkfaD7N8Y43AbdMX7uZgMP2Mu8J8BQCDDuuHa73W63o74zdso76PbbxdV6REQ8SnlcwJX1/brVbtfbi/XVTGH6u3lVBMDdI8C4+zKZTLtdb2zPj/cpsO1GvbvB+T+aAbfI9lJ5sd6OiExh+puXX46PdmOrOyO2Wm/XV2c/hZkpeDhGpyrrU4cfMIXFXeUaMO6BR48yEfXGdp+nthv1yDx79ij1IQFXsr20WG9HZKZX1ivzU3v1FRGjo+NT85WVhUImor06u9Rv3APALWYGjHtgLP8sU+87B7bdqEdm+suxndWjD/e7rqN3ttPhn9I620s//LR/7Ukmk3n0zXfzp11rdmQvR/fd2V57+9NqfW8/hel+V7B0tpd+6P7gH5nCwnfzX/za74KWzvbaoethMplC/yMacDO4nTprP9UjorBw2gTX6Pj8d9OfZlfb9Z/WXo6fOgvWdzwefv7IQDnj+rKIztrSD6t7A7Tf2Y/nDfOD3+q/2N/VwZ4Odp/JTH/z3bFDuMBxAhEx+Af9YYN96BuPXJ0ZMO6DL7581ncObLtRj3g0drk3xc5aeXaxfujUxXa7XV+cfX7GL+573/aOfG3cXirPLu5/LYuIdn11cbZ8dDe9F9vfYnG2/Han/yGtHjqmdrt+YlcDbwa3VefX9+2IzPTLs04rGp36phAR7fe/dk7ZS7/xeMje0Dx0enK7XV9d7DOrtvO2PLt6aICuzpbXjrzqQMO8u6u1Q7vq7Wl76fmhx9qriz8c3vsFjhO4tME+9I1HhkKAcS+M9i2w7UY9opC/1KnhnbUfVtsRmemFlfWelYXpTETUf1rr/31ve2l2tR1RWKgc/LLWWetexpIpTK+s7O2mkIlo1xcPvsH1Xmz/1VYWCpl2/dCXucP7zxT2D6l7RO364uE3/gE3g1ur21/n/3Yynj+jwPqNx6PP985xPBji6ysLhYg+Y7xdr7cPj86IaK++3R9Ogw3zrvrqahT29jTd3dPsYj1z/LH9vV/kOIHLGuxD33hkSAQY90OfAuuexHTJ/oo/dtoRkXn25cFJBaPjU5X19fX1vr+md9bKi/WIzPTK4W97vS+ShYXK/NTeRSyj4/OVhUIc+o51sFXvFIbR8fnvpjPHX2DvnKyD8yFGx6cqK9OZw2/8A24Gt1hv9I19cd6GX4xlIqK988fxJ/qPx8O2G/WIyEwfOdlvdPzldN89ZqZXDo3ObwoREZ929gbdQMP8YFd7pzSNjn/5LHPisamje7/YcQKXNNCHvvHIsAgw7onRsUdxpMC6X4ou21973+xWf1ja7pwfLd0f209caLL3xezEQXR/ue99x+p7ulXv9Kpju+pzTlY3PfcmAQbcDG6/y548fOp4PGJ8/tAXq06ns729tra0dNpNho4ey9HuG2yY78k8+/LQF7exRyceu9JxApc00Ie+8ciwWISD+2I8X4h6fX8ljiv2V4x++Syz2m5Hu744W4+IyBSmn/W/3XN7dXax/05O/yG/e7TtnT8iRrtbnfi2+cVYJuLYm3p7dfb50fVE9p/Z+SNi9GKbwW32aacTl7iq/fTxeMKhhW/OduZk3GDDfMBD6mvg4wQua+APfeORYTADxr3R/bm5Nwd21f6KGJ2qrCwUMvsnArbrq6uLs8+fl5e2T/44lil018T+od8pfpf/If+Q7pe8YW0Gt9mpZxYed0r7nDke9xxZ+CaTyRQK09MLKyvHz/0d1KDD/MJvB0M+TqC/gT70jUeGxAwY98ehObAvrtxfEd3LOMbnIzrba7823vfWnG3XF38YO3pqU2GhMj/eGfs0u9pefbs9dfyik8F+yB9oq7NPqrroZnA79X6KPndM9K7HOHYC3znjsWtv4ZvCwsqRRaY7JxcfHcwl5+vOM/TjBE513oe+8cjQmAHjHtmfA7v6/NcRo+NTU/OVysEKZUevpOr+/t67aOvIUoOn/5Df++Y49sX+ViccncwacE5g4KkDuMV6lyweX7/iqN6CM8f76/TxeFhv7mz65bFousQc8mDD/JKGeJzAgE770DceGRoBxn3S/Sb0qfH2nP7q942pdyX93r/Wys+fPz9+z6+DVcv6GZ9fKMSRpQa7XyNPu0HZ3tlI/b9s9jbZf+nerk6uY7i99Pz58+e9xa4H3Axut/1+6nvKb3Qvw+j+FP3NKZO9J8fjAPaG3dGFM8451oGG+XBd5jjhYTn/g/6wy3zo7zEeuTgBxn3SS5l6/Zz5r97aY/XF3pe7zvbasVWM9r5TLZbXDr7/dbZ7px+c9o2quxbtoUtPDnaztNZbV6nTWVsqL3ZXsu2tVXjoxXrbbPc2OXxEvbvOrs4eOqT9Dfe/hQ64Gdxy4/MrvdvXzZaX1g4tS9bpbK8t9S7DyBQWTltmPvqMx0P2Vjx7e2iUrJWfHx92AxlsmF/OMI8THpTzP+iPbD3Ih77xyNC4Box7ZW8Zo/NO+xl/OZ2pr7Zjb7WjiCgsLMTiwdvo6NR30+9nV9vt1cXZowsKnvWdb++v9i89GZ2qLOyUF+vt+upsffXoXg4u0zp4sYPVCzOFQhy9F/P4/ELh02L95CEdPaIBN4NbbnSqshJLP6zW2/XVxfqJZT0zhenv5s/+QeHEeDz81DeF1cX64beAiIjM9MKz94ur7YutXDjYML+UoR4nPCjnf9AfNsiHvvHI0JgB437p/Yh15o11Irrf7aYLe2cWZAoLJ+/XOjpVWVmYPrQkUmQyhemFlcqZFXPy0pPx+e5+DnbTZy+95ZcOHU8lf3wN+oNd7e+r/xENuBncdqNT85WVY8Ow93/n9co59dXbwamXgo3PHxmXmUxhYWW9MjXe/dX8oucSDTTML2W4xwkPyAAf9Mc3P+9D33hkSEZ2d3dv+hiAPraXni/Wo7CwrpsAAO4NM2Bw0/pf+zuEBdQAALhtBBjctONXCkdEZ3tpsd8K2wAA3G1OQYSb19lemu1zWbD7KQMA3DcCDG6Fzvba25/e19vdhTcymcKzb15OjasvAID7RYABAAAk4howAACARAQYAABAIgIMAAAgEQEGAACQiAADAABIRIABAAAkIsAAAAASEWAAAACJCDAAAIBEBBgAAEAiAgwAACARAQYAAJCIAAMAAEhEgAEAACQiwAAAABL5/4oUFU6xVhj+AAAAAElFTkSuQmCC"/>
+          <p:cNvSpPr>
+            <a:spLocks noGrp="1" noChangeAspect="1" noChangeArrowheads="1"/>
+          </p:cNvSpPr>
+          <p:nvPr>
+            <p:ph idx="1"/>
+          </p:nvPr>
+        </p:nvSpPr>
+        <p:spPr bwMode="auto">
+          <a:xfrm>
+            <a:off x="135082" y="1215736"/>
+            <a:ext cx="6206578" cy="5505739"/>
+          </a:xfrm>
+          <a:prstGeom prst="rect">
+            <a:avLst/>
+          </a:prstGeom>
+          <a:noFill/>
+          <a:extLst>
+            <a:ext uri="{909E8E84-426E-40DD-AFC4-6F175D3DCCD1}">
+              <a14:hiddenFill xmlns:a14="http://schemas.microsoft.com/office/drawing/2010/main">
+                <a:solidFill>
+                  <a:srgbClr val="FFFFFF"/>
+                </a:solidFill>
+              </a14:hiddenFill>
+            </a:ext>
+          </a:extLst>
+        </p:spPr>
+        <p:txBody>
+          <a:bodyPr vert="horz" wrap="square" lIns="91440" tIns="45720" rIns="91440" bIns="45720" numCol="1" anchor="t" anchorCtr="0" compatLnSpc="1">
+            <a:prstTxWarp prst="textNoShape">
+              <a:avLst/>
+            </a:prstTxWarp>
+            <a:normAutofit/>
+          </a:bodyPr>
+          <a:lstStyle/>
+          <a:p>
+            <a:r>
+              <a:rPr lang="en-US" dirty="0" smtClean="0"/>
+              <a:t>We partner with the government to </a:t>
+            </a:r>
+            <a:r>
+              <a:rPr lang="en-US" dirty="0"/>
+              <a:t>monitor the cognitive trajectories of patients over time</a:t>
+            </a:r>
+            <a:r>
+              <a:rPr lang="en-US" dirty="0" smtClean="0"/>
+              <a:t>.</a:t>
+            </a:r>
+          </a:p>
+          <a:p>
+            <a:endParaRPr lang="en-US" dirty="0" smtClean="0"/>
+          </a:p>
+          <a:p>
+            <a:r>
+              <a:rPr lang="en-US" dirty="0" smtClean="0"/>
+              <a:t>Recruited </a:t>
+            </a:r>
+            <a:r>
+              <a:rPr lang="en-US" dirty="0" smtClean="0"/>
+              <a:t>200 seniors from </a:t>
+            </a:r>
+            <a:r>
+              <a:rPr lang="en-US" dirty="0" smtClean="0"/>
+              <a:t>three county programs.</a:t>
+            </a:r>
+          </a:p>
+          <a:p>
+            <a:endParaRPr lang="en-US" dirty="0" smtClean="0"/>
+          </a:p>
+          <a:p>
+            <a:r>
+              <a:rPr lang="en-US" dirty="0" smtClean="0"/>
+              <a:t>Dashboard is </a:t>
+            </a:r>
+            <a:r>
+              <a:rPr lang="en-US" dirty="0" smtClean="0"/>
+              <a:t>tailored </a:t>
+            </a:r>
+            <a:r>
+              <a:rPr lang="en-US" dirty="0" smtClean="0"/>
+              <a:t>to providers in Tulsa </a:t>
+            </a:r>
+            <a:endParaRPr lang="en-US" dirty="0"/>
+          </a:p>
+        </p:txBody>
+      </p:sp>
+      <p:pic>
+        <p:nvPicPr>
+          <p:cNvPr id="10" name="Picture 9"/>
+          <p:cNvPicPr>
+            <a:picLocks noChangeAspect="1"/>
+          </p:cNvPicPr>
+          <p:nvPr/>
+        </p:nvPicPr>
+        <p:blipFill>
+          <a:blip r:embed="rId2"/>
+          <a:stretch>
+            <a:fillRect/>
+          </a:stretch>
+        </p:blipFill>
+        <p:spPr>
+          <a:xfrm>
+            <a:off x="6341660" y="653257"/>
+            <a:ext cx="5613400" cy="5613400"/>
+          </a:xfrm>
+          <a:prstGeom prst="rect">
+            <a:avLst/>
+          </a:prstGeom>
+        </p:spPr>
+      </p:pic>
     </p:spTree>
     <p:extLst>
       <p:ext uri="{BB962C8B-B14F-4D97-AF65-F5344CB8AC3E}">
-        <p14:creationId xmlns:p14="http://schemas.microsoft.com/office/powerpoint/2010/main" val="3135876214"/>
+        <p14:creationId xmlns:p14="http://schemas.microsoft.com/office/powerpoint/2010/main" val="998446241"/>
       </p:ext>
     </p:extLst>
   </p:cSld>
@@ -5463,7 +5454,7 @@
         <p:spPr>
           <a:xfrm>
             <a:off x="838200" y="365125"/>
-            <a:ext cx="4579961" cy="1325563"/>
+            <a:ext cx="10515600" cy="912957"/>
           </a:xfrm>
         </p:spPr>
         <p:txBody>
@@ -5472,7 +5463,7 @@
           <a:p>
             <a:r>
               <a:rPr lang="en-US" dirty="0" smtClean="0"/>
-              <a:t>Data background</a:t>
+              <a:t>In the real study…</a:t>
             </a:r>
             <a:endParaRPr lang="en-US" dirty="0"/>
           </a:p>
@@ -5490,42 +5481,112 @@
         </p:nvSpPr>
         <p:spPr>
           <a:xfrm>
-            <a:off x="838201" y="1825625"/>
-            <a:ext cx="4743734" cy="4351338"/>
-          </a:xfrm>
-        </p:spPr>
-        <p:txBody>
-          <a:bodyPr/>
-          <a:lstStyle/>
-          <a:p>
-            <a:r>
-              <a:rPr lang="en-US" dirty="0" smtClean="0"/>
-              <a:t>Studying cognitive decline among OK seniors</a:t>
-            </a:r>
-          </a:p>
-          <a:p>
-            <a:r>
-              <a:rPr lang="en-US" dirty="0" smtClean="0"/>
-              <a:t>Collecting measures on COG and PHYS </a:t>
-            </a:r>
-            <a:r>
-              <a:rPr lang="en-US" dirty="0" smtClean="0"/>
-              <a:t>performance</a:t>
+            <a:off x="838200" y="1278082"/>
+            <a:ext cx="10515600" cy="5443393"/>
+          </a:xfrm>
+        </p:spPr>
+        <p:txBody>
+          <a:bodyPr>
+            <a:normAutofit/>
+          </a:bodyPr>
+          <a:lstStyle/>
+          <a:p>
+            <a:pPr marL="0" indent="0">
+              <a:buNone/>
+            </a:pPr>
+            <a:r>
+              <a:rPr lang="en-US" dirty="0" smtClean="0"/>
+              <a:t>The </a:t>
+            </a:r>
+            <a:r>
+              <a:rPr lang="en-US" dirty="0"/>
+              <a:t>nurses create three 6-month mini-research studies.  </a:t>
             </a:r>
             <a:endParaRPr lang="en-US" dirty="0" smtClean="0"/>
           </a:p>
           <a:p>
-            <a:r>
-              <a:rPr lang="en-US" dirty="0" smtClean="0"/>
-              <a:t>Total of 200 respondents from three </a:t>
-            </a:r>
-            <a:r>
-              <a:rPr lang="en-US" dirty="0" smtClean="0"/>
-              <a:t>programs/counties </a:t>
-            </a:r>
-            <a:r>
-              <a:rPr lang="en-US" dirty="0" smtClean="0"/>
-              <a:t>in Oklahoma</a:t>
+            <a:pPr marL="0" indent="0">
+              <a:buNone/>
+            </a:pPr>
+            <a:endParaRPr lang="en-US" dirty="0"/>
+          </a:p>
+          <a:p>
+            <a:pPr marL="0" indent="0">
+              <a:buNone/>
+            </a:pPr>
+            <a:r>
+              <a:rPr lang="en-US" dirty="0" smtClean="0"/>
+              <a:t>They </a:t>
+            </a:r>
+            <a:r>
+              <a:rPr lang="en-US" dirty="0"/>
+              <a:t>develop a manageable change to the services the provide, and see if their mini-intervention improves </a:t>
+            </a:r>
+            <a:r>
+              <a:rPr lang="en-US" dirty="0" smtClean="0"/>
+              <a:t>an outcome they’ve chosen. </a:t>
+            </a:r>
+          </a:p>
+          <a:p>
+            <a:pPr marL="0" indent="0">
+              <a:buNone/>
+            </a:pPr>
+            <a:endParaRPr lang="en-US" dirty="0"/>
+          </a:p>
+          <a:p>
+            <a:pPr marL="0" indent="0">
+              <a:buNone/>
+            </a:pPr>
+            <a:r>
+              <a:rPr lang="en-US" dirty="0" smtClean="0"/>
+              <a:t>One </a:t>
+            </a:r>
+            <a:r>
+              <a:rPr lang="en-US" dirty="0"/>
+              <a:t>real intervention </a:t>
+            </a:r>
+            <a:r>
+              <a:rPr lang="en-US" dirty="0" smtClean="0"/>
+              <a:t>developed a </a:t>
+            </a:r>
+            <a:r>
+              <a:rPr lang="en-US" dirty="0"/>
+              <a:t>thorough script of welcoming new clients.  </a:t>
+            </a:r>
+            <a:r>
+              <a:rPr lang="en-US" dirty="0" smtClean="0"/>
+              <a:t>A second intervention </a:t>
+            </a:r>
+            <a:r>
+              <a:rPr lang="en-US" dirty="0"/>
+              <a:t>was sending text messages to clients to reduce no-shows</a:t>
+            </a:r>
+            <a:r>
+              <a:rPr lang="en-US" dirty="0" smtClean="0"/>
+              <a:t>. </a:t>
+            </a:r>
+            <a:r>
+              <a:rPr lang="en-US" dirty="0"/>
+              <a:t> </a:t>
+            </a:r>
+            <a:r>
+              <a:rPr lang="en-US" dirty="0" smtClean="0"/>
+              <a:t>A third intervention developed guidelines for discussing traumatic ACEs in their past.</a:t>
+            </a:r>
+          </a:p>
+          <a:p>
+            <a:pPr marL="0" indent="0">
+              <a:buNone/>
+            </a:pPr>
+            <a:endParaRPr lang="en-US" dirty="0"/>
+          </a:p>
+          <a:p>
+            <a:pPr marL="0" indent="0">
+              <a:buNone/>
+            </a:pPr>
+            <a:r>
+              <a:rPr lang="en-US" dirty="0" smtClean="0"/>
+              <a:t>Starts with 2-day workshop to develop the ideas.</a:t>
             </a:r>
             <a:endParaRPr lang="en-US" dirty="0"/>
           </a:p>
@@ -5554,34 +5615,10 @@
           </a:p>
         </p:txBody>
       </p:sp>
-      <p:pic>
-        <p:nvPicPr>
-          <p:cNvPr id="5" name="Picture 4"/>
-          <p:cNvPicPr>
-            <a:picLocks noChangeAspect="1"/>
-          </p:cNvPicPr>
-          <p:nvPr/>
-        </p:nvPicPr>
-        <p:blipFill>
-          <a:blip r:embed="rId2"/>
-          <a:stretch>
-            <a:fillRect/>
-          </a:stretch>
-        </p:blipFill>
-        <p:spPr>
-          <a:xfrm>
-            <a:off x="5812215" y="301538"/>
-            <a:ext cx="6235890" cy="6054812"/>
-          </a:xfrm>
-          <a:prstGeom prst="rect">
-            <a:avLst/>
-          </a:prstGeom>
-        </p:spPr>
-      </p:pic>
     </p:spTree>
     <p:extLst>
       <p:ext uri="{BB962C8B-B14F-4D97-AF65-F5344CB8AC3E}">
-        <p14:creationId xmlns:p14="http://schemas.microsoft.com/office/powerpoint/2010/main" val="3699864537"/>
+        <p14:creationId xmlns:p14="http://schemas.microsoft.com/office/powerpoint/2010/main" val="3135876214"/>
       </p:ext>
     </p:extLst>
   </p:cSld>
@@ -5610,6 +5647,34 @@
       </p:grpSpPr>
       <p:sp>
         <p:nvSpPr>
+          <p:cNvPr id="2" name="Title 1"/>
+          <p:cNvSpPr>
+            <a:spLocks noGrp="1"/>
+          </p:cNvSpPr>
+          <p:nvPr>
+            <p:ph type="title"/>
+          </p:nvPr>
+        </p:nvSpPr>
+        <p:spPr>
+          <a:xfrm>
+            <a:off x="838200" y="365125"/>
+            <a:ext cx="4579961" cy="1325563"/>
+          </a:xfrm>
+        </p:spPr>
+        <p:txBody>
+          <a:bodyPr/>
+          <a:lstStyle/>
+          <a:p>
+            <a:r>
+              <a:rPr lang="en-US" dirty="0" smtClean="0"/>
+              <a:t>Data Glimpse</a:t>
+            </a:r>
+            <a:endParaRPr lang="en-US" dirty="0"/>
+          </a:p>
+        </p:txBody>
+      </p:sp>
+      <p:sp>
+        <p:nvSpPr>
           <p:cNvPr id="4" name="Slide Number Placeholder 3"/>
           <p:cNvSpPr>
             <a:spLocks noGrp="1"/>
@@ -5631,98 +5696,9 @@
           </a:p>
         </p:txBody>
       </p:sp>
-      <p:sp>
-        <p:nvSpPr>
-          <p:cNvPr id="9" name="AutoShape 2" descr="data:image/png;base64,iVBORw0KGgoAAAANSUhEUgAABIAAAASACAIAAAAIyqENAAAACXBIWXMAAB2HAAAdhwGP5fFlAAAgAElEQVR4nOzdXXCU950v+J+3crFTs1VbdTZIluRUhTqQHYMIGmQXdUTNOAwvBvwyvvCSFAQckwTKczwFNh57PHZyEZskJCaGis+4RBKIwaYSyqfWB4OEeQn2TKFZCkREEHgqcIpUBalRy7tbezE15469aHWrW+putaTWo7fP5wqrn5f/86L2/6v///k999y9ezcAAACYeP/TZDcAAABgthDAAAAAEiKAAQAAJEQAAwAASIgABgAAkBABDAAAICECGAAAQEIEMAAAgIQIYAAAAAkRwAAAABIigAEAACREAAMAAEiIAAYAAJAQAQwAACAhAhgAAEBCBLAK3bzZvm/bsmXL7smzbNmybfvab96c7LaNX/u27CHtq/RoxrDK5Lp5s33ftpl7CWeQm/uy12hb+2S3pYiZ/VUAAEw4AWxEN9u3Lbvnnvnz1+3Y39HRkf9JR0fH/h3r5s+/Z9m29pnb9cp0N6dJyirqZvu+bcsyV7DkJZzYazj9zyExq74K3LEAMHEEsLJu7lt2z/x1+ztGWKxj/7r5y6bkX+vHKXP8O0Y8AVPXzfZtyyo6go796+ZPyGje9D+HxKz6KnDHAsDEEsBKu7lv2fwdg52Qlq17227cuHE358aNtr1bW7Ifd+xfNzVnTFVibevAMZ3fPi//5zeul+yElVplKrm5b1lBn7nEJcxdw+jYMb/qGazMOWSamEVfBeGOBYCJJoCV0r5tsMvVsrXtxt3zrdvXzpuXFzbmzVu7vfX83RttW7M/2b9uOve7Zpr8K1j2Ep6/0bZ3sPc8ARmMac1XAQBQTQJYce3b1u0f+GfL3hvnW9eWHuWZt7b1Rq7/vv91nfepIe8Kxta2kS7h9vN3BzvPHTt+rPPMAF8FAEB1CWDF3Nz3+mCf652Rp9jN2/5Ott/VcfSEbtfkK7iCN8p1mnMKOs/GL4gIXwUAQPUJYEXcPHE0O+No66uVPeE075H1W1tatm7d2/bqI0VXuHmzvbB0daZu9QgNKVxpWa7EWqka8LmfD+SHTC2zkfc5bHsDlcBzf/vv2DF/yA6HrlJh7fBy1euHtLaiU1TcGK5gRMzb/urgFLIPCo5ixKL7RQ5/5HNYsIExHPyobqrsIeQuccEOh685/N4Zocx69S5f0cMs3Ozw7Vb0XoShvyAj7nqyvwrGcuMVrjiKr4IR7tgJOcMAMBvdZajBgZDY2lblDQ7TsrXtRvGV2rYWX6tl743B6XItewvWzv18a9vdUusPWyl/vexHJZucW3d4E/J3Xkqphpc82nKnqKSxX8FSa5Zqd5EVc+uNfA5zC5Y5+BL7G/1NlT2Elr03Sq6cu/zlbr5ijZmgy7e1rXRTtw5tyojXqLJbtHhLJuurYCw3XuGKo/gqGOmOnYAzDACzkRGw4QaLgLUsmD/urbVvuye/gNpQHfvXFSv60L6tZMnrjh3zt30w0l67X19WumR2x46nJuLxlLVPDHS+howe5Wn/YOCP6y3r80YHhhYrHKJj/7r5o/tz+uAV3PrE2tGsGPO+1Jj9Z/fvE5lAdnPfsvllKn4Xrwkytpsq68S2Uit37Ji/rf1m2Ztv+K1T9cuX54PSTd0/9Mys/buB/FBy7l/u9qv0tpgKXwXjVcWvggk4wwAwK012Apx6qvpX78HKDgPFq7M7KRwzKDWQFYV/Fx8+0FBmxSF7HLJyiT+Xl9peBYNmd0f+83fRz/P/7N6ytW2wunfhOSr9R/dhBrc4ipWGtbGgkWMeiBhh1cKDL3W1yt4eY7mphq7Ylt+MlmGXouDzIQdY/cs3fCCmpeRtXGIEp+jeSl+iChoy6V8FYx4BG77Hsl8F5fdZ7TMMALOSADbMYM9lDN33QnkduKK977xOUl6PpaDbN2ytGwU9q3Jd8yJ7LHVsVQpgI3QXi+av4oGn8s/LrjKuAFb5gd0dawAr39LiQXJsN9WI90a526pMUyfg8g0JYEXWK3mM5fLBGNLBpH8VVCmAjearYIR9VvkMA8CsZAriBGr/cXbCUfECavPWtub6OoPT9gaf+9/aVqR8X/5K5RStGZCbJRgd129UsJHRKjdHabCeXN70pLwftrUWnbQ0eLilZzZOV7kJW8Wv1mBRkLzTObabqlCxvQ3eGsU3nPf5oIm/fEW3W/IY5z2yvtT9l/drNQmz46px1casml8FU/YMA8A0IoANM39B6efkR+Xm77sH/lW6gNpgNyjb7aqgG1O0LzxEiZWrdnAllO6fFT+u3EM2ZfpsucNN6KmsxAw+Ebf374of/drWgT+UnM/eQGO7qQqN1D9u/FKxDedunbwO+0RfvpInJu8YCzZb8v4bUzqY5K+CKqnuV0F1zzAAzEoCWBnjHCXK9U7LPcA/rCNZyVojJ7Bq1AwYk1L9s1z3rKBPPdgx3b/unpKyZbErvR5V6jcXzyETYRR7GttNVWCke6Pye2diLl+eMiemWB6MkvffeNPBpHwVVEe1vwom6AwDwCwigA2TfCG84pLr/1dVbt5cQf9sMH+tL/5ypIpUeD0Gr+Do+82DmWLCM+zgrmaJUf86lbsEeb+mhT8vdv8Vj/8jmipfBVNLNc8wAMxKAthwgwMoo+q/39y3bNmybdv2tVfl5bPTWPYv+Xn9s+rkr4oNXsHRzubKe/HuNA3As0Xp+Dr8/hvz7eeroKgqnmEAmI0EsOFyc2xG1X+/eeJoR0fH/v071r1e4h05xVfL9SOHdvin79/ch/XPciUISj8BU1HdtPOl1h5ibFcwv6HTeyJV6ZtqolT18uWMceLf0Ptv7OlginwVTDnVO8MAMBsJYEXkd7ter/A9pXllzrJ9kBJPqRQafNXrgErWmuqT14b0z0q/nXVwjld14+Zg/cDYv67itwAP1vQbff4adh1HVsnB39y3bOBJqoGjGNtNNUEm6vLllNlsuceqCu+/8aSDSf0qqEhS17pQ9c4wAMxCAlgxef33jh3zK+jAt2/LVhrIG+QZ7LyV7rvlFSIf6PHnrVXqb+554zRTVLYcfcfREzfL5K/8nunwuvVZuRCyrMIecH4LImL/uopWbN82P3daSz/IUqIHPaZInKu60LHjx8Uv9fDKBmO7qSbKhF2+GGGzg1m5aJ8/Px+MLx1M5ldBgWreeFVQvTMMALOPAFZc/su29q9btq3Mwxw327flCr0V9twHu10dO54q0u+6md9Zy3W68jpr64rtN2+lqSt7EB1HT+wb6FgWDTUjnaKIm/ue2jGW7t287e/kIljHjvllL2Hc3Lds8BoWe1VT+afKBts4OnmVx4v2yweTdrHbYzQ31QSZuMsX5Tabd75LbDUvH5y4Pr50MIlfBTFRN14VVPEMA8CsM46XOM90Q9533NKydW/bjRuDn9+40bZ3a0HB8+FPwuRvo2Xr3rYbg+vmr9qy90bptXIr3R22w5IrDvn5YJtzoaSgraXWG1x82AZH2tXgquVbVHiaW7bmneLCw63oMaMhbRh6Cbfubbsx/BK2FC5TdD9DLmRuI8MvydD1y5zDwrOUf3/cvdGW/0m522PUN1WJK1H5BS1+61Tv8g27dfK2OuR8l95qxfdfJSbvq2DMN95YvwrujnDHFlusCmcYAGYTAaycwq7RCEbq145qzQrWKrbqxAWwnOx6I+5qSNe8TO+syF6GGUP8ymx7NJewXCtHaOTWvdnPS3dnix7MyAc/tttj1Il5jAFsAi5f3p62ljvQ8j3+wmaNNx1M3lfBGG+8qgSwwb0Uu37VPcMAMHuYgljOvLWt5yvpebVs3XujVI23ta13y22hZWvbjSJrrm0tvd+WrXv3VpjPxivvCZisysst5L8uunT5w4iYt/38jaF/zs/XsrXtRusYJ9NlLmG5rQ/so2VrW8lrONDIUlekZWvb3dZHSq9Y9hzO2172FmvZW/z2GMtNNUEm8vI90VoqfxQ/MfnNGqyfMcL9V4nJ+yoY8403ZpX+1lf3DAPA7CGAjWTe2tbzd+/eaNu7d2tLy5DZatmpSOdby3Y+1raez8wYylt9YN2751vXFl913trW8zdutA1ZaevethvnW7d/KfuTCS9YnUmCBYddcWnwwQQ24sNI87a3nh8+H3Ckc1SheWu351/Dgh20bB24hBXsZPgVyV6Q8kc30jmcN3iD5Dctc+yl7qwx3VQTZQIv37zt5ws3PNKJGVxzMB9U52G4yfoqGPONN2YV/tZX/QwDwOxwz927dye7DYzWzX3LBir2bW27O1GdMJjeciUx/JZMEGcYAMbCCNiU077tnpHKdpd7BxIQUe71c1SHMwwAYyKATTmD71Yq8XaoEd6BBAz+lpR+pxvj4gwDwBgJYFPOvC81Zv+Zee3Q4DjYzZvt+7Ytmz/CO5BglrvZvm1crx9jJM4wAIydZ8Cmovz3uZY0Yhk4mFUGH40c5OGkanKGAaAajIBNRWtby9b1TrrOOEwHeWPHGS17x1z/nmKcYQCoBgFsapq3vUi96kz16UmpMw5T3/wncn+2aPE3iongDANAFZiCCAAAkBAjYAAAAAkRwAAAABIigAEAACREAAMAAEiIAAYAAJAQAQwAACAhAhgAAEBCBDAAAICECGAAAAAJEcAAAAASIoABAAAkRAADAABIiAAGAACQkM9NdgOmluPHj092EwAAgGnm0UcfrXBJAWyoys8dAAAwy412CMcURAAAgIQIYAAAAAkRwAAAABIigAEAACREAAMAAEiIAAYAAJAQAQwAACAhAhgAAEBCBDAAAICECGAAAAAJEcAAAAASIoABAAAkRAADAABIiAAGAACQEAEMAAAgIQIYAABAQgQwAACAhAhgAAAACRHAAAAAEiKAAQAAJEQAAwAASIgABgAAkBABDAAAICECGAAAQEIEMAAAgIQIYAAAAAkRwAAAABIigAEAACREAAMAAEiIAAYAAJAQAQwAACAhn5vsBoyg58L7R4/887lbtyIiYu7c5X+xYf2TSxuKLPj+mz8aXG755hKLAQAATJopHcAuvLl917lbeT+4devcrV3n/nnz2/uebChc8PFd5/KXO3do17k/vnLsuaXJNBQAAKACU3gK4oU3d527FTF3+StvH8t4+5XNcyPi1qFn3rwwZMGImLt5YMGBxc7t2v5+z+Q0HQAAoIgpG8B63j9yLiKWv7LvudxUwoalT+57ZXlExLmOC8MXzM45zC1265//RQIDAACmjCkbwG7/8VZELG8ZOolwacvyiIg//HEgWvX8yz8XW3Dp+s1zJTAAAGBKmbLPgC197tix5ypYrlRQa/jCFyNu3frj7Qi1OAAAgClhyo6AlXKh41xEzP2L/5SJVT1//ENEzP3CfcMWvO8LcyNvpAwAAGCyTdkRsOKyD3xteHJ8w1rHjx8v9dGtW7dKfQQAADAe0yqAXXjzmUO3IuZuXl9xefkScxAfffTRoosfP3587ty5Y28hAAAwm1y7dm1Uy0+fKYgX3ty+61zE3OWv7BvF8FexyYkAAACTYnqMgPW8v31g7GvoK5gBAACmjWkwAnbhzTLpq+ELX4yBiYZDZMojfvEL8hoAADBFTPEA1nPhzcd3nbsVc5e/cqz42FepYoelyyMCAABMjik9BfHCm8/sOjfCxMOG//QXcw/dunXo6IUnn8srzXHh6KFbedXqAQAmxL8dfX6ymwCzy5+u/8lkN2Fcpu4IWM/720dMXxGZBBYR53Ztf/NCZhis50JmVfkLAJhQ0hckb7r/3k3ZEbDMEFbErUPPPH6oyOfLXzk2MOLV8OSLr/zxmV3nbp3b9cy5giUU7AAAJt6frJre3UGYRv799PQe/oqpOwJ2oePcyAtlNSx97u1XNi8ffH/X3OWb3z72XMUvCwMAAEjCVB0BW/rcsWPPjWL5hqVPPrf0ydGsAQAAkLCpOgIGAAAw4whgAAAACRHAAAAAEiKAAQAAJEQAAwAASIgABgAAkBABDAAAICECGAAAQEIEMAAAgIQIYAAAAAkRwAAAABIigAEAACREAAMAAEiIAAYAAJAQAQwAACAhAhgAAEBCBDAAAICECGAAAAAJEcAAAAASIoABAAAkRAADAABIyOcmuwEAACTtiaf+ZrKbwJTwwTv/ONlNmHUEMACAWSQTvVr3vD7ZDWFKyNwPYliSTEEEAJgtnnjqb1r3vC59kZO5GYyIJkkAAwCYFXSyKUogT5gABgAwW+hqU1Trntfl88QIYAAAAAkRwAAAABIigAEAACREAAMAAEiIAAYAAJAQL2IGACAiouvIq293jmL5+9bt+M6Kz49rX/WrvrfzodqxbQKmJyNgAAAACRHAAAAAEmIKIgAAERFNG15v3TDkZ5+179n7QW9E88bWDfdPSqtghjECBgAAkBABDAAAICGmIAIAME6fHtj53oUSdRH7zr713bY7EU3P7HmyacQtpT9tP3P2Uued29kf3Fff9MDDX1nbWLzcYl/608tDl7+3oWnFIyvur6y4YsEcy77uT058dPpCb+aje+9rXrF1w8B2+ro/OfHR1Qu9dwb20rzqsZUPNdVUcgj33te8qOTCoziE/JMcXWc//rCr63amqfX3Li12yNkzH0uffn1LY0WngwQIYAAATAl93e9/92DXkB/e7u26fbDrg/qmZ3YOyW+fdR351dudd4Ytf+d273sXuoYvX16668h7hVX479zufO+7nU3P7Hkyjrw1ZEe3O0+/3Xn1iZeeXVsYq3KZp3A7d97uPH1f88bvDH2ObmyHcO3AnlxKjIiI3jsXxnLITA4BDACAKSD9yf5M+qpf9cym3HjRZ11nf/V2253o7Xr7yML8QiB9Zweiy33NG3PjVJH+9MDh9y70xvDlR9B5+u2CTeWiUdfbe+5E7537mldtXflQbU1ek+LOB4c/WZL3HrNc+ioYH0t/1nXmV2933rnd+d5rUZDBxnYIt9tO3457l6772iMrPl8bEelP2w+/90FvRG/Xh2e/0jTWN7ORGM+AAQAw+fquXr0dEdH0zM782Xqfb1rx7DPNERHReS1vdOzTE5mBpuaN39mQN/Wu5v4tOzcuzfw7le4bTQPuW7cjb1Ofb9qwYmA7vXeieeN3NmTSV2GTevtTufXTn+wfbFLeIdR8vmnDs99bd29E3O48256uwiEsffrZLZn0FRE196/dueOJ+oiI213X8pevXfFs657XW/eYfzi1CGAAAEwdd1LpoT9q2vB6657XW/MfIeu+diEi4t4nVg4f45pTVx8RheloZE2PDR07un9JJmUV20td7b1DWjsYIIsNu9Wu+NoT9RFx54Mzn473EOpXPTI0UH2+rq708kwxpiACADD5amvvjbgTceeD3W9dal702MqFTTWlZ9M1Ptm658kSn32+ri6it8SHpdTPqSv52b11w+pnZFub89nlrsxw1sIST2FlW5VK98X9tTGOQ6irGV5fpG5oe5i6BDAAAKaAxiefab7zduedXNWKiGx9v0X315YoITgg/Vlf9KfSkfrdtUupbG3AUSmWakajP5XZaed72zrLLtjbn4oosq+KD+G+2jnjaimTTQADAGBKaNrw7Pe+XFDtfaC+X1tEfdMTw4rR93W/v/+jMcWtKWMGHAKjJYABADBV1DY+tKXxoS0Db8fKGwvq7frgYFdq8H1W2fd3Zd1Xf29D3b11tQuXLLo/debVt8sPQ02c5o0Vl16cqofABBPAAACYQKm+sTybVFtz/9oN96+NJ/PKvseFjz55pPGh2oi+s7/KRJeCAu65PY6/0aM2p66+8BGvkUy9QyAhqiACAFAdt/v6h/3ss1RFYeKz9j2vbtv56rYjnw77aHjZ92zFi/pVw6NLxKeXJ2HsKFeH8OrlYVUcI2LwAPd80hcxJQ+BhAhgAACMU7Zs+vD3VnV//EFFDzh9fknTvRERBW/KysmmuHK1Cgf0nT17oZIdVlvTylX3RWTezlzk5V3Z87D04YdGHB+brEMgGQIYAADjlI1Pvae/u+eTroEE9VnX2fdfO9hVbr08tSsyLz6+88Hutw50fzaYYdKf5p6VyqaXwd3tP/Jpbsm+9KcH9rz63bbcjMcirxSbQDUPbV2XOwnvt3d/lv3gs66zb23LnIfBV3glcQh9Z9/atvPVbTtfPdA99o1QdZ4BAwBgvGpXfO2Jrr0f9Eb0nn579+nBD+pXPdN09e22Sh4Du3/LS6t6dp++HXcuHNw7fAjovnU7shU4onbFiqVd713ojdud7323cLbefc2rHqvN7PFOKh1Rvn59VdWuePZ78dZ32+5kSoZ8MOTj+lXf2zk4/DU1D4EECGAAAIzf59fu3FF39uMPu7J1C+vvXfrw17Y0fr7v7NVKt1Hz0Hf2LOw6+/GHXXdu5yrR1997X92KrSuHvArs/i07dyzJ313ce9/g65trlra9dyHiwu8+3dJYYU3C6qhd8Wzrok/bz5y9lLqTKy5/X33TA8Nq6E/ZQ2Ci3XP37t3JbsMUcvz48UcffXSyWwEATA//dvT5iPiTVc9PdkMq8sRTf9O65/XJbgVT1Ladr37wzj9OditG9u+nfxIRf7r+J5PdkEHHjx+PiMpDhGfAAAAAEiKAAQAAJEQAAwAASIgABgAAkBABDAAAICECGAAAQEIEMAAAgIQIYAAAAAkRwAAAABIigAEAACREAAMAAEiIAAYAAJAQAQwAACAhAhgAAEBCBDAAAICECGAAAAAJEcAAAAASIoABAAAkRAADAABIiAAGAACQEAEMAAAgIZ+b7AYAAMBYpT95bffp280bWzfcX3qZT9vPnL3Ueed2RETcV9/0wMNfWdv4+dHvq0rbYXYTwAAAmKY+az98+nbZJfq6399/sCt/mdu9XbcPdn1Q3/TMziebKt5TtbYDpiACADAdfda+Z+8HvWUX6X7/u4WpaVBv19t7PumrcFfV2g4YAQMAYPpJf3rg8HsXyqev+PTAwa6Bf9Y3PbPpyaaaiIi+7k9OfHT6Qm9E7+n9Zxd+Z8WIcwirtR2IMAIGAMC08lnX2fdf2z1i+orovnYh84/6Vd/bOZCaIqK28aEtOzcujYiI220fdxVfeQK2AxEhgAEAMH181r5n79ttmdmA9z7x0o4n6ksu2td3JzKLbXqoduiH9295OvPcVtfl7hF2Wa3tQIYABgDANHNf88bv7Xl2bU25ZVKZ4FS/aEnRxWrm3BcRET19n5XfV7W2AxmeAQMAYNqoa1r1zKaHmspGr1G53dcfUYXHt6q1HWY8AQwAgOni800rHhrdGr39qYhhUwcj0v3l69dP1HaY9UxBBABgBmr68sDTWW8f+XTYh5+1f1Rp1YxqbQcyBDAAAGaixoWZEoXR+d5rRz7pSg/8uC/96YERXyA2EduBiDAFEQCAGer+R9bde6HtTkTc7jz9dufpwk/vva/+zu2K4lO1tgMRRsAAAJipalc8+7119xb75N4nXvraA4lvB8IIGAAAM1jtime/t+jTE4fPXugdeJ3Xfc0rtm64vzY+PdAbEXFf7ZwktwMCGAAAM1ltzf1bdt6/ZchP0+meiIhoqK20dny1tsMsZwoiAACzTt/Vq7cjIpqWNE6J7TB7GAEDAGAmSn/y2u7TtyPuW7fjOys+P+Sj/W13IiKaFzYlth2ICCNgAADMTDU1DRERcbvtVwe6P+sb+Olnfd3vZwJVRCz98v3JbQciwggYAAAzVK58/J0LB/deGP5588YthfMG+86+9d22OxGx9OnX8z4a9XagDCNgAADMTLUrnn2muWj5+LiveeP3NlQ6bFWt7UAYAQMAYAZr2vDs9778yYmPrmbLx8d99U2PbfpKU83oihZWazsggAEAME19fu3O19eOtFBt40NbGh8aWj6+6JIrnm1dUYXtQBmmIAIAACREAAMAAEiIAAYAAJAQAQwAACAhAhgAAEBCBDAAAJjVtu18dbKbMIsIYAAAs8IH7/yjfjalfPDOP052E2YLAQwAYBaRwRhi285Xpa8keREzAMBskelnP/HU32T+s3XP65PaHCaZND4pBDAAgNklF8P0v2c5A1+TQgADAJiNdL5hUngGDAAAICFGwIa6devWZDcBAJgeaiIioqenZ5LbAbPGf4iIad5jF8CGmjt37mQ3AQCYHv7tYkREQ0PDZDcEZot/vx4xxXrs165dG9XypiACAAAkRAADAABIiCmIU91/+9f/MtlNgFnkr//sP092EwCAmcwI2JQmfUHC/NIBABPKCNg08NAX1092E2BW+OQPRye7CQDADGcEDAAAICECGAAAQEIEMAAAgIQIYAAAAAkRwAAAABIigAEAACREAAMAAEiIAAYAAJAQAQwAACAhAhgAAEBCBDAAAICECGAAAAAJEcAAAAASIoABAAAkRAADAABIiAAGAACQEAEMAAAgIQIYAABAQgQwAACAhAhgAAAACRHAAAAAEiKAAQAAJEQAAwAASMjnJrsBTLLN67852U2A0Tl09BeT3QQAgDESwGavTPTa89buyW4IjE7urwaSGAAw7Qhgs5HoxbSWuXV3PvvSZDcEAGDUPAM2S0lfTHd73tptAi0AMO0IYLPO5vXflL6YMWQwAGB6EcCA6cqfEgCAaUcAAwAASIgiHACJev2fPpzsJsDs8upfPjbZTQAYZAQMIDnSFyTP7x0wpRgBA0jaN5f85WQ3AWaLX1z+p8luAkABI2AAAAAJMQJGob5ze167Eg11dfU1X25qbFw8p+zS/ekr3We60qneVG/9qj1PLUyqhSd7I+off2Hn6vLNAwCAqUUAY7hUb0+qtyc6L15Z950dK2pLL3jlN7t/dnng3/WJNA0AAKYzUxApI9V1pb/Mx91dl8t8CgAADCGAUVx9Q11E9HZ2p0sucu13FyOirr4hsUYBAMD0JoBRXF3z4vqI6Llyta/EEle6OyPiwcVNCbYKAACmNQGMEmobmxqizCzEzPzD5qbGRFsFAADTmSIclDJnUXNdW0+qt7M7vXp5zdBPM/MPl3x5cfS1DV/32pFnD3WWKFSYPrV394z24t8AACAASURBVLFUxJKn3/pqQXrru3b25Omui6ne7A/qG5Y0rfurFSNUYsy68uudmYogDUuefrn8luvqH1z88JrljSXqi6SvnDvTdqWzJ5VdeNWmpxZGqWaPfvujXn6o/rM/eKOtJ+LBzXueWpi+cu5M28nOntymVm16amFNkQOJ+gfXlNzLaE9R37WrQy9WXV3zqpWrFxbeKvl3QnSf+s1HnZd7M01tqGsusnzu9ojmb+/esLjCEwIAMG0IYJRUs3hx/bFUb8+Vq33Lh9ZCHJh/2NgYUWqK4qikr/x6sKBiVm/P5d6fXW4bHqiGu/LrPSXSV65DnyfVezF18OKV5sc3bhiaD7PZpmDhQ7svLln3YImWl9z+yfoHN+8cVpp/tMuXle5+59DBi0Va+/RbX4139h68WLCj3osnDxarbDnKJvV3v/PekC1HRG9PqrfnUGdnqYvVfeQHuZQYERE9qc5yywMAzEwCGKXVNjY1nOztSXVd6V9RGFQy8w/r64YNjI1N37nDA/FpzdNbcqMu/d2n3jt4LBU9lw++01juJWN95/b87HJvlE1fDUue3vJXjbVzIiLdd+3MgUOdPanOY29EbcEwS/c7A+mr/sHN2XGkTN643FaQc4Zuv2Bwqa+/++R7By+mei8e2hMFAWa0y4/g4smDRZqairh88Aep6EnVP7hm05rlNbV5JzNSbQfOLXp5cEhz9IcwkL7y9hvRd+3IgUOdPVHqYvUeO9kbdc2Pb1y5ek5NRPRdO3vgUFtPRM/lj079VaP3uQEAs4ZnwChjzqLmorUQB+ofNlU4OXAk6StXeiMiljz9cv6ctzmNq3c8nRl3utjdXWrl7HuZi8w8jGtnBtLXmpde/momfUVETe3CDS+/sK4hIqLzZ7/uztvURxcjMvPlctEi5jQ+teOlx+uK7vpwZvsPbt75VF7LawdX6b14+mzfWJevwLCmrmrO/LMnldlLTW32o9zJ7EkPXs1RNyl7Sh/cnLffiNqFG17ePLDr3nTRypnN396xIZO+IqJ24YrsJRhyd9Ws3rHnrd173jL/EACYmQQwyqlZXKwWYmb+YcPiRZU+s1ShVN+w7NH41O49b+3eM/yxq4xy6SvSp053RkTUrdsy/Bm2OSu2rKmPiLj80amBKiO5HPjwsAGZmtXZYJO//VxuLDZmVbN647qGiEi1nbw2tuUrMLypC788MFWybt2aoXupqcvEyMHzPOomZS59sY1H1NRmXkjQUyyANaxZOTRQzamtL708AMAMJYBRVm1NXcSQWogD8w+bG6s0ATFqageCQdtre/e8c667r9zbnweluo9k0lcUf44onRqoolFbNCgOHFr0pjL9//6rnZmxncZiYS8XbHLKLx+DAWNgRGi0y1egoab0JShy1NnznDP6Ji3+6p63du95a+hTZAULF1VfpKnZQAgAMIt4BozyFn75wei8GHm1EPv7eqOK8w8jIhZ/9ekHUwcvpnK1HyKyVfIWL6wpMc7We/FktgRf0eeIMu0sk1JqahsiejLpYmFNpPsyT3+VeLCtpq4uIr/yxMDycfHQzmKPhw3qSacjaka9fAWKpZrRGHeT+vrTkU7fib6u7q7ebHnDoi2t1uOCAADTnADGCBqblsTFy5GrhdjX3dVT/fmHjU/teKmpoGb6QJW8YxENS9aVKkbfsKS+53JvRO+x33SvLjFNsWRKmVNbH1E6M1BK+sqvD7eVi1sAAJQigDGSxY3NcbkzBmohZp4aquL8w5yaxcs3LF6+YeAdU3kjKj2X2352uW/4W6Ea1rz08vI4ldp9LBVRulLiwADXcNkhsiGLp9IRoxnce3BzuQqN418+AaNo0tAy/fUNdXX1dbV1jYsWL0yffOlg+ZE0AIBZTwBjRNlZiKl0RFztTI1z/mH20aySamoXrnhq4Yr4al7x9OhsO7dycUEtjYEQuHrjus432noiLh460pQf0rIDXCVn9GUn4A0MkWVnJFba7CEzGEc02uUTMOompU+9N6xMf96nE9BEAIAZRhEORtbYtCQi4mJ395XRzT/M1rfIN3zcqf/sD17a+exLO98ZXv2vRPH0wmWy9QwLa8oP1ni4/LsrxdYbKOiXezxpoOZ+iZL3mcr7BfvNFvErLBE5KHtcPziXHsvyCRhtk7JFOxrWDE9fxU4RAABDCWBUYHFjc0TE5Y/arvRGJbUfshXJhxf0u/KbtqGjTLnkU/QVWCPW0oioXb5p4D1dlw/mpbhc7fjOtuGRpv9s2+WIyK/kPlBzP68wfU62on2BxjWZ4JdqO1AsMmWPtHndwMDdaJdPQBWbVPQUAQAwhABGJQaKsPf2pCKiuWnE54Wymarn5O4fnOseiFX93ad+vednl4cvnU1KqbbX9h650p/3muBruSeOymeA7BurhqS4hSsfzzXj17nq9um+a0eym61//K8GS3dkg1zvsTf2vHMt24z+7nf27j5WbNpkLvj1nNz9g1+fHazU3999au/OzJHmv/9qtMsnYHRNGryshwfPT+Z8vpR3ioq8z61y6VN7dz770s5nXzpSdNwSAGCa8wwYFckrwr7kyxUkhJrco1k9Jw++dnLwg4Y1TzdfOTg0zyzc8J01qddO9kaq82dvDB9IqX/8haEVOIaas2LdkrafXc4M5ix6eSCt1aze8VLs3X0sFT2XD742JPvVNT++cUNh8fqa1RufTr1x8GL0Xjy0O39CXcOSdc2ptmExLH/7bT+73Dbk44Y1L71ckBtHu3wCRtWkmtWrmjsPdfYMOz8R9Q+uebguc2VTfXciqvySbgCAGUIAoyI1ixfXH0v1RpmX9g4xZ8XLL9Se+s1Hndlihg11zes2blg8J32q2NBG7fKdbzV2n/rNR52p3lwl+oa6+vpVm9aUfBVYgcVfffrBywcvRvScPHyqcWduYuHqHXsWXzt78nTXxVT26bO6+gdLbXZO41O7Cwvi19U/uGrTUwvj1N6h4WTI9ntTucrs9Q1LmkqUzh/t8gkYTZMWbnj5hS/nX9aoq39w8cNrGhtr50TUNB871BnR2XVtw+IpVukRAGBquOfu3buT3YYp5Pjx448++uhkt2LQf/vX/xIRD31xfRW3uXn9N/e8tbuKG5wlut956eDFyRmkooydz7506OgvqrW1T/5wNCL++s/+c7U2ONzr//RhRHxzyV9O3C6AfL+4/E8R8epfPjZB2/+3o89HxJ+sen6Ctg8M8e+nfxIRf7r+J5PdkEHHjx+PiMpDhBEwGDAQsWLJ028Nf6dzthbIyAVIYDJt27BpspsAY9F65PBkNwEgIQIYDMg+53b5d1e+2jjkkbO+7q5M0Y46+Yupa9uGTd/fN4X+IgiVy/ztQAwDZgMBDAbknnPr/Nne+PbGDQOPP/Wnr/zm8M8u90bk16yHKSXTeZW+mL4yd++2DZtkMGDGE8Agq3b5zm+n9/zscvFijA1Lnt4yfGoiTBXSFzPA9/f9RAYDZjzvAYM8i7+68zsvPP1gXX3D4M/qG5as+/YLL7381Ual1ZmSzDxkJslksMluBcAEMgIGhWrnND61w0gXAAATwQgYAABAQgQwAACAhAhgAAAACRHAAAAAEiKAAQAAJEQVRIDZpT/dfe2jk1dTvame7I8a6uvq/nzFw4sW1NQUXyd99qe7TqQi6h77+79dWWKZrOuHn3/3UkTDI8+9uGKsby7vPrr9QFdluwOA6UUAA5g10t1Hf3mgq2fYz3t6Uz297146EQ3Nq7+x8SsiDwBMGFMQAWaHq+/9dFex9JWvp/PUrud/eiadUJMAYPYxAgYwC1x97x9+3pn9j/q6BwonHKbT1393+uyHnamIiEh9+MOjtT9Zv2gy2gkAM50ABjDjdR/Npa+GR77+jRULhkwyrKlZsHLjgpWrrh/+4buXIiK6fv5GzSsvmIsIAFVnCiLADNd/5mRX5l8Njzz34rD0NahmwaaffP2BzL97T33UnUTjAGCWMQIGMLOlr13ujYiI+tXfGLks4YJNW5ouHeiKiEtXrm9qXFB+6dzMxobmr7+4cYSFcwUYL/Wmsj+pa6ivXbJm+crG0g1LXz9z+uzlzoGajQ31TWWWT3d/XLD9zGTL4Zkz/fGPfniqJ+KBLd/f1Nh/9ey59hPZp+Pq6x5Y87VNA9vvv3r2XPtvu3p6B1r7wCPFtjbmQ5vYJlV8NkZ7CPk1KqOSq9N/5o03P+yNiKZvmdoKIIABzGzpq1czneMH1lQ2pbCx8YHouhQRnd1XNy4o012++t5PR5G+0tcPH3r3Uu+Qn6Z6elM9B7oul9hC6urR7Se68n/S09vVc6DrcpEa97lefp7e1KXedy/9tumxzeuLl7Pvu374QGbWZd4qB9681Pz1fRvj8BtDGpy6dOLdS79dPXRy5pgOraSqNKnM2ThR98CWv93UWPjR2A7h6tEfnSgo6zJwdUZ7yACziwAGMKP13ckMaNTVVfpE14Km5rjUGRF9felYVPrNYD/vTEXFY19nBvr3dQ9syQ3mDJbF7+l89/Di7w9NBZG6dCIV9U2PZQdV0t0f//LAqZ6InhO/OrMo/xVhg3mjofnr31iVqS/Sn+4+98sDXT29XR/+MIqWFbl04t2CJuVySOe7P0pFT2/dA4987eEVc2oiIn39zKF3P+yN6D31y7ML8+Lf2A6tpOo0aeBsFIyPpdPXPzr07qXe1KUDP42CDDbGq/Nh5upsXr6ypvDqdJ49s2qBF7gBlCCAQWl95/a8drL3wc17nlo45JPud146eLGCLRRbtxLpU3t3H0tFLHn6ra9W3HGDIvr7BiaU1dZW3CGuvbcuIhWRSqUjiq2VfS9zhekrovtcJh0NGXupaVz/4pbYfqArIlJ9/VFktl7Tt14YDE41jV958e/jRz881ROpy1f7V+YiR3b7hW9/nlPTuP7Fv6/50Q9P9UTXz99r3FekqYXveq5ZsGnNwAzMnt7C1tYsWPnC11PPv3spoudOf8TQXY/+0EoZb5PSZ39VvEk1Cza98FzdG29+2Ju6dPLjhxuzg2YTfXVizsoXvr+y4uMHmOkU4YBS+s8eODl0Rk4y+s4dPpYaeTGYFKNOXxFXr3RFRNSvfnj43xNqahoiYiBCDNXwyPKhw1Y1NXVDl89WGSn6kFvNV77xSF1EROfZIu83a14xdKCmsXGgDEmR1s6pq4+IiFQ6t6UxH1pJ421S/+9+m4qIaP56sWG3OSs3r26IgiIrE3x1ABjCCBgU1X/2B2+0lX9l7cTterKCH4wodfXohycG+veVP+ezaOP3920s8VlNTV1Eqd+1utrhoy5z6uojCn5F+lOZ/6yrKTrIV1NbW2pAr+He0gNTRbY2p7ZuyK7HfmiljLdJ2ZorDywucXWyrcoNak3w1QFgCAEMhum7duTAoc6y3abGp3bvearUh9eOPHuoMyIa1rw0+vmH3e9MVvBjZsp10Ms90DVE6cfGUpdOZAdnx/GcTzrdH+n+vkh3XbmayhbQK6ay59bS6UybSkaXmpqGwsgxuIMiEWJcKj60ksbbpHQ6s9NLB/7hUtkFCyZSFmygqlcHgKEEMMjX333qNx8duzyev992v3OoMyKibt2W5aPunlz59cGLEQ1r1tWfbKvkGTMY0YgPdA1zvWvgrc3FHxtraK7r6UxFpD48fX3lKIrd9V9971ftY8okFSoZXcY0EjUaE35oE28GHALAdCGAQU7+tMO6dd/ZGAdGPxiVSVAR9Y9vXFE72gZcO/Kzy5nkVnvy5GhXhuJqFi1qOJHqiSiou1BGd/fAyElz4/CygQ2PPPfiijiTevPD3ojK6/tlX3KVVddQX1tXV1O3eOGXG/s/ev7d8mM1FSpZ6yI7RDYhEjm0MXhgS8WlF6fqIQDMUAIYDFX/4OZNTy2sif6zo141k6AiGtZsWj3aaUT9Z39wqDOi+ds7VtRG98jLQ4VqFi6pP9VTpFh5UdcPHxh471axh4jqliyaExErN6++/MNTPRGXDhxtGvnVuv1nDmX69wVVznOfVnogpWQHuErNqcvNyqv6hMMJP7QxKD3fsoSpdwgAM5wqiDCotnnN09/ZvfOphWN7smE8kw/Tp95r64l4cPOGxWPaN5Q2Z+Wapsy/ek68+aOz14fXAhyQvn44N9xRtCZeTq60YHT9/L3rI+w/Wxai4ZHh/fu8Abexy1YC7Oy+WuzjgSp/E/HM0oQf2ujl6hD+9lrxC53++EfP/8P25//hR2f7I6bkIQDMcAIY5MxpXL28cdTzBrP6zn2UeWrrwVWjnnw4UHd+ydNjemkYjKRx/SsDeSl6Try7642fHj57PZ3XPU+nr59576fbf5ibbFb32OYRJivWrPjaYwOx593DYx+yzVaQH5dcwuxqPztsxCb9cXvmkbbh5d0nVlUObQwWPJy51r2nfjn8bERcPZ0Z72paO8JYaEzeIQDMbKYgQnV0n8zUjq9bt2a0IerakddO9kY0f9s7l5kwNSv+9lt3fvrzzlRERG/qUu+7l06UWrbwRcAlzRmciFj+6bLsHMieE786XJsbZulPd5/75YGuwUePUul0LBhjRGpc/lh914e90XPizR/d+fo3Vi2oqRmyi7rHVlVeL6RiCRzaGBq14muP/fbN7NlYvXbVVwaqX6avnzn0bvaN1dlXeCVxCP1n3njzw96IaPrWyBNWAWY8AQyq4trvxjr8lZm4WP/4CyYfMrEWbfzbVxYfLehVD9PQvPobGyso1JFR85W1zad+3jni02VzVq5punygqydSlw68WTilre6BR1bU/fbdD3sjetN9FZZpLLqLF56LN978sDd6Ot/d1Vn4YX3TY5vXT8zwVwKHNqZWDZ6NUz/vPDXk44ZHnsu7WFPzEABmMAEMqiB96vTAJKemUQ5/ZevOj75oB4xeTeP6F3+yPt398UeFr3hqqK+r+/MVDy9aUPxNxqUt2vj1BzrfvRTRc+JXZxaVHjdrXP/i3zeeOX32cm6n9XUP5PZY2/Thga6Irq7u9YvGPgw8Z+UL3/9y98cfnbx6qTdb9bC+7oE1X3u4cc4EJockDm0MBs9Gqjd3oesamhcNDohN9UMAmKnuuXv37mS3YQo5fvz4o48+OtmtGPTf/vW/RMRDX1xfxW1uXv/NPW/truIGZ65sVfoHN+8Z4dGs7JINa156eTTlN/rO7XntZG/UrfvOjiHjZt3vvHTwYkQsefot8xLL2fnsS4eO/qJaW/vkD0cj4q//7D9Xa4PDvf5PH0bEN5f8ZRW3uW3Dpu/v+0kVNwiT6x+2P9965HC1tvaLy/8UEa/+5WPV2uAQ/3b0+Yj4k1XPT9D2gSH+/fRPIuJP10+h//EdP348IioPEUbAYNz6ujNzuuqbG0f1d/b0lSu9ERGpttdeaiu+yOWDz16OqCQEAgAwDaiCCOOVzVF1TYtNIwQAoBwBDMYrnUpFRDQsXjTmEvYAAMwOpiDCOGXrH9aPtnxB1KzesWd18Y88AwYAMCMZAYPx6Utn6q3V16nQDADACIyAwfjcSfdGRERd7QgPgKVP7d19LBURzd/e7ZVfAACzkxEwGJd0X2YArK723kluCQAAU58ABlVRV6sCBwAAIzEFEUqZs+Ll3StGWqhMIY0xLxkRjU/t3vNUpQsDADBdGAEDAABIiAAGAACQEAEMAAAgIQIYAABAQgQwAACAhAhgAAAACRHAZqOdz7402U2AKtj57EuHjv5islsBADAK0+g9YBfefHzXueWvHHtuafGPiqxSfOlZ7tDRX2xe/83JbgWMl78jAADT0bQJYBfeLBqxIiKi549/SLAlM0Aug+15a/dktwXGIpO+DH8BANPOtAhgPRfefKZ0/Iq4/cdbYbhrdDI9V0NhTFOiFwAwTU31ANZz4f2jRw6du1VumQsd5yJi7hfuS6hNM4heLAAAJGlKB7Ce97c/c+hWRMxd/sqLLR0lRsEyExDn/sV/aki0cQBMO+mzP911IvXAlu9vaiyzVP/Vs+faf9vV05v5z7qG5kVrV31lUU0le7h++Pl3L1Ww3EhtAGCmmtIBLCJi7vLNG9Y/ubQhLnSUWOL2H29FzP2LL9x+/80fDYyVzZ27fMOLzy2VyAAYlP74lydSIy7zox+e6in4UaqnM/XzzqsPbPlbkQmAcZvSZegbntx3bN9zT5YPUpkBsFuHdu0anKl469a5Xc88/uaFCW8hANNEkWQ1qmVSlw789Ey6+u0CYJaZ8iNgI8pU4MhMU8wMevX0vH/0R4fO3Tq3a/sX3t73ZLH4dvz48VLbu3Wr7ANnk6G3d4QuA1BFCXwJ9PZU+Ze6P91f3Q3ONP/379v/z//6r33Z//wf/1/RM/b/dBzIpq+aP/s/nlj7pf8ts/J/7zj/L+eu9UekPvzw//ry4/+x7K7mPPzycw+X+vD37bv+679GRO1Xnnq41lUro+q/IxP3e52ZmdpT7QYDpfyHiJiSPfbKTfsANlCCfvkr+3IlEBsannxu3xfi8V3nbv3zv/Q8WSyBPfroo0W3dvz48blz505QU8fgd/8aEVFfbzIlJOHGHyIiJvZL4I/dEVHfUOVf6jk1c6q7wRkkff3M6bMfdhbMPPyf/9diZyx97feZAa7mr7+yccHgA19z5jzxZ//xf3njzQ97I/7f/xFz5lT0LFgR1w//IPOlvvpbj//vY93ILFHN35G+/x4T+Xv9bxcjIhqq/UsNlPLv1yMm+n/Wo3Tt2rVRLT/tA1jDk/uOPVnk50tblse50gkMgJkvf0ph/epXNscvS89CTF+92hMR0fSt/PQ1YM7KF76/cnxtufpepjhH3WObvyJ9Acxi0z6AlXTfF+ZG3Lr1x9sRAhjAbFb3wJavbWqcE+mPSy/T/7vfpiIimhsXTUQTuo/+vDMiouGRr60UvwBmtZkbwDK8HQxgFqtZ8sjXv7Fi+IjWcP2p3oiIhnvnREQ6ff2jQ2cv9WYmLtY1NK/4xqoFNWMPTtcPH+iKiKhf/Y0VZosCzHJTugpiBXre3/74448XK3iYKc7xxS8Y/gKYrWoWrKwofUWk0wNhq3bO1fd+uuuH72bTV0Skejrf3fXDsZdATJ89m3kz2ANrTD4EYLoHsIYvfDEi4lzHkATW8/6RcxGxvGXp8HUAoLjUyZ/+vLPou8JSH44xg13/KPPysfrVD3uNGADTfwri0vWb5547dOvcru2RK0N/4c0f7Tp3K2Lu5vXyFwCV6+lNRURD89dzcw7T3R9/dPLUpd6ISH14+vrKjQtGt8XubsNfAOSZ9gEsGp58cfM/P3Po1q1zu545l//B8ldeVP8QgFFqeOS5F/Oe1Kpp/MqmxoV1mTL0nd1XNy4YTZWO/jMnuyIioqnJ8BcAEdN/CmJEphL9268sH3wbwNy5y195+1hmOAwARqFpbZE6GXNWrmmKiIiuru7RbCx97XKmtscjyyekuCIA08/0GQFb+tyxY8+V/LRh6XP7lpb+GAAqUaoMfU1NQ0Spd4iVkn23WN2SRYofApAxE0bAAGB8amrqMv9Ipcda7HC47LvF6hd92eNfAAwQwAAgFjQ1R0REb7qv2Me5say6UUSp7LvF/nyh/AVAlgAGABG192bGwLp+/t71YR9mS8lHbW3lWSpb/7Cu1vxDAHIEMACIqFmx4oHMvzrf3f7Gx1ezMxHT3R8ffuPdTJQaVS2NdF9mLG1Ug2YAzHjTpwgHAEykBZu2NF060BUR0Xvq5z88NWyBIQUS+89katNH07d+sn54MOu7M/pBMwBmPiNgAJDRuP6VLU3FX2FS3/Stvy+Sskrr78vkr/qa2iq0DIAZwwgYAGTVNK5/8e8bz5w+e7kzNVB0vr7ugT9f8fCKBWMcx6qrMQAGQB4BDIBZouYrL/7kKxUstmDlxgUrN4643JyVL3x/5Rg/BWDWMgURAAAgIQIYAABAQgQwAACAhAhgAAAACRHAAAAAEiKAAQAAJEQAA5jeWo8c/oftz092K6A6/mH7861HDk92KwAmkAAGAEwJ/pQAzAZexAww7bUeObxtw6aI+P6+n0x2W2CMjH0Bs4QABjATZDKYAQSmL+kLmCUEMIAZQv8VAKY+z4ABAAAkRAADAABIiAAGAACQEAEMAAAgIQIYAABAQgQwAACAhAhgAAAACRHAAAAAEiKAAQAAJEQAAwAASIgABgAAkBABDAAAICECGAAAQEIEMAAAgIQIYAAAAAkRwAAAABIigAEAACREAAMAAEiIAAYAAJAQAQwAACAhAhgAAEBCBDAAAICECGAAAAAJEcAAAAASIoABAAAkRAADAABIiAAGAACQEAEMAAAgIQIYAABAQgQwAACAhAhgAAAACRHAAAAAEiKAAQAAJEQAAwAASIgABgAAkBABDAAAICECGAAAQEIEMAAAgIQIYAAAAAkRwAAAABIigAEAACREAAMAAEiIAAYAAJAQAQwAACAhAhgAAEBCBDAAAICECGAAAAAJEcAAAAASIoABAAAkRAADAABIiAAGAACQEAEMAAAgIQIYAABAQgQwAACAhAhgAAAACRHAAAAAEiKAAQAAJEQAAwAASIgABgAAkBABDAAAICECGAAAQEIEMAAAgIQIYAAAAAkRwAAAABIigAEAACREAAMAAEiIAAYAAJAQAQwAACAhAhgAAEBCBDAAAICECGAAAAAJEcAAAAASIoABAAAkRAADAABIiAAGAACQEAEMAAAgIQIYAABAQgQwAACAhAhgAAAACRHAAAAAEiKAAQAAJEQAAwAASIgABgAAkBABDAAAICECGAAAQEIEMAAAgIQIYAAAAAkRwAAAABLyucluwJRz69atyW7CUL29PZPdBJhFEvgS6O3xSw2Jmrjf65qIiOjxSw1J+Q8RMSV77JUTwIaaO3fuZDdh0O/+NSKivr5hshsCs8KNP0RM9JfAH7sjor7BLzUkpe+/x0T+Xv/bxYiIBr/UkJR/vx4xxXrs165dG9XypiACAAAkRAADAABIiAAGAACQEAEMAAAg5ig4eQAAIABJREFUIQIYAABAQgQwAACAhAhgAAAACRHAAAAAEiKAAQAAJEQAAwAASIgABgAAkBABDAAAICECGAAAQEIEMAAAgIQIYAAAAAkRwAAAABIigAEAACREAAMAAEiIAAYAAJAQAQwAACAhAhgAAEBCPlf1Ld68ebP0h/Pmzav6DgEAAKaHKgWwm+37fvz6jv0dIy23te1u69rq7BIAAGCaqUoAa982f93+amwIAABgBqtCALu57/WB9NWydev6BU986Uull50/f/z7AwAAmJ7GH8BunjjaEWF2IQAAwAjGXwXxxvWOiGjZ+3fSFwAAQDnVKkPf+CXlDQEAAMoafwCbv6AlIrp/X6b4PAAAANUIYPMeWd8S0XH0hAQGAABQThWmIM7b/s7elujY8dS2dhkMAACgpCpUQdy37cfXG1uio2P/uvn7o6Vla2NjyYUX/F3rdg+LAQAAs9P4A9iN6/v3572FuaNjf0dHyYW3PtEaAhgAADA7VasKIgAAACMY/wjY2ta7d1ur0BIAAIAZzggYAABAQgQwAACAhIx/CuIQN2+WqkV/48SPX48nzm9fW+1dAgAATAtVCmA32/f9+PUd+0uXPxyw9Ynq7A8AAGD6qUoAa982f93+kReLaFlQjd0BAABMS1UIYDf3vZ5NX5m3MHd37+/oKPh3RLRsbXunda13gAEAALPX+Itw3DxxNJOw9t64e/58a2tr6zvrWyKio/GJ1tbW8+fv3r2xtyWiY//rJ0o9HQYAADAbjD+A3bjeEREte9/Znh3emvfI+paI6P79QOCat/1829aIjh0/bh/33gAAAKatapWhb/xS3uzCeV9qjIiO6zdyP1n7xNaI2P+BBAYAAMxeE/kesNwQWGQTWP5PAAAAZpnxB7D5CwrmG+b9LH8ILGP4TwAAAGaN8QewgfmGR/NLbGR+lp/Kbv6+e9x7AgAAmNaqMAVx7d/tbYno2DF/2bZ97QOJa2AILJfK2n+8oyMiWhbMH//+AAAApqdqPAM2b/urWyMiOvbvWDd/W3vejzp2zL/nnmXL7rkn857mlvWPeBEYAAAwa1WnCMfa1rs39m5tKfjR37Vtzfwr8yLmwkr1AAAAs0/VqiDO2956/u7dG21/l51kOG9t640bbVtbWlpaWlq27m27cV78AgAAZrXPVXdz89bmh6x589a2nl9b3T0AAABMVxP0HrCbN73wCwAAoFA1A9jN9n3bli2755577rln/vyBahzt2+7JK44IAAAwi1UrgN1s37Zs/rod+7MVN/J07N+xbv6yTB4DAACYvaoTwNq3zV+3vyMiomXr1oJyiPMXtLRERHTsX7dsn3EwAABgNqtGAGvflnnN19a2G3fPt7Zuf6Jx8LN528+fv9G2tSUiOnb82CgYAAAwi1UhgLV/sD8iWvbeaF1bvM78vLWt7+xtiYj9H0hgAADA7DX+AHbz990R0bL+kXJv+Zr3yHoJDAAAmOXGH8BuXO+IiMYvlX/L8rwvNZb9HAAAYMaboPeAAQAAMNT4A9j8BZVMLhx4UGzB/HHvDwDg/2/v/l0bO/cHj38Mge1vcYs4hhFIUwzDdouJzBQq5YRhCjNFFpxOxiyL7GLSOOW4ycDaYgsjwRYxbIrBRTATu9hC7A5WMBe2uEyGS6SLBhwFvn/Al8tW3kLyb9mWbfnxr9eruRnp+OgU95H01nPOcwDuqKsH2CCXd7Uqr2sR55+oCAAAcI8N4RTEvQKbnJjZ7HOnr9bmzERurhER+eVXxau/HAAAwB01jGvAsuXuKvON2mRuZGRi4vWHiIgPr2dmJiZGRvZv0bz8Y9n8FwAA8IB9NpS9ZMtbzZj5dq7WiGg0GhER0Wh0wysiIvLLzS35BQAAPGxDWwUxW65uNZsby6V8Pn/waD6fLy1vNHfVFwAAwHBmwHqy2WK5WiwPc5cAAAD3hvuAAQAAJCLAAAAAErnoKYitzZk3P1/+5Z68qroaDAAAeKAufA3Y7x9qh1Y3vKjSi2oIMAAA4GG6aIBlHz+N6AbYkeUOAQAAOMeFZ8ByT/K9Ams0orT8/auvillzWgAAAOe78CIc2fJWs7lRyucjolGbm8zlRkZGJmYqm63WNRweAADA/XGZVRCz2WJ1a2t3d7e5sVzKRxyU2MTETGVTiAEAAPRzpWXos8VydT/E8hHRaNTmJnMjSgwAAOCkodwHLFssV7e2dnebB1NiSgwAAOCYod6IOXtiSuxQic1UlBgAAPCgDTXA9p2cEotGbW5uMjezeS2vBwAAcAdcT4DtyUbEk6duFwYAABCXuA/YQFqtzV/evJ6rNY48ms+XXuSu5fUAAADugOEGWGuz8ub121rjSHjl86WX378qF92uGQAAeNiGEmB9J7x0FwAAwBFXCrB+E166CwAAoL/LBFi/CS/dBQAAcI4LB1irMpGb208v3QUAADCoCwdY8+NefeVLpacR8fHnNzM/D/rXT15Vy2INAAB4mC4aYK3fP+z9Z6N2bJn5AZReVEOAAQAAD9NFb8R8MAEGAADAhVx0BqxY3d2tXsuRAAAA3HMXnQEDAADgkgQYAABAIgIMAAAgEQEGAACQiAADAABIRIABAAAkIsAAAAASEWAAAACJCDAAAIBErinAWq3W9ewYAADgzhpmgLU2KzMTEyMjIyMjuVxuZjMiYnNmZGKmsinHAAAAhhVgrc2ZidzkXK3ROPFUozY3mZvo9hgAAMDDNZwA25zJTdYaERH5Umm5lD94Jvckn4+IaNQmJyrmwQAAgIdsGAG2OTNZi4gobTR3t6rV8ounB89ly1tbzY1SPiIac2/MggEAAA/YEAJs8+daROSXm9Vitu8G2WL1x+V8RNR+VmAAAMDDdfUAa/3+ISLyL7/qX19d2a9eKjAAAOCBu3qANT82IuLp47P6KyL7+OmZzwMAANx7bsQMAACQyNUDLPdkkJMLexeKPcld+fUAAADuqKsH2CCXd7Uqr2sR55+oeKbtpefPny9tn/JsZ22pXH7eU15a2+5c/pUAAACuwxBOQdwrsMmJmc0+d/pqbc5M5OYaEZFfflW89KtsLy3Wz3jy+exqvd3e+3e7vro4e2qrAQAA3IhhXAOWLXdXmW/UJnMjIxMTrz9ERHx4PTMzMTEysn+L5uUfy5ec/+psLz0/M78W6xGRmV5YWV9fX19fWZjORER9sbxmGgwAALg9hrMIR7a81Vwu5SMiotFoNLr/W6t1/ysi8svNrUvlV2d7bak8e0Z9RWftp3pEFBYqU+OjERExOj5VWShERPv9rwoMAAC4NYa2CmK2XN1qNjeWS/l8/uDRfD5fWt5o7l6yvtbKs4ur9XZkCgsrC4X+2/z6vh0Rhfz4kYfHX05nFBgAAHCrfDbMnWWzxXK1WB7mLiNTmP7m5dT4aGw3+j7/x06//ooYHXsU0W7v/BExOtQDAgAAuKShBtiwjU5V1qfO3qSz8ykiMmNfnHjmi7FMRPvTTifGFRgAAHAbXD3ANmdGJj+Ulr9/VS5eYY35xN69e3faU+2DxRRviz//dCIlpJPgTeDPjkENSV3fuP5rRER0DGpI5S8RcSu/sQ9uODNgjdrcZG0uIn/rQuyUcxC//vrrvpu/e/cuk8lc90EN7u//iIj4/HNzeJBC81NExPW+Cex8iIjPRw1qSOXf/hnXOa7//W8REaMGNaTyr48R1/1hfUG//fbbhba/+iIcuRel/WU3GrW57kr0M5V+twS7Af1OTgQAALgRVw+wbLG6tbW7210AsftQ4/aFGAAAwI0b3jL0xXI3xJob/UJss3U9ITY69ih6Jxoe010e8dGYcwIAAIBbYmgBtie7NyPW3Ni7NXM0GrXJXG5kZGKiMvQM+2IsExGfdo5f/Hr68ogAAAA3Y+gBtiebLZarW7u9cxO7jzUaH5vDfp3RL59lItqrb7ePPLz9drUdkXn2pQkwAADgtri2AIuIaG1WZia+nZyr9b+H8nB0Cyzqi+Wl7e40WGd7rbxYD/0FAADcLtdxI+ZWa/OXN6+PZlc+X/r+x1fF7DWsUD869d3CzuxivV1fnK0ferywUJnSXwAAwO0xzBmw1mZlZmJiZCSXO5j0yudLyxvN3d2treq11FdERIyOz68sTBcO7gaQKUyvrM+PX9PLAQAAXMowZsBam5XjE17XcE/m8fn19flTnx0dn5ofnzr9eQAAgBt39QDbnMlN1g7+OfTwAgAAuCeGdg1YvrT8/auvru80QwAAgLvu6gGWe7HRvJ7VNQAAAO6VqwdYtlgcwnEAAADcexcNsFZl5s3HiIgnr6rl7JFHBrH/VwAAAA/ORQOs+bFWq0VElF5UI3vkkUHs/xUAAMCDM8z7gAEAAHCGi86AFau7u9VzHgEAAKAPM2AAAACJXD3AWpWZmZmZSuv8rSYmJs7bDAAA4P66eoA1P9ZqtdrH5tlbZR9HrdFonLcZAADA/ZXqFMTW7x8SvRIAAMAtdYkbMW/OjEyeWHe+NjkywFr0+Se5i78eAADA/XCJGbBidaN0uRcrfe8uzAAAwMN1iRmwiOKrjVL83PvHhw+1RiPy+dLTp2f8yZMnL776qii/AACAB+xSARbZYrVa7P335kxtshFPvz94BAAAgD4uF2CH5Z6USqVwcRcAAMA5rh5g2XK1OoQDAQAAuO8uGmCtysybjxERT15Vuytq7D8yiP2/AgAAeHAuGmDNj7VaLSKi9KIa2SOPDGL/rwAAAB6cVDdiBgAAePAuOgNWrO7uVs95BAAAgD7MgAEAACQiwAAAABK5+jL0x7VardOfzGYtwQEAADxUQwqw1mblzeu5WuO87Uobu9XicF4SAADgjhlKgG3O5CYHXokeAADggRpCgLUqr3v1lS+VXj558fjx6dvmcld/PQAAgLvp6gHW+uVtI8LZhQAAAOe4+iqIzY+NiMgvv1JfAAAAZxnWMvRPH1veEAAA4ExXD7Dck3xEfPj9jMXnAQAAGEaAZb96mY9ovP1FgQEAAJxlCKcgZss/LuejMfftzKYGAwAAONUQVkGszLz5+DQfjUZtMleLfL709OmpGz95VS27WAwAAHiYrh5gzY+12qG7MDcatUbj1I1LL6ohwAAAgIdpWKsgAgAAcI6rz4AVq7u71SEcCQAAwD1nBgwAACARAQYAAJDI1U9BjGi1Blx+Ppu1AAcAAPBwXT3ANmdyk7XzNzskny+9/P5VuajGAACAB+UmTkFsNGpzk7mRiYr7NgMAAA/J1QMs92pjY2M5v/fPfKm0vLFnuVTK7z++vLGxsbG8XCrlu4815nIzm1d+eQAAgLvi6qcgZrPF5pvJRkTkl5tb5SPnFRaLxXK12tqcyU3WanM/v9itlovFKEfvoai9rrwqlp2KCAAAPAhDOAVxc2ay1q++9mWL1eZyPqI2uT/jlS1WN0oR0Xj7i/MQAQCAB+LqAdb6/UNE5F9+ddZEVvarl/mI+PD7QW7lnuQjovGxeeUjAAAAuBOuHmDNj42IePr47BMJs4+fxtHc6j4CAADwYAxrFcTDc1v9dOfJAAAAHrCrB1jxRSkiGnNvzlrRcPPNXCMiSi+KBw/9XIuI/JPclY8AAADgThjCDFi3wKI2OTGz2W8arLU5M9G9VfN+f+0/dM6lYwAAAPfI1ZehjyhWN0q1yVo0apO5WuTzpad7V3d9+PCh0Wj0/lHaqBYjYnNmpJtjob8AAIAHZRgBFlGsNjfi28laIyIajdp+c+3LL2/8WC4ee6y0cdrC9QAAAPfQsBbhyBarW7vN5sZyKZ/PHzycz5eWN5rN3a1ycS+1ck9KpeXljebuVrXYd1cAAAD303BmwHqy2WK5Wiyfs1G5Wh3miwIAANwRw5oBAwAA4BxDDbBWa7MyMzExMdIzMTExMVPZbJ19izAAAICHYWinILYqE7m5Y4tvNBqNaDQma3ORX25acAMAAHjghhNgR+orn88/7S5Ef7AKfWMuNxEaDAAAeNCGEWCtyrfd+uouNn8sslqblW8n5xrRmPu28pUEAwAAHq4hXAO2+WauEdE9y/B4fUVEtljeai7nI6Ix92bz6i8HAABwR109wFq/f4iI/PKPZ0xuZcs/Lucj4sPv1uMAAAAerKsHWPNjIyKePj773MLs46cR0fjYvPLrAQAA3FHuAwYAAJDI1QMs9yQfEbWfz768a/PnWkTkn+Su/HoAAAB31NUDrHtyYdReV06/vqtVeV2LOP9ERQAAgHtsCKcgFl/11jjMTcxsto5XWKu1OdO7SVh++VXx6i8HAABwRw3jPmDZ8o/Lb3NzjWjUJnO1iMjn891nerdhjojz1kkEAAC494YRYBHZ8lbz8cy3k7Vubx3uroiIyJc2fqz2uUcYAADAAzKcAIuIbLG6tfuqtfnLm5/ffviw9+jTpy9fvPqqmNVeAAAAQwuwiIjIZovlarE81H0CAADcE+4DBgAAkMiVA6zVOrHwYffxysTETOXkqogAAAAP1RUCrLU5MzEykst9+0ufyGr98rbRqM1N5nIjEzObKgwAAOCyAdbanJnI9RY9bHxsntzg0EON2mRu4oy7NAMAADwMlwqwzZm9+IrIlzZe5U5uUixv7e42N0p7NwSby81sXvYYAQAA7oVLBNjmzGSt+1/55ebuVvX0ReazxepWc7nXYLVJCQYAADxoFw6wVuX1fn79WD7//l7Z8o/7CfbaiYgAAMADdtEAa/3ytnfuYen7AfIrIiJb/r7U/a/G237rdQAAADwMFw2w5se9a7+e9Lny6xS5J3uXgvVbrwMAAOBhuPQy9E8fDzb/FRGRffz0si8DAABwb1z5RswAAAAM5qIBtn824YffB7+cq/X7h+5/XOS8RQAAgHvmogG2fzbhBRbUOFi44yLnLQIAANwzFz4FsfjioksaHvSXCTAAAOAhu/g1YAcFNvftAPf12pzJzV104XoAAID76BKLcBSrG/sJlpuY2Tw1wlqblZmJyd5tmyO//Kp4iQMEAAC4Lz67zB8Vq83lD92JrUZtMleLyJeWX754/Hhvg99//vltrdY49CeljS3TXwAAwMN2qQCLyJa3mjHz7dxeZDVqc43aKdvmS8s/VtUXAADw4F3+PmDZcnWrubFcyp++ST5f2mg2t9QXAABAXHoGrCdbLFeL5Wq0WpvN5u+///zxY0Q8efLi8eNcrpiVXQAAAIdcLcD2ZLPFbLZYtMgGAADA6S5/CiIAAAAXIsAAAAASEWAAAACJCDAAAIBEBBgAAEAiAgwAACARAQYAAJCIAAMAAEhEgAEAACQiwAAAABIRYAAAAIkIMAAAgEQEGAAAQCICDAAAIBEBBgAAkIgAAwAASOSzmz6AW6fdbt/0IRz355+dmz4EeEASvAn82TGoIanrG9d/jYiIjkENqfwlIm7lN/bBCbDjMpnMTR/Cgb//IyLi889Hb/pA4EFofoq47jeBnQ8R8fmoQQ2p/Ns/4zrH9b//LSJi1KCGVP71MeKWfWP/7bffLrS9UxABAAASEWAAAACJCDAAAIBEBBgAAEAiAgwAACARAQYAAJCIAAMAAEhEgAEAACQiwAAAABIRYAAAAIkIMAAAgEQEGAAAQCICDAAAIBEBBgAAkIgAAwAASESAAQAAJCLAAAAAEhFgAAAAiQgwAACARAQYAABAIgIMAAAgEQEGAACQiAADAABIRIABAAAkIsAAAAASEWAAAACJCDAAAIBEBBgAAEAiAgwAACARAQYAAJCIAAMAAEhEgAEAACQiwAAAABIRYAAAAIkIMAAAgEQEGAAAQCICDAAAIBEBBgAAkIgAAwAASESAAQAAJCLAAAAAEhFgAAAAiQgwAACARAQYAABAIgIMAAAgEQEGAACQiAADAABIRIABAAAkIsAAAAASEWAAAACJCDAAAIBEBBgAAEAiAgwAACARAQYAAJCIAAMAAEhEgAEAACQiwAAAABIRYAAAAIkIMAAAgEQEGAAAQCICDAAAIBEBBgAAkIgAAwAASESAAQAAJCLAAAAAEhFgAAAAiQgwAACARAQYAABAIgIMAAAgEQEGAACQiAADAABIRIABAAAkIsAAAAASEWAAAACJCDAAAIBEBBgAAEAiAgwAACARAQYAAJCIAAMAAEhEgAEAACQiwAAAABIRYAAAAIkIMAAAgEQEGAAAQCICDAAAIBEBBgAAkIgAAwAASESAAQAAJCLAAAAAEhFgAAAAiQgwAACARAQYAABAIgIMAAAgEQEGAACQiAADAABIRIABAAAkIsAAAAASEWAAAACJCDAAAIBEBBgAAEAiAgwAACARAQYAAJCIAAMAAEhEgAEAACQiwAAAABIRYAAAAIkIMAAAgEQEGAAAQCICDAAAIJHPbvoAhmJ76flivc/jhYX1+fHkRwMAANDXvZgB6+x8uulDAAAAONe9mAH7Y6cdprsAAIDb7j7MgG036hGRGfvipg8EAADgLPcgwLonIGaefTl600cCAABwlntwCuIfO+2IzLOxP9aWflittyMiMpnCN9/NjysyAADgNrn7M2DdCbD26uJir74iot2uL84+X9q+wcMCAAA47u7PgHVX4IjIFBZ6k16dztrbH1br7fpieWylMtVvHuzdu3en7a/dbp/21E3588/OTR8CPCAJ3gT+7BjUkNT1jeu/RkREx6CGVP4SEbfyG/vg7nyA9ZagLyxU9pdAHB2dmq+MxfPFevv9r52pfgX29ddf993bu3fvMpnMNR3qJfz9HxERn3/uZEpIofkpIuJ63wR2PkTE56MGNaTyb/+M6xzX//63iIhRgxpS+dfHiOv+sL6g33777ULb3/lTEEenKuvr6ycXoB/PFyKi/f5XP0kBAAC3xJ0PsFN9MZaJiPbOHzd9IAAAAF33N8C63B0MAAC4Ne56gHXWys+fP++34GF3cY5HY07KBgAAbom7HmCjY48iIuqNYwXWWfupHhGF/PFrwwAAAG7KXQ+wGH85nYmI+mJ5abu33kZne6k8u9qOyEy/1F8AAMCtceeXoY/Rqe+m38+uttv1xdn64ScKC9/1vQcYAADAzbjzM2DRXYl+ZaFwcDeATKawsLLevSszAADAbXH3Z8C6RsfnK+PzN30UAAAAZ7gPM2AAAAB3ggADAABIRIABAAAkIsAAAAASEWAAAACJCDAAAIBEBBgAAEAiAgwAACARAQYAAJCIAAMAAEhEgAEAACQiwAAAABIRYAAAAIkIMAAAgEQEGAAAQCICDAAAIBEBBgAAkIgAAwAASESAAQAAJCLAAAAAEhFgAAAAiQgwAACARAQYAABAIgIMAAAgEQEGAACQiAADAABIRIABAAAkIsAAAAASEWAAAACJCDAAAIBEBBgAAEAiAgwAACARAQYAAJCIAAMAAEhEgAEAACQiwAAAABIRYAAAAIkIMAAAgEQEGAAAQCICDAAAIBEBBgAAkIgAAwAASESAAQAAJCLAAAAAEhFgAAAAiQgwAACARAQYAABAIgIMAAAgEQEGAACQiAADAABIRIABAAAkIsAAAAASEWAAAACJCDAAAIBEBBgAAEAiAgwAACARAQYAAJCIAAMAAEhEgAEAACQiwAAAABIRYAAAAIkIMAAAgEQEGAAAQCICDAAAIBEBBgAAkIgAAwAASESAAQAAJCLAAAAAEhFgAAAAiQgwAACARAQYAABAIgIMAAAgEQEGAACQiAADAABIRIABAAAkIsAAAAASEWAAAACJCDAAAIBEBBgAAEAiAgwAACARAQYAAJCIAAMAAEhEgAEAACQiwAAAABIRYAAAAIkIMAAAgEQEGAAAQCICDAAAIBEBBgAAkIgAAwAASESAAQAAJCLAAAAAEhFgAAAAiQgwAACARAQYAABAIgIMAAAgEQEGAACQiAADAABIRIABAAAkIsAAAAASEWAAAACJCDAAAIBEBBgAAEAiAgwAACARAQYAAJCIAAMAAEhEgAEAACQiwAAAABL57KYP4NZpt9s3fQjH/fln56YPAR6QBG8Cf3YMakjq+sb1XyMiomNQQyp/iYhb+Y19cALsuEwmc9OHcODv/4iI+Pzz0Zs+EHgQmp8irvtNYOdDRHw+alBDKv/2z7jOcf3vf4uIGDWoIZV/fYy4Zd/Yf/vttwtt7xREAACARAQYAABAIgIMAAAgEQEGAACQiAADAABIRIABAAAkIsAAAAASEWAAAACJCDAAAIBEBBgAAEAiAgwAACARAQYAAJCIAAMAAEhEgAEAACQiwAAAABIRYAAAAIkIMAAAgEQEGAAAQCICDAAAIBEBBgAAkIgAAwAASESAAQAAJCLAAAAAEhFgAAAAiQgwAACARAQYAABAIgIMAAAgEQEGAACQiAADAABIRIABAAAkIsAAAAASEWAAAACJCDAAAIBEBBgAAEAiAgwAACARAQYAAJCIAAMAAEhEgAEAACQiwAAAABIRYAAAAIkIMAAAgEQEGAAAQCICDAAAIBEBBgAAkIgAAwAASESAAQAAJCLAAAAAEhFgAAAAiQgwAACARAQYAABAIgIMAAAgEQEGAACQiAADAABIRIABAAAkIsAAAAASEWAAAACJCDAAAIBEBBgAAEAiAgwAACARAQYAAJCIAAMAAEhEgAEAACQiwAAAABIRYAAAAIkIMAAAgEQEGAAAQCICDAAAIBEBBgAAkIgAAwAASESAAQAAJCLAAAAAEhFgAAAAiQgwAACARAQYAABAIgIMAAAgEQEGAACQiAADAABIRIABAAAkIsAAAAASEWAAAACJCDAAAIBEBBgAAEAiAgwAACARAQYAAJCIAAMAAEhEgAEAACQiwAAAABIRYAAAAIkIMAAAgEQEGAAAQCICDAAAIBEBBgAAkIgAAwAASESAAQAAJCLAAAAAEhFgAAAAiQgwAACARAQYAABAIgIMAAAgEQEGAACQiAADAABIRIABAAAkIsAAAAASEWAAAACJCDAAAIBEBBgAAEAiAgwAACARAQYAAJCIAAMAAEhEgAEAACTy2U0fwLB01pZybyNVAAAM4UlEQVR+eF9vtyMiIlOY/ubl1PjoDR8TAADAYfdjBmx76fns6l59RUS7vro4u7R9k4cEAABw3H0IsO2lxXpEZKYXVtbX19fXVxamMxFRXyyvdW762AAAAPbd/QDrrP1Uj4jCQmXvnMPR8anKQiEi2u9/VWAAAMCtcecDrPPr+3ZEFPLjRx4efzmdUWAAAMCtcucD7I+dfv0VMTr2KCLaO3+kPyQAAIC+7voqiJ2dTxGRGfvixDNfjGUi2p92OnHnV0P835/e3vQhAMP0P/7v/7npQwCG6V//67/d9CEAd8ZdD7BLevfu3WlPtQ8WU7x5//E/TP79/23c9FHAw3KtbwL/eezp/9z5cH37B/q6xnH9n/7rX//2369r58ApbtU39ou67wHW3vkj4uQM2Ndff91383fv3mUymes+qAvJxH+56UMAhun7W/YmA1xVxvQXpHarPkp/++23C21/568BO0e/kxMBAABuxH0PMAAAgFvjrgfY6YsddpdHfDR211fgAAAA7o27HmDdxQ7j087x+32dvjwiAADAzbjzATb65bNMRHv17faRh7ffrrYjMs++NAEGAADcFnc+wHoFFvXF8tJ2dxqss71WXqyH/gIAAG6Xe7AM/ejUdws7s4v1dn1xtn7o8cJCZUp/AQAAt8fdnwGLiNHx+ZWF6cLB/QAyhemV9fnxGzwkAACAE+7BDFhERIyOT82PT83f9GEAAACc7l7MgAEAANwFAgwAACARAQYAAJCIAAMAAEhEgAEAACQiwAAAABIRYAAAAIkIMAAAgEQEGAAAQCICDAAAIBEBBgAAkIgAAwAASESAAQAAJCLAAAAAEhFgAAAAiQgwAACARAQYAABAIgIMAAAgEQEGAACQiAADAABIRIABAAAkIsAAAAASEWAAAACJCDAAAIBEBBgAAEAiAgwAACARAQYAAJCIAAMAAEhEgAEAACQiwAAAABIRYAAAAIkIMAAAgEQEGAAAQCICDAAAIBEBBgAAkMhnN30At867d+9u+hAAAID7yQwYAABAIiO7u7s3fQwAAAAPghkwAACARAQYAABAIgIMAAAgEQEGAACQiAADAABIRIABAAAkIsAAAAASEWAAAACJCDAAAIBEBBgAAEAiAgwAACARAQYAAJCIAAMAAEjks5s+ALiC7aXnP33KPHr0bCz/5dT4aP+NOttrvzZ23n+qP/pmfX58qK/fWSvPrrYz0yuVqVNeHLiaTmf717c/va+3270HMpnCs29e9hnw543H7aXni/UoLFzkfaD7N8Y43AbdMX7uZgMP2Mu8J8BQCDDuuHa73W63o74zdso76PbbxdV6REQ8SnlcwJX1/brVbtfbi/XVTGH6u3lVBMDdI8C4+zKZTLtdb2zPj/cpsO1GvbvB+T+aAbfI9lJ5sd6OiExh+puXX46PdmOrOyO2Wm/XV2c/hZkpeDhGpyrrU4cfMIXFXeUaMO6BR48yEfXGdp+nthv1yDx79ij1IQFXsr20WG9HZKZX1ivzU3v1FRGjo+NT85WVhUImor06u9Rv3APALWYGjHtgLP8sU+87B7bdqEdm+suxndWjD/e7rqN3ttPhn9I620s//LR/7Ukmk3n0zXfzp11rdmQvR/fd2V57+9NqfW8/hel+V7B0tpd+6P7gH5nCwnfzX/za74KWzvbaoethMplC/yMacDO4nTprP9UjorBw2gTX6Pj8d9OfZlfb9Z/WXo6fOgvWdzwefv7IQDnj+rKIztrSD6t7A7Tf2Y/nDfOD3+q/2N/VwZ4Odp/JTH/z3bFDuMBxAhEx+Af9YYN96BuPXJ0ZMO6DL7581ncObLtRj3g0drk3xc5aeXaxfujUxXa7XV+cfX7GL+573/aOfG3cXirPLu5/LYuIdn11cbZ8dDe9F9vfYnG2/Han/yGtHjqmdrt+YlcDbwa3VefX9+2IzPTLs04rGp36phAR7fe/dk7ZS7/xeMje0Dx0enK7XV9d7DOrtvO2PLt6aICuzpbXjrzqQMO8u6u1Q7vq7Wl76fmhx9qriz8c3vsFjhO4tME+9I1HhkKAcS+M9i2w7UY9opC/1KnhnbUfVtsRmemFlfWelYXpTETUf1rr/31ve2l2tR1RWKgc/LLWWetexpIpTK+s7O2mkIlo1xcPvsH1Xmz/1VYWCpl2/dCXucP7zxT2D6l7RO364uE3/gE3g1ur21/n/3Yynj+jwPqNx6PP985xPBji6ysLhYg+Y7xdr7cPj86IaK++3R9Ogw3zrvrqahT29jTd3dPsYj1z/LH9vV/kOIHLGuxD33hkSAQY90OfAuuexHTJ/oo/dtoRkXn25cFJBaPjU5X19fX1vr+md9bKi/WIzPTK4W97vS+ShYXK/NTeRSyj4/OVhUIc+o51sFXvFIbR8fnvpjPHX2DvnKyD8yFGx6cqK9OZw2/8A24Gt1hv9I19cd6GX4xlIqK988fxJ/qPx8O2G/WIyEwfOdlvdPzldN89ZqZXDo3ObwoREZ929gbdQMP8YFd7pzSNjn/5LHPisamje7/YcQKXNNCHvvHIsAgw7onRsUdxpMC6X4ou21973+xWf1ja7pwfLd0f209caLL3xezEQXR/ue99x+p7ulXv9Kpju+pzTlY3PfcmAQbcDG6/y548fOp4PGJ8/tAXq06ns729tra0dNpNho4ey9HuG2yY78k8+/LQF7exRyceu9JxApc00Ie+8ciwWISD+2I8X4h6fX8ljiv2V4x++Syz2m5Hu744W4+IyBSmn/W/3XN7dXax/05O/yG/e7TtnT8iRrtbnfi2+cVYJuLYm3p7dfb50fVE9p/Z+SNi9GKbwW32aacTl7iq/fTxeMKhhW/OduZk3GDDfMBD6mvg4wQua+APfeORYTADxr3R/bm5Nwd21f6KGJ2qrCwUMvsnArbrq6uLs8+fl5e2T/44lil018T+od8pfpf/If+Q7pe8YW0Gt9mpZxYed0r7nDke9xxZ+CaTyRQK09MLKyvHz/0d1KDD/MJvB0M+TqC/gT70jUeGxAwY98ehObAvrtxfEd3LOMbnIzrba7823vfWnG3XF38YO3pqU2GhMj/eGfs0u9pefbs9dfyik8F+yB9oq7NPqrroZnA79X6KPndM9K7HOHYC3znjsWtv4ZvCwsqRRaY7JxcfHcwl5+vOM/TjBE513oe+8cjQmAHjHtmfA7v6/NcRo+NTU/OVysEKZUevpOr+/t67aOvIUoOn/5Df++Y49sX+ViccncwacE5g4KkDuMV6lyweX7/iqN6CM8f76/TxeFhv7mz65bFousQc8mDD/JKGeJzAgE770DceGRoBxn3S/Sb0qfH2nP7q942pdyX93r/Wys+fPz9+z6+DVcv6GZ9fKMSRpQa7XyNPu0HZ3tlI/b9s9jbZf+nerk6uY7i99Pz58+e9xa4H3Axut/1+6nvKb3Qvw+j+FP3NKZO9J8fjAPaG3dGFM8451oGG+XBd5jjhYTn/g/6wy3zo7zEeuTgBxn3SS5l6/Zz5r97aY/XF3pe7zvbasVWM9r5TLZbXDr7/dbZ7px+c9o2quxbtoUtPDnaztNZbV6nTWVsqL3ZXsu2tVXjoxXrbbPc2OXxEvbvOrs4eOqT9Dfe/hQ64Gdxy4/MrvdvXzZaX1g4tS9bpbK8t9S7DyBQWTltmPvqMx0P2Vjx7e2iUrJWfHx92AxlsmF/OMI8THpTzP+iPbD3Ih77xyNC4Box7ZW8Zo/NO+xl/OZ2pr7Zjb7WjiCgsLMTiwdvo6NR30+9nV9vt1cXZowsKnvWdb++v9i89GZ2qLOyUF+vt+upsffXoXg4u0zp4sYPVCzOFQhy9F/P4/ELh02L95CEdPaIBN4NbbnSqshJLP6zW2/XVxfqJZT0zhenv5s/+QeHEeDz81DeF1cX64beAiIjM9MKz94ur7YutXDjYML+UoR4nPCjnf9AfNsiHvvHI0JgB437p/Yh15o11Irrf7aYLe2cWZAoLJ+/XOjpVWVmYPrQkUmQyhemFlcqZFXPy0pPx+e5+DnbTZy+95ZcOHU8lf3wN+oNd7e+r/xENuBncdqNT85WVY8Ow93/n9co59dXbwamXgo3PHxmXmUxhYWW9MjXe/dX8oucSDTTML2W4xwkPyAAf9Mc3P+9D33hkSEZ2d3dv+hiAPraXni/Wo7CwrpsAAO4NM2Bw0/pf+zuEBdQAALhtBBjctONXCkdEZ3tpsd8K2wAA3G1OQYSb19lemu1zWbD7KQMA3DcCDG6Fzvba25/e19vdhTcymcKzb15OjasvAID7RYABAAAk4howAACARAQYAABAIgIMAAAgEQEGAACQiAADAABIRIABAAAkIsAAAAASEWAAAACJCDAAAIBEBBgAAEAiAgwAACARAQYAAJCIAAMAAEhEgAEAACQiwAAAABL5/4oUFU6xVhj+AAAAAElFTkSuQmCC"/>
-          <p:cNvSpPr>
-            <a:spLocks noGrp="1" noChangeAspect="1" noChangeArrowheads="1"/>
-          </p:cNvSpPr>
-          <p:nvPr>
-            <p:ph idx="1"/>
-          </p:nvPr>
-        </p:nvSpPr>
-        <p:spPr bwMode="auto">
-          <a:xfrm>
-            <a:off x="0" y="382791"/>
-            <a:ext cx="3146221" cy="5072435"/>
-          </a:xfrm>
-          <a:prstGeom prst="rect">
-            <a:avLst/>
-          </a:prstGeom>
-          <a:noFill/>
-          <a:extLst>
-            <a:ext uri="{909E8E84-426E-40DD-AFC4-6F175D3DCCD1}">
-              <a14:hiddenFill xmlns:a14="http://schemas.microsoft.com/office/drawing/2010/main">
-                <a:solidFill>
-                  <a:srgbClr val="FFFFFF"/>
-                </a:solidFill>
-              </a14:hiddenFill>
-            </a:ext>
-          </a:extLst>
-        </p:spPr>
-        <p:txBody>
-          <a:bodyPr vert="horz" wrap="square" lIns="91440" tIns="45720" rIns="91440" bIns="45720" numCol="1" anchor="t" anchorCtr="0" compatLnSpc="1">
-            <a:prstTxWarp prst="textNoShape">
-              <a:avLst/>
-            </a:prstTxWarp>
-            <a:normAutofit/>
-          </a:bodyPr>
-          <a:lstStyle/>
-          <a:p>
-            <a:pPr marL="0" indent="0">
-              <a:buNone/>
-            </a:pPr>
-            <a:r>
-              <a:rPr lang="en-US" dirty="0" smtClean="0"/>
-              <a:t>Program directors need </a:t>
-            </a:r>
-            <a:r>
-              <a:rPr lang="en-US" dirty="0" smtClean="0"/>
-              <a:t>to monitor </a:t>
-            </a:r>
-            <a:r>
-              <a:rPr lang="en-US" dirty="0" smtClean="0"/>
-              <a:t>the focal </a:t>
-            </a:r>
-            <a:r>
-              <a:rPr lang="en-US" dirty="0" smtClean="0"/>
-              <a:t>group over </a:t>
-            </a:r>
-            <a:r>
-              <a:rPr lang="en-US" dirty="0" smtClean="0"/>
-              <a:t>time.</a:t>
-            </a:r>
-            <a:endParaRPr lang="en-US" dirty="0" smtClean="0"/>
-          </a:p>
-          <a:p>
-            <a:pPr marL="0" indent="0">
-              <a:buNone/>
-            </a:pPr>
-            <a:endParaRPr lang="en-US" dirty="0" smtClean="0"/>
-          </a:p>
-          <a:p>
-            <a:pPr marL="0" indent="0">
-              <a:buNone/>
-            </a:pPr>
-            <a:r>
-              <a:rPr lang="en-US" dirty="0" smtClean="0"/>
-              <a:t>De-emphasized programs provide </a:t>
-            </a:r>
-            <a:r>
-              <a:rPr lang="en-US" dirty="0" smtClean="0"/>
-              <a:t>meaningful reference </a:t>
-            </a:r>
-            <a:r>
-              <a:rPr lang="en-US" dirty="0" smtClean="0"/>
-              <a:t>points.</a:t>
-            </a:r>
-            <a:endParaRPr lang="en-US" dirty="0"/>
-          </a:p>
-        </p:txBody>
-      </p:sp>
       <p:pic>
         <p:nvPicPr>
-          <p:cNvPr id="6" name="Picture 5"/>
+          <p:cNvPr id="5" name="Picture 4"/>
           <p:cNvPicPr>
             <a:picLocks noChangeAspect="1"/>
           </p:cNvPicPr>
@@ -5736,18 +5712,49 @@
         </p:blipFill>
         <p:spPr>
           <a:xfrm>
-            <a:off x="3146221" y="0"/>
-            <a:ext cx="9037622" cy="6858000"/>
+            <a:off x="5812215" y="301538"/>
+            <a:ext cx="6235890" cy="6054812"/>
           </a:xfrm>
           <a:prstGeom prst="rect">
             <a:avLst/>
           </a:prstGeom>
         </p:spPr>
       </p:pic>
+      <p:sp>
+        <p:nvSpPr>
+          <p:cNvPr id="6" name="Content Placeholder 5"/>
+          <p:cNvSpPr>
+            <a:spLocks noGrp="1"/>
+          </p:cNvSpPr>
+          <p:nvPr>
+            <p:ph idx="1"/>
+          </p:nvPr>
+        </p:nvSpPr>
+        <p:spPr>
+          <a:xfrm>
+            <a:off x="838200" y="5278581"/>
+            <a:ext cx="4232564" cy="898381"/>
+          </a:xfrm>
+        </p:spPr>
+        <p:txBody>
+          <a:bodyPr/>
+          <a:lstStyle/>
+          <a:p>
+            <a:pPr marL="0" indent="0">
+              <a:buNone/>
+            </a:pPr>
+            <a:r>
+              <a:rPr lang="en-US" dirty="0" smtClean="0"/>
+              <a:t>(start demo)</a:t>
+            </a:r>
+            <a:endParaRPr lang="en-US" dirty="0"/>
+          </a:p>
+        </p:txBody>
+      </p:sp>
     </p:spTree>
     <p:extLst>
       <p:ext uri="{BB962C8B-B14F-4D97-AF65-F5344CB8AC3E}">
-        <p14:creationId xmlns:p14="http://schemas.microsoft.com/office/powerpoint/2010/main" val="2876664210"/>
+        <p14:creationId xmlns:p14="http://schemas.microsoft.com/office/powerpoint/2010/main" val="3699864537"/>
       </p:ext>
     </p:extLst>
   </p:cSld>
@@ -5799,7 +5806,7 @@
       </p:sp>
       <p:sp>
         <p:nvSpPr>
-          <p:cNvPr id="6" name="AutoShape 2" descr="data:image/png;base64,iVBORw0KGgoAAAANSUhEUgAABIAAAASACAIAAAAIyqENAAAACXBIWXMAAB2HAAAdhwGP5fFlAAAgAElEQVR4nOzdXXCU950v+J+3crFTs1VbdTZIluRUhTqQHYMIGmQXdUTNOAwvBvwyvvCSFAQckwTKczwFNh57PHZyEZskJCaGis+4RBKIwaYSyqfWB4OEeQn2TKFZCkREEHgqcIpUBalRy7tbezE15469aHWrW+putaTWo7fP5wqrn5f/86L2/6v///k999y9ezcAAACYeP/TZDcAAABgthDAAAAAEiKAAQAAJEQAAwAASIgABgAAkBABDAAAICECGAAAQEIEMAAAgIQIYAAAAAkRwAAAABIigAEAACREAAMAAEiIAAYAAJAQAQwAACAhAhgAAEBCBLAK3bzZvm/bsmXL7smzbNmybfvab96c7LaNX/u27CHtq/RoxrDK5Lp5s33ftpl7CWeQm/uy12hb+2S3pYiZ/VUAAEw4AWxEN9u3Lbvnnvnz1+3Y39HRkf9JR0fH/h3r5s+/Z9m29pnb9cp0N6dJyirqZvu+bcsyV7DkJZzYazj9zyExq74K3LEAMHEEsLJu7lt2z/x1+ztGWKxj/7r5y6bkX+vHKXP8O0Y8AVPXzfZtyyo6go796+ZPyGje9D+HxKz6KnDHAsDEEsBKu7lv2fwdg52Qlq17227cuHE358aNtr1bW7Ifd+xfNzVnTFVibevAMZ3fPi//5zeul+yElVplKrm5b1lBn7nEJcxdw+jYMb/qGazMOWSamEVfBeGOBYCJJoCV0r5tsMvVsrXtxt3zrdvXzpuXFzbmzVu7vfX83RttW7M/2b9uOve7Zpr8K1j2Ep6/0bZ3sPc8ARmMac1XAQBQTQJYce3b1u0f+GfL3hvnW9eWHuWZt7b1Rq7/vv91nfepIe8Kxta2kS7h9vN3BzvPHTt+rPPMAF8FAEB1CWDF3Nz3+mCf652Rp9jN2/5Ott/VcfSEbtfkK7iCN8p1mnMKOs/GL4gIXwUAQPUJYEXcPHE0O+No66uVPeE075H1W1tatm7d2/bqI0VXuHmzvbB0daZu9QgNKVxpWa7EWqka8LmfD+SHTC2zkfc5bHsDlcBzf/vv2DF/yA6HrlJh7fBy1euHtLaiU1TcGK5gRMzb/urgFLIPCo5ixKL7RQ5/5HNYsIExHPyobqrsIeQuccEOh685/N4Zocx69S5f0cMs3Ozw7Vb0XoShvyAj7nqyvwrGcuMVrjiKr4IR7tgJOcMAMBvdZajBgZDY2lblDQ7TsrXtRvGV2rYWX6tl743B6XItewvWzv18a9vdUusPWyl/vexHJZucW3d4E/J3Xkqphpc82nKnqKSxX8FSa5Zqd5EVc+uNfA5zC5Y5+BL7G/1NlT2Elr03Sq6cu/zlbr5ijZmgy7e1rXRTtw5tyojXqLJbtHhLJuurYCw3XuGKo/gqGOmOnYAzDACzkRGw4QaLgLUsmD/urbVvuye/gNpQHfvXFSv60L6tZMnrjh3zt30w0l67X19WumR2x46nJuLxlLVPDHS+howe5Wn/YOCP6y3r80YHhhYrHKJj/7r5o/tz+uAV3PrE2tGsGPO+1Jj9Z/fvE5lAdnPfsvllKn4Xrwkytpsq68S2Uit37Ji/rf1m2Ztv+K1T9cuX54PSTd0/9Mys/buB/FBy7l/u9qv0tpgKXwXjVcWvggk4wwAwK012Apx6qvpX78HKDgPFq7M7KRwzKDWQFYV/Fx8+0FBmxSF7HLJyiT+Xl9peBYNmd0f+83fRz/P/7N6ytW2wunfhOSr9R/dhBrc4ipWGtbGgkWMeiBhh1cKDL3W1yt4eY7mphq7Ylt+MlmGXouDzIQdY/cs3fCCmpeRtXGIEp+jeSl+iChoy6V8FYx4BG77Hsl8F5fdZ7TMMALOSADbMYM9lDN33QnkduKK977xOUl6PpaDbN2ytGwU9q3Jd8yJ7LHVsVQpgI3QXi+av4oGn8s/LrjKuAFb5gd0dawAr39LiQXJsN9WI90a526pMUyfg8g0JYEXWK3mM5fLBGNLBpH8VVCmAjearYIR9VvkMA8CsZAriBGr/cXbCUfECavPWtub6OoPT9gaf+9/aVqR8X/5K5RStGZCbJRgd129UsJHRKjdHabCeXN70pLwftrUWnbQ0eLilZzZOV7kJW8Wv1mBRkLzTObabqlCxvQ3eGsU3nPf5oIm/fEW3W/IY5z2yvtT9l/drNQmz46px1casml8FU/YMA8A0IoANM39B6efkR+Xm77sH/lW6gNpgNyjb7aqgG1O0LzxEiZWrdnAllO6fFT+u3EM2ZfpsucNN6KmsxAw+Ebf374of/drWgT+UnM/eQGO7qQqN1D9u/FKxDedunbwO+0RfvpInJu8YCzZb8v4bUzqY5K+CKqnuV0F1zzAAzEoCWBnjHCXK9U7LPcA/rCNZyVojJ7Bq1AwYk1L9s1z3rKBPPdgx3b/unpKyZbErvR5V6jcXzyETYRR7GttNVWCke6Pye2diLl+eMiemWB6MkvffeNPBpHwVVEe1vwom6AwDwCwigA2TfCG84pLr/1dVbt5cQf9sMH+tL/5ypIpUeD0Gr+Do+82DmWLCM+zgrmaJUf86lbsEeb+mhT8vdv8Vj/8jmipfBVNLNc8wAMxKAthwgwMoo+q/39y3bNmybdv2tVfl5bPTWPYv+Xn9s+rkr4oNXsHRzubKe/HuNA3As0Xp+Dr8/hvz7eeroKgqnmEAmI0EsOFyc2xG1X+/eeJoR0fH/v071r1e4h05xVfL9SOHdvin79/ch/XPciUISj8BU1HdtPOl1h5ibFcwv6HTeyJV6ZtqolT18uWMceLf0Ptv7OlginwVTDnVO8MAMBsJYEXkd7ter/A9pXllzrJ9kBJPqRQafNXrgErWmuqT14b0z0q/nXVwjld14+Zg/cDYv67itwAP1vQbff4adh1HVsnB39y3bOBJqoGjGNtNNUEm6vLllNlsuceqCu+/8aSDSf0qqEhS17pQ9c4wAMxCAlgxef33jh3zK+jAt2/LVhrIG+QZ7LyV7rvlFSIf6PHnrVXqb+554zRTVLYcfcfREzfL5K/8nunwuvVZuRCyrMIecH4LImL/uopWbN82P3daSz/IUqIHPaZInKu60LHjx8Uv9fDKBmO7qSbKhF2+GGGzg1m5aJ8/Px+MLx1M5ldBgWreeFVQvTMMALOPAFZc/su29q9btq3Mwxw327flCr0V9twHu10dO54q0u+6md9Zy3W68jpr64rtN2+lqSt7EB1HT+wb6FgWDTUjnaKIm/ue2jGW7t287e/kIljHjvllL2Hc3Lds8BoWe1VT+afKBts4OnmVx4v2yweTdrHbYzQ31QSZuMsX5Tabd75LbDUvH5y4Pr50MIlfBTFRN14VVPEMA8CsM46XOM90Q9533NKydW/bjRuDn9+40bZ3a0HB8+FPwuRvo2Xr3rYbg+vmr9qy90bptXIr3R22w5IrDvn5YJtzoaSgraXWG1x82AZH2tXgquVbVHiaW7bmneLCw63oMaMhbRh6Cbfubbsx/BK2FC5TdD9DLmRuI8MvydD1y5zDwrOUf3/cvdGW/0m522PUN1WJK1H5BS1+61Tv8g27dfK2OuR8l95qxfdfJSbvq2DMN95YvwrujnDHFlusCmcYAGYTAaycwq7RCEbq145qzQrWKrbqxAWwnOx6I+5qSNe8TO+syF6GGUP8ymx7NJewXCtHaOTWvdnPS3dnix7MyAc/tttj1Il5jAFsAi5f3p62ljvQ8j3+wmaNNx1M3lfBGG+8qgSwwb0Uu37VPcMAMHuYgljOvLWt5yvpebVs3XujVI23ta13y22hZWvbjSJrrm0tvd+WrXv3VpjPxivvCZisysst5L8uunT5w4iYt/38jaF/zs/XsrXtRusYJ9NlLmG5rQ/so2VrW8lrONDIUlekZWvb3dZHSq9Y9hzO2172FmvZW/z2GMtNNUEm8vI90VoqfxQ/MfnNGqyfMcL9V4nJ+yoY8403ZpX+1lf3DAPA7CGAjWTe2tbzd+/eaNu7d2tLy5DZatmpSOdby3Y+1raez8wYylt9YN2751vXFl913trW8zdutA1ZaevethvnW7d/KfuTCS9YnUmCBYddcWnwwQQ24sNI87a3nh8+H3Ckc1SheWu351/Dgh20bB24hBXsZPgVyV6Q8kc30jmcN3iD5Dctc+yl7qwx3VQTZQIv37zt5ws3PNKJGVxzMB9U52G4yfoqGPONN2YV/tZX/QwDwOxwz927dye7DYzWzX3LBir2bW27O1GdMJjeciUx/JZMEGcYAMbCCNiU077tnpHKdpd7BxIQUe71c1SHMwwAYyKATTmD71Yq8XaoEd6BBAz+lpR+pxvj4gwDwBgJYFPOvC81Zv+Zee3Q4DjYzZvt+7Ytmz/CO5BglrvZvm1crx9jJM4wAIydZ8Cmovz3uZY0Yhk4mFUGH40c5OGkanKGAaAajIBNRWtby9b1TrrOOEwHeWPHGS17x1z/nmKcYQCoBgFsapq3vUi96kz16UmpMw5T3/wncn+2aPE3iongDANAFZiCCAAAkBAjYAAAAAkRwAAAABIigAEAACREAAMAAEiIAAYAAJAQAQwAACAhAhgAAEBCBDAAAICECGAAAAAJEcAAAAASIoABAAAkRAADAABIiAAGAACQkM9NdgOmluPHj092EwAAgGnm0UcfrXBJAWyoys8dAAAwy412CMcURAAAgIQIYAAAAAkRwAAAABIigAEAACREAAMAAEiIAAYAAJAQAQwAACAhAhgAAEBCBDAAAICECGAAAAAJEcAAAAASIoABAAAkRAADAABIiAAGAACQEAEMAAAgIQIYAABAQgQwAACAhAhgAAAACRHAAAAAEiKAAQAAJEQAAwAASIgABgAAkBABDAAAICECGAAAQEIEMAAAgIQIYAAAAAkRwAAAABIigAEAACREAAMAAEiIAAYAAJAQAQwAACAhn5vsBoyg58L7R4/887lbtyIiYu7c5X+xYf2TSxuKLPj+mz8aXG755hKLAQAATJopHcAuvLl917lbeT+4devcrV3n/nnz2/uebChc8PFd5/KXO3do17k/vnLsuaXJNBQAAKACU3gK4oU3d527FTF3+StvH8t4+5XNcyPi1qFn3rwwZMGImLt5YMGBxc7t2v5+z+Q0HQAAoIgpG8B63j9yLiKWv7LvudxUwoalT+57ZXlExLmOC8MXzM45zC1265//RQIDAACmjCkbwG7/8VZELG8ZOolwacvyiIg//HEgWvX8yz8XW3Dp+s1zJTAAAGBKmbLPgC197tix5ypYrlRQa/jCFyNu3frj7Qi1OAAAgClhyo6AlXKh41xEzP2L/5SJVT1//ENEzP3CfcMWvO8LcyNvpAwAAGCyTdkRsOKyD3xteHJ8w1rHjx8v9dGtW7dKfQQAADAe0yqAXXjzmUO3IuZuXl9xefkScxAfffTRoosfP3587ty5Y28hAAAwm1y7dm1Uy0+fKYgX3ty+61zE3OWv7BvF8FexyYkAAACTYnqMgPW8v31g7GvoK5gBAACmjWkwAnbhzTLpq+ELX4yBiYZDZMojfvEL8hoAADBFTPEA1nPhzcd3nbsVc5e/cqz42FepYoelyyMCAABMjik9BfHCm8/sOjfCxMOG//QXcw/dunXo6IUnn8srzXHh6KFbedXqAQAmxL8dfX6ymwCzy5+u/8lkN2Fcpu4IWM/720dMXxGZBBYR53Ztf/NCZhis50JmVfkLAJhQ0hckb7r/3k3ZEbDMEFbErUPPPH6oyOfLXzk2MOLV8OSLr/zxmV3nbp3b9cy5giUU7AAAJt6frJre3UGYRv799PQe/oqpOwJ2oePcyAtlNSx97u1XNi8ffH/X3OWb3z72XMUvCwMAAEjCVB0BW/rcsWPPjWL5hqVPPrf0ydGsAQAAkLCpOgIGAAAw4whgAAAACRHAAAAAEiKAAQAAJEQAAwAASIgABgAAkBABDAAAICECGAAAQEIEMAAAgIQIYAAAAAkRwAAAABIigAEAACREAAMAAEiIAAYAAJAQAQwAACAhAhgAAEBCBDAAAICECGAAAAAJEcAAAAASIoABAAAkRAADAABIyOcmuwEAACTtiaf+ZrKbwJTwwTv/ONlNmHUEMACAWSQTvVr3vD7ZDWFKyNwPYliSTEEEAJgtnnjqb1r3vC59kZO5GYyIJkkAAwCYFXSyKUogT5gABgAwW+hqU1Trntfl88QIYAAAAAkRwAAAABIigAEAACREAAMAAEiIAAYAAJAQL2IGACAiouvIq293jmL5+9bt+M6Kz49rX/WrvrfzodqxbQKmJyNgAAAACRHAAAAAEmIKIgAAERFNG15v3TDkZ5+179n7QW9E88bWDfdPSqtghjECBgAAkBABDAAAICGmIAIAME6fHtj53oUSdRH7zr713bY7EU3P7HmyacQtpT9tP3P2Uued29kf3Fff9MDDX1nbWLzcYl/608tDl7+3oWnFIyvur6y4YsEcy77uT058dPpCb+aje+9rXrF1w8B2+ro/OfHR1Qu9dwb20rzqsZUPNdVUcgj33te8qOTCoziE/JMcXWc//rCr63amqfX3Li12yNkzH0uffn1LY0WngwQIYAAATAl93e9/92DXkB/e7u26fbDrg/qmZ3YOyW+fdR351dudd4Ytf+d273sXuoYvX16668h7hVX479zufO+7nU3P7Hkyjrw1ZEe3O0+/3Xn1iZeeXVsYq3KZp3A7d97uPH1f88bvDH2ObmyHcO3AnlxKjIiI3jsXxnLITA4BDACAKSD9yf5M+qpf9cym3HjRZ11nf/V2253o7Xr7yML8QiB9Zweiy33NG3PjVJH+9MDh9y70xvDlR9B5+u2CTeWiUdfbe+5E7537mldtXflQbU1ek+LOB4c/WZL3HrNc+ioYH0t/1nXmV2933rnd+d5rUZDBxnYIt9tO3457l6772iMrPl8bEelP2w+/90FvRG/Xh2e/0jTWN7ORGM+AAQAw+fquXr0dEdH0zM782Xqfb1rx7DPNERHReS1vdOzTE5mBpuaN39mQN/Wu5v4tOzcuzfw7le4bTQPuW7cjb1Ofb9qwYmA7vXeieeN3NmTSV2GTevtTufXTn+wfbFLeIdR8vmnDs99bd29E3O48256uwiEsffrZLZn0FRE196/dueOJ+oiI213X8pevXfFs657XW/eYfzi1CGAAAEwdd1LpoT9q2vB6657XW/MfIeu+diEi4t4nVg4f45pTVx8RheloZE2PDR07un9JJmUV20td7b1DWjsYIIsNu9Wu+NoT9RFx54Mzn473EOpXPTI0UH2+rq708kwxpiACADD5amvvjbgTceeD3W9dal702MqFTTWlZ9M1Ptm658kSn32+ri6it8SHpdTPqSv52b11w+pnZFub89nlrsxw1sIST2FlW5VK98X9tTGOQ6irGV5fpG5oe5i6BDAAAKaAxiefab7zduedXNWKiGx9v0X315YoITgg/Vlf9KfSkfrdtUupbG3AUSmWakajP5XZaed72zrLLtjbn4oosq+KD+G+2jnjaimTTQADAGBKaNrw7Pe+XFDtfaC+X1tEfdMTw4rR93W/v/+jMcWtKWMGHAKjJYABADBV1DY+tKXxoS0Db8fKGwvq7frgYFdq8H1W2fd3Zd1Xf29D3b11tQuXLLo/debVt8sPQ02c5o0Vl16cqofABBPAAACYQKm+sTybVFtz/9oN96+NJ/PKvseFjz55pPGh2oi+s7/KRJeCAu65PY6/0aM2p66+8BGvkUy9QyAhqiACAFAdt/v6h/3ss1RFYeKz9j2vbtv56rYjnw77aHjZ92zFi/pVw6NLxKeXJ2HsKFeH8OrlYVUcI2LwAPd80hcxJQ+BhAhgAACMU7Zs+vD3VnV//EFFDzh9fknTvRERBW/KysmmuHK1Cgf0nT17oZIdVlvTylX3RWTezlzk5V3Z87D04YdGHB+brEMgGQIYAADjlI1Pvae/u+eTroEE9VnX2fdfO9hVbr08tSsyLz6+88Hutw50fzaYYdKf5p6VyqaXwd3tP/Jpbsm+9KcH9rz63bbcjMcirxSbQDUPbV2XOwnvt3d/lv3gs66zb23LnIfBV3glcQh9Z9/atvPVbTtfPdA99o1QdZ4BAwBgvGpXfO2Jrr0f9Eb0nn579+nBD+pXPdN09e22Sh4Du3/LS6t6dp++HXcuHNw7fAjovnU7shU4onbFiqVd713ojdud7323cLbefc2rHqvN7PFOKh1Rvn59VdWuePZ78dZ32+5kSoZ8MOTj+lXf2zk4/DU1D4EECGAAAIzf59fu3FF39uMPu7J1C+vvXfrw17Y0fr7v7NVKt1Hz0Hf2LOw6+/GHXXdu5yrR1997X92KrSuHvArs/i07dyzJ313ce9/g65trlra9dyHiwu8+3dJYYU3C6qhd8Wzrok/bz5y9lLqTKy5/X33TA8Nq6E/ZQ2Ci3XP37t3JbsMUcvz48UcffXSyWwEATA//dvT5iPiTVc9PdkMq8sRTf9O65/XJbgVT1Ladr37wzj9OditG9u+nfxIRf7r+J5PdkEHHjx+PiMpDhGfAAAAAEiKAAQAAJEQAAwAASIgABgAAkBABDAAAICECGAAAQEIEMAAAgIQIYAAAAAkRwAAAABIigAEAACREAAMAAEiIAAYAAJAQAQwAACAhAhgAAEBCBDAAAICECGAAAAAJEcAAAAASIoABAAAkRAADAABIiAAGAACQEAEMAAAgIZ+b7AYAAMBYpT95bffp280bWzfcX3qZT9vPnL3Ueed2RETcV9/0wMNfWdv4+dHvq0rbYXYTwAAAmKY+az98+nbZJfq6399/sCt/mdu9XbcPdn1Q3/TMziebKt5TtbYDpiACADAdfda+Z+8HvWUX6X7/u4WpaVBv19t7PumrcFfV2g4YAQMAYPpJf3rg8HsXyqev+PTAwa6Bf9Y3PbPpyaaaiIi+7k9OfHT6Qm9E7+n9Zxd+Z8WIcwirtR2IMAIGAMC08lnX2fdf2z1i+orovnYh84/6Vd/bOZCaIqK28aEtOzcujYiI220fdxVfeQK2AxEhgAEAMH181r5n79ttmdmA9z7x0o4n6ksu2td3JzKLbXqoduiH9295OvPcVtfl7hF2Wa3tQIYABgDANHNf88bv7Xl2bU25ZVKZ4FS/aEnRxWrm3BcRET19n5XfV7W2AxmeAQMAYNqoa1r1zKaHmspGr1G53dcfUYXHt6q1HWY8AQwAgOni800rHhrdGr39qYhhUwcj0v3l69dP1HaY9UxBBABgBmr68sDTWW8f+XTYh5+1f1Rp1YxqbQcyBDAAAGaixoWZEoXR+d5rRz7pSg/8uC/96YERXyA2EduBiDAFEQCAGer+R9bde6HtTkTc7jz9dufpwk/vva/+zu2K4lO1tgMRRsAAAJipalc8+7119xb75N4nXvraA4lvB8IIGAAAM1jtime/t+jTE4fPXugdeJ3Xfc0rtm64vzY+PdAbEXFf7ZwktwMCGAAAM1ltzf1bdt6/ZchP0+meiIhoqK20dny1tsMsZwoiAACzTt/Vq7cjIpqWNE6J7TB7GAEDAGAmSn/y2u7TtyPuW7fjOys+P+Sj/W13IiKaFzYlth2ICCNgAADMTDU1DRERcbvtVwe6P+sb+Olnfd3vZwJVRCz98v3JbQciwggYAAAzVK58/J0LB/deGP5588YthfMG+86+9d22OxGx9OnX8z4a9XagDCNgAADMTLUrnn2muWj5+LiveeP3NlQ6bFWt7UAYAQMAYAZr2vDs9778yYmPrmbLx8d99U2PbfpKU83oihZWazsggAEAME19fu3O19eOtFBt40NbGh8aWj6+6JIrnm1dUYXtQBmmIAIAACREAAMAAEiIAAYAAJAQAQwAACAhAhgAAEBCBDAAAJjVtu18dbKbMIsIYAAAs8IH7/yjfjalfPDOP052E2YLAQwAYBaRwRhi285Xpa8keREzAMBskelnP/HU32T+s3XP65PaHCaZND4pBDAAgNklF8P0v2c5A1+TQgADAJiNdL5hUngGDAAAICFGwIa6devWZDcBAJgeaiIioqenZ5LbAbPGf4iIad5jF8CGmjt37mQ3AQCYHv7tYkREQ0PDZDcEZot/vx4xxXrs165dG9XypiACAAAkRAADAABIiCmIU91/+9f/MtlNgFnkr//sP092EwCAmcwI2JQmfUHC/NIBABPKCNg08NAX1092E2BW+OQPRye7CQDADGcEDAAAICECGAAAQEIEMAAAgIQIYAAAAAkRwAAAABIigAEAACREAAMAAEiIAAYAAJAQAQwAACAhAhgAAEBCBDAAAICECGAAAAAJEcAAAAASIoABAAAkRAADAABIiAAGAACQEAEMAAAgIQIYAABAQgQwAACAhAhgAAAACRHAAAAAEiKAAQAAJEQAAwAASMjnJrsBTLLN67852U2A0Tl09BeT3QQAgDESwGavTPTa89buyW4IjE7urwaSGAAw7Qhgs5HoxbSWuXV3PvvSZDcEAGDUPAM2S0lfTHd73tptAi0AMO0IYLPO5vXflL6YMWQwAGB6EcCA6cqfEgCAaUcAAwAASIgiHACJev2fPpzsJsDs8upfPjbZTQAYZAQMIDnSFyTP7x0wpRgBA0jaN5f85WQ3AWaLX1z+p8luAkABI2AAAAAJMQJGob5ze167Eg11dfU1X25qbFw8p+zS/ekr3We60qneVG/9qj1PLUyqhSd7I+off2Hn6vLNAwCAqUUAY7hUb0+qtyc6L15Z950dK2pLL3jlN7t/dnng3/WJNA0AAKYzUxApI9V1pb/Mx91dl8t8CgAADCGAUVx9Q11E9HZ2p0sucu13FyOirr4hsUYBAMD0JoBRXF3z4vqI6Llyta/EEle6OyPiwcVNCbYKAACmNQGMEmobmxqizCzEzPzD5qbGRFsFAADTmSIclDJnUXNdW0+qt7M7vXp5zdBPM/MPl3x5cfS1DV/32pFnD3WWKFSYPrV394z24t8AACAASURBVLFUxJKn3/pqQXrru3b25Omui6ne7A/qG5Y0rfurFSNUYsy68uudmYogDUuefrn8luvqH1z88JrljSXqi6SvnDvTdqWzJ5VdeNWmpxZGqWaPfvujXn6o/rM/eKOtJ+LBzXueWpi+cu5M28nOntymVm16amFNkQOJ+gfXlNzLaE9R37WrQy9WXV3zqpWrFxbeKvl3QnSf+s1HnZd7M01tqGsusnzu9ojmb+/esLjCEwIAMG0IYJRUs3hx/bFUb8+Vq33Lh9ZCHJh/2NgYUWqK4qikr/x6sKBiVm/P5d6fXW4bHqiGu/LrPSXSV65DnyfVezF18OKV5sc3bhiaD7PZpmDhQ7svLln3YImWl9z+yfoHN+8cVpp/tMuXle5+59DBi0Va+/RbX4139h68WLCj3osnDxarbDnKJvV3v/PekC1HRG9PqrfnUGdnqYvVfeQHuZQYERE9qc5yywMAzEwCGKXVNjY1nOztSXVd6V9RGFQy8w/r64YNjI1N37nDA/FpzdNbcqMu/d2n3jt4LBU9lw++01juJWN95/b87HJvlE1fDUue3vJXjbVzIiLdd+3MgUOdPanOY29EbcEwS/c7A+mr/sHN2XGkTN643FaQc4Zuv2Bwqa+/++R7By+mei8e2hMFAWa0y4/g4smDRZqairh88Aep6EnVP7hm05rlNbV5JzNSbQfOLXp5cEhz9IcwkL7y9hvRd+3IgUOdPVHqYvUeO9kbdc2Pb1y5ek5NRPRdO3vgUFtPRM/lj079VaP3uQEAs4ZnwChjzqLmorUQB+ofNlU4OXAk6StXeiMiljz9cv6ctzmNq3c8nRl3utjdXWrl7HuZi8w8jGtnBtLXmpde/momfUVETe3CDS+/sK4hIqLzZ7/uztvURxcjMvPlctEi5jQ+teOlx+uK7vpwZvsPbt75VF7LawdX6b14+mzfWJevwLCmrmrO/LMnldlLTW32o9zJ7EkPXs1RNyl7Sh/cnLffiNqFG17ePLDr3nTRypnN396xIZO+IqJ24YrsJRhyd9Ws3rHnrd173jL/EACYmQQwyqlZXKwWYmb+YcPiRZU+s1ShVN+w7NH41O49b+3eM/yxq4xy6SvSp053RkTUrdsy/Bm2OSu2rKmPiLj80amBKiO5HPjwsAGZmtXZYJO//VxuLDZmVbN647qGiEi1nbw2tuUrMLypC788MFWybt2aoXupqcvEyMHzPOomZS59sY1H1NRmXkjQUyyANaxZOTRQzamtL708AMAMJYBRVm1NXcSQWogD8w+bG6s0ATFqageCQdtre/e8c667r9zbnweluo9k0lcUf44onRqoolFbNCgOHFr0pjL9//6rnZmxncZiYS8XbHLKLx+DAWNgRGi0y1egoab0JShy1NnznDP6Ji3+6p63du95a+hTZAULF1VfpKnZQAgAMIt4BozyFn75wei8GHm1EPv7eqOK8w8jIhZ/9ekHUwcvpnK1HyKyVfIWL6wpMc7We/FktgRf0eeIMu0sk1JqahsiejLpYmFNpPsyT3+VeLCtpq4uIr/yxMDycfHQzmKPhw3qSacjaka9fAWKpZrRGHeT+vrTkU7fib6u7q7ebHnDoi2t1uOCAADTnADGCBqblsTFy5GrhdjX3dVT/fmHjU/teKmpoGb6QJW8YxENS9aVKkbfsKS+53JvRO+x33SvLjFNsWRKmVNbH1E6M1BK+sqvD7eVi1sAAJQigDGSxY3NcbkzBmohZp4aquL8w5yaxcs3LF6+YeAdU3kjKj2X2352uW/4W6Ea1rz08vI4ldp9LBVRulLiwADXcNkhsiGLp9IRoxnce3BzuQqN418+AaNo0tAy/fUNdXX1dbV1jYsWL0yffOlg+ZE0AIBZTwBjRNlZiKl0RFztTI1z/mH20aySamoXrnhq4Yr4al7x9OhsO7dycUEtjYEQuHrjus432noiLh460pQf0rIDXCVn9GUn4A0MkWVnJFba7CEzGEc02uUTMOompU+9N6xMf96nE9BEAIAZRhEORtbYtCQi4mJ395XRzT/M1rfIN3zcqf/sD17a+exLO98ZXv2vRPH0wmWy9QwLa8oP1ni4/LsrxdYbKOiXezxpoOZ+iZL3mcr7BfvNFvErLBE5KHtcPziXHsvyCRhtk7JFOxrWDE9fxU4RAABDCWBUYHFjc0TE5Y/arvRGJbUfshXJhxf0u/KbtqGjTLnkU/QVWCPW0oioXb5p4D1dlw/mpbhc7fjOtuGRpv9s2+WIyK/kPlBzP68wfU62on2BxjWZ4JdqO1AsMmWPtHndwMDdaJdPQBWbVPQUAQAwhABGJQaKsPf2pCKiuWnE54Wymarn5O4fnOseiFX93ad+vednl4cvnU1KqbbX9h650p/3muBruSeOymeA7BurhqS4hSsfzzXj17nq9um+a0eym61//K8GS3dkg1zvsTf2vHMt24z+7nf27j5WbNpkLvj1nNz9g1+fHazU3999au/OzJHmv/9qtMsnYHRNGryshwfPT+Z8vpR3ioq8z61y6VN7dz770s5nXzpSdNwSAGCa8wwYFckrwr7kyxUkhJrco1k9Jw++dnLwg4Y1TzdfOTg0zyzc8J01qddO9kaq82dvDB9IqX/8haEVOIaas2LdkrafXc4M5ix6eSCt1aze8VLs3X0sFT2XD742JPvVNT++cUNh8fqa1RufTr1x8GL0Xjy0O39CXcOSdc2ptmExLH/7bT+73Dbk44Y1L71ckBtHu3wCRtWkmtWrmjsPdfYMOz8R9Q+uebguc2VTfXciqvySbgCAGUIAoyI1ixfXH0v1RpmX9g4xZ8XLL9Se+s1Hndlihg11zes2blg8J32q2NBG7fKdbzV2n/rNR52p3lwl+oa6+vpVm9aUfBVYgcVfffrBywcvRvScPHyqcWduYuHqHXsWXzt78nTXxVT26bO6+gdLbXZO41O7Cwvi19U/uGrTUwvj1N6h4WTI9ntTucrs9Q1LmkqUzh/t8gkYTZMWbnj5hS/nX9aoq39w8cNrGhtr50TUNB871BnR2XVtw+IpVukRAGBquOfu3buT3YYp5Pjx448++uhkt2LQf/vX/xIRD31xfRW3uXn9N/e8tbuKG5wlut956eDFyRmkooydz7506OgvqrW1T/5wNCL++s/+c7U2ONzr//RhRHxzyV9O3C6AfL+4/E8R8epfPjZB2/+3o89HxJ+sen6Ctg8M8e+nfxIRf7r+J5PdkEHHjx+PiMpDhBEwGDAQsWLJ028Nf6dzthbIyAVIYDJt27BpspsAY9F65PBkNwEgIQIYDMg+53b5d1e+2jjkkbO+7q5M0Y46+Yupa9uGTd/fN4X+IgiVy/ztQAwDZgMBDAbknnPr/Nne+PbGDQOPP/Wnr/zm8M8u90bk16yHKSXTeZW+mL4yd++2DZtkMGDGE8Agq3b5zm+n9/zscvFijA1Lnt4yfGoiTBXSFzPA9/f9RAYDZjzvAYM8i7+68zsvPP1gXX3D4M/qG5as+/YLL7381Ual1ZmSzDxkJslksMluBcAEMgIGhWrnND61w0gXAAATwQgYAABAQgQwAACAhAhgAAAACRHAAAAAEiKAAQAAJEQVRIDZpT/dfe2jk1dTvame7I8a6uvq/nzFw4sW1NQUXyd99qe7TqQi6h77+79dWWKZrOuHn3/3UkTDI8+9uGKsby7vPrr9QFdluwOA6UUAA5g10t1Hf3mgq2fYz3t6Uz297146EQ3Nq7+x8SsiDwBMGFMQAWaHq+/9dFex9JWvp/PUrud/eiadUJMAYPYxAgYwC1x97x9+3pn9j/q6BwonHKbT1393+uyHnamIiEh9+MOjtT9Zv2gy2gkAM50ABjDjdR/Npa+GR77+jRULhkwyrKlZsHLjgpWrrh/+4buXIiK6fv5GzSsvmIsIAFVnCiLADNd/5mRX5l8Njzz34rD0NahmwaaffP2BzL97T33UnUTjAGCWMQIGMLOlr13ujYiI+tXfGLks4YJNW5ouHeiKiEtXrm9qXFB+6dzMxobmr7+4cYSFcwUYL/Wmsj+pa6ivXbJm+crG0g1LXz9z+uzlzoGajQ31TWWWT3d/XLD9zGTL4Zkz/fGPfniqJ+KBLd/f1Nh/9ey59hPZp+Pq6x5Y87VNA9vvv3r2XPtvu3p6B1r7wCPFtjbmQ5vYJlV8NkZ7CPk1KqOSq9N/5o03P+yNiKZvmdoKIIABzGzpq1czneMH1lQ2pbCx8YHouhQRnd1XNy4o012++t5PR5G+0tcPH3r3Uu+Qn6Z6elM9B7oul9hC6urR7Se68n/S09vVc6DrcpEa97lefp7e1KXedy/9tumxzeuLl7Pvu374QGbWZd4qB9681Pz1fRvj8BtDGpy6dOLdS79dPXRy5pgOraSqNKnM2ThR98CWv93UWPjR2A7h6tEfnSgo6zJwdUZ7yACziwAGMKP13ckMaNTVVfpE14Km5rjUGRF9felYVPrNYD/vTEXFY19nBvr3dQ9syQ3mDJbF7+l89/Di7w9NBZG6dCIV9U2PZQdV0t0f//LAqZ6InhO/OrMo/xVhg3mjofnr31iVqS/Sn+4+98sDXT29XR/+MIqWFbl04t2CJuVySOe7P0pFT2/dA4987eEVc2oiIn39zKF3P+yN6D31y7ML8+Lf2A6tpOo0aeBsFIyPpdPXPzr07qXe1KUDP42CDDbGq/Nh5upsXr6ypvDqdJ49s2qBF7gBlCCAQWl95/a8drL3wc17nlo45JPud146eLGCLRRbtxLpU3t3H0tFLHn6ra9W3HGDIvr7BiaU1dZW3CGuvbcuIhWRSqUjiq2VfS9zhekrovtcJh0NGXupaVz/4pbYfqArIlJ9/VFktl7Tt14YDE41jV958e/jRz881ROpy1f7V+YiR3b7hW9/nlPTuP7Fv6/50Q9P9UTXz99r3FekqYXveq5ZsGnNwAzMnt7C1tYsWPnC11PPv3spoudOf8TQXY/+0EoZb5PSZ39VvEk1Cza98FzdG29+2Ju6dPLjhxuzg2YTfXVizsoXvr+y4uMHmOkU4YBS+s8eODl0Rk4y+s4dPpYaeTGYFKNOXxFXr3RFRNSvfnj43xNqahoiYiBCDNXwyPKhw1Y1NXVDl89WGSn6kFvNV77xSF1EROfZIu83a14xdKCmsXGgDEmR1s6pq4+IiFQ6t6UxH1pJ421S/+9+m4qIaP56sWG3OSs3r26IgiIrE3x1ABjCCBgU1X/2B2+0lX9l7cTterKCH4wodfXohycG+veVP+ezaOP3920s8VlNTV1Eqd+1utrhoy5z6uojCn5F+lOZ/6yrKTrIV1NbW2pAr+He0gNTRbY2p7ZuyK7HfmiljLdJ2ZorDywucXWyrcoNak3w1QFgCAEMhum7duTAoc6y3abGp3bvearUh9eOPHuoMyIa1rw0+vmH3e9MVvBjZsp10Ms90DVE6cfGUpdOZAdnx/GcTzrdH+n+vkh3XbmayhbQK6ay59bS6UybSkaXmpqGwsgxuIMiEWJcKj60ksbbpHQ6s9NLB/7hUtkFCyZSFmygqlcHgKEEMMjX333qNx8duzyev992v3OoMyKibt2W5aPunlz59cGLEQ1r1tWfbKvkGTMY0YgPdA1zvWvgrc3FHxtraK7r6UxFpD48fX3lKIrd9V9971ftY8okFSoZXcY0EjUaE35oE28GHALAdCGAQU7+tMO6dd/ZGAdGPxiVSVAR9Y9vXFE72gZcO/Kzy5nkVnvy5GhXhuJqFi1qOJHqiSiou1BGd/fAyElz4/CygQ2PPPfiijiTevPD3ojK6/tlX3KVVddQX1tXV1O3eOGXG/s/ev7d8mM1FSpZ6yI7RDYhEjm0MXhgS8WlF6fqIQDMUAIYDFX/4OZNTy2sif6zo141k6AiGtZsWj3aaUT9Z39wqDOi+ds7VtRG98jLQ4VqFi6pP9VTpFh5UdcPHxh471axh4jqliyaExErN6++/MNTPRGXDhxtGvnVuv1nDmX69wVVznOfVnogpWQHuErNqcvNyqv6hMMJP7QxKD3fsoSpdwgAM5wqiDCotnnN09/ZvfOphWN7smE8kw/Tp95r64l4cPOGxWPaN5Q2Z+Wapsy/ek68+aOz14fXAhyQvn44N9xRtCZeTq60YHT9/L3rI+w/Wxai4ZHh/fu8Abexy1YC7Oy+WuzjgSp/E/HM0oQf2ujl6hD+9lrxC53++EfP/8P25//hR2f7I6bkIQDMcAIY5MxpXL28cdTzBrP6zn2UeWrrwVWjnnw4UHd+ydNjemkYjKRx/SsDeSl6Try7642fHj57PZ3XPU+nr59576fbf5ibbFb32OYRJivWrPjaYwOx593DYx+yzVaQH5dcwuxqPztsxCb9cXvmkbbh5d0nVlUObQwWPJy51r2nfjn8bERcPZ0Z72paO8JYaEzeIQDMbKYgQnV0n8zUjq9bt2a0IerakddO9kY0f9s7l5kwNSv+9lt3fvrzzlRERG/qUu+7l06UWrbwRcAlzRmciFj+6bLsHMieE786XJsbZulPd5/75YGuwUePUul0LBhjRGpc/lh914e90XPizR/d+fo3Vi2oqRmyi7rHVlVeL6RiCRzaGBq14muP/fbN7NlYvXbVVwaqX6avnzn0bvaN1dlXeCVxCP1n3njzw96IaPrWyBNWAWY8AQyq4trvxjr8lZm4WP/4CyYfMrEWbfzbVxYfLehVD9PQvPobGyso1JFR85W1zad+3jni02VzVq5punygqydSlw68WTilre6BR1bU/fbdD3sjetN9FZZpLLqLF56LN978sDd6Ot/d1Vn4YX3TY5vXT8zwVwKHNqZWDZ6NUz/vPDXk44ZHnsu7WFPzEABmMAEMqiB96vTAJKemUQ5/ZevOj75oB4xeTeP6F3+yPt398UeFr3hqqK+r+/MVDy9aUPxNxqUt2vj1BzrfvRTRc+JXZxaVHjdrXP/i3zeeOX32cm6n9XUP5PZY2/Thga6Irq7u9YvGPgw8Z+UL3/9y98cfnbx6qTdb9bC+7oE1X3u4cc4EJockDm0MBs9Gqjd3oesamhcNDohN9UMAmKnuuXv37mS3YQo5fvz4o48+OtmtGPTf/vW/RMRDX1xfxW1uXv/NPW/truIGZ65sVfoHN+8Z4dGs7JINa156eTTlN/rO7XntZG/UrfvOjiHjZt3vvHTwYkQsefot8xLL2fnsS4eO/qJaW/vkD0cj4q//7D9Xa4PDvf5PH0bEN5f8ZRW3uW3Dpu/v+0kVNwiT6x+2P9965HC1tvaLy/8UEa/+5WPV2uAQ/3b0+Yj4k1XPT9D2gSH+/fRPIuJP10+h//EdP348IioPEUbAYNz6ujNzuuqbG0f1d/b0lSu9ERGpttdeaiu+yOWDz16OqCQEAgAwDaiCCOOVzVF1TYtNIwQAoBwBDMYrnUpFRDQsXjTmEvYAAMwOpiDCOGXrH9aPtnxB1KzesWd18Y88AwYAMCMZAYPx6Utn6q3V16nQDADACIyAwfjcSfdGRERd7QgPgKVP7d19LBURzd/e7ZVfAACzkxEwGJd0X2YArK723kluCQAAU58ABlVRV6sCBwAAIzEFEUqZs+Ll3StGWqhMIY0xLxkRjU/t3vNUpQsDADBdGAEDAABIiAAGAACQEAEMAAAgIQIYAABAQgQwAACAhAhgAAAACRHAZqOdz7402U2AKtj57EuHjv5islsBADAK0+g9YBfefHzXueWvHHtuafGPiqxSfOlZ7tDRX2xe/83JbgWMl78jAADT0bQJYBfeLBqxIiKi549/SLAlM0Aug+15a/dktwXGIpO+DH8BANPOtAhgPRfefKZ0/Iq4/cdbYbhrdDI9V0NhTFOiFwAwTU31ANZz4f2jRw6du1VumQsd5yJi7hfuS6hNM4heLAAAJGlKB7Ce97c/c+hWRMxd/sqLLR0lRsEyExDn/sV/aki0cQBMO+mzP911IvXAlu9vaiyzVP/Vs+faf9vV05v5z7qG5kVrV31lUU0le7h++Pl3L1Ww3EhtAGCmmtIBLCJi7vLNG9Y/ubQhLnSUWOL2H29FzP2LL9x+/80fDYyVzZ27fMOLzy2VyAAYlP74lydSIy7zox+e6in4UaqnM/XzzqsPbPlbkQmAcZvSZegbntx3bN9zT5YPUpkBsFuHdu0anKl469a5Xc88/uaFCW8hANNEkWQ1qmVSlw789Ey6+u0CYJaZ8iNgI8pU4MhMU8wMevX0vH/0R4fO3Tq3a/sX3t73ZLH4dvz48VLbu3Wr7ANnk6G3d4QuA1BFCXwJ9PZU+Ze6P91f3Q3ONP/379v/z//6r33Z//wf/1/RM/b/dBzIpq+aP/s/nlj7pf8ts/J/7zj/L+eu9UekPvzw//ry4/+x7K7mPPzycw+X+vD37bv+679GRO1Xnnq41lUro+q/IxP3e52ZmdpT7QYDpfyHiJiSPfbKTfsANlCCfvkr+3IlEBsannxu3xfi8V3nbv3zv/Q8WSyBPfroo0W3dvz48blz505QU8fgd/8aEVFfbzIlJOHGHyIiJvZL4I/dEVHfUOVf6jk1c6q7wRkkff3M6bMfdhbMPPyf/9diZyx97feZAa7mr7+yccHgA19z5jzxZ//xf3njzQ97I/7f/xFz5lT0LFgR1w//IPOlvvpbj//vY93ILFHN35G+/x4T+Xv9bxcjIhqq/UsNlPLv1yMm+n/Wo3Tt2rVRLT/tA1jDk/uOPVnk50tblse50gkMgJkvf0ph/epXNscvS89CTF+92hMR0fSt/PQ1YM7KF76/cnxtufpepjhH3WObvyJ9Acxi0z6AlXTfF+ZG3Lr1x9sRAhjAbFb3wJavbWqcE+mPSy/T/7vfpiIimhsXTUQTuo/+vDMiouGRr60UvwBmtZkbwDK8HQxgFqtZ8sjXv7Fi+IjWcP2p3oiIhnvnREQ6ff2jQ2cv9WYmLtY1NK/4xqoFNWMPTtcPH+iKiKhf/Y0VZosCzHJTugpiBXre3/74448XK3iYKc7xxS8Y/gKYrWoWrKwofUWk0wNhq3bO1fd+uuuH72bTV0Skejrf3fXDsZdATJ89m3kz2ANrTD4EYLoHsIYvfDEi4lzHkATW8/6RcxGxvGXp8HUAoLjUyZ/+vLPou8JSH44xg13/KPPysfrVD3uNGADTfwri0vWb5547dOvcru2RK0N/4c0f7Tp3K2Lu5vXyFwCV6+lNRURD89dzcw7T3R9/dPLUpd6ISH14+vrKjQtGt8XubsNfAOSZ9gEsGp58cfM/P3Po1q1zu545l//B8ldeVP8QgFFqeOS5F/Oe1Kpp/MqmxoV1mTL0nd1XNy4YTZWO/jMnuyIioqnJ8BcAEdN/CmJEphL9268sH3wbwNy5y195+1hmOAwARqFpbZE6GXNWrmmKiIiuru7RbCx97XKmtscjyyekuCIA08/0GQFb+tyxY8+V/LRh6XP7lpb+GAAqUaoMfU1NQ0Spd4iVkn23WN2SRYofApAxE0bAAGB8amrqMv9Ipcda7HC47LvF6hd92eNfAAwQwAAgFjQ1R0REb7qv2Me5say6UUSp7LvF/nyh/AVAlgAGABG192bGwLp+/t71YR9mS8lHbW3lWSpb/7Cu1vxDAHIEMACIqFmx4oHMvzrf3f7Gx1ezMxHT3R8ffuPdTJQaVS2NdF9mLG1Ug2YAzHjTpwgHAEykBZu2NF060BUR0Xvq5z88NWyBIQUS+89katNH07d+sn54MOu7M/pBMwBmPiNgAJDRuP6VLU3FX2FS3/Stvy+Sskrr78vkr/qa2iq0DIAZwwgYAGTVNK5/8e8bz5w+e7kzNVB0vr7ugT9f8fCKBWMcx6qrMQAGQB4BDIBZouYrL/7kKxUstmDlxgUrN4643JyVL3x/5Rg/BWDWMgURAAAgIQIYAABAQgQwAACAhAhgAAAACRHAAAAAEiKAAQAAJEQAA5jeWo8c/oftz092K6A6/mH7861HDk92KwAmkAAGAEwJ/pQAzAZexAww7bUeObxtw6aI+P6+n0x2W2CMjH0Bs4QABjATZDKYAQSmL+kLmCUEMIAZQv8VAKY+z4ABAAAkRAADAABIiAAGAACQEAEMAAAgIQIYAABAQgQwAACAhAhgAAAACRHAAAAAEiKAAQAAJEQAAwAASIgABgAAkBABDAAAICECGAAAQEIEMAAAgIQIYAAAAAkRwAAAABIigAEAACREAAMAAEiIAAYAAJAQAQwAACAhAhgAAEBCBDAAAICECGAAAAAJEcAAAAASIoABAAAkRAADAABIiAAGAACQEAEMAAAgIQIYAABAQgQwAACAhAhgAAAACRHAAAAAEiKAAQAAJEQAAwAASIgABgAAkBABDAAAICECGAAAQEIEMAAAgIQIYAAAAAkRwAAAABIigAEAACREAAMAAEiIAAYAAJAQAQwAACAhAhgAAEBCBDAAAICECGAAAAAJEcAAAAASIoABAAAkRAADAABIiAAGAACQEAEMAAAgIQIYAABAQgQwAACAhAhgAAAACRHAAAAAEiKAAQAAJEQAAwAASIgABgAAkBABDAAAICECGAAAQEIEMAAAgIQIYAAAAAkRwAAAABIigAEAACREAAMAAEiIAAYAAJAQAQwAACAhAhgAAEBCBDAAAICECGAAAAAJEcAAAAASIoABAAAkRAADAABIiAAGAACQEAEMAAAgIQIYAABAQgQwAACAhAhgAAAACRHAAAAAEiKAAQAAJEQAAwAASIgABgAAkBABDAAAICECGAAAQEIEMAAAgIQIYAAAAAkRwAAAABLyucluwJRz69atyW7CUL29PZPdBJhFEvgS6O3xSw2Jmrjf65qIiOjxSw1J+Q8RMSV77JUTwIaaO3fuZDdh0O/+NSKivr5hshsCs8KNP0RM9JfAH7sjor7BLzUkpe+/x0T+Xv/bxYiIBr/UkJR/vx4xxXrs165dG9XypiACAAAkRAADAABIiAAGAACQEAEMAAAg5ig4eQAAIABJREFUIQIYAABAQgQwAACAhAhgAAAACRHAAAAAEiKAAQAAJEQAAwAASIgABgAAkBABDAAAICECGAAAQEIEMAAAgIQIYAAAAAkRwAAAABIigAEAACREAAMAAEiIAAYAAJAQAQwAACAhAhgAAEBCPlf1Ld68ebP0h/Pmzav6DgEAAKaHKgWwm+37fvz6jv0dIy23te1u69rq7BIAAGCaqUoAa982f93+amwIAABgBqtCALu57/WB9NWydev6BU986Uull50/f/z7AwAAmJ7GH8BunjjaEWF2IQAAwAjGXwXxxvWOiGjZ+3fSFwAAQDnVKkPf+CXlDQEAAMoafwCbv6AlIrp/X6b4PAAAANUIYPMeWd8S0XH0hAQGAABQThWmIM7b/s7elujY8dS2dhkMAACgpCpUQdy37cfXG1uio2P/uvn7o6Vla2NjyYUX/F3rdg+LAQAAs9P4A9iN6/v3572FuaNjf0dHyYW3PtEaAhgAADA7VasKIgAAACMY/wjY2ta7d1ur0BIAAIAZzggYAABAQgQwAACAhIx/CuIQN2+WqkV/48SPX48nzm9fW+1dAgAATAtVCmA32/f9+PUd+0uXPxyw9Ynq7A8AAGD6qUoAa982f93+kReLaFlQjd0BAABMS1UIYDf3vZ5NX5m3MHd37+/oKPh3RLRsbXunda13gAEAALPX+Itw3DxxNJOw9t64e/58a2tr6zvrWyKio/GJ1tbW8+fv3r2xtyWiY//rJ0o9HQYAADAbjD+A3bjeEREte9/Znh3emvfI+paI6P79QOCat/1829aIjh0/bh/33gAAAKatapWhb/xS3uzCeV9qjIiO6zdyP1n7xNaI2P+BBAYAAMxeE/kesNwQWGQTWP5PAAAAZpnxB7D5CwrmG+b9LH8ILGP4TwAAAGaN8QewgfmGR/NLbGR+lp/Kbv6+e9x7AgAAmNaqMAVx7d/tbYno2DF/2bZ97QOJa2AILJfK2n+8oyMiWhbMH//+AAAApqdqPAM2b/urWyMiOvbvWDd/W3vejzp2zL/nnmXL7rkn857mlvWPeBEYAAAwa1WnCMfa1rs39m5tKfjR37Vtzfwr8yLmwkr1AAAAs0/VqiDO2956/u7dG21/l51kOG9t640bbVtbWlpaWlq27m27cV78AgAAZrXPVXdz89bmh6x589a2nl9b3T0AAABMVxP0HrCbN73wCwAAoFA1A9jN9n3bli2755577rln/vyBahzt2+7JK44IAAAwi1UrgN1s37Zs/rod+7MVN/J07N+xbv6yTB4DAACYvaoTwNq3zV+3vyMiomXr1oJyiPMXtLRERHTsX7dsn3EwAABgNqtGAGvflnnN19a2G3fPt7Zuf6Jx8LN528+fv9G2tSUiOnb82CgYAAAwi1UhgLV/sD8iWvbeaF1bvM78vLWt7+xtiYj9H0hgAADA7DX+AHbz990R0bL+kXJv+Zr3yHoJDAAAmOXGH8BuXO+IiMYvlX/L8rwvNZb9HAAAYMaboPeAAQAAMNT4A9j8BZVMLhx4UGzB/HHvDwDg/2/v/l0bO/cHj38Mge1vcYs4hhFIUwzDdouJzBQq5YRhCjNFFpxOxiyL7GLSOOW4ycDaYgsjwRYxbIrBRTATu9hC7A5WMBe2uEyGS6SLBhwFvn/Al8tW3kLyb9mWbfnxr9eruRnp+OgU95H01nPOcwDuqKsH2CCXd7Uqr2sR55+oCAAAcI8N4RTEvQKbnJjZ7HOnr9bmzERurhER+eVXxau/HAAAwB01jGvAsuXuKvON2mRuZGRi4vWHiIgPr2dmJiZGRvZv0bz8Y9n8FwAA8IB9NpS9ZMtbzZj5dq7WiGg0GhER0Wh0wysiIvLLzS35BQAAPGxDWwUxW65uNZsby6V8Pn/waD6fLy1vNHfVFwAAwHBmwHqy2WK5WiwPc5cAAAD3hvuAAQAAJCLAAAAAErnoKYitzZk3P1/+5Z68qroaDAAAeKAufA3Y7x9qh1Y3vKjSi2oIMAAA4GG6aIBlHz+N6AbYkeUOAQAAOMeFZ8ByT/K9Ams0orT8/auvillzWgAAAOe78CIc2fJWs7lRyucjolGbm8zlRkZGJmYqm63WNRweAADA/XGZVRCz2WJ1a2t3d7e5sVzKRxyU2MTETGVTiAEAAPRzpWXos8VydT/E8hHRaNTmJnMjSgwAAOCkodwHLFssV7e2dnebB1NiSgwAAOCYod6IOXtiSuxQic1UlBgAAPCgDTXA9p2cEotGbW5uMjezeS2vBwAAcAdcT4DtyUbEk6duFwYAABCXuA/YQFqtzV/evJ6rNY48ms+XXuSu5fUAAADugOEGWGuz8ub121rjSHjl86WX378qF92uGQAAeNiGEmB9J7x0FwAAwBFXCrB+E166CwAAoL/LBFi/CS/dBQAAcI4LB1irMpGb208v3QUAADCoCwdY8+NefeVLpacR8fHnNzM/D/rXT15Vy2INAAB4mC4aYK3fP+z9Z6N2bJn5AZReVEOAAQAAD9NFb8R8MAEGAADAhVx0BqxY3d2tXsuRAAAA3HMXnQEDAADgkgQYAABAIgIMAAAgEQEGAACQiAADAABIRIABAAAkIsAAAAASEWAAAACJCDAAAIBErinAWq3W9ewYAADgzhpmgLU2KzMTEyMjIyMjuVxuZjMiYnNmZGKmsinHAAAAhhVgrc2ZidzkXK3ROPFUozY3mZvo9hgAAMDDNZwA25zJTdYaERH5Umm5lD94Jvckn4+IaNQmJyrmwQAAgIdsGAG2OTNZi4gobTR3t6rV8ounB89ly1tbzY1SPiIac2/MggEAAA/YEAJs8+daROSXm9Vitu8G2WL1x+V8RNR+VmAAAMDDdfUAa/3+ISLyL7/qX19d2a9eKjAAAOCBu3qANT82IuLp47P6KyL7+OmZzwMAANx7bsQMAACQyNUDLPdkkJMLexeKPcld+fUAAADuqKsH2CCXd7Uqr2sR55+oeKbtpefPny9tn/JsZ22pXH7eU15a2+5c/pUAAACuwxBOQdwrsMmJmc0+d/pqbc5M5OYaEZFfflW89KtsLy3Wz3jy+exqvd3e+3e7vro4e2qrAQAA3IhhXAOWLXdXmW/UJnMjIxMTrz9ERHx4PTMzMTEysn+L5uUfy5ec/+psLz0/M78W6xGRmV5YWV9fX19fWZjORER9sbxmGgwAALg9hrMIR7a81Vwu5SMiotFoNLr/W6t1/ysi8svNrUvlV2d7bak8e0Z9RWftp3pEFBYqU+OjERExOj5VWShERPv9rwoMAAC4NYa2CmK2XN1qNjeWS/l8/uDRfD5fWt5o7l6yvtbKs4ur9XZkCgsrC4X+2/z6vh0Rhfz4kYfHX05nFBgAAHCrfDbMnWWzxXK1WB7mLiNTmP7m5dT4aGw3+j7/x06//ooYHXsU0W7v/BExOtQDAgAAuKShBtiwjU5V1qfO3qSz8ykiMmNfnHjmi7FMRPvTTifGFRgAAHAbXD3ANmdGJj+Ulr9/VS5eYY35xN69e3faU+2DxRRviz//dCIlpJPgTeDPjkENSV3fuP5rRER0DGpI5S8RcSu/sQ9uODNgjdrcZG0uIn/rQuyUcxC//vrrvpu/e/cuk8lc90EN7u//iIj4/HNzeJBC81NExPW+Cex8iIjPRw1qSOXf/hnXOa7//W8REaMGNaTyr48R1/1hfUG//fbbhba/+iIcuRel/WU3GrW57kr0M5V+twS7Af1OTgQAALgRVw+wbLG6tbW7210AsftQ4/aFGAAAwI0b3jL0xXI3xJob/UJss3U9ITY69ih6Jxoe010e8dGYcwIAAIBbYmgBtie7NyPW3Ni7NXM0GrXJXG5kZGKiMvQM+2IsExGfdo5f/Hr68ogAAAA3Y+gBtiebLZarW7u9cxO7jzUaH5vDfp3RL59lItqrb7ePPLz9drUdkXn2pQkwAADgtri2AIuIaG1WZia+nZyr9b+H8nB0Cyzqi+Wl7e40WGd7rbxYD/0FAADcLtdxI+ZWa/OXN6+PZlc+X/r+x1fF7DWsUD869d3CzuxivV1fnK0ferywUJnSXwAAwO0xzBmw1mZlZmJiZCSXO5j0yudLyxvN3d2treq11FdERIyOz68sTBcO7gaQKUyvrM+PX9PLAQAAXMowZsBam5XjE17XcE/m8fn19flTnx0dn5ofnzr9eQAAgBt39QDbnMlN1g7+OfTwAgAAuCeGdg1YvrT8/auvru80QwAAgLvu6gGWe7HRvJ7VNQAAAO6VqwdYtlgcwnEAAADcexcNsFZl5s3HiIgnr6rl7JFHBrH/VwAAAA/ORQOs+bFWq0VElF5UI3vkkUHs/xUAAMCDM8z7gAEAAHCGi86AFau7u9VzHgEAAKAPM2AAAACJXD3AWpWZmZmZSuv8rSYmJs7bDAAA4P66eoA1P9ZqtdrH5tlbZR9HrdFonLcZAADA/ZXqFMTW7x8SvRIAAMAtdYkbMW/OjEyeWHe+NjkywFr0+Se5i78eAADA/XCJGbBidaN0uRcrfe8uzAAAwMN1iRmwiOKrjVL83PvHhw+1RiPy+dLTp2f8yZMnL776qii/AACAB+xSARbZYrVa7P335kxtshFPvz94BAAAgD4uF2CH5Z6USqVwcRcAAMA5rh5g2XK1OoQDAQAAuO8uGmCtysybjxERT15Vuytq7D8yiP2/AgAAeHAuGmDNj7VaLSKi9KIa2SOPDGL/rwAAAB6cVDdiBgAAePAuOgNWrO7uVs95BAAAgD7MgAEAACQiwAAAABK5+jL0x7VardOfzGYtwQEAADxUQwqw1mblzeu5WuO87Uobu9XicF4SAADgjhlKgG3O5CYHXokeAADggRpCgLUqr3v1lS+VXj558fjx6dvmcld/PQAAgLvp6gHW+uVtI8LZhQAAAOe4+iqIzY+NiMgvv1JfAAAAZxnWMvRPH1veEAAA4ExXD7Dck3xEfPj9jMXnAQAAGEaAZb96mY9ovP1FgQEAAJxlCKcgZss/LuejMfftzKYGAwAAONUQVkGszLz5+DQfjUZtMleLfL709OmpGz95VS27WAwAAHiYrh5gzY+12qG7MDcatUbj1I1LL6ohwAAAgIdpWKsgAgAAcI6rz4AVq7u71SEcCQAAwD1nBgwAACARAQYAAJDI1U9BjGi1Blx+Ppu1AAcAAPBwXT3ANmdyk7XzNzskny+9/P5VuajGAACAB+UmTkFsNGpzk7mRiYr7NgMAAA/J1QMs92pjY2M5v/fPfKm0vLFnuVTK7z++vLGxsbG8XCrlu4815nIzm1d+eQAAgLvi6qcgZrPF5pvJRkTkl5tb5SPnFRaLxXK12tqcyU3WanM/v9itlovFKEfvoai9rrwqlp2KCAAAPAhDOAVxc2ay1q++9mWL1eZyPqI2uT/jlS1WN0oR0Xj7i/MQAQCAB+LqAdb6/UNE5F9+ddZEVvarl/mI+PD7QW7lnuQjovGxeeUjAAAAuBOuHmDNj42IePr47BMJs4+fxtHc6j4CAADwYAxrFcTDc1v9dOfJAAAAHrCrB1jxRSkiGnNvzlrRcPPNXCMiSi+KBw/9XIuI/JPclY8AAADgThjCDFi3wKI2OTGz2W8arLU5M9G9VfN+f+0/dM6lYwAAAPfI1ZehjyhWN0q1yVo0apO5WuTzpad7V3d9+PCh0Wj0/lHaqBYjYnNmpJtjob8AAIAHZRgBFlGsNjfi28laIyIajdp+c+3LL2/8WC4ee6y0cdrC9QAAAPfQsBbhyBarW7vN5sZyKZ/PHzycz5eWN5rN3a1ycS+1ck9KpeXljebuVrXYd1cAAAD303BmwHqy2WK5Wiyfs1G5Wh3miwIAANwRw5oBAwAA4BxDDbBWa7MyMzExMdIzMTExMVPZbJ19izAAAICHYWinILYqE7m5Y4tvNBqNaDQma3ORX25acAMAAHjghhNgR+orn88/7S5Ef7AKfWMuNxEaDAAAeNCGEWCtyrfd+uouNn8sslqblW8n5xrRmPu28pUEAwAAHq4hXAO2+WauEdE9y/B4fUVEtljeai7nI6Ix92bz6i8HAABwR109wFq/f4iI/PKPZ0xuZcs/Lucj4sPv1uMAAAAerKsHWPNjIyKePj773MLs46cR0fjYvPLrAQAA3FHuAwYAAJDI1QMs9yQfEbWfz768a/PnWkTkn+Su/HoAAAB31NUDrHtyYdReV06/vqtVeV2LOP9ERQAAgHtsCKcgFl/11jjMTcxsto5XWKu1OdO7SVh++VXx6i8HAABwRw3jPmDZ8o/Lb3NzjWjUJnO1iMjn891nerdhjojz1kkEAAC494YRYBHZ8lbz8cy3k7Vubx3uroiIyJc2fqz2uUcYAADAAzKcAIuIbLG6tfuqtfnLm5/ffviw9+jTpy9fvPqqmNVeAAAAQwuwiIjIZovlarE81H0CAADcE+4DBgAAkMiVA6zVOrHwYffxysTETOXkqogAAAAP1RUCrLU5MzEykst9+0ufyGr98rbRqM1N5nIjEzObKgwAAOCyAdbanJnI9RY9bHxsntzg0EON2mRu4oy7NAMAADwMlwqwzZm9+IrIlzZe5U5uUixv7e42N0p7NwSby81sXvYYAQAA7oVLBNjmzGSt+1/55ebuVvX0ReazxepWc7nXYLVJCQYAADxoFw6wVuX1fn79WD7//l7Z8o/7CfbaiYgAAMADdtEAa/3ytnfuYen7AfIrIiJb/r7U/a/G237rdQAAADwMFw2w5se9a7+e9Lny6xS5J3uXgvVbrwMAAOBhuPQy9E8fDzb/FRGRffz0si8DAABwb1z5RswAAAAM5qIBtn824YffB7+cq/X7h+5/XOS8RQAAgHvmogG2fzbhBRbUOFi44yLnLQIAANwzFz4FsfjioksaHvSXCTAAAOAhu/g1YAcFNvftAPf12pzJzV104XoAAID76BKLcBSrG/sJlpuY2Tw1wlqblZmJyd5tmyO//Kp4iQMEAAC4Lz67zB8Vq83lD92JrUZtMleLyJeWX754/Hhvg99//vltrdY49CeljS3TXwAAwMN2qQCLyJa3mjHz7dxeZDVqc43aKdvmS8s/VtUXAADw4F3+PmDZcnWrubFcyp++ST5f2mg2t9QXAABAXHoGrCdbLFeL5Wq0WpvN5u+///zxY0Q8efLi8eNcrpiVXQAAAIdcLcD2ZLPFbLZYtMgGAADA6S5/CiIAAAAXIsAAAAASEWAAAACJCDAAAIBEBBgAAEAiAgwAACARAQYAAJCIAAMAAEhEgAEAACQiwAAAABIRYAAAAIkIMAAAgEQEGAAAQCICDAAAIBEBBgAAkIgAAwAASOSzmz6AW6fdbt/0IRz355+dmz4EeEASvAn82TGoIanrG9d/jYiIjkENqfwlIm7lN/bBCbDjMpnMTR/Cgb//IyLi889Hb/pA4EFofoq47jeBnQ8R8fmoQQ2p/Ns/4zrH9b//LSJi1KCGVP71MeKWfWP/7bffLrS9UxABAAASEWAAAACJCDAAAIBEBBgAAEAiAgwAACARAQYAAJCIAAMAAEhEgAEAACQiwAAAABIRYAAAAIkIMAAAgEQEGAAAQCICDAAAIBEBBgAAkIgAAwAASESAAQAAJCLAAAAAEhFgAAAAiQgwAACARAQYAABAIgIMAAAgEQEGAACQiAADAABIRIABAAAkIsAAAAASEWAAAACJCDAAAIBEBBgAAEAiAgwAACARAQYAAJCIAAMAAEhEgAEAACQiwAAAABIRYAAAAIkIMAAAgEQEGAAAQCICDAAAIBEBBgAAkIgAAwAASESAAQAAJCLAAAAAEhFgAAAAiQgwAACARAQYAABAIgIMAAAgEQEGAACQiAADAABIRIABAAAkIsAAAAASEWAAAACJCDAAAIBEBBgAAEAiAgwAACARAQYAAJCIAAMAAEhEgAEAACQiwAAAABIRYAAAAIkIMAAAgEQEGAAAQCICDAAAIBEBBgAAkIgAAwAASESAAQAAJCLAAAAAEhFgAAAAiQgwAACARAQYAABAIgIMAAAgEQEGAACQiAADAABIRIABAAAkIsAAAAASEWAAAACJCDAAAIBEBBgAAEAiAgwAACARAQYAAJCIAAMAAEhEgAEAACQiwAAAABIRYAAAAIkIMAAAgEQEGAAAQCICDAAAIBEBBgAAkIgAAwAASESAAQAAJCLAAAAAEhFgAAAAiQgwAACARAQYAABAIgIMAAAgEQEGAACQiAADAABIRIABAAAkIsAAAAASEWAAAACJCDAAAIBEBBgAAEAiAgwAACARAQYAAJCIAAMAAEhEgAEAACQiwAAAABIRYAAAAIkIMAAAgEQEGAAAQCICDAAAIJHPbvoAhmJ76flivc/jhYX1+fHkRwMAANDXvZgB6+x8uulDAAAAONe9mAH7Y6cdprsAAIDb7j7MgG036hGRGfvipg8EAADgLPcgwLonIGaefTl600cCAABwlntwCuIfO+2IzLOxP9aWflittyMiMpnCN9/NjysyAADgNrn7M2DdCbD26uJir74iot2uL84+X9q+wcMCAAA47u7PgHVX4IjIFBZ6k16dztrbH1br7fpieWylMtVvHuzdu3en7a/dbp/21E3588/OTR8CPCAJ3gT+7BjUkNT1jeu/RkREx6CGVP4SEbfyG/vg7nyA9ZagLyxU9pdAHB2dmq+MxfPFevv9r52pfgX29ddf993bu3fvMpnMNR3qJfz9HxERn3/uZEpIofkpIuJ63wR2PkTE56MGNaTyb/+M6xzX//63iIhRgxpS+dfHiOv+sL6g33777ULb3/lTEEenKuvr6ycXoB/PFyKi/f5XP0kBAAC3xJ0PsFN9MZaJiPbOHzd9IAAAAF33N8C63B0MAAC4Ne56gHXWys+fP++34GF3cY5HY07KBgAAbom7HmCjY48iIuqNYwXWWfupHhGF/PFrwwAAAG7KXQ+wGH85nYmI+mJ5abu33kZne6k8u9qOyEy/1F8AAMCtceeXoY/Rqe+m38+uttv1xdn64ScKC9/1vQcYAADAzbjzM2DRXYl+ZaFwcDeATKawsLLevSszAADAbXH3Z8C6RsfnK+PzN30UAAAAZ7gPM2AAAAB3ggADAABIRIABAAAkIsAAAAASEWAAAACJCDAAAIBEBBgAAEAiAgwAACARAQYAAJCIAAMAAEhEgAEAACQiwAAAABIRYAAAAIkIMAAAgEQEGAAAQCICDAAAIBEBBgAAkIgAAwAASESAAQAAJCLAAAAAEhFgAAAAiQgwAACARAQYAABAIgIMAAAgEQEGAACQiAADAABIRIABAAAkIsAAAAASEWAAAACJCDAAAIBEBBgAAEAiAgwAACARAQYAAJCIAAMAAEhEgAEAACQiwAAAABIRYAAAAIkIMAAAgEQEGAAAQCICDAAAIBEBBgAAkIgAAwAASESAAQAAJCLAAAAAEhFgAAAAiQgwAACARAQYAABAIgIMAAAgEQEGAACQiAADAABIRIABAAAkIsAAAAASEWAAAACJCDAAAIBEBBgAAEAiAgwAACARAQYAAJCIAAMAAEhEgAEAACQiwAAAABIRYAAAAIkIMAAAgEQEGAAAQCICDAAAIBEBBgAAkIgAAwAASESAAQAAJCLAAAAAEhFgAAAAiQgwAACARAQYAABAIgIMAAAgEQEGAACQiAADAABIRIABAAAkIsAAAAASEWAAAACJCDAAAIBEBBgAAEAiAgwAACARAQYAAJCIAAMAAEhEgAEAACQiwAAAABIRYAAAAIkIMAAAgEQEGAAAQCICDAAAIBEBBgAAkIgAAwAASESAAQAAJCLAAAAAEhFgAAAAiQgwAACARAQYAABAIgIMAAAgEQEGAACQiAADAABIRIABAAAkIsAAAAASEWAAAACJCDAAAIBEBBgAAEAiAgwAACARAQYAAJCIAAMAAEhEgAEAACQiwAAAABL57KYP4NZpt9s3fQjH/fln56YPAR6QBG8Cf3YMakjq+sb1XyMiomNQQyp/iYhb+Y19cALsuEwmc9OHcODv/4iI+Pzz0Zs+EHgQmp8irvtNYOdDRHw+alBDKv/2z7jOcf3vf4uIGDWoIZV/fYy4Zd/Yf/vttwtt7xREAACARAQYAABAIgIMAAAgEQEGAACQiAADAABIRIABAAAkIsAAAAASEWAAAACJCDAAAIBEBBgAAEAiAgwAACARAQYAAJCIAAMAAEhEgAEAACQiwAAAABIRYAAAAIkIMAAAgEQEGAAAQCICDAAAIBEBBgAAkIgAAwAASESAAQAAJCLAAAAAEhFgAAAAiQgwAACARAQYAABAIgIMAAAgEQEGAACQiAADAABIRIABAAAkIsAAAAASEWAAAACJCDAAAIBEBBgAAEAiAgwAACARAQYAAJCIAAMAAEhEgAEAACQiwAAAABIRYAAAAIkIMAAAgEQEGAAAQCICDAAAIBEBBgAAkIgAAwAASESAAQAAJCLAAAAAEhFgAAAAiQgwAACARAQYAABAIgIMAAAgEQEGAACQiAADAABIRIABAAAkIsAAAAASEWAAAACJCDAAAIBEBBgAAEAiAgwAACARAQYAAJCIAAMAAEhEgAEAACQiwAAAABIRYAAAAIkIMAAAgEQEGAAAQCICDAAAIBEBBgAAkIgAAwAASESAAQAAJCLAAAAAEhFgAAAAiQgwAACARAQYAABAIgIMAAAgEQEGAACQiAADAABIRIABAAAkIsAAAAASEWAAAACJCDAAAIBEBBgAAEAiAgwAACARAQYAAJCIAAMAAEhEgAEAACQiwAAAABIRYAAAAIkIMAAAgEQEGAAAQCICDAAAIBEBBgAAkIgAAwAASESAAQAAJCLAAAAAEhFgAAAAiQgwAACARAQYAABAIgIMAAAgEQEGAACQiAADAABIRIABAAAkIsAAAAASEWAAAACJCDAAAIBEBBgAAEAiAgwAACARAQYAAJCIAAMAAEhEgAEAACTy2U0fwLB01pZybyNVAAAM4UlEQVR+eF9vtyMiIlOY/ubl1PjoDR8TAADAYfdjBmx76fns6l59RUS7vro4u7R9k4cEAABw3H0IsO2lxXpEZKYXVtbX19fXVxamMxFRXyyvdW762AAAAPbd/QDrrP1Uj4jCQmXvnMPR8anKQiEi2u9/VWAAAMCtcecDrPPr+3ZEFPLjRx4efzmdUWAAAMCtcucD7I+dfv0VMTr2KCLaO3+kPyQAAIC+7voqiJ2dTxGRGfvixDNfjGUi2p92OnHnV0P835/e3vQhAMP0P/7v/7npQwCG6V//67/d9CEAd8ZdD7BLevfu3WlPtQ8WU7x5//E/TP79/23c9FHAw3KtbwL/eezp/9z5cH37B/q6xnH9n/7rX//2369r58ApbtU39ou67wHW3vkj4uQM2Ndff91383fv3mUymes+qAvJxH+56UMAhun7W/YmA1xVxvQXpHarPkp/++23C21/568BO0e/kxMBAABuxH0PMAAAgFvjrgfY6YsddpdHfDR211fgAAAA7o27HmDdxQ7j087x+32dvjwiAADAzbjzATb65bNMRHv17faRh7ffrrYjMs++NAEGAADcFnc+wHoFFvXF8tJ2dxqss71WXqyH/gIAAG6Xe7AM/ejUdws7s4v1dn1xtn7o8cJCZUp/AQAAt8fdnwGLiNHx+ZWF6cLB/QAyhemV9fnxGzwkAACAE+7BDFhERIyOT82PT83f9GEAAACc7l7MgAEAANwFAgwAACARAQYAAJCIAAMAAEhEgAEAACQiwAAAABIRYAAAAIkIMAAAgEQEGAAAQCICDAAAIBEBBgAAkIgAAwAASESAAQAAJCLAAAAAEhFgAAAAiQgwAACARAQYAABAIgIMAAAgEQEGAACQiAADAABIRIABAAAkIsAAAAASEWAAAACJCDAAAIBEBBgAAEAiAgwAACARAQYAAJCIAAMAAEhEgAEAACQiwAAAABIRYAAAAIkIMAAAgEQEGAAAQCICDAAAIBEBBgAAkMhnN30At867d+9u+hAAAID7yQwYAABAIiO7u7s3fQwAAAAPghkwAACARAQYAABAIgIMAAAgEQEGAACQiAADAABIRIABAAAkIsAAAAASEWAAAACJCDAAAIBEBBgAAEAiAgwAACARAQYAAJCIAAMAAEjks5s+ALiC7aXnP33KPHr0bCz/5dT4aP+NOttrvzZ23n+qP/pmfX58qK/fWSvPrrYz0yuVqVNeHLiaTmf717c/va+3270HMpnCs29e9hnw543H7aXni/UoLFzkfaD7N8Y43AbdMX7uZgMP2Mu8J8BQCDDuuHa73W63o74zdso76PbbxdV6REQ8SnlcwJX1/brVbtfbi/XVTGH6u3lVBMDdI8C4+zKZTLtdb2zPj/cpsO1GvbvB+T+aAbfI9lJ5sd6OiExh+puXX46PdmOrOyO2Wm/XV2c/hZkpeDhGpyrrU4cfMIXFXeUaMO6BR48yEfXGdp+nthv1yDx79ij1IQFXsr20WG9HZKZX1ivzU3v1FRGjo+NT85WVhUImor06u9Rv3APALWYGjHtgLP8sU+87B7bdqEdm+suxndWjD/e7rqN3ttPhn9I620s//LR/7Ukmk3n0zXfzp11rdmQvR/fd2V57+9NqfW8/hel+V7B0tpd+6P7gH5nCwnfzX/za74KWzvbaoethMplC/yMacDO4nTprP9UjorBw2gTX6Pj8d9OfZlfb9Z/WXo6fOgvWdzwefv7IQDnj+rKIztrSD6t7A7Tf2Y/nDfOD3+q/2N/VwZ4Odp/JTH/z3bFDuMBxAhEx+Af9YYN96BuPXJ0ZMO6DL7581ncObLtRj3g0drk3xc5aeXaxfujUxXa7XV+cfX7GL+573/aOfG3cXirPLu5/LYuIdn11cbZ8dDe9F9vfYnG2/Han/yGtHjqmdrt+YlcDbwa3VefX9+2IzPTLs04rGp36phAR7fe/dk7ZS7/xeMje0Dx0enK7XV9d7DOrtvO2PLt6aICuzpbXjrzqQMO8u6u1Q7vq7Wl76fmhx9qriz8c3vsFjhO4tME+9I1HhkKAcS+M9i2w7UY9opC/1KnhnbUfVtsRmemFlfWelYXpTETUf1rr/31ve2l2tR1RWKgc/LLWWetexpIpTK+s7O2mkIlo1xcPvsH1Xmz/1VYWCpl2/dCXucP7zxT2D6l7RO364uE3/gE3g1ur21/n/3Yynj+jwPqNx6PP985xPBji6ysLhYg+Y7xdr7cPj86IaK++3R9Ogw3zrvrqahT29jTd3dPsYj1z/LH9vV/kOIHLGuxD33hkSAQY90OfAuuexHTJ/oo/dtoRkXn25cFJBaPjU5X19fX1vr+md9bKi/WIzPTK4W97vS+ShYXK/NTeRSyj4/OVhUIc+o51sFXvFIbR8fnvpjPHX2DvnKyD8yFGx6cqK9OZw2/8A24Gt1hv9I19cd6GX4xlIqK988fxJ/qPx8O2G/WIyEwfOdlvdPzldN89ZqZXDo3ObwoREZ929gbdQMP8YFd7pzSNjn/5LHPisamje7/YcQKXNNCHvvHIsAgw7onRsUdxpMC6X4ou21973+xWf1ja7pwfLd0f209caLL3xezEQXR/ue99x+p7ulXv9Kpju+pzTlY3PfcmAQbcDG6/y548fOp4PGJ8/tAXq06ns729tra0dNpNho4ey9HuG2yY78k8+/LQF7exRyceu9JxApc00Ie+8ciwWISD+2I8X4h6fX8ljiv2V4x++Syz2m5Hu744W4+IyBSmn/W/3XN7dXax/05O/yG/e7TtnT8iRrtbnfi2+cVYJuLYm3p7dfb50fVE9p/Z+SNi9GKbwW32aacTl7iq/fTxeMKhhW/OduZk3GDDfMBD6mvg4wQua+APfeORYTADxr3R/bm5Nwd21f6KGJ2qrCwUMvsnArbrq6uLs8+fl5e2T/44lil018T+od8pfpf/If+Q7pe8YW0Gt9mpZxYed0r7nDke9xxZ+CaTyRQK09MLKyvHz/0d1KDD/MJvB0M+TqC/gT70jUeGxAwY98ehObAvrtxfEd3LOMbnIzrba7823vfWnG3XF38YO3pqU2GhMj/eGfs0u9pefbs9dfyik8F+yB9oq7NPqrroZnA79X6KPndM9K7HOHYC3znjsWtv4ZvCwsqRRaY7JxcfHcwl5+vOM/TjBE513oe+8cjQmAHjHtmfA7v6/NcRo+NTU/OVysEKZUevpOr+/t67aOvIUoOn/5Df++Y49sX+ViccncwacE5g4KkDuMV6lyweX7/iqN6CM8f76/TxeFhv7mz65bFousQc8mDD/JKGeJzAgE770DceGRoBxn3S/Sb0qfH2nP7q942pdyX93r/Wys+fPz9+z6+DVcv6GZ9fKMSRpQa7XyNPu0HZ3tlI/b9s9jbZf+nerk6uY7i99Pz58+e9xa4H3Axut/1+6nvKb3Qvw+j+FP3NKZO9J8fjAPaG3dGFM8451oGG+XBd5jjhYTn/g/6wy3zo7zEeuTgBxn3SS5l6/Zz5r97aY/XF3pe7zvbasVWM9r5TLZbXDr7/dbZ7px+c9o2quxbtoUtPDnaztNZbV6nTWVsqL3ZXsu2tVXjoxXrbbPc2OXxEvbvOrs4eOqT9Dfe/hQ64Gdxy4/MrvdvXzZaX1g4tS9bpbK8t9S7DyBQWTltmPvqMx0P2Vjx7e2iUrJWfHx92AxlsmF/OMI8THpTzP+iPbD3Ih77xyNC4Box7ZW8Zo/NO+xl/OZ2pr7Zjb7WjiCgsLMTiwdvo6NR30+9nV9vt1cXZowsKnvWdb++v9i89GZ2qLOyUF+vt+upsffXoXg4u0zp4sYPVCzOFQhy9F/P4/ELh02L95CEdPaIBN4NbbnSqshJLP6zW2/XVxfqJZT0zhenv5s/+QeHEeDz81DeF1cX64beAiIjM9MKz94ur7YutXDjYML+UoR4nPCjnf9AfNsiHvvHI0JgB437p/Yh15o11Irrf7aYLe2cWZAoLJ+/XOjpVWVmYPrQkUmQyhemFlcqZFXPy0pPx+e5+DnbTZy+95ZcOHU8lf3wN+oNd7e+r/xENuBncdqNT85WVY8Ow93/n9co59dXbwamXgo3PHxmXmUxhYWW9MjXe/dX8oucSDTTML2W4xwkPyAAf9Mc3P+9D33hkSEZ2d3dv+hiAPraXni/Wo7CwrpsAAO4NM2Bw0/pf+zuEBdQAALhtBBjctONXCkdEZ3tpsd8K2wAA3G1OQYSb19lemu1zWbD7KQMA3DcCDG6Fzvba25/e19vdhTcymcKzb15OjasvAID7RYABAAAk4howAACARAQYAABAIgIMAAAgEQEGAACQiAADAABIRIABAAAkIsAAAAASEWAAAACJCDAAAIBEBBgAAEAiAgwAACARAQYAAJCIAAMAAEhEgAEAACQiwAAAABL5/4oUFU6xVhj+AAAAAElFTkSuQmCC"/>
+          <p:cNvPr id="9" name="AutoShape 2" descr="data:image/png;base64,iVBORw0KGgoAAAANSUhEUgAABIAAAASACAIAAAAIyqENAAAACXBIWXMAAB2HAAAdhwGP5fFlAAAgAElEQVR4nOzdXXCU950v+J+3crFTs1VbdTZIluRUhTqQHYMIGmQXdUTNOAwvBvwyvvCSFAQckwTKczwFNh57PHZyEZskJCaGis+4RBKIwaYSyqfWB4OEeQn2TKFZCkREEHgqcIpUBalRy7tbezE15469aHWrW+putaTWo7fP5wqrn5f/86L2/6v///k999y9ezcAAACYeP/TZDcAAABgthDAAAAAEiKAAQAAJEQAAwAASIgABgAAkBABDAAAICECGAAAQEIEMAAAgIQIYAAAAAkRwAAAABIigAEAACREAAMAAEiIAAYAAJAQAQwAACAhAhgAAEBCBLAK3bzZvm/bsmXL7smzbNmybfvab96c7LaNX/u27CHtq/RoxrDK5Lp5s33ftpl7CWeQm/uy12hb+2S3pYiZ/VUAAEw4AWxEN9u3Lbvnnvnz1+3Y39HRkf9JR0fH/h3r5s+/Z9m29pnb9cp0N6dJyirqZvu+bcsyV7DkJZzYazj9zyExq74K3LEAMHEEsLJu7lt2z/x1+ztGWKxj/7r5y6bkX+vHKXP8O0Y8AVPXzfZtyyo6go796+ZPyGje9D+HxKz6KnDHAsDEEsBKu7lv2fwdg52Qlq17227cuHE358aNtr1bW7Ifd+xfNzVnTFVibevAMZ3fPi//5zeul+yElVplKrm5b1lBn7nEJcxdw+jYMb/qGazMOWSamEVfBeGOBYCJJoCV0r5tsMvVsrXtxt3zrdvXzpuXFzbmzVu7vfX83RttW7M/2b9uOve7Zpr8K1j2Ep6/0bZ3sPc8ARmMac1XAQBQTQJYce3b1u0f+GfL3hvnW9eWHuWZt7b1Rq7/vv91nfepIe8Kxta2kS7h9vN3BzvPHTt+rPPMAF8FAEB1CWDF3Nz3+mCf652Rp9jN2/5Ott/VcfSEbtfkK7iCN8p1mnMKOs/GL4gIXwUAQPUJYEXcPHE0O+No66uVPeE075H1W1tatm7d2/bqI0VXuHmzvbB0daZu9QgNKVxpWa7EWqka8LmfD+SHTC2zkfc5bHsDlcBzf/vv2DF/yA6HrlJh7fBy1euHtLaiU1TcGK5gRMzb/urgFLIPCo5ixKL7RQ5/5HNYsIExHPyobqrsIeQuccEOh685/N4Zocx69S5f0cMs3Ozw7Vb0XoShvyAj7nqyvwrGcuMVrjiKr4IR7tgJOcMAMBvdZajBgZDY2lblDQ7TsrXtRvGV2rYWX6tl743B6XItewvWzv18a9vdUusPWyl/vexHJZucW3d4E/J3Xkqphpc82nKnqKSxX8FSa5Zqd5EVc+uNfA5zC5Y5+BL7G/1NlT2Elr03Sq6cu/zlbr5ijZmgy7e1rXRTtw5tyojXqLJbtHhLJuurYCw3XuGKo/gqGOmOnYAzDACzkRGw4QaLgLUsmD/urbVvuye/gNpQHfvXFSv60L6tZMnrjh3zt30w0l67X19WumR2x46nJuLxlLVPDHS+howe5Wn/YOCP6y3r80YHhhYrHKJj/7r5o/tz+uAV3PrE2tGsGPO+1Jj9Z/fvE5lAdnPfsvllKn4Xrwkytpsq68S2Uit37Ji/rf1m2Ztv+K1T9cuX54PSTd0/9Mys/buB/FBy7l/u9qv0tpgKXwXjVcWvggk4wwAwK012Apx6qvpX78HKDgPFq7M7KRwzKDWQFYV/Fx8+0FBmxSF7HLJyiT+Xl9peBYNmd0f+83fRz/P/7N6ytW2wunfhOSr9R/dhBrc4ipWGtbGgkWMeiBhh1cKDL3W1yt4eY7mphq7Ylt+MlmGXouDzIQdY/cs3fCCmpeRtXGIEp+jeSl+iChoy6V8FYx4BG77Hsl8F5fdZ7TMMALOSADbMYM9lDN33QnkduKK977xOUl6PpaDbN2ytGwU9q3Jd8yJ7LHVsVQpgI3QXi+av4oGn8s/LrjKuAFb5gd0dawAr39LiQXJsN9WI90a526pMUyfg8g0JYEXWK3mM5fLBGNLBpH8VVCmAjearYIR9VvkMA8CsZAriBGr/cXbCUfECavPWtub6OoPT9gaf+9/aVqR8X/5K5RStGZCbJRgd129UsJHRKjdHabCeXN70pLwftrUWnbQ0eLilZzZOV7kJW8Wv1mBRkLzTObabqlCxvQ3eGsU3nPf5oIm/fEW3W/IY5z2yvtT9l/drNQmz46px1casml8FU/YMA8A0IoANM39B6efkR+Xm77sH/lW6gNpgNyjb7aqgG1O0LzxEiZWrdnAllO6fFT+u3EM2ZfpsucNN6KmsxAw+Ebf374of/drWgT+UnM/eQGO7qQqN1D9u/FKxDedunbwO+0RfvpInJu8YCzZb8v4bUzqY5K+CKqnuV0F1zzAAzEoCWBnjHCXK9U7LPcA/rCNZyVojJ7Bq1AwYk1L9s1z3rKBPPdgx3b/unpKyZbErvR5V6jcXzyETYRR7GttNVWCke6Pye2diLl+eMiemWB6MkvffeNPBpHwVVEe1vwom6AwDwCwigA2TfCG84pLr/1dVbt5cQf9sMH+tL/5ypIpUeD0Gr+Do+82DmWLCM+zgrmaJUf86lbsEeb+mhT8vdv8Vj/8jmipfBVNLNc8wAMxKAthwgwMoo+q/39y3bNmybdv2tVfl5bPTWPYv+Xn9s+rkr4oNXsHRzubKe/HuNA3As0Xp+Dr8/hvz7eeroKgqnmEAmI0EsOFyc2xG1X+/eeJoR0fH/v071r1e4h05xVfL9SOHdvin79/ch/XPciUISj8BU1HdtPOl1h5ibFcwv6HTeyJV6ZtqolT18uWMceLf0Ptv7OlginwVTDnVO8MAMBsJYEXkd7ter/A9pXllzrJ9kBJPqRQafNXrgErWmuqT14b0z0q/nXVwjld14+Zg/cDYv67itwAP1vQbff4adh1HVsnB39y3bOBJqoGjGNtNNUEm6vLllNlsuceqCu+/8aSDSf0qqEhS17pQ9c4wAMxCAlgxef33jh3zK+jAt2/LVhrIG+QZ7LyV7rvlFSIf6PHnrVXqb+554zRTVLYcfcfREzfL5K/8nunwuvVZuRCyrMIecH4LImL/uopWbN82P3daSz/IUqIHPaZInKu60LHjx8Uv9fDKBmO7qSbKhF2+GGGzg1m5aJ8/Px+MLx1M5ldBgWreeFVQvTMMALOPAFZc/su29q9btq3Mwxw327flCr0V9twHu10dO54q0u+6md9Zy3W68jpr64rtN2+lqSt7EB1HT+wb6FgWDTUjnaKIm/ue2jGW7t287e/kIljHjvllL2Hc3Lds8BoWe1VT+afKBts4OnmVx4v2yweTdrHbYzQ31QSZuMsX5Tabd75LbDUvH5y4Pr50MIlfBTFRN14VVPEMA8CsM46XOM90Q9533NKydW/bjRuDn9+40bZ3a0HB8+FPwuRvo2Xr3rYbg+vmr9qy90bptXIr3R22w5IrDvn5YJtzoaSgraXWG1x82AZH2tXgquVbVHiaW7bmneLCw63oMaMhbRh6Cbfubbsx/BK2FC5TdD9DLmRuI8MvydD1y5zDwrOUf3/cvdGW/0m522PUN1WJK1H5BS1+61Tv8g27dfK2OuR8l95qxfdfJSbvq2DMN95YvwrujnDHFlusCmcYAGYTAaycwq7RCEbq145qzQrWKrbqxAWwnOx6I+5qSNe8TO+syF6GGUP8ymx7NJewXCtHaOTWvdnPS3dnix7MyAc/tttj1Il5jAFsAi5f3p62ljvQ8j3+wmaNNx1M3lfBGG+8qgSwwb0Uu37VPcMAMHuYgljOvLWt5yvpebVs3XujVI23ta13y22hZWvbjSJrrm0tvd+WrXv3VpjPxivvCZisysst5L8uunT5w4iYt/38jaF/zs/XsrXtRusYJ9NlLmG5rQ/so2VrW8lrONDIUlekZWvb3dZHSq9Y9hzO2172FmvZW/z2GMtNNUEm8vI90VoqfxQ/MfnNGqyfMcL9V4nJ+yoY8403ZpX+1lf3DAPA7CGAjWTe2tbzd+/eaNu7d2tLy5DZatmpSOdby3Y+1raez8wYylt9YN2751vXFl913trW8zdutA1ZaevethvnW7d/KfuTCS9YnUmCBYddcWnwwQQ24sNI87a3nh8+H3Ckc1SheWu351/Dgh20bB24hBXsZPgVyV6Q8kc30jmcN3iD5Dctc+yl7qwx3VQTZQIv37zt5ws3PNKJGVxzMB9U52G4yfoqGPONN2YV/tZX/QwDwOxwz927dye7DYzWzX3LBir2bW27O1GdMJjeciUx/JZMEGcYAMbCCNiU077tnpHKdpd7BxIQUe71c1SHMwwAYyKATTmD71Yq8XaoEd6BBAz+lpR+pxvj4gwDwBgJYFPOvC81Zv+Zee3Q4DjYzZvt+7Ytmz/CO5BglrvZvm1crx9jJM4wAIydZ8Cmovz3uZY0Yhk4mFUGH40c5OGkanKGAaAajIBNRWtby9b1TrrOOEwHeWPHGS17x1z/nmKcYQCoBgFsapq3vUi96kz16UmpMw5T3/wncn+2aPE3iongDANAFZiCCAAAkBAjYAAAAAkRwAAAABIigAEAACREAAMAAEiIAAYAAJAQAQwAACAhAhgAAEBCBDAAAICECGAAAAAJEcAAAAASIoABAAAkRAADAABIiAAGAACQkM9NdgOmluPHj092EwAAgGnm0UcfrXBJAWyoys8dAAAwy412CMcURAAAgIQIYAAAAAkRwAAAABIigAEAACREAAMAAEiIAAYAAJAQAQwAACAhAhgAAEBCBDAAAICECGAAAAAJEcAAAAASIoABAAAkRAADAABIiAAGAACQEAEMAAAgIQIYAABAQgQwAACAhAhgAAAACRHAAAAAEiKAAQAAJEQAAwAASIgABgAAkBABDAAAICECGAAAQEIEMAAAgIQIYAAAAAkRwAAAABIigAEAACREAAMAAEiIAAYAAJAQAQwAACAhn5vsBoyg58L7R4/887lbtyIiYu7c5X+xYf2TSxuKLPj+mz8aXG755hKLAQAATJopHcAuvLl917lbeT+4devcrV3n/nnz2/uebChc8PFd5/KXO3do17k/vnLsuaXJNBQAAKACU3gK4oU3d527FTF3+StvH8t4+5XNcyPi1qFn3rwwZMGImLt5YMGBxc7t2v5+z+Q0HQAAoIgpG8B63j9yLiKWv7LvudxUwoalT+57ZXlExLmOC8MXzM45zC1265//RQIDAACmjCkbwG7/8VZELG8ZOolwacvyiIg//HEgWvX8yz8XW3Dp+s1zJTAAAGBKmbLPgC197tix5ypYrlRQa/jCFyNu3frj7Qi1OAAAgClhyo6AlXKh41xEzP2L/5SJVT1//ENEzP3CfcMWvO8LcyNvpAwAAGCyTdkRsOKyD3xteHJ8w1rHjx8v9dGtW7dKfQQAADAe0yqAXXjzmUO3IuZuXl9xefkScxAfffTRoosfP3587ty5Y28hAAAwm1y7dm1Uy0+fKYgX3ty+61zE3OWv7BvF8FexyYkAAACTYnqMgPW8v31g7GvoK5gBAACmjWkwAnbhzTLpq+ELX4yBiYZDZMojfvEL8hoAADBFTPEA1nPhzcd3nbsVc5e/cqz42FepYoelyyMCAABMjik9BfHCm8/sOjfCxMOG//QXcw/dunXo6IUnn8srzXHh6KFbedXqAQAmxL8dfX6ymwCzy5+u/8lkN2Fcpu4IWM/720dMXxGZBBYR53Ztf/NCZhis50JmVfkLAJhQ0hckb7r/3k3ZEbDMEFbErUPPPH6oyOfLXzk2MOLV8OSLr/zxmV3nbp3b9cy5giUU7AAAJt6frJre3UGYRv799PQe/oqpOwJ2oePcyAtlNSx97u1XNi8ffH/X3OWb3z72XMUvCwMAAEjCVB0BW/rcsWPPjWL5hqVPPrf0ydGsAQAAkLCpOgIGAAAw4whgAAAACRHAAAAAEiKAAQAAJEQAAwAASIgABgAAkBABDAAAICECGAAAQEIEMAAAgIQIYAAAAAkRwAAAABIigAEAACREAAMAAEiIAAYAAJAQAQwAACAhAhgAAEBCBDAAAICECGAAAAAJEcAAAAASIoABAAAkRAADAABIyOcmuwEAACTtiaf+ZrKbwJTwwTv/ONlNmHUEMACAWSQTvVr3vD7ZDWFKyNwPYliSTEEEAJgtnnjqb1r3vC59kZO5GYyIJkkAAwCYFXSyKUogT5gABgAwW+hqU1Trntfl88QIYAAAAAkRwAAAABIigAEAACREAAMAAEiIAAYAAJAQL2IGACAiouvIq293jmL5+9bt+M6Kz49rX/WrvrfzodqxbQKmJyNgAAAACRHAAAAAEmIKIgAAERFNG15v3TDkZ5+179n7QW9E88bWDfdPSqtghjECBgAAkBABDAAAICGmIAIAME6fHtj53oUSdRH7zr713bY7EU3P7HmyacQtpT9tP3P2Uued29kf3Fff9MDDX1nbWLzcYl/608tDl7+3oWnFIyvur6y4YsEcy77uT058dPpCb+aje+9rXrF1w8B2+ro/OfHR1Qu9dwb20rzqsZUPNdVUcgj33te8qOTCoziE/JMcXWc//rCr63amqfX3Li12yNkzH0uffn1LY0WngwQIYAAATAl93e9/92DXkB/e7u26fbDrg/qmZ3YOyW+fdR351dudd4Ytf+d273sXuoYvX16668h7hVX479zufO+7nU3P7Hkyjrw1ZEe3O0+/3Xn1iZeeXVsYq3KZp3A7d97uPH1f88bvDH2ObmyHcO3AnlxKjIiI3jsXxnLITA4BDACAKSD9yf5M+qpf9cym3HjRZ11nf/V2253o7Xr7yML8QiB9Zweiy33NG3PjVJH+9MDh9y70xvDlR9B5+u2CTeWiUdfbe+5E7537mldtXflQbU1ek+LOB4c/WZL3HrNc+ioYH0t/1nXmV2933rnd+d5rUZDBxnYIt9tO3457l6772iMrPl8bEelP2w+/90FvRG/Xh2e/0jTWN7ORGM+AAQAw+fquXr0dEdH0zM782Xqfb1rx7DPNERHReS1vdOzTE5mBpuaN39mQN/Wu5v4tOzcuzfw7le4bTQPuW7cjb1Ofb9qwYmA7vXeieeN3NmTSV2GTevtTufXTn+wfbFLeIdR8vmnDs99bd29E3O48256uwiEsffrZLZn0FRE196/dueOJ+oiI213X8pevXfFs657XW/eYfzi1CGAAAEwdd1LpoT9q2vB6657XW/MfIeu+diEi4t4nVg4f45pTVx8RheloZE2PDR07un9JJmUV20td7b1DWjsYIIsNu9Wu+NoT9RFx54Mzn473EOpXPTI0UH2+rq708kwxpiACADD5amvvjbgTceeD3W9dal702MqFTTWlZ9M1Ptm658kSn32+ri6it8SHpdTPqSv52b11w+pnZFub89nlrsxw1sIST2FlW5VK98X9tTGOQ6irGV5fpG5oe5i6BDAAAKaAxiefab7zduedXNWKiGx9v0X315YoITgg/Vlf9KfSkfrdtUupbG3AUSmWakajP5XZaed72zrLLtjbn4oosq+KD+G+2jnjaimTTQADAGBKaNrw7Pe+XFDtfaC+X1tEfdMTw4rR93W/v/+jMcWtKWMGHAKjJYABADBV1DY+tKXxoS0Db8fKGwvq7frgYFdq8H1W2fd3Zd1Xf29D3b11tQuXLLo/debVt8sPQ02c5o0Vl16cqofABBPAAACYQKm+sTybVFtz/9oN96+NJ/PKvseFjz55pPGh2oi+s7/KRJeCAu65PY6/0aM2p66+8BGvkUy9QyAhqiACAFAdt/v6h/3ss1RFYeKz9j2vbtv56rYjnw77aHjZ92zFi/pVw6NLxKeXJ2HsKFeH8OrlYVUcI2LwAPd80hcxJQ+BhAhgAACMU7Zs+vD3VnV//EFFDzh9fknTvRERBW/KysmmuHK1Cgf0nT17oZIdVlvTylX3RWTezlzk5V3Z87D04YdGHB+brEMgGQIYAADjlI1Pvae/u+eTroEE9VnX2fdfO9hVbr08tSsyLz6+88Hutw50fzaYYdKf5p6VyqaXwd3tP/Jpbsm+9KcH9rz63bbcjMcirxSbQDUPbV2XOwnvt3d/lv3gs66zb23LnIfBV3glcQh9Z9/atvPVbTtfPdA99o1QdZ4BAwBgvGpXfO2Jrr0f9Eb0nn579+nBD+pXPdN09e22Sh4Du3/LS6t6dp++HXcuHNw7fAjovnU7shU4onbFiqVd713ojdud7323cLbefc2rHqvN7PFOKh1Rvn59VdWuePZ78dZ32+5kSoZ8MOTj+lXf2zk4/DU1D4EECGAAAIzf59fu3FF39uMPu7J1C+vvXfrw17Y0fr7v7NVKt1Hz0Hf2LOw6+/GHXXdu5yrR1997X92KrSuHvArs/i07dyzJ313ce9/g65trlra9dyHiwu8+3dJYYU3C6qhd8Wzrok/bz5y9lLqTKy5/X33TA8Nq6E/ZQ2Ci3XP37t3JbsMUcvz48UcffXSyWwEATA//dvT5iPiTVc9PdkMq8sRTf9O65/XJbgVT1Ladr37wzj9OditG9u+nfxIRf7r+J5PdkEHHjx+PiMpDhGfAAAAAEiKAAQAAJEQAAwAASIgABgAAkBABDAAAICECGAAAQEIEMAAAgIQIYAAAAAkRwAAAABIigAEAACREAAMAAEiIAAYAAJAQAQwAACAhAhgAAEBCBDAAAICECGAAAAAJEcAAAAASIoABAAAkRAADAABIiAAGAACQEAEMAAAgIZ+b7AYAAMBYpT95bffp280bWzfcX3qZT9vPnL3Ueed2RETcV9/0wMNfWdv4+dHvq0rbYXYTwAAAmKY+az98+nbZJfq6399/sCt/mdu9XbcPdn1Q3/TMziebKt5TtbYDpiACADAdfda+Z+8HvWUX6X7/u4WpaVBv19t7PumrcFfV2g4YAQMAYPpJf3rg8HsXyqev+PTAwa6Bf9Y3PbPpyaaaiIi+7k9OfHT6Qm9E7+n9Zxd+Z8WIcwirtR2IMAIGAMC08lnX2fdf2z1i+orovnYh84/6Vd/bOZCaIqK28aEtOzcujYiI220fdxVfeQK2AxEhgAEAMH181r5n79ttmdmA9z7x0o4n6ksu2td3JzKLbXqoduiH9295OvPcVtfl7hF2Wa3tQIYABgDANHNf88bv7Xl2bU25ZVKZ4FS/aEnRxWrm3BcRET19n5XfV7W2AxmeAQMAYNqoa1r1zKaHmspGr1G53dcfUYXHt6q1HWY8AQwAgOni800rHhrdGr39qYhhUwcj0v3l69dP1HaY9UxBBABgBmr68sDTWW8f+XTYh5+1f1Rp1YxqbQcyBDAAAGaixoWZEoXR+d5rRz7pSg/8uC/96YERXyA2EduBiDAFEQCAGer+R9bde6HtTkTc7jz9dufpwk/vva/+zu2K4lO1tgMRRsAAAJipalc8+7119xb75N4nXvraA4lvB8IIGAAAM1jtime/t+jTE4fPXugdeJ3Xfc0rtm64vzY+PdAbEXFf7ZwktwMCGAAAM1ltzf1bdt6/ZchP0+meiIhoqK20dny1tsMsZwoiAACzTt/Vq7cjIpqWNE6J7TB7GAEDAGAmSn/y2u7TtyPuW7fjOys+P+Sj/W13IiKaFzYlth2ICCNgAADMTDU1DRERcbvtVwe6P+sb+Olnfd3vZwJVRCz98v3JbQciwggYAAAzVK58/J0LB/deGP5588YthfMG+86+9d22OxGx9OnX8z4a9XagDCNgAADMTLUrnn2muWj5+LiveeP3NlQ6bFWt7UAYAQMAYAZr2vDs9778yYmPrmbLx8d99U2PbfpKU83oihZWazsggAEAME19fu3O19eOtFBt40NbGh8aWj6+6JIrnm1dUYXtQBmmIAIAACREAAMAAEiIAAYAAJAQAQwAACAhAhgAAEBCBDAAAJjVtu18dbKbMIsIYAAAs8IH7/yjfjalfPDOP052E2YLAQwAYBaRwRhi285Xpa8keREzAMBskelnP/HU32T+s3XP65PaHCaZND4pBDAAgNklF8P0v2c5A1+TQgADAJiNdL5hUngGDAAAICFGwIa6devWZDcBAJgeaiIioqenZ5LbAbPGf4iIad5jF8CGmjt37mQ3AQCYHv7tYkREQ0PDZDcEZot/vx4xxXrs165dG9XypiACAAAkRAADAABIiCmIU91/+9f/MtlNgFnkr//sP092EwCAmcwI2JQmfUHC/NIBABPKCNg08NAX1092E2BW+OQPRye7CQDADGcEDAAAICECGAAAQEIEMAAAgIQIYAAAAAkRwAAAABIigAEAACREAAMAAEiIAAYAAJAQAQwAACAhAhgAAEBCBDAAAICECGAAAAAJEcAAAAASIoABAAAkRAADAABIiAAGAACQEAEMAAAgIQIYAABAQgQwAACAhAhgAAAACRHAAAAAEiKAAQAAJEQAAwAASMjnJrsBTLLN67852U2A0Tl09BeT3QQAgDESwGavTPTa89buyW4IjE7urwaSGAAw7Qhgs5HoxbSWuXV3PvvSZDcEAGDUPAM2S0lfTHd73tptAi0AMO0IYLPO5vXflL6YMWQwAGB6EcCA6cqfEgCAaUcAAwAASIgiHACJev2fPpzsJsDs8upfPjbZTQAYZAQMIDnSFyTP7x0wpRgBA0jaN5f85WQ3AWaLX1z+p8luAkABI2AAAAAJMQJGob5ze167Eg11dfU1X25qbFw8p+zS/ekr3We60qneVG/9qj1PLUyqhSd7I+off2Hn6vLNAwCAqUUAY7hUb0+qtyc6L15Z950dK2pLL3jlN7t/dnng3/WJNA0AAKYzUxApI9V1pb/Mx91dl8t8CgAADCGAUVx9Q11E9HZ2p0sucu13FyOirr4hsUYBAMD0JoBRXF3z4vqI6Llyta/EEle6OyPiwcVNCbYKAACmNQGMEmobmxqizCzEzPzD5qbGRFsFAADTmSIclDJnUXNdW0+qt7M7vXp5zdBPM/MPl3x5cfS1DV/32pFnD3WWKFSYPrV394z24t8AACAASURBVLFUxJKn3/pqQXrru3b25Omui6ne7A/qG5Y0rfurFSNUYsy68uudmYogDUuefrn8luvqH1z88JrljSXqi6SvnDvTdqWzJ5VdeNWmpxZGqWaPfvujXn6o/rM/eKOtJ+LBzXueWpi+cu5M28nOntymVm16amFNkQOJ+gfXlNzLaE9R37WrQy9WXV3zqpWrFxbeKvl3QnSf+s1HnZd7M01tqGsusnzu9ojmb+/esLjCEwIAMG0IYJRUs3hx/bFUb8+Vq33Lh9ZCHJh/2NgYUWqK4qikr/x6sKBiVm/P5d6fXW4bHqiGu/LrPSXSV65DnyfVezF18OKV5sc3bhiaD7PZpmDhQ7svLln3YImWl9z+yfoHN+8cVpp/tMuXle5+59DBi0Va+/RbX4139h68WLCj3osnDxarbDnKJvV3v/PekC1HRG9PqrfnUGdnqYvVfeQHuZQYERE9qc5yywMAzEwCGKXVNjY1nOztSXVd6V9RGFQy8w/r64YNjI1N37nDA/FpzdNbcqMu/d2n3jt4LBU9lw++01juJWN95/b87HJvlE1fDUue3vJXjbVzIiLdd+3MgUOdPanOY29EbcEwS/c7A+mr/sHN2XGkTN643FaQc4Zuv2Bwqa+/++R7By+mei8e2hMFAWa0y4/g4smDRZqairh88Aep6EnVP7hm05rlNbV5JzNSbQfOLXp5cEhz9IcwkL7y9hvRd+3IgUOdPVHqYvUeO9kbdc2Pb1y5ek5NRPRdO3vgUFtPRM/lj079VaP3uQEAs4ZnwChjzqLmorUQB+ofNlU4OXAk6StXeiMiljz9cv6ctzmNq3c8nRl3utjdXWrl7HuZi8w8jGtnBtLXmpde/momfUVETe3CDS+/sK4hIqLzZ7/uztvURxcjMvPlctEi5jQ+teOlx+uK7vpwZvsPbt75VF7LawdX6b14+mzfWJevwLCmrmrO/LMnldlLTW32o9zJ7EkPXs1RNyl7Sh/cnLffiNqFG17ePLDr3nTRypnN396xIZO+IqJ24YrsJRhyd9Ws3rHnrd173jL/EACYmQQwyqlZXKwWYmb+YcPiRZU+s1ShVN+w7NH41O49b+3eM/yxq4xy6SvSp053RkTUrdsy/Bm2OSu2rKmPiLj80amBKiO5HPjwsAGZmtXZYJO//VxuLDZmVbN647qGiEi1nbw2tuUrMLypC788MFWybt2aoXupqcvEyMHzPOomZS59sY1H1NRmXkjQUyyANaxZOTRQzamtL708AMAMJYBRVm1NXcSQWogD8w+bG6s0ATFqageCQdtre/e8c667r9zbnweluo9k0lcUf44onRqoolFbNCgOHFr0pjL9//6rnZmxncZiYS8XbHLKLx+DAWNgRGi0y1egoab0JShy1NnznDP6Ji3+6p63du95a+hTZAULF1VfpKnZQAgAMIt4BozyFn75wei8GHm1EPv7eqOK8w8jIhZ/9ekHUwcvpnK1HyKyVfIWL6wpMc7We/FktgRf0eeIMu0sk1JqahsiejLpYmFNpPsyT3+VeLCtpq4uIr/yxMDycfHQzmKPhw3qSacjaka9fAWKpZrRGHeT+vrTkU7fib6u7q7ebHnDoi2t1uOCAADTnADGCBqblsTFy5GrhdjX3dVT/fmHjU/teKmpoGb6QJW8YxENS9aVKkbfsKS+53JvRO+x33SvLjFNsWRKmVNbH1E6M1BK+sqvD7eVi1sAAJQigDGSxY3NcbkzBmohZp4aquL8w5yaxcs3LF6+YeAdU3kjKj2X2352uW/4W6Ea1rz08vI4ldp9LBVRulLiwADXcNkhsiGLp9IRoxnce3BzuQqN418+AaNo0tAy/fUNdXX1dbV1jYsWL0yffOlg+ZE0AIBZTwBjRNlZiKl0RFztTI1z/mH20aySamoXrnhq4Yr4al7x9OhsO7dycUEtjYEQuHrjus432noiLh460pQf0rIDXCVn9GUn4A0MkWVnJFba7CEzGEc02uUTMOompU+9N6xMf96nE9BEAIAZRhEORtbYtCQi4mJ395XRzT/M1rfIN3zcqf/sD17a+exLO98ZXv2vRPH0wmWy9QwLa8oP1ni4/LsrxdYbKOiXezxpoOZ+iZL3mcr7BfvNFvErLBE5KHtcPziXHsvyCRhtk7JFOxrWDE9fxU4RAABDCWBUYHFjc0TE5Y/arvRGJbUfshXJhxf0u/KbtqGjTLnkU/QVWCPW0oioXb5p4D1dlw/mpbhc7fjOtuGRpv9s2+WIyK/kPlBzP68wfU62on2BxjWZ4JdqO1AsMmWPtHndwMDdaJdPQBWbVPQUAQAwhABGJQaKsPf2pCKiuWnE54Wymarn5O4fnOseiFX93ad+vednl4cvnU1KqbbX9h650p/3muBruSeOymeA7BurhqS4hSsfzzXj17nq9um+a0eym61//K8GS3dkg1zvsTf2vHMt24z+7nf27j5WbNpkLvj1nNz9g1+fHazU3999au/OzJHmv/9qtMsnYHRNGryshwfPT+Z8vpR3ioq8z61y6VN7dz770s5nXzpSdNwSAGCa8wwYFckrwr7kyxUkhJrco1k9Jw++dnLwg4Y1TzdfOTg0zyzc8J01qddO9kaq82dvDB9IqX/8haEVOIaas2LdkrafXc4M5ix6eSCt1aze8VLs3X0sFT2XD742JPvVNT++cUNh8fqa1RufTr1x8GL0Xjy0O39CXcOSdc2ptmExLH/7bT+73Dbk44Y1L71ckBtHu3wCRtWkmtWrmjsPdfYMOz8R9Q+uebguc2VTfXciqvySbgCAGUIAoyI1ixfXH0v1RpmX9g4xZ8XLL9Se+s1Hndlihg11zes2blg8J32q2NBG7fKdbzV2n/rNR52p3lwl+oa6+vpVm9aUfBVYgcVfffrBywcvRvScPHyqcWduYuHqHXsWXzt78nTXxVT26bO6+gdLbXZO41O7Cwvi19U/uGrTUwvj1N6h4WTI9ntTucrs9Q1LmkqUzh/t8gkYTZMWbnj5hS/nX9aoq39w8cNrGhtr50TUNB871BnR2XVtw+IpVukRAGBquOfu3buT3YYp5Pjx448++uhkt2LQf/vX/xIRD31xfRW3uXn9N/e8tbuKG5wlut956eDFyRmkooydz7506OgvqrW1T/5wNCL++s/+c7U2ONzr//RhRHxzyV9O3C6AfL+4/E8R8epfPjZB2/+3o89HxJ+sen6Ctg8M8e+nfxIRf7r+J5PdkEHHjx+PiMpDhBEwGDAQsWLJ028Nf6dzthbIyAVIYDJt27BpspsAY9F65PBkNwEgIQIYDMg+53b5d1e+2jjkkbO+7q5M0Y46+Yupa9uGTd/fN4X+IgiVy/ztQAwDZgMBDAbknnPr/Nne+PbGDQOPP/Wnr/zm8M8u90bk16yHKSXTeZW+mL4yd++2DZtkMGDGE8Agq3b5zm+n9/zscvFijA1Lnt4yfGoiTBXSFzPA9/f9RAYDZjzvAYM8i7+68zsvPP1gXX3D4M/qG5as+/YLL7381Ual1ZmSzDxkJslksMluBcAEMgIGhWrnND61w0gXAAATwQgYAABAQgQwAACAhAhgAAAACRHAAAAAEiKAAQAAJEQVRIDZpT/dfe2jk1dTvame7I8a6uvq/nzFw4sW1NQUXyd99qe7TqQi6h77+79dWWKZrOuHn3/3UkTDI8+9uGKsby7vPrr9QFdluwOA6UUAA5g10t1Hf3mgq2fYz3t6Uz297146EQ3Nq7+x8SsiDwBMGFMQAWaHq+/9dFex9JWvp/PUrud/eiadUJMAYPYxAgYwC1x97x9+3pn9j/q6BwonHKbT1393+uyHnamIiEh9+MOjtT9Zv2gy2gkAM50ABjDjdR/Npa+GR77+jRULhkwyrKlZsHLjgpWrrh/+4buXIiK6fv5GzSsvmIsIAFVnCiLADNd/5mRX5l8Njzz34rD0NahmwaaffP2BzL97T33UnUTjAGCWMQIGMLOlr13ujYiI+tXfGLks4YJNW5ouHeiKiEtXrm9qXFB+6dzMxobmr7+4cYSFcwUYL/Wmsj+pa6ivXbJm+crG0g1LXz9z+uzlzoGajQ31TWWWT3d/XLD9zGTL4Zkz/fGPfniqJ+KBLd/f1Nh/9ey59hPZp+Pq6x5Y87VNA9vvv3r2XPtvu3p6B1r7wCPFtjbmQ5vYJlV8NkZ7CPk1KqOSq9N/5o03P+yNiKZvmdoKIIABzGzpq1czneMH1lQ2pbCx8YHouhQRnd1XNy4o012++t5PR5G+0tcPH3r3Uu+Qn6Z6elM9B7oul9hC6urR7Se68n/S09vVc6DrcpEa97lefp7e1KXedy/9tumxzeuLl7Pvu374QGbWZd4qB9681Pz1fRvj8BtDGpy6dOLdS79dPXRy5pgOraSqNKnM2ThR98CWv93UWPjR2A7h6tEfnSgo6zJwdUZ7yACziwAGMKP13ckMaNTVVfpE14Km5rjUGRF9felYVPrNYD/vTEXFY19nBvr3dQ9syQ3mDJbF7+l89/Di7w9NBZG6dCIV9U2PZQdV0t0f//LAqZ6InhO/OrMo/xVhg3mjofnr31iVqS/Sn+4+98sDXT29XR/+MIqWFbl04t2CJuVySOe7P0pFT2/dA4987eEVc2oiIn39zKF3P+yN6D31y7ML8+Lf2A6tpOo0aeBsFIyPpdPXPzr07qXe1KUDP42CDDbGq/Nh5upsXr6ypvDqdJ49s2qBF7gBlCCAQWl95/a8drL3wc17nlo45JPud146eLGCLRRbtxLpU3t3H0tFLHn6ra9W3HGDIvr7BiaU1dZW3CGuvbcuIhWRSqUjiq2VfS9zhekrovtcJh0NGXupaVz/4pbYfqArIlJ9/VFktl7Tt14YDE41jV958e/jRz881ROpy1f7V+YiR3b7hW9/nlPTuP7Fv6/50Q9P9UTXz99r3FekqYXveq5ZsGnNwAzMnt7C1tYsWPnC11PPv3spoudOf8TQXY/+0EoZb5PSZ39VvEk1Cza98FzdG29+2Ju6dPLjhxuzg2YTfXVizsoXvr+y4uMHmOkU4YBS+s8eODl0Rk4y+s4dPpYaeTGYFKNOXxFXr3RFRNSvfnj43xNqahoiYiBCDNXwyPKhw1Y1NXVDl89WGSn6kFvNV77xSF1EROfZIu83a14xdKCmsXGgDEmR1s6pq4+IiFQ6t6UxH1pJ421S/+9+m4qIaP56sWG3OSs3r26IgiIrE3x1ABjCCBgU1X/2B2+0lX9l7cTterKCH4wodfXohycG+veVP+ezaOP3920s8VlNTV1Eqd+1utrhoy5z6uojCn5F+lOZ/6yrKTrIV1NbW2pAr+He0gNTRbY2p7ZuyK7HfmiljLdJ2ZorDywucXWyrcoNak3w1QFgCAEMhum7duTAoc6y3abGp3bvearUh9eOPHuoMyIa1rw0+vmH3e9MVvBjZsp10Ms90DVE6cfGUpdOZAdnx/GcTzrdH+n+vkh3XbmayhbQK6ay59bS6UybSkaXmpqGwsgxuIMiEWJcKj60ksbbpHQ6s9NLB/7hUtkFCyZSFmygqlcHgKEEMMjX333qNx8duzyev992v3OoMyKibt2W5aPunlz59cGLEQ1r1tWfbKvkGTMY0YgPdA1zvWvgrc3FHxtraK7r6UxFpD48fX3lKIrd9V9971ftY8okFSoZXcY0EjUaE35oE28GHALAdCGAQU7+tMO6dd/ZGAdGPxiVSVAR9Y9vXFE72gZcO/Kzy5nkVnvy5GhXhuJqFi1qOJHqiSiou1BGd/fAyElz4/CygQ2PPPfiijiTevPD3ojK6/tlX3KVVddQX1tXV1O3eOGXG/s/ev7d8mM1FSpZ6yI7RDYhEjm0MXhgS8WlF6fqIQDMUAIYDFX/4OZNTy2sif6zo141k6AiGtZsWj3aaUT9Z39wqDOi+ds7VtRG98jLQ4VqFi6pP9VTpFh5UdcPHxh471axh4jqliyaExErN6++/MNTPRGXDhxtGvnVuv1nDmX69wVVznOfVnogpWQHuErNqcvNyqv6hMMJP7QxKD3fsoSpdwgAM5wqiDCotnnN09/ZvfOphWN7smE8kw/Tp95r64l4cPOGxWPaN5Q2Z+Wapsy/ek68+aOz14fXAhyQvn44N9xRtCZeTq60YHT9/L3rI+w/Wxai4ZHh/fu8Abexy1YC7Oy+WuzjgSp/E/HM0oQf2ujl6hD+9lrxC53++EfP/8P25//hR2f7I6bkIQDMcAIY5MxpXL28cdTzBrP6zn2UeWrrwVWjnnw4UHd+ydNjemkYjKRx/SsDeSl6Try7642fHj57PZ3XPU+nr59576fbf5ibbFb32OYRJivWrPjaYwOx593DYx+yzVaQH5dcwuxqPztsxCb9cXvmkbbh5d0nVlUObQwWPJy51r2nfjn8bERcPZ0Z72paO8JYaEzeIQDMbKYgQnV0n8zUjq9bt2a0IerakddO9kY0f9s7l5kwNSv+9lt3fvrzzlRERG/qUu+7l06UWrbwRcAlzRmciFj+6bLsHMieE786XJsbZulPd5/75YGuwUePUul0LBhjRGpc/lh914e90XPizR/d+fo3Vi2oqRmyi7rHVlVeL6RiCRzaGBq14muP/fbN7NlYvXbVVwaqX6avnzn0bvaN1dlXeCVxCP1n3njzw96IaPrWyBNWAWY8AQyq4trvxjr8lZm4WP/4CyYfMrEWbfzbVxYfLehVD9PQvPobGyso1JFR85W1zad+3jni02VzVq5punygqydSlw68WTilre6BR1bU/fbdD3sjetN9FZZpLLqLF56LN978sDd6Ot/d1Vn4YX3TY5vXT8zwVwKHNqZWDZ6NUz/vPDXk44ZHnsu7WFPzEABmMAEMqiB96vTAJKemUQ5/ZevOj75oB4xeTeP6F3+yPt398UeFr3hqqK+r+/MVDy9aUPxNxqUt2vj1BzrfvRTRc+JXZxaVHjdrXP/i3zeeOX32cm6n9XUP5PZY2/Thga6Irq7u9YvGPgw8Z+UL3/9y98cfnbx6qTdb9bC+7oE1X3u4cc4EJockDm0MBs9Gqjd3oesamhcNDohN9UMAmKnuuXv37mS3YQo5fvz4o48+OtmtGPTf/vW/RMRDX1xfxW1uXv/NPW/truIGZ65sVfoHN+8Z4dGs7JINa156eTTlN/rO7XntZG/UrfvOjiHjZt3vvHTwYkQsefot8xLL2fnsS4eO/qJaW/vkD0cj4q//7D9Xa4PDvf5PH0bEN5f8ZRW3uW3Dpu/v+0kVNwiT6x+2P9965HC1tvaLy/8UEa/+5WPV2uAQ/3b0+Yj4k1XPT9D2gSH+/fRPIuJP10+h//EdP348IioPEUbAYNz6ujNzuuqbG0f1d/b0lSu9ERGpttdeaiu+yOWDz16OqCQEAgAwDaiCCOOVzVF1TYtNIwQAoBwBDMYrnUpFRDQsXjTmEvYAAMwOpiDCOGXrH9aPtnxB1KzesWd18Y88AwYAMCMZAYPx6Utn6q3V16nQDADACIyAwfjcSfdGRERd7QgPgKVP7d19LBURzd/e7ZVfAACzkxEwGJd0X2YArK723kluCQAAU58ABlVRV6sCBwAAIzEFEUqZs+Ll3StGWqhMIY0xLxkRjU/t3vNUpQsDADBdGAEDAABIiAAGAACQEAEMAAAgIQIYAABAQgQwAACAhAhgAAAACRHAZqOdz7402U2AKtj57EuHjv5islsBADAK0+g9YBfefHzXueWvHHtuafGPiqxSfOlZ7tDRX2xe/83JbgWMl78jAADT0bQJYBfeLBqxIiKi549/SLAlM0Aug+15a/dktwXGIpO+DH8BANPOtAhgPRfefKZ0/Iq4/cdbYbhrdDI9V0NhTFOiFwAwTU31ANZz4f2jRw6du1VumQsd5yJi7hfuS6hNM4heLAAAJGlKB7Ce97c/c+hWRMxd/sqLLR0lRsEyExDn/sV/aki0cQBMO+mzP911IvXAlu9vaiyzVP/Vs+faf9vV05v5z7qG5kVrV31lUU0le7h++Pl3L1Ww3EhtAGCmmtIBLCJi7vLNG9Y/ubQhLnSUWOL2H29FzP2LL9x+/80fDYyVzZ27fMOLzy2VyAAYlP74lydSIy7zox+e6in4UaqnM/XzzqsPbPlbkQmAcZvSZegbntx3bN9zT5YPUpkBsFuHdu0anKl469a5Xc88/uaFCW8hANNEkWQ1qmVSlw789Ey6+u0CYJaZ8iNgI8pU4MhMU8wMevX0vH/0R4fO3Tq3a/sX3t73ZLH4dvz48VLbu3Wr7ANnk6G3d4QuA1BFCXwJ9PZU+Ze6P91f3Q3ONP/379v/z//6r33Z//wf/1/RM/b/dBzIpq+aP/s/nlj7pf8ts/J/7zj/L+eu9UekPvzw//ry4/+x7K7mPPzycw+X+vD37bv+679GRO1Xnnq41lUro+q/IxP3e52ZmdpT7QYDpfyHiJiSPfbKTfsANlCCfvkr+3IlEBsannxu3xfi8V3nbv3zv/Q8WSyBPfroo0W3dvz48blz505QU8fgd/8aEVFfbzIlJOHGHyIiJvZL4I/dEVHfUOVf6jk1c6q7wRkkff3M6bMfdhbMPPyf/9diZyx97feZAa7mr7+yccHgA19z5jzxZ//xf3njzQ97I/7f/xFz5lT0LFgR1w//IPOlvvpbj//vY93ILFHN35G+/x4T+Xv9bxcjIhqq/UsNlPLv1yMm+n/Wo3Tt2rVRLT/tA1jDk/uOPVnk50tblse50gkMgJkvf0ph/epXNscvS89CTF+92hMR0fSt/PQ1YM7KF76/cnxtufpepjhH3WObvyJ9Acxi0z6AlXTfF+ZG3Lr1x9sRAhjAbFb3wJavbWqcE+mPSy/T/7vfpiIimhsXTUQTuo/+vDMiouGRr60UvwBmtZkbwDK8HQxgFqtZ8sjXv7Fi+IjWcP2p3oiIhnvnREQ6ff2jQ2cv9WYmLtY1NK/4xqoFNWMPTtcPH+iKiKhf/Y0VZosCzHJTugpiBXre3/74448XK3iYKc7xxS8Y/gKYrWoWrKwofUWk0wNhq3bO1fd+uuuH72bTV0Skejrf3fXDsZdATJ89m3kz2ANrTD4EYLoHsIYvfDEi4lzHkATW8/6RcxGxvGXp8HUAoLjUyZ/+vLPou8JSH44xg13/KPPysfrVD3uNGADTfwri0vWb5547dOvcru2RK0N/4c0f7Tp3K2Lu5vXyFwCV6+lNRURD89dzcw7T3R9/dPLUpd6ISH14+vrKjQtGt8XubsNfAOSZ9gEsGp58cfM/P3Po1q1zu545l//B8ldeVP8QgFFqeOS5F/Oe1Kpp/MqmxoV1mTL0nd1XNy4YTZWO/jMnuyIioqnJ8BcAEdN/CmJEphL9268sH3wbwNy5y195+1hmOAwARqFpbZE6GXNWrmmKiIiuru7RbCx97XKmtscjyyekuCIA08/0GQFb+tyxY8+V/LRh6XP7lpb+GAAqUaoMfU1NQ0Spd4iVkn23WN2SRYofApAxE0bAAGB8amrqMv9Ipcda7HC47LvF6hd92eNfAAwQwAAgFjQ1R0REb7qv2Me5say6UUSp7LvF/nyh/AVAlgAGABG192bGwLp+/t71YR9mS8lHbW3lWSpb/7Cu1vxDAHIEMACIqFmx4oHMvzrf3f7Gx1ezMxHT3R8ffuPdTJQaVS2NdF9mLG1Ug2YAzHjTpwgHAEykBZu2NF060BUR0Xvq5z88NWyBIQUS+89katNH07d+sn54MOu7M/pBMwBmPiNgAJDRuP6VLU3FX2FS3/Stvy+Sskrr78vkr/qa2iq0DIAZwwgYAGTVNK5/8e8bz5w+e7kzNVB0vr7ugT9f8fCKBWMcx6qrMQAGQB4BDIBZouYrL/7kKxUstmDlxgUrN4643JyVL3x/5Rg/BWDWMgURAAAgIQIYAABAQgQwAACAhAhgAAAACRHAAAAAEiKAAQAAJEQAA5jeWo8c/oftz092K6A6/mH7861HDk92KwAmkAAGAEwJ/pQAzAZexAww7bUeObxtw6aI+P6+n0x2W2CMjH0Bs4QABjATZDKYAQSmL+kLmCUEMIAZQv8VAKY+z4ABAAAkRAADAABIiAAGAACQEAEMAAAgIQIYAABAQgQwAACAhAhgAAAACRHAAAAAEiKAAQAAJEQAAwAASIgABgAAkBABDAAAICECGAAAQEIEMAAAgIQIYAAAAAkRwAAAABIigAEAACREAAMAAEiIAAYAAJAQAQwAACAhAhgAAEBCBDAAAICECGAAAAAJEcAAAAASIoABAAAkRAADAABIiAAGAACQEAEMAAAgIQIYAABAQgQwAACAhAhgAAAACRHAAAAAEiKAAQAAJEQAAwAASIgABgAAkBABDAAAICECGAAAQEIEMAAAgIQIYAAAAAkRwAAAABIigAEAACREAAMAAEiIAAYAAJAQAQwAACAhAhgAAEBCBDAAAICECGAAAAAJEcAAAAASIoABAAAkRAADAABIiAAGAACQEAEMAAAgIQIYAABAQgQwAACAhAhgAAAACRHAAAAAEiKAAQAAJEQAAwAASIgABgAAkBABDAAAICECGAAAQEIEMAAAgIQIYAAAAAkRwAAAABIigAEAACREAAMAAEiIAAYAAJAQAQwAACAhAhgAAEBCBDAAAICECGAAAAAJEcAAAAASIoABAAAkRAADAABIiAAGAACQEAEMAAAgIQIYAABAQgQwAACAhAhgAAAACRHAAAAAEiKAAQAAJEQAAwAASIgABgAAkBABDAAAICECGAAAQEIEMAAAgIQIYAAAAAkRwAAAABLyucluwJRz69atyW7CUL29PZPdBJhFEvgS6O3xSw2Jmrjf65qIiOjxSw1J+Q8RMSV77JUTwIaaO3fuZDdh0O/+NSKivr5hshsCs8KNP0RM9JfAH7sjor7BLzUkpe+/x0T+Xv/bxYiIBr/UkJR/vx4xxXrs165dG9XypiACAAAkRAADAABIiAAGAACQEAEMAAAg5ig4eQAAIABJREFUIQIYAABAQgQwAACAhAhgAAAACRHAAAAAEiKAAQAAJEQAAwAASIgABgAAkBABDAAAICECGAAAQEIEMAAAgIQIYAAAAAkRwAAAABIigAEAACREAAMAAEiIAAYAAJAQAQwAACAhAhgAAEBCPlf1Ld68ebP0h/Pmzav6DgEAAKaHKgWwm+37fvz6jv0dIy23te1u69rq7BIAAGCaqUoAa982f93+amwIAABgBqtCALu57/WB9NWydev6BU986Uull50/f/z7AwAAmJ7GH8BunjjaEWF2IQAAwAjGXwXxxvWOiGjZ+3fSFwAAQDnVKkPf+CXlDQEAAMoafwCbv6AlIrp/X6b4PAAAANUIYPMeWd8S0XH0hAQGAABQThWmIM7b/s7elujY8dS2dhkMAACgpCpUQdy37cfXG1uio2P/uvn7o6Vla2NjyYUX/F3rdg+LAQAAs9P4A9iN6/v3572FuaNjf0dHyYW3PtEaAhgAADA7VasKIgAAACMY/wjY2ta7d1ur0BIAAIAZzggYAABAQgQwAACAhIx/CuIQN2+WqkV/48SPX48nzm9fW+1dAgAATAtVCmA32/f9+PUd+0uXPxyw9Ynq7A8AAGD6qUoAa982f93+kReLaFlQjd0BAABMS1UIYDf3vZ5NX5m3MHd37+/oKPh3RLRsbXunda13gAEAALPX+Itw3DxxNJOw9t64e/58a2tr6zvrWyKio/GJ1tbW8+fv3r2xtyWiY//rJ0o9HQYAADAbjD+A3bjeEREte9/Znh3emvfI+paI6P79QOCat/1829aIjh0/bh/33gAAAKatapWhb/xS3uzCeV9qjIiO6zdyP1n7xNaI2P+BBAYAAMxeE/kesNwQWGQTWP5PAAAAZpnxB7D5CwrmG+b9LH8ILGP4TwAAAGaN8QewgfmGR/NLbGR+lp/Kbv6+e9x7AgAAmNaqMAVx7d/tbYno2DF/2bZ97QOJa2AILJfK2n+8oyMiWhbMH//+AAAApqdqPAM2b/urWyMiOvbvWDd/W3vejzp2zL/nnmXL7rkn857mlvWPeBEYAAAwa1WnCMfa1rs39m5tKfjR37Vtzfwr8yLmwkr1AAAAs0/VqiDO2956/u7dG21/l51kOG9t640bbVtbWlpaWlq27m27cV78AgAAZrXPVXdz89bmh6x589a2nl9b3T0AAABMVxP0HrCbN73wCwAAoFA1A9jN9n3bli2755577rln/vyBahzt2+7JK44IAAAwi1UrgN1s37Zs/rod+7MVN/J07N+xbv6yTB4DAACYvaoTwNq3zV+3vyMiomXr1oJyiPMXtLRERHTsX7dsn3EwAABgNqtGAGvflnnN19a2G3fPt7Zuf6Jx8LN528+fv9G2tSUiOnb82CgYAAAwi1UhgLV/sD8iWvbeaF1bvM78vLWt7+xtiYj9H0hgAADA7DX+AHbz990R0bL+kXJv+Zr3yHoJDAAAmOXGH8BuXO+IiMYvlX/L8rwvNZb9HAAAYMaboPeAAQAAMNT4A9j8BZVMLhx4UGzB/HHvDwDg/2/v/l0bO/cHj38Mge1vcYs4hhFIUwzDdouJzBQq5YRhCjNFFpxOxiyL7GLSOOW4ycDaYgsjwRYxbIrBRTATu9hC7A5WMBe2uEyGS6SLBhwFvn/Al8tW3kLyb9mWbfnxr9eruRnp+OgU95H01nPOcwDuqKsH2CCXd7Uqr2sR55+oCAAAcI8N4RTEvQKbnJjZ7HOnr9bmzERurhER+eVXxau/HAAAwB01jGvAsuXuKvON2mRuZGRi4vWHiIgPr2dmJiZGRvZv0bz8Y9n8FwAA8IB9NpS9ZMtbzZj5dq7WiGg0GhER0Wh0wysiIvLLzS35BQAAPGxDWwUxW65uNZsby6V8Pn/waD6fLy1vNHfVFwAAwHBmwHqy2WK5WiwPc5cAAAD3hvuAAQAAJCLAAAAAErnoKYitzZk3P1/+5Z68qroaDAAAeKAufA3Y7x9qh1Y3vKjSi2oIMAAA4GG6aIBlHz+N6AbYkeUOAQAAOMeFZ8ByT/K9Ams0orT8/auvillzWgAAAOe78CIc2fJWs7lRyucjolGbm8zlRkZGJmYqm63WNRweAADA/XGZVRCz2WJ1a2t3d7e5sVzKRxyU2MTETGVTiAEAAPRzpWXos8VydT/E8hHRaNTmJnMjSgwAAOCkodwHLFssV7e2dnebB1NiSgwAAOCYod6IOXtiSuxQic1UlBgAAPCgDTXA9p2cEotGbW5uMjezeS2vBwAAcAdcT4DtyUbEk6duFwYAABCXuA/YQFqtzV/evJ6rNY48ms+XXuSu5fUAAADugOEGWGuz8ub121rjSHjl86WX378qF92uGQAAeNiGEmB9J7x0FwAAwBFXCrB+E166CwAAoL/LBFi/CS/dBQAAcI4LB1irMpGb208v3QUAADCoCwdY8+NefeVLpacR8fHnNzM/D/rXT15Vy2INAAB4mC4aYK3fP+z9Z6N2bJn5AZReVEOAAQAAD9NFb8R8MAEGAADAhVx0BqxY3d2tXsuRAAAA3HMXnQEDAADgkgQYAABAIgIMAAAgEQEGAACQiAADAABIRIABAAAkIsAAAAASEWAAAACJCDAAAIBErinAWq3W9ewYAADgzhpmgLU2KzMTEyMjIyMjuVxuZjMiYnNmZGKmsinHAAAAhhVgrc2ZidzkXK3ROPFUozY3mZvo9hgAAMDDNZwA25zJTdYaERH5Umm5lD94Jvckn4+IaNQmJyrmwQAAgIdsGAG2OTNZi4gobTR3t6rV8ounB89ly1tbzY1SPiIac2/MggEAAA/YEAJs8+daROSXm9Vitu8G2WL1x+V8RNR+VmAAAMDDdfUAa/3+ISLyL7/qX19d2a9eKjAAAOCBu3qANT82IuLp47P6KyL7+OmZzwMAANx7bsQMAACQyNUDLPdkkJMLexeKPcld+fUAAADuqKsH2CCXd7Uqr2sR55+oeKbtpefPny9tn/JsZ22pXH7eU15a2+5c/pUAAACuwxBOQdwrsMmJmc0+d/pqbc5M5OYaEZFfflW89KtsLy3Wz3jy+exqvd3e+3e7vro4e2qrAQAA3IhhXAOWLXdXmW/UJnMjIxMTrz9ERHx4PTMzMTEysn+L5uUfy5ec/+psLz0/M78W6xGRmV5YWV9fX19fWZjORER9sbxmGgwAALg9hrMIR7a81Vwu5SMiotFoNLr/W6t1/ysi8svNrUvlV2d7bak8e0Z9RWftp3pEFBYqU+OjERExOj5VWShERPv9rwoMAAC4NYa2CmK2XN1qNjeWS/l8/uDRfD5fWt5o7l6yvtbKs4ur9XZkCgsrC4X+2/z6vh0Rhfz4kYfHX05nFBgAAHCrfDbMnWWzxXK1WB7mLiNTmP7m5dT4aGw3+j7/x06//ooYHXsU0W7v/BExOtQDAgAAuKShBtiwjU5V1qfO3qSz8ykiMmNfnHjmi7FMRPvTTifGFRgAAHAbXD3ANmdGJj+Ulr9/VS5eYY35xN69e3faU+2DxRRviz//dCIlpJPgTeDPjkENSV3fuP5rRER0DGpI5S8RcSu/sQ9uODNgjdrcZG0uIn/rQuyUcxC//vrrvpu/e/cuk8lc90EN7u//iIj4/HNzeJBC81NExPW+Cex8iIjPRw1qSOXf/hnXOa7//W8REaMGNaTyr48R1/1hfUG//fbbhba/+iIcuRel/WU3GrW57kr0M5V+twS7Af1OTgQAALgRVw+wbLG6tbW7210AsftQ4/aFGAAAwI0b3jL0xXI3xJob/UJss3U9ITY69ih6Jxoe010e8dGYcwIAAIBbYmgBtie7NyPW3Ni7NXM0GrXJXG5kZGKiMvQM+2IsExGfdo5f/Hr68ogAAAA3Y+gBtiebLZarW7u9cxO7jzUaH5vDfp3RL59lItqrb7ePPLz9drUdkXn2pQkwAADgtri2AIuIaG1WZia+nZyr9b+H8nB0Cyzqi+Wl7e40WGd7rbxYD/0FAADcLtdxI+ZWa/OXN6+PZlc+X/r+x1fF7DWsUD869d3CzuxivV1fnK0ferywUJnSXwAAwO0xzBmw1mZlZmJiZCSXO5j0yudLyxvN3d2treq11FdERIyOz68sTBcO7gaQKUyvrM+PX9PLAQAAXMowZsBam5XjE17XcE/m8fn19flTnx0dn5ofnzr9eQAAgBt39QDbnMlN1g7+OfTwAgAAuCeGdg1YvrT8/auvru80QwAAgLvu6gGWe7HRvJ7VNQAAAO6VqwdYtlgcwnEAAADcexcNsFZl5s3HiIgnr6rl7JFHBrH/VwAAAA/ORQOs+bFWq0VElF5UI3vkkUHs/xUAAMCDM8z7gAEAAHCGi86AFau7u9VzHgEAAKAPM2AAAACJXD3AWpWZmZmZSuv8rSYmJs7bDAAA4P66eoA1P9ZqtdrH5tlbZR9HrdFonLcZAADA/ZXqFMTW7x8SvRIAAMAtdYkbMW/OjEyeWHe+NjkywFr0+Se5i78eAADA/XCJGbBidaN0uRcrfe8uzAAAwMN1iRmwiOKrjVL83PvHhw+1RiPy+dLTp2f8yZMnL776qii/AACAB+xSARbZYrVa7P335kxtshFPvz94BAAAgD4uF2CH5Z6USqVwcRcAAMA5rh5g2XK1OoQDAQAAuO8uGmCtysybjxERT15Vuytq7D8yiP2/AgAAeHAuGmDNj7VaLSKi9KIa2SOPDGL/rwAAAB6cVDdiBgAAePAuOgNWrO7uVs95BAAAgD7MgAEAACQiwAAAABK5+jL0x7VardOfzGYtwQEAADxUQwqw1mblzeu5WuO87Uobu9XicF4SAADgjhlKgG3O5CYHXokeAADggRpCgLUqr3v1lS+VXj558fjx6dvmcld/PQAAgLvp6gHW+uVtI8LZhQAAAOe4+iqIzY+NiMgvv1JfAAAAZxnWMvRPH1veEAAA4ExXD7Dck3xEfPj9jMXnAQAAGEaAZb96mY9ovP1FgQEAAJxlCKcgZss/LuejMfftzKYGAwAAONUQVkGszLz5+DQfjUZtMleLfL709OmpGz95VS27WAwAAHiYrh5gzY+12qG7MDcatUbj1I1LL6ohwAAAgIdpWKsgAgAAcI6rz4AVq7u71SEcCQAAwD1nBgwAACARAQYAAJDI1U9BjGi1Blx+Ppu1AAcAAPBwXT3ANmdyk7XzNzskny+9/P5VuajGAACAB+UmTkFsNGpzk7mRiYr7NgMAAA/J1QMs92pjY2M5v/fPfKm0vLFnuVTK7z++vLGxsbG8XCrlu4815nIzm1d+eQAAgLvi6qcgZrPF5pvJRkTkl5tb5SPnFRaLxXK12tqcyU3WanM/v9itlovFKEfvoai9rrwqlp2KCAAAPAhDOAVxc2ay1q++9mWL1eZyPqI2uT/jlS1WN0oR0Xj7i/MQAQCAB+LqAdb6/UNE5F9+ddZEVvarl/mI+PD7QW7lnuQjovGxeeUjAAAAuBOuHmDNj42IePr47BMJs4+fxtHc6j4CAADwYAxrFcTDc1v9dOfJAAAAHrCrB1jxRSkiGnNvzlrRcPPNXCMiSi+KBw/9XIuI/JPclY8AAADgThjCDFi3wKI2OTGz2W8arLU5M9G9VfN+f+0/dM6lYwAAAPfI1ZehjyhWN0q1yVo0apO5WuTzpad7V3d9+PCh0Wj0/lHaqBYjYnNmpJtjob8AAIAHZRgBFlGsNjfi28laIyIajdp+c+3LL2/8WC4ee6y0cdrC9QAAAPfQsBbhyBarW7vN5sZyKZ/PHzycz5eWN5rN3a1ycS+1ck9KpeXljebuVrXYd1cAAAD303BmwHqy2WK5Wiyfs1G5Wh3miwIAANwRw5oBAwAA4BxDDbBWa7MyMzExMdIzMTExMVPZbJ19izAAAICHYWinILYqE7m5Y4tvNBqNaDQma3ORX25acAMAAHjghhNgR+orn88/7S5Ef7AKfWMuNxEaDAAAeNCGEWCtyrfd+uouNn8sslqblW8n5xrRmPu28pUEAwAAHq4hXAO2+WauEdE9y/B4fUVEtljeai7nI6Ix92bz6i8HAABwR109wFq/f4iI/PKPZ0xuZcs/Lucj4sPv1uMAAAAerKsHWPNjIyKePj773MLs46cR0fjYvPLrAQAA3FHuAwYAAJDI1QMs9yQfEbWfz768a/PnWkTkn+Su/HoAAAB31NUDrHtyYdReV06/vqtVeV2LOP9ERQAAgHtsCKcgFl/11jjMTcxsto5XWKu1OdO7SVh++VXx6i8HAABwRw3jPmDZ8o/Lb3NzjWjUJnO1iMjn891nerdhjojz1kkEAAC494YRYBHZ8lbz8cy3k7Vubx3uroiIyJc2fqz2uUcYAADAAzKcAIuIbLG6tfuqtfnLm5/ffviw9+jTpy9fvPqqmNVeAAAAQwuwiIjIZovlarE81H0CAADcE+4DBgAAkMiVA6zVOrHwYffxysTETOXkqogAAAAP1RUCrLU5MzEykst9+0ufyGr98rbRqM1N5nIjEzObKgwAAOCyAdbanJnI9RY9bHxsntzg0EON2mRu4oy7NAMAADwMlwqwzZm9+IrIlzZe5U5uUixv7e42N0p7NwSby81sXvYYAQAA7oVLBNjmzGSt+1/55ebuVvX0ReazxepWc7nXYLVJCQYAADxoFw6wVuX1fn79WD7//l7Z8o/7CfbaiYgAAMADdtEAa/3ytnfuYen7AfIrIiJb/r7U/a/G237rdQAAADwMFw2w5se9a7+e9Lny6xS5J3uXgvVbrwMAAOBhuPQy9E8fDzb/FRGRffz0si8DAABwb1z5RswAAAAM5qIBtn824YffB7+cq/X7h+5/XOS8RQAAgHvmogG2fzbhBRbUOFi44yLnLQIAANwzFz4FsfjioksaHvSXCTAAAOAhu/g1YAcFNvftAPf12pzJzV104XoAAID76BKLcBSrG/sJlpuY2Tw1wlqblZmJyd5tmyO//Kp4iQMEAAC4Lz67zB8Vq83lD92JrUZtMleLyJeWX754/Hhvg99//vltrdY49CeljS3TXwAAwMN2qQCLyJa3mjHz7dxeZDVqc43aKdvmS8s/VtUXAADw4F3+PmDZcnWrubFcyp++ST5f2mg2t9QXAABAXHoGrCdbLFeL5Wq0WpvN5u+///zxY0Q8efLi8eNcrpiVXQAAAIdcLcD2ZLPFbLZYtMgGAADA6S5/CiIAAAAXIsAAAAASEWAAAACJCDAAAIBEBBgAAEAiAgwAACARAQYAAJCIAAMAAEhEgAEAACQiwAAAABIRYAAAAIkIMAAAgEQEGAAAQCICDAAAIBEBBgAAkIgAAwAASOSzmz6AW6fdbt/0IRz355+dmz4EeEASvAn82TGoIanrG9d/jYiIjkENqfwlIm7lN/bBCbDjMpnMTR/Cgb//IyLi889Hb/pA4EFofoq47jeBnQ8R8fmoQQ2p/Ns/4zrH9b//LSJi1KCGVP71MeKWfWP/7bffLrS9UxABAAASEWAAAACJCDAAAIBEBBgAAEAiAgwAACARAQYAAJCIAAMAAEhEgAEAACQiwAAAABIRYAAAAIkIMAAAgEQEGAAAQCICDAAAIBEBBgAAkIgAAwAASESAAQAAJCLAAAAAEhFgAAAAiQgwAACARAQYAABAIgIMAAAgEQEGAACQiAADAABIRIABAAAkIsAAAAASEWAAAACJCDAAAIBEBBgAAEAiAgwAACARAQYAAJCIAAMAAEhEgAEAACQiwAAAABIRYAAAAIkIMAAAgEQEGAAAQCICDAAAIBEBBgAAkIgAAwAASESAAQAAJCLAAAAAEhFgAAAAiQgwAACARAQYAABAIgIMAAAgEQEGAACQiAADAABIRIABAAAkIsAAAAASEWAAAACJCDAAAIBEBBgAAEAiAgwAACARAQYAAJCIAAMAAEhEgAEAACQiwAAAABIRYAAAAIkIMAAAgEQEGAAAQCICDAAAIBEBBgAAkIgAAwAASESAAQAAJCLAAAAAEhFgAAAAiQgwAACARAQYAABAIgIMAAAgEQEGAACQiAADAABIRIABAAAkIsAAAAASEWAAAACJCDAAAIBEBBgAAEAiAgwAACARAQYAAJCIAAMAAEhEgAEAACQiwAAAABIRYAAAAIkIMAAAgEQEGAAAQCICDAAAIBEBBgAAkIgAAwAASESAAQAAJCLAAAAAEhFgAAAAiQgwAACARAQYAABAIgIMAAAgEQEGAACQiAADAABIRIABAAAkIsAAAAASEWAAAACJCDAAAIBEBBgAAEAiAgwAACARAQYAAJCIAAMAAEhEgAEAACQiwAAAABIRYAAAAIkIMAAAgEQEGAAAQCICDAAAIJHPbvoAhmJ76flivc/jhYX1+fHkRwMAANDXvZgB6+x8uulDAAAAONe9mAH7Y6cdprsAAIDb7j7MgG036hGRGfvipg8EAADgLPcgwLonIGaefTl600cCAABwlntwCuIfO+2IzLOxP9aWflittyMiMpnCN9/NjysyAADgNrn7M2DdCbD26uJir74iot2uL84+X9q+wcMCAAA47u7PgHVX4IjIFBZ6k16dztrbH1br7fpieWylMtVvHuzdu3en7a/dbp/21E3588/OTR8CPCAJ3gT+7BjUkNT1jeu/RkREx6CGVP4SEbfyG/vg7nyA9ZagLyxU9pdAHB2dmq+MxfPFevv9r52pfgX29ddf993bu3fvMpnMNR3qJfz9HxERn3/uZEpIofkpIuJ63wR2PkTE56MGNaTyb/+M6xzX//63iIhRgxpS+dfHiOv+sL6g33777ULb3/lTEEenKuvr6ycXoB/PFyKi/f5XP0kBAAC3xJ0PsFN9MZaJiPbOHzd9IAAAAF33N8C63B0MAAC4Ne56gHXWys+fP++34GF3cY5HY07KBgAAbom7HmCjY48iIuqNYwXWWfupHhGF/PFrwwAAAG7KXQ+wGH85nYmI+mJ5abu33kZne6k8u9qOyEy/1F8AAMCtceeXoY/Rqe+m38+uttv1xdn64ScKC9/1vQcYAADAzbjzM2DRXYl+ZaFwcDeATKawsLLevSszAADAbXH3Z8C6RsfnK+PzN30UAAAAZ7gPM2AAAAB3ggADAABIRIABAAAkIsAAAAASEWAAAACJCDAAAIBEBBgAAEAiAgwAACARAQYAAJCIAAMAAEhEgAEAACQiwAAAABIRYAAAAIkIMAAAgEQEGAAAQCICDAAAIBEBBgAAkIgAAwAASESAAQAAJCLAAAAAEhFgAAAAiQgwAACARAQYAABAIgIMAAAgEQEGAACQiAADAABIRIABAAAkIsAAAAASEWAAAACJCDAAAIBEBBgAAEAiAgwAACARAQYAAJCIAAMAAEhEgAEAACQiwAAAABIRYAAAAIkIMAAAgEQEGAAAQCICDAAAIBEBBgAAkIgAAwAASESAAQAAJCLAAAAAEhFgAAAAiQgwAACARAQYAABAIgIMAAAgEQEGAACQiAADAABIRIABAAAkIsAAAAASEWAAAACJCDAAAIBEBBgAAEAiAgwAACARAQYAAJCIAAMAAEhEgAEAACQiwAAAABIRYAAAAIkIMAAAgEQEGAAAQCICDAAAIBEBBgAAkIgAAwAASESAAQAAJCLAAAAAEhFgAAAAiQgwAACARAQYAABAIgIMAAAgEQEGAACQiAADAABIRIABAAAkIsAAAAASEWAAAACJCDAAAIBEBBgAAEAiAgwAACARAQYAAJCIAAMAAEhEgAEAACQiwAAAABIRYAAAAIkIMAAAgEQEGAAAQCICDAAAIBEBBgAAkIgAAwAASESAAQAAJCLAAAAAEhFgAAAAiQgwAACARAQYAABAIgIMAAAgEQEGAACQiAADAABIRIABAAAkIsAAAAASEWAAAACJCDAAAIBEBBgAAEAiAgwAACARAQYAAJCIAAMAAEhEgAEAACQiwAAAABL57KYP4NZpt9s3fQjH/fln56YPAR6QBG8Cf3YMakjq+sb1XyMiomNQQyp/iYhb+Y19cALsuEwmc9OHcODv/4iI+Pzz0Zs+EHgQmp8irvtNYOdDRHw+alBDKv/2z7jOcf3vf4uIGDWoIZV/fYy4Zd/Yf/vttwtt7xREAACARAQYAABAIgIMAAAgEQEGAACQiAADAABIRIABAAAkIsAAAAASEWAAAACJCDAAAIBEBBgAAEAiAgwAACARAQYAAJCIAAMAAEhEgAEAACQiwAAAABIRYAAAAIkIMAAAgEQEGAAAQCICDAAAIBEBBgAAkIgAAwAASESAAQAAJCLAAAAAEhFgAAAAiQgwAACARAQYAABAIgIMAAAgEQEGAACQiAADAABIRIABAAAkIsAAAAASEWAAAACJCDAAAIBEBBgAAEAiAgwAACARAQYAAJCIAAMAAEhEgAEAACQiwAAAABIRYAAAAIkIMAAAgEQEGAAAQCICDAAAIBEBBgAAkIgAAwAASESAAQAAJCLAAAAAEhFgAAAAiQgwAACARAQYAABAIgIMAAAgEQEGAACQiAADAABIRIABAAAkIsAAAAASEWAAAACJCDAAAIBEBBgAAEAiAgwAACARAQYAAJCIAAMAAEhEgAEAACQiwAAAABIRYAAAAIkIMAAAgEQEGAAAQCICDAAAIBEBBgAAkIgAAwAASESAAQAAJCLAAAAAEhFgAAAAiQgwAACARAQYAABAIgIMAAAgEQEGAACQiAADAABIRIABAAAkIsAAAAASEWAAAACJCDAAAIBEBBgAAEAiAgwAACARAQYAAJCIAAMAAEhEgAEAACQiwAAAABIRYAAAAIkIMAAAgEQEGAAAQCICDAAAIBEBBgAAkIgAAwAASESAAQAAJCLAAAAAEhFgAAAAiQgwAACARAQYAABAIgIMAAAgEQEGAACQiAADAABIRIABAAAkIsAAAAASEWAAAACJCDAAAIBEBBgAAEAiAgwAACARAQYAAJCIAAMAAEhEgAEAACTy2U0fwLB01pZybyNVAAAM4UlEQVR+eF9vtyMiIlOY/ubl1PjoDR8TAADAYfdjBmx76fns6l59RUS7vro4u7R9k4cEAABw3H0IsO2lxXpEZKYXVtbX19fXVxamMxFRXyyvdW762AAAAPbd/QDrrP1Uj4jCQmXvnMPR8anKQiEi2u9/VWAAAMCtcecDrPPr+3ZEFPLjRx4efzmdUWAAAMCtcucD7I+dfv0VMTr2KCLaO3+kPyQAAIC+7voqiJ2dTxGRGfvixDNfjGUi2p92OnHnV0P835/e3vQhAMP0P/7v/7npQwCG6V//67/d9CEAd8ZdD7BLevfu3WlPtQ8WU7x5//E/TP79/23c9FHAw3KtbwL/eezp/9z5cH37B/q6xnH9n/7rX//2369r58ApbtU39ou67wHW3vkj4uQM2Ndff91383fv3mUymes+qAvJxH+56UMAhun7W/YmA1xVxvQXpHarPkp/++23C21/568BO0e/kxMBAABuxH0PMAAAgFvjrgfY6YsddpdHfDR211fgAAAA7o27HmDdxQ7j087x+32dvjwiAADAzbjzATb65bNMRHv17faRh7ffrrYjMs++NAEGAADcFnc+wHoFFvXF8tJ2dxqss71WXqyH/gIAAG6Xe7AM/ejUdws7s4v1dn1xtn7o8cJCZUp/AQAAt8fdnwGLiNHx+ZWF6cLB/QAyhemV9fnxGzwkAACAE+7BDFhERIyOT82PT83f9GEAAACc7l7MgAEAANwFAgwAACARAQYAAJCIAAMAAEhEgAEAACQiwAAAABIRYAAAAIkIMAAAgEQEGAAAQCICDAAAIBEBBgAAkIgAAwAASESAAQAAJCLAAAAAEhFgAAAAiQgwAACARAQYAABAIgIMAAAgEQEGAACQiAADAABIRIABAAAkIsAAAAASEWAAAACJCDAAAIBEBBgAAEAiAgwAACARAQYAAJCIAAMAAEhEgAEAACQiwAAAABIRYAAAAIkIMAAAgEQEGAAAQCICDAAAIBEBBgAAkMhnN30At867d+9u+hAAAID7yQwYAABAIiO7u7s3fQwAAAAPghkwAACARAQYAABAIgIMAAAgEQEGAACQiAADAABIRIABAAAkIsAAAAASEWAAAACJCDAAAIBEBBgAAEAiAgwAACARAQYAAJCIAAMAAEjks5s+ALiC7aXnP33KPHr0bCz/5dT4aP+NOttrvzZ23n+qP/pmfX58qK/fWSvPrrYz0yuVqVNeHLiaTmf717c/va+3270HMpnCs29e9hnw543H7aXni/UoLFzkfaD7N8Y43AbdMX7uZgMP2Mu8J8BQCDDuuHa73W63o74zdso76PbbxdV6REQ8SnlcwJX1/brVbtfbi/XVTGH6u3lVBMDdI8C4+zKZTLtdb2zPj/cpsO1GvbvB+T+aAbfI9lJ5sd6OiExh+puXX46PdmOrOyO2Wm/XV2c/hZkpeDhGpyrrU4cfMIXFXeUaMO6BR48yEfXGdp+nthv1yDx79ij1IQFXsr20WG9HZKZX1ivzU3v1FRGjo+NT85WVhUImor06u9Rv3APALWYGjHtgLP8sU+87B7bdqEdm+suxndWjD/e7rqN3ttPhn9I620s//LR/7Ukmk3n0zXfzp11rdmQvR/fd2V57+9NqfW8/hel+V7B0tpd+6P7gH5nCwnfzX/za74KWzvbaoethMplC/yMacDO4nTprP9UjorBw2gTX6Pj8d9OfZlfb9Z/WXo6fOgvWdzwefv7IQDnj+rKIztrSD6t7A7Tf2Y/nDfOD3+q/2N/VwZ4Odp/JTH/z3bFDuMBxAhEx+Af9YYN96BuPXJ0ZMO6DL7581ncObLtRj3g0drk3xc5aeXaxfujUxXa7XV+cfX7GL+573/aOfG3cXirPLu5/LYuIdn11cbZ8dDe9F9vfYnG2/Han/yGtHjqmdrt+YlcDbwa3VefX9+2IzPTLs04rGp36phAR7fe/dk7ZS7/xeMje0Dx0enK7XV9d7DOrtvO2PLt6aICuzpbXjrzqQMO8u6u1Q7vq7Wl76fmhx9qriz8c3vsFjhO4tME+9I1HhkKAcS+M9i2w7UY9opC/1KnhnbUfVtsRmemFlfWelYXpTETUf1rr/31ve2l2tR1RWKgc/LLWWetexpIpTK+s7O2mkIlo1xcPvsH1Xmz/1VYWCpl2/dCXucP7zxT2D6l7RO364uE3/gE3g1ur21/n/3Yynj+jwPqNx6PP985xPBji6ysLhYg+Y7xdr7cPj86IaK++3R9Ogw3zrvrqahT29jTd3dPsYj1z/LH9vV/kOIHLGuxD33hkSAQY90OfAuuexHTJ/oo/dtoRkXn25cFJBaPjU5X19fX1vr+md9bKi/WIzPTK4W97vS+ShYXK/NTeRSyj4/OVhUIc+o51sFXvFIbR8fnvpjPHX2DvnKyD8yFGx6cqK9OZw2/8A24Gt1hv9I19cd6GX4xlIqK988fxJ/qPx8O2G/WIyEwfOdlvdPzldN89ZqZXDo3ObwoREZ929gbdQMP8YFd7pzSNjn/5LHPisamje7/YcQKXNNCHvvHIsAgw7onRsUdxpMC6X4ou21973+xWf1ja7pwfLd0f209caLL3xezEQXR/ue99x+p7ulXv9Kpju+pzTlY3PfcmAQbcDG6/y548fOp4PGJ8/tAXq06ns729tra0dNpNho4ey9HuG2yY78k8+/LQF7exRyceu9JxApc00Ie+8ciwWISD+2I8X4h6fX8ljiv2V4x++Syz2m5Hu744W4+IyBSmn/W/3XN7dXax/05O/yG/e7TtnT8iRrtbnfi2+cVYJuLYm3p7dfb50fVE9p/Z+SNi9GKbwW32aacTl7iq/fTxeMKhhW/OduZk3GDDfMBD6mvg4wQua+APfeORYTADxr3R/bm5Nwd21f6KGJ2qrCwUMvsnArbrq6uLs8+fl5e2T/44lil018T+od8pfpf/If+Q7pe8YW0Gt9mpZxYed0r7nDke9xxZ+CaTyRQK09MLKyvHz/0d1KDD/MJvB0M+TqC/gT70jUeGxAwY98ehObAvrtxfEd3LOMbnIzrba7823vfWnG3XF38YO3pqU2GhMj/eGfs0u9pefbs9dfyik8F+yB9oq7NPqrroZnA79X6KPndM9K7HOHYC3znjsWtv4ZvCwsqRRaY7JxcfHcwl5+vOM/TjBE513oe+8cjQmAHjHtmfA7v6/NcRo+NTU/OVysEKZUevpOr+/t67aOvIUoOn/5Df++Y49sX+ViccncwacE5g4KkDuMV6lyweX7/iqN6CM8f76/TxeFhv7mz65bFousQc8mDD/JKGeJzAgE770DceGRoBxn3S/Sb0qfH2nP7q942pdyX93r/Wys+fPz9+z6+DVcv6GZ9fKMSRpQa7XyNPu0HZ3tlI/b9s9jbZf+nerk6uY7i99Pz58+e9xa4H3Axut/1+6nvKb3Qvw+j+FP3NKZO9J8fjAPaG3dGFM8451oGG+XBd5jjhYTn/g/6wy3zo7zEeuTgBxn3SS5l6/Zz5r97aY/XF3pe7zvbasVWM9r5TLZbXDr7/dbZ7px+c9o2quxbtoUtPDnaztNZbV6nTWVsqL3ZXsu2tVXjoxXrbbPc2OXxEvbvOrs4eOqT9Dfe/hQ64Gdxy4/MrvdvXzZaX1g4tS9bpbK8t9S7DyBQWTltmPvqMx0P2Vjx7e2iUrJWfHx92AxlsmF/OMI8THpTzP+iPbD3Ih77xyNC4Box7ZW8Zo/NO+xl/OZ2pr7Zjb7WjiCgsLMTiwdvo6NR30+9nV9vt1cXZowsKnvWdb++v9i89GZ2qLOyUF+vt+upsffXoXg4u0zp4sYPVCzOFQhy9F/P4/ELh02L95CEdPaIBN4NbbnSqshJLP6zW2/XVxfqJZT0zhenv5s/+QeHEeDz81DeF1cX64beAiIjM9MKz94ur7YutXDjYML+UoR4nPCjnf9AfNsiHvvHI0JgB437p/Yh15o11Irrf7aYLe2cWZAoLJ+/XOjpVWVmYPrQkUmQyhemFlcqZFXPy0pPx+e5+DnbTZy+95ZcOHU8lf3wN+oNd7e+r/xENuBncdqNT85WVY8Ow93/n9co59dXbwamXgo3PHxmXmUxhYWW9MjXe/dX8oucSDTTML2W4xwkPyAAf9Mc3P+9D33hkSEZ2d3dv+hiAPraXni/Wo7CwrpsAAO4NM2Bw0/pf+zuEBdQAALhtBBjctONXCkdEZ3tpsd8K2wAA3G1OQYSb19lemu1zWbD7KQMA3DcCDG6Fzvba25/e19vdhTcymcKzb15OjasvAID7RYABAAAk4howAACARAQYAABAIgIMAAAgEQEGAACQiAADAABIRIABAAAkIsAAAAASEWAAAACJCDAAAIBEBBgAAEAiAgwAACARAQYAAJCIAAMAAEhEgAEAACQiwAAAABL5/4oUFU6xVhj+AAAAAElFTkSuQmCC"/>
           <p:cNvSpPr>
             <a:spLocks noGrp="1" noChangeAspect="1" noChangeArrowheads="1"/>
           </p:cNvSpPr>
@@ -5809,8 +5816,8 @@
         </p:nvSpPr>
         <p:spPr bwMode="auto">
           <a:xfrm>
-            <a:off x="0" y="182676"/>
-            <a:ext cx="3135817" cy="5210206"/>
+            <a:off x="0" y="382791"/>
+            <a:ext cx="3146221" cy="5072435"/>
           </a:xfrm>
           <a:prstGeom prst="rect">
             <a:avLst/>
@@ -5840,12 +5847,25 @@
             </a:pPr>
             <a:r>
               <a:rPr lang="en-US" dirty="0" smtClean="0"/>
-              <a:t>We also need to see the progress of </a:t>
-            </a:r>
-            <a:r>
-              <a:rPr lang="en-US" dirty="0" smtClean="0"/>
-              <a:t>individuals</a:t>
-            </a:r>
+              <a:t>Program directors need </a:t>
+            </a:r>
+            <a:r>
+              <a:rPr lang="en-US" dirty="0" smtClean="0"/>
+              <a:t>to monitor </a:t>
+            </a:r>
+            <a:r>
+              <a:rPr lang="en-US" dirty="0" smtClean="0"/>
+              <a:t>the focal </a:t>
+            </a:r>
+            <a:r>
+              <a:rPr lang="en-US" dirty="0" smtClean="0"/>
+              <a:t>group over </a:t>
+            </a:r>
+            <a:r>
+              <a:rPr lang="en-US" dirty="0" smtClean="0"/>
+              <a:t>time.</a:t>
+            </a:r>
+            <a:endParaRPr lang="en-US" dirty="0" smtClean="0"/>
           </a:p>
           <a:p>
             <a:pPr marL="0" indent="0">
@@ -5859,15 +5879,15 @@
             </a:pPr>
             <a:r>
               <a:rPr lang="en-US" dirty="0" smtClean="0"/>
-              <a:t>Tulsa </a:t>
-            </a:r>
-            <a:r>
-              <a:rPr lang="en-US" dirty="0" smtClean="0"/>
-              <a:t>county trajectories are in </a:t>
-            </a:r>
-            <a:r>
-              <a:rPr lang="en-US" dirty="0" smtClean="0"/>
-              <a:t>orange.  The others are primarily for context.</a:t>
+              <a:t>De-emphasized programs provide </a:t>
+            </a:r>
+            <a:r>
+              <a:rPr lang="en-US" dirty="0" smtClean="0"/>
+              <a:t>meaningful reference </a:t>
+            </a:r>
+            <a:r>
+              <a:rPr lang="en-US" dirty="0" smtClean="0"/>
+              <a:t>points.</a:t>
             </a:r>
             <a:endParaRPr lang="en-US" dirty="0"/>
           </a:p>
@@ -5875,7 +5895,7 @@
       </p:sp>
       <p:pic>
         <p:nvPicPr>
-          <p:cNvPr id="2" name="Picture 1"/>
+          <p:cNvPr id="6" name="Picture 5"/>
           <p:cNvPicPr>
             <a:picLocks noChangeAspect="1"/>
           </p:cNvPicPr>
@@ -5889,7 +5909,7 @@
         </p:blipFill>
         <p:spPr>
           <a:xfrm>
-            <a:off x="3135817" y="0"/>
+            <a:off x="3146221" y="0"/>
             <a:ext cx="9037622" cy="6858000"/>
           </a:xfrm>
           <a:prstGeom prst="rect">
@@ -5900,7 +5920,7 @@
     </p:spTree>
     <p:extLst>
       <p:ext uri="{BB962C8B-B14F-4D97-AF65-F5344CB8AC3E}">
-        <p14:creationId xmlns:p14="http://schemas.microsoft.com/office/powerpoint/2010/main" val="976041723"/>
+        <p14:creationId xmlns:p14="http://schemas.microsoft.com/office/powerpoint/2010/main" val="2876664210"/>
       </p:ext>
     </p:extLst>
   </p:cSld>
@@ -5993,7 +6013,34 @@
             </a:pPr>
             <a:r>
               <a:rPr lang="en-US" dirty="0" smtClean="0"/>
-              <a:t>Some nurses were more comfortable starting with tables than graphs.</a:t>
+              <a:t>We also need to see the progress of </a:t>
+            </a:r>
+            <a:r>
+              <a:rPr lang="en-US" dirty="0" smtClean="0"/>
+              <a:t>individuals</a:t>
+            </a:r>
+          </a:p>
+          <a:p>
+            <a:pPr marL="0" indent="0">
+              <a:buNone/>
+            </a:pPr>
+            <a:endParaRPr lang="en-US" dirty="0" smtClean="0"/>
+          </a:p>
+          <a:p>
+            <a:pPr marL="0" indent="0">
+              <a:buNone/>
+            </a:pPr>
+            <a:r>
+              <a:rPr lang="en-US" dirty="0" smtClean="0"/>
+              <a:t>Tulsa </a:t>
+            </a:r>
+            <a:r>
+              <a:rPr lang="en-US" dirty="0" smtClean="0"/>
+              <a:t>county trajectories are in </a:t>
+            </a:r>
+            <a:r>
+              <a:rPr lang="en-US" dirty="0" smtClean="0"/>
+              <a:t>orange.  The others are primarily for context.</a:t>
             </a:r>
             <a:endParaRPr lang="en-US" dirty="0"/>
           </a:p>
@@ -6001,7 +6048,7 @@
       </p:sp>
       <p:pic>
         <p:nvPicPr>
-          <p:cNvPr id="8" name="Picture 7"/>
+          <p:cNvPr id="2" name="Picture 1"/>
           <p:cNvPicPr>
             <a:picLocks noChangeAspect="1"/>
           </p:cNvPicPr>
@@ -6026,7 +6073,7 @@
     </p:spTree>
     <p:extLst>
       <p:ext uri="{BB962C8B-B14F-4D97-AF65-F5344CB8AC3E}">
-        <p14:creationId xmlns:p14="http://schemas.microsoft.com/office/powerpoint/2010/main" val="2141857561"/>
+        <p14:creationId xmlns:p14="http://schemas.microsoft.com/office/powerpoint/2010/main" val="976041723"/>
       </p:ext>
     </p:extLst>
   </p:cSld>
@@ -6076,30 +6123,6 @@
           </a:p>
         </p:txBody>
       </p:sp>
-      <p:pic>
-        <p:nvPicPr>
-          <p:cNvPr id="3" name="Picture 2"/>
-          <p:cNvPicPr>
-            <a:picLocks noChangeAspect="1"/>
-          </p:cNvPicPr>
-          <p:nvPr/>
-        </p:nvPicPr>
-        <p:blipFill>
-          <a:blip r:embed="rId2"/>
-          <a:stretch>
-            <a:fillRect/>
-          </a:stretch>
-        </p:blipFill>
-        <p:spPr>
-          <a:xfrm>
-            <a:off x="3135839" y="0"/>
-            <a:ext cx="9037622" cy="6858000"/>
-          </a:xfrm>
-          <a:prstGeom prst="rect">
-            <a:avLst/>
-          </a:prstGeom>
-        </p:spPr>
-      </p:pic>
       <p:sp>
         <p:nvSpPr>
           <p:cNvPr id="6" name="AutoShape 2" descr="data:image/png;base64,iVBORw0KGgoAAAANSUhEUgAABIAAAASACAIAAAAIyqENAAAACXBIWXMAAB2HAAAdhwGP5fFlAAAgAElEQVR4nOzdXXCU950v+J+3crFTs1VbdTZIluRUhTqQHYMIGmQXdUTNOAwvBvwyvvCSFAQckwTKczwFNh57PHZyEZskJCaGis+4RBKIwaYSyqfWB4OEeQn2TKFZCkREEHgqcIpUBalRy7tbezE15469aHWrW+putaTWo7fP5wqrn5f/86L2/6v///k999y9ezcAAACYeP/TZDcAAABgthDAAAAAEiKAAQAAJEQAAwAASIgABgAAkBABDAAAICECGAAAQEIEMAAAgIQIYAAAAAkRwAAAABIigAEAACREAAMAAEiIAAYAAJAQAQwAACAhAhgAAEBCBLAK3bzZvm/bsmXL7smzbNmybfvab96c7LaNX/u27CHtq/RoxrDK5Lp5s33ftpl7CWeQm/uy12hb+2S3pYiZ/VUAAEw4AWxEN9u3Lbvnnvnz1+3Y39HRkf9JR0fH/h3r5s+/Z9m29pnb9cp0N6dJyirqZvu+bcsyV7DkJZzYazj9zyExq74K3LEAMHEEsLJu7lt2z/x1+ztGWKxj/7r5y6bkX+vHKXP8O0Y8AVPXzfZtyyo6go796+ZPyGje9D+HxKz6KnDHAsDEEsBKu7lv2fwdg52Qlq17227cuHE358aNtr1bW7Ifd+xfNzVnTFVibevAMZ3fPi//5zeul+yElVplKrm5b1lBn7nEJcxdw+jYMb/qGazMOWSamEVfBeGOBYCJJoCV0r5tsMvVsrXtxt3zrdvXzpuXFzbmzVu7vfX83RttW7M/2b9uOve7Zpr8K1j2Ep6/0bZ3sPc8ARmMac1XAQBQTQJYce3b1u0f+GfL3hvnW9eWHuWZt7b1Rq7/vv91nfepIe8Kxta2kS7h9vN3BzvPHTt+rPPMAF8FAEB1CWDF3Nz3+mCf652Rp9jN2/5Ott/VcfSEbtfkK7iCN8p1mnMKOs/GL4gIXwUAQPUJYEXcPHE0O+No66uVPeE075H1W1tatm7d2/bqI0VXuHmzvbB0daZu9QgNKVxpWa7EWqka8LmfD+SHTC2zkfc5bHsDlcBzf/vv2DF/yA6HrlJh7fBy1euHtLaiU1TcGK5gRMzb/urgFLIPCo5ixKL7RQ5/5HNYsIExHPyobqrsIeQuccEOh685/N4Zocx69S5f0cMs3Ozw7Vb0XoShvyAj7nqyvwrGcuMVrjiKr4IR7tgJOcMAMBvdZajBgZDY2lblDQ7TsrXtRvGV2rYWX6tl743B6XItewvWzv18a9vdUusPWyl/vexHJZucW3d4E/J3Xkqphpc82nKnqKSxX8FSa5Zqd5EVc+uNfA5zC5Y5+BL7G/1NlT2Elr03Sq6cu/zlbr5ijZmgy7e1rXRTtw5tyojXqLJbtHhLJuurYCw3XuGKo/gqGOmOnYAzDACzkRGw4QaLgLUsmD/urbVvuye/gNpQHfvXFSv60L6tZMnrjh3zt30w0l67X19WumR2x46nJuLxlLVPDHS+howe5Wn/YOCP6y3r80YHhhYrHKJj/7r5o/tz+uAV3PrE2tGsGPO+1Jj9Z/fvE5lAdnPfsvllKn4Xrwkytpsq68S2Uit37Ji/rf1m2Ztv+K1T9cuX54PSTd0/9Mys/buB/FBy7l/u9qv0tpgKXwXjVcWvggk4wwAwK012Apx6qvpX78HKDgPFq7M7KRwzKDWQFYV/Fx8+0FBmxSF7HLJyiT+Xl9peBYNmd0f+83fRz/P/7N6ytW2wunfhOSr9R/dhBrc4ipWGtbGgkWMeiBhh1cKDL3W1yt4eY7mphq7Ylt+MlmGXouDzIQdY/cs3fCCmpeRtXGIEp+jeSl+iChoy6V8FYx4BG77Hsl8F5fdZ7TMMALOSADbMYM9lDN33QnkduKK977xOUl6PpaDbN2ytGwU9q3Jd8yJ7LHVsVQpgI3QXi+av4oGn8s/LrjKuAFb5gd0dawAr39LiQXJsN9WI90a526pMUyfg8g0JYEXWK3mM5fLBGNLBpH8VVCmAjearYIR9VvkMA8CsZAriBGr/cXbCUfECavPWtub6OoPT9gaf+9/aVqR8X/5K5RStGZCbJRgd129UsJHRKjdHabCeXN70pLwftrUWnbQ0eLilZzZOV7kJW8Wv1mBRkLzTObabqlCxvQ3eGsU3nPf5oIm/fEW3W/IY5z2yvtT9l/drNQmz46px1casml8FU/YMA8A0IoANM39B6efkR+Xm77sH/lW6gNpgNyjb7aqgG1O0LzxEiZWrdnAllO6fFT+u3EM2ZfpsucNN6KmsxAw+Ebf374of/drWgT+UnM/eQGO7qQqN1D9u/FKxDedunbwO+0RfvpInJu8YCzZb8v4bUzqY5K+CKqnuV0F1zzAAzEoCWBnjHCXK9U7LPcA/rCNZyVojJ7Bq1AwYk1L9s1z3rKBPPdgx3b/unpKyZbErvR5V6jcXzyETYRR7GttNVWCke6Pye2diLl+eMiemWB6MkvffeNPBpHwVVEe1vwom6AwDwCwigA2TfCG84pLr/1dVbt5cQf9sMH+tL/5ypIpUeD0Gr+Do+82DmWLCM+zgrmaJUf86lbsEeb+mhT8vdv8Vj/8jmipfBVNLNc8wAMxKAthwgwMoo+q/39y3bNmybdv2tVfl5bPTWPYv+Xn9s+rkr4oNXsHRzubKe/HuNA3As0Xp+Dr8/hvz7eeroKgqnmEAmI0EsOFyc2xG1X+/eeJoR0fH/v071r1e4h05xVfL9SOHdvin79/ch/XPciUISj8BU1HdtPOl1h5ibFcwv6HTeyJV6ZtqolT18uWMceLf0Ptv7OlginwVTDnVO8MAMBsJYEXkd7ter/A9pXllzrJ9kBJPqRQafNXrgErWmuqT14b0z0q/nXVwjld14+Zg/cDYv67itwAP1vQbff4adh1HVsnB39y3bOBJqoGjGNtNNUEm6vLllNlsuceqCu+/8aSDSf0qqEhS17pQ9c4wAMxCAlgxef33jh3zK+jAt2/LVhrIG+QZ7LyV7rvlFSIf6PHnrVXqb+554zRTVLYcfcfREzfL5K/8nunwuvVZuRCyrMIecH4LImL/uopWbN82P3daSz/IUqIHPaZInKu60LHjx8Uv9fDKBmO7qSbKhF2+GGGzg1m5aJ8/Px+MLx1M5ldBgWreeFVQvTMMALOPAFZc/su29q9btq3Mwxw327flCr0V9twHu10dO54q0u+6md9Zy3W68jpr64rtN2+lqSt7EB1HT+wb6FgWDTUjnaKIm/ue2jGW7t287e/kIljHjvllL2Hc3Lds8BoWe1VT+afKBts4OnmVx4v2yweTdrHbYzQ31QSZuMsX5Tabd75LbDUvH5y4Pr50MIlfBTFRN14VVPEMA8CsM46XOM90Q9533NKydW/bjRuDn9+40bZ3a0HB8+FPwuRvo2Xr3rYbg+vmr9qy90bptXIr3R22w5IrDvn5YJtzoaSgraXWG1x82AZH2tXgquVbVHiaW7bmneLCw63oMaMhbRh6Cbfubbsx/BK2FC5TdD9DLmRuI8MvydD1y5zDwrOUf3/cvdGW/0m522PUN1WJK1H5BS1+61Tv8g27dfK2OuR8l95qxfdfJSbvq2DMN95YvwrujnDHFlusCmcYAGYTAaycwq7RCEbq145qzQrWKrbqxAWwnOx6I+5qSNe8TO+syF6GGUP8ymx7NJewXCtHaOTWvdnPS3dnix7MyAc/tttj1Il5jAFsAi5f3p62ljvQ8j3+wmaNNx1M3lfBGG+8qgSwwb0Uu37VPcMAMHuYgljOvLWt5yvpebVs3XujVI23ta13y22hZWvbjSJrrm0tvd+WrXv3VpjPxivvCZisysst5L8uunT5w4iYt/38jaF/zs/XsrXtRusYJ9NlLmG5rQ/so2VrW8lrONDIUlekZWvb3dZHSq9Y9hzO2172FmvZW/z2GMtNNUEm8vI90VoqfxQ/MfnNGqyfMcL9V4nJ+yoY8403ZpX+1lf3DAPA7CGAjWTe2tbzd+/eaNu7d2tLy5DZatmpSOdby3Y+1raez8wYylt9YN2751vXFl913trW8zdutA1ZaevethvnW7d/KfuTCS9YnUmCBYddcWnwwQQ24sNI87a3nh8+H3Ckc1SheWu351/Dgh20bB24hBXsZPgVyV6Q8kc30jmcN3iD5Dctc+yl7qwx3VQTZQIv37zt5ws3PNKJGVxzMB9U52G4yfoqGPONN2YV/tZX/QwDwOxwz927dye7DYzWzX3LBir2bW27O1GdMJjeciUx/JZMEGcYAMbCCNiU077tnpHKdpd7BxIQUe71c1SHMwwAYyKATTmD71Yq8XaoEd6BBAz+lpR+pxvj4gwDwBgJYFPOvC81Zv+Zee3Q4DjYzZvt+7Ytmz/CO5BglrvZvm1crx9jJM4wAIydZ8Cmovz3uZY0Yhk4mFUGH40c5OGkanKGAaAajIBNRWtby9b1TrrOOEwHeWPHGS17x1z/nmKcYQCoBgFsapq3vUi96kz16UmpMw5T3/wncn+2aPE3iongDANAFZiCCAAAkBAjYAAAAAkRwAAAABIigAEAACREAAMAAEiIAAYAAJAQAQwAACAhAhgAAEBCBDAAAICECGAAAAAJEcAAAAASIoABAAAkRAADAABIiAAGAACQkM9NdgOmluPHj092EwAAgGnm0UcfrXBJAWyoys8dAAAwy412CMcURAAAgIQIYAAAAAkRwAAAABIigAEAACREAAMAAEiIAAYAAJAQAQwAACAhAhgAAEBCBDAAAICECGAAAAAJEcAAAAASIoABAAAkRAADAABIiAAGAACQEAEMAAAgIQIYAABAQgQwAACAhAhgAAAACRHAAAAAEiKAAQAAJEQAAwAASIgABgAAkBABDAAAICECGAAAQEIEMAAAgIQIYAAAAAkRwAAAABIigAEAACREAAMAAEiIAAYAAJAQAQwAACAhn5vsBoyg58L7R4/887lbtyIiYu7c5X+xYf2TSxuKLPj+mz8aXG755hKLAQAATJopHcAuvLl917lbeT+4devcrV3n/nnz2/uebChc8PFd5/KXO3do17k/vnLsuaXJNBQAAKACU3gK4oU3d527FTF3+StvH8t4+5XNcyPi1qFn3rwwZMGImLt5YMGBxc7t2v5+z+Q0HQAAoIgpG8B63j9yLiKWv7LvudxUwoalT+57ZXlExLmOC8MXzM45zC1265//RQIDAACmjCkbwG7/8VZELG8ZOolwacvyiIg//HEgWvX8yz8XW3Dp+s1zJTAAAGBKmbLPgC197tix5ypYrlRQa/jCFyNu3frj7Qi1OAAAgClhyo6AlXKh41xEzP2L/5SJVT1//ENEzP3CfcMWvO8LcyNvpAwAAGCyTdkRsOKyD3xteHJ8w1rHjx8v9dGtW7dKfQQAADAe0yqAXXjzmUO3IuZuXl9xefkScxAfffTRoosfP3587ty5Y28hAAAwm1y7dm1Uy0+fKYgX3ty+61zE3OWv7BvF8FexyYkAAACTYnqMgPW8v31g7GvoK5gBAACmjWkwAnbhzTLpq+ELX4yBiYZDZMojfvEL8hoAADBFTPEA1nPhzcd3nbsVc5e/cqz42FepYoelyyMCAABMjik9BfHCm8/sOjfCxMOG//QXcw/dunXo6IUnn8srzXHh6KFbedXqAQAmxL8dfX6ymwCzy5+u/8lkN2Fcpu4IWM/720dMXxGZBBYR53Ztf/NCZhis50JmVfkLAJhQ0hckb7r/3k3ZEbDMEFbErUPPPH6oyOfLXzk2MOLV8OSLr/zxmV3nbp3b9cy5giUU7AAAJt6frJre3UGYRv799PQe/oqpOwJ2oePcyAtlNSx97u1XNi8ffH/X3OWb3z72XMUvCwMAAEjCVB0BW/rcsWPPjWL5hqVPPrf0ydGsAQAAkLCpOgIGAAAw4whgAAAACRHAAAAAEiKAAQAAJEQAAwAASIgABgAAkBABDAAAICECGAAAQEIEMAAAgIQIYAAAAAkRwAAAABIigAEAACREAAMAAEiIAAYAAJAQAQwAACAhAhgAAEBCBDAAAICECGAAAAAJEcAAAAASIoABAAAkRAADAABIyOcmuwEAACTtiaf+ZrKbwJTwwTv/ONlNmHUEMACAWSQTvVr3vD7ZDWFKyNwPYliSTEEEAJgtnnjqb1r3vC59kZO5GYyIJkkAAwCYFXSyKUogT5gABgAwW+hqU1Trntfl88QIYAAAAAkRwAAAABIigAEAACREAAMAAEiIAAYAAJAQL2IGACAiouvIq293jmL5+9bt+M6Kz49rX/WrvrfzodqxbQKmJyNgAAAACRHAAAAAEmIKIgAAERFNG15v3TDkZ5+179n7QW9E88bWDfdPSqtghjECBgAAkBABDAAAICGmIAIAME6fHtj53oUSdRH7zr713bY7EU3P7HmyacQtpT9tP3P2Uued29kf3Fff9MDDX1nbWLzcYl/608tDl7+3oWnFIyvur6y4YsEcy77uT058dPpCb+aje+9rXrF1w8B2+ro/OfHR1Qu9dwb20rzqsZUPNdVUcgj33te8qOTCoziE/JMcXWc//rCr63amqfX3Li12yNkzH0uffn1LY0WngwQIYAAATAl93e9/92DXkB/e7u26fbDrg/qmZ3YOyW+fdR351dudd4Ytf+d273sXuoYvX16668h7hVX479zufO+7nU3P7Hkyjrw1ZEe3O0+/3Xn1iZeeXVsYq3KZp3A7d97uPH1f88bvDH2ObmyHcO3AnlxKjIiI3jsXxnLITA4BDACAKSD9yf5M+qpf9cym3HjRZ11nf/V2253o7Xr7yML8QiB9Zweiy33NG3PjVJH+9MDh9y70xvDlR9B5+u2CTeWiUdfbe+5E7537mldtXflQbU1ek+LOB4c/WZL3HrNc+ioYH0t/1nXmV2933rnd+d5rUZDBxnYIt9tO3457l6772iMrPl8bEelP2w+/90FvRG/Xh2e/0jTWN7ORGM+AAQAw+fquXr0dEdH0zM782Xqfb1rx7DPNERHReS1vdOzTE5mBpuaN39mQN/Wu5v4tOzcuzfw7le4bTQPuW7cjb1Ofb9qwYmA7vXeieeN3NmTSV2GTevtTufXTn+wfbFLeIdR8vmnDs99bd29E3O48256uwiEsffrZLZn0FRE196/dueOJ+oiI213X8pevXfFs657XW/eYfzi1CGAAAEwdd1LpoT9q2vB6657XW/MfIeu+diEi4t4nVg4f45pTVx8RheloZE2PDR07un9JJmUV20td7b1DWjsYIIsNu9Wu+NoT9RFx54Mzn473EOpXPTI0UH2+rq708kwxpiACADD5amvvjbgTceeD3W9dal702MqFTTWlZ9M1Ptm658kSn32+ri6it8SHpdTPqSv52b11w+pnZFub89nlrsxw1sIST2FlW5VK98X9tTGOQ6irGV5fpG5oe5i6BDAAAKaAxiefab7zduedXNWKiGx9v0X315YoITgg/Vlf9KfSkfrdtUupbG3AUSmWakajP5XZaed72zrLLtjbn4oosq+KD+G+2jnjaimTTQADAGBKaNrw7Pe+XFDtfaC+X1tEfdMTw4rR93W/v/+jMcWtKWMGHAKjJYABADBV1DY+tKXxoS0Db8fKGwvq7frgYFdq8H1W2fd3Zd1Xf29D3b11tQuXLLo/debVt8sPQ02c5o0Vl16cqofABBPAAACYQKm+sTybVFtz/9oN96+NJ/PKvseFjz55pPGh2oi+s7/KRJeCAu65PY6/0aM2p66+8BGvkUy9QyAhqiACAFAdt/v6h/3ss1RFYeKz9j2vbtv56rYjnw77aHjZ92zFi/pVw6NLxKeXJ2HsKFeH8OrlYVUcI2LwAPd80hcxJQ+BhAhgAACMU7Zs+vD3VnV//EFFDzh9fknTvRERBW/KysmmuHK1Cgf0nT17oZIdVlvTylX3RWTezlzk5V3Z87D04YdGHB+brEMgGQIYAADjlI1Pvae/u+eTroEE9VnX2fdfO9hVbr08tSsyLz6+88Hutw50fzaYYdKf5p6VyqaXwd3tP/Jpbsm+9KcH9rz63bbcjMcirxSbQDUPbV2XOwnvt3d/lv3gs66zb23LnIfBV3glcQh9Z9/atvPVbTtfPdA99o1QdZ4BAwBgvGpXfO2Jrr0f9Eb0nn579+nBD+pXPdN09e22Sh4Du3/LS6t6dp++HXcuHNw7fAjovnU7shU4onbFiqVd713ojdud7323cLbefc2rHqvN7PFOKh1Rvn59VdWuePZ78dZ32+5kSoZ8MOTj+lXf2zk4/DU1D4EECGAAAIzf59fu3FF39uMPu7J1C+vvXfrw17Y0fr7v7NVKt1Hz0Hf2LOw6+/GHXXdu5yrR1997X92KrSuHvArs/i07dyzJ313ce9/g65trlra9dyHiwu8+3dJYYU3C6qhd8Wzrok/bz5y9lLqTKy5/X33TA8Nq6E/ZQ2Ci3XP37t3JbsMUcvz48UcffXSyWwEATA//dvT5iPiTVc9PdkMq8sRTf9O65/XJbgVT1Ladr37wzj9OditG9u+nfxIRf7r+J5PdkEHHjx+PiMpDhGfAAAAAEiKAAQAAJEQAAwAASIgABgAAkBABDAAAICECGAAAQEIEMAAAgIQIYAAAAAkRwAAAABIigAEAACREAAMAAEiIAAYAAJAQAQwAACAhAhgAAEBCBDAAAICECGAAAAAJEcAAAAASIoABAAAkRAADAABIiAAGAACQEAEMAAAgIZ+b7AYAAMBYpT95bffp280bWzfcX3qZT9vPnL3Ueed2RETcV9/0wMNfWdv4+dHvq0rbYXYTwAAAmKY+az98+nbZJfq6399/sCt/mdu9XbcPdn1Q3/TMziebKt5TtbYDpiACADAdfda+Z+8HvWUX6X7/u4WpaVBv19t7PumrcFfV2g4YAQMAYPpJf3rg8HsXyqev+PTAwa6Bf9Y3PbPpyaaaiIi+7k9OfHT6Qm9E7+n9Zxd+Z8WIcwirtR2IMAIGAMC08lnX2fdf2z1i+orovnYh84/6Vd/bOZCaIqK28aEtOzcujYiI220fdxVfeQK2AxEhgAEAMH181r5n79ttmdmA9z7x0o4n6ksu2td3JzKLbXqoduiH9295OvPcVtfl7hF2Wa3tQIYABgDANHNf88bv7Xl2bU25ZVKZ4FS/aEnRxWrm3BcRET19n5XfV7W2AxmeAQMAYNqoa1r1zKaHmspGr1G53dcfUYXHt6q1HWY8AQwAgOni800rHhrdGr39qYhhUwcj0v3l69dP1HaY9UxBBABgBmr68sDTWW8f+XTYh5+1f1Rp1YxqbQcyBDAAAGaixoWZEoXR+d5rRz7pSg/8uC/96YERXyA2EduBiDAFEQCAGer+R9bde6HtTkTc7jz9dufpwk/vva/+zu2K4lO1tgMRRsAAAJipalc8+7119xb75N4nXvraA4lvB8IIGAAAM1jtime/t+jTE4fPXugdeJ3Xfc0rtm64vzY+PdAbEXFf7ZwktwMCGAAAM1ltzf1bdt6/ZchP0+meiIhoqK20dny1tsMsZwoiAACzTt/Vq7cjIpqWNE6J7TB7GAEDAGAmSn/y2u7TtyPuW7fjOys+P+Sj/W13IiKaFzYlth2ICCNgAADMTDU1DRERcbvtVwe6P+sb+Olnfd3vZwJVRCz98v3JbQciwggYAAAzVK58/J0LB/deGP5588YthfMG+86+9d22OxGx9OnX8z4a9XagDCNgAADMTLUrnn2muWj5+LiveeP3NlQ6bFWt7UAYAQMAYAZr2vDs9778yYmPrmbLx8d99U2PbfpKU83oihZWazsggAEAME19fu3O19eOtFBt40NbGh8aWj6+6JIrnm1dUYXtQBmmIAIAACREAAMAAEiIAAYAAJAQAQwAACAhAhgAAEBCBDAAAJjVtu18dbKbMIsIYAAAs8IH7/yjfjalfPDOP052E2YLAQwAYBaRwRhi285Xpa8keREzAMBskelnP/HU32T+s3XP65PaHCaZND4pBDAAgNklF8P0v2c5A1+TQgADAJiNdL5hUngGDAAAICFGwIa6devWZDcBAJgeaiIioqenZ5LbAbPGf4iIad5jF8CGmjt37mQ3AQCYHv7tYkREQ0PDZDcEZot/vx4xxXrs165dG9XypiACAAAkRAADAABIiCmIU91/+9f/MtlNgFnkr//sP092EwCAmcwI2JQmfUHC/NIBABPKCNg08NAX1092E2BW+OQPRye7CQDADGcEDAAAICECGAAAQEIEMAAAgIQIYAAAAAkRwAAAABIigAEAACREAAMAAEiIAAYAAJAQAQwAACAhAhgAAEBCBDAAAICECGAAAAAJEcAAAAASIoABAAAkRAADAABIiAAGAACQEAEMAAAgIQIYAABAQgQwAACAhAhgAAAACRHAAAAAEiKAAQAAJEQAAwAASMjnJrsBTLLN67852U2A0Tl09BeT3QQAgDESwGavTPTa89buyW4IjE7urwaSGAAw7Qhgs5HoxbSWuXV3PvvSZDcEAGDUPAM2S0lfTHd73tptAi0AMO0IYLPO5vXflL6YMWQwAGB6EcCA6cqfEgCAaUcAAwAASIgiHACJev2fPpzsJsDs8upfPjbZTQAYZAQMIDnSFyTP7x0wpRgBA0jaN5f85WQ3AWaLX1z+p8luAkABI2AAAAAJMQJGob5ze167Eg11dfU1X25qbFw8p+zS/ekr3We60qneVG/9qj1PLUyqhSd7I+off2Hn6vLNAwCAqUUAY7hUb0+qtyc6L15Z950dK2pLL3jlN7t/dnng3/WJNA0AAKYzUxApI9V1pb/Mx91dl8t8CgAADCGAUVx9Q11E9HZ2p0sucu13FyOirr4hsUYBAMD0JoBRXF3z4vqI6Llyta/EEle6OyPiwcVNCbYKAACmNQGMEmobmxqizCzEzPzD5qbGRFsFAADTmSIclDJnUXNdW0+qt7M7vXp5zdBPM/MPl3x5cfS1DV/32pFnD3WWKFSYPrV394z24t8AACAASURBVLFUxJKn3/pqQXrru3b25Omui6ne7A/qG5Y0rfurFSNUYsy68uudmYogDUuefrn8luvqH1z88JrljSXqi6SvnDvTdqWzJ5VdeNWmpxZGqWaPfvujXn6o/rM/eKOtJ+LBzXueWpi+cu5M28nOntymVm16amFNkQOJ+gfXlNzLaE9R37WrQy9WXV3zqpWrFxbeKvl3QnSf+s1HnZd7M01tqGsusnzu9ojmb+/esLjCEwIAMG0IYJRUs3hx/bFUb8+Vq33Lh9ZCHJh/2NgYUWqK4qikr/x6sKBiVm/P5d6fXW4bHqiGu/LrPSXSV65DnyfVezF18OKV5sc3bhiaD7PZpmDhQ7svLln3YImWl9z+yfoHN+8cVpp/tMuXle5+59DBi0Va+/RbX4139h68WLCj3osnDxarbDnKJvV3v/PekC1HRG9PqrfnUGdnqYvVfeQHuZQYERE9qc5yywMAzEwCGKXVNjY1nOztSXVd6V9RGFQy8w/r64YNjI1N37nDA/FpzdNbcqMu/d2n3jt4LBU9lw++01juJWN95/b87HJvlE1fDUue3vJXjbVzIiLdd+3MgUOdPanOY29EbcEwS/c7A+mr/sHN2XGkTN643FaQc4Zuv2Bwqa+/++R7By+mei8e2hMFAWa0y4/g4smDRZqairh88Aep6EnVP7hm05rlNbV5JzNSbQfOLXp5cEhz9IcwkL7y9hvRd+3IgUOdPVHqYvUeO9kbdc2Pb1y5ek5NRPRdO3vgUFtPRM/lj079VaP3uQEAs4ZnwChjzqLmorUQB+ofNlU4OXAk6StXeiMiljz9cv6ctzmNq3c8nRl3utjdXWrl7HuZi8w8jGtnBtLXmpde/momfUVETe3CDS+/sK4hIqLzZ7/uztvURxcjMvPlctEi5jQ+teOlx+uK7vpwZvsPbt75VF7LawdX6b14+mzfWJevwLCmrmrO/LMnldlLTW32o9zJ7EkPXs1RNyl7Sh/cnLffiNqFG17ePLDr3nTRypnN396xIZO+IqJ24YrsJRhyd9Ws3rHnrd173jL/EACYmQQwyqlZXKwWYmb+YcPiRZU+s1ShVN+w7NH41O49b+3eM/yxq4xy6SvSp053RkTUrdsy/Bm2OSu2rKmPiLj80amBKiO5HPjwsAGZmtXZYJO//VxuLDZmVbN647qGiEi1nbw2tuUrMLypC788MFWybt2aoXupqcvEyMHzPOomZS59sY1H1NRmXkjQUyyANaxZOTRQzamtL708AMAMJYBRVm1NXcSQWogD8w+bG6s0ATFqageCQdtre/e8c667r9zbnweluo9k0lcUf44onRqoolFbNCgOHFr0pjL9//6rnZmxncZiYS8XbHLKLx+DAWNgRGi0y1egoab0JShy1NnznDP6Ji3+6p63du95a+hTZAULF1VfpKnZQAgAMIt4BozyFn75wei8GHm1EPv7eqOK8w8jIhZ/9ekHUwcvpnK1HyKyVfIWL6wpMc7We/FktgRf0eeIMu0sk1JqahsiejLpYmFNpPsyT3+VeLCtpq4uIr/yxMDycfHQzmKPhw3qSacjaka9fAWKpZrRGHeT+vrTkU7fib6u7q7ebHnDoi2t1uOCAADTnADGCBqblsTFy5GrhdjX3dVT/fmHjU/teKmpoGb6QJW8YxENS9aVKkbfsKS+53JvRO+x33SvLjFNsWRKmVNbH1E6M1BK+sqvD7eVi1sAAJQigDGSxY3NcbkzBmohZp4aquL8w5yaxcs3LF6+YeAdU3kjKj2X2352uW/4W6Ea1rz08vI4ldp9LBVRulLiwADXcNkhsiGLp9IRoxnce3BzuQqN418+AaNo0tAy/fUNdXX1dbV1jYsWL0yffOlg+ZE0AIBZTwBjRNlZiKl0RFztTI1z/mH20aySamoXrnhq4Yr4al7x9OhsO7dycUEtjYEQuHrjus432noiLh460pQf0rIDXCVn9GUn4A0MkWVnJFba7CEzGEc02uUTMOompU+9N6xMf96nE9BEAIAZRhEORtbYtCQi4mJ395XRzT/M1rfIN3zcqf/sD17a+exLO98ZXv2vRPH0wmWy9QwLa8oP1ni4/LsrxdYbKOiXezxpoOZ+iZL3mcr7BfvNFvErLBE5KHtcPziXHsvyCRhtk7JFOxrWDE9fxU4RAABDCWBUYHFjc0TE5Y/arvRGJbUfshXJhxf0u/KbtqGjTLnkU/QVWCPW0oioXb5p4D1dlw/mpbhc7fjOtuGRpv9s2+WIyK/kPlBzP68wfU62on2BxjWZ4JdqO1AsMmWPtHndwMDdaJdPQBWbVPQUAQAwhABGJQaKsPf2pCKiuWnE54Wymarn5O4fnOseiFX93ad+vednl4cvnU1KqbbX9h650p/3muBruSeOymeA7BurhqS4hSsfzzXj17nq9um+a0eym61//K8GS3dkg1zvsTf2vHMt24z+7nf27j5WbNpkLvj1nNz9g1+fHazU3999au/OzJHmv/9qtMsnYHRNGryshwfPT+Z8vpR3ioq8z61y6VN7dz770s5nXzpSdNwSAGCa8wwYFckrwr7kyxUkhJrco1k9Jw++dnLwg4Y1TzdfOTg0zyzc8J01qddO9kaq82dvDB9IqX/8haEVOIaas2LdkrafXc4M5ix6eSCt1aze8VLs3X0sFT2XD742JPvVNT++cUNh8fqa1RufTr1x8GL0Xjy0O39CXcOSdc2ptmExLH/7bT+73Dbk44Y1L71ckBtHu3wCRtWkmtWrmjsPdfYMOz8R9Q+uebguc2VTfXciqvySbgCAGUIAoyI1ixfXH0v1RpmX9g4xZ8XLL9Se+s1Hndlihg11zes2blg8J32q2NBG7fKdbzV2n/rNR52p3lwl+oa6+vpVm9aUfBVYgcVfffrBywcvRvScPHyqcWduYuHqHXsWXzt78nTXxVT26bO6+gdLbXZO41O7Cwvi19U/uGrTUwvj1N6h4WTI9ntTucrs9Q1LmkqUzh/t8gkYTZMWbnj5hS/nX9aoq39w8cNrGhtr50TUNB871BnR2XVtw+IpVukRAGBquOfu3buT3YYp5Pjx448++uhkt2LQf/vX/xIRD31xfRW3uXn9N/e8tbuKG5wlut956eDFyRmkooydz7506OgvqrW1T/5wNCL++s/+c7U2ONzr//RhRHxzyV9O3C6AfL+4/E8R8epfPjZB2/+3o89HxJ+sen6Ctg8M8e+nfxIRf7r+J5PdkEHHjx+PiMpDhBEwGDAQsWLJ028Nf6dzthbIyAVIYDJt27BpspsAY9F65PBkNwEgIQIYDMg+53b5d1e+2jjkkbO+7q5M0Y46+Yupa9uGTd/fN4X+IgiVy/ztQAwDZgMBDAbknnPr/Nne+PbGDQOPP/Wnr/zm8M8u90bk16yHKSXTeZW+mL4yd++2DZtkMGDGE8Agq3b5zm+n9/zscvFijA1Lnt4yfGoiTBXSFzPA9/f9RAYDZjzvAYM8i7+68zsvPP1gXX3D4M/qG5as+/YLL7381Ual1ZmSzDxkJslksMluBcAEMgIGhWrnND61w0gXAAATwQgYAABAQgQwAACAhAhgAAAACRHAAAAAEiKAAQAAJEQVRIDZpT/dfe2jk1dTvame7I8a6uvq/nzFw4sW1NQUXyd99qe7TqQi6h77+79dWWKZrOuHn3/3UkTDI8+9uGKsby7vPrr9QFdluwOA6UUAA5g10t1Hf3mgq2fYz3t6Uz297146EQ3Nq7+x8SsiDwBMGFMQAWaHq+/9dFex9JWvp/PUrud/eiadUJMAYPYxAgYwC1x97x9+3pn9j/q6BwonHKbT1393+uyHnamIiEh9+MOjtT9Zv2gy2gkAM50ABjDjdR/Npa+GR77+jRULhkwyrKlZsHLjgpWrrh/+4buXIiK6fv5GzSsvmIsIAFVnCiLADNd/5mRX5l8Njzz34rD0NahmwaaffP2BzL97T33UnUTjAGCWMQIGMLOlr13ujYiI+tXfGLks4YJNW5ouHeiKiEtXrm9qXFB+6dzMxobmr7+4cYSFcwUYL/Wmsj+pa6ivXbJm+crG0g1LXz9z+uzlzoGajQ31TWWWT3d/XLD9zGTL4Zkz/fGPfniqJ+KBLd/f1Nh/9ey59hPZp+Pq6x5Y87VNA9vvv3r2XPtvu3p6B1r7wCPFtjbmQ5vYJlV8NkZ7CPk1KqOSq9N/5o03P+yNiKZvmdoKIIABzGzpq1czneMH1lQ2pbCx8YHouhQRnd1XNy4o012++t5PR5G+0tcPH3r3Uu+Qn6Z6elM9B7oul9hC6urR7Se68n/S09vVc6DrcpEa97lefp7e1KXedy/9tumxzeuLl7Pvu374QGbWZd4qB9681Pz1fRvj8BtDGpy6dOLdS79dPXRy5pgOraSqNKnM2ThR98CWv93UWPjR2A7h6tEfnSgo6zJwdUZ7yACziwAGMKP13ckMaNTVVfpE14Km5rjUGRF9felYVPrNYD/vTEXFY19nBvr3dQ9syQ3mDJbF7+l89/Di7w9NBZG6dCIV9U2PZQdV0t0f//LAqZ6InhO/OrMo/xVhg3mjofnr31iVqS/Sn+4+98sDXT29XR/+MIqWFbl04t2CJuVySOe7P0pFT2/dA4987eEVc2oiIn39zKF3P+yN6D31y7ML8+Lf2A6tpOo0aeBsFIyPpdPXPzr07qXe1KUDP42CDDbGq/Nh5upsXr6ypvDqdJ49s2qBF7gBlCCAQWl95/a8drL3wc17nlo45JPud146eLGCLRRbtxLpU3t3H0tFLHn6ra9W3HGDIvr7BiaU1dZW3CGuvbcuIhWRSqUjiq2VfS9zhekrovtcJh0NGXupaVz/4pbYfqArIlJ9/VFktl7Tt14YDE41jV958e/jRz881ROpy1f7V+YiR3b7hW9/nlPTuP7Fv6/50Q9P9UTXz99r3FekqYXveq5ZsGnNwAzMnt7C1tYsWPnC11PPv3spoudOf8TQXY/+0EoZb5PSZ39VvEk1Cza98FzdG29+2Ju6dPLjhxuzg2YTfXVizsoXvr+y4uMHmOkU4YBS+s8eODl0Rk4y+s4dPpYaeTGYFKNOXxFXr3RFRNSvfnj43xNqahoiYiBCDNXwyPKhw1Y1NXVDl89WGSn6kFvNV77xSF1EROfZIu83a14xdKCmsXGgDEmR1s6pq4+IiFQ6t6UxH1pJ421S/+9+m4qIaP56sWG3OSs3r26IgiIrE3x1ABjCCBgU1X/2B2+0lX9l7cTterKCH4wodfXohycG+veVP+ezaOP3920s8VlNTV1Eqd+1utrhoy5z6uojCn5F+lOZ/6yrKTrIV1NbW2pAr+He0gNTRbY2p7ZuyK7HfmiljLdJ2ZorDywucXWyrcoNak3w1QFgCAEMhum7duTAoc6y3abGp3bvearUh9eOPHuoMyIa1rw0+vmH3e9MVvBjZsp10Ms90DVE6cfGUpdOZAdnx/GcTzrdH+n+vkh3XbmayhbQK6ay59bS6UybSkaXmpqGwsgxuIMiEWJcKj60ksbbpHQ6s9NLB/7hUtkFCyZSFmygqlcHgKEEMMjX333qNx8duzyev992v3OoMyKibt2W5aPunlz59cGLEQ1r1tWfbKvkGTMY0YgPdA1zvWvgrc3FHxtraK7r6UxFpD48fX3lKIrd9V9971ftY8okFSoZXcY0EjUaE35oE28GHALAdCGAQU7+tMO6dd/ZGAdGPxiVSVAR9Y9vXFE72gZcO/Kzy5nkVnvy5GhXhuJqFi1qOJHqiSiou1BGd/fAyElz4/CygQ2PPPfiijiTevPD3ojK6/tlX3KVVddQX1tXV1O3eOGXG/s/ev7d8mM1FSpZ6yI7RDYhEjm0MXhgS8WlF6fqIQDMUAIYDFX/4OZNTy2sif6zo141k6AiGtZsWj3aaUT9Z39wqDOi+ds7VtRG98jLQ4VqFi6pP9VTpFh5UdcPHxh471axh4jqliyaExErN6++/MNTPRGXDhxtGvnVuv1nDmX69wVVznOfVnogpWQHuErNqcvNyqv6hMMJP7QxKD3fsoSpdwgAM5wqiDCotnnN09/ZvfOphWN7smE8kw/Tp95r64l4cPOGxWPaN5Q2Z+Wapsy/ek68+aOz14fXAhyQvn44N9xRtCZeTq60YHT9/L3rI+w/Wxai4ZHh/fu8Abexy1YC7Oy+WuzjgSp/E/HM0oQf2ujl6hD+9lrxC53++EfP/8P25//hR2f7I6bkIQDMcAIY5MxpXL28cdTzBrP6zn2UeWrrwVWjnnw4UHd+ydNjemkYjKRx/SsDeSl6Try7642fHj57PZ3XPU+nr59576fbf5ibbFb32OYRJivWrPjaYwOx593DYx+yzVaQH5dcwuxqPztsxCb9cXvmkbbh5d0nVlUObQwWPJy51r2nfjn8bERcPZ0Z72paO8JYaEzeIQDMbKYgQnV0n8zUjq9bt2a0IerakddO9kY0f9s7l5kwNSv+9lt3fvrzzlRERG/qUu+7l06UWrbwRcAlzRmciFj+6bLsHMieE786XJsbZulPd5/75YGuwUePUul0LBhjRGpc/lh914e90XPizR/d+fo3Vi2oqRmyi7rHVlVeL6RiCRzaGBq14muP/fbN7NlYvXbVVwaqX6avnzn0bvaN1dlXeCVxCP1n3njzw96IaPrWyBNWAWY8AQyq4trvxjr8lZm4WP/4CyYfMrEWbfzbVxYfLehVD9PQvPobGyso1JFR85W1zad+3jni02VzVq5punygqydSlw68WTilre6BR1bU/fbdD3sjetN9FZZpLLqLF56LN978sDd6Ot/d1Vn4YX3TY5vXT8zwVwKHNqZWDZ6NUz/vPDXk44ZHnsu7WFPzEABmMAEMqiB96vTAJKemUQ5/ZevOj75oB4xeTeP6F3+yPt398UeFr3hqqK+r+/MVDy9aUPxNxqUt2vj1BzrfvRTRc+JXZxaVHjdrXP/i3zeeOX32cm6n9XUP5PZY2/Thga6Irq7u9YvGPgw8Z+UL3/9y98cfnbx6qTdb9bC+7oE1X3u4cc4EJockDm0MBs9Gqjd3oesamhcNDohN9UMAmKnuuXv37mS3YQo5fvz4o48+OtmtGPTf/vW/RMRDX1xfxW1uXv/NPW/truIGZ65sVfoHN+8Z4dGs7JINa156eTTlN/rO7XntZG/UrfvOjiHjZt3vvHTwYkQsefot8xLL2fnsS4eO/qJaW/vkD0cj4q//7D9Xa4PDvf5PH0bEN5f8ZRW3uW3Dpu/v+0kVNwiT6x+2P9965HC1tvaLy/8UEa/+5WPV2uAQ/3b0+Yj4k1XPT9D2gSH+/fRPIuJP10+h//EdP348IioPEUbAYNz6ujNzuuqbG0f1d/b0lSu9ERGpttdeaiu+yOWDz16OqCQEAgAwDaiCCOOVzVF1TYtNIwQAoBwBDMYrnUpFRDQsXjTmEvYAAMwOpiDCOGXrH9aPtnxB1KzesWd18Y88AwYAMCMZAYPx6Utn6q3V16nQDADACIyAwfjcSfdGRERd7QgPgKVP7d19LBURzd/e7ZVfAACzkxEwGJd0X2YArK723kluCQAAU58ABlVRV6sCBwAAIzEFEUqZs+Ll3StGWqhMIY0xLxkRjU/t3vNUpQsDADBdGAEDAABIiAAGAACQEAEMAAAgIQIYAABAQgQwAACAhAhgAAAACRHAZqOdz7402U2AKtj57EuHjv5islsBADAK0+g9YBfefHzXueWvHHtuafGPiqxSfOlZ7tDRX2xe/83JbgWMl78jAADT0bQJYBfeLBqxIiKi549/SLAlM0Aug+15a/dktwXGIpO+DH8BANPOtAhgPRfefKZ0/Iq4/cdbYbhrdDI9V0NhTFOiFwAwTU31ANZz4f2jRw6du1VumQsd5yJi7hfuS6hNM4heLAAAJGlKB7Ce97c/c+hWRMxd/sqLLR0lRsEyExDn/sV/aki0cQBMO+mzP911IvXAlu9vaiyzVP/Vs+faf9vV05v5z7qG5kVrV31lUU0le7h++Pl3L1Ww3EhtAGCmmtIBLCJi7vLNG9Y/ubQhLnSUWOL2H29FzP2LL9x+/80fDYyVzZ27fMOLzy2VyAAYlP74lydSIy7zox+e6in4UaqnM/XzzqsPbPlbkQmAcZvSZegbntx3bN9zT5YPUpkBsFuHdu0anKl469a5Xc88/uaFCW8hANNEkWQ1qmVSlw789Ey6+u0CYJaZ8iNgI8pU4MhMU8wMevX0vH/0R4fO3Tq3a/sX3t73ZLH4dvz48VLbu3Wr7ANnk6G3d4QuA1BFCXwJ9PZU+Ze6P91f3Q3ONP/379v/z//6r33Z//wf/1/RM/b/dBzIpq+aP/s/nlj7pf8ts/J/7zj/L+eu9UekPvzw//ry4/+x7K7mPPzycw+X+vD37bv+679GRO1Xnnq41lUro+q/IxP3e52ZmdpT7QYDpfyHiJiSPfbKTfsANlCCfvkr+3IlEBsannxu3xfi8V3nbv3zv/Q8WSyBPfroo0W3dvz48blz505QU8fgd/8aEVFfbzIlJOHGHyIiJvZL4I/dEVHfUOVf6jk1c6q7wRkkff3M6bMfdhbMPPyf/9diZyx97feZAa7mr7+yccHgA19z5jzxZ//xf3njzQ97I/7f/xFz5lT0LFgR1w//IPOlvvpbj//vY93ILFHN35G+/x4T+Xv9bxcjIhqq/UsNlPLv1yMm+n/Wo3Tt2rVRLT/tA1jDk/uOPVnk50tblse50gkMgJkvf0ph/epXNscvS89CTF+92hMR0fSt/PQ1YM7KF76/cnxtufpepjhH3WObvyJ9Acxi0z6AlXTfF+ZG3Lr1x9sRAhjAbFb3wJavbWqcE+mPSy/T/7vfpiIimhsXTUQTuo/+vDMiouGRr60UvwBmtZkbwDK8HQxgFqtZ8sjXv7Fi+IjWcP2p3oiIhnvnREQ6ff2jQ2cv9WYmLtY1NK/4xqoFNWMPTtcPH+iKiKhf/Y0VZosCzHJTugpiBXre3/74448XK3iYKc7xxS8Y/gKYrWoWrKwofUWk0wNhq3bO1fd+uuuH72bTV0Skejrf3fXDsZdATJ89m3kz2ANrTD4EYLoHsIYvfDEi4lzHkATW8/6RcxGxvGXp8HUAoLjUyZ/+vLPou8JSH44xg13/KPPysfrVD3uNGADTfwri0vWb5547dOvcru2RK0N/4c0f7Tp3K2Lu5vXyFwCV6+lNRURD89dzcw7T3R9/dPLUpd6ISH14+vrKjQtGt8XubsNfAOSZ9gEsGp58cfM/P3Po1q1zu545l//B8ldeVP8QgFFqeOS5F/Oe1Kpp/MqmxoV1mTL0nd1XNy4YTZWO/jMnuyIioqnJ8BcAEdN/CmJEphL9268sH3wbwNy5y195+1hmOAwARqFpbZE6GXNWrmmKiIiuru7RbCx97XKmtscjyyekuCIA08/0GQFb+tyxY8+V/LRh6XP7lpb+GAAqUaoMfU1NQ0Spd4iVkn23WN2SRYofApAxE0bAAGB8amrqMv9Ipcda7HC47LvF6hd92eNfAAwQwAAgFjQ1R0REb7qv2Me5say6UUSp7LvF/nyh/AVAlgAGABG192bGwLp+/t71YR9mS8lHbW3lWSpb/7Cu1vxDAHIEMACIqFmx4oHMvzrf3f7Gx1ezMxHT3R8ffuPdTJQaVS2NdF9mLG1Ug2YAzHjTpwgHAEykBZu2NF060BUR0Xvq5z88NWyBIQUS+89katNH07d+sn54MOu7M/pBMwBmPiNgAJDRuP6VLU3FX2FS3/Stvy+Sskrr78vkr/qa2iq0DIAZwwgYAGTVNK5/8e8bz5w+e7kzNVB0vr7ugT9f8fCKBWMcx6qrMQAGQB4BDIBZouYrL/7kKxUstmDlxgUrN4643JyVL3x/5Rg/BWDWMgURAAAgIQIYAABAQgQwAACAhAhgAAAACRHAAAAAEiKAAQAAJEQAA5jeWo8c/oftz092K6A6/mH7861HDk92KwAmkAAGAEwJ/pQAzAZexAww7bUeObxtw6aI+P6+n0x2W2CMjH0Bs4QABjATZDKYAQSmL+kLmCUEMIAZQv8VAKY+z4ABAAAkRAADAABIiAAGAACQEAEMAAAgIQIYAABAQgQwAACAhAhgAAAACRHAAAAAEiKAAQAAJEQAAwAASIgABgAAkBABDAAAICECGAAAQEIEMAAAgIQIYAAAAAkRwAAAABIigAEAACREAAMAAEiIAAYAAJAQAQwAACAhAhgAAEBCBDAAAICECGAAAAAJEcAAAAASIoABAAAkRAADAABIiAAGAACQEAEMAAAgIQIYAABAQgQwAACAhAhgAAAACRHAAAAAEiKAAQAAJEQAAwAASIgABgAAkBABDAAAICECGAAAQEIEMAAAgIQIYAAAAAkRwAAAABIigAEAACREAAMAAEiIAAYAAJAQAQwAACAhAhgAAEBCBDAAAICECGAAAAAJEcAAAAASIoABAAAkRAADAABIiAAGAACQEAEMAAAgIQIYAABAQgQwAACAhAhgAAAACRHAAAAAEiKAAQAAJEQAAwAASIgABgAAkBABDAAAICECGAAAQEIEMAAAgIQIYAAAAAkRwAAAABIigAEAACREAAMAAEiIAAYAAJAQAQwAACAhAhgAAEBCBDAAAICECGAAAAAJEcAAAAASIoABAAAkRAADAABIiAAGAACQEAEMAAAgIQIYAABAQgQwAACAhAhgAAAACRHAAAAAEiKAAQAAJEQAAwAASIgABgAAkBABDAAAICECGAAAQEIEMAAAgIQIYAAAAAkRwAAAABLyucluwJRz69atyW7CUL29PZPdBJhFEvgS6O3xSw2Jmrjf65qIiOjxSw1J+Q8RMSV77JUTwIaaO3fuZDdh0O/+NSKivr5hshsCs8KNP0RM9JfAH7sjor7BLzUkpe+/x0T+Xv/bxYiIBr/UkJR/vx4xxXrs165dG9XypiACAAAkRAADAABIiAAGAACQEAEMAAAg5ig4eQAAIABJREFUIQIYAABAQgQwAACAhAhgAAAACRHAAAAAEiKAAQAAJEQAAwAASIgABgAAkBABDAAAICECGAAAQEIEMAAAgIQIYAAAAAkRwAAAABIigAEAACREAAMAAEiIAAYAAJAQAQwAACAhAhgAAEBCPlf1Ld68ebP0h/Pmzav6DgEAAKaHKgWwm+37fvz6jv0dIy23te1u69rq7BIAAGCaqUoAa982f93+amwIAABgBqtCALu57/WB9NWydev6BU986Uull50/f/z7AwAAmJ7GH8BunjjaEWF2IQAAwAjGXwXxxvWOiGjZ+3fSFwAAQDnVKkPf+CXlDQEAAMoafwCbv6AlIrp/X6b4PAAAANUIYPMeWd8S0XH0hAQGAABQThWmIM7b/s7elujY8dS2dhkMAACgpCpUQdy37cfXG1uio2P/uvn7o6Vla2NjyYUX/F3rdg+LAQAAs9P4A9iN6/v3572FuaNjf0dHyYW3PtEaAhgAADA7VasKIgAAACMY/wjY2ta7d1ur0BIAAIAZzggYAABAQgQwAACAhIx/CuIQN2+WqkV/48SPX48nzm9fW+1dAgAATAtVCmA32/f9+PUd+0uXPxyw9Ynq7A8AAGD6qUoAa982f93+kReLaFlQjd0BAABMS1UIYDf3vZ5NX5m3MHd37+/oKPh3RLRsbXunda13gAEAALPX+Itw3DxxNJOw9t64e/58a2tr6zvrWyKio/GJ1tbW8+fv3r2xtyWiY//rJ0o9HQYAADAbjD+A3bjeEREte9/Znh3emvfI+paI6P79QOCat/1829aIjh0/bh/33gAAAKatapWhb/xS3uzCeV9qjIiO6zdyP1n7xNaI2P+BBAYAAMxeE/kesNwQWGQTWP5PAAAAZpnxB7D5CwrmG+b9LH8ILGP4TwAAAGaN8QewgfmGR/NLbGR+lp/Kbv6+e9x7AgAAmNaqMAVx7d/tbYno2DF/2bZ97QOJa2AILJfK2n+8oyMiWhbMH//+AAAApqdqPAM2b/urWyMiOvbvWDd/W3vejzp2zL/nnmXL7rkn857mlvWPeBEYAAAwa1WnCMfa1rs39m5tKfjR37Vtzfwr8yLmwkr1AAAAs0/VqiDO2956/u7dG21/l51kOG9t640bbVtbWlpaWlq27m27cV78AgAAZrXPVXdz89bmh6x589a2nl9b3T0AAABMVxP0HrCbN73wCwAAoFA1A9jN9n3bli2755577rln/vyBahzt2+7JK44IAAAwi1UrgN1s37Zs/rod+7MVN/J07N+xbv6yTB4DAACYvaoTwNq3zV+3vyMiomXr1oJyiPMXtLRERHTsX7dsn3EwAABgNqtGAGvflnnN19a2G3fPt7Zuf6Jx8LN528+fv9G2tSUiOnb82CgYAAAwi1UhgLV/sD8iWvbeaF1bvM78vLWt7+xtiYj9H0hgAADA7DX+AHbz990R0bL+kXJv+Zr3yHoJDAAAmOXGH8BuXO+IiMYvlX/L8rwvNZb9HAAAYMaboPeAAQAAMNT4A9j8BZVMLhx4UGzB/HHvDwDg/2/v/l0bO/cHj38Mge1vcYs4hhFIUwzDdouJzBQq5YRhCjNFFpxOxiyL7GLSOOW4ycDaYgsjwRYxbIrBRTATu9hC7A5WMBe2uEyGS6SLBhwFvn/Al8tW3kLyb9mWbfnxr9eruRnp+OgU95H01nPOcwDuqKsH2CCXd7Uqr2sR55+oCAAAcI8N4RTEvQKbnJjZ7HOnr9bmzERurhER+eVXxau/HAAAwB01jGvAsuXuKvON2mRuZGRi4vWHiIgPr2dmJiZGRvZv0bz8Y9n8FwAA8IB9NpS9ZMtbzZj5dq7WiGg0GhER0Wh0wysiIvLLzS35BQAAPGxDWwUxW65uNZsby6V8Pn/waD6fLy1vNHfVFwAAwHBmwHqy2WK5WiwPc5cAAAD3hvuAAQAAJCLAAAAAErnoKYitzZk3P1/+5Z68qroaDAAAeKAufA3Y7x9qh1Y3vKjSi2oIMAAA4GG6aIBlHz+N6AbYkeUOAQAAOMeFZ8ByT/K9Ams0orT8/auvillzWgAAAOe78CIc2fJWs7lRyucjolGbm8zlRkZGJmYqm63WNRweAADA/XGZVRCz2WJ1a2t3d7e5sVzKRxyU2MTETGVTiAEAAPRzpWXos8VydT/E8hHRaNTmJnMjSgwAAOCkodwHLFssV7e2dnebB1NiSgwAAOCYod6IOXtiSuxQic1UlBgAAPCgDTXA9p2cEotGbW5uMjezeS2vBwAAcAdcT4DtyUbEk6duFwYAABCXuA/YQFqtzV/evJ6rNY48ms+XXuSu5fUAAADugOEGWGuz8ub121rjSHjl86WX378qF92uGQAAeNiGEmB9J7x0FwAAwBFXCrB+E166CwAAoL/LBFi/CS/dBQAAcI4LB1irMpGb208v3QUAADCoCwdY8+NefeVLpacR8fHnNzM/D/rXT15Vy2INAAB4mC4aYK3fP+z9Z6N2bJn5AZReVEOAAQAAD9NFb8R8MAEGAADAhVx0BqxY3d2tXsuRAAAA3HMXnQEDAADgkgQYAABAIgIMAAAgEQEGAACQiAADAABIRIABAAAkIsAAAAASEWAAAACJCDAAAIBErinAWq3W9ewYAADgzhpmgLU2KzMTEyMjIyMjuVxuZjMiYnNmZGKmsinHAAAAhhVgrc2ZidzkXK3ROPFUozY3mZvo9hgAAMDDNZwA25zJTdYaERH5Umm5lD94Jvckn4+IaNQmJyrmwQAAgIdsGAG2OTNZi4gobTR3t6rV8ounB89ly1tbzY1SPiIac2/MggEAAA/YEAJs8+daROSXm9Vitu8G2WL1x+V8RNR+VmAAAMDDdfUAa/3+ISLyL7/qX19d2a9eKjAAAOCBu3qANT82IuLp47P6KyL7+OmZzwMAANx7bsQMAACQyNUDLPdkkJMLexeKPcld+fUAAADuqKsH2CCXd7Uqr2sR55+oeKbtpefPny9tn/JsZ22pXH7eU15a2+5c/pUAAACuwxBOQdwrsMmJmc0+d/pqbc5M5OYaEZFfflW89KtsLy3Wz3jy+exqvd3e+3e7vro4e2qrAQAA3IhhXAOWLXdXmW/UJnMjIxMTrz9ERHx4PTMzMTEysn+L5uUfy5ec/+psLz0/M78W6xGRmV5YWV9fX19fWZjORER9sbxmGgwAALg9hrMIR7a81Vwu5SMiotFoNLr/W6t1/ysi8svNrUvlV2d7bak8e0Z9RWftp3pEFBYqU+OjERExOj5VWShERPv9rwoMAAC4NYa2CmK2XN1qNjeWS/l8/uDRfD5fWt5o7l6yvtbKs4ur9XZkCgsrC4X+2/z6vh0Rhfz4kYfHX05nFBgAAHCrfDbMnWWzxXK1WB7mLiNTmP7m5dT4aGw3+j7/x06//ooYHXsU0W7v/BExOtQDAgAAuKShBtiwjU5V1qfO3qSz8ykiMmNfnHjmi7FMRPvTTifGFRgAAHAbXD3ANmdGJj+Ulr9/VS5eYY35xN69e3faU+2DxRRviz//dCIlpJPgTeDPjkENSV3fuP5rRER0DGpI5S8RcSu/sQ9uODNgjdrcZG0uIn/rQuyUcxC//vrrvpu/e/cuk8lc90EN7u//iIj4/HNzeJBC81NExPW+Cex8iIjPRw1qSOXf/hnXOa7//W8REaMGNaTyr48R1/1hfUG//fbbhba/+iIcuRel/WU3GrW57kr0M5V+twS7Af1OTgQAALgRVw+wbLG6tbW7210AsftQ4/aFGAAAwI0b3jL0xXI3xJob/UJss3U9ITY69ih6Jxoe010e8dGYcwIAAIBbYmgBtie7NyPW3Ni7NXM0GrXJXG5kZGKiMvQM+2IsExGfdo5f/Hr68ogAAAA3Y+gBtiebLZarW7u9cxO7jzUaH5vDfp3RL59lItqrb7ePPLz9drUdkXn2pQkwAADgtri2AIuIaG1WZia+nZyr9b+H8nB0Cyzqi+Wl7e40WGd7rbxYD/0FAADcLtdxI+ZWa/OXN6+PZlc+X/r+x1fF7DWsUD869d3CzuxivV1fnK0ferywUJnSXwAAwO0xzBmw1mZlZmJiZCSXO5j0yudLyxvN3d2treq11FdERIyOz68sTBcO7gaQKUyvrM+PX9PLAQAAXMowZsBam5XjE17XcE/m8fn19flTnx0dn5ofnzr9eQAAgBt39QDbnMlN1g7+OfTwAgAAuCeGdg1YvrT8/auvru80QwAAgLvu6gGWe7HRvJ7VNQAAAO6VqwdYtlgcwnEAAADcexcNsFZl5s3HiIgnr6rl7JFHBrH/VwAAAA/ORQOs+bFWq0VElF5UI3vkkUHs/xUAAMCDM8z7gAEAAHCGi86AFau7u9VzHgEAAKAPM2AAAACJXD3AWpWZmZmZSuv8rSYmJs7bDAAA4P66eoA1P9ZqtdrH5tlbZR9HrdFonLcZAADA/ZXqFMTW7x8SvRIAAMAtdYkbMW/OjEyeWHe+NjkywFr0+Se5i78eAADA/XCJGbBidaN0uRcrfe8uzAAAwMN1iRmwiOKrjVL83PvHhw+1RiPy+dLTp2f8yZMnL776qii/AACAB+xSARbZYrVa7P335kxtshFPvz94BAAAgD4uF2CH5Z6USqVwcRcAAMA5rh5g2XK1OoQDAQAAuO8uGmCtysybjxERT15Vuytq7D8yiP2/AgAAeHAuGmDNj7VaLSKi9KIa2SOPDGL/rwAAAB6cVDdiBgAAePAuOgNWrO7uVs95BAAAgD7MgAEAACQiwAAAABK5+jL0x7VardOfzGYtwQEAADxUQwqw1mblzeu5WuO87Uobu9XicF4SAADgjhlKgG3O5CYHXokeAADggRpCgLUqr3v1lS+VXj558fjx6dvmcld/PQAAgLvp6gHW+uVtI8LZhQAAAOe4+iqIzY+NiMgvv1JfAAAAZxnWMvRPH1veEAAA4ExXD7Dck3xEfPj9jMXnAQAAGEaAZb96mY9ovP1FgQEAAJxlCKcgZss/LuejMfftzKYGAwAAONUQVkGszLz5+DQfjUZtMleLfL709OmpGz95VS27WAwAAHiYrh5gzY+12qG7MDcatUbj1I1LL6ohwAAAgIdpWKsgAgAAcI6rz4AVq7u71SEcCQAAwD1nBgwAACARAQYAAJDI1U9BjGi1Blx+Ppu1AAcAAPBwXT3ANmdyk7XzNzskny+9/P5VuajGAACAB+UmTkFsNGpzk7mRiYr7NgMAAA/J1QMs92pjY2M5v/fPfKm0vLFnuVTK7z++vLGxsbG8XCrlu4815nIzm1d+eQAAgLvi6qcgZrPF5pvJRkTkl5tb5SPnFRaLxXK12tqcyU3WanM/v9itlovFKEfvoai9rrwqlp2KCAAAPAhDOAVxc2ay1q++9mWL1eZyPqI2uT/jlS1WN0oR0Xj7i/MQAQCAB+LqAdb6/UNE5F9+ddZEVvarl/mI+PD7QW7lnuQjovGxeeUjAAAAuBOuHmDNj42IePr47BMJs4+fxtHc6j4CAADwYAxrFcTDc1v9dOfJAAAAHrCrB1jxRSkiGnNvzlrRcPPNXCMiSi+KBw/9XIuI/JPclY8AAADgThjCDFi3wKI2OTGz2W8arLU5M9G9VfN+f+0/dM6lYwAAAPfI1ZehjyhWN0q1yVo0apO5WuTzpad7V3d9+PCh0Wj0/lHaqBYjYnNmpJtjob8AAIAHZRgBFlGsNjfi28laIyIajdp+c+3LL2/8WC4ee6y0cdrC9QAAAPfQsBbhyBarW7vN5sZyKZ/PHzycz5eWN5rN3a1ycS+1ck9KpeXljebuVrXYd1cAAAD303BmwHqy2WK5Wiyfs1G5Wh3miwIAANwRw5oBAwAA4BxDDbBWa7MyMzExMdIzMTExMVPZbJ19izAAAICHYWinILYqE7m5Y4tvNBqNaDQma3ORX25acAMAAHjghhNgR+orn88/7S5Ef7AKfWMuNxEaDAAAeNCGEWCtyrfd+uouNn8sslqblW8n5xrRmPu28pUEAwAAHq4hXAO2+WauEdE9y/B4fUVEtljeai7nI6Ix92bz6i8HAABwR109wFq/f4iI/PKPZ0xuZcs/Lucj4sPv1uMAAAAerKsHWPNjIyKePj773MLs46cR0fjYvPLrAQAA3FHuAwYAAJDI1QMs9yQfEbWfz768a/PnWkTkn+Su/HoAAAB31NUDrHtyYdReV06/vqtVeV2LOP9ERQAAgHtsCKcgFl/11jjMTcxsto5XWKu1OdO7SVh++VXx6i8HAABwRw3jPmDZ8o/Lb3NzjWjUJnO1iMjn891nerdhjojz1kkEAAC494YRYBHZ8lbz8cy3k7Vubx3uroiIyJc2fqz2uUcYAADAAzKcAIuIbLG6tfuqtfnLm5/ffviw9+jTpy9fvPqqmNVeAAAAQwuwiIjIZovlarE81H0CAADcE+4DBgAAkMiVA6zVOrHwYffxysTETOXkqogAAAAP1RUCrLU5MzEykst9+0ufyGr98rbRqM1N5nIjEzObKgwAAOCyAdbanJnI9RY9bHxsntzg0EON2mRu4oy7NAMAADwMlwqwzZm9+IrIlzZe5U5uUixv7e42N0p7NwSby81sXvYYAQAA7oVLBNjmzGSt+1/55ebuVvX0ReazxepWc7nXYLVJCQYAADxoFw6wVuX1fn79WD7//l7Z8o/7CfbaiYgAAMADdtEAa/3ytnfuYen7AfIrIiJb/r7U/a/G237rdQAAADwMFw2w5se9a7+e9Lny6xS5J3uXgvVbrwMAAOBhuPQy9E8fDzb/FRGRffz0si8DAABwb1z5RswAAAAM5qIBtn824YffB7+cq/X7h+5/XOS8RQAAgHvmogG2fzbhBRbUOFi44yLnLQIAANwzFz4FsfjioksaHvSXCTAAAOAhu/g1YAcFNvftAPf12pzJzV104XoAAID76BKLcBSrG/sJlpuY2Tw1wlqblZmJyd5tmyO//Kp4iQMEAAC4Lz67zB8Vq83lD92JrUZtMleLyJeWX754/Hhvg99//vltrdY49CeljS3TXwAAwMN2qQCLyJa3mjHz7dxeZDVqc43aKdvmS8s/VtUXAADw4F3+PmDZcnWrubFcyp++ST5f2mg2t9QXAABAXHoGrCdbLFeL5Wq0WpvN5u+///zxY0Q8efLi8eNcrpiVXQAAAIdcLcD2ZLPFbLZYtMgGAADA6S5/CiIAAAAXIsAAAAASEWAAAACJCDAAAIBEBBgAAEAiAgwAACARAQYAAJCIAAMAAEhEgAEAACQiwAAAABIRYAAAAIkIMAAAgEQEGAAAQCICDAAAIBEBBgAAkIgAAwAASOSzmz6AW6fdbt/0IRz355+dmz4EeEASvAn82TGoIanrG9d/jYiIjkENqfwlIm7lN/bBCbDjMpnMTR/Cgb//IyLi889Hb/pA4EFofoq47jeBnQ8R8fmoQQ2p/Ns/4zrH9b//LSJi1KCGVP71MeKWfWP/7bffLrS9UxABAAASEWAAAACJCDAAAIBEBBgAAEAiAgwAACARAQYAAJCIAAMAAEhEgAEAACQiwAAAABIRYAAAAIkIMAAAgEQEGAAAQCICDAAAIBEBBgAAkIgAAwAASESAAQAAJCLAAAAAEhFgAAAAiQgwAACARAQYAABAIgIMAAAgEQEGAACQiAADAABIRIABAAAkIsAAAAASEWAAAACJCDAAAIBEBBgAAEAiAgwAACARAQYAAJCIAAMAAEhEgAEAACQiwAAAABIRYAAAAIkIMAAAgEQEGAAAQCICDAAAIBEBBgAAkIgAAwAASESAAQAAJCLAAAAAEhFgAAAAiQgwAACARAQYAABAIgIMAAAgEQEGAACQiAADAABIRIABAAAkIsAAAAASEWAAAACJCDAAAIBEBBgAAEAiAgwAACARAQYAAJCIAAMAAEhEgAEAACQiwAAAABIRYAAAAIkIMAAAgEQEGAAAQCICDAAAIBEBBgAAkIgAAwAASESAAQAAJCLAAAAAEhFgAAAAiQgwAACARAQYAABAIgIMAAAgEQEGAACQiAADAABIRIABAAAkIsAAAAASEWAAAACJCDAAAIBEBBgAAEAiAgwAACARAQYAAJCIAAMAAEhEgAEAACQiwAAAABIRYAAAAIkIMAAAgEQEGAAAQCICDAAAIBEBBgAAkIgAAwAASESAAQAAJCLAAAAAEhFgAAAAiQgwAACARAQYAABAIgIMAAAgEQEGAACQiAADAABIRIABAAAkIsAAAAASEWAAAACJCDAAAIBEBBgAAEAiAgwAACARAQYAAJCIAAMAAEhEgAEAACQiwAAAABIRYAAAAIkIMAAAgEQEGAAAQCICDAAAIJHPbvoAhmJ76flivc/jhYX1+fHkRwMAANDXvZgB6+x8uulDAAAAONe9mAH7Y6cdprsAAIDb7j7MgG036hGRGfvipg8EAADgLPcgwLonIGaefTl600cCAABwlntwCuIfO+2IzLOxP9aWflittyMiMpnCN9/NjysyAADgNrn7M2DdCbD26uJir74iot2uL84+X9q+wcMCAAA47u7PgHVX4IjIFBZ6k16dztrbH1br7fpieWylMtVvHuzdu3en7a/dbp/21E3588/OTR8CPCAJ3gT+7BjUkNT1jeu/RkREx6CGVP4SEbfyG/vg7nyA9ZagLyxU9pdAHB2dmq+MxfPFevv9r52pfgX29ddf993bu3fvMpnMNR3qJfz9HxERn3/uZEpIofkpIuJ63wR2PkTE56MGNaTyb/+M6xzX//63iIhRgxpS+dfHiOv+sL6g33777ULb3/lTEEenKuvr6ycXoB/PFyKi/f5XP0kBAAC3xJ0PsFN9MZaJiPbOHzd9IAAAAF33N8C63B0MAAC4Ne56gHXWys+fP++34GF3cY5HY07KBgAAbom7HmCjY48iIuqNYwXWWfupHhGF/PFrwwAAAG7KXQ+wGH85nYmI+mJ5abu33kZne6k8u9qOyEy/1F8AAMCtceeXoY/Rqe+m38+uttv1xdn64ScKC9/1vQcYAADAzbjzM2DRXYl+ZaFwcDeATKawsLLevSszAADAbXH3Z8C6RsfnK+PzN30UAAAAZ7gPM2AAAAB3ggADAABIRIABAAAkIsAAAAASEWAAAACJCDAAAIBEBBgAAEAiAgwAACARAQYAAJCIAAMAAEhEgAEAACQiwAAAABIRYAAAAIkIMAAAgEQEGAAAQCICDAAAIBEBBgAAkIgAAwAASESAAQAAJCLAAAAAEhFgAAAAiQgwAACARAQYAABAIgIMAAAgEQEGAACQiAADAABIRIABAAAkIsAAAAASEWAAAACJCDAAAIBEBBgAAEAiAgwAACARAQYAAJCIAAMAAEhEgAEAACQiwAAAABIRYAAAAIkIMAAAgEQEGAAAQCICDAAAIBEBBgAAkIgAAwAASESAAQAAJCLAAAAAEhFgAAAAiQgwAACARAQYAABAIgIMAAAgEQEGAACQiAADAABIRIABAAAkIsAAAAASEWAAAACJCDAAAIBEBBgAAEAiAgwAACARAQYAAJCIAAMAAEhEgAEAACQiwAAAABIRYAAAAIkIMAAAgEQEGAAAQCICDAAAIBEBBgAAkIgAAwAASESAAQAAJCLAAAAAEhFgAAAAiQgwAACARAQYAABAIgIMAAAgEQEGAACQiAADAABIRIABAAAkIsAAAAASEWAAAACJCDAAAIBEBBgAAEAiAgwAACARAQYAAJCIAAMAAEhEgAEAACQiwAAAABIRYAAAAIkIMAAAgEQEGAAAQCICDAAAIBEBBgAAkIgAAwAASESAAQAAJCLAAAAAEhFgAAAAiQgwAACARAQYAABAIgIMAAAgEQEGAACQiAADAABIRIABAAAkIsAAAAASEWAAAACJCDAAAIBEBBgAAEAiAgwAACARAQYAAJCIAAMAAEhEgAEAACQiwAAAABL57KYP4NZpt9s3fQjH/fln56YPAR6QBG8Cf3YMakjq+sb1XyMiomNQQyp/iYhb+Y19cALsuEwmc9OHcODv/4iI+Pzz0Zs+EHgQmp8irvtNYOdDRHw+alBDKv/2z7jOcf3vf4uIGDWoIZV/fYy4Zd/Yf/vttwtt7xREAACARAQYAABAIgIMAAAgEQEGAACQiAADAABIRIABAAAkIsAAAAASEWAAAACJCDAAAIBEBBgAAEAiAgwAACARAQYAAJCIAAMAAEhEgAEAACQiwAAAABIRYAAAAIkIMAAAgEQEGAAAQCICDAAAIBEBBgAAkIgAAwAASESAAQAAJCLAAAAAEhFgAAAAiQgwAACARAQYAABAIgIMAAAgEQEGAACQiAADAABIRIABAAAkIsAAAAASEWAAAACJCDAAAIBEBBgAAEAiAgwAACARAQYAAJCIAAMAAEhEgAEAACQiwAAAABIRYAAAAIkIMAAAgEQEGAAAQCICDAAAIBEBBgAAkIgAAwAASESAAQAAJCLAAAAAEhFgAAAAiQgwAACARAQYAABAIgIMAAAgEQEGAACQiAADAABIRIABAAAkIsAAAAASEWAAAACJCDAAAIBEBBgAAEAiAgwAACARAQYAAJCIAAMAAEhEgAEAACQiwAAAABIRYAAAAIkIMAAAgEQEGAAAQCICDAAAIBEBBgAAkIgAAwAASESAAQAAJCLAAAAAEhFgAAAAiQgwAACARAQYAABAIgIMAAAgEQEGAACQiAADAABIRIABAAAkIsAAAAASEWAAAACJCDAAAIBEBBgAAEAiAgwAACARAQYAAJCIAAMAAEhEgAEAACQiwAAAABIRYAAAAIkIMAAAgEQEGAAAQCICDAAAIBEBBgAAkIgAAwAASESAAQAAJCLAAAAAEhFgAAAAiQgwAACARAQYAABAIgIMAAAgEQEGAACQiAADAABIRIABAAAkIsAAAAASEWAAAACJCDAAAIBEBBgAAEAiAgwAACARAQYAAJCIAAMAAEhEgAEAACTy2U0fwLB01pZybyNVAAAM4UlEQVR+eF9vtyMiIlOY/ubl1PjoDR8TAADAYfdjBmx76fns6l59RUS7vro4u7R9k4cEAABw3H0IsO2lxXpEZKYXVtbX19fXVxamMxFRXyyvdW762AAAAPbd/QDrrP1Uj4jCQmXvnMPR8anKQiEi2u9/VWAAAMCtcecDrPPr+3ZEFPLjRx4efzmdUWAAAMCtcucD7I+dfv0VMTr2KCLaO3+kPyQAAIC+7voqiJ2dTxGRGfvixDNfjGUi2p92OnHnV0P835/e3vQhAMP0P/7v/7npQwCG6V//67/d9CEAd8ZdD7BLevfu3WlPtQ8WU7x5//E/TP79/23c9FHAw3KtbwL/eezp/9z5cH37B/q6xnH9n/7rX//2369r58ApbtU39ou67wHW3vkj4uQM2Ndff91383fv3mUymes+qAvJxH+56UMAhun7W/YmA1xVxvQXpHarPkp/++23C21/568BO0e/kxMBAABuxH0PMAAAgFvjrgfY6YsddpdHfDR211fgAAAA7o27HmDdxQ7j087x+32dvjwiAADAzbjzATb65bNMRHv17faRh7ffrrYjMs++NAEGAADcFnc+wHoFFvXF8tJ2dxqss71WXqyH/gIAAG6Xe7AM/ejUdws7s4v1dn1xtn7o8cJCZUp/AQAAt8fdnwGLiNHx+ZWF6cLB/QAyhemV9fnxGzwkAACAE+7BDFhERIyOT82PT83f9GEAAACc7l7MgAEAANwFAgwAACARAQYAAJCIAAMAAEhEgAEAACQiwAAAABIRYAAAAIkIMAAAgEQEGAAAQCICDAAAIBEBBgAAkIgAAwAASESAAQAAJCLAAAAAEhFgAAAAiQgwAACARAQYAABAIgIMAAAgEQEGAACQiAADAABIRIABAAAkIsAAAAASEWAAAACJCDAAAIBEBBgAAEAiAgwAACARAQYAAJCIAAMAAEhEgAEAACQiwAAAABIRYAAAAIkIMAAAgEQEGAAAQCICDAAAIBEBBgAAkMhnN30At867d+9u+hAAAID7yQwYAABAIiO7u7s3fQwAAAAPghkwAACARAQYAABAIgIMAAAgEQEGAACQiAADAABIRIABAAAkIsAAAAASEWAAAACJCDAAAIBEBBgAAEAiAgwAACARAQYAAJCIAAMAAEjks5s+ALiC7aXnP33KPHr0bCz/5dT4aP+NOttrvzZ23n+qP/pmfX58qK/fWSvPrrYz0yuVqVNeHLiaTmf717c/va+3270HMpnCs29e9hnw543H7aXni/UoLFzkfaD7N8Y43AbdMX7uZgMP2Mu8J8BQCDDuuHa73W63o74zdso76PbbxdV6REQ8SnlcwJX1/brVbtfbi/XVTGH6u3lVBMDdI8C4+zKZTLtdb2zPj/cpsO1GvbvB+T+aAbfI9lJ5sd6OiExh+puXX46PdmOrOyO2Wm/XV2c/hZkpeDhGpyrrU4cfMIXFXeUaMO6BR48yEfXGdp+nthv1yDx79ij1IQFXsr20WG9HZKZX1ivzU3v1FRGjo+NT85WVhUImor06u9Rv3APALWYGjHtgLP8sU+87B7bdqEdm+suxndWjD/e7rqN3ttPhn9I620s//LR/7Ukmk3n0zXfzp11rdmQvR/fd2V57+9NqfW8/hel+V7B0tpd+6P7gH5nCwnfzX/za74KWzvbaoethMplC/yMacDO4nTprP9UjorBw2gTX6Pj8d9OfZlfb9Z/WXo6fOgvWdzwefv7IQDnj+rKIztrSD6t7A7Tf2Y/nDfOD3+q/2N/VwZ4Odp/JTH/z3bFDuMBxAhEx+Af9YYN96BuPXJ0ZMO6DL7581ncObLtRj3g0drk3xc5aeXaxfujUxXa7XV+cfX7GL+573/aOfG3cXirPLu5/LYuIdn11cbZ8dDe9F9vfYnG2/Han/yGtHjqmdrt+YlcDbwa3VefX9+2IzPTLs04rGp36phAR7fe/dk7ZS7/xeMje0Dx0enK7XV9d7DOrtvO2PLt6aICuzpbXjrzqQMO8u6u1Q7vq7Wl76fmhx9qriz8c3vsFjhO4tME+9I1HhkKAcS+M9i2w7UY9opC/1KnhnbUfVtsRmemFlfWelYXpTETUf1rr/31ve2l2tR1RWKgc/LLWWetexpIpTK+s7O2mkIlo1xcPvsH1Xmz/1VYWCpl2/dCXucP7zxT2D6l7RO364uE3/gE3g1ur21/n/3Yynj+jwPqNx6PP985xPBji6ysLhYg+Y7xdr7cPj86IaK++3R9Ogw3zrvrqahT29jTd3dPsYj1z/LH9vV/kOIHLGuxD33hkSAQY90OfAuuexHTJ/oo/dtoRkXn25cFJBaPjU5X19fX1vr+md9bKi/WIzPTK4W97vS+ShYXK/NTeRSyj4/OVhUIc+o51sFXvFIbR8fnvpjPHX2DvnKyD8yFGx6cqK9OZw2/8A24Gt1hv9I19cd6GX4xlIqK988fxJ/qPx8O2G/WIyEwfOdlvdPzldN89ZqZXDo3ObwoREZ929gbdQMP8YFd7pzSNjn/5LHPisamje7/YcQKXNNCHvvHIsAgw7onRsUdxpMC6X4ou21973+xWf1ja7pwfLd0f209caLL3xezEQXR/ue99x+p7ulXv9Kpju+pzTlY3PfcmAQbcDG6/y548fOp4PGJ8/tAXq06ns729tra0dNpNho4ey9HuG2yY78k8+/LQF7exRyceu9JxApc00Ie+8ciwWISD+2I8X4h6fX8ljiv2V4x++Syz2m5Hu744W4+IyBSmn/W/3XN7dXax/05O/yG/e7TtnT8iRrtbnfi2+cVYJuLYm3p7dfb50fVE9p/Z+SNi9GKbwW32aacTl7iq/fTxeMKhhW/OduZk3GDDfMBD6mvg4wQua+APfeORYTADxr3R/bm5Nwd21f6KGJ2qrCwUMvsnArbrq6uLs8+fl5e2T/44lil018T+od8pfpf/If+Q7pe8YW0Gt9mpZxYed0r7nDke9xxZ+CaTyRQK09MLKyvHz/0d1KDD/MJvB0M+TqC/gT70jUeGxAwY98ehObAvrtxfEd3LOMbnIzrba7823vfWnG3XF38YO3pqU2GhMj/eGfs0u9pefbs9dfyik8F+yB9oq7NPqrroZnA79X6KPndM9K7HOHYC3znjsWtv4ZvCwsqRRaY7JxcfHcwl5+vOM/TjBE513oe+8cjQmAHjHtmfA7v6/NcRo+NTU/OVysEKZUevpOr+/t67aOvIUoOn/5Df++Y49sX+ViccncwacE5g4KkDuMV6lyweX7/iqN6CM8f76/TxeFhv7mz65bFousQc8mDD/JKGeJzAgE770DceGRoBxn3S/Sb0qfH2nP7q942pdyX93r/Wys+fPz9+z6+DVcv6GZ9fKMSRpQa7XyNPu0HZ3tlI/b9s9jbZf+nerk6uY7i99Pz58+e9xa4H3Axut/1+6nvKb3Qvw+j+FP3NKZO9J8fjAPaG3dGFM8451oGG+XBd5jjhYTn/g/6wy3zo7zEeuTgBxn3SS5l6/Zz5r97aY/XF3pe7zvbasVWM9r5TLZbXDr7/dbZ7px+c9o2quxbtoUtPDnaztNZbV6nTWVsqL3ZXsu2tVXjoxXrbbPc2OXxEvbvOrs4eOqT9Dfe/hQ64Gdxy4/MrvdvXzZaX1g4tS9bpbK8t9S7DyBQWTltmPvqMx0P2Vjx7e2iUrJWfHx92AxlsmF/OMI8THpTzP+iPbD3Ih77xyNC4Box7ZW8Zo/NO+xl/OZ2pr7Zjb7WjiCgsLMTiwdvo6NR30+9nV9vt1cXZowsKnvWdb++v9i89GZ2qLOyUF+vt+upsffXoXg4u0zp4sYPVCzOFQhy9F/P4/ELh02L95CEdPaIBN4NbbnSqshJLP6zW2/XVxfqJZT0zhenv5s/+QeHEeDz81DeF1cX64beAiIjM9MKz94ur7YutXDjYML+UoR4nPCjnf9AfNsiHvvHI0JgB437p/Yh15o11Irrf7aYLe2cWZAoLJ+/XOjpVWVmYPrQkUmQyhemFlcqZFXPy0pPx+e5+DnbTZy+95ZcOHU8lf3wN+oNd7e+r/xENuBncdqNT85WVY8Ow93/n9co59dXbwamXgo3PHxmXmUxhYWW9MjXe/dX8oucSDTTML2W4xwkPyAAf9Mc3P+9D33hkSEZ2d3dv+hiAPraXni/Wo7CwrpsAAO4NM2Bw0/pf+zuEBdQAALhtBBjctONXCkdEZ3tpsd8K2wAA3G1OQYSb19lemu1zWbD7KQMA3DcCDG6Fzvba25/e19vdhTcymcKzb15OjasvAID7RYABAAAk4howAACARAQYAABAIgIMAAAgEQEGAACQiAADAABIRIABAAAkIsAAAAASEWAAAACJCDAAAIBEBBgAAEAiAgwAACARAQYAAJCIAAMAAEhEgAEAACQiwAAAABL5/4oUFU6xVhj+AAAAAElFTkSuQmCC"/>
@@ -6143,29 +6166,46 @@
             </a:pPr>
             <a:r>
               <a:rPr lang="en-US" dirty="0" smtClean="0"/>
-              <a:t>Histograms are particularly benefited from full-sentence hover text.</a:t>
+              <a:t>Some nurses were more comfortable starting with tables than graphs.</a:t>
             </a:r>
             <a:endParaRPr lang="en-US" dirty="0"/>
           </a:p>
         </p:txBody>
       </p:sp>
+      <p:pic>
+        <p:nvPicPr>
+          <p:cNvPr id="8" name="Picture 7"/>
+          <p:cNvPicPr>
+            <a:picLocks noChangeAspect="1"/>
+          </p:cNvPicPr>
+          <p:nvPr/>
+        </p:nvPicPr>
+        <p:blipFill>
+          <a:blip r:embed="rId2"/>
+          <a:stretch>
+            <a:fillRect/>
+          </a:stretch>
+        </p:blipFill>
+        <p:spPr>
+          <a:xfrm>
+            <a:off x="3135817" y="0"/>
+            <a:ext cx="9037622" cy="6858000"/>
+          </a:xfrm>
+          <a:prstGeom prst="rect">
+            <a:avLst/>
+          </a:prstGeom>
+        </p:spPr>
+      </p:pic>
     </p:spTree>
     <p:extLst>
       <p:ext uri="{BB962C8B-B14F-4D97-AF65-F5344CB8AC3E}">
-        <p14:creationId xmlns:p14="http://schemas.microsoft.com/office/powerpoint/2010/main" val="1648253073"/>
+        <p14:creationId xmlns:p14="http://schemas.microsoft.com/office/powerpoint/2010/main" val="2141857561"/>
       </p:ext>
     </p:extLst>
   </p:cSld>
   <p:clrMapOvr>
     <a:masterClrMapping/>
   </p:clrMapOvr>
-  <p:timing>
-    <p:tnLst>
-      <p:par>
-        <p:cTn id="1" dur="indefinite" restart="never" nodeType="tmRoot"/>
-      </p:par>
-    </p:tnLst>
-  </p:timing>
 </p:sld>
 </file>
 
@@ -6492,6 +6532,30 @@
           </a:p>
         </p:txBody>
       </p:sp>
+      <p:pic>
+        <p:nvPicPr>
+          <p:cNvPr id="3" name="Picture 2"/>
+          <p:cNvPicPr>
+            <a:picLocks noChangeAspect="1"/>
+          </p:cNvPicPr>
+          <p:nvPr/>
+        </p:nvPicPr>
+        <p:blipFill>
+          <a:blip r:embed="rId2"/>
+          <a:stretch>
+            <a:fillRect/>
+          </a:stretch>
+        </p:blipFill>
+        <p:spPr>
+          <a:xfrm>
+            <a:off x="3135839" y="0"/>
+            <a:ext cx="9037622" cy="6858000"/>
+          </a:xfrm>
+          <a:prstGeom prst="rect">
+            <a:avLst/>
+          </a:prstGeom>
+        </p:spPr>
+      </p:pic>
       <p:sp>
         <p:nvSpPr>
           <p:cNvPr id="6" name="AutoShape 2" descr="data:image/png;base64,iVBORw0KGgoAAAANSUhEUgAABIAAAASACAIAAAAIyqENAAAACXBIWXMAAB2HAAAdhwGP5fFlAAAgAElEQVR4nOzdXXCU950v+J+3crFTs1VbdTZIluRUhTqQHYMIGmQXdUTNOAwvBvwyvvCSFAQckwTKczwFNh57PHZyEZskJCaGis+4RBKIwaYSyqfWB4OEeQn2TKFZCkREEHgqcIpUBalRy7tbezE15469aHWrW+putaTWo7fP5wqrn5f/86L2/6v///k999y9ezcAAACYeP/TZDcAAABgthDAAAAAEiKAAQAAJEQAAwAASIgABgAAkBABDAAAICECGAAAQEIEMAAAgIQIYAAAAAkRwAAAABIigAEAACREAAMAAEiIAAYAAJAQAQwAACAhAhgAAEBCBLAK3bzZvm/bsmXL7smzbNmybfvab96c7LaNX/u27CHtq/RoxrDK5Lp5s33ftpl7CWeQm/uy12hb+2S3pYiZ/VUAAEw4AWxEN9u3Lbvnnvnz1+3Y39HRkf9JR0fH/h3r5s+/Z9m29pnb9cp0N6dJyirqZvu+bcsyV7DkJZzYazj9zyExq74K3LEAMHEEsLJu7lt2z/x1+ztGWKxj/7r5y6bkX+vHKXP8O0Y8AVPXzfZtyyo6go796+ZPyGje9D+HxKz6KnDHAsDEEsBKu7lv2fwdg52Qlq17227cuHE358aNtr1bW7Ifd+xfNzVnTFVibevAMZ3fPi//5zeul+yElVplKrm5b1lBn7nEJcxdw+jYMb/qGazMOWSamEVfBeGOBYCJJoCV0r5tsMvVsrXtxt3zrdvXzpuXFzbmzVu7vfX83RttW7M/2b9uOve7Zpr8K1j2Ep6/0bZ3sPc8ARmMac1XAQBQTQJYce3b1u0f+GfL3hvnW9eWHuWZt7b1Rq7/vv91nfepIe8Kxta2kS7h9vN3BzvPHTt+rPPMAF8FAEB1CWDF3Nz3+mCf652Rp9jN2/5Ott/VcfSEbtfkK7iCN8p1mnMKOs/GL4gIXwUAQPUJYEXcPHE0O+No66uVPeE075H1W1tatm7d2/bqI0VXuHmzvbB0daZu9QgNKVxpWa7EWqka8LmfD+SHTC2zkfc5bHsDlcBzf/vv2DF/yA6HrlJh7fBy1euHtLaiU1TcGK5gRMzb/urgFLIPCo5ixKL7RQ5/5HNYsIExHPyobqrsIeQuccEOh685/N4Zocx69S5f0cMs3Ozw7Vb0XoShvyAj7nqyvwrGcuMVrjiKr4IR7tgJOcMAMBvdZajBgZDY2lblDQ7TsrXtRvGV2rYWX6tl743B6XItewvWzv18a9vdUusPWyl/vexHJZucW3d4E/J3Xkqphpc82nKnqKSxX8FSa5Zqd5EVc+uNfA5zC5Y5+BL7G/1NlT2Elr03Sq6cu/zlbr5ijZmgy7e1rXRTtw5tyojXqLJbtHhLJuurYCw3XuGKo/gqGOmOnYAzDACzkRGw4QaLgLUsmD/urbVvuye/gNpQHfvXFSv60L6tZMnrjh3zt30w0l67X19WumR2x46nJuLxlLVPDHS+howe5Wn/YOCP6y3r80YHhhYrHKJj/7r5o/tz+uAV3PrE2tGsGPO+1Jj9Z/fvE5lAdnPfsvllKn4Xrwkytpsq68S2Uit37Ji/rf1m2Ztv+K1T9cuX54PSTd0/9Mys/buB/FBy7l/u9qv0tpgKXwXjVcWvggk4wwAwK012Apx6qvpX78HKDgPFq7M7KRwzKDWQFYV/Fx8+0FBmxSF7HLJyiT+Xl9peBYNmd0f+83fRz/P/7N6ytW2wunfhOSr9R/dhBrc4ipWGtbGgkWMeiBhh1cKDL3W1yt4eY7mphq7Ylt+MlmGXouDzIQdY/cs3fCCmpeRtXGIEp+jeSl+iChoy6V8FYx4BG77Hsl8F5fdZ7TMMALOSADbMYM9lDN33QnkduKK977xOUl6PpaDbN2ytGwU9q3Jd8yJ7LHVsVQpgI3QXi+av4oGn8s/LrjKuAFb5gd0dawAr39LiQXJsN9WI90a526pMUyfg8g0JYEXWK3mM5fLBGNLBpH8VVCmAjearYIR9VvkMA8CsZAriBGr/cXbCUfECavPWtub6OoPT9gaf+9/aVqR8X/5K5RStGZCbJRgd129UsJHRKjdHabCeXN70pLwftrUWnbQ0eLilZzZOV7kJW8Wv1mBRkLzTObabqlCxvQ3eGsU3nPf5oIm/fEW3W/IY5z2yvtT9l/drNQmz46px1casml8FU/YMA8A0IoANM39B6efkR+Xm77sH/lW6gNpgNyjb7aqgG1O0LzxEiZWrdnAllO6fFT+u3EM2ZfpsucNN6KmsxAw+Ebf374of/drWgT+UnM/eQGO7qQqN1D9u/FKxDedunbwO+0RfvpInJu8YCzZb8v4bUzqY5K+CKqnuV0F1zzAAzEoCWBnjHCXK9U7LPcA/rCNZyVojJ7Bq1AwYk1L9s1z3rKBPPdgx3b/unpKyZbErvR5V6jcXzyETYRR7GttNVWCke6Pye2diLl+eMiemWB6MkvffeNPBpHwVVEe1vwom6AwDwCwigA2TfCG84pLr/1dVbt5cQf9sMH+tL/5ypIpUeD0Gr+Do+82DmWLCM+zgrmaJUf86lbsEeb+mhT8vdv8Vj/8jmipfBVNLNc8wAMxKAthwgwMoo+q/39y3bNmybdv2tVfl5bPTWPYv+Xn9s+rkr4oNXsHRzubKe/HuNA3As0Xp+Dr8/hvz7eeroKgqnmEAmI0EsOFyc2xG1X+/eeJoR0fH/v071r1e4h05xVfL9SOHdvin79/ch/XPciUISj8BU1HdtPOl1h5ibFcwv6HTeyJV6ZtqolT18uWMceLf0Ptv7OlginwVTDnVO8MAMBsJYEXkd7ter/A9pXllzrJ9kBJPqRQafNXrgErWmuqT14b0z0q/nXVwjld14+Zg/cDYv67itwAP1vQbff4adh1HVsnB39y3bOBJqoGjGNtNNUEm6vLllNlsuceqCu+/8aSDSf0qqEhS17pQ9c4wAMxCAlgxef33jh3zK+jAt2/LVhrIG+QZ7LyV7rvlFSIf6PHnrVXqb+554zRTVLYcfcfREzfL5K/8nunwuvVZuRCyrMIecH4LImL/uopWbN82P3daSz/IUqIHPaZInKu60LHjx8Uv9fDKBmO7qSbKhF2+GGGzg1m5aJ8/Px+MLx1M5ldBgWreeFVQvTMMALOPAFZc/su29q9btq3Mwxw327flCr0V9twHu10dO54q0u+6md9Zy3W68jpr64rtN2+lqSt7EB1HT+wb6FgWDTUjnaKIm/ue2jGW7t287e/kIljHjvllL2Hc3Lds8BoWe1VT+afKBts4OnmVx4v2yweTdrHbYzQ31QSZuMsX5Tabd75LbDUvH5y4Pr50MIlfBTFRN14VVPEMA8CsM46XOM90Q9533NKydW/bjRuDn9+40bZ3a0HB8+FPwuRvo2Xr3rYbg+vmr9qy90bptXIr3R22w5IrDvn5YJtzoaSgraXWG1x82AZH2tXgquVbVHiaW7bmneLCw63oMaMhbRh6Cbfubbsx/BK2FC5TdD9DLmRuI8MvydD1y5zDwrOUf3/cvdGW/0m522PUN1WJK1H5BS1+61Tv8g27dfK2OuR8l95qxfdfJSbvq2DMN95YvwrujnDHFlusCmcYAGYTAaycwq7RCEbq145qzQrWKrbqxAWwnOx6I+5qSNe8TO+syF6GGUP8ymx7NJewXCtHaOTWvdnPS3dnix7MyAc/tttj1Il5jAFsAi5f3p62ljvQ8j3+wmaNNx1M3lfBGG+8qgSwwb0Uu37VPcMAMHuYgljOvLWt5yvpebVs3XujVI23ta13y22hZWvbjSJrrm0tvd+WrXv3VpjPxivvCZisysst5L8uunT5w4iYt/38jaF/zs/XsrXtRusYJ9NlLmG5rQ/so2VrW8lrONDIUlekZWvb3dZHSq9Y9hzO2172FmvZW/z2GMtNNUEm8vI90VoqfxQ/MfnNGqyfMcL9V4nJ+yoY8403ZpX+1lf3DAPA7CGAjWTe2tbzd+/eaNu7d2tLy5DZatmpSOdby3Y+1raez8wYylt9YN2751vXFl913trW8zdutA1ZaevethvnW7d/KfuTCS9YnUmCBYddcWnwwQQ24sNI87a3nh8+H3Ckc1SheWu351/Dgh20bB24hBXsZPgVyV6Q8kc30jmcN3iD5Dctc+yl7qwx3VQTZQIv37zt5ws3PNKJGVxzMB9U52G4yfoqGPONN2YV/tZX/QwDwOxwz927dye7DYzWzX3LBir2bW27O1GdMJjeciUx/JZMEGcYAMbCCNiU077tnpHKdpd7BxIQUe71c1SHMwwAYyKATTmD71Yq8XaoEd6BBAz+lpR+pxvj4gwDwBgJYFPOvC81Zv+Zee3Q4DjYzZvt+7Ytmz/CO5BglrvZvm1crx9jJM4wAIydZ8Cmovz3uZY0Yhk4mFUGH40c5OGkanKGAaAajIBNRWtby9b1TrrOOEwHeWPHGS17x1z/nmKcYQCoBgFsapq3vUi96kz16UmpMw5T3/wncn+2aPE3iongDANAFZiCCAAAkBAjYAAAAAkRwAAAABIigAEAACREAAMAAEiIAAYAAJAQAQwAACAhAhgAAEBCBDAAAICECGAAAAAJEcAAAAASIoABAAAkRAADAABIiAAGAACQkM9NdgOmluPHj092EwAAgGnm0UcfrXBJAWyoys8dAAAwy412CMcURAAAgIQIYAAAAAkRwAAAABIigAEAACREAAMAAEiIAAYAAJAQAQwAACAhAhgAAEBCBDAAAICECGAAAAAJEcAAAAASIoABAAAkRAADAABIiAAGAACQEAEMAAAgIQIYAABAQgQwAACAhAhgAAAACRHAAAAAEiKAAQAAJEQAAwAASIgABgAAkBABDAAAICECGAAAQEIEMAAAgIQIYAAAAAkRwAAAABIigAEAACREAAMAAEiIAAYAAJAQAQwAACAhn5vsBoyg58L7R4/887lbtyIiYu7c5X+xYf2TSxuKLPj+mz8aXG755hKLAQAATJopHcAuvLl917lbeT+4devcrV3n/nnz2/uebChc8PFd5/KXO3do17k/vnLsuaXJNBQAAKACU3gK4oU3d527FTF3+StvH8t4+5XNcyPi1qFn3rwwZMGImLt5YMGBxc7t2v5+z+Q0HQAAoIgpG8B63j9yLiKWv7LvudxUwoalT+57ZXlExLmOC8MXzM45zC1265//RQIDAACmjCkbwG7/8VZELG8ZOolwacvyiIg//HEgWvX8yz8XW3Dp+s1zJTAAAGBKmbLPgC197tix5ypYrlRQa/jCFyNu3frj7Qi1OAAAgClhyo6AlXKh41xEzP2L/5SJVT1//ENEzP3CfcMWvO8LcyNvpAwAAGCyTdkRsOKyD3xteHJ8w1rHjx8v9dGtW7dKfQQAADAe0yqAXXjzmUO3IuZuXl9xefkScxAfffTRoosfP3587ty5Y28hAAAwm1y7dm1Uy0+fKYgX3ty+61zE3OWv7BvF8FexyYkAAACTYnqMgPW8v31g7GvoK5gBAACmjWkwAnbhzTLpq+ELX4yBiYZDZMojfvEL8hoAADBFTPEA1nPhzcd3nbsVc5e/cqz42FepYoelyyMCAABMjik9BfHCm8/sOjfCxMOG//QXcw/dunXo6IUnn8srzXHh6KFbedXqAQAmxL8dfX6ymwCzy5+u/8lkN2Fcpu4IWM/720dMXxGZBBYR53Ztf/NCZhis50JmVfkLAJhQ0hckb7r/3k3ZEbDMEFbErUPPPH6oyOfLXzk2MOLV8OSLr/zxmV3nbp3b9cy5giUU7AAAJt6frJre3UGYRv799PQe/oqpOwJ2oePcyAtlNSx97u1XNi8ffH/X3OWb3z72XMUvCwMAAEjCVB0BW/rcsWPPjWL5hqVPPrf0ydGsAQAAkLCpOgIGAAAw4whgAAAACRHAAAAAEiKAAQAAJEQAAwAASIgABgAAkBABDAAAICECGAAAQEIEMAAAgIQIYAAAAAkRwAAAABIigAEAACREAAMAAEiIAAYAAJAQAQwAACAhAhgAAEBCBDAAAICECGAAAAAJEcAAAAASIoABAAAkRAADAABIyOcmuwEAACTtiaf+ZrKbwJTwwTv/ONlNmHUEMACAWSQTvVr3vD7ZDWFKyNwPYliSTEEEAJgtnnjqb1r3vC59kZO5GYyIJkkAAwCYFXSyKUogT5gABgAwW+hqU1Trntfl88QIYAAAAAkRwAAAABIigAEAACREAAMAAEiIAAYAAJAQL2IGACAiouvIq293jmL5+9bt+M6Kz49rX/WrvrfzodqxbQKmJyNgAAAACRHAAAAAEmIKIgAAERFNG15v3TDkZ5+179n7QW9E88bWDfdPSqtghjECBgAAkBABDAAAICGmIAIAME6fHtj53oUSdRH7zr713bY7EU3P7HmyacQtpT9tP3P2Uued29kf3Fff9MDDX1nbWLzcYl/608tDl7+3oWnFIyvur6y4YsEcy77uT058dPpCb+aje+9rXrF1w8B2+ro/OfHR1Qu9dwb20rzqsZUPNdVUcgj33te8qOTCoziE/JMcXWc//rCr63amqfX3Li12yNkzH0uffn1LY0WngwQIYAAATAl93e9/92DXkB/e7u26fbDrg/qmZ3YOyW+fdR351dudd4Ytf+d273sXuoYvX16668h7hVX479zufO+7nU3P7Hkyjrw1ZEe3O0+/3Xn1iZeeXVsYq3KZp3A7d97uPH1f88bvDH2ObmyHcO3AnlxKjIiI3jsXxnLITA4BDACAKSD9yf5M+qpf9cym3HjRZ11nf/V2253o7Xr7yML8QiB9Zweiy33NG3PjVJH+9MDh9y70xvDlR9B5+u2CTeWiUdfbe+5E7537mldtXflQbU1ek+LOB4c/WZL3HrNc+ioYH0t/1nXmV2933rnd+d5rUZDBxnYIt9tO3457l6772iMrPl8bEelP2w+/90FvRG/Xh2e/0jTWN7ORGM+AAQAw+fquXr0dEdH0zM782Xqfb1rx7DPNERHReS1vdOzTE5mBpuaN39mQN/Wu5v4tOzcuzfw7le4bTQPuW7cjb1Ofb9qwYmA7vXeieeN3NmTSV2GTevtTufXTn+wfbFLeIdR8vmnDs99bd29E3O48256uwiEsffrZLZn0FRE196/dueOJ+oiI213X8pevXfFs657XW/eYfzi1CGAAAEwdd1LpoT9q2vB6657XW/MfIeu+diEi4t4nVg4f45pTVx8RheloZE2PDR07un9JJmUV20td7b1DWjsYIIsNu9Wu+NoT9RFx54Mzn473EOpXPTI0UH2+rq708kwxpiACADD5amvvjbgTceeD3W9dal702MqFTTWlZ9M1Ptm658kSn32+ri6it8SHpdTPqSv52b11w+pnZFub89nlrsxw1sIST2FlW5VK98X9tTGOQ6irGV5fpG5oe5i6BDAAAKaAxiefab7zduedXNWKiGx9v0X315YoITgg/Vlf9KfSkfrdtUupbG3AUSmWakajP5XZaed72zrLLtjbn4oosq+KD+G+2jnjaimTTQADAGBKaNrw7Pe+XFDtfaC+X1tEfdMTw4rR93W/v/+jMcWtKWMGHAKjJYABADBV1DY+tKXxoS0Db8fKGwvq7frgYFdq8H1W2fd3Zd1Xf29D3b11tQuXLLo/debVt8sPQ02c5o0Vl16cqofABBPAAACYQKm+sTybVFtz/9oN96+NJ/PKvseFjz55pPGh2oi+s7/KRJeCAu65PY6/0aM2p66+8BGvkUy9QyAhqiACAFAdt/v6h/3ss1RFYeKz9j2vbtv56rYjnw77aHjZ92zFi/pVw6NLxKeXJ2HsKFeH8OrlYVUcI2LwAPd80hcxJQ+BhAhgAACMU7Zs+vD3VnV//EFFDzh9fknTvRERBW/KysmmuHK1Cgf0nT17oZIdVlvTylX3RWTezlzk5V3Z87D04YdGHB+brEMgGQIYAADjlI1Pvae/u+eTroEE9VnX2fdfO9hVbr08tSsyLz6+88Hutw50fzaYYdKf5p6VyqaXwd3tP/Jpbsm+9KcH9rz63bbcjMcirxSbQDUPbV2XOwnvt3d/lv3gs66zb23LnIfBV3glcQh9Z9/atvPVbTtfPdA99o1QdZ4BAwBgvGpXfO2Jrr0f9Eb0nn579+nBD+pXPdN09e22Sh4Du3/LS6t6dp++HXcuHNw7fAjovnU7shU4onbFiqVd713ojdud7323cLbefc2rHqvN7PFOKh1Rvn59VdWuePZ78dZ32+5kSoZ8MOTj+lXf2zk4/DU1D4EECGAAAIzf59fu3FF39uMPu7J1C+vvXfrw17Y0fr7v7NVKt1Hz0Hf2LOw6+/GHXXdu5yrR1997X92KrSuHvArs/i07dyzJ313ce9/g65trlra9dyHiwu8+3dJYYU3C6qhd8Wzrok/bz5y9lLqTKy5/X33TA8Nq6E/ZQ2Ci3XP37t3JbsMUcvz48UcffXSyWwEATA//dvT5iPiTVc9PdkMq8sRTf9O65/XJbgVT1Ladr37wzj9OditG9u+nfxIRf7r+J5PdkEHHjx+PiMpDhGfAAAAAEiKAAQAAJEQAAwAASIgABgAAkBABDAAAICECGAAAQEIEMAAAgIQIYAAAAAkRwAAAABIigAEAACREAAMAAEiIAAYAAJAQAQwAACAhAhgAAEBCBDAAAICECGAAAAAJEcAAAAASIoABAAAkRAADAABIiAAGAACQEAEMAAAgIZ+b7AYAAMBYpT95bffp280bWzfcX3qZT9vPnL3Ueed2RETcV9/0wMNfWdv4+dHvq0rbYXYTwAAAmKY+az98+nbZJfq6399/sCt/mdu9XbcPdn1Q3/TMziebKt5TtbYDpiACADAdfda+Z+8HvWUX6X7/u4WpaVBv19t7PumrcFfV2g4YAQMAYPpJf3rg8HsXyqev+PTAwa6Bf9Y3PbPpyaaaiIi+7k9OfHT6Qm9E7+n9Zxd+Z8WIcwirtR2IMAIGAMC08lnX2fdf2z1i+orovnYh84/6Vd/bOZCaIqK28aEtOzcujYiI220fdxVfeQK2AxEhgAEAMH181r5n79ttmdmA9z7x0o4n6ksu2td3JzKLbXqoduiH9295OvPcVtfl7hF2Wa3tQIYABgDANHNf88bv7Xl2bU25ZVKZ4FS/aEnRxWrm3BcRET19n5XfV7W2AxmeAQMAYNqoa1r1zKaHmspGr1G53dcfUYXHt6q1HWY8AQwAgOni800rHhrdGr39qYhhUwcj0v3l69dP1HaY9UxBBABgBmr68sDTWW8f+XTYh5+1f1Rp1YxqbQcyBDAAAGaixoWZEoXR+d5rRz7pSg/8uC/96YERXyA2EduBiDAFEQCAGer+R9bde6HtTkTc7jz9dufpwk/vva/+zu2K4lO1tgMRRsAAAJipalc8+7119xb75N4nXvraA4lvB8IIGAAAM1jtime/t+jTE4fPXugdeJ3Xfc0rtm64vzY+PdAbEXFf7ZwktwMCGAAAM1ltzf1bdt6/ZchP0+meiIhoqK20dny1tsMsZwoiAACzTt/Vq7cjIpqWNE6J7TB7GAEDAGAmSn/y2u7TtyPuW7fjOys+P+Sj/W13IiKaFzYlth2ICCNgAADMTDU1DRERcbvtVwe6P+sb+Olnfd3vZwJVRCz98v3JbQciwggYAAAzVK58/J0LB/deGP5588YthfMG+86+9d22OxGx9OnX8z4a9XagDCNgAADMTLUrnn2muWj5+LiveeP3NlQ6bFWt7UAYAQMAYAZr2vDs9778yYmPrmbLx8d99U2PbfpKU83oihZWazsggAEAME19fu3O19eOtFBt40NbGh8aWj6+6JIrnm1dUYXtQBmmIAIAACREAAMAAEiIAAYAAJAQAQwAACAhAhgAAEBCBDAAAJjVtu18dbKbMIsIYAAAs8IH7/yjfjalfPDOP052E2YLAQwAYBaRwRhi285Xpa8keREzAMBskelnP/HU32T+s3XP65PaHCaZND4pBDAAgNklF8P0v2c5A1+TQgADAJiNdL5hUngGDAAAICFGwIa6devWZDcBAJgeaiIioqenZ5LbAbPGf4iIad5jF8CGmjt37mQ3AQCYHv7tYkREQ0PDZDcEZot/vx4xxXrs165dG9XypiACAAAkRAADAABIiCmIU91/+9f/MtlNgFnkr//sP092EwCAmcwI2JQmfUHC/NIBABPKCNg08NAX1092E2BW+OQPRye7CQDADGcEDAAAICECGAAAQEIEMAAAgIQIYAAAAAkRwAAAABIigAEAACREAAMAAEiIAAYAAJAQAQwAACAhAhgAAEBCBDAAAICECGAAAAAJEcAAAAASIoABAAAkRAADAABIiAAGAACQEAEMAAAgIQIYAABAQgQwAACAhAhgAAAACRHAAAAAEiKAAQAAJEQAAwAASMjnJrsBTLLN67852U2A0Tl09BeT3QQAgDESwGavTPTa89buyW4IjE7urwaSGAAw7Qhgs5HoxbSWuXV3PvvSZDcEAGDUPAM2S0lfTHd73tptAi0AMO0IYLPO5vXflL6YMWQwAGB6EcCA6cqfEgCAaUcAAwAASIgiHACJev2fPpzsJsDs8upfPjbZTQAYZAQMIDnSFyTP7x0wpRgBA0jaN5f85WQ3AWaLX1z+p8luAkABI2AAAAAJMQJGob5ze167Eg11dfU1X25qbFw8p+zS/ekr3We60qneVG/9qj1PLUyqhSd7I+off2Hn6vLNAwCAqUUAY7hUb0+qtyc6L15Z950dK2pLL3jlN7t/dnng3/WJNA0AAKYzUxApI9V1pb/Mx91dl8t8CgAADCGAUVx9Q11E9HZ2p0sucu13FyOirr4hsUYBAMD0JoBRXF3z4vqI6Llyta/EEle6OyPiwcVNCbYKAACmNQGMEmobmxqizCzEzPzD5qbGRFsFAADTmSIclDJnUXNdW0+qt7M7vXp5zdBPM/MPl3x5cfS1DV/32pFnD3WWKFSYPrV394z24t8AACAASURBVLFUxJKn3/pqQXrru3b25Omui6ne7A/qG5Y0rfurFSNUYsy68uudmYogDUuefrn8luvqH1z88JrljSXqi6SvnDvTdqWzJ5VdeNWmpxZGqWaPfvujXn6o/rM/eKOtJ+LBzXueWpi+cu5M28nOntymVm16amFNkQOJ+gfXlNzLaE9R37WrQy9WXV3zqpWrFxbeKvl3QnSf+s1HnZd7M01tqGsusnzu9ojmb+/esLjCEwIAMG0IYJRUs3hx/bFUb8+Vq33Lh9ZCHJh/2NgYUWqK4qikr/x6sKBiVm/P5d6fXW4bHqiGu/LrPSXSV65DnyfVezF18OKV5sc3bhiaD7PZpmDhQ7svLln3YImWl9z+yfoHN+8cVpp/tMuXle5+59DBi0Va+/RbX4139h68WLCj3osnDxarbDnKJvV3v/PekC1HRG9PqrfnUGdnqYvVfeQHuZQYERE9qc5yywMAzEwCGKXVNjY1nOztSXVd6V9RGFQy8w/r64YNjI1N37nDA/FpzdNbcqMu/d2n3jt4LBU9lw++01juJWN95/b87HJvlE1fDUue3vJXjbVzIiLdd+3MgUOdPanOY29EbcEwS/c7A+mr/sHN2XGkTN643FaQc4Zuv2Bwqa+/++R7By+mei8e2hMFAWa0y4/g4smDRZqairh88Aep6EnVP7hm05rlNbV5JzNSbQfOLXp5cEhz9IcwkL7y9hvRd+3IgUOdPVHqYvUeO9kbdc2Pb1y5ek5NRPRdO3vgUFtPRM/lj079VaP3uQEAs4ZnwChjzqLmorUQB+ofNlU4OXAk6StXeiMiljz9cv6ctzmNq3c8nRl3utjdXWrl7HuZi8w8jGtnBtLXmpde/momfUVETe3CDS+/sK4hIqLzZ7/uztvURxcjMvPlctEi5jQ+teOlx+uK7vpwZvsPbt75VF7LawdX6b14+mzfWJevwLCmrmrO/LMnldlLTW32o9zJ7EkPXs1RNyl7Sh/cnLffiNqFG17ePLDr3nTRypnN396xIZO+IqJ24YrsJRhyd9Ws3rHnrd173jL/EACYmQQwyqlZXKwWYmb+YcPiRZU+s1ShVN+w7NH41O49b+3eM/yxq4xy6SvSp053RkTUrdsy/Bm2OSu2rKmPiLj80amBKiO5HPjwsAGZmtXZYJO//VxuLDZmVbN647qGiEi1nbw2tuUrMLypC788MFWybt2aoXupqcvEyMHzPOomZS59sY1H1NRmXkjQUyyANaxZOTRQzamtL708AMAMJYBRVm1NXcSQWogD8w+bG6s0ATFqageCQdtre/e8c667r9zbnweluo9k0lcUf44onRqoolFbNCgOHFr0pjL9//6rnZmxncZiYS8XbHLKLx+DAWNgRGi0y1egoab0JShy1NnznDP6Ji3+6p63du95a+hTZAULF1VfpKnZQAgAMIt4BozyFn75wei8GHm1EPv7eqOK8w8jIhZ/9ekHUwcvpnK1HyKyVfIWL6wpMc7We/FktgRf0eeIMu0sk1JqahsiejLpYmFNpPsyT3+VeLCtpq4uIr/yxMDycfHQzmKPhw3qSacjaka9fAWKpZrRGHeT+vrTkU7fib6u7q7ebHnDoi2t1uOCAADTnADGCBqblsTFy5GrhdjX3dVT/fmHjU/teKmpoGb6QJW8YxENS9aVKkbfsKS+53JvRO+x33SvLjFNsWRKmVNbH1E6M1BK+sqvD7eVi1sAAJQigDGSxY3NcbkzBmohZp4aquL8w5yaxcs3LF6+YeAdU3kjKj2X2352uW/4W6Ea1rz08vI4ldp9LBVRulLiwADXcNkhsiGLp9IRoxnce3BzuQqN418+AaNo0tAy/fUNdXX1dbV1jYsWL0yffOlg+ZE0AIBZTwBjRNlZiKl0RFztTI1z/mH20aySamoXrnhq4Yr4al7x9OhsO7dycUEtjYEQuHrjus432noiLh460pQf0rIDXCVn9GUn4A0MkWVnJFba7CEzGEc02uUTMOompU+9N6xMf96nE9BEAIAZRhEORtbYtCQi4mJ395XRzT/M1rfIN3zcqf/sD17a+exLO98ZXv2vRPH0wmWy9QwLa8oP1ni4/LsrxdYbKOiXezxpoOZ+iZL3mcr7BfvNFvErLBE5KHtcPziXHsvyCRhtk7JFOxrWDE9fxU4RAABDCWBUYHFjc0TE5Y/arvRGJbUfshXJhxf0u/KbtqGjTLnkU/QVWCPW0oioXb5p4D1dlw/mpbhc7fjOtuGRpv9s2+WIyK/kPlBzP68wfU62on2BxjWZ4JdqO1AsMmWPtHndwMDdaJdPQBWbVPQUAQAwhABGJQaKsPf2pCKiuWnE54Wymarn5O4fnOseiFX93ad+vednl4cvnU1KqbbX9h650p/3muBruSeOymeA7BurhqS4hSsfzzXj17nq9um+a0eym61//K8GS3dkg1zvsTf2vHMt24z+7nf27j5WbNpkLvj1nNz9g1+fHazU3999au/OzJHmv/9qtMsnYHRNGryshwfPT+Z8vpR3ioq8z61y6VN7dz770s5nXzpSdNwSAGCa8wwYFckrwr7kyxUkhJrco1k9Jw++dnLwg4Y1TzdfOTg0zyzc8J01qddO9kaq82dvDB9IqX/8haEVOIaas2LdkrafXc4M5ix6eSCt1aze8VLs3X0sFT2XD742JPvVNT++cUNh8fqa1RufTr1x8GL0Xjy0O39CXcOSdc2ptmExLH/7bT+73Dbk44Y1L71ckBtHu3wCRtWkmtWrmjsPdfYMOz8R9Q+uebguc2VTfXciqvySbgCAGUIAoyI1ixfXH0v1RpmX9g4xZ8XLL9Se+s1Hndlihg11zes2blg8J32q2NBG7fKdbzV2n/rNR52p3lwl+oa6+vpVm9aUfBVYgcVfffrBywcvRvScPHyqcWduYuHqHXsWXzt78nTXxVT26bO6+gdLbXZO41O7Cwvi19U/uGrTUwvj1N6h4WTI9ntTucrs9Q1LmkqUzh/t8gkYTZMWbnj5hS/nX9aoq39w8cNrGhtr50TUNB871BnR2XVtw+IpVukRAGBquOfu3buT3YYp5Pjx448++uhkt2LQf/vX/xIRD31xfRW3uXn9N/e8tbuKG5wlut956eDFyRmkooydz7506OgvqrW1T/5wNCL++s/+c7U2ONzr//RhRHxzyV9O3C6AfL+4/E8R8epfPjZB2/+3o89HxJ+sen6Ctg8M8e+nfxIRf7r+J5PdkEHHjx+PiMpDhBEwGDAQsWLJ028Nf6dzthbIyAVIYDJt27BpspsAY9F65PBkNwEgIQIYDMg+53b5d1e+2jjkkbO+7q5M0Y46+Yupa9uGTd/fN4X+IgiVy/ztQAwDZgMBDAbknnPr/Nne+PbGDQOPP/Wnr/zm8M8u90bk16yHKSXTeZW+mL4yd++2DZtkMGDGE8Agq3b5zm+n9/zscvFijA1Lnt4yfGoiTBXSFzPA9/f9RAYDZjzvAYM8i7+68zsvPP1gXX3D4M/qG5as+/YLL7381Ual1ZmSzDxkJslksMluBcAEMgIGhWrnND61w0gXAAATwQgYAABAQgQwAACAhAhgAAAACRHAAAAAEiKAAQAAJEQVRIDZpT/dfe2jk1dTvame7I8a6uvq/nzFw4sW1NQUXyd99qe7TqQi6h77+79dWWKZrOuHn3/3UkTDI8+9uGKsby7vPrr9QFdluwOA6UUAA5g10t1Hf3mgq2fYz3t6Uz297146EQ3Nq7+x8SsiDwBMGFMQAWaHq+/9dFex9JWvp/PUrud/eiadUJMAYPYxAgYwC1x97x9+3pn9j/q6BwonHKbT1393+uyHnamIiEh9+MOjtT9Zv2gy2gkAM50ABjDjdR/Npa+GR77+jRULhkwyrKlZsHLjgpWrrh/+4buXIiK6fv5GzSsvmIsIAFVnCiLADNd/5mRX5l8Njzz34rD0NahmwaaffP2BzL97T33UnUTjAGCWMQIGMLOlr13ujYiI+tXfGLks4YJNW5ouHeiKiEtXrm9qXFB+6dzMxobmr7+4cYSFcwUYL/Wmsj+pa6ivXbJm+crG0g1LXz9z+uzlzoGajQ31TWWWT3d/XLD9zGTL4Zkz/fGPfniqJ+KBLd/f1Nh/9ey59hPZp+Pq6x5Y87VNA9vvv3r2XPtvu3p6B1r7wCPFtjbmQ5vYJlV8NkZ7CPk1KqOSq9N/5o03P+yNiKZvmdoKIIABzGzpq1czneMH1lQ2pbCx8YHouhQRnd1XNy4o012++t5PR5G+0tcPH3r3Uu+Qn6Z6elM9B7oul9hC6urR7Se68n/S09vVc6DrcpEa97lefp7e1KXedy/9tumxzeuLl7Pvu374QGbWZd4qB9681Pz1fRvj8BtDGpy6dOLdS79dPXRy5pgOraSqNKnM2ThR98CWv93UWPjR2A7h6tEfnSgo6zJwdUZ7yACziwAGMKP13ckMaNTVVfpE14Km5rjUGRF9felYVPrNYD/vTEXFY19nBvr3dQ9syQ3mDJbF7+l89/Di7w9NBZG6dCIV9U2PZQdV0t0f//LAqZ6InhO/OrMo/xVhg3mjofnr31iVqS/Sn+4+98sDXT29XR/+MIqWFbl04t2CJuVySOe7P0pFT2/dA4987eEVc2oiIn39zKF3P+yN6D31y7ML8+Lf2A6tpOo0aeBsFIyPpdPXPzr07qXe1KUDP42CDDbGq/Nh5upsXr6ypvDqdJ49s2qBF7gBlCCAQWl95/a8drL3wc17nlo45JPud146eLGCLRRbtxLpU3t3H0tFLHn6ra9W3HGDIvr7BiaU1dZW3CGuvbcuIhWRSqUjiq2VfS9zhekrovtcJh0NGXupaVz/4pbYfqArIlJ9/VFktl7Tt14YDE41jV958e/jRz881ROpy1f7V+YiR3b7hW9/nlPTuP7Fv6/50Q9P9UTXz99r3FekqYXveq5ZsGnNwAzMnt7C1tYsWPnC11PPv3spoudOf8TQXY/+0EoZb5PSZ39VvEk1Cza98FzdG29+2Ju6dPLjhxuzg2YTfXVizsoXvr+y4uMHmOkU4YBS+s8eODl0Rk4y+s4dPpYaeTGYFKNOXxFXr3RFRNSvfnj43xNqahoiYiBCDNXwyPKhw1Y1NXVDl89WGSn6kFvNV77xSF1EROfZIu83a14xdKCmsXGgDEmR1s6pq4+IiFQ6t6UxH1pJ421S/+9+m4qIaP56sWG3OSs3r26IgiIrE3x1ABjCCBgU1X/2B2+0lX9l7cTterKCH4wodfXohycG+veVP+ezaOP3920s8VlNTV1Eqd+1utrhoy5z6uojCn5F+lOZ/6yrKTrIV1NbW2pAr+He0gNTRbY2p7ZuyK7HfmiljLdJ2ZorDywucXWyrcoNak3w1QFgCAEMhum7duTAoc6y3abGp3bvearUh9eOPHuoMyIa1rw0+vmH3e9MVvBjZsp10Ms90DVE6cfGUpdOZAdnx/GcTzrdH+n+vkh3XbmayhbQK6ay59bS6UybSkaXmpqGwsgxuIMiEWJcKj60ksbbpHQ6s9NLB/7hUtkFCyZSFmygqlcHgKEEMMjX333qNx8duzyev992v3OoMyKibt2W5aPunlz59cGLEQ1r1tWfbKvkGTMY0YgPdA1zvWvgrc3FHxtraK7r6UxFpD48fX3lKIrd9V9971ftY8okFSoZXcY0EjUaE35oE28GHALAdCGAQU7+tMO6dd/ZGAdGPxiVSVAR9Y9vXFE72gZcO/Kzy5nkVnvy5GhXhuJqFi1qOJHqiSiou1BGd/fAyElz4/CygQ2PPPfiijiTevPD3ojK6/tlX3KVVddQX1tXV1O3eOGXG/s/ev7d8mM1FSpZ6yI7RDYhEjm0MXhgS8WlF6fqIQDMUAIYDFX/4OZNTy2sif6zo141k6AiGtZsWj3aaUT9Z39wqDOi+ds7VtRG98jLQ4VqFi6pP9VTpFh5UdcPHxh471axh4jqliyaExErN6++/MNTPRGXDhxtGvnVuv1nDmX69wVVznOfVnogpWQHuErNqcvNyqv6hMMJP7QxKD3fsoSpdwgAM5wqiDCotnnN09/ZvfOphWN7smE8kw/Tp95r64l4cPOGxWPaN5Q2Z+Wapsy/ek68+aOz14fXAhyQvn44N9xRtCZeTq60YHT9/L3rI+w/Wxai4ZHh/fu8Abexy1YC7Oy+WuzjgSp/E/HM0oQf2ujl6hD+9lrxC53++EfP/8P25//hR2f7I6bkIQDMcAIY5MxpXL28cdTzBrP6zn2UeWrrwVWjnnw4UHd+ydNjemkYjKRx/SsDeSl6Try7642fHj57PZ3XPU+nr59576fbf5ibbFb32OYRJivWrPjaYwOx593DYx+yzVaQH5dcwuxqPztsxCb9cXvmkbbh5d0nVlUObQwWPJy51r2nfjn8bERcPZ0Z72paO8JYaEzeIQDMbKYgQnV0n8zUjq9bt2a0IerakddO9kY0f9s7l5kwNSv+9lt3fvrzzlRERG/qUu+7l06UWrbwRcAlzRmciFj+6bLsHMieE786XJsbZulPd5/75YGuwUePUul0LBhjRGpc/lh914e90XPizR/d+fo3Vi2oqRmyi7rHVlVeL6RiCRzaGBq14muP/fbN7NlYvXbVVwaqX6avnzn0bvaN1dlXeCVxCP1n3njzw96IaPrWyBNWAWY8AQyq4trvxjr8lZm4WP/4CyYfMrEWbfzbVxYfLehVD9PQvPobGyso1JFR85W1zad+3jni02VzVq5punygqydSlw68WTilre6BR1bU/fbdD3sjetN9FZZpLLqLF56LN978sDd6Ot/d1Vn4YX3TY5vXT8zwVwKHNqZWDZ6NUz/vPDXk44ZHnsu7WFPzEABmMAEMqiB96vTAJKemUQ5/ZevOj75oB4xeTeP6F3+yPt398UeFr3hqqK+r+/MVDy9aUPxNxqUt2vj1BzrfvRTRc+JXZxaVHjdrXP/i3zeeOX32cm6n9XUP5PZY2/Thga6Irq7u9YvGPgw8Z+UL3/9y98cfnbx6qTdb9bC+7oE1X3u4cc4EJockDm0MBs9Gqjd3oesamhcNDohN9UMAmKnuuXv37mS3YQo5fvz4o48+OtmtGPTf/vW/RMRDX1xfxW1uXv/NPW/truIGZ65sVfoHN+8Z4dGs7JINa156eTTlN/rO7XntZG/UrfvOjiHjZt3vvHTwYkQsefot8xLL2fnsS4eO/qJaW/vkD0cj4q//7D9Xa4PDvf5PH0bEN5f8ZRW3uW3Dpu/v+0kVNwiT6x+2P9965HC1tvaLy/8UEa/+5WPV2uAQ/3b0+Yj4k1XPT9D2gSH+/fRPIuJP10+h//EdP348IioPEUbAYNz6ujNzuuqbG0f1d/b0lSu9ERGpttdeaiu+yOWDz16OqCQEAgAwDaiCCOOVzVF1TYtNIwQAoBwBDMYrnUpFRDQsXjTmEvYAAMwOpiDCOGXrH9aPtnxB1KzesWd18Y88AwYAMCMZAYPx6Utn6q3V16nQDADACIyAwfjcSfdGRERd7QgPgKVP7d19LBURzd/e7ZVfAACzkxEwGJd0X2YArK723kluCQAAU58ABlVRV6sCBwAAIzEFEUqZs+Ll3StGWqhMIY0xLxkRjU/t3vNUpQsDADBdGAEDAABIiAAGAACQEAEMAAAgIQIYAABAQgQwAACAhAhgAAAACRHAZqOdz7402U2AKtj57EuHjv5islsBADAK0+g9YBfefHzXueWvHHtuafGPiqxSfOlZ7tDRX2xe/83JbgWMl78jAADT0bQJYBfeLBqxIiKi549/SLAlM0Aug+15a/dktwXGIpO+DH8BANPOtAhgPRfefKZ0/Iq4/cdbYbhrdDI9V0NhTFOiFwAwTU31ANZz4f2jRw6du1VumQsd5yJi7hfuS6hNM4heLAAAJGlKB7Ce97c/c+hWRMxd/sqLLR0lRsEyExDn/sV/aki0cQBMO+mzP911IvXAlu9vaiyzVP/Vs+faf9vV05v5z7qG5kVrV31lUU0le7h++Pl3L1Ww3EhtAGCmmtIBLCJi7vLNG9Y/ubQhLnSUWOL2H29FzP2LL9x+/80fDYyVzZ27fMOLzy2VyAAYlP74lydSIy7zox+e6in4UaqnM/XzzqsPbPlbkQmAcZvSZegbntx3bN9zT5YPUpkBsFuHdu0anKl469a5Xc88/uaFCW8hANNEkWQ1qmVSlw789Ey6+u0CYJaZ8iNgI8pU4MhMU8wMevX0vH/0R4fO3Tq3a/sX3t73ZLH4dvz48VLbu3Wr7ANnk6G3d4QuA1BFCXwJ9PZU+Ze6P91f3Q3ONP/379v/z//6r33Z//wf/1/RM/b/dBzIpq+aP/s/nlj7pf8ts/J/7zj/L+eu9UekPvzw//ry4/+x7K7mPPzycw+X+vD37bv+679GRO1Xnnq41lUro+q/IxP3e52ZmdpT7QYDpfyHiJiSPfbKTfsANlCCfvkr+3IlEBsannxu3xfi8V3nbv3zv/Q8WSyBPfroo0W3dvz48blz505QU8fgd/8aEVFfbzIlJOHGHyIiJvZL4I/dEVHfUOVf6jk1c6q7wRkkff3M6bMfdhbMPPyf/9diZyx97feZAa7mr7+yccHgA19z5jzxZ//xf3njzQ97I/7f/xFz5lT0LFgR1w//IPOlvvpbj//vY93ILFHN35G+/x4T+Xv9bxcjIhqq/UsNlPLv1yMm+n/Wo3Tt2rVRLT/tA1jDk/uOPVnk50tblse50gkMgJkvf0ph/epXNscvS89CTF+92hMR0fSt/PQ1YM7KF76/cnxtufpepjhH3WObvyJ9Acxi0z6AlXTfF+ZG3Lr1x9sRAhjAbFb3wJavbWqcE+mPSy/T/7vfpiIimhsXTUQTuo/+vDMiouGRr60UvwBmtZkbwDK8HQxgFqtZ8sjXv7Fi+IjWcP2p3oiIhnvnREQ6ff2jQ2cv9WYmLtY1NK/4xqoFNWMPTtcPH+iKiKhf/Y0VZosCzHJTugpiBXre3/74448XK3iYKc7xxS8Y/gKYrWoWrKwofUWk0wNhq3bO1fd+uuuH72bTV0Skejrf3fXDsZdATJ89m3kz2ANrTD4EYLoHsIYvfDEi4lzHkATW8/6RcxGxvGXp8HUAoLjUyZ/+vLPou8JSH44xg13/KPPysfrVD3uNGADTfwri0vWb5547dOvcru2RK0N/4c0f7Tp3K2Lu5vXyFwCV6+lNRURD89dzcw7T3R9/dPLUpd6ISH14+vrKjQtGt8XubsNfAOSZ9gEsGp58cfM/P3Po1q1zu545l//B8ldeVP8QgFFqeOS5F/Oe1Kpp/MqmxoV1mTL0nd1XNy4YTZWO/jMnuyIioqnJ8BcAEdN/CmJEphL9268sH3wbwNy5y195+1hmOAwARqFpbZE6GXNWrmmKiIiuru7RbCx97XKmtscjyyekuCIA08/0GQFb+tyxY8+V/LRh6XP7lpb+GAAqUaoMfU1NQ0Spd4iVkn23WN2SRYofApAxE0bAAGB8amrqMv9Ipcda7HC47LvF6hd92eNfAAwQwAAgFjQ1R0REb7qv2Me5say6UUSp7LvF/nyh/AVAlgAGABG192bGwLp+/t71YR9mS8lHbW3lWSpb/7Cu1vxDAHIEMACIqFmx4oHMvzrf3f7Gx1ezMxHT3R8ffuPdTJQaVS2NdF9mLG1Ug2YAzHjTpwgHAEykBZu2NF060BUR0Xvq5z88NWyBIQUS+89katNH07d+sn54MOu7M/pBMwBmPiNgAJDRuP6VLU3FX2FS3/Stvy+Sskrr78vkr/qa2iq0DIAZwwgYAGTVNK5/8e8bz5w+e7kzNVB0vr7ugT9f8fCKBWMcx6qrMQAGQB4BDIBZouYrL/7kKxUstmDlxgUrN4643JyVL3x/5Rg/BWDWMgURAAAgIQIYAABAQgQwAACAhAhgAAAACRHAAAAAEiKAAQAAJEQAA5jeWo8c/oftz092K6A6/mH7861HDk92KwAmkAAGAEwJ/pQAzAZexAww7bUeObxtw6aI+P6+n0x2W2CMjH0Bs4QABjATZDKYAQSmL+kLmCUEMIAZQv8VAKY+z4ABAAAkRAADAABIiAAGAACQEAEMAAAgIQIYAABAQgQwAACAhAhgAAAACRHAAAAAEiKAAQAAJEQAAwAASIgABgAAkBABDAAAICECGAAAQEIEMAAAgIQIYAAAAAkRwAAAABIigAEAACREAAMAAEiIAAYAAJAQAQwAACAhAhgAAEBCBDAAAICECGAAAAAJEcAAAAASIoABAAAkRAADAABIiAAGAACQEAEMAAAgIQIYAABAQgQwAACAhAhgAAAACRHAAAAAEiKAAQAAJEQAAwAASIgABgAAkBABDAAAICECGAAAQEIEMAAAgIQIYAAAAAkRwAAAABIigAEAACREAAMAAEiIAAYAAJAQAQwAACAhAhgAAEBCBDAAAICECGAAAAAJEcAAAAASIoABAAAkRAADAABIiAAGAACQEAEMAAAgIQIYAABAQgQwAACAhAhgAAAACRHAAAAAEiKAAQAAJEQAAwAASIgABgAAkBABDAAAICECGAAAQEIEMAAAgIQIYAAAAAkRwAAAABIigAEAACREAAMAAEiIAAYAAJAQAQwAACAhAhgAAEBCBDAAAICECGAAAAAJEcAAAAASIoABAAAkRAADAABIiAAGAACQEAEMAAAgIQIYAABAQgQwAACAhAhgAAAACRHAAAAAEiKAAQAAJEQAAwAASIgABgAAkBABDAAAICECGAAAQEIEMAAAgIQIYAAAAAkRwAAAABLyucluwJRz69atyW7CUL29PZPdBJhFEvgS6O3xSw2Jmrjf65qIiOjxSw1J+Q8RMSV77JUTwIaaO3fuZDdh0O/+NSKivr5hshsCs8KNP0RM9JfAH7sjor7BLzUkpe+/x0T+Xv/bxYiIBr/UkJR/vx4xxXrs165dG9XypiACAAAkRAADAABIiAAGAACQEAEMAAAg5ig4eQAAIABJREFUIQIYAABAQgQwAACAhAhgAAAACRHAAAAAEiKAAQAAJEQAAwAASIgABgAAkBABDAAAICECGAAAQEIEMAAAgIQIYAAAAAkRwAAAABIigAEAACREAAMAAEiIAAYAAJAQAQwAACAhAhgAAEBCPlf1Ld68ebP0h/Pmzav6DgEAAKaHKgWwm+37fvz6jv0dIy23te1u69rq7BIAAGCaqUoAa982f93+amwIAABgBqtCALu57/WB9NWydev6BU986Uull50/f/z7AwAAmJ7GH8BunjjaEWF2IQAAwAjGXwXxxvWOiGjZ+3fSFwAAQDnVKkPf+CXlDQEAAMoafwCbv6AlIrp/X6b4PAAAANUIYPMeWd8S0XH0hAQGAABQThWmIM7b/s7elujY8dS2dhkMAACgpCpUQdy37cfXG1uio2P/uvn7o6Vla2NjyYUX/F3rdg+LAQAAs9P4A9iN6/v3572FuaNjf0dHyYW3PtEaAhgAADA7VasKIgAAACMY/wjY2ta7d1ur0BIAAIAZzggYAABAQgQwAACAhIx/CuIQN2+WqkV/48SPX48nzm9fW+1dAgAATAtVCmA32/f9+PUd+0uXPxyw9Ynq7A8AAGD6qUoAa982f93+kReLaFlQjd0BAABMS1UIYDf3vZ5NX5m3MHd37+/oKPh3RLRsbXunda13gAEAALPX+Itw3DxxNJOw9t64e/58a2tr6zvrWyKio/GJ1tbW8+fv3r2xtyWiY//rJ0o9HQYAADAbjD+A3bjeEREte9/Znh3emvfI+paI6P79QOCat/1829aIjh0/bh/33gAAAKatapWhb/xS3uzCeV9qjIiO6zdyP1n7xNaI2P+BBAYAAMxeE/kesNwQWGQTWP5PAAAAZpnxB7D5CwrmG+b9LH8ILGP4TwAAAGaN8QewgfmGR/NLbGR+lp/Kbv6+e9x7AgAAmNaqMAVx7d/tbYno2DF/2bZ97QOJa2AILJfK2n+8oyMiWhbMH//+AAAApqdqPAM2b/urWyMiOvbvWDd/W3vejzp2zL/nnmXL7rkn857mlvWPeBEYAAAwa1WnCMfa1rs39m5tKfjR37Vtzfwr8yLmwkr1AAAAs0/VqiDO2956/u7dG21/l51kOG9t640bbVtbWlpaWlq27m27cV78AgAAZrXPVXdz89bmh6x589a2nl9b3T0AAABMVxP0HrCbN73wCwAAoFA1A9jN9n3bli2755577rln/vyBahzt2+7JK44IAAAwi1UrgN1s37Zs/rod+7MVN/J07N+xbv6yTB4DAACYvaoTwNq3zV+3vyMiomXr1oJyiPMXtLRERHTsX7dsn3EwAABgNqtGAGvflnnN19a2G3fPt7Zuf6Jx8LN528+fv9G2tSUiOnb82CgYAAAwi1UhgLV/sD8iWvbeaF1bvM78vLWt7+xtiYj9H0hgAADA7DX+AHbz990R0bL+kXJv+Zr3yHoJDAAAmOXGH8BuXO+IiMYvlX/L8rwvNZb9HAAAYMaboPeAAQAAMNT4A9j8BZVMLhx4UGzB/HHvDwDg/2/v/l0bO/cHj38Mge1vcYs4hhFIUwzDdouJzBQq5YRhCjNFFpxOxiyL7GLSOOW4ycDaYgsjwRYxbIrBRTATu9hC7A5WMBe2uEyGS6SLBhwFvn/Al8tW3kLyb9mWbfnxr9eruRnp+OgU95H01nPOcwDuqKsH2CCXd7Uqr2sR55+oCAAAcI8N4RTEvQKbnJjZ7HOnr9bmzERurhER+eVXxau/HAAAwB01jGvAsuXuKvON2mRuZGRi4vWHiIgPr2dmJiZGRvZv0bz8Y9n8FwAA8IB9NpS9ZMtbzZj5dq7WiGg0GhER0Wh0wysiIvLLzS35BQAAPGxDWwUxW65uNZsby6V8Pn/waD6fLy1vNHfVFwAAwHBmwHqy2WK5WiwPc5cAAAD3hvuAAQAAJCLAAAAAErnoKYitzZk3P1/+5Z68qroaDAAAeKAufA3Y7x9qh1Y3vKjSi2oIMAAA4GG6aIBlHz+N6AbYkeUOAQAAOMeFZ8ByT/K9Ams0orT8/auvillzWgAAAOe78CIc2fJWs7lRyucjolGbm8zlRkZGJmYqm63WNRweAADA/XGZVRCz2WJ1a2t3d7e5sVzKRxyU2MTETGVTiAEAAPRzpWXos8VydT/E8hHRaNTmJnMjSgwAAOCkodwHLFssV7e2dnebB1NiSgwAAOCYod6IOXtiSuxQic1UlBgAAPCgDTXA9p2cEotGbW5uMjezeS2vBwAAcAdcT4DtyUbEk6duFwYAABCXuA/YQFqtzV/evJ6rNY48ms+XXuSu5fUAAADugOEGWGuz8ub121rjSHjl86WX378qF92uGQAAeNiGEmB9J7x0FwAAwBFXCrB+E166CwAAoL/LBFi/CS/dBQAAcI4LB1irMpGb208v3QUAADCoCwdY8+NefeVLpacR8fHnNzM/D/rXT15Vy2INAAB4mC4aYK3fP+z9Z6N2bJn5AZReVEOAAQAAD9NFb8R8MAEGAADAhVx0BqxY3d2tXsuRAAAA3HMXnQEDAADgkgQYAABAIgIMAAAgEQEGAACQiAADAABIRIABAAAkIsAAAAASEWAAAACJCDAAAIBErinAWq3W9ewYAADgzhpmgLU2KzMTEyMjIyMjuVxuZjMiYnNmZGKmsinHAAAAhhVgrc2ZidzkXK3ROPFUozY3mZvo9hgAAMDDNZwA25zJTdYaERH5Umm5lD94Jvckn4+IaNQmJyrmwQAAgIdsGAG2OTNZi4gobTR3t6rV8ounB89ly1tbzY1SPiIac2/MggEAAA/YEAJs8+daROSXm9Vitu8G2WL1x+V8RNR+VmAAAMDDdfUAa/3+ISLyL7/qX19d2a9eKjAAAOCBu3qANT82IuLp47P6KyL7+OmZzwMAANx7bsQMAACQyNUDLPdkkJMLexeKPcld+fUAAADuqKsH2CCXd7Uqr2sR55+oeKbtpefPny9tn/JsZ22pXH7eU15a2+5c/pUAAACuwxBOQdwrsMmJmc0+d/pqbc5M5OYaEZFfflW89KtsLy3Wz3jy+exqvd3e+3e7vro4e2qrAQAA3IhhXAOWLXdXmW/UJnMjIxMTrz9ERHx4PTMzMTEysn+L5uUfy5ec/+psLz0/M78W6xGRmV5YWV9fX19fWZjORER9sbxmGgwAALg9hrMIR7a81Vwu5SMiotFoNLr/W6t1/ysi8svNrUvlV2d7bak8e0Z9RWftp3pEFBYqU+OjERExOj5VWShERPv9rwoMAAC4NYa2CmK2XN1qNjeWS/l8/uDRfD5fWt5o7l6yvtbKs4ur9XZkCgsrC4X+2/z6vh0Rhfz4kYfHX05nFBgAAHCrfDbMnWWzxXK1WB7mLiNTmP7m5dT4aGw3+j7/x06//ooYHXsU0W7v/BExOtQDAgAAuKShBtiwjU5V1qfO3qSz8ykiMmNfnHjmi7FMRPvTTifGFRgAAHAbXD3ANmdGJj+Ulr9/VS5eYY35xN69e3faU+2DxRRviz//dCIlpJPgTeDPjkENSV3fuP5rRER0DGpI5S8RcSu/sQ9uODNgjdrcZG0uIn/rQuyUcxC//vrrvpu/e/cuk8lc90EN7u//iIj4/HNzeJBC81NExPW+Cex8iIjPRw1qSOXf/hnXOa7//W8REaMGNaTyr48R1/1hfUG//fbbhba/+iIcuRel/WU3GrW57kr0M5V+twS7Af1OTgQAALgRVw+wbLG6tbW7210AsftQ4/aFGAAAwI0b3jL0xXI3xJob/UJss3U9ITY69ih6Jxoe010e8dGYcwIAAIBbYmgBtie7NyPW3Ni7NXM0GrXJXG5kZGKiMvQM+2IsExGfdo5f/Hr68ogAAAA3Y+gBtiebLZarW7u9cxO7jzUaH5vDfp3RL59lItqrb7ePPLz9drUdkXn2pQkwAADgtri2AIuIaG1WZia+nZyr9b+H8nB0Cyzqi+Wl7e40WGd7rbxYD/0FAADcLtdxI+ZWa/OXN6+PZlc+X/r+x1fF7DWsUD869d3CzuxivV1fnK0ferywUJnSXwAAwO0xzBmw1mZlZmJiZCSXO5j0yudLyxvN3d2treq11FdERIyOz68sTBcO7gaQKUyvrM+PX9PLAQAAXMowZsBam5XjE17XcE/m8fn19flTnx0dn5ofnzr9eQAAgBt39QDbnMlN1g7+OfTwAgAAuCeGdg1YvrT8/auvru80QwAAgLvu6gGWe7HRvJ7VNQAAAO6VqwdYtlgcwnEAAADcexcNsFZl5s3HiIgnr6rl7JFHBrH/VwAAAA/ORQOs+bFWq0VElF5UI3vkkUHs/xUAAMCDM8z7gAEAAHCGi86AFau7u9VzHgEAAKAPM2AAAACJXD3AWpWZmZmZSuv8rSYmJs7bDAAA4P66eoA1P9ZqtdrH5tlbZR9HrdFonLcZAADA/ZXqFMTW7x8SvRIAAMAtdYkbMW/OjEyeWHe+NjkywFr0+Se5i78eAADA/XCJGbBidaN0uRcrfe8uzAAAwMN1iRmwiOKrjVL83PvHhw+1RiPy+dLTp2f8yZMnL776qii/AACAB+xSARbZYrVa7P335kxtshFPvz94BAAAgD4uF2CH5Z6USqVwcRcAAMA5rh5g2XK1OoQDAQAAuO8uGmCtysybjxERT15Vuytq7D8yiP2/AgAAeHAuGmDNj7VaLSKi9KIa2SOPDGL/rwAAAB6cVDdiBgAAePAuOgNWrO7uVs95BAAAgD7MgAEAACQiwAAAABK5+jL0x7VardOfzGYtwQEAADxUQwqw1mblzeu5WuO87Uobu9XicF4SAADgjhlKgG3O5CYHXokeAADggRpCgLUqr3v1lS+VXj558fjx6dvmcld/PQAAgLvp6gHW+uVtI8LZhQAAAOe4+iqIzY+NiMgvv1JfAAAAZxnWMvRPH1veEAAA4ExXD7Dck3xEfPj9jMXnAQAAGEaAZb96mY9ovP1FgQEAAJxlCKcgZss/LuejMfftzKYGAwAAONUQVkGszLz5+DQfjUZtMleLfL709OmpGz95VS27WAwAAHiYrh5gzY+12qG7MDcatUbj1I1LL6ohwAAAgIdpWKsgAgAAcI6rz4AVq7u71SEcCQAAwD1nBgwAACARAQYAAJDI1U9BjGi1Blx+Ppu1AAcAAPBwXT3ANmdyk7XzNzskny+9/P5VuajGAACAB+UmTkFsNGpzk7mRiYr7NgMAAA/J1QMs92pjY2M5v/fPfKm0vLFnuVTK7z++vLGxsbG8XCrlu4815nIzm1d+eQAAgLvi6qcgZrPF5pvJRkTkl5tb5SPnFRaLxXK12tqcyU3WanM/v9itlovFKEfvoai9rrwqlp2KCAAAPAhDOAVxc2ay1q++9mWL1eZyPqI2uT/jlS1WN0oR0Xj7i/MQAQCAB+LqAdb6/UNE5F9+ddZEVvarl/mI+PD7QW7lnuQjovGxeeUjAAAAuBOuHmDNj42IePr47BMJs4+fxtHc6j4CAADwYAxrFcTDc1v9dOfJAAAAHrCrB1jxRSkiGnNvzlrRcPPNXCMiSi+KBw/9XIuI/JPclY8AAADgThjCDFi3wKI2OTGz2W8arLU5M9G9VfN+f+0/dM6lYwAAAPfI1ZehjyhWN0q1yVo0apO5WuTzpad7V3d9+PCh0Wj0/lHaqBYjYnNmpJtjob8AAIAHZRgBFlGsNjfi28laIyIajdp+c+3LL2/8WC4ee6y0cdrC9QAAAPfQsBbhyBarW7vN5sZyKZ/PHzycz5eWN5rN3a1ycS+1ck9KpeXljebuVrXYd1cAAAD303BmwHqy2WK5Wiyfs1G5Wh3miwIAANwRw5oBAwAA4BxDDbBWa7MyMzExMdIzMTExMVPZbJ19izAAAICHYWinILYqE7m5Y4tvNBqNaDQma3ORX25acAMAAHjghhNgR+orn88/7S5Ef7AKfWMuNxEaDAAAeNCGEWCtyrfd+uouNn8sslqblW8n5xrRmPu28pUEAwAAHq4hXAO2+WauEdE9y/B4fUVEtljeai7nI6Ix92bz6i8HAABwR109wFq/f4iI/PKPZ0xuZcs/Lucj4sPv1uMAAAAerKsHWPNjIyKePj773MLs46cR0fjYvPLrAQAA3FHuAwYAAJDI1QMs9yQfEbWfz768a/PnWkTkn+Su/HoAAAB31NUDrHtyYdReV06/vqtVeV2LOP9ERQAAgHtsCKcgFl/11jjMTcxsto5XWKu1OdO7SVh++VXx6i8HAABwRw3jPmDZ8o/Lb3NzjWjUJnO1iMjn891nerdhjojz1kkEAAC494YRYBHZ8lbz8cy3k7Vubx3uroiIyJc2fqz2uUcYAADAAzKcAIuIbLG6tfuqtfnLm5/ffviw9+jTpy9fvPqqmNVeAAAAQwuwiIjIZovlarE81H0CAADcE+4DBgAAkMiVA6zVOrHwYffxysTETOXkqogAAAAP1RUCrLU5MzEykst9+0ufyGr98rbRqM1N5nIjEzObKgwAAOCyAdbanJnI9RY9bHxsntzg0EON2mRu4oy7NAMAADwMlwqwzZm9+IrIlzZe5U5uUixv7e42N0p7NwSby81sXvYYAQAA7oVLBNjmzGSt+1/55ebuVvX0ReazxepWc7nXYLVJCQYAADxoFw6wVuX1fn79WD7//l7Z8o/7CfbaiYgAAMADdtEAa/3ytnfuYen7AfIrIiJb/r7U/a/G237rdQAAADwMFw2w5se9a7+e9Lny6xS5J3uXgvVbrwMAAOBhuPQy9E8fDzb/FRGRffz0si8DAABwb1z5RswAAAAM5qIBtn824YffB7+cq/X7h+5/XOS8RQAAgHvmogG2fzbhBRbUOFi44yLnLQIAANwzFz4FsfjioksaHvSXCTAAAOAhu/g1YAcFNvftAPf12pzJzV104XoAAID76BKLcBSrG/sJlpuY2Tw1wlqblZmJyd5tmyO//Kp4iQMEAAC4Lz67zB8Vq83lD92JrUZtMleLyJeWX754/Hhvg99//vltrdY49CeljS3TXwAAwMN2qQCLyJa3mjHz7dxeZDVqc43aKdvmS8s/VtUXAADw4F3+PmDZcnWrubFcyp++ST5f2mg2t9QXAABAXHoGrCdbLFeL5Wq0WpvN5u+///zxY0Q8efLi8eNcrpiVXQAAAIdcLcD2ZLPFbLZYtMgGAADA6S5/CiIAAAAXIsAAAAASEWAAAACJCDAAAIBEBBgAAEAiAgwAACARAQYAAJCIAAMAAEhEgAEAACQiwAAAABIRYAAAAIkIMAAAgEQEGAAAQCICDAAAIBEBBgAAkIgAAwAASOSzmz6AW6fdbt/0IRz355+dmz4EeEASvAn82TGoIanrG9d/jYiIjkENqfwlIm7lN/bBCbDjMpnMTR/Cgb//IyLi889Hb/pA4EFofoq47jeBnQ8R8fmoQQ2p/Ns/4zrH9b//LSJi1KCGVP71MeKWfWP/7bffLrS9UxABAAASEWAAAACJCDAAAIBEBBgAAEAiAgwAACARAQYAAJCIAAMAAEhEgAEAACQiwAAAABIRYAAAAIkIMAAAgEQEGAAAQCICDAAAIBEBBgAAkIgAAwAASESAAQAAJCLAAAAAEhFgAAAAiQgwAACARAQYAABAIgIMAAAgEQEGAACQiAADAABIRIABAAAkIsAAAAASEWAAAACJCDAAAIBEBBgAAEAiAgwAACARAQYAAJCIAAMAAEhEgAEAACQiwAAAABIRYAAAAIkIMAAAgEQEGAAAQCICDAAAIBEBBgAAkIgAAwAASESAAQAAJCLAAAAAEhFgAAAAiQgwAACARAQYAABAIgIMAAAgEQEGAACQiAADAABIRIABAAAkIsAAAAASEWAAAACJCDAAAIBEBBgAAEAiAgwAACARAQYAAJCIAAMAAEhEgAEAACQiwAAAABIRYAAAAIkIMAAAgEQEGAAAQCICDAAAIBEBBgAAkIgAAwAASESAAQAAJCLAAAAAEhFgAAAAiQgwAACARAQYAABAIgIMAAAgEQEGAACQiAADAABIRIABAAAkIsAAAAASEWAAAACJCDAAAIBEBBgAAEAiAgwAACARAQYAAJCIAAMAAEhEgAEAACQiwAAAABIRYAAAAIkIMAAAgEQEGAAAQCICDAAAIBEBBgAAkIgAAwAASESAAQAAJCLAAAAAEhFgAAAAiQgwAACARAQYAABAIgIMAAAgEQEGAACQiAADAABIRIABAAAkIsAAAAASEWAAAACJCDAAAIBEBBgAAEAiAgwAACARAQYAAJCIAAMAAEhEgAEAACQiwAAAABIRYAAAAIkIMAAAgEQEGAAAQCICDAAAIJHPbvoAhmJ76flivc/jhYX1+fHkRwMAANDXvZgB6+x8uulDAAAAONe9mAH7Y6cdprsAAIDb7j7MgG036hGRGfvipg8EAADgLPcgwLonIGaefTl600cCAABwlntwCuIfO+2IzLOxP9aWflittyMiMpnCN9/NjysyAADgNrn7M2DdCbD26uJir74iot2uL84+X9q+wcMCAAA47u7PgHVX4IjIFBZ6k16dztrbH1br7fpieWylMtVvHuzdu3en7a/dbp/21E3588/OTR8CPCAJ3gT+7BjUkNT1jeu/RkREx6CGVP4SEbfyG/vg7nyA9ZagLyxU9pdAHB2dmq+MxfPFevv9r52pfgX29ddf993bu3fvMpnMNR3qJfz9HxERn3/uZEpIofkpIuJ63wR2PkTE56MGNaTyb/+M6xzX//63iIhRgxpS+dfHiOv+sL6g33777ULb3/lTEEenKuvr6ycXoB/PFyKi/f5XP0kBAAC3xJ0PsFN9MZaJiPbOHzd9IAAAAF33N8C63B0MAAC4Ne56gHXWys+fP++34GF3cY5HY07KBgAAbom7HmCjY48iIuqNYwXWWfupHhGF/PFrwwAAAG7KXQ+wGH85nYmI+mJ5abu33kZne6k8u9qOyEy/1F8AAMCtceeXoY/Rqe+m38+uttv1xdn64ScKC9/1vQcYAADAzbjzM2DRXYl+ZaFwcDeATKawsLLevSszAADAbXH3Z8C6RsfnK+PzN30UAAAAZ7gPM2AAAAB3ggADAABIRIABAAAkIsAAAAASEWAAAACJCDAAAIBEBBgAAEAiAgwAACARAQYAAJCIAAMAAEhEgAEAACQiwAAAABIRYAAAAIkIMAAAgEQEGAAAQCICDAAAIBEBBgAAkIgAAwAASESAAQAAJCLAAAAAEhFgAAAAiQgwAACARAQYAABAIgIMAAAgEQEGAACQiAADAABIRIABAAAkIsAAAAASEWAAAACJCDAAAIBEBBgAAEAiAgwAACARAQYAAJCIAAMAAEhEgAEAACQiwAAAABIRYAAAAIkIMAAAgEQEGAAAQCICDAAAIBEBBgAAkIgAAwAASESAAQAAJCLAAAAAEhFgAAAAiQgwAACARAQYAABAIgIMAAAgEQEGAACQiAADAABIRIABAAAkIsAAAAASEWAAAACJCDAAAIBEBBgAAEAiAgwAACARAQYAAJCIAAMAAEhEgAEAACQiwAAAABIRYAAAAIkIMAAAgEQEGAAAQCICDAAAIBEBBgAAkIgAAwAASESAAQAAJCLAAAAAEhFgAAAAiQgwAACARAQYAABAIgIMAAAgEQEGAACQiAADAABIRIABAAAkIsAAAAASEWAAAACJCDAAAIBEBBgAAEAiAgwAACARAQYAAJCIAAMAAEhEgAEAACQiwAAAABIRYAAAAIkIMAAAgEQEGAAAQCICDAAAIBEBBgAAkIgAAwAASESAAQAAJCLAAAAAEhFgAAAAiQgwAACARAQYAABAIgIMAAAgEQEGAACQiAADAABIRIABAAAkIsAAAAASEWAAAACJCDAAAIBEBBgAAEAiAgwAACARAQYAAJCIAAMAAEhEgAEAACQiwAAAABL57KYP4NZpt9s3fQjH/fln56YPAR6QBG8Cf3YMakjq+sb1XyMiomNQQyp/iYhb+Y19cALsuEwmc9OHcODv/4iI+Pzz0Zs+EHgQmp8irvtNYOdDRHw+alBDKv/2z7jOcf3vf4uIGDWoIZV/fYy4Zd/Yf/vttwtt7xREAACARAQYAABAIgIMAAAgEQEGAACQiAADAABIRIABAAAkIsAAAAASEWAAAACJCDAAAIBEBBgAAEAiAgwAACARAQYAAJCIAAMAAEhEgAEAACQiwAAAABIRYAAAAIkIMAAAgEQEGAAAQCICDAAAIBEBBgAAkIgAAwAASESAAQAAJCLAAAAAEhFgAAAAiQgwAACARAQYAABAIgIMAAAgEQEGAACQiAADAABIRIABAAAkIsAAAAASEWAAAACJCDAAAIBEBBgAAEAiAgwAACARAQYAAJCIAAMAAEhEgAEAACQiwAAAABIRYAAAAIkIMAAAgEQEGAAAQCICDAAAIBEBBgAAkIgAAwAASESAAQAAJCLAAAAAEhFgAAAAiQgwAACARAQYAABAIgIMAAAgEQEGAACQiAADAABIRIABAAAkIsAAAAASEWAAAACJCDAAAIBEBBgAAEAiAgwAACARAQYAAJCIAAMAAEhEgAEAACQiwAAAABIRYAAAAIkIMAAAgEQEGAAAQCICDAAAIBEBBgAAkIgAAwAASESAAQAAJCLAAAAAEhFgAAAAiQgwAACARAQYAABAIgIMAAAgEQEGAACQiAADAABIRIABAAAkIsAAAAASEWAAAACJCDAAAIBEBBgAAEAiAgwAACARAQYAAJCIAAMAAEhEgAEAACQiwAAAABIRYAAAAIkIMAAAgEQEGAAAQCICDAAAIBEBBgAAkIgAAwAASESAAQAAJCLAAAAAEhFgAAAAiQgwAACARAQYAABAIgIMAAAgEQEGAACQiAADAABIRIABAAAkIsAAAAASEWAAAACJCDAAAIBEBBgAAEAiAgwAACARAQYAAJCIAAMAAEhEgAEAACTy2U0fwLB01pZybyNVAAAM4UlEQVR+eF9vtyMiIlOY/ubl1PjoDR8TAADAYfdjBmx76fns6l59RUS7vro4u7R9k4cEAABw3H0IsO2lxXpEZKYXVtbX19fXVxamMxFRXyyvdW762AAAAPbd/QDrrP1Uj4jCQmXvnMPR8anKQiEi2u9/VWAAAMCtcecDrPPr+3ZEFPLjRx4efzmdUWAAAMCtcucD7I+dfv0VMTr2KCLaO3+kPyQAAIC+7voqiJ2dTxGRGfvixDNfjGUi2p92OnHnV0P835/e3vQhAMP0P/7v/7npQwCG6V//67/d9CEAd8ZdD7BLevfu3WlPtQ8WU7x5//E/TP79/23c9FHAw3KtbwL/eezp/9z5cH37B/q6xnH9n/7rX//2369r58ApbtU39ou67wHW3vkj4uQM2Ndff91383fv3mUymes+qAvJxH+56UMAhun7W/YmA1xVxvQXpHarPkp/++23C21/568BO0e/kxMBAABuxH0PMAAAgFvjrgfY6YsddpdHfDR211fgAAAA7o27HmDdxQ7j087x+32dvjwiAADAzbjzATb65bNMRHv17faRh7ffrrYjMs++NAEGAADcFnc+wHoFFvXF8tJ2dxqss71WXqyH/gIAAG6Xe7AM/ejUdws7s4v1dn1xtn7o8cJCZUp/AQAAt8fdnwGLiNHx+ZWF6cLB/QAyhemV9fnxGzwkAACAE+7BDFhERIyOT82PT83f9GEAAACc7l7MgAEAANwFAgwAACARAQYAAJCIAAMAAEhEgAEAACQiwAAAABIRYAAAAIkIMAAAgEQEGAAAQCICDAAAIBEBBgAAkIgAAwAASESAAQAAJCLAAAAAEhFgAAAAiQgwAACARAQYAABAIgIMAAAgEQEGAACQiAADAABIRIABAAAkIsAAAAASEWAAAACJCDAAAIBEBBgAAEAiAgwAACARAQYAAJCIAAMAAEhEgAEAACQiwAAAABIRYAAAAIkIMAAAgEQEGAAAQCICDAAAIBEBBgAAkMhnN30At867d+9u+hAAAID7yQwYAABAIiO7u7s3fQwAAAAPghkwAACARAQYAABAIgIMAAAgEQEGAACQiAADAABIRIABAAAkIsAAAAASEWAAAACJCDAAAIBEBBgAAEAiAgwAACARAQYAAJCIAAMAAEjks5s+ALiC7aXnP33KPHr0bCz/5dT4aP+NOttrvzZ23n+qP/pmfX58qK/fWSvPrrYz0yuVqVNeHLiaTmf717c/va+3270HMpnCs29e9hnw543H7aXni/UoLFzkfaD7N8Y43AbdMX7uZgMP2Mu8J8BQCDDuuHa73W63o74zdso76PbbxdV6REQ8SnlcwJX1/brVbtfbi/XVTGH6u3lVBMDdI8C4+zKZTLtdb2zPj/cpsO1GvbvB+T+aAbfI9lJ5sd6OiExh+puXX46PdmOrOyO2Wm/XV2c/hZkpeDhGpyrrU4cfMIXFXeUaMO6BR48yEfXGdp+nthv1yDx79ij1IQFXsr20WG9HZKZX1ivzU3v1FRGjo+NT85WVhUImor06u9Rv3APALWYGjHtgLP8sU+87B7bdqEdm+suxndWjD/e7rqN3ttPhn9I620s//LR/7Ukmk3n0zXfzp11rdmQvR/fd2V57+9NqfW8/hel+V7B0tpd+6P7gH5nCwnfzX/za74KWzvbaoethMplC/yMacDO4nTprP9UjorBw2gTX6Pj8d9OfZlfb9Z/WXo6fOgvWdzwefv7IQDnj+rKIztrSD6t7A7Tf2Y/nDfOD3+q/2N/VwZ4Odp/JTH/z3bFDuMBxAhEx+Af9YYN96BuPXJ0ZMO6DL7581ncObLtRj3g0drk3xc5aeXaxfujUxXa7XV+cfX7GL+573/aOfG3cXirPLu5/LYuIdn11cbZ8dDe9F9vfYnG2/Han/yGtHjqmdrt+YlcDbwa3VefX9+2IzPTLs04rGp36phAR7fe/dk7ZS7/xeMje0Dx0enK7XV9d7DOrtvO2PLt6aICuzpbXjrzqQMO8u6u1Q7vq7Wl76fmhx9qriz8c3vsFjhO4tME+9I1HhkKAcS+M9i2w7UY9opC/1KnhnbUfVtsRmemFlfWelYXpTETUf1rr/31ve2l2tR1RWKgc/LLWWetexpIpTK+s7O2mkIlo1xcPvsH1Xmz/1VYWCpl2/dCXucP7zxT2D6l7RO364uE3/gE3g1ur21/n/3Yynj+jwPqNx6PP985xPBji6ysLhYg+Y7xdr7cPj86IaK++3R9Ogw3zrvrqahT29jTd3dPsYj1z/LH9vV/kOIHLGuxD33hkSAQY90OfAuuexHTJ/oo/dtoRkXn25cFJBaPjU5X19fX1vr+md9bKi/WIzPTK4W97vS+ShYXK/NTeRSyj4/OVhUIc+o51sFXvFIbR8fnvpjPHX2DvnKyD8yFGx6cqK9OZw2/8A24Gt1hv9I19cd6GX4xlIqK988fxJ/qPx8O2G/WIyEwfOdlvdPzldN89ZqZXDo3ObwoREZ929gbdQMP8YFd7pzSNjn/5LHPisamje7/YcQKXNNCHvvHIsAgw7onRsUdxpMC6X4ou21973+xWf1ja7pwfLd0f209caLL3xezEQXR/ue99x+p7ulXv9Kpju+pzTlY3PfcmAQbcDG6/y548fOp4PGJ8/tAXq06ns729tra0dNpNho4ey9HuG2yY78k8+/LQF7exRyceu9JxApc00Ie+8ciwWISD+2I8X4h6fX8ljiv2V4x++Syz2m5Hu744W4+IyBSmn/W/3XN7dXax/05O/yG/e7TtnT8iRrtbnfi2+cVYJuLYm3p7dfb50fVE9p/Z+SNi9GKbwW32aacTl7iq/fTxeMKhhW/OduZk3GDDfMBD6mvg4wQua+APfeORYTADxr3R/bm5Nwd21f6KGJ2qrCwUMvsnArbrq6uLs8+fl5e2T/44lil018T+od8pfpf/If+Q7pe8YW0Gt9mpZxYed0r7nDke9xxZ+CaTyRQK09MLKyvHz/0d1KDD/MJvB0M+TqC/gT70jUeGxAwY98ehObAvrtxfEd3LOMbnIzrba7823vfWnG3XF38YO3pqU2GhMj/eGfs0u9pefbs9dfyik8F+yB9oq7NPqrroZnA79X6KPndM9K7HOHYC3znjsWtv4ZvCwsqRRaY7JxcfHcwl5+vOM/TjBE513oe+8cjQmAHjHtmfA7v6/NcRo+NTU/OVysEKZUevpOr+/t67aOvIUoOn/5Df++Y49sX+ViccncwacE5g4KkDuMV6lyweX7/iqN6CM8f76/TxeFhv7mz65bFousQc8mDD/JKGeJzAgE770DceGRoBxn3S/Sb0qfH2nP7q942pdyX93r/Wys+fPz9+z6+DVcv6GZ9fKMSRpQa7XyNPu0HZ3tlI/b9s9jbZf+nerk6uY7i99Pz58+e9xa4H3Axut/1+6nvKb3Qvw+j+FP3NKZO9J8fjAPaG3dGFM8451oGG+XBd5jjhYTn/g/6wy3zo7zEeuTgBxn3SS5l6/Zz5r97aY/XF3pe7zvbasVWM9r5TLZbXDr7/dbZ7px+c9o2quxbtoUtPDnaztNZbV6nTWVsqL3ZXsu2tVXjoxXrbbPc2OXxEvbvOrs4eOqT9Dfe/hQ64Gdxy4/MrvdvXzZaX1g4tS9bpbK8t9S7DyBQWTltmPvqMx0P2Vjx7e2iUrJWfHx92AxlsmF/OMI8THpTzP+iPbD3Ih77xyNC4Box7ZW8Zo/NO+xl/OZ2pr7Zjb7WjiCgsLMTiwdvo6NR30+9nV9vt1cXZowsKnvWdb++v9i89GZ2qLOyUF+vt+upsffXoXg4u0zp4sYPVCzOFQhy9F/P4/ELh02L95CEdPaIBN4NbbnSqshJLP6zW2/XVxfqJZT0zhenv5s/+QeHEeDz81DeF1cX64beAiIjM9MKz94ur7YutXDjYML+UoR4nPCjnf9AfNsiHvvHI0JgB437p/Yh15o11Irrf7aYLe2cWZAoLJ+/XOjpVWVmYPrQkUmQyhemFlcqZFXPy0pPx+e5+DnbTZy+95ZcOHU8lf3wN+oNd7e+r/xENuBncdqNT85WVY8Ow93/n9co59dXbwamXgo3PHxmXmUxhYWW9MjXe/dX8oucSDTTML2W4xwkPyAAf9Mc3P+9D33hkSEZ2d3dv+hiAPraXni/Wo7CwrpsAAO4NM2Bw0/pf+zuEBdQAALhtBBjctONXCkdEZ3tpsd8K2wAA3G1OQYSb19lemu1zWbD7KQMA3DcCDG6Fzvba25/e19vdhTcymcKzb15OjasvAID7RYABAAAk4howAACARAQYAABAIgIMAAAgEQEGAACQiAADAABIRIABAAAkIsAAAAASEWAAAACJCDAAAIBEBBgAAEAiAgwAACARAQYAAJCIAAMAAEhEgAEAACQiwAAAABL5/4oUFU6xVhj+AAAAAElFTkSuQmCC"/>
@@ -6535,71 +6599,16 @@
             </a:pPr>
             <a:r>
               <a:rPr lang="en-US" dirty="0" smtClean="0"/>
-              <a:t>Each dashboard had several tabs of documentation.</a:t>
-            </a:r>
-          </a:p>
-          <a:p>
-            <a:pPr marL="0" indent="0">
-              <a:buNone/>
-            </a:pPr>
+              <a:t>Histograms are particularly benefited from full-sentence hover text.</a:t>
+            </a:r>
             <a:endParaRPr lang="en-US" dirty="0"/>
           </a:p>
-          <a:p>
-            <a:pPr marL="0" indent="0">
-              <a:buNone/>
-            </a:pPr>
-            <a:r>
-              <a:rPr lang="en-US" dirty="0" smtClean="0"/>
-              <a:t>Our quality varied across dashboards, and</a:t>
-            </a:r>
-            <a:r>
-              <a:rPr lang="en-US" dirty="0"/>
-              <a:t> </a:t>
-            </a:r>
-            <a:r>
-              <a:rPr lang="en-US" dirty="0" smtClean="0"/>
-              <a:t>this is a representative example.</a:t>
-            </a:r>
-          </a:p>
-        </p:txBody>
-      </p:sp>
-      <p:pic>
-        <p:nvPicPr>
-          <p:cNvPr id="2" name="Picture 1"/>
-          <p:cNvPicPr>
-            <a:picLocks noChangeAspect="1"/>
-          </p:cNvPicPr>
-          <p:nvPr/>
-        </p:nvPicPr>
-        <p:blipFill rotWithShape="1">
-          <a:blip r:embed="rId2"/>
-          <a:srcRect t="7552" r="19954" b="20303"/>
-          <a:stretch/>
-        </p:blipFill>
-        <p:spPr>
-          <a:xfrm>
-            <a:off x="3125426" y="550717"/>
-            <a:ext cx="8948811" cy="6120246"/>
-          </a:xfrm>
-          <a:prstGeom prst="rect">
-            <a:avLst/>
-          </a:prstGeom>
-          <a:ln>
-            <a:noFill/>
-          </a:ln>
-          <a:effectLst>
-            <a:outerShdw blurRad="292100" dist="139700" dir="2700000" algn="tl" rotWithShape="0">
-              <a:srgbClr val="333333">
-                <a:alpha val="65000"/>
-              </a:srgbClr>
-            </a:outerShdw>
-          </a:effectLst>
-        </p:spPr>
-      </p:pic>
+        </p:txBody>
+      </p:sp>
     </p:spTree>
     <p:extLst>
       <p:ext uri="{BB962C8B-B14F-4D97-AF65-F5344CB8AC3E}">
-        <p14:creationId xmlns:p14="http://schemas.microsoft.com/office/powerpoint/2010/main" val="3541535487"/>
+        <p14:creationId xmlns:p14="http://schemas.microsoft.com/office/powerpoint/2010/main" val="1648253073"/>
       </p:ext>
     </p:extLst>
   </p:cSld>
@@ -6635,191 +6644,6 @@
       </p:grpSpPr>
       <p:sp>
         <p:nvSpPr>
-          <p:cNvPr id="2" name="Title 1"/>
-          <p:cNvSpPr>
-            <a:spLocks noGrp="1"/>
-          </p:cNvSpPr>
-          <p:nvPr>
-            <p:ph type="title"/>
-          </p:nvPr>
-        </p:nvSpPr>
-        <p:spPr>
-          <a:xfrm>
-            <a:off x="789709" y="105352"/>
-            <a:ext cx="10515600" cy="705139"/>
-          </a:xfrm>
-        </p:spPr>
-        <p:txBody>
-          <a:bodyPr/>
-          <a:lstStyle/>
-          <a:p>
-            <a:r>
-              <a:rPr lang="en-US" dirty="0" smtClean="0"/>
-              <a:t>Lessons Reinforced</a:t>
-            </a:r>
-            <a:endParaRPr lang="en-US" dirty="0"/>
-          </a:p>
-        </p:txBody>
-      </p:sp>
-      <p:sp>
-        <p:nvSpPr>
-          <p:cNvPr id="3" name="Content Placeholder 2"/>
-          <p:cNvSpPr>
-            <a:spLocks noGrp="1"/>
-          </p:cNvSpPr>
-          <p:nvPr>
-            <p:ph idx="1"/>
-          </p:nvPr>
-        </p:nvSpPr>
-        <p:spPr>
-          <a:xfrm>
-            <a:off x="197427" y="1163782"/>
-            <a:ext cx="11700164" cy="5557693"/>
-          </a:xfrm>
-        </p:spPr>
-        <p:txBody>
-          <a:bodyPr>
-            <a:normAutofit/>
-          </a:bodyPr>
-          <a:lstStyle/>
-          <a:p>
-            <a:pPr marL="514350" indent="-514350">
-              <a:buFont typeface="+mj-lt"/>
-              <a:buAutoNum type="arabicPeriod"/>
-            </a:pPr>
-            <a:r>
-              <a:rPr lang="en-US" dirty="0" smtClean="0"/>
-              <a:t>The providers have </a:t>
-            </a:r>
-            <a:r>
-              <a:rPr lang="en-US" dirty="0"/>
-              <a:t>incredible ideas for improving services delivered. It's worth our time to facilitate and translate these </a:t>
-            </a:r>
-            <a:r>
-              <a:rPr lang="en-US" dirty="0" smtClean="0"/>
-              <a:t>ideas.</a:t>
-            </a:r>
-            <a:endParaRPr lang="en-US" dirty="0"/>
-          </a:p>
-          <a:p>
-            <a:pPr marL="514350" indent="-514350">
-              <a:buFont typeface="+mj-lt"/>
-              <a:buAutoNum type="arabicPeriod"/>
-            </a:pPr>
-            <a:endParaRPr lang="en-US" dirty="0" smtClean="0"/>
-          </a:p>
-          <a:p>
-            <a:pPr marL="514350" indent="-514350">
-              <a:buFont typeface="+mj-lt"/>
-              <a:buAutoNum type="arabicPeriod"/>
-            </a:pPr>
-            <a:r>
-              <a:rPr lang="en-US" dirty="0" smtClean="0"/>
-              <a:t>Implementing their </a:t>
-            </a:r>
-            <a:r>
-              <a:rPr lang="en-US" dirty="0" err="1" smtClean="0"/>
-              <a:t>tx</a:t>
-            </a:r>
-            <a:r>
-              <a:rPr lang="en-US" dirty="0" smtClean="0"/>
-              <a:t> &amp; measurements ideas </a:t>
-            </a:r>
-            <a:r>
-              <a:rPr lang="en-US" dirty="0"/>
-              <a:t>increases their </a:t>
-            </a:r>
-            <a:r>
-              <a:rPr lang="en-US" dirty="0" smtClean="0"/>
-              <a:t>engagement.</a:t>
-            </a:r>
-            <a:endParaRPr lang="en-US" dirty="0"/>
-          </a:p>
-          <a:p>
-            <a:pPr marL="514350" indent="-514350">
-              <a:buFont typeface="+mj-lt"/>
-              <a:buAutoNum type="arabicPeriod"/>
-            </a:pPr>
-            <a:endParaRPr lang="en-US" dirty="0" smtClean="0"/>
-          </a:p>
-          <a:p>
-            <a:pPr marL="514350" indent="-514350">
-              <a:buFont typeface="+mj-lt"/>
-              <a:buAutoNum type="arabicPeriod"/>
-            </a:pPr>
-            <a:r>
-              <a:rPr lang="en-US" dirty="0" smtClean="0"/>
-              <a:t>Incorporate the providers in the dashboard design</a:t>
-            </a:r>
-          </a:p>
-          <a:p>
-            <a:pPr marL="514350" indent="-514350">
-              <a:buFont typeface="+mj-lt"/>
-              <a:buAutoNum type="arabicPeriod"/>
-            </a:pPr>
-            <a:endParaRPr lang="en-US" dirty="0" smtClean="0"/>
-          </a:p>
-          <a:p>
-            <a:pPr marL="514350" indent="-514350">
-              <a:buFont typeface="+mj-lt"/>
-              <a:buAutoNum type="arabicPeriod"/>
-            </a:pPr>
-            <a:r>
-              <a:rPr lang="en-US" dirty="0" smtClean="0"/>
-              <a:t>Math </a:t>
-            </a:r>
-            <a:r>
-              <a:rPr lang="en-US" dirty="0"/>
-              <a:t>phobia </a:t>
-            </a:r>
-            <a:r>
-              <a:rPr lang="en-US" dirty="0" smtClean="0"/>
-              <a:t>is real, and it might be hard for your developers to related to.</a:t>
-            </a:r>
-            <a:endParaRPr lang="en-US" dirty="0"/>
-          </a:p>
-          <a:p>
-            <a:pPr marL="514350" indent="-514350">
-              <a:buFont typeface="+mj-lt"/>
-              <a:buAutoNum type="arabicPeriod"/>
-            </a:pPr>
-            <a:endParaRPr lang="en-US" dirty="0" smtClean="0"/>
-          </a:p>
-          <a:p>
-            <a:pPr marL="514350" indent="-514350">
-              <a:buFont typeface="+mj-lt"/>
-              <a:buAutoNum type="arabicPeriod"/>
-            </a:pPr>
-            <a:r>
-              <a:rPr lang="en-US" dirty="0" smtClean="0"/>
-              <a:t>Writing </a:t>
-            </a:r>
-            <a:r>
-              <a:rPr lang="en-US" dirty="0"/>
-              <a:t>the scribes is difficult (</a:t>
-            </a:r>
-            <a:r>
-              <a:rPr lang="en-US" dirty="0" err="1"/>
-              <a:t>ie</a:t>
-            </a:r>
-            <a:r>
-              <a:rPr lang="en-US" dirty="0"/>
-              <a:t>, </a:t>
-            </a:r>
-            <a:r>
-              <a:rPr lang="en-US" dirty="0" smtClean="0"/>
-              <a:t>grooms </a:t>
-            </a:r>
-            <a:r>
-              <a:rPr lang="en-US" dirty="0"/>
-              <a:t>and reshapes multiple analysis-agnostic data tables into a single analysis-specific rectangle).</a:t>
-            </a:r>
-            <a:endParaRPr lang="en-US" dirty="0"/>
-          </a:p>
-        </p:txBody>
-      </p:sp>
-      <p:sp>
-        <p:nvSpPr>
           <p:cNvPr id="4" name="Slide Number Placeholder 3"/>
           <p:cNvSpPr>
             <a:spLocks noGrp="1"/>
@@ -6841,16 +6665,127 @@
           </a:p>
         </p:txBody>
       </p:sp>
+      <p:sp>
+        <p:nvSpPr>
+          <p:cNvPr id="6" name="AutoShape 2" descr="data:image/png;base64,iVBORw0KGgoAAAANSUhEUgAABIAAAASACAIAAAAIyqENAAAACXBIWXMAAB2HAAAdhwGP5fFlAAAgAElEQVR4nOzdXXCU950v+J+3crFTs1VbdTZIluRUhTqQHYMIGmQXdUTNOAwvBvwyvvCSFAQckwTKczwFNh57PHZyEZskJCaGis+4RBKIwaYSyqfWB4OEeQn2TKFZCkREEHgqcIpUBalRy7tbezE15469aHWrW+putaTWo7fP5wqrn5f/86L2/6v///k999y9ezcAAACYeP/TZDcAAABgthDAAAAAEiKAAQAAJEQAAwAASIgABgAAkBABDAAAICECGAAAQEIEMAAAgIQIYAAAAAkRwAAAABIigAEAACREAAMAAEiIAAYAAJAQAQwAACAhAhgAAEBCBLAK3bzZvm/bsmXL7smzbNmybfvab96c7LaNX/u27CHtq/RoxrDK5Lp5s33ftpl7CWeQm/uy12hb+2S3pYiZ/VUAAEw4AWxEN9u3Lbvnnvnz1+3Y39HRkf9JR0fH/h3r5s+/Z9m29pnb9cp0N6dJyirqZvu+bcsyV7DkJZzYazj9zyExq74K3LEAMHEEsLJu7lt2z/x1+ztGWKxj/7r5y6bkX+vHKXP8O0Y8AVPXzfZtyyo6go796+ZPyGje9D+HxKz6KnDHAsDEEsBKu7lv2fwdg52Qlq17227cuHE358aNtr1bW7Ifd+xfNzVnTFVibevAMZ3fPi//5zeul+yElVplKrm5b1lBn7nEJcxdw+jYMb/qGazMOWSamEVfBeGOBYCJJoCV0r5tsMvVsrXtxt3zrdvXzpuXFzbmzVu7vfX83RttW7M/2b9uOve7Zpr8K1j2Ep6/0bZ3sPc8ARmMac1XAQBQTQJYce3b1u0f+GfL3hvnW9eWHuWZt7b1Rq7/vv91nfepIe8Kxta2kS7h9vN3BzvPHTt+rPPMAF8FAEB1CWDF3Nz3+mCf652Rp9jN2/5Ott/VcfSEbtfkK7iCN8p1mnMKOs/GL4gIXwUAQPUJYEXcPHE0O+No66uVPeE075H1W1tatm7d2/bqI0VXuHmzvbB0daZu9QgNKVxpWa7EWqka8LmfD+SHTC2zkfc5bHsDlcBzf/vv2DF/yA6HrlJh7fBy1euHtLaiU1TcGK5gRMzb/urgFLIPCo5ixKL7RQ5/5HNYsIExHPyobqrsIeQuccEOh685/N4Zocx69S5f0cMs3Ozw7Vb0XoShvyAj7nqyvwrGcuMVrjiKr4IR7tgJOcMAMBvdZajBgZDY2lblDQ7TsrXtRvGV2rYWX6tl743B6XItewvWzv18a9vdUusPWyl/vexHJZucW3d4E/J3Xkqphpc82nKnqKSxX8FSa5Zqd5EVc+uNfA5zC5Y5+BL7G/1NlT2Elr03Sq6cu/zlbr5ijZmgy7e1rXRTtw5tyojXqLJbtHhLJuurYCw3XuGKo/gqGOmOnYAzDACzkRGw4QaLgLUsmD/urbVvuye/gNpQHfvXFSv60L6tZMnrjh3zt30w0l67X19WumR2x46nJuLxlLVPDHS+howe5Wn/YOCP6y3r80YHhhYrHKJj/7r5o/tz+uAV3PrE2tGsGPO+1Jj9Z/fvE5lAdnPfsvllKn4Xrwkytpsq68S2Uit37Ji/rf1m2Ztv+K1T9cuX54PSTd0/9Mys/buB/FBy7l/u9qv0tpgKXwXjVcWvggk4wwAwK012Apx6qvpX78HKDgPFq7M7KRwzKDWQFYV/Fx8+0FBmxSF7HLJyiT+Xl9peBYNmd0f+83fRz/P/7N6ytW2wunfhOSr9R/dhBrc4ipWGtbGgkWMeiBhh1cKDL3W1yt4eY7mphq7Ylt+MlmGXouDzIQdY/cs3fCCmpeRtXGIEp+jeSl+iChoy6V8FYx4BG77Hsl8F5fdZ7TMMALOSADbMYM9lDN33QnkduKK977xOUl6PpaDbN2ytGwU9q3Jd8yJ7LHVsVQpgI3QXi+av4oGn8s/LrjKuAFb5gd0dawAr39LiQXJsN9WI90a526pMUyfg8g0JYEXWK3mM5fLBGNLBpH8VVCmAjearYIR9VvkMA8CsZAriBGr/cXbCUfECavPWtub6OoPT9gaf+9/aVqR8X/5K5RStGZCbJRgd129UsJHRKjdHabCeXN70pLwftrUWnbQ0eLilZzZOV7kJW8Wv1mBRkLzTObabqlCxvQ3eGsU3nPf5oIm/fEW3W/IY5z2yvtT9l/drNQmz46px1casml8FU/YMA8A0IoANM39B6efkR+Xm77sH/lW6gNpgNyjb7aqgG1O0LzxEiZWrdnAllO6fFT+u3EM2ZfpsucNN6KmsxAw+Ebf374of/drWgT+UnM/eQGO7qQqN1D9u/FKxDedunbwO+0RfvpInJu8YCzZb8v4bUzqY5K+CKqnuV0F1zzAAzEoCWBnjHCXK9U7LPcA/rCNZyVojJ7Bq1AwYk1L9s1z3rKBPPdgx3b/unpKyZbErvR5V6jcXzyETYRR7GttNVWCke6Pye2diLl+eMiemWB6MkvffeNPBpHwVVEe1vwom6AwDwCwigA2TfCG84pLr/1dVbt5cQf9sMH+tL/5ypIpUeD0Gr+Do+82DmWLCM+zgrmaJUf86lbsEeb+mhT8vdv8Vj/8jmipfBVNLNc8wAMxKAthwgwMoo+q/39y3bNmybdv2tVfl5bPTWPYv+Xn9s+rkr4oNXsHRzubKe/HuNA3As0Xp+Dr8/hvz7eeroKgqnmEAmI0EsOFyc2xG1X+/eeJoR0fH/v071r1e4h05xVfL9SOHdvin79/ch/XPciUISj8BU1HdtPOl1h5ibFcwv6HTeyJV6ZtqolT18uWMceLf0Ptv7OlginwVTDnVO8MAMBsJYEXkd7ter/A9pXllzrJ9kBJPqRQafNXrgErWmuqT14b0z0q/nXVwjld14+Zg/cDYv67itwAP1vQbff4adh1HVsnB39y3bOBJqoGjGNtNNUEm6vLllNlsuceqCu+/8aSDSf0qqEhS17pQ9c4wAMxCAlgxef33jh3zK+jAt2/LVhrIG+QZ7LyV7rvlFSIf6PHnrVXqb+554zRTVLYcfcfREzfL5K/8nunwuvVZuRCyrMIecH4LImL/uopWbN82P3daSz/IUqIHPaZInKu60LHjx8Uv9fDKBmO7qSbKhF2+GGGzg1m5aJ8/Px+MLx1M5ldBgWreeFVQvTMMALOPAFZc/su29q9btq3Mwxw327flCr0V9twHu10dO54q0u+6md9Zy3W68jpr64rtN2+lqSt7EB1HT+wb6FgWDTUjnaKIm/ue2jGW7t287e/kIljHjvllL2Hc3Lds8BoWe1VT+afKBts4OnmVx4v2yweTdrHbYzQ31QSZuMsX5Tabd75LbDUvH5y4Pr50MIlfBTFRN14VVPEMA8CsM46XOM90Q9533NKydW/bjRuDn9+40bZ3a0HB8+FPwuRvo2Xr3rYbg+vmr9qy90bptXIr3R22w5IrDvn5YJtzoaSgraXWG1x82AZH2tXgquVbVHiaW7bmneLCw63oMaMhbRh6Cbfubbsx/BK2FC5TdD9DLmRuI8MvydD1y5zDwrOUf3/cvdGW/0m522PUN1WJK1H5BS1+61Tv8g27dfK2OuR8l95qxfdfJSbvq2DMN95YvwrujnDHFlusCmcYAGYTAaycwq7RCEbq145qzQrWKrbqxAWwnOx6I+5qSNe8TO+syF6GGUP8ymx7NJewXCtHaOTWvdnPS3dnix7MyAc/tttj1Il5jAFsAi5f3p62ljvQ8j3+wmaNNx1M3lfBGG+8qgSwwb0Uu37VPcMAMHuYgljOvLWt5yvpebVs3XujVI23ta13y22hZWvbjSJrrm0tvd+WrXv3VpjPxivvCZisysst5L8uunT5w4iYt/38jaF/zs/XsrXtRusYJ9NlLmG5rQ/so2VrW8lrONDIUlekZWvb3dZHSq9Y9hzO2172FmvZW/z2GMtNNUEm8vI90VoqfxQ/MfnNGqyfMcL9V4nJ+yoY8403ZpX+1lf3DAPA7CGAjWTe2tbzd+/eaNu7d2tLy5DZatmpSOdby3Y+1raez8wYylt9YN2751vXFl913trW8zdutA1ZaevethvnW7d/KfuTCS9YnUmCBYddcWnwwQQ24sNI87a3nh8+H3Ckc1SheWu351/Dgh20bB24hBXsZPgVyV6Q8kc30jmcN3iD5Dctc+yl7qwx3VQTZQIv37zt5ws3PNKJGVxzMB9U52G4yfoqGPONN2YV/tZX/QwDwOxwz927dye7DYzWzX3LBir2bW27O1GdMJjeciUx/JZMEGcYAMbCCNiU077tnpHKdpd7BxIQUe71c1SHMwwAYyKATTmD71Yq8XaoEd6BBAz+lpR+pxvj4gwDwBgJYFPOvC81Zv+Zee3Q4DjYzZvt+7Ytmz/CO5BglrvZvm1crx9jJM4wAIydZ8Cmovz3uZY0Yhk4mFUGH40c5OGkanKGAaAajIBNRWtby9b1TrrOOEwHeWPHGS17x1z/nmKcYQCoBgFsapq3vUi96kz16UmpMw5T3/wncn+2aPE3iongDANAFZiCCAAAkBAjYAAAAAkRwAAAABIigAEAACREAAMAAEiIAAYAAJAQAQwAACAhAhgAAEBCBDAAAICECGAAAAAJEcAAAAASIoABAAAkRAADAABIiAAGAACQkM9NdgOmluPHj092EwAAgGnm0UcfrXBJAWyoys8dAAAwy412CMcURAAAgIQIYAAAAAkRwAAAABIigAEAACREAAMAAEiIAAYAAJAQAQwAACAhAhgAAEBCBDAAAICECGAAAAAJEcAAAAASIoABAAAkRAADAABIiAAGAACQEAEMAAAgIQIYAABAQgQwAACAhAhgAAAACRHAAAAAEiKAAQAAJEQAAwAASIgABgAAkBABDAAAICECGAAAQEIEMAAAgIQIYAAAAAkRwAAAABIigAEAACREAAMAAEiIAAYAAJAQAQwAACAhn5vsBoyg58L7R4/887lbtyIiYu7c5X+xYf2TSxuKLPj+mz8aXG755hKLAQAATJopHcAuvLl917lbeT+4devcrV3n/nnz2/uebChc8PFd5/KXO3do17k/vnLsuaXJNBQAAKACU3gK4oU3d527FTF3+StvH8t4+5XNcyPi1qFn3rwwZMGImLt5YMGBxc7t2v5+z+Q0HQAAoIgpG8B63j9yLiKWv7LvudxUwoalT+57ZXlExLmOC8MXzM45zC1265//RQIDAACmjCkbwG7/8VZELG8ZOolwacvyiIg//HEgWvX8yz8XW3Dp+s1zJTAAAGBKmbLPgC197tix5ypYrlRQa/jCFyNu3frj7Qi1OAAAgClhyo6AlXKh41xEzP2L/5SJVT1//ENEzP3CfcMWvO8LcyNvpAwAAGCyTdkRsOKyD3xteHJ8w1rHjx8v9dGtW7dKfQQAADAe0yqAXXjzmUO3IuZuXl9xefkScxAfffTRoosfP3587ty5Y28hAAAwm1y7dm1Uy0+fKYgX3ty+61zE3OWv7BvF8FexyYkAAACTYnqMgPW8v31g7GvoK5gBAACmjWkwAnbhzTLpq+ELX4yBiYZDZMojfvEL8hoAADBFTPEA1nPhzcd3nbsVc5e/cqz42FepYoelyyMCAABMjik9BfHCm8/sOjfCxMOG//QXcw/dunXo6IUnn8srzXHh6KFbedXqAQAmxL8dfX6ymwCzy5+u/8lkN2Fcpu4IWM/720dMXxGZBBYR53Ztf/NCZhis50JmVfkLAJhQ0hckb7r/3k3ZEbDMEFbErUPPPH6oyOfLXzk2MOLV8OSLr/zxmV3nbp3b9cy5giUU7AAAJt6frJre3UGYRv799PQe/oqpOwJ2oePcyAtlNSx97u1XNi8ffH/X3OWb3z72XMUvCwMAAEjCVB0BW/rcsWPPjWL5hqVPPrf0ydGsAQAAkLCpOgIGAAAw4whgAAAACRHAAAAAEiKAAQAAJEQAAwAASIgABgAAkBABDAAAICECGAAAQEIEMAAAgIQIYAAAAAkRwAAAABIigAEAACREAAMAAEiIAAYAAJAQAQwAACAhAhgAAEBCBDAAAICECGAAAAAJEcAAAAASIoABAAAkRAADAABIyOcmuwEAACTtiaf+ZrKbwJTwwTv/ONlNmHUEMACAWSQTvVr3vD7ZDWFKyNwPYliSTEEEAJgtnnjqb1r3vC59kZO5GYyIJkkAAwCYFXSyKUogT5gABgAwW+hqU1Trntfl88QIYAAAAAkRwAAAABIigAEAACREAAMAAEiIAAYAAJAQL2IGACAiouvIq293jmL5+9bt+M6Kz49rX/WrvrfzodqxbQKmJyNgAAAACRHAAAAAEmIKIgAAERFNG15v3TDkZ5+179n7QW9E88bWDfdPSqtghjECBgAAkBABDAAAICGmIAIAME6fHtj53oUSdRH7zr713bY7EU3P7HmyacQtpT9tP3P2Uued29kf3Fff9MDDX1nbWLzcYl/608tDl7+3oWnFIyvur6y4YsEcy77uT058dPpCb+aje+9rXrF1w8B2+ro/OfHR1Qu9dwb20rzqsZUPNdVUcgj33te8qOTCoziE/JMcXWc//rCr63amqfX3Li12yNkzH0uffn1LY0WngwQIYAAATAl93e9/92DXkB/e7u26fbDrg/qmZ3YOyW+fdR351dudd4Ytf+d273sXuoYvX16668h7hVX479zufO+7nU3P7Hkyjrw1ZEe3O0+/3Xn1iZeeXVsYq3KZp3A7d97uPH1f88bvDH2ObmyHcO3AnlxKjIiI3jsXxnLITA4BDACAKSD9yf5M+qpf9cym3HjRZ11nf/V2253o7Xr7yML8QiB9Zweiy33NG3PjVJH+9MDh9y70xvDlR9B5+u2CTeWiUdfbe+5E7537mldtXflQbU1ek+LOB4c/WZL3HrNc+ioYH0t/1nXmV2933rnd+d5rUZDBxnYIt9tO3457l6772iMrPl8bEelP2w+/90FvRG/Xh2e/0jTWN7ORGM+AAQAw+fquXr0dEdH0zM782Xqfb1rx7DPNERHReS1vdOzTE5mBpuaN39mQN/Wu5v4tOzcuzfw7le4bTQPuW7cjb1Ofb9qwYmA7vXeieeN3NmTSV2GTevtTufXTn+wfbFLeIdR8vmnDs99bd29E3O48256uwiEsffrZLZn0FRE196/dueOJ+oiI213X8pevXfFs657XW/eYfzi1CGAAAEwdd1LpoT9q2vB6657XW/MfIeu+diEi4t4nVg4f45pTVx8RheloZE2PDR07un9JJmUV20td7b1DWjsYIIsNu9Wu+NoT9RFx54Mzn473EOpXPTI0UH2+rq708kwxpiACADD5amvvjbgTceeD3W9dal702MqFTTWlZ9M1Ptm658kSn32+ri6it8SHpdTPqSv52b11w+pnZFub89nlrsxw1sIST2FlW5VK98X9tTGOQ6irGV5fpG5oe5i6BDAAAKaAxiefab7zduedXNWKiGx9v0X315YoITgg/Vlf9KfSkfrdtUupbG3AUSmWakajP5XZaed72zrLLtjbn4oosq+KD+G+2jnjaimTTQADAGBKaNrw7Pe+XFDtfaC+X1tEfdMTw4rR93W/v/+jMcWtKWMGHAKjJYABADBV1DY+tKXxoS0Db8fKGwvq7frgYFdq8H1W2fd3Zd1Xf29D3b11tQuXLLo/debVt8sPQ02c5o0Vl16cqofABBPAAACYQKm+sTybVFtz/9oN96+NJ/PKvseFjz55pPGh2oi+s7/KRJeCAu65PY6/0aM2p66+8BGvkUy9QyAhqiACAFAdt/v6h/3ss1RFYeKz9j2vbtv56rYjnw77aHjZ92zFi/pVw6NLxKeXJ2HsKFeH8OrlYVUcI2LwAPd80hcxJQ+BhAhgAACMU7Zs+vD3VnV//EFFDzh9fknTvRERBW/KysmmuHK1Cgf0nT17oZIdVlvTylX3RWTezlzk5V3Z87D04YdGHB+brEMgGQIYAADjlI1Pvae/u+eTroEE9VnX2fdfO9hVbr08tSsyLz6+88Hutw50fzaYYdKf5p6VyqaXwd3tP/Jpbsm+9KcH9rz63bbcjMcirxSbQDUPbV2XOwnvt3d/lv3gs66zb23LnIfBV3glcQh9Z9/atvPVbTtfPdA99o1QdZ4BAwBgvGpXfO2Jrr0f9Eb0nn579+nBD+pXPdN09e22Sh4Du3/LS6t6dp++HXcuHNw7fAjovnU7shU4onbFiqVd713ojdud7323cLbefc2rHqvN7PFOKh1Rvn59VdWuePZ78dZ32+5kSoZ8MOTj+lXf2zk4/DU1D4EECGAAAIzf59fu3FF39uMPu7J1C+vvXfrw17Y0fr7v7NVKt1Hz0Hf2LOw6+/GHXXdu5yrR1997X92KrSuHvArs/i07dyzJ313ce9/g65trlra9dyHiwu8+3dJYYU3C6qhd8Wzrok/bz5y9lLqTKy5/X33TA8Nq6E/ZQ2Ci3XP37t3JbsMUcvz48UcffXSyWwEATA//dvT5iPiTVc9PdkMq8sRTf9O65/XJbgVT1Ladr37wzj9OditG9u+nfxIRf7r+J5PdkEHHjx+PiMpDhGfAAAAAEiKAAQAAJEQAAwAASIgABgAAkBABDAAAICECGAAAQEIEMAAAgIQIYAAAAAkRwAAAABIigAEAACREAAMAAEiIAAYAAJAQAQwAACAhAhgAAEBCBDAAAICECGAAAAAJEcAAAAASIoABAAAkRAADAABIiAAGAACQEAEMAAAgIZ+b7AYAAMBYpT95bffp280bWzfcX3qZT9vPnL3Ueed2RETcV9/0wMNfWdv4+dHvq0rbYXYTwAAAmKY+az98+nbZJfq6399/sCt/mdu9XbcPdn1Q3/TMziebKt5TtbYDpiACADAdfda+Z+8HvWUX6X7/u4WpaVBv19t7PumrcFfV2g4YAQMAYPpJf3rg8HsXyqev+PTAwa6Bf9Y3PbPpyaaaiIi+7k9OfHT6Qm9E7+n9Zxd+Z8WIcwirtR2IMAIGAMC08lnX2fdf2z1i+orovnYh84/6Vd/bOZCaIqK28aEtOzcujYiI220fdxVfeQK2AxEhgAEAMH181r5n79ttmdmA9z7x0o4n6ksu2td3JzKLbXqoduiH9295OvPcVtfl7hF2Wa3tQIYABgDANHNf88bv7Xl2bU25ZVKZ4FS/aEnRxWrm3BcRET19n5XfV7W2AxmeAQMAYNqoa1r1zKaHmspGr1G53dcfUYXHt6q1HWY8AQwAgOni800rHhrdGr39qYhhUwcj0v3l69dP1HaY9UxBBABgBmr68sDTWW8f+XTYh5+1f1Rp1YxqbQcyBDAAAGaixoWZEoXR+d5rRz7pSg/8uC/96YERXyA2EduBiDAFEQCAGer+R9bde6HtTkTc7jz9dufpwk/vva/+zu2K4lO1tgMRRsAAAJipalc8+7119xb75N4nXvraA4lvB8IIGAAAM1jtime/t+jTE4fPXugdeJ3Xfc0rtm64vzY+PdAbEXFf7ZwktwMCGAAAM1ltzf1bdt6/ZchP0+meiIhoqK20dny1tsMsZwoiAACzTt/Vq7cjIpqWNE6J7TB7GAEDAGAmSn/y2u7TtyPuW7fjOys+P+Sj/W13IiKaFzYlth2ICCNgAADMTDU1DRERcbvtVwe6P+sb+Olnfd3vZwJVRCz98v3JbQciwggYAAAzVK58/J0LB/deGP5588YthfMG+86+9d22OxGx9OnX8z4a9XagDCNgAADMTLUrnn2muWj5+LiveeP3NlQ6bFWt7UAYAQMAYAZr2vDs9778yYmPrmbLx8d99U2PbfpKU83oihZWazsggAEAME19fu3O19eOtFBt40NbGh8aWj6+6JIrnm1dUYXtQBmmIAIAACREAAMAAEiIAAYAAJAQAQwAACAhAhgAAEBCBDAAAJjVtu18dbKbMIsIYAAAs8IH7/yjfjalfPDOP052E2YLAQwAYBaRwRhi285Xpa8keREzAMBskelnP/HU32T+s3XP65PaHCaZND4pBDAAgNklF8P0v2c5A1+TQgADAJiNdL5hUngGDAAAICFGwIa6devWZDcBAJgeaiIioqenZ5LbAbPGf4iIad5jF8CGmjt37mQ3AQCYHv7tYkREQ0PDZDcEZot/vx4xxXrs165dG9XypiACAAAkRAADAABIiCmIU91/+9f/MtlNgFnkr//sP092EwCAmcwI2JQmfUHC/NIBABPKCNg08NAX1092E2BW+OQPRye7CQDADGcEDAAAICECGAAAQEIEMAAAgIQIYAAAAAkRwAAAABIigAEAACREAAMAAEiIAAYAAJAQAQwAACAhAhgAAEBCBDAAAICECGAAAAAJEcAAAAASIoABAAAkRAADAABIiAAGAACQEAEMAAAgIQIYAABAQgQwAACAhAhgAAAACRHAAAAAEiKAAQAAJEQAAwAASMjnJrsBTLLN67852U2A0Tl09BeT3QQAgDESwGavTPTa89buyW4IjE7urwaSGAAw7Qhgs5HoxbSWuXV3PvvSZDcEAGDUPAM2S0lfTHd73tptAi0AMO0IYLPO5vXflL6YMWQwAGB6EcCA6cqfEgCAaUcAAwAASIgiHACJev2fPpzsJsDs8upfPjbZTQAYZAQMIDnSFyTP7x0wpRgBA0jaN5f85WQ3AWaLX1z+p8luAkABI2AAAAAJMQJGob5ze167Eg11dfU1X25qbFw8p+zS/ekr3We60qneVG/9qj1PLUyqhSd7I+off2Hn6vLNAwCAqUUAY7hUb0+qtyc6L15Z950dK2pLL3jlN7t/dnng3/WJNA0AAKYzUxApI9V1pb/Mx91dl8t8CgAADCGAUVx9Q11E9HZ2p0sucu13FyOirr4hsUYBAMD0JoBRXF3z4vqI6Llyta/EEle6OyPiwcVNCbYKAACmNQGMEmobmxqizCzEzPzD5qbGRFsFAADTmSIclDJnUXNdW0+qt7M7vXp5zdBPM/MPl3x5cfS1DV/32pFnD3WWKFSYPrV394z24t8AACAASURBVLFUxJKn3/pqQXrru3b25Omui6ne7A/qG5Y0rfurFSNUYsy68uudmYogDUuefrn8luvqH1z88JrljSXqi6SvnDvTdqWzJ5VdeNWmpxZGqWaPfvujXn6o/rM/eKOtJ+LBzXueWpi+cu5M28nOntymVm16amFNkQOJ+gfXlNzLaE9R37WrQy9WXV3zqpWrFxbeKvl3QnSf+s1HnZd7M01tqGsusnzu9ojmb+/esLjCEwIAMG0IYJRUs3hx/bFUb8+Vq33Lh9ZCHJh/2NgYUWqK4qikr/x6sKBiVm/P5d6fXW4bHqiGu/LrPSXSV65DnyfVezF18OKV5sc3bhiaD7PZpmDhQ7svLln3YImWl9z+yfoHN+8cVpp/tMuXle5+59DBi0Va+/RbX4139h68WLCj3osnDxarbDnKJvV3v/PekC1HRG9PqrfnUGdnqYvVfeQHuZQYERE9qc5yywMAzEwCGKXVNjY1nOztSXVd6V9RGFQy8w/r64YNjI1N37nDA/FpzdNbcqMu/d2n3jt4LBU9lw++01juJWN95/b87HJvlE1fDUue3vJXjbVzIiLdd+3MgUOdPanOY29EbcEwS/c7A+mr/sHN2XGkTN643FaQc4Zuv2Bwqa+/++R7By+mei8e2hMFAWa0y4/g4smDRZqairh88Aep6EnVP7hm05rlNbV5JzNSbQfOLXp5cEhz9IcwkL7y9hvRd+3IgUOdPVHqYvUeO9kbdc2Pb1y5ek5NRPRdO3vgUFtPRM/lj079VaP3uQEAs4ZnwChjzqLmorUQB+ofNlU4OXAk6StXeiMiljz9cv6ctzmNq3c8nRl3utjdXWrl7HuZi8w8jGtnBtLXmpde/momfUVETe3CDS+/sK4hIqLzZ7/uztvURxcjMvPlctEi5jQ+teOlx+uK7vpwZvsPbt75VF7LawdX6b14+mzfWJevwLCmrmrO/LMnldlLTW32o9zJ7EkPXs1RNyl7Sh/cnLffiNqFG17ePLDr3nTRypnN396xIZO+IqJ24YrsJRhyd9Ws3rHnrd173jL/EACYmQQwyqlZXKwWYmb+YcPiRZU+s1ShVN+w7NH41O49b+3eM/yxq4xy6SvSp053RkTUrdsy/Bm2OSu2rKmPiLj80amBKiO5HPjwsAGZmtXZYJO//VxuLDZmVbN647qGiEi1nbw2tuUrMLypC788MFWybt2aoXupqcvEyMHzPOomZS59sY1H1NRmXkjQUyyANaxZOTRQzamtL708AMAMJYBRVm1NXcSQWogD8w+bG6s0ATFqageCQdtre/e8c667r9zbnweluo9k0lcUf44onRqoolFbNCgOHFr0pjL9//6rnZmxncZiYS8XbHLKLx+DAWNgRGi0y1egoab0JShy1NnznDP6Ji3+6p63du95a+hTZAULF1VfpKnZQAgAMIt4BozyFn75wei8GHm1EPv7eqOK8w8jIhZ/9ekHUwcvpnK1HyKyVfIWL6wpMc7We/FktgRf0eeIMu0sk1JqahsiejLpYmFNpPsyT3+VeLCtpq4uIr/yxMDycfHQzmKPhw3qSacjaka9fAWKpZrRGHeT+vrTkU7fib6u7q7ebHnDoi2t1uOCAADTnADGCBqblsTFy5GrhdjX3dVT/fmHjU/teKmpoGb6QJW8YxENS9aVKkbfsKS+53JvRO+x33SvLjFNsWRKmVNbH1E6M1BK+sqvD7eVi1sAAJQigDGSxY3NcbkzBmohZp4aquL8w5yaxcs3LF6+YeAdU3kjKj2X2352uW/4W6Ea1rz08vI4ldp9LBVRulLiwADXcNkhsiGLp9IRoxnce3BzuQqN418+AaNo0tAy/fUNdXX1dbV1jYsWL0yffOlg+ZE0AIBZTwBjRNlZiKl0RFztTI1z/mH20aySamoXrnhq4Yr4al7x9OhsO7dycUEtjYEQuHrjus432noiLh460pQf0rIDXCVn9GUn4A0MkWVnJFba7CEzGEc02uUTMOompU+9N6xMf96nE9BEAIAZRhEORtbYtCQi4mJ395XRzT/M1rfIN3zcqf/sD17a+exLO98ZXv2vRPH0wmWy9QwLa8oP1ni4/LsrxdYbKOiXezxpoOZ+iZL3mcr7BfvNFvErLBE5KHtcPziXHsvyCRhtk7JFOxrWDE9fxU4RAABDCWBUYHFjc0TE5Y/arvRGJbUfshXJhxf0u/KbtqGjTLnkU/QVWCPW0oioXb5p4D1dlw/mpbhc7fjOtuGRpv9s2+WIyK/kPlBzP68wfU62on2BxjWZ4JdqO1AsMmWPtHndwMDdaJdPQBWbVPQUAQAwhABGJQaKsPf2pCKiuWnE54Wymarn5O4fnOseiFX93ad+vednl4cvnU1KqbbX9h650p/3muBruSeOymeA7BurhqS4hSsfzzXj17nq9um+a0eym61//K8GS3dkg1zvsTf2vHMt24z+7nf27j5WbNpkLvj1nNz9g1+fHazU3999au/OzJHmv/9qtMsnYHRNGryshwfPT+Z8vpR3ioq8z61y6VN7dz770s5nXzpSdNwSAGCa8wwYFckrwr7kyxUkhJrco1k9Jw++dnLwg4Y1TzdfOTg0zyzc8J01qddO9kaq82dvDB9IqX/8haEVOIaas2LdkrafXc4M5ix6eSCt1aze8VLs3X0sFT2XD742JPvVNT++cUNh8fqa1RufTr1x8GL0Xjy0O39CXcOSdc2ptmExLH/7bT+73Dbk44Y1L71ckBtHu3wCRtWkmtWrmjsPdfYMOz8R9Q+uebguc2VTfXciqvySbgCAGUIAoyI1ixfXH0v1RpmX9g4xZ8XLL9Se+s1Hndlihg11zes2blg8J32q2NBG7fKdbzV2n/rNR52p3lwl+oa6+vpVm9aUfBVYgcVfffrBywcvRvScPHyqcWduYuHqHXsWXzt78nTXxVT26bO6+gdLbXZO41O7Cwvi19U/uGrTUwvj1N6h4WTI9ntTucrs9Q1LmkqUzh/t8gkYTZMWbnj5hS/nX9aoq39w8cNrGhtr50TUNB871BnR2XVtw+IpVukRAGBquOfu3buT3YYp5Pjx448++uhkt2LQf/vX/xIRD31xfRW3uXn9N/e8tbuKG5wlut956eDFyRmkooydz7506OgvqrW1T/5wNCL++s/+c7U2ONzr//RhRHxzyV9O3C6AfL+4/E8R8epfPjZB2/+3o89HxJ+sen6Ctg8M8e+nfxIRf7r+J5PdkEHHjx+PiMpDhBEwGDAQsWLJ028Nf6dzthbIyAVIYDJt27BpspsAY9F65PBkNwEgIQIYDMg+53b5d1e+2jjkkbO+7q5M0Y46+Yupa9uGTd/fN4X+IgiVy/ztQAwDZgMBDAbknnPr/Nne+PbGDQOPP/Wnr/zm8M8u90bk16yHKSXTeZW+mL4yd++2DZtkMGDGE8Agq3b5zm+n9/zscvFijA1Lnt4yfGoiTBXSFzPA9/f9RAYDZjzvAYM8i7+68zsvPP1gXX3D4M/qG5as+/YLL7381Ual1ZmSzDxkJslksMluBcAEMgIGhWrnND61w0gXAAATwQgYAABAQgQwAACAhAhgAAAACRHAAAAAEiKAAQAAJEQVRIDZpT/dfe2jk1dTvame7I8a6uvq/nzFw4sW1NQUXyd99qe7TqQi6h77+79dWWKZrOuHn3/3UkTDI8+9uGKsby7vPrr9QFdluwOA6UUAA5g10t1Hf3mgq2fYz3t6Uz297146EQ3Nq7+x8SsiDwBMGFMQAWaHq+/9dFex9JWvp/PUrud/eiadUJMAYPYxAgYwC1x97x9+3pn9j/q6BwonHKbT1393+uyHnamIiEh9+MOjtT9Zv2gy2gkAM50ABjDjdR/Npa+GR77+jRULhkwyrKlZsHLjgpWrrh/+4buXIiK6fv5GzSsvmIsIAFVnCiLADNd/5mRX5l8Njzz34rD0NahmwaaffP2BzL97T33UnUTjAGCWMQIGMLOlr13ujYiI+tXfGLks4YJNW5ouHeiKiEtXrm9qXFB+6dzMxobmr7+4cYSFcwUYL/Wmsj+pa6ivXbJm+crG0g1LXz9z+uzlzoGajQ31TWWWT3d/XLD9zGTL4Zkz/fGPfniqJ+KBLd/f1Nh/9ey59hPZp+Pq6x5Y87VNA9vvv3r2XPtvu3p6B1r7wCPFtjbmQ5vYJlV8NkZ7CPk1KqOSq9N/5o03P+yNiKZvmdoKIIABzGzpq1czneMH1lQ2pbCx8YHouhQRnd1XNy4o012++t5PR5G+0tcPH3r3Uu+Qn6Z6elM9B7oul9hC6urR7Se68n/S09vVc6DrcpEa97lefp7e1KXedy/9tumxzeuLl7Pvu374QGbWZd4qB9681Pz1fRvj8BtDGpy6dOLdS79dPXRy5pgOraSqNKnM2ThR98CWv93UWPjR2A7h6tEfnSgo6zJwdUZ7yACziwAGMKP13ckMaNTVVfpE14Km5rjUGRF9felYVPrNYD/vTEXFY19nBvr3dQ9syQ3mDJbF7+l89/Di7w9NBZG6dCIV9U2PZQdV0t0f//LAqZ6InhO/OrMo/xVhg3mjofnr31iVqS/Sn+4+98sDXT29XR/+MIqWFbl04t2CJuVySOe7P0pFT2/dA4987eEVc2oiIn39zKF3P+yN6D31y7ML8+Lf2A6tpOo0aeBsFIyPpdPXPzr07qXe1KUDP42CDDbGq/Nh5upsXr6ypvDqdJ49s2qBF7gBlCCAQWl95/a8drL3wc17nlo45JPud146eLGCLRRbtxLpU3t3H0tFLHn6ra9W3HGDIvr7BiaU1dZW3CGuvbcuIhWRSqUjiq2VfS9zhekrovtcJh0NGXupaVz/4pbYfqArIlJ9/VFktl7Tt14YDE41jV958e/jRz881ROpy1f7V+YiR3b7hW9/nlPTuP7Fv6/50Q9P9UTXz99r3FekqYXveq5ZsGnNwAzMnt7C1tYsWPnC11PPv3spoudOf8TQXY/+0EoZb5PSZ39VvEk1Cza98FzdG29+2Ju6dPLjhxuzg2YTfXVizsoXvr+y4uMHmOkU4YBS+s8eODl0Rk4y+s4dPpYaeTGYFKNOXxFXr3RFRNSvfnj43xNqahoiYiBCDNXwyPKhw1Y1NXVDl89WGSn6kFvNV77xSF1EROfZIu83a14xdKCmsXGgDEmR1s6pq4+IiFQ6t6UxH1pJ421S/+9+m4qIaP56sWG3OSs3r26IgiIrE3x1ABjCCBgU1X/2B2+0lX9l7cTterKCH4wodfXohycG+veVP+ezaOP3920s8VlNTV1Eqd+1utrhoy5z6uojCn5F+lOZ/6yrKTrIV1NbW2pAr+He0gNTRbY2p7ZuyK7HfmiljLdJ2ZorDywucXWyrcoNak3w1QFgCAEMhum7duTAoc6y3abGp3bvearUh9eOPHuoMyIa1rw0+vmH3e9MVvBjZsp10Ms90DVE6cfGUpdOZAdnx/GcTzrdH+n+vkh3XbmayhbQK6ay59bS6UybSkaXmpqGwsgxuIMiEWJcKj60ksbbpHQ6s9NLB/7hUtkFCyZSFmygqlcHgKEEMMjX333qNx8duzyev992v3OoMyKibt2W5aPunlz59cGLEQ1r1tWfbKvkGTMY0YgPdA1zvWvgrc3FHxtraK7r6UxFpD48fX3lKIrd9V9971ftY8okFSoZXcY0EjUaE35oE28GHALAdCGAQU7+tMO6dd/ZGAdGPxiVSVAR9Y9vXFE72gZcO/Kzy5nkVnvy5GhXhuJqFi1qOJHqiSiou1BGd/fAyElz4/CygQ2PPPfiijiTevPD3ojK6/tlX3KVVddQX1tXV1O3eOGXG/s/ev7d8mM1FSpZ6yI7RDYhEjm0MXhgS8WlF6fqIQDMUAIYDFX/4OZNTy2sif6zo141k6AiGtZsWj3aaUT9Z39wqDOi+ds7VtRG98jLQ4VqFi6pP9VTpFh5UdcPHxh471axh4jqliyaExErN6++/MNTPRGXDhxtGvnVuv1nDmX69wVVznOfVnogpWQHuErNqcvNyqv6hMMJP7QxKD3fsoSpdwgAM5wqiDCotnnN09/ZvfOphWN7smE8kw/Tp95r64l4cPOGxWPaN5Q2Z+Wapsy/ek68+aOz14fXAhyQvn44N9xRtCZeTq60YHT9/L3rI+w/Wxai4ZHh/fu8Abexy1YC7Oy+WuzjgSp/E/HM0oQf2ujl6hD+9lrxC53++EfP/8P25//hR2f7I6bkIQDMcAIY5MxpXL28cdTzBrP6zn2UeWrrwVWjnnw4UHd+ydNjemkYjKRx/SsDeSl6Try7642fHj57PZ3XPU+nr59576fbf5ibbFb32OYRJivWrPjaYwOx593DYx+yzVaQH5dcwuxqPztsxCb9cXvmkbbh5d0nVlUObQwWPJy51r2nfjn8bERcPZ0Z72paO8JYaEzeIQDMbKYgQnV0n8zUjq9bt2a0IerakddO9kY0f9s7l5kwNSv+9lt3fvrzzlRERG/qUu+7l06UWrbwRcAlzRmciFj+6bLsHMieE786XJsbZulPd5/75YGuwUePUul0LBhjRGpc/lh914e90XPizR/d+fo3Vi2oqRmyi7rHVlVeL6RiCRzaGBq14muP/fbN7NlYvXbVVwaqX6avnzn0bvaN1dlXeCVxCP1n3njzw96IaPrWyBNWAWY8AQyq4trvxjr8lZm4WP/4CyYfMrEWbfzbVxYfLehVD9PQvPobGyso1JFR85W1zad+3jni02VzVq5punygqydSlw68WTilre6BR1bU/fbdD3sjetN9FZZpLLqLF56LN978sDd6Ot/d1Vn4YX3TY5vXT8zwVwKHNqZWDZ6NUz/vPDXk44ZHnsu7WFPzEABmMAEMqiB96vTAJKemUQ5/ZevOj75oB4xeTeP6F3+yPt398UeFr3hqqK+r+/MVDy9aUPxNxqUt2vj1BzrfvRTRc+JXZxaVHjdrXP/i3zeeOX32cm6n9XUP5PZY2/Thga6Irq7u9YvGPgw8Z+UL3/9y98cfnbx6qTdb9bC+7oE1X3u4cc4EJockDm0MBs9Gqjd3oesamhcNDohN9UMAmKnuuXv37mS3YQo5fvz4o48+OtmtGPTf/vW/RMRDX1xfxW1uXv/NPW/truIGZ65sVfoHN+8Z4dGs7JINa156eTTlN/rO7XntZG/UrfvOjiHjZt3vvHTwYkQsefot8xLL2fnsS4eO/qJaW/vkD0cj4q//7D9Xa4PDvf5PH0bEN5f8ZRW3uW3Dpu/v+0kVNwiT6x+2P9965HC1tvaLy/8UEa/+5WPV2uAQ/3b0+Yj4k1XPT9D2gSH+/fRPIuJP10+h//EdP348IioPEUbAYNz6ujNzuuqbG0f1d/b0lSu9ERGpttdeaiu+yOWDz16OqCQEAgAwDaiCCOOVzVF1TYtNIwQAoBwBDMYrnUpFRDQsXjTmEvYAAMwOpiDCOGXrH9aPtnxB1KzesWd18Y88AwYAMCMZAYPx6Utn6q3V16nQDADACIyAwfjcSfdGRERd7QgPgKVP7d19LBURzd/e7ZVfAACzkxEwGJd0X2YArK723kluCQAAU58ABlVRV6sCBwAAIzEFEUqZs+Ll3StGWqhMIY0xLxkRjU/t3vNUpQsDADBdGAEDAABIiAAGAACQEAEMAAAgIQIYAABAQgQwAACAhAhgAAAACRHAZqOdz7402U2AKtj57EuHjv5islsBADAK0+g9YBfefHzXueWvHHtuafGPiqxSfOlZ7tDRX2xe/83JbgWMl78jAADT0bQJYBfeLBqxIiKi549/SLAlM0Aug+15a/dktwXGIpO+DH8BANPOtAhgPRfefKZ0/Iq4/cdbYbhrdDI9V0NhTFOiFwAwTU31ANZz4f2jRw6du1VumQsd5yJi7hfuS6hNM4heLAAAJGlKB7Ce97c/c+hWRMxd/sqLLR0lRsEyExDn/sV/aki0cQBMO+mzP911IvXAlu9vaiyzVP/Vs+faf9vV05v5z7qG5kVrV31lUU0le7h++Pl3L1Ww3EhtAGCmmtIBLCJi7vLNG9Y/ubQhLnSUWOL2H29FzP2LL9x+/80fDYyVzZ27fMOLzy2VyAAYlP74lydSIy7zox+e6in4UaqnM/XzzqsPbPlbkQmAcZvSZegbntx3bN9zT5YPUpkBsFuHdu0anKl469a5Xc88/uaFCW8hANNEkWQ1qmVSlw789Ey6+u0CYJaZ8iNgI8pU4MhMU8wMevX0vH/0R4fO3Tq3a/sX3t73ZLH4dvz48VLbu3Wr7ANnk6G3d4QuA1BFCXwJ9PZU+Ze6P91f3Q3ONP/379v/z//6r33Z//wf/1/RM/b/dBzIpq+aP/s/nlj7pf8ts/J/7zj/L+eu9UekPvzw//ry4/+x7K7mPPzycw+X+vD37bv+679GRO1Xnnq41lUro+q/IxP3e52ZmdpT7QYDpfyHiJiSPfbKTfsANlCCfvkr+3IlEBsannxu3xfi8V3nbv3zv/Q8WSyBPfroo0W3dvz48blz505QU8fgd/8aEVFfbzIlJOHGHyIiJvZL4I/dEVHfUOVf6jk1c6q7wRkkff3M6bMfdhbMPPyf/9diZyx97feZAa7mr7+yccHgA19z5jzxZ//xf3njzQ97I/7f/xFz5lT0LFgR1w//IPOlvvpbj//vY93ILFHN35G+/x4T+Xv9bxcjIhqq/UsNlPLv1yMm+n/Wo3Tt2rVRLT/tA1jDk/uOPVnk50tblse50gkMgJkvf0ph/epXNscvS89CTF+92hMR0fSt/PQ1YM7KF76/cnxtufpepjhH3WObvyJ9Acxi0z6AlXTfF+ZG3Lr1x9sRAhjAbFb3wJavbWqcE+mPSy/T/7vfpiIimhsXTUQTuo/+vDMiouGRr60UvwBmtZkbwDK8HQxgFqtZ8sjXv7Fi+IjWcP2p3oiIhnvnREQ6ff2jQ2cv9WYmLtY1NK/4xqoFNWMPTtcPH+iKiKhf/Y0VZosCzHJTugpiBXre3/74448XK3iYKc7xxS8Y/gKYrWoWrKwofUWk0wNhq3bO1fd+uuuH72bTV0Skejrf3fXDsZdATJ89m3kz2ANrTD4EYLoHsIYvfDEi4lzHkATW8/6RcxGxvGXp8HUAoLjUyZ/+vLPou8JSH44xg13/KPPysfrVD3uNGADTfwri0vWb5547dOvcru2RK0N/4c0f7Tp3K2Lu5vXyFwCV6+lNRURD89dzcw7T3R9/dPLUpd6ISH14+vrKjQtGt8XubsNfAOSZ9gEsGp58cfM/P3Po1q1zu545l//B8ldeVP8QgFFqeOS5F/Oe1Kpp/MqmxoV1mTL0nd1XNy4YTZWO/jMnuyIioqnJ8BcAEdN/CmJEphL9268sH3wbwNy5y195+1hmOAwARqFpbZE6GXNWrmmKiIiuru7RbCx97XKmtscjyyekuCIA08/0GQFb+tyxY8+V/LRh6XP7lpb+GAAqUaoMfU1NQ0Spd4iVkn23WN2SRYofApAxE0bAAGB8amrqMv9Ipcda7HC47LvF6hd92eNfAAwQwAAgFjQ1R0REb7qv2Me5say6UUSp7LvF/nyh/AVAlgAGABG192bGwLp+/t71YR9mS8lHbW3lWSpb/7Cu1vxDAHIEMACIqFmx4oHMvzrf3f7Gx1ezMxHT3R8ffuPdTJQaVS2NdF9mLG1Ug2YAzHjTpwgHAEykBZu2NF060BUR0Xvq5z88NWyBIQUS+89katNH07d+sn54MOu7M/pBMwBmPiNgAJDRuP6VLU3FX2FS3/Stvy+Sskrr78vkr/qa2iq0DIAZwwgYAGTVNK5/8e8bz5w+e7kzNVB0vr7ugT9f8fCKBWMcx6qrMQAGQB4BDIBZouYrL/7kKxUstmDlxgUrN4643JyVL3x/5Rg/BWDWMgURAAAgIQIYAABAQgQwAACAhAhgAAAACRHAAAAAEiKAAQAAJEQAA5jeWo8c/oftz092K6A6/mH7861HDk92KwAmkAAGAEwJ/pQAzAZexAww7bUeObxtw6aI+P6+n0x2W2CMjH0Bs4QABjATZDKYAQSmL+kLmCUEMIAZQv8VAKY+z4ABAAAkRAADAABIiAAGAACQEAEMAAAgIQIYAABAQgQwAACAhAhgAAAACRHAAAAAEiKAAQAAJEQAAwAASIgABgAAkBABDAAAICECGAAAQEIEMAAAgIQIYAAAAAkRwAAAABIigAEAACREAAMAAEiIAAYAAJAQAQwAACAhAhgAAEBCBDAAAICECGAAAAAJEcAAAAASIoABAAAkRAADAABIiAAGAACQEAEMAAAgIQIYAABAQgQwAACAhAhgAAAACRHAAAAAEiKAAQAAJEQAAwAASIgABgAAkBABDAAAICECGAAAQEIEMAAAgIQIYAAAAAkRwAAAABIigAEAACREAAMAAEiIAAYAAJAQAQwAACAhAhgAAEBCBDAAAICECGAAAAAJEcAAAAASIoABAAAkRAADAABIiAAGAACQEAEMAAAgIQIYAABAQgQwAACAhAhgAAAACRHAAAAAEiKAAQAAJEQAAwAASIgABgAAkBABDAAAICECGAAAQEIEMAAAgIQIYAAAAAkRwAAAABIigAEAACREAAMAAEiIAAYAAJAQAQwAACAhAhgAAEBCBDAAAICECGAAAAAJEcAAAAASIoABAAAkRAADAABIiAAGAACQEAEMAAAgIQIYAABAQgQwAACAhAhgAAAACRHAAAAAEiKAAQAAJEQAAwAASIgABgAAkBABDAAAICECGAAAQEIEMAAAgIQIYAAAAAkRwAAAABLyucluwJRz69atyW7CUL29PZPdBJhFEvgS6O3xSw2Jmrjf65qIiOjxSw1J+Q8RMSV77JUTwIaaO3fuZDdh0O/+NSKivr5hshsCs8KNP0RM9JfAH7sjor7BLzUkpe+/x0T+Xv/bxYiIBr/UkJR/vx4xxXrs165dG9XypiACAAAkRAADAABIiAAGAACQEAEMAAAg5ig4eQAAIABJREFUIQIYAABAQgQwAACAhAhgAAAACRHAAAAAEiKAAQAAJEQAAwAASIgABgAAkBABDAAAICECGAAAQEIEMAAAgIQIYAAAAAkRwAAAABIigAEAACREAAMAAEiIAAYAAJAQAQwAACAhAhgAAEBCPlf1Ld68ebP0h/Pmzav6DgEAAKaHKgWwm+37fvz6jv0dIy23te1u69rq7BIAAGCaqUoAa982f93+amwIAABgBqtCALu57/WB9NWydev6BU986Uull50/f/z7AwAAmJ7GH8BunjjaEWF2IQAAwAjGXwXxxvWOiGjZ+3fSFwAAQDnVKkPf+CXlDQEAAMoafwCbv6AlIrp/X6b4PAAAANUIYPMeWd8S0XH0hAQGAABQThWmIM7b/s7elujY8dS2dhkMAACgpCpUQdy37cfXG1uio2P/uvn7o6Vla2NjyYUX/F3rdg+LAQAAs9P4A9iN6/v3572FuaNjf0dHyYW3PtEaAhgAADA7VasKIgAAACMY/wjY2ta7d1ur0BIAAIAZzggYAABAQgQwAACAhIx/CuIQN2+WqkV/48SPX48nzm9fW+1dAgAATAtVCmA32/f9+PUd+0uXPxyw9Ynq7A8AAGD6qUoAa982f93+kReLaFlQjd0BAABMS1UIYDf3vZ5NX5m3MHd37+/oKPh3RLRsbXunda13gAEAALPX+Itw3DxxNJOw9t64e/58a2tr6zvrWyKio/GJ1tbW8+fv3r2xtyWiY//rJ0o9HQYAADAbjD+A3bjeEREte9/Znh3emvfI+paI6P79QOCat/1829aIjh0/bh/33gAAAKatapWhb/xS3uzCeV9qjIiO6zdyP1n7xNaI2P+BBAYAAMxeE/kesNwQWGQTWP5PAAAAZpnxB7D5CwrmG+b9LH8ILGP4TwAAAGaN8QewgfmGR/NLbGR+lp/Kbv6+e9x7AgAAmNaqMAVx7d/tbYno2DF/2bZ97QOJa2AILJfK2n+8oyMiWhbMH//+AAAApqdqPAM2b/urWyMiOvbvWDd/W3vejzp2zL/nnmXL7rkn857mlvWPeBEYAAAwa1WnCMfa1rs39m5tKfjR37Vtzfwr8yLmwkr1AAAAs0/VqiDO2956/u7dG21/l51kOG9t640bbVtbWlpaWlq27m27cV78AgAAZrXPVXdz89bmh6x589a2nl9b3T0AAABMVxP0HrCbN73wCwAAoFA1A9jN9n3bli2755577rln/vyBahzt2+7JK44IAAAwi1UrgN1s37Zs/rod+7MVN/J07N+xbv6yTB4DAACYvaoTwNq3zV+3vyMiomXr1oJyiPMXtLRERHTsX7dsn3EwAABgNqtGAGvflnnN19a2G3fPt7Zuf6Jx8LN528+fv9G2tSUiOnb82CgYAAAwi1UhgLV/sD8iWvbeaF1bvM78vLWt7+xtiYj9H0hgAADA7DX+AHbz990R0bL+kXJv+Zr3yHoJDAAAmOXGH8BuXO+IiMYvlX/L8rwvNZb9HAAAYMaboPeAAQAAMNT4A9j8BZVMLhx4UGzB/HHvDwDg/2/v/l0bO/cHj38Mge1vcYs4hhFIUwzDdouJzBQq5YRhCjNFFpxOxiyL7GLSOOW4ycDaYgsjwRYxbIrBRTATu9hC7A5WMBe2uEyGS6SLBhwFvn/Al8tW3kLyb9mWbfnxr9eruRnp+OgU95H01nPOcwDuqKsH2CCXd7Uqr2sR55+oCAAAcI8N4RTEvQKbnJjZ7HOnr9bmzERurhER+eVXxau/HAAAwB01jGvAsuXuKvON2mRuZGRi4vWHiIgPr2dmJiZGRvZv0bz8Y9n8FwAA8IB9NpS9ZMtbzZj5dq7WiGg0GhER0Wh0wysiIvLLzS35BQAAPGxDWwUxW65uNZsby6V8Pn/waD6fLy1vNHfVFwAAwHBmwHqy2WK5WiwPc5cAAAD3hvuAAQAAJCLAAAAAErnoKYitzZk3P1/+5Z68qroaDAAAeKAufA3Y7x9qh1Y3vKjSi2oIMAAA4GG6aIBlHz+N6AbYkeUOAQAAOMeFZ8ByT/K9Ams0orT8/auvillzWgAAAOe78CIc2fJWs7lRyucjolGbm8zlRkZGJmYqm63WNRweAADA/XGZVRCz2WJ1a2t3d7e5sVzKRxyU2MTETGVTiAEAAPRzpWXos8VydT/E8hHRaNTmJnMjSgwAAOCkodwHLFssV7e2dnebB1NiSgwAAOCYod6IOXtiSuxQic1UlBgAAPCgDTXA9p2cEotGbW5uMjezeS2vBwAAcAdcT4DtyUbEk6duFwYAABCXuA/YQFqtzV/evJ6rNY48ms+XXuSu5fUAAADugOEGWGuz8ub121rjSHjl86WX378qF92uGQAAeNiGEmB9J7x0FwAAwBFXCrB+E166CwAAoL/LBFi/CS/dBQAAcI4LB1irMpGb208v3QUAADCoCwdY8+NefeVLpacR8fHnNzM/D/rXT15Vy2INAAB4mC4aYK3fP+z9Z6N2bJn5AZReVEOAAQAAD9NFb8R8MAEGAADAhVx0BqxY3d2tXsuRAAAA3HMXnQEDAADgkgQYAABAIgIMAAAgEQEGAACQiAADAABIRIABAAAkIsAAAAASEWAAAACJCDAAAIBErinAWq3W9ewYAADgzhpmgLU2KzMTEyMjIyMjuVxuZjMiYnNmZGKmsinHAAAAhhVgrc2ZidzkXK3ROPFUozY3mZvo9hgAAMDDNZwA25zJTdYaERH5Umm5lD94Jvckn4+IaNQmJyrmwQAAgIdsGAG2OTNZi4gobTR3t6rV8ounB89ly1tbzY1SPiIac2/MggEAAA/YEAJs8+daROSXm9Vitu8G2WL1x+V8RNR+VmAAAMDDdfUAa/3+ISLyL7/qX19d2a9eKjAAAOCBu3qANT82IuLp47P6KyL7+OmZzwMAANx7bsQMAACQyNUDLPdkkJMLexeKPcld+fUAAADuqKsH2CCXd7Uqr2sR55+oeKbtpefPny9tn/JsZ22pXH7eU15a2+5c/pUAAACuwxBOQdwrsMmJmc0+d/pqbc5M5OYaEZFfflW89KtsLy3Wz3jy+exqvd3e+3e7vro4e2qrAQAA3IhhXAOWLXdXmW/UJnMjIxMTrz9ERHx4PTMzMTEysn+L5uUfy5ec/+psLz0/M78W6xGRmV5YWV9fX19fWZjORER9sbxmGgwAALg9hrMIR7a81Vwu5SMiotFoNLr/W6t1/ysi8svNrUvlV2d7bak8e0Z9RWftp3pEFBYqU+OjERExOj5VWShERPv9rwoMAAC4NYa2CmK2XN1qNjeWS/l8/uDRfD5fWt5o7l6yvtbKs4ur9XZkCgsrC4X+2/z6vh0Rhfz4kYfHX05nFBgAAHCrfDbMnWWzxXK1WB7mLiNTmP7m5dT4aGw3+j7/x06//ooYHXsU0W7v/BExOtQDAgAAuKShBtiwjU5V1qfO3qSz8ykiMmNfnHjmi7FMRPvTTifGFRgAAHAbXD3ANmdGJj+Ulr9/VS5eYY35xN69e3faU+2DxRRviz//dCIlpJPgTeDPjkENSV3fuP5rRER0DGpI5S8RcSu/sQ9uODNgjdrcZG0uIn/rQuyUcxC//vrrvpu/e/cuk8lc90EN7u//iIj4/HNzeJBC81NExPW+Cex8iIjPRw1qSOXf/hnXOa7//W8REaMGNaTyr48R1/1hfUG//fbbhba/+iIcuRel/WU3GrW57kr0M5V+twS7Af1OTgQAALgRVw+wbLG6tbW7210AsftQ4/aFGAAAwI0b3jL0xXI3xJob/UJss3U9ITY69ih6Jxoe010e8dGYcwIAAIBbYmgBtie7NyPW3Ni7NXM0GrXJXG5kZGKiMvQM+2IsExGfdo5f/Hr68ogAAAA3Y+gBtiebLZarW7u9cxO7jzUaH5vDfp3RL59lItqrb7ePPLz9drUdkXn2pQkwAADgtri2AIuIaG1WZia+nZyr9b+H8nB0Cyzqi+Wl7e40WGd7rbxYD/0FAADcLtdxI+ZWa/OXN6+PZlc+X/r+x1fF7DWsUD869d3CzuxivV1fnK0ferywUJnSXwAAwO0xzBmw1mZlZmJiZCSXO5j0yudLyxvN3d2treq11FdERIyOz68sTBcO7gaQKUyvrM+PX9PLAQAAXMowZsBam5XjE17XcE/m8fn19flTnx0dn5ofnzr9eQAAgBt39QDbnMlN1g7+OfTwAgAAuCeGdg1YvrT8/auvru80QwAAgLvu6gGWe7HRvJ7VNQAAAO6VqwdYtlgcwnEAAADcexcNsFZl5s3HiIgnr6rl7JFHBrH/VwAAAA/ORQOs+bFWq0VElF5UI3vkkUHs/xUAAMCDM8z7gAEAAHCGi86AFau7u9VzHgEAAKAPM2AAAACJXD3AWpWZmZmZSuv8rSYmJs7bDAAA4P66eoA1P9ZqtdrH5tlbZR9HrdFonLcZAADA/ZXqFMTW7x8SvRIAAMAtdYkbMW/OjEyeWHe+NjkywFr0+Se5i78eAADA/XCJGbBidaN0uRcrfe8uzAAAwMN1iRmwiOKrjVL83PvHhw+1RiPy+dLTp2f8yZMnL776qii/AACAB+xSARbZYrVa7P335kxtshFPvz94BAAAgD4uF2CH5Z6USqVwcRcAAMA5rh5g2XK1OoQDAQAAuO8uGmCtysybjxERT15Vuytq7D8yiP2/AgAAeHAuGmDNj7VaLSKi9KIa2SOPDGL/rwAAAB6cVDdiBgAAePAuOgNWrO7uVs95BAAAgD7MgAEAACQiwAAAABK5+jL0x7VardOfzGYtwQEAADxUQwqw1mblzeu5WuO87Uobu9XicF4SAADgjhlKgG3O5CYHXokeAADggRpCgLUqr3v1lS+VXj558fjx6dvmcld/PQAAgLvp6gHW+uVtI8LZhQAAAOe4+iqIzY+NiMgvv1JfAAAAZxnWMvRPH1veEAAA4ExXD7Dck3xEfPj9jMXnAQAAGEaAZb96mY9ovP1FgQEAAJxlCKcgZss/LuejMfftzKYGAwAAONUQVkGszLz5+DQfjUZtMleLfL709OmpGz95VS27WAwAAHiYrh5gzY+12qG7MDcatUbj1I1LL6ohwAAAgIdpWKsgAgAAcI6rz4AVq7u71SEcCQAAwD1nBgwAACARAQYAAJDI1U9BjGi1Blx+Ppu1AAcAAPBwXT3ANmdyk7XzNzskny+9/P5VuajGAACAB+UmTkFsNGpzk7mRiYr7NgMAAA/J1QMs92pjY2M5v/fPfKm0vLFnuVTK7z++vLGxsbG8XCrlu4815nIzm1d+eQAAgLvi6qcgZrPF5pvJRkTkl5tb5SPnFRaLxXK12tqcyU3WanM/v9itlovFKEfvoai9rrwqlp2KCAAAPAhDOAVxc2ay1q++9mWL1eZyPqI2uT/jlS1WN0oR0Xj7i/MQAQCAB+LqAdb6/UNE5F9+ddZEVvarl/mI+PD7QW7lnuQjovGxeeUjAAAAuBOuHmDNj42IePr47BMJs4+fxtHc6j4CAADwYAxrFcTDc1v9dOfJAAAAHrCrB1jxRSkiGnNvzlrRcPPNXCMiSi+KBw/9XIuI/JPclY8AAADgThjCDFi3wKI2OTGz2W8arLU5M9G9VfN+f+0/dM6lYwAAAPfI1ZehjyhWN0q1yVo0apO5WuTzpad7V3d9+PCh0Wj0/lHaqBYjYnNmpJtjob8AAIAHZRgBFlGsNjfi28laIyIajdp+c+3LL2/8WC4ee6y0cdrC9QAAAPfQsBbhyBarW7vN5sZyKZ/PHzycz5eWN5rN3a1ycS+1ck9KpeXljebuVrXYd1cAAAD303BmwHqy2WK5Wiyfs1G5Wh3miwIAANwRw5oBAwAA4BxDDbBWa7MyMzExMdIzMTExMVPZbJ19izAAAICHYWinILYqE7m5Y4tvNBqNaDQma3ORX25acAMAAHjghhNgR+orn88/7S5Ef7AKfWMuNxEaDAAAeNCGEWCtyrfd+uouNn8sslqblW8n5xrRmPu28pUEAwAAHq4hXAO2+WauEdE9y/B4fUVEtljeai7nI6Ix92bz6i8HAABwR109wFq/f4iI/PKPZ0xuZcs/Lucj4sPv1uMAAAAerKsHWPNjIyKePj773MLs46cR0fjYvPLrAQAA3FHuAwYAAJDI1QMs9yQfEbWfz768a/PnWkTkn+Su/HoAAAB31NUDrHtyYdReV06/vqtVeV2LOP9ERQAAgHtsCKcgFl/11jjMTcxsto5XWKu1OdO7SVh++VXx6i8HAABwRw3jPmDZ8o/Lb3NzjWjUJnO1iMjn891nerdhjojz1kkEAAC494YRYBHZ8lbz8cy3k7Vubx3uroiIyJc2fqz2uUcYAADAAzKcAIuIbLG6tfuqtfnLm5/ffviw9+jTpy9fvPqqmNVeAAAAQwuwiIjIZovlarE81H0CAADcE+4DBgAAkMiVA6zVOrHwYffxysTETOXkqogAAAAP1RUCrLU5MzEykst9+0ufyGr98rbRqM1N5nIjEzObKgwAAOCyAdbanJnI9RY9bHxsntzg0EON2mRu4oy7NAMAADwMlwqwzZm9+IrIlzZe5U5uUixv7e42N0p7NwSby81sXvYYAQAA7oVLBNjmzGSt+1/55ebuVvX0ReazxepWc7nXYLVJCQYAADxoFw6wVuX1fn79WD7//l7Z8o/7CfbaiYgAAMADdtEAa/3ytnfuYen7AfIrIiJb/r7U/a/G237rdQAAADwMFw2w5se9a7+e9Lny6xS5J3uXgvVbrwMAAOBhuPQy9E8fDzb/FRGRffz0si8DAABwb1z5RswAAAAM5qIBtn824YffB7+cq/X7h+5/XOS8RQAAgHvmogG2fzbhBRbUOFi44yLnLQIAANwzFz4FsfjioksaHvSXCTAAAOAhu/g1YAcFNvftAPf12pzJzV104XoAAID76BKLcBSrG/sJlpuY2Tw1wlqblZmJyd5tmyO//Kp4iQMEAAC4Lz67zB8Vq83lD92JrUZtMleLyJeWX754/Hhvg99//vltrdY49CeljS3TXwAAwMN2qQCLyJa3mjHz7dxeZDVqc43aKdvmS8s/VtUXAADw4F3+PmDZcnWrubFcyp++ST5f2mg2t9QXAABAXHoGrCdbLFeL5Wq0WpvN5u+///zxY0Q8efLi8eNcrpiVXQAAAIdcLcD2ZLPFbLZYtMgGAADA6S5/CiIAAAAXIsAAAAASEWAAAACJCDAAAIBEBBgAAEAiAgwAACARAQYAAJCIAAMAAEhEgAEAACQiwAAAABIRYAAAAIkIMAAAgEQEGAAAQCICDAAAIBEBBgAAkIgAAwAASOSzmz6AW6fdbt/0IRz355+dmz4EeEASvAn82TGoIanrG9d/jYiIjkENqfwlIm7lN/bBCbDjMpnMTR/Cgb//IyLi889Hb/pA4EFofoq47jeBnQ8R8fmoQQ2p/Ns/4zrH9b//LSJi1KCGVP71MeKWfWP/7bffLrS9UxABAAASEWAAAACJCDAAAIBEBBgAAEAiAgwAACARAQYAAJCIAAMAAEhEgAEAACQiwAAAABIRYAAAAIkIMAAAgEQEGAAAQCICDAAAIBEBBgAAkIgAAwAASESAAQAAJCLAAAAAEhFgAAAAiQgwAACARAQYAABAIgIMAAAgEQEGAACQiAADAABIRIABAAAkIsAAAAASEWAAAACJCDAAAIBEBBgAAEAiAgwAACARAQYAAJCIAAMAAEhEgAEAACQiwAAAABIRYAAAAIkIMAAAgEQEGAAAQCICDAAAIBEBBgAAkIgAAwAASESAAQAAJCLAAAAAEhFgAAAAiQgwAACARAQYAABAIgIMAAAgEQEGAACQiAADAABIRIABAAAkIsAAAAASEWAAAACJCDAAAIBEBBgAAEAiAgwAACARAQYAAJCIAAMAAEhEgAEAACQiwAAAABIRYAAAAIkIMAAAgEQEGAAAQCICDAAAIBEBBgAAkIgAAwAASESAAQAAJCLAAAAAEhFgAAAAiQgwAACARAQYAABAIgIMAAAgEQEGAACQiAADAABIRIABAAAkIsAAAAASEWAAAACJCDAAAIBEBBgAAEAiAgwAACARAQYAAJCIAAMAAEhEgAEAACQiwAAAABIRYAAAAIkIMAAAgEQEGAAAQCICDAAAIBEBBgAAkIgAAwAASESAAQAAJCLAAAAAEhFgAAAAiQgwAACARAQYAABAIgIMAAAgEQEGAACQiAADAABIRIABAAAkIsAAAAASEWAAAACJCDAAAIBEBBgAAEAiAgwAACARAQYAAJCIAAMAAEhEgAEAACQiwAAAABIRYAAAAIkIMAAAgEQEGAAAQCICDAAAIJHPbvoAhmJ76flivc/jhYX1+fHkRwMAANDXvZgB6+x8uulDAAAAONe9mAH7Y6cdprsAAIDb7j7MgG036hGRGfvipg8EAADgLPcgwLonIGaefTl600cCAABwlntwCuIfO+2IzLOxP9aWflittyMiMpnCN9/NjysyAADgNrn7M2DdCbD26uJir74iot2uL84+X9q+wcMCAAA47u7PgHVX4IjIFBZ6k16dztrbH1br7fpieWylMtVvHuzdu3en7a/dbp/21E3588/OTR8CPCAJ3gT+7BjUkNT1jeu/RkREx6CGVP4SEbfyG/vg7nyA9ZagLyxU9pdAHB2dmq+MxfPFevv9r52pfgX29ddf993bu3fvMpnMNR3qJfz9HxERn3/uZEpIofkpIuJ63wR2PkTE56MGNaTyb/+M6xzX//63iIhRgxpS+dfHiOv+sL6g33777ULb3/lTEEenKuvr6ycXoB/PFyKi/f5XP0kBAAC3xJ0PsFN9MZaJiPbOHzd9IAAAAF33N8C63B0MAAC4Ne56gHXWys+fP++34GF3cY5HY07KBgAAbom7HmCjY48iIuqNYwXWWfupHhGF/PFrwwAAAG7KXQ+wGH85nYmI+mJ5abu33kZne6k8u9qOyEy/1F8AAMCtceeXoY/Rqe+m38+uttv1xdn64ScKC9/1vQcYAADAzbjzM2DRXYl+ZaFwcDeATKawsLLevSszAADAbXH3Z8C6RsfnK+PzN30UAAAAZ7gPM2AAAAB3ggADAABIRIABAAAkIsAAAAASEWAAAACJCDAAAIBEBBgAAEAiAgwAACARAQYAAJCIAAMAAEhEgAEAACQiwAAAABIRYAAAAIkIMAAAgEQEGAAAQCICDAAAIBEBBgAAkIgAAwAASESAAQAAJCLAAAAAEhFgAAAAiQgwAACARAQYAABAIgIMAAAgEQEGAACQiAADAABIRIABAAAkIsAAAAASEWAAAACJCDAAAIBEBBgAAEAiAgwAACARAQYAAJCIAAMAAEhEgAEAACQiwAAAABIRYAAAAIkIMAAAgEQEGAAAQCICDAAAIBEBBgAAkIgAAwAASESAAQAAJCLAAAAAEhFgAAAAiQgwAACARAQYAABAIgIMAAAgEQEGAACQiAADAABIRIABAAAkIsAAAAASEWAAAACJCDAAAIBEBBgAAEAiAgwAACARAQYAAJCIAAMAAEhEgAEAACQiwAAAABIRYAAAAIkIMAAAgEQEGAAAQCICDAAAIBEBBgAAkIgAAwAASESAAQAAJCLAAAAAEhFgAAAAiQgwAACARAQYAABAIgIMAAAgEQEGAACQiAADAABIRIABAAAkIsAAAAASEWAAAACJCDAAAIBEBBgAAEAiAgwAACARAQYAAJCIAAMAAEhEgAEAACQiwAAAABIRYAAAAIkIMAAAgEQEGAAAQCICDAAAIBEBBgAAkIgAAwAASESAAQAAJCLAAAAAEhFgAAAAiQgwAACARAQYAABAIgIMAAAgEQEGAACQiAADAABIRIABAAAkIsAAAAASEWAAAACJCDAAAIBEBBgAAEAiAgwAACARAQYAAJCIAAMAAEhEgAEAACQiwAAAABL57KYP4NZpt9s3fQjH/fln56YPAR6QBG8Cf3YMakjq+sb1XyMiomNQQyp/iYhb+Y19cALsuEwmc9OHcODv/4iI+Pzz0Zs+EHgQmp8irvtNYOdDRHw+alBDKv/2z7jOcf3vf4uIGDWoIZV/fYy4Zd/Yf/vttwtt7xREAACARAQYAABAIgIMAAAgEQEGAACQiAADAABIRIABAAAkIsAAAAASEWAAAACJCDAAAIBEBBgAAEAiAgwAACARAQYAAJCIAAMAAEhEgAEAACQiwAAAABIRYAAAAIkIMAAAgEQEGAAAQCICDAAAIBEBBgAAkIgAAwAASESAAQAAJCLAAAAAEhFgAAAAiQgwAACARAQYAABAIgIMAAAgEQEGAACQiAADAABIRIABAAAkIsAAAAASEWAAAACJCDAAAIBEBBgAAEAiAgwAACARAQYAAJCIAAMAAEhEgAEAACQiwAAAABIRYAAAAIkIMAAAgEQEGAAAQCICDAAAIBEBBgAAkIgAAwAASESAAQAAJCLAAAAAEhFgAAAAiQgwAACARAQYAABAIgIMAAAgEQEGAACQiAADAABIRIABAAAkIsAAAAASEWAAAACJCDAAAIBEBBgAAEAiAgwAACARAQYAAJCIAAMAAEhEgAEAACQiwAAAABIRYAAAAIkIMAAAgEQEGAAAQCICDAAAIBEBBgAAkIgAAwAASESAAQAAJCLAAAAAEhFgAAAAiQgwAACARAQYAABAIgIMAAAgEQEGAACQiAADAABIRIABAAAkIsAAAAASEWAAAACJCDAAAIBEBBgAAEAiAgwAACARAQYAAJCIAAMAAEhEgAEAACQiwAAAABIRYAAAAIkIMAAAgEQEGAAAQCICDAAAIBEBBgAAkIgAAwAASESAAQAAJCLAAAAAEhFgAAAAiQgwAACARAQYAABAIgIMAAAgEQEGAACQiAADAABIRIABAAAkIsAAAAASEWAAAACJCDAAAIBEBBgAAEAiAgwAACARAQYAAJCIAAMAAEhEgAEAACTy2U0fwLB01pZybyNVAAAM4UlEQVR+eF9vtyMiIlOY/ubl1PjoDR8TAADAYfdjBmx76fns6l59RUS7vro4u7R9k4cEAABw3H0IsO2lxXpEZKYXVtbX19fXVxamMxFRXyyvdW762AAAAPbd/QDrrP1Uj4jCQmXvnMPR8anKQiEi2u9/VWAAAMCtcecDrPPr+3ZEFPLjRx4efzmdUWAAAMCtcucD7I+dfv0VMTr2KCLaO3+kPyQAAIC+7voqiJ2dTxGRGfvixDNfjGUi2p92OnHnV0P835/e3vQhAMP0P/7v/7npQwCG6V//67/d9CEAd8ZdD7BLevfu3WlPtQ8WU7x5//E/TP79/23c9FHAw3KtbwL/eezp/9z5cH37B/q6xnH9n/7rX//2369r58ApbtU39ou67wHW3vkj4uQM2Ndff91383fv3mUymes+qAvJxH+56UMAhun7W/YmA1xVxvQXpHarPkp/++23C21/568BO0e/kxMBAABuxH0PMAAAgFvjrgfY6YsddpdHfDR211fgAAAA7o27HmDdxQ7j087x+32dvjwiAADAzbjzATb65bNMRHv17faRh7ffrrYjMs++NAEGAADcFnc+wHoFFvXF8tJ2dxqss71WXqyH/gIAAG6Xe7AM/ejUdws7s4v1dn1xtn7o8cJCZUp/AQAAt8fdnwGLiNHx+ZWF6cLB/QAyhemV9fnxGzwkAACAE+7BDFhERIyOT82PT83f9GEAAACc7l7MgAEAANwFAgwAACARAQYAAJCIAAMAAEhEgAEAACQiwAAAABIRYAAAAIkIMAAAgEQEGAAAQCICDAAAIBEBBgAAkIgAAwAASESAAQAAJCLAAAAAEhFgAAAAiQgwAACARAQYAABAIgIMAAAgEQEGAACQiAADAABIRIABAAAkIsAAAAASEWAAAACJCDAAAIBEBBgAAEAiAgwAACARAQYAAJCIAAMAAEhEgAEAACQiwAAAABIRYAAAAIkIMAAAgEQEGAAAQCICDAAAIBEBBgAAkMhnN30At867d+9u+hAAAID7yQwYAABAIiO7u7s3fQwAAAAPghkwAACARAQYAABAIgIMAAAgEQEGAACQiAADAABIRIABAAAkIsAAAAASEWAAAACJCDAAAIBEBBgAAEAiAgwAACARAQYAAJCIAAMAAEjks5s+ALiC7aXnP33KPHr0bCz/5dT4aP+NOttrvzZ23n+qP/pmfX58qK/fWSvPrrYz0yuVqVNeHLiaTmf717c/va+3270HMpnCs29e9hnw543H7aXni/UoLFzkfaD7N8Y43AbdMX7uZgMP2Mu8J8BQCDDuuHa73W63o74zdso76PbbxdV6REQ8SnlcwJX1/brVbtfbi/XVTGH6u3lVBMDdI8C4+zKZTLtdb2zPj/cpsO1GvbvB+T+aAbfI9lJ5sd6OiExh+puXX46PdmOrOyO2Wm/XV2c/hZkpeDhGpyrrU4cfMIXFXeUaMO6BR48yEfXGdp+nthv1yDx79ij1IQFXsr20WG9HZKZX1ivzU3v1FRGjo+NT85WVhUImor06u9Rv3APALWYGjHtgLP8sU+87B7bdqEdm+suxndWjD/e7rqN3ttPhn9I620s//LR/7Ukmk3n0zXfzp11rdmQvR/fd2V57+9NqfW8/hel+V7B0tpd+6P7gH5nCwnfzX/za74KWzvbaoethMplC/yMacDO4nTprP9UjorBw2gTX6Pj8d9OfZlfb9Z/WXo6fOgvWdzwefv7IQDnj+rKIztrSD6t7A7Tf2Y/nDfOD3+q/2N/VwZ4Odp/JTH/z3bFDuMBxAhEx+Af9YYN96BuPXJ0ZMO6DL7581ncObLtRj3g0drk3xc5aeXaxfujUxXa7XV+cfX7GL+573/aOfG3cXirPLu5/LYuIdn11cbZ8dDe9F9vfYnG2/Han/yGtHjqmdrt+YlcDbwa3VefX9+2IzPTLs04rGp36phAR7fe/dk7ZS7/xeMje0Dx0enK7XV9d7DOrtvO2PLt6aICuzpbXjrzqQMO8u6u1Q7vq7Wl76fmhx9qriz8c3vsFjhO4tME+9I1HhkKAcS+M9i2w7UY9opC/1KnhnbUfVtsRmemFlfWelYXpTETUf1rr/31ve2l2tR1RWKgc/LLWWetexpIpTK+s7O2mkIlo1xcPvsH1Xmz/1VYWCpl2/dCXucP7zxT2D6l7RO364uE3/gE3g1ur21/n/3Yynj+jwPqNx6PP985xPBji6ysLhYg+Y7xdr7cPj86IaK++3R9Ogw3zrvrqahT29jTd3dPsYj1z/LH9vV/kOIHLGuxD33hkSAQY90OfAuuexHTJ/oo/dtoRkXn25cFJBaPjU5X19fX1vr+md9bKi/WIzPTK4W97vS+ShYXK/NTeRSyj4/OVhUIc+o51sFXvFIbR8fnvpjPHX2DvnKyD8yFGx6cqK9OZw2/8A24Gt1hv9I19cd6GX4xlIqK988fxJ/qPx8O2G/WIyEwfOdlvdPzldN89ZqZXDo3ObwoREZ929gbdQMP8YFd7pzSNjn/5LHPisamje7/YcQKXNNCHvvHIsAgw7onRsUdxpMC6X4ou21973+xWf1ja7pwfLd0f209caLL3xezEQXR/ue99x+p7ulXv9Kpju+pzTlY3PfcmAQbcDG6/y548fOp4PGJ8/tAXq06ns729tra0dNpNho4ey9HuG2yY78k8+/LQF7exRyceu9JxApc00Ie+8ciwWISD+2I8X4h6fX8ljiv2V4x++Syz2m5Hu744W4+IyBSmn/W/3XN7dXax/05O/yG/e7TtnT8iRrtbnfi2+cVYJuLYm3p7dfb50fVE9p/Z+SNi9GKbwW32aacTl7iq/fTxeMKhhW/OduZk3GDDfMBD6mvg4wQua+APfeORYTADxr3R/bm5Nwd21f6KGJ2qrCwUMvsnArbrq6uLs8+fl5e2T/44lil018T+od8pfpf/If+Q7pe8YW0Gt9mpZxYed0r7nDke9xxZ+CaTyRQK09MLKyvHz/0d1KDD/MJvB0M+TqC/gT70jUeGxAwY98ehObAvrtxfEd3LOMbnIzrba7823vfWnG3XF38YO3pqU2GhMj/eGfs0u9pefbs9dfyik8F+yB9oq7NPqrroZnA79X6KPndM9K7HOHYC3znjsWtv4ZvCwsqRRaY7JxcfHcwl5+vOM/TjBE513oe+8cjQmAHjHtmfA7v6/NcRo+NTU/OVysEKZUevpOr+/t67aOvIUoOn/5Df++Y49sX+ViccncwacE5g4KkDuMV6lyweX7/iqN6CM8f76/TxeFhv7mz65bFousQc8mDD/JKGeJzAgE770DceGRoBxn3S/Sb0qfH2nP7q942pdyX93r/Wys+fPz9+z6+DVcv6GZ9fKMSRpQa7XyNPu0HZ3tlI/b9s9jbZf+nerk6uY7i99Pz58+e9xa4H3Axut/1+6nvKb3Qvw+j+FP3NKZO9J8fjAPaG3dGFM8451oGG+XBd5jjhYTn/g/6wy3zo7zEeuTgBxn3SS5l6/Zz5r97aY/XF3pe7zvbasVWM9r5TLZbXDr7/dbZ7px+c9o2quxbtoUtPDnaztNZbV6nTWVsqL3ZXsu2tVXjoxXrbbPc2OXxEvbvOrs4eOqT9Dfe/hQ64Gdxy4/MrvdvXzZaX1g4tS9bpbK8t9S7DyBQWTltmPvqMx0P2Vjx7e2iUrJWfHx92AxlsmF/OMI8THpTzP+iPbD3Ih77xyNC4Box7ZW8Zo/NO+xl/OZ2pr7Zjb7WjiCgsLMTiwdvo6NR30+9nV9vt1cXZowsKnvWdb++v9i89GZ2qLOyUF+vt+upsffXoXg4u0zp4sYPVCzOFQhy9F/P4/ELh02L95CEdPaIBN4NbbnSqshJLP6zW2/XVxfqJZT0zhenv5s/+QeHEeDz81DeF1cX64beAiIjM9MKz94ur7YutXDjYML+UoR4nPCjnf9AfNsiHvvHI0JgB437p/Yh15o11Irrf7aYLe2cWZAoLJ+/XOjpVWVmYPrQkUmQyhemFlcqZFXPy0pPx+e5+DnbTZy+95ZcOHU8lf3wN+oNd7e+r/xENuBncdqNT85WVY8Ow93/n9co59dXbwamXgo3PHxmXmUxhYWW9MjXe/dX8oucSDTTML2W4xwkPyAAf9Mc3P+9D33hkSEZ2d3dv+hiAPraXni/Wo7CwrpsAAO4NM2Bw0/pf+zuEBdQAALhtBBjctONXCkdEZ3tpsd8K2wAA3G1OQYSb19lemu1zWbD7KQMA3DcCDG6Fzvba25/e19vdhTcymcKzb15OjasvAID7RYABAAAk4howAACARAQYAABAIgIMAAAgEQEGAACQiAADAABIRIABAAAkIsAAAAASEWAAAACJCDAAAIBEBBgAAEAiAgwAACARAQYAAJCIAAMAAEhEgAEAACQiwAAAABL5/4oUFU6xVhj+AAAAAElFTkSuQmCC"/>
+          <p:cNvSpPr>
+            <a:spLocks noGrp="1" noChangeAspect="1" noChangeArrowheads="1"/>
+          </p:cNvSpPr>
+          <p:nvPr>
+            <p:ph idx="1"/>
+          </p:nvPr>
+        </p:nvSpPr>
+        <p:spPr bwMode="auto">
+          <a:xfrm>
+            <a:off x="0" y="182676"/>
+            <a:ext cx="3135817" cy="5210206"/>
+          </a:xfrm>
+          <a:prstGeom prst="rect">
+            <a:avLst/>
+          </a:prstGeom>
+          <a:noFill/>
+          <a:extLst>
+            <a:ext uri="{909E8E84-426E-40DD-AFC4-6F175D3DCCD1}">
+              <a14:hiddenFill xmlns:a14="http://schemas.microsoft.com/office/drawing/2010/main">
+                <a:solidFill>
+                  <a:srgbClr val="FFFFFF"/>
+                </a:solidFill>
+              </a14:hiddenFill>
+            </a:ext>
+          </a:extLst>
+        </p:spPr>
+        <p:txBody>
+          <a:bodyPr vert="horz" wrap="square" lIns="91440" tIns="45720" rIns="91440" bIns="45720" numCol="1" anchor="t" anchorCtr="0" compatLnSpc="1">
+            <a:prstTxWarp prst="textNoShape">
+              <a:avLst/>
+            </a:prstTxWarp>
+            <a:normAutofit/>
+          </a:bodyPr>
+          <a:lstStyle/>
+          <a:p>
+            <a:pPr marL="0" indent="0">
+              <a:buNone/>
+            </a:pPr>
+            <a:r>
+              <a:rPr lang="en-US" dirty="0" smtClean="0"/>
+              <a:t>Each dashboard had several tabs of documentation.</a:t>
+            </a:r>
+          </a:p>
+          <a:p>
+            <a:pPr marL="0" indent="0">
+              <a:buNone/>
+            </a:pPr>
+            <a:endParaRPr lang="en-US" dirty="0"/>
+          </a:p>
+          <a:p>
+            <a:pPr marL="0" indent="0">
+              <a:buNone/>
+            </a:pPr>
+            <a:r>
+              <a:rPr lang="en-US" dirty="0" smtClean="0"/>
+              <a:t>Our quality varied across dashboards, and</a:t>
+            </a:r>
+            <a:r>
+              <a:rPr lang="en-US" dirty="0"/>
+              <a:t> </a:t>
+            </a:r>
+            <a:r>
+              <a:rPr lang="en-US" dirty="0" smtClean="0"/>
+              <a:t>this is a representative example.</a:t>
+            </a:r>
+          </a:p>
+        </p:txBody>
+      </p:sp>
+      <p:pic>
+        <p:nvPicPr>
+          <p:cNvPr id="2" name="Picture 1"/>
+          <p:cNvPicPr>
+            <a:picLocks noChangeAspect="1"/>
+          </p:cNvPicPr>
+          <p:nvPr/>
+        </p:nvPicPr>
+        <p:blipFill rotWithShape="1">
+          <a:blip r:embed="rId2"/>
+          <a:srcRect t="7552" r="19954" b="20303"/>
+          <a:stretch/>
+        </p:blipFill>
+        <p:spPr>
+          <a:xfrm>
+            <a:off x="3125426" y="550717"/>
+            <a:ext cx="8948811" cy="6120246"/>
+          </a:xfrm>
+          <a:prstGeom prst="rect">
+            <a:avLst/>
+          </a:prstGeom>
+          <a:ln>
+            <a:noFill/>
+          </a:ln>
+          <a:effectLst>
+            <a:outerShdw blurRad="292100" dist="139700" dir="2700000" algn="tl" rotWithShape="0">
+              <a:srgbClr val="333333">
+                <a:alpha val="65000"/>
+              </a:srgbClr>
+            </a:outerShdw>
+          </a:effectLst>
+        </p:spPr>
+      </p:pic>
     </p:spTree>
     <p:extLst>
       <p:ext uri="{BB962C8B-B14F-4D97-AF65-F5344CB8AC3E}">
-        <p14:creationId xmlns:p14="http://schemas.microsoft.com/office/powerpoint/2010/main" val="2489979003"/>
+        <p14:creationId xmlns:p14="http://schemas.microsoft.com/office/powerpoint/2010/main" val="3541535487"/>
       </p:ext>
     </p:extLst>
   </p:cSld>
   <p:clrMapOvr>
     <a:masterClrMapping/>
   </p:clrMapOvr>
+  <p:timing>
+    <p:tnLst>
+      <p:par>
+        <p:cTn id="1" dur="indefinite" restart="never" nodeType="tmRoot"/>
+      </p:par>
+    </p:tnLst>
+  </p:timing>
 </p:sld>
 </file>
 
@@ -6893,7 +6828,7 @@
           <a:p>
             <a:r>
               <a:rPr lang="en-US" dirty="0" smtClean="0"/>
-              <a:t>Lessons Learned</a:t>
+              <a:t>Lessons Reinforced</a:t>
             </a:r>
             <a:endParaRPr lang="en-US" dirty="0"/>
           </a:p>
@@ -6926,9 +6861,18 @@
               <a:buAutoNum type="arabicPeriod"/>
             </a:pPr>
             <a:r>
+              <a:rPr lang="en-US" dirty="0" smtClean="0"/>
+              <a:t>The providers have </a:t>
+            </a:r>
+            <a:r>
               <a:rPr lang="en-US" dirty="0"/>
-              <a:t>This particular group of nurses preferred a top-down entry into their data.  Most scientists prefer bottom-up.  Here are some examples of how we changed our presentation.</a:t>
-            </a:r>
+              <a:t>incredible ideas for improving services delivered. It's worth our time to facilitate and translate these </a:t>
+            </a:r>
+            <a:r>
+              <a:rPr lang="en-US" dirty="0" smtClean="0"/>
+              <a:t>ideas.</a:t>
+            </a:r>
+            <a:endParaRPr lang="en-US" dirty="0"/>
           </a:p>
           <a:p>
             <a:pPr marL="514350" indent="-514350">
@@ -6943,10 +6887,26 @@
               <a:buAutoNum type="arabicPeriod"/>
             </a:pPr>
             <a:r>
+              <a:rPr lang="en-US" dirty="0" smtClean="0"/>
+              <a:t>Implementing their </a:t>
+            </a:r>
+            <a:r>
+              <a:rPr lang="en-US" dirty="0" err="1" smtClean="0"/>
+              <a:t>tx</a:t>
+            </a:r>
+            <a:r>
+              <a:rPr lang="en-US" dirty="0" smtClean="0"/>
+              <a:t> &amp; measurements ideas </a:t>
+            </a:r>
+            <a:r>
               <a:rPr lang="en-US" dirty="0"/>
-              <a:t>Hovering text provides an alternative entry into understanding the graph. </a:t>
-            </a:r>
-            <a:endParaRPr lang="en-US" dirty="0" smtClean="0"/>
+              <a:t>increases their </a:t>
+            </a:r>
+            <a:r>
+              <a:rPr lang="en-US" dirty="0" smtClean="0"/>
+              <a:t>engagement.</a:t>
+            </a:r>
+            <a:endParaRPr lang="en-US" dirty="0"/>
           </a:p>
           <a:p>
             <a:pPr marL="514350" indent="-514350">
@@ -6978,8 +6938,54 @@
               <a:buAutoNum type="arabicPeriod"/>
             </a:pPr>
             <a:r>
+              <a:rPr lang="en-US" dirty="0" smtClean="0"/>
+              <a:t>Math </a:t>
+            </a:r>
+            <a:r>
               <a:rPr lang="en-US" dirty="0"/>
-              <a:t>Monthly meetings are not frequent enough at the beginning</a:t>
+              <a:t>phobia </a:t>
+            </a:r>
+            <a:r>
+              <a:rPr lang="en-US" dirty="0" smtClean="0"/>
+              <a:t>is real, and it might be hard for your developers to related to.</a:t>
+            </a:r>
+            <a:endParaRPr lang="en-US" dirty="0"/>
+          </a:p>
+          <a:p>
+            <a:pPr marL="514350" indent="-514350">
+              <a:buFont typeface="+mj-lt"/>
+              <a:buAutoNum type="arabicPeriod"/>
+            </a:pPr>
+            <a:endParaRPr lang="en-US" dirty="0" smtClean="0"/>
+          </a:p>
+          <a:p>
+            <a:pPr marL="514350" indent="-514350">
+              <a:buFont typeface="+mj-lt"/>
+              <a:buAutoNum type="arabicPeriod"/>
+            </a:pPr>
+            <a:r>
+              <a:rPr lang="en-US" dirty="0" smtClean="0"/>
+              <a:t>Writing </a:t>
+            </a:r>
+            <a:r>
+              <a:rPr lang="en-US" dirty="0"/>
+              <a:t>the scribes is difficult (</a:t>
+            </a:r>
+            <a:r>
+              <a:rPr lang="en-US" dirty="0" err="1"/>
+              <a:t>ie</a:t>
+            </a:r>
+            <a:r>
+              <a:rPr lang="en-US" dirty="0"/>
+              <a:t>, </a:t>
+            </a:r>
+            <a:r>
+              <a:rPr lang="en-US" dirty="0" smtClean="0"/>
+              <a:t>grooms </a:t>
+            </a:r>
+            <a:r>
+              <a:rPr lang="en-US" dirty="0"/>
+              <a:t>and reshapes multiple analysis-agnostic data tables into a single analysis-specific rectangle).</a:t>
             </a:r>
             <a:endParaRPr lang="en-US" dirty="0"/>
           </a:p>
@@ -7011,7 +7017,7 @@
     </p:spTree>
     <p:extLst>
       <p:ext uri="{BB962C8B-B14F-4D97-AF65-F5344CB8AC3E}">
-        <p14:creationId xmlns:p14="http://schemas.microsoft.com/office/powerpoint/2010/main" val="1584836679"/>
+        <p14:creationId xmlns:p14="http://schemas.microsoft.com/office/powerpoint/2010/main" val="2489979003"/>
       </p:ext>
     </p:extLst>
   </p:cSld>
@@ -7040,6 +7046,120 @@
       </p:grpSpPr>
       <p:sp>
         <p:nvSpPr>
+          <p:cNvPr id="2" name="Title 1"/>
+          <p:cNvSpPr>
+            <a:spLocks noGrp="1"/>
+          </p:cNvSpPr>
+          <p:nvPr>
+            <p:ph type="title"/>
+          </p:nvPr>
+        </p:nvSpPr>
+        <p:spPr>
+          <a:xfrm>
+            <a:off x="789709" y="105352"/>
+            <a:ext cx="10515600" cy="705139"/>
+          </a:xfrm>
+        </p:spPr>
+        <p:txBody>
+          <a:bodyPr/>
+          <a:lstStyle/>
+          <a:p>
+            <a:r>
+              <a:rPr lang="en-US" dirty="0" smtClean="0"/>
+              <a:t>Lessons Learned</a:t>
+            </a:r>
+            <a:endParaRPr lang="en-US" dirty="0"/>
+          </a:p>
+        </p:txBody>
+      </p:sp>
+      <p:sp>
+        <p:nvSpPr>
+          <p:cNvPr id="3" name="Content Placeholder 2"/>
+          <p:cNvSpPr>
+            <a:spLocks noGrp="1"/>
+          </p:cNvSpPr>
+          <p:nvPr>
+            <p:ph idx="1"/>
+          </p:nvPr>
+        </p:nvSpPr>
+        <p:spPr>
+          <a:xfrm>
+            <a:off x="197427" y="1163782"/>
+            <a:ext cx="11700164" cy="5557693"/>
+          </a:xfrm>
+        </p:spPr>
+        <p:txBody>
+          <a:bodyPr>
+            <a:normAutofit/>
+          </a:bodyPr>
+          <a:lstStyle/>
+          <a:p>
+            <a:pPr marL="514350" indent="-514350">
+              <a:buFont typeface="+mj-lt"/>
+              <a:buAutoNum type="arabicPeriod"/>
+            </a:pPr>
+            <a:r>
+              <a:rPr lang="en-US" dirty="0"/>
+              <a:t>This particular group of nurses preferred a top-down entry into their data.  Most scientists prefer bottom-up.  Here are some examples of how we changed our presentation.</a:t>
+            </a:r>
+          </a:p>
+          <a:p>
+            <a:pPr marL="514350" indent="-514350">
+              <a:buFont typeface="+mj-lt"/>
+              <a:buAutoNum type="arabicPeriod"/>
+            </a:pPr>
+            <a:endParaRPr lang="en-US" dirty="0" smtClean="0"/>
+          </a:p>
+          <a:p>
+            <a:pPr marL="514350" indent="-514350">
+              <a:buFont typeface="+mj-lt"/>
+              <a:buAutoNum type="arabicPeriod"/>
+            </a:pPr>
+            <a:r>
+              <a:rPr lang="en-US" dirty="0"/>
+              <a:t>Hovering text provides an alternative entry into understanding the graph. </a:t>
+            </a:r>
+            <a:endParaRPr lang="en-US" dirty="0" smtClean="0"/>
+          </a:p>
+          <a:p>
+            <a:pPr marL="514350" indent="-514350">
+              <a:buFont typeface="+mj-lt"/>
+              <a:buAutoNum type="arabicPeriod"/>
+            </a:pPr>
+            <a:endParaRPr lang="en-US" dirty="0" smtClean="0"/>
+          </a:p>
+          <a:p>
+            <a:pPr marL="514350" indent="-514350">
+              <a:buFont typeface="+mj-lt"/>
+              <a:buAutoNum type="arabicPeriod"/>
+            </a:pPr>
+            <a:r>
+              <a:rPr lang="en-US" dirty="0" smtClean="0"/>
+              <a:t>Incorporate the providers in the dashboard design</a:t>
+            </a:r>
+          </a:p>
+          <a:p>
+            <a:pPr marL="514350" indent="-514350">
+              <a:buFont typeface="+mj-lt"/>
+              <a:buAutoNum type="arabicPeriod"/>
+            </a:pPr>
+            <a:endParaRPr lang="en-US" dirty="0" smtClean="0"/>
+          </a:p>
+          <a:p>
+            <a:pPr marL="514350" indent="-514350">
+              <a:buFont typeface="+mj-lt"/>
+              <a:buAutoNum type="arabicPeriod"/>
+            </a:pPr>
+            <a:r>
+              <a:rPr lang="en-US" dirty="0"/>
+              <a:t>Monthly meetings are not frequent enough at the beginning</a:t>
+            </a:r>
+            <a:endParaRPr lang="en-US" dirty="0"/>
+          </a:p>
+        </p:txBody>
+      </p:sp>
+      <p:sp>
+        <p:nvSpPr>
           <p:cNvPr id="4" name="Slide Number Placeholder 3"/>
           <p:cNvSpPr>
             <a:spLocks noGrp="1"/>
@@ -7056,6 +7176,59 @@
             <a:fld id="{AF87EE96-E852-4892-A22F-23BA018C684B}" type="slidenum">
               <a:rPr lang="en-US" smtClean="0"/>
               <a:t>23</a:t>
+            </a:fld>
+            <a:endParaRPr lang="en-US"/>
+          </a:p>
+        </p:txBody>
+      </p:sp>
+    </p:spTree>
+    <p:extLst>
+      <p:ext uri="{BB962C8B-B14F-4D97-AF65-F5344CB8AC3E}">
+        <p14:creationId xmlns:p14="http://schemas.microsoft.com/office/powerpoint/2010/main" val="1584836679"/>
+      </p:ext>
+    </p:extLst>
+  </p:cSld>
+  <p:clrMapOvr>
+    <a:masterClrMapping/>
+  </p:clrMapOvr>
+</p:sld>
+</file>
+
+<file path=ppt/slides/slide24.xml><?xml version="1.0" encoding="utf-8"?>
+<p:sld xmlns:a="http://schemas.openxmlformats.org/drawingml/2006/main" xmlns:r="http://schemas.openxmlformats.org/officeDocument/2006/relationships" xmlns:p="http://schemas.openxmlformats.org/presentationml/2006/main">
+  <p:cSld>
+    <p:spTree>
+      <p:nvGrpSpPr>
+        <p:cNvPr id="1" name=""/>
+        <p:cNvGrpSpPr/>
+        <p:nvPr/>
+      </p:nvGrpSpPr>
+      <p:grpSpPr>
+        <a:xfrm>
+          <a:off x="0" y="0"/>
+          <a:ext cx="0" cy="0"/>
+          <a:chOff x="0" y="0"/>
+          <a:chExt cx="0" cy="0"/>
+        </a:xfrm>
+      </p:grpSpPr>
+      <p:sp>
+        <p:nvSpPr>
+          <p:cNvPr id="4" name="Slide Number Placeholder 3"/>
+          <p:cNvSpPr>
+            <a:spLocks noGrp="1"/>
+          </p:cNvSpPr>
+          <p:nvPr>
+            <p:ph type="sldNum" sz="quarter" idx="12"/>
+          </p:nvPr>
+        </p:nvSpPr>
+        <p:spPr/>
+        <p:txBody>
+          <a:bodyPr/>
+          <a:lstStyle/>
+          <a:p>
+            <a:fld id="{AF87EE96-E852-4892-A22F-23BA018C684B}" type="slidenum">
+              <a:rPr lang="en-US" smtClean="0"/>
+              <a:t>24</a:t>
             </a:fld>
             <a:endParaRPr lang="en-US"/>
           </a:p>
@@ -7104,7 +7277,7 @@
             </a:pPr>
             <a:r>
               <a:rPr lang="en-US" dirty="0" smtClean="0"/>
-              <a:t>Suggestions for improvements about anything?</a:t>
+              <a:t>Suggestions for dashboard improvements?</a:t>
             </a:r>
           </a:p>
           <a:p>
@@ -7193,8 +7366,8 @@
         </p:blipFill>
         <p:spPr bwMode="auto">
           <a:xfrm>
-            <a:off x="9629425" y="2049832"/>
-            <a:ext cx="1870639" cy="2494187"/>
+            <a:off x="10120745" y="2729172"/>
+            <a:ext cx="1431273" cy="1908365"/>
           </a:xfrm>
           <a:prstGeom prst="rect">
             <a:avLst/>
@@ -7227,8 +7400,8 @@
         </p:blipFill>
         <p:spPr>
           <a:xfrm>
-            <a:off x="9261326" y="4012809"/>
-            <a:ext cx="2719391" cy="1409319"/>
+            <a:off x="9900042" y="4343822"/>
+            <a:ext cx="2080675" cy="1078306"/>
           </a:xfrm>
           <a:prstGeom prst="rect">
             <a:avLst/>
@@ -7239,163 +7412,6 @@
     <p:extLst>
       <p:ext uri="{BB962C8B-B14F-4D97-AF65-F5344CB8AC3E}">
         <p14:creationId xmlns:p14="http://schemas.microsoft.com/office/powerpoint/2010/main" val="2768648688"/>
-      </p:ext>
-    </p:extLst>
-  </p:cSld>
-  <p:clrMapOvr>
-    <a:masterClrMapping/>
-  </p:clrMapOvr>
-  <p:timing>
-    <p:tnLst>
-      <p:par>
-        <p:cTn id="1" dur="indefinite" restart="never" nodeType="tmRoot"/>
-      </p:par>
-    </p:tnLst>
-  </p:timing>
-</p:sld>
-</file>
-
-<file path=ppt/slides/slide24.xml><?xml version="1.0" encoding="utf-8"?>
-<p:sld xmlns:a="http://schemas.openxmlformats.org/drawingml/2006/main" xmlns:r="http://schemas.openxmlformats.org/officeDocument/2006/relationships" xmlns:p="http://schemas.openxmlformats.org/presentationml/2006/main">
-  <p:cSld>
-    <p:spTree>
-      <p:nvGrpSpPr>
-        <p:cNvPr id="1" name=""/>
-        <p:cNvGrpSpPr/>
-        <p:nvPr/>
-      </p:nvGrpSpPr>
-      <p:grpSpPr>
-        <a:xfrm>
-          <a:off x="0" y="0"/>
-          <a:ext cx="0" cy="0"/>
-          <a:chOff x="0" y="0"/>
-          <a:chExt cx="0" cy="0"/>
-        </a:xfrm>
-      </p:grpSpPr>
-      <p:sp>
-        <p:nvSpPr>
-          <p:cNvPr id="2" name="Title 1"/>
-          <p:cNvSpPr>
-            <a:spLocks noGrp="1"/>
-          </p:cNvSpPr>
-          <p:nvPr>
-            <p:ph type="title"/>
-          </p:nvPr>
-        </p:nvSpPr>
-        <p:spPr>
-          <a:xfrm>
-            <a:off x="734291" y="157308"/>
-            <a:ext cx="10515600" cy="1048038"/>
-          </a:xfrm>
-        </p:spPr>
-        <p:txBody>
-          <a:bodyPr>
-            <a:normAutofit fontScale="90000"/>
-          </a:bodyPr>
-          <a:lstStyle/>
-          <a:p>
-            <a:r>
-              <a:rPr lang="en-US" dirty="0"/>
-              <a:t>Pipeline </a:t>
-            </a:r>
-            <a:r>
-              <a:rPr lang="en-US" sz="3100" dirty="0" smtClean="0"/>
-              <a:t>(available at </a:t>
-            </a:r>
-            <a:r>
-              <a:rPr lang="en-US" sz="3100" dirty="0" smtClean="0">
-                <a:hlinkClick r:id="rId2"/>
-              </a:rPr>
-              <a:t>github.com/</a:t>
-            </a:r>
-            <a:r>
-              <a:rPr lang="en-US" sz="3100" dirty="0" err="1" smtClean="0">
-                <a:hlinkClick r:id="rId2"/>
-              </a:rPr>
-              <a:t>dss-ialh</a:t>
-            </a:r>
-            <a:r>
-              <a:rPr lang="en-US" sz="3100" dirty="0" smtClean="0">
-                <a:hlinkClick r:id="rId2"/>
-              </a:rPr>
-              <a:t>/displaying-health-data</a:t>
-            </a:r>
-            <a:r>
-              <a:rPr lang="en-US" sz="3100" dirty="0" smtClean="0"/>
-              <a:t>)</a:t>
-            </a:r>
-            <a:endParaRPr lang="en-US" dirty="0"/>
-          </a:p>
-        </p:txBody>
-      </p:sp>
-      <p:sp>
-        <p:nvSpPr>
-          <p:cNvPr id="4" name="Slide Number Placeholder 3"/>
-          <p:cNvSpPr>
-            <a:spLocks noGrp="1"/>
-          </p:cNvSpPr>
-          <p:nvPr>
-            <p:ph type="sldNum" sz="quarter" idx="12"/>
-          </p:nvPr>
-        </p:nvSpPr>
-        <p:spPr/>
-        <p:txBody>
-          <a:bodyPr/>
-          <a:lstStyle/>
-          <a:p>
-            <a:fld id="{AF87EE96-E852-4892-A22F-23BA018C684B}" type="slidenum">
-              <a:rPr lang="en-US" smtClean="0"/>
-              <a:t>24</a:t>
-            </a:fld>
-            <a:endParaRPr lang="en-US"/>
-          </a:p>
-        </p:txBody>
-      </p:sp>
-      <p:pic>
-        <p:nvPicPr>
-          <p:cNvPr id="5122" name="Picture 2" descr="flow-skeleton.png"/>
-          <p:cNvPicPr>
-            <a:picLocks noChangeAspect="1" noChangeArrowheads="1"/>
-          </p:cNvPicPr>
-          <p:nvPr/>
-        </p:nvPicPr>
-        <p:blipFill>
-          <a:blip r:embed="rId3">
-            <a:extLst>
-              <a:ext uri="{28A0092B-C50C-407E-A947-70E740481C1C}">
-                <a14:useLocalDpi xmlns:a14="http://schemas.microsoft.com/office/drawing/2010/main" val="0"/>
-              </a:ext>
-            </a:extLst>
-          </a:blip>
-          <a:srcRect/>
-          <a:stretch>
-            <a:fillRect/>
-          </a:stretch>
-        </p:blipFill>
-        <p:spPr bwMode="auto">
-          <a:xfrm>
-            <a:off x="131617" y="1387111"/>
-            <a:ext cx="11838709" cy="5260185"/>
-          </a:xfrm>
-          <a:prstGeom prst="rect">
-            <a:avLst/>
-          </a:prstGeom>
-          <a:noFill/>
-          <a:extLst>
-            <a:ext uri="{909E8E84-426E-40DD-AFC4-6F175D3DCCD1}">
-              <a14:hiddenFill xmlns:a14="http://schemas.microsoft.com/office/drawing/2010/main">
-                <a:solidFill>
-                  <a:srgbClr val="FFFFFF"/>
-                </a:solidFill>
-              </a14:hiddenFill>
-            </a:ext>
-          </a:extLst>
-        </p:spPr>
-      </p:pic>
-    </p:spTree>
-    <p:extLst>
-      <p:ext uri="{BB962C8B-B14F-4D97-AF65-F5344CB8AC3E}">
-        <p14:creationId xmlns:p14="http://schemas.microsoft.com/office/powerpoint/2010/main" val="3315723086"/>
       </p:ext>
     </p:extLst>
   </p:cSld>
@@ -7446,12 +7462,40 @@
           </a:xfrm>
         </p:spPr>
         <p:txBody>
-          <a:bodyPr/>
-          <a:lstStyle/>
-          <a:p>
-            <a:r>
-              <a:rPr lang="en-US" dirty="0" smtClean="0"/>
-              <a:t>Pipeline</a:t>
+          <a:bodyPr>
+            <a:normAutofit fontScale="90000"/>
+          </a:bodyPr>
+          <a:lstStyle/>
+          <a:p>
+            <a:r>
+              <a:rPr lang="en-US" dirty="0"/>
+              <a:t>Pipeline </a:t>
+            </a:r>
+            <a:r>
+              <a:rPr lang="en-US" sz="3100" dirty="0" smtClean="0"/>
+              <a:t>(available at </a:t>
+            </a:r>
+            <a:r>
+              <a:rPr lang="en-US" sz="3100" dirty="0" smtClean="0">
+                <a:hlinkClick r:id="rId2"/>
+              </a:rPr>
+              <a:t>github.com/</a:t>
+            </a:r>
+            <a:r>
+              <a:rPr lang="en-US" sz="3100" dirty="0" err="1" smtClean="0">
+                <a:hlinkClick r:id="rId2"/>
+              </a:rPr>
+              <a:t>dss-ialh</a:t>
+            </a:r>
+            <a:r>
+              <a:rPr lang="en-US" sz="3100" dirty="0" smtClean="0">
+                <a:hlinkClick r:id="rId2"/>
+              </a:rPr>
+              <a:t>/displaying-health-data</a:t>
+            </a:r>
+            <a:r>
+              <a:rPr lang="en-US" sz="3100" dirty="0" smtClean="0"/>
+              <a:t>)</a:t>
             </a:r>
             <a:endParaRPr lang="en-US" dirty="0"/>
           </a:p>
@@ -7489,7 +7533,7 @@
           <p:nvPr/>
         </p:nvPicPr>
         <p:blipFill>
-          <a:blip r:embed="rId2">
+          <a:blip r:embed="rId3">
             <a:extLst>
               <a:ext uri="{28A0092B-C50C-407E-A947-70E740481C1C}">
                 <a14:useLocalDpi xmlns:a14="http://schemas.microsoft.com/office/drawing/2010/main" val="0"/>
@@ -7521,50 +7565,10 @@
           </a:extLst>
         </p:spPr>
       </p:pic>
-      <p:sp>
-        <p:nvSpPr>
-          <p:cNvPr id="3" name="Oval 2"/>
-          <p:cNvSpPr/>
-          <p:nvPr/>
-        </p:nvSpPr>
-        <p:spPr>
-          <a:xfrm>
-            <a:off x="9746672" y="4561609"/>
-            <a:ext cx="1652155" cy="1205345"/>
-          </a:xfrm>
-          <a:prstGeom prst="ellipse">
-            <a:avLst/>
-          </a:prstGeom>
-          <a:noFill/>
-          <a:ln w="76200"/>
-        </p:spPr>
-        <p:style>
-          <a:lnRef idx="2">
-            <a:schemeClr val="accent2"/>
-          </a:lnRef>
-          <a:fillRef idx="1">
-            <a:schemeClr val="lt1"/>
-          </a:fillRef>
-          <a:effectRef idx="0">
-            <a:schemeClr val="accent2"/>
-          </a:effectRef>
-          <a:fontRef idx="minor">
-            <a:schemeClr val="dk1"/>
-          </a:fontRef>
-        </p:style>
-        <p:txBody>
-          <a:bodyPr rtlCol="0" anchor="ctr"/>
-          <a:lstStyle/>
-          <a:p>
-            <a:pPr algn="ctr"/>
-            <a:endParaRPr lang="en-US"/>
-          </a:p>
-        </p:txBody>
-      </p:sp>
     </p:spTree>
     <p:extLst>
       <p:ext uri="{BB962C8B-B14F-4D97-AF65-F5344CB8AC3E}">
-        <p14:creationId xmlns:p14="http://schemas.microsoft.com/office/powerpoint/2010/main" val="1162926796"/>
+        <p14:creationId xmlns:p14="http://schemas.microsoft.com/office/powerpoint/2010/main" val="3315723086"/>
       </p:ext>
     </p:extLst>
   </p:cSld>
@@ -7610,8 +7614,8 @@
         </p:nvSpPr>
         <p:spPr>
           <a:xfrm>
-            <a:off x="784514" y="0"/>
-            <a:ext cx="10515600" cy="1325563"/>
+            <a:off x="734291" y="157308"/>
+            <a:ext cx="10515600" cy="1048038"/>
           </a:xfrm>
         </p:spPr>
         <p:txBody>
@@ -7619,109 +7623,9 @@
           <a:lstStyle/>
           <a:p>
             <a:r>
-              <a:rPr lang="en-US" dirty="0"/>
-              <a:t>Deployment Options</a:t>
-            </a:r>
-          </a:p>
-        </p:txBody>
-      </p:sp>
-      <p:sp>
-        <p:nvSpPr>
-          <p:cNvPr id="3" name="Content Placeholder 2"/>
-          <p:cNvSpPr>
-            <a:spLocks noGrp="1"/>
-          </p:cNvSpPr>
-          <p:nvPr>
-            <p:ph idx="1"/>
-          </p:nvPr>
-        </p:nvSpPr>
-        <p:spPr>
-          <a:xfrm>
-            <a:off x="166255" y="1454727"/>
-            <a:ext cx="11752118" cy="5266748"/>
-          </a:xfrm>
-        </p:spPr>
-        <p:txBody>
-          <a:bodyPr/>
-          <a:lstStyle/>
-          <a:p>
-            <a:pPr marL="514350" indent="-514350">
-              <a:buAutoNum type="arabicPeriod"/>
-            </a:pPr>
-            <a:r>
-              <a:rPr lang="en-US" dirty="0" smtClean="0"/>
-              <a:t>Server-rendered vs Client-rendered</a:t>
-            </a:r>
-          </a:p>
-          <a:p>
-            <a:pPr marL="514350" indent="-514350">
-              <a:buAutoNum type="arabicPeriod"/>
-            </a:pPr>
-            <a:endParaRPr lang="en-US" dirty="0" smtClean="0"/>
-          </a:p>
-          <a:p>
-            <a:pPr marL="514350" indent="-514350">
-              <a:buAutoNum type="arabicPeriod"/>
-            </a:pPr>
-            <a:r>
-              <a:rPr lang="en-US" dirty="0" smtClean="0"/>
-              <a:t>Interactive vs static</a:t>
-            </a:r>
-          </a:p>
-          <a:p>
-            <a:pPr marL="514350" indent="-514350">
-              <a:buAutoNum type="arabicPeriod"/>
-            </a:pPr>
-            <a:endParaRPr lang="en-US" dirty="0" smtClean="0"/>
-          </a:p>
-          <a:p>
-            <a:pPr marL="514350" indent="-514350">
-              <a:buAutoNum type="arabicPeriod"/>
-            </a:pPr>
-            <a:r>
-              <a:rPr lang="en-US" dirty="0" smtClean="0"/>
-              <a:t>Stage to redact PHI</a:t>
-            </a:r>
-          </a:p>
-          <a:p>
-            <a:pPr marL="514350" indent="-514350">
-              <a:buAutoNum type="arabicPeriod"/>
-            </a:pPr>
-            <a:endParaRPr lang="en-US" dirty="0" smtClean="0"/>
-          </a:p>
-          <a:p>
-            <a:pPr marL="514350" indent="-514350">
-              <a:buAutoNum type="arabicPeriod"/>
-            </a:pPr>
-            <a:r>
-              <a:rPr lang="en-US" dirty="0" smtClean="0"/>
-              <a:t>Reconnect to PHI record using authentication</a:t>
-            </a:r>
-          </a:p>
-          <a:p>
-            <a:pPr marL="514350" indent="-514350">
-              <a:buAutoNum type="arabicPeriod"/>
-            </a:pPr>
-            <a:endParaRPr lang="en-US" dirty="0" smtClean="0"/>
-          </a:p>
-          <a:p>
-            <a:pPr marL="514350" indent="-514350">
-              <a:buAutoNum type="arabicPeriod"/>
-            </a:pPr>
-            <a:r>
-              <a:rPr lang="en-US" dirty="0" smtClean="0"/>
-              <a:t>human vs </a:t>
-            </a:r>
-            <a:r>
-              <a:rPr lang="en-US" dirty="0" err="1" smtClean="0"/>
-              <a:t>cronjob</a:t>
-            </a:r>
-            <a:endParaRPr lang="en-US" dirty="0" smtClean="0"/>
-          </a:p>
-          <a:p>
-            <a:pPr marL="514350" indent="-514350">
-              <a:buAutoNum type="arabicPeriod"/>
-            </a:pPr>
+              <a:rPr lang="en-US" dirty="0" smtClean="0"/>
+              <a:t>Pipeline</a:t>
+            </a:r>
             <a:endParaRPr lang="en-US" dirty="0"/>
           </a:p>
         </p:txBody>
@@ -7751,48 +7655,102 @@
       </p:sp>
       <p:pic>
         <p:nvPicPr>
-          <p:cNvPr id="6" name="Picture 5"/>
+          <p:cNvPr id="5122" name="Picture 2" descr="flow-skeleton.png"/>
           <p:cNvPicPr>
-            <a:picLocks noChangeAspect="1"/>
+            <a:picLocks noChangeAspect="1" noChangeArrowheads="1"/>
           </p:cNvPicPr>
           <p:nvPr/>
         </p:nvPicPr>
         <p:blipFill>
-          <a:blip r:embed="rId2"/>
+          <a:blip r:embed="rId2">
+            <a:extLst>
+              <a:ext uri="{28A0092B-C50C-407E-A947-70E740481C1C}">
+                <a14:useLocalDpi xmlns:a14="http://schemas.microsoft.com/office/drawing/2010/main" val="0"/>
+              </a:ext>
+            </a:extLst>
+          </a:blip>
+          <a:srcRect/>
           <a:stretch>
             <a:fillRect/>
           </a:stretch>
         </p:blipFill>
-        <p:spPr>
-          <a:xfrm>
-            <a:off x="7522586" y="2644054"/>
-            <a:ext cx="4475003" cy="4019550"/>
+        <p:spPr bwMode="auto">
+          <a:xfrm>
+            <a:off x="131617" y="1387111"/>
+            <a:ext cx="11838709" cy="5260185"/>
           </a:xfrm>
           <a:prstGeom prst="rect">
             <a:avLst/>
           </a:prstGeom>
-          <a:ln>
-            <a:noFill/>
-          </a:ln>
-          <a:effectLst>
-            <a:outerShdw blurRad="292100" dist="139700" dir="2700000" algn="tl" rotWithShape="0">
-              <a:srgbClr val="333333">
-                <a:alpha val="65000"/>
-              </a:srgbClr>
-            </a:outerShdw>
-          </a:effectLst>
+          <a:noFill/>
+          <a:extLst>
+            <a:ext uri="{909E8E84-426E-40DD-AFC4-6F175D3DCCD1}">
+              <a14:hiddenFill xmlns:a14="http://schemas.microsoft.com/office/drawing/2010/main">
+                <a:solidFill>
+                  <a:srgbClr val="FFFFFF"/>
+                </a:solidFill>
+              </a14:hiddenFill>
+            </a:ext>
+          </a:extLst>
         </p:spPr>
       </p:pic>
+      <p:sp>
+        <p:nvSpPr>
+          <p:cNvPr id="3" name="Oval 2"/>
+          <p:cNvSpPr/>
+          <p:nvPr/>
+        </p:nvSpPr>
+        <p:spPr>
+          <a:xfrm>
+            <a:off x="9746672" y="4561609"/>
+            <a:ext cx="1652155" cy="1205345"/>
+          </a:xfrm>
+          <a:prstGeom prst="ellipse">
+            <a:avLst/>
+          </a:prstGeom>
+          <a:noFill/>
+          <a:ln w="76200"/>
+        </p:spPr>
+        <p:style>
+          <a:lnRef idx="2">
+            <a:schemeClr val="accent2"/>
+          </a:lnRef>
+          <a:fillRef idx="1">
+            <a:schemeClr val="lt1"/>
+          </a:fillRef>
+          <a:effectRef idx="0">
+            <a:schemeClr val="accent2"/>
+          </a:effectRef>
+          <a:fontRef idx="minor">
+            <a:schemeClr val="dk1"/>
+          </a:fontRef>
+        </p:style>
+        <p:txBody>
+          <a:bodyPr rtlCol="0" anchor="ctr"/>
+          <a:lstStyle/>
+          <a:p>
+            <a:pPr algn="ctr"/>
+            <a:endParaRPr lang="en-US"/>
+          </a:p>
+        </p:txBody>
+      </p:sp>
     </p:spTree>
     <p:extLst>
       <p:ext uri="{BB962C8B-B14F-4D97-AF65-F5344CB8AC3E}">
-        <p14:creationId xmlns:p14="http://schemas.microsoft.com/office/powerpoint/2010/main" val="2496558073"/>
+        <p14:creationId xmlns:p14="http://schemas.microsoft.com/office/powerpoint/2010/main" val="1162926796"/>
       </p:ext>
     </p:extLst>
   </p:cSld>
   <p:clrMapOvr>
     <a:masterClrMapping/>
   </p:clrMapOvr>
+  <p:timing>
+    <p:tnLst>
+      <p:par>
+        <p:cTn id="1" dur="indefinite" restart="never" nodeType="tmRoot"/>
+      </p:par>
+    </p:tnLst>
+  </p:timing>
 </p:sld>
 </file>
 
@@ -7825,8 +7783,8 @@
         </p:nvSpPr>
         <p:spPr>
           <a:xfrm>
-            <a:off x="838200" y="365126"/>
-            <a:ext cx="10515600" cy="958850"/>
+            <a:off x="784514" y="0"/>
+            <a:ext cx="10515600" cy="1325563"/>
           </a:xfrm>
         </p:spPr>
         <p:txBody>
@@ -7835,7 +7793,7 @@
           <a:p>
             <a:r>
               <a:rPr lang="en-US" dirty="0" smtClean="0"/>
-              <a:t>Providers in Oklahoma</a:t>
+              <a:t>Benefits</a:t>
             </a:r>
             <a:endParaRPr lang="en-US" dirty="0"/>
           </a:p>
@@ -7853,268 +7811,81 @@
         </p:nvSpPr>
         <p:spPr>
           <a:xfrm>
-            <a:off x="93518" y="1323975"/>
-            <a:ext cx="12022282" cy="5032375"/>
-          </a:xfrm>
-        </p:spPr>
-        <p:txBody>
-          <a:bodyPr>
-            <a:normAutofit fontScale="85000" lnSpcReduction="10000"/>
-          </a:bodyPr>
+            <a:off x="166255" y="1454727"/>
+            <a:ext cx="11752118" cy="5266748"/>
+          </a:xfrm>
+        </p:spPr>
+        <p:txBody>
+          <a:bodyPr/>
           <a:lstStyle/>
           <a:p>
             <a:pPr marL="514350" indent="-514350">
-              <a:buFont typeface="+mj-lt"/>
               <a:buAutoNum type="arabicPeriod"/>
             </a:pPr>
             <a:r>
-              <a:rPr lang="en-US" b="1" dirty="0" smtClean="0"/>
-              <a:t>Oklahoma State Department of Health</a:t>
-            </a:r>
-            <a:r>
-              <a:rPr lang="en-US" dirty="0" smtClean="0"/>
-              <a:t>– </a:t>
-            </a:r>
-            <a:r>
-              <a:rPr lang="en-US" dirty="0"/>
-              <a:t>Persephone Starks, John Delara, Beth Martin</a:t>
-            </a:r>
-          </a:p>
-          <a:p>
-            <a:pPr marL="514350" indent="-514350">
-              <a:buFont typeface="+mj-lt"/>
+              <a:rPr lang="en-US" dirty="0" smtClean="0"/>
+              <a:t>Scaling </a:t>
+            </a:r>
+          </a:p>
+          <a:p>
+            <a:pPr marL="971550" lvl="1" indent="-514350">
               <a:buAutoNum type="arabicPeriod"/>
             </a:pPr>
             <a:r>
-              <a:rPr lang="en-US" b="1" dirty="0"/>
-              <a:t>Children First Tulsa </a:t>
-            </a:r>
-            <a:r>
-              <a:rPr lang="en-US" dirty="0"/>
-              <a:t>– LouAnn Beuke</a:t>
-            </a:r>
-          </a:p>
-          <a:p>
-            <a:pPr marL="514350" indent="-514350">
-              <a:buFont typeface="+mj-lt"/>
+              <a:rPr lang="en-US" dirty="0" smtClean="0"/>
+              <a:t>more data sources</a:t>
+            </a:r>
+          </a:p>
+          <a:p>
+            <a:pPr marL="971550" lvl="1" indent="-514350">
               <a:buAutoNum type="arabicPeriod"/>
             </a:pPr>
             <a:r>
-              <a:rPr lang="en-US" b="1" dirty="0" smtClean="0"/>
-              <a:t>LCDA</a:t>
-            </a:r>
-            <a:r>
-              <a:rPr lang="en-US" dirty="0" smtClean="0"/>
-              <a:t> </a:t>
-            </a:r>
-            <a:r>
-              <a:rPr lang="en-US" dirty="0"/>
-              <a:t>– Patty </a:t>
-            </a:r>
-            <a:r>
-              <a:rPr lang="en-US" dirty="0" err="1"/>
-              <a:t>Demoraes-Huffhine</a:t>
-            </a:r>
-            <a:endParaRPr lang="en-US" dirty="0"/>
-          </a:p>
-          <a:p>
-            <a:pPr marL="514350" indent="-514350">
-              <a:buFont typeface="+mj-lt"/>
+              <a:rPr lang="en-US" dirty="0" smtClean="0"/>
+              <a:t>multiple analysts</a:t>
+            </a:r>
+          </a:p>
+          <a:p>
+            <a:pPr marL="971550" lvl="1" indent="-514350">
               <a:buAutoNum type="arabicPeriod"/>
             </a:pPr>
             <a:r>
-              <a:rPr lang="en-US" b="1" dirty="0"/>
-              <a:t>Oklahoma City County Health Department </a:t>
-            </a:r>
-            <a:r>
-              <a:rPr lang="en-US" dirty="0"/>
-              <a:t>– Denise Howard, Diane Sammons, </a:t>
-            </a:r>
-            <a:r>
-              <a:rPr lang="en-US" dirty="0" smtClean="0"/>
-              <a:t> Sally Dixon</a:t>
-            </a:r>
-            <a:endParaRPr lang="en-US" dirty="0"/>
+              <a:rPr lang="en-US" dirty="0" smtClean="0"/>
+              <a:t>multiple reports</a:t>
+            </a:r>
           </a:p>
           <a:p>
             <a:pPr marL="514350" indent="-514350">
-              <a:buFont typeface="+mj-lt"/>
               <a:buAutoNum type="arabicPeriod"/>
             </a:pPr>
-            <a:r>
-              <a:rPr lang="en-US" b="1" dirty="0"/>
-              <a:t>OKC Public Schools </a:t>
-            </a:r>
-            <a:r>
-              <a:rPr lang="en-US" dirty="0"/>
-              <a:t>– Yolanda Lucero, </a:t>
-            </a:r>
-            <a:r>
-              <a:rPr lang="en-US" dirty="0" err="1"/>
-              <a:t>Kethzia</a:t>
-            </a:r>
-            <a:r>
-              <a:rPr lang="en-US" dirty="0"/>
-              <a:t> </a:t>
-            </a:r>
-            <a:r>
-              <a:rPr lang="en-US" dirty="0" err="1"/>
-              <a:t>Njikam</a:t>
-            </a:r>
-            <a:endParaRPr lang="en-US" dirty="0"/>
+            <a:endParaRPr lang="en-US" dirty="0" smtClean="0"/>
           </a:p>
           <a:p>
             <a:pPr marL="514350" indent="-514350">
-              <a:buFont typeface="+mj-lt"/>
               <a:buAutoNum type="arabicPeriod"/>
             </a:pPr>
             <a:r>
-              <a:rPr lang="en-US" b="1" dirty="0"/>
-              <a:t>PAT Bethany Public Schools </a:t>
-            </a:r>
-            <a:r>
-              <a:rPr lang="en-US" dirty="0"/>
-              <a:t>– Mindy </a:t>
-            </a:r>
-            <a:r>
-              <a:rPr lang="en-US" dirty="0" smtClean="0"/>
-              <a:t>Turner, Jem Balderas</a:t>
-            </a:r>
-            <a:endParaRPr lang="en-US" dirty="0"/>
+              <a:rPr lang="en-US" dirty="0" smtClean="0"/>
+              <a:t>Hide PHI for as long as possible</a:t>
+            </a:r>
           </a:p>
           <a:p>
             <a:pPr marL="514350" indent="-514350">
-              <a:buFont typeface="+mj-lt"/>
               <a:buAutoNum type="arabicPeriod"/>
             </a:pPr>
-            <a:r>
-              <a:rPr lang="en-US" b="1" dirty="0"/>
-              <a:t>PAT Parent Promise </a:t>
-            </a:r>
-            <a:r>
-              <a:rPr lang="en-US" dirty="0"/>
-              <a:t>– Shawna </a:t>
-            </a:r>
-            <a:r>
-              <a:rPr lang="en-US" dirty="0" smtClean="0"/>
-              <a:t>Norman</a:t>
-            </a:r>
+            <a:endParaRPr lang="en-US" dirty="0"/>
           </a:p>
           <a:p>
             <a:pPr marL="514350" indent="-514350">
-              <a:buFont typeface="+mj-lt"/>
               <a:buAutoNum type="arabicPeriod"/>
             </a:pPr>
             <a:r>
-              <a:rPr lang="en-US" b="1" dirty="0" smtClean="0"/>
-              <a:t>Community </a:t>
-            </a:r>
-            <a:r>
-              <a:rPr lang="en-US" b="1" dirty="0"/>
-              <a:t>Action Program Tulsa </a:t>
-            </a:r>
-            <a:r>
-              <a:rPr lang="en-US" dirty="0"/>
-              <a:t>– Dana James</a:t>
-            </a:r>
-          </a:p>
-          <a:p>
-            <a:pPr marL="514350" indent="-514350">
-              <a:buFont typeface="+mj-lt"/>
-              <a:buAutoNum type="arabicPeriod"/>
-            </a:pPr>
-            <a:r>
-              <a:rPr lang="en-US" b="1" dirty="0" smtClean="0"/>
-              <a:t>Cherokee PARENTS </a:t>
-            </a:r>
-            <a:r>
-              <a:rPr lang="en-US" dirty="0" smtClean="0"/>
-              <a:t>– Ben King, Jennifer Kirby, Amy </a:t>
-            </a:r>
-            <a:r>
-              <a:rPr lang="en-US" dirty="0" err="1" smtClean="0"/>
-              <a:t>Thilges</a:t>
-            </a:r>
-            <a:endParaRPr lang="en-US" dirty="0" smtClean="0"/>
-          </a:p>
-          <a:p>
-            <a:pPr marL="514350" indent="-514350">
-              <a:buFont typeface="+mj-lt"/>
-              <a:buAutoNum type="arabicPeriod"/>
-            </a:pPr>
-            <a:r>
-              <a:rPr lang="en-US" b="1" dirty="0" smtClean="0"/>
-              <a:t>PCCT </a:t>
-            </a:r>
-            <a:r>
-              <a:rPr lang="en-US" b="1" dirty="0"/>
-              <a:t>PAT Tulsa  </a:t>
-            </a:r>
-            <a:r>
-              <a:rPr lang="en-US" dirty="0"/>
-              <a:t>- Sarah </a:t>
-            </a:r>
-            <a:r>
-              <a:rPr lang="en-US" dirty="0" err="1"/>
-              <a:t>Neyman</a:t>
-            </a:r>
-            <a:endParaRPr lang="en-US" dirty="0"/>
-          </a:p>
-          <a:p>
-            <a:pPr marL="514350" indent="-514350">
-              <a:buFont typeface="+mj-lt"/>
-              <a:buAutoNum type="arabicPeriod"/>
-            </a:pPr>
-            <a:r>
-              <a:rPr lang="en-US" b="1" dirty="0" err="1" smtClean="0"/>
-              <a:t>SafeCare</a:t>
-            </a:r>
-            <a:r>
-              <a:rPr lang="en-US" b="1" dirty="0" smtClean="0"/>
-              <a:t> </a:t>
-            </a:r>
-            <a:r>
-              <a:rPr lang="en-US" b="1" dirty="0"/>
-              <a:t>PCCT </a:t>
-            </a:r>
-            <a:r>
-              <a:rPr lang="en-US" dirty="0"/>
-              <a:t>– Sheri </a:t>
-            </a:r>
-            <a:r>
-              <a:rPr lang="en-US" dirty="0" smtClean="0"/>
-              <a:t>Davis</a:t>
-            </a:r>
-            <a:endParaRPr lang="en-US" dirty="0"/>
-          </a:p>
-          <a:p>
-            <a:pPr marL="514350" indent="-514350">
-              <a:buFont typeface="+mj-lt"/>
-              <a:buAutoNum type="arabicPeriod"/>
-            </a:pPr>
-            <a:r>
-              <a:rPr lang="en-US" b="1" dirty="0" err="1"/>
-              <a:t>SafeCare</a:t>
-            </a:r>
-            <a:r>
-              <a:rPr lang="en-US" b="1" dirty="0"/>
-              <a:t> </a:t>
-            </a:r>
-            <a:r>
-              <a:rPr lang="en-US" b="1" dirty="0" err="1"/>
-              <a:t>NorthCare</a:t>
-            </a:r>
-            <a:r>
-              <a:rPr lang="en-US" b="1" dirty="0"/>
-              <a:t> </a:t>
-            </a:r>
-            <a:r>
-              <a:rPr lang="en-US" dirty="0"/>
-              <a:t>– Dwan </a:t>
-            </a:r>
-            <a:r>
-              <a:rPr lang="en-US" dirty="0" smtClean="0"/>
-              <a:t>McDonald </a:t>
+              <a:rPr lang="en-US" dirty="0" smtClean="0"/>
+              <a:t>Leverage </a:t>
+            </a:r>
+            <a:r>
+              <a:rPr lang="en-US" smtClean="0"/>
+              <a:t>database performance</a:t>
             </a:r>
             <a:endParaRPr lang="en-US" dirty="0"/>
           </a:p>
@@ -8143,10 +7914,60 @@
           </a:p>
         </p:txBody>
       </p:sp>
+      <p:pic>
+        <p:nvPicPr>
+          <p:cNvPr id="7" name="Picture 2" descr="flow-skeleton.png"/>
+          <p:cNvPicPr>
+            <a:picLocks noChangeAspect="1" noChangeArrowheads="1"/>
+          </p:cNvPicPr>
+          <p:nvPr/>
+        </p:nvPicPr>
+        <p:blipFill>
+          <a:blip r:embed="rId2">
+            <a:extLst>
+              <a:ext uri="{28A0092B-C50C-407E-A947-70E740481C1C}">
+                <a14:useLocalDpi xmlns:a14="http://schemas.microsoft.com/office/drawing/2010/main" val="0"/>
+              </a:ext>
+            </a:extLst>
+          </a:blip>
+          <a:srcRect/>
+          <a:stretch>
+            <a:fillRect/>
+          </a:stretch>
+        </p:blipFill>
+        <p:spPr bwMode="auto">
+          <a:xfrm>
+            <a:off x="6051047" y="0"/>
+            <a:ext cx="5940057" cy="2639291"/>
+          </a:xfrm>
+          <a:prstGeom prst="rect">
+            <a:avLst/>
+          </a:prstGeom>
+          <a:ln>
+            <a:noFill/>
+          </a:ln>
+          <a:effectLst>
+            <a:outerShdw blurRad="292100" dist="139700" dir="2700000" algn="tl" rotWithShape="0">
+              <a:srgbClr val="333333">
+                <a:alpha val="65000"/>
+              </a:srgbClr>
+            </a:outerShdw>
+          </a:effectLst>
+          <a:extLst>
+            <a:ext uri="{909E8E84-426E-40DD-AFC4-6F175D3DCCD1}">
+              <a14:hiddenFill xmlns:a14="http://schemas.microsoft.com/office/drawing/2010/main">
+                <a:solidFill>
+                  <a:srgbClr val="FFFFFF"/>
+                </a:solidFill>
+              </a14:hiddenFill>
+            </a:ext>
+          </a:extLst>
+        </p:spPr>
+      </p:pic>
     </p:spTree>
     <p:extLst>
       <p:ext uri="{BB962C8B-B14F-4D97-AF65-F5344CB8AC3E}">
-        <p14:creationId xmlns:p14="http://schemas.microsoft.com/office/powerpoint/2010/main" val="737116301"/>
+        <p14:creationId xmlns:p14="http://schemas.microsoft.com/office/powerpoint/2010/main" val="2496558073"/>
       </p:ext>
     </p:extLst>
   </p:cSld>
@@ -8185,28 +8006,18 @@
         </p:nvSpPr>
         <p:spPr>
           <a:xfrm>
-            <a:off x="405245" y="365126"/>
-            <a:ext cx="11305310" cy="958850"/>
-          </a:xfrm>
-        </p:spPr>
-        <p:txBody>
-          <a:bodyPr>
-            <a:normAutofit fontScale="90000"/>
-          </a:bodyPr>
-          <a:lstStyle/>
-          <a:p>
-            <a:r>
-              <a:rPr lang="en-US" dirty="0" smtClean="0"/>
-              <a:t>University of Oklahoma HSC Analysts </a:t>
-            </a:r>
-            <a:br>
-              <a:rPr lang="en-US" dirty="0" smtClean="0"/>
-            </a:br>
-            <a:r>
-              <a:rPr lang="en-US" sz="3600" dirty="0" smtClean="0"/>
-              <a:t>for the MIECHV-3 CQI</a:t>
-            </a:r>
-            <a:endParaRPr lang="en-US" sz="3600" dirty="0"/>
+            <a:off x="784514" y="0"/>
+            <a:ext cx="10515600" cy="1325563"/>
+          </a:xfrm>
+        </p:spPr>
+        <p:txBody>
+          <a:bodyPr/>
+          <a:lstStyle/>
+          <a:p>
+            <a:r>
+              <a:rPr lang="en-US" dirty="0"/>
+              <a:t>Deployment Options</a:t>
+            </a:r>
           </a:p>
         </p:txBody>
       </p:sp>
@@ -8222,109 +8033,91 @@
         </p:nvSpPr>
         <p:spPr>
           <a:xfrm>
-            <a:off x="405245" y="1830243"/>
-            <a:ext cx="10948555" cy="4891232"/>
-          </a:xfrm>
-        </p:spPr>
-        <p:txBody>
-          <a:bodyPr>
-            <a:normAutofit lnSpcReduction="10000"/>
-          </a:bodyPr>
-          <a:lstStyle/>
-          <a:p>
-            <a:pPr marL="0" indent="0">
-              <a:buNone/>
+            <a:off x="166255" y="1454727"/>
+            <a:ext cx="11752118" cy="5266748"/>
+          </a:xfrm>
+        </p:spPr>
+        <p:txBody>
+          <a:bodyPr/>
+          <a:lstStyle/>
+          <a:p>
+            <a:pPr marL="514350" indent="-514350">
+              <a:buAutoNum type="arabicPeriod"/>
             </a:pPr>
             <a:r>
               <a:rPr lang="en-US" dirty="0" smtClean="0"/>
-              <a:t>David Bard, </a:t>
-            </a:r>
-          </a:p>
-          <a:p>
-            <a:pPr marL="0" indent="0">
-              <a:buNone/>
+              <a:t>Server-rendered vs Client-rendered</a:t>
+            </a:r>
+          </a:p>
+          <a:p>
+            <a:pPr marL="514350" indent="-514350">
+              <a:buAutoNum type="arabicPeriod"/>
             </a:pPr>
-            <a:r>
-              <a:rPr lang="en-US" dirty="0" smtClean="0"/>
-              <a:t>Will Beasley</a:t>
-            </a:r>
-          </a:p>
-          <a:p>
-            <a:pPr marL="0" indent="0">
-              <a:buNone/>
+            <a:endParaRPr lang="en-US" dirty="0" smtClean="0"/>
+          </a:p>
+          <a:p>
+            <a:pPr marL="514350" indent="-514350">
+              <a:buAutoNum type="arabicPeriod"/>
             </a:pPr>
             <a:r>
               <a:rPr lang="en-US" dirty="0" smtClean="0"/>
-              <a:t>Geneva Marshall</a:t>
-            </a:r>
-          </a:p>
-          <a:p>
-            <a:pPr marL="0" indent="0">
-              <a:buNone/>
+              <a:t>Interactive vs static</a:t>
+            </a:r>
+          </a:p>
+          <a:p>
+            <a:pPr marL="514350" indent="-514350">
+              <a:buAutoNum type="arabicPeriod"/>
             </a:pPr>
-            <a:r>
-              <a:rPr lang="en-US" dirty="0" smtClean="0"/>
-              <a:t>Thomas Wilson</a:t>
-            </a:r>
-          </a:p>
-          <a:p>
-            <a:pPr marL="0" indent="0">
-              <a:buNone/>
+            <a:endParaRPr lang="en-US" dirty="0" smtClean="0"/>
+          </a:p>
+          <a:p>
+            <a:pPr marL="514350" indent="-514350">
+              <a:buAutoNum type="arabicPeriod"/>
             </a:pPr>
             <a:r>
               <a:rPr lang="en-US" dirty="0" smtClean="0"/>
-              <a:t>Andrew Peters</a:t>
-            </a:r>
-          </a:p>
-          <a:p>
-            <a:pPr marL="0" indent="0">
-              <a:buNone/>
+              <a:t>Stage to redact PHI</a:t>
+            </a:r>
+          </a:p>
+          <a:p>
+            <a:pPr marL="514350" indent="-514350">
+              <a:buAutoNum type="arabicPeriod"/>
             </a:pPr>
-            <a:r>
-              <a:rPr lang="en-US" dirty="0" smtClean="0"/>
-              <a:t>Chris Aston</a:t>
-            </a:r>
-          </a:p>
-          <a:p>
-            <a:pPr marL="0" indent="0">
-              <a:buNone/>
+            <a:endParaRPr lang="en-US" dirty="0" smtClean="0"/>
+          </a:p>
+          <a:p>
+            <a:pPr marL="514350" indent="-514350">
+              <a:buAutoNum type="arabicPeriod"/>
             </a:pPr>
             <a:r>
               <a:rPr lang="en-US" dirty="0" smtClean="0"/>
-              <a:t>Donna Wells</a:t>
-            </a:r>
-          </a:p>
-          <a:p>
-            <a:pPr marL="0" indent="0">
-              <a:buNone/>
+              <a:t>Reconnect to PHI record using authentication</a:t>
+            </a:r>
+          </a:p>
+          <a:p>
+            <a:pPr marL="514350" indent="-514350">
+              <a:buAutoNum type="arabicPeriod"/>
             </a:pPr>
-            <a:r>
-              <a:rPr lang="en-US" dirty="0" smtClean="0"/>
-              <a:t>Som Bohora</a:t>
-            </a:r>
-            <a:endParaRPr lang="en-US" dirty="0"/>
-          </a:p>
-          <a:p>
-            <a:pPr marL="0" indent="0">
-              <a:buNone/>
+            <a:endParaRPr lang="en-US" dirty="0" smtClean="0"/>
+          </a:p>
+          <a:p>
+            <a:pPr marL="514350" indent="-514350">
+              <a:buAutoNum type="arabicPeriod"/>
             </a:pPr>
             <a:r>
-              <a:rPr lang="en-US" dirty="0"/>
-              <a:t>Maleeha </a:t>
-            </a:r>
-            <a:r>
-              <a:rPr lang="en-US" dirty="0" smtClean="0"/>
-              <a:t>Shahid</a:t>
-            </a:r>
-          </a:p>
-          <a:p>
-            <a:pPr marL="0" indent="0">
-              <a:buNone/>
+              <a:rPr lang="en-US" dirty="0" smtClean="0"/>
+              <a:t>human vs </a:t>
+            </a:r>
+            <a:r>
+              <a:rPr lang="en-US" dirty="0" err="1" smtClean="0"/>
+              <a:t>cronjob</a:t>
+            </a:r>
+            <a:endParaRPr lang="en-US" dirty="0" smtClean="0"/>
+          </a:p>
+          <a:p>
+            <a:pPr marL="514350" indent="-514350">
+              <a:buAutoNum type="arabicPeriod"/>
             </a:pPr>
-            <a:r>
-              <a:rPr lang="en-US" dirty="0" smtClean="0"/>
-              <a:t>Yutian Thompson</a:t>
-            </a:r>
             <a:endParaRPr lang="en-US" dirty="0"/>
           </a:p>
         </p:txBody>
@@ -8352,10 +8145,44 @@
           </a:p>
         </p:txBody>
       </p:sp>
+      <p:pic>
+        <p:nvPicPr>
+          <p:cNvPr id="6" name="Picture 5"/>
+          <p:cNvPicPr>
+            <a:picLocks noChangeAspect="1"/>
+          </p:cNvPicPr>
+          <p:nvPr/>
+        </p:nvPicPr>
+        <p:blipFill>
+          <a:blip r:embed="rId2"/>
+          <a:stretch>
+            <a:fillRect/>
+          </a:stretch>
+        </p:blipFill>
+        <p:spPr>
+          <a:xfrm>
+            <a:off x="7522586" y="2644054"/>
+            <a:ext cx="4475003" cy="4019550"/>
+          </a:xfrm>
+          <a:prstGeom prst="rect">
+            <a:avLst/>
+          </a:prstGeom>
+          <a:ln>
+            <a:noFill/>
+          </a:ln>
+          <a:effectLst>
+            <a:outerShdw blurRad="292100" dist="139700" dir="2700000" algn="tl" rotWithShape="0">
+              <a:srgbClr val="333333">
+                <a:alpha val="65000"/>
+              </a:srgbClr>
+            </a:outerShdw>
+          </a:effectLst>
+        </p:spPr>
+      </p:pic>
     </p:spTree>
     <p:extLst>
       <p:ext uri="{BB962C8B-B14F-4D97-AF65-F5344CB8AC3E}">
-        <p14:creationId xmlns:p14="http://schemas.microsoft.com/office/powerpoint/2010/main" val="3171237915"/>
+        <p14:creationId xmlns:p14="http://schemas.microsoft.com/office/powerpoint/2010/main" val="2239652080"/>
       </p:ext>
     </p:extLst>
   </p:cSld>
@@ -8384,370 +8211,344 @@
       </p:grpSpPr>
       <p:sp>
         <p:nvSpPr>
-          <p:cNvPr id="6" name="TextBox 5"/>
-          <p:cNvSpPr txBox="1"/>
-          <p:nvPr/>
+          <p:cNvPr id="2" name="Title 1"/>
+          <p:cNvSpPr>
+            <a:spLocks noGrp="1"/>
+          </p:cNvSpPr>
+          <p:nvPr>
+            <p:ph type="title"/>
+          </p:nvPr>
         </p:nvSpPr>
         <p:spPr>
           <a:xfrm>
-            <a:off x="1683370" y="523091"/>
-            <a:ext cx="8797601" cy="1846659"/>
-          </a:xfrm>
-          <a:prstGeom prst="rect">
-            <a:avLst/>
-          </a:prstGeom>
-          <a:noFill/>
-        </p:spPr>
-        <p:txBody>
-          <a:bodyPr wrap="none" rtlCol="0">
-            <a:spAutoFit/>
+            <a:off x="838200" y="365126"/>
+            <a:ext cx="10515600" cy="958850"/>
+          </a:xfrm>
+        </p:spPr>
+        <p:txBody>
+          <a:bodyPr/>
+          <a:lstStyle/>
+          <a:p>
+            <a:r>
+              <a:rPr lang="en-US" dirty="0" smtClean="0"/>
+              <a:t>Providers in Oklahoma</a:t>
+            </a:r>
+            <a:endParaRPr lang="en-US" dirty="0"/>
+          </a:p>
+        </p:txBody>
+      </p:sp>
+      <p:sp>
+        <p:nvSpPr>
+          <p:cNvPr id="3" name="Content Placeholder 2"/>
+          <p:cNvSpPr>
+            <a:spLocks noGrp="1"/>
+          </p:cNvSpPr>
+          <p:nvPr>
+            <p:ph idx="1"/>
+          </p:nvPr>
+        </p:nvSpPr>
+        <p:spPr>
+          <a:xfrm>
+            <a:off x="93518" y="1323975"/>
+            <a:ext cx="12022282" cy="5032375"/>
+          </a:xfrm>
+        </p:spPr>
+        <p:txBody>
+          <a:bodyPr>
+            <a:normAutofit fontScale="85000" lnSpcReduction="10000"/>
           </a:bodyPr>
           <a:lstStyle/>
           <a:p>
-            <a:r>
-              <a:rPr lang="en-US" sz="6600" dirty="0">
-                <a:latin typeface="Arial" panose="020B0604020202020204" pitchFamily="34" charset="0"/>
-                <a:cs typeface="Arial" panose="020B0604020202020204" pitchFamily="34" charset="0"/>
-              </a:rPr>
-              <a:t>Displaying Health Data</a:t>
-            </a:r>
-          </a:p>
-          <a:p>
-            <a:r>
-              <a:rPr lang="en-US" sz="4800" dirty="0">
-                <a:solidFill>
-                  <a:schemeClr val="bg1">
-                    <a:lumMod val="65000"/>
-                  </a:schemeClr>
-                </a:solidFill>
-                <a:latin typeface="Arial" panose="020B0604020202020204" pitchFamily="34" charset="0"/>
-                <a:cs typeface="Arial" panose="020B0604020202020204" pitchFamily="34" charset="0"/>
-              </a:rPr>
-              <a:t>Cases, Techniques, Solutions</a:t>
-            </a:r>
-          </a:p>
-        </p:txBody>
-      </p:sp>
-      <p:sp>
-        <p:nvSpPr>
-          <p:cNvPr id="8" name="TextBox 7"/>
-          <p:cNvSpPr txBox="1"/>
-          <p:nvPr/>
-        </p:nvSpPr>
-        <p:spPr>
-          <a:xfrm>
-            <a:off x="899787" y="2885935"/>
-            <a:ext cx="4309834" cy="1200329"/>
-          </a:xfrm>
-          <a:prstGeom prst="rect">
-            <a:avLst/>
-          </a:prstGeom>
-          <a:noFill/>
-        </p:spPr>
-        <p:txBody>
-          <a:bodyPr wrap="none" rtlCol="0">
-            <a:spAutoFit/>
-          </a:bodyPr>
-          <a:lstStyle/>
-          <a:p>
-            <a:r>
-              <a:rPr lang="en-US" dirty="0">
-                <a:latin typeface="Arial" panose="020B0604020202020204" pitchFamily="34" charset="0"/>
-                <a:cs typeface="Arial" panose="020B0604020202020204" pitchFamily="34" charset="0"/>
-              </a:rPr>
-              <a:t>Colloquium + Live-Webcast + Recording</a:t>
-            </a:r>
-          </a:p>
-          <a:p>
-            <a:r>
-              <a:rPr lang="en-US" dirty="0">
-                <a:latin typeface="Arial" panose="020B0604020202020204" pitchFamily="34" charset="0"/>
-                <a:cs typeface="Arial" panose="020B0604020202020204" pitchFamily="34" charset="0"/>
-              </a:rPr>
-              <a:t>Medical Sciences Building (MBS) 160</a:t>
-            </a:r>
-          </a:p>
-          <a:p>
-            <a:r>
-              <a:rPr lang="en-US" dirty="0">
-                <a:latin typeface="Arial" panose="020B0604020202020204" pitchFamily="34" charset="0"/>
-                <a:cs typeface="Arial" panose="020B0604020202020204" pitchFamily="34" charset="0"/>
-              </a:rPr>
-              <a:t>University of Victoria</a:t>
-            </a:r>
-          </a:p>
-          <a:p>
-            <a:r>
-              <a:rPr lang="en-US" dirty="0">
-                <a:solidFill>
-                  <a:srgbClr val="FF0000"/>
-                </a:solidFill>
-                <a:latin typeface="Arial" panose="020B0604020202020204" pitchFamily="34" charset="0"/>
-                <a:cs typeface="Arial" panose="020B0604020202020204" pitchFamily="34" charset="0"/>
-              </a:rPr>
-              <a:t>November 28 – 30 , 1 – 3 pm PST</a:t>
-            </a:r>
-          </a:p>
-        </p:txBody>
-      </p:sp>
-      <p:pic>
-        <p:nvPicPr>
-          <p:cNvPr id="9" name="Picture 8"/>
-          <p:cNvPicPr>
-            <a:picLocks noChangeAspect="1"/>
-          </p:cNvPicPr>
-          <p:nvPr/>
-        </p:nvPicPr>
-        <p:blipFill>
-          <a:blip r:embed="rId3">
-            <a:extLst>
-              <a:ext uri="{28A0092B-C50C-407E-A947-70E740481C1C}">
-                <a14:useLocalDpi xmlns:a14="http://schemas.microsoft.com/office/drawing/2010/main" val="0"/>
-              </a:ext>
-            </a:extLst>
-          </a:blip>
-          <a:stretch>
-            <a:fillRect/>
-          </a:stretch>
-        </p:blipFill>
-        <p:spPr>
-          <a:xfrm>
-            <a:off x="241295" y="4803774"/>
-            <a:ext cx="11747505" cy="1762126"/>
-          </a:xfrm>
-          <a:prstGeom prst="rect">
-            <a:avLst/>
-          </a:prstGeom>
-        </p:spPr>
-      </p:pic>
-      <p:sp>
-        <p:nvSpPr>
-          <p:cNvPr id="5" name="Content Placeholder 2"/>
-          <p:cNvSpPr txBox="1">
-            <a:spLocks/>
-          </p:cNvSpPr>
-          <p:nvPr/>
-        </p:nvSpPr>
-        <p:spPr>
-          <a:xfrm>
-            <a:off x="5772150" y="2904137"/>
-            <a:ext cx="6419850" cy="1365250"/>
-          </a:xfrm>
-          <a:prstGeom prst="rect">
-            <a:avLst/>
-          </a:prstGeom>
-        </p:spPr>
-        <p:txBody>
-          <a:bodyPr vert="horz" lIns="91440" tIns="45720" rIns="91440" bIns="45720" rtlCol="0">
-            <a:normAutofit/>
-          </a:bodyPr>
-          <a:lstStyle>
-            <a:lvl1pPr marL="0" indent="0" algn="ctr" defTabSz="914400" rtl="0" eaLnBrk="1" latinLnBrk="0" hangingPunct="1">
-              <a:lnSpc>
-                <a:spcPct val="90000"/>
-              </a:lnSpc>
-              <a:spcBef>
-                <a:spcPts val="1000"/>
-              </a:spcBef>
-              <a:buFont typeface="Arial" panose="020B0604020202020204" pitchFamily="34" charset="0"/>
-              <a:buNone/>
-              <a:defRPr sz="2400" kern="1200">
-                <a:solidFill>
-                  <a:schemeClr val="tx1"/>
-                </a:solidFill>
-                <a:latin typeface="+mn-lt"/>
-                <a:ea typeface="+mn-ea"/>
-                <a:cs typeface="+mn-cs"/>
-              </a:defRPr>
-            </a:lvl1pPr>
-            <a:lvl2pPr marL="457200" indent="0" algn="ctr" defTabSz="914400" rtl="0" eaLnBrk="1" latinLnBrk="0" hangingPunct="1">
-              <a:lnSpc>
-                <a:spcPct val="90000"/>
-              </a:lnSpc>
-              <a:spcBef>
-                <a:spcPts val="500"/>
-              </a:spcBef>
-              <a:buFont typeface="Arial" panose="020B0604020202020204" pitchFamily="34" charset="0"/>
-              <a:buNone/>
-              <a:defRPr sz="2000" kern="1200">
-                <a:solidFill>
-                  <a:schemeClr val="tx1"/>
-                </a:solidFill>
-                <a:latin typeface="+mn-lt"/>
-                <a:ea typeface="+mn-ea"/>
-                <a:cs typeface="+mn-cs"/>
-              </a:defRPr>
-            </a:lvl2pPr>
-            <a:lvl3pPr marL="914400" indent="0" algn="ctr" defTabSz="914400" rtl="0" eaLnBrk="1" latinLnBrk="0" hangingPunct="1">
-              <a:lnSpc>
-                <a:spcPct val="90000"/>
-              </a:lnSpc>
-              <a:spcBef>
-                <a:spcPts val="500"/>
-              </a:spcBef>
-              <a:buFont typeface="Arial" panose="020B0604020202020204" pitchFamily="34" charset="0"/>
-              <a:buNone/>
-              <a:defRPr sz="1800" kern="1200">
-                <a:solidFill>
-                  <a:schemeClr val="tx1"/>
-                </a:solidFill>
-                <a:latin typeface="+mn-lt"/>
-                <a:ea typeface="+mn-ea"/>
-                <a:cs typeface="+mn-cs"/>
-              </a:defRPr>
-            </a:lvl3pPr>
-            <a:lvl4pPr marL="1371600" indent="0" algn="ctr" defTabSz="914400" rtl="0" eaLnBrk="1" latinLnBrk="0" hangingPunct="1">
-              <a:lnSpc>
-                <a:spcPct val="90000"/>
-              </a:lnSpc>
-              <a:spcBef>
-                <a:spcPts val="500"/>
-              </a:spcBef>
-              <a:buFont typeface="Arial" panose="020B0604020202020204" pitchFamily="34" charset="0"/>
-              <a:buNone/>
-              <a:defRPr sz="1600" kern="1200">
-                <a:solidFill>
-                  <a:schemeClr val="tx1"/>
-                </a:solidFill>
-                <a:latin typeface="+mn-lt"/>
-                <a:ea typeface="+mn-ea"/>
-                <a:cs typeface="+mn-cs"/>
-              </a:defRPr>
-            </a:lvl4pPr>
-            <a:lvl5pPr marL="1828800" indent="0" algn="ctr" defTabSz="914400" rtl="0" eaLnBrk="1" latinLnBrk="0" hangingPunct="1">
-              <a:lnSpc>
-                <a:spcPct val="90000"/>
-              </a:lnSpc>
-              <a:spcBef>
-                <a:spcPts val="500"/>
-              </a:spcBef>
-              <a:buFont typeface="Arial" panose="020B0604020202020204" pitchFamily="34" charset="0"/>
-              <a:buNone/>
-              <a:defRPr sz="1600" kern="1200">
-                <a:solidFill>
-                  <a:schemeClr val="tx1"/>
-                </a:solidFill>
-                <a:latin typeface="+mn-lt"/>
-                <a:ea typeface="+mn-ea"/>
-                <a:cs typeface="+mn-cs"/>
-              </a:defRPr>
-            </a:lvl5pPr>
-            <a:lvl6pPr marL="2286000" indent="0" algn="ctr" defTabSz="914400" rtl="0" eaLnBrk="1" latinLnBrk="0" hangingPunct="1">
-              <a:lnSpc>
-                <a:spcPct val="90000"/>
-              </a:lnSpc>
-              <a:spcBef>
-                <a:spcPts val="500"/>
-              </a:spcBef>
-              <a:buFont typeface="Arial" panose="020B0604020202020204" pitchFamily="34" charset="0"/>
-              <a:buNone/>
-              <a:defRPr sz="1600" kern="1200">
-                <a:solidFill>
-                  <a:schemeClr val="tx1"/>
-                </a:solidFill>
-                <a:latin typeface="+mn-lt"/>
-                <a:ea typeface="+mn-ea"/>
-                <a:cs typeface="+mn-cs"/>
-              </a:defRPr>
-            </a:lvl6pPr>
-            <a:lvl7pPr marL="2743200" indent="0" algn="ctr" defTabSz="914400" rtl="0" eaLnBrk="1" latinLnBrk="0" hangingPunct="1">
-              <a:lnSpc>
-                <a:spcPct val="90000"/>
-              </a:lnSpc>
-              <a:spcBef>
-                <a:spcPts val="500"/>
-              </a:spcBef>
-              <a:buFont typeface="Arial" panose="020B0604020202020204" pitchFamily="34" charset="0"/>
-              <a:buNone/>
-              <a:defRPr sz="1600" kern="1200">
-                <a:solidFill>
-                  <a:schemeClr val="tx1"/>
-                </a:solidFill>
-                <a:latin typeface="+mn-lt"/>
-                <a:ea typeface="+mn-ea"/>
-                <a:cs typeface="+mn-cs"/>
-              </a:defRPr>
-            </a:lvl7pPr>
-            <a:lvl8pPr marL="3200400" indent="0" algn="ctr" defTabSz="914400" rtl="0" eaLnBrk="1" latinLnBrk="0" hangingPunct="1">
-              <a:lnSpc>
-                <a:spcPct val="90000"/>
-              </a:lnSpc>
-              <a:spcBef>
-                <a:spcPts val="500"/>
-              </a:spcBef>
-              <a:buFont typeface="Arial" panose="020B0604020202020204" pitchFamily="34" charset="0"/>
-              <a:buNone/>
-              <a:defRPr sz="1600" kern="1200">
-                <a:solidFill>
-                  <a:schemeClr val="tx1"/>
-                </a:solidFill>
-                <a:latin typeface="+mn-lt"/>
-                <a:ea typeface="+mn-ea"/>
-                <a:cs typeface="+mn-cs"/>
-              </a:defRPr>
-            </a:lvl8pPr>
-            <a:lvl9pPr marL="3657600" indent="0" algn="ctr" defTabSz="914400" rtl="0" eaLnBrk="1" latinLnBrk="0" hangingPunct="1">
-              <a:lnSpc>
-                <a:spcPct val="90000"/>
-              </a:lnSpc>
-              <a:spcBef>
-                <a:spcPts val="500"/>
-              </a:spcBef>
-              <a:buFont typeface="Arial" panose="020B0604020202020204" pitchFamily="34" charset="0"/>
-              <a:buNone/>
-              <a:defRPr sz="1600" kern="1200">
-                <a:solidFill>
-                  <a:schemeClr val="tx1"/>
-                </a:solidFill>
-                <a:latin typeface="+mn-lt"/>
-                <a:ea typeface="+mn-ea"/>
-                <a:cs typeface="+mn-cs"/>
-              </a:defRPr>
-            </a:lvl9pPr>
-          </a:lstStyle>
-          <a:p>
-            <a:r>
-              <a:rPr lang="en-US" sz="3600" dirty="0"/>
-              <a:t>Please email questions to </a:t>
-            </a:r>
-            <a:r>
-              <a:rPr lang="en-US" sz="3600" dirty="0">
-                <a:hlinkClick r:id="rId4"/>
-              </a:rPr>
-              <a:t>aging@uvic.ca</a:t>
-            </a:r>
-            <a:r>
-              <a:rPr lang="en-US" sz="3600" dirty="0"/>
+            <a:pPr marL="514350" indent="-514350">
+              <a:buFont typeface="+mj-lt"/>
+              <a:buAutoNum type="arabicPeriod"/>
+            </a:pPr>
+            <a:r>
+              <a:rPr lang="en-US" b="1" dirty="0" smtClean="0"/>
+              <a:t>Oklahoma State Department of Health</a:t>
+            </a:r>
+            <a:r>
+              <a:rPr lang="en-US" dirty="0" smtClean="0"/>
+              <a:t>– </a:t>
+            </a:r>
+            <a:r>
+              <a:rPr lang="en-US" dirty="0"/>
+              <a:t>Persephone Starks, John Delara, Beth Martin</a:t>
+            </a:r>
+          </a:p>
+          <a:p>
+            <a:pPr marL="514350" indent="-514350">
+              <a:buFont typeface="+mj-lt"/>
+              <a:buAutoNum type="arabicPeriod"/>
+            </a:pPr>
+            <a:r>
+              <a:rPr lang="en-US" b="1" dirty="0"/>
+              <a:t>Children First Tulsa </a:t>
+            </a:r>
+            <a:r>
+              <a:rPr lang="en-US" dirty="0"/>
+              <a:t>– LouAnn Beuke</a:t>
+            </a:r>
+          </a:p>
+          <a:p>
+            <a:pPr marL="514350" indent="-514350">
+              <a:buFont typeface="+mj-lt"/>
+              <a:buAutoNum type="arabicPeriod"/>
+            </a:pPr>
+            <a:r>
+              <a:rPr lang="en-US" b="1" dirty="0" smtClean="0"/>
+              <a:t>LCDA</a:t>
+            </a:r>
+            <a:r>
+              <a:rPr lang="en-US" dirty="0" smtClean="0"/>
               <a:t> </a:t>
             </a:r>
+            <a:r>
+              <a:rPr lang="en-US" dirty="0"/>
+              <a:t>– Patty </a:t>
+            </a:r>
+            <a:r>
+              <a:rPr lang="en-US" dirty="0" err="1"/>
+              <a:t>Demoraes-Huffhine</a:t>
+            </a:r>
+            <a:endParaRPr lang="en-US" dirty="0"/>
+          </a:p>
+          <a:p>
+            <a:pPr marL="514350" indent="-514350">
+              <a:buFont typeface="+mj-lt"/>
+              <a:buAutoNum type="arabicPeriod"/>
+            </a:pPr>
+            <a:r>
+              <a:rPr lang="en-US" b="1" dirty="0"/>
+              <a:t>Oklahoma City County Health Department </a:t>
+            </a:r>
+            <a:r>
+              <a:rPr lang="en-US" dirty="0"/>
+              <a:t>– Denise Howard, Diane Sammons, </a:t>
+            </a:r>
+            <a:r>
+              <a:rPr lang="en-US" dirty="0" smtClean="0"/>
+              <a:t> Sally Dixon</a:t>
+            </a:r>
+            <a:endParaRPr lang="en-US" dirty="0"/>
+          </a:p>
+          <a:p>
+            <a:pPr marL="514350" indent="-514350">
+              <a:buFont typeface="+mj-lt"/>
+              <a:buAutoNum type="arabicPeriod"/>
+            </a:pPr>
+            <a:r>
+              <a:rPr lang="en-US" b="1" dirty="0"/>
+              <a:t>OKC Public Schools </a:t>
+            </a:r>
+            <a:r>
+              <a:rPr lang="en-US" dirty="0"/>
+              <a:t>– Yolanda Lucero, </a:t>
+            </a:r>
+            <a:r>
+              <a:rPr lang="en-US" dirty="0" err="1"/>
+              <a:t>Kethzia</a:t>
+            </a:r>
+            <a:r>
+              <a:rPr lang="en-US" dirty="0"/>
+              <a:t> </a:t>
+            </a:r>
+            <a:r>
+              <a:rPr lang="en-US" dirty="0" err="1"/>
+              <a:t>Njikam</a:t>
+            </a:r>
+            <a:endParaRPr lang="en-US" dirty="0"/>
+          </a:p>
+          <a:p>
+            <a:pPr marL="514350" indent="-514350">
+              <a:buFont typeface="+mj-lt"/>
+              <a:buAutoNum type="arabicPeriod"/>
+            </a:pPr>
+            <a:r>
+              <a:rPr lang="en-US" b="1" dirty="0"/>
+              <a:t>PAT Bethany Public Schools </a:t>
+            </a:r>
+            <a:r>
+              <a:rPr lang="en-US" dirty="0"/>
+              <a:t>– Mindy </a:t>
+            </a:r>
+            <a:r>
+              <a:rPr lang="en-US" dirty="0" smtClean="0"/>
+              <a:t>Turner, Jem Balderas</a:t>
+            </a:r>
+            <a:endParaRPr lang="en-US" dirty="0"/>
+          </a:p>
+          <a:p>
+            <a:pPr marL="514350" indent="-514350">
+              <a:buFont typeface="+mj-lt"/>
+              <a:buAutoNum type="arabicPeriod"/>
+            </a:pPr>
+            <a:r>
+              <a:rPr lang="en-US" b="1" dirty="0"/>
+              <a:t>PAT Parent Promise </a:t>
+            </a:r>
+            <a:r>
+              <a:rPr lang="en-US" dirty="0"/>
+              <a:t>– Shawna </a:t>
+            </a:r>
+            <a:r>
+              <a:rPr lang="en-US" dirty="0" smtClean="0"/>
+              <a:t>Norman</a:t>
+            </a:r>
+          </a:p>
+          <a:p>
+            <a:pPr marL="514350" indent="-514350">
+              <a:buFont typeface="+mj-lt"/>
+              <a:buAutoNum type="arabicPeriod"/>
+            </a:pPr>
+            <a:r>
+              <a:rPr lang="en-US" b="1" dirty="0" smtClean="0"/>
+              <a:t>Community </a:t>
+            </a:r>
+            <a:r>
+              <a:rPr lang="en-US" b="1" dirty="0"/>
+              <a:t>Action Program Tulsa </a:t>
+            </a:r>
+            <a:r>
+              <a:rPr lang="en-US" dirty="0"/>
+              <a:t>– Dana James</a:t>
+            </a:r>
+          </a:p>
+          <a:p>
+            <a:pPr marL="514350" indent="-514350">
+              <a:buFont typeface="+mj-lt"/>
+              <a:buAutoNum type="arabicPeriod"/>
+            </a:pPr>
+            <a:r>
+              <a:rPr lang="en-US" b="1" dirty="0" smtClean="0"/>
+              <a:t>Cherokee PARENTS </a:t>
+            </a:r>
+            <a:r>
+              <a:rPr lang="en-US" dirty="0" smtClean="0"/>
+              <a:t>– Ben King, Jennifer Kirby, Amy </a:t>
+            </a:r>
+            <a:r>
+              <a:rPr lang="en-US" dirty="0" err="1" smtClean="0"/>
+              <a:t>Thilges</a:t>
+            </a:r>
+            <a:endParaRPr lang="en-US" dirty="0" smtClean="0"/>
+          </a:p>
+          <a:p>
+            <a:pPr marL="514350" indent="-514350">
+              <a:buFont typeface="+mj-lt"/>
+              <a:buAutoNum type="arabicPeriod"/>
+            </a:pPr>
+            <a:r>
+              <a:rPr lang="en-US" b="1" dirty="0" smtClean="0"/>
+              <a:t>PCCT </a:t>
+            </a:r>
+            <a:r>
+              <a:rPr lang="en-US" b="1" dirty="0"/>
+              <a:t>PAT Tulsa  </a:t>
+            </a:r>
+            <a:r>
+              <a:rPr lang="en-US" dirty="0"/>
+              <a:t>- Sarah </a:t>
+            </a:r>
+            <a:r>
+              <a:rPr lang="en-US" dirty="0" err="1"/>
+              <a:t>Neyman</a:t>
+            </a:r>
+            <a:endParaRPr lang="en-US" dirty="0"/>
+          </a:p>
+          <a:p>
+            <a:pPr marL="514350" indent="-514350">
+              <a:buFont typeface="+mj-lt"/>
+              <a:buAutoNum type="arabicPeriod"/>
+            </a:pPr>
+            <a:r>
+              <a:rPr lang="en-US" b="1" dirty="0" err="1" smtClean="0"/>
+              <a:t>SafeCare</a:t>
+            </a:r>
+            <a:r>
+              <a:rPr lang="en-US" b="1" dirty="0" smtClean="0"/>
+              <a:t> </a:t>
+            </a:r>
+            <a:r>
+              <a:rPr lang="en-US" b="1" dirty="0"/>
+              <a:t>PCCT </a:t>
+            </a:r>
+            <a:r>
+              <a:rPr lang="en-US" dirty="0"/>
+              <a:t>– Sheri </a:t>
+            </a:r>
+            <a:r>
+              <a:rPr lang="en-US" dirty="0" smtClean="0"/>
+              <a:t>Davis</a:t>
+            </a:r>
+            <a:endParaRPr lang="en-US" dirty="0"/>
+          </a:p>
+          <a:p>
+            <a:pPr marL="514350" indent="-514350">
+              <a:buFont typeface="+mj-lt"/>
+              <a:buAutoNum type="arabicPeriod"/>
+            </a:pPr>
+            <a:r>
+              <a:rPr lang="en-US" b="1" dirty="0" err="1"/>
+              <a:t>SafeCare</a:t>
+            </a:r>
+            <a:r>
+              <a:rPr lang="en-US" b="1" dirty="0"/>
+              <a:t> </a:t>
+            </a:r>
+            <a:r>
+              <a:rPr lang="en-US" b="1" dirty="0" err="1"/>
+              <a:t>NorthCare</a:t>
+            </a:r>
+            <a:r>
+              <a:rPr lang="en-US" b="1" dirty="0"/>
+              <a:t> </a:t>
+            </a:r>
+            <a:r>
+              <a:rPr lang="en-US" dirty="0"/>
+              <a:t>– Dwan </a:t>
+            </a:r>
+            <a:r>
+              <a:rPr lang="en-US" dirty="0" smtClean="0"/>
+              <a:t>McDonald </a:t>
+            </a:r>
+            <a:endParaRPr lang="en-US" dirty="0"/>
+          </a:p>
+        </p:txBody>
+      </p:sp>
+      <p:sp>
+        <p:nvSpPr>
+          <p:cNvPr id="4" name="Slide Number Placeholder 3"/>
+          <p:cNvSpPr>
+            <a:spLocks noGrp="1"/>
+          </p:cNvSpPr>
+          <p:nvPr>
+            <p:ph type="sldNum" sz="quarter" idx="12"/>
+          </p:nvPr>
+        </p:nvSpPr>
+        <p:spPr/>
+        <p:txBody>
+          <a:bodyPr/>
+          <a:lstStyle/>
+          <a:p>
+            <a:fld id="{AF87EE96-E852-4892-A22F-23BA018C684B}" type="slidenum">
+              <a:rPr lang="en-US" smtClean="0"/>
+              <a:t>29</a:t>
+            </a:fld>
+            <a:endParaRPr lang="en-US"/>
           </a:p>
         </p:txBody>
       </p:sp>
     </p:spTree>
     <p:extLst>
       <p:ext uri="{BB962C8B-B14F-4D97-AF65-F5344CB8AC3E}">
-        <p14:creationId xmlns:p14="http://schemas.microsoft.com/office/powerpoint/2010/main" val="693685710"/>
+        <p14:creationId xmlns:p14="http://schemas.microsoft.com/office/powerpoint/2010/main" val="737116301"/>
       </p:ext>
     </p:extLst>
   </p:cSld>
   <p:clrMapOvr>
     <a:masterClrMapping/>
   </p:clrMapOvr>
-  <mc:AlternateContent xmlns:mc="http://schemas.openxmlformats.org/markup-compatibility/2006" xmlns:p14="http://schemas.microsoft.com/office/powerpoint/2010/main">
-    <mc:Choice Requires="p14">
-      <p:transition p14:dur="0"/>
-    </mc:Choice>
-    <mc:Fallback xmlns="">
-      <p:transition/>
-    </mc:Fallback>
-  </mc:AlternateContent>
-  <p:timing>
-    <p:tnLst>
-      <p:par>
-        <p:cTn id="1" dur="indefinite" restart="never" nodeType="tmRoot"/>
-      </p:par>
-    </p:tnLst>
-  </p:timing>
 </p:sld>
 </file>
 
@@ -9314,6 +9115,601 @@
           <a:chExt cx="0" cy="0"/>
         </a:xfrm>
       </p:grpSpPr>
+      <p:sp>
+        <p:nvSpPr>
+          <p:cNvPr id="2" name="Title 1"/>
+          <p:cNvSpPr>
+            <a:spLocks noGrp="1"/>
+          </p:cNvSpPr>
+          <p:nvPr>
+            <p:ph type="title"/>
+          </p:nvPr>
+        </p:nvSpPr>
+        <p:spPr>
+          <a:xfrm>
+            <a:off x="405245" y="365126"/>
+            <a:ext cx="11305310" cy="958850"/>
+          </a:xfrm>
+        </p:spPr>
+        <p:txBody>
+          <a:bodyPr>
+            <a:normAutofit fontScale="90000"/>
+          </a:bodyPr>
+          <a:lstStyle/>
+          <a:p>
+            <a:r>
+              <a:rPr lang="en-US" dirty="0" smtClean="0"/>
+              <a:t>University of Oklahoma HSC Analysts </a:t>
+            </a:r>
+            <a:br>
+              <a:rPr lang="en-US" dirty="0" smtClean="0"/>
+            </a:br>
+            <a:r>
+              <a:rPr lang="en-US" sz="3600" dirty="0" smtClean="0"/>
+              <a:t>for the MIECHV-3 CQI</a:t>
+            </a:r>
+            <a:endParaRPr lang="en-US" sz="3600" dirty="0"/>
+          </a:p>
+        </p:txBody>
+      </p:sp>
+      <p:sp>
+        <p:nvSpPr>
+          <p:cNvPr id="3" name="Content Placeholder 2"/>
+          <p:cNvSpPr>
+            <a:spLocks noGrp="1"/>
+          </p:cNvSpPr>
+          <p:nvPr>
+            <p:ph idx="1"/>
+          </p:nvPr>
+        </p:nvSpPr>
+        <p:spPr>
+          <a:xfrm>
+            <a:off x="405245" y="1830243"/>
+            <a:ext cx="10948555" cy="4891232"/>
+          </a:xfrm>
+        </p:spPr>
+        <p:txBody>
+          <a:bodyPr>
+            <a:normAutofit lnSpcReduction="10000"/>
+          </a:bodyPr>
+          <a:lstStyle/>
+          <a:p>
+            <a:pPr marL="0" indent="0">
+              <a:buNone/>
+            </a:pPr>
+            <a:r>
+              <a:rPr lang="en-US" dirty="0" smtClean="0"/>
+              <a:t>David Bard, </a:t>
+            </a:r>
+          </a:p>
+          <a:p>
+            <a:pPr marL="0" indent="0">
+              <a:buNone/>
+            </a:pPr>
+            <a:r>
+              <a:rPr lang="en-US" dirty="0" smtClean="0"/>
+              <a:t>Will Beasley</a:t>
+            </a:r>
+          </a:p>
+          <a:p>
+            <a:pPr marL="0" indent="0">
+              <a:buNone/>
+            </a:pPr>
+            <a:r>
+              <a:rPr lang="en-US" dirty="0" smtClean="0"/>
+              <a:t>Geneva Marshall</a:t>
+            </a:r>
+          </a:p>
+          <a:p>
+            <a:pPr marL="0" indent="0">
+              <a:buNone/>
+            </a:pPr>
+            <a:r>
+              <a:rPr lang="en-US" dirty="0" smtClean="0"/>
+              <a:t>Thomas Wilson</a:t>
+            </a:r>
+          </a:p>
+          <a:p>
+            <a:pPr marL="0" indent="0">
+              <a:buNone/>
+            </a:pPr>
+            <a:r>
+              <a:rPr lang="en-US" dirty="0" smtClean="0"/>
+              <a:t>Andrew Peters</a:t>
+            </a:r>
+          </a:p>
+          <a:p>
+            <a:pPr marL="0" indent="0">
+              <a:buNone/>
+            </a:pPr>
+            <a:r>
+              <a:rPr lang="en-US" dirty="0" smtClean="0"/>
+              <a:t>Chris Aston</a:t>
+            </a:r>
+          </a:p>
+          <a:p>
+            <a:pPr marL="0" indent="0">
+              <a:buNone/>
+            </a:pPr>
+            <a:r>
+              <a:rPr lang="en-US" dirty="0" smtClean="0"/>
+              <a:t>Donna Wells</a:t>
+            </a:r>
+          </a:p>
+          <a:p>
+            <a:pPr marL="0" indent="0">
+              <a:buNone/>
+            </a:pPr>
+            <a:r>
+              <a:rPr lang="en-US" dirty="0" smtClean="0"/>
+              <a:t>Som Bohora</a:t>
+            </a:r>
+            <a:endParaRPr lang="en-US" dirty="0"/>
+          </a:p>
+          <a:p>
+            <a:pPr marL="0" indent="0">
+              <a:buNone/>
+            </a:pPr>
+            <a:r>
+              <a:rPr lang="en-US" dirty="0"/>
+              <a:t>Maleeha </a:t>
+            </a:r>
+            <a:r>
+              <a:rPr lang="en-US" dirty="0" smtClean="0"/>
+              <a:t>Shahid</a:t>
+            </a:r>
+          </a:p>
+          <a:p>
+            <a:pPr marL="0" indent="0">
+              <a:buNone/>
+            </a:pPr>
+            <a:r>
+              <a:rPr lang="en-US" dirty="0" smtClean="0"/>
+              <a:t>Yutian Thompson</a:t>
+            </a:r>
+            <a:endParaRPr lang="en-US" dirty="0"/>
+          </a:p>
+        </p:txBody>
+      </p:sp>
+      <p:sp>
+        <p:nvSpPr>
+          <p:cNvPr id="4" name="Slide Number Placeholder 3"/>
+          <p:cNvSpPr>
+            <a:spLocks noGrp="1"/>
+          </p:cNvSpPr>
+          <p:nvPr>
+            <p:ph type="sldNum" sz="quarter" idx="12"/>
+          </p:nvPr>
+        </p:nvSpPr>
+        <p:spPr/>
+        <p:txBody>
+          <a:bodyPr/>
+          <a:lstStyle/>
+          <a:p>
+            <a:fld id="{AF87EE96-E852-4892-A22F-23BA018C684B}" type="slidenum">
+              <a:rPr lang="en-US" smtClean="0"/>
+              <a:t>30</a:t>
+            </a:fld>
+            <a:endParaRPr lang="en-US"/>
+          </a:p>
+        </p:txBody>
+      </p:sp>
+    </p:spTree>
+    <p:extLst>
+      <p:ext uri="{BB962C8B-B14F-4D97-AF65-F5344CB8AC3E}">
+        <p14:creationId xmlns:p14="http://schemas.microsoft.com/office/powerpoint/2010/main" val="3171237915"/>
+      </p:ext>
+    </p:extLst>
+  </p:cSld>
+  <p:clrMapOvr>
+    <a:masterClrMapping/>
+  </p:clrMapOvr>
+</p:sld>
+</file>
+
+<file path=ppt/slides/slide31.xml><?xml version="1.0" encoding="utf-8"?>
+<p:sld xmlns:a="http://schemas.openxmlformats.org/drawingml/2006/main" xmlns:r="http://schemas.openxmlformats.org/officeDocument/2006/relationships" xmlns:p="http://schemas.openxmlformats.org/presentationml/2006/main">
+  <p:cSld>
+    <p:spTree>
+      <p:nvGrpSpPr>
+        <p:cNvPr id="1" name=""/>
+        <p:cNvGrpSpPr/>
+        <p:nvPr/>
+      </p:nvGrpSpPr>
+      <p:grpSpPr>
+        <a:xfrm>
+          <a:off x="0" y="0"/>
+          <a:ext cx="0" cy="0"/>
+          <a:chOff x="0" y="0"/>
+          <a:chExt cx="0" cy="0"/>
+        </a:xfrm>
+      </p:grpSpPr>
+      <p:sp>
+        <p:nvSpPr>
+          <p:cNvPr id="6" name="TextBox 5"/>
+          <p:cNvSpPr txBox="1"/>
+          <p:nvPr/>
+        </p:nvSpPr>
+        <p:spPr>
+          <a:xfrm>
+            <a:off x="1683370" y="523091"/>
+            <a:ext cx="8797601" cy="1846659"/>
+          </a:xfrm>
+          <a:prstGeom prst="rect">
+            <a:avLst/>
+          </a:prstGeom>
+          <a:noFill/>
+        </p:spPr>
+        <p:txBody>
+          <a:bodyPr wrap="none" rtlCol="0">
+            <a:spAutoFit/>
+          </a:bodyPr>
+          <a:lstStyle/>
+          <a:p>
+            <a:r>
+              <a:rPr lang="en-US" sz="6600" dirty="0">
+                <a:latin typeface="Arial" panose="020B0604020202020204" pitchFamily="34" charset="0"/>
+                <a:cs typeface="Arial" panose="020B0604020202020204" pitchFamily="34" charset="0"/>
+              </a:rPr>
+              <a:t>Displaying Health Data</a:t>
+            </a:r>
+          </a:p>
+          <a:p>
+            <a:r>
+              <a:rPr lang="en-US" sz="4800" dirty="0">
+                <a:solidFill>
+                  <a:schemeClr val="bg1">
+                    <a:lumMod val="65000"/>
+                  </a:schemeClr>
+                </a:solidFill>
+                <a:latin typeface="Arial" panose="020B0604020202020204" pitchFamily="34" charset="0"/>
+                <a:cs typeface="Arial" panose="020B0604020202020204" pitchFamily="34" charset="0"/>
+              </a:rPr>
+              <a:t>Cases, Techniques, Solutions</a:t>
+            </a:r>
+          </a:p>
+        </p:txBody>
+      </p:sp>
+      <p:sp>
+        <p:nvSpPr>
+          <p:cNvPr id="8" name="TextBox 7"/>
+          <p:cNvSpPr txBox="1"/>
+          <p:nvPr/>
+        </p:nvSpPr>
+        <p:spPr>
+          <a:xfrm>
+            <a:off x="899787" y="2885935"/>
+            <a:ext cx="4309834" cy="1200329"/>
+          </a:xfrm>
+          <a:prstGeom prst="rect">
+            <a:avLst/>
+          </a:prstGeom>
+          <a:noFill/>
+        </p:spPr>
+        <p:txBody>
+          <a:bodyPr wrap="none" rtlCol="0">
+            <a:spAutoFit/>
+          </a:bodyPr>
+          <a:lstStyle/>
+          <a:p>
+            <a:r>
+              <a:rPr lang="en-US" dirty="0">
+                <a:latin typeface="Arial" panose="020B0604020202020204" pitchFamily="34" charset="0"/>
+                <a:cs typeface="Arial" panose="020B0604020202020204" pitchFamily="34" charset="0"/>
+              </a:rPr>
+              <a:t>Colloquium + Live-Webcast + Recording</a:t>
+            </a:r>
+          </a:p>
+          <a:p>
+            <a:r>
+              <a:rPr lang="en-US" dirty="0">
+                <a:latin typeface="Arial" panose="020B0604020202020204" pitchFamily="34" charset="0"/>
+                <a:cs typeface="Arial" panose="020B0604020202020204" pitchFamily="34" charset="0"/>
+              </a:rPr>
+              <a:t>Medical Sciences Building (MBS) 160</a:t>
+            </a:r>
+          </a:p>
+          <a:p>
+            <a:r>
+              <a:rPr lang="en-US" dirty="0">
+                <a:latin typeface="Arial" panose="020B0604020202020204" pitchFamily="34" charset="0"/>
+                <a:cs typeface="Arial" panose="020B0604020202020204" pitchFamily="34" charset="0"/>
+              </a:rPr>
+              <a:t>University of Victoria</a:t>
+            </a:r>
+          </a:p>
+          <a:p>
+            <a:r>
+              <a:rPr lang="en-US" dirty="0">
+                <a:solidFill>
+                  <a:srgbClr val="FF0000"/>
+                </a:solidFill>
+                <a:latin typeface="Arial" panose="020B0604020202020204" pitchFamily="34" charset="0"/>
+                <a:cs typeface="Arial" panose="020B0604020202020204" pitchFamily="34" charset="0"/>
+              </a:rPr>
+              <a:t>November 28 – 30 , 1 – 3 pm PST</a:t>
+            </a:r>
+          </a:p>
+        </p:txBody>
+      </p:sp>
+      <p:pic>
+        <p:nvPicPr>
+          <p:cNvPr id="9" name="Picture 8"/>
+          <p:cNvPicPr>
+            <a:picLocks noChangeAspect="1"/>
+          </p:cNvPicPr>
+          <p:nvPr/>
+        </p:nvPicPr>
+        <p:blipFill>
+          <a:blip r:embed="rId3">
+            <a:extLst>
+              <a:ext uri="{28A0092B-C50C-407E-A947-70E740481C1C}">
+                <a14:useLocalDpi xmlns:a14="http://schemas.microsoft.com/office/drawing/2010/main" val="0"/>
+              </a:ext>
+            </a:extLst>
+          </a:blip>
+          <a:stretch>
+            <a:fillRect/>
+          </a:stretch>
+        </p:blipFill>
+        <p:spPr>
+          <a:xfrm>
+            <a:off x="241295" y="4803774"/>
+            <a:ext cx="11747505" cy="1762126"/>
+          </a:xfrm>
+          <a:prstGeom prst="rect">
+            <a:avLst/>
+          </a:prstGeom>
+        </p:spPr>
+      </p:pic>
+      <p:sp>
+        <p:nvSpPr>
+          <p:cNvPr id="5" name="Content Placeholder 2"/>
+          <p:cNvSpPr txBox="1">
+            <a:spLocks/>
+          </p:cNvSpPr>
+          <p:nvPr/>
+        </p:nvSpPr>
+        <p:spPr>
+          <a:xfrm>
+            <a:off x="5772150" y="2904137"/>
+            <a:ext cx="6419850" cy="1365250"/>
+          </a:xfrm>
+          <a:prstGeom prst="rect">
+            <a:avLst/>
+          </a:prstGeom>
+        </p:spPr>
+        <p:txBody>
+          <a:bodyPr vert="horz" lIns="91440" tIns="45720" rIns="91440" bIns="45720" rtlCol="0">
+            <a:normAutofit/>
+          </a:bodyPr>
+          <a:lstStyle>
+            <a:lvl1pPr marL="0" indent="0" algn="ctr" defTabSz="914400" rtl="0" eaLnBrk="1" latinLnBrk="0" hangingPunct="1">
+              <a:lnSpc>
+                <a:spcPct val="90000"/>
+              </a:lnSpc>
+              <a:spcBef>
+                <a:spcPts val="1000"/>
+              </a:spcBef>
+              <a:buFont typeface="Arial" panose="020B0604020202020204" pitchFamily="34" charset="0"/>
+              <a:buNone/>
+              <a:defRPr sz="2400" kern="1200">
+                <a:solidFill>
+                  <a:schemeClr val="tx1"/>
+                </a:solidFill>
+                <a:latin typeface="+mn-lt"/>
+                <a:ea typeface="+mn-ea"/>
+                <a:cs typeface="+mn-cs"/>
+              </a:defRPr>
+            </a:lvl1pPr>
+            <a:lvl2pPr marL="457200" indent="0" algn="ctr" defTabSz="914400" rtl="0" eaLnBrk="1" latinLnBrk="0" hangingPunct="1">
+              <a:lnSpc>
+                <a:spcPct val="90000"/>
+              </a:lnSpc>
+              <a:spcBef>
+                <a:spcPts val="500"/>
+              </a:spcBef>
+              <a:buFont typeface="Arial" panose="020B0604020202020204" pitchFamily="34" charset="0"/>
+              <a:buNone/>
+              <a:defRPr sz="2000" kern="1200">
+                <a:solidFill>
+                  <a:schemeClr val="tx1"/>
+                </a:solidFill>
+                <a:latin typeface="+mn-lt"/>
+                <a:ea typeface="+mn-ea"/>
+                <a:cs typeface="+mn-cs"/>
+              </a:defRPr>
+            </a:lvl2pPr>
+            <a:lvl3pPr marL="914400" indent="0" algn="ctr" defTabSz="914400" rtl="0" eaLnBrk="1" latinLnBrk="0" hangingPunct="1">
+              <a:lnSpc>
+                <a:spcPct val="90000"/>
+              </a:lnSpc>
+              <a:spcBef>
+                <a:spcPts val="500"/>
+              </a:spcBef>
+              <a:buFont typeface="Arial" panose="020B0604020202020204" pitchFamily="34" charset="0"/>
+              <a:buNone/>
+              <a:defRPr sz="1800" kern="1200">
+                <a:solidFill>
+                  <a:schemeClr val="tx1"/>
+                </a:solidFill>
+                <a:latin typeface="+mn-lt"/>
+                <a:ea typeface="+mn-ea"/>
+                <a:cs typeface="+mn-cs"/>
+              </a:defRPr>
+            </a:lvl3pPr>
+            <a:lvl4pPr marL="1371600" indent="0" algn="ctr" defTabSz="914400" rtl="0" eaLnBrk="1" latinLnBrk="0" hangingPunct="1">
+              <a:lnSpc>
+                <a:spcPct val="90000"/>
+              </a:lnSpc>
+              <a:spcBef>
+                <a:spcPts val="500"/>
+              </a:spcBef>
+              <a:buFont typeface="Arial" panose="020B0604020202020204" pitchFamily="34" charset="0"/>
+              <a:buNone/>
+              <a:defRPr sz="1600" kern="1200">
+                <a:solidFill>
+                  <a:schemeClr val="tx1"/>
+                </a:solidFill>
+                <a:latin typeface="+mn-lt"/>
+                <a:ea typeface="+mn-ea"/>
+                <a:cs typeface="+mn-cs"/>
+              </a:defRPr>
+            </a:lvl4pPr>
+            <a:lvl5pPr marL="1828800" indent="0" algn="ctr" defTabSz="914400" rtl="0" eaLnBrk="1" latinLnBrk="0" hangingPunct="1">
+              <a:lnSpc>
+                <a:spcPct val="90000"/>
+              </a:lnSpc>
+              <a:spcBef>
+                <a:spcPts val="500"/>
+              </a:spcBef>
+              <a:buFont typeface="Arial" panose="020B0604020202020204" pitchFamily="34" charset="0"/>
+              <a:buNone/>
+              <a:defRPr sz="1600" kern="1200">
+                <a:solidFill>
+                  <a:schemeClr val="tx1"/>
+                </a:solidFill>
+                <a:latin typeface="+mn-lt"/>
+                <a:ea typeface="+mn-ea"/>
+                <a:cs typeface="+mn-cs"/>
+              </a:defRPr>
+            </a:lvl5pPr>
+            <a:lvl6pPr marL="2286000" indent="0" algn="ctr" defTabSz="914400" rtl="0" eaLnBrk="1" latinLnBrk="0" hangingPunct="1">
+              <a:lnSpc>
+                <a:spcPct val="90000"/>
+              </a:lnSpc>
+              <a:spcBef>
+                <a:spcPts val="500"/>
+              </a:spcBef>
+              <a:buFont typeface="Arial" panose="020B0604020202020204" pitchFamily="34" charset="0"/>
+              <a:buNone/>
+              <a:defRPr sz="1600" kern="1200">
+                <a:solidFill>
+                  <a:schemeClr val="tx1"/>
+                </a:solidFill>
+                <a:latin typeface="+mn-lt"/>
+                <a:ea typeface="+mn-ea"/>
+                <a:cs typeface="+mn-cs"/>
+              </a:defRPr>
+            </a:lvl6pPr>
+            <a:lvl7pPr marL="2743200" indent="0" algn="ctr" defTabSz="914400" rtl="0" eaLnBrk="1" latinLnBrk="0" hangingPunct="1">
+              <a:lnSpc>
+                <a:spcPct val="90000"/>
+              </a:lnSpc>
+              <a:spcBef>
+                <a:spcPts val="500"/>
+              </a:spcBef>
+              <a:buFont typeface="Arial" panose="020B0604020202020204" pitchFamily="34" charset="0"/>
+              <a:buNone/>
+              <a:defRPr sz="1600" kern="1200">
+                <a:solidFill>
+                  <a:schemeClr val="tx1"/>
+                </a:solidFill>
+                <a:latin typeface="+mn-lt"/>
+                <a:ea typeface="+mn-ea"/>
+                <a:cs typeface="+mn-cs"/>
+              </a:defRPr>
+            </a:lvl7pPr>
+            <a:lvl8pPr marL="3200400" indent="0" algn="ctr" defTabSz="914400" rtl="0" eaLnBrk="1" latinLnBrk="0" hangingPunct="1">
+              <a:lnSpc>
+                <a:spcPct val="90000"/>
+              </a:lnSpc>
+              <a:spcBef>
+                <a:spcPts val="500"/>
+              </a:spcBef>
+              <a:buFont typeface="Arial" panose="020B0604020202020204" pitchFamily="34" charset="0"/>
+              <a:buNone/>
+              <a:defRPr sz="1600" kern="1200">
+                <a:solidFill>
+                  <a:schemeClr val="tx1"/>
+                </a:solidFill>
+                <a:latin typeface="+mn-lt"/>
+                <a:ea typeface="+mn-ea"/>
+                <a:cs typeface="+mn-cs"/>
+              </a:defRPr>
+            </a:lvl8pPr>
+            <a:lvl9pPr marL="3657600" indent="0" algn="ctr" defTabSz="914400" rtl="0" eaLnBrk="1" latinLnBrk="0" hangingPunct="1">
+              <a:lnSpc>
+                <a:spcPct val="90000"/>
+              </a:lnSpc>
+              <a:spcBef>
+                <a:spcPts val="500"/>
+              </a:spcBef>
+              <a:buFont typeface="Arial" panose="020B0604020202020204" pitchFamily="34" charset="0"/>
+              <a:buNone/>
+              <a:defRPr sz="1600" kern="1200">
+                <a:solidFill>
+                  <a:schemeClr val="tx1"/>
+                </a:solidFill>
+                <a:latin typeface="+mn-lt"/>
+                <a:ea typeface="+mn-ea"/>
+                <a:cs typeface="+mn-cs"/>
+              </a:defRPr>
+            </a:lvl9pPr>
+          </a:lstStyle>
+          <a:p>
+            <a:r>
+              <a:rPr lang="en-US" sz="3600" dirty="0"/>
+              <a:t>Please email questions to </a:t>
+            </a:r>
+            <a:r>
+              <a:rPr lang="en-US" sz="3600" dirty="0">
+                <a:hlinkClick r:id="rId4"/>
+              </a:rPr>
+              <a:t>aging@uvic.ca</a:t>
+            </a:r>
+            <a:r>
+              <a:rPr lang="en-US" sz="3600" dirty="0"/>
+              <a:t> </a:t>
+            </a:r>
+          </a:p>
+        </p:txBody>
+      </p:sp>
+    </p:spTree>
+    <p:extLst>
+      <p:ext uri="{BB962C8B-B14F-4D97-AF65-F5344CB8AC3E}">
+        <p14:creationId xmlns:p14="http://schemas.microsoft.com/office/powerpoint/2010/main" val="693685710"/>
+      </p:ext>
+    </p:extLst>
+  </p:cSld>
+  <p:clrMapOvr>
+    <a:masterClrMapping/>
+  </p:clrMapOvr>
+  <mc:AlternateContent xmlns:mc="http://schemas.openxmlformats.org/markup-compatibility/2006" xmlns:p14="http://schemas.microsoft.com/office/powerpoint/2010/main">
+    <mc:Choice Requires="p14">
+      <p:transition p14:dur="0"/>
+    </mc:Choice>
+    <mc:Fallback xmlns="">
+      <p:transition/>
+    </mc:Fallback>
+  </mc:AlternateContent>
+  <p:timing>
+    <p:tnLst>
+      <p:par>
+        <p:cTn id="1" dur="indefinite" restart="never" nodeType="tmRoot"/>
+      </p:par>
+    </p:tnLst>
+  </p:timing>
+</p:sld>
+</file>
+
+<file path=ppt/slides/slide32.xml><?xml version="1.0" encoding="utf-8"?>
+<p:sld xmlns:a="http://schemas.openxmlformats.org/drawingml/2006/main" xmlns:r="http://schemas.openxmlformats.org/officeDocument/2006/relationships" xmlns:p="http://schemas.openxmlformats.org/presentationml/2006/main">
+  <p:cSld>
+    <p:spTree>
+      <p:nvGrpSpPr>
+        <p:cNvPr id="1" name=""/>
+        <p:cNvGrpSpPr/>
+        <p:nvPr/>
+      </p:nvGrpSpPr>
+      <p:grpSpPr>
+        <a:xfrm>
+          <a:off x="0" y="0"/>
+          <a:ext cx="0" cy="0"/>
+          <a:chOff x="0" y="0"/>
+          <a:chExt cx="0" cy="0"/>
+        </a:xfrm>
+      </p:grpSpPr>
       <p:pic>
         <p:nvPicPr>
           <p:cNvPr id="5" name="Picture 4"/>
@@ -9649,6 +10045,14 @@
 <file path=ppt/slides/slide5.xml><?xml version="1.0" encoding="utf-8"?>
 <p:sld xmlns:a="http://schemas.openxmlformats.org/drawingml/2006/main" xmlns:r="http://schemas.openxmlformats.org/officeDocument/2006/relationships" xmlns:p="http://schemas.openxmlformats.org/presentationml/2006/main">
   <p:cSld>
+    <p:bg>
+      <p:bgPr>
+        <a:solidFill>
+          <a:schemeClr val="bg1"/>
+        </a:solidFill>
+        <a:effectLst/>
+      </p:bgPr>
+    </p:bg>
     <p:spTree>
       <p:nvGrpSpPr>
         <p:cNvPr id="1" name=""/>
@@ -9698,7 +10102,9 @@
         </p:nvSpPr>
         <p:spPr/>
         <p:txBody>
-          <a:bodyPr/>
+          <a:bodyPr>
+            <a:normAutofit/>
+          </a:bodyPr>
           <a:lstStyle/>
           <a:p>
             <a:pPr marL="0" indent="0">
@@ -9710,7 +10116,30 @@
             </a:r>
             <a:r>
               <a:rPr lang="en-US" dirty="0"/>
-              <a:t>experts in the clinical space</a:t>
+              <a:t>expertise in a few </a:t>
+            </a:r>
+            <a:r>
+              <a:rPr lang="en-US" dirty="0" smtClean="0"/>
+              <a:t>areas</a:t>
+            </a:r>
+          </a:p>
+          <a:p>
+            <a:pPr marL="0" indent="0">
+              <a:buNone/>
+            </a:pPr>
+            <a:endParaRPr lang="en-US" dirty="0"/>
+          </a:p>
+          <a:p>
+            <a:pPr marL="0" indent="0">
+              <a:buNone/>
+            </a:pPr>
+            <a:r>
+              <a:rPr lang="en-US" dirty="0" smtClean="0"/>
+              <a:t>incorporation of data </a:t>
+            </a:r>
+            <a:r>
+              <a:rPr lang="en-US" dirty="0"/>
+              <a:t>sources from multiple agencies</a:t>
             </a:r>
           </a:p>
           <a:p>
@@ -9725,11 +10154,11 @@
             </a:pPr>
             <a:r>
               <a:rPr lang="en-US" dirty="0" smtClean="0"/>
-              <a:t>assimilating </a:t>
+              <a:t>statistical </a:t>
             </a:r>
             <a:r>
               <a:rPr lang="en-US" dirty="0"/>
-              <a:t>data sources from multiple agencies</a:t>
+              <a:t>analysis for academic publications</a:t>
             </a:r>
           </a:p>
           <a:p>
@@ -9744,30 +10173,15 @@
             </a:pPr>
             <a:r>
               <a:rPr lang="en-US" dirty="0" smtClean="0"/>
-              <a:t>statistical </a:t>
+              <a:t>construct information </a:t>
             </a:r>
             <a:r>
               <a:rPr lang="en-US" dirty="0"/>
-              <a:t>analysis for academic publications</a:t>
-            </a:r>
-          </a:p>
-          <a:p>
-            <a:pPr marL="0" indent="0">
-              <a:buNone/>
-            </a:pPr>
-            <a:endParaRPr lang="en-US" dirty="0" smtClean="0"/>
-          </a:p>
-          <a:p>
-            <a:pPr marL="0" indent="0">
-              <a:buNone/>
-            </a:pPr>
-            <a:r>
-              <a:rPr lang="en-US" dirty="0" smtClean="0"/>
-              <a:t>information </a:t>
-            </a:r>
-            <a:r>
-              <a:rPr lang="en-US" dirty="0"/>
-              <a:t>displays for nontechnical audiences</a:t>
+              <a:t>displays for nontechnical </a:t>
+            </a:r>
+            <a:r>
+              <a:rPr lang="en-US" dirty="0" smtClean="0"/>
+              <a:t>audiences</a:t>
             </a:r>
             <a:endParaRPr lang="en-US" dirty="0"/>
           </a:p>
